--- a/Blazor in .net 8.pptx
+++ b/Blazor in .net 8.pptx
@@ -1790,7 +1790,7 @@
           <a:p>
             <a:fld id="{8F72BA41-EC5B-4197-BCC8-0FD2E523CD7A}" type="datetimeFigureOut">
               <a:rPr lang="en-US" smtClean="0"/>
-              <a:t>11/3/2023</a:t>
+              <a:t>11/6/2023</a:t>
             </a:fld>
             <a:endParaRPr lang="en-US"/>
           </a:p>
@@ -1993,7 +1993,7 @@
           <a:p>
             <a:fld id="{8F72BA41-EC5B-4197-BCC8-0FD2E523CD7A}" type="datetimeFigureOut">
               <a:rPr lang="en-US" smtClean="0"/>
-              <a:t>11/3/2023</a:t>
+              <a:t>11/6/2023</a:t>
             </a:fld>
             <a:endParaRPr lang="en-US"/>
           </a:p>
@@ -3714,7 +3714,7 @@
           <a:p>
             <a:fld id="{8F72BA41-EC5B-4197-BCC8-0FD2E523CD7A}" type="datetimeFigureOut">
               <a:rPr lang="en-US" smtClean="0"/>
-              <a:t>11/3/2023</a:t>
+              <a:t>11/6/2023</a:t>
             </a:fld>
             <a:endParaRPr lang="en-US"/>
           </a:p>
@@ -3913,7 +3913,7 @@
           <a:p>
             <a:fld id="{8F72BA41-EC5B-4197-BCC8-0FD2E523CD7A}" type="datetimeFigureOut">
               <a:rPr lang="en-US" smtClean="0"/>
-              <a:t>11/3/2023</a:t>
+              <a:t>11/6/2023</a:t>
             </a:fld>
             <a:endParaRPr lang="en-US"/>
           </a:p>
@@ -5703,7 +5703,7 @@
           <a:p>
             <a:fld id="{8F72BA41-EC5B-4197-BCC8-0FD2E523CD7A}" type="datetimeFigureOut">
               <a:rPr lang="en-US" smtClean="0"/>
-              <a:t>11/3/2023</a:t>
+              <a:t>11/6/2023</a:t>
             </a:fld>
             <a:endParaRPr lang="en-US"/>
           </a:p>
@@ -5976,7 +5976,7 @@
           <a:p>
             <a:fld id="{8F72BA41-EC5B-4197-BCC8-0FD2E523CD7A}" type="datetimeFigureOut">
               <a:rPr lang="en-US" smtClean="0"/>
-              <a:t>11/3/2023</a:t>
+              <a:t>11/6/2023</a:t>
             </a:fld>
             <a:endParaRPr lang="en-US"/>
           </a:p>
@@ -6396,7 +6396,7 @@
           <a:p>
             <a:fld id="{8F72BA41-EC5B-4197-BCC8-0FD2E523CD7A}" type="datetimeFigureOut">
               <a:rPr lang="en-US" smtClean="0"/>
-              <a:t>11/3/2023</a:t>
+              <a:t>11/6/2023</a:t>
             </a:fld>
             <a:endParaRPr lang="en-US"/>
           </a:p>
@@ -6552,7 +6552,7 @@
           <a:p>
             <a:fld id="{8F72BA41-EC5B-4197-BCC8-0FD2E523CD7A}" type="datetimeFigureOut">
               <a:rPr lang="en-US" smtClean="0"/>
-              <a:t>11/3/2023</a:t>
+              <a:t>11/6/2023</a:t>
             </a:fld>
             <a:endParaRPr lang="en-US"/>
           </a:p>
@@ -8120,7 +8120,7 @@
           <a:p>
             <a:fld id="{8F72BA41-EC5B-4197-BCC8-0FD2E523CD7A}" type="datetimeFigureOut">
               <a:rPr lang="en-US" smtClean="0"/>
-              <a:t>11/3/2023</a:t>
+              <a:t>11/6/2023</a:t>
             </a:fld>
             <a:endParaRPr lang="en-US"/>
           </a:p>
@@ -9971,7 +9971,7 @@
           <a:p>
             <a:fld id="{8F72BA41-EC5B-4197-BCC8-0FD2E523CD7A}" type="datetimeFigureOut">
               <a:rPr lang="en-US" smtClean="0"/>
-              <a:t>11/3/2023</a:t>
+              <a:t>11/6/2023</a:t>
             </a:fld>
             <a:endParaRPr lang="en-US"/>
           </a:p>
@@ -11784,7 +11784,7 @@
           <a:p>
             <a:fld id="{8F72BA41-EC5B-4197-BCC8-0FD2E523CD7A}" type="datetimeFigureOut">
               <a:rPr lang="en-US" smtClean="0"/>
-              <a:t>11/3/2023</a:t>
+              <a:t>11/6/2023</a:t>
             </a:fld>
             <a:endParaRPr lang="en-US"/>
           </a:p>
@@ -13478,7 +13478,7 @@
             <a:fld id="{8F72BA41-EC5B-4197-BCC8-0FD2E523CD7A}" type="datetimeFigureOut">
               <a:rPr lang="en-US" smtClean="0"/>
               <a:pPr/>
-              <a:t>11/3/2023</a:t>
+              <a:t>11/6/2023</a:t>
             </a:fld>
             <a:endParaRPr lang="en-US" dirty="0"/>
           </a:p>
@@ -16299,15 +16299,7 @@
                       </a:r>
                       <a:r>
                         <a:rPr lang="en-SG" sz="1600" dirty="0"/>
-                        <a:t> Server/</a:t>
-                      </a:r>
-                      <a:r>
-                        <a:rPr lang="en-SG" sz="1600" dirty="0" err="1"/>
-                        <a:t>WebAssembly</a:t>
-                      </a:r>
-                      <a:r>
-                        <a:rPr lang="en-SG" sz="1600" dirty="0"/>
-                        <a:t> </a:t>
+                        <a:t> Server/WebAssembly </a:t>
                       </a:r>
                     </a:p>
                     <a:p>
@@ -16354,15 +16346,7 @@
                       </a:r>
                       <a:r>
                         <a:rPr lang="en-SG" sz="1600" dirty="0"/>
-                        <a:t> Web </a:t>
-                      </a:r>
-                      <a:r>
-                        <a:rPr lang="en-SG" sz="1600" dirty="0" err="1"/>
-                        <a:t>WebAssembly</a:t>
-                      </a:r>
-                      <a:r>
-                        <a:rPr lang="en-SG" sz="1600" dirty="0"/>
-                        <a:t> </a:t>
+                        <a:t> Web WebAssembly </a:t>
                       </a:r>
                     </a:p>
                     <a:p>
@@ -19245,14 +19229,14 @@
             <p:ph idx="1"/>
             <p:extLst>
               <p:ext uri="{D42A27DB-BD31-4B8C-83A1-F6EECF244321}">
-                <p14:modId xmlns:p14="http://schemas.microsoft.com/office/powerpoint/2010/main" val="3691742107"/>
+                <p14:modId xmlns:p14="http://schemas.microsoft.com/office/powerpoint/2010/main" val="3782255582"/>
               </p:ext>
             </p:extLst>
           </p:nvPr>
         </p:nvGraphicFramePr>
         <p:xfrm>
           <a:off x="690563" y="2339975"/>
-          <a:ext cx="10325100" cy="3261360"/>
+          <a:ext cx="10325100" cy="3657600"/>
         </p:xfrm>
         <a:graphic>
           <a:graphicData uri="http://schemas.openxmlformats.org/drawingml/2006/table">
@@ -19454,7 +19438,7 @@
                         <a:defRPr/>
                       </a:pPr>
                       <a:r>
-                        <a:rPr lang="en-SG" sz="1400" b="1" kern="1200" dirty="0" err="1">
+                        <a:rPr lang="en-SG" sz="1400" b="1" kern="1200" dirty="0">
                           <a:solidFill>
                             <a:schemeClr val="tx1"/>
                           </a:solidFill>
@@ -19464,14 +19448,6 @@
                         </a:rPr>
                         <a:t>WebAssembly</a:t>
                       </a:r>
-                      <a:endParaRPr lang="en-SG" sz="1400" b="1" kern="1200" dirty="0">
-                        <a:solidFill>
-                          <a:schemeClr val="tx1"/>
-                        </a:solidFill>
-                        <a:latin typeface="+mn-lt"/>
-                        <a:ea typeface="+mn-ea"/>
-                        <a:cs typeface="+mn-cs"/>
-                      </a:endParaRPr>
                     </a:p>
                   </a:txBody>
                   <a:tcPr/>
@@ -19579,7 +19555,7 @@
                     <a:lstStyle/>
                     <a:p>
                       <a:r>
-                        <a:rPr lang="en-SG" sz="1200" b="0" i="0" kern="1200" dirty="0">
+                        <a:rPr lang="en-SG" sz="1000" b="0" i="0" kern="1200" dirty="0">
                           <a:solidFill>
                             <a:schemeClr val="dk1"/>
                           </a:solidFill>
@@ -19590,7 +19566,7 @@
                         </a:rPr>
                         <a:t>✔️</a:t>
                       </a:r>
-                      <a:endParaRPr lang="en-SG" sz="1200" dirty="0">
+                      <a:endParaRPr lang="en-SG" sz="1000" dirty="0">
                         <a:latin typeface="+mn-lt"/>
                       </a:endParaRPr>
                     </a:p>
@@ -19603,7 +19579,7 @@
                     <a:lstStyle/>
                     <a:p>
                       <a:r>
-                        <a:rPr lang="en-SG" sz="1200" b="0" i="0" kern="1200" dirty="0">
+                        <a:rPr lang="en-SG" sz="1000" b="0" i="0" kern="1200" dirty="0">
                           <a:solidFill>
                             <a:schemeClr val="dk1"/>
                           </a:solidFill>
@@ -19614,7 +19590,7 @@
                         </a:rPr>
                         <a:t>✔️</a:t>
                       </a:r>
-                      <a:endParaRPr lang="en-SG" sz="1200" dirty="0">
+                      <a:endParaRPr lang="en-SG" sz="1000" dirty="0">
                         <a:latin typeface="+mn-lt"/>
                       </a:endParaRPr>
                     </a:p>
@@ -19627,7 +19603,7 @@
                     <a:lstStyle/>
                     <a:p>
                       <a:r>
-                        <a:rPr lang="en-SG" sz="1200" b="0" i="0" kern="1200" dirty="0">
+                        <a:rPr lang="en-SG" sz="1000" b="0" i="0" kern="1200" dirty="0">
                           <a:solidFill>
                             <a:schemeClr val="dk1"/>
                           </a:solidFill>
@@ -19638,7 +19614,7 @@
                         </a:rPr>
                         <a:t>✔️</a:t>
                       </a:r>
-                      <a:endParaRPr lang="en-SG" sz="1200" dirty="0">
+                      <a:endParaRPr lang="en-SG" sz="1000" dirty="0">
                         <a:latin typeface="+mn-lt"/>
                       </a:endParaRPr>
                     </a:p>
@@ -19690,7 +19666,7 @@
                     <a:lstStyle/>
                     <a:p>
                       <a:r>
-                        <a:rPr lang="en-SG" sz="1200" b="0" i="0" kern="1200" dirty="0">
+                        <a:rPr lang="en-SG" sz="1000" b="0" i="0" kern="1200" dirty="0">
                           <a:solidFill>
                             <a:schemeClr val="dk1"/>
                           </a:solidFill>
@@ -19701,7 +19677,7 @@
                         </a:rPr>
                         <a:t>✔️</a:t>
                       </a:r>
-                      <a:endParaRPr lang="en-SG" sz="1200" dirty="0">
+                      <a:endParaRPr lang="en-SG" sz="1000" dirty="0">
                         <a:latin typeface="+mn-lt"/>
                       </a:endParaRPr>
                     </a:p>
@@ -19714,7 +19690,7 @@
                     <a:lstStyle/>
                     <a:p>
                       <a:r>
-                        <a:rPr lang="en-SG" sz="1200" b="0" i="0" kern="1200" dirty="0">
+                        <a:rPr lang="en-SG" sz="1000" b="0" i="0" kern="1200" dirty="0">
                           <a:solidFill>
                             <a:schemeClr val="dk1"/>
                           </a:solidFill>
@@ -19725,7 +19701,7 @@
                         </a:rPr>
                         <a:t>✔️</a:t>
                       </a:r>
-                      <a:endParaRPr lang="en-SG" sz="1200" dirty="0">
+                      <a:endParaRPr lang="en-SG" sz="1000" dirty="0">
                         <a:latin typeface="+mn-lt"/>
                       </a:endParaRPr>
                     </a:p>
@@ -19738,7 +19714,7 @@
                     <a:lstStyle/>
                     <a:p>
                       <a:r>
-                        <a:rPr lang="en-SG" sz="1200" b="0" i="0" kern="1200" dirty="0">
+                        <a:rPr lang="en-SG" sz="1000" b="0" i="0" kern="1200" dirty="0">
                           <a:solidFill>
                             <a:schemeClr val="dk1"/>
                           </a:solidFill>
@@ -19749,7 +19725,7 @@
                         </a:rPr>
                         <a:t>✔️</a:t>
                       </a:r>
-                      <a:endParaRPr lang="en-SG" sz="1200" dirty="0">
+                      <a:endParaRPr lang="en-SG" sz="1000" dirty="0">
                         <a:latin typeface="+mn-lt"/>
                       </a:endParaRPr>
                     </a:p>
@@ -19796,7 +19772,7 @@
                     <a:lstStyle/>
                     <a:p>
                       <a:r>
-                        <a:rPr lang="en-SG" sz="1200" b="0" i="0" kern="1200" dirty="0">
+                        <a:rPr lang="en-SG" sz="1000" b="0" i="0" kern="1200" dirty="0">
                           <a:solidFill>
                             <a:schemeClr val="dk1"/>
                           </a:solidFill>
@@ -19807,7 +19783,7 @@
                         </a:rPr>
                         <a:t>✔️</a:t>
                       </a:r>
-                      <a:endParaRPr lang="en-SG" sz="1200" dirty="0">
+                      <a:endParaRPr lang="en-SG" sz="1000" dirty="0">
                         <a:latin typeface="+mn-lt"/>
                       </a:endParaRPr>
                     </a:p>
@@ -19820,7 +19796,7 @@
                     <a:lstStyle/>
                     <a:p>
                       <a:r>
-                        <a:rPr lang="en-SG" sz="1200" b="0" i="0" kern="1200" dirty="0">
+                        <a:rPr lang="en-SG" sz="1000" b="0" i="0" kern="1200" dirty="0">
                           <a:solidFill>
                             <a:schemeClr val="dk1"/>
                           </a:solidFill>
@@ -19831,7 +19807,7 @@
                         </a:rPr>
                         <a:t>✔️</a:t>
                       </a:r>
-                      <a:endParaRPr lang="en-SG" sz="1200" dirty="0">
+                      <a:endParaRPr lang="en-SG" sz="1000" dirty="0">
                         <a:latin typeface="+mn-lt"/>
                       </a:endParaRPr>
                     </a:p>
@@ -19844,7 +19820,7 @@
                     <a:lstStyle/>
                     <a:p>
                       <a:r>
-                        <a:rPr lang="en-SG" sz="1200" b="0" i="0" kern="1200" dirty="0">
+                        <a:rPr lang="en-SG" sz="1000" b="0" i="0" kern="1200" dirty="0">
                           <a:solidFill>
                             <a:schemeClr val="dk1"/>
                           </a:solidFill>
@@ -19855,7 +19831,7 @@
                         </a:rPr>
                         <a:t>✔️</a:t>
                       </a:r>
-                      <a:endParaRPr lang="en-SG" sz="1200" dirty="0">
+                      <a:endParaRPr lang="en-SG" sz="1000" dirty="0">
                         <a:latin typeface="+mn-lt"/>
                       </a:endParaRPr>
                     </a:p>
@@ -19948,7 +19924,7 @@
                         <a:defRPr/>
                       </a:pPr>
                       <a:r>
-                        <a:rPr lang="en-SG" sz="1200" b="0" i="0" kern="1200" dirty="0">
+                        <a:rPr lang="en-SG" sz="1000" b="0" i="0" kern="1200" dirty="0">
                           <a:solidFill>
                             <a:schemeClr val="dk1"/>
                           </a:solidFill>
@@ -19959,7 +19935,7 @@
                         </a:rPr>
                         <a:t>✔️</a:t>
                       </a:r>
-                      <a:endParaRPr lang="en-SG" sz="1200" dirty="0">
+                      <a:endParaRPr lang="en-SG" sz="1000" dirty="0">
                         <a:latin typeface="+mn-lt"/>
                       </a:endParaRPr>
                     </a:p>
@@ -19989,7 +19965,7 @@
                         <a:defRPr/>
                       </a:pPr>
                       <a:r>
-                        <a:rPr lang="en-SG" sz="1200" b="0" i="0" kern="1200" dirty="0">
+                        <a:rPr lang="en-SG" sz="1000" b="0" i="0" kern="1200" dirty="0">
                           <a:solidFill>
                             <a:schemeClr val="dk1"/>
                           </a:solidFill>
@@ -20000,7 +19976,7 @@
                         </a:rPr>
                         <a:t>✔️</a:t>
                       </a:r>
-                      <a:endParaRPr lang="en-SG" sz="1200" dirty="0">
+                      <a:endParaRPr lang="en-SG" sz="1000" dirty="0">
                         <a:latin typeface="+mn-lt"/>
                       </a:endParaRPr>
                     </a:p>
@@ -20030,7 +20006,7 @@
                         <a:defRPr/>
                       </a:pPr>
                       <a:r>
-                        <a:rPr lang="en-SG" sz="1200" b="0" i="0" kern="1200" dirty="0">
+                        <a:rPr lang="en-SG" sz="1000" b="0" i="0" kern="1200" dirty="0">
                           <a:solidFill>
                             <a:schemeClr val="dk1"/>
                           </a:solidFill>
@@ -20041,7 +20017,7 @@
                         </a:rPr>
                         <a:t>✔️</a:t>
                       </a:r>
-                      <a:endParaRPr lang="en-SG" sz="1200" dirty="0">
+                      <a:endParaRPr lang="en-SG" sz="1000" dirty="0">
                         <a:latin typeface="+mn-lt"/>
                       </a:endParaRPr>
                     </a:p>
@@ -20054,7 +20030,7 @@
                   </a:ext>
                 </a:extLst>
               </a:tr>
-              <a:tr h="148359">
+              <a:tr h="152089">
                 <a:tc>
                   <a:txBody>
                     <a:bodyPr/>
@@ -20142,7 +20118,7 @@
                         <a:defRPr/>
                       </a:pPr>
                       <a:r>
-                        <a:rPr lang="en-SG" sz="1200" b="0" i="0" kern="1200" dirty="0">
+                        <a:rPr lang="en-SG" sz="1000" b="0" i="0" kern="1200" dirty="0">
                           <a:solidFill>
                             <a:schemeClr val="dk1"/>
                           </a:solidFill>
@@ -20151,9 +20127,9 @@
                           <a:ea typeface="+mn-ea"/>
                           <a:cs typeface="+mn-cs"/>
                         </a:rPr>
-                        <a:t>✔️(Server only)</a:t>
+                        <a:t>✔️(Server)</a:t>
                       </a:r>
-                      <a:endParaRPr lang="en-SG" sz="1200" dirty="0">
+                      <a:endParaRPr lang="en-SG" sz="1000" dirty="0">
                         <a:latin typeface="+mn-lt"/>
                       </a:endParaRPr>
                     </a:p>
@@ -20183,7 +20159,7 @@
                         <a:defRPr/>
                       </a:pPr>
                       <a:r>
-                        <a:rPr lang="en-SG" sz="1200" b="0" i="0" kern="1200" dirty="0">
+                        <a:rPr lang="en-SG" sz="1000" b="0" i="0" kern="1200" dirty="0">
                           <a:solidFill>
                             <a:schemeClr val="dk1"/>
                           </a:solidFill>
@@ -20194,7 +20170,7 @@
                         </a:rPr>
                         <a:t>❌</a:t>
                       </a:r>
-                      <a:endParaRPr lang="en-SG" sz="1200" dirty="0">
+                      <a:endParaRPr lang="en-SG" sz="1000" dirty="0">
                         <a:latin typeface="+mn-lt"/>
                       </a:endParaRPr>
                     </a:p>
@@ -20224,7 +20200,7 @@
                         <a:defRPr/>
                       </a:pPr>
                       <a:r>
-                        <a:rPr lang="en-SG" sz="1200" b="0" i="0" kern="1200" dirty="0">
+                        <a:rPr lang="en-SG" sz="1000" b="0" i="0" kern="1200" dirty="0">
                           <a:solidFill>
                             <a:schemeClr val="dk1"/>
                           </a:solidFill>
@@ -20235,7 +20211,7 @@
                         </a:rPr>
                         <a:t>❌</a:t>
                       </a:r>
-                      <a:endParaRPr lang="en-SG" sz="1200" dirty="0">
+                      <a:endParaRPr lang="en-SG" sz="1000" dirty="0">
                         <a:latin typeface="+mn-lt"/>
                       </a:endParaRPr>
                     </a:p>
@@ -20254,7 +20230,6 @@
                     <a:bodyPr/>
                     <a:lstStyle/>
                     <a:p>
-                      <a:pPr/>
                       <a:r>
                         <a:rPr lang="en-US" altLang="zh-CN" sz="1000" dirty="0">
                           <a:solidFill>
@@ -20350,7 +20325,7 @@
                     <a:lstStyle/>
                     <a:p>
                       <a:r>
-                        <a:rPr lang="en-SG" sz="1200" b="0" i="0" kern="1200" dirty="0">
+                        <a:rPr lang="en-SG" sz="1000" b="0" i="0" kern="1200" dirty="0">
                           <a:solidFill>
                             <a:schemeClr val="dk1"/>
                           </a:solidFill>
@@ -20361,7 +20336,7 @@
                         </a:rPr>
                         <a:t>✔️</a:t>
                       </a:r>
-                      <a:endParaRPr lang="en-SG" sz="1200" dirty="0">
+                      <a:endParaRPr lang="en-SG" sz="1000" dirty="0">
                         <a:latin typeface="+mn-lt"/>
                       </a:endParaRPr>
                     </a:p>
@@ -20391,7 +20366,7 @@
                         <a:defRPr/>
                       </a:pPr>
                       <a:r>
-                        <a:rPr lang="en-SG" sz="1200" b="0" i="0" kern="1200" dirty="0">
+                        <a:rPr lang="en-SG" sz="1000" b="0" i="0" kern="1200" dirty="0">
                           <a:solidFill>
                             <a:schemeClr val="dk1"/>
                           </a:solidFill>
@@ -20402,7 +20377,7 @@
                         </a:rPr>
                         <a:t>❌</a:t>
                       </a:r>
-                      <a:endParaRPr lang="en-SG" sz="1200" dirty="0">
+                      <a:endParaRPr lang="en-SG" sz="1000" dirty="0">
                         <a:latin typeface="+mn-lt"/>
                       </a:endParaRPr>
                     </a:p>
@@ -20415,7 +20390,7 @@
                     <a:lstStyle/>
                     <a:p>
                       <a:r>
-                        <a:rPr lang="en-SG" sz="1200" b="0" i="0" kern="1200" dirty="0">
+                        <a:rPr lang="en-SG" sz="1000" b="0" i="0" kern="1200" dirty="0">
                           <a:solidFill>
                             <a:schemeClr val="dk1"/>
                           </a:solidFill>
@@ -20426,7 +20401,7 @@
                         </a:rPr>
                         <a:t>✔️</a:t>
                       </a:r>
-                      <a:endParaRPr lang="en-SG" sz="1200" dirty="0">
+                      <a:endParaRPr lang="en-SG" sz="1000" dirty="0">
                         <a:latin typeface="+mn-lt"/>
                       </a:endParaRPr>
                     </a:p>
@@ -20566,6 +20541,492 @@
                         <a:defRPr/>
                       </a:pPr>
                       <a:r>
+                        <a:rPr lang="en-SG" sz="1000" b="0" i="0" kern="1200" dirty="0">
+                          <a:solidFill>
+                            <a:schemeClr val="dk1"/>
+                          </a:solidFill>
+                          <a:effectLst/>
+                          <a:latin typeface="+mn-lt"/>
+                          <a:ea typeface="+mn-ea"/>
+                          <a:cs typeface="+mn-cs"/>
+                        </a:rPr>
+                        <a:t>✔️</a:t>
+                      </a:r>
+                      <a:endParaRPr lang="en-SG" sz="1000" dirty="0">
+                        <a:latin typeface="+mn-lt"/>
+                      </a:endParaRPr>
+                    </a:p>
+                  </a:txBody>
+                  <a:tcPr/>
+                </a:tc>
+                <a:tc>
+                  <a:txBody>
+                    <a:bodyPr/>
+                    <a:lstStyle/>
+                    <a:p>
+                      <a:pPr marL="0" marR="0" lvl="0" indent="0" algn="l" defTabSz="914400" rtl="0" eaLnBrk="1" fontAlgn="auto" latinLnBrk="0" hangingPunct="1">
+                        <a:lnSpc>
+                          <a:spcPct val="100000"/>
+                        </a:lnSpc>
+                        <a:spcBef>
+                          <a:spcPts val="0"/>
+                        </a:spcBef>
+                        <a:spcAft>
+                          <a:spcPts val="0"/>
+                        </a:spcAft>
+                        <a:buClrTx/>
+                        <a:buSzTx/>
+                        <a:buFontTx/>
+                        <a:buNone/>
+                        <a:tabLst/>
+                        <a:defRPr/>
+                      </a:pPr>
+                      <a:r>
+                        <a:rPr lang="en-SG" sz="1000" b="0" i="0" kern="1200" dirty="0">
+                          <a:solidFill>
+                            <a:schemeClr val="dk1"/>
+                          </a:solidFill>
+                          <a:effectLst/>
+                          <a:latin typeface="+mn-lt"/>
+                          <a:ea typeface="+mn-ea"/>
+                          <a:cs typeface="+mn-cs"/>
+                        </a:rPr>
+                        <a:t>✔️</a:t>
+                      </a:r>
+                      <a:endParaRPr lang="en-SG" sz="1000" dirty="0">
+                        <a:latin typeface="+mn-lt"/>
+                      </a:endParaRPr>
+                    </a:p>
+                  </a:txBody>
+                  <a:tcPr/>
+                </a:tc>
+                <a:tc>
+                  <a:txBody>
+                    <a:bodyPr/>
+                    <a:lstStyle/>
+                    <a:p>
+                      <a:pPr marL="0" marR="0" lvl="0" indent="0" algn="l" defTabSz="914400" rtl="0" eaLnBrk="1" fontAlgn="auto" latinLnBrk="0" hangingPunct="1">
+                        <a:lnSpc>
+                          <a:spcPct val="100000"/>
+                        </a:lnSpc>
+                        <a:spcBef>
+                          <a:spcPts val="0"/>
+                        </a:spcBef>
+                        <a:spcAft>
+                          <a:spcPts val="0"/>
+                        </a:spcAft>
+                        <a:buClrTx/>
+                        <a:buSzTx/>
+                        <a:buFontTx/>
+                        <a:buNone/>
+                        <a:tabLst/>
+                        <a:defRPr/>
+                      </a:pPr>
+                      <a:r>
+                        <a:rPr lang="en-SG" sz="1000" b="0" i="0" kern="1200" dirty="0">
+                          <a:solidFill>
+                            <a:schemeClr val="dk1"/>
+                          </a:solidFill>
+                          <a:effectLst/>
+                          <a:latin typeface="+mn-lt"/>
+                          <a:ea typeface="+mn-ea"/>
+                          <a:cs typeface="+mn-cs"/>
+                        </a:rPr>
+                        <a:t>✔️</a:t>
+                      </a:r>
+                      <a:endParaRPr lang="en-SG" sz="1000" dirty="0">
+                        <a:latin typeface="+mn-lt"/>
+                      </a:endParaRPr>
+                    </a:p>
+                  </a:txBody>
+                  <a:tcPr/>
+                </a:tc>
+                <a:extLst>
+                  <a:ext uri="{0D108BD9-81ED-4DB2-BD59-A6C34878D82A}">
+                    <a16:rowId xmlns:a16="http://schemas.microsoft.com/office/drawing/2014/main" val="2809413951"/>
+                  </a:ext>
+                </a:extLst>
+              </a:tr>
+              <a:tr h="148359">
+                <a:tc>
+                  <a:txBody>
+                    <a:bodyPr/>
+                    <a:lstStyle/>
+                    <a:p>
+                      <a:pPr marL="0" marR="0" lvl="0" indent="0" algn="l" defTabSz="914400" rtl="0" eaLnBrk="1" fontAlgn="auto" latinLnBrk="0" hangingPunct="1">
+                        <a:lnSpc>
+                          <a:spcPct val="100000"/>
+                        </a:lnSpc>
+                        <a:spcBef>
+                          <a:spcPts val="0"/>
+                        </a:spcBef>
+                        <a:spcAft>
+                          <a:spcPts val="0"/>
+                        </a:spcAft>
+                        <a:buClrTx/>
+                        <a:buSzTx/>
+                        <a:buFontTx/>
+                        <a:buNone/>
+                        <a:tabLst/>
+                        <a:defRPr/>
+                      </a:pPr>
+                      <a:r>
+                        <a:rPr lang="en-SG" sz="1000" b="1" kern="1200" dirty="0">
+                          <a:solidFill>
+                            <a:schemeClr val="dk1"/>
+                          </a:solidFill>
+                          <a:latin typeface="+mn-lt"/>
+                          <a:ea typeface="Microsoft GothicNeo" panose="020B0503020000020004" pitchFamily="34" charset="-127"/>
+                          <a:cs typeface="Microsoft GothicNeo" panose="020B0503020000020004" pitchFamily="34" charset="-127"/>
+                          <a:hlinkClick r:id="rId4"/>
+                        </a:rPr>
+                        <a:t>Webcil packaging</a:t>
+                      </a:r>
+                      <a:endParaRPr lang="en-SG" sz="1000" b="1" kern="1200" dirty="0">
+                        <a:solidFill>
+                          <a:schemeClr val="dk1"/>
+                        </a:solidFill>
+                        <a:latin typeface="+mn-lt"/>
+                        <a:ea typeface="Microsoft GothicNeo" panose="020B0503020000020004" pitchFamily="34" charset="-127"/>
+                        <a:cs typeface="Microsoft GothicNeo" panose="020B0503020000020004" pitchFamily="34" charset="-127"/>
+                      </a:endParaRPr>
+                    </a:p>
+                  </a:txBody>
+                  <a:tcPr/>
+                </a:tc>
+                <a:tc>
+                  <a:txBody>
+                    <a:bodyPr/>
+                    <a:lstStyle/>
+                    <a:p>
+                      <a:r>
+                        <a:rPr lang="en-SG" sz="1000" b="1" i="0" kern="1200" dirty="0">
+                          <a:solidFill>
+                            <a:schemeClr val="dk1"/>
+                          </a:solidFill>
+                          <a:effectLst/>
+                          <a:latin typeface="+mn-lt"/>
+                          <a:ea typeface="Microsoft GothicNeo" panose="020B0503020000020004" pitchFamily="34" charset="-127"/>
+                          <a:cs typeface="Microsoft GothicNeo" panose="020B0503020000020004" pitchFamily="34" charset="-127"/>
+                        </a:rPr>
+                        <a:t>Published with .</a:t>
+                      </a:r>
+                      <a:r>
+                        <a:rPr lang="en-SG" sz="1000" b="1" i="0" kern="1200" dirty="0" err="1">
+                          <a:solidFill>
+                            <a:schemeClr val="dk1"/>
+                          </a:solidFill>
+                          <a:effectLst/>
+                          <a:latin typeface="+mn-lt"/>
+                          <a:ea typeface="Microsoft GothicNeo" panose="020B0503020000020004" pitchFamily="34" charset="-127"/>
+                          <a:cs typeface="Microsoft GothicNeo" panose="020B0503020000020004" pitchFamily="34" charset="-127"/>
+                        </a:rPr>
+                        <a:t>wasm</a:t>
+                      </a:r>
+                      <a:r>
+                        <a:rPr lang="en-SG" sz="1000" b="1" i="0" kern="1200" dirty="0">
+                          <a:solidFill>
+                            <a:schemeClr val="dk1"/>
+                          </a:solidFill>
+                          <a:effectLst/>
+                          <a:latin typeface="+mn-lt"/>
+                          <a:ea typeface="Microsoft GothicNeo" panose="020B0503020000020004" pitchFamily="34" charset="-127"/>
+                          <a:cs typeface="Microsoft GothicNeo" panose="020B0503020000020004" pitchFamily="34" charset="-127"/>
+                        </a:rPr>
+                        <a:t> instead of .</a:t>
+                      </a:r>
+                      <a:r>
+                        <a:rPr lang="en-SG" sz="1000" b="1" i="0" kern="1200" dirty="0" err="1">
+                          <a:solidFill>
+                            <a:schemeClr val="dk1"/>
+                          </a:solidFill>
+                          <a:effectLst/>
+                          <a:latin typeface="+mn-lt"/>
+                          <a:ea typeface="Microsoft GothicNeo" panose="020B0503020000020004" pitchFamily="34" charset="-127"/>
+                          <a:cs typeface="Microsoft GothicNeo" panose="020B0503020000020004" pitchFamily="34" charset="-127"/>
+                        </a:rPr>
+                        <a:t>dll</a:t>
+                      </a:r>
+                      <a:r>
+                        <a:rPr lang="en-SG" sz="1000" b="1" i="0" kern="1200" dirty="0">
+                          <a:solidFill>
+                            <a:schemeClr val="dk1"/>
+                          </a:solidFill>
+                          <a:effectLst/>
+                          <a:latin typeface="+mn-lt"/>
+                          <a:ea typeface="Microsoft GothicNeo" panose="020B0503020000020004" pitchFamily="34" charset="-127"/>
+                          <a:cs typeface="Microsoft GothicNeo" panose="020B0503020000020004" pitchFamily="34" charset="-127"/>
+                        </a:rPr>
+                        <a:t> file</a:t>
+                      </a:r>
+                    </a:p>
+                  </a:txBody>
+                  <a:tcPr/>
+                </a:tc>
+                <a:tc>
+                  <a:txBody>
+                    <a:bodyPr/>
+                    <a:lstStyle/>
+                    <a:p>
+                      <a:pPr marL="0" marR="0" lvl="0" indent="0" algn="l" defTabSz="914400" rtl="0" eaLnBrk="1" fontAlgn="auto" latinLnBrk="0" hangingPunct="1">
+                        <a:lnSpc>
+                          <a:spcPct val="100000"/>
+                        </a:lnSpc>
+                        <a:spcBef>
+                          <a:spcPts val="0"/>
+                        </a:spcBef>
+                        <a:spcAft>
+                          <a:spcPts val="0"/>
+                        </a:spcAft>
+                        <a:buClrTx/>
+                        <a:buSzTx/>
+                        <a:buFontTx/>
+                        <a:buNone/>
+                        <a:tabLst/>
+                        <a:defRPr/>
+                      </a:pPr>
+                      <a:r>
+                        <a:rPr lang="en-SG" sz="1000" b="0" i="0" kern="1200" dirty="0">
+                          <a:solidFill>
+                            <a:schemeClr val="dk1"/>
+                          </a:solidFill>
+                          <a:effectLst/>
+                          <a:latin typeface="+mn-lt"/>
+                          <a:ea typeface="+mn-ea"/>
+                          <a:cs typeface="+mn-cs"/>
+                        </a:rPr>
+                        <a:t>✔️(WebAssembly)</a:t>
+                      </a:r>
+                      <a:endParaRPr lang="en-SG" sz="1000" dirty="0">
+                        <a:latin typeface="+mn-lt"/>
+                      </a:endParaRPr>
+                    </a:p>
+                  </a:txBody>
+                  <a:tcPr/>
+                </a:tc>
+                <a:tc>
+                  <a:txBody>
+                    <a:bodyPr/>
+                    <a:lstStyle/>
+                    <a:p>
+                      <a:pPr marL="0" marR="0" lvl="0" indent="0" algn="l" defTabSz="914400" rtl="0" eaLnBrk="1" fontAlgn="auto" latinLnBrk="0" hangingPunct="1">
+                        <a:lnSpc>
+                          <a:spcPct val="100000"/>
+                        </a:lnSpc>
+                        <a:spcBef>
+                          <a:spcPts val="0"/>
+                        </a:spcBef>
+                        <a:spcAft>
+                          <a:spcPts val="0"/>
+                        </a:spcAft>
+                        <a:buClrTx/>
+                        <a:buSzTx/>
+                        <a:buFontTx/>
+                        <a:buNone/>
+                        <a:tabLst/>
+                        <a:defRPr/>
+                      </a:pPr>
+                      <a:r>
+                        <a:rPr lang="en-SG" sz="1000" b="0" i="0" kern="1200" dirty="0">
+                          <a:solidFill>
+                            <a:schemeClr val="dk1"/>
+                          </a:solidFill>
+                          <a:effectLst/>
+                          <a:latin typeface="+mn-lt"/>
+                          <a:ea typeface="+mn-ea"/>
+                          <a:cs typeface="+mn-cs"/>
+                        </a:rPr>
+                        <a:t>✔️</a:t>
+                      </a:r>
+                      <a:endParaRPr lang="en-SG" sz="1000" dirty="0">
+                        <a:latin typeface="+mn-lt"/>
+                      </a:endParaRPr>
+                    </a:p>
+                  </a:txBody>
+                  <a:tcPr/>
+                </a:tc>
+                <a:tc>
+                  <a:txBody>
+                    <a:bodyPr/>
+                    <a:lstStyle/>
+                    <a:p>
+                      <a:pPr marL="0" marR="0" lvl="0" indent="0" algn="l" defTabSz="914400" rtl="0" eaLnBrk="1" fontAlgn="auto" latinLnBrk="0" hangingPunct="1">
+                        <a:lnSpc>
+                          <a:spcPct val="100000"/>
+                        </a:lnSpc>
+                        <a:spcBef>
+                          <a:spcPts val="0"/>
+                        </a:spcBef>
+                        <a:spcAft>
+                          <a:spcPts val="0"/>
+                        </a:spcAft>
+                        <a:buClrTx/>
+                        <a:buSzTx/>
+                        <a:buFontTx/>
+                        <a:buNone/>
+                        <a:tabLst/>
+                        <a:defRPr/>
+                      </a:pPr>
+                      <a:r>
+                        <a:rPr lang="en-SG" sz="1000" b="0" i="0" kern="1200" dirty="0">
+                          <a:solidFill>
+                            <a:schemeClr val="dk1"/>
+                          </a:solidFill>
+                          <a:effectLst/>
+                          <a:latin typeface="+mn-lt"/>
+                          <a:ea typeface="+mn-ea"/>
+                          <a:cs typeface="+mn-cs"/>
+                        </a:rPr>
+                        <a:t>❌</a:t>
+                      </a:r>
+                      <a:endParaRPr lang="en-SG" sz="1000" dirty="0">
+                        <a:latin typeface="+mn-lt"/>
+                      </a:endParaRPr>
+                    </a:p>
+                  </a:txBody>
+                  <a:tcPr/>
+                </a:tc>
+                <a:extLst>
+                  <a:ext uri="{0D108BD9-81ED-4DB2-BD59-A6C34878D82A}">
+                    <a16:rowId xmlns:a16="http://schemas.microsoft.com/office/drawing/2014/main" val="754395639"/>
+                  </a:ext>
+                </a:extLst>
+              </a:tr>
+              <a:tr h="198120">
+                <a:tc rowSpan="2">
+                  <a:txBody>
+                    <a:bodyPr/>
+                    <a:lstStyle/>
+                    <a:p>
+                      <a:pPr marL="0" marR="0" lvl="0" indent="0" algn="l" defTabSz="914400" rtl="0" eaLnBrk="1" fontAlgn="auto" latinLnBrk="0" hangingPunct="1">
+                        <a:lnSpc>
+                          <a:spcPct val="100000"/>
+                        </a:lnSpc>
+                        <a:spcBef>
+                          <a:spcPts val="0"/>
+                        </a:spcBef>
+                        <a:spcAft>
+                          <a:spcPts val="0"/>
+                        </a:spcAft>
+                        <a:buClrTx/>
+                        <a:buSzTx/>
+                        <a:buFontTx/>
+                        <a:buNone/>
+                        <a:tabLst/>
+                        <a:defRPr/>
+                      </a:pPr>
+                      <a:r>
+                        <a:rPr lang="en-SG" sz="1000" b="1" i="0" kern="1200" dirty="0">
+                          <a:solidFill>
+                            <a:schemeClr val="dk1"/>
+                          </a:solidFill>
+                          <a:effectLst/>
+                          <a:latin typeface="+mn-lt"/>
+                          <a:ea typeface="Microsoft GothicNeo" panose="020B0503020000020004" pitchFamily="34" charset="-127"/>
+                          <a:cs typeface="Microsoft GothicNeo" panose="020B0503020000020004" pitchFamily="34" charset="-127"/>
+                          <a:hlinkClick r:id="rId5"/>
+                        </a:rPr>
+                        <a:t>Handle errors</a:t>
+                      </a:r>
+                      <a:endParaRPr lang="en-SG" sz="1000" b="1" i="0" kern="1200" dirty="0">
+                        <a:solidFill>
+                          <a:schemeClr val="dk1"/>
+                        </a:solidFill>
+                        <a:effectLst/>
+                        <a:latin typeface="+mn-lt"/>
+                        <a:ea typeface="Microsoft GothicNeo" panose="020B0503020000020004" pitchFamily="34" charset="-127"/>
+                        <a:cs typeface="Microsoft GothicNeo" panose="020B0503020000020004" pitchFamily="34" charset="-127"/>
+                      </a:endParaRPr>
+                    </a:p>
+                  </a:txBody>
+                  <a:tcPr/>
+                </a:tc>
+                <a:tc>
+                  <a:txBody>
+                    <a:bodyPr/>
+                    <a:lstStyle/>
+                    <a:p>
+                      <a:pPr marL="0" marR="0" lvl="0" indent="0" algn="l" defTabSz="914400" rtl="0" eaLnBrk="1" fontAlgn="auto" latinLnBrk="0" hangingPunct="1">
+                        <a:lnSpc>
+                          <a:spcPct val="100000"/>
+                        </a:lnSpc>
+                        <a:spcBef>
+                          <a:spcPts val="0"/>
+                        </a:spcBef>
+                        <a:spcAft>
+                          <a:spcPts val="0"/>
+                        </a:spcAft>
+                        <a:buClrTx/>
+                        <a:buSzTx/>
+                        <a:buFontTx/>
+                        <a:buNone/>
+                        <a:tabLst/>
+                        <a:defRPr/>
+                      </a:pPr>
+                      <a:r>
+                        <a:rPr lang="en-SG" sz="1000" b="0" i="0" kern="1200" dirty="0">
+                          <a:solidFill>
+                            <a:schemeClr val="dk1"/>
+                          </a:solidFill>
+                          <a:effectLst/>
+                          <a:latin typeface="+mn-lt"/>
+                          <a:ea typeface="Microsoft GothicNeo" panose="020B0503020000020004" pitchFamily="34" charset="-127"/>
+                          <a:cs typeface="Microsoft GothicNeo" panose="020B0503020000020004" pitchFamily="34" charset="-127"/>
+                        </a:rPr>
+                        <a:t>Use </a:t>
+                      </a:r>
+                      <a:r>
+                        <a:rPr lang="en-SG" sz="1000" dirty="0" err="1"/>
+                        <a:t>ComponentBase.</a:t>
+                      </a:r>
+                      <a:r>
+                        <a:rPr lang="en-SG" sz="1000" b="0" i="0" kern="1200" dirty="0" err="1">
+                          <a:solidFill>
+                            <a:schemeClr val="dk1"/>
+                          </a:solidFill>
+                          <a:effectLst/>
+                          <a:latin typeface="+mn-lt"/>
+                          <a:ea typeface="Microsoft GothicNeo" panose="020B0503020000020004" pitchFamily="34" charset="-127"/>
+                          <a:cs typeface="Microsoft GothicNeo" panose="020B0503020000020004" pitchFamily="34" charset="-127"/>
+                        </a:rPr>
+                        <a:t>DispatchExceptionAsync</a:t>
+                      </a:r>
+                      <a:endParaRPr lang="en-SG" sz="1000" b="0" i="0" kern="1200" dirty="0">
+                        <a:solidFill>
+                          <a:schemeClr val="dk1"/>
+                        </a:solidFill>
+                        <a:effectLst/>
+                        <a:latin typeface="+mn-lt"/>
+                        <a:ea typeface="Microsoft GothicNeo" panose="020B0503020000020004" pitchFamily="34" charset="-127"/>
+                        <a:cs typeface="Microsoft GothicNeo" panose="020B0503020000020004" pitchFamily="34" charset="-127"/>
+                      </a:endParaRPr>
+                    </a:p>
+                  </a:txBody>
+                  <a:tcPr/>
+                </a:tc>
+                <a:tc>
+                  <a:txBody>
+                    <a:bodyPr/>
+                    <a:lstStyle/>
+                    <a:p>
+                      <a:pPr marL="0" marR="0" lvl="0" indent="0" algn="l" defTabSz="914400" rtl="0" eaLnBrk="1" fontAlgn="auto" latinLnBrk="0" hangingPunct="1">
+                        <a:lnSpc>
+                          <a:spcPct val="100000"/>
+                        </a:lnSpc>
+                        <a:spcBef>
+                          <a:spcPts val="0"/>
+                        </a:spcBef>
+                        <a:spcAft>
+                          <a:spcPts val="0"/>
+                        </a:spcAft>
+                        <a:buClrTx/>
+                        <a:buSzTx/>
+                        <a:buFontTx/>
+                        <a:buNone/>
+                        <a:tabLst/>
+                        <a:defRPr/>
+                      </a:pPr>
+                      <a:r>
                         <a:rPr lang="en-SG" sz="1200" b="0" i="0" kern="1200" dirty="0">
                           <a:solidFill>
                             <a:schemeClr val="dk1"/>
@@ -20668,11 +21129,21 @@
                 </a:tc>
                 <a:extLst>
                   <a:ext uri="{0D108BD9-81ED-4DB2-BD59-A6C34878D82A}">
-                    <a16:rowId xmlns:a16="http://schemas.microsoft.com/office/drawing/2014/main" val="2809413951"/>
+                    <a16:rowId xmlns:a16="http://schemas.microsoft.com/office/drawing/2014/main" val="2353715873"/>
                   </a:ext>
                 </a:extLst>
               </a:tr>
-              <a:tr h="148359">
+              <a:tr h="198120">
+                <a:tc vMerge="1">
+                  <a:txBody>
+                    <a:bodyPr/>
+                    <a:lstStyle/>
+                    <a:p>
+                      <a:endParaRPr lang="en-SG"/>
+                    </a:p>
+                  </a:txBody>
+                  <a:tcPr/>
+                </a:tc>
                 <a:tc>
                   <a:txBody>
                     <a:bodyPr/>
@@ -20696,35 +21167,6 @@
                         <a:defRPr/>
                       </a:pPr>
                       <a:r>
-                        <a:rPr lang="en-SG" sz="1000" kern="1200" dirty="0">
-                          <a:solidFill>
-                            <a:schemeClr val="dk1"/>
-                          </a:solidFill>
-                          <a:latin typeface="+mn-lt"/>
-                          <a:ea typeface="Microsoft GothicNeo" panose="020B0503020000020004" pitchFamily="34" charset="-127"/>
-                          <a:cs typeface="Microsoft GothicNeo" panose="020B0503020000020004" pitchFamily="34" charset="-127"/>
-                          <a:hlinkClick r:id="rId4"/>
-                        </a:rPr>
-                        <a:t>Webcil packaging</a:t>
-                      </a:r>
-                      <a:endParaRPr lang="en-SG" sz="1000" kern="1200" dirty="0">
-                        <a:solidFill>
-                          <a:schemeClr val="dk1"/>
-                        </a:solidFill>
-                        <a:latin typeface="+mn-lt"/>
-                        <a:ea typeface="Microsoft GothicNeo" panose="020B0503020000020004" pitchFamily="34" charset="-127"/>
-                        <a:cs typeface="Microsoft GothicNeo" panose="020B0503020000020004" pitchFamily="34" charset="-127"/>
-                      </a:endParaRPr>
-                    </a:p>
-                  </a:txBody>
-                  <a:tcPr/>
-                </a:tc>
-                <a:tc>
-                  <a:txBody>
-                    <a:bodyPr/>
-                    <a:lstStyle/>
-                    <a:p>
-                      <a:r>
                         <a:rPr lang="en-SG" sz="1000" b="0" i="0" kern="1200" dirty="0">
                           <a:solidFill>
                             <a:schemeClr val="dk1"/>
@@ -20734,7 +21176,7 @@
                           <a:ea typeface="Microsoft GothicNeo" panose="020B0503020000020004" pitchFamily="34" charset="-127"/>
                           <a:cs typeface="Microsoft GothicNeo" panose="020B0503020000020004" pitchFamily="34" charset="-127"/>
                         </a:rPr>
-                        <a:t>Published with .</a:t>
+                        <a:t>Use </a:t>
                       </a:r>
                       <a:r>
                         <a:rPr lang="en-SG" sz="1000" b="0" i="0" kern="1200" dirty="0" err="1">
@@ -20746,7 +21188,7 @@
                           <a:ea typeface="Microsoft GothicNeo" panose="020B0503020000020004" pitchFamily="34" charset="-127"/>
                           <a:cs typeface="Microsoft GothicNeo" panose="020B0503020000020004" pitchFamily="34" charset="-127"/>
                         </a:rPr>
-                        <a:t>wasm</a:t>
+                        <a:t>IHostEnvironment</a:t>
                       </a:r>
                       <a:r>
                         <a:rPr lang="en-SG" sz="1000" b="0" i="0" kern="1200" dirty="0">
@@ -20758,31 +21200,7 @@
                           <a:ea typeface="Microsoft GothicNeo" panose="020B0503020000020004" pitchFamily="34" charset="-127"/>
                           <a:cs typeface="Microsoft GothicNeo" panose="020B0503020000020004" pitchFamily="34" charset="-127"/>
                         </a:rPr>
-                        <a:t> instead of .</a:t>
-                      </a:r>
-                      <a:r>
-                        <a:rPr lang="en-SG" sz="1000" b="0" i="0" kern="1200" dirty="0" err="1">
-                          <a:solidFill>
-                            <a:schemeClr val="dk1"/>
-                          </a:solidFill>
-                          <a:effectLst/>
-                          <a:latin typeface="+mn-lt"/>
-                          <a:ea typeface="Microsoft GothicNeo" panose="020B0503020000020004" pitchFamily="34" charset="-127"/>
-                          <a:cs typeface="Microsoft GothicNeo" panose="020B0503020000020004" pitchFamily="34" charset="-127"/>
-                        </a:rPr>
-                        <a:t>dll</a:t>
-                      </a:r>
-                      <a:r>
-                        <a:rPr lang="en-SG" sz="1000" b="0" i="0" kern="1200" dirty="0">
-                          <a:solidFill>
-                            <a:schemeClr val="dk1"/>
-                          </a:solidFill>
-                          <a:effectLst/>
-                          <a:latin typeface="+mn-lt"/>
-                          <a:ea typeface="Microsoft GothicNeo" panose="020B0503020000020004" pitchFamily="34" charset="-127"/>
-                          <a:cs typeface="Microsoft GothicNeo" panose="020B0503020000020004" pitchFamily="34" charset="-127"/>
-                        </a:rPr>
-                        <a:t> file</a:t>
+                        <a:t> </a:t>
                       </a:r>
                     </a:p>
                   </a:txBody>
@@ -20820,20 +21238,37 @@
                           <a:ea typeface="+mn-ea"/>
                           <a:cs typeface="+mn-cs"/>
                         </a:rPr>
-                        <a:t>✔️(</a:t>
+                        <a:t>✔️</a:t>
                       </a:r>
-                      <a:r>
-                        <a:rPr lang="en-SG" sz="1200" b="0" i="0" kern="1200" dirty="0" err="1">
-                          <a:solidFill>
-                            <a:schemeClr val="dk1"/>
-                          </a:solidFill>
-                          <a:effectLst/>
-                          <a:latin typeface="+mn-lt"/>
-                          <a:ea typeface="+mn-ea"/>
-                          <a:cs typeface="+mn-cs"/>
-                        </a:rPr>
-                        <a:t>WebAssembly</a:t>
-                      </a:r>
+                      <a:endParaRPr lang="en-SG" sz="1200" dirty="0">
+                        <a:latin typeface="+mn-lt"/>
+                      </a:endParaRPr>
+                    </a:p>
+                  </a:txBody>
+                  <a:tcPr/>
+                </a:tc>
+                <a:tc>
+                  <a:txBody>
+                    <a:bodyPr/>
+                    <a:lstStyle/>
+                    <a:p>
+                      <a:pPr marL="0" marR="0" lvl="0" indent="0" algn="l" defTabSz="914400" rtl="0" eaLnBrk="1" fontAlgn="auto" latinLnBrk="0" hangingPunct="1">
+                        <a:lnSpc>
+                          <a:spcPct val="100000"/>
+                        </a:lnSpc>
+                        <a:spcBef>
+                          <a:spcPts val="0"/>
+                        </a:spcBef>
+                        <a:spcAft>
+                          <a:spcPts val="0"/>
+                        </a:spcAft>
+                        <a:buClrTx/>
+                        <a:buSzTx/>
+                        <a:buFontTx/>
+                        <a:buNone/>
+                        <a:tabLst/>
+                        <a:defRPr/>
+                      </a:pPr>
                       <a:r>
                         <a:rPr lang="en-SG" sz="1200" b="0" i="0" kern="1200" dirty="0">
                           <a:solidFill>
@@ -20844,9 +21279,184 @@
                           <a:ea typeface="+mn-ea"/>
                           <a:cs typeface="+mn-cs"/>
                         </a:rPr>
-                        <a:t> only)</a:t>
+                        <a:t>❌</a:t>
                       </a:r>
                       <a:endParaRPr lang="en-SG" sz="1200" dirty="0">
+                        <a:latin typeface="+mn-lt"/>
+                      </a:endParaRPr>
+                    </a:p>
+                  </a:txBody>
+                  <a:tcPr/>
+                </a:tc>
+                <a:tc>
+                  <a:txBody>
+                    <a:bodyPr/>
+                    <a:lstStyle/>
+                    <a:p>
+                      <a:pPr marL="0" marR="0" lvl="0" indent="0" algn="l" defTabSz="914400" rtl="0" eaLnBrk="1" fontAlgn="auto" latinLnBrk="0" hangingPunct="1">
+                        <a:lnSpc>
+                          <a:spcPct val="100000"/>
+                        </a:lnSpc>
+                        <a:spcBef>
+                          <a:spcPts val="0"/>
+                        </a:spcBef>
+                        <a:spcAft>
+                          <a:spcPts val="0"/>
+                        </a:spcAft>
+                        <a:buClrTx/>
+                        <a:buSzTx/>
+                        <a:buFontTx/>
+                        <a:buNone/>
+                        <a:tabLst/>
+                        <a:defRPr/>
+                      </a:pPr>
+                      <a:r>
+                        <a:rPr lang="en-SG" sz="1200" b="0" i="0" kern="1200" dirty="0">
+                          <a:solidFill>
+                            <a:schemeClr val="dk1"/>
+                          </a:solidFill>
+                          <a:effectLst/>
+                          <a:latin typeface="+mn-lt"/>
+                          <a:ea typeface="+mn-ea"/>
+                          <a:cs typeface="+mn-cs"/>
+                        </a:rPr>
+                        <a:t>✔️</a:t>
+                      </a:r>
+                      <a:endParaRPr lang="en-SG" sz="1200" dirty="0">
+                        <a:latin typeface="+mn-lt"/>
+                      </a:endParaRPr>
+                    </a:p>
+                  </a:txBody>
+                  <a:tcPr/>
+                </a:tc>
+                <a:extLst>
+                  <a:ext uri="{0D108BD9-81ED-4DB2-BD59-A6C34878D82A}">
+                    <a16:rowId xmlns:a16="http://schemas.microsoft.com/office/drawing/2014/main" val="874899289"/>
+                  </a:ext>
+                </a:extLst>
+              </a:tr>
+              <a:tr h="198120">
+                <a:tc>
+                  <a:txBody>
+                    <a:bodyPr/>
+                    <a:lstStyle/>
+                    <a:p>
+                      <a:pPr marL="0" marR="0" lvl="0" indent="0" algn="l" defTabSz="914400" rtl="0" eaLnBrk="1" fontAlgn="auto" latinLnBrk="0" hangingPunct="1">
+                        <a:lnSpc>
+                          <a:spcPct val="100000"/>
+                        </a:lnSpc>
+                        <a:spcBef>
+                          <a:spcPts val="0"/>
+                        </a:spcBef>
+                        <a:spcAft>
+                          <a:spcPts val="0"/>
+                        </a:spcAft>
+                        <a:buClrTx/>
+                        <a:buSzTx/>
+                        <a:buFontTx/>
+                        <a:buNone/>
+                        <a:tabLst/>
+                        <a:defRPr/>
+                      </a:pPr>
+                      <a:r>
+                        <a:rPr lang="en-SG" sz="1000" b="0" i="0" kern="1200" dirty="0">
+                          <a:solidFill>
+                            <a:schemeClr val="dk1"/>
+                          </a:solidFill>
+                          <a:effectLst/>
+                          <a:latin typeface="+mn-lt"/>
+                          <a:ea typeface="Microsoft GothicNeo" panose="020B0503020000020004" pitchFamily="34" charset="-127"/>
+                          <a:cs typeface="Microsoft GothicNeo" panose="020B0503020000020004" pitchFamily="34" charset="-127"/>
+                          <a:hlinkClick r:id="rId6"/>
+                        </a:rPr>
+                        <a:t>WebAssembly Runtime</a:t>
+                      </a:r>
+                      <a:endParaRPr lang="en-SG" sz="1000" b="0" i="0" kern="1200" dirty="0">
+                        <a:solidFill>
+                          <a:schemeClr val="dk1"/>
+                        </a:solidFill>
+                        <a:effectLst/>
+                        <a:latin typeface="+mn-lt"/>
+                        <a:ea typeface="Microsoft GothicNeo" panose="020B0503020000020004" pitchFamily="34" charset="-127"/>
+                        <a:cs typeface="Microsoft GothicNeo" panose="020B0503020000020004" pitchFamily="34" charset="-127"/>
+                      </a:endParaRPr>
+                    </a:p>
+                  </a:txBody>
+                  <a:tcPr/>
+                </a:tc>
+                <a:tc>
+                  <a:txBody>
+                    <a:bodyPr/>
+                    <a:lstStyle/>
+                    <a:p>
+                      <a:pPr marL="0" marR="0" lvl="0" indent="0" algn="l" defTabSz="914400" rtl="0" eaLnBrk="1" fontAlgn="auto" latinLnBrk="0" hangingPunct="1">
+                        <a:lnSpc>
+                          <a:spcPct val="100000"/>
+                        </a:lnSpc>
+                        <a:spcBef>
+                          <a:spcPts val="0"/>
+                        </a:spcBef>
+                        <a:spcAft>
+                          <a:spcPts val="0"/>
+                        </a:spcAft>
+                        <a:buClrTx/>
+                        <a:buSzTx/>
+                        <a:buFontTx/>
+                        <a:buNone/>
+                        <a:tabLst/>
+                        <a:defRPr/>
+                      </a:pPr>
+                      <a:r>
+                        <a:rPr lang="en-SG" sz="1000" b="0" i="0" kern="1200" dirty="0">
+                          <a:solidFill>
+                            <a:schemeClr val="dk1"/>
+                          </a:solidFill>
+                          <a:effectLst/>
+                          <a:latin typeface="+mn-lt"/>
+                          <a:ea typeface="Microsoft GothicNeo" panose="020B0503020000020004" pitchFamily="34" charset="-127"/>
+                          <a:cs typeface="Microsoft GothicNeo" panose="020B0503020000020004" pitchFamily="34" charset="-127"/>
+                        </a:rPr>
+                        <a:t>Configure the .NET WebAssembly runtime</a:t>
+                      </a:r>
+                    </a:p>
+                  </a:txBody>
+                  <a:tcPr/>
+                </a:tc>
+                <a:tc>
+                  <a:txBody>
+                    <a:bodyPr/>
+                    <a:lstStyle/>
+                    <a:p>
+                      <a:pPr marL="0" marR="0" lvl="0" indent="0" algn="l" defTabSz="914400" rtl="0" eaLnBrk="1" fontAlgn="auto" latinLnBrk="0" hangingPunct="1">
+                        <a:lnSpc>
+                          <a:spcPct val="100000"/>
+                        </a:lnSpc>
+                        <a:spcBef>
+                          <a:spcPts val="0"/>
+                        </a:spcBef>
+                        <a:spcAft>
+                          <a:spcPts val="0"/>
+                        </a:spcAft>
+                        <a:buClrTx/>
+                        <a:buSzTx/>
+                        <a:buFontTx/>
+                        <a:buNone/>
+                        <a:tabLst/>
+                        <a:defRPr/>
+                      </a:pPr>
+                      <a:r>
+                        <a:rPr lang="en-SG" sz="1000" b="0" i="0" kern="1200" dirty="0">
+                          <a:solidFill>
+                            <a:schemeClr val="dk1"/>
+                          </a:solidFill>
+                          <a:effectLst/>
+                          <a:latin typeface="+mn-lt"/>
+                          <a:ea typeface="+mn-ea"/>
+                          <a:cs typeface="+mn-cs"/>
+                        </a:rPr>
+                        <a:t>✔️(WebAssembly)</a:t>
+                      </a:r>
+                      <a:endParaRPr lang="en-SG" sz="1000" dirty="0">
                         <a:latin typeface="+mn-lt"/>
                       </a:endParaRPr>
                     </a:p>
@@ -20937,18 +21547,54 @@
                 </a:tc>
                 <a:extLst>
                   <a:ext uri="{0D108BD9-81ED-4DB2-BD59-A6C34878D82A}">
-                    <a16:rowId xmlns:a16="http://schemas.microsoft.com/office/drawing/2014/main" val="754395639"/>
+                    <a16:rowId xmlns:a16="http://schemas.microsoft.com/office/drawing/2014/main" val="648467513"/>
                   </a:ext>
                 </a:extLst>
               </a:tr>
-              <a:tr h="200560">
+              <a:tr h="198120">
                 <a:tc>
                   <a:txBody>
                     <a:bodyPr/>
                     <a:lstStyle/>
                     <a:p>
-                      <a:endParaRPr lang="en-SG" sz="1200">
+                      <a:pPr marL="0" marR="0" lvl="0" indent="0" algn="l" defTabSz="914400" rtl="0" eaLnBrk="1" fontAlgn="auto" latinLnBrk="0" hangingPunct="1">
+                        <a:lnSpc>
+                          <a:spcPct val="100000"/>
+                        </a:lnSpc>
+                        <a:spcBef>
+                          <a:spcPts val="0"/>
+                        </a:spcBef>
+                        <a:spcAft>
+                          <a:spcPts val="0"/>
+                        </a:spcAft>
+                        <a:buClrTx/>
+                        <a:buSzTx/>
+                        <a:buFontTx/>
+                        <a:buNone/>
+                        <a:tabLst/>
+                        <a:defRPr/>
+                      </a:pPr>
+                      <a:r>
+                        <a:rPr lang="en-SG" sz="1000" b="0" i="0" kern="1200" dirty="0">
+                          <a:solidFill>
+                            <a:schemeClr val="dk1"/>
+                          </a:solidFill>
+                          <a:effectLst/>
+                          <a:latin typeface="+mn-lt"/>
+                          <a:ea typeface="Microsoft GothicNeo" panose="020B0503020000020004" pitchFamily="34" charset="-127"/>
+                          <a:cs typeface="Microsoft GothicNeo" panose="020B0503020000020004" pitchFamily="34" charset="-127"/>
+                          <a:hlinkClick r:id="rId7"/>
+                        </a:rPr>
+                        <a:t>Dialog</a:t>
+                      </a:r>
+                      <a:endParaRPr lang="en-SG" sz="1000" b="0" i="0" kern="1200" dirty="0">
+                        <a:solidFill>
+                          <a:schemeClr val="dk1"/>
+                        </a:solidFill>
+                        <a:effectLst/>
                         <a:latin typeface="+mn-lt"/>
+                        <a:ea typeface="Microsoft GothicNeo" panose="020B0503020000020004" pitchFamily="34" charset="-127"/>
+                        <a:cs typeface="Microsoft GothicNeo" panose="020B0503020000020004" pitchFamily="34" charset="-127"/>
                       </a:endParaRPr>
                     </a:p>
                   </a:txBody>
@@ -20959,9 +21605,35 @@
                     <a:bodyPr/>
                     <a:lstStyle/>
                     <a:p>
-                      <a:endParaRPr lang="en-SG" sz="1200">
-                        <a:latin typeface="+mn-lt"/>
-                      </a:endParaRPr>
+                      <a:pPr marL="0" marR="0" lvl="0" indent="0" algn="l" defTabSz="914400" rtl="0" eaLnBrk="1" fontAlgn="auto" latinLnBrk="0" hangingPunct="1">
+                        <a:lnSpc>
+                          <a:spcPct val="100000"/>
+                        </a:lnSpc>
+                        <a:spcBef>
+                          <a:spcPts val="0"/>
+                        </a:spcBef>
+                        <a:spcAft>
+                          <a:spcPts val="0"/>
+                        </a:spcAft>
+                        <a:buClrTx/>
+                        <a:buSzTx/>
+                        <a:buFontTx/>
+                        <a:buNone/>
+                        <a:tabLst/>
+                        <a:defRPr/>
+                      </a:pPr>
+                      <a:r>
+                        <a:rPr lang="en-SG" sz="1000" b="0" i="0" kern="1200" dirty="0">
+                          <a:solidFill>
+                            <a:schemeClr val="dk1"/>
+                          </a:solidFill>
+                          <a:effectLst/>
+                          <a:latin typeface="+mn-lt"/>
+                          <a:ea typeface="Microsoft GothicNeo" panose="020B0503020000020004" pitchFamily="34" charset="-127"/>
+                          <a:cs typeface="Microsoft GothicNeo" panose="020B0503020000020004" pitchFamily="34" charset="-127"/>
+                        </a:rPr>
+                        <a:t>Support for dialog cancel and close events</a:t>
+                      </a:r>
                     </a:p>
                   </a:txBody>
                   <a:tcPr/>
@@ -20971,6 +21643,35 @@
                     <a:bodyPr/>
                     <a:lstStyle/>
                     <a:p>
+                      <a:pPr marL="0" marR="0" lvl="0" indent="0" algn="l" defTabSz="914400" rtl="0" eaLnBrk="1" fontAlgn="auto" latinLnBrk="0" hangingPunct="1">
+                        <a:lnSpc>
+                          <a:spcPct val="100000"/>
+                        </a:lnSpc>
+                        <a:spcBef>
+                          <a:spcPts val="0"/>
+                        </a:spcBef>
+                        <a:spcAft>
+                          <a:spcPts val="0"/>
+                        </a:spcAft>
+                        <a:buClrTx/>
+                        <a:buSzTx/>
+                        <a:buFontTx/>
+                        <a:buNone/>
+                        <a:tabLst/>
+                        <a:defRPr/>
+                      </a:pPr>
+                      <a:r>
+                        <a:rPr lang="en-SG" sz="1200" b="0" i="0" kern="1200" dirty="0">
+                          <a:solidFill>
+                            <a:schemeClr val="dk1"/>
+                          </a:solidFill>
+                          <a:effectLst/>
+                          <a:latin typeface="+mn-lt"/>
+                          <a:ea typeface="+mn-ea"/>
+                          <a:cs typeface="+mn-cs"/>
+                        </a:rPr>
+                        <a:t>✔️</a:t>
+                      </a:r>
                       <a:endParaRPr lang="en-SG" sz="1200" dirty="0">
                         <a:latin typeface="+mn-lt"/>
                       </a:endParaRPr>
@@ -20983,7 +21684,36 @@
                     <a:bodyPr/>
                     <a:lstStyle/>
                     <a:p>
-                      <a:endParaRPr lang="en-SG" sz="1200">
+                      <a:pPr marL="0" marR="0" lvl="0" indent="0" algn="l" defTabSz="914400" rtl="0" eaLnBrk="1" fontAlgn="auto" latinLnBrk="0" hangingPunct="1">
+                        <a:lnSpc>
+                          <a:spcPct val="100000"/>
+                        </a:lnSpc>
+                        <a:spcBef>
+                          <a:spcPts val="0"/>
+                        </a:spcBef>
+                        <a:spcAft>
+                          <a:spcPts val="0"/>
+                        </a:spcAft>
+                        <a:buClrTx/>
+                        <a:buSzTx/>
+                        <a:buFontTx/>
+                        <a:buNone/>
+                        <a:tabLst/>
+                        <a:defRPr/>
+                      </a:pPr>
+                      <a:r>
+                        <a:rPr lang="en-SG" sz="1200" b="0" i="0" kern="1200" dirty="0">
+                          <a:solidFill>
+                            <a:schemeClr val="dk1"/>
+                          </a:solidFill>
+                          <a:effectLst/>
+                          <a:latin typeface="+mn-lt"/>
+                          <a:ea typeface="+mn-ea"/>
+                          <a:cs typeface="+mn-cs"/>
+                        </a:rPr>
+                        <a:t>✔️</a:t>
+                      </a:r>
+                      <a:endParaRPr lang="en-SG" sz="1200" dirty="0">
                         <a:latin typeface="+mn-lt"/>
                       </a:endParaRPr>
                     </a:p>
@@ -20995,6 +21725,35 @@
                     <a:bodyPr/>
                     <a:lstStyle/>
                     <a:p>
+                      <a:pPr marL="0" marR="0" lvl="0" indent="0" algn="l" defTabSz="914400" rtl="0" eaLnBrk="1" fontAlgn="auto" latinLnBrk="0" hangingPunct="1">
+                        <a:lnSpc>
+                          <a:spcPct val="100000"/>
+                        </a:lnSpc>
+                        <a:spcBef>
+                          <a:spcPts val="0"/>
+                        </a:spcBef>
+                        <a:spcAft>
+                          <a:spcPts val="0"/>
+                        </a:spcAft>
+                        <a:buClrTx/>
+                        <a:buSzTx/>
+                        <a:buFontTx/>
+                        <a:buNone/>
+                        <a:tabLst/>
+                        <a:defRPr/>
+                      </a:pPr>
+                      <a:r>
+                        <a:rPr lang="en-SG" sz="1200" b="0" i="0" kern="1200" dirty="0">
+                          <a:solidFill>
+                            <a:schemeClr val="dk1"/>
+                          </a:solidFill>
+                          <a:effectLst/>
+                          <a:latin typeface="+mn-lt"/>
+                          <a:ea typeface="+mn-ea"/>
+                          <a:cs typeface="+mn-cs"/>
+                        </a:rPr>
+                        <a:t>✔️</a:t>
+                      </a:r>
                       <a:endParaRPr lang="en-SG" sz="1200" dirty="0">
                         <a:latin typeface="+mn-lt"/>
                       </a:endParaRPr>
@@ -21004,7 +21763,7 @@
                 </a:tc>
                 <a:extLst>
                   <a:ext uri="{0D108BD9-81ED-4DB2-BD59-A6C34878D82A}">
-                    <a16:rowId xmlns:a16="http://schemas.microsoft.com/office/drawing/2014/main" val="1762782667"/>
+                    <a16:rowId xmlns:a16="http://schemas.microsoft.com/office/drawing/2014/main" val="3623278775"/>
                   </a:ext>
                 </a:extLst>
               </a:tr>
@@ -21087,7 +21846,7 @@
             <p:ph idx="1"/>
             <p:extLst>
               <p:ext uri="{D42A27DB-BD31-4B8C-83A1-F6EECF244321}">
-                <p14:modId xmlns:p14="http://schemas.microsoft.com/office/powerpoint/2010/main" val="3926639569"/>
+                <p14:modId xmlns:p14="http://schemas.microsoft.com/office/powerpoint/2010/main" val="3684455501"/>
               </p:ext>
             </p:extLst>
           </p:nvPr>
@@ -21103,14 +21862,14 @@
                 <a:tableStyleId>{5C22544A-7EE6-4342-B048-85BDC9FD1C3A}</a:tableStyleId>
               </a:tblPr>
               <a:tblGrid>
-                <a:gridCol w="1582120">
+                <a:gridCol w="1883961">
                   <a:extLst>
                     <a:ext uri="{9D8B030D-6E8A-4147-A177-3AD203B41FA5}">
                       <a16:colId xmlns:a16="http://schemas.microsoft.com/office/drawing/2014/main" val="1983259704"/>
                     </a:ext>
                   </a:extLst>
                 </a:gridCol>
-                <a:gridCol w="4314548">
+                <a:gridCol w="4012707">
                   <a:extLst>
                     <a:ext uri="{9D8B030D-6E8A-4147-A177-3AD203B41FA5}">
                       <a16:colId xmlns:a16="http://schemas.microsoft.com/office/drawing/2014/main" val="3331461009"/>
@@ -21296,7 +22055,7 @@
                         <a:defRPr/>
                       </a:pPr>
                       <a:r>
-                        <a:rPr lang="en-SG" sz="1400" b="1" kern="1200" dirty="0" err="1">
+                        <a:rPr lang="en-SG" sz="1400" b="1" kern="1200" dirty="0">
                           <a:solidFill>
                             <a:schemeClr val="tx1"/>
                           </a:solidFill>
@@ -21306,14 +22065,6 @@
                         </a:rPr>
                         <a:t>WebAssembly</a:t>
                       </a:r>
-                      <a:endParaRPr lang="en-SG" sz="1400" b="1" kern="1200" dirty="0">
-                        <a:solidFill>
-                          <a:schemeClr val="tx1"/>
-                        </a:solidFill>
-                        <a:latin typeface="+mn-lt"/>
-                        <a:ea typeface="+mn-ea"/>
-                        <a:cs typeface="+mn-cs"/>
-                      </a:endParaRPr>
                     </a:p>
                   </a:txBody>
                   <a:tcPr/>
@@ -21534,8 +22285,53 @@
                     <a:bodyPr/>
                     <a:lstStyle/>
                     <a:p>
-                      <a:endParaRPr lang="en-SG" sz="1200">
+                      <a:r>
+                        <a:rPr lang="en-SG" sz="1000" b="0" i="0" kern="1200" dirty="0">
+                          <a:solidFill>
+                            <a:schemeClr val="dk1"/>
+                          </a:solidFill>
+                          <a:effectLst/>
+                          <a:latin typeface="+mn-lt"/>
+                          <a:ea typeface="Microsoft GothicNeo" panose="020B0503020000020004" pitchFamily="34" charset="-127"/>
+                          <a:cs typeface="Microsoft GothicNeo" panose="020B0503020000020004" pitchFamily="34" charset="-127"/>
+                          <a:hlinkClick r:id="rId3"/>
+                        </a:rPr>
+                        <a:t>Render outside asp </a:t>
+                      </a:r>
+                      <a:r>
+                        <a:rPr lang="en-SG" sz="1000" b="0" i="0" kern="1200" dirty="0" err="1">
+                          <a:solidFill>
+                            <a:schemeClr val="dk1"/>
+                          </a:solidFill>
+                          <a:effectLst/>
+                          <a:latin typeface="+mn-lt"/>
+                          <a:ea typeface="Microsoft GothicNeo" panose="020B0503020000020004" pitchFamily="34" charset="-127"/>
+                          <a:cs typeface="Microsoft GothicNeo" panose="020B0503020000020004" pitchFamily="34" charset="-127"/>
+                          <a:hlinkClick r:id="rId3"/>
+                        </a:rPr>
+                        <a:t>.net</a:t>
+                      </a:r>
+                      <a:r>
+                        <a:rPr lang="en-SG" sz="1000" b="0" i="0" kern="1200" dirty="0">
+                          <a:solidFill>
+                            <a:schemeClr val="dk1"/>
+                          </a:solidFill>
+                          <a:effectLst/>
+                          <a:latin typeface="+mn-lt"/>
+                          <a:ea typeface="Microsoft GothicNeo" panose="020B0503020000020004" pitchFamily="34" charset="-127"/>
+                          <a:cs typeface="Microsoft GothicNeo" panose="020B0503020000020004" pitchFamily="34" charset="-127"/>
+                          <a:hlinkClick r:id="rId3"/>
+                        </a:rPr>
+                        <a:t> core</a:t>
+                      </a:r>
+                      <a:endParaRPr lang="en-SG" sz="1000" b="0" i="0" kern="1200" dirty="0">
+                        <a:solidFill>
+                          <a:schemeClr val="dk1"/>
+                        </a:solidFill>
+                        <a:effectLst/>
                         <a:latin typeface="+mn-lt"/>
+                        <a:ea typeface="Microsoft GothicNeo" panose="020B0503020000020004" pitchFamily="34" charset="-127"/>
+                        <a:cs typeface="Microsoft GothicNeo" panose="020B0503020000020004" pitchFamily="34" charset="-127"/>
                       </a:endParaRPr>
                     </a:p>
                   </a:txBody>
@@ -21546,9 +22342,35 @@
                     <a:bodyPr/>
                     <a:lstStyle/>
                     <a:p>
-                      <a:endParaRPr lang="en-SG" sz="1200" dirty="0">
-                        <a:latin typeface="+mn-lt"/>
-                      </a:endParaRPr>
+                      <a:pPr marL="0" marR="0" lvl="0" indent="0" algn="l" defTabSz="914400" rtl="0" eaLnBrk="1" fontAlgn="auto" latinLnBrk="0" hangingPunct="1">
+                        <a:lnSpc>
+                          <a:spcPct val="100000"/>
+                        </a:lnSpc>
+                        <a:spcBef>
+                          <a:spcPts val="0"/>
+                        </a:spcBef>
+                        <a:spcAft>
+                          <a:spcPts val="0"/>
+                        </a:spcAft>
+                        <a:buClrTx/>
+                        <a:buSzTx/>
+                        <a:buFontTx/>
+                        <a:buNone/>
+                        <a:tabLst/>
+                        <a:defRPr/>
+                      </a:pPr>
+                      <a:r>
+                        <a:rPr lang="en-SG" sz="1000" b="0" i="0" kern="1200" dirty="0">
+                          <a:solidFill>
+                            <a:schemeClr val="dk1"/>
+                          </a:solidFill>
+                          <a:effectLst/>
+                          <a:latin typeface="+mn-lt"/>
+                          <a:ea typeface="Microsoft GothicNeo" panose="020B0503020000020004" pitchFamily="34" charset="-127"/>
+                          <a:cs typeface="Microsoft GothicNeo" panose="020B0503020000020004" pitchFamily="34" charset="-127"/>
+                        </a:rPr>
+                        <a:t>Render Razor components outside of ASP.NET Core</a:t>
+                      </a:r>
                     </a:p>
                   </a:txBody>
                   <a:tcPr/>

--- a/Blazor in .net 8.pptx
+++ b/Blazor in .net 8.pptx
@@ -9,15 +9,19 @@
     <p:sldId id="266" r:id="rId3"/>
     <p:sldId id="269" r:id="rId4"/>
     <p:sldId id="270" r:id="rId5"/>
-    <p:sldId id="257" r:id="rId6"/>
-    <p:sldId id="258" r:id="rId7"/>
-    <p:sldId id="259" r:id="rId8"/>
-    <p:sldId id="260" r:id="rId9"/>
-    <p:sldId id="261" r:id="rId10"/>
-    <p:sldId id="262" r:id="rId11"/>
-    <p:sldId id="264" r:id="rId12"/>
-    <p:sldId id="263" r:id="rId13"/>
-    <p:sldId id="265" r:id="rId14"/>
+    <p:sldId id="271" r:id="rId6"/>
+    <p:sldId id="257" r:id="rId7"/>
+    <p:sldId id="258" r:id="rId8"/>
+    <p:sldId id="259" r:id="rId9"/>
+    <p:sldId id="260" r:id="rId10"/>
+    <p:sldId id="261" r:id="rId11"/>
+    <p:sldId id="262" r:id="rId12"/>
+    <p:sldId id="264" r:id="rId13"/>
+    <p:sldId id="263" r:id="rId14"/>
+    <p:sldId id="274" r:id="rId15"/>
+    <p:sldId id="272" r:id="rId16"/>
+    <p:sldId id="265" r:id="rId17"/>
+    <p:sldId id="273" r:id="rId18"/>
   </p:sldIdLst>
   <p:sldSz cx="12192000" cy="6858000"/>
   <p:notesSz cx="6858000" cy="9144000"/>
@@ -14056,7 +14060,7 @@
           <a:lstStyle/>
           <a:p>
             <a:pPr algn="ctr"/>
-            <a:endParaRPr lang="en-US">
+            <a:endParaRPr lang="en-US" dirty="0">
               <a:solidFill>
                 <a:schemeClr val="bg1"/>
               </a:solidFill>
@@ -16023,6 +16027,2185 @@
 <file path=ppt/slides/slide10.xml><?xml version="1.0" encoding="utf-8"?>
 <p:sld xmlns:a="http://schemas.openxmlformats.org/drawingml/2006/main" xmlns:r="http://schemas.openxmlformats.org/officeDocument/2006/relationships" xmlns:p="http://schemas.openxmlformats.org/presentationml/2006/main">
   <p:cSld>
+    <p:bg>
+      <p:bgPr>
+        <a:solidFill>
+          <a:schemeClr val="bg1"/>
+        </a:solidFill>
+        <a:effectLst/>
+      </p:bgPr>
+    </p:bg>
+    <p:spTree>
+      <p:nvGrpSpPr>
+        <p:cNvPr id="1" name=""/>
+        <p:cNvGrpSpPr/>
+        <p:nvPr/>
+      </p:nvGrpSpPr>
+      <p:grpSpPr>
+        <a:xfrm>
+          <a:off x="0" y="0"/>
+          <a:ext cx="0" cy="0"/>
+          <a:chOff x="0" y="0"/>
+          <a:chExt cx="0" cy="0"/>
+        </a:xfrm>
+      </p:grpSpPr>
+      <p:sp useBgFill="1">
+        <p:nvSpPr>
+          <p:cNvPr id="14" name="Rectangle 13">
+            <a:extLst>
+              <a:ext uri="{FF2B5EF4-FFF2-40B4-BE49-F238E27FC236}">
+                <a16:creationId xmlns:a16="http://schemas.microsoft.com/office/drawing/2014/main" id="{1C582B07-D0F0-4B6B-A5D9-D2F192CB3A4E}"/>
+              </a:ext>
+              <a:ext uri="{C183D7F6-B498-43B3-948B-1728B52AA6E4}">
+                <adec:decorative xmlns:adec="http://schemas.microsoft.com/office/drawing/2017/decorative" val="1"/>
+              </a:ext>
+            </a:extLst>
+          </p:cNvPr>
+          <p:cNvSpPr>
+            <a:spLocks noGrp="1" noRot="1" noChangeAspect="1" noMove="1" noResize="1" noEditPoints="1" noAdjustHandles="1" noChangeArrowheads="1" noChangeShapeType="1" noTextEdit="1"/>
+          </p:cNvSpPr>
+          <p:nvPr>
+            <p:extLst>
+              <p:ext uri="{386F3935-93C4-4BCD-93E2-E3B085C9AB24}">
+                <p16:designElem xmlns:p16="http://schemas.microsoft.com/office/powerpoint/2015/main" val="1"/>
+              </p:ext>
+            </p:extLst>
+          </p:nvPr>
+        </p:nvSpPr>
+        <p:spPr>
+          <a:xfrm>
+            <a:off x="0" y="0"/>
+            <a:ext cx="12188952" cy="6858000"/>
+          </a:xfrm>
+          <a:prstGeom prst="rect">
+            <a:avLst/>
+          </a:prstGeom>
+          <a:ln>
+            <a:noFill/>
+          </a:ln>
+        </p:spPr>
+        <p:style>
+          <a:lnRef idx="2">
+            <a:schemeClr val="accent1">
+              <a:shade val="50000"/>
+            </a:schemeClr>
+          </a:lnRef>
+          <a:fillRef idx="1">
+            <a:schemeClr val="accent1"/>
+          </a:fillRef>
+          <a:effectRef idx="0">
+            <a:schemeClr val="accent1"/>
+          </a:effectRef>
+          <a:fontRef idx="minor">
+            <a:schemeClr val="lt1"/>
+          </a:fontRef>
+        </p:style>
+        <p:txBody>
+          <a:bodyPr rtlCol="0" anchor="ctr"/>
+          <a:lstStyle/>
+          <a:p>
+            <a:pPr algn="ctr"/>
+            <a:endParaRPr lang="en-US" dirty="0">
+              <a:solidFill>
+                <a:schemeClr val="bg1"/>
+              </a:solidFill>
+            </a:endParaRPr>
+          </a:p>
+        </p:txBody>
+      </p:sp>
+      <p:grpSp>
+        <p:nvGrpSpPr>
+          <p:cNvPr id="16" name="Group 15">
+            <a:extLst>
+              <a:ext uri="{FF2B5EF4-FFF2-40B4-BE49-F238E27FC236}">
+                <a16:creationId xmlns:a16="http://schemas.microsoft.com/office/drawing/2014/main" id="{67CE0AF2-326F-4B0F-B97A-2C14B3CE1935}"/>
+              </a:ext>
+              <a:ext uri="{C183D7F6-B498-43B3-948B-1728B52AA6E4}">
+                <adec:decorative xmlns:adec="http://schemas.microsoft.com/office/drawing/2017/decorative" val="1"/>
+              </a:ext>
+            </a:extLst>
+          </p:cNvPr>
+          <p:cNvGrpSpPr>
+            <a:grpSpLocks noGrp="1" noUngrp="1" noRot="1" noChangeAspect="1" noMove="1" noResize="1"/>
+          </p:cNvGrpSpPr>
+          <p:nvPr>
+            <p:extLst>
+              <p:ext uri="{386F3935-93C4-4BCD-93E2-E3B085C9AB24}">
+                <p16:designElem xmlns:p16="http://schemas.microsoft.com/office/powerpoint/2015/main" val="1"/>
+              </p:ext>
+            </p:extLst>
+          </p:nvPr>
+        </p:nvGrpSpPr>
+        <p:grpSpPr>
+          <a:xfrm>
+            <a:off x="-6214" y="-1"/>
+            <a:ext cx="12214827" cy="6858000"/>
+            <a:chOff x="-6214" y="-1"/>
+            <a:chExt cx="12214827" cy="6858000"/>
+          </a:xfrm>
+        </p:grpSpPr>
+        <p:cxnSp>
+          <p:nvCxnSpPr>
+            <p:cNvPr id="17" name="Straight Connector 16">
+              <a:extLst>
+                <a:ext uri="{FF2B5EF4-FFF2-40B4-BE49-F238E27FC236}">
+                  <a16:creationId xmlns:a16="http://schemas.microsoft.com/office/drawing/2014/main" id="{4E8B05B5-D3AB-4AAC-B97A-7D65FF85F8DC}"/>
+                </a:ext>
+                <a:ext uri="{C183D7F6-B498-43B3-948B-1728B52AA6E4}">
+                  <adec:decorative xmlns:adec="http://schemas.microsoft.com/office/drawing/2017/decorative" val="1"/>
+                </a:ext>
+              </a:extLst>
+            </p:cNvPr>
+            <p:cNvCxnSpPr>
+              <a:cxnSpLocks/>
+            </p:cNvCxnSpPr>
+            <p:nvPr>
+              <p:extLst>
+                <p:ext uri="{386F3935-93C4-4BCD-93E2-E3B085C9AB24}">
+                  <p16:designElem xmlns:p16="http://schemas.microsoft.com/office/powerpoint/2015/main" val="1"/>
+                </p:ext>
+              </p:extLst>
+            </p:nvPr>
+          </p:nvCxnSpPr>
+          <p:spPr>
+            <a:xfrm>
+              <a:off x="-6214" y="6686283"/>
+              <a:ext cx="12192000" cy="0"/>
+            </a:xfrm>
+            <a:prstGeom prst="line">
+              <a:avLst/>
+            </a:prstGeom>
+            <a:ln w="12700">
+              <a:solidFill>
+                <a:srgbClr val="BCBCBC">
+                  <a:alpha val="29804"/>
+                </a:srgbClr>
+              </a:solidFill>
+              <a:prstDash val="sysDot"/>
+            </a:ln>
+          </p:spPr>
+          <p:style>
+            <a:lnRef idx="1">
+              <a:schemeClr val="accent1"/>
+            </a:lnRef>
+            <a:fillRef idx="0">
+              <a:schemeClr val="accent1"/>
+            </a:fillRef>
+            <a:effectRef idx="0">
+              <a:schemeClr val="accent1"/>
+            </a:effectRef>
+            <a:fontRef idx="minor">
+              <a:schemeClr val="tx1"/>
+            </a:fontRef>
+          </p:style>
+        </p:cxnSp>
+        <p:cxnSp>
+          <p:nvCxnSpPr>
+            <p:cNvPr id="18" name="Straight Connector 17">
+              <a:extLst>
+                <a:ext uri="{FF2B5EF4-FFF2-40B4-BE49-F238E27FC236}">
+                  <a16:creationId xmlns:a16="http://schemas.microsoft.com/office/drawing/2014/main" id="{2647EC12-BFF1-4F97-8364-51C4DF812139}"/>
+                </a:ext>
+                <a:ext uri="{C183D7F6-B498-43B3-948B-1728B52AA6E4}">
+                  <adec:decorative xmlns:adec="http://schemas.microsoft.com/office/drawing/2017/decorative" val="1"/>
+                </a:ext>
+              </a:extLst>
+            </p:cNvPr>
+            <p:cNvCxnSpPr>
+              <a:cxnSpLocks/>
+            </p:cNvCxnSpPr>
+            <p:nvPr>
+              <p:extLst>
+                <p:ext uri="{386F3935-93C4-4BCD-93E2-E3B085C9AB24}">
+                  <p16:designElem xmlns:p16="http://schemas.microsoft.com/office/powerpoint/2015/main" val="1"/>
+                </p:ext>
+              </p:extLst>
+            </p:nvPr>
+          </p:nvCxnSpPr>
+          <p:spPr>
+            <a:xfrm>
+              <a:off x="0" y="-1"/>
+              <a:ext cx="0" cy="6858000"/>
+            </a:xfrm>
+            <a:prstGeom prst="line">
+              <a:avLst/>
+            </a:prstGeom>
+            <a:ln w="12700">
+              <a:solidFill>
+                <a:srgbClr val="BCBCBC">
+                  <a:alpha val="29804"/>
+                </a:srgbClr>
+              </a:solidFill>
+              <a:prstDash val="sysDot"/>
+            </a:ln>
+          </p:spPr>
+          <p:style>
+            <a:lnRef idx="1">
+              <a:schemeClr val="accent1"/>
+            </a:lnRef>
+            <a:fillRef idx="0">
+              <a:schemeClr val="accent1"/>
+            </a:fillRef>
+            <a:effectRef idx="0">
+              <a:schemeClr val="accent1"/>
+            </a:effectRef>
+            <a:fontRef idx="minor">
+              <a:schemeClr val="tx1"/>
+            </a:fontRef>
+          </p:style>
+        </p:cxnSp>
+        <p:cxnSp>
+          <p:nvCxnSpPr>
+            <p:cNvPr id="19" name="Straight Connector 18">
+              <a:extLst>
+                <a:ext uri="{FF2B5EF4-FFF2-40B4-BE49-F238E27FC236}">
+                  <a16:creationId xmlns:a16="http://schemas.microsoft.com/office/drawing/2014/main" id="{E715F011-94BA-47DC-834F-1388B34219A0}"/>
+                </a:ext>
+                <a:ext uri="{C183D7F6-B498-43B3-948B-1728B52AA6E4}">
+                  <adec:decorative xmlns:adec="http://schemas.microsoft.com/office/drawing/2017/decorative" val="1"/>
+                </a:ext>
+              </a:extLst>
+            </p:cNvPr>
+            <p:cNvCxnSpPr>
+              <a:cxnSpLocks/>
+            </p:cNvCxnSpPr>
+            <p:nvPr>
+              <p:extLst>
+                <p:ext uri="{386F3935-93C4-4BCD-93E2-E3B085C9AB24}">
+                  <p16:designElem xmlns:p16="http://schemas.microsoft.com/office/powerpoint/2015/main" val="1"/>
+                </p:ext>
+              </p:extLst>
+            </p:nvPr>
+          </p:nvCxnSpPr>
+          <p:spPr>
+            <a:xfrm>
+              <a:off x="11993258" y="-1"/>
+              <a:ext cx="0" cy="6858000"/>
+            </a:xfrm>
+            <a:prstGeom prst="line">
+              <a:avLst/>
+            </a:prstGeom>
+            <a:ln w="12700">
+              <a:solidFill>
+                <a:srgbClr val="BCBCBC">
+                  <a:alpha val="29804"/>
+                </a:srgbClr>
+              </a:solidFill>
+              <a:prstDash val="sysDot"/>
+            </a:ln>
+          </p:spPr>
+          <p:style>
+            <a:lnRef idx="1">
+              <a:schemeClr val="accent1"/>
+            </a:lnRef>
+            <a:fillRef idx="0">
+              <a:schemeClr val="accent1"/>
+            </a:fillRef>
+            <a:effectRef idx="0">
+              <a:schemeClr val="accent1"/>
+            </a:effectRef>
+            <a:fontRef idx="minor">
+              <a:schemeClr val="tx1"/>
+            </a:fontRef>
+          </p:style>
+        </p:cxnSp>
+        <p:cxnSp>
+          <p:nvCxnSpPr>
+            <p:cNvPr id="20" name="Straight Connector 19">
+              <a:extLst>
+                <a:ext uri="{FF2B5EF4-FFF2-40B4-BE49-F238E27FC236}">
+                  <a16:creationId xmlns:a16="http://schemas.microsoft.com/office/drawing/2014/main" id="{2506A0AD-93DC-442E-9F60-B30CEAF7DD5D}"/>
+                </a:ext>
+                <a:ext uri="{C183D7F6-B498-43B3-948B-1728B52AA6E4}">
+                  <adec:decorative xmlns:adec="http://schemas.microsoft.com/office/drawing/2017/decorative" val="1"/>
+                </a:ext>
+              </a:extLst>
+            </p:cNvPr>
+            <p:cNvCxnSpPr>
+              <a:cxnSpLocks/>
+            </p:cNvCxnSpPr>
+            <p:nvPr>
+              <p:extLst>
+                <p:ext uri="{386F3935-93C4-4BCD-93E2-E3B085C9AB24}">
+                  <p16:designElem xmlns:p16="http://schemas.microsoft.com/office/powerpoint/2015/main" val="1"/>
+                </p:ext>
+              </p:extLst>
+            </p:nvPr>
+          </p:nvCxnSpPr>
+          <p:spPr>
+            <a:xfrm>
+              <a:off x="192528" y="-1"/>
+              <a:ext cx="0" cy="6858000"/>
+            </a:xfrm>
+            <a:prstGeom prst="line">
+              <a:avLst/>
+            </a:prstGeom>
+            <a:ln w="12700">
+              <a:solidFill>
+                <a:srgbClr val="BCBCBC">
+                  <a:alpha val="29804"/>
+                </a:srgbClr>
+              </a:solidFill>
+              <a:prstDash val="sysDot"/>
+            </a:ln>
+          </p:spPr>
+          <p:style>
+            <a:lnRef idx="1">
+              <a:schemeClr val="accent1"/>
+            </a:lnRef>
+            <a:fillRef idx="0">
+              <a:schemeClr val="accent1"/>
+            </a:fillRef>
+            <a:effectRef idx="0">
+              <a:schemeClr val="accent1"/>
+            </a:effectRef>
+            <a:fontRef idx="minor">
+              <a:schemeClr val="tx1"/>
+            </a:fontRef>
+          </p:style>
+        </p:cxnSp>
+        <p:cxnSp>
+          <p:nvCxnSpPr>
+            <p:cNvPr id="21" name="Straight Connector 20">
+              <a:extLst>
+                <a:ext uri="{FF2B5EF4-FFF2-40B4-BE49-F238E27FC236}">
+                  <a16:creationId xmlns:a16="http://schemas.microsoft.com/office/drawing/2014/main" id="{FED3C365-CE85-4FAC-B746-E04C9F92AF03}"/>
+                </a:ext>
+                <a:ext uri="{C183D7F6-B498-43B3-948B-1728B52AA6E4}">
+                  <adec:decorative xmlns:adec="http://schemas.microsoft.com/office/drawing/2017/decorative" val="1"/>
+                </a:ext>
+              </a:extLst>
+            </p:cNvPr>
+            <p:cNvCxnSpPr>
+              <a:cxnSpLocks/>
+            </p:cNvCxnSpPr>
+            <p:nvPr>
+              <p:extLst>
+                <p:ext uri="{386F3935-93C4-4BCD-93E2-E3B085C9AB24}">
+                  <p16:designElem xmlns:p16="http://schemas.microsoft.com/office/powerpoint/2015/main" val="1"/>
+                </p:ext>
+              </p:extLst>
+            </p:nvPr>
+          </p:nvCxnSpPr>
+          <p:spPr>
+            <a:xfrm>
+              <a:off x="1175922" y="-1"/>
+              <a:ext cx="0" cy="6858000"/>
+            </a:xfrm>
+            <a:prstGeom prst="line">
+              <a:avLst/>
+            </a:prstGeom>
+            <a:ln w="12700">
+              <a:solidFill>
+                <a:srgbClr val="BCBCBC">
+                  <a:alpha val="29804"/>
+                </a:srgbClr>
+              </a:solidFill>
+              <a:prstDash val="sysDot"/>
+            </a:ln>
+          </p:spPr>
+          <p:style>
+            <a:lnRef idx="1">
+              <a:schemeClr val="accent1"/>
+            </a:lnRef>
+            <a:fillRef idx="0">
+              <a:schemeClr val="accent1"/>
+            </a:fillRef>
+            <a:effectRef idx="0">
+              <a:schemeClr val="accent1"/>
+            </a:effectRef>
+            <a:fontRef idx="minor">
+              <a:schemeClr val="tx1"/>
+            </a:fontRef>
+          </p:style>
+        </p:cxnSp>
+        <p:cxnSp>
+          <p:nvCxnSpPr>
+            <p:cNvPr id="22" name="Straight Connector 21">
+              <a:extLst>
+                <a:ext uri="{FF2B5EF4-FFF2-40B4-BE49-F238E27FC236}">
+                  <a16:creationId xmlns:a16="http://schemas.microsoft.com/office/drawing/2014/main" id="{178454BD-0545-4C56-BD44-0FD16077F2CD}"/>
+                </a:ext>
+                <a:ext uri="{C183D7F6-B498-43B3-948B-1728B52AA6E4}">
+                  <adec:decorative xmlns:adec="http://schemas.microsoft.com/office/drawing/2017/decorative" val="1"/>
+                </a:ext>
+              </a:extLst>
+            </p:cNvPr>
+            <p:cNvCxnSpPr>
+              <a:cxnSpLocks/>
+            </p:cNvCxnSpPr>
+            <p:nvPr>
+              <p:extLst>
+                <p:ext uri="{386F3935-93C4-4BCD-93E2-E3B085C9AB24}">
+                  <p16:designElem xmlns:p16="http://schemas.microsoft.com/office/powerpoint/2015/main" val="1"/>
+                </p:ext>
+              </p:extLst>
+            </p:nvPr>
+          </p:nvCxnSpPr>
+          <p:spPr>
+            <a:xfrm>
+              <a:off x="2159316" y="-1"/>
+              <a:ext cx="0" cy="6858000"/>
+            </a:xfrm>
+            <a:prstGeom prst="line">
+              <a:avLst/>
+            </a:prstGeom>
+            <a:ln w="12700">
+              <a:solidFill>
+                <a:srgbClr val="BCBCBC">
+                  <a:alpha val="29804"/>
+                </a:srgbClr>
+              </a:solidFill>
+              <a:prstDash val="sysDot"/>
+            </a:ln>
+          </p:spPr>
+          <p:style>
+            <a:lnRef idx="1">
+              <a:schemeClr val="accent1"/>
+            </a:lnRef>
+            <a:fillRef idx="0">
+              <a:schemeClr val="accent1"/>
+            </a:fillRef>
+            <a:effectRef idx="0">
+              <a:schemeClr val="accent1"/>
+            </a:effectRef>
+            <a:fontRef idx="minor">
+              <a:schemeClr val="tx1"/>
+            </a:fontRef>
+          </p:style>
+        </p:cxnSp>
+        <p:cxnSp>
+          <p:nvCxnSpPr>
+            <p:cNvPr id="23" name="Straight Connector 22">
+              <a:extLst>
+                <a:ext uri="{FF2B5EF4-FFF2-40B4-BE49-F238E27FC236}">
+                  <a16:creationId xmlns:a16="http://schemas.microsoft.com/office/drawing/2014/main" id="{5B2AB6B5-F9FA-46C4-9677-F28F2A3BC9FC}"/>
+                </a:ext>
+                <a:ext uri="{C183D7F6-B498-43B3-948B-1728B52AA6E4}">
+                  <adec:decorative xmlns:adec="http://schemas.microsoft.com/office/drawing/2017/decorative" val="1"/>
+                </a:ext>
+              </a:extLst>
+            </p:cNvPr>
+            <p:cNvCxnSpPr>
+              <a:cxnSpLocks/>
+            </p:cNvCxnSpPr>
+            <p:nvPr>
+              <p:extLst>
+                <p:ext uri="{386F3935-93C4-4BCD-93E2-E3B085C9AB24}">
+                  <p16:designElem xmlns:p16="http://schemas.microsoft.com/office/powerpoint/2015/main" val="1"/>
+                </p:ext>
+              </p:extLst>
+            </p:nvPr>
+          </p:nvCxnSpPr>
+          <p:spPr>
+            <a:xfrm>
+              <a:off x="3142710" y="-1"/>
+              <a:ext cx="0" cy="6858000"/>
+            </a:xfrm>
+            <a:prstGeom prst="line">
+              <a:avLst/>
+            </a:prstGeom>
+            <a:ln w="12700">
+              <a:solidFill>
+                <a:srgbClr val="BCBCBC">
+                  <a:alpha val="29804"/>
+                </a:srgbClr>
+              </a:solidFill>
+              <a:prstDash val="sysDot"/>
+            </a:ln>
+          </p:spPr>
+          <p:style>
+            <a:lnRef idx="1">
+              <a:schemeClr val="accent1"/>
+            </a:lnRef>
+            <a:fillRef idx="0">
+              <a:schemeClr val="accent1"/>
+            </a:fillRef>
+            <a:effectRef idx="0">
+              <a:schemeClr val="accent1"/>
+            </a:effectRef>
+            <a:fontRef idx="minor">
+              <a:schemeClr val="tx1"/>
+            </a:fontRef>
+          </p:style>
+        </p:cxnSp>
+        <p:cxnSp>
+          <p:nvCxnSpPr>
+            <p:cNvPr id="24" name="Straight Connector 23">
+              <a:extLst>
+                <a:ext uri="{FF2B5EF4-FFF2-40B4-BE49-F238E27FC236}">
+                  <a16:creationId xmlns:a16="http://schemas.microsoft.com/office/drawing/2014/main" id="{0A888551-D4D1-46F5-975D-320FB87DBCE6}"/>
+                </a:ext>
+                <a:ext uri="{C183D7F6-B498-43B3-948B-1728B52AA6E4}">
+                  <adec:decorative xmlns:adec="http://schemas.microsoft.com/office/drawing/2017/decorative" val="1"/>
+                </a:ext>
+              </a:extLst>
+            </p:cNvPr>
+            <p:cNvCxnSpPr>
+              <a:cxnSpLocks/>
+            </p:cNvCxnSpPr>
+            <p:nvPr>
+              <p:extLst>
+                <p:ext uri="{386F3935-93C4-4BCD-93E2-E3B085C9AB24}">
+                  <p16:designElem xmlns:p16="http://schemas.microsoft.com/office/powerpoint/2015/main" val="1"/>
+                </p:ext>
+              </p:extLst>
+            </p:nvPr>
+          </p:nvCxnSpPr>
+          <p:spPr>
+            <a:xfrm>
+              <a:off x="4126104" y="-1"/>
+              <a:ext cx="0" cy="6858000"/>
+            </a:xfrm>
+            <a:prstGeom prst="line">
+              <a:avLst/>
+            </a:prstGeom>
+            <a:ln w="12700">
+              <a:solidFill>
+                <a:srgbClr val="BCBCBC">
+                  <a:alpha val="29804"/>
+                </a:srgbClr>
+              </a:solidFill>
+              <a:prstDash val="sysDot"/>
+            </a:ln>
+          </p:spPr>
+          <p:style>
+            <a:lnRef idx="1">
+              <a:schemeClr val="accent1"/>
+            </a:lnRef>
+            <a:fillRef idx="0">
+              <a:schemeClr val="accent1"/>
+            </a:fillRef>
+            <a:effectRef idx="0">
+              <a:schemeClr val="accent1"/>
+            </a:effectRef>
+            <a:fontRef idx="minor">
+              <a:schemeClr val="tx1"/>
+            </a:fontRef>
+          </p:style>
+        </p:cxnSp>
+        <p:cxnSp>
+          <p:nvCxnSpPr>
+            <p:cNvPr id="25" name="Straight Connector 24">
+              <a:extLst>
+                <a:ext uri="{FF2B5EF4-FFF2-40B4-BE49-F238E27FC236}">
+                  <a16:creationId xmlns:a16="http://schemas.microsoft.com/office/drawing/2014/main" id="{567C48A2-7C70-4832-8EA1-F4690A5F6BA0}"/>
+                </a:ext>
+                <a:ext uri="{C183D7F6-B498-43B3-948B-1728B52AA6E4}">
+                  <adec:decorative xmlns:adec="http://schemas.microsoft.com/office/drawing/2017/decorative" val="1"/>
+                </a:ext>
+              </a:extLst>
+            </p:cNvPr>
+            <p:cNvCxnSpPr>
+              <a:cxnSpLocks/>
+            </p:cNvCxnSpPr>
+            <p:nvPr>
+              <p:extLst>
+                <p:ext uri="{386F3935-93C4-4BCD-93E2-E3B085C9AB24}">
+                  <p16:designElem xmlns:p16="http://schemas.microsoft.com/office/powerpoint/2015/main" val="1"/>
+                </p:ext>
+              </p:extLst>
+            </p:nvPr>
+          </p:nvCxnSpPr>
+          <p:spPr>
+            <a:xfrm>
+              <a:off x="5109498" y="-1"/>
+              <a:ext cx="0" cy="6858000"/>
+            </a:xfrm>
+            <a:prstGeom prst="line">
+              <a:avLst/>
+            </a:prstGeom>
+            <a:ln w="12700">
+              <a:solidFill>
+                <a:srgbClr val="BCBCBC">
+                  <a:alpha val="29804"/>
+                </a:srgbClr>
+              </a:solidFill>
+              <a:prstDash val="sysDot"/>
+            </a:ln>
+          </p:spPr>
+          <p:style>
+            <a:lnRef idx="1">
+              <a:schemeClr val="accent1"/>
+            </a:lnRef>
+            <a:fillRef idx="0">
+              <a:schemeClr val="accent1"/>
+            </a:fillRef>
+            <a:effectRef idx="0">
+              <a:schemeClr val="accent1"/>
+            </a:effectRef>
+            <a:fontRef idx="minor">
+              <a:schemeClr val="tx1"/>
+            </a:fontRef>
+          </p:style>
+        </p:cxnSp>
+        <p:cxnSp>
+          <p:nvCxnSpPr>
+            <p:cNvPr id="26" name="Straight Connector 25">
+              <a:extLst>
+                <a:ext uri="{FF2B5EF4-FFF2-40B4-BE49-F238E27FC236}">
+                  <a16:creationId xmlns:a16="http://schemas.microsoft.com/office/drawing/2014/main" id="{C6B11DE8-28CF-46C2-AB13-7AE209801545}"/>
+                </a:ext>
+                <a:ext uri="{C183D7F6-B498-43B3-948B-1728B52AA6E4}">
+                  <adec:decorative xmlns:adec="http://schemas.microsoft.com/office/drawing/2017/decorative" val="1"/>
+                </a:ext>
+              </a:extLst>
+            </p:cNvPr>
+            <p:cNvCxnSpPr>
+              <a:cxnSpLocks/>
+            </p:cNvCxnSpPr>
+            <p:nvPr>
+              <p:extLst>
+                <p:ext uri="{386F3935-93C4-4BCD-93E2-E3B085C9AB24}">
+                  <p16:designElem xmlns:p16="http://schemas.microsoft.com/office/powerpoint/2015/main" val="1"/>
+                </p:ext>
+              </p:extLst>
+            </p:nvPr>
+          </p:nvCxnSpPr>
+          <p:spPr>
+            <a:xfrm>
+              <a:off x="6092892" y="-1"/>
+              <a:ext cx="0" cy="6858000"/>
+            </a:xfrm>
+            <a:prstGeom prst="line">
+              <a:avLst/>
+            </a:prstGeom>
+            <a:ln w="12700">
+              <a:solidFill>
+                <a:srgbClr val="BCBCBC">
+                  <a:alpha val="29804"/>
+                </a:srgbClr>
+              </a:solidFill>
+              <a:prstDash val="sysDot"/>
+            </a:ln>
+          </p:spPr>
+          <p:style>
+            <a:lnRef idx="1">
+              <a:schemeClr val="accent1"/>
+            </a:lnRef>
+            <a:fillRef idx="0">
+              <a:schemeClr val="accent1"/>
+            </a:fillRef>
+            <a:effectRef idx="0">
+              <a:schemeClr val="accent1"/>
+            </a:effectRef>
+            <a:fontRef idx="minor">
+              <a:schemeClr val="tx1"/>
+            </a:fontRef>
+          </p:style>
+        </p:cxnSp>
+        <p:cxnSp>
+          <p:nvCxnSpPr>
+            <p:cNvPr id="27" name="Straight Connector 26">
+              <a:extLst>
+                <a:ext uri="{FF2B5EF4-FFF2-40B4-BE49-F238E27FC236}">
+                  <a16:creationId xmlns:a16="http://schemas.microsoft.com/office/drawing/2014/main" id="{40395973-46DA-4BF6-B9C1-F0B4512DEB03}"/>
+                </a:ext>
+                <a:ext uri="{C183D7F6-B498-43B3-948B-1728B52AA6E4}">
+                  <adec:decorative xmlns:adec="http://schemas.microsoft.com/office/drawing/2017/decorative" val="1"/>
+                </a:ext>
+              </a:extLst>
+            </p:cNvPr>
+            <p:cNvCxnSpPr>
+              <a:cxnSpLocks/>
+            </p:cNvCxnSpPr>
+            <p:nvPr>
+              <p:extLst>
+                <p:ext uri="{386F3935-93C4-4BCD-93E2-E3B085C9AB24}">
+                  <p16:designElem xmlns:p16="http://schemas.microsoft.com/office/powerpoint/2015/main" val="1"/>
+                </p:ext>
+              </p:extLst>
+            </p:nvPr>
+          </p:nvCxnSpPr>
+          <p:spPr>
+            <a:xfrm>
+              <a:off x="7076286" y="-1"/>
+              <a:ext cx="0" cy="6858000"/>
+            </a:xfrm>
+            <a:prstGeom prst="line">
+              <a:avLst/>
+            </a:prstGeom>
+            <a:ln w="12700">
+              <a:solidFill>
+                <a:srgbClr val="BCBCBC">
+                  <a:alpha val="29804"/>
+                </a:srgbClr>
+              </a:solidFill>
+              <a:prstDash val="sysDot"/>
+            </a:ln>
+          </p:spPr>
+          <p:style>
+            <a:lnRef idx="1">
+              <a:schemeClr val="accent1"/>
+            </a:lnRef>
+            <a:fillRef idx="0">
+              <a:schemeClr val="accent1"/>
+            </a:fillRef>
+            <a:effectRef idx="0">
+              <a:schemeClr val="accent1"/>
+            </a:effectRef>
+            <a:fontRef idx="minor">
+              <a:schemeClr val="tx1"/>
+            </a:fontRef>
+          </p:style>
+        </p:cxnSp>
+        <p:cxnSp>
+          <p:nvCxnSpPr>
+            <p:cNvPr id="28" name="Straight Connector 27">
+              <a:extLst>
+                <a:ext uri="{FF2B5EF4-FFF2-40B4-BE49-F238E27FC236}">
+                  <a16:creationId xmlns:a16="http://schemas.microsoft.com/office/drawing/2014/main" id="{0CCFEEC4-7A30-4BB7-91CE-1BBA13833D5B}"/>
+                </a:ext>
+                <a:ext uri="{C183D7F6-B498-43B3-948B-1728B52AA6E4}">
+                  <adec:decorative xmlns:adec="http://schemas.microsoft.com/office/drawing/2017/decorative" val="1"/>
+                </a:ext>
+              </a:extLst>
+            </p:cNvPr>
+            <p:cNvCxnSpPr>
+              <a:cxnSpLocks/>
+            </p:cNvCxnSpPr>
+            <p:nvPr>
+              <p:extLst>
+                <p:ext uri="{386F3935-93C4-4BCD-93E2-E3B085C9AB24}">
+                  <p16:designElem xmlns:p16="http://schemas.microsoft.com/office/powerpoint/2015/main" val="1"/>
+                </p:ext>
+              </p:extLst>
+            </p:nvPr>
+          </p:nvCxnSpPr>
+          <p:spPr>
+            <a:xfrm>
+              <a:off x="8059680" y="-1"/>
+              <a:ext cx="0" cy="6858000"/>
+            </a:xfrm>
+            <a:prstGeom prst="line">
+              <a:avLst/>
+            </a:prstGeom>
+            <a:ln w="12700">
+              <a:solidFill>
+                <a:srgbClr val="BCBCBC">
+                  <a:alpha val="29804"/>
+                </a:srgbClr>
+              </a:solidFill>
+              <a:prstDash val="sysDot"/>
+            </a:ln>
+          </p:spPr>
+          <p:style>
+            <a:lnRef idx="1">
+              <a:schemeClr val="accent1"/>
+            </a:lnRef>
+            <a:fillRef idx="0">
+              <a:schemeClr val="accent1"/>
+            </a:fillRef>
+            <a:effectRef idx="0">
+              <a:schemeClr val="accent1"/>
+            </a:effectRef>
+            <a:fontRef idx="minor">
+              <a:schemeClr val="tx1"/>
+            </a:fontRef>
+          </p:style>
+        </p:cxnSp>
+        <p:cxnSp>
+          <p:nvCxnSpPr>
+            <p:cNvPr id="29" name="Straight Connector 28">
+              <a:extLst>
+                <a:ext uri="{FF2B5EF4-FFF2-40B4-BE49-F238E27FC236}">
+                  <a16:creationId xmlns:a16="http://schemas.microsoft.com/office/drawing/2014/main" id="{08A0F616-0997-42B0-83B2-BDF6BB350119}"/>
+                </a:ext>
+                <a:ext uri="{C183D7F6-B498-43B3-948B-1728B52AA6E4}">
+                  <adec:decorative xmlns:adec="http://schemas.microsoft.com/office/drawing/2017/decorative" val="1"/>
+                </a:ext>
+              </a:extLst>
+            </p:cNvPr>
+            <p:cNvCxnSpPr>
+              <a:cxnSpLocks/>
+            </p:cNvCxnSpPr>
+            <p:nvPr>
+              <p:extLst>
+                <p:ext uri="{386F3935-93C4-4BCD-93E2-E3B085C9AB24}">
+                  <p16:designElem xmlns:p16="http://schemas.microsoft.com/office/powerpoint/2015/main" val="1"/>
+                </p:ext>
+              </p:extLst>
+            </p:nvPr>
+          </p:nvCxnSpPr>
+          <p:spPr>
+            <a:xfrm>
+              <a:off x="9043074" y="-1"/>
+              <a:ext cx="0" cy="6858000"/>
+            </a:xfrm>
+            <a:prstGeom prst="line">
+              <a:avLst/>
+            </a:prstGeom>
+            <a:ln w="12700">
+              <a:solidFill>
+                <a:srgbClr val="BCBCBC">
+                  <a:alpha val="29804"/>
+                </a:srgbClr>
+              </a:solidFill>
+              <a:prstDash val="sysDot"/>
+            </a:ln>
+          </p:spPr>
+          <p:style>
+            <a:lnRef idx="1">
+              <a:schemeClr val="accent1"/>
+            </a:lnRef>
+            <a:fillRef idx="0">
+              <a:schemeClr val="accent1"/>
+            </a:fillRef>
+            <a:effectRef idx="0">
+              <a:schemeClr val="accent1"/>
+            </a:effectRef>
+            <a:fontRef idx="minor">
+              <a:schemeClr val="tx1"/>
+            </a:fontRef>
+          </p:style>
+        </p:cxnSp>
+        <p:cxnSp>
+          <p:nvCxnSpPr>
+            <p:cNvPr id="30" name="Straight Connector 29">
+              <a:extLst>
+                <a:ext uri="{FF2B5EF4-FFF2-40B4-BE49-F238E27FC236}">
+                  <a16:creationId xmlns:a16="http://schemas.microsoft.com/office/drawing/2014/main" id="{444B0F3E-07AE-40F2-ACA8-84BBAEE5B92B}"/>
+                </a:ext>
+                <a:ext uri="{C183D7F6-B498-43B3-948B-1728B52AA6E4}">
+                  <adec:decorative xmlns:adec="http://schemas.microsoft.com/office/drawing/2017/decorative" val="1"/>
+                </a:ext>
+              </a:extLst>
+            </p:cNvPr>
+            <p:cNvCxnSpPr>
+              <a:cxnSpLocks/>
+            </p:cNvCxnSpPr>
+            <p:nvPr>
+              <p:extLst>
+                <p:ext uri="{386F3935-93C4-4BCD-93E2-E3B085C9AB24}">
+                  <p16:designElem xmlns:p16="http://schemas.microsoft.com/office/powerpoint/2015/main" val="1"/>
+                </p:ext>
+              </p:extLst>
+            </p:nvPr>
+          </p:nvCxnSpPr>
+          <p:spPr>
+            <a:xfrm>
+              <a:off x="10026468" y="-1"/>
+              <a:ext cx="0" cy="6858000"/>
+            </a:xfrm>
+            <a:prstGeom prst="line">
+              <a:avLst/>
+            </a:prstGeom>
+            <a:ln w="12700">
+              <a:solidFill>
+                <a:srgbClr val="BCBCBC">
+                  <a:alpha val="29804"/>
+                </a:srgbClr>
+              </a:solidFill>
+              <a:prstDash val="sysDot"/>
+            </a:ln>
+          </p:spPr>
+          <p:style>
+            <a:lnRef idx="1">
+              <a:schemeClr val="accent1"/>
+            </a:lnRef>
+            <a:fillRef idx="0">
+              <a:schemeClr val="accent1"/>
+            </a:fillRef>
+            <a:effectRef idx="0">
+              <a:schemeClr val="accent1"/>
+            </a:effectRef>
+            <a:fontRef idx="minor">
+              <a:schemeClr val="tx1"/>
+            </a:fontRef>
+          </p:style>
+        </p:cxnSp>
+        <p:cxnSp>
+          <p:nvCxnSpPr>
+            <p:cNvPr id="31" name="Straight Connector 30">
+              <a:extLst>
+                <a:ext uri="{FF2B5EF4-FFF2-40B4-BE49-F238E27FC236}">
+                  <a16:creationId xmlns:a16="http://schemas.microsoft.com/office/drawing/2014/main" id="{1A948B5D-3085-4444-95B3-2ED3F19C1697}"/>
+                </a:ext>
+                <a:ext uri="{C183D7F6-B498-43B3-948B-1728B52AA6E4}">
+                  <adec:decorative xmlns:adec="http://schemas.microsoft.com/office/drawing/2017/decorative" val="1"/>
+                </a:ext>
+              </a:extLst>
+            </p:cNvPr>
+            <p:cNvCxnSpPr>
+              <a:cxnSpLocks/>
+            </p:cNvCxnSpPr>
+            <p:nvPr>
+              <p:extLst>
+                <p:ext uri="{386F3935-93C4-4BCD-93E2-E3B085C9AB24}">
+                  <p16:designElem xmlns:p16="http://schemas.microsoft.com/office/powerpoint/2015/main" val="1"/>
+                </p:ext>
+              </p:extLst>
+            </p:nvPr>
+          </p:nvCxnSpPr>
+          <p:spPr>
+            <a:xfrm>
+              <a:off x="11009862" y="-1"/>
+              <a:ext cx="0" cy="6858000"/>
+            </a:xfrm>
+            <a:prstGeom prst="line">
+              <a:avLst/>
+            </a:prstGeom>
+            <a:ln w="12700">
+              <a:solidFill>
+                <a:srgbClr val="BCBCBC">
+                  <a:alpha val="29804"/>
+                </a:srgbClr>
+              </a:solidFill>
+              <a:prstDash val="sysDot"/>
+            </a:ln>
+          </p:spPr>
+          <p:style>
+            <a:lnRef idx="1">
+              <a:schemeClr val="accent1"/>
+            </a:lnRef>
+            <a:fillRef idx="0">
+              <a:schemeClr val="accent1"/>
+            </a:fillRef>
+            <a:effectRef idx="0">
+              <a:schemeClr val="accent1"/>
+            </a:effectRef>
+            <a:fontRef idx="minor">
+              <a:schemeClr val="tx1"/>
+            </a:fontRef>
+          </p:style>
+        </p:cxnSp>
+        <p:cxnSp>
+          <p:nvCxnSpPr>
+            <p:cNvPr id="32" name="Straight Connector 31">
+              <a:extLst>
+                <a:ext uri="{FF2B5EF4-FFF2-40B4-BE49-F238E27FC236}">
+                  <a16:creationId xmlns:a16="http://schemas.microsoft.com/office/drawing/2014/main" id="{15B0FDF0-2286-4AD5-8409-EC8B706C508C}"/>
+                </a:ext>
+                <a:ext uri="{C183D7F6-B498-43B3-948B-1728B52AA6E4}">
+                  <adec:decorative xmlns:adec="http://schemas.microsoft.com/office/drawing/2017/decorative" val="1"/>
+                </a:ext>
+              </a:extLst>
+            </p:cNvPr>
+            <p:cNvCxnSpPr>
+              <a:cxnSpLocks/>
+            </p:cNvCxnSpPr>
+            <p:nvPr>
+              <p:extLst>
+                <p:ext uri="{386F3935-93C4-4BCD-93E2-E3B085C9AB24}">
+                  <p16:designElem xmlns:p16="http://schemas.microsoft.com/office/powerpoint/2015/main" val="1"/>
+                </p:ext>
+              </p:extLst>
+            </p:nvPr>
+          </p:nvCxnSpPr>
+          <p:spPr>
+            <a:xfrm>
+              <a:off x="12185786" y="-1"/>
+              <a:ext cx="0" cy="6858000"/>
+            </a:xfrm>
+            <a:prstGeom prst="line">
+              <a:avLst/>
+            </a:prstGeom>
+            <a:ln w="12700">
+              <a:solidFill>
+                <a:srgbClr val="BCBCBC">
+                  <a:alpha val="29804"/>
+                </a:srgbClr>
+              </a:solidFill>
+              <a:prstDash val="sysDot"/>
+            </a:ln>
+          </p:spPr>
+          <p:style>
+            <a:lnRef idx="1">
+              <a:schemeClr val="accent1"/>
+            </a:lnRef>
+            <a:fillRef idx="0">
+              <a:schemeClr val="accent1"/>
+            </a:fillRef>
+            <a:effectRef idx="0">
+              <a:schemeClr val="accent1"/>
+            </a:effectRef>
+            <a:fontRef idx="minor">
+              <a:schemeClr val="tx1"/>
+            </a:fontRef>
+          </p:style>
+        </p:cxnSp>
+        <p:cxnSp>
+          <p:nvCxnSpPr>
+            <p:cNvPr id="33" name="Straight Connector 32">
+              <a:extLst>
+                <a:ext uri="{FF2B5EF4-FFF2-40B4-BE49-F238E27FC236}">
+                  <a16:creationId xmlns:a16="http://schemas.microsoft.com/office/drawing/2014/main" id="{0B8842C3-3266-4C74-A6BF-5529C9CC25AA}"/>
+                </a:ext>
+                <a:ext uri="{C183D7F6-B498-43B3-948B-1728B52AA6E4}">
+                  <adec:decorative xmlns:adec="http://schemas.microsoft.com/office/drawing/2017/decorative" val="1"/>
+                </a:ext>
+              </a:extLst>
+            </p:cNvPr>
+            <p:cNvCxnSpPr>
+              <a:cxnSpLocks/>
+            </p:cNvCxnSpPr>
+            <p:nvPr>
+              <p:extLst>
+                <p:ext uri="{386F3935-93C4-4BCD-93E2-E3B085C9AB24}">
+                  <p16:designElem xmlns:p16="http://schemas.microsoft.com/office/powerpoint/2015/main" val="1"/>
+                </p:ext>
+              </p:extLst>
+            </p:nvPr>
+          </p:nvCxnSpPr>
+          <p:spPr>
+            <a:xfrm>
+              <a:off x="0" y="171716"/>
+              <a:ext cx="12192000" cy="0"/>
+            </a:xfrm>
+            <a:prstGeom prst="line">
+              <a:avLst/>
+            </a:prstGeom>
+            <a:ln w="12700">
+              <a:solidFill>
+                <a:srgbClr val="BCBCBC">
+                  <a:alpha val="29804"/>
+                </a:srgbClr>
+              </a:solidFill>
+              <a:prstDash val="sysDot"/>
+            </a:ln>
+          </p:spPr>
+          <p:style>
+            <a:lnRef idx="1">
+              <a:schemeClr val="accent1"/>
+            </a:lnRef>
+            <a:fillRef idx="0">
+              <a:schemeClr val="accent1"/>
+            </a:fillRef>
+            <a:effectRef idx="0">
+              <a:schemeClr val="accent1"/>
+            </a:effectRef>
+            <a:fontRef idx="minor">
+              <a:schemeClr val="tx1"/>
+            </a:fontRef>
+          </p:style>
+        </p:cxnSp>
+        <p:cxnSp>
+          <p:nvCxnSpPr>
+            <p:cNvPr id="34" name="Straight Connector 33">
+              <a:extLst>
+                <a:ext uri="{FF2B5EF4-FFF2-40B4-BE49-F238E27FC236}">
+                  <a16:creationId xmlns:a16="http://schemas.microsoft.com/office/drawing/2014/main" id="{E920E458-6F68-46DF-9407-9E6AD8CE210A}"/>
+                </a:ext>
+                <a:ext uri="{C183D7F6-B498-43B3-948B-1728B52AA6E4}">
+                  <adec:decorative xmlns:adec="http://schemas.microsoft.com/office/drawing/2017/decorative" val="1"/>
+                </a:ext>
+              </a:extLst>
+            </p:cNvPr>
+            <p:cNvCxnSpPr>
+              <a:cxnSpLocks/>
+            </p:cNvCxnSpPr>
+            <p:nvPr>
+              <p:extLst>
+                <p:ext uri="{386F3935-93C4-4BCD-93E2-E3B085C9AB24}">
+                  <p16:designElem xmlns:p16="http://schemas.microsoft.com/office/powerpoint/2015/main" val="1"/>
+                </p:ext>
+              </p:extLst>
+            </p:nvPr>
+          </p:nvCxnSpPr>
+          <p:spPr>
+            <a:xfrm>
+              <a:off x="0" y="714597"/>
+              <a:ext cx="12192000" cy="0"/>
+            </a:xfrm>
+            <a:prstGeom prst="line">
+              <a:avLst/>
+            </a:prstGeom>
+            <a:ln w="12700">
+              <a:solidFill>
+                <a:srgbClr val="BCBCBC">
+                  <a:alpha val="29804"/>
+                </a:srgbClr>
+              </a:solidFill>
+              <a:prstDash val="sysDot"/>
+            </a:ln>
+          </p:spPr>
+          <p:style>
+            <a:lnRef idx="1">
+              <a:schemeClr val="accent1"/>
+            </a:lnRef>
+            <a:fillRef idx="0">
+              <a:schemeClr val="accent1"/>
+            </a:fillRef>
+            <a:effectRef idx="0">
+              <a:schemeClr val="accent1"/>
+            </a:effectRef>
+            <a:fontRef idx="minor">
+              <a:schemeClr val="tx1"/>
+            </a:fontRef>
+          </p:style>
+        </p:cxnSp>
+        <p:cxnSp>
+          <p:nvCxnSpPr>
+            <p:cNvPr id="35" name="Straight Connector 34">
+              <a:extLst>
+                <a:ext uri="{FF2B5EF4-FFF2-40B4-BE49-F238E27FC236}">
+                  <a16:creationId xmlns:a16="http://schemas.microsoft.com/office/drawing/2014/main" id="{10CB4A57-7F7E-426D-93B5-984A8F8BC643}"/>
+                </a:ext>
+                <a:ext uri="{C183D7F6-B498-43B3-948B-1728B52AA6E4}">
+                  <adec:decorative xmlns:adec="http://schemas.microsoft.com/office/drawing/2017/decorative" val="1"/>
+                </a:ext>
+              </a:extLst>
+            </p:cNvPr>
+            <p:cNvCxnSpPr>
+              <a:cxnSpLocks/>
+            </p:cNvCxnSpPr>
+            <p:nvPr>
+              <p:extLst>
+                <p:ext uri="{386F3935-93C4-4BCD-93E2-E3B085C9AB24}">
+                  <p16:designElem xmlns:p16="http://schemas.microsoft.com/office/powerpoint/2015/main" val="1"/>
+                </p:ext>
+              </p:extLst>
+            </p:nvPr>
+          </p:nvCxnSpPr>
+          <p:spPr>
+            <a:xfrm>
+              <a:off x="0" y="1257478"/>
+              <a:ext cx="12192000" cy="0"/>
+            </a:xfrm>
+            <a:prstGeom prst="line">
+              <a:avLst/>
+            </a:prstGeom>
+            <a:ln w="12700">
+              <a:solidFill>
+                <a:srgbClr val="BCBCBC">
+                  <a:alpha val="29804"/>
+                </a:srgbClr>
+              </a:solidFill>
+              <a:prstDash val="sysDot"/>
+            </a:ln>
+          </p:spPr>
+          <p:style>
+            <a:lnRef idx="1">
+              <a:schemeClr val="accent1"/>
+            </a:lnRef>
+            <a:fillRef idx="0">
+              <a:schemeClr val="accent1"/>
+            </a:fillRef>
+            <a:effectRef idx="0">
+              <a:schemeClr val="accent1"/>
+            </a:effectRef>
+            <a:fontRef idx="minor">
+              <a:schemeClr val="tx1"/>
+            </a:fontRef>
+          </p:style>
+        </p:cxnSp>
+        <p:cxnSp>
+          <p:nvCxnSpPr>
+            <p:cNvPr id="36" name="Straight Connector 35">
+              <a:extLst>
+                <a:ext uri="{FF2B5EF4-FFF2-40B4-BE49-F238E27FC236}">
+                  <a16:creationId xmlns:a16="http://schemas.microsoft.com/office/drawing/2014/main" id="{CC038EA1-A5C8-4528-9DEC-35C3970C22F4}"/>
+                </a:ext>
+                <a:ext uri="{C183D7F6-B498-43B3-948B-1728B52AA6E4}">
+                  <adec:decorative xmlns:adec="http://schemas.microsoft.com/office/drawing/2017/decorative" val="1"/>
+                </a:ext>
+              </a:extLst>
+            </p:cNvPr>
+            <p:cNvCxnSpPr>
+              <a:cxnSpLocks/>
+            </p:cNvCxnSpPr>
+            <p:nvPr>
+              <p:extLst>
+                <p:ext uri="{386F3935-93C4-4BCD-93E2-E3B085C9AB24}">
+                  <p16:designElem xmlns:p16="http://schemas.microsoft.com/office/powerpoint/2015/main" val="1"/>
+                </p:ext>
+              </p:extLst>
+            </p:nvPr>
+          </p:nvCxnSpPr>
+          <p:spPr>
+            <a:xfrm>
+              <a:off x="0" y="1800359"/>
+              <a:ext cx="12192000" cy="0"/>
+            </a:xfrm>
+            <a:prstGeom prst="line">
+              <a:avLst/>
+            </a:prstGeom>
+            <a:ln w="12700">
+              <a:solidFill>
+                <a:srgbClr val="BCBCBC">
+                  <a:alpha val="29804"/>
+                </a:srgbClr>
+              </a:solidFill>
+              <a:prstDash val="sysDot"/>
+            </a:ln>
+          </p:spPr>
+          <p:style>
+            <a:lnRef idx="1">
+              <a:schemeClr val="accent1"/>
+            </a:lnRef>
+            <a:fillRef idx="0">
+              <a:schemeClr val="accent1"/>
+            </a:fillRef>
+            <a:effectRef idx="0">
+              <a:schemeClr val="accent1"/>
+            </a:effectRef>
+            <a:fontRef idx="minor">
+              <a:schemeClr val="tx1"/>
+            </a:fontRef>
+          </p:style>
+        </p:cxnSp>
+        <p:cxnSp>
+          <p:nvCxnSpPr>
+            <p:cNvPr id="37" name="Straight Connector 36">
+              <a:extLst>
+                <a:ext uri="{FF2B5EF4-FFF2-40B4-BE49-F238E27FC236}">
+                  <a16:creationId xmlns:a16="http://schemas.microsoft.com/office/drawing/2014/main" id="{3CC18C7B-5800-46CC-B5DF-8B8D91A1B3B2}"/>
+                </a:ext>
+                <a:ext uri="{C183D7F6-B498-43B3-948B-1728B52AA6E4}">
+                  <adec:decorative xmlns:adec="http://schemas.microsoft.com/office/drawing/2017/decorative" val="1"/>
+                </a:ext>
+              </a:extLst>
+            </p:cNvPr>
+            <p:cNvCxnSpPr>
+              <a:cxnSpLocks/>
+            </p:cNvCxnSpPr>
+            <p:nvPr>
+              <p:extLst>
+                <p:ext uri="{386F3935-93C4-4BCD-93E2-E3B085C9AB24}">
+                  <p16:designElem xmlns:p16="http://schemas.microsoft.com/office/powerpoint/2015/main" val="1"/>
+                </p:ext>
+              </p:extLst>
+            </p:nvPr>
+          </p:nvCxnSpPr>
+          <p:spPr>
+            <a:xfrm>
+              <a:off x="0" y="2343240"/>
+              <a:ext cx="12192000" cy="0"/>
+            </a:xfrm>
+            <a:prstGeom prst="line">
+              <a:avLst/>
+            </a:prstGeom>
+            <a:ln w="12700">
+              <a:solidFill>
+                <a:srgbClr val="BCBCBC">
+                  <a:alpha val="29804"/>
+                </a:srgbClr>
+              </a:solidFill>
+              <a:prstDash val="sysDot"/>
+            </a:ln>
+          </p:spPr>
+          <p:style>
+            <a:lnRef idx="1">
+              <a:schemeClr val="accent1"/>
+            </a:lnRef>
+            <a:fillRef idx="0">
+              <a:schemeClr val="accent1"/>
+            </a:fillRef>
+            <a:effectRef idx="0">
+              <a:schemeClr val="accent1"/>
+            </a:effectRef>
+            <a:fontRef idx="minor">
+              <a:schemeClr val="tx1"/>
+            </a:fontRef>
+          </p:style>
+        </p:cxnSp>
+        <p:cxnSp>
+          <p:nvCxnSpPr>
+            <p:cNvPr id="38" name="Straight Connector 37">
+              <a:extLst>
+                <a:ext uri="{FF2B5EF4-FFF2-40B4-BE49-F238E27FC236}">
+                  <a16:creationId xmlns:a16="http://schemas.microsoft.com/office/drawing/2014/main" id="{27AFBA18-1DE7-4213-9CF2-DAA4886EA9F8}"/>
+                </a:ext>
+                <a:ext uri="{C183D7F6-B498-43B3-948B-1728B52AA6E4}">
+                  <adec:decorative xmlns:adec="http://schemas.microsoft.com/office/drawing/2017/decorative" val="1"/>
+                </a:ext>
+              </a:extLst>
+            </p:cNvPr>
+            <p:cNvCxnSpPr>
+              <a:cxnSpLocks/>
+            </p:cNvCxnSpPr>
+            <p:nvPr>
+              <p:extLst>
+                <p:ext uri="{386F3935-93C4-4BCD-93E2-E3B085C9AB24}">
+                  <p16:designElem xmlns:p16="http://schemas.microsoft.com/office/powerpoint/2015/main" val="1"/>
+                </p:ext>
+              </p:extLst>
+            </p:nvPr>
+          </p:nvCxnSpPr>
+          <p:spPr>
+            <a:xfrm>
+              <a:off x="0" y="2886121"/>
+              <a:ext cx="12192000" cy="0"/>
+            </a:xfrm>
+            <a:prstGeom prst="line">
+              <a:avLst/>
+            </a:prstGeom>
+            <a:ln w="12700">
+              <a:solidFill>
+                <a:srgbClr val="BCBCBC">
+                  <a:alpha val="29804"/>
+                </a:srgbClr>
+              </a:solidFill>
+              <a:prstDash val="sysDot"/>
+            </a:ln>
+          </p:spPr>
+          <p:style>
+            <a:lnRef idx="1">
+              <a:schemeClr val="accent1"/>
+            </a:lnRef>
+            <a:fillRef idx="0">
+              <a:schemeClr val="accent1"/>
+            </a:fillRef>
+            <a:effectRef idx="0">
+              <a:schemeClr val="accent1"/>
+            </a:effectRef>
+            <a:fontRef idx="minor">
+              <a:schemeClr val="tx1"/>
+            </a:fontRef>
+          </p:style>
+        </p:cxnSp>
+        <p:cxnSp>
+          <p:nvCxnSpPr>
+            <p:cNvPr id="39" name="Straight Connector 38">
+              <a:extLst>
+                <a:ext uri="{FF2B5EF4-FFF2-40B4-BE49-F238E27FC236}">
+                  <a16:creationId xmlns:a16="http://schemas.microsoft.com/office/drawing/2014/main" id="{E209AD18-3DFF-4A2A-BA06-5B62BC9F303B}"/>
+                </a:ext>
+                <a:ext uri="{C183D7F6-B498-43B3-948B-1728B52AA6E4}">
+                  <adec:decorative xmlns:adec="http://schemas.microsoft.com/office/drawing/2017/decorative" val="1"/>
+                </a:ext>
+              </a:extLst>
+            </p:cNvPr>
+            <p:cNvCxnSpPr>
+              <a:cxnSpLocks/>
+            </p:cNvCxnSpPr>
+            <p:nvPr>
+              <p:extLst>
+                <p:ext uri="{386F3935-93C4-4BCD-93E2-E3B085C9AB24}">
+                  <p16:designElem xmlns:p16="http://schemas.microsoft.com/office/powerpoint/2015/main" val="1"/>
+                </p:ext>
+              </p:extLst>
+            </p:nvPr>
+          </p:nvCxnSpPr>
+          <p:spPr>
+            <a:xfrm>
+              <a:off x="0" y="3429002"/>
+              <a:ext cx="12192000" cy="0"/>
+            </a:xfrm>
+            <a:prstGeom prst="line">
+              <a:avLst/>
+            </a:prstGeom>
+            <a:ln w="12700">
+              <a:solidFill>
+                <a:srgbClr val="BCBCBC">
+                  <a:alpha val="29804"/>
+                </a:srgbClr>
+              </a:solidFill>
+              <a:prstDash val="sysDot"/>
+            </a:ln>
+          </p:spPr>
+          <p:style>
+            <a:lnRef idx="1">
+              <a:schemeClr val="accent1"/>
+            </a:lnRef>
+            <a:fillRef idx="0">
+              <a:schemeClr val="accent1"/>
+            </a:fillRef>
+            <a:effectRef idx="0">
+              <a:schemeClr val="accent1"/>
+            </a:effectRef>
+            <a:fontRef idx="minor">
+              <a:schemeClr val="tx1"/>
+            </a:fontRef>
+          </p:style>
+        </p:cxnSp>
+        <p:cxnSp>
+          <p:nvCxnSpPr>
+            <p:cNvPr id="40" name="Straight Connector 39">
+              <a:extLst>
+                <a:ext uri="{FF2B5EF4-FFF2-40B4-BE49-F238E27FC236}">
+                  <a16:creationId xmlns:a16="http://schemas.microsoft.com/office/drawing/2014/main" id="{CC9349A2-4AE5-4765-852E-EDD390D0ED4A}"/>
+                </a:ext>
+                <a:ext uri="{C183D7F6-B498-43B3-948B-1728B52AA6E4}">
+                  <adec:decorative xmlns:adec="http://schemas.microsoft.com/office/drawing/2017/decorative" val="1"/>
+                </a:ext>
+              </a:extLst>
+            </p:cNvPr>
+            <p:cNvCxnSpPr>
+              <a:cxnSpLocks/>
+            </p:cNvCxnSpPr>
+            <p:nvPr>
+              <p:extLst>
+                <p:ext uri="{386F3935-93C4-4BCD-93E2-E3B085C9AB24}">
+                  <p16:designElem xmlns:p16="http://schemas.microsoft.com/office/powerpoint/2015/main" val="1"/>
+                </p:ext>
+              </p:extLst>
+            </p:nvPr>
+          </p:nvCxnSpPr>
+          <p:spPr>
+            <a:xfrm>
+              <a:off x="0" y="3971883"/>
+              <a:ext cx="12192000" cy="0"/>
+            </a:xfrm>
+            <a:prstGeom prst="line">
+              <a:avLst/>
+            </a:prstGeom>
+            <a:ln w="12700">
+              <a:solidFill>
+                <a:srgbClr val="BCBCBC">
+                  <a:alpha val="29804"/>
+                </a:srgbClr>
+              </a:solidFill>
+              <a:prstDash val="sysDot"/>
+            </a:ln>
+          </p:spPr>
+          <p:style>
+            <a:lnRef idx="1">
+              <a:schemeClr val="accent1"/>
+            </a:lnRef>
+            <a:fillRef idx="0">
+              <a:schemeClr val="accent1"/>
+            </a:fillRef>
+            <a:effectRef idx="0">
+              <a:schemeClr val="accent1"/>
+            </a:effectRef>
+            <a:fontRef idx="minor">
+              <a:schemeClr val="tx1"/>
+            </a:fontRef>
+          </p:style>
+        </p:cxnSp>
+        <p:cxnSp>
+          <p:nvCxnSpPr>
+            <p:cNvPr id="41" name="Straight Connector 40">
+              <a:extLst>
+                <a:ext uri="{FF2B5EF4-FFF2-40B4-BE49-F238E27FC236}">
+                  <a16:creationId xmlns:a16="http://schemas.microsoft.com/office/drawing/2014/main" id="{8F551698-2DD2-4F8E-ABB8-0CBAE048C373}"/>
+                </a:ext>
+                <a:ext uri="{C183D7F6-B498-43B3-948B-1728B52AA6E4}">
+                  <adec:decorative xmlns:adec="http://schemas.microsoft.com/office/drawing/2017/decorative" val="1"/>
+                </a:ext>
+              </a:extLst>
+            </p:cNvPr>
+            <p:cNvCxnSpPr>
+              <a:cxnSpLocks/>
+            </p:cNvCxnSpPr>
+            <p:nvPr>
+              <p:extLst>
+                <p:ext uri="{386F3935-93C4-4BCD-93E2-E3B085C9AB24}">
+                  <p16:designElem xmlns:p16="http://schemas.microsoft.com/office/powerpoint/2015/main" val="1"/>
+                </p:ext>
+              </p:extLst>
+            </p:nvPr>
+          </p:nvCxnSpPr>
+          <p:spPr>
+            <a:xfrm>
+              <a:off x="0" y="4514764"/>
+              <a:ext cx="12192000" cy="0"/>
+            </a:xfrm>
+            <a:prstGeom prst="line">
+              <a:avLst/>
+            </a:prstGeom>
+            <a:ln w="12700">
+              <a:solidFill>
+                <a:srgbClr val="BCBCBC">
+                  <a:alpha val="29804"/>
+                </a:srgbClr>
+              </a:solidFill>
+              <a:prstDash val="sysDot"/>
+            </a:ln>
+          </p:spPr>
+          <p:style>
+            <a:lnRef idx="1">
+              <a:schemeClr val="accent1"/>
+            </a:lnRef>
+            <a:fillRef idx="0">
+              <a:schemeClr val="accent1"/>
+            </a:fillRef>
+            <a:effectRef idx="0">
+              <a:schemeClr val="accent1"/>
+            </a:effectRef>
+            <a:fontRef idx="minor">
+              <a:schemeClr val="tx1"/>
+            </a:fontRef>
+          </p:style>
+        </p:cxnSp>
+        <p:cxnSp>
+          <p:nvCxnSpPr>
+            <p:cNvPr id="42" name="Straight Connector 41">
+              <a:extLst>
+                <a:ext uri="{FF2B5EF4-FFF2-40B4-BE49-F238E27FC236}">
+                  <a16:creationId xmlns:a16="http://schemas.microsoft.com/office/drawing/2014/main" id="{93D68F4A-8464-4C0E-8E8F-218BA86E10FD}"/>
+                </a:ext>
+                <a:ext uri="{C183D7F6-B498-43B3-948B-1728B52AA6E4}">
+                  <adec:decorative xmlns:adec="http://schemas.microsoft.com/office/drawing/2017/decorative" val="1"/>
+                </a:ext>
+              </a:extLst>
+            </p:cNvPr>
+            <p:cNvCxnSpPr>
+              <a:cxnSpLocks/>
+            </p:cNvCxnSpPr>
+            <p:nvPr>
+              <p:extLst>
+                <p:ext uri="{386F3935-93C4-4BCD-93E2-E3B085C9AB24}">
+                  <p16:designElem xmlns:p16="http://schemas.microsoft.com/office/powerpoint/2015/main" val="1"/>
+                </p:ext>
+              </p:extLst>
+            </p:nvPr>
+          </p:nvCxnSpPr>
+          <p:spPr>
+            <a:xfrm>
+              <a:off x="0" y="5057645"/>
+              <a:ext cx="12192000" cy="0"/>
+            </a:xfrm>
+            <a:prstGeom prst="line">
+              <a:avLst/>
+            </a:prstGeom>
+            <a:ln w="12700">
+              <a:solidFill>
+                <a:srgbClr val="BCBCBC">
+                  <a:alpha val="29804"/>
+                </a:srgbClr>
+              </a:solidFill>
+              <a:prstDash val="sysDot"/>
+            </a:ln>
+          </p:spPr>
+          <p:style>
+            <a:lnRef idx="1">
+              <a:schemeClr val="accent1"/>
+            </a:lnRef>
+            <a:fillRef idx="0">
+              <a:schemeClr val="accent1"/>
+            </a:fillRef>
+            <a:effectRef idx="0">
+              <a:schemeClr val="accent1"/>
+            </a:effectRef>
+            <a:fontRef idx="minor">
+              <a:schemeClr val="tx1"/>
+            </a:fontRef>
+          </p:style>
+        </p:cxnSp>
+        <p:cxnSp>
+          <p:nvCxnSpPr>
+            <p:cNvPr id="43" name="Straight Connector 42">
+              <a:extLst>
+                <a:ext uri="{FF2B5EF4-FFF2-40B4-BE49-F238E27FC236}">
+                  <a16:creationId xmlns:a16="http://schemas.microsoft.com/office/drawing/2014/main" id="{31142AB3-3DD8-414B-8BB3-2E30DBD759FA}"/>
+                </a:ext>
+                <a:ext uri="{C183D7F6-B498-43B3-948B-1728B52AA6E4}">
+                  <adec:decorative xmlns:adec="http://schemas.microsoft.com/office/drawing/2017/decorative" val="1"/>
+                </a:ext>
+              </a:extLst>
+            </p:cNvPr>
+            <p:cNvCxnSpPr>
+              <a:cxnSpLocks/>
+            </p:cNvCxnSpPr>
+            <p:nvPr>
+              <p:extLst>
+                <p:ext uri="{386F3935-93C4-4BCD-93E2-E3B085C9AB24}">
+                  <p16:designElem xmlns:p16="http://schemas.microsoft.com/office/powerpoint/2015/main" val="1"/>
+                </p:ext>
+              </p:extLst>
+            </p:nvPr>
+          </p:nvCxnSpPr>
+          <p:spPr>
+            <a:xfrm>
+              <a:off x="0" y="5600526"/>
+              <a:ext cx="12192000" cy="0"/>
+            </a:xfrm>
+            <a:prstGeom prst="line">
+              <a:avLst/>
+            </a:prstGeom>
+            <a:ln w="12700">
+              <a:solidFill>
+                <a:srgbClr val="BCBCBC">
+                  <a:alpha val="29804"/>
+                </a:srgbClr>
+              </a:solidFill>
+              <a:prstDash val="sysDot"/>
+            </a:ln>
+          </p:spPr>
+          <p:style>
+            <a:lnRef idx="1">
+              <a:schemeClr val="accent1"/>
+            </a:lnRef>
+            <a:fillRef idx="0">
+              <a:schemeClr val="accent1"/>
+            </a:fillRef>
+            <a:effectRef idx="0">
+              <a:schemeClr val="accent1"/>
+            </a:effectRef>
+            <a:fontRef idx="minor">
+              <a:schemeClr val="tx1"/>
+            </a:fontRef>
+          </p:style>
+        </p:cxnSp>
+        <p:cxnSp>
+          <p:nvCxnSpPr>
+            <p:cNvPr id="44" name="Straight Connector 43">
+              <a:extLst>
+                <a:ext uri="{FF2B5EF4-FFF2-40B4-BE49-F238E27FC236}">
+                  <a16:creationId xmlns:a16="http://schemas.microsoft.com/office/drawing/2014/main" id="{5D796E03-EB21-459D-96EA-B0EE0109B7F0}"/>
+                </a:ext>
+                <a:ext uri="{C183D7F6-B498-43B3-948B-1728B52AA6E4}">
+                  <adec:decorative xmlns:adec="http://schemas.microsoft.com/office/drawing/2017/decorative" val="1"/>
+                </a:ext>
+              </a:extLst>
+            </p:cNvPr>
+            <p:cNvCxnSpPr>
+              <a:cxnSpLocks/>
+            </p:cNvCxnSpPr>
+            <p:nvPr>
+              <p:extLst>
+                <p:ext uri="{386F3935-93C4-4BCD-93E2-E3B085C9AB24}">
+                  <p16:designElem xmlns:p16="http://schemas.microsoft.com/office/powerpoint/2015/main" val="1"/>
+                </p:ext>
+              </p:extLst>
+            </p:nvPr>
+          </p:nvCxnSpPr>
+          <p:spPr>
+            <a:xfrm>
+              <a:off x="0" y="6857999"/>
+              <a:ext cx="12192000" cy="0"/>
+            </a:xfrm>
+            <a:prstGeom prst="line">
+              <a:avLst/>
+            </a:prstGeom>
+            <a:ln w="12700">
+              <a:solidFill>
+                <a:srgbClr val="BCBCBC">
+                  <a:alpha val="29804"/>
+                </a:srgbClr>
+              </a:solidFill>
+              <a:prstDash val="sysDot"/>
+            </a:ln>
+          </p:spPr>
+          <p:style>
+            <a:lnRef idx="1">
+              <a:schemeClr val="accent1"/>
+            </a:lnRef>
+            <a:fillRef idx="0">
+              <a:schemeClr val="accent1"/>
+            </a:fillRef>
+            <a:effectRef idx="0">
+              <a:schemeClr val="accent1"/>
+            </a:effectRef>
+            <a:fontRef idx="minor">
+              <a:schemeClr val="tx1"/>
+            </a:fontRef>
+          </p:style>
+        </p:cxnSp>
+        <p:cxnSp>
+          <p:nvCxnSpPr>
+            <p:cNvPr id="45" name="Straight Connector 44">
+              <a:extLst>
+                <a:ext uri="{FF2B5EF4-FFF2-40B4-BE49-F238E27FC236}">
+                  <a16:creationId xmlns:a16="http://schemas.microsoft.com/office/drawing/2014/main" id="{32F4A84E-E201-47CA-85A4-25A9D766239B}"/>
+                </a:ext>
+                <a:ext uri="{C183D7F6-B498-43B3-948B-1728B52AA6E4}">
+                  <adec:decorative xmlns:adec="http://schemas.microsoft.com/office/drawing/2017/decorative" val="1"/>
+                </a:ext>
+              </a:extLst>
+            </p:cNvPr>
+            <p:cNvCxnSpPr>
+              <a:cxnSpLocks/>
+            </p:cNvCxnSpPr>
+            <p:nvPr>
+              <p:extLst>
+                <p:ext uri="{386F3935-93C4-4BCD-93E2-E3B085C9AB24}">
+                  <p16:designElem xmlns:p16="http://schemas.microsoft.com/office/powerpoint/2015/main" val="1"/>
+                </p:ext>
+              </p:extLst>
+            </p:nvPr>
+          </p:nvCxnSpPr>
+          <p:spPr>
+            <a:xfrm>
+              <a:off x="16613" y="6143407"/>
+              <a:ext cx="12192000" cy="0"/>
+            </a:xfrm>
+            <a:prstGeom prst="line">
+              <a:avLst/>
+            </a:prstGeom>
+            <a:ln w="12700">
+              <a:solidFill>
+                <a:srgbClr val="BCBCBC">
+                  <a:alpha val="29804"/>
+                </a:srgbClr>
+              </a:solidFill>
+              <a:prstDash val="sysDot"/>
+            </a:ln>
+          </p:spPr>
+          <p:style>
+            <a:lnRef idx="1">
+              <a:schemeClr val="accent1"/>
+            </a:lnRef>
+            <a:fillRef idx="0">
+              <a:schemeClr val="accent1"/>
+            </a:fillRef>
+            <a:effectRef idx="0">
+              <a:schemeClr val="accent1"/>
+            </a:effectRef>
+            <a:fontRef idx="minor">
+              <a:schemeClr val="tx1"/>
+            </a:fontRef>
+          </p:style>
+        </p:cxnSp>
+        <p:cxnSp>
+          <p:nvCxnSpPr>
+            <p:cNvPr id="46" name="Straight Connector 45">
+              <a:extLst>
+                <a:ext uri="{FF2B5EF4-FFF2-40B4-BE49-F238E27FC236}">
+                  <a16:creationId xmlns:a16="http://schemas.microsoft.com/office/drawing/2014/main" id="{0C03A65C-C198-4FD0-8FF6-BBF0C3AA8D32}"/>
+                </a:ext>
+                <a:ext uri="{C183D7F6-B498-43B3-948B-1728B52AA6E4}">
+                  <adec:decorative xmlns:adec="http://schemas.microsoft.com/office/drawing/2017/decorative" val="1"/>
+                </a:ext>
+              </a:extLst>
+            </p:cNvPr>
+            <p:cNvCxnSpPr>
+              <a:cxnSpLocks/>
+            </p:cNvCxnSpPr>
+            <p:nvPr>
+              <p:extLst>
+                <p:ext uri="{386F3935-93C4-4BCD-93E2-E3B085C9AB24}">
+                  <p16:designElem xmlns:p16="http://schemas.microsoft.com/office/powerpoint/2015/main" val="1"/>
+                </p:ext>
+              </p:extLst>
+            </p:nvPr>
+          </p:nvCxnSpPr>
+          <p:spPr>
+            <a:xfrm>
+              <a:off x="684225" y="171716"/>
+              <a:ext cx="0" cy="6511464"/>
+            </a:xfrm>
+            <a:prstGeom prst="line">
+              <a:avLst/>
+            </a:prstGeom>
+            <a:ln w="12700">
+              <a:solidFill>
+                <a:srgbClr val="BCBCBC">
+                  <a:alpha val="29804"/>
+                </a:srgbClr>
+              </a:solidFill>
+              <a:prstDash val="sysDot"/>
+            </a:ln>
+          </p:spPr>
+          <p:style>
+            <a:lnRef idx="1">
+              <a:schemeClr val="accent1"/>
+            </a:lnRef>
+            <a:fillRef idx="0">
+              <a:schemeClr val="accent1"/>
+            </a:fillRef>
+            <a:effectRef idx="0">
+              <a:schemeClr val="accent1"/>
+            </a:effectRef>
+            <a:fontRef idx="minor">
+              <a:schemeClr val="tx1"/>
+            </a:fontRef>
+          </p:style>
+        </p:cxnSp>
+        <p:cxnSp>
+          <p:nvCxnSpPr>
+            <p:cNvPr id="47" name="Straight Connector 46">
+              <a:extLst>
+                <a:ext uri="{FF2B5EF4-FFF2-40B4-BE49-F238E27FC236}">
+                  <a16:creationId xmlns:a16="http://schemas.microsoft.com/office/drawing/2014/main" id="{32344B27-CEB6-40F4-A75F-54415ACD542A}"/>
+                </a:ext>
+                <a:ext uri="{C183D7F6-B498-43B3-948B-1728B52AA6E4}">
+                  <adec:decorative xmlns:adec="http://schemas.microsoft.com/office/drawing/2017/decorative" val="1"/>
+                </a:ext>
+              </a:extLst>
+            </p:cNvPr>
+            <p:cNvCxnSpPr>
+              <a:cxnSpLocks/>
+            </p:cNvCxnSpPr>
+            <p:nvPr>
+              <p:extLst>
+                <p:ext uri="{386F3935-93C4-4BCD-93E2-E3B085C9AB24}">
+                  <p16:designElem xmlns:p16="http://schemas.microsoft.com/office/powerpoint/2015/main" val="1"/>
+                </p:ext>
+              </p:extLst>
+            </p:nvPr>
+          </p:nvCxnSpPr>
+          <p:spPr>
+            <a:xfrm>
+              <a:off x="11508412" y="173267"/>
+              <a:ext cx="0" cy="6511464"/>
+            </a:xfrm>
+            <a:prstGeom prst="line">
+              <a:avLst/>
+            </a:prstGeom>
+            <a:ln w="12700">
+              <a:solidFill>
+                <a:srgbClr val="BCBCBC">
+                  <a:alpha val="29804"/>
+                </a:srgbClr>
+              </a:solidFill>
+              <a:prstDash val="sysDot"/>
+            </a:ln>
+          </p:spPr>
+          <p:style>
+            <a:lnRef idx="1">
+              <a:schemeClr val="accent1"/>
+            </a:lnRef>
+            <a:fillRef idx="0">
+              <a:schemeClr val="accent1"/>
+            </a:fillRef>
+            <a:effectRef idx="0">
+              <a:schemeClr val="accent1"/>
+            </a:effectRef>
+            <a:fontRef idx="minor">
+              <a:schemeClr val="tx1"/>
+            </a:fontRef>
+          </p:style>
+        </p:cxnSp>
+      </p:grpSp>
+      <p:sp useBgFill="1">
+        <p:nvSpPr>
+          <p:cNvPr id="49" name="Freeform: Shape 48">
+            <a:extLst>
+              <a:ext uri="{FF2B5EF4-FFF2-40B4-BE49-F238E27FC236}">
+                <a16:creationId xmlns:a16="http://schemas.microsoft.com/office/drawing/2014/main" id="{FD965435-B881-4C53-9917-5CDFE7688209}"/>
+              </a:ext>
+              <a:ext uri="{C183D7F6-B498-43B3-948B-1728B52AA6E4}">
+                <adec:decorative xmlns:adec="http://schemas.microsoft.com/office/drawing/2017/decorative" val="1"/>
+              </a:ext>
+            </a:extLst>
+          </p:cNvPr>
+          <p:cNvSpPr>
+            <a:spLocks noGrp="1" noRot="1" noChangeAspect="1" noMove="1" noResize="1" noEditPoints="1" noAdjustHandles="1" noChangeArrowheads="1" noChangeShapeType="1" noTextEdit="1"/>
+          </p:cNvSpPr>
+          <p:nvPr>
+            <p:extLst>
+              <p:ext uri="{386F3935-93C4-4BCD-93E2-E3B085C9AB24}">
+                <p16:designElem xmlns:p16="http://schemas.microsoft.com/office/powerpoint/2015/main" val="1"/>
+              </p:ext>
+            </p:extLst>
+          </p:nvPr>
+        </p:nvSpPr>
+        <p:spPr>
+          <a:xfrm>
+            <a:off x="-9379" y="2882524"/>
+            <a:ext cx="12184765" cy="3975477"/>
+          </a:xfrm>
+          <a:custGeom>
+            <a:avLst/>
+            <a:gdLst>
+              <a:gd name="connsiteX0" fmla="*/ 8942254 w 12188952"/>
+              <a:gd name="connsiteY0" fmla="*/ 34 h 3975477"/>
+              <a:gd name="connsiteX1" fmla="*/ 11642906 w 12188952"/>
+              <a:gd name="connsiteY1" fmla="*/ 225257 h 3975477"/>
+              <a:gd name="connsiteX2" fmla="*/ 12188952 w 12188952"/>
+              <a:gd name="connsiteY2" fmla="*/ 311174 h 3975477"/>
+              <a:gd name="connsiteX3" fmla="*/ 12188952 w 12188952"/>
+              <a:gd name="connsiteY3" fmla="*/ 3975477 h 3975477"/>
+              <a:gd name="connsiteX4" fmla="*/ 0 w 12188952"/>
+              <a:gd name="connsiteY4" fmla="*/ 3975477 h 3975477"/>
+              <a:gd name="connsiteX5" fmla="*/ 0 w 12188952"/>
+              <a:gd name="connsiteY5" fmla="*/ 1085061 h 3975477"/>
+              <a:gd name="connsiteX6" fmla="*/ 552141 w 12188952"/>
+              <a:gd name="connsiteY6" fmla="*/ 1079980 h 3975477"/>
+              <a:gd name="connsiteX7" fmla="*/ 8942254 w 12188952"/>
+              <a:gd name="connsiteY7" fmla="*/ 34 h 3975477"/>
+            </a:gdLst>
+            <a:ahLst/>
+            <a:cxnLst>
+              <a:cxn ang="0">
+                <a:pos x="connsiteX0" y="connsiteY0"/>
+              </a:cxn>
+              <a:cxn ang="0">
+                <a:pos x="connsiteX1" y="connsiteY1"/>
+              </a:cxn>
+              <a:cxn ang="0">
+                <a:pos x="connsiteX2" y="connsiteY2"/>
+              </a:cxn>
+              <a:cxn ang="0">
+                <a:pos x="connsiteX3" y="connsiteY3"/>
+              </a:cxn>
+              <a:cxn ang="0">
+                <a:pos x="connsiteX4" y="connsiteY4"/>
+              </a:cxn>
+              <a:cxn ang="0">
+                <a:pos x="connsiteX5" y="connsiteY5"/>
+              </a:cxn>
+              <a:cxn ang="0">
+                <a:pos x="connsiteX6" y="connsiteY6"/>
+              </a:cxn>
+              <a:cxn ang="0">
+                <a:pos x="connsiteX7" y="connsiteY7"/>
+              </a:cxn>
+            </a:cxnLst>
+            <a:rect l="l" t="t" r="r" b="b"/>
+            <a:pathLst>
+              <a:path w="12188952" h="3975477">
+                <a:moveTo>
+                  <a:pt x="8942254" y="34"/>
+                </a:moveTo>
+                <a:cubicBezTo>
+                  <a:pt x="9695041" y="1709"/>
+                  <a:pt x="10568453" y="66687"/>
+                  <a:pt x="11642906" y="225257"/>
+                </a:cubicBezTo>
+                <a:lnTo>
+                  <a:pt x="12188952" y="311174"/>
+                </a:lnTo>
+                <a:lnTo>
+                  <a:pt x="12188952" y="3975477"/>
+                </a:lnTo>
+                <a:lnTo>
+                  <a:pt x="0" y="3975477"/>
+                </a:lnTo>
+                <a:lnTo>
+                  <a:pt x="0" y="1085061"/>
+                </a:lnTo>
+                <a:lnTo>
+                  <a:pt x="552141" y="1079980"/>
+                </a:lnTo>
+                <a:cubicBezTo>
+                  <a:pt x="4849952" y="999477"/>
+                  <a:pt x="5931106" y="-6667"/>
+                  <a:pt x="8942254" y="34"/>
+                </a:cubicBezTo>
+                <a:close/>
+              </a:path>
+            </a:pathLst>
+          </a:custGeom>
+          <a:solidFill>
+            <a:srgbClr val="BCBCBC">
+              <a:alpha val="30000"/>
+            </a:srgbClr>
+          </a:solidFill>
+          <a:ln>
+            <a:noFill/>
+          </a:ln>
+        </p:spPr>
+        <p:style>
+          <a:lnRef idx="2">
+            <a:schemeClr val="accent1">
+              <a:shade val="50000"/>
+            </a:schemeClr>
+          </a:lnRef>
+          <a:fillRef idx="1">
+            <a:schemeClr val="accent1"/>
+          </a:fillRef>
+          <a:effectRef idx="0">
+            <a:schemeClr val="accent1"/>
+          </a:effectRef>
+          <a:fontRef idx="minor">
+            <a:schemeClr val="lt1"/>
+          </a:fontRef>
+        </p:style>
+        <p:txBody>
+          <a:bodyPr wrap="square" rtlCol="0" anchor="ctr">
+            <a:noAutofit/>
+          </a:bodyPr>
+          <a:lstStyle/>
+          <a:p>
+            <a:pPr algn="ctr"/>
+            <a:endParaRPr lang="en-US"/>
+          </a:p>
+        </p:txBody>
+      </p:sp>
+      <p:sp>
+        <p:nvSpPr>
+          <p:cNvPr id="51" name="Right Triangle 50">
+            <a:extLst>
+              <a:ext uri="{FF2B5EF4-FFF2-40B4-BE49-F238E27FC236}">
+                <a16:creationId xmlns:a16="http://schemas.microsoft.com/office/drawing/2014/main" id="{72D91726-E656-4E99-9757-0A6650CB02F5}"/>
+              </a:ext>
+              <a:ext uri="{C183D7F6-B498-43B3-948B-1728B52AA6E4}">
+                <adec:decorative xmlns:adec="http://schemas.microsoft.com/office/drawing/2017/decorative" val="1"/>
+              </a:ext>
+            </a:extLst>
+          </p:cNvPr>
+          <p:cNvSpPr>
+            <a:spLocks noGrp="1" noRot="1" noChangeAspect="1" noMove="1" noResize="1" noEditPoints="1" noAdjustHandles="1" noChangeArrowheads="1" noChangeShapeType="1" noTextEdit="1"/>
+          </p:cNvSpPr>
+          <p:nvPr>
+            <p:extLst>
+              <p:ext uri="{386F3935-93C4-4BCD-93E2-E3B085C9AB24}">
+                <p16:designElem xmlns:p16="http://schemas.microsoft.com/office/powerpoint/2015/main" val="1"/>
+              </p:ext>
+            </p:extLst>
+          </p:nvPr>
+        </p:nvSpPr>
+        <p:spPr>
+          <a:xfrm rot="13500000">
+            <a:off x="-281092" y="1517040"/>
+            <a:ext cx="568289" cy="568289"/>
+          </a:xfrm>
+          <a:prstGeom prst="rtTriangle">
+            <a:avLst/>
+          </a:prstGeom>
+          <a:solidFill>
+            <a:schemeClr val="accent1">
+              <a:alpha val="50000"/>
+            </a:schemeClr>
+          </a:solidFill>
+          <a:ln>
+            <a:noFill/>
+          </a:ln>
+        </p:spPr>
+        <p:style>
+          <a:lnRef idx="2">
+            <a:schemeClr val="accent1">
+              <a:shade val="50000"/>
+            </a:schemeClr>
+          </a:lnRef>
+          <a:fillRef idx="1">
+            <a:schemeClr val="accent1"/>
+          </a:fillRef>
+          <a:effectRef idx="0">
+            <a:schemeClr val="accent1"/>
+          </a:effectRef>
+          <a:fontRef idx="minor">
+            <a:schemeClr val="lt1"/>
+          </a:fontRef>
+        </p:style>
+        <p:txBody>
+          <a:bodyPr rtlCol="0" anchor="ctr"/>
+          <a:lstStyle/>
+          <a:p>
+            <a:pPr algn="ctr"/>
+            <a:endParaRPr lang="en-US">
+              <a:solidFill>
+                <a:schemeClr val="tx1"/>
+              </a:solidFill>
+            </a:endParaRPr>
+          </a:p>
+        </p:txBody>
+      </p:sp>
+      <p:sp>
+        <p:nvSpPr>
+          <p:cNvPr id="9" name="Title 1">
+            <a:extLst>
+              <a:ext uri="{FF2B5EF4-FFF2-40B4-BE49-F238E27FC236}">
+                <a16:creationId xmlns:a16="http://schemas.microsoft.com/office/drawing/2014/main" id="{D57FD1C4-EEAB-30CA-F0C9-46662F3AE738}"/>
+              </a:ext>
+            </a:extLst>
+          </p:cNvPr>
+          <p:cNvSpPr>
+            <a:spLocks noGrp="1"/>
+          </p:cNvSpPr>
+          <p:nvPr>
+            <p:ph type="title"/>
+          </p:nvPr>
+        </p:nvSpPr>
+        <p:spPr>
+          <a:xfrm>
+            <a:off x="691079" y="725951"/>
+            <a:ext cx="4418418" cy="1918215"/>
+          </a:xfrm>
+        </p:spPr>
+        <p:txBody>
+          <a:bodyPr vert="horz" lIns="91440" tIns="45720" rIns="91440" bIns="45720" rtlCol="0" anchor="ctr">
+            <a:normAutofit/>
+          </a:bodyPr>
+          <a:lstStyle/>
+          <a:p>
+            <a:r>
+              <a:rPr lang="en-US" sz="3100"/>
+              <a:t>WebApplicationBuilder</a:t>
+            </a:r>
+          </a:p>
+        </p:txBody>
+      </p:sp>
+      <p:sp>
+        <p:nvSpPr>
+          <p:cNvPr id="7" name="TextBox 6">
+            <a:extLst>
+              <a:ext uri="{FF2B5EF4-FFF2-40B4-BE49-F238E27FC236}">
+                <a16:creationId xmlns:a16="http://schemas.microsoft.com/office/drawing/2014/main" id="{2C905CF4-765E-AF67-7C4F-7974EDE98A27}"/>
+              </a:ext>
+            </a:extLst>
+          </p:cNvPr>
+          <p:cNvSpPr txBox="1"/>
+          <p:nvPr/>
+        </p:nvSpPr>
+        <p:spPr>
+          <a:xfrm>
+            <a:off x="589516" y="2811127"/>
+            <a:ext cx="5696415" cy="423224"/>
+          </a:xfrm>
+          <a:prstGeom prst="rect">
+            <a:avLst/>
+          </a:prstGeom>
+        </p:spPr>
+        <p:txBody>
+          <a:bodyPr vert="horz" lIns="91440" tIns="45720" rIns="91440" bIns="45720" rtlCol="0" anchor="ctr">
+            <a:normAutofit/>
+          </a:bodyPr>
+          <a:lstStyle/>
+          <a:p>
+            <a:pPr indent="-228600">
+              <a:lnSpc>
+                <a:spcPct val="110000"/>
+              </a:lnSpc>
+              <a:spcAft>
+                <a:spcPts val="600"/>
+              </a:spcAft>
+              <a:buClr>
+                <a:schemeClr val="tx2">
+                  <a:lumMod val="50000"/>
+                  <a:lumOff val="50000"/>
+                </a:schemeClr>
+              </a:buClr>
+              <a:buSzPct val="75000"/>
+              <a:buFont typeface="Wingdings" panose="05000000000000000000" pitchFamily="2" charset="2"/>
+              <a:buChar char="§"/>
+            </a:pPr>
+            <a:r>
+              <a:rPr lang="en-US" dirty="0" err="1">
+                <a:solidFill>
+                  <a:schemeClr val="tx2"/>
+                </a:solidFill>
+              </a:rPr>
+              <a:t>AddInteractiveWebAssemblyComponents</a:t>
+            </a:r>
+            <a:endParaRPr lang="en-US" dirty="0">
+              <a:solidFill>
+                <a:schemeClr val="tx2"/>
+              </a:solidFill>
+            </a:endParaRPr>
+          </a:p>
+        </p:txBody>
+      </p:sp>
+      <p:pic>
+        <p:nvPicPr>
+          <p:cNvPr id="5" name="Picture 4">
+            <a:extLst>
+              <a:ext uri="{FF2B5EF4-FFF2-40B4-BE49-F238E27FC236}">
+                <a16:creationId xmlns:a16="http://schemas.microsoft.com/office/drawing/2014/main" id="{A182EFF3-79C1-8F7C-3C3F-9FEA97EAC875}"/>
+              </a:ext>
+            </a:extLst>
+          </p:cNvPr>
+          <p:cNvPicPr>
+            <a:picLocks noChangeAspect="1"/>
+          </p:cNvPicPr>
+          <p:nvPr/>
+        </p:nvPicPr>
+        <p:blipFill>
+          <a:blip r:embed="rId2"/>
+          <a:stretch>
+            <a:fillRect/>
+          </a:stretch>
+        </p:blipFill>
+        <p:spPr>
+          <a:xfrm>
+            <a:off x="611056" y="3306704"/>
+            <a:ext cx="9450438" cy="3260400"/>
+          </a:xfrm>
+          <a:prstGeom prst="rect">
+            <a:avLst/>
+          </a:prstGeom>
+        </p:spPr>
+      </p:pic>
+    </p:spTree>
+    <p:extLst>
+      <p:ext uri="{BB962C8B-B14F-4D97-AF65-F5344CB8AC3E}">
+        <p14:creationId xmlns:p14="http://schemas.microsoft.com/office/powerpoint/2010/main" val="763361399"/>
+      </p:ext>
+    </p:extLst>
+  </p:cSld>
+  <p:clrMapOvr>
+    <a:masterClrMapping/>
+  </p:clrMapOvr>
+</p:sld>
+</file>
+
+<file path=ppt/slides/slide11.xml><?xml version="1.0" encoding="utf-8"?>
+<p:sld xmlns:a="http://schemas.openxmlformats.org/drawingml/2006/main" xmlns:r="http://schemas.openxmlformats.org/officeDocument/2006/relationships" xmlns:p="http://schemas.openxmlformats.org/presentationml/2006/main">
+  <p:cSld>
     <p:spTree>
       <p:nvGrpSpPr>
         <p:cNvPr id="1" name=""/>
@@ -16116,7 +18299,7 @@
 </p:sld>
 </file>
 
-<file path=ppt/slides/slide11.xml><?xml version="1.0" encoding="utf-8"?>
+<file path=ppt/slides/slide12.xml><?xml version="1.0" encoding="utf-8"?>
 <p:sld xmlns:a="http://schemas.openxmlformats.org/drawingml/2006/main" xmlns:r="http://schemas.openxmlformats.org/officeDocument/2006/relationships" xmlns:p="http://schemas.openxmlformats.org/presentationml/2006/main">
   <p:cSld>
     <p:spTree>
@@ -16176,7 +18359,7 @@
 </p:sld>
 </file>
 
-<file path=ppt/slides/slide12.xml><?xml version="1.0" encoding="utf-8"?>
+<file path=ppt/slides/slide13.xml><?xml version="1.0" encoding="utf-8"?>
 <p:sld xmlns:a="http://schemas.openxmlformats.org/drawingml/2006/main" xmlns:r="http://schemas.openxmlformats.org/officeDocument/2006/relationships" xmlns:p="http://schemas.openxmlformats.org/presentationml/2006/main">
   <p:cSld>
     <p:spTree>
@@ -16826,7 +19009,561 @@
 </p:sld>
 </file>
 
-<file path=ppt/slides/slide13.xml><?xml version="1.0" encoding="utf-8"?>
+<file path=ppt/slides/slide14.xml><?xml version="1.0" encoding="utf-8"?>
+<p:sld xmlns:a="http://schemas.openxmlformats.org/drawingml/2006/main" xmlns:r="http://schemas.openxmlformats.org/officeDocument/2006/relationships" xmlns:p="http://schemas.openxmlformats.org/presentationml/2006/main">
+  <p:cSld>
+    <p:spTree>
+      <p:nvGrpSpPr>
+        <p:cNvPr id="1" name=""/>
+        <p:cNvGrpSpPr/>
+        <p:nvPr/>
+      </p:nvGrpSpPr>
+      <p:grpSpPr>
+        <a:xfrm>
+          <a:off x="0" y="0"/>
+          <a:ext cx="0" cy="0"/>
+          <a:chOff x="0" y="0"/>
+          <a:chExt cx="0" cy="0"/>
+        </a:xfrm>
+      </p:grpSpPr>
+      <p:sp>
+        <p:nvSpPr>
+          <p:cNvPr id="2" name="Title 1">
+            <a:extLst>
+              <a:ext uri="{FF2B5EF4-FFF2-40B4-BE49-F238E27FC236}">
+                <a16:creationId xmlns:a16="http://schemas.microsoft.com/office/drawing/2014/main" id="{0FFCBED8-BB7A-EC5A-FA1B-4FBC962CE316}"/>
+              </a:ext>
+            </a:extLst>
+          </p:cNvPr>
+          <p:cNvSpPr>
+            <a:spLocks noGrp="1"/>
+          </p:cNvSpPr>
+          <p:nvPr>
+            <p:ph type="title"/>
+          </p:nvPr>
+        </p:nvSpPr>
+        <p:spPr/>
+        <p:txBody>
+          <a:bodyPr/>
+          <a:lstStyle/>
+          <a:p>
+            <a:r>
+              <a:rPr lang="en-SG" dirty="0"/>
+              <a:t>Render By different Mode</a:t>
+            </a:r>
+          </a:p>
+        </p:txBody>
+      </p:sp>
+      <p:sp>
+        <p:nvSpPr>
+          <p:cNvPr id="3" name="Content Placeholder 2">
+            <a:extLst>
+              <a:ext uri="{FF2B5EF4-FFF2-40B4-BE49-F238E27FC236}">
+                <a16:creationId xmlns:a16="http://schemas.microsoft.com/office/drawing/2014/main" id="{7979257D-74B9-76CA-B0B9-BEF5A29BF8C2}"/>
+              </a:ext>
+            </a:extLst>
+          </p:cNvPr>
+          <p:cNvSpPr>
+            <a:spLocks noGrp="1"/>
+          </p:cNvSpPr>
+          <p:nvPr>
+            <p:ph idx="1"/>
+          </p:nvPr>
+        </p:nvSpPr>
+        <p:spPr>
+          <a:xfrm>
+            <a:off x="691079" y="2340131"/>
+            <a:ext cx="4457970" cy="3980770"/>
+          </a:xfrm>
+        </p:spPr>
+        <p:txBody>
+          <a:bodyPr>
+            <a:normAutofit/>
+          </a:bodyPr>
+          <a:lstStyle/>
+          <a:p>
+            <a:pPr marL="0" indent="0">
+              <a:buNone/>
+            </a:pPr>
+            <a:r>
+              <a:rPr lang="en-SG" sz="1100" b="1" dirty="0"/>
+              <a:t>Render </a:t>
+            </a:r>
+            <a:r>
+              <a:rPr lang="en-SG" sz="1100" b="1" dirty="0" err="1"/>
+              <a:t>Componment</a:t>
+            </a:r>
+            <a:r>
+              <a:rPr lang="en-SG" sz="1100" b="1" dirty="0"/>
+              <a:t>:</a:t>
+            </a:r>
+          </a:p>
+          <a:p>
+            <a:pPr marL="0" indent="0">
+              <a:buNone/>
+            </a:pPr>
+            <a:r>
+              <a:rPr lang="en-SG" sz="1100" dirty="0" err="1"/>
+              <a:t>RazorComponentEndpointInvoker.cs</a:t>
+            </a:r>
+            <a:endParaRPr lang="en-SG" sz="1100" dirty="0"/>
+          </a:p>
+          <a:p>
+            <a:pPr marL="0" indent="0">
+              <a:buNone/>
+            </a:pPr>
+            <a:endParaRPr lang="en-SG" sz="1100" dirty="0"/>
+          </a:p>
+          <a:p>
+            <a:pPr marL="0" indent="0">
+              <a:buNone/>
+            </a:pPr>
+            <a:r>
+              <a:rPr lang="en-SG" sz="1100" dirty="0" err="1"/>
+              <a:t>RazorComponentEndpointInvoker.RenderComponentCore</a:t>
+            </a:r>
+            <a:r>
+              <a:rPr lang="en-SG" sz="1100" dirty="0"/>
+              <a:t>()</a:t>
+            </a:r>
+          </a:p>
+          <a:p>
+            <a:pPr marL="0" indent="0">
+              <a:buNone/>
+            </a:pPr>
+            <a:r>
+              <a:rPr lang="en-SG" sz="1100" dirty="0"/>
+              <a:t>1. Initialize </a:t>
+            </a:r>
+            <a:r>
+              <a:rPr lang="en-SG" sz="1100" dirty="0" err="1"/>
+              <a:t>StreamingRendering</a:t>
+            </a:r>
+            <a:r>
+              <a:rPr lang="en-SG" sz="1100" dirty="0"/>
+              <a:t> Framing</a:t>
+            </a:r>
+          </a:p>
+          <a:p>
+            <a:pPr marL="0" indent="0">
+              <a:buNone/>
+            </a:pPr>
+            <a:r>
+              <a:rPr lang="en-SG" sz="1100" dirty="0"/>
+              <a:t>2. Initialize Standard Component Services</a:t>
+            </a:r>
+          </a:p>
+          <a:p>
+            <a:pPr marL="0" indent="0">
+              <a:buNone/>
+            </a:pPr>
+            <a:r>
+              <a:rPr lang="en-SG" sz="1100" dirty="0"/>
+              <a:t>3. Render Endpoint Component </a:t>
+            </a:r>
+          </a:p>
+          <a:p>
+            <a:pPr marL="0" indent="0">
+              <a:buNone/>
+            </a:pPr>
+            <a:r>
+              <a:rPr lang="en-SG" sz="1100" dirty="0"/>
+              <a:t>    3.1 </a:t>
+            </a:r>
+            <a:r>
+              <a:rPr lang="en-SG" sz="1100" dirty="0" err="1"/>
+              <a:t>InstantiateComponent</a:t>
+            </a:r>
+            <a:endParaRPr lang="en-SG" sz="1100" dirty="0"/>
+          </a:p>
+          <a:p>
+            <a:pPr marL="0" indent="0">
+              <a:buNone/>
+            </a:pPr>
+            <a:r>
+              <a:rPr lang="en-SG" sz="1100" dirty="0"/>
+              <a:t>        </a:t>
+            </a:r>
+            <a:r>
+              <a:rPr lang="en-SG" sz="1100" b="1" dirty="0"/>
+              <a:t>3.1.1 </a:t>
+            </a:r>
+            <a:r>
+              <a:rPr lang="en-SG" sz="1100" b="1" dirty="0" err="1"/>
+              <a:t>ResolveComponentForRenderMode</a:t>
+            </a:r>
+            <a:endParaRPr lang="en-SG" sz="1100" b="1" dirty="0"/>
+          </a:p>
+          <a:p>
+            <a:pPr marL="0" indent="0">
+              <a:buNone/>
+            </a:pPr>
+            <a:r>
+              <a:rPr lang="en-SG" sz="1100" dirty="0"/>
+              <a:t>    3.2 Waiting for </a:t>
+            </a:r>
+            <a:r>
+              <a:rPr lang="en-SG" sz="1100" dirty="0" err="1"/>
+              <a:t>quiesence</a:t>
+            </a:r>
+            <a:r>
+              <a:rPr lang="en-SG" sz="1100" dirty="0"/>
+              <a:t>(none stream Rendering) complete</a:t>
+            </a:r>
+          </a:p>
+          <a:p>
+            <a:pPr marL="0" indent="0">
+              <a:buNone/>
+            </a:pPr>
+            <a:r>
+              <a:rPr lang="en-SG" sz="1100" dirty="0"/>
+              <a:t>4. write by </a:t>
+            </a:r>
+            <a:r>
+              <a:rPr lang="en-SG" sz="1100" dirty="0" err="1"/>
+              <a:t>HttpResponseStreamWriter</a:t>
+            </a:r>
+            <a:endParaRPr lang="en-SG" sz="1100" dirty="0"/>
+          </a:p>
+        </p:txBody>
+      </p:sp>
+      <p:pic>
+        <p:nvPicPr>
+          <p:cNvPr id="11" name="Picture 10">
+            <a:extLst>
+              <a:ext uri="{FF2B5EF4-FFF2-40B4-BE49-F238E27FC236}">
+                <a16:creationId xmlns:a16="http://schemas.microsoft.com/office/drawing/2014/main" id="{90B9632F-B130-2BD7-F202-9F5506E6C444}"/>
+              </a:ext>
+            </a:extLst>
+          </p:cNvPr>
+          <p:cNvPicPr>
+            <a:picLocks noChangeAspect="1"/>
+          </p:cNvPicPr>
+          <p:nvPr/>
+        </p:nvPicPr>
+        <p:blipFill>
+          <a:blip r:embed="rId2"/>
+          <a:stretch>
+            <a:fillRect/>
+          </a:stretch>
+        </p:blipFill>
+        <p:spPr>
+          <a:xfrm>
+            <a:off x="4724156" y="2340131"/>
+            <a:ext cx="7467844" cy="3198349"/>
+          </a:xfrm>
+          <a:prstGeom prst="rect">
+            <a:avLst/>
+          </a:prstGeom>
+        </p:spPr>
+      </p:pic>
+    </p:spTree>
+    <p:extLst>
+      <p:ext uri="{BB962C8B-B14F-4D97-AF65-F5344CB8AC3E}">
+        <p14:creationId xmlns:p14="http://schemas.microsoft.com/office/powerpoint/2010/main" val="2118712361"/>
+      </p:ext>
+    </p:extLst>
+  </p:cSld>
+  <p:clrMapOvr>
+    <a:masterClrMapping/>
+  </p:clrMapOvr>
+</p:sld>
+</file>
+
+<file path=ppt/slides/slide15.xml><?xml version="1.0" encoding="utf-8"?>
+<p:sld xmlns:a="http://schemas.openxmlformats.org/drawingml/2006/main" xmlns:r="http://schemas.openxmlformats.org/officeDocument/2006/relationships" xmlns:p="http://schemas.openxmlformats.org/presentationml/2006/main">
+  <p:cSld>
+    <p:spTree>
+      <p:nvGrpSpPr>
+        <p:cNvPr id="1" name=""/>
+        <p:cNvGrpSpPr/>
+        <p:nvPr/>
+      </p:nvGrpSpPr>
+      <p:grpSpPr>
+        <a:xfrm>
+          <a:off x="0" y="0"/>
+          <a:ext cx="0" cy="0"/>
+          <a:chOff x="0" y="0"/>
+          <a:chExt cx="0" cy="0"/>
+        </a:xfrm>
+      </p:grpSpPr>
+      <p:sp>
+        <p:nvSpPr>
+          <p:cNvPr id="2" name="Title 1">
+            <a:extLst>
+              <a:ext uri="{FF2B5EF4-FFF2-40B4-BE49-F238E27FC236}">
+                <a16:creationId xmlns:a16="http://schemas.microsoft.com/office/drawing/2014/main" id="{0FFCBED8-BB7A-EC5A-FA1B-4FBC962CE316}"/>
+              </a:ext>
+            </a:extLst>
+          </p:cNvPr>
+          <p:cNvSpPr>
+            <a:spLocks noGrp="1"/>
+          </p:cNvSpPr>
+          <p:nvPr>
+            <p:ph type="title"/>
+          </p:nvPr>
+        </p:nvSpPr>
+        <p:spPr/>
+        <p:txBody>
+          <a:bodyPr/>
+          <a:lstStyle/>
+          <a:p>
+            <a:r>
+              <a:rPr lang="en-SG" dirty="0"/>
+              <a:t>Render By different Mode</a:t>
+            </a:r>
+          </a:p>
+        </p:txBody>
+      </p:sp>
+      <p:sp>
+        <p:nvSpPr>
+          <p:cNvPr id="3" name="Content Placeholder 2">
+            <a:extLst>
+              <a:ext uri="{FF2B5EF4-FFF2-40B4-BE49-F238E27FC236}">
+                <a16:creationId xmlns:a16="http://schemas.microsoft.com/office/drawing/2014/main" id="{7979257D-74B9-76CA-B0B9-BEF5A29BF8C2}"/>
+              </a:ext>
+            </a:extLst>
+          </p:cNvPr>
+          <p:cNvSpPr>
+            <a:spLocks noGrp="1"/>
+          </p:cNvSpPr>
+          <p:nvPr>
+            <p:ph idx="1"/>
+          </p:nvPr>
+        </p:nvSpPr>
+        <p:spPr>
+          <a:xfrm>
+            <a:off x="691079" y="2340131"/>
+            <a:ext cx="10325000" cy="3980770"/>
+          </a:xfrm>
+        </p:spPr>
+        <p:txBody>
+          <a:bodyPr>
+            <a:normAutofit lnSpcReduction="10000"/>
+          </a:bodyPr>
+          <a:lstStyle/>
+          <a:p>
+            <a:pPr marL="0" indent="0">
+              <a:buNone/>
+            </a:pPr>
+            <a:r>
+              <a:rPr lang="en-SG" sz="1100" b="1" dirty="0"/>
+              <a:t>Render </a:t>
+            </a:r>
+            <a:r>
+              <a:rPr lang="en-SG" sz="1100" b="1" dirty="0" err="1"/>
+              <a:t>Componment</a:t>
+            </a:r>
+            <a:r>
+              <a:rPr lang="en-SG" sz="1100" b="1" dirty="0"/>
+              <a:t>:</a:t>
+            </a:r>
+          </a:p>
+          <a:p>
+            <a:pPr marL="0" indent="0">
+              <a:buNone/>
+            </a:pPr>
+            <a:r>
+              <a:rPr lang="en-SG" sz="1100" dirty="0" err="1"/>
+              <a:t>RazorComponentEndpointInvoker.cs</a:t>
+            </a:r>
+            <a:endParaRPr lang="en-SG" sz="1100" dirty="0"/>
+          </a:p>
+          <a:p>
+            <a:pPr marL="0" indent="0">
+              <a:buNone/>
+            </a:pPr>
+            <a:endParaRPr lang="en-SG" sz="1100" dirty="0"/>
+          </a:p>
+          <a:p>
+            <a:pPr marL="0" indent="0">
+              <a:buNone/>
+            </a:pPr>
+            <a:r>
+              <a:rPr lang="en-SG" sz="1100" dirty="0" err="1"/>
+              <a:t>RazorComponentEndpointInvoker.RenderComponentCore</a:t>
+            </a:r>
+            <a:r>
+              <a:rPr lang="en-SG" sz="1100" dirty="0"/>
+              <a:t> -&gt;</a:t>
+            </a:r>
+          </a:p>
+          <a:p>
+            <a:pPr marL="0" indent="0">
+              <a:buNone/>
+            </a:pPr>
+            <a:r>
+              <a:rPr lang="en-SG" sz="1100" dirty="0"/>
+              <a:t>    </a:t>
+            </a:r>
+            <a:r>
+              <a:rPr lang="en-SG" sz="1100" dirty="0" err="1"/>
+              <a:t>EndpointHtmlRenderer.InitializeStandardComponentServicesAsync</a:t>
+            </a:r>
+            <a:endParaRPr lang="en-SG" sz="1100" dirty="0"/>
+          </a:p>
+          <a:p>
+            <a:pPr marL="0" indent="0">
+              <a:buNone/>
+            </a:pPr>
+            <a:r>
+              <a:rPr lang="en-SG" sz="1100" dirty="0"/>
+              <a:t>    </a:t>
+            </a:r>
+            <a:r>
+              <a:rPr lang="en-SG" sz="1100" dirty="0" err="1"/>
+              <a:t>EndpointHtmlRenderer.RenderEndpointComponent</a:t>
+            </a:r>
+            <a:r>
+              <a:rPr lang="en-SG" sz="1100" dirty="0"/>
+              <a:t>-&gt;</a:t>
+            </a:r>
+          </a:p>
+          <a:p>
+            <a:pPr marL="0" indent="0">
+              <a:buNone/>
+            </a:pPr>
+            <a:r>
+              <a:rPr lang="en-SG" sz="1100" dirty="0"/>
+              <a:t>        </a:t>
+            </a:r>
+            <a:r>
+              <a:rPr lang="en-SG" sz="1100" dirty="0" err="1"/>
+              <a:t>BeginRenderingComponent</a:t>
+            </a:r>
+            <a:r>
+              <a:rPr lang="en-SG" sz="1100" dirty="0"/>
+              <a:t>-&gt;</a:t>
+            </a:r>
+          </a:p>
+          <a:p>
+            <a:pPr marL="0" indent="0">
+              <a:buNone/>
+            </a:pPr>
+            <a:r>
+              <a:rPr lang="en-SG" sz="1100" dirty="0"/>
+              <a:t>            </a:t>
+            </a:r>
+            <a:r>
+              <a:rPr lang="en-SG" sz="1100" b="1" dirty="0" err="1">
+                <a:solidFill>
+                  <a:srgbClr val="FF0000"/>
+                </a:solidFill>
+              </a:rPr>
+              <a:t>ComponentFactory.InstantiateComponent</a:t>
+            </a:r>
+            <a:endParaRPr lang="en-SG" sz="1100" b="1" dirty="0">
+              <a:solidFill>
+                <a:srgbClr val="FF0000"/>
+              </a:solidFill>
+            </a:endParaRPr>
+          </a:p>
+          <a:p>
+            <a:pPr marL="0" indent="0">
+              <a:lnSpc>
+                <a:spcPct val="120000"/>
+              </a:lnSpc>
+              <a:buNone/>
+            </a:pPr>
+            <a:r>
+              <a:rPr lang="en-SG" sz="1100" dirty="0"/>
+              <a:t>        </a:t>
+            </a:r>
+            <a:r>
+              <a:rPr lang="en-SG" sz="1100" dirty="0" err="1"/>
+              <a:t>WaitForResultReady</a:t>
+            </a:r>
+            <a:r>
+              <a:rPr lang="en-SG" sz="1100" dirty="0"/>
+              <a:t>() </a:t>
+            </a:r>
+            <a:r>
+              <a:rPr lang="en-SG" sz="1100" dirty="0">
+                <a:solidFill>
+                  <a:srgbClr val="FF0000"/>
+                </a:solidFill>
+              </a:rPr>
+              <a:t>wait for quiescence of the non-streaming subtrees</a:t>
+            </a:r>
+          </a:p>
+          <a:p>
+            <a:pPr marL="0" indent="0">
+              <a:buNone/>
+            </a:pPr>
+            <a:r>
+              <a:rPr lang="en-SG" sz="1100" dirty="0"/>
+              <a:t>    </a:t>
+            </a:r>
+            <a:r>
+              <a:rPr lang="en-SG" sz="1100" dirty="0" err="1"/>
+              <a:t>EndpointHtmlRenderer.PrerenderPersistedStateAsync</a:t>
+            </a:r>
+            <a:r>
+              <a:rPr lang="en-SG" sz="1100" dirty="0"/>
+              <a:t> -&gt; </a:t>
+            </a:r>
+          </a:p>
+          <a:p>
+            <a:pPr marL="0" indent="0">
+              <a:buNone/>
+            </a:pPr>
+            <a:r>
+              <a:rPr lang="en-SG" sz="1100" dirty="0"/>
+              <a:t>        return </a:t>
+            </a:r>
+            <a:r>
+              <a:rPr lang="en-SG" sz="1100" dirty="0" err="1"/>
+              <a:t>ComponentStateHtmlContent</a:t>
+            </a:r>
+            <a:r>
+              <a:rPr lang="en-SG" sz="1100" dirty="0"/>
+              <a:t> with different </a:t>
+            </a:r>
+            <a:r>
+              <a:rPr lang="en-SG" sz="1100" b="1" dirty="0" err="1"/>
+              <a:t>PrerenderComponentApplicationStore</a:t>
+            </a:r>
+            <a:endParaRPr lang="en-SG" sz="1100" b="1" dirty="0"/>
+          </a:p>
+          <a:p>
+            <a:pPr marL="0" indent="0">
+              <a:buNone/>
+            </a:pPr>
+            <a:r>
+              <a:rPr lang="en-SG" sz="1100" dirty="0"/>
+              <a:t>    </a:t>
+            </a:r>
+          </a:p>
+          <a:p>
+            <a:pPr marL="0" indent="0">
+              <a:buNone/>
+            </a:pPr>
+            <a:r>
+              <a:rPr lang="en-SG" sz="1100" dirty="0"/>
+              <a:t>Write by </a:t>
+            </a:r>
+            <a:r>
+              <a:rPr lang="en-SG" sz="1100" dirty="0" err="1"/>
+              <a:t>HttpResponseStreamWriter</a:t>
+            </a:r>
+            <a:endParaRPr lang="en-SG" sz="1100" dirty="0"/>
+          </a:p>
+        </p:txBody>
+      </p:sp>
+    </p:spTree>
+    <p:extLst>
+      <p:ext uri="{BB962C8B-B14F-4D97-AF65-F5344CB8AC3E}">
+        <p14:creationId xmlns:p14="http://schemas.microsoft.com/office/powerpoint/2010/main" val="1329779241"/>
+      </p:ext>
+    </p:extLst>
+  </p:cSld>
+  <p:clrMapOvr>
+    <a:masterClrMapping/>
+  </p:clrMapOvr>
+</p:sld>
+</file>
+
+<file path=ppt/slides/slide16.xml><?xml version="1.0" encoding="utf-8"?>
 <p:sld xmlns:a="http://schemas.openxmlformats.org/drawingml/2006/main" xmlns:r="http://schemas.openxmlformats.org/officeDocument/2006/relationships" xmlns:p="http://schemas.openxmlformats.org/presentationml/2006/main">
   <p:cSld>
     <p:spTree>
@@ -16890,53 +19627,261 @@
         <p:spPr/>
         <p:txBody>
           <a:bodyPr>
-            <a:normAutofit/>
+            <a:normAutofit fontScale="92500" lnSpcReduction="10000"/>
           </a:bodyPr>
           <a:lstStyle/>
           <a:p>
+            <a:pPr marL="0" indent="0">
+              <a:buNone/>
+            </a:pPr>
             <a:r>
-              <a:rPr lang="en-SG" sz="1600" dirty="0" err="1"/>
-              <a:t>ComponmentFactory.cs</a:t>
+              <a:rPr lang="en-SG" sz="1200" b="1" dirty="0"/>
+              <a:t>Create Component:</a:t>
             </a:r>
-            <a:endParaRPr lang="en-SG" sz="1600" dirty="0"/>
           </a:p>
           <a:p>
+            <a:pPr marL="0" indent="0">
+              <a:buNone/>
+            </a:pPr>
             <a:r>
-              <a:rPr lang="en-SG" sz="1600" dirty="0"/>
+              <a:rPr lang="en-SG" sz="1200" dirty="0" err="1"/>
+              <a:t>ComponentFactory.cs</a:t>
+            </a:r>
+            <a:endParaRPr lang="en-SG" sz="1200" dirty="0"/>
+          </a:p>
+          <a:p>
+            <a:pPr marL="0" indent="0">
+              <a:buNone/>
+            </a:pPr>
+            <a:r>
+              <a:rPr lang="en-SG" sz="1200" dirty="0"/>
               <a:t>  </a:t>
             </a:r>
             <a:r>
-              <a:rPr lang="en-SG" sz="1600" dirty="0" err="1"/>
-              <a:t>ComponmentFactory.InstantiateComponent</a:t>
+              <a:rPr lang="en-SG" sz="1200" dirty="0" err="1"/>
+              <a:t>ComponentFactory.InstantiateComponent</a:t>
             </a:r>
-            <a:endParaRPr lang="en-SG" sz="1600" dirty="0"/>
+            <a:endParaRPr lang="en-SG" sz="1200" dirty="0"/>
           </a:p>
           <a:p>
+            <a:pPr marL="0" indent="0">
+              <a:buNone/>
+            </a:pPr>
             <a:r>
-              <a:rPr lang="en-SG" sz="1600" dirty="0"/>
+              <a:rPr lang="en-SG" sz="1200" dirty="0"/>
               <a:t>    </a:t>
             </a:r>
             <a:r>
-              <a:rPr lang="en-SG" sz="1600" dirty="0" err="1"/>
+              <a:rPr lang="en-SG" sz="1200" b="1" dirty="0" err="1">
+                <a:solidFill>
+                  <a:srgbClr val="FF0000"/>
+                </a:solidFill>
+              </a:rPr>
               <a:t>Renderer.ResolveComponentForRenderMode</a:t>
             </a:r>
             <a:r>
-              <a:rPr lang="en-SG" sz="1600" dirty="0"/>
-              <a:t> -&gt; override by </a:t>
+              <a:rPr lang="en-SG" sz="1200" b="1" dirty="0">
+                <a:solidFill>
+                  <a:srgbClr val="FF0000"/>
+                </a:solidFill>
+              </a:rPr>
+              <a:t> </a:t>
             </a:r>
             <a:r>
-              <a:rPr lang="en-SG" sz="1600" dirty="0" err="1"/>
+              <a:rPr lang="en-SG" sz="1200" dirty="0">
+                <a:solidFill>
+                  <a:srgbClr val="FF0000"/>
+                </a:solidFill>
+              </a:rPr>
+              <a:t>-&gt; override by </a:t>
+            </a:r>
+            <a:r>
+              <a:rPr lang="en-SG" sz="1200" b="1" dirty="0" err="1">
+                <a:solidFill>
+                  <a:srgbClr val="FF0000"/>
+                </a:solidFill>
+              </a:rPr>
               <a:t>EndpointHtmlRenderer</a:t>
             </a:r>
             <a:r>
-              <a:rPr lang="en-SG" sz="1600" dirty="0"/>
+              <a:rPr lang="en-SG" sz="1200" b="1" dirty="0">
+                <a:solidFill>
+                  <a:srgbClr val="FF0000"/>
+                </a:solidFill>
+              </a:rPr>
               <a:t>/</a:t>
             </a:r>
             <a:r>
-              <a:rPr lang="en-SG" sz="1600" dirty="0" err="1"/>
+              <a:rPr lang="en-SG" sz="1200" b="1" dirty="0" err="1">
+                <a:solidFill>
+                  <a:srgbClr val="FF0000"/>
+                </a:solidFill>
+              </a:rPr>
+              <a:t>WebAssemblyRenderer</a:t>
+            </a:r>
+            <a:r>
+              <a:rPr lang="en-SG" sz="1200" b="1" dirty="0">
+                <a:solidFill>
+                  <a:srgbClr val="FF0000"/>
+                </a:solidFill>
+              </a:rPr>
+              <a:t> : </a:t>
+            </a:r>
+            <a:r>
+              <a:rPr lang="en-SG" sz="1200" b="1" dirty="0" err="1">
+                <a:solidFill>
+                  <a:srgbClr val="FF0000"/>
+                </a:solidFill>
+              </a:rPr>
+              <a:t>WebRenderer</a:t>
+            </a:r>
+            <a:r>
+              <a:rPr lang="en-SG" sz="1200" b="1" dirty="0">
+                <a:solidFill>
+                  <a:srgbClr val="FF0000"/>
+                </a:solidFill>
+              </a:rPr>
+              <a:t> / </a:t>
+            </a:r>
+            <a:r>
+              <a:rPr lang="en-SG" sz="1200" b="1" dirty="0" err="1">
+                <a:solidFill>
+                  <a:srgbClr val="FF0000"/>
+                </a:solidFill>
+              </a:rPr>
               <a:t>RemoteRenderer</a:t>
             </a:r>
-            <a:endParaRPr lang="en-SG" sz="1600" dirty="0"/>
+            <a:r>
+              <a:rPr lang="en-SG" sz="1200" b="1" dirty="0">
+                <a:solidFill>
+                  <a:srgbClr val="FF0000"/>
+                </a:solidFill>
+              </a:rPr>
+              <a:t> : </a:t>
+            </a:r>
+            <a:r>
+              <a:rPr lang="en-SG" sz="1200" b="1" dirty="0" err="1">
+                <a:solidFill>
+                  <a:srgbClr val="FF0000"/>
+                </a:solidFill>
+              </a:rPr>
+              <a:t>WebRenderer</a:t>
+            </a:r>
+            <a:endParaRPr lang="en-SG" sz="1200" b="1" dirty="0">
+              <a:solidFill>
+                <a:srgbClr val="FF0000"/>
+              </a:solidFill>
+            </a:endParaRPr>
+          </a:p>
+          <a:p>
+            <a:pPr marL="0" indent="0">
+              <a:buNone/>
+            </a:pPr>
+            <a:r>
+              <a:rPr lang="en-SG" sz="1200" dirty="0"/>
+              <a:t>      -&gt;</a:t>
+            </a:r>
+            <a:r>
+              <a:rPr lang="en-SG" sz="1200" dirty="0" err="1"/>
+              <a:t>IComponentActivator.CreateInstance</a:t>
+            </a:r>
+            <a:r>
+              <a:rPr lang="en-SG" sz="1200" dirty="0"/>
+              <a:t> -&gt;Implement by </a:t>
+            </a:r>
+            <a:r>
+              <a:rPr lang="en-SG" sz="1200" dirty="0" err="1"/>
+              <a:t>DefaultComponentActivator</a:t>
+            </a:r>
+            <a:r>
+              <a:rPr lang="en-SG" sz="1200" dirty="0"/>
+              <a:t> </a:t>
+            </a:r>
+          </a:p>
+          <a:p>
+            <a:pPr marL="0" indent="0">
+              <a:buNone/>
+            </a:pPr>
+            <a:r>
+              <a:rPr lang="en-SG" sz="1200" dirty="0"/>
+              <a:t>      -&gt;</a:t>
+            </a:r>
+            <a:r>
+              <a:rPr lang="en-SG" sz="1200" dirty="0" err="1"/>
+              <a:t>PrerenderPersistedStateAsync</a:t>
+            </a:r>
+            <a:endParaRPr lang="en-SG" sz="1200" dirty="0"/>
+          </a:p>
+          <a:p>
+            <a:pPr marL="0" indent="0">
+              <a:buNone/>
+            </a:pPr>
+            <a:endParaRPr lang="en-SG" sz="1100" dirty="0"/>
+          </a:p>
+          <a:p>
+            <a:pPr marL="0" indent="0">
+              <a:buNone/>
+            </a:pPr>
+            <a:endParaRPr lang="en-SG" sz="1100" dirty="0"/>
+          </a:p>
+          <a:p>
+            <a:pPr marL="0" indent="0">
+              <a:buNone/>
+            </a:pPr>
+            <a:r>
+              <a:rPr lang="en-SG" sz="1100" dirty="0" err="1"/>
+              <a:t>RazorComponentEndpointInvoker.RenderComponentCore</a:t>
+            </a:r>
+            <a:r>
+              <a:rPr lang="en-SG" sz="1100" dirty="0"/>
+              <a:t> -&gt;</a:t>
+            </a:r>
+          </a:p>
+          <a:p>
+            <a:pPr marL="0" indent="0">
+              <a:buNone/>
+            </a:pPr>
+            <a:r>
+              <a:rPr lang="en-SG" sz="1100" dirty="0"/>
+              <a:t>  </a:t>
+            </a:r>
+            <a:r>
+              <a:rPr lang="en-SG" sz="1100" dirty="0" err="1"/>
+              <a:t>EndpointHtmlRenderer.RenderEndpointComponent</a:t>
+            </a:r>
+            <a:r>
+              <a:rPr lang="en-SG" sz="1100" dirty="0"/>
+              <a:t>-&gt;</a:t>
+            </a:r>
+          </a:p>
+          <a:p>
+            <a:pPr marL="0" indent="0">
+              <a:buNone/>
+            </a:pPr>
+            <a:r>
+              <a:rPr lang="en-SG" sz="1100" dirty="0"/>
+              <a:t>  </a:t>
+            </a:r>
+          </a:p>
+          <a:p>
+            <a:pPr marL="0" indent="0">
+              <a:buNone/>
+            </a:pPr>
+            <a:r>
+              <a:rPr lang="en-SG" sz="1100" dirty="0"/>
+              <a:t>…-&gt; </a:t>
+            </a:r>
+            <a:r>
+              <a:rPr lang="en-SG" sz="1100" dirty="0" err="1"/>
+              <a:t>ComponmentFactory.InstantiateComponent</a:t>
+            </a:r>
+            <a:endParaRPr lang="en-SG" sz="1100" dirty="0"/>
+          </a:p>
+          <a:p>
+            <a:pPr marL="0" indent="0">
+              <a:buNone/>
+            </a:pPr>
+            <a:endParaRPr lang="en-SG" sz="1000" dirty="0"/>
           </a:p>
         </p:txBody>
       </p:sp>
@@ -16944,6 +19889,91 @@
     <p:extLst>
       <p:ext uri="{BB962C8B-B14F-4D97-AF65-F5344CB8AC3E}">
         <p14:creationId xmlns:p14="http://schemas.microsoft.com/office/powerpoint/2010/main" val="3457719316"/>
+      </p:ext>
+    </p:extLst>
+  </p:cSld>
+  <p:clrMapOvr>
+    <a:masterClrMapping/>
+  </p:clrMapOvr>
+</p:sld>
+</file>
+
+<file path=ppt/slides/slide17.xml><?xml version="1.0" encoding="utf-8"?>
+<p:sld xmlns:a="http://schemas.openxmlformats.org/drawingml/2006/main" xmlns:r="http://schemas.openxmlformats.org/officeDocument/2006/relationships" xmlns:p="http://schemas.openxmlformats.org/presentationml/2006/main">
+  <p:cSld>
+    <p:spTree>
+      <p:nvGrpSpPr>
+        <p:cNvPr id="1" name=""/>
+        <p:cNvGrpSpPr/>
+        <p:nvPr/>
+      </p:nvGrpSpPr>
+      <p:grpSpPr>
+        <a:xfrm>
+          <a:off x="0" y="0"/>
+          <a:ext cx="0" cy="0"/>
+          <a:chOff x="0" y="0"/>
+          <a:chExt cx="0" cy="0"/>
+        </a:xfrm>
+      </p:grpSpPr>
+      <p:sp>
+        <p:nvSpPr>
+          <p:cNvPr id="2" name="Title 1">
+            <a:extLst>
+              <a:ext uri="{FF2B5EF4-FFF2-40B4-BE49-F238E27FC236}">
+                <a16:creationId xmlns:a16="http://schemas.microsoft.com/office/drawing/2014/main" id="{6AEED449-1CBF-093F-CB5F-373C08811612}"/>
+              </a:ext>
+            </a:extLst>
+          </p:cNvPr>
+          <p:cNvSpPr>
+            <a:spLocks noGrp="1"/>
+          </p:cNvSpPr>
+          <p:nvPr>
+            <p:ph type="title"/>
+          </p:nvPr>
+        </p:nvSpPr>
+        <p:spPr/>
+        <p:txBody>
+          <a:bodyPr/>
+          <a:lstStyle/>
+          <a:p>
+            <a:endParaRPr lang="en-SG"/>
+          </a:p>
+        </p:txBody>
+      </p:sp>
+      <p:pic>
+        <p:nvPicPr>
+          <p:cNvPr id="11" name="Picture 10">
+            <a:extLst>
+              <a:ext uri="{FF2B5EF4-FFF2-40B4-BE49-F238E27FC236}">
+                <a16:creationId xmlns:a16="http://schemas.microsoft.com/office/drawing/2014/main" id="{5B968F6C-9373-937A-B18C-8EC4AC319DBB}"/>
+              </a:ext>
+            </a:extLst>
+          </p:cNvPr>
+          <p:cNvPicPr>
+            <a:picLocks noChangeAspect="1"/>
+          </p:cNvPicPr>
+          <p:nvPr/>
+        </p:nvPicPr>
+        <p:blipFill>
+          <a:blip r:embed="rId2"/>
+          <a:stretch>
+            <a:fillRect/>
+          </a:stretch>
+        </p:blipFill>
+        <p:spPr>
+          <a:xfrm>
+            <a:off x="691079" y="2501442"/>
+            <a:ext cx="5582429" cy="1038370"/>
+          </a:xfrm>
+          <a:prstGeom prst="rect">
+            <a:avLst/>
+          </a:prstGeom>
+        </p:spPr>
+      </p:pic>
+    </p:spTree>
+    <p:extLst>
+      <p:ext uri="{BB962C8B-B14F-4D97-AF65-F5344CB8AC3E}">
+        <p14:creationId xmlns:p14="http://schemas.microsoft.com/office/powerpoint/2010/main" val="1829943456"/>
       </p:ext>
     </p:extLst>
   </p:cSld>
@@ -17034,7 +20064,7 @@
           <a:lstStyle/>
           <a:p>
             <a:pPr algn="ctr"/>
-            <a:endParaRPr lang="en-US">
+            <a:endParaRPr lang="en-US" dirty="0">
               <a:solidFill>
                 <a:schemeClr val="bg1"/>
               </a:solidFill>
@@ -17224,7 +20254,7 @@
           <a:lstStyle/>
           <a:p>
             <a:pPr algn="ctr"/>
-            <a:endParaRPr lang="en-US"/>
+            <a:endParaRPr lang="en-US" dirty="0"/>
           </a:p>
         </p:txBody>
       </p:sp>
@@ -19062,7 +22092,7 @@
           <a:lstStyle/>
           <a:p>
             <a:pPr algn="ctr"/>
-            <a:endParaRPr lang="en-US">
+            <a:endParaRPr lang="en-US" dirty="0">
               <a:solidFill>
                 <a:schemeClr val="tx1"/>
               </a:solidFill>
@@ -19106,11 +22136,11 @@
           <a:p>
             <a:r>
               <a:rPr lang="en-US" altLang="zh-CN" sz="1600" dirty="0" err="1"/>
-              <a:t>BlazorWeb</a:t>
+              <a:t>Blazor</a:t>
             </a:r>
             <a:r>
               <a:rPr lang="en-US" altLang="zh-CN" sz="1600" dirty="0"/>
-              <a:t> Hosting</a:t>
+              <a:t> Web Hosting</a:t>
             </a:r>
           </a:p>
           <a:p>
@@ -19142,6 +22172,17 @@
             <a:r>
               <a:rPr lang="en-US" altLang="zh-CN" sz="1600" dirty="0" err="1"/>
               <a:t>PreRender</a:t>
+            </a:r>
+            <a:endParaRPr lang="en-US" altLang="zh-CN" sz="1600" dirty="0"/>
+          </a:p>
+          <a:p>
+            <a:pPr marL="707400" indent="-285750">
+              <a:buFont typeface="Courier New" panose="02070309020205020404" pitchFamily="49" charset="0"/>
+              <a:buChar char="o"/>
+            </a:pPr>
+            <a:r>
+              <a:rPr lang="en-US" altLang="zh-CN" sz="1600" dirty="0"/>
+              <a:t>Publish</a:t>
             </a:r>
             <a:endParaRPr lang="en-SG" altLang="zh-CN" sz="1600" dirty="0"/>
           </a:p>
@@ -21846,7 +24887,7 @@
             <p:ph idx="1"/>
             <p:extLst>
               <p:ext uri="{D42A27DB-BD31-4B8C-83A1-F6EECF244321}">
-                <p14:modId xmlns:p14="http://schemas.microsoft.com/office/powerpoint/2010/main" val="3684455501"/>
+                <p14:modId xmlns:p14="http://schemas.microsoft.com/office/powerpoint/2010/main" val="3225590954"/>
               </p:ext>
             </p:extLst>
           </p:nvPr>
@@ -22423,9 +25464,35 @@
                     <a:bodyPr/>
                     <a:lstStyle/>
                     <a:p>
-                      <a:endParaRPr lang="en-SG" sz="1200">
-                        <a:latin typeface="+mn-lt"/>
-                      </a:endParaRPr>
+                      <a:pPr marL="0" marR="0" lvl="0" indent="0" algn="l" defTabSz="914400" rtl="0" eaLnBrk="1" fontAlgn="auto" latinLnBrk="0" hangingPunct="1">
+                        <a:lnSpc>
+                          <a:spcPct val="100000"/>
+                        </a:lnSpc>
+                        <a:spcBef>
+                          <a:spcPts val="0"/>
+                        </a:spcBef>
+                        <a:spcAft>
+                          <a:spcPts val="0"/>
+                        </a:spcAft>
+                        <a:buClrTx/>
+                        <a:buSzTx/>
+                        <a:buFontTx/>
+                        <a:buNone/>
+                        <a:tabLst/>
+                        <a:defRPr/>
+                      </a:pPr>
+                      <a:r>
+                        <a:rPr lang="en-SG" sz="1000" b="0" i="0" kern="1200" dirty="0">
+                          <a:solidFill>
+                            <a:schemeClr val="dk1"/>
+                          </a:solidFill>
+                          <a:effectLst/>
+                          <a:latin typeface="+mn-lt"/>
+                          <a:ea typeface="+mn-ea"/>
+                          <a:cs typeface="+mn-cs"/>
+                        </a:rPr>
+                        <a:t>Identity UI</a:t>
+                      </a:r>
                     </a:p>
                   </a:txBody>
                   <a:tcPr/>
@@ -22435,19 +25502,43 @@
                     <a:bodyPr/>
                     <a:lstStyle/>
                     <a:p>
-                      <a:endParaRPr lang="en-SG" sz="1200" dirty="0">
-                        <a:latin typeface="+mn-lt"/>
-                      </a:endParaRPr>
-                    </a:p>
-                  </a:txBody>
-                  <a:tcPr/>
-                </a:tc>
-                <a:tc>
-                  <a:txBody>
-                    <a:bodyPr/>
-                    <a:lstStyle/>
-                    <a:p>
-                      <a:endParaRPr lang="en-SG" sz="1200">
+                      <a:r>
+                        <a:rPr lang="en-SG" sz="1000" b="0" i="0" kern="1200" dirty="0">
+                          <a:solidFill>
+                            <a:schemeClr val="dk1"/>
+                          </a:solidFill>
+                          <a:effectLst/>
+                          <a:latin typeface="+mn-lt"/>
+                          <a:ea typeface="+mn-ea"/>
+                          <a:cs typeface="+mn-cs"/>
+                        </a:rPr>
+                        <a:t>generating a full </a:t>
+                      </a:r>
+                      <a:r>
+                        <a:rPr lang="en-SG" sz="1000" b="0" i="0" kern="1200" dirty="0" err="1">
+                          <a:solidFill>
+                            <a:schemeClr val="dk1"/>
+                          </a:solidFill>
+                          <a:effectLst/>
+                          <a:latin typeface="+mn-lt"/>
+                          <a:ea typeface="+mn-ea"/>
+                          <a:cs typeface="+mn-cs"/>
+                        </a:rPr>
+                        <a:t>Blazor</a:t>
+                      </a:r>
+                      <a:r>
+                        <a:rPr lang="en-SG" sz="1000" b="0" i="0" kern="1200" dirty="0">
+                          <a:solidFill>
+                            <a:schemeClr val="dk1"/>
+                          </a:solidFill>
+                          <a:effectLst/>
+                          <a:latin typeface="+mn-lt"/>
+                          <a:ea typeface="+mn-ea"/>
+                          <a:cs typeface="+mn-cs"/>
+                        </a:rPr>
+                        <a:t>-based Identity UI</a:t>
+                      </a:r>
+                      <a:endParaRPr lang="en-SG" sz="1000" dirty="0">
                         <a:latin typeface="+mn-lt"/>
                       </a:endParaRPr>
                     </a:p>
@@ -22476,6 +25567,18 @@
                         <a:tabLst/>
                         <a:defRPr/>
                       </a:pPr>
+                      <a:r>
+                        <a:rPr lang="en-SG" sz="1200" b="0" i="0" kern="1200" dirty="0">
+                          <a:solidFill>
+                            <a:schemeClr val="dk1"/>
+                          </a:solidFill>
+                          <a:effectLst/>
+                          <a:latin typeface="+mn-lt"/>
+                          <a:ea typeface="+mn-ea"/>
+                          <a:cs typeface="+mn-cs"/>
+                        </a:rPr>
+                        <a:t>✔️</a:t>
+                      </a:r>
                       <a:endParaRPr lang="en-SG" sz="1200" dirty="0">
                         <a:latin typeface="+mn-lt"/>
                       </a:endParaRPr>
@@ -22488,6 +25591,76 @@
                     <a:bodyPr/>
                     <a:lstStyle/>
                     <a:p>
+                      <a:pPr marL="0" marR="0" lvl="0" indent="0" algn="l" defTabSz="914400" rtl="0" eaLnBrk="1" fontAlgn="auto" latinLnBrk="0" hangingPunct="1">
+                        <a:lnSpc>
+                          <a:spcPct val="100000"/>
+                        </a:lnSpc>
+                        <a:spcBef>
+                          <a:spcPts val="0"/>
+                        </a:spcBef>
+                        <a:spcAft>
+                          <a:spcPts val="0"/>
+                        </a:spcAft>
+                        <a:buClrTx/>
+                        <a:buSzTx/>
+                        <a:buFontTx/>
+                        <a:buNone/>
+                        <a:tabLst/>
+                        <a:defRPr/>
+                      </a:pPr>
+                      <a:r>
+                        <a:rPr lang="en-SG" sz="1200" b="0" i="0" kern="1200" dirty="0">
+                          <a:solidFill>
+                            <a:schemeClr val="dk1"/>
+                          </a:solidFill>
+                          <a:effectLst/>
+                          <a:latin typeface="+mn-lt"/>
+                          <a:ea typeface="+mn-ea"/>
+                          <a:cs typeface="+mn-cs"/>
+                        </a:rPr>
+                        <a:t>❌</a:t>
+                      </a:r>
+                      <a:endParaRPr lang="en-SG" sz="1200" dirty="0">
+                        <a:latin typeface="+mn-lt"/>
+                      </a:endParaRPr>
+                    </a:p>
+                  </a:txBody>
+                  <a:tcPr/>
+                </a:tc>
+                <a:tc>
+                  <a:txBody>
+                    <a:bodyPr/>
+                    <a:lstStyle/>
+                    <a:p>
+                      <a:pPr marL="0" marR="0" lvl="0" indent="0" algn="l" defTabSz="914400" rtl="0" eaLnBrk="1" fontAlgn="auto" latinLnBrk="0" hangingPunct="1">
+                        <a:lnSpc>
+                          <a:spcPct val="100000"/>
+                        </a:lnSpc>
+                        <a:spcBef>
+                          <a:spcPts val="0"/>
+                        </a:spcBef>
+                        <a:spcAft>
+                          <a:spcPts val="0"/>
+                        </a:spcAft>
+                        <a:buClrTx/>
+                        <a:buSzTx/>
+                        <a:buFontTx/>
+                        <a:buNone/>
+                        <a:tabLst/>
+                        <a:defRPr/>
+                      </a:pPr>
+                      <a:r>
+                        <a:rPr lang="en-SG" sz="1200" b="0" i="0" kern="1200" dirty="0">
+                          <a:solidFill>
+                            <a:schemeClr val="dk1"/>
+                          </a:solidFill>
+                          <a:effectLst/>
+                          <a:latin typeface="+mn-lt"/>
+                          <a:ea typeface="+mn-ea"/>
+                          <a:cs typeface="+mn-cs"/>
+                        </a:rPr>
+                        <a:t>❌</a:t>
+                      </a:r>
                       <a:endParaRPr lang="en-SG" sz="1200" dirty="0">
                         <a:latin typeface="+mn-lt"/>
                       </a:endParaRPr>
@@ -22625,6 +25798,193 @@
           </a:p>
         </p:txBody>
       </p:sp>
+      <p:sp>
+        <p:nvSpPr>
+          <p:cNvPr id="4" name="TextBox 3">
+            <a:extLst>
+              <a:ext uri="{FF2B5EF4-FFF2-40B4-BE49-F238E27FC236}">
+                <a16:creationId xmlns:a16="http://schemas.microsoft.com/office/drawing/2014/main" id="{116BC4E1-7249-E9E9-8C4A-0D2289D51647}"/>
+              </a:ext>
+            </a:extLst>
+          </p:cNvPr>
+          <p:cNvSpPr txBox="1"/>
+          <p:nvPr/>
+        </p:nvSpPr>
+        <p:spPr>
+          <a:xfrm>
+            <a:off x="691079" y="2354347"/>
+            <a:ext cx="1865690" cy="369332"/>
+          </a:xfrm>
+          <a:prstGeom prst="rect">
+            <a:avLst/>
+          </a:prstGeom>
+          <a:noFill/>
+        </p:spPr>
+        <p:txBody>
+          <a:bodyPr wrap="square">
+            <a:spAutoFit/>
+          </a:bodyPr>
+          <a:lstStyle/>
+          <a:p>
+            <a:r>
+              <a:rPr lang="en-SG" dirty="0"/>
+              <a:t>Render Mode</a:t>
+            </a:r>
+          </a:p>
+        </p:txBody>
+      </p:sp>
+      <p:sp>
+        <p:nvSpPr>
+          <p:cNvPr id="8" name="TextBox 7">
+            <a:extLst>
+              <a:ext uri="{FF2B5EF4-FFF2-40B4-BE49-F238E27FC236}">
+                <a16:creationId xmlns:a16="http://schemas.microsoft.com/office/drawing/2014/main" id="{B8617D6A-E8C4-7F82-99B9-F27FFDE3E92A}"/>
+              </a:ext>
+            </a:extLst>
+          </p:cNvPr>
+          <p:cNvSpPr txBox="1"/>
+          <p:nvPr/>
+        </p:nvSpPr>
+        <p:spPr>
+          <a:xfrm>
+            <a:off x="776794" y="3093010"/>
+            <a:ext cx="9645590" cy="276999"/>
+          </a:xfrm>
+          <a:prstGeom prst="rect">
+            <a:avLst/>
+          </a:prstGeom>
+          <a:noFill/>
+        </p:spPr>
+        <p:txBody>
+          <a:bodyPr wrap="square">
+            <a:spAutoFit/>
+          </a:bodyPr>
+          <a:lstStyle/>
+          <a:p>
+            <a:r>
+              <a:rPr lang="en-SG" sz="1200" dirty="0"/>
+              <a:t>Component will generate a private __</a:t>
+            </a:r>
+            <a:r>
+              <a:rPr lang="en-SG" sz="1200" dirty="0" err="1"/>
+              <a:t>PrivateComponentRenderModeAttribute</a:t>
+            </a:r>
+            <a:r>
+              <a:rPr lang="en-SG" sz="1200" dirty="0"/>
+              <a:t> which </a:t>
+            </a:r>
+            <a:r>
+              <a:rPr lang="en-SG" sz="1200" dirty="0" err="1"/>
+              <a:t>distingulish</a:t>
+            </a:r>
+            <a:r>
+              <a:rPr lang="en-SG" sz="1200" dirty="0"/>
+              <a:t> the </a:t>
+            </a:r>
+            <a:r>
+              <a:rPr lang="en-SG" sz="1200" dirty="0" err="1"/>
+              <a:t>RenderMode</a:t>
+            </a:r>
+            <a:r>
+              <a:rPr lang="en-SG" sz="1200" dirty="0"/>
+              <a:t>:</a:t>
+            </a:r>
+          </a:p>
+        </p:txBody>
+      </p:sp>
+      <p:pic>
+        <p:nvPicPr>
+          <p:cNvPr id="12" name="Picture 11">
+            <a:extLst>
+              <a:ext uri="{FF2B5EF4-FFF2-40B4-BE49-F238E27FC236}">
+                <a16:creationId xmlns:a16="http://schemas.microsoft.com/office/drawing/2014/main" id="{931EF619-98B1-95D5-F57B-14E0C088ABA8}"/>
+              </a:ext>
+            </a:extLst>
+          </p:cNvPr>
+          <p:cNvPicPr>
+            <a:picLocks noChangeAspect="1"/>
+          </p:cNvPicPr>
+          <p:nvPr/>
+        </p:nvPicPr>
+        <p:blipFill>
+          <a:blip r:embed="rId2"/>
+          <a:stretch>
+            <a:fillRect/>
+          </a:stretch>
+        </p:blipFill>
+        <p:spPr>
+          <a:xfrm>
+            <a:off x="776794" y="3487992"/>
+            <a:ext cx="7535327" cy="1933845"/>
+          </a:xfrm>
+          <a:prstGeom prst="rect">
+            <a:avLst/>
+          </a:prstGeom>
+        </p:spPr>
+      </p:pic>
+    </p:spTree>
+    <p:extLst>
+      <p:ext uri="{BB962C8B-B14F-4D97-AF65-F5344CB8AC3E}">
+        <p14:creationId xmlns:p14="http://schemas.microsoft.com/office/powerpoint/2010/main" val="3313266934"/>
+      </p:ext>
+    </p:extLst>
+  </p:cSld>
+  <p:clrMapOvr>
+    <a:masterClrMapping/>
+  </p:clrMapOvr>
+</p:sld>
+</file>
+
+<file path=ppt/slides/slide6.xml><?xml version="1.0" encoding="utf-8"?>
+<p:sld xmlns:a="http://schemas.openxmlformats.org/drawingml/2006/main" xmlns:r="http://schemas.openxmlformats.org/officeDocument/2006/relationships" xmlns:p="http://schemas.openxmlformats.org/presentationml/2006/main">
+  <p:cSld>
+    <p:spTree>
+      <p:nvGrpSpPr>
+        <p:cNvPr id="1" name=""/>
+        <p:cNvGrpSpPr/>
+        <p:nvPr/>
+      </p:nvGrpSpPr>
+      <p:grpSpPr>
+        <a:xfrm>
+          <a:off x="0" y="0"/>
+          <a:ext cx="0" cy="0"/>
+          <a:chOff x="0" y="0"/>
+          <a:chExt cx="0" cy="0"/>
+        </a:xfrm>
+      </p:grpSpPr>
+      <p:sp>
+        <p:nvSpPr>
+          <p:cNvPr id="2" name="Title 1">
+            <a:extLst>
+              <a:ext uri="{FF2B5EF4-FFF2-40B4-BE49-F238E27FC236}">
+                <a16:creationId xmlns:a16="http://schemas.microsoft.com/office/drawing/2014/main" id="{B39BC617-ED7B-1040-B3EE-C0E272920735}"/>
+              </a:ext>
+            </a:extLst>
+          </p:cNvPr>
+          <p:cNvSpPr>
+            <a:spLocks noGrp="1"/>
+          </p:cNvSpPr>
+          <p:nvPr>
+            <p:ph type="title"/>
+          </p:nvPr>
+        </p:nvSpPr>
+        <p:spPr/>
+        <p:txBody>
+          <a:bodyPr/>
+          <a:lstStyle/>
+          <a:p>
+            <a:r>
+              <a:rPr lang="en-US" altLang="zh-CN" sz="4400" dirty="0" err="1"/>
+              <a:t>BlazorWeb</a:t>
+            </a:r>
+            <a:r>
+              <a:rPr lang="en-US" altLang="zh-CN" sz="4400" dirty="0"/>
+              <a:t> Hosting</a:t>
+            </a:r>
+            <a:endParaRPr lang="en-SG" dirty="0"/>
+          </a:p>
+        </p:txBody>
+      </p:sp>
       <p:pic>
         <p:nvPicPr>
           <p:cNvPr id="6" name="Content Placeholder 4">
@@ -22704,7 +26064,7 @@
 </p:sld>
 </file>
 
-<file path=ppt/slides/slide6.xml><?xml version="1.0" encoding="utf-8"?>
+<file path=ppt/slides/slide7.xml><?xml version="1.0" encoding="utf-8"?>
 <p:sld xmlns:a="http://schemas.openxmlformats.org/drawingml/2006/main" xmlns:r="http://schemas.openxmlformats.org/officeDocument/2006/relationships" xmlns:p="http://schemas.openxmlformats.org/presentationml/2006/main">
   <p:cSld>
     <p:spTree>
@@ -22801,7 +26161,7 @@
 </p:sld>
 </file>
 
-<file path=ppt/slides/slide7.xml><?xml version="1.0" encoding="utf-8"?>
+<file path=ppt/slides/slide8.xml><?xml version="1.0" encoding="utf-8"?>
 <p:sld xmlns:a="http://schemas.openxmlformats.org/drawingml/2006/main" xmlns:r="http://schemas.openxmlformats.org/officeDocument/2006/relationships" xmlns:p="http://schemas.openxmlformats.org/presentationml/2006/main">
   <p:cSld>
     <p:spTree>
@@ -22902,7 +26262,7 @@
 </p:sld>
 </file>
 
-<file path=ppt/slides/slide8.xml><?xml version="1.0" encoding="utf-8"?>
+<file path=ppt/slides/slide9.xml><?xml version="1.0" encoding="utf-8"?>
 <p:sld xmlns:a="http://schemas.openxmlformats.org/drawingml/2006/main" xmlns:r="http://schemas.openxmlformats.org/officeDocument/2006/relationships" xmlns:p="http://schemas.openxmlformats.org/presentationml/2006/main">
   <p:cSld>
     <p:spTree>
@@ -22953,2185 +26313,6 @@
     <p:extLst>
       <p:ext uri="{BB962C8B-B14F-4D97-AF65-F5344CB8AC3E}">
         <p14:creationId xmlns:p14="http://schemas.microsoft.com/office/powerpoint/2010/main" val="1807528465"/>
-      </p:ext>
-    </p:extLst>
-  </p:cSld>
-  <p:clrMapOvr>
-    <a:masterClrMapping/>
-  </p:clrMapOvr>
-</p:sld>
-</file>
-
-<file path=ppt/slides/slide9.xml><?xml version="1.0" encoding="utf-8"?>
-<p:sld xmlns:a="http://schemas.openxmlformats.org/drawingml/2006/main" xmlns:r="http://schemas.openxmlformats.org/officeDocument/2006/relationships" xmlns:p="http://schemas.openxmlformats.org/presentationml/2006/main">
-  <p:cSld>
-    <p:bg>
-      <p:bgPr>
-        <a:solidFill>
-          <a:schemeClr val="bg1"/>
-        </a:solidFill>
-        <a:effectLst/>
-      </p:bgPr>
-    </p:bg>
-    <p:spTree>
-      <p:nvGrpSpPr>
-        <p:cNvPr id="1" name=""/>
-        <p:cNvGrpSpPr/>
-        <p:nvPr/>
-      </p:nvGrpSpPr>
-      <p:grpSpPr>
-        <a:xfrm>
-          <a:off x="0" y="0"/>
-          <a:ext cx="0" cy="0"/>
-          <a:chOff x="0" y="0"/>
-          <a:chExt cx="0" cy="0"/>
-        </a:xfrm>
-      </p:grpSpPr>
-      <p:sp useBgFill="1">
-        <p:nvSpPr>
-          <p:cNvPr id="14" name="Rectangle 13">
-            <a:extLst>
-              <a:ext uri="{FF2B5EF4-FFF2-40B4-BE49-F238E27FC236}">
-                <a16:creationId xmlns:a16="http://schemas.microsoft.com/office/drawing/2014/main" id="{1C582B07-D0F0-4B6B-A5D9-D2F192CB3A4E}"/>
-              </a:ext>
-              <a:ext uri="{C183D7F6-B498-43B3-948B-1728B52AA6E4}">
-                <adec:decorative xmlns:adec="http://schemas.microsoft.com/office/drawing/2017/decorative" val="1"/>
-              </a:ext>
-            </a:extLst>
-          </p:cNvPr>
-          <p:cNvSpPr>
-            <a:spLocks noGrp="1" noRot="1" noChangeAspect="1" noMove="1" noResize="1" noEditPoints="1" noAdjustHandles="1" noChangeArrowheads="1" noChangeShapeType="1" noTextEdit="1"/>
-          </p:cNvSpPr>
-          <p:nvPr>
-            <p:extLst>
-              <p:ext uri="{386F3935-93C4-4BCD-93E2-E3B085C9AB24}">
-                <p16:designElem xmlns:p16="http://schemas.microsoft.com/office/powerpoint/2015/main" val="1"/>
-              </p:ext>
-            </p:extLst>
-          </p:nvPr>
-        </p:nvSpPr>
-        <p:spPr>
-          <a:xfrm>
-            <a:off x="0" y="0"/>
-            <a:ext cx="12188952" cy="6858000"/>
-          </a:xfrm>
-          <a:prstGeom prst="rect">
-            <a:avLst/>
-          </a:prstGeom>
-          <a:ln>
-            <a:noFill/>
-          </a:ln>
-        </p:spPr>
-        <p:style>
-          <a:lnRef idx="2">
-            <a:schemeClr val="accent1">
-              <a:shade val="50000"/>
-            </a:schemeClr>
-          </a:lnRef>
-          <a:fillRef idx="1">
-            <a:schemeClr val="accent1"/>
-          </a:fillRef>
-          <a:effectRef idx="0">
-            <a:schemeClr val="accent1"/>
-          </a:effectRef>
-          <a:fontRef idx="minor">
-            <a:schemeClr val="lt1"/>
-          </a:fontRef>
-        </p:style>
-        <p:txBody>
-          <a:bodyPr rtlCol="0" anchor="ctr"/>
-          <a:lstStyle/>
-          <a:p>
-            <a:pPr algn="ctr"/>
-            <a:endParaRPr lang="en-US" dirty="0">
-              <a:solidFill>
-                <a:schemeClr val="bg1"/>
-              </a:solidFill>
-            </a:endParaRPr>
-          </a:p>
-        </p:txBody>
-      </p:sp>
-      <p:grpSp>
-        <p:nvGrpSpPr>
-          <p:cNvPr id="16" name="Group 15">
-            <a:extLst>
-              <a:ext uri="{FF2B5EF4-FFF2-40B4-BE49-F238E27FC236}">
-                <a16:creationId xmlns:a16="http://schemas.microsoft.com/office/drawing/2014/main" id="{67CE0AF2-326F-4B0F-B97A-2C14B3CE1935}"/>
-              </a:ext>
-              <a:ext uri="{C183D7F6-B498-43B3-948B-1728B52AA6E4}">
-                <adec:decorative xmlns:adec="http://schemas.microsoft.com/office/drawing/2017/decorative" val="1"/>
-              </a:ext>
-            </a:extLst>
-          </p:cNvPr>
-          <p:cNvGrpSpPr>
-            <a:grpSpLocks noGrp="1" noUngrp="1" noRot="1" noChangeAspect="1" noMove="1" noResize="1"/>
-          </p:cNvGrpSpPr>
-          <p:nvPr>
-            <p:extLst>
-              <p:ext uri="{386F3935-93C4-4BCD-93E2-E3B085C9AB24}">
-                <p16:designElem xmlns:p16="http://schemas.microsoft.com/office/powerpoint/2015/main" val="1"/>
-              </p:ext>
-            </p:extLst>
-          </p:nvPr>
-        </p:nvGrpSpPr>
-        <p:grpSpPr>
-          <a:xfrm>
-            <a:off x="-6214" y="-1"/>
-            <a:ext cx="12214827" cy="6858000"/>
-            <a:chOff x="-6214" y="-1"/>
-            <a:chExt cx="12214827" cy="6858000"/>
-          </a:xfrm>
-        </p:grpSpPr>
-        <p:cxnSp>
-          <p:nvCxnSpPr>
-            <p:cNvPr id="17" name="Straight Connector 16">
-              <a:extLst>
-                <a:ext uri="{FF2B5EF4-FFF2-40B4-BE49-F238E27FC236}">
-                  <a16:creationId xmlns:a16="http://schemas.microsoft.com/office/drawing/2014/main" id="{4E8B05B5-D3AB-4AAC-B97A-7D65FF85F8DC}"/>
-                </a:ext>
-                <a:ext uri="{C183D7F6-B498-43B3-948B-1728B52AA6E4}">
-                  <adec:decorative xmlns:adec="http://schemas.microsoft.com/office/drawing/2017/decorative" val="1"/>
-                </a:ext>
-              </a:extLst>
-            </p:cNvPr>
-            <p:cNvCxnSpPr>
-              <a:cxnSpLocks/>
-            </p:cNvCxnSpPr>
-            <p:nvPr>
-              <p:extLst>
-                <p:ext uri="{386F3935-93C4-4BCD-93E2-E3B085C9AB24}">
-                  <p16:designElem xmlns:p16="http://schemas.microsoft.com/office/powerpoint/2015/main" val="1"/>
-                </p:ext>
-              </p:extLst>
-            </p:nvPr>
-          </p:nvCxnSpPr>
-          <p:spPr>
-            <a:xfrm>
-              <a:off x="-6214" y="6686283"/>
-              <a:ext cx="12192000" cy="0"/>
-            </a:xfrm>
-            <a:prstGeom prst="line">
-              <a:avLst/>
-            </a:prstGeom>
-            <a:ln w="12700">
-              <a:solidFill>
-                <a:srgbClr val="BCBCBC">
-                  <a:alpha val="29804"/>
-                </a:srgbClr>
-              </a:solidFill>
-              <a:prstDash val="sysDot"/>
-            </a:ln>
-          </p:spPr>
-          <p:style>
-            <a:lnRef idx="1">
-              <a:schemeClr val="accent1"/>
-            </a:lnRef>
-            <a:fillRef idx="0">
-              <a:schemeClr val="accent1"/>
-            </a:fillRef>
-            <a:effectRef idx="0">
-              <a:schemeClr val="accent1"/>
-            </a:effectRef>
-            <a:fontRef idx="minor">
-              <a:schemeClr val="tx1"/>
-            </a:fontRef>
-          </p:style>
-        </p:cxnSp>
-        <p:cxnSp>
-          <p:nvCxnSpPr>
-            <p:cNvPr id="18" name="Straight Connector 17">
-              <a:extLst>
-                <a:ext uri="{FF2B5EF4-FFF2-40B4-BE49-F238E27FC236}">
-                  <a16:creationId xmlns:a16="http://schemas.microsoft.com/office/drawing/2014/main" id="{2647EC12-BFF1-4F97-8364-51C4DF812139}"/>
-                </a:ext>
-                <a:ext uri="{C183D7F6-B498-43B3-948B-1728B52AA6E4}">
-                  <adec:decorative xmlns:adec="http://schemas.microsoft.com/office/drawing/2017/decorative" val="1"/>
-                </a:ext>
-              </a:extLst>
-            </p:cNvPr>
-            <p:cNvCxnSpPr>
-              <a:cxnSpLocks/>
-            </p:cNvCxnSpPr>
-            <p:nvPr>
-              <p:extLst>
-                <p:ext uri="{386F3935-93C4-4BCD-93E2-E3B085C9AB24}">
-                  <p16:designElem xmlns:p16="http://schemas.microsoft.com/office/powerpoint/2015/main" val="1"/>
-                </p:ext>
-              </p:extLst>
-            </p:nvPr>
-          </p:nvCxnSpPr>
-          <p:spPr>
-            <a:xfrm>
-              <a:off x="0" y="-1"/>
-              <a:ext cx="0" cy="6858000"/>
-            </a:xfrm>
-            <a:prstGeom prst="line">
-              <a:avLst/>
-            </a:prstGeom>
-            <a:ln w="12700">
-              <a:solidFill>
-                <a:srgbClr val="BCBCBC">
-                  <a:alpha val="29804"/>
-                </a:srgbClr>
-              </a:solidFill>
-              <a:prstDash val="sysDot"/>
-            </a:ln>
-          </p:spPr>
-          <p:style>
-            <a:lnRef idx="1">
-              <a:schemeClr val="accent1"/>
-            </a:lnRef>
-            <a:fillRef idx="0">
-              <a:schemeClr val="accent1"/>
-            </a:fillRef>
-            <a:effectRef idx="0">
-              <a:schemeClr val="accent1"/>
-            </a:effectRef>
-            <a:fontRef idx="minor">
-              <a:schemeClr val="tx1"/>
-            </a:fontRef>
-          </p:style>
-        </p:cxnSp>
-        <p:cxnSp>
-          <p:nvCxnSpPr>
-            <p:cNvPr id="19" name="Straight Connector 18">
-              <a:extLst>
-                <a:ext uri="{FF2B5EF4-FFF2-40B4-BE49-F238E27FC236}">
-                  <a16:creationId xmlns:a16="http://schemas.microsoft.com/office/drawing/2014/main" id="{E715F011-94BA-47DC-834F-1388B34219A0}"/>
-                </a:ext>
-                <a:ext uri="{C183D7F6-B498-43B3-948B-1728B52AA6E4}">
-                  <adec:decorative xmlns:adec="http://schemas.microsoft.com/office/drawing/2017/decorative" val="1"/>
-                </a:ext>
-              </a:extLst>
-            </p:cNvPr>
-            <p:cNvCxnSpPr>
-              <a:cxnSpLocks/>
-            </p:cNvCxnSpPr>
-            <p:nvPr>
-              <p:extLst>
-                <p:ext uri="{386F3935-93C4-4BCD-93E2-E3B085C9AB24}">
-                  <p16:designElem xmlns:p16="http://schemas.microsoft.com/office/powerpoint/2015/main" val="1"/>
-                </p:ext>
-              </p:extLst>
-            </p:nvPr>
-          </p:nvCxnSpPr>
-          <p:spPr>
-            <a:xfrm>
-              <a:off x="11993258" y="-1"/>
-              <a:ext cx="0" cy="6858000"/>
-            </a:xfrm>
-            <a:prstGeom prst="line">
-              <a:avLst/>
-            </a:prstGeom>
-            <a:ln w="12700">
-              <a:solidFill>
-                <a:srgbClr val="BCBCBC">
-                  <a:alpha val="29804"/>
-                </a:srgbClr>
-              </a:solidFill>
-              <a:prstDash val="sysDot"/>
-            </a:ln>
-          </p:spPr>
-          <p:style>
-            <a:lnRef idx="1">
-              <a:schemeClr val="accent1"/>
-            </a:lnRef>
-            <a:fillRef idx="0">
-              <a:schemeClr val="accent1"/>
-            </a:fillRef>
-            <a:effectRef idx="0">
-              <a:schemeClr val="accent1"/>
-            </a:effectRef>
-            <a:fontRef idx="minor">
-              <a:schemeClr val="tx1"/>
-            </a:fontRef>
-          </p:style>
-        </p:cxnSp>
-        <p:cxnSp>
-          <p:nvCxnSpPr>
-            <p:cNvPr id="20" name="Straight Connector 19">
-              <a:extLst>
-                <a:ext uri="{FF2B5EF4-FFF2-40B4-BE49-F238E27FC236}">
-                  <a16:creationId xmlns:a16="http://schemas.microsoft.com/office/drawing/2014/main" id="{2506A0AD-93DC-442E-9F60-B30CEAF7DD5D}"/>
-                </a:ext>
-                <a:ext uri="{C183D7F6-B498-43B3-948B-1728B52AA6E4}">
-                  <adec:decorative xmlns:adec="http://schemas.microsoft.com/office/drawing/2017/decorative" val="1"/>
-                </a:ext>
-              </a:extLst>
-            </p:cNvPr>
-            <p:cNvCxnSpPr>
-              <a:cxnSpLocks/>
-            </p:cNvCxnSpPr>
-            <p:nvPr>
-              <p:extLst>
-                <p:ext uri="{386F3935-93C4-4BCD-93E2-E3B085C9AB24}">
-                  <p16:designElem xmlns:p16="http://schemas.microsoft.com/office/powerpoint/2015/main" val="1"/>
-                </p:ext>
-              </p:extLst>
-            </p:nvPr>
-          </p:nvCxnSpPr>
-          <p:spPr>
-            <a:xfrm>
-              <a:off x="192528" y="-1"/>
-              <a:ext cx="0" cy="6858000"/>
-            </a:xfrm>
-            <a:prstGeom prst="line">
-              <a:avLst/>
-            </a:prstGeom>
-            <a:ln w="12700">
-              <a:solidFill>
-                <a:srgbClr val="BCBCBC">
-                  <a:alpha val="29804"/>
-                </a:srgbClr>
-              </a:solidFill>
-              <a:prstDash val="sysDot"/>
-            </a:ln>
-          </p:spPr>
-          <p:style>
-            <a:lnRef idx="1">
-              <a:schemeClr val="accent1"/>
-            </a:lnRef>
-            <a:fillRef idx="0">
-              <a:schemeClr val="accent1"/>
-            </a:fillRef>
-            <a:effectRef idx="0">
-              <a:schemeClr val="accent1"/>
-            </a:effectRef>
-            <a:fontRef idx="minor">
-              <a:schemeClr val="tx1"/>
-            </a:fontRef>
-          </p:style>
-        </p:cxnSp>
-        <p:cxnSp>
-          <p:nvCxnSpPr>
-            <p:cNvPr id="21" name="Straight Connector 20">
-              <a:extLst>
-                <a:ext uri="{FF2B5EF4-FFF2-40B4-BE49-F238E27FC236}">
-                  <a16:creationId xmlns:a16="http://schemas.microsoft.com/office/drawing/2014/main" id="{FED3C365-CE85-4FAC-B746-E04C9F92AF03}"/>
-                </a:ext>
-                <a:ext uri="{C183D7F6-B498-43B3-948B-1728B52AA6E4}">
-                  <adec:decorative xmlns:adec="http://schemas.microsoft.com/office/drawing/2017/decorative" val="1"/>
-                </a:ext>
-              </a:extLst>
-            </p:cNvPr>
-            <p:cNvCxnSpPr>
-              <a:cxnSpLocks/>
-            </p:cNvCxnSpPr>
-            <p:nvPr>
-              <p:extLst>
-                <p:ext uri="{386F3935-93C4-4BCD-93E2-E3B085C9AB24}">
-                  <p16:designElem xmlns:p16="http://schemas.microsoft.com/office/powerpoint/2015/main" val="1"/>
-                </p:ext>
-              </p:extLst>
-            </p:nvPr>
-          </p:nvCxnSpPr>
-          <p:spPr>
-            <a:xfrm>
-              <a:off x="1175922" y="-1"/>
-              <a:ext cx="0" cy="6858000"/>
-            </a:xfrm>
-            <a:prstGeom prst="line">
-              <a:avLst/>
-            </a:prstGeom>
-            <a:ln w="12700">
-              <a:solidFill>
-                <a:srgbClr val="BCBCBC">
-                  <a:alpha val="29804"/>
-                </a:srgbClr>
-              </a:solidFill>
-              <a:prstDash val="sysDot"/>
-            </a:ln>
-          </p:spPr>
-          <p:style>
-            <a:lnRef idx="1">
-              <a:schemeClr val="accent1"/>
-            </a:lnRef>
-            <a:fillRef idx="0">
-              <a:schemeClr val="accent1"/>
-            </a:fillRef>
-            <a:effectRef idx="0">
-              <a:schemeClr val="accent1"/>
-            </a:effectRef>
-            <a:fontRef idx="minor">
-              <a:schemeClr val="tx1"/>
-            </a:fontRef>
-          </p:style>
-        </p:cxnSp>
-        <p:cxnSp>
-          <p:nvCxnSpPr>
-            <p:cNvPr id="22" name="Straight Connector 21">
-              <a:extLst>
-                <a:ext uri="{FF2B5EF4-FFF2-40B4-BE49-F238E27FC236}">
-                  <a16:creationId xmlns:a16="http://schemas.microsoft.com/office/drawing/2014/main" id="{178454BD-0545-4C56-BD44-0FD16077F2CD}"/>
-                </a:ext>
-                <a:ext uri="{C183D7F6-B498-43B3-948B-1728B52AA6E4}">
-                  <adec:decorative xmlns:adec="http://schemas.microsoft.com/office/drawing/2017/decorative" val="1"/>
-                </a:ext>
-              </a:extLst>
-            </p:cNvPr>
-            <p:cNvCxnSpPr>
-              <a:cxnSpLocks/>
-            </p:cNvCxnSpPr>
-            <p:nvPr>
-              <p:extLst>
-                <p:ext uri="{386F3935-93C4-4BCD-93E2-E3B085C9AB24}">
-                  <p16:designElem xmlns:p16="http://schemas.microsoft.com/office/powerpoint/2015/main" val="1"/>
-                </p:ext>
-              </p:extLst>
-            </p:nvPr>
-          </p:nvCxnSpPr>
-          <p:spPr>
-            <a:xfrm>
-              <a:off x="2159316" y="-1"/>
-              <a:ext cx="0" cy="6858000"/>
-            </a:xfrm>
-            <a:prstGeom prst="line">
-              <a:avLst/>
-            </a:prstGeom>
-            <a:ln w="12700">
-              <a:solidFill>
-                <a:srgbClr val="BCBCBC">
-                  <a:alpha val="29804"/>
-                </a:srgbClr>
-              </a:solidFill>
-              <a:prstDash val="sysDot"/>
-            </a:ln>
-          </p:spPr>
-          <p:style>
-            <a:lnRef idx="1">
-              <a:schemeClr val="accent1"/>
-            </a:lnRef>
-            <a:fillRef idx="0">
-              <a:schemeClr val="accent1"/>
-            </a:fillRef>
-            <a:effectRef idx="0">
-              <a:schemeClr val="accent1"/>
-            </a:effectRef>
-            <a:fontRef idx="minor">
-              <a:schemeClr val="tx1"/>
-            </a:fontRef>
-          </p:style>
-        </p:cxnSp>
-        <p:cxnSp>
-          <p:nvCxnSpPr>
-            <p:cNvPr id="23" name="Straight Connector 22">
-              <a:extLst>
-                <a:ext uri="{FF2B5EF4-FFF2-40B4-BE49-F238E27FC236}">
-                  <a16:creationId xmlns:a16="http://schemas.microsoft.com/office/drawing/2014/main" id="{5B2AB6B5-F9FA-46C4-9677-F28F2A3BC9FC}"/>
-                </a:ext>
-                <a:ext uri="{C183D7F6-B498-43B3-948B-1728B52AA6E4}">
-                  <adec:decorative xmlns:adec="http://schemas.microsoft.com/office/drawing/2017/decorative" val="1"/>
-                </a:ext>
-              </a:extLst>
-            </p:cNvPr>
-            <p:cNvCxnSpPr>
-              <a:cxnSpLocks/>
-            </p:cNvCxnSpPr>
-            <p:nvPr>
-              <p:extLst>
-                <p:ext uri="{386F3935-93C4-4BCD-93E2-E3B085C9AB24}">
-                  <p16:designElem xmlns:p16="http://schemas.microsoft.com/office/powerpoint/2015/main" val="1"/>
-                </p:ext>
-              </p:extLst>
-            </p:nvPr>
-          </p:nvCxnSpPr>
-          <p:spPr>
-            <a:xfrm>
-              <a:off x="3142710" y="-1"/>
-              <a:ext cx="0" cy="6858000"/>
-            </a:xfrm>
-            <a:prstGeom prst="line">
-              <a:avLst/>
-            </a:prstGeom>
-            <a:ln w="12700">
-              <a:solidFill>
-                <a:srgbClr val="BCBCBC">
-                  <a:alpha val="29804"/>
-                </a:srgbClr>
-              </a:solidFill>
-              <a:prstDash val="sysDot"/>
-            </a:ln>
-          </p:spPr>
-          <p:style>
-            <a:lnRef idx="1">
-              <a:schemeClr val="accent1"/>
-            </a:lnRef>
-            <a:fillRef idx="0">
-              <a:schemeClr val="accent1"/>
-            </a:fillRef>
-            <a:effectRef idx="0">
-              <a:schemeClr val="accent1"/>
-            </a:effectRef>
-            <a:fontRef idx="minor">
-              <a:schemeClr val="tx1"/>
-            </a:fontRef>
-          </p:style>
-        </p:cxnSp>
-        <p:cxnSp>
-          <p:nvCxnSpPr>
-            <p:cNvPr id="24" name="Straight Connector 23">
-              <a:extLst>
-                <a:ext uri="{FF2B5EF4-FFF2-40B4-BE49-F238E27FC236}">
-                  <a16:creationId xmlns:a16="http://schemas.microsoft.com/office/drawing/2014/main" id="{0A888551-D4D1-46F5-975D-320FB87DBCE6}"/>
-                </a:ext>
-                <a:ext uri="{C183D7F6-B498-43B3-948B-1728B52AA6E4}">
-                  <adec:decorative xmlns:adec="http://schemas.microsoft.com/office/drawing/2017/decorative" val="1"/>
-                </a:ext>
-              </a:extLst>
-            </p:cNvPr>
-            <p:cNvCxnSpPr>
-              <a:cxnSpLocks/>
-            </p:cNvCxnSpPr>
-            <p:nvPr>
-              <p:extLst>
-                <p:ext uri="{386F3935-93C4-4BCD-93E2-E3B085C9AB24}">
-                  <p16:designElem xmlns:p16="http://schemas.microsoft.com/office/powerpoint/2015/main" val="1"/>
-                </p:ext>
-              </p:extLst>
-            </p:nvPr>
-          </p:nvCxnSpPr>
-          <p:spPr>
-            <a:xfrm>
-              <a:off x="4126104" y="-1"/>
-              <a:ext cx="0" cy="6858000"/>
-            </a:xfrm>
-            <a:prstGeom prst="line">
-              <a:avLst/>
-            </a:prstGeom>
-            <a:ln w="12700">
-              <a:solidFill>
-                <a:srgbClr val="BCBCBC">
-                  <a:alpha val="29804"/>
-                </a:srgbClr>
-              </a:solidFill>
-              <a:prstDash val="sysDot"/>
-            </a:ln>
-          </p:spPr>
-          <p:style>
-            <a:lnRef idx="1">
-              <a:schemeClr val="accent1"/>
-            </a:lnRef>
-            <a:fillRef idx="0">
-              <a:schemeClr val="accent1"/>
-            </a:fillRef>
-            <a:effectRef idx="0">
-              <a:schemeClr val="accent1"/>
-            </a:effectRef>
-            <a:fontRef idx="minor">
-              <a:schemeClr val="tx1"/>
-            </a:fontRef>
-          </p:style>
-        </p:cxnSp>
-        <p:cxnSp>
-          <p:nvCxnSpPr>
-            <p:cNvPr id="25" name="Straight Connector 24">
-              <a:extLst>
-                <a:ext uri="{FF2B5EF4-FFF2-40B4-BE49-F238E27FC236}">
-                  <a16:creationId xmlns:a16="http://schemas.microsoft.com/office/drawing/2014/main" id="{567C48A2-7C70-4832-8EA1-F4690A5F6BA0}"/>
-                </a:ext>
-                <a:ext uri="{C183D7F6-B498-43B3-948B-1728B52AA6E4}">
-                  <adec:decorative xmlns:adec="http://schemas.microsoft.com/office/drawing/2017/decorative" val="1"/>
-                </a:ext>
-              </a:extLst>
-            </p:cNvPr>
-            <p:cNvCxnSpPr>
-              <a:cxnSpLocks/>
-            </p:cNvCxnSpPr>
-            <p:nvPr>
-              <p:extLst>
-                <p:ext uri="{386F3935-93C4-4BCD-93E2-E3B085C9AB24}">
-                  <p16:designElem xmlns:p16="http://schemas.microsoft.com/office/powerpoint/2015/main" val="1"/>
-                </p:ext>
-              </p:extLst>
-            </p:nvPr>
-          </p:nvCxnSpPr>
-          <p:spPr>
-            <a:xfrm>
-              <a:off x="5109498" y="-1"/>
-              <a:ext cx="0" cy="6858000"/>
-            </a:xfrm>
-            <a:prstGeom prst="line">
-              <a:avLst/>
-            </a:prstGeom>
-            <a:ln w="12700">
-              <a:solidFill>
-                <a:srgbClr val="BCBCBC">
-                  <a:alpha val="29804"/>
-                </a:srgbClr>
-              </a:solidFill>
-              <a:prstDash val="sysDot"/>
-            </a:ln>
-          </p:spPr>
-          <p:style>
-            <a:lnRef idx="1">
-              <a:schemeClr val="accent1"/>
-            </a:lnRef>
-            <a:fillRef idx="0">
-              <a:schemeClr val="accent1"/>
-            </a:fillRef>
-            <a:effectRef idx="0">
-              <a:schemeClr val="accent1"/>
-            </a:effectRef>
-            <a:fontRef idx="minor">
-              <a:schemeClr val="tx1"/>
-            </a:fontRef>
-          </p:style>
-        </p:cxnSp>
-        <p:cxnSp>
-          <p:nvCxnSpPr>
-            <p:cNvPr id="26" name="Straight Connector 25">
-              <a:extLst>
-                <a:ext uri="{FF2B5EF4-FFF2-40B4-BE49-F238E27FC236}">
-                  <a16:creationId xmlns:a16="http://schemas.microsoft.com/office/drawing/2014/main" id="{C6B11DE8-28CF-46C2-AB13-7AE209801545}"/>
-                </a:ext>
-                <a:ext uri="{C183D7F6-B498-43B3-948B-1728B52AA6E4}">
-                  <adec:decorative xmlns:adec="http://schemas.microsoft.com/office/drawing/2017/decorative" val="1"/>
-                </a:ext>
-              </a:extLst>
-            </p:cNvPr>
-            <p:cNvCxnSpPr>
-              <a:cxnSpLocks/>
-            </p:cNvCxnSpPr>
-            <p:nvPr>
-              <p:extLst>
-                <p:ext uri="{386F3935-93C4-4BCD-93E2-E3B085C9AB24}">
-                  <p16:designElem xmlns:p16="http://schemas.microsoft.com/office/powerpoint/2015/main" val="1"/>
-                </p:ext>
-              </p:extLst>
-            </p:nvPr>
-          </p:nvCxnSpPr>
-          <p:spPr>
-            <a:xfrm>
-              <a:off x="6092892" y="-1"/>
-              <a:ext cx="0" cy="6858000"/>
-            </a:xfrm>
-            <a:prstGeom prst="line">
-              <a:avLst/>
-            </a:prstGeom>
-            <a:ln w="12700">
-              <a:solidFill>
-                <a:srgbClr val="BCBCBC">
-                  <a:alpha val="29804"/>
-                </a:srgbClr>
-              </a:solidFill>
-              <a:prstDash val="sysDot"/>
-            </a:ln>
-          </p:spPr>
-          <p:style>
-            <a:lnRef idx="1">
-              <a:schemeClr val="accent1"/>
-            </a:lnRef>
-            <a:fillRef idx="0">
-              <a:schemeClr val="accent1"/>
-            </a:fillRef>
-            <a:effectRef idx="0">
-              <a:schemeClr val="accent1"/>
-            </a:effectRef>
-            <a:fontRef idx="minor">
-              <a:schemeClr val="tx1"/>
-            </a:fontRef>
-          </p:style>
-        </p:cxnSp>
-        <p:cxnSp>
-          <p:nvCxnSpPr>
-            <p:cNvPr id="27" name="Straight Connector 26">
-              <a:extLst>
-                <a:ext uri="{FF2B5EF4-FFF2-40B4-BE49-F238E27FC236}">
-                  <a16:creationId xmlns:a16="http://schemas.microsoft.com/office/drawing/2014/main" id="{40395973-46DA-4BF6-B9C1-F0B4512DEB03}"/>
-                </a:ext>
-                <a:ext uri="{C183D7F6-B498-43B3-948B-1728B52AA6E4}">
-                  <adec:decorative xmlns:adec="http://schemas.microsoft.com/office/drawing/2017/decorative" val="1"/>
-                </a:ext>
-              </a:extLst>
-            </p:cNvPr>
-            <p:cNvCxnSpPr>
-              <a:cxnSpLocks/>
-            </p:cNvCxnSpPr>
-            <p:nvPr>
-              <p:extLst>
-                <p:ext uri="{386F3935-93C4-4BCD-93E2-E3B085C9AB24}">
-                  <p16:designElem xmlns:p16="http://schemas.microsoft.com/office/powerpoint/2015/main" val="1"/>
-                </p:ext>
-              </p:extLst>
-            </p:nvPr>
-          </p:nvCxnSpPr>
-          <p:spPr>
-            <a:xfrm>
-              <a:off x="7076286" y="-1"/>
-              <a:ext cx="0" cy="6858000"/>
-            </a:xfrm>
-            <a:prstGeom prst="line">
-              <a:avLst/>
-            </a:prstGeom>
-            <a:ln w="12700">
-              <a:solidFill>
-                <a:srgbClr val="BCBCBC">
-                  <a:alpha val="29804"/>
-                </a:srgbClr>
-              </a:solidFill>
-              <a:prstDash val="sysDot"/>
-            </a:ln>
-          </p:spPr>
-          <p:style>
-            <a:lnRef idx="1">
-              <a:schemeClr val="accent1"/>
-            </a:lnRef>
-            <a:fillRef idx="0">
-              <a:schemeClr val="accent1"/>
-            </a:fillRef>
-            <a:effectRef idx="0">
-              <a:schemeClr val="accent1"/>
-            </a:effectRef>
-            <a:fontRef idx="minor">
-              <a:schemeClr val="tx1"/>
-            </a:fontRef>
-          </p:style>
-        </p:cxnSp>
-        <p:cxnSp>
-          <p:nvCxnSpPr>
-            <p:cNvPr id="28" name="Straight Connector 27">
-              <a:extLst>
-                <a:ext uri="{FF2B5EF4-FFF2-40B4-BE49-F238E27FC236}">
-                  <a16:creationId xmlns:a16="http://schemas.microsoft.com/office/drawing/2014/main" id="{0CCFEEC4-7A30-4BB7-91CE-1BBA13833D5B}"/>
-                </a:ext>
-                <a:ext uri="{C183D7F6-B498-43B3-948B-1728B52AA6E4}">
-                  <adec:decorative xmlns:adec="http://schemas.microsoft.com/office/drawing/2017/decorative" val="1"/>
-                </a:ext>
-              </a:extLst>
-            </p:cNvPr>
-            <p:cNvCxnSpPr>
-              <a:cxnSpLocks/>
-            </p:cNvCxnSpPr>
-            <p:nvPr>
-              <p:extLst>
-                <p:ext uri="{386F3935-93C4-4BCD-93E2-E3B085C9AB24}">
-                  <p16:designElem xmlns:p16="http://schemas.microsoft.com/office/powerpoint/2015/main" val="1"/>
-                </p:ext>
-              </p:extLst>
-            </p:nvPr>
-          </p:nvCxnSpPr>
-          <p:spPr>
-            <a:xfrm>
-              <a:off x="8059680" y="-1"/>
-              <a:ext cx="0" cy="6858000"/>
-            </a:xfrm>
-            <a:prstGeom prst="line">
-              <a:avLst/>
-            </a:prstGeom>
-            <a:ln w="12700">
-              <a:solidFill>
-                <a:srgbClr val="BCBCBC">
-                  <a:alpha val="29804"/>
-                </a:srgbClr>
-              </a:solidFill>
-              <a:prstDash val="sysDot"/>
-            </a:ln>
-          </p:spPr>
-          <p:style>
-            <a:lnRef idx="1">
-              <a:schemeClr val="accent1"/>
-            </a:lnRef>
-            <a:fillRef idx="0">
-              <a:schemeClr val="accent1"/>
-            </a:fillRef>
-            <a:effectRef idx="0">
-              <a:schemeClr val="accent1"/>
-            </a:effectRef>
-            <a:fontRef idx="minor">
-              <a:schemeClr val="tx1"/>
-            </a:fontRef>
-          </p:style>
-        </p:cxnSp>
-        <p:cxnSp>
-          <p:nvCxnSpPr>
-            <p:cNvPr id="29" name="Straight Connector 28">
-              <a:extLst>
-                <a:ext uri="{FF2B5EF4-FFF2-40B4-BE49-F238E27FC236}">
-                  <a16:creationId xmlns:a16="http://schemas.microsoft.com/office/drawing/2014/main" id="{08A0F616-0997-42B0-83B2-BDF6BB350119}"/>
-                </a:ext>
-                <a:ext uri="{C183D7F6-B498-43B3-948B-1728B52AA6E4}">
-                  <adec:decorative xmlns:adec="http://schemas.microsoft.com/office/drawing/2017/decorative" val="1"/>
-                </a:ext>
-              </a:extLst>
-            </p:cNvPr>
-            <p:cNvCxnSpPr>
-              <a:cxnSpLocks/>
-            </p:cNvCxnSpPr>
-            <p:nvPr>
-              <p:extLst>
-                <p:ext uri="{386F3935-93C4-4BCD-93E2-E3B085C9AB24}">
-                  <p16:designElem xmlns:p16="http://schemas.microsoft.com/office/powerpoint/2015/main" val="1"/>
-                </p:ext>
-              </p:extLst>
-            </p:nvPr>
-          </p:nvCxnSpPr>
-          <p:spPr>
-            <a:xfrm>
-              <a:off x="9043074" y="-1"/>
-              <a:ext cx="0" cy="6858000"/>
-            </a:xfrm>
-            <a:prstGeom prst="line">
-              <a:avLst/>
-            </a:prstGeom>
-            <a:ln w="12700">
-              <a:solidFill>
-                <a:srgbClr val="BCBCBC">
-                  <a:alpha val="29804"/>
-                </a:srgbClr>
-              </a:solidFill>
-              <a:prstDash val="sysDot"/>
-            </a:ln>
-          </p:spPr>
-          <p:style>
-            <a:lnRef idx="1">
-              <a:schemeClr val="accent1"/>
-            </a:lnRef>
-            <a:fillRef idx="0">
-              <a:schemeClr val="accent1"/>
-            </a:fillRef>
-            <a:effectRef idx="0">
-              <a:schemeClr val="accent1"/>
-            </a:effectRef>
-            <a:fontRef idx="minor">
-              <a:schemeClr val="tx1"/>
-            </a:fontRef>
-          </p:style>
-        </p:cxnSp>
-        <p:cxnSp>
-          <p:nvCxnSpPr>
-            <p:cNvPr id="30" name="Straight Connector 29">
-              <a:extLst>
-                <a:ext uri="{FF2B5EF4-FFF2-40B4-BE49-F238E27FC236}">
-                  <a16:creationId xmlns:a16="http://schemas.microsoft.com/office/drawing/2014/main" id="{444B0F3E-07AE-40F2-ACA8-84BBAEE5B92B}"/>
-                </a:ext>
-                <a:ext uri="{C183D7F6-B498-43B3-948B-1728B52AA6E4}">
-                  <adec:decorative xmlns:adec="http://schemas.microsoft.com/office/drawing/2017/decorative" val="1"/>
-                </a:ext>
-              </a:extLst>
-            </p:cNvPr>
-            <p:cNvCxnSpPr>
-              <a:cxnSpLocks/>
-            </p:cNvCxnSpPr>
-            <p:nvPr>
-              <p:extLst>
-                <p:ext uri="{386F3935-93C4-4BCD-93E2-E3B085C9AB24}">
-                  <p16:designElem xmlns:p16="http://schemas.microsoft.com/office/powerpoint/2015/main" val="1"/>
-                </p:ext>
-              </p:extLst>
-            </p:nvPr>
-          </p:nvCxnSpPr>
-          <p:spPr>
-            <a:xfrm>
-              <a:off x="10026468" y="-1"/>
-              <a:ext cx="0" cy="6858000"/>
-            </a:xfrm>
-            <a:prstGeom prst="line">
-              <a:avLst/>
-            </a:prstGeom>
-            <a:ln w="12700">
-              <a:solidFill>
-                <a:srgbClr val="BCBCBC">
-                  <a:alpha val="29804"/>
-                </a:srgbClr>
-              </a:solidFill>
-              <a:prstDash val="sysDot"/>
-            </a:ln>
-          </p:spPr>
-          <p:style>
-            <a:lnRef idx="1">
-              <a:schemeClr val="accent1"/>
-            </a:lnRef>
-            <a:fillRef idx="0">
-              <a:schemeClr val="accent1"/>
-            </a:fillRef>
-            <a:effectRef idx="0">
-              <a:schemeClr val="accent1"/>
-            </a:effectRef>
-            <a:fontRef idx="minor">
-              <a:schemeClr val="tx1"/>
-            </a:fontRef>
-          </p:style>
-        </p:cxnSp>
-        <p:cxnSp>
-          <p:nvCxnSpPr>
-            <p:cNvPr id="31" name="Straight Connector 30">
-              <a:extLst>
-                <a:ext uri="{FF2B5EF4-FFF2-40B4-BE49-F238E27FC236}">
-                  <a16:creationId xmlns:a16="http://schemas.microsoft.com/office/drawing/2014/main" id="{1A948B5D-3085-4444-95B3-2ED3F19C1697}"/>
-                </a:ext>
-                <a:ext uri="{C183D7F6-B498-43B3-948B-1728B52AA6E4}">
-                  <adec:decorative xmlns:adec="http://schemas.microsoft.com/office/drawing/2017/decorative" val="1"/>
-                </a:ext>
-              </a:extLst>
-            </p:cNvPr>
-            <p:cNvCxnSpPr>
-              <a:cxnSpLocks/>
-            </p:cNvCxnSpPr>
-            <p:nvPr>
-              <p:extLst>
-                <p:ext uri="{386F3935-93C4-4BCD-93E2-E3B085C9AB24}">
-                  <p16:designElem xmlns:p16="http://schemas.microsoft.com/office/powerpoint/2015/main" val="1"/>
-                </p:ext>
-              </p:extLst>
-            </p:nvPr>
-          </p:nvCxnSpPr>
-          <p:spPr>
-            <a:xfrm>
-              <a:off x="11009862" y="-1"/>
-              <a:ext cx="0" cy="6858000"/>
-            </a:xfrm>
-            <a:prstGeom prst="line">
-              <a:avLst/>
-            </a:prstGeom>
-            <a:ln w="12700">
-              <a:solidFill>
-                <a:srgbClr val="BCBCBC">
-                  <a:alpha val="29804"/>
-                </a:srgbClr>
-              </a:solidFill>
-              <a:prstDash val="sysDot"/>
-            </a:ln>
-          </p:spPr>
-          <p:style>
-            <a:lnRef idx="1">
-              <a:schemeClr val="accent1"/>
-            </a:lnRef>
-            <a:fillRef idx="0">
-              <a:schemeClr val="accent1"/>
-            </a:fillRef>
-            <a:effectRef idx="0">
-              <a:schemeClr val="accent1"/>
-            </a:effectRef>
-            <a:fontRef idx="minor">
-              <a:schemeClr val="tx1"/>
-            </a:fontRef>
-          </p:style>
-        </p:cxnSp>
-        <p:cxnSp>
-          <p:nvCxnSpPr>
-            <p:cNvPr id="32" name="Straight Connector 31">
-              <a:extLst>
-                <a:ext uri="{FF2B5EF4-FFF2-40B4-BE49-F238E27FC236}">
-                  <a16:creationId xmlns:a16="http://schemas.microsoft.com/office/drawing/2014/main" id="{15B0FDF0-2286-4AD5-8409-EC8B706C508C}"/>
-                </a:ext>
-                <a:ext uri="{C183D7F6-B498-43B3-948B-1728B52AA6E4}">
-                  <adec:decorative xmlns:adec="http://schemas.microsoft.com/office/drawing/2017/decorative" val="1"/>
-                </a:ext>
-              </a:extLst>
-            </p:cNvPr>
-            <p:cNvCxnSpPr>
-              <a:cxnSpLocks/>
-            </p:cNvCxnSpPr>
-            <p:nvPr>
-              <p:extLst>
-                <p:ext uri="{386F3935-93C4-4BCD-93E2-E3B085C9AB24}">
-                  <p16:designElem xmlns:p16="http://schemas.microsoft.com/office/powerpoint/2015/main" val="1"/>
-                </p:ext>
-              </p:extLst>
-            </p:nvPr>
-          </p:nvCxnSpPr>
-          <p:spPr>
-            <a:xfrm>
-              <a:off x="12185786" y="-1"/>
-              <a:ext cx="0" cy="6858000"/>
-            </a:xfrm>
-            <a:prstGeom prst="line">
-              <a:avLst/>
-            </a:prstGeom>
-            <a:ln w="12700">
-              <a:solidFill>
-                <a:srgbClr val="BCBCBC">
-                  <a:alpha val="29804"/>
-                </a:srgbClr>
-              </a:solidFill>
-              <a:prstDash val="sysDot"/>
-            </a:ln>
-          </p:spPr>
-          <p:style>
-            <a:lnRef idx="1">
-              <a:schemeClr val="accent1"/>
-            </a:lnRef>
-            <a:fillRef idx="0">
-              <a:schemeClr val="accent1"/>
-            </a:fillRef>
-            <a:effectRef idx="0">
-              <a:schemeClr val="accent1"/>
-            </a:effectRef>
-            <a:fontRef idx="minor">
-              <a:schemeClr val="tx1"/>
-            </a:fontRef>
-          </p:style>
-        </p:cxnSp>
-        <p:cxnSp>
-          <p:nvCxnSpPr>
-            <p:cNvPr id="33" name="Straight Connector 32">
-              <a:extLst>
-                <a:ext uri="{FF2B5EF4-FFF2-40B4-BE49-F238E27FC236}">
-                  <a16:creationId xmlns:a16="http://schemas.microsoft.com/office/drawing/2014/main" id="{0B8842C3-3266-4C74-A6BF-5529C9CC25AA}"/>
-                </a:ext>
-                <a:ext uri="{C183D7F6-B498-43B3-948B-1728B52AA6E4}">
-                  <adec:decorative xmlns:adec="http://schemas.microsoft.com/office/drawing/2017/decorative" val="1"/>
-                </a:ext>
-              </a:extLst>
-            </p:cNvPr>
-            <p:cNvCxnSpPr>
-              <a:cxnSpLocks/>
-            </p:cNvCxnSpPr>
-            <p:nvPr>
-              <p:extLst>
-                <p:ext uri="{386F3935-93C4-4BCD-93E2-E3B085C9AB24}">
-                  <p16:designElem xmlns:p16="http://schemas.microsoft.com/office/powerpoint/2015/main" val="1"/>
-                </p:ext>
-              </p:extLst>
-            </p:nvPr>
-          </p:nvCxnSpPr>
-          <p:spPr>
-            <a:xfrm>
-              <a:off x="0" y="171716"/>
-              <a:ext cx="12192000" cy="0"/>
-            </a:xfrm>
-            <a:prstGeom prst="line">
-              <a:avLst/>
-            </a:prstGeom>
-            <a:ln w="12700">
-              <a:solidFill>
-                <a:srgbClr val="BCBCBC">
-                  <a:alpha val="29804"/>
-                </a:srgbClr>
-              </a:solidFill>
-              <a:prstDash val="sysDot"/>
-            </a:ln>
-          </p:spPr>
-          <p:style>
-            <a:lnRef idx="1">
-              <a:schemeClr val="accent1"/>
-            </a:lnRef>
-            <a:fillRef idx="0">
-              <a:schemeClr val="accent1"/>
-            </a:fillRef>
-            <a:effectRef idx="0">
-              <a:schemeClr val="accent1"/>
-            </a:effectRef>
-            <a:fontRef idx="minor">
-              <a:schemeClr val="tx1"/>
-            </a:fontRef>
-          </p:style>
-        </p:cxnSp>
-        <p:cxnSp>
-          <p:nvCxnSpPr>
-            <p:cNvPr id="34" name="Straight Connector 33">
-              <a:extLst>
-                <a:ext uri="{FF2B5EF4-FFF2-40B4-BE49-F238E27FC236}">
-                  <a16:creationId xmlns:a16="http://schemas.microsoft.com/office/drawing/2014/main" id="{E920E458-6F68-46DF-9407-9E6AD8CE210A}"/>
-                </a:ext>
-                <a:ext uri="{C183D7F6-B498-43B3-948B-1728B52AA6E4}">
-                  <adec:decorative xmlns:adec="http://schemas.microsoft.com/office/drawing/2017/decorative" val="1"/>
-                </a:ext>
-              </a:extLst>
-            </p:cNvPr>
-            <p:cNvCxnSpPr>
-              <a:cxnSpLocks/>
-            </p:cNvCxnSpPr>
-            <p:nvPr>
-              <p:extLst>
-                <p:ext uri="{386F3935-93C4-4BCD-93E2-E3B085C9AB24}">
-                  <p16:designElem xmlns:p16="http://schemas.microsoft.com/office/powerpoint/2015/main" val="1"/>
-                </p:ext>
-              </p:extLst>
-            </p:nvPr>
-          </p:nvCxnSpPr>
-          <p:spPr>
-            <a:xfrm>
-              <a:off x="0" y="714597"/>
-              <a:ext cx="12192000" cy="0"/>
-            </a:xfrm>
-            <a:prstGeom prst="line">
-              <a:avLst/>
-            </a:prstGeom>
-            <a:ln w="12700">
-              <a:solidFill>
-                <a:srgbClr val="BCBCBC">
-                  <a:alpha val="29804"/>
-                </a:srgbClr>
-              </a:solidFill>
-              <a:prstDash val="sysDot"/>
-            </a:ln>
-          </p:spPr>
-          <p:style>
-            <a:lnRef idx="1">
-              <a:schemeClr val="accent1"/>
-            </a:lnRef>
-            <a:fillRef idx="0">
-              <a:schemeClr val="accent1"/>
-            </a:fillRef>
-            <a:effectRef idx="0">
-              <a:schemeClr val="accent1"/>
-            </a:effectRef>
-            <a:fontRef idx="minor">
-              <a:schemeClr val="tx1"/>
-            </a:fontRef>
-          </p:style>
-        </p:cxnSp>
-        <p:cxnSp>
-          <p:nvCxnSpPr>
-            <p:cNvPr id="35" name="Straight Connector 34">
-              <a:extLst>
-                <a:ext uri="{FF2B5EF4-FFF2-40B4-BE49-F238E27FC236}">
-                  <a16:creationId xmlns:a16="http://schemas.microsoft.com/office/drawing/2014/main" id="{10CB4A57-7F7E-426D-93B5-984A8F8BC643}"/>
-                </a:ext>
-                <a:ext uri="{C183D7F6-B498-43B3-948B-1728B52AA6E4}">
-                  <adec:decorative xmlns:adec="http://schemas.microsoft.com/office/drawing/2017/decorative" val="1"/>
-                </a:ext>
-              </a:extLst>
-            </p:cNvPr>
-            <p:cNvCxnSpPr>
-              <a:cxnSpLocks/>
-            </p:cNvCxnSpPr>
-            <p:nvPr>
-              <p:extLst>
-                <p:ext uri="{386F3935-93C4-4BCD-93E2-E3B085C9AB24}">
-                  <p16:designElem xmlns:p16="http://schemas.microsoft.com/office/powerpoint/2015/main" val="1"/>
-                </p:ext>
-              </p:extLst>
-            </p:nvPr>
-          </p:nvCxnSpPr>
-          <p:spPr>
-            <a:xfrm>
-              <a:off x="0" y="1257478"/>
-              <a:ext cx="12192000" cy="0"/>
-            </a:xfrm>
-            <a:prstGeom prst="line">
-              <a:avLst/>
-            </a:prstGeom>
-            <a:ln w="12700">
-              <a:solidFill>
-                <a:srgbClr val="BCBCBC">
-                  <a:alpha val="29804"/>
-                </a:srgbClr>
-              </a:solidFill>
-              <a:prstDash val="sysDot"/>
-            </a:ln>
-          </p:spPr>
-          <p:style>
-            <a:lnRef idx="1">
-              <a:schemeClr val="accent1"/>
-            </a:lnRef>
-            <a:fillRef idx="0">
-              <a:schemeClr val="accent1"/>
-            </a:fillRef>
-            <a:effectRef idx="0">
-              <a:schemeClr val="accent1"/>
-            </a:effectRef>
-            <a:fontRef idx="minor">
-              <a:schemeClr val="tx1"/>
-            </a:fontRef>
-          </p:style>
-        </p:cxnSp>
-        <p:cxnSp>
-          <p:nvCxnSpPr>
-            <p:cNvPr id="36" name="Straight Connector 35">
-              <a:extLst>
-                <a:ext uri="{FF2B5EF4-FFF2-40B4-BE49-F238E27FC236}">
-                  <a16:creationId xmlns:a16="http://schemas.microsoft.com/office/drawing/2014/main" id="{CC038EA1-A5C8-4528-9DEC-35C3970C22F4}"/>
-                </a:ext>
-                <a:ext uri="{C183D7F6-B498-43B3-948B-1728B52AA6E4}">
-                  <adec:decorative xmlns:adec="http://schemas.microsoft.com/office/drawing/2017/decorative" val="1"/>
-                </a:ext>
-              </a:extLst>
-            </p:cNvPr>
-            <p:cNvCxnSpPr>
-              <a:cxnSpLocks/>
-            </p:cNvCxnSpPr>
-            <p:nvPr>
-              <p:extLst>
-                <p:ext uri="{386F3935-93C4-4BCD-93E2-E3B085C9AB24}">
-                  <p16:designElem xmlns:p16="http://schemas.microsoft.com/office/powerpoint/2015/main" val="1"/>
-                </p:ext>
-              </p:extLst>
-            </p:nvPr>
-          </p:nvCxnSpPr>
-          <p:spPr>
-            <a:xfrm>
-              <a:off x="0" y="1800359"/>
-              <a:ext cx="12192000" cy="0"/>
-            </a:xfrm>
-            <a:prstGeom prst="line">
-              <a:avLst/>
-            </a:prstGeom>
-            <a:ln w="12700">
-              <a:solidFill>
-                <a:srgbClr val="BCBCBC">
-                  <a:alpha val="29804"/>
-                </a:srgbClr>
-              </a:solidFill>
-              <a:prstDash val="sysDot"/>
-            </a:ln>
-          </p:spPr>
-          <p:style>
-            <a:lnRef idx="1">
-              <a:schemeClr val="accent1"/>
-            </a:lnRef>
-            <a:fillRef idx="0">
-              <a:schemeClr val="accent1"/>
-            </a:fillRef>
-            <a:effectRef idx="0">
-              <a:schemeClr val="accent1"/>
-            </a:effectRef>
-            <a:fontRef idx="minor">
-              <a:schemeClr val="tx1"/>
-            </a:fontRef>
-          </p:style>
-        </p:cxnSp>
-        <p:cxnSp>
-          <p:nvCxnSpPr>
-            <p:cNvPr id="37" name="Straight Connector 36">
-              <a:extLst>
-                <a:ext uri="{FF2B5EF4-FFF2-40B4-BE49-F238E27FC236}">
-                  <a16:creationId xmlns:a16="http://schemas.microsoft.com/office/drawing/2014/main" id="{3CC18C7B-5800-46CC-B5DF-8B8D91A1B3B2}"/>
-                </a:ext>
-                <a:ext uri="{C183D7F6-B498-43B3-948B-1728B52AA6E4}">
-                  <adec:decorative xmlns:adec="http://schemas.microsoft.com/office/drawing/2017/decorative" val="1"/>
-                </a:ext>
-              </a:extLst>
-            </p:cNvPr>
-            <p:cNvCxnSpPr>
-              <a:cxnSpLocks/>
-            </p:cNvCxnSpPr>
-            <p:nvPr>
-              <p:extLst>
-                <p:ext uri="{386F3935-93C4-4BCD-93E2-E3B085C9AB24}">
-                  <p16:designElem xmlns:p16="http://schemas.microsoft.com/office/powerpoint/2015/main" val="1"/>
-                </p:ext>
-              </p:extLst>
-            </p:nvPr>
-          </p:nvCxnSpPr>
-          <p:spPr>
-            <a:xfrm>
-              <a:off x="0" y="2343240"/>
-              <a:ext cx="12192000" cy="0"/>
-            </a:xfrm>
-            <a:prstGeom prst="line">
-              <a:avLst/>
-            </a:prstGeom>
-            <a:ln w="12700">
-              <a:solidFill>
-                <a:srgbClr val="BCBCBC">
-                  <a:alpha val="29804"/>
-                </a:srgbClr>
-              </a:solidFill>
-              <a:prstDash val="sysDot"/>
-            </a:ln>
-          </p:spPr>
-          <p:style>
-            <a:lnRef idx="1">
-              <a:schemeClr val="accent1"/>
-            </a:lnRef>
-            <a:fillRef idx="0">
-              <a:schemeClr val="accent1"/>
-            </a:fillRef>
-            <a:effectRef idx="0">
-              <a:schemeClr val="accent1"/>
-            </a:effectRef>
-            <a:fontRef idx="minor">
-              <a:schemeClr val="tx1"/>
-            </a:fontRef>
-          </p:style>
-        </p:cxnSp>
-        <p:cxnSp>
-          <p:nvCxnSpPr>
-            <p:cNvPr id="38" name="Straight Connector 37">
-              <a:extLst>
-                <a:ext uri="{FF2B5EF4-FFF2-40B4-BE49-F238E27FC236}">
-                  <a16:creationId xmlns:a16="http://schemas.microsoft.com/office/drawing/2014/main" id="{27AFBA18-1DE7-4213-9CF2-DAA4886EA9F8}"/>
-                </a:ext>
-                <a:ext uri="{C183D7F6-B498-43B3-948B-1728B52AA6E4}">
-                  <adec:decorative xmlns:adec="http://schemas.microsoft.com/office/drawing/2017/decorative" val="1"/>
-                </a:ext>
-              </a:extLst>
-            </p:cNvPr>
-            <p:cNvCxnSpPr>
-              <a:cxnSpLocks/>
-            </p:cNvCxnSpPr>
-            <p:nvPr>
-              <p:extLst>
-                <p:ext uri="{386F3935-93C4-4BCD-93E2-E3B085C9AB24}">
-                  <p16:designElem xmlns:p16="http://schemas.microsoft.com/office/powerpoint/2015/main" val="1"/>
-                </p:ext>
-              </p:extLst>
-            </p:nvPr>
-          </p:nvCxnSpPr>
-          <p:spPr>
-            <a:xfrm>
-              <a:off x="0" y="2886121"/>
-              <a:ext cx="12192000" cy="0"/>
-            </a:xfrm>
-            <a:prstGeom prst="line">
-              <a:avLst/>
-            </a:prstGeom>
-            <a:ln w="12700">
-              <a:solidFill>
-                <a:srgbClr val="BCBCBC">
-                  <a:alpha val="29804"/>
-                </a:srgbClr>
-              </a:solidFill>
-              <a:prstDash val="sysDot"/>
-            </a:ln>
-          </p:spPr>
-          <p:style>
-            <a:lnRef idx="1">
-              <a:schemeClr val="accent1"/>
-            </a:lnRef>
-            <a:fillRef idx="0">
-              <a:schemeClr val="accent1"/>
-            </a:fillRef>
-            <a:effectRef idx="0">
-              <a:schemeClr val="accent1"/>
-            </a:effectRef>
-            <a:fontRef idx="minor">
-              <a:schemeClr val="tx1"/>
-            </a:fontRef>
-          </p:style>
-        </p:cxnSp>
-        <p:cxnSp>
-          <p:nvCxnSpPr>
-            <p:cNvPr id="39" name="Straight Connector 38">
-              <a:extLst>
-                <a:ext uri="{FF2B5EF4-FFF2-40B4-BE49-F238E27FC236}">
-                  <a16:creationId xmlns:a16="http://schemas.microsoft.com/office/drawing/2014/main" id="{E209AD18-3DFF-4A2A-BA06-5B62BC9F303B}"/>
-                </a:ext>
-                <a:ext uri="{C183D7F6-B498-43B3-948B-1728B52AA6E4}">
-                  <adec:decorative xmlns:adec="http://schemas.microsoft.com/office/drawing/2017/decorative" val="1"/>
-                </a:ext>
-              </a:extLst>
-            </p:cNvPr>
-            <p:cNvCxnSpPr>
-              <a:cxnSpLocks/>
-            </p:cNvCxnSpPr>
-            <p:nvPr>
-              <p:extLst>
-                <p:ext uri="{386F3935-93C4-4BCD-93E2-E3B085C9AB24}">
-                  <p16:designElem xmlns:p16="http://schemas.microsoft.com/office/powerpoint/2015/main" val="1"/>
-                </p:ext>
-              </p:extLst>
-            </p:nvPr>
-          </p:nvCxnSpPr>
-          <p:spPr>
-            <a:xfrm>
-              <a:off x="0" y="3429002"/>
-              <a:ext cx="12192000" cy="0"/>
-            </a:xfrm>
-            <a:prstGeom prst="line">
-              <a:avLst/>
-            </a:prstGeom>
-            <a:ln w="12700">
-              <a:solidFill>
-                <a:srgbClr val="BCBCBC">
-                  <a:alpha val="29804"/>
-                </a:srgbClr>
-              </a:solidFill>
-              <a:prstDash val="sysDot"/>
-            </a:ln>
-          </p:spPr>
-          <p:style>
-            <a:lnRef idx="1">
-              <a:schemeClr val="accent1"/>
-            </a:lnRef>
-            <a:fillRef idx="0">
-              <a:schemeClr val="accent1"/>
-            </a:fillRef>
-            <a:effectRef idx="0">
-              <a:schemeClr val="accent1"/>
-            </a:effectRef>
-            <a:fontRef idx="minor">
-              <a:schemeClr val="tx1"/>
-            </a:fontRef>
-          </p:style>
-        </p:cxnSp>
-        <p:cxnSp>
-          <p:nvCxnSpPr>
-            <p:cNvPr id="40" name="Straight Connector 39">
-              <a:extLst>
-                <a:ext uri="{FF2B5EF4-FFF2-40B4-BE49-F238E27FC236}">
-                  <a16:creationId xmlns:a16="http://schemas.microsoft.com/office/drawing/2014/main" id="{CC9349A2-4AE5-4765-852E-EDD390D0ED4A}"/>
-                </a:ext>
-                <a:ext uri="{C183D7F6-B498-43B3-948B-1728B52AA6E4}">
-                  <adec:decorative xmlns:adec="http://schemas.microsoft.com/office/drawing/2017/decorative" val="1"/>
-                </a:ext>
-              </a:extLst>
-            </p:cNvPr>
-            <p:cNvCxnSpPr>
-              <a:cxnSpLocks/>
-            </p:cNvCxnSpPr>
-            <p:nvPr>
-              <p:extLst>
-                <p:ext uri="{386F3935-93C4-4BCD-93E2-E3B085C9AB24}">
-                  <p16:designElem xmlns:p16="http://schemas.microsoft.com/office/powerpoint/2015/main" val="1"/>
-                </p:ext>
-              </p:extLst>
-            </p:nvPr>
-          </p:nvCxnSpPr>
-          <p:spPr>
-            <a:xfrm>
-              <a:off x="0" y="3971883"/>
-              <a:ext cx="12192000" cy="0"/>
-            </a:xfrm>
-            <a:prstGeom prst="line">
-              <a:avLst/>
-            </a:prstGeom>
-            <a:ln w="12700">
-              <a:solidFill>
-                <a:srgbClr val="BCBCBC">
-                  <a:alpha val="29804"/>
-                </a:srgbClr>
-              </a:solidFill>
-              <a:prstDash val="sysDot"/>
-            </a:ln>
-          </p:spPr>
-          <p:style>
-            <a:lnRef idx="1">
-              <a:schemeClr val="accent1"/>
-            </a:lnRef>
-            <a:fillRef idx="0">
-              <a:schemeClr val="accent1"/>
-            </a:fillRef>
-            <a:effectRef idx="0">
-              <a:schemeClr val="accent1"/>
-            </a:effectRef>
-            <a:fontRef idx="minor">
-              <a:schemeClr val="tx1"/>
-            </a:fontRef>
-          </p:style>
-        </p:cxnSp>
-        <p:cxnSp>
-          <p:nvCxnSpPr>
-            <p:cNvPr id="41" name="Straight Connector 40">
-              <a:extLst>
-                <a:ext uri="{FF2B5EF4-FFF2-40B4-BE49-F238E27FC236}">
-                  <a16:creationId xmlns:a16="http://schemas.microsoft.com/office/drawing/2014/main" id="{8F551698-2DD2-4F8E-ABB8-0CBAE048C373}"/>
-                </a:ext>
-                <a:ext uri="{C183D7F6-B498-43B3-948B-1728B52AA6E4}">
-                  <adec:decorative xmlns:adec="http://schemas.microsoft.com/office/drawing/2017/decorative" val="1"/>
-                </a:ext>
-              </a:extLst>
-            </p:cNvPr>
-            <p:cNvCxnSpPr>
-              <a:cxnSpLocks/>
-            </p:cNvCxnSpPr>
-            <p:nvPr>
-              <p:extLst>
-                <p:ext uri="{386F3935-93C4-4BCD-93E2-E3B085C9AB24}">
-                  <p16:designElem xmlns:p16="http://schemas.microsoft.com/office/powerpoint/2015/main" val="1"/>
-                </p:ext>
-              </p:extLst>
-            </p:nvPr>
-          </p:nvCxnSpPr>
-          <p:spPr>
-            <a:xfrm>
-              <a:off x="0" y="4514764"/>
-              <a:ext cx="12192000" cy="0"/>
-            </a:xfrm>
-            <a:prstGeom prst="line">
-              <a:avLst/>
-            </a:prstGeom>
-            <a:ln w="12700">
-              <a:solidFill>
-                <a:srgbClr val="BCBCBC">
-                  <a:alpha val="29804"/>
-                </a:srgbClr>
-              </a:solidFill>
-              <a:prstDash val="sysDot"/>
-            </a:ln>
-          </p:spPr>
-          <p:style>
-            <a:lnRef idx="1">
-              <a:schemeClr val="accent1"/>
-            </a:lnRef>
-            <a:fillRef idx="0">
-              <a:schemeClr val="accent1"/>
-            </a:fillRef>
-            <a:effectRef idx="0">
-              <a:schemeClr val="accent1"/>
-            </a:effectRef>
-            <a:fontRef idx="minor">
-              <a:schemeClr val="tx1"/>
-            </a:fontRef>
-          </p:style>
-        </p:cxnSp>
-        <p:cxnSp>
-          <p:nvCxnSpPr>
-            <p:cNvPr id="42" name="Straight Connector 41">
-              <a:extLst>
-                <a:ext uri="{FF2B5EF4-FFF2-40B4-BE49-F238E27FC236}">
-                  <a16:creationId xmlns:a16="http://schemas.microsoft.com/office/drawing/2014/main" id="{93D68F4A-8464-4C0E-8E8F-218BA86E10FD}"/>
-                </a:ext>
-                <a:ext uri="{C183D7F6-B498-43B3-948B-1728B52AA6E4}">
-                  <adec:decorative xmlns:adec="http://schemas.microsoft.com/office/drawing/2017/decorative" val="1"/>
-                </a:ext>
-              </a:extLst>
-            </p:cNvPr>
-            <p:cNvCxnSpPr>
-              <a:cxnSpLocks/>
-            </p:cNvCxnSpPr>
-            <p:nvPr>
-              <p:extLst>
-                <p:ext uri="{386F3935-93C4-4BCD-93E2-E3B085C9AB24}">
-                  <p16:designElem xmlns:p16="http://schemas.microsoft.com/office/powerpoint/2015/main" val="1"/>
-                </p:ext>
-              </p:extLst>
-            </p:nvPr>
-          </p:nvCxnSpPr>
-          <p:spPr>
-            <a:xfrm>
-              <a:off x="0" y="5057645"/>
-              <a:ext cx="12192000" cy="0"/>
-            </a:xfrm>
-            <a:prstGeom prst="line">
-              <a:avLst/>
-            </a:prstGeom>
-            <a:ln w="12700">
-              <a:solidFill>
-                <a:srgbClr val="BCBCBC">
-                  <a:alpha val="29804"/>
-                </a:srgbClr>
-              </a:solidFill>
-              <a:prstDash val="sysDot"/>
-            </a:ln>
-          </p:spPr>
-          <p:style>
-            <a:lnRef idx="1">
-              <a:schemeClr val="accent1"/>
-            </a:lnRef>
-            <a:fillRef idx="0">
-              <a:schemeClr val="accent1"/>
-            </a:fillRef>
-            <a:effectRef idx="0">
-              <a:schemeClr val="accent1"/>
-            </a:effectRef>
-            <a:fontRef idx="minor">
-              <a:schemeClr val="tx1"/>
-            </a:fontRef>
-          </p:style>
-        </p:cxnSp>
-        <p:cxnSp>
-          <p:nvCxnSpPr>
-            <p:cNvPr id="43" name="Straight Connector 42">
-              <a:extLst>
-                <a:ext uri="{FF2B5EF4-FFF2-40B4-BE49-F238E27FC236}">
-                  <a16:creationId xmlns:a16="http://schemas.microsoft.com/office/drawing/2014/main" id="{31142AB3-3DD8-414B-8BB3-2E30DBD759FA}"/>
-                </a:ext>
-                <a:ext uri="{C183D7F6-B498-43B3-948B-1728B52AA6E4}">
-                  <adec:decorative xmlns:adec="http://schemas.microsoft.com/office/drawing/2017/decorative" val="1"/>
-                </a:ext>
-              </a:extLst>
-            </p:cNvPr>
-            <p:cNvCxnSpPr>
-              <a:cxnSpLocks/>
-            </p:cNvCxnSpPr>
-            <p:nvPr>
-              <p:extLst>
-                <p:ext uri="{386F3935-93C4-4BCD-93E2-E3B085C9AB24}">
-                  <p16:designElem xmlns:p16="http://schemas.microsoft.com/office/powerpoint/2015/main" val="1"/>
-                </p:ext>
-              </p:extLst>
-            </p:nvPr>
-          </p:nvCxnSpPr>
-          <p:spPr>
-            <a:xfrm>
-              <a:off x="0" y="5600526"/>
-              <a:ext cx="12192000" cy="0"/>
-            </a:xfrm>
-            <a:prstGeom prst="line">
-              <a:avLst/>
-            </a:prstGeom>
-            <a:ln w="12700">
-              <a:solidFill>
-                <a:srgbClr val="BCBCBC">
-                  <a:alpha val="29804"/>
-                </a:srgbClr>
-              </a:solidFill>
-              <a:prstDash val="sysDot"/>
-            </a:ln>
-          </p:spPr>
-          <p:style>
-            <a:lnRef idx="1">
-              <a:schemeClr val="accent1"/>
-            </a:lnRef>
-            <a:fillRef idx="0">
-              <a:schemeClr val="accent1"/>
-            </a:fillRef>
-            <a:effectRef idx="0">
-              <a:schemeClr val="accent1"/>
-            </a:effectRef>
-            <a:fontRef idx="minor">
-              <a:schemeClr val="tx1"/>
-            </a:fontRef>
-          </p:style>
-        </p:cxnSp>
-        <p:cxnSp>
-          <p:nvCxnSpPr>
-            <p:cNvPr id="44" name="Straight Connector 43">
-              <a:extLst>
-                <a:ext uri="{FF2B5EF4-FFF2-40B4-BE49-F238E27FC236}">
-                  <a16:creationId xmlns:a16="http://schemas.microsoft.com/office/drawing/2014/main" id="{5D796E03-EB21-459D-96EA-B0EE0109B7F0}"/>
-                </a:ext>
-                <a:ext uri="{C183D7F6-B498-43B3-948B-1728B52AA6E4}">
-                  <adec:decorative xmlns:adec="http://schemas.microsoft.com/office/drawing/2017/decorative" val="1"/>
-                </a:ext>
-              </a:extLst>
-            </p:cNvPr>
-            <p:cNvCxnSpPr>
-              <a:cxnSpLocks/>
-            </p:cNvCxnSpPr>
-            <p:nvPr>
-              <p:extLst>
-                <p:ext uri="{386F3935-93C4-4BCD-93E2-E3B085C9AB24}">
-                  <p16:designElem xmlns:p16="http://schemas.microsoft.com/office/powerpoint/2015/main" val="1"/>
-                </p:ext>
-              </p:extLst>
-            </p:nvPr>
-          </p:nvCxnSpPr>
-          <p:spPr>
-            <a:xfrm>
-              <a:off x="0" y="6857999"/>
-              <a:ext cx="12192000" cy="0"/>
-            </a:xfrm>
-            <a:prstGeom prst="line">
-              <a:avLst/>
-            </a:prstGeom>
-            <a:ln w="12700">
-              <a:solidFill>
-                <a:srgbClr val="BCBCBC">
-                  <a:alpha val="29804"/>
-                </a:srgbClr>
-              </a:solidFill>
-              <a:prstDash val="sysDot"/>
-            </a:ln>
-          </p:spPr>
-          <p:style>
-            <a:lnRef idx="1">
-              <a:schemeClr val="accent1"/>
-            </a:lnRef>
-            <a:fillRef idx="0">
-              <a:schemeClr val="accent1"/>
-            </a:fillRef>
-            <a:effectRef idx="0">
-              <a:schemeClr val="accent1"/>
-            </a:effectRef>
-            <a:fontRef idx="minor">
-              <a:schemeClr val="tx1"/>
-            </a:fontRef>
-          </p:style>
-        </p:cxnSp>
-        <p:cxnSp>
-          <p:nvCxnSpPr>
-            <p:cNvPr id="45" name="Straight Connector 44">
-              <a:extLst>
-                <a:ext uri="{FF2B5EF4-FFF2-40B4-BE49-F238E27FC236}">
-                  <a16:creationId xmlns:a16="http://schemas.microsoft.com/office/drawing/2014/main" id="{32F4A84E-E201-47CA-85A4-25A9D766239B}"/>
-                </a:ext>
-                <a:ext uri="{C183D7F6-B498-43B3-948B-1728B52AA6E4}">
-                  <adec:decorative xmlns:adec="http://schemas.microsoft.com/office/drawing/2017/decorative" val="1"/>
-                </a:ext>
-              </a:extLst>
-            </p:cNvPr>
-            <p:cNvCxnSpPr>
-              <a:cxnSpLocks/>
-            </p:cNvCxnSpPr>
-            <p:nvPr>
-              <p:extLst>
-                <p:ext uri="{386F3935-93C4-4BCD-93E2-E3B085C9AB24}">
-                  <p16:designElem xmlns:p16="http://schemas.microsoft.com/office/powerpoint/2015/main" val="1"/>
-                </p:ext>
-              </p:extLst>
-            </p:nvPr>
-          </p:nvCxnSpPr>
-          <p:spPr>
-            <a:xfrm>
-              <a:off x="16613" y="6143407"/>
-              <a:ext cx="12192000" cy="0"/>
-            </a:xfrm>
-            <a:prstGeom prst="line">
-              <a:avLst/>
-            </a:prstGeom>
-            <a:ln w="12700">
-              <a:solidFill>
-                <a:srgbClr val="BCBCBC">
-                  <a:alpha val="29804"/>
-                </a:srgbClr>
-              </a:solidFill>
-              <a:prstDash val="sysDot"/>
-            </a:ln>
-          </p:spPr>
-          <p:style>
-            <a:lnRef idx="1">
-              <a:schemeClr val="accent1"/>
-            </a:lnRef>
-            <a:fillRef idx="0">
-              <a:schemeClr val="accent1"/>
-            </a:fillRef>
-            <a:effectRef idx="0">
-              <a:schemeClr val="accent1"/>
-            </a:effectRef>
-            <a:fontRef idx="minor">
-              <a:schemeClr val="tx1"/>
-            </a:fontRef>
-          </p:style>
-        </p:cxnSp>
-        <p:cxnSp>
-          <p:nvCxnSpPr>
-            <p:cNvPr id="46" name="Straight Connector 45">
-              <a:extLst>
-                <a:ext uri="{FF2B5EF4-FFF2-40B4-BE49-F238E27FC236}">
-                  <a16:creationId xmlns:a16="http://schemas.microsoft.com/office/drawing/2014/main" id="{0C03A65C-C198-4FD0-8FF6-BBF0C3AA8D32}"/>
-                </a:ext>
-                <a:ext uri="{C183D7F6-B498-43B3-948B-1728B52AA6E4}">
-                  <adec:decorative xmlns:adec="http://schemas.microsoft.com/office/drawing/2017/decorative" val="1"/>
-                </a:ext>
-              </a:extLst>
-            </p:cNvPr>
-            <p:cNvCxnSpPr>
-              <a:cxnSpLocks/>
-            </p:cNvCxnSpPr>
-            <p:nvPr>
-              <p:extLst>
-                <p:ext uri="{386F3935-93C4-4BCD-93E2-E3B085C9AB24}">
-                  <p16:designElem xmlns:p16="http://schemas.microsoft.com/office/powerpoint/2015/main" val="1"/>
-                </p:ext>
-              </p:extLst>
-            </p:nvPr>
-          </p:nvCxnSpPr>
-          <p:spPr>
-            <a:xfrm>
-              <a:off x="684225" y="171716"/>
-              <a:ext cx="0" cy="6511464"/>
-            </a:xfrm>
-            <a:prstGeom prst="line">
-              <a:avLst/>
-            </a:prstGeom>
-            <a:ln w="12700">
-              <a:solidFill>
-                <a:srgbClr val="BCBCBC">
-                  <a:alpha val="29804"/>
-                </a:srgbClr>
-              </a:solidFill>
-              <a:prstDash val="sysDot"/>
-            </a:ln>
-          </p:spPr>
-          <p:style>
-            <a:lnRef idx="1">
-              <a:schemeClr val="accent1"/>
-            </a:lnRef>
-            <a:fillRef idx="0">
-              <a:schemeClr val="accent1"/>
-            </a:fillRef>
-            <a:effectRef idx="0">
-              <a:schemeClr val="accent1"/>
-            </a:effectRef>
-            <a:fontRef idx="minor">
-              <a:schemeClr val="tx1"/>
-            </a:fontRef>
-          </p:style>
-        </p:cxnSp>
-        <p:cxnSp>
-          <p:nvCxnSpPr>
-            <p:cNvPr id="47" name="Straight Connector 46">
-              <a:extLst>
-                <a:ext uri="{FF2B5EF4-FFF2-40B4-BE49-F238E27FC236}">
-                  <a16:creationId xmlns:a16="http://schemas.microsoft.com/office/drawing/2014/main" id="{32344B27-CEB6-40F4-A75F-54415ACD542A}"/>
-                </a:ext>
-                <a:ext uri="{C183D7F6-B498-43B3-948B-1728B52AA6E4}">
-                  <adec:decorative xmlns:adec="http://schemas.microsoft.com/office/drawing/2017/decorative" val="1"/>
-                </a:ext>
-              </a:extLst>
-            </p:cNvPr>
-            <p:cNvCxnSpPr>
-              <a:cxnSpLocks/>
-            </p:cNvCxnSpPr>
-            <p:nvPr>
-              <p:extLst>
-                <p:ext uri="{386F3935-93C4-4BCD-93E2-E3B085C9AB24}">
-                  <p16:designElem xmlns:p16="http://schemas.microsoft.com/office/powerpoint/2015/main" val="1"/>
-                </p:ext>
-              </p:extLst>
-            </p:nvPr>
-          </p:nvCxnSpPr>
-          <p:spPr>
-            <a:xfrm>
-              <a:off x="11508412" y="173267"/>
-              <a:ext cx="0" cy="6511464"/>
-            </a:xfrm>
-            <a:prstGeom prst="line">
-              <a:avLst/>
-            </a:prstGeom>
-            <a:ln w="12700">
-              <a:solidFill>
-                <a:srgbClr val="BCBCBC">
-                  <a:alpha val="29804"/>
-                </a:srgbClr>
-              </a:solidFill>
-              <a:prstDash val="sysDot"/>
-            </a:ln>
-          </p:spPr>
-          <p:style>
-            <a:lnRef idx="1">
-              <a:schemeClr val="accent1"/>
-            </a:lnRef>
-            <a:fillRef idx="0">
-              <a:schemeClr val="accent1"/>
-            </a:fillRef>
-            <a:effectRef idx="0">
-              <a:schemeClr val="accent1"/>
-            </a:effectRef>
-            <a:fontRef idx="minor">
-              <a:schemeClr val="tx1"/>
-            </a:fontRef>
-          </p:style>
-        </p:cxnSp>
-      </p:grpSp>
-      <p:sp useBgFill="1">
-        <p:nvSpPr>
-          <p:cNvPr id="49" name="Freeform: Shape 48">
-            <a:extLst>
-              <a:ext uri="{FF2B5EF4-FFF2-40B4-BE49-F238E27FC236}">
-                <a16:creationId xmlns:a16="http://schemas.microsoft.com/office/drawing/2014/main" id="{FD965435-B881-4C53-9917-5CDFE7688209}"/>
-              </a:ext>
-              <a:ext uri="{C183D7F6-B498-43B3-948B-1728B52AA6E4}">
-                <adec:decorative xmlns:adec="http://schemas.microsoft.com/office/drawing/2017/decorative" val="1"/>
-              </a:ext>
-            </a:extLst>
-          </p:cNvPr>
-          <p:cNvSpPr>
-            <a:spLocks noGrp="1" noRot="1" noChangeAspect="1" noMove="1" noResize="1" noEditPoints="1" noAdjustHandles="1" noChangeArrowheads="1" noChangeShapeType="1" noTextEdit="1"/>
-          </p:cNvSpPr>
-          <p:nvPr>
-            <p:extLst>
-              <p:ext uri="{386F3935-93C4-4BCD-93E2-E3B085C9AB24}">
-                <p16:designElem xmlns:p16="http://schemas.microsoft.com/office/powerpoint/2015/main" val="1"/>
-              </p:ext>
-            </p:extLst>
-          </p:nvPr>
-        </p:nvSpPr>
-        <p:spPr>
-          <a:xfrm>
-            <a:off x="-9379" y="2882524"/>
-            <a:ext cx="12184765" cy="3975477"/>
-          </a:xfrm>
-          <a:custGeom>
-            <a:avLst/>
-            <a:gdLst>
-              <a:gd name="connsiteX0" fmla="*/ 8942254 w 12188952"/>
-              <a:gd name="connsiteY0" fmla="*/ 34 h 3975477"/>
-              <a:gd name="connsiteX1" fmla="*/ 11642906 w 12188952"/>
-              <a:gd name="connsiteY1" fmla="*/ 225257 h 3975477"/>
-              <a:gd name="connsiteX2" fmla="*/ 12188952 w 12188952"/>
-              <a:gd name="connsiteY2" fmla="*/ 311174 h 3975477"/>
-              <a:gd name="connsiteX3" fmla="*/ 12188952 w 12188952"/>
-              <a:gd name="connsiteY3" fmla="*/ 3975477 h 3975477"/>
-              <a:gd name="connsiteX4" fmla="*/ 0 w 12188952"/>
-              <a:gd name="connsiteY4" fmla="*/ 3975477 h 3975477"/>
-              <a:gd name="connsiteX5" fmla="*/ 0 w 12188952"/>
-              <a:gd name="connsiteY5" fmla="*/ 1085061 h 3975477"/>
-              <a:gd name="connsiteX6" fmla="*/ 552141 w 12188952"/>
-              <a:gd name="connsiteY6" fmla="*/ 1079980 h 3975477"/>
-              <a:gd name="connsiteX7" fmla="*/ 8942254 w 12188952"/>
-              <a:gd name="connsiteY7" fmla="*/ 34 h 3975477"/>
-            </a:gdLst>
-            <a:ahLst/>
-            <a:cxnLst>
-              <a:cxn ang="0">
-                <a:pos x="connsiteX0" y="connsiteY0"/>
-              </a:cxn>
-              <a:cxn ang="0">
-                <a:pos x="connsiteX1" y="connsiteY1"/>
-              </a:cxn>
-              <a:cxn ang="0">
-                <a:pos x="connsiteX2" y="connsiteY2"/>
-              </a:cxn>
-              <a:cxn ang="0">
-                <a:pos x="connsiteX3" y="connsiteY3"/>
-              </a:cxn>
-              <a:cxn ang="0">
-                <a:pos x="connsiteX4" y="connsiteY4"/>
-              </a:cxn>
-              <a:cxn ang="0">
-                <a:pos x="connsiteX5" y="connsiteY5"/>
-              </a:cxn>
-              <a:cxn ang="0">
-                <a:pos x="connsiteX6" y="connsiteY6"/>
-              </a:cxn>
-              <a:cxn ang="0">
-                <a:pos x="connsiteX7" y="connsiteY7"/>
-              </a:cxn>
-            </a:cxnLst>
-            <a:rect l="l" t="t" r="r" b="b"/>
-            <a:pathLst>
-              <a:path w="12188952" h="3975477">
-                <a:moveTo>
-                  <a:pt x="8942254" y="34"/>
-                </a:moveTo>
-                <a:cubicBezTo>
-                  <a:pt x="9695041" y="1709"/>
-                  <a:pt x="10568453" y="66687"/>
-                  <a:pt x="11642906" y="225257"/>
-                </a:cubicBezTo>
-                <a:lnTo>
-                  <a:pt x="12188952" y="311174"/>
-                </a:lnTo>
-                <a:lnTo>
-                  <a:pt x="12188952" y="3975477"/>
-                </a:lnTo>
-                <a:lnTo>
-                  <a:pt x="0" y="3975477"/>
-                </a:lnTo>
-                <a:lnTo>
-                  <a:pt x="0" y="1085061"/>
-                </a:lnTo>
-                <a:lnTo>
-                  <a:pt x="552141" y="1079980"/>
-                </a:lnTo>
-                <a:cubicBezTo>
-                  <a:pt x="4849952" y="999477"/>
-                  <a:pt x="5931106" y="-6667"/>
-                  <a:pt x="8942254" y="34"/>
-                </a:cubicBezTo>
-                <a:close/>
-              </a:path>
-            </a:pathLst>
-          </a:custGeom>
-          <a:solidFill>
-            <a:srgbClr val="BCBCBC">
-              <a:alpha val="30000"/>
-            </a:srgbClr>
-          </a:solidFill>
-          <a:ln>
-            <a:noFill/>
-          </a:ln>
-        </p:spPr>
-        <p:style>
-          <a:lnRef idx="2">
-            <a:schemeClr val="accent1">
-              <a:shade val="50000"/>
-            </a:schemeClr>
-          </a:lnRef>
-          <a:fillRef idx="1">
-            <a:schemeClr val="accent1"/>
-          </a:fillRef>
-          <a:effectRef idx="0">
-            <a:schemeClr val="accent1"/>
-          </a:effectRef>
-          <a:fontRef idx="minor">
-            <a:schemeClr val="lt1"/>
-          </a:fontRef>
-        </p:style>
-        <p:txBody>
-          <a:bodyPr wrap="square" rtlCol="0" anchor="ctr">
-            <a:noAutofit/>
-          </a:bodyPr>
-          <a:lstStyle/>
-          <a:p>
-            <a:pPr algn="ctr"/>
-            <a:endParaRPr lang="en-US"/>
-          </a:p>
-        </p:txBody>
-      </p:sp>
-      <p:sp>
-        <p:nvSpPr>
-          <p:cNvPr id="51" name="Right Triangle 50">
-            <a:extLst>
-              <a:ext uri="{FF2B5EF4-FFF2-40B4-BE49-F238E27FC236}">
-                <a16:creationId xmlns:a16="http://schemas.microsoft.com/office/drawing/2014/main" id="{72D91726-E656-4E99-9757-0A6650CB02F5}"/>
-              </a:ext>
-              <a:ext uri="{C183D7F6-B498-43B3-948B-1728B52AA6E4}">
-                <adec:decorative xmlns:adec="http://schemas.microsoft.com/office/drawing/2017/decorative" val="1"/>
-              </a:ext>
-            </a:extLst>
-          </p:cNvPr>
-          <p:cNvSpPr>
-            <a:spLocks noGrp="1" noRot="1" noChangeAspect="1" noMove="1" noResize="1" noEditPoints="1" noAdjustHandles="1" noChangeArrowheads="1" noChangeShapeType="1" noTextEdit="1"/>
-          </p:cNvSpPr>
-          <p:nvPr>
-            <p:extLst>
-              <p:ext uri="{386F3935-93C4-4BCD-93E2-E3B085C9AB24}">
-                <p16:designElem xmlns:p16="http://schemas.microsoft.com/office/powerpoint/2015/main" val="1"/>
-              </p:ext>
-            </p:extLst>
-          </p:nvPr>
-        </p:nvSpPr>
-        <p:spPr>
-          <a:xfrm rot="13500000">
-            <a:off x="-281092" y="1517040"/>
-            <a:ext cx="568289" cy="568289"/>
-          </a:xfrm>
-          <a:prstGeom prst="rtTriangle">
-            <a:avLst/>
-          </a:prstGeom>
-          <a:solidFill>
-            <a:schemeClr val="accent1">
-              <a:alpha val="50000"/>
-            </a:schemeClr>
-          </a:solidFill>
-          <a:ln>
-            <a:noFill/>
-          </a:ln>
-        </p:spPr>
-        <p:style>
-          <a:lnRef idx="2">
-            <a:schemeClr val="accent1">
-              <a:shade val="50000"/>
-            </a:schemeClr>
-          </a:lnRef>
-          <a:fillRef idx="1">
-            <a:schemeClr val="accent1"/>
-          </a:fillRef>
-          <a:effectRef idx="0">
-            <a:schemeClr val="accent1"/>
-          </a:effectRef>
-          <a:fontRef idx="minor">
-            <a:schemeClr val="lt1"/>
-          </a:fontRef>
-        </p:style>
-        <p:txBody>
-          <a:bodyPr rtlCol="0" anchor="ctr"/>
-          <a:lstStyle/>
-          <a:p>
-            <a:pPr algn="ctr"/>
-            <a:endParaRPr lang="en-US">
-              <a:solidFill>
-                <a:schemeClr val="tx1"/>
-              </a:solidFill>
-            </a:endParaRPr>
-          </a:p>
-        </p:txBody>
-      </p:sp>
-      <p:sp>
-        <p:nvSpPr>
-          <p:cNvPr id="9" name="Title 1">
-            <a:extLst>
-              <a:ext uri="{FF2B5EF4-FFF2-40B4-BE49-F238E27FC236}">
-                <a16:creationId xmlns:a16="http://schemas.microsoft.com/office/drawing/2014/main" id="{D57FD1C4-EEAB-30CA-F0C9-46662F3AE738}"/>
-              </a:ext>
-            </a:extLst>
-          </p:cNvPr>
-          <p:cNvSpPr>
-            <a:spLocks noGrp="1"/>
-          </p:cNvSpPr>
-          <p:nvPr>
-            <p:ph type="title"/>
-          </p:nvPr>
-        </p:nvSpPr>
-        <p:spPr>
-          <a:xfrm>
-            <a:off x="691079" y="725951"/>
-            <a:ext cx="4418418" cy="1918215"/>
-          </a:xfrm>
-        </p:spPr>
-        <p:txBody>
-          <a:bodyPr vert="horz" lIns="91440" tIns="45720" rIns="91440" bIns="45720" rtlCol="0" anchor="ctr">
-            <a:normAutofit/>
-          </a:bodyPr>
-          <a:lstStyle/>
-          <a:p>
-            <a:r>
-              <a:rPr lang="en-US" sz="3100"/>
-              <a:t>WebApplicationBuilder</a:t>
-            </a:r>
-          </a:p>
-        </p:txBody>
-      </p:sp>
-      <p:sp>
-        <p:nvSpPr>
-          <p:cNvPr id="7" name="TextBox 6">
-            <a:extLst>
-              <a:ext uri="{FF2B5EF4-FFF2-40B4-BE49-F238E27FC236}">
-                <a16:creationId xmlns:a16="http://schemas.microsoft.com/office/drawing/2014/main" id="{2C905CF4-765E-AF67-7C4F-7974EDE98A27}"/>
-              </a:ext>
-            </a:extLst>
-          </p:cNvPr>
-          <p:cNvSpPr txBox="1"/>
-          <p:nvPr/>
-        </p:nvSpPr>
-        <p:spPr>
-          <a:xfrm>
-            <a:off x="589516" y="2811127"/>
-            <a:ext cx="5696415" cy="423224"/>
-          </a:xfrm>
-          <a:prstGeom prst="rect">
-            <a:avLst/>
-          </a:prstGeom>
-        </p:spPr>
-        <p:txBody>
-          <a:bodyPr vert="horz" lIns="91440" tIns="45720" rIns="91440" bIns="45720" rtlCol="0" anchor="ctr">
-            <a:normAutofit/>
-          </a:bodyPr>
-          <a:lstStyle/>
-          <a:p>
-            <a:pPr indent="-228600">
-              <a:lnSpc>
-                <a:spcPct val="110000"/>
-              </a:lnSpc>
-              <a:spcAft>
-                <a:spcPts val="600"/>
-              </a:spcAft>
-              <a:buClr>
-                <a:schemeClr val="tx2">
-                  <a:lumMod val="50000"/>
-                  <a:lumOff val="50000"/>
-                </a:schemeClr>
-              </a:buClr>
-              <a:buSzPct val="75000"/>
-              <a:buFont typeface="Wingdings" panose="05000000000000000000" pitchFamily="2" charset="2"/>
-              <a:buChar char="§"/>
-            </a:pPr>
-            <a:r>
-              <a:rPr lang="en-US" dirty="0" err="1">
-                <a:solidFill>
-                  <a:schemeClr val="tx2"/>
-                </a:solidFill>
-              </a:rPr>
-              <a:t>AddInteractiveWebAssemblyComponents</a:t>
-            </a:r>
-            <a:endParaRPr lang="en-US" dirty="0">
-              <a:solidFill>
-                <a:schemeClr val="tx2"/>
-              </a:solidFill>
-            </a:endParaRPr>
-          </a:p>
-        </p:txBody>
-      </p:sp>
-      <p:pic>
-        <p:nvPicPr>
-          <p:cNvPr id="5" name="Picture 4">
-            <a:extLst>
-              <a:ext uri="{FF2B5EF4-FFF2-40B4-BE49-F238E27FC236}">
-                <a16:creationId xmlns:a16="http://schemas.microsoft.com/office/drawing/2014/main" id="{A182EFF3-79C1-8F7C-3C3F-9FEA97EAC875}"/>
-              </a:ext>
-            </a:extLst>
-          </p:cNvPr>
-          <p:cNvPicPr>
-            <a:picLocks noChangeAspect="1"/>
-          </p:cNvPicPr>
-          <p:nvPr/>
-        </p:nvPicPr>
-        <p:blipFill>
-          <a:blip r:embed="rId2"/>
-          <a:stretch>
-            <a:fillRect/>
-          </a:stretch>
-        </p:blipFill>
-        <p:spPr>
-          <a:xfrm>
-            <a:off x="611056" y="3306704"/>
-            <a:ext cx="9450438" cy="3260400"/>
-          </a:xfrm>
-          <a:prstGeom prst="rect">
-            <a:avLst/>
-          </a:prstGeom>
-        </p:spPr>
-      </p:pic>
-    </p:spTree>
-    <p:extLst>
-      <p:ext uri="{BB962C8B-B14F-4D97-AF65-F5344CB8AC3E}">
-        <p14:creationId xmlns:p14="http://schemas.microsoft.com/office/powerpoint/2010/main" val="763361399"/>
       </p:ext>
     </p:extLst>
   </p:cSld>

--- a/Blazor in .net 8.pptx
+++ b/Blazor in .net 8.pptx
@@ -1794,7 +1794,7 @@
           <a:p>
             <a:fld id="{8F72BA41-EC5B-4197-BCC8-0FD2E523CD7A}" type="datetimeFigureOut">
               <a:rPr lang="en-US" smtClean="0"/>
-              <a:t>11/6/2023</a:t>
+              <a:t>11/8/2023</a:t>
             </a:fld>
             <a:endParaRPr lang="en-US"/>
           </a:p>
@@ -1997,7 +1997,7 @@
           <a:p>
             <a:fld id="{8F72BA41-EC5B-4197-BCC8-0FD2E523CD7A}" type="datetimeFigureOut">
               <a:rPr lang="en-US" smtClean="0"/>
-              <a:t>11/6/2023</a:t>
+              <a:t>11/8/2023</a:t>
             </a:fld>
             <a:endParaRPr lang="en-US"/>
           </a:p>
@@ -3718,7 +3718,7 @@
           <a:p>
             <a:fld id="{8F72BA41-EC5B-4197-BCC8-0FD2E523CD7A}" type="datetimeFigureOut">
               <a:rPr lang="en-US" smtClean="0"/>
-              <a:t>11/6/2023</a:t>
+              <a:t>11/8/2023</a:t>
             </a:fld>
             <a:endParaRPr lang="en-US"/>
           </a:p>
@@ -3917,7 +3917,7 @@
           <a:p>
             <a:fld id="{8F72BA41-EC5B-4197-BCC8-0FD2E523CD7A}" type="datetimeFigureOut">
               <a:rPr lang="en-US" smtClean="0"/>
-              <a:t>11/6/2023</a:t>
+              <a:t>11/8/2023</a:t>
             </a:fld>
             <a:endParaRPr lang="en-US"/>
           </a:p>
@@ -5707,7 +5707,7 @@
           <a:p>
             <a:fld id="{8F72BA41-EC5B-4197-BCC8-0FD2E523CD7A}" type="datetimeFigureOut">
               <a:rPr lang="en-US" smtClean="0"/>
-              <a:t>11/6/2023</a:t>
+              <a:t>11/8/2023</a:t>
             </a:fld>
             <a:endParaRPr lang="en-US"/>
           </a:p>
@@ -5980,7 +5980,7 @@
           <a:p>
             <a:fld id="{8F72BA41-EC5B-4197-BCC8-0FD2E523CD7A}" type="datetimeFigureOut">
               <a:rPr lang="en-US" smtClean="0"/>
-              <a:t>11/6/2023</a:t>
+              <a:t>11/8/2023</a:t>
             </a:fld>
             <a:endParaRPr lang="en-US"/>
           </a:p>
@@ -6400,7 +6400,7 @@
           <a:p>
             <a:fld id="{8F72BA41-EC5B-4197-BCC8-0FD2E523CD7A}" type="datetimeFigureOut">
               <a:rPr lang="en-US" smtClean="0"/>
-              <a:t>11/6/2023</a:t>
+              <a:t>11/8/2023</a:t>
             </a:fld>
             <a:endParaRPr lang="en-US"/>
           </a:p>
@@ -6556,7 +6556,7 @@
           <a:p>
             <a:fld id="{8F72BA41-EC5B-4197-BCC8-0FD2E523CD7A}" type="datetimeFigureOut">
               <a:rPr lang="en-US" smtClean="0"/>
-              <a:t>11/6/2023</a:t>
+              <a:t>11/8/2023</a:t>
             </a:fld>
             <a:endParaRPr lang="en-US"/>
           </a:p>
@@ -8124,7 +8124,7 @@
           <a:p>
             <a:fld id="{8F72BA41-EC5B-4197-BCC8-0FD2E523CD7A}" type="datetimeFigureOut">
               <a:rPr lang="en-US" smtClean="0"/>
-              <a:t>11/6/2023</a:t>
+              <a:t>11/8/2023</a:t>
             </a:fld>
             <a:endParaRPr lang="en-US"/>
           </a:p>
@@ -9975,7 +9975,7 @@
           <a:p>
             <a:fld id="{8F72BA41-EC5B-4197-BCC8-0FD2E523CD7A}" type="datetimeFigureOut">
               <a:rPr lang="en-US" smtClean="0"/>
-              <a:t>11/6/2023</a:t>
+              <a:t>11/8/2023</a:t>
             </a:fld>
             <a:endParaRPr lang="en-US"/>
           </a:p>
@@ -11788,7 +11788,7 @@
           <a:p>
             <a:fld id="{8F72BA41-EC5B-4197-BCC8-0FD2E523CD7A}" type="datetimeFigureOut">
               <a:rPr lang="en-US" smtClean="0"/>
-              <a:t>11/6/2023</a:t>
+              <a:t>11/8/2023</a:t>
             </a:fld>
             <a:endParaRPr lang="en-US"/>
           </a:p>
@@ -13482,7 +13482,7 @@
             <a:fld id="{8F72BA41-EC5B-4197-BCC8-0FD2E523CD7A}" type="datetimeFigureOut">
               <a:rPr lang="en-US" smtClean="0"/>
               <a:pPr/>
-              <a:t>11/6/2023</a:t>
+              <a:t>11/8/2023</a:t>
             </a:fld>
             <a:endParaRPr lang="en-US" dirty="0"/>
           </a:p>
@@ -19229,10 +19229,10 @@
       </p:sp>
       <p:pic>
         <p:nvPicPr>
-          <p:cNvPr id="11" name="Picture 10">
+          <p:cNvPr id="5" name="Picture 4">
             <a:extLst>
               <a:ext uri="{FF2B5EF4-FFF2-40B4-BE49-F238E27FC236}">
-                <a16:creationId xmlns:a16="http://schemas.microsoft.com/office/drawing/2014/main" id="{90B9632F-B130-2BD7-F202-9F5506E6C444}"/>
+                <a16:creationId xmlns:a16="http://schemas.microsoft.com/office/drawing/2014/main" id="{3272BB89-D5ED-8A94-BC98-76EB1332D265}"/>
               </a:ext>
             </a:extLst>
           </p:cNvPr>
@@ -19249,8 +19249,8 @@
         </p:blipFill>
         <p:spPr>
           <a:xfrm>
-            <a:off x="4724156" y="2340131"/>
-            <a:ext cx="7467844" cy="3198349"/>
+            <a:off x="4793689" y="2700098"/>
+            <a:ext cx="7398311" cy="3260836"/>
           </a:xfrm>
           <a:prstGeom prst="rect">
             <a:avLst/>

--- a/Blazor in .net 8.pptx
+++ b/Blazor in .net 8.pptx
@@ -9,19 +9,21 @@
     <p:sldId id="266" r:id="rId3"/>
     <p:sldId id="269" r:id="rId4"/>
     <p:sldId id="270" r:id="rId5"/>
-    <p:sldId id="271" r:id="rId6"/>
-    <p:sldId id="257" r:id="rId7"/>
-    <p:sldId id="258" r:id="rId8"/>
-    <p:sldId id="259" r:id="rId9"/>
-    <p:sldId id="260" r:id="rId10"/>
-    <p:sldId id="261" r:id="rId11"/>
-    <p:sldId id="262" r:id="rId12"/>
-    <p:sldId id="264" r:id="rId13"/>
-    <p:sldId id="263" r:id="rId14"/>
-    <p:sldId id="274" r:id="rId15"/>
-    <p:sldId id="272" r:id="rId16"/>
-    <p:sldId id="265" r:id="rId17"/>
-    <p:sldId id="273" r:id="rId18"/>
+    <p:sldId id="275" r:id="rId6"/>
+    <p:sldId id="276" r:id="rId7"/>
+    <p:sldId id="271" r:id="rId8"/>
+    <p:sldId id="257" r:id="rId9"/>
+    <p:sldId id="258" r:id="rId10"/>
+    <p:sldId id="259" r:id="rId11"/>
+    <p:sldId id="260" r:id="rId12"/>
+    <p:sldId id="261" r:id="rId13"/>
+    <p:sldId id="262" r:id="rId14"/>
+    <p:sldId id="264" r:id="rId15"/>
+    <p:sldId id="263" r:id="rId16"/>
+    <p:sldId id="274" r:id="rId17"/>
+    <p:sldId id="272" r:id="rId18"/>
+    <p:sldId id="265" r:id="rId19"/>
+    <p:sldId id="273" r:id="rId20"/>
   </p:sldIdLst>
   <p:sldSz cx="12192000" cy="6858000"/>
   <p:notesSz cx="6858000" cy="9144000"/>
@@ -153,7 +155,7 @@
                 <a16:creationId xmlns:a16="http://schemas.microsoft.com/office/drawing/2014/main" id="{748618E9-EE2D-4864-9EEE-58939BD4FBBA}"/>
               </a:ext>
               <a:ext uri="{C183D7F6-B498-43B3-948B-1728B52AA6E4}">
-                <adec:decorative xmlns:adec="http://schemas.microsoft.com/office/drawing/2017/decorative" val="1"/>
+                <adec:decorative xmlns:adec="http://schemas.microsoft.com/office/drawing/2017/decorative" xmlns="" val="1"/>
               </a:ext>
             </a:extLst>
           </p:cNvPr>
@@ -1718,7 +1720,7 @@
                 <a16:creationId xmlns:a16="http://schemas.microsoft.com/office/drawing/2014/main" id="{2437C4A8-8E3A-4ADA-93B9-64737CE1ABB1}"/>
               </a:ext>
               <a:ext uri="{C183D7F6-B498-43B3-948B-1728B52AA6E4}">
-                <adec:decorative xmlns:adec="http://schemas.microsoft.com/office/drawing/2017/decorative" val="1"/>
+                <adec:decorative xmlns:adec="http://schemas.microsoft.com/office/drawing/2017/decorative" xmlns="" val="1"/>
               </a:ext>
             </a:extLst>
           </p:cNvPr>
@@ -2095,7 +2097,7 @@
                 <a16:creationId xmlns:a16="http://schemas.microsoft.com/office/drawing/2014/main" id="{65405209-5179-4359-91ED-1B1A46619A99}"/>
               </a:ext>
               <a:ext uri="{C183D7F6-B498-43B3-948B-1728B52AA6E4}">
-                <adec:decorative xmlns:adec="http://schemas.microsoft.com/office/drawing/2017/decorative" val="1"/>
+                <adec:decorative xmlns:adec="http://schemas.microsoft.com/office/drawing/2017/decorative" xmlns="" val="1"/>
               </a:ext>
             </a:extLst>
           </p:cNvPr>
@@ -3545,7 +3547,7 @@
                 <a16:creationId xmlns:a16="http://schemas.microsoft.com/office/drawing/2014/main" id="{ACE66A86-8455-497B-9CA4-F460A19E5FBB}"/>
               </a:ext>
               <a:ext uri="{C183D7F6-B498-43B3-948B-1728B52AA6E4}">
-                <adec:decorative xmlns:adec="http://schemas.microsoft.com/office/drawing/2017/decorative" val="1"/>
+                <adec:decorative xmlns:adec="http://schemas.microsoft.com/office/drawing/2017/decorative" xmlns="" val="1"/>
               </a:ext>
             </a:extLst>
           </p:cNvPr>
@@ -4015,7 +4017,7 @@
                 <a16:creationId xmlns:a16="http://schemas.microsoft.com/office/drawing/2014/main" id="{A69DB7AC-F7D7-430A-A2A7-CD3EBBF1D35D}"/>
               </a:ext>
               <a:ext uri="{C183D7F6-B498-43B3-948B-1728B52AA6E4}">
-                <adec:decorative xmlns:adec="http://schemas.microsoft.com/office/drawing/2017/decorative" val="1"/>
+                <adec:decorative xmlns:adec="http://schemas.microsoft.com/office/drawing/2017/decorative" xmlns="" val="1"/>
               </a:ext>
             </a:extLst>
           </p:cNvPr>
@@ -5631,7 +5633,7 @@
                 <a16:creationId xmlns:a16="http://schemas.microsoft.com/office/drawing/2014/main" id="{6741F519-22CF-4C01-B140-5480DBAB30F8}"/>
               </a:ext>
               <a:ext uri="{C183D7F6-B498-43B3-948B-1728B52AA6E4}">
-                <adec:decorative xmlns:adec="http://schemas.microsoft.com/office/drawing/2017/decorative" val="1"/>
+                <adec:decorative xmlns:adec="http://schemas.microsoft.com/office/drawing/2017/decorative" xmlns="" val="1"/>
               </a:ext>
             </a:extLst>
           </p:cNvPr>
@@ -6659,7 +6661,7 @@
                 <a16:creationId xmlns:a16="http://schemas.microsoft.com/office/drawing/2014/main" id="{45BED274-5EB4-4EF4-B353-E55BD502655C}"/>
               </a:ext>
               <a:ext uri="{C183D7F6-B498-43B3-948B-1728B52AA6E4}">
-                <adec:decorative xmlns:adec="http://schemas.microsoft.com/office/drawing/2017/decorative" val="1"/>
+                <adec:decorative xmlns:adec="http://schemas.microsoft.com/office/drawing/2017/decorative" xmlns="" val="1"/>
               </a:ext>
             </a:extLst>
           </p:cNvPr>
@@ -8222,7 +8224,7 @@
                 <a16:creationId xmlns:a16="http://schemas.microsoft.com/office/drawing/2014/main" id="{C4853C57-22BC-4465-8B37-DC06FE5A0003}"/>
               </a:ext>
               <a:ext uri="{C183D7F6-B498-43B3-948B-1728B52AA6E4}">
-                <adec:decorative xmlns:adec="http://schemas.microsoft.com/office/drawing/2017/decorative" val="1"/>
+                <adec:decorative xmlns:adec="http://schemas.microsoft.com/office/drawing/2017/decorative" xmlns="" val="1"/>
               </a:ext>
             </a:extLst>
           </p:cNvPr>
@@ -8510,7 +8512,7 @@
                 <a16:creationId xmlns:a16="http://schemas.microsoft.com/office/drawing/2014/main" id="{0550D594-9D00-4E12-9A7B-8B78EC199482}"/>
               </a:ext>
               <a:ext uri="{C183D7F6-B498-43B3-948B-1728B52AA6E4}">
-                <adec:decorative xmlns:adec="http://schemas.microsoft.com/office/drawing/2017/decorative" val="1"/>
+                <adec:decorative xmlns:adec="http://schemas.microsoft.com/office/drawing/2017/decorative" xmlns="" val="1"/>
               </a:ext>
             </a:extLst>
           </p:cNvPr>
@@ -10073,7 +10075,7 @@
                 <a16:creationId xmlns:a16="http://schemas.microsoft.com/office/drawing/2014/main" id="{0DDA6865-0A03-48FA-AD6E-D5BF8FDE9272}"/>
               </a:ext>
               <a:ext uri="{C183D7F6-B498-43B3-948B-1728B52AA6E4}">
-                <adec:decorative xmlns:adec="http://schemas.microsoft.com/office/drawing/2017/decorative" val="1"/>
+                <adec:decorative xmlns:adec="http://schemas.microsoft.com/office/drawing/2017/decorative" xmlns="" val="1"/>
               </a:ext>
             </a:extLst>
           </p:cNvPr>
@@ -11634,7 +11636,7 @@
                 <a16:creationId xmlns:a16="http://schemas.microsoft.com/office/drawing/2014/main" id="{205CDEB9-8DED-4711-8140-4C943FC2CDA0}"/>
               </a:ext>
               <a:ext uri="{C183D7F6-B498-43B3-948B-1728B52AA6E4}">
-                <adec:decorative xmlns:adec="http://schemas.microsoft.com/office/drawing/2017/decorative" val="1"/>
+                <adec:decorative xmlns:adec="http://schemas.microsoft.com/office/drawing/2017/decorative" xmlns="" val="1"/>
               </a:ext>
             </a:extLst>
           </p:cNvPr>
@@ -11891,7 +11893,7 @@
                 <a16:creationId xmlns:a16="http://schemas.microsoft.com/office/drawing/2014/main" id="{BDF0D99C-5D42-41C6-A50C-C4E2D6B2A36E}"/>
               </a:ext>
               <a:ext uri="{C183D7F6-B498-43B3-948B-1728B52AA6E4}">
-                <adec:decorative xmlns:adec="http://schemas.microsoft.com/office/drawing/2017/decorative" val="1"/>
+                <adec:decorative xmlns:adec="http://schemas.microsoft.com/office/drawing/2017/decorative" xmlns="" val="1"/>
               </a:ext>
             </a:extLst>
           </p:cNvPr>
@@ -13587,7 +13589,7 @@
                 <a16:creationId xmlns:a16="http://schemas.microsoft.com/office/drawing/2014/main" id="{63BAC6E0-ADAC-40FB-AF53-88FA5F83738C}"/>
               </a:ext>
               <a:ext uri="{C183D7F6-B498-43B3-948B-1728B52AA6E4}">
-                <adec:decorative xmlns:adec="http://schemas.microsoft.com/office/drawing/2017/decorative" val="1"/>
+                <adec:decorative xmlns:adec="http://schemas.microsoft.com/office/drawing/2017/decorative" xmlns="" val="1"/>
               </a:ext>
             </a:extLst>
           </p:cNvPr>
@@ -14012,7 +14014,7 @@
                 <a16:creationId xmlns:a16="http://schemas.microsoft.com/office/drawing/2014/main" id="{4187D111-0A9D-421B-84EB-FC5811C3A931}"/>
               </a:ext>
               <a:ext uri="{C183D7F6-B498-43B3-948B-1728B52AA6E4}">
-                <adec:decorative xmlns:adec="http://schemas.microsoft.com/office/drawing/2017/decorative" val="1"/>
+                <adec:decorative xmlns:adec="http://schemas.microsoft.com/office/drawing/2017/decorative" xmlns="" val="1"/>
               </a:ext>
             </a:extLst>
           </p:cNvPr>
@@ -14076,7 +14078,7 @@
                 <a16:creationId xmlns:a16="http://schemas.microsoft.com/office/drawing/2014/main" id="{015ECF02-0C11-4320-A868-5EC7DD53DEFD}"/>
               </a:ext>
               <a:ext uri="{C183D7F6-B498-43B3-948B-1728B52AA6E4}">
-                <adec:decorative xmlns:adec="http://schemas.microsoft.com/office/drawing/2017/decorative" val="1"/>
+                <adec:decorative xmlns:adec="http://schemas.microsoft.com/office/drawing/2017/decorative" xmlns="" val="1"/>
               </a:ext>
             </a:extLst>
           </p:cNvPr>
@@ -14107,7 +14109,7 @@
                   <a16:creationId xmlns:a16="http://schemas.microsoft.com/office/drawing/2014/main" id="{8C74A336-DE5D-4AE0-9A50-8D93C4AA45E8}"/>
                 </a:ext>
                 <a:ext uri="{C183D7F6-B498-43B3-948B-1728B52AA6E4}">
-                  <adec:decorative xmlns:adec="http://schemas.microsoft.com/office/drawing/2017/decorative" val="1"/>
+                  <adec:decorative xmlns:adec="http://schemas.microsoft.com/office/drawing/2017/decorative" xmlns="" val="1"/>
                 </a:ext>
               </a:extLst>
             </p:cNvPr>
@@ -14162,7 +14164,7 @@
                   <a16:creationId xmlns:a16="http://schemas.microsoft.com/office/drawing/2014/main" id="{A11A81C9-7A36-4A04-B14C-A45B899E4B98}"/>
                 </a:ext>
                 <a:ext uri="{C183D7F6-B498-43B3-948B-1728B52AA6E4}">
-                  <adec:decorative xmlns:adec="http://schemas.microsoft.com/office/drawing/2017/decorative" val="1"/>
+                  <adec:decorative xmlns:adec="http://schemas.microsoft.com/office/drawing/2017/decorative" xmlns="" val="1"/>
                 </a:ext>
               </a:extLst>
             </p:cNvPr>
@@ -14217,7 +14219,7 @@
                   <a16:creationId xmlns:a16="http://schemas.microsoft.com/office/drawing/2014/main" id="{DAE1DE35-5349-4B57-B255-C07C69270CE2}"/>
                 </a:ext>
                 <a:ext uri="{C183D7F6-B498-43B3-948B-1728B52AA6E4}">
-                  <adec:decorative xmlns:adec="http://schemas.microsoft.com/office/drawing/2017/decorative" val="1"/>
+                  <adec:decorative xmlns:adec="http://schemas.microsoft.com/office/drawing/2017/decorative" xmlns="" val="1"/>
                 </a:ext>
               </a:extLst>
             </p:cNvPr>
@@ -14272,7 +14274,7 @@
                   <a16:creationId xmlns:a16="http://schemas.microsoft.com/office/drawing/2014/main" id="{9AFE9588-5F4B-41DF-9FF6-6B4969245C64}"/>
                 </a:ext>
                 <a:ext uri="{C183D7F6-B498-43B3-948B-1728B52AA6E4}">
-                  <adec:decorative xmlns:adec="http://schemas.microsoft.com/office/drawing/2017/decorative" val="1"/>
+                  <adec:decorative xmlns:adec="http://schemas.microsoft.com/office/drawing/2017/decorative" xmlns="" val="1"/>
                 </a:ext>
               </a:extLst>
             </p:cNvPr>
@@ -14327,7 +14329,7 @@
                   <a16:creationId xmlns:a16="http://schemas.microsoft.com/office/drawing/2014/main" id="{D4CC9B87-707A-4D04-9336-B1418878A811}"/>
                 </a:ext>
                 <a:ext uri="{C183D7F6-B498-43B3-948B-1728B52AA6E4}">
-                  <adec:decorative xmlns:adec="http://schemas.microsoft.com/office/drawing/2017/decorative" val="1"/>
+                  <adec:decorative xmlns:adec="http://schemas.microsoft.com/office/drawing/2017/decorative" xmlns="" val="1"/>
                 </a:ext>
               </a:extLst>
             </p:cNvPr>
@@ -14382,7 +14384,7 @@
                   <a16:creationId xmlns:a16="http://schemas.microsoft.com/office/drawing/2014/main" id="{58CF5CAA-7C4D-408A-B1A8-E98C0E66338F}"/>
                 </a:ext>
                 <a:ext uri="{C183D7F6-B498-43B3-948B-1728B52AA6E4}">
-                  <adec:decorative xmlns:adec="http://schemas.microsoft.com/office/drawing/2017/decorative" val="1"/>
+                  <adec:decorative xmlns:adec="http://schemas.microsoft.com/office/drawing/2017/decorative" xmlns="" val="1"/>
                 </a:ext>
               </a:extLst>
             </p:cNvPr>
@@ -14437,7 +14439,7 @@
                   <a16:creationId xmlns:a16="http://schemas.microsoft.com/office/drawing/2014/main" id="{B462EA1B-90F8-4C08-AE36-FFBA2B45BF6A}"/>
                 </a:ext>
                 <a:ext uri="{C183D7F6-B498-43B3-948B-1728B52AA6E4}">
-                  <adec:decorative xmlns:adec="http://schemas.microsoft.com/office/drawing/2017/decorative" val="1"/>
+                  <adec:decorative xmlns:adec="http://schemas.microsoft.com/office/drawing/2017/decorative" xmlns="" val="1"/>
                 </a:ext>
               </a:extLst>
             </p:cNvPr>
@@ -14492,7 +14494,7 @@
                   <a16:creationId xmlns:a16="http://schemas.microsoft.com/office/drawing/2014/main" id="{9F7B5623-96F7-42F0-BAC5-78D6789E0125}"/>
                 </a:ext>
                 <a:ext uri="{C183D7F6-B498-43B3-948B-1728B52AA6E4}">
-                  <adec:decorative xmlns:adec="http://schemas.microsoft.com/office/drawing/2017/decorative" val="1"/>
+                  <adec:decorative xmlns:adec="http://schemas.microsoft.com/office/drawing/2017/decorative" xmlns="" val="1"/>
                 </a:ext>
               </a:extLst>
             </p:cNvPr>
@@ -14547,7 +14549,7 @@
                   <a16:creationId xmlns:a16="http://schemas.microsoft.com/office/drawing/2014/main" id="{685D83B1-1723-4710-8FC5-18EDC879E42C}"/>
                 </a:ext>
                 <a:ext uri="{C183D7F6-B498-43B3-948B-1728B52AA6E4}">
-                  <adec:decorative xmlns:adec="http://schemas.microsoft.com/office/drawing/2017/decorative" val="1"/>
+                  <adec:decorative xmlns:adec="http://schemas.microsoft.com/office/drawing/2017/decorative" xmlns="" val="1"/>
                 </a:ext>
               </a:extLst>
             </p:cNvPr>
@@ -14602,7 +14604,7 @@
                   <a16:creationId xmlns:a16="http://schemas.microsoft.com/office/drawing/2014/main" id="{6998838C-DFB6-48F7-A18D-30469E8162EA}"/>
                 </a:ext>
                 <a:ext uri="{C183D7F6-B498-43B3-948B-1728B52AA6E4}">
-                  <adec:decorative xmlns:adec="http://schemas.microsoft.com/office/drawing/2017/decorative" val="1"/>
+                  <adec:decorative xmlns:adec="http://schemas.microsoft.com/office/drawing/2017/decorative" xmlns="" val="1"/>
                 </a:ext>
               </a:extLst>
             </p:cNvPr>
@@ -14657,7 +14659,7 @@
                   <a16:creationId xmlns:a16="http://schemas.microsoft.com/office/drawing/2014/main" id="{9BDB9A78-94CB-422D-B92E-65FD2732EC34}"/>
                 </a:ext>
                 <a:ext uri="{C183D7F6-B498-43B3-948B-1728B52AA6E4}">
-                  <adec:decorative xmlns:adec="http://schemas.microsoft.com/office/drawing/2017/decorative" val="1"/>
+                  <adec:decorative xmlns:adec="http://schemas.microsoft.com/office/drawing/2017/decorative" xmlns="" val="1"/>
                 </a:ext>
               </a:extLst>
             </p:cNvPr>
@@ -14712,7 +14714,7 @@
                   <a16:creationId xmlns:a16="http://schemas.microsoft.com/office/drawing/2014/main" id="{9A5DBD01-426B-424D-815A-96518F600727}"/>
                 </a:ext>
                 <a:ext uri="{C183D7F6-B498-43B3-948B-1728B52AA6E4}">
-                  <adec:decorative xmlns:adec="http://schemas.microsoft.com/office/drawing/2017/decorative" val="1"/>
+                  <adec:decorative xmlns:adec="http://schemas.microsoft.com/office/drawing/2017/decorative" xmlns="" val="1"/>
                 </a:ext>
               </a:extLst>
             </p:cNvPr>
@@ -14767,7 +14769,7 @@
                   <a16:creationId xmlns:a16="http://schemas.microsoft.com/office/drawing/2014/main" id="{3B0218DF-D55B-4D41-AE23-F1E64BAC60EB}"/>
                 </a:ext>
                 <a:ext uri="{C183D7F6-B498-43B3-948B-1728B52AA6E4}">
-                  <adec:decorative xmlns:adec="http://schemas.microsoft.com/office/drawing/2017/decorative" val="1"/>
+                  <adec:decorative xmlns:adec="http://schemas.microsoft.com/office/drawing/2017/decorative" xmlns="" val="1"/>
                 </a:ext>
               </a:extLst>
             </p:cNvPr>
@@ -14822,7 +14824,7 @@
                   <a16:creationId xmlns:a16="http://schemas.microsoft.com/office/drawing/2014/main" id="{F8D61EB8-98CC-4243-9E20-33CAC65BF556}"/>
                 </a:ext>
                 <a:ext uri="{C183D7F6-B498-43B3-948B-1728B52AA6E4}">
-                  <adec:decorative xmlns:adec="http://schemas.microsoft.com/office/drawing/2017/decorative" val="1"/>
+                  <adec:decorative xmlns:adec="http://schemas.microsoft.com/office/drawing/2017/decorative" xmlns="" val="1"/>
                 </a:ext>
               </a:extLst>
             </p:cNvPr>
@@ -14877,7 +14879,7 @@
                   <a16:creationId xmlns:a16="http://schemas.microsoft.com/office/drawing/2014/main" id="{A35F0944-B143-45B0-8B72-6CE34D46120F}"/>
                 </a:ext>
                 <a:ext uri="{C183D7F6-B498-43B3-948B-1728B52AA6E4}">
-                  <adec:decorative xmlns:adec="http://schemas.microsoft.com/office/drawing/2017/decorative" val="1"/>
+                  <adec:decorative xmlns:adec="http://schemas.microsoft.com/office/drawing/2017/decorative" xmlns="" val="1"/>
                 </a:ext>
               </a:extLst>
             </p:cNvPr>
@@ -14932,7 +14934,7 @@
                   <a16:creationId xmlns:a16="http://schemas.microsoft.com/office/drawing/2014/main" id="{CF68EF7F-67D0-463D-AB84-EA24D181960E}"/>
                 </a:ext>
                 <a:ext uri="{C183D7F6-B498-43B3-948B-1728B52AA6E4}">
-                  <adec:decorative xmlns:adec="http://schemas.microsoft.com/office/drawing/2017/decorative" val="1"/>
+                  <adec:decorative xmlns:adec="http://schemas.microsoft.com/office/drawing/2017/decorative" xmlns="" val="1"/>
                 </a:ext>
               </a:extLst>
             </p:cNvPr>
@@ -14987,7 +14989,7 @@
                   <a16:creationId xmlns:a16="http://schemas.microsoft.com/office/drawing/2014/main" id="{AE17074E-4E65-4CBD-B1B0-9C18D6F724F3}"/>
                 </a:ext>
                 <a:ext uri="{C183D7F6-B498-43B3-948B-1728B52AA6E4}">
-                  <adec:decorative xmlns:adec="http://schemas.microsoft.com/office/drawing/2017/decorative" val="1"/>
+                  <adec:decorative xmlns:adec="http://schemas.microsoft.com/office/drawing/2017/decorative" xmlns="" val="1"/>
                 </a:ext>
               </a:extLst>
             </p:cNvPr>
@@ -15042,7 +15044,7 @@
                   <a16:creationId xmlns:a16="http://schemas.microsoft.com/office/drawing/2014/main" id="{9CC905ED-EF46-4349-9E9B-21743109482B}"/>
                 </a:ext>
                 <a:ext uri="{C183D7F6-B498-43B3-948B-1728B52AA6E4}">
-                  <adec:decorative xmlns:adec="http://schemas.microsoft.com/office/drawing/2017/decorative" val="1"/>
+                  <adec:decorative xmlns:adec="http://schemas.microsoft.com/office/drawing/2017/decorative" xmlns="" val="1"/>
                 </a:ext>
               </a:extLst>
             </p:cNvPr>
@@ -15097,7 +15099,7 @@
                   <a16:creationId xmlns:a16="http://schemas.microsoft.com/office/drawing/2014/main" id="{6B91F234-1C65-45AC-8CCE-A1C4AE49CE45}"/>
                 </a:ext>
                 <a:ext uri="{C183D7F6-B498-43B3-948B-1728B52AA6E4}">
-                  <adec:decorative xmlns:adec="http://schemas.microsoft.com/office/drawing/2017/decorative" val="1"/>
+                  <adec:decorative xmlns:adec="http://schemas.microsoft.com/office/drawing/2017/decorative" xmlns="" val="1"/>
                 </a:ext>
               </a:extLst>
             </p:cNvPr>
@@ -15152,7 +15154,7 @@
                   <a16:creationId xmlns:a16="http://schemas.microsoft.com/office/drawing/2014/main" id="{4D46B3DB-5DBB-41CF-9FA5-010ECA0C3B48}"/>
                 </a:ext>
                 <a:ext uri="{C183D7F6-B498-43B3-948B-1728B52AA6E4}">
-                  <adec:decorative xmlns:adec="http://schemas.microsoft.com/office/drawing/2017/decorative" val="1"/>
+                  <adec:decorative xmlns:adec="http://schemas.microsoft.com/office/drawing/2017/decorative" xmlns="" val="1"/>
                 </a:ext>
               </a:extLst>
             </p:cNvPr>
@@ -15207,7 +15209,7 @@
                   <a16:creationId xmlns:a16="http://schemas.microsoft.com/office/drawing/2014/main" id="{B92A3FF8-F172-47ED-84C6-802C85C1CBD1}"/>
                 </a:ext>
                 <a:ext uri="{C183D7F6-B498-43B3-948B-1728B52AA6E4}">
-                  <adec:decorative xmlns:adec="http://schemas.microsoft.com/office/drawing/2017/decorative" val="1"/>
+                  <adec:decorative xmlns:adec="http://schemas.microsoft.com/office/drawing/2017/decorative" xmlns="" val="1"/>
                 </a:ext>
               </a:extLst>
             </p:cNvPr>
@@ -15262,7 +15264,7 @@
                   <a16:creationId xmlns:a16="http://schemas.microsoft.com/office/drawing/2014/main" id="{15933982-9CB6-4199-B123-A3669A4FEFEA}"/>
                 </a:ext>
                 <a:ext uri="{C183D7F6-B498-43B3-948B-1728B52AA6E4}">
-                  <adec:decorative xmlns:adec="http://schemas.microsoft.com/office/drawing/2017/decorative" val="1"/>
+                  <adec:decorative xmlns:adec="http://schemas.microsoft.com/office/drawing/2017/decorative" xmlns="" val="1"/>
                 </a:ext>
               </a:extLst>
             </p:cNvPr>
@@ -15317,7 +15319,7 @@
                   <a16:creationId xmlns:a16="http://schemas.microsoft.com/office/drawing/2014/main" id="{3CA832CD-B214-4ABC-AC95-A3DA116ACEED}"/>
                 </a:ext>
                 <a:ext uri="{C183D7F6-B498-43B3-948B-1728B52AA6E4}">
-                  <adec:decorative xmlns:adec="http://schemas.microsoft.com/office/drawing/2017/decorative" val="1"/>
+                  <adec:decorative xmlns:adec="http://schemas.microsoft.com/office/drawing/2017/decorative" xmlns="" val="1"/>
                 </a:ext>
               </a:extLst>
             </p:cNvPr>
@@ -15372,7 +15374,7 @@
                   <a16:creationId xmlns:a16="http://schemas.microsoft.com/office/drawing/2014/main" id="{D7EBA147-C4BA-4B48-B61D-CA24B8B06F41}"/>
                 </a:ext>
                 <a:ext uri="{C183D7F6-B498-43B3-948B-1728B52AA6E4}">
-                  <adec:decorative xmlns:adec="http://schemas.microsoft.com/office/drawing/2017/decorative" val="1"/>
+                  <adec:decorative xmlns:adec="http://schemas.microsoft.com/office/drawing/2017/decorative" xmlns="" val="1"/>
                 </a:ext>
               </a:extLst>
             </p:cNvPr>
@@ -15427,7 +15429,7 @@
                   <a16:creationId xmlns:a16="http://schemas.microsoft.com/office/drawing/2014/main" id="{FA8253B7-461E-48CC-B871-8A255EE3D7A3}"/>
                 </a:ext>
                 <a:ext uri="{C183D7F6-B498-43B3-948B-1728B52AA6E4}">
-                  <adec:decorative xmlns:adec="http://schemas.microsoft.com/office/drawing/2017/decorative" val="1"/>
+                  <adec:decorative xmlns:adec="http://schemas.microsoft.com/office/drawing/2017/decorative" xmlns="" val="1"/>
                 </a:ext>
               </a:extLst>
             </p:cNvPr>
@@ -15482,7 +15484,7 @@
                   <a16:creationId xmlns:a16="http://schemas.microsoft.com/office/drawing/2014/main" id="{DADE46C3-C2E1-4492-AC59-870160A3C870}"/>
                 </a:ext>
                 <a:ext uri="{C183D7F6-B498-43B3-948B-1728B52AA6E4}">
-                  <adec:decorative xmlns:adec="http://schemas.microsoft.com/office/drawing/2017/decorative" val="1"/>
+                  <adec:decorative xmlns:adec="http://schemas.microsoft.com/office/drawing/2017/decorative" xmlns="" val="1"/>
                 </a:ext>
               </a:extLst>
             </p:cNvPr>
@@ -15537,7 +15539,7 @@
                   <a16:creationId xmlns:a16="http://schemas.microsoft.com/office/drawing/2014/main" id="{2B0052E9-B440-4C1E-BC41-39957D5901E4}"/>
                 </a:ext>
                 <a:ext uri="{C183D7F6-B498-43B3-948B-1728B52AA6E4}">
-                  <adec:decorative xmlns:adec="http://schemas.microsoft.com/office/drawing/2017/decorative" val="1"/>
+                  <adec:decorative xmlns:adec="http://schemas.microsoft.com/office/drawing/2017/decorative" xmlns="" val="1"/>
                 </a:ext>
               </a:extLst>
             </p:cNvPr>
@@ -15592,7 +15594,7 @@
                   <a16:creationId xmlns:a16="http://schemas.microsoft.com/office/drawing/2014/main" id="{731F119B-638C-42B1-8400-709B94F1EE03}"/>
                 </a:ext>
                 <a:ext uri="{C183D7F6-B498-43B3-948B-1728B52AA6E4}">
-                  <adec:decorative xmlns:adec="http://schemas.microsoft.com/office/drawing/2017/decorative" val="1"/>
+                  <adec:decorative xmlns:adec="http://schemas.microsoft.com/office/drawing/2017/decorative" xmlns="" val="1"/>
                 </a:ext>
               </a:extLst>
             </p:cNvPr>
@@ -15647,7 +15649,7 @@
                   <a16:creationId xmlns:a16="http://schemas.microsoft.com/office/drawing/2014/main" id="{E16299ED-D998-4895-9CCF-02427F1954B7}"/>
                 </a:ext>
                 <a:ext uri="{C183D7F6-B498-43B3-948B-1728B52AA6E4}">
-                  <adec:decorative xmlns:adec="http://schemas.microsoft.com/office/drawing/2017/decorative" val="1"/>
+                  <adec:decorative xmlns:adec="http://schemas.microsoft.com/office/drawing/2017/decorative" xmlns="" val="1"/>
                 </a:ext>
               </a:extLst>
             </p:cNvPr>
@@ -15702,7 +15704,7 @@
                   <a16:creationId xmlns:a16="http://schemas.microsoft.com/office/drawing/2014/main" id="{F4442675-84C9-45C8-9524-ABE4E250719B}"/>
                 </a:ext>
                 <a:ext uri="{C183D7F6-B498-43B3-948B-1728B52AA6E4}">
-                  <adec:decorative xmlns:adec="http://schemas.microsoft.com/office/drawing/2017/decorative" val="1"/>
+                  <adec:decorative xmlns:adec="http://schemas.microsoft.com/office/drawing/2017/decorative" xmlns="" val="1"/>
                 </a:ext>
               </a:extLst>
             </p:cNvPr>
@@ -15757,7 +15759,7 @@
                   <a16:creationId xmlns:a16="http://schemas.microsoft.com/office/drawing/2014/main" id="{B5BE3E63-4FA5-4EBD-9F3B-E29F5128A843}"/>
                 </a:ext>
                 <a:ext uri="{C183D7F6-B498-43B3-948B-1728B52AA6E4}">
-                  <adec:decorative xmlns:adec="http://schemas.microsoft.com/office/drawing/2017/decorative" val="1"/>
+                  <adec:decorative xmlns:adec="http://schemas.microsoft.com/office/drawing/2017/decorative" xmlns="" val="1"/>
                 </a:ext>
               </a:extLst>
             </p:cNvPr>
@@ -15950,7 +15952,7 @@
                 <a16:creationId xmlns:a16="http://schemas.microsoft.com/office/drawing/2014/main" id="{F0753E91-DF19-4FA4-BFBF-221696B8D779}"/>
               </a:ext>
               <a:ext uri="{C183D7F6-B498-43B3-948B-1728B52AA6E4}">
-                <adec:decorative xmlns:adec="http://schemas.microsoft.com/office/drawing/2017/decorative" val="1"/>
+                <adec:decorative xmlns:adec="http://schemas.microsoft.com/office/drawing/2017/decorative" xmlns="" val="1"/>
               </a:ext>
             </a:extLst>
           </p:cNvPr>
@@ -16027,6 +16029,167 @@
 <file path=ppt/slides/slide10.xml><?xml version="1.0" encoding="utf-8"?>
 <p:sld xmlns:a="http://schemas.openxmlformats.org/drawingml/2006/main" xmlns:r="http://schemas.openxmlformats.org/officeDocument/2006/relationships" xmlns:p="http://schemas.openxmlformats.org/presentationml/2006/main">
   <p:cSld>
+    <p:spTree>
+      <p:nvGrpSpPr>
+        <p:cNvPr id="1" name=""/>
+        <p:cNvGrpSpPr/>
+        <p:nvPr/>
+      </p:nvGrpSpPr>
+      <p:grpSpPr>
+        <a:xfrm>
+          <a:off x="0" y="0"/>
+          <a:ext cx="0" cy="0"/>
+          <a:chOff x="0" y="0"/>
+          <a:chExt cx="0" cy="0"/>
+        </a:xfrm>
+      </p:grpSpPr>
+      <p:sp>
+        <p:nvSpPr>
+          <p:cNvPr id="2" name="Title 1">
+            <a:extLst>
+              <a:ext uri="{FF2B5EF4-FFF2-40B4-BE49-F238E27FC236}">
+                <a16:creationId xmlns:a16="http://schemas.microsoft.com/office/drawing/2014/main" id="{8C867C49-3A08-0EA9-B5E0-F822C126D456}"/>
+              </a:ext>
+            </a:extLst>
+          </p:cNvPr>
+          <p:cNvSpPr>
+            <a:spLocks noGrp="1"/>
+          </p:cNvSpPr>
+          <p:nvPr>
+            <p:ph type="title"/>
+          </p:nvPr>
+        </p:nvSpPr>
+        <p:spPr/>
+        <p:txBody>
+          <a:bodyPr/>
+          <a:lstStyle/>
+          <a:p>
+            <a:r>
+              <a:rPr lang="en-SG" dirty="0" err="1"/>
+              <a:t>WebApplicationBuilder</a:t>
+            </a:r>
+            <a:endParaRPr lang="en-SG" dirty="0"/>
+          </a:p>
+        </p:txBody>
+      </p:sp>
+      <p:sp>
+        <p:nvSpPr>
+          <p:cNvPr id="3" name="Content Placeholder 2">
+            <a:extLst>
+              <a:ext uri="{FF2B5EF4-FFF2-40B4-BE49-F238E27FC236}">
+                <a16:creationId xmlns:a16="http://schemas.microsoft.com/office/drawing/2014/main" id="{0F5245DB-FFAE-26C3-4331-B9550A288425}"/>
+              </a:ext>
+            </a:extLst>
+          </p:cNvPr>
+          <p:cNvSpPr>
+            <a:spLocks noGrp="1"/>
+          </p:cNvSpPr>
+          <p:nvPr>
+            <p:ph idx="1"/>
+          </p:nvPr>
+        </p:nvSpPr>
+        <p:spPr/>
+        <p:txBody>
+          <a:bodyPr/>
+          <a:lstStyle/>
+          <a:p>
+            <a:r>
+              <a:rPr lang="en-SG" dirty="0" err="1"/>
+              <a:t>Blazor.web</a:t>
+            </a:r>
+            <a:r>
+              <a:rPr lang="en-SG" dirty="0"/>
+              <a:t> hosting:</a:t>
+            </a:r>
+          </a:p>
+          <a:p>
+            <a:r>
+              <a:rPr lang="en-SG" dirty="0" err="1"/>
+              <a:t>WebApplicationBuilder.Services.AddRazorComponents</a:t>
+            </a:r>
+            <a:r>
+              <a:rPr lang="en-SG" dirty="0"/>
+              <a:t>()</a:t>
+            </a:r>
+          </a:p>
+        </p:txBody>
+      </p:sp>
+    </p:spTree>
+    <p:extLst>
+      <p:ext uri="{BB962C8B-B14F-4D97-AF65-F5344CB8AC3E}">
+        <p14:creationId xmlns:p14="http://schemas.microsoft.com/office/powerpoint/2010/main" val="360987511"/>
+      </p:ext>
+    </p:extLst>
+  </p:cSld>
+  <p:clrMapOvr>
+    <a:masterClrMapping/>
+  </p:clrMapOvr>
+</p:sld>
+</file>
+
+<file path=ppt/slides/slide11.xml><?xml version="1.0" encoding="utf-8"?>
+<p:sld xmlns:a="http://schemas.openxmlformats.org/drawingml/2006/main" xmlns:r="http://schemas.openxmlformats.org/officeDocument/2006/relationships" xmlns:p="http://schemas.openxmlformats.org/presentationml/2006/main">
+  <p:cSld>
+    <p:spTree>
+      <p:nvGrpSpPr>
+        <p:cNvPr id="1" name=""/>
+        <p:cNvGrpSpPr/>
+        <p:nvPr/>
+      </p:nvGrpSpPr>
+      <p:grpSpPr>
+        <a:xfrm>
+          <a:off x="0" y="0"/>
+          <a:ext cx="0" cy="0"/>
+          <a:chOff x="0" y="0"/>
+          <a:chExt cx="0" cy="0"/>
+        </a:xfrm>
+      </p:grpSpPr>
+      <p:pic>
+        <p:nvPicPr>
+          <p:cNvPr id="5" name="Picture 4">
+            <a:extLst>
+              <a:ext uri="{FF2B5EF4-FFF2-40B4-BE49-F238E27FC236}">
+                <a16:creationId xmlns:a16="http://schemas.microsoft.com/office/drawing/2014/main" id="{3A1E1F0E-3A7A-7579-3F32-E2E81B7D4F58}"/>
+              </a:ext>
+            </a:extLst>
+          </p:cNvPr>
+          <p:cNvPicPr>
+            <a:picLocks noChangeAspect="1"/>
+          </p:cNvPicPr>
+          <p:nvPr/>
+        </p:nvPicPr>
+        <p:blipFill>
+          <a:blip r:embed="rId2"/>
+          <a:stretch>
+            <a:fillRect/>
+          </a:stretch>
+        </p:blipFill>
+        <p:spPr>
+          <a:xfrm>
+            <a:off x="304800" y="450295"/>
+            <a:ext cx="11258549" cy="6407705"/>
+          </a:xfrm>
+          <a:prstGeom prst="rect">
+            <a:avLst/>
+          </a:prstGeom>
+        </p:spPr>
+      </p:pic>
+    </p:spTree>
+    <p:extLst>
+      <p:ext uri="{BB962C8B-B14F-4D97-AF65-F5344CB8AC3E}">
+        <p14:creationId xmlns:p14="http://schemas.microsoft.com/office/powerpoint/2010/main" val="1807528465"/>
+      </p:ext>
+    </p:extLst>
+  </p:cSld>
+  <p:clrMapOvr>
+    <a:masterClrMapping/>
+  </p:clrMapOvr>
+</p:sld>
+</file>
+
+<file path=ppt/slides/slide12.xml><?xml version="1.0" encoding="utf-8"?>
+<p:sld xmlns:a="http://schemas.openxmlformats.org/drawingml/2006/main" xmlns:r="http://schemas.openxmlformats.org/officeDocument/2006/relationships" xmlns:p="http://schemas.openxmlformats.org/presentationml/2006/main">
+  <p:cSld>
     <p:bg>
       <p:bgPr>
         <a:solidFill>
@@ -16057,7 +16220,7 @@
                 <a16:creationId xmlns:a16="http://schemas.microsoft.com/office/drawing/2014/main" id="{1C582B07-D0F0-4B6B-A5D9-D2F192CB3A4E}"/>
               </a:ext>
               <a:ext uri="{C183D7F6-B498-43B3-948B-1728B52AA6E4}">
-                <adec:decorative xmlns:adec="http://schemas.microsoft.com/office/drawing/2017/decorative" val="1"/>
+                <adec:decorative xmlns:adec="http://schemas.microsoft.com/office/drawing/2017/decorative" xmlns="" val="1"/>
               </a:ext>
             </a:extLst>
           </p:cNvPr>
@@ -16121,7 +16284,7 @@
                 <a16:creationId xmlns:a16="http://schemas.microsoft.com/office/drawing/2014/main" id="{67CE0AF2-326F-4B0F-B97A-2C14B3CE1935}"/>
               </a:ext>
               <a:ext uri="{C183D7F6-B498-43B3-948B-1728B52AA6E4}">
-                <adec:decorative xmlns:adec="http://schemas.microsoft.com/office/drawing/2017/decorative" val="1"/>
+                <adec:decorative xmlns:adec="http://schemas.microsoft.com/office/drawing/2017/decorative" xmlns="" val="1"/>
               </a:ext>
             </a:extLst>
           </p:cNvPr>
@@ -16152,7 +16315,7 @@
                   <a16:creationId xmlns:a16="http://schemas.microsoft.com/office/drawing/2014/main" id="{4E8B05B5-D3AB-4AAC-B97A-7D65FF85F8DC}"/>
                 </a:ext>
                 <a:ext uri="{C183D7F6-B498-43B3-948B-1728B52AA6E4}">
-                  <adec:decorative xmlns:adec="http://schemas.microsoft.com/office/drawing/2017/decorative" val="1"/>
+                  <adec:decorative xmlns:adec="http://schemas.microsoft.com/office/drawing/2017/decorative" xmlns="" val="1"/>
                 </a:ext>
               </a:extLst>
             </p:cNvPr>
@@ -16207,7 +16370,7 @@
                   <a16:creationId xmlns:a16="http://schemas.microsoft.com/office/drawing/2014/main" id="{2647EC12-BFF1-4F97-8364-51C4DF812139}"/>
                 </a:ext>
                 <a:ext uri="{C183D7F6-B498-43B3-948B-1728B52AA6E4}">
-                  <adec:decorative xmlns:adec="http://schemas.microsoft.com/office/drawing/2017/decorative" val="1"/>
+                  <adec:decorative xmlns:adec="http://schemas.microsoft.com/office/drawing/2017/decorative" xmlns="" val="1"/>
                 </a:ext>
               </a:extLst>
             </p:cNvPr>
@@ -16262,7 +16425,7 @@
                   <a16:creationId xmlns:a16="http://schemas.microsoft.com/office/drawing/2014/main" id="{E715F011-94BA-47DC-834F-1388B34219A0}"/>
                 </a:ext>
                 <a:ext uri="{C183D7F6-B498-43B3-948B-1728B52AA6E4}">
-                  <adec:decorative xmlns:adec="http://schemas.microsoft.com/office/drawing/2017/decorative" val="1"/>
+                  <adec:decorative xmlns:adec="http://schemas.microsoft.com/office/drawing/2017/decorative" xmlns="" val="1"/>
                 </a:ext>
               </a:extLst>
             </p:cNvPr>
@@ -16317,7 +16480,7 @@
                   <a16:creationId xmlns:a16="http://schemas.microsoft.com/office/drawing/2014/main" id="{2506A0AD-93DC-442E-9F60-B30CEAF7DD5D}"/>
                 </a:ext>
                 <a:ext uri="{C183D7F6-B498-43B3-948B-1728B52AA6E4}">
-                  <adec:decorative xmlns:adec="http://schemas.microsoft.com/office/drawing/2017/decorative" val="1"/>
+                  <adec:decorative xmlns:adec="http://schemas.microsoft.com/office/drawing/2017/decorative" xmlns="" val="1"/>
                 </a:ext>
               </a:extLst>
             </p:cNvPr>
@@ -16372,7 +16535,7 @@
                   <a16:creationId xmlns:a16="http://schemas.microsoft.com/office/drawing/2014/main" id="{FED3C365-CE85-4FAC-B746-E04C9F92AF03}"/>
                 </a:ext>
                 <a:ext uri="{C183D7F6-B498-43B3-948B-1728B52AA6E4}">
-                  <adec:decorative xmlns:adec="http://schemas.microsoft.com/office/drawing/2017/decorative" val="1"/>
+                  <adec:decorative xmlns:adec="http://schemas.microsoft.com/office/drawing/2017/decorative" xmlns="" val="1"/>
                 </a:ext>
               </a:extLst>
             </p:cNvPr>
@@ -16427,7 +16590,7 @@
                   <a16:creationId xmlns:a16="http://schemas.microsoft.com/office/drawing/2014/main" id="{178454BD-0545-4C56-BD44-0FD16077F2CD}"/>
                 </a:ext>
                 <a:ext uri="{C183D7F6-B498-43B3-948B-1728B52AA6E4}">
-                  <adec:decorative xmlns:adec="http://schemas.microsoft.com/office/drawing/2017/decorative" val="1"/>
+                  <adec:decorative xmlns:adec="http://schemas.microsoft.com/office/drawing/2017/decorative" xmlns="" val="1"/>
                 </a:ext>
               </a:extLst>
             </p:cNvPr>
@@ -16482,7 +16645,7 @@
                   <a16:creationId xmlns:a16="http://schemas.microsoft.com/office/drawing/2014/main" id="{5B2AB6B5-F9FA-46C4-9677-F28F2A3BC9FC}"/>
                 </a:ext>
                 <a:ext uri="{C183D7F6-B498-43B3-948B-1728B52AA6E4}">
-                  <adec:decorative xmlns:adec="http://schemas.microsoft.com/office/drawing/2017/decorative" val="1"/>
+                  <adec:decorative xmlns:adec="http://schemas.microsoft.com/office/drawing/2017/decorative" xmlns="" val="1"/>
                 </a:ext>
               </a:extLst>
             </p:cNvPr>
@@ -16537,7 +16700,7 @@
                   <a16:creationId xmlns:a16="http://schemas.microsoft.com/office/drawing/2014/main" id="{0A888551-D4D1-46F5-975D-320FB87DBCE6}"/>
                 </a:ext>
                 <a:ext uri="{C183D7F6-B498-43B3-948B-1728B52AA6E4}">
-                  <adec:decorative xmlns:adec="http://schemas.microsoft.com/office/drawing/2017/decorative" val="1"/>
+                  <adec:decorative xmlns:adec="http://schemas.microsoft.com/office/drawing/2017/decorative" xmlns="" val="1"/>
                 </a:ext>
               </a:extLst>
             </p:cNvPr>
@@ -16592,7 +16755,7 @@
                   <a16:creationId xmlns:a16="http://schemas.microsoft.com/office/drawing/2014/main" id="{567C48A2-7C70-4832-8EA1-F4690A5F6BA0}"/>
                 </a:ext>
                 <a:ext uri="{C183D7F6-B498-43B3-948B-1728B52AA6E4}">
-                  <adec:decorative xmlns:adec="http://schemas.microsoft.com/office/drawing/2017/decorative" val="1"/>
+                  <adec:decorative xmlns:adec="http://schemas.microsoft.com/office/drawing/2017/decorative" xmlns="" val="1"/>
                 </a:ext>
               </a:extLst>
             </p:cNvPr>
@@ -16647,7 +16810,7 @@
                   <a16:creationId xmlns:a16="http://schemas.microsoft.com/office/drawing/2014/main" id="{C6B11DE8-28CF-46C2-AB13-7AE209801545}"/>
                 </a:ext>
                 <a:ext uri="{C183D7F6-B498-43B3-948B-1728B52AA6E4}">
-                  <adec:decorative xmlns:adec="http://schemas.microsoft.com/office/drawing/2017/decorative" val="1"/>
+                  <adec:decorative xmlns:adec="http://schemas.microsoft.com/office/drawing/2017/decorative" xmlns="" val="1"/>
                 </a:ext>
               </a:extLst>
             </p:cNvPr>
@@ -16702,7 +16865,7 @@
                   <a16:creationId xmlns:a16="http://schemas.microsoft.com/office/drawing/2014/main" id="{40395973-46DA-4BF6-B9C1-F0B4512DEB03}"/>
                 </a:ext>
                 <a:ext uri="{C183D7F6-B498-43B3-948B-1728B52AA6E4}">
-                  <adec:decorative xmlns:adec="http://schemas.microsoft.com/office/drawing/2017/decorative" val="1"/>
+                  <adec:decorative xmlns:adec="http://schemas.microsoft.com/office/drawing/2017/decorative" xmlns="" val="1"/>
                 </a:ext>
               </a:extLst>
             </p:cNvPr>
@@ -16757,7 +16920,7 @@
                   <a16:creationId xmlns:a16="http://schemas.microsoft.com/office/drawing/2014/main" id="{0CCFEEC4-7A30-4BB7-91CE-1BBA13833D5B}"/>
                 </a:ext>
                 <a:ext uri="{C183D7F6-B498-43B3-948B-1728B52AA6E4}">
-                  <adec:decorative xmlns:adec="http://schemas.microsoft.com/office/drawing/2017/decorative" val="1"/>
+                  <adec:decorative xmlns:adec="http://schemas.microsoft.com/office/drawing/2017/decorative" xmlns="" val="1"/>
                 </a:ext>
               </a:extLst>
             </p:cNvPr>
@@ -16812,7 +16975,7 @@
                   <a16:creationId xmlns:a16="http://schemas.microsoft.com/office/drawing/2014/main" id="{08A0F616-0997-42B0-83B2-BDF6BB350119}"/>
                 </a:ext>
                 <a:ext uri="{C183D7F6-B498-43B3-948B-1728B52AA6E4}">
-                  <adec:decorative xmlns:adec="http://schemas.microsoft.com/office/drawing/2017/decorative" val="1"/>
+                  <adec:decorative xmlns:adec="http://schemas.microsoft.com/office/drawing/2017/decorative" xmlns="" val="1"/>
                 </a:ext>
               </a:extLst>
             </p:cNvPr>
@@ -16867,7 +17030,7 @@
                   <a16:creationId xmlns:a16="http://schemas.microsoft.com/office/drawing/2014/main" id="{444B0F3E-07AE-40F2-ACA8-84BBAEE5B92B}"/>
                 </a:ext>
                 <a:ext uri="{C183D7F6-B498-43B3-948B-1728B52AA6E4}">
-                  <adec:decorative xmlns:adec="http://schemas.microsoft.com/office/drawing/2017/decorative" val="1"/>
+                  <adec:decorative xmlns:adec="http://schemas.microsoft.com/office/drawing/2017/decorative" xmlns="" val="1"/>
                 </a:ext>
               </a:extLst>
             </p:cNvPr>
@@ -16922,7 +17085,7 @@
                   <a16:creationId xmlns:a16="http://schemas.microsoft.com/office/drawing/2014/main" id="{1A948B5D-3085-4444-95B3-2ED3F19C1697}"/>
                 </a:ext>
                 <a:ext uri="{C183D7F6-B498-43B3-948B-1728B52AA6E4}">
-                  <adec:decorative xmlns:adec="http://schemas.microsoft.com/office/drawing/2017/decorative" val="1"/>
+                  <adec:decorative xmlns:adec="http://schemas.microsoft.com/office/drawing/2017/decorative" xmlns="" val="1"/>
                 </a:ext>
               </a:extLst>
             </p:cNvPr>
@@ -16977,7 +17140,7 @@
                   <a16:creationId xmlns:a16="http://schemas.microsoft.com/office/drawing/2014/main" id="{15B0FDF0-2286-4AD5-8409-EC8B706C508C}"/>
                 </a:ext>
                 <a:ext uri="{C183D7F6-B498-43B3-948B-1728B52AA6E4}">
-                  <adec:decorative xmlns:adec="http://schemas.microsoft.com/office/drawing/2017/decorative" val="1"/>
+                  <adec:decorative xmlns:adec="http://schemas.microsoft.com/office/drawing/2017/decorative" xmlns="" val="1"/>
                 </a:ext>
               </a:extLst>
             </p:cNvPr>
@@ -17032,7 +17195,7 @@
                   <a16:creationId xmlns:a16="http://schemas.microsoft.com/office/drawing/2014/main" id="{0B8842C3-3266-4C74-A6BF-5529C9CC25AA}"/>
                 </a:ext>
                 <a:ext uri="{C183D7F6-B498-43B3-948B-1728B52AA6E4}">
-                  <adec:decorative xmlns:adec="http://schemas.microsoft.com/office/drawing/2017/decorative" val="1"/>
+                  <adec:decorative xmlns:adec="http://schemas.microsoft.com/office/drawing/2017/decorative" xmlns="" val="1"/>
                 </a:ext>
               </a:extLst>
             </p:cNvPr>
@@ -17087,7 +17250,7 @@
                   <a16:creationId xmlns:a16="http://schemas.microsoft.com/office/drawing/2014/main" id="{E920E458-6F68-46DF-9407-9E6AD8CE210A}"/>
                 </a:ext>
                 <a:ext uri="{C183D7F6-B498-43B3-948B-1728B52AA6E4}">
-                  <adec:decorative xmlns:adec="http://schemas.microsoft.com/office/drawing/2017/decorative" val="1"/>
+                  <adec:decorative xmlns:adec="http://schemas.microsoft.com/office/drawing/2017/decorative" xmlns="" val="1"/>
                 </a:ext>
               </a:extLst>
             </p:cNvPr>
@@ -17142,7 +17305,7 @@
                   <a16:creationId xmlns:a16="http://schemas.microsoft.com/office/drawing/2014/main" id="{10CB4A57-7F7E-426D-93B5-984A8F8BC643}"/>
                 </a:ext>
                 <a:ext uri="{C183D7F6-B498-43B3-948B-1728B52AA6E4}">
-                  <adec:decorative xmlns:adec="http://schemas.microsoft.com/office/drawing/2017/decorative" val="1"/>
+                  <adec:decorative xmlns:adec="http://schemas.microsoft.com/office/drawing/2017/decorative" xmlns="" val="1"/>
                 </a:ext>
               </a:extLst>
             </p:cNvPr>
@@ -17197,7 +17360,7 @@
                   <a16:creationId xmlns:a16="http://schemas.microsoft.com/office/drawing/2014/main" id="{CC038EA1-A5C8-4528-9DEC-35C3970C22F4}"/>
                 </a:ext>
                 <a:ext uri="{C183D7F6-B498-43B3-948B-1728B52AA6E4}">
-                  <adec:decorative xmlns:adec="http://schemas.microsoft.com/office/drawing/2017/decorative" val="1"/>
+                  <adec:decorative xmlns:adec="http://schemas.microsoft.com/office/drawing/2017/decorative" xmlns="" val="1"/>
                 </a:ext>
               </a:extLst>
             </p:cNvPr>
@@ -17252,7 +17415,7 @@
                   <a16:creationId xmlns:a16="http://schemas.microsoft.com/office/drawing/2014/main" id="{3CC18C7B-5800-46CC-B5DF-8B8D91A1B3B2}"/>
                 </a:ext>
                 <a:ext uri="{C183D7F6-B498-43B3-948B-1728B52AA6E4}">
-                  <adec:decorative xmlns:adec="http://schemas.microsoft.com/office/drawing/2017/decorative" val="1"/>
+                  <adec:decorative xmlns:adec="http://schemas.microsoft.com/office/drawing/2017/decorative" xmlns="" val="1"/>
                 </a:ext>
               </a:extLst>
             </p:cNvPr>
@@ -17307,7 +17470,7 @@
                   <a16:creationId xmlns:a16="http://schemas.microsoft.com/office/drawing/2014/main" id="{27AFBA18-1DE7-4213-9CF2-DAA4886EA9F8}"/>
                 </a:ext>
                 <a:ext uri="{C183D7F6-B498-43B3-948B-1728B52AA6E4}">
-                  <adec:decorative xmlns:adec="http://schemas.microsoft.com/office/drawing/2017/decorative" val="1"/>
+                  <adec:decorative xmlns:adec="http://schemas.microsoft.com/office/drawing/2017/decorative" xmlns="" val="1"/>
                 </a:ext>
               </a:extLst>
             </p:cNvPr>
@@ -17362,7 +17525,7 @@
                   <a16:creationId xmlns:a16="http://schemas.microsoft.com/office/drawing/2014/main" id="{E209AD18-3DFF-4A2A-BA06-5B62BC9F303B}"/>
                 </a:ext>
                 <a:ext uri="{C183D7F6-B498-43B3-948B-1728B52AA6E4}">
-                  <adec:decorative xmlns:adec="http://schemas.microsoft.com/office/drawing/2017/decorative" val="1"/>
+                  <adec:decorative xmlns:adec="http://schemas.microsoft.com/office/drawing/2017/decorative" xmlns="" val="1"/>
                 </a:ext>
               </a:extLst>
             </p:cNvPr>
@@ -17417,7 +17580,7 @@
                   <a16:creationId xmlns:a16="http://schemas.microsoft.com/office/drawing/2014/main" id="{CC9349A2-4AE5-4765-852E-EDD390D0ED4A}"/>
                 </a:ext>
                 <a:ext uri="{C183D7F6-B498-43B3-948B-1728B52AA6E4}">
-                  <adec:decorative xmlns:adec="http://schemas.microsoft.com/office/drawing/2017/decorative" val="1"/>
+                  <adec:decorative xmlns:adec="http://schemas.microsoft.com/office/drawing/2017/decorative" xmlns="" val="1"/>
                 </a:ext>
               </a:extLst>
             </p:cNvPr>
@@ -17472,7 +17635,7 @@
                   <a16:creationId xmlns:a16="http://schemas.microsoft.com/office/drawing/2014/main" id="{8F551698-2DD2-4F8E-ABB8-0CBAE048C373}"/>
                 </a:ext>
                 <a:ext uri="{C183D7F6-B498-43B3-948B-1728B52AA6E4}">
-                  <adec:decorative xmlns:adec="http://schemas.microsoft.com/office/drawing/2017/decorative" val="1"/>
+                  <adec:decorative xmlns:adec="http://schemas.microsoft.com/office/drawing/2017/decorative" xmlns="" val="1"/>
                 </a:ext>
               </a:extLst>
             </p:cNvPr>
@@ -17527,7 +17690,7 @@
                   <a16:creationId xmlns:a16="http://schemas.microsoft.com/office/drawing/2014/main" id="{93D68F4A-8464-4C0E-8E8F-218BA86E10FD}"/>
                 </a:ext>
                 <a:ext uri="{C183D7F6-B498-43B3-948B-1728B52AA6E4}">
-                  <adec:decorative xmlns:adec="http://schemas.microsoft.com/office/drawing/2017/decorative" val="1"/>
+                  <adec:decorative xmlns:adec="http://schemas.microsoft.com/office/drawing/2017/decorative" xmlns="" val="1"/>
                 </a:ext>
               </a:extLst>
             </p:cNvPr>
@@ -17582,7 +17745,7 @@
                   <a16:creationId xmlns:a16="http://schemas.microsoft.com/office/drawing/2014/main" id="{31142AB3-3DD8-414B-8BB3-2E30DBD759FA}"/>
                 </a:ext>
                 <a:ext uri="{C183D7F6-B498-43B3-948B-1728B52AA6E4}">
-                  <adec:decorative xmlns:adec="http://schemas.microsoft.com/office/drawing/2017/decorative" val="1"/>
+                  <adec:decorative xmlns:adec="http://schemas.microsoft.com/office/drawing/2017/decorative" xmlns="" val="1"/>
                 </a:ext>
               </a:extLst>
             </p:cNvPr>
@@ -17637,7 +17800,7 @@
                   <a16:creationId xmlns:a16="http://schemas.microsoft.com/office/drawing/2014/main" id="{5D796E03-EB21-459D-96EA-B0EE0109B7F0}"/>
                 </a:ext>
                 <a:ext uri="{C183D7F6-B498-43B3-948B-1728B52AA6E4}">
-                  <adec:decorative xmlns:adec="http://schemas.microsoft.com/office/drawing/2017/decorative" val="1"/>
+                  <adec:decorative xmlns:adec="http://schemas.microsoft.com/office/drawing/2017/decorative" xmlns="" val="1"/>
                 </a:ext>
               </a:extLst>
             </p:cNvPr>
@@ -17692,7 +17855,7 @@
                   <a16:creationId xmlns:a16="http://schemas.microsoft.com/office/drawing/2014/main" id="{32F4A84E-E201-47CA-85A4-25A9D766239B}"/>
                 </a:ext>
                 <a:ext uri="{C183D7F6-B498-43B3-948B-1728B52AA6E4}">
-                  <adec:decorative xmlns:adec="http://schemas.microsoft.com/office/drawing/2017/decorative" val="1"/>
+                  <adec:decorative xmlns:adec="http://schemas.microsoft.com/office/drawing/2017/decorative" xmlns="" val="1"/>
                 </a:ext>
               </a:extLst>
             </p:cNvPr>
@@ -17747,7 +17910,7 @@
                   <a16:creationId xmlns:a16="http://schemas.microsoft.com/office/drawing/2014/main" id="{0C03A65C-C198-4FD0-8FF6-BBF0C3AA8D32}"/>
                 </a:ext>
                 <a:ext uri="{C183D7F6-B498-43B3-948B-1728B52AA6E4}">
-                  <adec:decorative xmlns:adec="http://schemas.microsoft.com/office/drawing/2017/decorative" val="1"/>
+                  <adec:decorative xmlns:adec="http://schemas.microsoft.com/office/drawing/2017/decorative" xmlns="" val="1"/>
                 </a:ext>
               </a:extLst>
             </p:cNvPr>
@@ -17802,7 +17965,7 @@
                   <a16:creationId xmlns:a16="http://schemas.microsoft.com/office/drawing/2014/main" id="{32344B27-CEB6-40F4-A75F-54415ACD542A}"/>
                 </a:ext>
                 <a:ext uri="{C183D7F6-B498-43B3-948B-1728B52AA6E4}">
-                  <adec:decorative xmlns:adec="http://schemas.microsoft.com/office/drawing/2017/decorative" val="1"/>
+                  <adec:decorative xmlns:adec="http://schemas.microsoft.com/office/drawing/2017/decorative" xmlns="" val="1"/>
                 </a:ext>
               </a:extLst>
             </p:cNvPr>
@@ -17858,7 +18021,7 @@
                 <a16:creationId xmlns:a16="http://schemas.microsoft.com/office/drawing/2014/main" id="{FD965435-B881-4C53-9917-5CDFE7688209}"/>
               </a:ext>
               <a:ext uri="{C183D7F6-B498-43B3-948B-1728B52AA6E4}">
-                <adec:decorative xmlns:adec="http://schemas.microsoft.com/office/drawing/2017/decorative" val="1"/>
+                <adec:decorative xmlns:adec="http://schemas.microsoft.com/office/drawing/2017/decorative" xmlns="" val="1"/>
               </a:ext>
             </a:extLst>
           </p:cNvPr>
@@ -18004,7 +18167,7 @@
                 <a16:creationId xmlns:a16="http://schemas.microsoft.com/office/drawing/2014/main" id="{72D91726-E656-4E99-9757-0A6650CB02F5}"/>
               </a:ext>
               <a:ext uri="{C183D7F6-B498-43B3-948B-1728B52AA6E4}">
-                <adec:decorative xmlns:adec="http://schemas.microsoft.com/office/drawing/2017/decorative" val="1"/>
+                <adec:decorative xmlns:adec="http://schemas.microsoft.com/office/drawing/2017/decorative" xmlns="" val="1"/>
               </a:ext>
             </a:extLst>
           </p:cNvPr>
@@ -18203,7 +18366,7 @@
 </p:sld>
 </file>
 
-<file path=ppt/slides/slide11.xml><?xml version="1.0" encoding="utf-8"?>
+<file path=ppt/slides/slide13.xml><?xml version="1.0" encoding="utf-8"?>
 <p:sld xmlns:a="http://schemas.openxmlformats.org/drawingml/2006/main" xmlns:r="http://schemas.openxmlformats.org/officeDocument/2006/relationships" xmlns:p="http://schemas.openxmlformats.org/presentationml/2006/main">
   <p:cSld>
     <p:spTree>
@@ -18299,7 +18462,7 @@
 </p:sld>
 </file>
 
-<file path=ppt/slides/slide12.xml><?xml version="1.0" encoding="utf-8"?>
+<file path=ppt/slides/slide14.xml><?xml version="1.0" encoding="utf-8"?>
 <p:sld xmlns:a="http://schemas.openxmlformats.org/drawingml/2006/main" xmlns:r="http://schemas.openxmlformats.org/officeDocument/2006/relationships" xmlns:p="http://schemas.openxmlformats.org/presentationml/2006/main">
   <p:cSld>
     <p:spTree>
@@ -18359,7 +18522,7 @@
 </p:sld>
 </file>
 
-<file path=ppt/slides/slide13.xml><?xml version="1.0" encoding="utf-8"?>
+<file path=ppt/slides/slide15.xml><?xml version="1.0" encoding="utf-8"?>
 <p:sld xmlns:a="http://schemas.openxmlformats.org/drawingml/2006/main" xmlns:r="http://schemas.openxmlformats.org/officeDocument/2006/relationships" xmlns:p="http://schemas.openxmlformats.org/presentationml/2006/main">
   <p:cSld>
     <p:spTree>
@@ -18432,7 +18595,7 @@
         </p:nvGraphicFramePr>
         <p:xfrm>
           <a:off x="670365" y="2843887"/>
-          <a:ext cx="11119181" cy="3520573"/>
+          <a:ext cx="11119181" cy="3596640"/>
         </p:xfrm>
         <a:graphic>
           <a:graphicData uri="http://schemas.openxmlformats.org/drawingml/2006/table">
@@ -19009,7 +19172,7 @@
 </p:sld>
 </file>
 
-<file path=ppt/slides/slide14.xml><?xml version="1.0" encoding="utf-8"?>
+<file path=ppt/slides/slide16.xml><?xml version="1.0" encoding="utf-8"?>
 <p:sld xmlns:a="http://schemas.openxmlformats.org/drawingml/2006/main" xmlns:r="http://schemas.openxmlformats.org/officeDocument/2006/relationships" xmlns:p="http://schemas.openxmlformats.org/presentationml/2006/main">
   <p:cSld>
     <p:spTree>
@@ -19270,7 +19433,7 @@
 </p:sld>
 </file>
 
-<file path=ppt/slides/slide15.xml><?xml version="1.0" encoding="utf-8"?>
+<file path=ppt/slides/slide17.xml><?xml version="1.0" encoding="utf-8"?>
 <p:sld xmlns:a="http://schemas.openxmlformats.org/drawingml/2006/main" xmlns:r="http://schemas.openxmlformats.org/officeDocument/2006/relationships" xmlns:p="http://schemas.openxmlformats.org/presentationml/2006/main">
   <p:cSld>
     <p:spTree>
@@ -19563,7 +19726,7 @@
 </p:sld>
 </file>
 
-<file path=ppt/slides/slide16.xml><?xml version="1.0" encoding="utf-8"?>
+<file path=ppt/slides/slide18.xml><?xml version="1.0" encoding="utf-8"?>
 <p:sld xmlns:a="http://schemas.openxmlformats.org/drawingml/2006/main" xmlns:r="http://schemas.openxmlformats.org/officeDocument/2006/relationships" xmlns:p="http://schemas.openxmlformats.org/presentationml/2006/main">
   <p:cSld>
     <p:spTree>
@@ -19898,7 +20061,7 @@
 </p:sld>
 </file>
 
-<file path=ppt/slides/slide17.xml><?xml version="1.0" encoding="utf-8"?>
+<file path=ppt/slides/slide19.xml><?xml version="1.0" encoding="utf-8"?>
 <p:sld xmlns:a="http://schemas.openxmlformats.org/drawingml/2006/main" xmlns:r="http://schemas.openxmlformats.org/officeDocument/2006/relationships" xmlns:p="http://schemas.openxmlformats.org/presentationml/2006/main">
   <p:cSld>
     <p:spTree>
@@ -20016,7 +20179,7 @@
                 <a16:creationId xmlns:a16="http://schemas.microsoft.com/office/drawing/2014/main" id="{D7C3C2D0-A48F-4A6F-9C7D-888E9DFE643A}"/>
               </a:ext>
               <a:ext uri="{C183D7F6-B498-43B3-948B-1728B52AA6E4}">
-                <adec:decorative xmlns:adec="http://schemas.microsoft.com/office/drawing/2017/decorative" val="1"/>
+                <adec:decorative xmlns:adec="http://schemas.microsoft.com/office/drawing/2017/decorative" xmlns="" val="1"/>
               </a:ext>
             </a:extLst>
           </p:cNvPr>
@@ -20080,7 +20243,7 @@
                 <a16:creationId xmlns:a16="http://schemas.microsoft.com/office/drawing/2014/main" id="{A522AC37-2BE3-4ECF-A007-1DE6CB354FFE}"/>
               </a:ext>
               <a:ext uri="{C183D7F6-B498-43B3-948B-1728B52AA6E4}">
-                <adec:decorative xmlns:adec="http://schemas.microsoft.com/office/drawing/2017/decorative" val="1"/>
+                <adec:decorative xmlns:adec="http://schemas.microsoft.com/office/drawing/2017/decorative" xmlns="" val="1"/>
               </a:ext>
             </a:extLst>
           </p:cNvPr>
@@ -20266,7 +20429,7 @@
                 <a16:creationId xmlns:a16="http://schemas.microsoft.com/office/drawing/2014/main" id="{ACAC8F7F-D35D-4520-8F56-4EFA77C73B66}"/>
               </a:ext>
               <a:ext uri="{C183D7F6-B498-43B3-948B-1728B52AA6E4}">
-                <adec:decorative xmlns:adec="http://schemas.microsoft.com/office/drawing/2017/decorative" val="1"/>
+                <adec:decorative xmlns:adec="http://schemas.microsoft.com/office/drawing/2017/decorative" xmlns="" val="1"/>
               </a:ext>
             </a:extLst>
           </p:cNvPr>
@@ -20297,7 +20460,7 @@
                   <a16:creationId xmlns:a16="http://schemas.microsoft.com/office/drawing/2014/main" id="{E87C587A-B291-49B1-BE30-198570DDACDF}"/>
                 </a:ext>
                 <a:ext uri="{C183D7F6-B498-43B3-948B-1728B52AA6E4}">
-                  <adec:decorative xmlns:adec="http://schemas.microsoft.com/office/drawing/2017/decorative" val="1"/>
+                  <adec:decorative xmlns:adec="http://schemas.microsoft.com/office/drawing/2017/decorative" xmlns="" val="1"/>
                 </a:ext>
               </a:extLst>
             </p:cNvPr>
@@ -20352,7 +20515,7 @@
                   <a16:creationId xmlns:a16="http://schemas.microsoft.com/office/drawing/2014/main" id="{CB6C1D58-93FC-4B49-9F8B-2262E08DAAB3}"/>
                 </a:ext>
                 <a:ext uri="{C183D7F6-B498-43B3-948B-1728B52AA6E4}">
-                  <adec:decorative xmlns:adec="http://schemas.microsoft.com/office/drawing/2017/decorative" val="1"/>
+                  <adec:decorative xmlns:adec="http://schemas.microsoft.com/office/drawing/2017/decorative" xmlns="" val="1"/>
                 </a:ext>
               </a:extLst>
             </p:cNvPr>
@@ -20407,7 +20570,7 @@
                   <a16:creationId xmlns:a16="http://schemas.microsoft.com/office/drawing/2014/main" id="{F0965ED9-2FC3-4180-9CAC-D7DF1C7BEF99}"/>
                 </a:ext>
                 <a:ext uri="{C183D7F6-B498-43B3-948B-1728B52AA6E4}">
-                  <adec:decorative xmlns:adec="http://schemas.microsoft.com/office/drawing/2017/decorative" val="1"/>
+                  <adec:decorative xmlns:adec="http://schemas.microsoft.com/office/drawing/2017/decorative" xmlns="" val="1"/>
                 </a:ext>
               </a:extLst>
             </p:cNvPr>
@@ -20462,7 +20625,7 @@
                   <a16:creationId xmlns:a16="http://schemas.microsoft.com/office/drawing/2014/main" id="{F116CA23-FA2C-4A44-A67C-FC147A715DD7}"/>
                 </a:ext>
                 <a:ext uri="{C183D7F6-B498-43B3-948B-1728B52AA6E4}">
-                  <adec:decorative xmlns:adec="http://schemas.microsoft.com/office/drawing/2017/decorative" val="1"/>
+                  <adec:decorative xmlns:adec="http://schemas.microsoft.com/office/drawing/2017/decorative" xmlns="" val="1"/>
                 </a:ext>
               </a:extLst>
             </p:cNvPr>
@@ -20517,7 +20680,7 @@
                   <a16:creationId xmlns:a16="http://schemas.microsoft.com/office/drawing/2014/main" id="{E2C391CF-E782-40EA-B1EB-05ADC774CCE1}"/>
                 </a:ext>
                 <a:ext uri="{C183D7F6-B498-43B3-948B-1728B52AA6E4}">
-                  <adec:decorative xmlns:adec="http://schemas.microsoft.com/office/drawing/2017/decorative" val="1"/>
+                  <adec:decorative xmlns:adec="http://schemas.microsoft.com/office/drawing/2017/decorative" xmlns="" val="1"/>
                 </a:ext>
               </a:extLst>
             </p:cNvPr>
@@ -20572,7 +20735,7 @@
                   <a16:creationId xmlns:a16="http://schemas.microsoft.com/office/drawing/2014/main" id="{7B322665-68EB-45B5-A6DE-2869B30F1C9C}"/>
                 </a:ext>
                 <a:ext uri="{C183D7F6-B498-43B3-948B-1728B52AA6E4}">
-                  <adec:decorative xmlns:adec="http://schemas.microsoft.com/office/drawing/2017/decorative" val="1"/>
+                  <adec:decorative xmlns:adec="http://schemas.microsoft.com/office/drawing/2017/decorative" xmlns="" val="1"/>
                 </a:ext>
               </a:extLst>
             </p:cNvPr>
@@ -20627,7 +20790,7 @@
                   <a16:creationId xmlns:a16="http://schemas.microsoft.com/office/drawing/2014/main" id="{A3B7FA59-83C4-4952-AF38-C1FC950E9067}"/>
                 </a:ext>
                 <a:ext uri="{C183D7F6-B498-43B3-948B-1728B52AA6E4}">
-                  <adec:decorative xmlns:adec="http://schemas.microsoft.com/office/drawing/2017/decorative" val="1"/>
+                  <adec:decorative xmlns:adec="http://schemas.microsoft.com/office/drawing/2017/decorative" xmlns="" val="1"/>
                 </a:ext>
               </a:extLst>
             </p:cNvPr>
@@ -20682,7 +20845,7 @@
                   <a16:creationId xmlns:a16="http://schemas.microsoft.com/office/drawing/2014/main" id="{CE5D6D3A-DE20-486C-BBBF-F9B0E4D8A8B7}"/>
                 </a:ext>
                 <a:ext uri="{C183D7F6-B498-43B3-948B-1728B52AA6E4}">
-                  <adec:decorative xmlns:adec="http://schemas.microsoft.com/office/drawing/2017/decorative" val="1"/>
+                  <adec:decorative xmlns:adec="http://schemas.microsoft.com/office/drawing/2017/decorative" xmlns="" val="1"/>
                 </a:ext>
               </a:extLst>
             </p:cNvPr>
@@ -20737,7 +20900,7 @@
                   <a16:creationId xmlns:a16="http://schemas.microsoft.com/office/drawing/2014/main" id="{9B8B1D81-CEF1-437F-8252-036661CB5E4B}"/>
                 </a:ext>
                 <a:ext uri="{C183D7F6-B498-43B3-948B-1728B52AA6E4}">
-                  <adec:decorative xmlns:adec="http://schemas.microsoft.com/office/drawing/2017/decorative" val="1"/>
+                  <adec:decorative xmlns:adec="http://schemas.microsoft.com/office/drawing/2017/decorative" xmlns="" val="1"/>
                 </a:ext>
               </a:extLst>
             </p:cNvPr>
@@ -20792,7 +20955,7 @@
                   <a16:creationId xmlns:a16="http://schemas.microsoft.com/office/drawing/2014/main" id="{E1B0312A-9358-4743-961A-6F77AEB5D9DD}"/>
                 </a:ext>
                 <a:ext uri="{C183D7F6-B498-43B3-948B-1728B52AA6E4}">
-                  <adec:decorative xmlns:adec="http://schemas.microsoft.com/office/drawing/2017/decorative" val="1"/>
+                  <adec:decorative xmlns:adec="http://schemas.microsoft.com/office/drawing/2017/decorative" xmlns="" val="1"/>
                 </a:ext>
               </a:extLst>
             </p:cNvPr>
@@ -20847,7 +21010,7 @@
                   <a16:creationId xmlns:a16="http://schemas.microsoft.com/office/drawing/2014/main" id="{2C02485F-0EE1-4595-A972-16A13E91914C}"/>
                 </a:ext>
                 <a:ext uri="{C183D7F6-B498-43B3-948B-1728B52AA6E4}">
-                  <adec:decorative xmlns:adec="http://schemas.microsoft.com/office/drawing/2017/decorative" val="1"/>
+                  <adec:decorative xmlns:adec="http://schemas.microsoft.com/office/drawing/2017/decorative" xmlns="" val="1"/>
                 </a:ext>
               </a:extLst>
             </p:cNvPr>
@@ -20902,7 +21065,7 @@
                   <a16:creationId xmlns:a16="http://schemas.microsoft.com/office/drawing/2014/main" id="{F102D844-6E4F-483E-8E2E-9006EA180121}"/>
                 </a:ext>
                 <a:ext uri="{C183D7F6-B498-43B3-948B-1728B52AA6E4}">
-                  <adec:decorative xmlns:adec="http://schemas.microsoft.com/office/drawing/2017/decorative" val="1"/>
+                  <adec:decorative xmlns:adec="http://schemas.microsoft.com/office/drawing/2017/decorative" xmlns="" val="1"/>
                 </a:ext>
               </a:extLst>
             </p:cNvPr>
@@ -20957,7 +21120,7 @@
                   <a16:creationId xmlns:a16="http://schemas.microsoft.com/office/drawing/2014/main" id="{658766E6-D2D6-447C-B1DC-B7F7C381F1AC}"/>
                 </a:ext>
                 <a:ext uri="{C183D7F6-B498-43B3-948B-1728B52AA6E4}">
-                  <adec:decorative xmlns:adec="http://schemas.microsoft.com/office/drawing/2017/decorative" val="1"/>
+                  <adec:decorative xmlns:adec="http://schemas.microsoft.com/office/drawing/2017/decorative" xmlns="" val="1"/>
                 </a:ext>
               </a:extLst>
             </p:cNvPr>
@@ -21012,7 +21175,7 @@
                   <a16:creationId xmlns:a16="http://schemas.microsoft.com/office/drawing/2014/main" id="{B9BBD00C-7AB2-445E-B7DA-98CC7CAF3D92}"/>
                 </a:ext>
                 <a:ext uri="{C183D7F6-B498-43B3-948B-1728B52AA6E4}">
-                  <adec:decorative xmlns:adec="http://schemas.microsoft.com/office/drawing/2017/decorative" val="1"/>
+                  <adec:decorative xmlns:adec="http://schemas.microsoft.com/office/drawing/2017/decorative" xmlns="" val="1"/>
                 </a:ext>
               </a:extLst>
             </p:cNvPr>
@@ -21067,7 +21230,7 @@
                   <a16:creationId xmlns:a16="http://schemas.microsoft.com/office/drawing/2014/main" id="{6D177E1C-6580-456C-AAAE-89D422A2C187}"/>
                 </a:ext>
                 <a:ext uri="{C183D7F6-B498-43B3-948B-1728B52AA6E4}">
-                  <adec:decorative xmlns:adec="http://schemas.microsoft.com/office/drawing/2017/decorative" val="1"/>
+                  <adec:decorative xmlns:adec="http://schemas.microsoft.com/office/drawing/2017/decorative" xmlns="" val="1"/>
                 </a:ext>
               </a:extLst>
             </p:cNvPr>
@@ -21122,7 +21285,7 @@
                   <a16:creationId xmlns:a16="http://schemas.microsoft.com/office/drawing/2014/main" id="{BB85538F-9888-4E68-A9F3-DBB136C0FF17}"/>
                 </a:ext>
                 <a:ext uri="{C183D7F6-B498-43B3-948B-1728B52AA6E4}">
-                  <adec:decorative xmlns:adec="http://schemas.microsoft.com/office/drawing/2017/decorative" val="1"/>
+                  <adec:decorative xmlns:adec="http://schemas.microsoft.com/office/drawing/2017/decorative" xmlns="" val="1"/>
                 </a:ext>
               </a:extLst>
             </p:cNvPr>
@@ -21177,7 +21340,7 @@
                   <a16:creationId xmlns:a16="http://schemas.microsoft.com/office/drawing/2014/main" id="{C29B624F-F9D8-43BB-A468-08331D66CCA6}"/>
                 </a:ext>
                 <a:ext uri="{C183D7F6-B498-43B3-948B-1728B52AA6E4}">
-                  <adec:decorative xmlns:adec="http://schemas.microsoft.com/office/drawing/2017/decorative" val="1"/>
+                  <adec:decorative xmlns:adec="http://schemas.microsoft.com/office/drawing/2017/decorative" xmlns="" val="1"/>
                 </a:ext>
               </a:extLst>
             </p:cNvPr>
@@ -21232,7 +21395,7 @@
                   <a16:creationId xmlns:a16="http://schemas.microsoft.com/office/drawing/2014/main" id="{660E66F4-AE52-4D19-AF99-540F0CCFD716}"/>
                 </a:ext>
                 <a:ext uri="{C183D7F6-B498-43B3-948B-1728B52AA6E4}">
-                  <adec:decorative xmlns:adec="http://schemas.microsoft.com/office/drawing/2017/decorative" val="1"/>
+                  <adec:decorative xmlns:adec="http://schemas.microsoft.com/office/drawing/2017/decorative" xmlns="" val="1"/>
                 </a:ext>
               </a:extLst>
             </p:cNvPr>
@@ -21287,7 +21450,7 @@
                   <a16:creationId xmlns:a16="http://schemas.microsoft.com/office/drawing/2014/main" id="{ACADC852-407F-4870-9F7B-A6004FE77CEB}"/>
                 </a:ext>
                 <a:ext uri="{C183D7F6-B498-43B3-948B-1728B52AA6E4}">
-                  <adec:decorative xmlns:adec="http://schemas.microsoft.com/office/drawing/2017/decorative" val="1"/>
+                  <adec:decorative xmlns:adec="http://schemas.microsoft.com/office/drawing/2017/decorative" xmlns="" val="1"/>
                 </a:ext>
               </a:extLst>
             </p:cNvPr>
@@ -21342,7 +21505,7 @@
                   <a16:creationId xmlns:a16="http://schemas.microsoft.com/office/drawing/2014/main" id="{8E9CC738-B12D-4154-A4EA-81D4576BC106}"/>
                 </a:ext>
                 <a:ext uri="{C183D7F6-B498-43B3-948B-1728B52AA6E4}">
-                  <adec:decorative xmlns:adec="http://schemas.microsoft.com/office/drawing/2017/decorative" val="1"/>
+                  <adec:decorative xmlns:adec="http://schemas.microsoft.com/office/drawing/2017/decorative" xmlns="" val="1"/>
                 </a:ext>
               </a:extLst>
             </p:cNvPr>
@@ -21397,7 +21560,7 @@
                   <a16:creationId xmlns:a16="http://schemas.microsoft.com/office/drawing/2014/main" id="{0A2A84F5-CD6A-4287-A9C1-EED0E65CA9D9}"/>
                 </a:ext>
                 <a:ext uri="{C183D7F6-B498-43B3-948B-1728B52AA6E4}">
-                  <adec:decorative xmlns:adec="http://schemas.microsoft.com/office/drawing/2017/decorative" val="1"/>
+                  <adec:decorative xmlns:adec="http://schemas.microsoft.com/office/drawing/2017/decorative" xmlns="" val="1"/>
                 </a:ext>
               </a:extLst>
             </p:cNvPr>
@@ -21452,7 +21615,7 @@
                   <a16:creationId xmlns:a16="http://schemas.microsoft.com/office/drawing/2014/main" id="{53F4EFD5-6D1E-4865-83BA-0F116DF06F39}"/>
                 </a:ext>
                 <a:ext uri="{C183D7F6-B498-43B3-948B-1728B52AA6E4}">
-                  <adec:decorative xmlns:adec="http://schemas.microsoft.com/office/drawing/2017/decorative" val="1"/>
+                  <adec:decorative xmlns:adec="http://schemas.microsoft.com/office/drawing/2017/decorative" xmlns="" val="1"/>
                 </a:ext>
               </a:extLst>
             </p:cNvPr>
@@ -21507,7 +21670,7 @@
                   <a16:creationId xmlns:a16="http://schemas.microsoft.com/office/drawing/2014/main" id="{A0A8CE11-5C23-4CA3-8D8E-9E094566DBCF}"/>
                 </a:ext>
                 <a:ext uri="{C183D7F6-B498-43B3-948B-1728B52AA6E4}">
-                  <adec:decorative xmlns:adec="http://schemas.microsoft.com/office/drawing/2017/decorative" val="1"/>
+                  <adec:decorative xmlns:adec="http://schemas.microsoft.com/office/drawing/2017/decorative" xmlns="" val="1"/>
                 </a:ext>
               </a:extLst>
             </p:cNvPr>
@@ -21562,7 +21725,7 @@
                   <a16:creationId xmlns:a16="http://schemas.microsoft.com/office/drawing/2014/main" id="{A5D41DA6-2047-4BB5-8469-509E240E4924}"/>
                 </a:ext>
                 <a:ext uri="{C183D7F6-B498-43B3-948B-1728B52AA6E4}">
-                  <adec:decorative xmlns:adec="http://schemas.microsoft.com/office/drawing/2017/decorative" val="1"/>
+                  <adec:decorative xmlns:adec="http://schemas.microsoft.com/office/drawing/2017/decorative" xmlns="" val="1"/>
                 </a:ext>
               </a:extLst>
             </p:cNvPr>
@@ -21617,7 +21780,7 @@
                   <a16:creationId xmlns:a16="http://schemas.microsoft.com/office/drawing/2014/main" id="{FAACD460-E6E2-4C46-A780-095B52D1B2B6}"/>
                 </a:ext>
                 <a:ext uri="{C183D7F6-B498-43B3-948B-1728B52AA6E4}">
-                  <adec:decorative xmlns:adec="http://schemas.microsoft.com/office/drawing/2017/decorative" val="1"/>
+                  <adec:decorative xmlns:adec="http://schemas.microsoft.com/office/drawing/2017/decorative" xmlns="" val="1"/>
                 </a:ext>
               </a:extLst>
             </p:cNvPr>
@@ -21672,7 +21835,7 @@
                   <a16:creationId xmlns:a16="http://schemas.microsoft.com/office/drawing/2014/main" id="{8B36364A-122E-43B1-B2B8-F00D83E5D68B}"/>
                 </a:ext>
                 <a:ext uri="{C183D7F6-B498-43B3-948B-1728B52AA6E4}">
-                  <adec:decorative xmlns:adec="http://schemas.microsoft.com/office/drawing/2017/decorative" val="1"/>
+                  <adec:decorative xmlns:adec="http://schemas.microsoft.com/office/drawing/2017/decorative" xmlns="" val="1"/>
                 </a:ext>
               </a:extLst>
             </p:cNvPr>
@@ -21727,7 +21890,7 @@
                   <a16:creationId xmlns:a16="http://schemas.microsoft.com/office/drawing/2014/main" id="{99A63098-DBC2-4C59-9D33-809ECCA62333}"/>
                 </a:ext>
                 <a:ext uri="{C183D7F6-B498-43B3-948B-1728B52AA6E4}">
-                  <adec:decorative xmlns:adec="http://schemas.microsoft.com/office/drawing/2017/decorative" val="1"/>
+                  <adec:decorative xmlns:adec="http://schemas.microsoft.com/office/drawing/2017/decorative" xmlns="" val="1"/>
                 </a:ext>
               </a:extLst>
             </p:cNvPr>
@@ -21782,7 +21945,7 @@
                   <a16:creationId xmlns:a16="http://schemas.microsoft.com/office/drawing/2014/main" id="{98F309E4-ACE9-4428-8DDA-20E0F1A1BC9B}"/>
                 </a:ext>
                 <a:ext uri="{C183D7F6-B498-43B3-948B-1728B52AA6E4}">
-                  <adec:decorative xmlns:adec="http://schemas.microsoft.com/office/drawing/2017/decorative" val="1"/>
+                  <adec:decorative xmlns:adec="http://schemas.microsoft.com/office/drawing/2017/decorative" xmlns="" val="1"/>
                 </a:ext>
               </a:extLst>
             </p:cNvPr>
@@ -21837,7 +22000,7 @@
                   <a16:creationId xmlns:a16="http://schemas.microsoft.com/office/drawing/2014/main" id="{239F177F-07E3-45BF-85B1-21E231DCCC99}"/>
                 </a:ext>
                 <a:ext uri="{C183D7F6-B498-43B3-948B-1728B52AA6E4}">
-                  <adec:decorative xmlns:adec="http://schemas.microsoft.com/office/drawing/2017/decorative" val="1"/>
+                  <adec:decorative xmlns:adec="http://schemas.microsoft.com/office/drawing/2017/decorative" xmlns="" val="1"/>
                 </a:ext>
               </a:extLst>
             </p:cNvPr>
@@ -21892,7 +22055,7 @@
                   <a16:creationId xmlns:a16="http://schemas.microsoft.com/office/drawing/2014/main" id="{23EC3277-85FC-401E-80E3-B64B9808DE41}"/>
                 </a:ext>
                 <a:ext uri="{C183D7F6-B498-43B3-948B-1728B52AA6E4}">
-                  <adec:decorative xmlns:adec="http://schemas.microsoft.com/office/drawing/2017/decorative" val="1"/>
+                  <adec:decorative xmlns:adec="http://schemas.microsoft.com/office/drawing/2017/decorative" xmlns="" val="1"/>
                 </a:ext>
               </a:extLst>
             </p:cNvPr>
@@ -21947,7 +22110,7 @@
                   <a16:creationId xmlns:a16="http://schemas.microsoft.com/office/drawing/2014/main" id="{59A24ED6-70A5-4DC0-A213-5385E58417FE}"/>
                 </a:ext>
                 <a:ext uri="{C183D7F6-B498-43B3-948B-1728B52AA6E4}">
-                  <adec:decorative xmlns:adec="http://schemas.microsoft.com/office/drawing/2017/decorative" val="1"/>
+                  <adec:decorative xmlns:adec="http://schemas.microsoft.com/office/drawing/2017/decorative" xmlns="" val="1"/>
                 </a:ext>
               </a:extLst>
             </p:cNvPr>
@@ -22039,7 +22202,7 @@
                 <a16:creationId xmlns:a16="http://schemas.microsoft.com/office/drawing/2014/main" id="{69F0804E-F8DE-40E7-90F4-68B638136E17}"/>
               </a:ext>
               <a:ext uri="{C183D7F6-B498-43B3-948B-1728B52AA6E4}">
-                <adec:decorative xmlns:adec="http://schemas.microsoft.com/office/drawing/2017/decorative" val="1"/>
+                <adec:decorative xmlns:adec="http://schemas.microsoft.com/office/drawing/2017/decorative" xmlns="" val="1"/>
               </a:ext>
             </a:extLst>
           </p:cNvPr>
@@ -22140,8 +22303,23 @@
             </a:r>
             <a:r>
               <a:rPr lang="en-US" altLang="zh-CN" sz="1600" dirty="0"/>
-              <a:t> Web Hosting</a:t>
+              <a:t> </a:t>
             </a:r>
+            <a:r>
+              <a:rPr lang="en-US" altLang="zh-CN" sz="1600" dirty="0" smtClean="0"/>
+              <a:t>Web App</a:t>
+            </a:r>
+          </a:p>
+          <a:p>
+            <a:pPr marL="707400" indent="-285750">
+              <a:buFont typeface="Courier New" panose="02070309020205020404" pitchFamily="49" charset="0"/>
+              <a:buChar char="o"/>
+            </a:pPr>
+            <a:r>
+              <a:rPr lang="en-US" altLang="zh-CN" sz="1600" dirty="0"/>
+              <a:t>Introduction</a:t>
+            </a:r>
+            <a:endParaRPr lang="en-US" altLang="zh-CN" sz="1600" dirty="0"/>
           </a:p>
           <a:p>
             <a:pPr marL="707400" indent="-285750">
@@ -22170,26 +22348,15 @@
               <a:buChar char="o"/>
             </a:pPr>
             <a:r>
-              <a:rPr lang="en-US" altLang="zh-CN" sz="1600" dirty="0" err="1"/>
+              <a:rPr lang="en-US" altLang="zh-CN" sz="1600" dirty="0" err="1" smtClean="0"/>
               <a:t>PreRender</a:t>
-            </a:r>
-            <a:endParaRPr lang="en-US" altLang="zh-CN" sz="1600" dirty="0"/>
-          </a:p>
-          <a:p>
-            <a:pPr marL="707400" indent="-285750">
-              <a:buFont typeface="Courier New" panose="02070309020205020404" pitchFamily="49" charset="0"/>
-              <a:buChar char="o"/>
-            </a:pPr>
-            <a:r>
-              <a:rPr lang="en-US" altLang="zh-CN" sz="1600" dirty="0"/>
-              <a:t>Publish</a:t>
             </a:r>
             <a:endParaRPr lang="en-SG" altLang="zh-CN" sz="1600" dirty="0"/>
           </a:p>
           <a:p>
             <a:r>
-              <a:rPr lang="en-SG" altLang="zh-CN" sz="1600" dirty="0"/>
-              <a:t>123</a:t>
+              <a:rPr lang="en-SG" altLang="zh-CN" sz="1600" dirty="0" smtClean="0"/>
+              <a:t>Publish</a:t>
             </a:r>
             <a:endParaRPr lang="en-US" altLang="zh-CN" sz="1600" dirty="0"/>
           </a:p>
@@ -24887,14 +25054,14 @@
             <p:ph idx="1"/>
             <p:extLst>
               <p:ext uri="{D42A27DB-BD31-4B8C-83A1-F6EECF244321}">
-                <p14:modId xmlns:p14="http://schemas.microsoft.com/office/powerpoint/2010/main" val="3225590954"/>
+                <p14:modId xmlns:p14="http://schemas.microsoft.com/office/powerpoint/2010/main" val="3752628054"/>
               </p:ext>
             </p:extLst>
           </p:nvPr>
         </p:nvGraphicFramePr>
         <p:xfrm>
           <a:off x="690563" y="2339975"/>
-          <a:ext cx="10325100" cy="1706880"/>
+          <a:ext cx="10325100" cy="1828800"/>
         </p:xfrm>
         <a:graphic>
           <a:graphicData uri="http://schemas.openxmlformats.org/drawingml/2006/table">
@@ -25787,12 +25954,506 @@
           <a:lstStyle/>
           <a:p>
             <a:r>
-              <a:rPr lang="en-US" altLang="zh-CN" sz="4400" dirty="0" err="1"/>
-              <a:t>BlazorWeb</a:t>
+              <a:rPr lang="en-US" altLang="zh-CN" sz="4400" dirty="0" err="1" smtClean="0"/>
+              <a:t>Blazor</a:t>
             </a:r>
             <a:r>
-              <a:rPr lang="en-US" altLang="zh-CN" sz="4400" dirty="0"/>
-              <a:t> Hosting</a:t>
+              <a:rPr lang="en-US" altLang="zh-CN" sz="4400" dirty="0" smtClean="0"/>
+              <a:t> Web </a:t>
+            </a:r>
+            <a:r>
+              <a:rPr lang="en-US" altLang="zh-CN" dirty="0"/>
+              <a:t>App</a:t>
+            </a:r>
+            <a:endParaRPr lang="en-SG" dirty="0"/>
+          </a:p>
+        </p:txBody>
+      </p:sp>
+      <p:sp>
+        <p:nvSpPr>
+          <p:cNvPr id="4" name="TextBox 3">
+            <a:extLst>
+              <a:ext uri="{FF2B5EF4-FFF2-40B4-BE49-F238E27FC236}">
+                <a16:creationId xmlns:a16="http://schemas.microsoft.com/office/drawing/2014/main" id="{116BC4E1-7249-E9E9-8C4A-0D2289D51647}"/>
+              </a:ext>
+            </a:extLst>
+          </p:cNvPr>
+          <p:cNvSpPr txBox="1"/>
+          <p:nvPr/>
+        </p:nvSpPr>
+        <p:spPr>
+          <a:xfrm>
+            <a:off x="691079" y="2354347"/>
+            <a:ext cx="1865690" cy="369332"/>
+          </a:xfrm>
+          <a:prstGeom prst="rect">
+            <a:avLst/>
+          </a:prstGeom>
+          <a:noFill/>
+        </p:spPr>
+        <p:txBody>
+          <a:bodyPr wrap="square">
+            <a:spAutoFit/>
+          </a:bodyPr>
+          <a:lstStyle/>
+          <a:p>
+            <a:r>
+              <a:rPr lang="en-SG" dirty="0" smtClean="0"/>
+              <a:t>Introduction</a:t>
+            </a:r>
+            <a:endParaRPr lang="en-SG" dirty="0"/>
+          </a:p>
+        </p:txBody>
+      </p:sp>
+      <p:sp>
+        <p:nvSpPr>
+          <p:cNvPr id="7" name="Content Placeholder 2">
+            <a:extLst>
+              <a:ext uri="{FF2B5EF4-FFF2-40B4-BE49-F238E27FC236}">
+                <a16:creationId xmlns:a16="http://schemas.microsoft.com/office/drawing/2014/main" id="{7979257D-74B9-76CA-B0B9-BEF5A29BF8C2}"/>
+              </a:ext>
+            </a:extLst>
+          </p:cNvPr>
+          <p:cNvSpPr>
+            <a:spLocks noGrp="1"/>
+          </p:cNvSpPr>
+          <p:nvPr>
+            <p:ph idx="1"/>
+          </p:nvPr>
+        </p:nvSpPr>
+        <p:spPr>
+          <a:xfrm>
+            <a:off x="691079" y="2793075"/>
+            <a:ext cx="8120412" cy="3527825"/>
+          </a:xfrm>
+        </p:spPr>
+        <p:txBody>
+          <a:bodyPr>
+            <a:normAutofit/>
+          </a:bodyPr>
+          <a:lstStyle/>
+          <a:p>
+            <a:pPr marL="0" indent="0">
+              <a:buNone/>
+            </a:pPr>
+            <a:r>
+              <a:rPr lang="en-SG" sz="1100" b="1" dirty="0"/>
+              <a:t>Render </a:t>
+            </a:r>
+            <a:r>
+              <a:rPr lang="en-SG" sz="1100" b="1" dirty="0" err="1"/>
+              <a:t>Componment</a:t>
+            </a:r>
+            <a:r>
+              <a:rPr lang="en-SG" sz="1100" b="1" dirty="0" smtClean="0"/>
+              <a:t>:</a:t>
+            </a:r>
+          </a:p>
+          <a:p>
+            <a:pPr marL="0" indent="0">
+              <a:buNone/>
+            </a:pPr>
+            <a:r>
+              <a:rPr lang="en-US" altLang="zh-CN" sz="1100" dirty="0" smtClean="0"/>
+              <a:t>Comparing with </a:t>
+            </a:r>
+            <a:r>
+              <a:rPr lang="en-US" altLang="zh-CN" sz="1100" dirty="0" err="1" smtClean="0"/>
+              <a:t>Blazor</a:t>
+            </a:r>
+            <a:r>
+              <a:rPr lang="en-US" altLang="zh-CN" sz="1100" dirty="0" smtClean="0"/>
+              <a:t> Server and </a:t>
+            </a:r>
+            <a:r>
+              <a:rPr lang="en-US" altLang="zh-CN" sz="1100" dirty="0" err="1" smtClean="0"/>
+              <a:t>Blazor</a:t>
+            </a:r>
+            <a:r>
+              <a:rPr lang="en-US" altLang="zh-CN" sz="1100" dirty="0" smtClean="0"/>
+              <a:t> </a:t>
+            </a:r>
+            <a:r>
+              <a:rPr lang="en-US" altLang="zh-CN" sz="1100" dirty="0" err="1" smtClean="0"/>
+              <a:t>WebAssembly,Blazor</a:t>
+            </a:r>
+            <a:r>
+              <a:rPr lang="en-US" altLang="zh-CN" sz="1100" dirty="0" smtClean="0"/>
+              <a:t> </a:t>
+            </a:r>
+            <a:r>
+              <a:rPr lang="en-US" altLang="zh-CN" sz="1100" dirty="0"/>
+              <a:t>Web Apps </a:t>
+            </a:r>
+            <a:r>
+              <a:rPr lang="en-US" altLang="zh-CN" sz="1100" dirty="0" smtClean="0"/>
+              <a:t>is a full-stack application mixed with </a:t>
+            </a:r>
+            <a:r>
+              <a:rPr lang="en-US" altLang="zh-CN" sz="1100" dirty="0"/>
+              <a:t>server-side and client-side rendering </a:t>
+            </a:r>
+            <a:r>
+              <a:rPr lang="en-US" altLang="zh-CN" sz="1100" dirty="0" smtClean="0"/>
+              <a:t>modes.</a:t>
+            </a:r>
+          </a:p>
+          <a:p>
+            <a:pPr marL="0" indent="0">
+              <a:buNone/>
+            </a:pPr>
+            <a:endParaRPr lang="en-US" altLang="zh-CN" sz="1100" dirty="0"/>
+          </a:p>
+          <a:p>
+            <a:pPr marL="0" indent="0">
+              <a:buNone/>
+            </a:pPr>
+            <a:endParaRPr lang="en-US" altLang="zh-CN" sz="1100" dirty="0" smtClean="0"/>
+          </a:p>
+          <a:p>
+            <a:pPr marL="0" indent="0">
+              <a:buNone/>
+            </a:pPr>
+            <a:r>
+              <a:rPr lang="en-US" altLang="zh-CN" sz="1100" dirty="0"/>
+              <a:t>https://learn.microsoft.com/en-us/aspnet/core/blazor/components/render-modes?view=aspnetcore-8.0</a:t>
+            </a:r>
+            <a:endParaRPr lang="en-US" altLang="zh-CN" sz="1100" dirty="0"/>
+          </a:p>
+        </p:txBody>
+      </p:sp>
+    </p:spTree>
+    <p:extLst>
+      <p:ext uri="{BB962C8B-B14F-4D97-AF65-F5344CB8AC3E}">
+        <p14:creationId xmlns:p14="http://schemas.microsoft.com/office/powerpoint/2010/main" val="739257547"/>
+      </p:ext>
+    </p:extLst>
+  </p:cSld>
+  <p:clrMapOvr>
+    <a:masterClrMapping/>
+  </p:clrMapOvr>
+</p:sld>
+</file>
+
+<file path=ppt/slides/slide6.xml><?xml version="1.0" encoding="utf-8"?>
+<p:sld xmlns:a="http://schemas.openxmlformats.org/drawingml/2006/main" xmlns:r="http://schemas.openxmlformats.org/officeDocument/2006/relationships" xmlns:p="http://schemas.openxmlformats.org/presentationml/2006/main">
+  <p:cSld>
+    <p:spTree>
+      <p:nvGrpSpPr>
+        <p:cNvPr id="1" name=""/>
+        <p:cNvGrpSpPr/>
+        <p:nvPr/>
+      </p:nvGrpSpPr>
+      <p:grpSpPr>
+        <a:xfrm>
+          <a:off x="0" y="0"/>
+          <a:ext cx="0" cy="0"/>
+          <a:chOff x="0" y="0"/>
+          <a:chExt cx="0" cy="0"/>
+        </a:xfrm>
+      </p:grpSpPr>
+      <p:sp>
+        <p:nvSpPr>
+          <p:cNvPr id="2" name="Title 1">
+            <a:extLst>
+              <a:ext uri="{FF2B5EF4-FFF2-40B4-BE49-F238E27FC236}">
+                <a16:creationId xmlns:a16="http://schemas.microsoft.com/office/drawing/2014/main" id="{B39BC617-ED7B-1040-B3EE-C0E272920735}"/>
+              </a:ext>
+            </a:extLst>
+          </p:cNvPr>
+          <p:cNvSpPr>
+            <a:spLocks noGrp="1"/>
+          </p:cNvSpPr>
+          <p:nvPr>
+            <p:ph type="title"/>
+          </p:nvPr>
+        </p:nvSpPr>
+        <p:spPr/>
+        <p:txBody>
+          <a:bodyPr/>
+          <a:lstStyle/>
+          <a:p>
+            <a:r>
+              <a:rPr lang="en-US" altLang="zh-CN" sz="4400" dirty="0" err="1" smtClean="0"/>
+              <a:t>Blazor</a:t>
+            </a:r>
+            <a:r>
+              <a:rPr lang="en-US" altLang="zh-CN" sz="4400" dirty="0" smtClean="0"/>
+              <a:t> Web </a:t>
+            </a:r>
+            <a:r>
+              <a:rPr lang="en-US" altLang="zh-CN" dirty="0"/>
+              <a:t>App</a:t>
+            </a:r>
+            <a:endParaRPr lang="en-SG" dirty="0"/>
+          </a:p>
+        </p:txBody>
+      </p:sp>
+      <p:sp>
+        <p:nvSpPr>
+          <p:cNvPr id="4" name="TextBox 3">
+            <a:extLst>
+              <a:ext uri="{FF2B5EF4-FFF2-40B4-BE49-F238E27FC236}">
+                <a16:creationId xmlns:a16="http://schemas.microsoft.com/office/drawing/2014/main" id="{116BC4E1-7249-E9E9-8C4A-0D2289D51647}"/>
+              </a:ext>
+            </a:extLst>
+          </p:cNvPr>
+          <p:cNvSpPr txBox="1"/>
+          <p:nvPr/>
+        </p:nvSpPr>
+        <p:spPr>
+          <a:xfrm>
+            <a:off x="691079" y="2354347"/>
+            <a:ext cx="1865690" cy="369332"/>
+          </a:xfrm>
+          <a:prstGeom prst="rect">
+            <a:avLst/>
+          </a:prstGeom>
+          <a:noFill/>
+        </p:spPr>
+        <p:txBody>
+          <a:bodyPr wrap="square">
+            <a:spAutoFit/>
+          </a:bodyPr>
+          <a:lstStyle/>
+          <a:p>
+            <a:r>
+              <a:rPr lang="en-SG" dirty="0"/>
+              <a:t>Render Mode</a:t>
+            </a:r>
+          </a:p>
+        </p:txBody>
+      </p:sp>
+      <p:sp>
+        <p:nvSpPr>
+          <p:cNvPr id="7" name="Content Placeholder 2">
+            <a:extLst>
+              <a:ext uri="{FF2B5EF4-FFF2-40B4-BE49-F238E27FC236}">
+                <a16:creationId xmlns:a16="http://schemas.microsoft.com/office/drawing/2014/main" id="{7979257D-74B9-76CA-B0B9-BEF5A29BF8C2}"/>
+              </a:ext>
+            </a:extLst>
+          </p:cNvPr>
+          <p:cNvSpPr>
+            <a:spLocks noGrp="1"/>
+          </p:cNvSpPr>
+          <p:nvPr>
+            <p:ph idx="1"/>
+          </p:nvPr>
+        </p:nvSpPr>
+        <p:spPr>
+          <a:xfrm>
+            <a:off x="691079" y="2793075"/>
+            <a:ext cx="9749706" cy="3527825"/>
+          </a:xfrm>
+        </p:spPr>
+        <p:txBody>
+          <a:bodyPr>
+            <a:normAutofit/>
+          </a:bodyPr>
+          <a:lstStyle/>
+          <a:p>
+            <a:pPr marL="0" indent="0">
+              <a:buNone/>
+            </a:pPr>
+            <a:r>
+              <a:rPr lang="en-US" altLang="zh-CN" sz="1100" b="1" dirty="0"/>
+              <a:t>Static render </a:t>
+            </a:r>
+            <a:r>
+              <a:rPr lang="en-US" altLang="zh-CN" sz="1100" b="1" dirty="0" smtClean="0"/>
+              <a:t>mode</a:t>
+            </a:r>
+          </a:p>
+          <a:p>
+            <a:pPr marL="0" indent="0">
+              <a:buNone/>
+            </a:pPr>
+            <a:r>
+              <a:rPr lang="en-US" altLang="zh-CN" sz="1100" dirty="0"/>
+              <a:t>The Static render </a:t>
+            </a:r>
+            <a:r>
+              <a:rPr lang="en-US" altLang="zh-CN" sz="1100" dirty="0" smtClean="0"/>
+              <a:t> mode is the default </a:t>
+            </a:r>
+            <a:r>
+              <a:rPr lang="en-US" altLang="zh-CN" sz="1100" dirty="0"/>
+              <a:t>render mode </a:t>
+            </a:r>
+            <a:r>
+              <a:rPr lang="en-US" altLang="zh-CN" sz="1100" dirty="0" smtClean="0"/>
+              <a:t>without </a:t>
+            </a:r>
+            <a:r>
+              <a:rPr lang="en-US" altLang="zh-CN" sz="1100" dirty="0"/>
+              <a:t>configure </a:t>
+            </a:r>
+            <a:r>
+              <a:rPr lang="en-US" altLang="zh-CN" sz="1100" dirty="0"/>
+              <a:t>@</a:t>
+            </a:r>
+            <a:r>
+              <a:rPr lang="en-US" altLang="zh-CN" sz="1100" dirty="0" err="1"/>
+              <a:t>rendermode</a:t>
+            </a:r>
+            <a:r>
+              <a:rPr lang="en-US" altLang="zh-CN" sz="1100" dirty="0"/>
+              <a:t> and can’t enable </a:t>
+            </a:r>
+            <a:r>
+              <a:rPr lang="en-US" altLang="zh-CN" sz="1100" dirty="0"/>
+              <a:t>interactivity </a:t>
+            </a:r>
+            <a:endParaRPr lang="en-US" altLang="zh-CN" sz="1100" dirty="0"/>
+          </a:p>
+          <a:p>
+            <a:pPr marL="0" indent="0">
+              <a:buNone/>
+            </a:pPr>
+            <a:r>
+              <a:rPr lang="en-US" altLang="zh-CN" sz="1100" b="1" dirty="0"/>
+              <a:t>Server render </a:t>
+            </a:r>
+            <a:r>
+              <a:rPr lang="en-US" altLang="zh-CN" sz="1100" b="1" dirty="0" smtClean="0"/>
+              <a:t>mode</a:t>
+            </a:r>
+          </a:p>
+          <a:p>
+            <a:pPr marL="0" indent="0">
+              <a:buNone/>
+            </a:pPr>
+            <a:r>
+              <a:rPr lang="en-US" altLang="zh-CN" sz="1100" dirty="0"/>
+              <a:t>The Server render mode renders the component interactively from the server using </a:t>
+            </a:r>
+            <a:r>
+              <a:rPr lang="en-US" altLang="zh-CN" sz="1100" dirty="0" err="1"/>
+              <a:t>Blazor</a:t>
+            </a:r>
+            <a:r>
+              <a:rPr lang="en-US" altLang="zh-CN" sz="1100" dirty="0"/>
+              <a:t> Server</a:t>
+            </a:r>
+          </a:p>
+          <a:p>
+            <a:pPr marL="0" indent="0">
+              <a:buNone/>
+            </a:pPr>
+            <a:r>
+              <a:rPr lang="en-US" altLang="zh-CN" sz="1100" b="1" dirty="0" err="1"/>
+              <a:t>WebAssembly</a:t>
+            </a:r>
+            <a:r>
+              <a:rPr lang="en-US" altLang="zh-CN" sz="1100" b="1" dirty="0"/>
+              <a:t> render mode</a:t>
+            </a:r>
+          </a:p>
+          <a:p>
+            <a:pPr marL="0" indent="0">
+              <a:buNone/>
+            </a:pPr>
+            <a:r>
+              <a:rPr lang="en-US" altLang="zh-CN" sz="1100" dirty="0"/>
+              <a:t>The </a:t>
+            </a:r>
+            <a:r>
+              <a:rPr lang="en-US" altLang="zh-CN" sz="1100" dirty="0" err="1"/>
+              <a:t>WebAssembly</a:t>
+            </a:r>
+            <a:r>
+              <a:rPr lang="en-US" altLang="zh-CN" sz="1100" dirty="0"/>
+              <a:t> render mode renders the component interactively on the client using </a:t>
+            </a:r>
+            <a:r>
+              <a:rPr lang="en-US" altLang="zh-CN" sz="1100" dirty="0" err="1"/>
+              <a:t>Blazor</a:t>
+            </a:r>
+            <a:r>
+              <a:rPr lang="en-US" altLang="zh-CN" sz="1100" dirty="0"/>
+              <a:t> </a:t>
+            </a:r>
+            <a:r>
+              <a:rPr lang="en-US" altLang="zh-CN" sz="1100" dirty="0" err="1" smtClean="0"/>
+              <a:t>WebAssembly</a:t>
+            </a:r>
+            <a:endParaRPr lang="en-US" altLang="zh-CN" sz="1100" dirty="0" smtClean="0"/>
+          </a:p>
+          <a:p>
+            <a:pPr marL="0" indent="0">
+              <a:buNone/>
+            </a:pPr>
+            <a:r>
+              <a:rPr lang="en-US" altLang="zh-CN" sz="1100" b="1" dirty="0"/>
+              <a:t>Auto render mode</a:t>
+            </a:r>
+          </a:p>
+          <a:p>
+            <a:pPr marL="0" indent="0">
+              <a:buNone/>
+            </a:pPr>
+            <a:endParaRPr lang="en-US" altLang="zh-CN" sz="1100" dirty="0"/>
+          </a:p>
+        </p:txBody>
+      </p:sp>
+    </p:spTree>
+    <p:extLst>
+      <p:ext uri="{BB962C8B-B14F-4D97-AF65-F5344CB8AC3E}">
+        <p14:creationId xmlns:p14="http://schemas.microsoft.com/office/powerpoint/2010/main" val="3293490215"/>
+      </p:ext>
+    </p:extLst>
+  </p:cSld>
+  <p:clrMapOvr>
+    <a:masterClrMapping/>
+  </p:clrMapOvr>
+</p:sld>
+</file>
+
+<file path=ppt/slides/slide7.xml><?xml version="1.0" encoding="utf-8"?>
+<p:sld xmlns:a="http://schemas.openxmlformats.org/drawingml/2006/main" xmlns:r="http://schemas.openxmlformats.org/officeDocument/2006/relationships" xmlns:p="http://schemas.openxmlformats.org/presentationml/2006/main">
+  <p:cSld>
+    <p:spTree>
+      <p:nvGrpSpPr>
+        <p:cNvPr id="1" name=""/>
+        <p:cNvGrpSpPr/>
+        <p:nvPr/>
+      </p:nvGrpSpPr>
+      <p:grpSpPr>
+        <a:xfrm>
+          <a:off x="0" y="0"/>
+          <a:ext cx="0" cy="0"/>
+          <a:chOff x="0" y="0"/>
+          <a:chExt cx="0" cy="0"/>
+        </a:xfrm>
+      </p:grpSpPr>
+      <p:sp>
+        <p:nvSpPr>
+          <p:cNvPr id="2" name="Title 1">
+            <a:extLst>
+              <a:ext uri="{FF2B5EF4-FFF2-40B4-BE49-F238E27FC236}">
+                <a16:creationId xmlns:a16="http://schemas.microsoft.com/office/drawing/2014/main" id="{B39BC617-ED7B-1040-B3EE-C0E272920735}"/>
+              </a:ext>
+            </a:extLst>
+          </p:cNvPr>
+          <p:cNvSpPr>
+            <a:spLocks noGrp="1"/>
+          </p:cNvSpPr>
+          <p:nvPr>
+            <p:ph type="title"/>
+          </p:nvPr>
+        </p:nvSpPr>
+        <p:spPr/>
+        <p:txBody>
+          <a:bodyPr/>
+          <a:lstStyle/>
+          <a:p>
+            <a:r>
+              <a:rPr lang="en-US" altLang="zh-CN" sz="4400" dirty="0" err="1" smtClean="0"/>
+              <a:t>Blazor</a:t>
+            </a:r>
+            <a:r>
+              <a:rPr lang="en-US" altLang="zh-CN" sz="4400" dirty="0" smtClean="0"/>
+              <a:t> Web App</a:t>
             </a:r>
             <a:endParaRPr lang="en-SG" dirty="0"/>
           </a:p>
@@ -25935,7 +26596,7 @@
 </p:sld>
 </file>
 
-<file path=ppt/slides/slide6.xml><?xml version="1.0" encoding="utf-8"?>
+<file path=ppt/slides/slide8.xml><?xml version="1.0" encoding="utf-8"?>
 <p:sld xmlns:a="http://schemas.openxmlformats.org/drawingml/2006/main" xmlns:r="http://schemas.openxmlformats.org/officeDocument/2006/relationships" xmlns:p="http://schemas.openxmlformats.org/presentationml/2006/main">
   <p:cSld>
     <p:spTree>
@@ -25974,12 +26635,16 @@
           <a:lstStyle/>
           <a:p>
             <a:r>
-              <a:rPr lang="en-US" altLang="zh-CN" sz="4400" dirty="0" err="1"/>
-              <a:t>BlazorWeb</a:t>
+              <a:rPr lang="en-US" altLang="zh-CN" sz="4400" dirty="0" err="1" smtClean="0"/>
+              <a:t>Blazor</a:t>
             </a:r>
             <a:r>
-              <a:rPr lang="en-US" altLang="zh-CN" sz="4400" dirty="0"/>
-              <a:t> Hosting</a:t>
+              <a:rPr lang="en-US" altLang="zh-CN" sz="4400" dirty="0" smtClean="0"/>
+              <a:t> </a:t>
+            </a:r>
+            <a:r>
+              <a:rPr lang="en-US" altLang="zh-CN" dirty="0"/>
+              <a:t>Web App</a:t>
             </a:r>
             <a:endParaRPr lang="en-SG" dirty="0"/>
           </a:p>
@@ -26064,7 +26729,7 @@
 </p:sld>
 </file>
 
-<file path=ppt/slides/slide7.xml><?xml version="1.0" encoding="utf-8"?>
+<file path=ppt/slides/slide9.xml><?xml version="1.0" encoding="utf-8"?>
 <p:sld xmlns:a="http://schemas.openxmlformats.org/drawingml/2006/main" xmlns:r="http://schemas.openxmlformats.org/officeDocument/2006/relationships" xmlns:p="http://schemas.openxmlformats.org/presentationml/2006/main">
   <p:cSld>
     <p:spTree>
@@ -26137,12 +26802,16 @@
           <a:lstStyle/>
           <a:p>
             <a:r>
-              <a:rPr lang="en-US" altLang="zh-CN" sz="4400" dirty="0" err="1"/>
-              <a:t>BlazorWeb</a:t>
+              <a:rPr lang="en-US" altLang="zh-CN" sz="4400" dirty="0" err="1" smtClean="0"/>
+              <a:t>Blazor</a:t>
             </a:r>
             <a:r>
-              <a:rPr lang="en-US" altLang="zh-CN" sz="4400" dirty="0"/>
-              <a:t> Hosting</a:t>
+              <a:rPr lang="en-US" altLang="zh-CN" sz="4400" dirty="0" smtClean="0"/>
+              <a:t> </a:t>
+            </a:r>
+            <a:r>
+              <a:rPr lang="en-US" altLang="zh-CN" dirty="0"/>
+              <a:t>Web App</a:t>
             </a:r>
             <a:endParaRPr lang="en-SG" dirty="0"/>
           </a:p>
@@ -26152,167 +26821,6 @@
     <p:extLst>
       <p:ext uri="{BB962C8B-B14F-4D97-AF65-F5344CB8AC3E}">
         <p14:creationId xmlns:p14="http://schemas.microsoft.com/office/powerpoint/2010/main" val="3214789743"/>
-      </p:ext>
-    </p:extLst>
-  </p:cSld>
-  <p:clrMapOvr>
-    <a:masterClrMapping/>
-  </p:clrMapOvr>
-</p:sld>
-</file>
-
-<file path=ppt/slides/slide8.xml><?xml version="1.0" encoding="utf-8"?>
-<p:sld xmlns:a="http://schemas.openxmlformats.org/drawingml/2006/main" xmlns:r="http://schemas.openxmlformats.org/officeDocument/2006/relationships" xmlns:p="http://schemas.openxmlformats.org/presentationml/2006/main">
-  <p:cSld>
-    <p:spTree>
-      <p:nvGrpSpPr>
-        <p:cNvPr id="1" name=""/>
-        <p:cNvGrpSpPr/>
-        <p:nvPr/>
-      </p:nvGrpSpPr>
-      <p:grpSpPr>
-        <a:xfrm>
-          <a:off x="0" y="0"/>
-          <a:ext cx="0" cy="0"/>
-          <a:chOff x="0" y="0"/>
-          <a:chExt cx="0" cy="0"/>
-        </a:xfrm>
-      </p:grpSpPr>
-      <p:sp>
-        <p:nvSpPr>
-          <p:cNvPr id="2" name="Title 1">
-            <a:extLst>
-              <a:ext uri="{FF2B5EF4-FFF2-40B4-BE49-F238E27FC236}">
-                <a16:creationId xmlns:a16="http://schemas.microsoft.com/office/drawing/2014/main" id="{8C867C49-3A08-0EA9-B5E0-F822C126D456}"/>
-              </a:ext>
-            </a:extLst>
-          </p:cNvPr>
-          <p:cNvSpPr>
-            <a:spLocks noGrp="1"/>
-          </p:cNvSpPr>
-          <p:nvPr>
-            <p:ph type="title"/>
-          </p:nvPr>
-        </p:nvSpPr>
-        <p:spPr/>
-        <p:txBody>
-          <a:bodyPr/>
-          <a:lstStyle/>
-          <a:p>
-            <a:r>
-              <a:rPr lang="en-SG" dirty="0" err="1"/>
-              <a:t>WebApplicationBuilder</a:t>
-            </a:r>
-            <a:endParaRPr lang="en-SG" dirty="0"/>
-          </a:p>
-        </p:txBody>
-      </p:sp>
-      <p:sp>
-        <p:nvSpPr>
-          <p:cNvPr id="3" name="Content Placeholder 2">
-            <a:extLst>
-              <a:ext uri="{FF2B5EF4-FFF2-40B4-BE49-F238E27FC236}">
-                <a16:creationId xmlns:a16="http://schemas.microsoft.com/office/drawing/2014/main" id="{0F5245DB-FFAE-26C3-4331-B9550A288425}"/>
-              </a:ext>
-            </a:extLst>
-          </p:cNvPr>
-          <p:cNvSpPr>
-            <a:spLocks noGrp="1"/>
-          </p:cNvSpPr>
-          <p:nvPr>
-            <p:ph idx="1"/>
-          </p:nvPr>
-        </p:nvSpPr>
-        <p:spPr/>
-        <p:txBody>
-          <a:bodyPr/>
-          <a:lstStyle/>
-          <a:p>
-            <a:r>
-              <a:rPr lang="en-SG" dirty="0" err="1"/>
-              <a:t>Blazor.web</a:t>
-            </a:r>
-            <a:r>
-              <a:rPr lang="en-SG" dirty="0"/>
-              <a:t> hosting:</a:t>
-            </a:r>
-          </a:p>
-          <a:p>
-            <a:r>
-              <a:rPr lang="en-SG" dirty="0" err="1"/>
-              <a:t>WebApplicationBuilder.Services.AddRazorComponents</a:t>
-            </a:r>
-            <a:r>
-              <a:rPr lang="en-SG" dirty="0"/>
-              <a:t>()</a:t>
-            </a:r>
-          </a:p>
-        </p:txBody>
-      </p:sp>
-    </p:spTree>
-    <p:extLst>
-      <p:ext uri="{BB962C8B-B14F-4D97-AF65-F5344CB8AC3E}">
-        <p14:creationId xmlns:p14="http://schemas.microsoft.com/office/powerpoint/2010/main" val="360987511"/>
-      </p:ext>
-    </p:extLst>
-  </p:cSld>
-  <p:clrMapOvr>
-    <a:masterClrMapping/>
-  </p:clrMapOvr>
-</p:sld>
-</file>
-
-<file path=ppt/slides/slide9.xml><?xml version="1.0" encoding="utf-8"?>
-<p:sld xmlns:a="http://schemas.openxmlformats.org/drawingml/2006/main" xmlns:r="http://schemas.openxmlformats.org/officeDocument/2006/relationships" xmlns:p="http://schemas.openxmlformats.org/presentationml/2006/main">
-  <p:cSld>
-    <p:spTree>
-      <p:nvGrpSpPr>
-        <p:cNvPr id="1" name=""/>
-        <p:cNvGrpSpPr/>
-        <p:nvPr/>
-      </p:nvGrpSpPr>
-      <p:grpSpPr>
-        <a:xfrm>
-          <a:off x="0" y="0"/>
-          <a:ext cx="0" cy="0"/>
-          <a:chOff x="0" y="0"/>
-          <a:chExt cx="0" cy="0"/>
-        </a:xfrm>
-      </p:grpSpPr>
-      <p:pic>
-        <p:nvPicPr>
-          <p:cNvPr id="5" name="Picture 4">
-            <a:extLst>
-              <a:ext uri="{FF2B5EF4-FFF2-40B4-BE49-F238E27FC236}">
-                <a16:creationId xmlns:a16="http://schemas.microsoft.com/office/drawing/2014/main" id="{3A1E1F0E-3A7A-7579-3F32-E2E81B7D4F58}"/>
-              </a:ext>
-            </a:extLst>
-          </p:cNvPr>
-          <p:cNvPicPr>
-            <a:picLocks noChangeAspect="1"/>
-          </p:cNvPicPr>
-          <p:nvPr/>
-        </p:nvPicPr>
-        <p:blipFill>
-          <a:blip r:embed="rId2"/>
-          <a:stretch>
-            <a:fillRect/>
-          </a:stretch>
-        </p:blipFill>
-        <p:spPr>
-          <a:xfrm>
-            <a:off x="304800" y="450295"/>
-            <a:ext cx="11258549" cy="6407705"/>
-          </a:xfrm>
-          <a:prstGeom prst="rect">
-            <a:avLst/>
-          </a:prstGeom>
-        </p:spPr>
-      </p:pic>
-    </p:spTree>
-    <p:extLst>
-      <p:ext uri="{BB962C8B-B14F-4D97-AF65-F5344CB8AC3E}">
-        <p14:creationId xmlns:p14="http://schemas.microsoft.com/office/powerpoint/2010/main" val="1807528465"/>
       </p:ext>
     </p:extLst>
   </p:cSld>

--- a/Blazor in .net 8.pptx
+++ b/Blazor in .net 8.pptx
@@ -26392,7 +26392,43 @@
             <a:pPr marL="0" indent="0">
               <a:buNone/>
             </a:pPr>
-            <a:endParaRPr lang="en-US" altLang="zh-CN" sz="1100" dirty="0"/>
+            <a:r>
+              <a:rPr lang="en-US" altLang="zh-CN" sz="1100" dirty="0"/>
+              <a:t>The component is initially rendered server-side with interactivity using the </a:t>
+            </a:r>
+            <a:r>
+              <a:rPr lang="en-US" altLang="zh-CN" sz="1100" dirty="0" err="1"/>
+              <a:t>Blazor</a:t>
+            </a:r>
+            <a:r>
+              <a:rPr lang="en-US" altLang="zh-CN" sz="1100" dirty="0"/>
+              <a:t> Server hosting model. The .NET runtime and app bundle are downloaded to the client in the background and cached so that they can be used on future visits. Components using the automatic render mode must be built </a:t>
+            </a:r>
+            <a:r>
+              <a:rPr lang="en-US" altLang="zh-CN" sz="1100" dirty="0" smtClean="0"/>
+              <a:t>from </a:t>
+            </a:r>
+            <a:r>
+              <a:rPr lang="en-US" altLang="zh-CN" sz="1100" dirty="0"/>
+              <a:t>a separate client project that sets up the </a:t>
+            </a:r>
+            <a:r>
+              <a:rPr lang="en-US" altLang="zh-CN" sz="1100" dirty="0" err="1"/>
+              <a:t>Blazor</a:t>
+            </a:r>
+            <a:r>
+              <a:rPr lang="en-US" altLang="zh-CN" sz="1100" dirty="0"/>
+              <a:t> </a:t>
+            </a:r>
+            <a:r>
+              <a:rPr lang="en-US" altLang="zh-CN" sz="1100" dirty="0" err="1"/>
+              <a:t>WebAssembly</a:t>
+            </a:r>
+            <a:r>
+              <a:rPr lang="en-US" altLang="zh-CN" sz="1100" dirty="0"/>
+              <a:t> host.</a:t>
+            </a:r>
+            <a:endParaRPr lang="en-US" altLang="zh-CN" sz="500" dirty="0"/>
           </a:p>
         </p:txBody>
       </p:sp>

--- a/Blazor in .net 8.pptx
+++ b/Blazor in .net 8.pptx
@@ -11,19 +11,22 @@
     <p:sldId id="270" r:id="rId5"/>
     <p:sldId id="275" r:id="rId6"/>
     <p:sldId id="276" r:id="rId7"/>
-    <p:sldId id="271" r:id="rId8"/>
-    <p:sldId id="257" r:id="rId9"/>
-    <p:sldId id="258" r:id="rId10"/>
-    <p:sldId id="259" r:id="rId11"/>
-    <p:sldId id="260" r:id="rId12"/>
-    <p:sldId id="261" r:id="rId13"/>
-    <p:sldId id="262" r:id="rId14"/>
-    <p:sldId id="264" r:id="rId15"/>
-    <p:sldId id="263" r:id="rId16"/>
-    <p:sldId id="274" r:id="rId17"/>
-    <p:sldId id="272" r:id="rId18"/>
-    <p:sldId id="265" r:id="rId19"/>
-    <p:sldId id="273" r:id="rId20"/>
+    <p:sldId id="274" r:id="rId8"/>
+    <p:sldId id="272" r:id="rId9"/>
+    <p:sldId id="265" r:id="rId10"/>
+    <p:sldId id="273" r:id="rId11"/>
+    <p:sldId id="271" r:id="rId12"/>
+    <p:sldId id="257" r:id="rId13"/>
+    <p:sldId id="258" r:id="rId14"/>
+    <p:sldId id="259" r:id="rId15"/>
+    <p:sldId id="260" r:id="rId16"/>
+    <p:sldId id="261" r:id="rId17"/>
+    <p:sldId id="262" r:id="rId18"/>
+    <p:sldId id="264" r:id="rId19"/>
+    <p:sldId id="263" r:id="rId20"/>
+    <p:sldId id="277" r:id="rId21"/>
+    <p:sldId id="279" r:id="rId22"/>
+    <p:sldId id="278" r:id="rId23"/>
   </p:sldIdLst>
   <p:sldSz cx="12192000" cy="6858000"/>
   <p:notesSz cx="6858000" cy="9144000"/>
@@ -155,7 +158,7 @@
                 <a16:creationId xmlns:a16="http://schemas.microsoft.com/office/drawing/2014/main" id="{748618E9-EE2D-4864-9EEE-58939BD4FBBA}"/>
               </a:ext>
               <a:ext uri="{C183D7F6-B498-43B3-948B-1728B52AA6E4}">
-                <adec:decorative xmlns:adec="http://schemas.microsoft.com/office/drawing/2017/decorative" xmlns="" val="1"/>
+                <adec:decorative xmlns:adec="http://schemas.microsoft.com/office/drawing/2017/decorative" val="1"/>
               </a:ext>
             </a:extLst>
           </p:cNvPr>
@@ -1720,7 +1723,7 @@
                 <a16:creationId xmlns:a16="http://schemas.microsoft.com/office/drawing/2014/main" id="{2437C4A8-8E3A-4ADA-93B9-64737CE1ABB1}"/>
               </a:ext>
               <a:ext uri="{C183D7F6-B498-43B3-948B-1728B52AA6E4}">
-                <adec:decorative xmlns:adec="http://schemas.microsoft.com/office/drawing/2017/decorative" xmlns="" val="1"/>
+                <adec:decorative xmlns:adec="http://schemas.microsoft.com/office/drawing/2017/decorative" val="1"/>
               </a:ext>
             </a:extLst>
           </p:cNvPr>
@@ -1796,7 +1799,7 @@
           <a:p>
             <a:fld id="{8F72BA41-EC5B-4197-BCC8-0FD2E523CD7A}" type="datetimeFigureOut">
               <a:rPr lang="en-US" smtClean="0"/>
-              <a:t>11/8/2023</a:t>
+              <a:t>11/10/2023</a:t>
             </a:fld>
             <a:endParaRPr lang="en-US"/>
           </a:p>
@@ -1999,7 +2002,7 @@
           <a:p>
             <a:fld id="{8F72BA41-EC5B-4197-BCC8-0FD2E523CD7A}" type="datetimeFigureOut">
               <a:rPr lang="en-US" smtClean="0"/>
-              <a:t>11/8/2023</a:t>
+              <a:t>11/10/2023</a:t>
             </a:fld>
             <a:endParaRPr lang="en-US"/>
           </a:p>
@@ -2097,7 +2100,7 @@
                 <a16:creationId xmlns:a16="http://schemas.microsoft.com/office/drawing/2014/main" id="{65405209-5179-4359-91ED-1B1A46619A99}"/>
               </a:ext>
               <a:ext uri="{C183D7F6-B498-43B3-948B-1728B52AA6E4}">
-                <adec:decorative xmlns:adec="http://schemas.microsoft.com/office/drawing/2017/decorative" xmlns="" val="1"/>
+                <adec:decorative xmlns:adec="http://schemas.microsoft.com/office/drawing/2017/decorative" val="1"/>
               </a:ext>
             </a:extLst>
           </p:cNvPr>
@@ -3547,7 +3550,7 @@
                 <a16:creationId xmlns:a16="http://schemas.microsoft.com/office/drawing/2014/main" id="{ACE66A86-8455-497B-9CA4-F460A19E5FBB}"/>
               </a:ext>
               <a:ext uri="{C183D7F6-B498-43B3-948B-1728B52AA6E4}">
-                <adec:decorative xmlns:adec="http://schemas.microsoft.com/office/drawing/2017/decorative" xmlns="" val="1"/>
+                <adec:decorative xmlns:adec="http://schemas.microsoft.com/office/drawing/2017/decorative" val="1"/>
               </a:ext>
             </a:extLst>
           </p:cNvPr>
@@ -3720,7 +3723,7 @@
           <a:p>
             <a:fld id="{8F72BA41-EC5B-4197-BCC8-0FD2E523CD7A}" type="datetimeFigureOut">
               <a:rPr lang="en-US" smtClean="0"/>
-              <a:t>11/8/2023</a:t>
+              <a:t>11/10/2023</a:t>
             </a:fld>
             <a:endParaRPr lang="en-US"/>
           </a:p>
@@ -3919,7 +3922,7 @@
           <a:p>
             <a:fld id="{8F72BA41-EC5B-4197-BCC8-0FD2E523CD7A}" type="datetimeFigureOut">
               <a:rPr lang="en-US" smtClean="0"/>
-              <a:t>11/8/2023</a:t>
+              <a:t>11/10/2023</a:t>
             </a:fld>
             <a:endParaRPr lang="en-US"/>
           </a:p>
@@ -4017,7 +4020,7 @@
                 <a16:creationId xmlns:a16="http://schemas.microsoft.com/office/drawing/2014/main" id="{A69DB7AC-F7D7-430A-A2A7-CD3EBBF1D35D}"/>
               </a:ext>
               <a:ext uri="{C183D7F6-B498-43B3-948B-1728B52AA6E4}">
-                <adec:decorative xmlns:adec="http://schemas.microsoft.com/office/drawing/2017/decorative" xmlns="" val="1"/>
+                <adec:decorative xmlns:adec="http://schemas.microsoft.com/office/drawing/2017/decorative" val="1"/>
               </a:ext>
             </a:extLst>
           </p:cNvPr>
@@ -5633,7 +5636,7 @@
                 <a16:creationId xmlns:a16="http://schemas.microsoft.com/office/drawing/2014/main" id="{6741F519-22CF-4C01-B140-5480DBAB30F8}"/>
               </a:ext>
               <a:ext uri="{C183D7F6-B498-43B3-948B-1728B52AA6E4}">
-                <adec:decorative xmlns:adec="http://schemas.microsoft.com/office/drawing/2017/decorative" xmlns="" val="1"/>
+                <adec:decorative xmlns:adec="http://schemas.microsoft.com/office/drawing/2017/decorative" val="1"/>
               </a:ext>
             </a:extLst>
           </p:cNvPr>
@@ -5709,7 +5712,7 @@
           <a:p>
             <a:fld id="{8F72BA41-EC5B-4197-BCC8-0FD2E523CD7A}" type="datetimeFigureOut">
               <a:rPr lang="en-US" smtClean="0"/>
-              <a:t>11/8/2023</a:t>
+              <a:t>11/10/2023</a:t>
             </a:fld>
             <a:endParaRPr lang="en-US"/>
           </a:p>
@@ -5982,7 +5985,7 @@
           <a:p>
             <a:fld id="{8F72BA41-EC5B-4197-BCC8-0FD2E523CD7A}" type="datetimeFigureOut">
               <a:rPr lang="en-US" smtClean="0"/>
-              <a:t>11/8/2023</a:t>
+              <a:t>11/10/2023</a:t>
             </a:fld>
             <a:endParaRPr lang="en-US"/>
           </a:p>
@@ -6402,7 +6405,7 @@
           <a:p>
             <a:fld id="{8F72BA41-EC5B-4197-BCC8-0FD2E523CD7A}" type="datetimeFigureOut">
               <a:rPr lang="en-US" smtClean="0"/>
-              <a:t>11/8/2023</a:t>
+              <a:t>11/10/2023</a:t>
             </a:fld>
             <a:endParaRPr lang="en-US"/>
           </a:p>
@@ -6558,7 +6561,7 @@
           <a:p>
             <a:fld id="{8F72BA41-EC5B-4197-BCC8-0FD2E523CD7A}" type="datetimeFigureOut">
               <a:rPr lang="en-US" smtClean="0"/>
-              <a:t>11/8/2023</a:t>
+              <a:t>11/10/2023</a:t>
             </a:fld>
             <a:endParaRPr lang="en-US"/>
           </a:p>
@@ -6661,7 +6664,7 @@
                 <a16:creationId xmlns:a16="http://schemas.microsoft.com/office/drawing/2014/main" id="{45BED274-5EB4-4EF4-B353-E55BD502655C}"/>
               </a:ext>
               <a:ext uri="{C183D7F6-B498-43B3-948B-1728B52AA6E4}">
-                <adec:decorative xmlns:adec="http://schemas.microsoft.com/office/drawing/2017/decorative" xmlns="" val="1"/>
+                <adec:decorative xmlns:adec="http://schemas.microsoft.com/office/drawing/2017/decorative" val="1"/>
               </a:ext>
             </a:extLst>
           </p:cNvPr>
@@ -8126,7 +8129,7 @@
           <a:p>
             <a:fld id="{8F72BA41-EC5B-4197-BCC8-0FD2E523CD7A}" type="datetimeFigureOut">
               <a:rPr lang="en-US" smtClean="0"/>
-              <a:t>11/8/2023</a:t>
+              <a:t>11/10/2023</a:t>
             </a:fld>
             <a:endParaRPr lang="en-US"/>
           </a:p>
@@ -8224,7 +8227,7 @@
                 <a16:creationId xmlns:a16="http://schemas.microsoft.com/office/drawing/2014/main" id="{C4853C57-22BC-4465-8B37-DC06FE5A0003}"/>
               </a:ext>
               <a:ext uri="{C183D7F6-B498-43B3-948B-1728B52AA6E4}">
-                <adec:decorative xmlns:adec="http://schemas.microsoft.com/office/drawing/2017/decorative" xmlns="" val="1"/>
+                <adec:decorative xmlns:adec="http://schemas.microsoft.com/office/drawing/2017/decorative" val="1"/>
               </a:ext>
             </a:extLst>
           </p:cNvPr>
@@ -8512,7 +8515,7 @@
                 <a16:creationId xmlns:a16="http://schemas.microsoft.com/office/drawing/2014/main" id="{0550D594-9D00-4E12-9A7B-8B78EC199482}"/>
               </a:ext>
               <a:ext uri="{C183D7F6-B498-43B3-948B-1728B52AA6E4}">
-                <adec:decorative xmlns:adec="http://schemas.microsoft.com/office/drawing/2017/decorative" xmlns="" val="1"/>
+                <adec:decorative xmlns:adec="http://schemas.microsoft.com/office/drawing/2017/decorative" val="1"/>
               </a:ext>
             </a:extLst>
           </p:cNvPr>
@@ -9977,7 +9980,7 @@
           <a:p>
             <a:fld id="{8F72BA41-EC5B-4197-BCC8-0FD2E523CD7A}" type="datetimeFigureOut">
               <a:rPr lang="en-US" smtClean="0"/>
-              <a:t>11/8/2023</a:t>
+              <a:t>11/10/2023</a:t>
             </a:fld>
             <a:endParaRPr lang="en-US"/>
           </a:p>
@@ -10075,7 +10078,7 @@
                 <a16:creationId xmlns:a16="http://schemas.microsoft.com/office/drawing/2014/main" id="{0DDA6865-0A03-48FA-AD6E-D5BF8FDE9272}"/>
               </a:ext>
               <a:ext uri="{C183D7F6-B498-43B3-948B-1728B52AA6E4}">
-                <adec:decorative xmlns:adec="http://schemas.microsoft.com/office/drawing/2017/decorative" xmlns="" val="1"/>
+                <adec:decorative xmlns:adec="http://schemas.microsoft.com/office/drawing/2017/decorative" val="1"/>
               </a:ext>
             </a:extLst>
           </p:cNvPr>
@@ -11636,7 +11639,7 @@
                 <a16:creationId xmlns:a16="http://schemas.microsoft.com/office/drawing/2014/main" id="{205CDEB9-8DED-4711-8140-4C943FC2CDA0}"/>
               </a:ext>
               <a:ext uri="{C183D7F6-B498-43B3-948B-1728B52AA6E4}">
-                <adec:decorative xmlns:adec="http://schemas.microsoft.com/office/drawing/2017/decorative" xmlns="" val="1"/>
+                <adec:decorative xmlns:adec="http://schemas.microsoft.com/office/drawing/2017/decorative" val="1"/>
               </a:ext>
             </a:extLst>
           </p:cNvPr>
@@ -11790,7 +11793,7 @@
           <a:p>
             <a:fld id="{8F72BA41-EC5B-4197-BCC8-0FD2E523CD7A}" type="datetimeFigureOut">
               <a:rPr lang="en-US" smtClean="0"/>
-              <a:t>11/8/2023</a:t>
+              <a:t>11/10/2023</a:t>
             </a:fld>
             <a:endParaRPr lang="en-US"/>
           </a:p>
@@ -11893,7 +11896,7 @@
                 <a16:creationId xmlns:a16="http://schemas.microsoft.com/office/drawing/2014/main" id="{BDF0D99C-5D42-41C6-A50C-C4E2D6B2A36E}"/>
               </a:ext>
               <a:ext uri="{C183D7F6-B498-43B3-948B-1728B52AA6E4}">
-                <adec:decorative xmlns:adec="http://schemas.microsoft.com/office/drawing/2017/decorative" xmlns="" val="1"/>
+                <adec:decorative xmlns:adec="http://schemas.microsoft.com/office/drawing/2017/decorative" val="1"/>
               </a:ext>
             </a:extLst>
           </p:cNvPr>
@@ -13484,7 +13487,7 @@
             <a:fld id="{8F72BA41-EC5B-4197-BCC8-0FD2E523CD7A}" type="datetimeFigureOut">
               <a:rPr lang="en-US" smtClean="0"/>
               <a:pPr/>
-              <a:t>11/8/2023</a:t>
+              <a:t>11/10/2023</a:t>
             </a:fld>
             <a:endParaRPr lang="en-US" dirty="0"/>
           </a:p>
@@ -13589,7 +13592,7 @@
                 <a16:creationId xmlns:a16="http://schemas.microsoft.com/office/drawing/2014/main" id="{63BAC6E0-ADAC-40FB-AF53-88FA5F83738C}"/>
               </a:ext>
               <a:ext uri="{C183D7F6-B498-43B3-948B-1728B52AA6E4}">
-                <adec:decorative xmlns:adec="http://schemas.microsoft.com/office/drawing/2017/decorative" xmlns="" val="1"/>
+                <adec:decorative xmlns:adec="http://schemas.microsoft.com/office/drawing/2017/decorative" val="1"/>
               </a:ext>
             </a:extLst>
           </p:cNvPr>
@@ -14014,7 +14017,7 @@
                 <a16:creationId xmlns:a16="http://schemas.microsoft.com/office/drawing/2014/main" id="{4187D111-0A9D-421B-84EB-FC5811C3A931}"/>
               </a:ext>
               <a:ext uri="{C183D7F6-B498-43B3-948B-1728B52AA6E4}">
-                <adec:decorative xmlns:adec="http://schemas.microsoft.com/office/drawing/2017/decorative" xmlns="" val="1"/>
+                <adec:decorative xmlns:adec="http://schemas.microsoft.com/office/drawing/2017/decorative" val="1"/>
               </a:ext>
             </a:extLst>
           </p:cNvPr>
@@ -14078,7 +14081,7 @@
                 <a16:creationId xmlns:a16="http://schemas.microsoft.com/office/drawing/2014/main" id="{015ECF02-0C11-4320-A868-5EC7DD53DEFD}"/>
               </a:ext>
               <a:ext uri="{C183D7F6-B498-43B3-948B-1728B52AA6E4}">
-                <adec:decorative xmlns:adec="http://schemas.microsoft.com/office/drawing/2017/decorative" xmlns="" val="1"/>
+                <adec:decorative xmlns:adec="http://schemas.microsoft.com/office/drawing/2017/decorative" val="1"/>
               </a:ext>
             </a:extLst>
           </p:cNvPr>
@@ -14109,7 +14112,7 @@
                   <a16:creationId xmlns:a16="http://schemas.microsoft.com/office/drawing/2014/main" id="{8C74A336-DE5D-4AE0-9A50-8D93C4AA45E8}"/>
                 </a:ext>
                 <a:ext uri="{C183D7F6-B498-43B3-948B-1728B52AA6E4}">
-                  <adec:decorative xmlns:adec="http://schemas.microsoft.com/office/drawing/2017/decorative" xmlns="" val="1"/>
+                  <adec:decorative xmlns:adec="http://schemas.microsoft.com/office/drawing/2017/decorative" val="1"/>
                 </a:ext>
               </a:extLst>
             </p:cNvPr>
@@ -14164,7 +14167,7 @@
                   <a16:creationId xmlns:a16="http://schemas.microsoft.com/office/drawing/2014/main" id="{A11A81C9-7A36-4A04-B14C-A45B899E4B98}"/>
                 </a:ext>
                 <a:ext uri="{C183D7F6-B498-43B3-948B-1728B52AA6E4}">
-                  <adec:decorative xmlns:adec="http://schemas.microsoft.com/office/drawing/2017/decorative" xmlns="" val="1"/>
+                  <adec:decorative xmlns:adec="http://schemas.microsoft.com/office/drawing/2017/decorative" val="1"/>
                 </a:ext>
               </a:extLst>
             </p:cNvPr>
@@ -14219,7 +14222,7 @@
                   <a16:creationId xmlns:a16="http://schemas.microsoft.com/office/drawing/2014/main" id="{DAE1DE35-5349-4B57-B255-C07C69270CE2}"/>
                 </a:ext>
                 <a:ext uri="{C183D7F6-B498-43B3-948B-1728B52AA6E4}">
-                  <adec:decorative xmlns:adec="http://schemas.microsoft.com/office/drawing/2017/decorative" xmlns="" val="1"/>
+                  <adec:decorative xmlns:adec="http://schemas.microsoft.com/office/drawing/2017/decorative" val="1"/>
                 </a:ext>
               </a:extLst>
             </p:cNvPr>
@@ -14274,7 +14277,7 @@
                   <a16:creationId xmlns:a16="http://schemas.microsoft.com/office/drawing/2014/main" id="{9AFE9588-5F4B-41DF-9FF6-6B4969245C64}"/>
                 </a:ext>
                 <a:ext uri="{C183D7F6-B498-43B3-948B-1728B52AA6E4}">
-                  <adec:decorative xmlns:adec="http://schemas.microsoft.com/office/drawing/2017/decorative" xmlns="" val="1"/>
+                  <adec:decorative xmlns:adec="http://schemas.microsoft.com/office/drawing/2017/decorative" val="1"/>
                 </a:ext>
               </a:extLst>
             </p:cNvPr>
@@ -14329,7 +14332,7 @@
                   <a16:creationId xmlns:a16="http://schemas.microsoft.com/office/drawing/2014/main" id="{D4CC9B87-707A-4D04-9336-B1418878A811}"/>
                 </a:ext>
                 <a:ext uri="{C183D7F6-B498-43B3-948B-1728B52AA6E4}">
-                  <adec:decorative xmlns:adec="http://schemas.microsoft.com/office/drawing/2017/decorative" xmlns="" val="1"/>
+                  <adec:decorative xmlns:adec="http://schemas.microsoft.com/office/drawing/2017/decorative" val="1"/>
                 </a:ext>
               </a:extLst>
             </p:cNvPr>
@@ -14384,7 +14387,7 @@
                   <a16:creationId xmlns:a16="http://schemas.microsoft.com/office/drawing/2014/main" id="{58CF5CAA-7C4D-408A-B1A8-E98C0E66338F}"/>
                 </a:ext>
                 <a:ext uri="{C183D7F6-B498-43B3-948B-1728B52AA6E4}">
-                  <adec:decorative xmlns:adec="http://schemas.microsoft.com/office/drawing/2017/decorative" xmlns="" val="1"/>
+                  <adec:decorative xmlns:adec="http://schemas.microsoft.com/office/drawing/2017/decorative" val="1"/>
                 </a:ext>
               </a:extLst>
             </p:cNvPr>
@@ -14439,7 +14442,7 @@
                   <a16:creationId xmlns:a16="http://schemas.microsoft.com/office/drawing/2014/main" id="{B462EA1B-90F8-4C08-AE36-FFBA2B45BF6A}"/>
                 </a:ext>
                 <a:ext uri="{C183D7F6-B498-43B3-948B-1728B52AA6E4}">
-                  <adec:decorative xmlns:adec="http://schemas.microsoft.com/office/drawing/2017/decorative" xmlns="" val="1"/>
+                  <adec:decorative xmlns:adec="http://schemas.microsoft.com/office/drawing/2017/decorative" val="1"/>
                 </a:ext>
               </a:extLst>
             </p:cNvPr>
@@ -14494,7 +14497,7 @@
                   <a16:creationId xmlns:a16="http://schemas.microsoft.com/office/drawing/2014/main" id="{9F7B5623-96F7-42F0-BAC5-78D6789E0125}"/>
                 </a:ext>
                 <a:ext uri="{C183D7F6-B498-43B3-948B-1728B52AA6E4}">
-                  <adec:decorative xmlns:adec="http://schemas.microsoft.com/office/drawing/2017/decorative" xmlns="" val="1"/>
+                  <adec:decorative xmlns:adec="http://schemas.microsoft.com/office/drawing/2017/decorative" val="1"/>
                 </a:ext>
               </a:extLst>
             </p:cNvPr>
@@ -14549,7 +14552,7 @@
                   <a16:creationId xmlns:a16="http://schemas.microsoft.com/office/drawing/2014/main" id="{685D83B1-1723-4710-8FC5-18EDC879E42C}"/>
                 </a:ext>
                 <a:ext uri="{C183D7F6-B498-43B3-948B-1728B52AA6E4}">
-                  <adec:decorative xmlns:adec="http://schemas.microsoft.com/office/drawing/2017/decorative" xmlns="" val="1"/>
+                  <adec:decorative xmlns:adec="http://schemas.microsoft.com/office/drawing/2017/decorative" val="1"/>
                 </a:ext>
               </a:extLst>
             </p:cNvPr>
@@ -14604,7 +14607,7 @@
                   <a16:creationId xmlns:a16="http://schemas.microsoft.com/office/drawing/2014/main" id="{6998838C-DFB6-48F7-A18D-30469E8162EA}"/>
                 </a:ext>
                 <a:ext uri="{C183D7F6-B498-43B3-948B-1728B52AA6E4}">
-                  <adec:decorative xmlns:adec="http://schemas.microsoft.com/office/drawing/2017/decorative" xmlns="" val="1"/>
+                  <adec:decorative xmlns:adec="http://schemas.microsoft.com/office/drawing/2017/decorative" val="1"/>
                 </a:ext>
               </a:extLst>
             </p:cNvPr>
@@ -14659,7 +14662,7 @@
                   <a16:creationId xmlns:a16="http://schemas.microsoft.com/office/drawing/2014/main" id="{9BDB9A78-94CB-422D-B92E-65FD2732EC34}"/>
                 </a:ext>
                 <a:ext uri="{C183D7F6-B498-43B3-948B-1728B52AA6E4}">
-                  <adec:decorative xmlns:adec="http://schemas.microsoft.com/office/drawing/2017/decorative" xmlns="" val="1"/>
+                  <adec:decorative xmlns:adec="http://schemas.microsoft.com/office/drawing/2017/decorative" val="1"/>
                 </a:ext>
               </a:extLst>
             </p:cNvPr>
@@ -14714,7 +14717,7 @@
                   <a16:creationId xmlns:a16="http://schemas.microsoft.com/office/drawing/2014/main" id="{9A5DBD01-426B-424D-815A-96518F600727}"/>
                 </a:ext>
                 <a:ext uri="{C183D7F6-B498-43B3-948B-1728B52AA6E4}">
-                  <adec:decorative xmlns:adec="http://schemas.microsoft.com/office/drawing/2017/decorative" xmlns="" val="1"/>
+                  <adec:decorative xmlns:adec="http://schemas.microsoft.com/office/drawing/2017/decorative" val="1"/>
                 </a:ext>
               </a:extLst>
             </p:cNvPr>
@@ -14769,7 +14772,7 @@
                   <a16:creationId xmlns:a16="http://schemas.microsoft.com/office/drawing/2014/main" id="{3B0218DF-D55B-4D41-AE23-F1E64BAC60EB}"/>
                 </a:ext>
                 <a:ext uri="{C183D7F6-B498-43B3-948B-1728B52AA6E4}">
-                  <adec:decorative xmlns:adec="http://schemas.microsoft.com/office/drawing/2017/decorative" xmlns="" val="1"/>
+                  <adec:decorative xmlns:adec="http://schemas.microsoft.com/office/drawing/2017/decorative" val="1"/>
                 </a:ext>
               </a:extLst>
             </p:cNvPr>
@@ -14824,7 +14827,7 @@
                   <a16:creationId xmlns:a16="http://schemas.microsoft.com/office/drawing/2014/main" id="{F8D61EB8-98CC-4243-9E20-33CAC65BF556}"/>
                 </a:ext>
                 <a:ext uri="{C183D7F6-B498-43B3-948B-1728B52AA6E4}">
-                  <adec:decorative xmlns:adec="http://schemas.microsoft.com/office/drawing/2017/decorative" xmlns="" val="1"/>
+                  <adec:decorative xmlns:adec="http://schemas.microsoft.com/office/drawing/2017/decorative" val="1"/>
                 </a:ext>
               </a:extLst>
             </p:cNvPr>
@@ -14879,7 +14882,7 @@
                   <a16:creationId xmlns:a16="http://schemas.microsoft.com/office/drawing/2014/main" id="{A35F0944-B143-45B0-8B72-6CE34D46120F}"/>
                 </a:ext>
                 <a:ext uri="{C183D7F6-B498-43B3-948B-1728B52AA6E4}">
-                  <adec:decorative xmlns:adec="http://schemas.microsoft.com/office/drawing/2017/decorative" xmlns="" val="1"/>
+                  <adec:decorative xmlns:adec="http://schemas.microsoft.com/office/drawing/2017/decorative" val="1"/>
                 </a:ext>
               </a:extLst>
             </p:cNvPr>
@@ -14934,7 +14937,7 @@
                   <a16:creationId xmlns:a16="http://schemas.microsoft.com/office/drawing/2014/main" id="{CF68EF7F-67D0-463D-AB84-EA24D181960E}"/>
                 </a:ext>
                 <a:ext uri="{C183D7F6-B498-43B3-948B-1728B52AA6E4}">
-                  <adec:decorative xmlns:adec="http://schemas.microsoft.com/office/drawing/2017/decorative" xmlns="" val="1"/>
+                  <adec:decorative xmlns:adec="http://schemas.microsoft.com/office/drawing/2017/decorative" val="1"/>
                 </a:ext>
               </a:extLst>
             </p:cNvPr>
@@ -14989,7 +14992,7 @@
                   <a16:creationId xmlns:a16="http://schemas.microsoft.com/office/drawing/2014/main" id="{AE17074E-4E65-4CBD-B1B0-9C18D6F724F3}"/>
                 </a:ext>
                 <a:ext uri="{C183D7F6-B498-43B3-948B-1728B52AA6E4}">
-                  <adec:decorative xmlns:adec="http://schemas.microsoft.com/office/drawing/2017/decorative" xmlns="" val="1"/>
+                  <adec:decorative xmlns:adec="http://schemas.microsoft.com/office/drawing/2017/decorative" val="1"/>
                 </a:ext>
               </a:extLst>
             </p:cNvPr>
@@ -15044,7 +15047,7 @@
                   <a16:creationId xmlns:a16="http://schemas.microsoft.com/office/drawing/2014/main" id="{9CC905ED-EF46-4349-9E9B-21743109482B}"/>
                 </a:ext>
                 <a:ext uri="{C183D7F6-B498-43B3-948B-1728B52AA6E4}">
-                  <adec:decorative xmlns:adec="http://schemas.microsoft.com/office/drawing/2017/decorative" xmlns="" val="1"/>
+                  <adec:decorative xmlns:adec="http://schemas.microsoft.com/office/drawing/2017/decorative" val="1"/>
                 </a:ext>
               </a:extLst>
             </p:cNvPr>
@@ -15099,7 +15102,7 @@
                   <a16:creationId xmlns:a16="http://schemas.microsoft.com/office/drawing/2014/main" id="{6B91F234-1C65-45AC-8CCE-A1C4AE49CE45}"/>
                 </a:ext>
                 <a:ext uri="{C183D7F6-B498-43B3-948B-1728B52AA6E4}">
-                  <adec:decorative xmlns:adec="http://schemas.microsoft.com/office/drawing/2017/decorative" xmlns="" val="1"/>
+                  <adec:decorative xmlns:adec="http://schemas.microsoft.com/office/drawing/2017/decorative" val="1"/>
                 </a:ext>
               </a:extLst>
             </p:cNvPr>
@@ -15154,7 +15157,7 @@
                   <a16:creationId xmlns:a16="http://schemas.microsoft.com/office/drawing/2014/main" id="{4D46B3DB-5DBB-41CF-9FA5-010ECA0C3B48}"/>
                 </a:ext>
                 <a:ext uri="{C183D7F6-B498-43B3-948B-1728B52AA6E4}">
-                  <adec:decorative xmlns:adec="http://schemas.microsoft.com/office/drawing/2017/decorative" xmlns="" val="1"/>
+                  <adec:decorative xmlns:adec="http://schemas.microsoft.com/office/drawing/2017/decorative" val="1"/>
                 </a:ext>
               </a:extLst>
             </p:cNvPr>
@@ -15209,7 +15212,7 @@
                   <a16:creationId xmlns:a16="http://schemas.microsoft.com/office/drawing/2014/main" id="{B92A3FF8-F172-47ED-84C6-802C85C1CBD1}"/>
                 </a:ext>
                 <a:ext uri="{C183D7F6-B498-43B3-948B-1728B52AA6E4}">
-                  <adec:decorative xmlns:adec="http://schemas.microsoft.com/office/drawing/2017/decorative" xmlns="" val="1"/>
+                  <adec:decorative xmlns:adec="http://schemas.microsoft.com/office/drawing/2017/decorative" val="1"/>
                 </a:ext>
               </a:extLst>
             </p:cNvPr>
@@ -15264,7 +15267,7 @@
                   <a16:creationId xmlns:a16="http://schemas.microsoft.com/office/drawing/2014/main" id="{15933982-9CB6-4199-B123-A3669A4FEFEA}"/>
                 </a:ext>
                 <a:ext uri="{C183D7F6-B498-43B3-948B-1728B52AA6E4}">
-                  <adec:decorative xmlns:adec="http://schemas.microsoft.com/office/drawing/2017/decorative" xmlns="" val="1"/>
+                  <adec:decorative xmlns:adec="http://schemas.microsoft.com/office/drawing/2017/decorative" val="1"/>
                 </a:ext>
               </a:extLst>
             </p:cNvPr>
@@ -15319,7 +15322,7 @@
                   <a16:creationId xmlns:a16="http://schemas.microsoft.com/office/drawing/2014/main" id="{3CA832CD-B214-4ABC-AC95-A3DA116ACEED}"/>
                 </a:ext>
                 <a:ext uri="{C183D7F6-B498-43B3-948B-1728B52AA6E4}">
-                  <adec:decorative xmlns:adec="http://schemas.microsoft.com/office/drawing/2017/decorative" xmlns="" val="1"/>
+                  <adec:decorative xmlns:adec="http://schemas.microsoft.com/office/drawing/2017/decorative" val="1"/>
                 </a:ext>
               </a:extLst>
             </p:cNvPr>
@@ -15374,7 +15377,7 @@
                   <a16:creationId xmlns:a16="http://schemas.microsoft.com/office/drawing/2014/main" id="{D7EBA147-C4BA-4B48-B61D-CA24B8B06F41}"/>
                 </a:ext>
                 <a:ext uri="{C183D7F6-B498-43B3-948B-1728B52AA6E4}">
-                  <adec:decorative xmlns:adec="http://schemas.microsoft.com/office/drawing/2017/decorative" xmlns="" val="1"/>
+                  <adec:decorative xmlns:adec="http://schemas.microsoft.com/office/drawing/2017/decorative" val="1"/>
                 </a:ext>
               </a:extLst>
             </p:cNvPr>
@@ -15429,7 +15432,7 @@
                   <a16:creationId xmlns:a16="http://schemas.microsoft.com/office/drawing/2014/main" id="{FA8253B7-461E-48CC-B871-8A255EE3D7A3}"/>
                 </a:ext>
                 <a:ext uri="{C183D7F6-B498-43B3-948B-1728B52AA6E4}">
-                  <adec:decorative xmlns:adec="http://schemas.microsoft.com/office/drawing/2017/decorative" xmlns="" val="1"/>
+                  <adec:decorative xmlns:adec="http://schemas.microsoft.com/office/drawing/2017/decorative" val="1"/>
                 </a:ext>
               </a:extLst>
             </p:cNvPr>
@@ -15484,7 +15487,7 @@
                   <a16:creationId xmlns:a16="http://schemas.microsoft.com/office/drawing/2014/main" id="{DADE46C3-C2E1-4492-AC59-870160A3C870}"/>
                 </a:ext>
                 <a:ext uri="{C183D7F6-B498-43B3-948B-1728B52AA6E4}">
-                  <adec:decorative xmlns:adec="http://schemas.microsoft.com/office/drawing/2017/decorative" xmlns="" val="1"/>
+                  <adec:decorative xmlns:adec="http://schemas.microsoft.com/office/drawing/2017/decorative" val="1"/>
                 </a:ext>
               </a:extLst>
             </p:cNvPr>
@@ -15539,7 +15542,7 @@
                   <a16:creationId xmlns:a16="http://schemas.microsoft.com/office/drawing/2014/main" id="{2B0052E9-B440-4C1E-BC41-39957D5901E4}"/>
                 </a:ext>
                 <a:ext uri="{C183D7F6-B498-43B3-948B-1728B52AA6E4}">
-                  <adec:decorative xmlns:adec="http://schemas.microsoft.com/office/drawing/2017/decorative" xmlns="" val="1"/>
+                  <adec:decorative xmlns:adec="http://schemas.microsoft.com/office/drawing/2017/decorative" val="1"/>
                 </a:ext>
               </a:extLst>
             </p:cNvPr>
@@ -15594,7 +15597,7 @@
                   <a16:creationId xmlns:a16="http://schemas.microsoft.com/office/drawing/2014/main" id="{731F119B-638C-42B1-8400-709B94F1EE03}"/>
                 </a:ext>
                 <a:ext uri="{C183D7F6-B498-43B3-948B-1728B52AA6E4}">
-                  <adec:decorative xmlns:adec="http://schemas.microsoft.com/office/drawing/2017/decorative" xmlns="" val="1"/>
+                  <adec:decorative xmlns:adec="http://schemas.microsoft.com/office/drawing/2017/decorative" val="1"/>
                 </a:ext>
               </a:extLst>
             </p:cNvPr>
@@ -15649,7 +15652,7 @@
                   <a16:creationId xmlns:a16="http://schemas.microsoft.com/office/drawing/2014/main" id="{E16299ED-D998-4895-9CCF-02427F1954B7}"/>
                 </a:ext>
                 <a:ext uri="{C183D7F6-B498-43B3-948B-1728B52AA6E4}">
-                  <adec:decorative xmlns:adec="http://schemas.microsoft.com/office/drawing/2017/decorative" xmlns="" val="1"/>
+                  <adec:decorative xmlns:adec="http://schemas.microsoft.com/office/drawing/2017/decorative" val="1"/>
                 </a:ext>
               </a:extLst>
             </p:cNvPr>
@@ -15704,7 +15707,7 @@
                   <a16:creationId xmlns:a16="http://schemas.microsoft.com/office/drawing/2014/main" id="{F4442675-84C9-45C8-9524-ABE4E250719B}"/>
                 </a:ext>
                 <a:ext uri="{C183D7F6-B498-43B3-948B-1728B52AA6E4}">
-                  <adec:decorative xmlns:adec="http://schemas.microsoft.com/office/drawing/2017/decorative" xmlns="" val="1"/>
+                  <adec:decorative xmlns:adec="http://schemas.microsoft.com/office/drawing/2017/decorative" val="1"/>
                 </a:ext>
               </a:extLst>
             </p:cNvPr>
@@ -15759,7 +15762,7 @@
                   <a16:creationId xmlns:a16="http://schemas.microsoft.com/office/drawing/2014/main" id="{B5BE3E63-4FA5-4EBD-9F3B-E29F5128A843}"/>
                 </a:ext>
                 <a:ext uri="{C183D7F6-B498-43B3-948B-1728B52AA6E4}">
-                  <adec:decorative xmlns:adec="http://schemas.microsoft.com/office/drawing/2017/decorative" xmlns="" val="1"/>
+                  <adec:decorative xmlns:adec="http://schemas.microsoft.com/office/drawing/2017/decorative" val="1"/>
                 </a:ext>
               </a:extLst>
             </p:cNvPr>
@@ -15952,7 +15955,7 @@
                 <a16:creationId xmlns:a16="http://schemas.microsoft.com/office/drawing/2014/main" id="{F0753E91-DF19-4FA4-BFBF-221696B8D779}"/>
               </a:ext>
               <a:ext uri="{C183D7F6-B498-43B3-948B-1728B52AA6E4}">
-                <adec:decorative xmlns:adec="http://schemas.microsoft.com/office/drawing/2017/decorative" xmlns="" val="1"/>
+                <adec:decorative xmlns:adec="http://schemas.microsoft.com/office/drawing/2017/decorative" val="1"/>
               </a:ext>
             </a:extLst>
           </p:cNvPr>
@@ -16048,6 +16051,719 @@
           <p:cNvPr id="2" name="Title 1">
             <a:extLst>
               <a:ext uri="{FF2B5EF4-FFF2-40B4-BE49-F238E27FC236}">
+                <a16:creationId xmlns:a16="http://schemas.microsoft.com/office/drawing/2014/main" id="{6AEED449-1CBF-093F-CB5F-373C08811612}"/>
+              </a:ext>
+            </a:extLst>
+          </p:cNvPr>
+          <p:cNvSpPr>
+            <a:spLocks noGrp="1"/>
+          </p:cNvSpPr>
+          <p:nvPr>
+            <p:ph type="title"/>
+          </p:nvPr>
+        </p:nvSpPr>
+        <p:spPr/>
+        <p:txBody>
+          <a:bodyPr/>
+          <a:lstStyle/>
+          <a:p>
+            <a:r>
+              <a:rPr lang="en-US" altLang="zh-CN" sz="4400" dirty="0" err="1"/>
+              <a:t>Blazor</a:t>
+            </a:r>
+            <a:r>
+              <a:rPr lang="en-US" altLang="zh-CN" sz="4400" dirty="0"/>
+              <a:t> Web App</a:t>
+            </a:r>
+            <a:endParaRPr lang="en-SG" dirty="0"/>
+          </a:p>
+        </p:txBody>
+      </p:sp>
+      <p:pic>
+        <p:nvPicPr>
+          <p:cNvPr id="11" name="Picture 10">
+            <a:extLst>
+              <a:ext uri="{FF2B5EF4-FFF2-40B4-BE49-F238E27FC236}">
+                <a16:creationId xmlns:a16="http://schemas.microsoft.com/office/drawing/2014/main" id="{5B968F6C-9373-937A-B18C-8EC4AC319DBB}"/>
+              </a:ext>
+            </a:extLst>
+          </p:cNvPr>
+          <p:cNvPicPr>
+            <a:picLocks noChangeAspect="1"/>
+          </p:cNvPicPr>
+          <p:nvPr/>
+        </p:nvPicPr>
+        <p:blipFill>
+          <a:blip r:embed="rId2"/>
+          <a:stretch>
+            <a:fillRect/>
+          </a:stretch>
+        </p:blipFill>
+        <p:spPr>
+          <a:xfrm>
+            <a:off x="691079" y="2985392"/>
+            <a:ext cx="5582429" cy="1038370"/>
+          </a:xfrm>
+          <a:prstGeom prst="rect">
+            <a:avLst/>
+          </a:prstGeom>
+        </p:spPr>
+      </p:pic>
+      <p:sp>
+        <p:nvSpPr>
+          <p:cNvPr id="3" name="TextBox 2">
+            <a:extLst>
+              <a:ext uri="{FF2B5EF4-FFF2-40B4-BE49-F238E27FC236}">
+                <a16:creationId xmlns:a16="http://schemas.microsoft.com/office/drawing/2014/main" id="{5D13CE1B-3E74-89E5-958D-B155847E1456}"/>
+              </a:ext>
+            </a:extLst>
+          </p:cNvPr>
+          <p:cNvSpPr txBox="1"/>
+          <p:nvPr/>
+        </p:nvSpPr>
+        <p:spPr>
+          <a:xfrm>
+            <a:off x="691079" y="2354347"/>
+            <a:ext cx="1865690" cy="369332"/>
+          </a:xfrm>
+          <a:prstGeom prst="rect">
+            <a:avLst/>
+          </a:prstGeom>
+          <a:noFill/>
+        </p:spPr>
+        <p:txBody>
+          <a:bodyPr wrap="square">
+            <a:spAutoFit/>
+          </a:bodyPr>
+          <a:lstStyle/>
+          <a:p>
+            <a:r>
+              <a:rPr lang="en-SG" dirty="0"/>
+              <a:t>Render Mode</a:t>
+            </a:r>
+          </a:p>
+        </p:txBody>
+      </p:sp>
+    </p:spTree>
+    <p:extLst>
+      <p:ext uri="{BB962C8B-B14F-4D97-AF65-F5344CB8AC3E}">
+        <p14:creationId xmlns:p14="http://schemas.microsoft.com/office/powerpoint/2010/main" val="1829943456"/>
+      </p:ext>
+    </p:extLst>
+  </p:cSld>
+  <p:clrMapOvr>
+    <a:masterClrMapping/>
+  </p:clrMapOvr>
+</p:sld>
+</file>
+
+<file path=ppt/slides/slide11.xml><?xml version="1.0" encoding="utf-8"?>
+<p:sld xmlns:a="http://schemas.openxmlformats.org/drawingml/2006/main" xmlns:r="http://schemas.openxmlformats.org/officeDocument/2006/relationships" xmlns:p="http://schemas.openxmlformats.org/presentationml/2006/main">
+  <p:cSld>
+    <p:spTree>
+      <p:nvGrpSpPr>
+        <p:cNvPr id="1" name=""/>
+        <p:cNvGrpSpPr/>
+        <p:nvPr/>
+      </p:nvGrpSpPr>
+      <p:grpSpPr>
+        <a:xfrm>
+          <a:off x="0" y="0"/>
+          <a:ext cx="0" cy="0"/>
+          <a:chOff x="0" y="0"/>
+          <a:chExt cx="0" cy="0"/>
+        </a:xfrm>
+      </p:grpSpPr>
+      <p:sp>
+        <p:nvSpPr>
+          <p:cNvPr id="2" name="Title 1">
+            <a:extLst>
+              <a:ext uri="{FF2B5EF4-FFF2-40B4-BE49-F238E27FC236}">
+                <a16:creationId xmlns:a16="http://schemas.microsoft.com/office/drawing/2014/main" id="{B39BC617-ED7B-1040-B3EE-C0E272920735}"/>
+              </a:ext>
+            </a:extLst>
+          </p:cNvPr>
+          <p:cNvSpPr>
+            <a:spLocks noGrp="1"/>
+          </p:cNvSpPr>
+          <p:nvPr>
+            <p:ph type="title"/>
+          </p:nvPr>
+        </p:nvSpPr>
+        <p:spPr/>
+        <p:txBody>
+          <a:bodyPr/>
+          <a:lstStyle/>
+          <a:p>
+            <a:r>
+              <a:rPr lang="en-US" altLang="zh-CN" sz="4400" dirty="0" err="1"/>
+              <a:t>Blazor</a:t>
+            </a:r>
+            <a:r>
+              <a:rPr lang="en-US" altLang="zh-CN" sz="4400" dirty="0"/>
+              <a:t> Web App</a:t>
+            </a:r>
+            <a:endParaRPr lang="en-SG" dirty="0"/>
+          </a:p>
+        </p:txBody>
+      </p:sp>
+      <p:sp>
+        <p:nvSpPr>
+          <p:cNvPr id="4" name="TextBox 3">
+            <a:extLst>
+              <a:ext uri="{FF2B5EF4-FFF2-40B4-BE49-F238E27FC236}">
+                <a16:creationId xmlns:a16="http://schemas.microsoft.com/office/drawing/2014/main" id="{116BC4E1-7249-E9E9-8C4A-0D2289D51647}"/>
+              </a:ext>
+            </a:extLst>
+          </p:cNvPr>
+          <p:cNvSpPr txBox="1"/>
+          <p:nvPr/>
+        </p:nvSpPr>
+        <p:spPr>
+          <a:xfrm>
+            <a:off x="691079" y="2354347"/>
+            <a:ext cx="1865690" cy="369332"/>
+          </a:xfrm>
+          <a:prstGeom prst="rect">
+            <a:avLst/>
+          </a:prstGeom>
+          <a:noFill/>
+        </p:spPr>
+        <p:txBody>
+          <a:bodyPr wrap="square">
+            <a:spAutoFit/>
+          </a:bodyPr>
+          <a:lstStyle/>
+          <a:p>
+            <a:r>
+              <a:rPr lang="en-SG" dirty="0"/>
+              <a:t>Render Mode</a:t>
+            </a:r>
+          </a:p>
+        </p:txBody>
+      </p:sp>
+      <p:sp>
+        <p:nvSpPr>
+          <p:cNvPr id="8" name="TextBox 7">
+            <a:extLst>
+              <a:ext uri="{FF2B5EF4-FFF2-40B4-BE49-F238E27FC236}">
+                <a16:creationId xmlns:a16="http://schemas.microsoft.com/office/drawing/2014/main" id="{B8617D6A-E8C4-7F82-99B9-F27FFDE3E92A}"/>
+              </a:ext>
+            </a:extLst>
+          </p:cNvPr>
+          <p:cNvSpPr txBox="1"/>
+          <p:nvPr/>
+        </p:nvSpPr>
+        <p:spPr>
+          <a:xfrm>
+            <a:off x="776794" y="3093010"/>
+            <a:ext cx="9645590" cy="276999"/>
+          </a:xfrm>
+          <a:prstGeom prst="rect">
+            <a:avLst/>
+          </a:prstGeom>
+          <a:noFill/>
+        </p:spPr>
+        <p:txBody>
+          <a:bodyPr wrap="square">
+            <a:spAutoFit/>
+          </a:bodyPr>
+          <a:lstStyle/>
+          <a:p>
+            <a:r>
+              <a:rPr lang="en-SG" sz="1200" dirty="0"/>
+              <a:t>Component will generate a private __</a:t>
+            </a:r>
+            <a:r>
+              <a:rPr lang="en-SG" sz="1200" dirty="0" err="1"/>
+              <a:t>PrivateComponentRenderModeAttribute</a:t>
+            </a:r>
+            <a:r>
+              <a:rPr lang="en-SG" sz="1200" dirty="0"/>
+              <a:t> which </a:t>
+            </a:r>
+            <a:r>
+              <a:rPr lang="en-SG" sz="1200" dirty="0" err="1"/>
+              <a:t>distingulish</a:t>
+            </a:r>
+            <a:r>
+              <a:rPr lang="en-SG" sz="1200" dirty="0"/>
+              <a:t> the </a:t>
+            </a:r>
+            <a:r>
+              <a:rPr lang="en-SG" sz="1200" dirty="0" err="1"/>
+              <a:t>RenderMode</a:t>
+            </a:r>
+            <a:r>
+              <a:rPr lang="en-SG" sz="1200" dirty="0"/>
+              <a:t>:</a:t>
+            </a:r>
+          </a:p>
+        </p:txBody>
+      </p:sp>
+      <p:pic>
+        <p:nvPicPr>
+          <p:cNvPr id="12" name="Picture 11">
+            <a:extLst>
+              <a:ext uri="{FF2B5EF4-FFF2-40B4-BE49-F238E27FC236}">
+                <a16:creationId xmlns:a16="http://schemas.microsoft.com/office/drawing/2014/main" id="{931EF619-98B1-95D5-F57B-14E0C088ABA8}"/>
+              </a:ext>
+            </a:extLst>
+          </p:cNvPr>
+          <p:cNvPicPr>
+            <a:picLocks noChangeAspect="1"/>
+          </p:cNvPicPr>
+          <p:nvPr/>
+        </p:nvPicPr>
+        <p:blipFill>
+          <a:blip r:embed="rId2"/>
+          <a:stretch>
+            <a:fillRect/>
+          </a:stretch>
+        </p:blipFill>
+        <p:spPr>
+          <a:xfrm>
+            <a:off x="616996" y="4508924"/>
+            <a:ext cx="7535327" cy="1933845"/>
+          </a:xfrm>
+          <a:prstGeom prst="rect">
+            <a:avLst/>
+          </a:prstGeom>
+        </p:spPr>
+      </p:pic>
+      <p:sp>
+        <p:nvSpPr>
+          <p:cNvPr id="5" name="TextBox 4">
+            <a:extLst>
+              <a:ext uri="{FF2B5EF4-FFF2-40B4-BE49-F238E27FC236}">
+                <a16:creationId xmlns:a16="http://schemas.microsoft.com/office/drawing/2014/main" id="{B88DA9D2-CEC2-D982-E79E-94C04C91E4DF}"/>
+              </a:ext>
+            </a:extLst>
+          </p:cNvPr>
+          <p:cNvSpPr txBox="1"/>
+          <p:nvPr/>
+        </p:nvSpPr>
+        <p:spPr>
+          <a:xfrm>
+            <a:off x="616996" y="3523968"/>
+            <a:ext cx="6116714" cy="830997"/>
+          </a:xfrm>
+          <a:prstGeom prst="rect">
+            <a:avLst/>
+          </a:prstGeom>
+          <a:noFill/>
+        </p:spPr>
+        <p:txBody>
+          <a:bodyPr wrap="square">
+            <a:spAutoFit/>
+          </a:bodyPr>
+          <a:lstStyle/>
+          <a:p>
+            <a:r>
+              <a:rPr lang="en-SG" sz="1200" dirty="0">
+                <a:solidFill>
+                  <a:srgbClr val="000000"/>
+                </a:solidFill>
+                <a:latin typeface="Cascadia Mono" panose="020B0609020000020004" pitchFamily="49" charset="0"/>
+              </a:rPr>
+              <a:t>@page </a:t>
+            </a:r>
+            <a:r>
+              <a:rPr lang="en-SG" sz="1200" dirty="0">
+                <a:solidFill>
+                  <a:srgbClr val="A31515"/>
+                </a:solidFill>
+                <a:latin typeface="Cascadia Mono" panose="020B0609020000020004" pitchFamily="49" charset="0"/>
+              </a:rPr>
+              <a:t>"/render-mode-2"</a:t>
+            </a:r>
+            <a:endParaRPr lang="en-SG" sz="1200" dirty="0">
+              <a:solidFill>
+                <a:srgbClr val="000000"/>
+              </a:solidFill>
+              <a:latin typeface="Cascadia Mono" panose="020B0609020000020004" pitchFamily="49" charset="0"/>
+            </a:endParaRPr>
+          </a:p>
+          <a:p>
+            <a:r>
+              <a:rPr lang="en-SG" sz="1200" dirty="0">
+                <a:solidFill>
+                  <a:srgbClr val="000000"/>
+                </a:solidFill>
+                <a:latin typeface="Cascadia Mono" panose="020B0609020000020004" pitchFamily="49" charset="0"/>
+              </a:rPr>
+              <a:t>@rendermode </a:t>
+            </a:r>
+            <a:r>
+              <a:rPr lang="en-SG" sz="1200" dirty="0" err="1">
+                <a:solidFill>
+                  <a:srgbClr val="2B91AF"/>
+                </a:solidFill>
+                <a:latin typeface="Cascadia Mono" panose="020B0609020000020004" pitchFamily="49" charset="0"/>
+              </a:rPr>
+              <a:t>RenderMode</a:t>
+            </a:r>
+            <a:r>
+              <a:rPr lang="en-SG" sz="1200" dirty="0" err="1">
+                <a:solidFill>
+                  <a:srgbClr val="000000"/>
+                </a:solidFill>
+                <a:latin typeface="Cascadia Mono" panose="020B0609020000020004" pitchFamily="49" charset="0"/>
+              </a:rPr>
+              <a:t>.InteractiveServer</a:t>
+            </a:r>
+            <a:endParaRPr lang="en-SG" sz="1200" dirty="0">
+              <a:solidFill>
+                <a:srgbClr val="000000"/>
+              </a:solidFill>
+              <a:latin typeface="Cascadia Mono" panose="020B0609020000020004" pitchFamily="49" charset="0"/>
+            </a:endParaRPr>
+          </a:p>
+          <a:p>
+            <a:endParaRPr lang="en-SG" sz="1200" dirty="0">
+              <a:solidFill>
+                <a:srgbClr val="000000"/>
+              </a:solidFill>
+              <a:latin typeface="Cascadia Mono" panose="020B0609020000020004" pitchFamily="49" charset="0"/>
+            </a:endParaRPr>
+          </a:p>
+          <a:p>
+            <a:r>
+              <a:rPr lang="pt-BR" sz="1200" dirty="0">
+                <a:solidFill>
+                  <a:srgbClr val="0000FF"/>
+                </a:solidFill>
+                <a:latin typeface="Cascadia Mono" panose="020B0609020000020004" pitchFamily="49" charset="0"/>
+              </a:rPr>
+              <a:t>&lt;</a:t>
+            </a:r>
+            <a:r>
+              <a:rPr lang="pt-BR" sz="1200" dirty="0">
+                <a:solidFill>
+                  <a:srgbClr val="800000"/>
+                </a:solidFill>
+                <a:latin typeface="Cascadia Mono" panose="020B0609020000020004" pitchFamily="49" charset="0"/>
+              </a:rPr>
+              <a:t>h3</a:t>
+            </a:r>
+            <a:r>
+              <a:rPr lang="pt-BR" sz="1200" dirty="0">
+                <a:solidFill>
+                  <a:srgbClr val="0000FF"/>
+                </a:solidFill>
+                <a:latin typeface="Cascadia Mono" panose="020B0609020000020004" pitchFamily="49" charset="0"/>
+              </a:rPr>
+              <a:t>&gt;</a:t>
+            </a:r>
+            <a:r>
+              <a:rPr lang="pt-BR" sz="1200" dirty="0">
+                <a:solidFill>
+                  <a:srgbClr val="000000"/>
+                </a:solidFill>
+                <a:latin typeface="Cascadia Mono" panose="020B0609020000020004" pitchFamily="49" charset="0"/>
+              </a:rPr>
+              <a:t>Server Render Mode</a:t>
+            </a:r>
+            <a:r>
+              <a:rPr lang="pt-BR" sz="1200" dirty="0">
+                <a:solidFill>
+                  <a:srgbClr val="0000FF"/>
+                </a:solidFill>
+                <a:latin typeface="Cascadia Mono" panose="020B0609020000020004" pitchFamily="49" charset="0"/>
+              </a:rPr>
+              <a:t>&lt;/</a:t>
+            </a:r>
+            <a:r>
+              <a:rPr lang="pt-BR" sz="1200" dirty="0">
+                <a:solidFill>
+                  <a:srgbClr val="800000"/>
+                </a:solidFill>
+                <a:latin typeface="Cascadia Mono" panose="020B0609020000020004" pitchFamily="49" charset="0"/>
+              </a:rPr>
+              <a:t>h3</a:t>
+            </a:r>
+            <a:r>
+              <a:rPr lang="pt-BR" sz="1200" dirty="0">
+                <a:solidFill>
+                  <a:srgbClr val="0000FF"/>
+                </a:solidFill>
+                <a:latin typeface="Cascadia Mono" panose="020B0609020000020004" pitchFamily="49" charset="0"/>
+              </a:rPr>
+              <a:t>&gt;</a:t>
+            </a:r>
+            <a:endParaRPr lang="en-SG" sz="1200" dirty="0"/>
+          </a:p>
+        </p:txBody>
+      </p:sp>
+    </p:spTree>
+    <p:extLst>
+      <p:ext uri="{BB962C8B-B14F-4D97-AF65-F5344CB8AC3E}">
+        <p14:creationId xmlns:p14="http://schemas.microsoft.com/office/powerpoint/2010/main" val="3313266934"/>
+      </p:ext>
+    </p:extLst>
+  </p:cSld>
+  <p:clrMapOvr>
+    <a:masterClrMapping/>
+  </p:clrMapOvr>
+</p:sld>
+</file>
+
+<file path=ppt/slides/slide12.xml><?xml version="1.0" encoding="utf-8"?>
+<p:sld xmlns:a="http://schemas.openxmlformats.org/drawingml/2006/main" xmlns:r="http://schemas.openxmlformats.org/officeDocument/2006/relationships" xmlns:p="http://schemas.openxmlformats.org/presentationml/2006/main">
+  <p:cSld>
+    <p:spTree>
+      <p:nvGrpSpPr>
+        <p:cNvPr id="1" name=""/>
+        <p:cNvGrpSpPr/>
+        <p:nvPr/>
+      </p:nvGrpSpPr>
+      <p:grpSpPr>
+        <a:xfrm>
+          <a:off x="0" y="0"/>
+          <a:ext cx="0" cy="0"/>
+          <a:chOff x="0" y="0"/>
+          <a:chExt cx="0" cy="0"/>
+        </a:xfrm>
+      </p:grpSpPr>
+      <p:sp>
+        <p:nvSpPr>
+          <p:cNvPr id="2" name="Title 1">
+            <a:extLst>
+              <a:ext uri="{FF2B5EF4-FFF2-40B4-BE49-F238E27FC236}">
+                <a16:creationId xmlns:a16="http://schemas.microsoft.com/office/drawing/2014/main" id="{B39BC617-ED7B-1040-B3EE-C0E272920735}"/>
+              </a:ext>
+            </a:extLst>
+          </p:cNvPr>
+          <p:cNvSpPr>
+            <a:spLocks noGrp="1"/>
+          </p:cNvSpPr>
+          <p:nvPr>
+            <p:ph type="title"/>
+          </p:nvPr>
+        </p:nvSpPr>
+        <p:spPr/>
+        <p:txBody>
+          <a:bodyPr/>
+          <a:lstStyle/>
+          <a:p>
+            <a:r>
+              <a:rPr lang="en-US" altLang="zh-CN" sz="4400" dirty="0" err="1"/>
+              <a:t>Blazor</a:t>
+            </a:r>
+            <a:r>
+              <a:rPr lang="en-US" altLang="zh-CN" sz="4400" dirty="0"/>
+              <a:t> </a:t>
+            </a:r>
+            <a:r>
+              <a:rPr lang="en-US" altLang="zh-CN" dirty="0"/>
+              <a:t>Web App</a:t>
+            </a:r>
+            <a:endParaRPr lang="en-SG" dirty="0"/>
+          </a:p>
+        </p:txBody>
+      </p:sp>
+      <p:pic>
+        <p:nvPicPr>
+          <p:cNvPr id="6" name="Content Placeholder 4">
+            <a:extLst>
+              <a:ext uri="{FF2B5EF4-FFF2-40B4-BE49-F238E27FC236}">
+                <a16:creationId xmlns:a16="http://schemas.microsoft.com/office/drawing/2014/main" id="{B87CC673-1555-F356-D5F9-B656C03B21E5}"/>
+              </a:ext>
+            </a:extLst>
+          </p:cNvPr>
+          <p:cNvPicPr>
+            <a:picLocks noChangeAspect="1"/>
+          </p:cNvPicPr>
+          <p:nvPr/>
+        </p:nvPicPr>
+        <p:blipFill>
+          <a:blip r:embed="rId2"/>
+          <a:stretch>
+            <a:fillRect/>
+          </a:stretch>
+        </p:blipFill>
+        <p:spPr>
+          <a:xfrm>
+            <a:off x="0" y="3433134"/>
+            <a:ext cx="12186744" cy="3260630"/>
+          </a:xfrm>
+          <a:prstGeom prst="rect">
+            <a:avLst/>
+          </a:prstGeom>
+        </p:spPr>
+      </p:pic>
+      <p:sp>
+        <p:nvSpPr>
+          <p:cNvPr id="4" name="TextBox 3">
+            <a:extLst>
+              <a:ext uri="{FF2B5EF4-FFF2-40B4-BE49-F238E27FC236}">
+                <a16:creationId xmlns:a16="http://schemas.microsoft.com/office/drawing/2014/main" id="{116BC4E1-7249-E9E9-8C4A-0D2289D51647}"/>
+              </a:ext>
+            </a:extLst>
+          </p:cNvPr>
+          <p:cNvSpPr txBox="1"/>
+          <p:nvPr/>
+        </p:nvSpPr>
+        <p:spPr>
+          <a:xfrm>
+            <a:off x="691079" y="2762720"/>
+            <a:ext cx="6116714" cy="369332"/>
+          </a:xfrm>
+          <a:prstGeom prst="rect">
+            <a:avLst/>
+          </a:prstGeom>
+          <a:noFill/>
+        </p:spPr>
+        <p:txBody>
+          <a:bodyPr wrap="square">
+            <a:spAutoFit/>
+          </a:bodyPr>
+          <a:lstStyle/>
+          <a:p>
+            <a:r>
+              <a:rPr lang="en-SG" dirty="0" err="1"/>
+              <a:t>WebAssemblyHostBuilder.cs</a:t>
+            </a:r>
+            <a:endParaRPr lang="en-SG" dirty="0"/>
+          </a:p>
+        </p:txBody>
+      </p:sp>
+    </p:spTree>
+    <p:extLst>
+      <p:ext uri="{BB962C8B-B14F-4D97-AF65-F5344CB8AC3E}">
+        <p14:creationId xmlns:p14="http://schemas.microsoft.com/office/powerpoint/2010/main" val="1302170335"/>
+      </p:ext>
+    </p:extLst>
+  </p:cSld>
+  <p:clrMapOvr>
+    <a:masterClrMapping/>
+  </p:clrMapOvr>
+</p:sld>
+</file>
+
+<file path=ppt/slides/slide13.xml><?xml version="1.0" encoding="utf-8"?>
+<p:sld xmlns:a="http://schemas.openxmlformats.org/drawingml/2006/main" xmlns:r="http://schemas.openxmlformats.org/officeDocument/2006/relationships" xmlns:p="http://schemas.openxmlformats.org/presentationml/2006/main">
+  <p:cSld>
+    <p:spTree>
+      <p:nvGrpSpPr>
+        <p:cNvPr id="1" name=""/>
+        <p:cNvGrpSpPr/>
+        <p:nvPr/>
+      </p:nvGrpSpPr>
+      <p:grpSpPr>
+        <a:xfrm>
+          <a:off x="0" y="0"/>
+          <a:ext cx="0" cy="0"/>
+          <a:chOff x="0" y="0"/>
+          <a:chExt cx="0" cy="0"/>
+        </a:xfrm>
+      </p:grpSpPr>
+      <p:pic>
+        <p:nvPicPr>
+          <p:cNvPr id="8" name="Content Placeholder 4">
+            <a:extLst>
+              <a:ext uri="{FF2B5EF4-FFF2-40B4-BE49-F238E27FC236}">
+                <a16:creationId xmlns:a16="http://schemas.microsoft.com/office/drawing/2014/main" id="{998ED581-5F14-366E-09C4-975D93F42EB5}"/>
+              </a:ext>
+            </a:extLst>
+          </p:cNvPr>
+          <p:cNvPicPr>
+            <a:picLocks noGrp="1" noChangeAspect="1"/>
+          </p:cNvPicPr>
+          <p:nvPr>
+            <p:ph idx="1"/>
+          </p:nvPr>
+        </p:nvPicPr>
+        <p:blipFill>
+          <a:blip r:embed="rId2"/>
+          <a:stretch>
+            <a:fillRect/>
+          </a:stretch>
+        </p:blipFill>
+        <p:spPr>
+          <a:xfrm>
+            <a:off x="0" y="3037418"/>
+            <a:ext cx="12192000" cy="3820582"/>
+          </a:xfrm>
+        </p:spPr>
+      </p:pic>
+      <p:sp>
+        <p:nvSpPr>
+          <p:cNvPr id="4" name="Title 1">
+            <a:extLst>
+              <a:ext uri="{FF2B5EF4-FFF2-40B4-BE49-F238E27FC236}">
+                <a16:creationId xmlns:a16="http://schemas.microsoft.com/office/drawing/2014/main" id="{F4438394-4326-B683-0E03-3EEBD42F4CF2}"/>
+              </a:ext>
+            </a:extLst>
+          </p:cNvPr>
+          <p:cNvSpPr>
+            <a:spLocks noGrp="1"/>
+          </p:cNvSpPr>
+          <p:nvPr>
+            <p:ph type="title"/>
+          </p:nvPr>
+        </p:nvSpPr>
+        <p:spPr>
+          <a:xfrm>
+            <a:off x="691079" y="725951"/>
+            <a:ext cx="10325000" cy="1442463"/>
+          </a:xfrm>
+        </p:spPr>
+        <p:txBody>
+          <a:bodyPr/>
+          <a:lstStyle/>
+          <a:p>
+            <a:r>
+              <a:rPr lang="en-US" altLang="zh-CN" sz="4400" dirty="0" err="1"/>
+              <a:t>Blazor</a:t>
+            </a:r>
+            <a:r>
+              <a:rPr lang="en-US" altLang="zh-CN" sz="4400" dirty="0"/>
+              <a:t> </a:t>
+            </a:r>
+            <a:r>
+              <a:rPr lang="en-US" altLang="zh-CN" dirty="0"/>
+              <a:t>Web App</a:t>
+            </a:r>
+            <a:endParaRPr lang="en-SG" dirty="0"/>
+          </a:p>
+        </p:txBody>
+      </p:sp>
+    </p:spTree>
+    <p:extLst>
+      <p:ext uri="{BB962C8B-B14F-4D97-AF65-F5344CB8AC3E}">
+        <p14:creationId xmlns:p14="http://schemas.microsoft.com/office/powerpoint/2010/main" val="3214789743"/>
+      </p:ext>
+    </p:extLst>
+  </p:cSld>
+  <p:clrMapOvr>
+    <a:masterClrMapping/>
+  </p:clrMapOvr>
+</p:sld>
+</file>
+
+<file path=ppt/slides/slide14.xml><?xml version="1.0" encoding="utf-8"?>
+<p:sld xmlns:a="http://schemas.openxmlformats.org/drawingml/2006/main" xmlns:r="http://schemas.openxmlformats.org/officeDocument/2006/relationships" xmlns:p="http://schemas.openxmlformats.org/presentationml/2006/main">
+  <p:cSld>
+    <p:spTree>
+      <p:nvGrpSpPr>
+        <p:cNvPr id="1" name=""/>
+        <p:cNvGrpSpPr/>
+        <p:nvPr/>
+      </p:nvGrpSpPr>
+      <p:grpSpPr>
+        <a:xfrm>
+          <a:off x="0" y="0"/>
+          <a:ext cx="0" cy="0"/>
+          <a:chOff x="0" y="0"/>
+          <a:chExt cx="0" cy="0"/>
+        </a:xfrm>
+      </p:grpSpPr>
+      <p:sp>
+        <p:nvSpPr>
+          <p:cNvPr id="2" name="Title 1">
+            <a:extLst>
+              <a:ext uri="{FF2B5EF4-FFF2-40B4-BE49-F238E27FC236}">
                 <a16:creationId xmlns:a16="http://schemas.microsoft.com/office/drawing/2014/main" id="{8C867C49-3A08-0EA9-B5E0-F822C126D456}"/>
               </a:ext>
             </a:extLst>
@@ -16127,7 +16843,7 @@
 </p:sld>
 </file>
 
-<file path=ppt/slides/slide11.xml><?xml version="1.0" encoding="utf-8"?>
+<file path=ppt/slides/slide15.xml><?xml version="1.0" encoding="utf-8"?>
 <p:sld xmlns:a="http://schemas.openxmlformats.org/drawingml/2006/main" xmlns:r="http://schemas.openxmlformats.org/officeDocument/2006/relationships" xmlns:p="http://schemas.openxmlformats.org/presentationml/2006/main">
   <p:cSld>
     <p:spTree>
@@ -16187,7 +16903,7 @@
 </p:sld>
 </file>
 
-<file path=ppt/slides/slide12.xml><?xml version="1.0" encoding="utf-8"?>
+<file path=ppt/slides/slide16.xml><?xml version="1.0" encoding="utf-8"?>
 <p:sld xmlns:a="http://schemas.openxmlformats.org/drawingml/2006/main" xmlns:r="http://schemas.openxmlformats.org/officeDocument/2006/relationships" xmlns:p="http://schemas.openxmlformats.org/presentationml/2006/main">
   <p:cSld>
     <p:bg>
@@ -16220,7 +16936,7 @@
                 <a16:creationId xmlns:a16="http://schemas.microsoft.com/office/drawing/2014/main" id="{1C582B07-D0F0-4B6B-A5D9-D2F192CB3A4E}"/>
               </a:ext>
               <a:ext uri="{C183D7F6-B498-43B3-948B-1728B52AA6E4}">
-                <adec:decorative xmlns:adec="http://schemas.microsoft.com/office/drawing/2017/decorative" xmlns="" val="1"/>
+                <adec:decorative xmlns:adec="http://schemas.microsoft.com/office/drawing/2017/decorative" val="1"/>
               </a:ext>
             </a:extLst>
           </p:cNvPr>
@@ -16284,7 +17000,7 @@
                 <a16:creationId xmlns:a16="http://schemas.microsoft.com/office/drawing/2014/main" id="{67CE0AF2-326F-4B0F-B97A-2C14B3CE1935}"/>
               </a:ext>
               <a:ext uri="{C183D7F6-B498-43B3-948B-1728B52AA6E4}">
-                <adec:decorative xmlns:adec="http://schemas.microsoft.com/office/drawing/2017/decorative" xmlns="" val="1"/>
+                <adec:decorative xmlns:adec="http://schemas.microsoft.com/office/drawing/2017/decorative" val="1"/>
               </a:ext>
             </a:extLst>
           </p:cNvPr>
@@ -16315,7 +17031,7 @@
                   <a16:creationId xmlns:a16="http://schemas.microsoft.com/office/drawing/2014/main" id="{4E8B05B5-D3AB-4AAC-B97A-7D65FF85F8DC}"/>
                 </a:ext>
                 <a:ext uri="{C183D7F6-B498-43B3-948B-1728B52AA6E4}">
-                  <adec:decorative xmlns:adec="http://schemas.microsoft.com/office/drawing/2017/decorative" xmlns="" val="1"/>
+                  <adec:decorative xmlns:adec="http://schemas.microsoft.com/office/drawing/2017/decorative" val="1"/>
                 </a:ext>
               </a:extLst>
             </p:cNvPr>
@@ -16370,7 +17086,7 @@
                   <a16:creationId xmlns:a16="http://schemas.microsoft.com/office/drawing/2014/main" id="{2647EC12-BFF1-4F97-8364-51C4DF812139}"/>
                 </a:ext>
                 <a:ext uri="{C183D7F6-B498-43B3-948B-1728B52AA6E4}">
-                  <adec:decorative xmlns:adec="http://schemas.microsoft.com/office/drawing/2017/decorative" xmlns="" val="1"/>
+                  <adec:decorative xmlns:adec="http://schemas.microsoft.com/office/drawing/2017/decorative" val="1"/>
                 </a:ext>
               </a:extLst>
             </p:cNvPr>
@@ -16425,7 +17141,7 @@
                   <a16:creationId xmlns:a16="http://schemas.microsoft.com/office/drawing/2014/main" id="{E715F011-94BA-47DC-834F-1388B34219A0}"/>
                 </a:ext>
                 <a:ext uri="{C183D7F6-B498-43B3-948B-1728B52AA6E4}">
-                  <adec:decorative xmlns:adec="http://schemas.microsoft.com/office/drawing/2017/decorative" xmlns="" val="1"/>
+                  <adec:decorative xmlns:adec="http://schemas.microsoft.com/office/drawing/2017/decorative" val="1"/>
                 </a:ext>
               </a:extLst>
             </p:cNvPr>
@@ -16480,7 +17196,7 @@
                   <a16:creationId xmlns:a16="http://schemas.microsoft.com/office/drawing/2014/main" id="{2506A0AD-93DC-442E-9F60-B30CEAF7DD5D}"/>
                 </a:ext>
                 <a:ext uri="{C183D7F6-B498-43B3-948B-1728B52AA6E4}">
-                  <adec:decorative xmlns:adec="http://schemas.microsoft.com/office/drawing/2017/decorative" xmlns="" val="1"/>
+                  <adec:decorative xmlns:adec="http://schemas.microsoft.com/office/drawing/2017/decorative" val="1"/>
                 </a:ext>
               </a:extLst>
             </p:cNvPr>
@@ -16535,7 +17251,7 @@
                   <a16:creationId xmlns:a16="http://schemas.microsoft.com/office/drawing/2014/main" id="{FED3C365-CE85-4FAC-B746-E04C9F92AF03}"/>
                 </a:ext>
                 <a:ext uri="{C183D7F6-B498-43B3-948B-1728B52AA6E4}">
-                  <adec:decorative xmlns:adec="http://schemas.microsoft.com/office/drawing/2017/decorative" xmlns="" val="1"/>
+                  <adec:decorative xmlns:adec="http://schemas.microsoft.com/office/drawing/2017/decorative" val="1"/>
                 </a:ext>
               </a:extLst>
             </p:cNvPr>
@@ -16590,7 +17306,7 @@
                   <a16:creationId xmlns:a16="http://schemas.microsoft.com/office/drawing/2014/main" id="{178454BD-0545-4C56-BD44-0FD16077F2CD}"/>
                 </a:ext>
                 <a:ext uri="{C183D7F6-B498-43B3-948B-1728B52AA6E4}">
-                  <adec:decorative xmlns:adec="http://schemas.microsoft.com/office/drawing/2017/decorative" xmlns="" val="1"/>
+                  <adec:decorative xmlns:adec="http://schemas.microsoft.com/office/drawing/2017/decorative" val="1"/>
                 </a:ext>
               </a:extLst>
             </p:cNvPr>
@@ -16645,7 +17361,7 @@
                   <a16:creationId xmlns:a16="http://schemas.microsoft.com/office/drawing/2014/main" id="{5B2AB6B5-F9FA-46C4-9677-F28F2A3BC9FC}"/>
                 </a:ext>
                 <a:ext uri="{C183D7F6-B498-43B3-948B-1728B52AA6E4}">
-                  <adec:decorative xmlns:adec="http://schemas.microsoft.com/office/drawing/2017/decorative" xmlns="" val="1"/>
+                  <adec:decorative xmlns:adec="http://schemas.microsoft.com/office/drawing/2017/decorative" val="1"/>
                 </a:ext>
               </a:extLst>
             </p:cNvPr>
@@ -16700,7 +17416,7 @@
                   <a16:creationId xmlns:a16="http://schemas.microsoft.com/office/drawing/2014/main" id="{0A888551-D4D1-46F5-975D-320FB87DBCE6}"/>
                 </a:ext>
                 <a:ext uri="{C183D7F6-B498-43B3-948B-1728B52AA6E4}">
-                  <adec:decorative xmlns:adec="http://schemas.microsoft.com/office/drawing/2017/decorative" xmlns="" val="1"/>
+                  <adec:decorative xmlns:adec="http://schemas.microsoft.com/office/drawing/2017/decorative" val="1"/>
                 </a:ext>
               </a:extLst>
             </p:cNvPr>
@@ -16755,7 +17471,7 @@
                   <a16:creationId xmlns:a16="http://schemas.microsoft.com/office/drawing/2014/main" id="{567C48A2-7C70-4832-8EA1-F4690A5F6BA0}"/>
                 </a:ext>
                 <a:ext uri="{C183D7F6-B498-43B3-948B-1728B52AA6E4}">
-                  <adec:decorative xmlns:adec="http://schemas.microsoft.com/office/drawing/2017/decorative" xmlns="" val="1"/>
+                  <adec:decorative xmlns:adec="http://schemas.microsoft.com/office/drawing/2017/decorative" val="1"/>
                 </a:ext>
               </a:extLst>
             </p:cNvPr>
@@ -16810,7 +17526,7 @@
                   <a16:creationId xmlns:a16="http://schemas.microsoft.com/office/drawing/2014/main" id="{C6B11DE8-28CF-46C2-AB13-7AE209801545}"/>
                 </a:ext>
                 <a:ext uri="{C183D7F6-B498-43B3-948B-1728B52AA6E4}">
-                  <adec:decorative xmlns:adec="http://schemas.microsoft.com/office/drawing/2017/decorative" xmlns="" val="1"/>
+                  <adec:decorative xmlns:adec="http://schemas.microsoft.com/office/drawing/2017/decorative" val="1"/>
                 </a:ext>
               </a:extLst>
             </p:cNvPr>
@@ -16865,7 +17581,7 @@
                   <a16:creationId xmlns:a16="http://schemas.microsoft.com/office/drawing/2014/main" id="{40395973-46DA-4BF6-B9C1-F0B4512DEB03}"/>
                 </a:ext>
                 <a:ext uri="{C183D7F6-B498-43B3-948B-1728B52AA6E4}">
-                  <adec:decorative xmlns:adec="http://schemas.microsoft.com/office/drawing/2017/decorative" xmlns="" val="1"/>
+                  <adec:decorative xmlns:adec="http://schemas.microsoft.com/office/drawing/2017/decorative" val="1"/>
                 </a:ext>
               </a:extLst>
             </p:cNvPr>
@@ -16920,7 +17636,7 @@
                   <a16:creationId xmlns:a16="http://schemas.microsoft.com/office/drawing/2014/main" id="{0CCFEEC4-7A30-4BB7-91CE-1BBA13833D5B}"/>
                 </a:ext>
                 <a:ext uri="{C183D7F6-B498-43B3-948B-1728B52AA6E4}">
-                  <adec:decorative xmlns:adec="http://schemas.microsoft.com/office/drawing/2017/decorative" xmlns="" val="1"/>
+                  <adec:decorative xmlns:adec="http://schemas.microsoft.com/office/drawing/2017/decorative" val="1"/>
                 </a:ext>
               </a:extLst>
             </p:cNvPr>
@@ -16975,7 +17691,7 @@
                   <a16:creationId xmlns:a16="http://schemas.microsoft.com/office/drawing/2014/main" id="{08A0F616-0997-42B0-83B2-BDF6BB350119}"/>
                 </a:ext>
                 <a:ext uri="{C183D7F6-B498-43B3-948B-1728B52AA6E4}">
-                  <adec:decorative xmlns:adec="http://schemas.microsoft.com/office/drawing/2017/decorative" xmlns="" val="1"/>
+                  <adec:decorative xmlns:adec="http://schemas.microsoft.com/office/drawing/2017/decorative" val="1"/>
                 </a:ext>
               </a:extLst>
             </p:cNvPr>
@@ -17030,7 +17746,7 @@
                   <a16:creationId xmlns:a16="http://schemas.microsoft.com/office/drawing/2014/main" id="{444B0F3E-07AE-40F2-ACA8-84BBAEE5B92B}"/>
                 </a:ext>
                 <a:ext uri="{C183D7F6-B498-43B3-948B-1728B52AA6E4}">
-                  <adec:decorative xmlns:adec="http://schemas.microsoft.com/office/drawing/2017/decorative" xmlns="" val="1"/>
+                  <adec:decorative xmlns:adec="http://schemas.microsoft.com/office/drawing/2017/decorative" val="1"/>
                 </a:ext>
               </a:extLst>
             </p:cNvPr>
@@ -17085,7 +17801,7 @@
                   <a16:creationId xmlns:a16="http://schemas.microsoft.com/office/drawing/2014/main" id="{1A948B5D-3085-4444-95B3-2ED3F19C1697}"/>
                 </a:ext>
                 <a:ext uri="{C183D7F6-B498-43B3-948B-1728B52AA6E4}">
-                  <adec:decorative xmlns:adec="http://schemas.microsoft.com/office/drawing/2017/decorative" xmlns="" val="1"/>
+                  <adec:decorative xmlns:adec="http://schemas.microsoft.com/office/drawing/2017/decorative" val="1"/>
                 </a:ext>
               </a:extLst>
             </p:cNvPr>
@@ -17140,7 +17856,7 @@
                   <a16:creationId xmlns:a16="http://schemas.microsoft.com/office/drawing/2014/main" id="{15B0FDF0-2286-4AD5-8409-EC8B706C508C}"/>
                 </a:ext>
                 <a:ext uri="{C183D7F6-B498-43B3-948B-1728B52AA6E4}">
-                  <adec:decorative xmlns:adec="http://schemas.microsoft.com/office/drawing/2017/decorative" xmlns="" val="1"/>
+                  <adec:decorative xmlns:adec="http://schemas.microsoft.com/office/drawing/2017/decorative" val="1"/>
                 </a:ext>
               </a:extLst>
             </p:cNvPr>
@@ -17195,7 +17911,7 @@
                   <a16:creationId xmlns:a16="http://schemas.microsoft.com/office/drawing/2014/main" id="{0B8842C3-3266-4C74-A6BF-5529C9CC25AA}"/>
                 </a:ext>
                 <a:ext uri="{C183D7F6-B498-43B3-948B-1728B52AA6E4}">
-                  <adec:decorative xmlns:adec="http://schemas.microsoft.com/office/drawing/2017/decorative" xmlns="" val="1"/>
+                  <adec:decorative xmlns:adec="http://schemas.microsoft.com/office/drawing/2017/decorative" val="1"/>
                 </a:ext>
               </a:extLst>
             </p:cNvPr>
@@ -17250,7 +17966,7 @@
                   <a16:creationId xmlns:a16="http://schemas.microsoft.com/office/drawing/2014/main" id="{E920E458-6F68-46DF-9407-9E6AD8CE210A}"/>
                 </a:ext>
                 <a:ext uri="{C183D7F6-B498-43B3-948B-1728B52AA6E4}">
-                  <adec:decorative xmlns:adec="http://schemas.microsoft.com/office/drawing/2017/decorative" xmlns="" val="1"/>
+                  <adec:decorative xmlns:adec="http://schemas.microsoft.com/office/drawing/2017/decorative" val="1"/>
                 </a:ext>
               </a:extLst>
             </p:cNvPr>
@@ -17305,7 +18021,7 @@
                   <a16:creationId xmlns:a16="http://schemas.microsoft.com/office/drawing/2014/main" id="{10CB4A57-7F7E-426D-93B5-984A8F8BC643}"/>
                 </a:ext>
                 <a:ext uri="{C183D7F6-B498-43B3-948B-1728B52AA6E4}">
-                  <adec:decorative xmlns:adec="http://schemas.microsoft.com/office/drawing/2017/decorative" xmlns="" val="1"/>
+                  <adec:decorative xmlns:adec="http://schemas.microsoft.com/office/drawing/2017/decorative" val="1"/>
                 </a:ext>
               </a:extLst>
             </p:cNvPr>
@@ -17360,7 +18076,7 @@
                   <a16:creationId xmlns:a16="http://schemas.microsoft.com/office/drawing/2014/main" id="{CC038EA1-A5C8-4528-9DEC-35C3970C22F4}"/>
                 </a:ext>
                 <a:ext uri="{C183D7F6-B498-43B3-948B-1728B52AA6E4}">
-                  <adec:decorative xmlns:adec="http://schemas.microsoft.com/office/drawing/2017/decorative" xmlns="" val="1"/>
+                  <adec:decorative xmlns:adec="http://schemas.microsoft.com/office/drawing/2017/decorative" val="1"/>
                 </a:ext>
               </a:extLst>
             </p:cNvPr>
@@ -17415,7 +18131,7 @@
                   <a16:creationId xmlns:a16="http://schemas.microsoft.com/office/drawing/2014/main" id="{3CC18C7B-5800-46CC-B5DF-8B8D91A1B3B2}"/>
                 </a:ext>
                 <a:ext uri="{C183D7F6-B498-43B3-948B-1728B52AA6E4}">
-                  <adec:decorative xmlns:adec="http://schemas.microsoft.com/office/drawing/2017/decorative" xmlns="" val="1"/>
+                  <adec:decorative xmlns:adec="http://schemas.microsoft.com/office/drawing/2017/decorative" val="1"/>
                 </a:ext>
               </a:extLst>
             </p:cNvPr>
@@ -17470,7 +18186,7 @@
                   <a16:creationId xmlns:a16="http://schemas.microsoft.com/office/drawing/2014/main" id="{27AFBA18-1DE7-4213-9CF2-DAA4886EA9F8}"/>
                 </a:ext>
                 <a:ext uri="{C183D7F6-B498-43B3-948B-1728B52AA6E4}">
-                  <adec:decorative xmlns:adec="http://schemas.microsoft.com/office/drawing/2017/decorative" xmlns="" val="1"/>
+                  <adec:decorative xmlns:adec="http://schemas.microsoft.com/office/drawing/2017/decorative" val="1"/>
                 </a:ext>
               </a:extLst>
             </p:cNvPr>
@@ -17525,7 +18241,7 @@
                   <a16:creationId xmlns:a16="http://schemas.microsoft.com/office/drawing/2014/main" id="{E209AD18-3DFF-4A2A-BA06-5B62BC9F303B}"/>
                 </a:ext>
                 <a:ext uri="{C183D7F6-B498-43B3-948B-1728B52AA6E4}">
-                  <adec:decorative xmlns:adec="http://schemas.microsoft.com/office/drawing/2017/decorative" xmlns="" val="1"/>
+                  <adec:decorative xmlns:adec="http://schemas.microsoft.com/office/drawing/2017/decorative" val="1"/>
                 </a:ext>
               </a:extLst>
             </p:cNvPr>
@@ -17580,7 +18296,7 @@
                   <a16:creationId xmlns:a16="http://schemas.microsoft.com/office/drawing/2014/main" id="{CC9349A2-4AE5-4765-852E-EDD390D0ED4A}"/>
                 </a:ext>
                 <a:ext uri="{C183D7F6-B498-43B3-948B-1728B52AA6E4}">
-                  <adec:decorative xmlns:adec="http://schemas.microsoft.com/office/drawing/2017/decorative" xmlns="" val="1"/>
+                  <adec:decorative xmlns:adec="http://schemas.microsoft.com/office/drawing/2017/decorative" val="1"/>
                 </a:ext>
               </a:extLst>
             </p:cNvPr>
@@ -17635,7 +18351,7 @@
                   <a16:creationId xmlns:a16="http://schemas.microsoft.com/office/drawing/2014/main" id="{8F551698-2DD2-4F8E-ABB8-0CBAE048C373}"/>
                 </a:ext>
                 <a:ext uri="{C183D7F6-B498-43B3-948B-1728B52AA6E4}">
-                  <adec:decorative xmlns:adec="http://schemas.microsoft.com/office/drawing/2017/decorative" xmlns="" val="1"/>
+                  <adec:decorative xmlns:adec="http://schemas.microsoft.com/office/drawing/2017/decorative" val="1"/>
                 </a:ext>
               </a:extLst>
             </p:cNvPr>
@@ -17690,7 +18406,7 @@
                   <a16:creationId xmlns:a16="http://schemas.microsoft.com/office/drawing/2014/main" id="{93D68F4A-8464-4C0E-8E8F-218BA86E10FD}"/>
                 </a:ext>
                 <a:ext uri="{C183D7F6-B498-43B3-948B-1728B52AA6E4}">
-                  <adec:decorative xmlns:adec="http://schemas.microsoft.com/office/drawing/2017/decorative" xmlns="" val="1"/>
+                  <adec:decorative xmlns:adec="http://schemas.microsoft.com/office/drawing/2017/decorative" val="1"/>
                 </a:ext>
               </a:extLst>
             </p:cNvPr>
@@ -17745,7 +18461,7 @@
                   <a16:creationId xmlns:a16="http://schemas.microsoft.com/office/drawing/2014/main" id="{31142AB3-3DD8-414B-8BB3-2E30DBD759FA}"/>
                 </a:ext>
                 <a:ext uri="{C183D7F6-B498-43B3-948B-1728B52AA6E4}">
-                  <adec:decorative xmlns:adec="http://schemas.microsoft.com/office/drawing/2017/decorative" xmlns="" val="1"/>
+                  <adec:decorative xmlns:adec="http://schemas.microsoft.com/office/drawing/2017/decorative" val="1"/>
                 </a:ext>
               </a:extLst>
             </p:cNvPr>
@@ -17800,7 +18516,7 @@
                   <a16:creationId xmlns:a16="http://schemas.microsoft.com/office/drawing/2014/main" id="{5D796E03-EB21-459D-96EA-B0EE0109B7F0}"/>
                 </a:ext>
                 <a:ext uri="{C183D7F6-B498-43B3-948B-1728B52AA6E4}">
-                  <adec:decorative xmlns:adec="http://schemas.microsoft.com/office/drawing/2017/decorative" xmlns="" val="1"/>
+                  <adec:decorative xmlns:adec="http://schemas.microsoft.com/office/drawing/2017/decorative" val="1"/>
                 </a:ext>
               </a:extLst>
             </p:cNvPr>
@@ -17855,7 +18571,7 @@
                   <a16:creationId xmlns:a16="http://schemas.microsoft.com/office/drawing/2014/main" id="{32F4A84E-E201-47CA-85A4-25A9D766239B}"/>
                 </a:ext>
                 <a:ext uri="{C183D7F6-B498-43B3-948B-1728B52AA6E4}">
-                  <adec:decorative xmlns:adec="http://schemas.microsoft.com/office/drawing/2017/decorative" xmlns="" val="1"/>
+                  <adec:decorative xmlns:adec="http://schemas.microsoft.com/office/drawing/2017/decorative" val="1"/>
                 </a:ext>
               </a:extLst>
             </p:cNvPr>
@@ -17910,7 +18626,7 @@
                   <a16:creationId xmlns:a16="http://schemas.microsoft.com/office/drawing/2014/main" id="{0C03A65C-C198-4FD0-8FF6-BBF0C3AA8D32}"/>
                 </a:ext>
                 <a:ext uri="{C183D7F6-B498-43B3-948B-1728B52AA6E4}">
-                  <adec:decorative xmlns:adec="http://schemas.microsoft.com/office/drawing/2017/decorative" xmlns="" val="1"/>
+                  <adec:decorative xmlns:adec="http://schemas.microsoft.com/office/drawing/2017/decorative" val="1"/>
                 </a:ext>
               </a:extLst>
             </p:cNvPr>
@@ -17965,7 +18681,7 @@
                   <a16:creationId xmlns:a16="http://schemas.microsoft.com/office/drawing/2014/main" id="{32344B27-CEB6-40F4-A75F-54415ACD542A}"/>
                 </a:ext>
                 <a:ext uri="{C183D7F6-B498-43B3-948B-1728B52AA6E4}">
-                  <adec:decorative xmlns:adec="http://schemas.microsoft.com/office/drawing/2017/decorative" xmlns="" val="1"/>
+                  <adec:decorative xmlns:adec="http://schemas.microsoft.com/office/drawing/2017/decorative" val="1"/>
                 </a:ext>
               </a:extLst>
             </p:cNvPr>
@@ -18021,7 +18737,7 @@
                 <a16:creationId xmlns:a16="http://schemas.microsoft.com/office/drawing/2014/main" id="{FD965435-B881-4C53-9917-5CDFE7688209}"/>
               </a:ext>
               <a:ext uri="{C183D7F6-B498-43B3-948B-1728B52AA6E4}">
-                <adec:decorative xmlns:adec="http://schemas.microsoft.com/office/drawing/2017/decorative" xmlns="" val="1"/>
+                <adec:decorative xmlns:adec="http://schemas.microsoft.com/office/drawing/2017/decorative" val="1"/>
               </a:ext>
             </a:extLst>
           </p:cNvPr>
@@ -18167,7 +18883,7 @@
                 <a16:creationId xmlns:a16="http://schemas.microsoft.com/office/drawing/2014/main" id="{72D91726-E656-4E99-9757-0A6650CB02F5}"/>
               </a:ext>
               <a:ext uri="{C183D7F6-B498-43B3-948B-1728B52AA6E4}">
-                <adec:decorative xmlns:adec="http://schemas.microsoft.com/office/drawing/2017/decorative" xmlns="" val="1"/>
+                <adec:decorative xmlns:adec="http://schemas.microsoft.com/office/drawing/2017/decorative" val="1"/>
               </a:ext>
             </a:extLst>
           </p:cNvPr>
@@ -18366,7 +19082,7 @@
 </p:sld>
 </file>
 
-<file path=ppt/slides/slide13.xml><?xml version="1.0" encoding="utf-8"?>
+<file path=ppt/slides/slide17.xml><?xml version="1.0" encoding="utf-8"?>
 <p:sld xmlns:a="http://schemas.openxmlformats.org/drawingml/2006/main" xmlns:r="http://schemas.openxmlformats.org/officeDocument/2006/relationships" xmlns:p="http://schemas.openxmlformats.org/presentationml/2006/main">
   <p:cSld>
     <p:spTree>
@@ -18462,7 +19178,7 @@
 </p:sld>
 </file>
 
-<file path=ppt/slides/slide14.xml><?xml version="1.0" encoding="utf-8"?>
+<file path=ppt/slides/slide18.xml><?xml version="1.0" encoding="utf-8"?>
 <p:sld xmlns:a="http://schemas.openxmlformats.org/drawingml/2006/main" xmlns:r="http://schemas.openxmlformats.org/officeDocument/2006/relationships" xmlns:p="http://schemas.openxmlformats.org/presentationml/2006/main">
   <p:cSld>
     <p:spTree>
@@ -18522,7 +19238,7 @@
 </p:sld>
 </file>
 
-<file path=ppt/slides/slide15.xml><?xml version="1.0" encoding="utf-8"?>
+<file path=ppt/slides/slide19.xml><?xml version="1.0" encoding="utf-8"?>
 <p:sld xmlns:a="http://schemas.openxmlformats.org/drawingml/2006/main" xmlns:r="http://schemas.openxmlformats.org/officeDocument/2006/relationships" xmlns:p="http://schemas.openxmlformats.org/presentationml/2006/main">
   <p:cSld>
     <p:spTree>
@@ -18588,14 +19304,14 @@
             <p:ph idx="1"/>
             <p:extLst>
               <p:ext uri="{D42A27DB-BD31-4B8C-83A1-F6EECF244321}">
-                <p14:modId xmlns:p14="http://schemas.microsoft.com/office/powerpoint/2010/main" val="1296552289"/>
+                <p14:modId xmlns:p14="http://schemas.microsoft.com/office/powerpoint/2010/main" val="202082669"/>
               </p:ext>
             </p:extLst>
           </p:nvPr>
         </p:nvGraphicFramePr>
         <p:xfrm>
           <a:off x="670365" y="2843887"/>
-          <a:ext cx="11119181" cy="3596640"/>
+          <a:ext cx="11119181" cy="3520573"/>
         </p:xfrm>
         <a:graphic>
           <a:graphicData uri="http://schemas.openxmlformats.org/drawingml/2006/table">
@@ -18668,13 +19384,7 @@
                     <a:p>
                       <a:r>
                         <a:rPr lang="nl-NL" sz="1600" dirty="0"/>
-                        <a:t>Blazor Web Server </a:t>
-                      </a:r>
-                    </a:p>
-                    <a:p>
-                      <a:r>
-                        <a:rPr lang="nl-NL" sz="1600" dirty="0"/>
-                        <a:t>.net 8.0</a:t>
+                        <a:t>Blazor Web .net 8.0</a:t>
                       </a:r>
                       <a:endParaRPr lang="en-SG" sz="1600" dirty="0"/>
                     </a:p>
@@ -18758,10 +19468,9 @@
                     </a:p>
                     <a:p>
                       <a:r>
-                        <a:rPr lang="en-SG" sz="1200" dirty="0" err="1"/>
+                        <a:rPr lang="en-SG" sz="1200" dirty="0"/>
                         <a:t>OnInitializedAsync</a:t>
                       </a:r>
-                      <a:endParaRPr lang="en-SG" sz="1200" dirty="0"/>
                     </a:p>
                     <a:p>
                       <a:r>
@@ -18787,26 +19496,6 @@
                         <a:t> - End</a:t>
                       </a:r>
                     </a:p>
-                    <a:p>
-                      <a:r>
-                        <a:rPr lang="en-SG" sz="1200" dirty="0" err="1"/>
-                        <a:t>OnAfterRender</a:t>
-                      </a:r>
-                      <a:r>
-                        <a:rPr lang="en-SG" sz="1200" dirty="0"/>
-                        <a:t> (First render: True)</a:t>
-                      </a:r>
-                    </a:p>
-                    <a:p>
-                      <a:r>
-                        <a:rPr lang="en-SG" sz="1200" dirty="0" err="1"/>
-                        <a:t>OnAfterRenderAsync</a:t>
-                      </a:r>
-                      <a:r>
-                        <a:rPr lang="en-SG" sz="1200" dirty="0"/>
-                        <a:t> (First render: True)</a:t>
-                      </a:r>
-                    </a:p>
                   </a:txBody>
                   <a:tcPr/>
                 </a:tc>
@@ -18814,54 +19503,6 @@
                   <a:txBody>
                     <a:bodyPr/>
                     <a:lstStyle/>
-                    <a:p>
-                      <a:r>
-                        <a:rPr lang="en-SG" sz="1200" dirty="0" err="1"/>
-                        <a:t>SetParametersAsync</a:t>
-                      </a:r>
-                      <a:r>
-                        <a:rPr lang="en-SG" sz="1200" dirty="0"/>
-                        <a:t> - Begin</a:t>
-                      </a:r>
-                    </a:p>
-                    <a:p>
-                      <a:r>
-                        <a:rPr lang="en-SG" sz="1200" dirty="0" err="1"/>
-                        <a:t>OnInitialized</a:t>
-                      </a:r>
-                      <a:endParaRPr lang="en-SG" sz="1200" dirty="0"/>
-                    </a:p>
-                    <a:p>
-                      <a:r>
-                        <a:rPr lang="en-SG" sz="1200" dirty="0" err="1"/>
-                        <a:t>OnInitializedAsync</a:t>
-                      </a:r>
-                      <a:endParaRPr lang="en-SG" sz="1200" dirty="0"/>
-                    </a:p>
-                    <a:p>
-                      <a:r>
-                        <a:rPr lang="en-SG" sz="1200" dirty="0" err="1"/>
-                        <a:t>OnParametersSet</a:t>
-                      </a:r>
-                      <a:endParaRPr lang="en-SG" sz="1200" dirty="0"/>
-                    </a:p>
-                    <a:p>
-                      <a:r>
-                        <a:rPr lang="en-SG" sz="1200" dirty="0" err="1"/>
-                        <a:t>OnParametersSetAsync</a:t>
-                      </a:r>
-                      <a:endParaRPr lang="en-SG" sz="1200" dirty="0"/>
-                    </a:p>
-                    <a:p>
-                      <a:r>
-                        <a:rPr lang="en-SG" sz="1200" dirty="0" err="1"/>
-                        <a:t>SetParametersAsync</a:t>
-                      </a:r>
-                      <a:r>
-                        <a:rPr lang="en-SG" sz="1200" dirty="0"/>
-                        <a:t> - End</a:t>
-                      </a:r>
-                    </a:p>
                     <a:p>
                       <a:r>
                         <a:rPr lang="en-SG" sz="1200" dirty="0" err="1">
@@ -18897,18 +19538,13 @@
                     </a:p>
                     <a:p>
                       <a:r>
-                        <a:rPr lang="en-SG" sz="1200" dirty="0" err="1">
+                        <a:rPr lang="en-SG" sz="1200" dirty="0">
                           <a:solidFill>
                             <a:srgbClr val="FF0000"/>
                           </a:solidFill>
                         </a:rPr>
                         <a:t>OnInitializedAsync</a:t>
                       </a:r>
-                      <a:endParaRPr lang="en-SG" sz="1200" dirty="0">
-                        <a:solidFill>
-                          <a:srgbClr val="FF0000"/>
-                        </a:solidFill>
-                      </a:endParaRPr>
                     </a:p>
                     <a:p>
                       <a:r>
@@ -18960,22 +19596,93 @@
                     </a:p>
                     <a:p>
                       <a:r>
-                        <a:rPr lang="en-SG" sz="1200" dirty="0" err="1"/>
-                        <a:t>OnAfterRender</a:t>
+                        <a:rPr lang="en-SG" sz="1200" dirty="0" err="1">
+                          <a:solidFill>
+                            <a:schemeClr val="tx1"/>
+                          </a:solidFill>
+                        </a:rPr>
+                        <a:t>SetParametersAsync</a:t>
                       </a:r>
                       <a:r>
-                        <a:rPr lang="en-SG" sz="1200" dirty="0"/>
-                        <a:t> (First render: True)</a:t>
+                        <a:rPr lang="en-SG" sz="1200" dirty="0">
+                          <a:solidFill>
+                            <a:schemeClr val="tx1"/>
+                          </a:solidFill>
+                        </a:rPr>
+                        <a:t> - Begin</a:t>
                       </a:r>
                     </a:p>
                     <a:p>
                       <a:r>
-                        <a:rPr lang="en-SG" sz="1200" dirty="0" err="1"/>
-                        <a:t>OnAfterRenderAsync</a:t>
+                        <a:rPr lang="en-SG" sz="1200" dirty="0" err="1">
+                          <a:solidFill>
+                            <a:schemeClr val="tx1"/>
+                          </a:solidFill>
+                        </a:rPr>
+                        <a:t>OnInitialized</a:t>
+                      </a:r>
+                      <a:endParaRPr lang="en-SG" sz="1200" dirty="0">
+                        <a:solidFill>
+                          <a:schemeClr val="tx1"/>
+                        </a:solidFill>
+                      </a:endParaRPr>
+                    </a:p>
+                    <a:p>
+                      <a:r>
+                        <a:rPr lang="en-SG" sz="1200" dirty="0">
+                          <a:solidFill>
+                            <a:schemeClr val="tx1"/>
+                          </a:solidFill>
+                        </a:rPr>
+                        <a:t>OnInitializedAsync</a:t>
+                      </a:r>
+                    </a:p>
+                    <a:p>
+                      <a:r>
+                        <a:rPr lang="en-SG" sz="1200" dirty="0" err="1">
+                          <a:solidFill>
+                            <a:schemeClr val="tx1"/>
+                          </a:solidFill>
+                        </a:rPr>
+                        <a:t>OnParametersSet</a:t>
+                      </a:r>
+                      <a:endParaRPr lang="en-SG" sz="1200" dirty="0">
+                        <a:solidFill>
+                          <a:schemeClr val="tx1"/>
+                        </a:solidFill>
+                      </a:endParaRPr>
+                    </a:p>
+                    <a:p>
+                      <a:r>
+                        <a:rPr lang="en-SG" sz="1200" dirty="0" err="1">
+                          <a:solidFill>
+                            <a:schemeClr val="tx1"/>
+                          </a:solidFill>
+                        </a:rPr>
+                        <a:t>OnParametersSetAsync</a:t>
+                      </a:r>
+                      <a:endParaRPr lang="en-SG" sz="1200" dirty="0">
+                        <a:solidFill>
+                          <a:schemeClr val="tx1"/>
+                        </a:solidFill>
+                      </a:endParaRPr>
+                    </a:p>
+                    <a:p>
+                      <a:r>
+                        <a:rPr lang="en-SG" sz="1200" dirty="0" err="1">
+                          <a:solidFill>
+                            <a:schemeClr val="tx1"/>
+                          </a:solidFill>
+                        </a:rPr>
+                        <a:t>SetParametersAsync</a:t>
                       </a:r>
                       <a:r>
-                        <a:rPr lang="en-SG" sz="1200" dirty="0"/>
-                        <a:t> (First render: True)</a:t>
+                        <a:rPr lang="en-SG" sz="1200" dirty="0">
+                          <a:solidFill>
+                            <a:schemeClr val="tx1"/>
+                          </a:solidFill>
+                        </a:rPr>
+                        <a:t> - End</a:t>
                       </a:r>
                     </a:p>
                   </a:txBody>
@@ -19004,10 +19711,9 @@
                     </a:p>
                     <a:p>
                       <a:r>
-                        <a:rPr lang="en-SG" sz="1200" dirty="0" err="1"/>
+                        <a:rPr lang="en-SG" sz="1200" dirty="0"/>
                         <a:t>OnInitializedAsync</a:t>
                       </a:r>
-                      <a:endParaRPr lang="en-SG" sz="1200" dirty="0"/>
                     </a:p>
                     <a:p>
                       <a:r>
@@ -19022,26 +19728,6 @@
                         <a:t>OnParametersSetAsync</a:t>
                       </a:r>
                       <a:endParaRPr lang="en-SG" sz="1200" dirty="0"/>
-                    </a:p>
-                    <a:p>
-                      <a:r>
-                        <a:rPr lang="en-SG" sz="1200" dirty="0" err="1"/>
-                        <a:t>OnAfterRender</a:t>
-                      </a:r>
-                      <a:r>
-                        <a:rPr lang="en-SG" sz="1200" dirty="0"/>
-                        <a:t> (First render: True)</a:t>
-                      </a:r>
-                    </a:p>
-                    <a:p>
-                      <a:r>
-                        <a:rPr lang="en-SG" sz="1200" dirty="0" err="1"/>
-                        <a:t>OnAfterRenderAsync</a:t>
-                      </a:r>
-                      <a:r>
-                        <a:rPr lang="en-SG" sz="1200" dirty="0"/>
-                        <a:t> (First render: True)</a:t>
-                      </a:r>
                     </a:p>
                     <a:p>
                       <a:r>
@@ -19079,10 +19765,9 @@
                     </a:p>
                     <a:p>
                       <a:r>
-                        <a:rPr lang="en-SG" sz="1200" dirty="0" err="1"/>
+                        <a:rPr lang="en-SG" sz="1200" dirty="0"/>
                         <a:t>OnInitializedAsync</a:t>
                       </a:r>
-                      <a:endParaRPr lang="en-SG" sz="1200" dirty="0"/>
                     </a:p>
                     <a:p>
                       <a:r>
@@ -19172,980 +19857,6 @@
 </p:sld>
 </file>
 
-<file path=ppt/slides/slide16.xml><?xml version="1.0" encoding="utf-8"?>
-<p:sld xmlns:a="http://schemas.openxmlformats.org/drawingml/2006/main" xmlns:r="http://schemas.openxmlformats.org/officeDocument/2006/relationships" xmlns:p="http://schemas.openxmlformats.org/presentationml/2006/main">
-  <p:cSld>
-    <p:spTree>
-      <p:nvGrpSpPr>
-        <p:cNvPr id="1" name=""/>
-        <p:cNvGrpSpPr/>
-        <p:nvPr/>
-      </p:nvGrpSpPr>
-      <p:grpSpPr>
-        <a:xfrm>
-          <a:off x="0" y="0"/>
-          <a:ext cx="0" cy="0"/>
-          <a:chOff x="0" y="0"/>
-          <a:chExt cx="0" cy="0"/>
-        </a:xfrm>
-      </p:grpSpPr>
-      <p:sp>
-        <p:nvSpPr>
-          <p:cNvPr id="2" name="Title 1">
-            <a:extLst>
-              <a:ext uri="{FF2B5EF4-FFF2-40B4-BE49-F238E27FC236}">
-                <a16:creationId xmlns:a16="http://schemas.microsoft.com/office/drawing/2014/main" id="{0FFCBED8-BB7A-EC5A-FA1B-4FBC962CE316}"/>
-              </a:ext>
-            </a:extLst>
-          </p:cNvPr>
-          <p:cNvSpPr>
-            <a:spLocks noGrp="1"/>
-          </p:cNvSpPr>
-          <p:nvPr>
-            <p:ph type="title"/>
-          </p:nvPr>
-        </p:nvSpPr>
-        <p:spPr/>
-        <p:txBody>
-          <a:bodyPr/>
-          <a:lstStyle/>
-          <a:p>
-            <a:r>
-              <a:rPr lang="en-SG" dirty="0"/>
-              <a:t>Render By different Mode</a:t>
-            </a:r>
-          </a:p>
-        </p:txBody>
-      </p:sp>
-      <p:sp>
-        <p:nvSpPr>
-          <p:cNvPr id="3" name="Content Placeholder 2">
-            <a:extLst>
-              <a:ext uri="{FF2B5EF4-FFF2-40B4-BE49-F238E27FC236}">
-                <a16:creationId xmlns:a16="http://schemas.microsoft.com/office/drawing/2014/main" id="{7979257D-74B9-76CA-B0B9-BEF5A29BF8C2}"/>
-              </a:ext>
-            </a:extLst>
-          </p:cNvPr>
-          <p:cNvSpPr>
-            <a:spLocks noGrp="1"/>
-          </p:cNvSpPr>
-          <p:nvPr>
-            <p:ph idx="1"/>
-          </p:nvPr>
-        </p:nvSpPr>
-        <p:spPr>
-          <a:xfrm>
-            <a:off x="691079" y="2340131"/>
-            <a:ext cx="4457970" cy="3980770"/>
-          </a:xfrm>
-        </p:spPr>
-        <p:txBody>
-          <a:bodyPr>
-            <a:normAutofit/>
-          </a:bodyPr>
-          <a:lstStyle/>
-          <a:p>
-            <a:pPr marL="0" indent="0">
-              <a:buNone/>
-            </a:pPr>
-            <a:r>
-              <a:rPr lang="en-SG" sz="1100" b="1" dirty="0"/>
-              <a:t>Render </a:t>
-            </a:r>
-            <a:r>
-              <a:rPr lang="en-SG" sz="1100" b="1" dirty="0" err="1"/>
-              <a:t>Componment</a:t>
-            </a:r>
-            <a:r>
-              <a:rPr lang="en-SG" sz="1100" b="1" dirty="0"/>
-              <a:t>:</a:t>
-            </a:r>
-          </a:p>
-          <a:p>
-            <a:pPr marL="0" indent="0">
-              <a:buNone/>
-            </a:pPr>
-            <a:r>
-              <a:rPr lang="en-SG" sz="1100" dirty="0" err="1"/>
-              <a:t>RazorComponentEndpointInvoker.cs</a:t>
-            </a:r>
-            <a:endParaRPr lang="en-SG" sz="1100" dirty="0"/>
-          </a:p>
-          <a:p>
-            <a:pPr marL="0" indent="0">
-              <a:buNone/>
-            </a:pPr>
-            <a:endParaRPr lang="en-SG" sz="1100" dirty="0"/>
-          </a:p>
-          <a:p>
-            <a:pPr marL="0" indent="0">
-              <a:buNone/>
-            </a:pPr>
-            <a:r>
-              <a:rPr lang="en-SG" sz="1100" dirty="0" err="1"/>
-              <a:t>RazorComponentEndpointInvoker.RenderComponentCore</a:t>
-            </a:r>
-            <a:r>
-              <a:rPr lang="en-SG" sz="1100" dirty="0"/>
-              <a:t>()</a:t>
-            </a:r>
-          </a:p>
-          <a:p>
-            <a:pPr marL="0" indent="0">
-              <a:buNone/>
-            </a:pPr>
-            <a:r>
-              <a:rPr lang="en-SG" sz="1100" dirty="0"/>
-              <a:t>1. Initialize </a:t>
-            </a:r>
-            <a:r>
-              <a:rPr lang="en-SG" sz="1100" dirty="0" err="1"/>
-              <a:t>StreamingRendering</a:t>
-            </a:r>
-            <a:r>
-              <a:rPr lang="en-SG" sz="1100" dirty="0"/>
-              <a:t> Framing</a:t>
-            </a:r>
-          </a:p>
-          <a:p>
-            <a:pPr marL="0" indent="0">
-              <a:buNone/>
-            </a:pPr>
-            <a:r>
-              <a:rPr lang="en-SG" sz="1100" dirty="0"/>
-              <a:t>2. Initialize Standard Component Services</a:t>
-            </a:r>
-          </a:p>
-          <a:p>
-            <a:pPr marL="0" indent="0">
-              <a:buNone/>
-            </a:pPr>
-            <a:r>
-              <a:rPr lang="en-SG" sz="1100" dirty="0"/>
-              <a:t>3. Render Endpoint Component </a:t>
-            </a:r>
-          </a:p>
-          <a:p>
-            <a:pPr marL="0" indent="0">
-              <a:buNone/>
-            </a:pPr>
-            <a:r>
-              <a:rPr lang="en-SG" sz="1100" dirty="0"/>
-              <a:t>    3.1 </a:t>
-            </a:r>
-            <a:r>
-              <a:rPr lang="en-SG" sz="1100" dirty="0" err="1"/>
-              <a:t>InstantiateComponent</a:t>
-            </a:r>
-            <a:endParaRPr lang="en-SG" sz="1100" dirty="0"/>
-          </a:p>
-          <a:p>
-            <a:pPr marL="0" indent="0">
-              <a:buNone/>
-            </a:pPr>
-            <a:r>
-              <a:rPr lang="en-SG" sz="1100" dirty="0"/>
-              <a:t>        </a:t>
-            </a:r>
-            <a:r>
-              <a:rPr lang="en-SG" sz="1100" b="1" dirty="0"/>
-              <a:t>3.1.1 </a:t>
-            </a:r>
-            <a:r>
-              <a:rPr lang="en-SG" sz="1100" b="1" dirty="0" err="1"/>
-              <a:t>ResolveComponentForRenderMode</a:t>
-            </a:r>
-            <a:endParaRPr lang="en-SG" sz="1100" b="1" dirty="0"/>
-          </a:p>
-          <a:p>
-            <a:pPr marL="0" indent="0">
-              <a:buNone/>
-            </a:pPr>
-            <a:r>
-              <a:rPr lang="en-SG" sz="1100" dirty="0"/>
-              <a:t>    3.2 Waiting for </a:t>
-            </a:r>
-            <a:r>
-              <a:rPr lang="en-SG" sz="1100" dirty="0" err="1"/>
-              <a:t>quiesence</a:t>
-            </a:r>
-            <a:r>
-              <a:rPr lang="en-SG" sz="1100" dirty="0"/>
-              <a:t>(none stream Rendering) complete</a:t>
-            </a:r>
-          </a:p>
-          <a:p>
-            <a:pPr marL="0" indent="0">
-              <a:buNone/>
-            </a:pPr>
-            <a:r>
-              <a:rPr lang="en-SG" sz="1100" dirty="0"/>
-              <a:t>4. write by </a:t>
-            </a:r>
-            <a:r>
-              <a:rPr lang="en-SG" sz="1100" dirty="0" err="1"/>
-              <a:t>HttpResponseStreamWriter</a:t>
-            </a:r>
-            <a:endParaRPr lang="en-SG" sz="1100" dirty="0"/>
-          </a:p>
-        </p:txBody>
-      </p:sp>
-      <p:pic>
-        <p:nvPicPr>
-          <p:cNvPr id="5" name="Picture 4">
-            <a:extLst>
-              <a:ext uri="{FF2B5EF4-FFF2-40B4-BE49-F238E27FC236}">
-                <a16:creationId xmlns:a16="http://schemas.microsoft.com/office/drawing/2014/main" id="{3272BB89-D5ED-8A94-BC98-76EB1332D265}"/>
-              </a:ext>
-            </a:extLst>
-          </p:cNvPr>
-          <p:cNvPicPr>
-            <a:picLocks noChangeAspect="1"/>
-          </p:cNvPicPr>
-          <p:nvPr/>
-        </p:nvPicPr>
-        <p:blipFill>
-          <a:blip r:embed="rId2"/>
-          <a:stretch>
-            <a:fillRect/>
-          </a:stretch>
-        </p:blipFill>
-        <p:spPr>
-          <a:xfrm>
-            <a:off x="4793689" y="2700098"/>
-            <a:ext cx="7398311" cy="3260836"/>
-          </a:xfrm>
-          <a:prstGeom prst="rect">
-            <a:avLst/>
-          </a:prstGeom>
-        </p:spPr>
-      </p:pic>
-    </p:spTree>
-    <p:extLst>
-      <p:ext uri="{BB962C8B-B14F-4D97-AF65-F5344CB8AC3E}">
-        <p14:creationId xmlns:p14="http://schemas.microsoft.com/office/powerpoint/2010/main" val="2118712361"/>
-      </p:ext>
-    </p:extLst>
-  </p:cSld>
-  <p:clrMapOvr>
-    <a:masterClrMapping/>
-  </p:clrMapOvr>
-</p:sld>
-</file>
-
-<file path=ppt/slides/slide17.xml><?xml version="1.0" encoding="utf-8"?>
-<p:sld xmlns:a="http://schemas.openxmlformats.org/drawingml/2006/main" xmlns:r="http://schemas.openxmlformats.org/officeDocument/2006/relationships" xmlns:p="http://schemas.openxmlformats.org/presentationml/2006/main">
-  <p:cSld>
-    <p:spTree>
-      <p:nvGrpSpPr>
-        <p:cNvPr id="1" name=""/>
-        <p:cNvGrpSpPr/>
-        <p:nvPr/>
-      </p:nvGrpSpPr>
-      <p:grpSpPr>
-        <a:xfrm>
-          <a:off x="0" y="0"/>
-          <a:ext cx="0" cy="0"/>
-          <a:chOff x="0" y="0"/>
-          <a:chExt cx="0" cy="0"/>
-        </a:xfrm>
-      </p:grpSpPr>
-      <p:sp>
-        <p:nvSpPr>
-          <p:cNvPr id="2" name="Title 1">
-            <a:extLst>
-              <a:ext uri="{FF2B5EF4-FFF2-40B4-BE49-F238E27FC236}">
-                <a16:creationId xmlns:a16="http://schemas.microsoft.com/office/drawing/2014/main" id="{0FFCBED8-BB7A-EC5A-FA1B-4FBC962CE316}"/>
-              </a:ext>
-            </a:extLst>
-          </p:cNvPr>
-          <p:cNvSpPr>
-            <a:spLocks noGrp="1"/>
-          </p:cNvSpPr>
-          <p:nvPr>
-            <p:ph type="title"/>
-          </p:nvPr>
-        </p:nvSpPr>
-        <p:spPr/>
-        <p:txBody>
-          <a:bodyPr/>
-          <a:lstStyle/>
-          <a:p>
-            <a:r>
-              <a:rPr lang="en-SG" dirty="0"/>
-              <a:t>Render By different Mode</a:t>
-            </a:r>
-          </a:p>
-        </p:txBody>
-      </p:sp>
-      <p:sp>
-        <p:nvSpPr>
-          <p:cNvPr id="3" name="Content Placeholder 2">
-            <a:extLst>
-              <a:ext uri="{FF2B5EF4-FFF2-40B4-BE49-F238E27FC236}">
-                <a16:creationId xmlns:a16="http://schemas.microsoft.com/office/drawing/2014/main" id="{7979257D-74B9-76CA-B0B9-BEF5A29BF8C2}"/>
-              </a:ext>
-            </a:extLst>
-          </p:cNvPr>
-          <p:cNvSpPr>
-            <a:spLocks noGrp="1"/>
-          </p:cNvSpPr>
-          <p:nvPr>
-            <p:ph idx="1"/>
-          </p:nvPr>
-        </p:nvSpPr>
-        <p:spPr>
-          <a:xfrm>
-            <a:off x="691079" y="2340131"/>
-            <a:ext cx="10325000" cy="3980770"/>
-          </a:xfrm>
-        </p:spPr>
-        <p:txBody>
-          <a:bodyPr>
-            <a:normAutofit lnSpcReduction="10000"/>
-          </a:bodyPr>
-          <a:lstStyle/>
-          <a:p>
-            <a:pPr marL="0" indent="0">
-              <a:buNone/>
-            </a:pPr>
-            <a:r>
-              <a:rPr lang="en-SG" sz="1100" b="1" dirty="0"/>
-              <a:t>Render </a:t>
-            </a:r>
-            <a:r>
-              <a:rPr lang="en-SG" sz="1100" b="1" dirty="0" err="1"/>
-              <a:t>Componment</a:t>
-            </a:r>
-            <a:r>
-              <a:rPr lang="en-SG" sz="1100" b="1" dirty="0"/>
-              <a:t>:</a:t>
-            </a:r>
-          </a:p>
-          <a:p>
-            <a:pPr marL="0" indent="0">
-              <a:buNone/>
-            </a:pPr>
-            <a:r>
-              <a:rPr lang="en-SG" sz="1100" dirty="0" err="1"/>
-              <a:t>RazorComponentEndpointInvoker.cs</a:t>
-            </a:r>
-            <a:endParaRPr lang="en-SG" sz="1100" dirty="0"/>
-          </a:p>
-          <a:p>
-            <a:pPr marL="0" indent="0">
-              <a:buNone/>
-            </a:pPr>
-            <a:endParaRPr lang="en-SG" sz="1100" dirty="0"/>
-          </a:p>
-          <a:p>
-            <a:pPr marL="0" indent="0">
-              <a:buNone/>
-            </a:pPr>
-            <a:r>
-              <a:rPr lang="en-SG" sz="1100" dirty="0" err="1"/>
-              <a:t>RazorComponentEndpointInvoker.RenderComponentCore</a:t>
-            </a:r>
-            <a:r>
-              <a:rPr lang="en-SG" sz="1100" dirty="0"/>
-              <a:t> -&gt;</a:t>
-            </a:r>
-          </a:p>
-          <a:p>
-            <a:pPr marL="0" indent="0">
-              <a:buNone/>
-            </a:pPr>
-            <a:r>
-              <a:rPr lang="en-SG" sz="1100" dirty="0"/>
-              <a:t>    </a:t>
-            </a:r>
-            <a:r>
-              <a:rPr lang="en-SG" sz="1100" dirty="0" err="1"/>
-              <a:t>EndpointHtmlRenderer.InitializeStandardComponentServicesAsync</a:t>
-            </a:r>
-            <a:endParaRPr lang="en-SG" sz="1100" dirty="0"/>
-          </a:p>
-          <a:p>
-            <a:pPr marL="0" indent="0">
-              <a:buNone/>
-            </a:pPr>
-            <a:r>
-              <a:rPr lang="en-SG" sz="1100" dirty="0"/>
-              <a:t>    </a:t>
-            </a:r>
-            <a:r>
-              <a:rPr lang="en-SG" sz="1100" dirty="0" err="1"/>
-              <a:t>EndpointHtmlRenderer.RenderEndpointComponent</a:t>
-            </a:r>
-            <a:r>
-              <a:rPr lang="en-SG" sz="1100" dirty="0"/>
-              <a:t>-&gt;</a:t>
-            </a:r>
-          </a:p>
-          <a:p>
-            <a:pPr marL="0" indent="0">
-              <a:buNone/>
-            </a:pPr>
-            <a:r>
-              <a:rPr lang="en-SG" sz="1100" dirty="0"/>
-              <a:t>        </a:t>
-            </a:r>
-            <a:r>
-              <a:rPr lang="en-SG" sz="1100" dirty="0" err="1"/>
-              <a:t>BeginRenderingComponent</a:t>
-            </a:r>
-            <a:r>
-              <a:rPr lang="en-SG" sz="1100" dirty="0"/>
-              <a:t>-&gt;</a:t>
-            </a:r>
-          </a:p>
-          <a:p>
-            <a:pPr marL="0" indent="0">
-              <a:buNone/>
-            </a:pPr>
-            <a:r>
-              <a:rPr lang="en-SG" sz="1100" dirty="0"/>
-              <a:t>            </a:t>
-            </a:r>
-            <a:r>
-              <a:rPr lang="en-SG" sz="1100" b="1" dirty="0" err="1">
-                <a:solidFill>
-                  <a:srgbClr val="FF0000"/>
-                </a:solidFill>
-              </a:rPr>
-              <a:t>ComponentFactory.InstantiateComponent</a:t>
-            </a:r>
-            <a:endParaRPr lang="en-SG" sz="1100" b="1" dirty="0">
-              <a:solidFill>
-                <a:srgbClr val="FF0000"/>
-              </a:solidFill>
-            </a:endParaRPr>
-          </a:p>
-          <a:p>
-            <a:pPr marL="0" indent="0">
-              <a:lnSpc>
-                <a:spcPct val="120000"/>
-              </a:lnSpc>
-              <a:buNone/>
-            </a:pPr>
-            <a:r>
-              <a:rPr lang="en-SG" sz="1100" dirty="0"/>
-              <a:t>        </a:t>
-            </a:r>
-            <a:r>
-              <a:rPr lang="en-SG" sz="1100" dirty="0" err="1"/>
-              <a:t>WaitForResultReady</a:t>
-            </a:r>
-            <a:r>
-              <a:rPr lang="en-SG" sz="1100" dirty="0"/>
-              <a:t>() </a:t>
-            </a:r>
-            <a:r>
-              <a:rPr lang="en-SG" sz="1100" dirty="0">
-                <a:solidFill>
-                  <a:srgbClr val="FF0000"/>
-                </a:solidFill>
-              </a:rPr>
-              <a:t>wait for quiescence of the non-streaming subtrees</a:t>
-            </a:r>
-          </a:p>
-          <a:p>
-            <a:pPr marL="0" indent="0">
-              <a:buNone/>
-            </a:pPr>
-            <a:r>
-              <a:rPr lang="en-SG" sz="1100" dirty="0"/>
-              <a:t>    </a:t>
-            </a:r>
-            <a:r>
-              <a:rPr lang="en-SG" sz="1100" dirty="0" err="1"/>
-              <a:t>EndpointHtmlRenderer.PrerenderPersistedStateAsync</a:t>
-            </a:r>
-            <a:r>
-              <a:rPr lang="en-SG" sz="1100" dirty="0"/>
-              <a:t> -&gt; </a:t>
-            </a:r>
-          </a:p>
-          <a:p>
-            <a:pPr marL="0" indent="0">
-              <a:buNone/>
-            </a:pPr>
-            <a:r>
-              <a:rPr lang="en-SG" sz="1100" dirty="0"/>
-              <a:t>        return </a:t>
-            </a:r>
-            <a:r>
-              <a:rPr lang="en-SG" sz="1100" dirty="0" err="1"/>
-              <a:t>ComponentStateHtmlContent</a:t>
-            </a:r>
-            <a:r>
-              <a:rPr lang="en-SG" sz="1100" dirty="0"/>
-              <a:t> with different </a:t>
-            </a:r>
-            <a:r>
-              <a:rPr lang="en-SG" sz="1100" b="1" dirty="0" err="1"/>
-              <a:t>PrerenderComponentApplicationStore</a:t>
-            </a:r>
-            <a:endParaRPr lang="en-SG" sz="1100" b="1" dirty="0"/>
-          </a:p>
-          <a:p>
-            <a:pPr marL="0" indent="0">
-              <a:buNone/>
-            </a:pPr>
-            <a:r>
-              <a:rPr lang="en-SG" sz="1100" dirty="0"/>
-              <a:t>    </a:t>
-            </a:r>
-          </a:p>
-          <a:p>
-            <a:pPr marL="0" indent="0">
-              <a:buNone/>
-            </a:pPr>
-            <a:r>
-              <a:rPr lang="en-SG" sz="1100" dirty="0"/>
-              <a:t>Write by </a:t>
-            </a:r>
-            <a:r>
-              <a:rPr lang="en-SG" sz="1100" dirty="0" err="1"/>
-              <a:t>HttpResponseStreamWriter</a:t>
-            </a:r>
-            <a:endParaRPr lang="en-SG" sz="1100" dirty="0"/>
-          </a:p>
-        </p:txBody>
-      </p:sp>
-    </p:spTree>
-    <p:extLst>
-      <p:ext uri="{BB962C8B-B14F-4D97-AF65-F5344CB8AC3E}">
-        <p14:creationId xmlns:p14="http://schemas.microsoft.com/office/powerpoint/2010/main" val="1329779241"/>
-      </p:ext>
-    </p:extLst>
-  </p:cSld>
-  <p:clrMapOvr>
-    <a:masterClrMapping/>
-  </p:clrMapOvr>
-</p:sld>
-</file>
-
-<file path=ppt/slides/slide18.xml><?xml version="1.0" encoding="utf-8"?>
-<p:sld xmlns:a="http://schemas.openxmlformats.org/drawingml/2006/main" xmlns:r="http://schemas.openxmlformats.org/officeDocument/2006/relationships" xmlns:p="http://schemas.openxmlformats.org/presentationml/2006/main">
-  <p:cSld>
-    <p:spTree>
-      <p:nvGrpSpPr>
-        <p:cNvPr id="1" name=""/>
-        <p:cNvGrpSpPr/>
-        <p:nvPr/>
-      </p:nvGrpSpPr>
-      <p:grpSpPr>
-        <a:xfrm>
-          <a:off x="0" y="0"/>
-          <a:ext cx="0" cy="0"/>
-          <a:chOff x="0" y="0"/>
-          <a:chExt cx="0" cy="0"/>
-        </a:xfrm>
-      </p:grpSpPr>
-      <p:sp>
-        <p:nvSpPr>
-          <p:cNvPr id="2" name="Title 1">
-            <a:extLst>
-              <a:ext uri="{FF2B5EF4-FFF2-40B4-BE49-F238E27FC236}">
-                <a16:creationId xmlns:a16="http://schemas.microsoft.com/office/drawing/2014/main" id="{0FFCBED8-BB7A-EC5A-FA1B-4FBC962CE316}"/>
-              </a:ext>
-            </a:extLst>
-          </p:cNvPr>
-          <p:cNvSpPr>
-            <a:spLocks noGrp="1"/>
-          </p:cNvSpPr>
-          <p:nvPr>
-            <p:ph type="title"/>
-          </p:nvPr>
-        </p:nvSpPr>
-        <p:spPr/>
-        <p:txBody>
-          <a:bodyPr/>
-          <a:lstStyle/>
-          <a:p>
-            <a:r>
-              <a:rPr lang="en-SG" dirty="0"/>
-              <a:t>Render By different Mode</a:t>
-            </a:r>
-          </a:p>
-        </p:txBody>
-      </p:sp>
-      <p:sp>
-        <p:nvSpPr>
-          <p:cNvPr id="3" name="Content Placeholder 2">
-            <a:extLst>
-              <a:ext uri="{FF2B5EF4-FFF2-40B4-BE49-F238E27FC236}">
-                <a16:creationId xmlns:a16="http://schemas.microsoft.com/office/drawing/2014/main" id="{7979257D-74B9-76CA-B0B9-BEF5A29BF8C2}"/>
-              </a:ext>
-            </a:extLst>
-          </p:cNvPr>
-          <p:cNvSpPr>
-            <a:spLocks noGrp="1"/>
-          </p:cNvSpPr>
-          <p:nvPr>
-            <p:ph idx="1"/>
-          </p:nvPr>
-        </p:nvSpPr>
-        <p:spPr/>
-        <p:txBody>
-          <a:bodyPr>
-            <a:normAutofit fontScale="92500" lnSpcReduction="10000"/>
-          </a:bodyPr>
-          <a:lstStyle/>
-          <a:p>
-            <a:pPr marL="0" indent="0">
-              <a:buNone/>
-            </a:pPr>
-            <a:r>
-              <a:rPr lang="en-SG" sz="1200" b="1" dirty="0"/>
-              <a:t>Create Component:</a:t>
-            </a:r>
-          </a:p>
-          <a:p>
-            <a:pPr marL="0" indent="0">
-              <a:buNone/>
-            </a:pPr>
-            <a:r>
-              <a:rPr lang="en-SG" sz="1200" dirty="0" err="1"/>
-              <a:t>ComponentFactory.cs</a:t>
-            </a:r>
-            <a:endParaRPr lang="en-SG" sz="1200" dirty="0"/>
-          </a:p>
-          <a:p>
-            <a:pPr marL="0" indent="0">
-              <a:buNone/>
-            </a:pPr>
-            <a:r>
-              <a:rPr lang="en-SG" sz="1200" dirty="0"/>
-              <a:t>  </a:t>
-            </a:r>
-            <a:r>
-              <a:rPr lang="en-SG" sz="1200" dirty="0" err="1"/>
-              <a:t>ComponentFactory.InstantiateComponent</a:t>
-            </a:r>
-            <a:endParaRPr lang="en-SG" sz="1200" dirty="0"/>
-          </a:p>
-          <a:p>
-            <a:pPr marL="0" indent="0">
-              <a:buNone/>
-            </a:pPr>
-            <a:r>
-              <a:rPr lang="en-SG" sz="1200" dirty="0"/>
-              <a:t>    </a:t>
-            </a:r>
-            <a:r>
-              <a:rPr lang="en-SG" sz="1200" b="1" dirty="0" err="1">
-                <a:solidFill>
-                  <a:srgbClr val="FF0000"/>
-                </a:solidFill>
-              </a:rPr>
-              <a:t>Renderer.ResolveComponentForRenderMode</a:t>
-            </a:r>
-            <a:r>
-              <a:rPr lang="en-SG" sz="1200" b="1" dirty="0">
-                <a:solidFill>
-                  <a:srgbClr val="FF0000"/>
-                </a:solidFill>
-              </a:rPr>
-              <a:t> </a:t>
-            </a:r>
-            <a:r>
-              <a:rPr lang="en-SG" sz="1200" dirty="0">
-                <a:solidFill>
-                  <a:srgbClr val="FF0000"/>
-                </a:solidFill>
-              </a:rPr>
-              <a:t>-&gt; override by </a:t>
-            </a:r>
-            <a:r>
-              <a:rPr lang="en-SG" sz="1200" b="1" dirty="0" err="1">
-                <a:solidFill>
-                  <a:srgbClr val="FF0000"/>
-                </a:solidFill>
-              </a:rPr>
-              <a:t>EndpointHtmlRenderer</a:t>
-            </a:r>
-            <a:r>
-              <a:rPr lang="en-SG" sz="1200" b="1" dirty="0">
-                <a:solidFill>
-                  <a:srgbClr val="FF0000"/>
-                </a:solidFill>
-              </a:rPr>
-              <a:t>/</a:t>
-            </a:r>
-            <a:r>
-              <a:rPr lang="en-SG" sz="1200" b="1" dirty="0" err="1">
-                <a:solidFill>
-                  <a:srgbClr val="FF0000"/>
-                </a:solidFill>
-              </a:rPr>
-              <a:t>WebAssemblyRenderer</a:t>
-            </a:r>
-            <a:r>
-              <a:rPr lang="en-SG" sz="1200" b="1" dirty="0">
-                <a:solidFill>
-                  <a:srgbClr val="FF0000"/>
-                </a:solidFill>
-              </a:rPr>
-              <a:t> : </a:t>
-            </a:r>
-            <a:r>
-              <a:rPr lang="en-SG" sz="1200" b="1" dirty="0" err="1">
-                <a:solidFill>
-                  <a:srgbClr val="FF0000"/>
-                </a:solidFill>
-              </a:rPr>
-              <a:t>WebRenderer</a:t>
-            </a:r>
-            <a:r>
-              <a:rPr lang="en-SG" sz="1200" b="1" dirty="0">
-                <a:solidFill>
-                  <a:srgbClr val="FF0000"/>
-                </a:solidFill>
-              </a:rPr>
-              <a:t> / </a:t>
-            </a:r>
-            <a:r>
-              <a:rPr lang="en-SG" sz="1200" b="1" dirty="0" err="1">
-                <a:solidFill>
-                  <a:srgbClr val="FF0000"/>
-                </a:solidFill>
-              </a:rPr>
-              <a:t>RemoteRenderer</a:t>
-            </a:r>
-            <a:r>
-              <a:rPr lang="en-SG" sz="1200" b="1" dirty="0">
-                <a:solidFill>
-                  <a:srgbClr val="FF0000"/>
-                </a:solidFill>
-              </a:rPr>
-              <a:t> : </a:t>
-            </a:r>
-            <a:r>
-              <a:rPr lang="en-SG" sz="1200" b="1" dirty="0" err="1">
-                <a:solidFill>
-                  <a:srgbClr val="FF0000"/>
-                </a:solidFill>
-              </a:rPr>
-              <a:t>WebRenderer</a:t>
-            </a:r>
-            <a:endParaRPr lang="en-SG" sz="1200" b="1" dirty="0">
-              <a:solidFill>
-                <a:srgbClr val="FF0000"/>
-              </a:solidFill>
-            </a:endParaRPr>
-          </a:p>
-          <a:p>
-            <a:pPr marL="0" indent="0">
-              <a:buNone/>
-            </a:pPr>
-            <a:r>
-              <a:rPr lang="en-SG" sz="1200" dirty="0"/>
-              <a:t>      -&gt;</a:t>
-            </a:r>
-            <a:r>
-              <a:rPr lang="en-SG" sz="1200" dirty="0" err="1"/>
-              <a:t>IComponentActivator.CreateInstance</a:t>
-            </a:r>
-            <a:r>
-              <a:rPr lang="en-SG" sz="1200" dirty="0"/>
-              <a:t> -&gt;Implement by </a:t>
-            </a:r>
-            <a:r>
-              <a:rPr lang="en-SG" sz="1200" dirty="0" err="1"/>
-              <a:t>DefaultComponentActivator</a:t>
-            </a:r>
-            <a:r>
-              <a:rPr lang="en-SG" sz="1200" dirty="0"/>
-              <a:t> </a:t>
-            </a:r>
-          </a:p>
-          <a:p>
-            <a:pPr marL="0" indent="0">
-              <a:buNone/>
-            </a:pPr>
-            <a:r>
-              <a:rPr lang="en-SG" sz="1200" dirty="0"/>
-              <a:t>      -&gt;</a:t>
-            </a:r>
-            <a:r>
-              <a:rPr lang="en-SG" sz="1200" dirty="0" err="1"/>
-              <a:t>PrerenderPersistedStateAsync</a:t>
-            </a:r>
-            <a:endParaRPr lang="en-SG" sz="1200" dirty="0"/>
-          </a:p>
-          <a:p>
-            <a:pPr marL="0" indent="0">
-              <a:buNone/>
-            </a:pPr>
-            <a:endParaRPr lang="en-SG" sz="1100" dirty="0"/>
-          </a:p>
-          <a:p>
-            <a:pPr marL="0" indent="0">
-              <a:buNone/>
-            </a:pPr>
-            <a:endParaRPr lang="en-SG" sz="1100" dirty="0"/>
-          </a:p>
-          <a:p>
-            <a:pPr marL="0" indent="0">
-              <a:buNone/>
-            </a:pPr>
-            <a:r>
-              <a:rPr lang="en-SG" sz="1100" dirty="0" err="1"/>
-              <a:t>RazorComponentEndpointInvoker.RenderComponentCore</a:t>
-            </a:r>
-            <a:r>
-              <a:rPr lang="en-SG" sz="1100" dirty="0"/>
-              <a:t> -&gt;</a:t>
-            </a:r>
-          </a:p>
-          <a:p>
-            <a:pPr marL="0" indent="0">
-              <a:buNone/>
-            </a:pPr>
-            <a:r>
-              <a:rPr lang="en-SG" sz="1100" dirty="0"/>
-              <a:t>  </a:t>
-            </a:r>
-            <a:r>
-              <a:rPr lang="en-SG" sz="1100" dirty="0" err="1"/>
-              <a:t>EndpointHtmlRenderer.RenderEndpointComponent</a:t>
-            </a:r>
-            <a:r>
-              <a:rPr lang="en-SG" sz="1100" dirty="0"/>
-              <a:t>-&gt;</a:t>
-            </a:r>
-          </a:p>
-          <a:p>
-            <a:pPr marL="0" indent="0">
-              <a:buNone/>
-            </a:pPr>
-            <a:r>
-              <a:rPr lang="en-SG" sz="1100" dirty="0"/>
-              <a:t>  </a:t>
-            </a:r>
-          </a:p>
-          <a:p>
-            <a:pPr marL="0" indent="0">
-              <a:buNone/>
-            </a:pPr>
-            <a:r>
-              <a:rPr lang="en-SG" sz="1100" dirty="0"/>
-              <a:t>…-&gt; </a:t>
-            </a:r>
-            <a:r>
-              <a:rPr lang="en-SG" sz="1100" dirty="0" err="1"/>
-              <a:t>ComponmentFactory.InstantiateComponent</a:t>
-            </a:r>
-            <a:endParaRPr lang="en-SG" sz="1100" dirty="0"/>
-          </a:p>
-          <a:p>
-            <a:pPr marL="0" indent="0">
-              <a:buNone/>
-            </a:pPr>
-            <a:endParaRPr lang="en-SG" sz="1000" dirty="0"/>
-          </a:p>
-        </p:txBody>
-      </p:sp>
-    </p:spTree>
-    <p:extLst>
-      <p:ext uri="{BB962C8B-B14F-4D97-AF65-F5344CB8AC3E}">
-        <p14:creationId xmlns:p14="http://schemas.microsoft.com/office/powerpoint/2010/main" val="3457719316"/>
-      </p:ext>
-    </p:extLst>
-  </p:cSld>
-  <p:clrMapOvr>
-    <a:masterClrMapping/>
-  </p:clrMapOvr>
-</p:sld>
-</file>
-
-<file path=ppt/slides/slide19.xml><?xml version="1.0" encoding="utf-8"?>
-<p:sld xmlns:a="http://schemas.openxmlformats.org/drawingml/2006/main" xmlns:r="http://schemas.openxmlformats.org/officeDocument/2006/relationships" xmlns:p="http://schemas.openxmlformats.org/presentationml/2006/main">
-  <p:cSld>
-    <p:spTree>
-      <p:nvGrpSpPr>
-        <p:cNvPr id="1" name=""/>
-        <p:cNvGrpSpPr/>
-        <p:nvPr/>
-      </p:nvGrpSpPr>
-      <p:grpSpPr>
-        <a:xfrm>
-          <a:off x="0" y="0"/>
-          <a:ext cx="0" cy="0"/>
-          <a:chOff x="0" y="0"/>
-          <a:chExt cx="0" cy="0"/>
-        </a:xfrm>
-      </p:grpSpPr>
-      <p:sp>
-        <p:nvSpPr>
-          <p:cNvPr id="2" name="Title 1">
-            <a:extLst>
-              <a:ext uri="{FF2B5EF4-FFF2-40B4-BE49-F238E27FC236}">
-                <a16:creationId xmlns:a16="http://schemas.microsoft.com/office/drawing/2014/main" id="{6AEED449-1CBF-093F-CB5F-373C08811612}"/>
-              </a:ext>
-            </a:extLst>
-          </p:cNvPr>
-          <p:cNvSpPr>
-            <a:spLocks noGrp="1"/>
-          </p:cNvSpPr>
-          <p:nvPr>
-            <p:ph type="title"/>
-          </p:nvPr>
-        </p:nvSpPr>
-        <p:spPr/>
-        <p:txBody>
-          <a:bodyPr/>
-          <a:lstStyle/>
-          <a:p>
-            <a:endParaRPr lang="en-SG"/>
-          </a:p>
-        </p:txBody>
-      </p:sp>
-      <p:pic>
-        <p:nvPicPr>
-          <p:cNvPr id="11" name="Picture 10">
-            <a:extLst>
-              <a:ext uri="{FF2B5EF4-FFF2-40B4-BE49-F238E27FC236}">
-                <a16:creationId xmlns:a16="http://schemas.microsoft.com/office/drawing/2014/main" id="{5B968F6C-9373-937A-B18C-8EC4AC319DBB}"/>
-              </a:ext>
-            </a:extLst>
-          </p:cNvPr>
-          <p:cNvPicPr>
-            <a:picLocks noChangeAspect="1"/>
-          </p:cNvPicPr>
-          <p:nvPr/>
-        </p:nvPicPr>
-        <p:blipFill>
-          <a:blip r:embed="rId2"/>
-          <a:stretch>
-            <a:fillRect/>
-          </a:stretch>
-        </p:blipFill>
-        <p:spPr>
-          <a:xfrm>
-            <a:off x="691079" y="2501442"/>
-            <a:ext cx="5582429" cy="1038370"/>
-          </a:xfrm>
-          <a:prstGeom prst="rect">
-            <a:avLst/>
-          </a:prstGeom>
-        </p:spPr>
-      </p:pic>
-    </p:spTree>
-    <p:extLst>
-      <p:ext uri="{BB962C8B-B14F-4D97-AF65-F5344CB8AC3E}">
-        <p14:creationId xmlns:p14="http://schemas.microsoft.com/office/powerpoint/2010/main" val="1829943456"/>
-      </p:ext>
-    </p:extLst>
-  </p:cSld>
-  <p:clrMapOvr>
-    <a:masterClrMapping/>
-  </p:clrMapOvr>
-</p:sld>
-</file>
-
 <file path=ppt/slides/slide2.xml><?xml version="1.0" encoding="utf-8"?>
 <p:sld xmlns:a="http://schemas.openxmlformats.org/drawingml/2006/main" xmlns:r="http://schemas.openxmlformats.org/officeDocument/2006/relationships" xmlns:p="http://schemas.openxmlformats.org/presentationml/2006/main">
   <p:cSld>
@@ -20179,7 +19890,7 @@
                 <a16:creationId xmlns:a16="http://schemas.microsoft.com/office/drawing/2014/main" id="{D7C3C2D0-A48F-4A6F-9C7D-888E9DFE643A}"/>
               </a:ext>
               <a:ext uri="{C183D7F6-B498-43B3-948B-1728B52AA6E4}">
-                <adec:decorative xmlns:adec="http://schemas.microsoft.com/office/drawing/2017/decorative" xmlns="" val="1"/>
+                <adec:decorative xmlns:adec="http://schemas.microsoft.com/office/drawing/2017/decorative" val="1"/>
               </a:ext>
             </a:extLst>
           </p:cNvPr>
@@ -20243,7 +19954,7 @@
                 <a16:creationId xmlns:a16="http://schemas.microsoft.com/office/drawing/2014/main" id="{A522AC37-2BE3-4ECF-A007-1DE6CB354FFE}"/>
               </a:ext>
               <a:ext uri="{C183D7F6-B498-43B3-948B-1728B52AA6E4}">
-                <adec:decorative xmlns:adec="http://schemas.microsoft.com/office/drawing/2017/decorative" xmlns="" val="1"/>
+                <adec:decorative xmlns:adec="http://schemas.microsoft.com/office/drawing/2017/decorative" val="1"/>
               </a:ext>
             </a:extLst>
           </p:cNvPr>
@@ -20429,7 +20140,7 @@
                 <a16:creationId xmlns:a16="http://schemas.microsoft.com/office/drawing/2014/main" id="{ACAC8F7F-D35D-4520-8F56-4EFA77C73B66}"/>
               </a:ext>
               <a:ext uri="{C183D7F6-B498-43B3-948B-1728B52AA6E4}">
-                <adec:decorative xmlns:adec="http://schemas.microsoft.com/office/drawing/2017/decorative" xmlns="" val="1"/>
+                <adec:decorative xmlns:adec="http://schemas.microsoft.com/office/drawing/2017/decorative" val="1"/>
               </a:ext>
             </a:extLst>
           </p:cNvPr>
@@ -20460,7 +20171,7 @@
                   <a16:creationId xmlns:a16="http://schemas.microsoft.com/office/drawing/2014/main" id="{E87C587A-B291-49B1-BE30-198570DDACDF}"/>
                 </a:ext>
                 <a:ext uri="{C183D7F6-B498-43B3-948B-1728B52AA6E4}">
-                  <adec:decorative xmlns:adec="http://schemas.microsoft.com/office/drawing/2017/decorative" xmlns="" val="1"/>
+                  <adec:decorative xmlns:adec="http://schemas.microsoft.com/office/drawing/2017/decorative" val="1"/>
                 </a:ext>
               </a:extLst>
             </p:cNvPr>
@@ -20515,7 +20226,7 @@
                   <a16:creationId xmlns:a16="http://schemas.microsoft.com/office/drawing/2014/main" id="{CB6C1D58-93FC-4B49-9F8B-2262E08DAAB3}"/>
                 </a:ext>
                 <a:ext uri="{C183D7F6-B498-43B3-948B-1728B52AA6E4}">
-                  <adec:decorative xmlns:adec="http://schemas.microsoft.com/office/drawing/2017/decorative" xmlns="" val="1"/>
+                  <adec:decorative xmlns:adec="http://schemas.microsoft.com/office/drawing/2017/decorative" val="1"/>
                 </a:ext>
               </a:extLst>
             </p:cNvPr>
@@ -20570,7 +20281,7 @@
                   <a16:creationId xmlns:a16="http://schemas.microsoft.com/office/drawing/2014/main" id="{F0965ED9-2FC3-4180-9CAC-D7DF1C7BEF99}"/>
                 </a:ext>
                 <a:ext uri="{C183D7F6-B498-43B3-948B-1728B52AA6E4}">
-                  <adec:decorative xmlns:adec="http://schemas.microsoft.com/office/drawing/2017/decorative" xmlns="" val="1"/>
+                  <adec:decorative xmlns:adec="http://schemas.microsoft.com/office/drawing/2017/decorative" val="1"/>
                 </a:ext>
               </a:extLst>
             </p:cNvPr>
@@ -20625,7 +20336,7 @@
                   <a16:creationId xmlns:a16="http://schemas.microsoft.com/office/drawing/2014/main" id="{F116CA23-FA2C-4A44-A67C-FC147A715DD7}"/>
                 </a:ext>
                 <a:ext uri="{C183D7F6-B498-43B3-948B-1728B52AA6E4}">
-                  <adec:decorative xmlns:adec="http://schemas.microsoft.com/office/drawing/2017/decorative" xmlns="" val="1"/>
+                  <adec:decorative xmlns:adec="http://schemas.microsoft.com/office/drawing/2017/decorative" val="1"/>
                 </a:ext>
               </a:extLst>
             </p:cNvPr>
@@ -20680,7 +20391,7 @@
                   <a16:creationId xmlns:a16="http://schemas.microsoft.com/office/drawing/2014/main" id="{E2C391CF-E782-40EA-B1EB-05ADC774CCE1}"/>
                 </a:ext>
                 <a:ext uri="{C183D7F6-B498-43B3-948B-1728B52AA6E4}">
-                  <adec:decorative xmlns:adec="http://schemas.microsoft.com/office/drawing/2017/decorative" xmlns="" val="1"/>
+                  <adec:decorative xmlns:adec="http://schemas.microsoft.com/office/drawing/2017/decorative" val="1"/>
                 </a:ext>
               </a:extLst>
             </p:cNvPr>
@@ -20735,7 +20446,7 @@
                   <a16:creationId xmlns:a16="http://schemas.microsoft.com/office/drawing/2014/main" id="{7B322665-68EB-45B5-A6DE-2869B30F1C9C}"/>
                 </a:ext>
                 <a:ext uri="{C183D7F6-B498-43B3-948B-1728B52AA6E4}">
-                  <adec:decorative xmlns:adec="http://schemas.microsoft.com/office/drawing/2017/decorative" xmlns="" val="1"/>
+                  <adec:decorative xmlns:adec="http://schemas.microsoft.com/office/drawing/2017/decorative" val="1"/>
                 </a:ext>
               </a:extLst>
             </p:cNvPr>
@@ -20790,7 +20501,7 @@
                   <a16:creationId xmlns:a16="http://schemas.microsoft.com/office/drawing/2014/main" id="{A3B7FA59-83C4-4952-AF38-C1FC950E9067}"/>
                 </a:ext>
                 <a:ext uri="{C183D7F6-B498-43B3-948B-1728B52AA6E4}">
-                  <adec:decorative xmlns:adec="http://schemas.microsoft.com/office/drawing/2017/decorative" xmlns="" val="1"/>
+                  <adec:decorative xmlns:adec="http://schemas.microsoft.com/office/drawing/2017/decorative" val="1"/>
                 </a:ext>
               </a:extLst>
             </p:cNvPr>
@@ -20845,7 +20556,7 @@
                   <a16:creationId xmlns:a16="http://schemas.microsoft.com/office/drawing/2014/main" id="{CE5D6D3A-DE20-486C-BBBF-F9B0E4D8A8B7}"/>
                 </a:ext>
                 <a:ext uri="{C183D7F6-B498-43B3-948B-1728B52AA6E4}">
-                  <adec:decorative xmlns:adec="http://schemas.microsoft.com/office/drawing/2017/decorative" xmlns="" val="1"/>
+                  <adec:decorative xmlns:adec="http://schemas.microsoft.com/office/drawing/2017/decorative" val="1"/>
                 </a:ext>
               </a:extLst>
             </p:cNvPr>
@@ -20900,7 +20611,7 @@
                   <a16:creationId xmlns:a16="http://schemas.microsoft.com/office/drawing/2014/main" id="{9B8B1D81-CEF1-437F-8252-036661CB5E4B}"/>
                 </a:ext>
                 <a:ext uri="{C183D7F6-B498-43B3-948B-1728B52AA6E4}">
-                  <adec:decorative xmlns:adec="http://schemas.microsoft.com/office/drawing/2017/decorative" xmlns="" val="1"/>
+                  <adec:decorative xmlns:adec="http://schemas.microsoft.com/office/drawing/2017/decorative" val="1"/>
                 </a:ext>
               </a:extLst>
             </p:cNvPr>
@@ -20955,7 +20666,7 @@
                   <a16:creationId xmlns:a16="http://schemas.microsoft.com/office/drawing/2014/main" id="{E1B0312A-9358-4743-961A-6F77AEB5D9DD}"/>
                 </a:ext>
                 <a:ext uri="{C183D7F6-B498-43B3-948B-1728B52AA6E4}">
-                  <adec:decorative xmlns:adec="http://schemas.microsoft.com/office/drawing/2017/decorative" xmlns="" val="1"/>
+                  <adec:decorative xmlns:adec="http://schemas.microsoft.com/office/drawing/2017/decorative" val="1"/>
                 </a:ext>
               </a:extLst>
             </p:cNvPr>
@@ -21010,7 +20721,7 @@
                   <a16:creationId xmlns:a16="http://schemas.microsoft.com/office/drawing/2014/main" id="{2C02485F-0EE1-4595-A972-16A13E91914C}"/>
                 </a:ext>
                 <a:ext uri="{C183D7F6-B498-43B3-948B-1728B52AA6E4}">
-                  <adec:decorative xmlns:adec="http://schemas.microsoft.com/office/drawing/2017/decorative" xmlns="" val="1"/>
+                  <adec:decorative xmlns:adec="http://schemas.microsoft.com/office/drawing/2017/decorative" val="1"/>
                 </a:ext>
               </a:extLst>
             </p:cNvPr>
@@ -21065,7 +20776,7 @@
                   <a16:creationId xmlns:a16="http://schemas.microsoft.com/office/drawing/2014/main" id="{F102D844-6E4F-483E-8E2E-9006EA180121}"/>
                 </a:ext>
                 <a:ext uri="{C183D7F6-B498-43B3-948B-1728B52AA6E4}">
-                  <adec:decorative xmlns:adec="http://schemas.microsoft.com/office/drawing/2017/decorative" xmlns="" val="1"/>
+                  <adec:decorative xmlns:adec="http://schemas.microsoft.com/office/drawing/2017/decorative" val="1"/>
                 </a:ext>
               </a:extLst>
             </p:cNvPr>
@@ -21120,7 +20831,7 @@
                   <a16:creationId xmlns:a16="http://schemas.microsoft.com/office/drawing/2014/main" id="{658766E6-D2D6-447C-B1DC-B7F7C381F1AC}"/>
                 </a:ext>
                 <a:ext uri="{C183D7F6-B498-43B3-948B-1728B52AA6E4}">
-                  <adec:decorative xmlns:adec="http://schemas.microsoft.com/office/drawing/2017/decorative" xmlns="" val="1"/>
+                  <adec:decorative xmlns:adec="http://schemas.microsoft.com/office/drawing/2017/decorative" val="1"/>
                 </a:ext>
               </a:extLst>
             </p:cNvPr>
@@ -21175,7 +20886,7 @@
                   <a16:creationId xmlns:a16="http://schemas.microsoft.com/office/drawing/2014/main" id="{B9BBD00C-7AB2-445E-B7DA-98CC7CAF3D92}"/>
                 </a:ext>
                 <a:ext uri="{C183D7F6-B498-43B3-948B-1728B52AA6E4}">
-                  <adec:decorative xmlns:adec="http://schemas.microsoft.com/office/drawing/2017/decorative" xmlns="" val="1"/>
+                  <adec:decorative xmlns:adec="http://schemas.microsoft.com/office/drawing/2017/decorative" val="1"/>
                 </a:ext>
               </a:extLst>
             </p:cNvPr>
@@ -21230,7 +20941,7 @@
                   <a16:creationId xmlns:a16="http://schemas.microsoft.com/office/drawing/2014/main" id="{6D177E1C-6580-456C-AAAE-89D422A2C187}"/>
                 </a:ext>
                 <a:ext uri="{C183D7F6-B498-43B3-948B-1728B52AA6E4}">
-                  <adec:decorative xmlns:adec="http://schemas.microsoft.com/office/drawing/2017/decorative" xmlns="" val="1"/>
+                  <adec:decorative xmlns:adec="http://schemas.microsoft.com/office/drawing/2017/decorative" val="1"/>
                 </a:ext>
               </a:extLst>
             </p:cNvPr>
@@ -21285,7 +20996,7 @@
                   <a16:creationId xmlns:a16="http://schemas.microsoft.com/office/drawing/2014/main" id="{BB85538F-9888-4E68-A9F3-DBB136C0FF17}"/>
                 </a:ext>
                 <a:ext uri="{C183D7F6-B498-43B3-948B-1728B52AA6E4}">
-                  <adec:decorative xmlns:adec="http://schemas.microsoft.com/office/drawing/2017/decorative" xmlns="" val="1"/>
+                  <adec:decorative xmlns:adec="http://schemas.microsoft.com/office/drawing/2017/decorative" val="1"/>
                 </a:ext>
               </a:extLst>
             </p:cNvPr>
@@ -21340,7 +21051,7 @@
                   <a16:creationId xmlns:a16="http://schemas.microsoft.com/office/drawing/2014/main" id="{C29B624F-F9D8-43BB-A468-08331D66CCA6}"/>
                 </a:ext>
                 <a:ext uri="{C183D7F6-B498-43B3-948B-1728B52AA6E4}">
-                  <adec:decorative xmlns:adec="http://schemas.microsoft.com/office/drawing/2017/decorative" xmlns="" val="1"/>
+                  <adec:decorative xmlns:adec="http://schemas.microsoft.com/office/drawing/2017/decorative" val="1"/>
                 </a:ext>
               </a:extLst>
             </p:cNvPr>
@@ -21395,7 +21106,7 @@
                   <a16:creationId xmlns:a16="http://schemas.microsoft.com/office/drawing/2014/main" id="{660E66F4-AE52-4D19-AF99-540F0CCFD716}"/>
                 </a:ext>
                 <a:ext uri="{C183D7F6-B498-43B3-948B-1728B52AA6E4}">
-                  <adec:decorative xmlns:adec="http://schemas.microsoft.com/office/drawing/2017/decorative" xmlns="" val="1"/>
+                  <adec:decorative xmlns:adec="http://schemas.microsoft.com/office/drawing/2017/decorative" val="1"/>
                 </a:ext>
               </a:extLst>
             </p:cNvPr>
@@ -21450,7 +21161,7 @@
                   <a16:creationId xmlns:a16="http://schemas.microsoft.com/office/drawing/2014/main" id="{ACADC852-407F-4870-9F7B-A6004FE77CEB}"/>
                 </a:ext>
                 <a:ext uri="{C183D7F6-B498-43B3-948B-1728B52AA6E4}">
-                  <adec:decorative xmlns:adec="http://schemas.microsoft.com/office/drawing/2017/decorative" xmlns="" val="1"/>
+                  <adec:decorative xmlns:adec="http://schemas.microsoft.com/office/drawing/2017/decorative" val="1"/>
                 </a:ext>
               </a:extLst>
             </p:cNvPr>
@@ -21505,7 +21216,7 @@
                   <a16:creationId xmlns:a16="http://schemas.microsoft.com/office/drawing/2014/main" id="{8E9CC738-B12D-4154-A4EA-81D4576BC106}"/>
                 </a:ext>
                 <a:ext uri="{C183D7F6-B498-43B3-948B-1728B52AA6E4}">
-                  <adec:decorative xmlns:adec="http://schemas.microsoft.com/office/drawing/2017/decorative" xmlns="" val="1"/>
+                  <adec:decorative xmlns:adec="http://schemas.microsoft.com/office/drawing/2017/decorative" val="1"/>
                 </a:ext>
               </a:extLst>
             </p:cNvPr>
@@ -21560,7 +21271,7 @@
                   <a16:creationId xmlns:a16="http://schemas.microsoft.com/office/drawing/2014/main" id="{0A2A84F5-CD6A-4287-A9C1-EED0E65CA9D9}"/>
                 </a:ext>
                 <a:ext uri="{C183D7F6-B498-43B3-948B-1728B52AA6E4}">
-                  <adec:decorative xmlns:adec="http://schemas.microsoft.com/office/drawing/2017/decorative" xmlns="" val="1"/>
+                  <adec:decorative xmlns:adec="http://schemas.microsoft.com/office/drawing/2017/decorative" val="1"/>
                 </a:ext>
               </a:extLst>
             </p:cNvPr>
@@ -21615,7 +21326,7 @@
                   <a16:creationId xmlns:a16="http://schemas.microsoft.com/office/drawing/2014/main" id="{53F4EFD5-6D1E-4865-83BA-0F116DF06F39}"/>
                 </a:ext>
                 <a:ext uri="{C183D7F6-B498-43B3-948B-1728B52AA6E4}">
-                  <adec:decorative xmlns:adec="http://schemas.microsoft.com/office/drawing/2017/decorative" xmlns="" val="1"/>
+                  <adec:decorative xmlns:adec="http://schemas.microsoft.com/office/drawing/2017/decorative" val="1"/>
                 </a:ext>
               </a:extLst>
             </p:cNvPr>
@@ -21670,7 +21381,7 @@
                   <a16:creationId xmlns:a16="http://schemas.microsoft.com/office/drawing/2014/main" id="{A0A8CE11-5C23-4CA3-8D8E-9E094566DBCF}"/>
                 </a:ext>
                 <a:ext uri="{C183D7F6-B498-43B3-948B-1728B52AA6E4}">
-                  <adec:decorative xmlns:adec="http://schemas.microsoft.com/office/drawing/2017/decorative" xmlns="" val="1"/>
+                  <adec:decorative xmlns:adec="http://schemas.microsoft.com/office/drawing/2017/decorative" val="1"/>
                 </a:ext>
               </a:extLst>
             </p:cNvPr>
@@ -21725,7 +21436,7 @@
                   <a16:creationId xmlns:a16="http://schemas.microsoft.com/office/drawing/2014/main" id="{A5D41DA6-2047-4BB5-8469-509E240E4924}"/>
                 </a:ext>
                 <a:ext uri="{C183D7F6-B498-43B3-948B-1728B52AA6E4}">
-                  <adec:decorative xmlns:adec="http://schemas.microsoft.com/office/drawing/2017/decorative" xmlns="" val="1"/>
+                  <adec:decorative xmlns:adec="http://schemas.microsoft.com/office/drawing/2017/decorative" val="1"/>
                 </a:ext>
               </a:extLst>
             </p:cNvPr>
@@ -21780,7 +21491,7 @@
                   <a16:creationId xmlns:a16="http://schemas.microsoft.com/office/drawing/2014/main" id="{FAACD460-E6E2-4C46-A780-095B52D1B2B6}"/>
                 </a:ext>
                 <a:ext uri="{C183D7F6-B498-43B3-948B-1728B52AA6E4}">
-                  <adec:decorative xmlns:adec="http://schemas.microsoft.com/office/drawing/2017/decorative" xmlns="" val="1"/>
+                  <adec:decorative xmlns:adec="http://schemas.microsoft.com/office/drawing/2017/decorative" val="1"/>
                 </a:ext>
               </a:extLst>
             </p:cNvPr>
@@ -21835,7 +21546,7 @@
                   <a16:creationId xmlns:a16="http://schemas.microsoft.com/office/drawing/2014/main" id="{8B36364A-122E-43B1-B2B8-F00D83E5D68B}"/>
                 </a:ext>
                 <a:ext uri="{C183D7F6-B498-43B3-948B-1728B52AA6E4}">
-                  <adec:decorative xmlns:adec="http://schemas.microsoft.com/office/drawing/2017/decorative" xmlns="" val="1"/>
+                  <adec:decorative xmlns:adec="http://schemas.microsoft.com/office/drawing/2017/decorative" val="1"/>
                 </a:ext>
               </a:extLst>
             </p:cNvPr>
@@ -21890,7 +21601,7 @@
                   <a16:creationId xmlns:a16="http://schemas.microsoft.com/office/drawing/2014/main" id="{99A63098-DBC2-4C59-9D33-809ECCA62333}"/>
                 </a:ext>
                 <a:ext uri="{C183D7F6-B498-43B3-948B-1728B52AA6E4}">
-                  <adec:decorative xmlns:adec="http://schemas.microsoft.com/office/drawing/2017/decorative" xmlns="" val="1"/>
+                  <adec:decorative xmlns:adec="http://schemas.microsoft.com/office/drawing/2017/decorative" val="1"/>
                 </a:ext>
               </a:extLst>
             </p:cNvPr>
@@ -21945,7 +21656,7 @@
                   <a16:creationId xmlns:a16="http://schemas.microsoft.com/office/drawing/2014/main" id="{98F309E4-ACE9-4428-8DDA-20E0F1A1BC9B}"/>
                 </a:ext>
                 <a:ext uri="{C183D7F6-B498-43B3-948B-1728B52AA6E4}">
-                  <adec:decorative xmlns:adec="http://schemas.microsoft.com/office/drawing/2017/decorative" xmlns="" val="1"/>
+                  <adec:decorative xmlns:adec="http://schemas.microsoft.com/office/drawing/2017/decorative" val="1"/>
                 </a:ext>
               </a:extLst>
             </p:cNvPr>
@@ -22000,7 +21711,7 @@
                   <a16:creationId xmlns:a16="http://schemas.microsoft.com/office/drawing/2014/main" id="{239F177F-07E3-45BF-85B1-21E231DCCC99}"/>
                 </a:ext>
                 <a:ext uri="{C183D7F6-B498-43B3-948B-1728B52AA6E4}">
-                  <adec:decorative xmlns:adec="http://schemas.microsoft.com/office/drawing/2017/decorative" xmlns="" val="1"/>
+                  <adec:decorative xmlns:adec="http://schemas.microsoft.com/office/drawing/2017/decorative" val="1"/>
                 </a:ext>
               </a:extLst>
             </p:cNvPr>
@@ -22055,7 +21766,7 @@
                   <a16:creationId xmlns:a16="http://schemas.microsoft.com/office/drawing/2014/main" id="{23EC3277-85FC-401E-80E3-B64B9808DE41}"/>
                 </a:ext>
                 <a:ext uri="{C183D7F6-B498-43B3-948B-1728B52AA6E4}">
-                  <adec:decorative xmlns:adec="http://schemas.microsoft.com/office/drawing/2017/decorative" xmlns="" val="1"/>
+                  <adec:decorative xmlns:adec="http://schemas.microsoft.com/office/drawing/2017/decorative" val="1"/>
                 </a:ext>
               </a:extLst>
             </p:cNvPr>
@@ -22110,7 +21821,7 @@
                   <a16:creationId xmlns:a16="http://schemas.microsoft.com/office/drawing/2014/main" id="{59A24ED6-70A5-4DC0-A213-5385E58417FE}"/>
                 </a:ext>
                 <a:ext uri="{C183D7F6-B498-43B3-948B-1728B52AA6E4}">
-                  <adec:decorative xmlns:adec="http://schemas.microsoft.com/office/drawing/2017/decorative" xmlns="" val="1"/>
+                  <adec:decorative xmlns:adec="http://schemas.microsoft.com/office/drawing/2017/decorative" val="1"/>
                 </a:ext>
               </a:extLst>
             </p:cNvPr>
@@ -22202,7 +21913,7 @@
                 <a16:creationId xmlns:a16="http://schemas.microsoft.com/office/drawing/2014/main" id="{69F0804E-F8DE-40E7-90F4-68B638136E17}"/>
               </a:ext>
               <a:ext uri="{C183D7F6-B498-43B3-948B-1728B52AA6E4}">
-                <adec:decorative xmlns:adec="http://schemas.microsoft.com/office/drawing/2017/decorative" xmlns="" val="1"/>
+                <adec:decorative xmlns:adec="http://schemas.microsoft.com/office/drawing/2017/decorative" val="1"/>
               </a:ext>
             </a:extLst>
           </p:cNvPr>
@@ -22303,11 +22014,7 @@
             </a:r>
             <a:r>
               <a:rPr lang="en-US" altLang="zh-CN" sz="1600" dirty="0"/>
-              <a:t> </a:t>
-            </a:r>
-            <a:r>
-              <a:rPr lang="en-US" altLang="zh-CN" sz="1600" dirty="0" smtClean="0"/>
-              <a:t>Web App</a:t>
+              <a:t> Web App</a:t>
             </a:r>
           </a:p>
           <a:p>
@@ -22318,6 +22025,26 @@
             <a:r>
               <a:rPr lang="en-US" altLang="zh-CN" sz="1600" dirty="0"/>
               <a:t>Introduction</a:t>
+            </a:r>
+          </a:p>
+          <a:p>
+            <a:pPr marL="707400" indent="-285750">
+              <a:buFont typeface="Courier New" panose="02070309020205020404" pitchFamily="49" charset="0"/>
+              <a:buChar char="o"/>
+            </a:pPr>
+            <a:r>
+              <a:rPr lang="en-US" altLang="zh-CN" sz="1600" dirty="0"/>
+              <a:t>Render Mode</a:t>
+            </a:r>
+          </a:p>
+          <a:p>
+            <a:pPr marL="707400" indent="-285750">
+              <a:buFont typeface="Courier New" panose="02070309020205020404" pitchFamily="49" charset="0"/>
+              <a:buChar char="o"/>
+            </a:pPr>
+            <a:r>
+              <a:rPr lang="en-US" altLang="zh-CN" sz="1600" dirty="0" err="1"/>
+              <a:t>LifeCycle</a:t>
             </a:r>
             <a:endParaRPr lang="en-US" altLang="zh-CN" sz="1600" dirty="0"/>
           </a:p>
@@ -22327,37 +22054,18 @@
               <a:buChar char="o"/>
             </a:pPr>
             <a:r>
-              <a:rPr lang="en-US" altLang="zh-CN" sz="1600" dirty="0"/>
-              <a:t>Render Mode</a:t>
-            </a:r>
-          </a:p>
-          <a:p>
-            <a:pPr marL="707400" indent="-285750">
-              <a:buFont typeface="Courier New" panose="02070309020205020404" pitchFamily="49" charset="0"/>
-              <a:buChar char="o"/>
-            </a:pPr>
-            <a:r>
               <a:rPr lang="en-US" altLang="zh-CN" sz="1600" dirty="0" err="1"/>
-              <a:t>LifeCycle</a:t>
-            </a:r>
-            <a:endParaRPr lang="en-US" altLang="zh-CN" sz="1600" dirty="0"/>
-          </a:p>
-          <a:p>
-            <a:pPr marL="707400" indent="-285750">
-              <a:buFont typeface="Courier New" panose="02070309020205020404" pitchFamily="49" charset="0"/>
-              <a:buChar char="o"/>
-            </a:pPr>
-            <a:r>
-              <a:rPr lang="en-US" altLang="zh-CN" sz="1600" dirty="0" err="1" smtClean="0"/>
               <a:t>PreRender</a:t>
             </a:r>
             <a:endParaRPr lang="en-SG" altLang="zh-CN" sz="1600" dirty="0"/>
           </a:p>
           <a:p>
             <a:r>
-              <a:rPr lang="en-SG" altLang="zh-CN" sz="1600" dirty="0" smtClean="0"/>
-              <a:t>Publish</a:t>
-            </a:r>
+              <a:rPr lang="en-SG" sz="1600" dirty="0"/>
+              <a:t>Webcil packaging</a:t>
+            </a:r>
+          </a:p>
+          <a:p>
             <a:endParaRPr lang="en-US" altLang="zh-CN" sz="1600" dirty="0"/>
           </a:p>
         </p:txBody>
@@ -22366,6 +22074,609 @@
     <p:extLst>
       <p:ext uri="{BB962C8B-B14F-4D97-AF65-F5344CB8AC3E}">
         <p14:creationId xmlns:p14="http://schemas.microsoft.com/office/powerpoint/2010/main" val="607183220"/>
+      </p:ext>
+    </p:extLst>
+  </p:cSld>
+  <p:clrMapOvr>
+    <a:masterClrMapping/>
+  </p:clrMapOvr>
+</p:sld>
+</file>
+
+<file path=ppt/slides/slide20.xml><?xml version="1.0" encoding="utf-8"?>
+<p:sld xmlns:a="http://schemas.openxmlformats.org/drawingml/2006/main" xmlns:r="http://schemas.openxmlformats.org/officeDocument/2006/relationships" xmlns:p="http://schemas.openxmlformats.org/presentationml/2006/main">
+  <p:cSld>
+    <p:spTree>
+      <p:nvGrpSpPr>
+        <p:cNvPr id="1" name=""/>
+        <p:cNvGrpSpPr/>
+        <p:nvPr/>
+      </p:nvGrpSpPr>
+      <p:grpSpPr>
+        <a:xfrm>
+          <a:off x="0" y="0"/>
+          <a:ext cx="0" cy="0"/>
+          <a:chOff x="0" y="0"/>
+          <a:chExt cx="0" cy="0"/>
+        </a:xfrm>
+      </p:grpSpPr>
+      <p:sp>
+        <p:nvSpPr>
+          <p:cNvPr id="2" name="Title 1">
+            <a:extLst>
+              <a:ext uri="{FF2B5EF4-FFF2-40B4-BE49-F238E27FC236}">
+                <a16:creationId xmlns:a16="http://schemas.microsoft.com/office/drawing/2014/main" id="{5F8DF6F0-A65F-1BCE-772C-EDA41D90B8C0}"/>
+              </a:ext>
+            </a:extLst>
+          </p:cNvPr>
+          <p:cNvSpPr>
+            <a:spLocks noGrp="1"/>
+          </p:cNvSpPr>
+          <p:nvPr>
+            <p:ph type="title"/>
+          </p:nvPr>
+        </p:nvSpPr>
+        <p:spPr/>
+        <p:txBody>
+          <a:bodyPr/>
+          <a:lstStyle/>
+          <a:p>
+            <a:r>
+              <a:rPr lang="en-US" altLang="zh-CN" sz="4400" dirty="0" err="1"/>
+              <a:t>PreRender</a:t>
+            </a:r>
+            <a:endParaRPr lang="en-SG" dirty="0"/>
+          </a:p>
+        </p:txBody>
+      </p:sp>
+      <p:sp>
+        <p:nvSpPr>
+          <p:cNvPr id="3" name="Content Placeholder 2">
+            <a:extLst>
+              <a:ext uri="{FF2B5EF4-FFF2-40B4-BE49-F238E27FC236}">
+                <a16:creationId xmlns:a16="http://schemas.microsoft.com/office/drawing/2014/main" id="{B10825B6-ED58-382E-5066-73CC4C67868B}"/>
+              </a:ext>
+            </a:extLst>
+          </p:cNvPr>
+          <p:cNvSpPr>
+            <a:spLocks noGrp="1"/>
+          </p:cNvSpPr>
+          <p:nvPr>
+            <p:ph idx="1"/>
+          </p:nvPr>
+        </p:nvSpPr>
+        <p:spPr/>
+        <p:txBody>
+          <a:bodyPr/>
+          <a:lstStyle/>
+          <a:p>
+            <a:r>
+              <a:rPr lang="en-SG" sz="1200" dirty="0" err="1"/>
+              <a:t>Blazor</a:t>
+            </a:r>
+            <a:r>
+              <a:rPr lang="en-SG" sz="1200" dirty="0"/>
+              <a:t> apps that prerender their content on the server call </a:t>
+            </a:r>
+            <a:r>
+              <a:rPr lang="en-SG" sz="1200" dirty="0" err="1"/>
+              <a:t>SetParametersAsync</a:t>
+            </a:r>
+            <a:r>
+              <a:rPr lang="en-SG" sz="1200" dirty="0"/>
+              <a:t> twice</a:t>
+            </a:r>
+          </a:p>
+          <a:p>
+            <a:r>
+              <a:rPr lang="en-SG" sz="1200" dirty="0"/>
+              <a:t>Prerender at </a:t>
+            </a:r>
+            <a:r>
+              <a:rPr lang="en-SG" sz="1200" dirty="0" err="1"/>
+              <a:t>SSRRenderModeBoundary.cs</a:t>
+            </a:r>
+            <a:endParaRPr lang="en-SG" sz="1200" dirty="0"/>
+          </a:p>
+          <a:p>
+            <a:r>
+              <a:rPr lang="en-US" altLang="zh-CN" sz="1200" dirty="0"/>
+              <a:t>Set </a:t>
+            </a:r>
+            <a:r>
+              <a:rPr lang="en-SG" sz="1200" b="1" dirty="0"/>
+              <a:t>@attribute [</a:t>
+            </a:r>
+            <a:r>
+              <a:rPr lang="en-SG" sz="1200" b="1" dirty="0" err="1"/>
+              <a:t>RenderModeInteractiveServer</a:t>
+            </a:r>
+            <a:r>
+              <a:rPr lang="en-SG" sz="1200" b="1" dirty="0"/>
+              <a:t>(prerender: false)] </a:t>
+            </a:r>
+            <a:r>
+              <a:rPr lang="en-US" altLang="zh-CN" sz="1200" dirty="0"/>
+              <a:t>or </a:t>
+            </a:r>
+            <a:r>
+              <a:rPr lang="en-SG" sz="1200" b="1" dirty="0"/>
+              <a:t>@attribute [</a:t>
+            </a:r>
+            <a:r>
+              <a:rPr lang="en-SG" sz="1200" b="1" dirty="0" err="1"/>
+              <a:t>RenderModeInteractiveAuto</a:t>
+            </a:r>
+            <a:r>
+              <a:rPr lang="en-SG" sz="1200" b="1" dirty="0"/>
+              <a:t>(prerender: false)] </a:t>
+            </a:r>
+            <a:r>
+              <a:rPr lang="en-US" altLang="zh-CN" sz="1200" dirty="0"/>
+              <a:t>will disable prerender</a:t>
+            </a:r>
+            <a:endParaRPr lang="en-SG" sz="1200" dirty="0"/>
+          </a:p>
+          <a:p>
+            <a:endParaRPr lang="en-SG" dirty="0"/>
+          </a:p>
+        </p:txBody>
+      </p:sp>
+      <p:pic>
+        <p:nvPicPr>
+          <p:cNvPr id="4" name="Picture 3">
+            <a:extLst>
+              <a:ext uri="{FF2B5EF4-FFF2-40B4-BE49-F238E27FC236}">
+                <a16:creationId xmlns:a16="http://schemas.microsoft.com/office/drawing/2014/main" id="{9BF95F12-8F24-6C6E-AD50-6F9B7CDFEAD8}"/>
+              </a:ext>
+            </a:extLst>
+          </p:cNvPr>
+          <p:cNvPicPr>
+            <a:picLocks noChangeAspect="1"/>
+          </p:cNvPicPr>
+          <p:nvPr/>
+        </p:nvPicPr>
+        <p:blipFill>
+          <a:blip r:embed="rId2"/>
+          <a:stretch>
+            <a:fillRect/>
+          </a:stretch>
+        </p:blipFill>
+        <p:spPr>
+          <a:xfrm>
+            <a:off x="901308" y="3429000"/>
+            <a:ext cx="5382376" cy="1924319"/>
+          </a:xfrm>
+          <a:prstGeom prst="rect">
+            <a:avLst/>
+          </a:prstGeom>
+        </p:spPr>
+      </p:pic>
+    </p:spTree>
+    <p:extLst>
+      <p:ext uri="{BB962C8B-B14F-4D97-AF65-F5344CB8AC3E}">
+        <p14:creationId xmlns:p14="http://schemas.microsoft.com/office/powerpoint/2010/main" val="1405876474"/>
+      </p:ext>
+    </p:extLst>
+  </p:cSld>
+  <p:clrMapOvr>
+    <a:masterClrMapping/>
+  </p:clrMapOvr>
+</p:sld>
+</file>
+
+<file path=ppt/slides/slide21.xml><?xml version="1.0" encoding="utf-8"?>
+<p:sld xmlns:a="http://schemas.openxmlformats.org/drawingml/2006/main" xmlns:r="http://schemas.openxmlformats.org/officeDocument/2006/relationships" xmlns:p="http://schemas.openxmlformats.org/presentationml/2006/main">
+  <p:cSld>
+    <p:spTree>
+      <p:nvGrpSpPr>
+        <p:cNvPr id="1" name=""/>
+        <p:cNvGrpSpPr/>
+        <p:nvPr/>
+      </p:nvGrpSpPr>
+      <p:grpSpPr>
+        <a:xfrm>
+          <a:off x="0" y="0"/>
+          <a:ext cx="0" cy="0"/>
+          <a:chOff x="0" y="0"/>
+          <a:chExt cx="0" cy="0"/>
+        </a:xfrm>
+      </p:grpSpPr>
+      <p:sp>
+        <p:nvSpPr>
+          <p:cNvPr id="2" name="Title 1">
+            <a:extLst>
+              <a:ext uri="{FF2B5EF4-FFF2-40B4-BE49-F238E27FC236}">
+                <a16:creationId xmlns:a16="http://schemas.microsoft.com/office/drawing/2014/main" id="{3D8D8576-F877-1D22-D036-518B771B7A74}"/>
+              </a:ext>
+            </a:extLst>
+          </p:cNvPr>
+          <p:cNvSpPr>
+            <a:spLocks noGrp="1"/>
+          </p:cNvSpPr>
+          <p:nvPr>
+            <p:ph type="title"/>
+          </p:nvPr>
+        </p:nvSpPr>
+        <p:spPr/>
+        <p:txBody>
+          <a:bodyPr/>
+          <a:lstStyle/>
+          <a:p>
+            <a:r>
+              <a:rPr lang="en-US" altLang="zh-CN" sz="4400" dirty="0" err="1"/>
+              <a:t>PreRender</a:t>
+            </a:r>
+            <a:endParaRPr lang="en-SG" dirty="0"/>
+          </a:p>
+        </p:txBody>
+      </p:sp>
+      <p:sp>
+        <p:nvSpPr>
+          <p:cNvPr id="3" name="Content Placeholder 2">
+            <a:extLst>
+              <a:ext uri="{FF2B5EF4-FFF2-40B4-BE49-F238E27FC236}">
+                <a16:creationId xmlns:a16="http://schemas.microsoft.com/office/drawing/2014/main" id="{8B7319FA-221E-0507-5C67-F71B08187EFD}"/>
+              </a:ext>
+            </a:extLst>
+          </p:cNvPr>
+          <p:cNvSpPr>
+            <a:spLocks noGrp="1"/>
+          </p:cNvSpPr>
+          <p:nvPr>
+            <p:ph idx="1"/>
+          </p:nvPr>
+        </p:nvSpPr>
+        <p:spPr>
+          <a:xfrm>
+            <a:off x="691079" y="2340131"/>
+            <a:ext cx="3543570" cy="3564436"/>
+          </a:xfrm>
+        </p:spPr>
+        <p:txBody>
+          <a:bodyPr/>
+          <a:lstStyle/>
+          <a:p>
+            <a:r>
+              <a:rPr lang="en-US" altLang="zh-CN" dirty="0"/>
+              <a:t>Prerender at Server side</a:t>
+            </a:r>
+            <a:endParaRPr lang="en-SG" dirty="0"/>
+          </a:p>
+        </p:txBody>
+      </p:sp>
+      <p:pic>
+        <p:nvPicPr>
+          <p:cNvPr id="7" name="Picture 6">
+            <a:extLst>
+              <a:ext uri="{FF2B5EF4-FFF2-40B4-BE49-F238E27FC236}">
+                <a16:creationId xmlns:a16="http://schemas.microsoft.com/office/drawing/2014/main" id="{CF582F9E-00E2-A0DE-8919-E249EB9F6C06}"/>
+              </a:ext>
+            </a:extLst>
+          </p:cNvPr>
+          <p:cNvPicPr>
+            <a:picLocks noChangeAspect="1"/>
+          </p:cNvPicPr>
+          <p:nvPr/>
+        </p:nvPicPr>
+        <p:blipFill>
+          <a:blip r:embed="rId2"/>
+          <a:stretch>
+            <a:fillRect/>
+          </a:stretch>
+        </p:blipFill>
+        <p:spPr>
+          <a:xfrm>
+            <a:off x="4405552" y="953433"/>
+            <a:ext cx="6610527" cy="5042551"/>
+          </a:xfrm>
+          <a:prstGeom prst="rect">
+            <a:avLst/>
+          </a:prstGeom>
+        </p:spPr>
+      </p:pic>
+    </p:spTree>
+    <p:extLst>
+      <p:ext uri="{BB962C8B-B14F-4D97-AF65-F5344CB8AC3E}">
+        <p14:creationId xmlns:p14="http://schemas.microsoft.com/office/powerpoint/2010/main" val="1592738298"/>
+      </p:ext>
+    </p:extLst>
+  </p:cSld>
+  <p:clrMapOvr>
+    <a:masterClrMapping/>
+  </p:clrMapOvr>
+</p:sld>
+</file>
+
+<file path=ppt/slides/slide22.xml><?xml version="1.0" encoding="utf-8"?>
+<p:sld xmlns:a="http://schemas.openxmlformats.org/drawingml/2006/main" xmlns:r="http://schemas.openxmlformats.org/officeDocument/2006/relationships" xmlns:p="http://schemas.openxmlformats.org/presentationml/2006/main">
+  <p:cSld>
+    <p:spTree>
+      <p:nvGrpSpPr>
+        <p:cNvPr id="1" name=""/>
+        <p:cNvGrpSpPr/>
+        <p:nvPr/>
+      </p:nvGrpSpPr>
+      <p:grpSpPr>
+        <a:xfrm>
+          <a:off x="0" y="0"/>
+          <a:ext cx="0" cy="0"/>
+          <a:chOff x="0" y="0"/>
+          <a:chExt cx="0" cy="0"/>
+        </a:xfrm>
+      </p:grpSpPr>
+      <p:sp>
+        <p:nvSpPr>
+          <p:cNvPr id="2" name="Title 1">
+            <a:extLst>
+              <a:ext uri="{FF2B5EF4-FFF2-40B4-BE49-F238E27FC236}">
+                <a16:creationId xmlns:a16="http://schemas.microsoft.com/office/drawing/2014/main" id="{9A190264-F9F3-A37B-5C6C-39776644A968}"/>
+              </a:ext>
+            </a:extLst>
+          </p:cNvPr>
+          <p:cNvSpPr>
+            <a:spLocks noGrp="1"/>
+          </p:cNvSpPr>
+          <p:nvPr>
+            <p:ph type="title"/>
+          </p:nvPr>
+        </p:nvSpPr>
+        <p:spPr/>
+        <p:txBody>
+          <a:bodyPr/>
+          <a:lstStyle/>
+          <a:p>
+            <a:r>
+              <a:rPr lang="en-SG" i="0" dirty="0">
+                <a:solidFill>
+                  <a:srgbClr val="161616"/>
+                </a:solidFill>
+                <a:effectLst/>
+                <a:latin typeface="Segoe UI" panose="020B0502040204020203" pitchFamily="34" charset="0"/>
+              </a:rPr>
+              <a:t>Webcil packaging</a:t>
+            </a:r>
+            <a:endParaRPr lang="en-SG" dirty="0"/>
+          </a:p>
+        </p:txBody>
+      </p:sp>
+      <p:sp>
+        <p:nvSpPr>
+          <p:cNvPr id="3" name="Content Placeholder 2">
+            <a:extLst>
+              <a:ext uri="{FF2B5EF4-FFF2-40B4-BE49-F238E27FC236}">
+                <a16:creationId xmlns:a16="http://schemas.microsoft.com/office/drawing/2014/main" id="{3C4AFF9F-3802-7CE3-A529-E503EB704FFD}"/>
+              </a:ext>
+            </a:extLst>
+          </p:cNvPr>
+          <p:cNvSpPr>
+            <a:spLocks noGrp="1"/>
+          </p:cNvSpPr>
+          <p:nvPr>
+            <p:ph idx="1"/>
+          </p:nvPr>
+        </p:nvSpPr>
+        <p:spPr>
+          <a:xfrm>
+            <a:off x="691079" y="2340131"/>
+            <a:ext cx="4342560" cy="3564436"/>
+          </a:xfrm>
+        </p:spPr>
+        <p:txBody>
+          <a:bodyPr>
+            <a:normAutofit/>
+          </a:bodyPr>
+          <a:lstStyle/>
+          <a:p>
+            <a:r>
+              <a:rPr lang="en-SG" sz="1600" dirty="0"/>
+              <a:t> Webcil files use a standard </a:t>
+            </a:r>
+            <a:r>
+              <a:rPr lang="en-SG" sz="1600" dirty="0" err="1"/>
+              <a:t>WebAssembly</a:t>
+            </a:r>
+            <a:r>
+              <a:rPr lang="en-SG" sz="1600" dirty="0"/>
+              <a:t> wrapper, where the assemblies are deployed as </a:t>
+            </a:r>
+            <a:r>
+              <a:rPr lang="en-SG" sz="1600" dirty="0" err="1"/>
+              <a:t>WebAssembly</a:t>
+            </a:r>
+            <a:r>
+              <a:rPr lang="en-SG" sz="1600" dirty="0"/>
+              <a:t> files that use the standard .</a:t>
+            </a:r>
+            <a:r>
+              <a:rPr lang="en-SG" sz="1600" b="1" dirty="0" err="1"/>
+              <a:t>wasm</a:t>
+            </a:r>
+            <a:r>
+              <a:rPr lang="en-SG" sz="1600" b="1" dirty="0"/>
+              <a:t> file </a:t>
+            </a:r>
+            <a:r>
+              <a:rPr lang="en-SG" sz="1600" dirty="0"/>
+              <a:t>extension instead of </a:t>
+            </a:r>
+            <a:r>
+              <a:rPr lang="en-SG" sz="1600" b="1" dirty="0"/>
+              <a:t>.</a:t>
+            </a:r>
+            <a:r>
+              <a:rPr lang="en-SG" sz="1600" b="1" dirty="0" err="1"/>
+              <a:t>dll</a:t>
+            </a:r>
+            <a:r>
+              <a:rPr lang="en-SG" sz="1600" b="1" dirty="0"/>
+              <a:t> file</a:t>
+            </a:r>
+            <a:r>
+              <a:rPr lang="en-SG" sz="1600" dirty="0"/>
+              <a:t>.</a:t>
+            </a:r>
+          </a:p>
+        </p:txBody>
+      </p:sp>
+      <p:pic>
+        <p:nvPicPr>
+          <p:cNvPr id="10" name="Picture 9">
+            <a:extLst>
+              <a:ext uri="{FF2B5EF4-FFF2-40B4-BE49-F238E27FC236}">
+                <a16:creationId xmlns:a16="http://schemas.microsoft.com/office/drawing/2014/main" id="{8569265C-3C51-0443-1675-284EC1D3A748}"/>
+              </a:ext>
+            </a:extLst>
+          </p:cNvPr>
+          <p:cNvPicPr>
+            <a:picLocks noChangeAspect="1"/>
+          </p:cNvPicPr>
+          <p:nvPr/>
+        </p:nvPicPr>
+        <p:blipFill>
+          <a:blip r:embed="rId2"/>
+          <a:stretch>
+            <a:fillRect/>
+          </a:stretch>
+        </p:blipFill>
+        <p:spPr>
+          <a:xfrm>
+            <a:off x="5612352" y="1699934"/>
+            <a:ext cx="2648320" cy="3991532"/>
+          </a:xfrm>
+          <a:prstGeom prst="rect">
+            <a:avLst/>
+          </a:prstGeom>
+        </p:spPr>
+      </p:pic>
+      <p:pic>
+        <p:nvPicPr>
+          <p:cNvPr id="12" name="Picture 11">
+            <a:extLst>
+              <a:ext uri="{FF2B5EF4-FFF2-40B4-BE49-F238E27FC236}">
+                <a16:creationId xmlns:a16="http://schemas.microsoft.com/office/drawing/2014/main" id="{FE2B773D-B27B-D075-420B-6FA2F53B7411}"/>
+              </a:ext>
+            </a:extLst>
+          </p:cNvPr>
+          <p:cNvPicPr>
+            <a:picLocks noChangeAspect="1"/>
+          </p:cNvPicPr>
+          <p:nvPr/>
+        </p:nvPicPr>
+        <p:blipFill>
+          <a:blip r:embed="rId3"/>
+          <a:stretch>
+            <a:fillRect/>
+          </a:stretch>
+        </p:blipFill>
+        <p:spPr>
+          <a:xfrm>
+            <a:off x="8839385" y="1626095"/>
+            <a:ext cx="2905530" cy="4505954"/>
+          </a:xfrm>
+          <a:prstGeom prst="rect">
+            <a:avLst/>
+          </a:prstGeom>
+        </p:spPr>
+      </p:pic>
+      <p:sp>
+        <p:nvSpPr>
+          <p:cNvPr id="14" name="TextBox 13">
+            <a:extLst>
+              <a:ext uri="{FF2B5EF4-FFF2-40B4-BE49-F238E27FC236}">
+                <a16:creationId xmlns:a16="http://schemas.microsoft.com/office/drawing/2014/main" id="{696D6C23-F685-6E47-6B37-EA47D158AEC7}"/>
+              </a:ext>
+            </a:extLst>
+          </p:cNvPr>
+          <p:cNvSpPr txBox="1"/>
+          <p:nvPr/>
+        </p:nvSpPr>
+        <p:spPr>
+          <a:xfrm>
+            <a:off x="6359372" y="6285937"/>
+            <a:ext cx="973584" cy="338554"/>
+          </a:xfrm>
+          <a:prstGeom prst="rect">
+            <a:avLst/>
+          </a:prstGeom>
+          <a:noFill/>
+        </p:spPr>
+        <p:txBody>
+          <a:bodyPr wrap="square">
+            <a:spAutoFit/>
+          </a:bodyPr>
+          <a:lstStyle/>
+          <a:p>
+            <a:r>
+              <a:rPr lang="en-SG" sz="1600" b="1" dirty="0" err="1">
+                <a:solidFill>
+                  <a:srgbClr val="FF0000"/>
+                </a:solidFill>
+              </a:rPr>
+              <a:t>.net</a:t>
+            </a:r>
+            <a:r>
+              <a:rPr lang="en-SG" sz="1600" b="1" dirty="0">
+                <a:solidFill>
+                  <a:srgbClr val="FF0000"/>
+                </a:solidFill>
+              </a:rPr>
+              <a:t> 6.0</a:t>
+            </a:r>
+          </a:p>
+        </p:txBody>
+      </p:sp>
+      <p:sp>
+        <p:nvSpPr>
+          <p:cNvPr id="15" name="TextBox 14">
+            <a:extLst>
+              <a:ext uri="{FF2B5EF4-FFF2-40B4-BE49-F238E27FC236}">
+                <a16:creationId xmlns:a16="http://schemas.microsoft.com/office/drawing/2014/main" id="{10D2B828-1AB9-CFE2-C0B9-249270A2A664}"/>
+              </a:ext>
+            </a:extLst>
+          </p:cNvPr>
+          <p:cNvSpPr txBox="1"/>
+          <p:nvPr/>
+        </p:nvSpPr>
+        <p:spPr>
+          <a:xfrm>
+            <a:off x="9636711" y="6285937"/>
+            <a:ext cx="973584" cy="338554"/>
+          </a:xfrm>
+          <a:prstGeom prst="rect">
+            <a:avLst/>
+          </a:prstGeom>
+          <a:noFill/>
+        </p:spPr>
+        <p:txBody>
+          <a:bodyPr wrap="square">
+            <a:spAutoFit/>
+          </a:bodyPr>
+          <a:lstStyle/>
+          <a:p>
+            <a:r>
+              <a:rPr lang="en-SG" sz="1600" b="1" dirty="0" err="1">
+                <a:solidFill>
+                  <a:srgbClr val="FF0000"/>
+                </a:solidFill>
+              </a:rPr>
+              <a:t>.net</a:t>
+            </a:r>
+            <a:r>
+              <a:rPr lang="en-SG" sz="1600" b="1" dirty="0">
+                <a:solidFill>
+                  <a:srgbClr val="FF0000"/>
+                </a:solidFill>
+              </a:rPr>
+              <a:t> 8.0</a:t>
+            </a:r>
+          </a:p>
+        </p:txBody>
+      </p:sp>
+    </p:spTree>
+    <p:extLst>
+      <p:ext uri="{BB962C8B-B14F-4D97-AF65-F5344CB8AC3E}">
+        <p14:creationId xmlns:p14="http://schemas.microsoft.com/office/powerpoint/2010/main" val="1153229066"/>
       </p:ext>
     </p:extLst>
   </p:cSld>
@@ -25061,7 +25372,7 @@
         </p:nvGraphicFramePr>
         <p:xfrm>
           <a:off x="690563" y="2339975"/>
-          <a:ext cx="10325100" cy="1828800"/>
+          <a:ext cx="10325100" cy="1706880"/>
         </p:xfrm>
         <a:graphic>
           <a:graphicData uri="http://schemas.openxmlformats.org/drawingml/2006/table">
@@ -25954,11 +26265,11 @@
           <a:lstStyle/>
           <a:p>
             <a:r>
-              <a:rPr lang="en-US" altLang="zh-CN" sz="4400" dirty="0" err="1" smtClean="0"/>
+              <a:rPr lang="en-US" altLang="zh-CN" sz="4400" dirty="0" err="1"/>
               <a:t>Blazor</a:t>
             </a:r>
             <a:r>
-              <a:rPr lang="en-US" altLang="zh-CN" sz="4400" dirty="0" smtClean="0"/>
+              <a:rPr lang="en-US" altLang="zh-CN" sz="4400" dirty="0"/>
               <a:t> Web </a:t>
             </a:r>
             <a:r>
@@ -25998,10 +26309,9 @@
           <a:lstStyle/>
           <a:p>
             <a:r>
-              <a:rPr lang="en-SG" dirty="0" smtClean="0"/>
+              <a:rPr lang="en-SG" dirty="0"/>
               <a:t>Introduction</a:t>
             </a:r>
-            <a:endParaRPr lang="en-SG" dirty="0"/>
           </a:p>
         </p:txBody>
       </p:sp>
@@ -26045,7 +26355,7 @@
               <a:t>Componment</a:t>
             </a:r>
             <a:r>
-              <a:rPr lang="en-SG" sz="1100" b="1" dirty="0" smtClean="0"/>
+              <a:rPr lang="en-SG" sz="1100" b="1" dirty="0"/>
               <a:t>:</a:t>
             </a:r>
           </a:p>
@@ -26054,48 +26364,32 @@
               <a:buNone/>
             </a:pPr>
             <a:r>
-              <a:rPr lang="en-US" altLang="zh-CN" sz="1100" dirty="0" smtClean="0"/>
+              <a:rPr lang="en-US" altLang="zh-CN" sz="1100" dirty="0"/>
               <a:t>Comparing with </a:t>
             </a:r>
             <a:r>
-              <a:rPr lang="en-US" altLang="zh-CN" sz="1100" dirty="0" err="1" smtClean="0"/>
+              <a:rPr lang="en-US" altLang="zh-CN" sz="1100" dirty="0" err="1"/>
               <a:t>Blazor</a:t>
             </a:r>
             <a:r>
-              <a:rPr lang="en-US" altLang="zh-CN" sz="1100" dirty="0" smtClean="0"/>
+              <a:rPr lang="en-US" altLang="zh-CN" sz="1100" dirty="0"/>
               <a:t> Server and </a:t>
             </a:r>
             <a:r>
-              <a:rPr lang="en-US" altLang="zh-CN" sz="1100" dirty="0" err="1" smtClean="0"/>
+              <a:rPr lang="en-US" altLang="zh-CN" sz="1100" dirty="0" err="1"/>
               <a:t>Blazor</a:t>
             </a:r>
             <a:r>
-              <a:rPr lang="en-US" altLang="zh-CN" sz="1100" dirty="0" smtClean="0"/>
+              <a:rPr lang="en-US" altLang="zh-CN" sz="1100" dirty="0"/>
               <a:t> </a:t>
             </a:r>
             <a:r>
-              <a:rPr lang="en-US" altLang="zh-CN" sz="1100" dirty="0" err="1" smtClean="0"/>
+              <a:rPr lang="en-US" altLang="zh-CN" sz="1100" dirty="0" err="1"/>
               <a:t>WebAssembly,Blazor</a:t>
             </a:r>
             <a:r>
-              <a:rPr lang="en-US" altLang="zh-CN" sz="1100" dirty="0" smtClean="0"/>
-              <a:t> </a:t>
-            </a:r>
-            <a:r>
               <a:rPr lang="en-US" altLang="zh-CN" sz="1100" dirty="0"/>
-              <a:t>Web Apps </a:t>
-            </a:r>
-            <a:r>
-              <a:rPr lang="en-US" altLang="zh-CN" sz="1100" dirty="0" smtClean="0"/>
-              <a:t>is a full-stack application mixed with </a:t>
-            </a:r>
-            <a:r>
-              <a:rPr lang="en-US" altLang="zh-CN" sz="1100" dirty="0"/>
-              <a:t>server-side and client-side rendering </a:t>
-            </a:r>
-            <a:r>
-              <a:rPr lang="en-US" altLang="zh-CN" sz="1100" dirty="0" smtClean="0"/>
-              <a:t>modes.</a:t>
+              <a:t> Web Apps is a full-stack application mixed with server-side and client-side rendering modes.</a:t>
             </a:r>
           </a:p>
           <a:p>
@@ -26108,7 +26402,7 @@
             <a:pPr marL="0" indent="0">
               <a:buNone/>
             </a:pPr>
-            <a:endParaRPr lang="en-US" altLang="zh-CN" sz="1100" dirty="0" smtClean="0"/>
+            <a:endParaRPr lang="en-US" altLang="zh-CN" sz="1100" dirty="0"/>
           </a:p>
           <a:p>
             <a:pPr marL="0" indent="0">
@@ -26118,7 +26412,6 @@
               <a:rPr lang="en-US" altLang="zh-CN" sz="1100" dirty="0"/>
               <a:t>https://learn.microsoft.com/en-us/aspnet/core/blazor/components/render-modes?view=aspnetcore-8.0</a:t>
             </a:r>
-            <a:endParaRPr lang="en-US" altLang="zh-CN" sz="1100" dirty="0"/>
           </a:p>
         </p:txBody>
       </p:sp>
@@ -26174,11 +26467,11 @@
           <a:lstStyle/>
           <a:p>
             <a:r>
-              <a:rPr lang="en-US" altLang="zh-CN" sz="4400" dirty="0" err="1" smtClean="0"/>
+              <a:rPr lang="en-US" altLang="zh-CN" sz="4400" dirty="0" err="1"/>
               <a:t>Blazor</a:t>
             </a:r>
             <a:r>
-              <a:rPr lang="en-US" altLang="zh-CN" sz="4400" dirty="0" smtClean="0"/>
+              <a:rPr lang="en-US" altLang="zh-CN" sz="4400" dirty="0"/>
               <a:t> Web </a:t>
             </a:r>
             <a:r>
@@ -26257,11 +26550,7 @@
             </a:pPr>
             <a:r>
               <a:rPr lang="en-US" altLang="zh-CN" sz="1100" b="1" dirty="0"/>
-              <a:t>Static render </a:t>
-            </a:r>
-            <a:r>
-              <a:rPr lang="en-US" altLang="zh-CN" sz="1100" b="1" dirty="0" smtClean="0"/>
-              <a:t>mode</a:t>
+              <a:t>Static render mode</a:t>
             </a:r>
           </a:p>
           <a:p>
@@ -26270,39 +26559,75 @@
             </a:pPr>
             <a:r>
               <a:rPr lang="en-US" altLang="zh-CN" sz="1100" dirty="0"/>
-              <a:t>The Static render </a:t>
-            </a:r>
-            <a:r>
-              <a:rPr lang="en-US" altLang="zh-CN" sz="1100" dirty="0" smtClean="0"/>
-              <a:t> mode is the default </a:t>
-            </a:r>
+              <a:t>The Static render  mode is the default render mode without configure @rendermode and can’t enable interactivity and stream </a:t>
+            </a:r>
+          </a:p>
+          <a:p>
+            <a:pPr marL="0" indent="0">
+              <a:buNone/>
+            </a:pPr>
+            <a:r>
+              <a:rPr lang="en-US" altLang="zh-CN" sz="1100" b="1" dirty="0"/>
+              <a:t>Server render mode</a:t>
+            </a:r>
+          </a:p>
+          <a:p>
+            <a:pPr marL="0" indent="0">
+              <a:buNone/>
+            </a:pPr>
             <a:r>
               <a:rPr lang="en-US" altLang="zh-CN" sz="1100" dirty="0"/>
-              <a:t>render mode </a:t>
-            </a:r>
-            <a:r>
-              <a:rPr lang="en-US" altLang="zh-CN" sz="1100" dirty="0" smtClean="0"/>
-              <a:t>without </a:t>
+              <a:t>The Server render mode renders the component interactively from the server using </a:t>
+            </a:r>
+            <a:r>
+              <a:rPr lang="en-US" altLang="zh-CN" sz="1100" dirty="0" err="1"/>
+              <a:t>Blazor</a:t>
             </a:r>
             <a:r>
               <a:rPr lang="en-US" altLang="zh-CN" sz="1100" dirty="0"/>
-              <a:t>configure </a:t>
-            </a:r>
+              <a:t> Server</a:t>
+            </a:r>
+          </a:p>
+          <a:p>
+            <a:pPr marL="0" indent="0">
+              <a:buNone/>
+            </a:pPr>
+            <a:r>
+              <a:rPr lang="en-US" altLang="zh-CN" sz="1100" b="1" dirty="0" err="1"/>
+              <a:t>WebAssembly</a:t>
+            </a:r>
+            <a:r>
+              <a:rPr lang="en-US" altLang="zh-CN" sz="1100" b="1" dirty="0"/>
+              <a:t> render mode</a:t>
+            </a:r>
+          </a:p>
+          <a:p>
+            <a:pPr marL="0" indent="0">
+              <a:buNone/>
+            </a:pPr>
             <a:r>
               <a:rPr lang="en-US" altLang="zh-CN" sz="1100" dirty="0"/>
-              <a:t>@</a:t>
+              <a:t>The </a:t>
             </a:r>
             <a:r>
               <a:rPr lang="en-US" altLang="zh-CN" sz="1100" dirty="0" err="1"/>
-              <a:t>rendermode</a:t>
+              <a:t>WebAssembly</a:t>
             </a:r>
             <a:r>
               <a:rPr lang="en-US" altLang="zh-CN" sz="1100" dirty="0"/>
-              <a:t> and can’t enable </a:t>
+              <a:t> render mode renders the component interactively on the client using </a:t>
+            </a:r>
+            <a:r>
+              <a:rPr lang="en-US" altLang="zh-CN" sz="1100" dirty="0" err="1"/>
+              <a:t>Blazor</a:t>
             </a:r>
             <a:r>
               <a:rPr lang="en-US" altLang="zh-CN" sz="1100" dirty="0"/>
-              <a:t>interactivity </a:t>
+              <a:t> </a:t>
+            </a:r>
+            <a:r>
+              <a:rPr lang="en-US" altLang="zh-CN" sz="1100" dirty="0" err="1"/>
+              <a:t>WebAssembly</a:t>
             </a:r>
             <a:endParaRPr lang="en-US" altLang="zh-CN" sz="1100" dirty="0"/>
           </a:p>
@@ -26312,11 +26637,7 @@
             </a:pPr>
             <a:r>
               <a:rPr lang="en-US" altLang="zh-CN" sz="1100" b="1" dirty="0"/>
-              <a:t>Server render </a:t>
-            </a:r>
-            <a:r>
-              <a:rPr lang="en-US" altLang="zh-CN" sz="1100" b="1" dirty="0" smtClean="0"/>
-              <a:t>mode</a:t>
+              <a:t>Auto render mode</a:t>
             </a:r>
           </a:p>
           <a:p>
@@ -26325,7 +26646,7 @@
             </a:pPr>
             <a:r>
               <a:rPr lang="en-US" altLang="zh-CN" sz="1100" dirty="0"/>
-              <a:t>The Server render mode renders the component interactively from the server using </a:t>
+              <a:t>The component is initially rendered server-side with interactivity using the </a:t>
             </a:r>
             <a:r>
               <a:rPr lang="en-US" altLang="zh-CN" sz="1100" dirty="0" err="1"/>
@@ -26333,84 +26654,7 @@
             </a:r>
             <a:r>
               <a:rPr lang="en-US" altLang="zh-CN" sz="1100" dirty="0"/>
-              <a:t> Server</a:t>
-            </a:r>
-          </a:p>
-          <a:p>
-            <a:pPr marL="0" indent="0">
-              <a:buNone/>
-            </a:pPr>
-            <a:r>
-              <a:rPr lang="en-US" altLang="zh-CN" sz="1100" b="1" dirty="0" err="1"/>
-              <a:t>WebAssembly</a:t>
-            </a:r>
-            <a:r>
-              <a:rPr lang="en-US" altLang="zh-CN" sz="1100" b="1" dirty="0"/>
-              <a:t> render mode</a:t>
-            </a:r>
-          </a:p>
-          <a:p>
-            <a:pPr marL="0" indent="0">
-              <a:buNone/>
-            </a:pPr>
-            <a:r>
-              <a:rPr lang="en-US" altLang="zh-CN" sz="1100" dirty="0"/>
-              <a:t>The </a:t>
-            </a:r>
-            <a:r>
-              <a:rPr lang="en-US" altLang="zh-CN" sz="1100" dirty="0" err="1"/>
-              <a:t>WebAssembly</a:t>
-            </a:r>
-            <a:r>
-              <a:rPr lang="en-US" altLang="zh-CN" sz="1100" dirty="0"/>
-              <a:t> render mode renders the component interactively on the client using </a:t>
-            </a:r>
-            <a:r>
-              <a:rPr lang="en-US" altLang="zh-CN" sz="1100" dirty="0" err="1"/>
-              <a:t>Blazor</a:t>
-            </a:r>
-            <a:r>
-              <a:rPr lang="en-US" altLang="zh-CN" sz="1100" dirty="0"/>
-              <a:t> </a:t>
-            </a:r>
-            <a:r>
-              <a:rPr lang="en-US" altLang="zh-CN" sz="1100" dirty="0" err="1" smtClean="0"/>
-              <a:t>WebAssembly</a:t>
-            </a:r>
-            <a:endParaRPr lang="en-US" altLang="zh-CN" sz="1100" dirty="0" smtClean="0"/>
-          </a:p>
-          <a:p>
-            <a:pPr marL="0" indent="0">
-              <a:buNone/>
-            </a:pPr>
-            <a:r>
-              <a:rPr lang="en-US" altLang="zh-CN" sz="1100" b="1" dirty="0"/>
-              <a:t>Auto render mode</a:t>
-            </a:r>
-          </a:p>
-          <a:p>
-            <a:pPr marL="0" indent="0">
-              <a:buNone/>
-            </a:pPr>
-            <a:r>
-              <a:rPr lang="en-US" altLang="zh-CN" sz="1100" dirty="0"/>
-              <a:t>The component is initially rendered server-side with interactivity using the </a:t>
-            </a:r>
-            <a:r>
-              <a:rPr lang="en-US" altLang="zh-CN" sz="1100" dirty="0" err="1"/>
-              <a:t>Blazor</a:t>
-            </a:r>
-            <a:r>
-              <a:rPr lang="en-US" altLang="zh-CN" sz="1100" dirty="0"/>
-              <a:t> Server hosting model. The .NET runtime and app bundle are downloaded to the client in the background and cached so that they can be used on future visits. Components using the automatic render mode must be built </a:t>
-            </a:r>
-            <a:r>
-              <a:rPr lang="en-US" altLang="zh-CN" sz="1100" dirty="0" smtClean="0"/>
-              <a:t>from </a:t>
-            </a:r>
-            <a:r>
-              <a:rPr lang="en-US" altLang="zh-CN" sz="1100" dirty="0"/>
-              <a:t>a separate client project that sets up the </a:t>
+              <a:t> Server hosting model. The .NET runtime and app bundle are downloaded to the client in the background and cached so that they can be used on future visits. Components using the automatic render mode must be built from a separate client project that sets up the </a:t>
             </a:r>
             <a:r>
               <a:rPr lang="en-US" altLang="zh-CN" sz="1100" dirty="0" err="1"/>
@@ -26467,7 +26711,7 @@
           <p:cNvPr id="2" name="Title 1">
             <a:extLst>
               <a:ext uri="{FF2B5EF4-FFF2-40B4-BE49-F238E27FC236}">
-                <a16:creationId xmlns:a16="http://schemas.microsoft.com/office/drawing/2014/main" id="{B39BC617-ED7B-1040-B3EE-C0E272920735}"/>
+                <a16:creationId xmlns:a16="http://schemas.microsoft.com/office/drawing/2014/main" id="{0FFCBED8-BB7A-EC5A-FA1B-4FBC962CE316}"/>
               </a:ext>
             </a:extLst>
           </p:cNvPr>
@@ -26484,14 +26728,186 @@
           <a:lstStyle/>
           <a:p>
             <a:r>
-              <a:rPr lang="en-US" altLang="zh-CN" sz="4400" dirty="0" err="1" smtClean="0"/>
+              <a:rPr lang="en-US" altLang="zh-CN" sz="4400" dirty="0" err="1"/>
               <a:t>Blazor</a:t>
             </a:r>
             <a:r>
-              <a:rPr lang="en-US" altLang="zh-CN" sz="4400" dirty="0" smtClean="0"/>
+              <a:rPr lang="en-US" altLang="zh-CN" sz="4400" dirty="0"/>
               <a:t> Web App</a:t>
             </a:r>
-            <a:endParaRPr lang="en-SG" dirty="0"/>
+          </a:p>
+        </p:txBody>
+      </p:sp>
+      <p:sp>
+        <p:nvSpPr>
+          <p:cNvPr id="3" name="Content Placeholder 2">
+            <a:extLst>
+              <a:ext uri="{FF2B5EF4-FFF2-40B4-BE49-F238E27FC236}">
+                <a16:creationId xmlns:a16="http://schemas.microsoft.com/office/drawing/2014/main" id="{7979257D-74B9-76CA-B0B9-BEF5A29BF8C2}"/>
+              </a:ext>
+            </a:extLst>
+          </p:cNvPr>
+          <p:cNvSpPr>
+            <a:spLocks noGrp="1"/>
+          </p:cNvSpPr>
+          <p:nvPr>
+            <p:ph idx="1"/>
+          </p:nvPr>
+        </p:nvSpPr>
+        <p:spPr>
+          <a:xfrm>
+            <a:off x="593425" y="2700098"/>
+            <a:ext cx="4457970" cy="3980770"/>
+          </a:xfrm>
+        </p:spPr>
+        <p:txBody>
+          <a:bodyPr>
+            <a:normAutofit/>
+          </a:bodyPr>
+          <a:lstStyle/>
+          <a:p>
+            <a:pPr marL="0" indent="0">
+              <a:buNone/>
+            </a:pPr>
+            <a:r>
+              <a:rPr lang="en-SG" sz="1100" b="1" dirty="0"/>
+              <a:t>Render </a:t>
+            </a:r>
+            <a:r>
+              <a:rPr lang="en-SG" sz="1100" b="1" dirty="0" err="1"/>
+              <a:t>Componment</a:t>
+            </a:r>
+            <a:r>
+              <a:rPr lang="en-SG" sz="1100" b="1" dirty="0"/>
+              <a:t>:</a:t>
+            </a:r>
+          </a:p>
+          <a:p>
+            <a:pPr marL="0" indent="0">
+              <a:buNone/>
+            </a:pPr>
+            <a:r>
+              <a:rPr lang="en-SG" sz="1100" dirty="0" err="1"/>
+              <a:t>RazorComponentEndpointInvoker.cs</a:t>
+            </a:r>
+            <a:endParaRPr lang="en-SG" sz="1100" dirty="0"/>
+          </a:p>
+          <a:p>
+            <a:pPr marL="0" indent="0">
+              <a:buNone/>
+            </a:pPr>
+            <a:endParaRPr lang="en-SG" sz="1100" dirty="0"/>
+          </a:p>
+          <a:p>
+            <a:pPr marL="0" indent="0">
+              <a:buNone/>
+            </a:pPr>
+            <a:r>
+              <a:rPr lang="en-SG" sz="1100" dirty="0" err="1"/>
+              <a:t>RazorComponentEndpointInvoker.RenderComponentCore</a:t>
+            </a:r>
+            <a:r>
+              <a:rPr lang="en-SG" sz="1100" dirty="0"/>
+              <a:t>()</a:t>
+            </a:r>
+          </a:p>
+          <a:p>
+            <a:pPr marL="0" indent="0">
+              <a:buNone/>
+            </a:pPr>
+            <a:r>
+              <a:rPr lang="en-SG" sz="1100" dirty="0"/>
+              <a:t>1. Initialize </a:t>
+            </a:r>
+            <a:r>
+              <a:rPr lang="en-SG" sz="1100" dirty="0" err="1"/>
+              <a:t>StreamingRendering</a:t>
+            </a:r>
+            <a:r>
+              <a:rPr lang="en-SG" sz="1100" dirty="0"/>
+              <a:t> Framing</a:t>
+            </a:r>
+          </a:p>
+          <a:p>
+            <a:pPr marL="0" indent="0">
+              <a:buNone/>
+            </a:pPr>
+            <a:r>
+              <a:rPr lang="en-SG" sz="1100" dirty="0"/>
+              <a:t>2. Initialize Standard Component Services</a:t>
+            </a:r>
+          </a:p>
+          <a:p>
+            <a:pPr marL="0" indent="0">
+              <a:buNone/>
+            </a:pPr>
+            <a:r>
+              <a:rPr lang="en-SG" sz="1100" dirty="0"/>
+              <a:t>3. Render Endpoint Component </a:t>
+            </a:r>
+          </a:p>
+          <a:p>
+            <a:pPr marL="0" indent="0">
+              <a:buNone/>
+            </a:pPr>
+            <a:r>
+              <a:rPr lang="en-SG" sz="1100" dirty="0"/>
+              <a:t>    3.1 </a:t>
+            </a:r>
+            <a:r>
+              <a:rPr lang="en-SG" sz="1100" dirty="0" err="1"/>
+              <a:t>InstantiateComponent</a:t>
+            </a:r>
+            <a:endParaRPr lang="en-SG" sz="1100" dirty="0"/>
+          </a:p>
+          <a:p>
+            <a:pPr marL="0" indent="0">
+              <a:buNone/>
+            </a:pPr>
+            <a:r>
+              <a:rPr lang="en-SG" sz="1100" dirty="0"/>
+              <a:t>        </a:t>
+            </a:r>
+            <a:r>
+              <a:rPr lang="en-SG" sz="1100" b="1" dirty="0"/>
+              <a:t>3.1.1 </a:t>
+            </a:r>
+            <a:r>
+              <a:rPr lang="en-SG" sz="1100" b="1" dirty="0" err="1"/>
+              <a:t>ResolveComponentForRenderMode</a:t>
+            </a:r>
+            <a:endParaRPr lang="en-SG" sz="1100" b="1" dirty="0"/>
+          </a:p>
+          <a:p>
+            <a:pPr marL="0" indent="0">
+              <a:buNone/>
+            </a:pPr>
+            <a:r>
+              <a:rPr lang="en-SG" sz="1100" dirty="0"/>
+              <a:t>    3.2 Waiting for </a:t>
+            </a:r>
+            <a:r>
+              <a:rPr lang="en-SG" sz="1100" dirty="0" err="1"/>
+              <a:t>quiesence</a:t>
+            </a:r>
+            <a:r>
+              <a:rPr lang="en-SG" sz="1100" dirty="0"/>
+              <a:t>(none stream Rendering) complete</a:t>
+            </a:r>
+          </a:p>
+          <a:p>
+            <a:pPr marL="0" indent="0">
+              <a:buNone/>
+            </a:pPr>
+            <a:r>
+              <a:rPr lang="en-SG" sz="1100" dirty="0"/>
+              <a:t>4. write by </a:t>
+            </a:r>
+            <a:r>
+              <a:rPr lang="en-SG" sz="1100" dirty="0" err="1"/>
+              <a:t>HttpResponseStreamWriter</a:t>
+            </a:r>
+            <a:endParaRPr lang="en-SG" sz="1100" dirty="0"/>
           </a:p>
         </p:txBody>
       </p:sp>
@@ -26500,7 +26916,7 @@
           <p:cNvPr id="4" name="TextBox 3">
             <a:extLst>
               <a:ext uri="{FF2B5EF4-FFF2-40B4-BE49-F238E27FC236}">
-                <a16:creationId xmlns:a16="http://schemas.microsoft.com/office/drawing/2014/main" id="{116BC4E1-7249-E9E9-8C4A-0D2289D51647}"/>
+                <a16:creationId xmlns:a16="http://schemas.microsoft.com/office/drawing/2014/main" id="{4E5FB163-623D-D608-CFF8-944DAE443425}"/>
               </a:ext>
             </a:extLst>
           </p:cNvPr>
@@ -26530,71 +26946,12 @@
           </a:p>
         </p:txBody>
       </p:sp>
-      <p:sp>
-        <p:nvSpPr>
-          <p:cNvPr id="8" name="TextBox 7">
+      <p:pic>
+        <p:nvPicPr>
+          <p:cNvPr id="7" name="Picture 6">
             <a:extLst>
               <a:ext uri="{FF2B5EF4-FFF2-40B4-BE49-F238E27FC236}">
-                <a16:creationId xmlns:a16="http://schemas.microsoft.com/office/drawing/2014/main" id="{B8617D6A-E8C4-7F82-99B9-F27FFDE3E92A}"/>
-              </a:ext>
-            </a:extLst>
-          </p:cNvPr>
-          <p:cNvSpPr txBox="1"/>
-          <p:nvPr/>
-        </p:nvSpPr>
-        <p:spPr>
-          <a:xfrm>
-            <a:off x="776794" y="3093010"/>
-            <a:ext cx="9645590" cy="276999"/>
-          </a:xfrm>
-          <a:prstGeom prst="rect">
-            <a:avLst/>
-          </a:prstGeom>
-          <a:noFill/>
-        </p:spPr>
-        <p:txBody>
-          <a:bodyPr wrap="square">
-            <a:spAutoFit/>
-          </a:bodyPr>
-          <a:lstStyle/>
-          <a:p>
-            <a:r>
-              <a:rPr lang="en-SG" sz="1200" dirty="0"/>
-              <a:t>Component will generate a private __</a:t>
-            </a:r>
-            <a:r>
-              <a:rPr lang="en-SG" sz="1200" dirty="0" err="1"/>
-              <a:t>PrivateComponentRenderModeAttribute</a:t>
-            </a:r>
-            <a:r>
-              <a:rPr lang="en-SG" sz="1200" dirty="0"/>
-              <a:t> which </a:t>
-            </a:r>
-            <a:r>
-              <a:rPr lang="en-SG" sz="1200" dirty="0" err="1"/>
-              <a:t>distingulish</a:t>
-            </a:r>
-            <a:r>
-              <a:rPr lang="en-SG" sz="1200" dirty="0"/>
-              <a:t> the </a:t>
-            </a:r>
-            <a:r>
-              <a:rPr lang="en-SG" sz="1200" dirty="0" err="1"/>
-              <a:t>RenderMode</a:t>
-            </a:r>
-            <a:r>
-              <a:rPr lang="en-SG" sz="1200" dirty="0"/>
-              <a:t>:</a:t>
-            </a:r>
-          </a:p>
-        </p:txBody>
-      </p:sp>
-      <p:pic>
-        <p:nvPicPr>
-          <p:cNvPr id="12" name="Picture 11">
-            <a:extLst>
-              <a:ext uri="{FF2B5EF4-FFF2-40B4-BE49-F238E27FC236}">
-                <a16:creationId xmlns:a16="http://schemas.microsoft.com/office/drawing/2014/main" id="{931EF619-98B1-95D5-F57B-14E0C088ABA8}"/>
+                <a16:creationId xmlns:a16="http://schemas.microsoft.com/office/drawing/2014/main" id="{EE95C34F-AB6E-B07C-EE51-88D873E322B1}"/>
               </a:ext>
             </a:extLst>
           </p:cNvPr>
@@ -26611,8 +26968,8 @@
         </p:blipFill>
         <p:spPr>
           <a:xfrm>
-            <a:off x="776794" y="3487992"/>
-            <a:ext cx="7535327" cy="1933845"/>
+            <a:off x="5465365" y="1961965"/>
+            <a:ext cx="5913358" cy="4265626"/>
           </a:xfrm>
           <a:prstGeom prst="rect">
             <a:avLst/>
@@ -26622,7 +26979,7 @@
     </p:spTree>
     <p:extLst>
       <p:ext uri="{BB962C8B-B14F-4D97-AF65-F5344CB8AC3E}">
-        <p14:creationId xmlns:p14="http://schemas.microsoft.com/office/powerpoint/2010/main" val="3313266934"/>
+        <p14:creationId xmlns:p14="http://schemas.microsoft.com/office/powerpoint/2010/main" val="2118712361"/>
       </p:ext>
     </p:extLst>
   </p:cSld>
@@ -26654,7 +27011,7 @@
           <p:cNvPr id="2" name="Title 1">
             <a:extLst>
               <a:ext uri="{FF2B5EF4-FFF2-40B4-BE49-F238E27FC236}">
-                <a16:creationId xmlns:a16="http://schemas.microsoft.com/office/drawing/2014/main" id="{B39BC617-ED7B-1040-B3EE-C0E272920735}"/>
+                <a16:creationId xmlns:a16="http://schemas.microsoft.com/office/drawing/2014/main" id="{0FFCBED8-BB7A-EC5A-FA1B-4FBC962CE316}"/>
               </a:ext>
             </a:extLst>
           </p:cNvPr>
@@ -26671,57 +27028,258 @@
           <a:lstStyle/>
           <a:p>
             <a:r>
-              <a:rPr lang="en-US" altLang="zh-CN" sz="4400" dirty="0" err="1" smtClean="0"/>
+              <a:rPr lang="en-US" altLang="zh-CN" sz="4400" dirty="0" err="1"/>
               <a:t>Blazor</a:t>
             </a:r>
             <a:r>
-              <a:rPr lang="en-US" altLang="zh-CN" sz="4400" dirty="0" smtClean="0"/>
-              <a:t> </a:t>
-            </a:r>
-            <a:r>
-              <a:rPr lang="en-US" altLang="zh-CN" dirty="0"/>
-              <a:t>Web App</a:t>
+              <a:rPr lang="en-US" altLang="zh-CN" sz="4400" dirty="0"/>
+              <a:t> Web App</a:t>
             </a:r>
             <a:endParaRPr lang="en-SG" dirty="0"/>
           </a:p>
         </p:txBody>
       </p:sp>
-      <p:pic>
-        <p:nvPicPr>
-          <p:cNvPr id="6" name="Content Placeholder 4">
+      <p:sp>
+        <p:nvSpPr>
+          <p:cNvPr id="3" name="Content Placeholder 2">
             <a:extLst>
               <a:ext uri="{FF2B5EF4-FFF2-40B4-BE49-F238E27FC236}">
-                <a16:creationId xmlns:a16="http://schemas.microsoft.com/office/drawing/2014/main" id="{B87CC673-1555-F356-D5F9-B656C03B21E5}"/>
+                <a16:creationId xmlns:a16="http://schemas.microsoft.com/office/drawing/2014/main" id="{7979257D-74B9-76CA-B0B9-BEF5A29BF8C2}"/>
               </a:ext>
             </a:extLst>
           </p:cNvPr>
-          <p:cNvPicPr>
-            <a:picLocks noChangeAspect="1"/>
-          </p:cNvPicPr>
-          <p:nvPr/>
-        </p:nvPicPr>
-        <p:blipFill>
-          <a:blip r:embed="rId2"/>
-          <a:stretch>
-            <a:fillRect/>
-          </a:stretch>
-        </p:blipFill>
+          <p:cNvSpPr>
+            <a:spLocks noGrp="1"/>
+          </p:cNvSpPr>
+          <p:nvPr>
+            <p:ph idx="1"/>
+          </p:nvPr>
+        </p:nvSpPr>
         <p:spPr>
           <a:xfrm>
-            <a:off x="0" y="3433134"/>
-            <a:ext cx="12186744" cy="3260630"/>
+            <a:off x="691079" y="2877230"/>
+            <a:ext cx="10325000" cy="3980770"/>
           </a:xfrm>
-          <a:prstGeom prst="rect">
-            <a:avLst/>
-          </a:prstGeom>
         </p:spPr>
-      </p:pic>
+        <p:txBody>
+          <a:bodyPr>
+            <a:normAutofit lnSpcReduction="10000"/>
+          </a:bodyPr>
+          <a:lstStyle/>
+          <a:p>
+            <a:pPr marL="0" indent="0">
+              <a:buNone/>
+            </a:pPr>
+            <a:r>
+              <a:rPr lang="en-SG" sz="1100" b="1" dirty="0"/>
+              <a:t>Render </a:t>
+            </a:r>
+            <a:r>
+              <a:rPr lang="en-SG" sz="1100" b="1" dirty="0" err="1"/>
+              <a:t>Componment</a:t>
+            </a:r>
+            <a:r>
+              <a:rPr lang="en-SG" sz="1100" b="1" dirty="0"/>
+              <a:t>:</a:t>
+            </a:r>
+          </a:p>
+          <a:p>
+            <a:pPr marL="0" indent="0">
+              <a:buNone/>
+            </a:pPr>
+            <a:r>
+              <a:rPr lang="en-SG" sz="1100" dirty="0" err="1"/>
+              <a:t>RazorComponentEndpointInvoker.cs</a:t>
+            </a:r>
+            <a:endParaRPr lang="en-SG" sz="1100" dirty="0"/>
+          </a:p>
+          <a:p>
+            <a:pPr marL="0" indent="0">
+              <a:buNone/>
+            </a:pPr>
+            <a:endParaRPr lang="en-SG" sz="1100" dirty="0"/>
+          </a:p>
+          <a:p>
+            <a:pPr marL="0" indent="0">
+              <a:buNone/>
+            </a:pPr>
+            <a:r>
+              <a:rPr lang="en-SG" sz="1100" dirty="0" err="1"/>
+              <a:t>RazorComponentEndpointInvoker.RenderComponentCore</a:t>
+            </a:r>
+            <a:r>
+              <a:rPr lang="en-SG" sz="1100" dirty="0"/>
+              <a:t> -&gt;</a:t>
+            </a:r>
+          </a:p>
+          <a:p>
+            <a:pPr marL="0" indent="0">
+              <a:buNone/>
+            </a:pPr>
+            <a:r>
+              <a:rPr lang="en-SG" sz="1100" dirty="0"/>
+              <a:t>    </a:t>
+            </a:r>
+            <a:r>
+              <a:rPr lang="en-SG" sz="1100" dirty="0" err="1"/>
+              <a:t>EndpointHtmlRenderer.InitializeStandardComponentServicesAsync</a:t>
+            </a:r>
+            <a:endParaRPr lang="en-SG" sz="1100" dirty="0"/>
+          </a:p>
+          <a:p>
+            <a:pPr marL="0" indent="0">
+              <a:buNone/>
+            </a:pPr>
+            <a:r>
+              <a:rPr lang="en-SG" sz="1100" dirty="0"/>
+              <a:t>    </a:t>
+            </a:r>
+            <a:r>
+              <a:rPr lang="en-SG" sz="1100" dirty="0" err="1"/>
+              <a:t>EndpointHtmlRenderer.RenderEndpointComponent</a:t>
+            </a:r>
+            <a:r>
+              <a:rPr lang="en-SG" sz="1100" dirty="0"/>
+              <a:t>-&gt;</a:t>
+            </a:r>
+          </a:p>
+          <a:p>
+            <a:pPr marL="0" indent="0">
+              <a:buNone/>
+            </a:pPr>
+            <a:r>
+              <a:rPr lang="en-SG" sz="1100" dirty="0"/>
+              <a:t>        </a:t>
+            </a:r>
+            <a:r>
+              <a:rPr lang="en-SG" sz="1100" dirty="0" err="1"/>
+              <a:t>BeginRenderingComponent</a:t>
+            </a:r>
+            <a:r>
+              <a:rPr lang="en-SG" sz="1100" dirty="0"/>
+              <a:t>-&gt;</a:t>
+            </a:r>
+          </a:p>
+          <a:p>
+            <a:pPr marL="0" indent="0">
+              <a:buNone/>
+            </a:pPr>
+            <a:r>
+              <a:rPr lang="en-SG" sz="1100" dirty="0"/>
+              <a:t>            </a:t>
+            </a:r>
+            <a:r>
+              <a:rPr lang="en-SG" sz="1100" b="1" dirty="0" err="1">
+                <a:solidFill>
+                  <a:srgbClr val="FF0000"/>
+                </a:solidFill>
+              </a:rPr>
+              <a:t>ComponentFactory.InstantiateComponent</a:t>
+            </a:r>
+            <a:endParaRPr lang="en-SG" sz="1100" b="1" dirty="0">
+              <a:solidFill>
+                <a:srgbClr val="FF0000"/>
+              </a:solidFill>
+            </a:endParaRPr>
+          </a:p>
+          <a:p>
+            <a:pPr marL="0" indent="0">
+              <a:lnSpc>
+                <a:spcPct val="120000"/>
+              </a:lnSpc>
+              <a:buNone/>
+            </a:pPr>
+            <a:r>
+              <a:rPr lang="en-SG" sz="1100" dirty="0"/>
+              <a:t>        </a:t>
+            </a:r>
+            <a:r>
+              <a:rPr lang="en-SG" sz="1100" dirty="0" err="1"/>
+              <a:t>WaitForResultReady</a:t>
+            </a:r>
+            <a:r>
+              <a:rPr lang="en-SG" sz="1100" dirty="0"/>
+              <a:t>() </a:t>
+            </a:r>
+            <a:r>
+              <a:rPr lang="en-SG" sz="1100" dirty="0">
+                <a:solidFill>
+                  <a:srgbClr val="FF0000"/>
+                </a:solidFill>
+              </a:rPr>
+              <a:t>wait for quiescence of the non-streaming subtrees</a:t>
+            </a:r>
+          </a:p>
+          <a:p>
+            <a:pPr marL="0" indent="0">
+              <a:buNone/>
+            </a:pPr>
+            <a:r>
+              <a:rPr lang="en-SG" sz="1100" dirty="0"/>
+              <a:t>    </a:t>
+            </a:r>
+            <a:r>
+              <a:rPr lang="en-SG" sz="1100" dirty="0" err="1"/>
+              <a:t>EndpointHtmlRenderer.PrerenderPersistedStateAsync</a:t>
+            </a:r>
+            <a:r>
+              <a:rPr lang="en-SG" sz="1100" dirty="0"/>
+              <a:t> -&gt; </a:t>
+            </a:r>
+          </a:p>
+          <a:p>
+            <a:pPr marL="0" indent="0">
+              <a:buNone/>
+            </a:pPr>
+            <a:r>
+              <a:rPr lang="en-SG" sz="1100" dirty="0"/>
+              <a:t>        return </a:t>
+            </a:r>
+            <a:r>
+              <a:rPr lang="en-SG" sz="1100" dirty="0" err="1"/>
+              <a:t>ComponentStateHtmlContent</a:t>
+            </a:r>
+            <a:r>
+              <a:rPr lang="en-SG" sz="1100" dirty="0"/>
+              <a:t> with different </a:t>
+            </a:r>
+            <a:r>
+              <a:rPr lang="en-SG" sz="1100" b="1" dirty="0" err="1"/>
+              <a:t>PrerenderComponentApplicationStore</a:t>
+            </a:r>
+            <a:endParaRPr lang="en-SG" sz="1100" b="1" dirty="0"/>
+          </a:p>
+          <a:p>
+            <a:pPr marL="0" indent="0">
+              <a:buNone/>
+            </a:pPr>
+            <a:r>
+              <a:rPr lang="en-SG" sz="1100" dirty="0"/>
+              <a:t>    </a:t>
+            </a:r>
+          </a:p>
+          <a:p>
+            <a:pPr marL="0" indent="0">
+              <a:buNone/>
+            </a:pPr>
+            <a:r>
+              <a:rPr lang="en-SG" sz="1100" dirty="0"/>
+              <a:t>Write by </a:t>
+            </a:r>
+            <a:r>
+              <a:rPr lang="en-SG" sz="1100" dirty="0" err="1"/>
+              <a:t>HttpResponseStreamWriter</a:t>
+            </a:r>
+            <a:endParaRPr lang="en-SG" sz="1100" dirty="0"/>
+          </a:p>
+        </p:txBody>
+      </p:sp>
       <p:sp>
         <p:nvSpPr>
           <p:cNvPr id="4" name="TextBox 3">
             <a:extLst>
               <a:ext uri="{FF2B5EF4-FFF2-40B4-BE49-F238E27FC236}">
-                <a16:creationId xmlns:a16="http://schemas.microsoft.com/office/drawing/2014/main" id="{116BC4E1-7249-E9E9-8C4A-0D2289D51647}"/>
+                <a16:creationId xmlns:a16="http://schemas.microsoft.com/office/drawing/2014/main" id="{5058DBD1-6568-DCFE-6947-5003A755FA78}"/>
               </a:ext>
             </a:extLst>
           </p:cNvPr>
@@ -26730,8 +27288,8 @@
         </p:nvSpPr>
         <p:spPr>
           <a:xfrm>
-            <a:off x="691079" y="2762720"/>
-            <a:ext cx="6116714" cy="369332"/>
+            <a:off x="691079" y="2354347"/>
+            <a:ext cx="1865690" cy="369332"/>
           </a:xfrm>
           <a:prstGeom prst="rect">
             <a:avLst/>
@@ -26745,17 +27303,16 @@
           <a:lstStyle/>
           <a:p>
             <a:r>
-              <a:rPr lang="en-SG" dirty="0" err="1"/>
-              <a:t>WebAssemblyHostBuilder.cs</a:t>
-            </a:r>
-            <a:endParaRPr lang="en-SG" dirty="0"/>
+              <a:rPr lang="en-SG" dirty="0"/>
+              <a:t>Render Mode</a:t>
+            </a:r>
           </a:p>
         </p:txBody>
       </p:sp>
     </p:spTree>
     <p:extLst>
       <p:ext uri="{BB962C8B-B14F-4D97-AF65-F5344CB8AC3E}">
-        <p14:creationId xmlns:p14="http://schemas.microsoft.com/office/powerpoint/2010/main" val="1302170335"/>
+        <p14:creationId xmlns:p14="http://schemas.microsoft.com/office/powerpoint/2010/main" val="1329779241"/>
       </p:ext>
     </p:extLst>
   </p:cSld>
@@ -26782,41 +27339,12 @@
           <a:chExt cx="0" cy="0"/>
         </a:xfrm>
       </p:grpSpPr>
-      <p:pic>
-        <p:nvPicPr>
-          <p:cNvPr id="8" name="Content Placeholder 4">
+      <p:sp>
+        <p:nvSpPr>
+          <p:cNvPr id="2" name="Title 1">
             <a:extLst>
               <a:ext uri="{FF2B5EF4-FFF2-40B4-BE49-F238E27FC236}">
-                <a16:creationId xmlns:a16="http://schemas.microsoft.com/office/drawing/2014/main" id="{998ED581-5F14-366E-09C4-975D93F42EB5}"/>
-              </a:ext>
-            </a:extLst>
-          </p:cNvPr>
-          <p:cNvPicPr>
-            <a:picLocks noGrp="1" noChangeAspect="1"/>
-          </p:cNvPicPr>
-          <p:nvPr>
-            <p:ph idx="1"/>
-          </p:nvPr>
-        </p:nvPicPr>
-        <p:blipFill>
-          <a:blip r:embed="rId2"/>
-          <a:stretch>
-            <a:fillRect/>
-          </a:stretch>
-        </p:blipFill>
-        <p:spPr>
-          <a:xfrm>
-            <a:off x="0" y="3037418"/>
-            <a:ext cx="12192000" cy="3820582"/>
-          </a:xfrm>
-        </p:spPr>
-      </p:pic>
-      <p:sp>
-        <p:nvSpPr>
-          <p:cNvPr id="4" name="Title 1">
-            <a:extLst>
-              <a:ext uri="{FF2B5EF4-FFF2-40B4-BE49-F238E27FC236}">
-                <a16:creationId xmlns:a16="http://schemas.microsoft.com/office/drawing/2014/main" id="{F4438394-4326-B683-0E03-3EEBD42F4CF2}"/>
+                <a16:creationId xmlns:a16="http://schemas.microsoft.com/office/drawing/2014/main" id="{0FFCBED8-BB7A-EC5A-FA1B-4FBC962CE316}"/>
               </a:ext>
             </a:extLst>
           </p:cNvPr>
@@ -26827,36 +27355,304 @@
             <p:ph type="title"/>
           </p:nvPr>
         </p:nvSpPr>
-        <p:spPr>
-          <a:xfrm>
-            <a:off x="691079" y="725951"/>
-            <a:ext cx="10325000" cy="1442463"/>
-          </a:xfrm>
-        </p:spPr>
+        <p:spPr/>
         <p:txBody>
           <a:bodyPr/>
           <a:lstStyle/>
           <a:p>
             <a:r>
-              <a:rPr lang="en-US" altLang="zh-CN" sz="4400" dirty="0" err="1" smtClean="0"/>
+              <a:rPr lang="en-US" altLang="zh-CN" sz="4400" dirty="0" err="1"/>
               <a:t>Blazor</a:t>
             </a:r>
             <a:r>
-              <a:rPr lang="en-US" altLang="zh-CN" sz="4400" dirty="0" smtClean="0"/>
+              <a:rPr lang="en-US" altLang="zh-CN" sz="4400" dirty="0"/>
+              <a:t> Web App</a:t>
+            </a:r>
+            <a:endParaRPr lang="en-SG" dirty="0"/>
+          </a:p>
+        </p:txBody>
+      </p:sp>
+      <p:sp>
+        <p:nvSpPr>
+          <p:cNvPr id="3" name="Content Placeholder 2">
+            <a:extLst>
+              <a:ext uri="{FF2B5EF4-FFF2-40B4-BE49-F238E27FC236}">
+                <a16:creationId xmlns:a16="http://schemas.microsoft.com/office/drawing/2014/main" id="{7979257D-74B9-76CA-B0B9-BEF5A29BF8C2}"/>
+              </a:ext>
+            </a:extLst>
+          </p:cNvPr>
+          <p:cNvSpPr>
+            <a:spLocks noGrp="1"/>
+          </p:cNvSpPr>
+          <p:nvPr>
+            <p:ph idx="1"/>
+          </p:nvPr>
+        </p:nvSpPr>
+        <p:spPr/>
+        <p:txBody>
+          <a:bodyPr>
+            <a:normAutofit fontScale="92500" lnSpcReduction="10000"/>
+          </a:bodyPr>
+          <a:lstStyle/>
+          <a:p>
+            <a:pPr marL="0" indent="0">
+              <a:buNone/>
+            </a:pPr>
+            <a:r>
+              <a:rPr lang="en-SG" sz="1200" b="1" dirty="0"/>
+              <a:t>Create Component:</a:t>
+            </a:r>
+          </a:p>
+          <a:p>
+            <a:pPr marL="0" indent="0">
+              <a:buNone/>
+            </a:pPr>
+            <a:r>
+              <a:rPr lang="en-SG" sz="1200" dirty="0" err="1"/>
+              <a:t>ComponentFactory.cs</a:t>
+            </a:r>
+            <a:endParaRPr lang="en-SG" sz="1200" dirty="0"/>
+          </a:p>
+          <a:p>
+            <a:pPr marL="0" indent="0">
+              <a:buNone/>
+            </a:pPr>
+            <a:r>
+              <a:rPr lang="en-SG" sz="1200" dirty="0"/>
+              <a:t>  </a:t>
+            </a:r>
+            <a:r>
+              <a:rPr lang="en-SG" sz="1200" dirty="0" err="1"/>
+              <a:t>ComponentFactory.InstantiateComponent</a:t>
+            </a:r>
+            <a:endParaRPr lang="en-SG" sz="1200" dirty="0"/>
+          </a:p>
+          <a:p>
+            <a:pPr marL="0" indent="0">
+              <a:buNone/>
+            </a:pPr>
+            <a:r>
+              <a:rPr lang="en-SG" sz="1200" dirty="0"/>
+              <a:t>    </a:t>
+            </a:r>
+            <a:r>
+              <a:rPr lang="en-SG" sz="1200" b="1" dirty="0" err="1">
+                <a:solidFill>
+                  <a:srgbClr val="FF0000"/>
+                </a:solidFill>
+              </a:rPr>
+              <a:t>Renderer.ResolveComponentForRenderMode</a:t>
+            </a:r>
+            <a:r>
+              <a:rPr lang="en-SG" sz="1200" b="1" dirty="0">
+                <a:solidFill>
+                  <a:srgbClr val="FF0000"/>
+                </a:solidFill>
+              </a:rPr>
               <a:t> </a:t>
             </a:r>
             <a:r>
-              <a:rPr lang="en-US" altLang="zh-CN" dirty="0"/>
-              <a:t>Web App</a:t>
-            </a:r>
-            <a:endParaRPr lang="en-SG" dirty="0"/>
+              <a:rPr lang="en-SG" sz="1200" dirty="0">
+                <a:solidFill>
+                  <a:srgbClr val="FF0000"/>
+                </a:solidFill>
+              </a:rPr>
+              <a:t>-&gt; override by </a:t>
+            </a:r>
+            <a:r>
+              <a:rPr lang="en-SG" sz="1200" b="1" dirty="0" err="1">
+                <a:solidFill>
+                  <a:srgbClr val="FF0000"/>
+                </a:solidFill>
+              </a:rPr>
+              <a:t>EndpointHtmlRenderer</a:t>
+            </a:r>
+            <a:r>
+              <a:rPr lang="en-SG" sz="1200" b="1" dirty="0">
+                <a:solidFill>
+                  <a:srgbClr val="FF0000"/>
+                </a:solidFill>
+              </a:rPr>
+              <a:t>/</a:t>
+            </a:r>
+            <a:r>
+              <a:rPr lang="en-SG" sz="1200" b="1" dirty="0" err="1">
+                <a:solidFill>
+                  <a:srgbClr val="FF0000"/>
+                </a:solidFill>
+              </a:rPr>
+              <a:t>WebAssemblyRenderer</a:t>
+            </a:r>
+            <a:r>
+              <a:rPr lang="en-SG" sz="1200" b="1" dirty="0">
+                <a:solidFill>
+                  <a:srgbClr val="FF0000"/>
+                </a:solidFill>
+              </a:rPr>
+              <a:t> : </a:t>
+            </a:r>
+            <a:r>
+              <a:rPr lang="en-SG" sz="1200" b="1" dirty="0" err="1">
+                <a:solidFill>
+                  <a:srgbClr val="FF0000"/>
+                </a:solidFill>
+              </a:rPr>
+              <a:t>WebRenderer</a:t>
+            </a:r>
+            <a:r>
+              <a:rPr lang="en-SG" sz="1200" b="1" dirty="0">
+                <a:solidFill>
+                  <a:srgbClr val="FF0000"/>
+                </a:solidFill>
+              </a:rPr>
+              <a:t> / </a:t>
+            </a:r>
+            <a:r>
+              <a:rPr lang="en-SG" sz="1200" b="1" dirty="0" err="1">
+                <a:solidFill>
+                  <a:srgbClr val="FF0000"/>
+                </a:solidFill>
+              </a:rPr>
+              <a:t>RemoteRenderer</a:t>
+            </a:r>
+            <a:r>
+              <a:rPr lang="en-SG" sz="1200" b="1" dirty="0">
+                <a:solidFill>
+                  <a:srgbClr val="FF0000"/>
+                </a:solidFill>
+              </a:rPr>
+              <a:t> : </a:t>
+            </a:r>
+            <a:r>
+              <a:rPr lang="en-SG" sz="1200" b="1" dirty="0" err="1">
+                <a:solidFill>
+                  <a:srgbClr val="FF0000"/>
+                </a:solidFill>
+              </a:rPr>
+              <a:t>WebRenderer</a:t>
+            </a:r>
+            <a:endParaRPr lang="en-SG" sz="1200" b="1" dirty="0">
+              <a:solidFill>
+                <a:srgbClr val="FF0000"/>
+              </a:solidFill>
+            </a:endParaRPr>
+          </a:p>
+          <a:p>
+            <a:pPr marL="0" indent="0">
+              <a:buNone/>
+            </a:pPr>
+            <a:r>
+              <a:rPr lang="en-SG" sz="1200" dirty="0"/>
+              <a:t>      -&gt;</a:t>
+            </a:r>
+            <a:r>
+              <a:rPr lang="en-SG" sz="1200" dirty="0" err="1"/>
+              <a:t>IComponentActivator.CreateInstance</a:t>
+            </a:r>
+            <a:r>
+              <a:rPr lang="en-SG" sz="1200" dirty="0"/>
+              <a:t> -&gt;Implement by </a:t>
+            </a:r>
+            <a:r>
+              <a:rPr lang="en-SG" sz="1200" dirty="0" err="1"/>
+              <a:t>DefaultComponentActivator</a:t>
+            </a:r>
+            <a:r>
+              <a:rPr lang="en-SG" sz="1200" dirty="0"/>
+              <a:t> </a:t>
+            </a:r>
+          </a:p>
+          <a:p>
+            <a:pPr marL="0" indent="0">
+              <a:buNone/>
+            </a:pPr>
+            <a:r>
+              <a:rPr lang="en-SG" sz="1200" dirty="0"/>
+              <a:t>      -&gt;</a:t>
+            </a:r>
+            <a:r>
+              <a:rPr lang="en-SG" sz="1200" dirty="0" err="1"/>
+              <a:t>PrerenderPersistedStateAsync</a:t>
+            </a:r>
+            <a:endParaRPr lang="en-SG" sz="1200" dirty="0"/>
+          </a:p>
+          <a:p>
+            <a:pPr marL="0" indent="0">
+              <a:buNone/>
+            </a:pPr>
+            <a:endParaRPr lang="en-SG" sz="1100" dirty="0"/>
+          </a:p>
+          <a:p>
+            <a:pPr marL="0" indent="0">
+              <a:buNone/>
+            </a:pPr>
+            <a:endParaRPr lang="en-SG" sz="1100" dirty="0"/>
+          </a:p>
+          <a:p>
+            <a:pPr marL="0" indent="0">
+              <a:buNone/>
+            </a:pPr>
+            <a:r>
+              <a:rPr lang="en-SG" sz="1100" dirty="0" err="1"/>
+              <a:t>RazorComponentEndpointInvoker.RenderComponentCore</a:t>
+            </a:r>
+            <a:r>
+              <a:rPr lang="en-SG" sz="1100" dirty="0"/>
+              <a:t> -&gt;</a:t>
+            </a:r>
+          </a:p>
+          <a:p>
+            <a:pPr marL="0" indent="0">
+              <a:buNone/>
+            </a:pPr>
+            <a:r>
+              <a:rPr lang="en-SG" sz="1100" dirty="0"/>
+              <a:t>  </a:t>
+            </a:r>
+            <a:r>
+              <a:rPr lang="en-SG" sz="1100" dirty="0" err="1"/>
+              <a:t>EndpointHtmlRenderer.RenderEndpointComponent</a:t>
+            </a:r>
+            <a:r>
+              <a:rPr lang="en-SG" sz="1100" dirty="0"/>
+              <a:t>-&gt;</a:t>
+            </a:r>
+          </a:p>
+          <a:p>
+            <a:pPr marL="0" indent="0">
+              <a:buNone/>
+            </a:pPr>
+            <a:r>
+              <a:rPr lang="en-SG" sz="1100" dirty="0"/>
+              <a:t>  </a:t>
+            </a:r>
+          </a:p>
+          <a:p>
+            <a:pPr marL="0" indent="0">
+              <a:buNone/>
+            </a:pPr>
+            <a:r>
+              <a:rPr lang="en-SG" sz="1100" dirty="0"/>
+              <a:t>…-&gt; </a:t>
+            </a:r>
+            <a:r>
+              <a:rPr lang="en-SG" sz="1100" dirty="0" err="1"/>
+              <a:t>ComponmentFactory.InstantiateComponent</a:t>
+            </a:r>
+            <a:endParaRPr lang="en-SG" sz="1100" dirty="0"/>
+          </a:p>
+          <a:p>
+            <a:pPr marL="0" indent="0">
+              <a:buNone/>
+            </a:pPr>
+            <a:endParaRPr lang="en-SG" sz="1000" dirty="0"/>
           </a:p>
         </p:txBody>
       </p:sp>
     </p:spTree>
     <p:extLst>
       <p:ext uri="{BB962C8B-B14F-4D97-AF65-F5344CB8AC3E}">
-        <p14:creationId xmlns:p14="http://schemas.microsoft.com/office/powerpoint/2010/main" val="3214789743"/>
+        <p14:creationId xmlns:p14="http://schemas.microsoft.com/office/powerpoint/2010/main" val="3457719316"/>
       </p:ext>
     </p:extLst>
   </p:cSld>

--- a/Blazor in .net 8.pptx
+++ b/Blazor in .net 8.pptx
@@ -11,22 +11,25 @@
     <p:sldId id="270" r:id="rId5"/>
     <p:sldId id="275" r:id="rId6"/>
     <p:sldId id="276" r:id="rId7"/>
-    <p:sldId id="274" r:id="rId8"/>
-    <p:sldId id="272" r:id="rId9"/>
-    <p:sldId id="265" r:id="rId10"/>
-    <p:sldId id="273" r:id="rId11"/>
-    <p:sldId id="271" r:id="rId12"/>
-    <p:sldId id="257" r:id="rId13"/>
-    <p:sldId id="258" r:id="rId14"/>
-    <p:sldId id="259" r:id="rId15"/>
-    <p:sldId id="260" r:id="rId16"/>
-    <p:sldId id="261" r:id="rId17"/>
-    <p:sldId id="262" r:id="rId18"/>
-    <p:sldId id="264" r:id="rId19"/>
-    <p:sldId id="263" r:id="rId20"/>
-    <p:sldId id="277" r:id="rId21"/>
-    <p:sldId id="279" r:id="rId22"/>
-    <p:sldId id="278" r:id="rId23"/>
+    <p:sldId id="280" r:id="rId8"/>
+    <p:sldId id="281" r:id="rId9"/>
+    <p:sldId id="274" r:id="rId10"/>
+    <p:sldId id="272" r:id="rId11"/>
+    <p:sldId id="265" r:id="rId12"/>
+    <p:sldId id="273" r:id="rId13"/>
+    <p:sldId id="271" r:id="rId14"/>
+    <p:sldId id="257" r:id="rId15"/>
+    <p:sldId id="258" r:id="rId16"/>
+    <p:sldId id="259" r:id="rId17"/>
+    <p:sldId id="260" r:id="rId18"/>
+    <p:sldId id="261" r:id="rId19"/>
+    <p:sldId id="262" r:id="rId20"/>
+    <p:sldId id="264" r:id="rId21"/>
+    <p:sldId id="263" r:id="rId22"/>
+    <p:sldId id="277" r:id="rId23"/>
+    <p:sldId id="279" r:id="rId24"/>
+    <p:sldId id="282" r:id="rId25"/>
+    <p:sldId id="278" r:id="rId26"/>
   </p:sldIdLst>
   <p:sldSz cx="12192000" cy="6858000"/>
   <p:notesSz cx="6858000" cy="9144000"/>
@@ -1799,7 +1802,7 @@
           <a:p>
             <a:fld id="{8F72BA41-EC5B-4197-BCC8-0FD2E523CD7A}" type="datetimeFigureOut">
               <a:rPr lang="en-US" smtClean="0"/>
-              <a:t>11/10/2023</a:t>
+              <a:t>11/13/2023</a:t>
             </a:fld>
             <a:endParaRPr lang="en-US"/>
           </a:p>
@@ -2002,7 +2005,7 @@
           <a:p>
             <a:fld id="{8F72BA41-EC5B-4197-BCC8-0FD2E523CD7A}" type="datetimeFigureOut">
               <a:rPr lang="en-US" smtClean="0"/>
-              <a:t>11/10/2023</a:t>
+              <a:t>11/13/2023</a:t>
             </a:fld>
             <a:endParaRPr lang="en-US"/>
           </a:p>
@@ -3723,7 +3726,7 @@
           <a:p>
             <a:fld id="{8F72BA41-EC5B-4197-BCC8-0FD2E523CD7A}" type="datetimeFigureOut">
               <a:rPr lang="en-US" smtClean="0"/>
-              <a:t>11/10/2023</a:t>
+              <a:t>11/13/2023</a:t>
             </a:fld>
             <a:endParaRPr lang="en-US"/>
           </a:p>
@@ -3922,7 +3925,7 @@
           <a:p>
             <a:fld id="{8F72BA41-EC5B-4197-BCC8-0FD2E523CD7A}" type="datetimeFigureOut">
               <a:rPr lang="en-US" smtClean="0"/>
-              <a:t>11/10/2023</a:t>
+              <a:t>11/13/2023</a:t>
             </a:fld>
             <a:endParaRPr lang="en-US"/>
           </a:p>
@@ -5712,7 +5715,7 @@
           <a:p>
             <a:fld id="{8F72BA41-EC5B-4197-BCC8-0FD2E523CD7A}" type="datetimeFigureOut">
               <a:rPr lang="en-US" smtClean="0"/>
-              <a:t>11/10/2023</a:t>
+              <a:t>11/13/2023</a:t>
             </a:fld>
             <a:endParaRPr lang="en-US"/>
           </a:p>
@@ -5985,7 +5988,7 @@
           <a:p>
             <a:fld id="{8F72BA41-EC5B-4197-BCC8-0FD2E523CD7A}" type="datetimeFigureOut">
               <a:rPr lang="en-US" smtClean="0"/>
-              <a:t>11/10/2023</a:t>
+              <a:t>11/13/2023</a:t>
             </a:fld>
             <a:endParaRPr lang="en-US"/>
           </a:p>
@@ -6405,7 +6408,7 @@
           <a:p>
             <a:fld id="{8F72BA41-EC5B-4197-BCC8-0FD2E523CD7A}" type="datetimeFigureOut">
               <a:rPr lang="en-US" smtClean="0"/>
-              <a:t>11/10/2023</a:t>
+              <a:t>11/13/2023</a:t>
             </a:fld>
             <a:endParaRPr lang="en-US"/>
           </a:p>
@@ -6561,7 +6564,7 @@
           <a:p>
             <a:fld id="{8F72BA41-EC5B-4197-BCC8-0FD2E523CD7A}" type="datetimeFigureOut">
               <a:rPr lang="en-US" smtClean="0"/>
-              <a:t>11/10/2023</a:t>
+              <a:t>11/13/2023</a:t>
             </a:fld>
             <a:endParaRPr lang="en-US"/>
           </a:p>
@@ -8129,7 +8132,7 @@
           <a:p>
             <a:fld id="{8F72BA41-EC5B-4197-BCC8-0FD2E523CD7A}" type="datetimeFigureOut">
               <a:rPr lang="en-US" smtClean="0"/>
-              <a:t>11/10/2023</a:t>
+              <a:t>11/13/2023</a:t>
             </a:fld>
             <a:endParaRPr lang="en-US"/>
           </a:p>
@@ -9980,7 +9983,7 @@
           <a:p>
             <a:fld id="{8F72BA41-EC5B-4197-BCC8-0FD2E523CD7A}" type="datetimeFigureOut">
               <a:rPr lang="en-US" smtClean="0"/>
-              <a:t>11/10/2023</a:t>
+              <a:t>11/13/2023</a:t>
             </a:fld>
             <a:endParaRPr lang="en-US"/>
           </a:p>
@@ -11793,7 +11796,7 @@
           <a:p>
             <a:fld id="{8F72BA41-EC5B-4197-BCC8-0FD2E523CD7A}" type="datetimeFigureOut">
               <a:rPr lang="en-US" smtClean="0"/>
-              <a:t>11/10/2023</a:t>
+              <a:t>11/13/2023</a:t>
             </a:fld>
             <a:endParaRPr lang="en-US"/>
           </a:p>
@@ -13487,7 +13490,7 @@
             <a:fld id="{8F72BA41-EC5B-4197-BCC8-0FD2E523CD7A}" type="datetimeFigureOut">
               <a:rPr lang="en-US" smtClean="0"/>
               <a:pPr/>
-              <a:t>11/10/2023</a:t>
+              <a:t>11/13/2023</a:t>
             </a:fld>
             <a:endParaRPr lang="en-US" dirty="0"/>
           </a:p>
@@ -16051,6 +16054,679 @@
           <p:cNvPr id="2" name="Title 1">
             <a:extLst>
               <a:ext uri="{FF2B5EF4-FFF2-40B4-BE49-F238E27FC236}">
+                <a16:creationId xmlns:a16="http://schemas.microsoft.com/office/drawing/2014/main" id="{0FFCBED8-BB7A-EC5A-FA1B-4FBC962CE316}"/>
+              </a:ext>
+            </a:extLst>
+          </p:cNvPr>
+          <p:cNvSpPr>
+            <a:spLocks noGrp="1"/>
+          </p:cNvSpPr>
+          <p:nvPr>
+            <p:ph type="title"/>
+          </p:nvPr>
+        </p:nvSpPr>
+        <p:spPr/>
+        <p:txBody>
+          <a:bodyPr/>
+          <a:lstStyle/>
+          <a:p>
+            <a:r>
+              <a:rPr lang="en-US" altLang="zh-CN" sz="4400" dirty="0" err="1"/>
+              <a:t>Blazor</a:t>
+            </a:r>
+            <a:r>
+              <a:rPr lang="en-US" altLang="zh-CN" sz="4400" dirty="0"/>
+              <a:t> Web App</a:t>
+            </a:r>
+            <a:endParaRPr lang="en-SG" dirty="0"/>
+          </a:p>
+        </p:txBody>
+      </p:sp>
+      <p:sp>
+        <p:nvSpPr>
+          <p:cNvPr id="3" name="Content Placeholder 2">
+            <a:extLst>
+              <a:ext uri="{FF2B5EF4-FFF2-40B4-BE49-F238E27FC236}">
+                <a16:creationId xmlns:a16="http://schemas.microsoft.com/office/drawing/2014/main" id="{7979257D-74B9-76CA-B0B9-BEF5A29BF8C2}"/>
+              </a:ext>
+            </a:extLst>
+          </p:cNvPr>
+          <p:cNvSpPr>
+            <a:spLocks noGrp="1"/>
+          </p:cNvSpPr>
+          <p:nvPr>
+            <p:ph idx="1"/>
+          </p:nvPr>
+        </p:nvSpPr>
+        <p:spPr>
+          <a:xfrm>
+            <a:off x="691079" y="2877230"/>
+            <a:ext cx="10325000" cy="3980770"/>
+          </a:xfrm>
+        </p:spPr>
+        <p:txBody>
+          <a:bodyPr>
+            <a:normAutofit lnSpcReduction="10000"/>
+          </a:bodyPr>
+          <a:lstStyle/>
+          <a:p>
+            <a:pPr marL="0" indent="0">
+              <a:buNone/>
+            </a:pPr>
+            <a:r>
+              <a:rPr lang="en-SG" sz="1100" b="1" dirty="0"/>
+              <a:t>Render </a:t>
+            </a:r>
+            <a:r>
+              <a:rPr lang="en-SG" sz="1100" b="1" dirty="0" err="1"/>
+              <a:t>Componment</a:t>
+            </a:r>
+            <a:r>
+              <a:rPr lang="en-SG" sz="1100" b="1" dirty="0"/>
+              <a:t>:</a:t>
+            </a:r>
+          </a:p>
+          <a:p>
+            <a:pPr marL="0" indent="0">
+              <a:buNone/>
+            </a:pPr>
+            <a:r>
+              <a:rPr lang="en-SG" sz="1100" dirty="0" err="1"/>
+              <a:t>RazorComponentEndpointInvoker.cs</a:t>
+            </a:r>
+            <a:endParaRPr lang="en-SG" sz="1100" dirty="0"/>
+          </a:p>
+          <a:p>
+            <a:pPr marL="0" indent="0">
+              <a:buNone/>
+            </a:pPr>
+            <a:endParaRPr lang="en-SG" sz="1100" dirty="0"/>
+          </a:p>
+          <a:p>
+            <a:pPr marL="0" indent="0">
+              <a:buNone/>
+            </a:pPr>
+            <a:r>
+              <a:rPr lang="en-SG" sz="1100" dirty="0" err="1"/>
+              <a:t>RazorComponentEndpointInvoker.RenderComponentCore</a:t>
+            </a:r>
+            <a:r>
+              <a:rPr lang="en-SG" sz="1100" dirty="0"/>
+              <a:t> -&gt;</a:t>
+            </a:r>
+          </a:p>
+          <a:p>
+            <a:pPr marL="0" indent="0">
+              <a:buNone/>
+            </a:pPr>
+            <a:r>
+              <a:rPr lang="en-SG" sz="1100" dirty="0"/>
+              <a:t>    </a:t>
+            </a:r>
+            <a:r>
+              <a:rPr lang="en-SG" sz="1100" dirty="0" err="1"/>
+              <a:t>EndpointHtmlRenderer.InitializeStandardComponentServicesAsync</a:t>
+            </a:r>
+            <a:endParaRPr lang="en-SG" sz="1100" dirty="0"/>
+          </a:p>
+          <a:p>
+            <a:pPr marL="0" indent="0">
+              <a:buNone/>
+            </a:pPr>
+            <a:r>
+              <a:rPr lang="en-SG" sz="1100" dirty="0"/>
+              <a:t>    </a:t>
+            </a:r>
+            <a:r>
+              <a:rPr lang="en-SG" sz="1100" dirty="0" err="1"/>
+              <a:t>EndpointHtmlRenderer.RenderEndpointComponent</a:t>
+            </a:r>
+            <a:r>
+              <a:rPr lang="en-SG" sz="1100" dirty="0"/>
+              <a:t>-&gt;</a:t>
+            </a:r>
+          </a:p>
+          <a:p>
+            <a:pPr marL="0" indent="0">
+              <a:buNone/>
+            </a:pPr>
+            <a:r>
+              <a:rPr lang="en-SG" sz="1100" dirty="0"/>
+              <a:t>        </a:t>
+            </a:r>
+            <a:r>
+              <a:rPr lang="en-SG" sz="1100" dirty="0" err="1"/>
+              <a:t>BeginRenderingComponent</a:t>
+            </a:r>
+            <a:r>
+              <a:rPr lang="en-SG" sz="1100" dirty="0"/>
+              <a:t>-&gt;</a:t>
+            </a:r>
+          </a:p>
+          <a:p>
+            <a:pPr marL="0" indent="0">
+              <a:buNone/>
+            </a:pPr>
+            <a:r>
+              <a:rPr lang="en-SG" sz="1100" dirty="0"/>
+              <a:t>            </a:t>
+            </a:r>
+            <a:r>
+              <a:rPr lang="en-SG" sz="1100" b="1" dirty="0" err="1">
+                <a:solidFill>
+                  <a:srgbClr val="FF0000"/>
+                </a:solidFill>
+              </a:rPr>
+              <a:t>ComponentFactory.InstantiateComponent</a:t>
+            </a:r>
+            <a:endParaRPr lang="en-SG" sz="1100" b="1" dirty="0">
+              <a:solidFill>
+                <a:srgbClr val="FF0000"/>
+              </a:solidFill>
+            </a:endParaRPr>
+          </a:p>
+          <a:p>
+            <a:pPr marL="0" indent="0">
+              <a:lnSpc>
+                <a:spcPct val="120000"/>
+              </a:lnSpc>
+              <a:buNone/>
+            </a:pPr>
+            <a:r>
+              <a:rPr lang="en-SG" sz="1100" dirty="0"/>
+              <a:t>        </a:t>
+            </a:r>
+            <a:r>
+              <a:rPr lang="en-SG" sz="1100" dirty="0" err="1"/>
+              <a:t>WaitForResultReady</a:t>
+            </a:r>
+            <a:r>
+              <a:rPr lang="en-SG" sz="1100" dirty="0"/>
+              <a:t>() </a:t>
+            </a:r>
+            <a:r>
+              <a:rPr lang="en-SG" sz="1100" dirty="0">
+                <a:solidFill>
+                  <a:srgbClr val="FF0000"/>
+                </a:solidFill>
+              </a:rPr>
+              <a:t>wait for quiescence of the non-streaming subtrees</a:t>
+            </a:r>
+          </a:p>
+          <a:p>
+            <a:pPr marL="0" indent="0">
+              <a:buNone/>
+            </a:pPr>
+            <a:r>
+              <a:rPr lang="en-SG" sz="1100" dirty="0"/>
+              <a:t>    </a:t>
+            </a:r>
+            <a:r>
+              <a:rPr lang="en-SG" sz="1100" dirty="0" err="1"/>
+              <a:t>EndpointHtmlRenderer.PrerenderPersistedStateAsync</a:t>
+            </a:r>
+            <a:r>
+              <a:rPr lang="en-SG" sz="1100" dirty="0"/>
+              <a:t> -&gt; </a:t>
+            </a:r>
+          </a:p>
+          <a:p>
+            <a:pPr marL="0" indent="0">
+              <a:buNone/>
+            </a:pPr>
+            <a:r>
+              <a:rPr lang="en-SG" sz="1100" dirty="0"/>
+              <a:t>        return </a:t>
+            </a:r>
+            <a:r>
+              <a:rPr lang="en-SG" sz="1100" dirty="0" err="1"/>
+              <a:t>ComponentStateHtmlContent</a:t>
+            </a:r>
+            <a:r>
+              <a:rPr lang="en-SG" sz="1100" dirty="0"/>
+              <a:t> with different </a:t>
+            </a:r>
+            <a:r>
+              <a:rPr lang="en-SG" sz="1100" b="1" dirty="0" err="1"/>
+              <a:t>PrerenderComponentApplicationStore</a:t>
+            </a:r>
+            <a:endParaRPr lang="en-SG" sz="1100" b="1" dirty="0"/>
+          </a:p>
+          <a:p>
+            <a:pPr marL="0" indent="0">
+              <a:buNone/>
+            </a:pPr>
+            <a:r>
+              <a:rPr lang="en-SG" sz="1100" dirty="0"/>
+              <a:t>    </a:t>
+            </a:r>
+          </a:p>
+          <a:p>
+            <a:pPr marL="0" indent="0">
+              <a:buNone/>
+            </a:pPr>
+            <a:r>
+              <a:rPr lang="en-SG" sz="1100" dirty="0"/>
+              <a:t>Write by </a:t>
+            </a:r>
+            <a:r>
+              <a:rPr lang="en-SG" sz="1100" dirty="0" err="1"/>
+              <a:t>HttpResponseStreamWriter</a:t>
+            </a:r>
+            <a:endParaRPr lang="en-SG" sz="1100" dirty="0"/>
+          </a:p>
+        </p:txBody>
+      </p:sp>
+      <p:sp>
+        <p:nvSpPr>
+          <p:cNvPr id="4" name="TextBox 3">
+            <a:extLst>
+              <a:ext uri="{FF2B5EF4-FFF2-40B4-BE49-F238E27FC236}">
+                <a16:creationId xmlns:a16="http://schemas.microsoft.com/office/drawing/2014/main" id="{5058DBD1-6568-DCFE-6947-5003A755FA78}"/>
+              </a:ext>
+            </a:extLst>
+          </p:cNvPr>
+          <p:cNvSpPr txBox="1"/>
+          <p:nvPr/>
+        </p:nvSpPr>
+        <p:spPr>
+          <a:xfrm>
+            <a:off x="691079" y="2354347"/>
+            <a:ext cx="1865690" cy="369332"/>
+          </a:xfrm>
+          <a:prstGeom prst="rect">
+            <a:avLst/>
+          </a:prstGeom>
+          <a:noFill/>
+        </p:spPr>
+        <p:txBody>
+          <a:bodyPr wrap="square">
+            <a:spAutoFit/>
+          </a:bodyPr>
+          <a:lstStyle/>
+          <a:p>
+            <a:r>
+              <a:rPr lang="en-SG" dirty="0"/>
+              <a:t>Render Mode</a:t>
+            </a:r>
+          </a:p>
+        </p:txBody>
+      </p:sp>
+    </p:spTree>
+    <p:extLst>
+      <p:ext uri="{BB962C8B-B14F-4D97-AF65-F5344CB8AC3E}">
+        <p14:creationId xmlns:p14="http://schemas.microsoft.com/office/powerpoint/2010/main" val="1329779241"/>
+      </p:ext>
+    </p:extLst>
+  </p:cSld>
+  <p:clrMapOvr>
+    <a:masterClrMapping/>
+  </p:clrMapOvr>
+</p:sld>
+</file>
+
+<file path=ppt/slides/slide11.xml><?xml version="1.0" encoding="utf-8"?>
+<p:sld xmlns:a="http://schemas.openxmlformats.org/drawingml/2006/main" xmlns:r="http://schemas.openxmlformats.org/officeDocument/2006/relationships" xmlns:p="http://schemas.openxmlformats.org/presentationml/2006/main">
+  <p:cSld>
+    <p:spTree>
+      <p:nvGrpSpPr>
+        <p:cNvPr id="1" name=""/>
+        <p:cNvGrpSpPr/>
+        <p:nvPr/>
+      </p:nvGrpSpPr>
+      <p:grpSpPr>
+        <a:xfrm>
+          <a:off x="0" y="0"/>
+          <a:ext cx="0" cy="0"/>
+          <a:chOff x="0" y="0"/>
+          <a:chExt cx="0" cy="0"/>
+        </a:xfrm>
+      </p:grpSpPr>
+      <p:sp>
+        <p:nvSpPr>
+          <p:cNvPr id="2" name="Title 1">
+            <a:extLst>
+              <a:ext uri="{FF2B5EF4-FFF2-40B4-BE49-F238E27FC236}">
+                <a16:creationId xmlns:a16="http://schemas.microsoft.com/office/drawing/2014/main" id="{0FFCBED8-BB7A-EC5A-FA1B-4FBC962CE316}"/>
+              </a:ext>
+            </a:extLst>
+          </p:cNvPr>
+          <p:cNvSpPr>
+            <a:spLocks noGrp="1"/>
+          </p:cNvSpPr>
+          <p:nvPr>
+            <p:ph type="title"/>
+          </p:nvPr>
+        </p:nvSpPr>
+        <p:spPr/>
+        <p:txBody>
+          <a:bodyPr/>
+          <a:lstStyle/>
+          <a:p>
+            <a:r>
+              <a:rPr lang="en-US" altLang="zh-CN" sz="4400" dirty="0" err="1"/>
+              <a:t>Blazor</a:t>
+            </a:r>
+            <a:r>
+              <a:rPr lang="en-US" altLang="zh-CN" sz="4400" dirty="0"/>
+              <a:t> Web App</a:t>
+            </a:r>
+            <a:endParaRPr lang="en-SG" dirty="0"/>
+          </a:p>
+        </p:txBody>
+      </p:sp>
+      <p:sp>
+        <p:nvSpPr>
+          <p:cNvPr id="3" name="Content Placeholder 2">
+            <a:extLst>
+              <a:ext uri="{FF2B5EF4-FFF2-40B4-BE49-F238E27FC236}">
+                <a16:creationId xmlns:a16="http://schemas.microsoft.com/office/drawing/2014/main" id="{7979257D-74B9-76CA-B0B9-BEF5A29BF8C2}"/>
+              </a:ext>
+            </a:extLst>
+          </p:cNvPr>
+          <p:cNvSpPr>
+            <a:spLocks noGrp="1"/>
+          </p:cNvSpPr>
+          <p:nvPr>
+            <p:ph idx="1"/>
+          </p:nvPr>
+        </p:nvSpPr>
+        <p:spPr/>
+        <p:txBody>
+          <a:bodyPr>
+            <a:normAutofit fontScale="92500" lnSpcReduction="10000"/>
+          </a:bodyPr>
+          <a:lstStyle/>
+          <a:p>
+            <a:pPr marL="0" indent="0">
+              <a:buNone/>
+            </a:pPr>
+            <a:r>
+              <a:rPr lang="en-SG" sz="1200" b="1" dirty="0"/>
+              <a:t>Create Component:</a:t>
+            </a:r>
+          </a:p>
+          <a:p>
+            <a:pPr marL="0" indent="0">
+              <a:buNone/>
+            </a:pPr>
+            <a:r>
+              <a:rPr lang="en-SG" sz="1200" dirty="0" err="1"/>
+              <a:t>ComponentFactory.cs</a:t>
+            </a:r>
+            <a:endParaRPr lang="en-SG" sz="1200" dirty="0"/>
+          </a:p>
+          <a:p>
+            <a:pPr marL="0" indent="0">
+              <a:buNone/>
+            </a:pPr>
+            <a:r>
+              <a:rPr lang="en-SG" sz="1200" dirty="0"/>
+              <a:t>  </a:t>
+            </a:r>
+            <a:r>
+              <a:rPr lang="en-SG" sz="1200" dirty="0" err="1"/>
+              <a:t>ComponentFactory.InstantiateComponent</a:t>
+            </a:r>
+            <a:endParaRPr lang="en-SG" sz="1200" dirty="0"/>
+          </a:p>
+          <a:p>
+            <a:pPr marL="0" indent="0">
+              <a:buNone/>
+            </a:pPr>
+            <a:r>
+              <a:rPr lang="en-SG" sz="1200" dirty="0"/>
+              <a:t>    </a:t>
+            </a:r>
+            <a:r>
+              <a:rPr lang="en-SG" sz="1200" b="1" dirty="0" err="1">
+                <a:solidFill>
+                  <a:srgbClr val="FF0000"/>
+                </a:solidFill>
+              </a:rPr>
+              <a:t>Renderer.ResolveComponentForRenderMode</a:t>
+            </a:r>
+            <a:r>
+              <a:rPr lang="en-SG" sz="1200" b="1" dirty="0">
+                <a:solidFill>
+                  <a:srgbClr val="FF0000"/>
+                </a:solidFill>
+              </a:rPr>
+              <a:t> </a:t>
+            </a:r>
+            <a:r>
+              <a:rPr lang="en-SG" sz="1200" dirty="0">
+                <a:solidFill>
+                  <a:srgbClr val="FF0000"/>
+                </a:solidFill>
+              </a:rPr>
+              <a:t>-&gt; override by </a:t>
+            </a:r>
+            <a:r>
+              <a:rPr lang="en-SG" sz="1200" b="1" dirty="0" err="1">
+                <a:solidFill>
+                  <a:srgbClr val="FF0000"/>
+                </a:solidFill>
+              </a:rPr>
+              <a:t>EndpointHtmlRenderer</a:t>
+            </a:r>
+            <a:r>
+              <a:rPr lang="en-SG" sz="1200" b="1" dirty="0">
+                <a:solidFill>
+                  <a:srgbClr val="FF0000"/>
+                </a:solidFill>
+              </a:rPr>
+              <a:t>/</a:t>
+            </a:r>
+            <a:r>
+              <a:rPr lang="en-SG" sz="1200" b="1" dirty="0" err="1">
+                <a:solidFill>
+                  <a:srgbClr val="FF0000"/>
+                </a:solidFill>
+              </a:rPr>
+              <a:t>WebAssemblyRenderer</a:t>
+            </a:r>
+            <a:r>
+              <a:rPr lang="en-SG" sz="1200" b="1" dirty="0">
+                <a:solidFill>
+                  <a:srgbClr val="FF0000"/>
+                </a:solidFill>
+              </a:rPr>
+              <a:t> : </a:t>
+            </a:r>
+            <a:r>
+              <a:rPr lang="en-SG" sz="1200" b="1" dirty="0" err="1">
+                <a:solidFill>
+                  <a:srgbClr val="FF0000"/>
+                </a:solidFill>
+              </a:rPr>
+              <a:t>WebRenderer</a:t>
+            </a:r>
+            <a:r>
+              <a:rPr lang="en-SG" sz="1200" b="1" dirty="0">
+                <a:solidFill>
+                  <a:srgbClr val="FF0000"/>
+                </a:solidFill>
+              </a:rPr>
+              <a:t> / </a:t>
+            </a:r>
+            <a:r>
+              <a:rPr lang="en-SG" sz="1200" b="1" dirty="0" err="1">
+                <a:solidFill>
+                  <a:srgbClr val="FF0000"/>
+                </a:solidFill>
+              </a:rPr>
+              <a:t>RemoteRenderer</a:t>
+            </a:r>
+            <a:r>
+              <a:rPr lang="en-SG" sz="1200" b="1" dirty="0">
+                <a:solidFill>
+                  <a:srgbClr val="FF0000"/>
+                </a:solidFill>
+              </a:rPr>
+              <a:t> : </a:t>
+            </a:r>
+            <a:r>
+              <a:rPr lang="en-SG" sz="1200" b="1" dirty="0" err="1">
+                <a:solidFill>
+                  <a:srgbClr val="FF0000"/>
+                </a:solidFill>
+              </a:rPr>
+              <a:t>WebRenderer</a:t>
+            </a:r>
+            <a:endParaRPr lang="en-SG" sz="1200" b="1" dirty="0">
+              <a:solidFill>
+                <a:srgbClr val="FF0000"/>
+              </a:solidFill>
+            </a:endParaRPr>
+          </a:p>
+          <a:p>
+            <a:pPr marL="0" indent="0">
+              <a:buNone/>
+            </a:pPr>
+            <a:r>
+              <a:rPr lang="en-SG" sz="1200" dirty="0"/>
+              <a:t>      -&gt;</a:t>
+            </a:r>
+            <a:r>
+              <a:rPr lang="en-SG" sz="1200" dirty="0" err="1"/>
+              <a:t>IComponentActivator.CreateInstance</a:t>
+            </a:r>
+            <a:r>
+              <a:rPr lang="en-SG" sz="1200" dirty="0"/>
+              <a:t> -&gt;Implement by </a:t>
+            </a:r>
+            <a:r>
+              <a:rPr lang="en-SG" sz="1200" dirty="0" err="1"/>
+              <a:t>DefaultComponentActivator</a:t>
+            </a:r>
+            <a:r>
+              <a:rPr lang="en-SG" sz="1200" dirty="0"/>
+              <a:t> </a:t>
+            </a:r>
+          </a:p>
+          <a:p>
+            <a:pPr marL="0" indent="0">
+              <a:buNone/>
+            </a:pPr>
+            <a:r>
+              <a:rPr lang="en-SG" sz="1200" dirty="0"/>
+              <a:t>      -&gt;</a:t>
+            </a:r>
+            <a:r>
+              <a:rPr lang="en-SG" sz="1200" dirty="0" err="1"/>
+              <a:t>PrerenderPersistedStateAsync</a:t>
+            </a:r>
+            <a:endParaRPr lang="en-SG" sz="1200" dirty="0"/>
+          </a:p>
+          <a:p>
+            <a:pPr marL="0" indent="0">
+              <a:buNone/>
+            </a:pPr>
+            <a:endParaRPr lang="en-SG" sz="1100" dirty="0"/>
+          </a:p>
+          <a:p>
+            <a:pPr marL="0" indent="0">
+              <a:buNone/>
+            </a:pPr>
+            <a:endParaRPr lang="en-SG" sz="1100" dirty="0"/>
+          </a:p>
+          <a:p>
+            <a:pPr marL="0" indent="0">
+              <a:buNone/>
+            </a:pPr>
+            <a:r>
+              <a:rPr lang="en-SG" sz="1100" dirty="0" err="1"/>
+              <a:t>RazorComponentEndpointInvoker.RenderComponentCore</a:t>
+            </a:r>
+            <a:r>
+              <a:rPr lang="en-SG" sz="1100" dirty="0"/>
+              <a:t> -&gt;</a:t>
+            </a:r>
+          </a:p>
+          <a:p>
+            <a:pPr marL="0" indent="0">
+              <a:buNone/>
+            </a:pPr>
+            <a:r>
+              <a:rPr lang="en-SG" sz="1100" dirty="0"/>
+              <a:t>  </a:t>
+            </a:r>
+            <a:r>
+              <a:rPr lang="en-SG" sz="1100" dirty="0" err="1"/>
+              <a:t>EndpointHtmlRenderer.RenderEndpointComponent</a:t>
+            </a:r>
+            <a:r>
+              <a:rPr lang="en-SG" sz="1100" dirty="0"/>
+              <a:t>-&gt;</a:t>
+            </a:r>
+          </a:p>
+          <a:p>
+            <a:pPr marL="0" indent="0">
+              <a:buNone/>
+            </a:pPr>
+            <a:r>
+              <a:rPr lang="en-SG" sz="1100" dirty="0"/>
+              <a:t>  </a:t>
+            </a:r>
+          </a:p>
+          <a:p>
+            <a:pPr marL="0" indent="0">
+              <a:buNone/>
+            </a:pPr>
+            <a:r>
+              <a:rPr lang="en-SG" sz="1100" dirty="0"/>
+              <a:t>…-&gt; </a:t>
+            </a:r>
+            <a:r>
+              <a:rPr lang="en-SG" sz="1100" dirty="0" err="1"/>
+              <a:t>ComponmentFactory.InstantiateComponent</a:t>
+            </a:r>
+            <a:endParaRPr lang="en-SG" sz="1100" dirty="0"/>
+          </a:p>
+          <a:p>
+            <a:pPr marL="0" indent="0">
+              <a:buNone/>
+            </a:pPr>
+            <a:endParaRPr lang="en-SG" sz="1000" dirty="0"/>
+          </a:p>
+        </p:txBody>
+      </p:sp>
+    </p:spTree>
+    <p:extLst>
+      <p:ext uri="{BB962C8B-B14F-4D97-AF65-F5344CB8AC3E}">
+        <p14:creationId xmlns:p14="http://schemas.microsoft.com/office/powerpoint/2010/main" val="3457719316"/>
+      </p:ext>
+    </p:extLst>
+  </p:cSld>
+  <p:clrMapOvr>
+    <a:masterClrMapping/>
+  </p:clrMapOvr>
+</p:sld>
+</file>
+
+<file path=ppt/slides/slide12.xml><?xml version="1.0" encoding="utf-8"?>
+<p:sld xmlns:a="http://schemas.openxmlformats.org/drawingml/2006/main" xmlns:r="http://schemas.openxmlformats.org/officeDocument/2006/relationships" xmlns:p="http://schemas.openxmlformats.org/presentationml/2006/main">
+  <p:cSld>
+    <p:spTree>
+      <p:nvGrpSpPr>
+        <p:cNvPr id="1" name=""/>
+        <p:cNvGrpSpPr/>
+        <p:nvPr/>
+      </p:nvGrpSpPr>
+      <p:grpSpPr>
+        <a:xfrm>
+          <a:off x="0" y="0"/>
+          <a:ext cx="0" cy="0"/>
+          <a:chOff x="0" y="0"/>
+          <a:chExt cx="0" cy="0"/>
+        </a:xfrm>
+      </p:grpSpPr>
+      <p:sp>
+        <p:nvSpPr>
+          <p:cNvPr id="2" name="Title 1">
+            <a:extLst>
+              <a:ext uri="{FF2B5EF4-FFF2-40B4-BE49-F238E27FC236}">
                 <a16:creationId xmlns:a16="http://schemas.microsoft.com/office/drawing/2014/main" id="{6AEED449-1CBF-093F-CB5F-373C08811612}"/>
               </a:ext>
             </a:extLst>
@@ -16157,7 +16833,7 @@
 </p:sld>
 </file>
 
-<file path=ppt/slides/slide11.xml><?xml version="1.0" encoding="utf-8"?>
+<file path=ppt/slides/slide13.xml><?xml version="1.0" encoding="utf-8"?>
 <p:sld xmlns:a="http://schemas.openxmlformats.org/drawingml/2006/main" xmlns:r="http://schemas.openxmlformats.org/officeDocument/2006/relationships" xmlns:p="http://schemas.openxmlformats.org/presentationml/2006/main">
   <p:cSld>
     <p:spTree>
@@ -16508,7 +17184,7 @@
 </p:sld>
 </file>
 
-<file path=ppt/slides/slide12.xml><?xml version="1.0" encoding="utf-8"?>
+<file path=ppt/slides/slide14.xml><?xml version="1.0" encoding="utf-8"?>
 <p:sld xmlns:a="http://schemas.openxmlformats.org/drawingml/2006/main" xmlns:r="http://schemas.openxmlformats.org/officeDocument/2006/relationships" xmlns:p="http://schemas.openxmlformats.org/presentationml/2006/main">
   <p:cSld>
     <p:spTree>
@@ -16641,7 +17317,7 @@
 </p:sld>
 </file>
 
-<file path=ppt/slides/slide13.xml><?xml version="1.0" encoding="utf-8"?>
+<file path=ppt/slides/slide15.xml><?xml version="1.0" encoding="utf-8"?>
 <p:sld xmlns:a="http://schemas.openxmlformats.org/drawingml/2006/main" xmlns:r="http://schemas.openxmlformats.org/officeDocument/2006/relationships" xmlns:p="http://schemas.openxmlformats.org/presentationml/2006/main">
   <p:cSld>
     <p:spTree>
@@ -16742,7 +17418,7 @@
 </p:sld>
 </file>
 
-<file path=ppt/slides/slide14.xml><?xml version="1.0" encoding="utf-8"?>
+<file path=ppt/slides/slide16.xml><?xml version="1.0" encoding="utf-8"?>
 <p:sld xmlns:a="http://schemas.openxmlformats.org/drawingml/2006/main" xmlns:r="http://schemas.openxmlformats.org/officeDocument/2006/relationships" xmlns:p="http://schemas.openxmlformats.org/presentationml/2006/main">
   <p:cSld>
     <p:spTree>
@@ -16843,7 +17519,7 @@
 </p:sld>
 </file>
 
-<file path=ppt/slides/slide15.xml><?xml version="1.0" encoding="utf-8"?>
+<file path=ppt/slides/slide17.xml><?xml version="1.0" encoding="utf-8"?>
 <p:sld xmlns:a="http://schemas.openxmlformats.org/drawingml/2006/main" xmlns:r="http://schemas.openxmlformats.org/officeDocument/2006/relationships" xmlns:p="http://schemas.openxmlformats.org/presentationml/2006/main">
   <p:cSld>
     <p:spTree>
@@ -16903,7 +17579,7 @@
 </p:sld>
 </file>
 
-<file path=ppt/slides/slide16.xml><?xml version="1.0" encoding="utf-8"?>
+<file path=ppt/slides/slide18.xml><?xml version="1.0" encoding="utf-8"?>
 <p:sld xmlns:a="http://schemas.openxmlformats.org/drawingml/2006/main" xmlns:r="http://schemas.openxmlformats.org/officeDocument/2006/relationships" xmlns:p="http://schemas.openxmlformats.org/presentationml/2006/main">
   <p:cSld>
     <p:bg>
@@ -19082,7 +19758,7 @@
 </p:sld>
 </file>
 
-<file path=ppt/slides/slide17.xml><?xml version="1.0" encoding="utf-8"?>
+<file path=ppt/slides/slide19.xml><?xml version="1.0" encoding="utf-8"?>
 <p:sld xmlns:a="http://schemas.openxmlformats.org/drawingml/2006/main" xmlns:r="http://schemas.openxmlformats.org/officeDocument/2006/relationships" xmlns:p="http://schemas.openxmlformats.org/presentationml/2006/main">
   <p:cSld>
     <p:spTree>
@@ -19169,685 +19845,6 @@
     <p:extLst>
       <p:ext uri="{BB962C8B-B14F-4D97-AF65-F5344CB8AC3E}">
         <p14:creationId xmlns:p14="http://schemas.microsoft.com/office/powerpoint/2010/main" val="3252261310"/>
-      </p:ext>
-    </p:extLst>
-  </p:cSld>
-  <p:clrMapOvr>
-    <a:masterClrMapping/>
-  </p:clrMapOvr>
-</p:sld>
-</file>
-
-<file path=ppt/slides/slide18.xml><?xml version="1.0" encoding="utf-8"?>
-<p:sld xmlns:a="http://schemas.openxmlformats.org/drawingml/2006/main" xmlns:r="http://schemas.openxmlformats.org/officeDocument/2006/relationships" xmlns:p="http://schemas.openxmlformats.org/presentationml/2006/main">
-  <p:cSld>
-    <p:spTree>
-      <p:nvGrpSpPr>
-        <p:cNvPr id="1" name=""/>
-        <p:cNvGrpSpPr/>
-        <p:nvPr/>
-      </p:nvGrpSpPr>
-      <p:grpSpPr>
-        <a:xfrm>
-          <a:off x="0" y="0"/>
-          <a:ext cx="0" cy="0"/>
-          <a:chOff x="0" y="0"/>
-          <a:chExt cx="0" cy="0"/>
-        </a:xfrm>
-      </p:grpSpPr>
-      <p:pic>
-        <p:nvPicPr>
-          <p:cNvPr id="5" name="Picture 4">
-            <a:extLst>
-              <a:ext uri="{FF2B5EF4-FFF2-40B4-BE49-F238E27FC236}">
-                <a16:creationId xmlns:a16="http://schemas.microsoft.com/office/drawing/2014/main" id="{0B27BF56-57AF-8E9A-8851-A1A81DF81FDB}"/>
-              </a:ext>
-            </a:extLst>
-          </p:cNvPr>
-          <p:cNvPicPr>
-            <a:picLocks noChangeAspect="1"/>
-          </p:cNvPicPr>
-          <p:nvPr/>
-        </p:nvPicPr>
-        <p:blipFill>
-          <a:blip r:embed="rId2"/>
-          <a:stretch>
-            <a:fillRect/>
-          </a:stretch>
-        </p:blipFill>
-        <p:spPr>
-          <a:xfrm>
-            <a:off x="862919" y="960811"/>
-            <a:ext cx="10671856" cy="5897189"/>
-          </a:xfrm>
-          <a:prstGeom prst="rect">
-            <a:avLst/>
-          </a:prstGeom>
-        </p:spPr>
-      </p:pic>
-    </p:spTree>
-    <p:extLst>
-      <p:ext uri="{BB962C8B-B14F-4D97-AF65-F5344CB8AC3E}">
-        <p14:creationId xmlns:p14="http://schemas.microsoft.com/office/powerpoint/2010/main" val="1545254820"/>
-      </p:ext>
-    </p:extLst>
-  </p:cSld>
-  <p:clrMapOvr>
-    <a:masterClrMapping/>
-  </p:clrMapOvr>
-</p:sld>
-</file>
-
-<file path=ppt/slides/slide19.xml><?xml version="1.0" encoding="utf-8"?>
-<p:sld xmlns:a="http://schemas.openxmlformats.org/drawingml/2006/main" xmlns:r="http://schemas.openxmlformats.org/officeDocument/2006/relationships" xmlns:p="http://schemas.openxmlformats.org/presentationml/2006/main">
-  <p:cSld>
-    <p:spTree>
-      <p:nvGrpSpPr>
-        <p:cNvPr id="1" name=""/>
-        <p:cNvGrpSpPr/>
-        <p:nvPr/>
-      </p:nvGrpSpPr>
-      <p:grpSpPr>
-        <a:xfrm>
-          <a:off x="0" y="0"/>
-          <a:ext cx="0" cy="0"/>
-          <a:chOff x="0" y="0"/>
-          <a:chExt cx="0" cy="0"/>
-        </a:xfrm>
-      </p:grpSpPr>
-      <p:sp>
-        <p:nvSpPr>
-          <p:cNvPr id="2" name="Title 1">
-            <a:extLst>
-              <a:ext uri="{FF2B5EF4-FFF2-40B4-BE49-F238E27FC236}">
-                <a16:creationId xmlns:a16="http://schemas.microsoft.com/office/drawing/2014/main" id="{EEA75E0B-638A-67E1-9D08-3A7CEBAD1A6B}"/>
-              </a:ext>
-            </a:extLst>
-          </p:cNvPr>
-          <p:cNvSpPr>
-            <a:spLocks noGrp="1"/>
-          </p:cNvSpPr>
-          <p:nvPr>
-            <p:ph type="title"/>
-          </p:nvPr>
-        </p:nvSpPr>
-        <p:spPr>
-          <a:xfrm>
-            <a:off x="673324" y="752584"/>
-            <a:ext cx="10325000" cy="1442463"/>
-          </a:xfrm>
-        </p:spPr>
-        <p:txBody>
-          <a:bodyPr/>
-          <a:lstStyle/>
-          <a:p>
-            <a:r>
-              <a:rPr lang="en-SG" dirty="0"/>
-              <a:t>Life Cycle</a:t>
-            </a:r>
-          </a:p>
-        </p:txBody>
-      </p:sp>
-      <p:graphicFrame>
-        <p:nvGraphicFramePr>
-          <p:cNvPr id="5" name="Table 5">
-            <a:extLst>
-              <a:ext uri="{FF2B5EF4-FFF2-40B4-BE49-F238E27FC236}">
-                <a16:creationId xmlns:a16="http://schemas.microsoft.com/office/drawing/2014/main" id="{37C4DA37-75AA-A273-63C2-1A775723834B}"/>
-              </a:ext>
-            </a:extLst>
-          </p:cNvPr>
-          <p:cNvGraphicFramePr>
-            <a:graphicFrameLocks noGrp="1"/>
-          </p:cNvGraphicFramePr>
-          <p:nvPr>
-            <p:ph idx="1"/>
-            <p:extLst>
-              <p:ext uri="{D42A27DB-BD31-4B8C-83A1-F6EECF244321}">
-                <p14:modId xmlns:p14="http://schemas.microsoft.com/office/powerpoint/2010/main" val="202082669"/>
-              </p:ext>
-            </p:extLst>
-          </p:nvPr>
-        </p:nvGraphicFramePr>
-        <p:xfrm>
-          <a:off x="670365" y="2843887"/>
-          <a:ext cx="11119181" cy="3520573"/>
-        </p:xfrm>
-        <a:graphic>
-          <a:graphicData uri="http://schemas.openxmlformats.org/drawingml/2006/table">
-            <a:tbl>
-              <a:tblPr firstRow="1" bandRow="1">
-                <a:tableStyleId>{5C22544A-7EE6-4342-B048-85BDC9FD1C3A}</a:tableStyleId>
-              </a:tblPr>
-              <a:tblGrid>
-                <a:gridCol w="3244687">
-                  <a:extLst>
-                    <a:ext uri="{9D8B030D-6E8A-4147-A177-3AD203B41FA5}">
-                      <a16:colId xmlns:a16="http://schemas.microsoft.com/office/drawing/2014/main" val="2249743438"/>
-                    </a:ext>
-                  </a:extLst>
-                </a:gridCol>
-                <a:gridCol w="2681057">
-                  <a:extLst>
-                    <a:ext uri="{9D8B030D-6E8A-4147-A177-3AD203B41FA5}">
-                      <a16:colId xmlns:a16="http://schemas.microsoft.com/office/drawing/2014/main" val="244086357"/>
-                    </a:ext>
-                  </a:extLst>
-                </a:gridCol>
-                <a:gridCol w="2725444">
-                  <a:extLst>
-                    <a:ext uri="{9D8B030D-6E8A-4147-A177-3AD203B41FA5}">
-                      <a16:colId xmlns:a16="http://schemas.microsoft.com/office/drawing/2014/main" val="3265164950"/>
-                    </a:ext>
-                  </a:extLst>
-                </a:gridCol>
-                <a:gridCol w="2467993">
-                  <a:extLst>
-                    <a:ext uri="{9D8B030D-6E8A-4147-A177-3AD203B41FA5}">
-                      <a16:colId xmlns:a16="http://schemas.microsoft.com/office/drawing/2014/main" val="239806093"/>
-                    </a:ext>
-                  </a:extLst>
-                </a:gridCol>
-              </a:tblGrid>
-              <a:tr h="0">
-                <a:tc>
-                  <a:txBody>
-                    <a:bodyPr/>
-                    <a:lstStyle/>
-                    <a:p>
-                      <a:r>
-                        <a:rPr lang="en-SG" sz="1600" dirty="0" err="1"/>
-                        <a:t>Blazor</a:t>
-                      </a:r>
-                      <a:r>
-                        <a:rPr lang="en-SG" sz="1600" dirty="0"/>
-                        <a:t> Server/WebAssembly </a:t>
-                      </a:r>
-                    </a:p>
-                    <a:p>
-                      <a:r>
-                        <a:rPr lang="en-SG" sz="1600" dirty="0" err="1"/>
-                        <a:t>.net</a:t>
-                      </a:r>
-                      <a:r>
-                        <a:rPr lang="en-SG" sz="1600" dirty="0"/>
-                        <a:t> 6.0/8.0</a:t>
-                      </a:r>
-                    </a:p>
-                  </a:txBody>
-                  <a:tcPr/>
-                </a:tc>
-                <a:tc>
-                  <a:txBody>
-                    <a:bodyPr/>
-                    <a:lstStyle/>
-                    <a:p>
-                      <a:r>
-                        <a:rPr lang="nl-NL" sz="1600" dirty="0"/>
-                        <a:t>Blazor Web .net 8.0</a:t>
-                      </a:r>
-                      <a:endParaRPr lang="en-SG" sz="1600" dirty="0"/>
-                    </a:p>
-                  </a:txBody>
-                  <a:tcPr/>
-                </a:tc>
-                <a:tc>
-                  <a:txBody>
-                    <a:bodyPr/>
-                    <a:lstStyle/>
-                    <a:p>
-                      <a:r>
-                        <a:rPr lang="en-SG" sz="1600" dirty="0" err="1"/>
-                        <a:t>Blazor</a:t>
-                      </a:r>
-                      <a:r>
-                        <a:rPr lang="en-SG" sz="1600" dirty="0"/>
-                        <a:t> Web WebAssembly </a:t>
-                      </a:r>
-                    </a:p>
-                    <a:p>
-                      <a:r>
-                        <a:rPr lang="en-SG" sz="1600" dirty="0" err="1"/>
-                        <a:t>.net</a:t>
-                      </a:r>
-                      <a:r>
-                        <a:rPr lang="en-SG" sz="1600" dirty="0"/>
-                        <a:t> 8.0</a:t>
-                      </a:r>
-                    </a:p>
-                  </a:txBody>
-                  <a:tcPr/>
-                </a:tc>
-                <a:tc>
-                  <a:txBody>
-                    <a:bodyPr/>
-                    <a:lstStyle/>
-                    <a:p>
-                      <a:r>
-                        <a:rPr lang="nl-NL" sz="1600" dirty="0"/>
-                        <a:t>Blazor Web Static </a:t>
-                      </a:r>
-                    </a:p>
-                    <a:p>
-                      <a:r>
-                        <a:rPr lang="nl-NL" sz="1600" dirty="0"/>
-                        <a:t>.net 8.0</a:t>
-                      </a:r>
-                      <a:endParaRPr lang="en-SG" sz="1600" dirty="0"/>
-                    </a:p>
-                  </a:txBody>
-                  <a:tcPr/>
-                </a:tc>
-                <a:extLst>
-                  <a:ext uri="{0D108BD9-81ED-4DB2-BD59-A6C34878D82A}">
-                    <a16:rowId xmlns:a16="http://schemas.microsoft.com/office/drawing/2014/main" val="1314232258"/>
-                  </a:ext>
-                </a:extLst>
-              </a:tr>
-              <a:tr h="2941453">
-                <a:tc>
-                  <a:txBody>
-                    <a:bodyPr/>
-                    <a:lstStyle/>
-                    <a:p>
-                      <a:r>
-                        <a:rPr lang="en-SG" sz="1200" dirty="0" err="1"/>
-                        <a:t>SetParametersAsync</a:t>
-                      </a:r>
-                      <a:r>
-                        <a:rPr lang="en-SG" sz="1200" dirty="0"/>
-                        <a:t> - Begin</a:t>
-                      </a:r>
-                    </a:p>
-                    <a:p>
-                      <a:r>
-                        <a:rPr lang="en-SG" sz="1200" dirty="0" err="1"/>
-                        <a:t>OnInitialized</a:t>
-                      </a:r>
-                      <a:endParaRPr lang="en-SG" sz="1200" dirty="0"/>
-                    </a:p>
-                    <a:p>
-                      <a:r>
-                        <a:rPr lang="en-SG" sz="1200" dirty="0"/>
-                        <a:t>OnInitializedAsync</a:t>
-                      </a:r>
-                    </a:p>
-                    <a:p>
-                      <a:r>
-                        <a:rPr lang="en-SG" sz="1200" dirty="0" err="1"/>
-                        <a:t>OnParametersSet</a:t>
-                      </a:r>
-                      <a:endParaRPr lang="en-SG" sz="1200" dirty="0"/>
-                    </a:p>
-                    <a:p>
-                      <a:r>
-                        <a:rPr lang="en-SG" sz="1200" dirty="0" err="1"/>
-                        <a:t>OnParametersSetAsync</a:t>
-                      </a:r>
-                      <a:endParaRPr lang="en-SG" sz="1200" dirty="0"/>
-                    </a:p>
-                    <a:p>
-                      <a:r>
-                        <a:rPr lang="en-SG" sz="1200" dirty="0" err="1"/>
-                        <a:t>SetParametersAsync</a:t>
-                      </a:r>
-                      <a:r>
-                        <a:rPr lang="en-SG" sz="1200" dirty="0"/>
-                        <a:t> - End</a:t>
-                      </a:r>
-                    </a:p>
-                  </a:txBody>
-                  <a:tcPr/>
-                </a:tc>
-                <a:tc>
-                  <a:txBody>
-                    <a:bodyPr/>
-                    <a:lstStyle/>
-                    <a:p>
-                      <a:r>
-                        <a:rPr lang="en-SG" sz="1200" dirty="0" err="1">
-                          <a:solidFill>
-                            <a:srgbClr val="FF0000"/>
-                          </a:solidFill>
-                        </a:rPr>
-                        <a:t>SetParametersAsync</a:t>
-                      </a:r>
-                      <a:r>
-                        <a:rPr lang="en-SG" sz="1200" dirty="0">
-                          <a:solidFill>
-                            <a:srgbClr val="FF0000"/>
-                          </a:solidFill>
-                        </a:rPr>
-                        <a:t> - Begin</a:t>
-                      </a:r>
-                    </a:p>
-                    <a:p>
-                      <a:r>
-                        <a:rPr lang="en-SG" sz="1200" dirty="0" err="1">
-                          <a:solidFill>
-                            <a:srgbClr val="FF0000"/>
-                          </a:solidFill>
-                        </a:rPr>
-                        <a:t>OnInitialized</a:t>
-                      </a:r>
-                      <a:endParaRPr lang="en-SG" sz="1200" dirty="0">
-                        <a:solidFill>
-                          <a:srgbClr val="FF0000"/>
-                        </a:solidFill>
-                      </a:endParaRPr>
-                    </a:p>
-                    <a:p>
-                      <a:r>
-                        <a:rPr lang="en-SG" sz="1200" dirty="0">
-                          <a:solidFill>
-                            <a:srgbClr val="FF0000"/>
-                          </a:solidFill>
-                        </a:rPr>
-                        <a:t>OnInitializedAsync</a:t>
-                      </a:r>
-                    </a:p>
-                    <a:p>
-                      <a:r>
-                        <a:rPr lang="en-SG" sz="1200" dirty="0" err="1">
-                          <a:solidFill>
-                            <a:srgbClr val="FF0000"/>
-                          </a:solidFill>
-                        </a:rPr>
-                        <a:t>OnParametersSet</a:t>
-                      </a:r>
-                      <a:endParaRPr lang="en-SG" sz="1200" dirty="0">
-                        <a:solidFill>
-                          <a:srgbClr val="FF0000"/>
-                        </a:solidFill>
-                      </a:endParaRPr>
-                    </a:p>
-                    <a:p>
-                      <a:r>
-                        <a:rPr lang="en-SG" sz="1200" dirty="0" err="1">
-                          <a:solidFill>
-                            <a:srgbClr val="FF0000"/>
-                          </a:solidFill>
-                        </a:rPr>
-                        <a:t>OnParametersSetAsync</a:t>
-                      </a:r>
-                      <a:endParaRPr lang="en-SG" sz="1200" dirty="0">
-                        <a:solidFill>
-                          <a:srgbClr val="FF0000"/>
-                        </a:solidFill>
-                      </a:endParaRPr>
-                    </a:p>
-                    <a:p>
-                      <a:r>
-                        <a:rPr lang="en-SG" sz="1200" dirty="0" err="1">
-                          <a:solidFill>
-                            <a:srgbClr val="FF0000"/>
-                          </a:solidFill>
-                        </a:rPr>
-                        <a:t>SetParametersAsync</a:t>
-                      </a:r>
-                      <a:r>
-                        <a:rPr lang="en-SG" sz="1200" dirty="0">
-                          <a:solidFill>
-                            <a:srgbClr val="FF0000"/>
-                          </a:solidFill>
-                        </a:rPr>
-                        <a:t> - End</a:t>
-                      </a:r>
-                    </a:p>
-                    <a:p>
-                      <a:r>
-                        <a:rPr lang="en-SG" sz="1200" dirty="0" err="1">
-                          <a:solidFill>
-                            <a:schemeClr val="tx1"/>
-                          </a:solidFill>
-                        </a:rPr>
-                        <a:t>SetParametersAsync</a:t>
-                      </a:r>
-                      <a:r>
-                        <a:rPr lang="en-SG" sz="1200" dirty="0">
-                          <a:solidFill>
-                            <a:schemeClr val="tx1"/>
-                          </a:solidFill>
-                        </a:rPr>
-                        <a:t> - Begin</a:t>
-                      </a:r>
-                    </a:p>
-                    <a:p>
-                      <a:r>
-                        <a:rPr lang="en-SG" sz="1200" dirty="0" err="1">
-                          <a:solidFill>
-                            <a:schemeClr val="tx1"/>
-                          </a:solidFill>
-                        </a:rPr>
-                        <a:t>OnInitialized</a:t>
-                      </a:r>
-                      <a:endParaRPr lang="en-SG" sz="1200" dirty="0">
-                        <a:solidFill>
-                          <a:schemeClr val="tx1"/>
-                        </a:solidFill>
-                      </a:endParaRPr>
-                    </a:p>
-                    <a:p>
-                      <a:r>
-                        <a:rPr lang="en-SG" sz="1200" dirty="0">
-                          <a:solidFill>
-                            <a:schemeClr val="tx1"/>
-                          </a:solidFill>
-                        </a:rPr>
-                        <a:t>OnInitializedAsync</a:t>
-                      </a:r>
-                    </a:p>
-                    <a:p>
-                      <a:r>
-                        <a:rPr lang="en-SG" sz="1200" dirty="0" err="1">
-                          <a:solidFill>
-                            <a:schemeClr val="tx1"/>
-                          </a:solidFill>
-                        </a:rPr>
-                        <a:t>OnParametersSet</a:t>
-                      </a:r>
-                      <a:endParaRPr lang="en-SG" sz="1200" dirty="0">
-                        <a:solidFill>
-                          <a:schemeClr val="tx1"/>
-                        </a:solidFill>
-                      </a:endParaRPr>
-                    </a:p>
-                    <a:p>
-                      <a:r>
-                        <a:rPr lang="en-SG" sz="1200" dirty="0" err="1">
-                          <a:solidFill>
-                            <a:schemeClr val="tx1"/>
-                          </a:solidFill>
-                        </a:rPr>
-                        <a:t>OnParametersSetAsync</a:t>
-                      </a:r>
-                      <a:endParaRPr lang="en-SG" sz="1200" dirty="0">
-                        <a:solidFill>
-                          <a:schemeClr val="tx1"/>
-                        </a:solidFill>
-                      </a:endParaRPr>
-                    </a:p>
-                    <a:p>
-                      <a:r>
-                        <a:rPr lang="en-SG" sz="1200" dirty="0" err="1">
-                          <a:solidFill>
-                            <a:schemeClr val="tx1"/>
-                          </a:solidFill>
-                        </a:rPr>
-                        <a:t>SetParametersAsync</a:t>
-                      </a:r>
-                      <a:r>
-                        <a:rPr lang="en-SG" sz="1200" dirty="0">
-                          <a:solidFill>
-                            <a:schemeClr val="tx1"/>
-                          </a:solidFill>
-                        </a:rPr>
-                        <a:t> - End</a:t>
-                      </a:r>
-                    </a:p>
-                  </a:txBody>
-                  <a:tcPr/>
-                </a:tc>
-                <a:tc>
-                  <a:txBody>
-                    <a:bodyPr/>
-                    <a:lstStyle/>
-                    <a:p>
-                      <a:r>
-                        <a:rPr lang="en-SG" sz="1200" dirty="0" err="1"/>
-                        <a:t>SetParametersAsync</a:t>
-                      </a:r>
-                      <a:r>
-                        <a:rPr lang="en-SG" sz="1200" dirty="0"/>
-                        <a:t> - Begin</a:t>
-                      </a:r>
-                    </a:p>
-                    <a:p>
-                      <a:r>
-                        <a:rPr lang="en-SG" sz="1200" dirty="0" err="1"/>
-                        <a:t>OnInitialized</a:t>
-                      </a:r>
-                      <a:endParaRPr lang="en-SG" sz="1200" dirty="0"/>
-                    </a:p>
-                    <a:p>
-                      <a:r>
-                        <a:rPr lang="en-SG" sz="1200" dirty="0"/>
-                        <a:t>OnInitializedAsync</a:t>
-                      </a:r>
-                    </a:p>
-                    <a:p>
-                      <a:r>
-                        <a:rPr lang="en-SG" sz="1200" dirty="0" err="1"/>
-                        <a:t>OnParametersSet</a:t>
-                      </a:r>
-                      <a:endParaRPr lang="en-SG" sz="1200" dirty="0"/>
-                    </a:p>
-                    <a:p>
-                      <a:r>
-                        <a:rPr lang="en-SG" sz="1200" dirty="0" err="1"/>
-                        <a:t>OnParametersSetAsync</a:t>
-                      </a:r>
-                      <a:endParaRPr lang="en-SG" sz="1200" dirty="0"/>
-                    </a:p>
-                    <a:p>
-                      <a:r>
-                        <a:rPr lang="en-SG" sz="1200" dirty="0" err="1"/>
-                        <a:t>SetParametersAsync</a:t>
-                      </a:r>
-                      <a:r>
-                        <a:rPr lang="en-SG" sz="1200" dirty="0"/>
-                        <a:t> - End</a:t>
-                      </a:r>
-                    </a:p>
-                  </a:txBody>
-                  <a:tcPr/>
-                </a:tc>
-                <a:tc>
-                  <a:txBody>
-                    <a:bodyPr/>
-                    <a:lstStyle/>
-                    <a:p>
-                      <a:r>
-                        <a:rPr lang="en-SG" sz="1200" dirty="0" err="1"/>
-                        <a:t>SetParametersAsync</a:t>
-                      </a:r>
-                      <a:r>
-                        <a:rPr lang="en-SG" sz="1200" dirty="0"/>
-                        <a:t> - Begin</a:t>
-                      </a:r>
-                    </a:p>
-                    <a:p>
-                      <a:r>
-                        <a:rPr lang="en-SG" sz="1200" dirty="0" err="1"/>
-                        <a:t>OnInitialized</a:t>
-                      </a:r>
-                      <a:endParaRPr lang="en-SG" sz="1200" dirty="0"/>
-                    </a:p>
-                    <a:p>
-                      <a:r>
-                        <a:rPr lang="en-SG" sz="1200" dirty="0"/>
-                        <a:t>OnInitializedAsync</a:t>
-                      </a:r>
-                    </a:p>
-                    <a:p>
-                      <a:r>
-                        <a:rPr lang="en-SG" sz="1200" dirty="0" err="1"/>
-                        <a:t>OnParametersSet</a:t>
-                      </a:r>
-                      <a:endParaRPr lang="en-SG" sz="1200" dirty="0"/>
-                    </a:p>
-                    <a:p>
-                      <a:r>
-                        <a:rPr lang="en-SG" sz="1200" dirty="0" err="1"/>
-                        <a:t>OnParametersSetAsync</a:t>
-                      </a:r>
-                      <a:endParaRPr lang="en-SG" sz="1200" dirty="0"/>
-                    </a:p>
-                    <a:p>
-                      <a:r>
-                        <a:rPr lang="en-SG" sz="1200" dirty="0" err="1"/>
-                        <a:t>SetParametersAsync</a:t>
-                      </a:r>
-                      <a:r>
-                        <a:rPr lang="en-SG" sz="1200" dirty="0"/>
-                        <a:t> - End</a:t>
-                      </a:r>
-                    </a:p>
-                  </a:txBody>
-                  <a:tcPr/>
-                </a:tc>
-                <a:extLst>
-                  <a:ext uri="{0D108BD9-81ED-4DB2-BD59-A6C34878D82A}">
-                    <a16:rowId xmlns:a16="http://schemas.microsoft.com/office/drawing/2014/main" val="2736259470"/>
-                  </a:ext>
-                </a:extLst>
-              </a:tr>
-            </a:tbl>
-          </a:graphicData>
-        </a:graphic>
-      </p:graphicFrame>
-      <p:sp>
-        <p:nvSpPr>
-          <p:cNvPr id="7" name="TextBox 6">
-            <a:extLst>
-              <a:ext uri="{FF2B5EF4-FFF2-40B4-BE49-F238E27FC236}">
-                <a16:creationId xmlns:a16="http://schemas.microsoft.com/office/drawing/2014/main" id="{86CBA759-440D-A2BB-127D-E9B64548322F}"/>
-              </a:ext>
-            </a:extLst>
-          </p:cNvPr>
-          <p:cNvSpPr txBox="1"/>
-          <p:nvPr/>
-        </p:nvSpPr>
-        <p:spPr>
-          <a:xfrm>
-            <a:off x="670365" y="2365578"/>
-            <a:ext cx="6116714" cy="307777"/>
-          </a:xfrm>
-          <a:prstGeom prst="rect">
-            <a:avLst/>
-          </a:prstGeom>
-          <a:noFill/>
-        </p:spPr>
-        <p:txBody>
-          <a:bodyPr wrap="square">
-            <a:spAutoFit/>
-          </a:bodyPr>
-          <a:lstStyle/>
-          <a:p>
-            <a:r>
-              <a:rPr lang="en-SG" sz="1400" dirty="0">
-                <a:hlinkClick r:id="rId2"/>
-              </a:rPr>
-              <a:t>ASP.NET Core Razor component lifecycle</a:t>
-            </a:r>
-            <a:endParaRPr lang="en-SG" sz="1400" dirty="0"/>
-          </a:p>
-        </p:txBody>
-      </p:sp>
-    </p:spTree>
-    <p:extLst>
-      <p:ext uri="{BB962C8B-B14F-4D97-AF65-F5344CB8AC3E}">
-        <p14:creationId xmlns:p14="http://schemas.microsoft.com/office/powerpoint/2010/main" val="3730226895"/>
       </p:ext>
     </p:extLst>
   </p:cSld>
@@ -22100,6 +22097,835 @@
           <a:chExt cx="0" cy="0"/>
         </a:xfrm>
       </p:grpSpPr>
+      <p:pic>
+        <p:nvPicPr>
+          <p:cNvPr id="5" name="Picture 4">
+            <a:extLst>
+              <a:ext uri="{FF2B5EF4-FFF2-40B4-BE49-F238E27FC236}">
+                <a16:creationId xmlns:a16="http://schemas.microsoft.com/office/drawing/2014/main" id="{0B27BF56-57AF-8E9A-8851-A1A81DF81FDB}"/>
+              </a:ext>
+            </a:extLst>
+          </p:cNvPr>
+          <p:cNvPicPr>
+            <a:picLocks noChangeAspect="1"/>
+          </p:cNvPicPr>
+          <p:nvPr/>
+        </p:nvPicPr>
+        <p:blipFill>
+          <a:blip r:embed="rId2"/>
+          <a:stretch>
+            <a:fillRect/>
+          </a:stretch>
+        </p:blipFill>
+        <p:spPr>
+          <a:xfrm>
+            <a:off x="862919" y="960811"/>
+            <a:ext cx="10671856" cy="5897189"/>
+          </a:xfrm>
+          <a:prstGeom prst="rect">
+            <a:avLst/>
+          </a:prstGeom>
+        </p:spPr>
+      </p:pic>
+    </p:spTree>
+    <p:extLst>
+      <p:ext uri="{BB962C8B-B14F-4D97-AF65-F5344CB8AC3E}">
+        <p14:creationId xmlns:p14="http://schemas.microsoft.com/office/powerpoint/2010/main" val="1545254820"/>
+      </p:ext>
+    </p:extLst>
+  </p:cSld>
+  <p:clrMapOvr>
+    <a:masterClrMapping/>
+  </p:clrMapOvr>
+</p:sld>
+</file>
+
+<file path=ppt/slides/slide21.xml><?xml version="1.0" encoding="utf-8"?>
+<p:sld xmlns:a="http://schemas.openxmlformats.org/drawingml/2006/main" xmlns:r="http://schemas.openxmlformats.org/officeDocument/2006/relationships" xmlns:p="http://schemas.openxmlformats.org/presentationml/2006/main">
+  <p:cSld>
+    <p:spTree>
+      <p:nvGrpSpPr>
+        <p:cNvPr id="1" name=""/>
+        <p:cNvGrpSpPr/>
+        <p:nvPr/>
+      </p:nvGrpSpPr>
+      <p:grpSpPr>
+        <a:xfrm>
+          <a:off x="0" y="0"/>
+          <a:ext cx="0" cy="0"/>
+          <a:chOff x="0" y="0"/>
+          <a:chExt cx="0" cy="0"/>
+        </a:xfrm>
+      </p:grpSpPr>
+      <p:sp>
+        <p:nvSpPr>
+          <p:cNvPr id="2" name="Title 1">
+            <a:extLst>
+              <a:ext uri="{FF2B5EF4-FFF2-40B4-BE49-F238E27FC236}">
+                <a16:creationId xmlns:a16="http://schemas.microsoft.com/office/drawing/2014/main" id="{EEA75E0B-638A-67E1-9D08-3A7CEBAD1A6B}"/>
+              </a:ext>
+            </a:extLst>
+          </p:cNvPr>
+          <p:cNvSpPr>
+            <a:spLocks noGrp="1"/>
+          </p:cNvSpPr>
+          <p:nvPr>
+            <p:ph type="title"/>
+          </p:nvPr>
+        </p:nvSpPr>
+        <p:spPr>
+          <a:xfrm>
+            <a:off x="673324" y="752584"/>
+            <a:ext cx="10325000" cy="1442463"/>
+          </a:xfrm>
+        </p:spPr>
+        <p:txBody>
+          <a:bodyPr/>
+          <a:lstStyle/>
+          <a:p>
+            <a:r>
+              <a:rPr lang="en-US" altLang="zh-CN" sz="4400" dirty="0" err="1"/>
+              <a:t>Blazor</a:t>
+            </a:r>
+            <a:r>
+              <a:rPr lang="en-US" altLang="zh-CN" sz="4400" dirty="0"/>
+              <a:t> Web </a:t>
+            </a:r>
+            <a:r>
+              <a:rPr lang="en-US" altLang="zh-CN" dirty="0"/>
+              <a:t>App</a:t>
+            </a:r>
+            <a:endParaRPr lang="en-SG" dirty="0"/>
+          </a:p>
+        </p:txBody>
+      </p:sp>
+      <p:graphicFrame>
+        <p:nvGraphicFramePr>
+          <p:cNvPr id="5" name="Table 5">
+            <a:extLst>
+              <a:ext uri="{FF2B5EF4-FFF2-40B4-BE49-F238E27FC236}">
+                <a16:creationId xmlns:a16="http://schemas.microsoft.com/office/drawing/2014/main" id="{37C4DA37-75AA-A273-63C2-1A775723834B}"/>
+              </a:ext>
+            </a:extLst>
+          </p:cNvPr>
+          <p:cNvGraphicFramePr>
+            <a:graphicFrameLocks noGrp="1"/>
+          </p:cNvGraphicFramePr>
+          <p:nvPr>
+            <p:ph idx="1"/>
+            <p:extLst>
+              <p:ext uri="{D42A27DB-BD31-4B8C-83A1-F6EECF244321}">
+                <p14:modId xmlns:p14="http://schemas.microsoft.com/office/powerpoint/2010/main" val="2667471670"/>
+              </p:ext>
+            </p:extLst>
+          </p:nvPr>
+        </p:nvGraphicFramePr>
+        <p:xfrm>
+          <a:off x="670365" y="3198993"/>
+          <a:ext cx="10941628" cy="3520573"/>
+        </p:xfrm>
+        <a:graphic>
+          <a:graphicData uri="http://schemas.openxmlformats.org/drawingml/2006/table">
+            <a:tbl>
+              <a:tblPr firstRow="1" bandRow="1">
+                <a:tableStyleId>{5C22544A-7EE6-4342-B048-85BDC9FD1C3A}</a:tableStyleId>
+              </a:tblPr>
+              <a:tblGrid>
+                <a:gridCol w="3735380">
+                  <a:extLst>
+                    <a:ext uri="{9D8B030D-6E8A-4147-A177-3AD203B41FA5}">
+                      <a16:colId xmlns:a16="http://schemas.microsoft.com/office/drawing/2014/main" val="2249743438"/>
+                    </a:ext>
+                  </a:extLst>
+                </a:gridCol>
+                <a:gridCol w="3491346">
+                  <a:extLst>
+                    <a:ext uri="{9D8B030D-6E8A-4147-A177-3AD203B41FA5}">
+                      <a16:colId xmlns:a16="http://schemas.microsoft.com/office/drawing/2014/main" val="244086357"/>
+                    </a:ext>
+                  </a:extLst>
+                </a:gridCol>
+                <a:gridCol w="3714902">
+                  <a:extLst>
+                    <a:ext uri="{9D8B030D-6E8A-4147-A177-3AD203B41FA5}">
+                      <a16:colId xmlns:a16="http://schemas.microsoft.com/office/drawing/2014/main" val="239806093"/>
+                    </a:ext>
+                  </a:extLst>
+                </a:gridCol>
+              </a:tblGrid>
+              <a:tr h="0">
+                <a:tc>
+                  <a:txBody>
+                    <a:bodyPr/>
+                    <a:lstStyle/>
+                    <a:p>
+                      <a:r>
+                        <a:rPr lang="en-SG" sz="1600" dirty="0" err="1"/>
+                        <a:t>.net</a:t>
+                      </a:r>
+                      <a:r>
+                        <a:rPr lang="en-SG" sz="1600" dirty="0"/>
+                        <a:t> 6.0/8.0  </a:t>
+                      </a:r>
+                    </a:p>
+                    <a:p>
+                      <a:r>
+                        <a:rPr lang="en-SG" sz="1600" dirty="0" err="1"/>
+                        <a:t>Blazor</a:t>
+                      </a:r>
+                      <a:r>
+                        <a:rPr lang="en-SG" sz="1600" dirty="0"/>
+                        <a:t> Server/</a:t>
+                      </a:r>
+                      <a:r>
+                        <a:rPr lang="en-SG" sz="1600" dirty="0" err="1"/>
+                        <a:t>WebAssembly</a:t>
+                      </a:r>
+                      <a:r>
+                        <a:rPr lang="en-SG" sz="1600" dirty="0"/>
+                        <a:t>  App</a:t>
+                      </a:r>
+                    </a:p>
+                  </a:txBody>
+                  <a:tcPr/>
+                </a:tc>
+                <a:tc>
+                  <a:txBody>
+                    <a:bodyPr/>
+                    <a:lstStyle/>
+                    <a:p>
+                      <a:r>
+                        <a:rPr lang="nl-NL" sz="1600" dirty="0"/>
+                        <a:t>.net 8.0 Blazor Web App</a:t>
+                      </a:r>
+                    </a:p>
+                    <a:p>
+                      <a:r>
+                        <a:rPr lang="nl-NL" sz="1600" dirty="0"/>
+                        <a:t>Server/Wasm/Auto Mode</a:t>
+                      </a:r>
+                      <a:endParaRPr lang="en-SG" sz="1600" dirty="0"/>
+                    </a:p>
+                  </a:txBody>
+                  <a:tcPr/>
+                </a:tc>
+                <a:tc>
+                  <a:txBody>
+                    <a:bodyPr/>
+                    <a:lstStyle/>
+                    <a:p>
+                      <a:r>
+                        <a:rPr lang="nl-NL" sz="1600" dirty="0"/>
+                        <a:t>.net 8.0 Blazor Web App</a:t>
+                      </a:r>
+                    </a:p>
+                    <a:p>
+                      <a:r>
+                        <a:rPr lang="nl-NL" sz="1600" dirty="0"/>
+                        <a:t>Static Mode</a:t>
+                      </a:r>
+                      <a:endParaRPr lang="en-SG" sz="1600" dirty="0"/>
+                    </a:p>
+                  </a:txBody>
+                  <a:tcPr/>
+                </a:tc>
+                <a:extLst>
+                  <a:ext uri="{0D108BD9-81ED-4DB2-BD59-A6C34878D82A}">
+                    <a16:rowId xmlns:a16="http://schemas.microsoft.com/office/drawing/2014/main" val="1314232258"/>
+                  </a:ext>
+                </a:extLst>
+              </a:tr>
+              <a:tr h="2941453">
+                <a:tc>
+                  <a:txBody>
+                    <a:bodyPr/>
+                    <a:lstStyle/>
+                    <a:p>
+                      <a:r>
+                        <a:rPr lang="en-SG" sz="1200" dirty="0" err="1"/>
+                        <a:t>SetParametersAsync</a:t>
+                      </a:r>
+                      <a:r>
+                        <a:rPr lang="en-SG" sz="1200" dirty="0"/>
+                        <a:t> - Begin</a:t>
+                      </a:r>
+                    </a:p>
+                    <a:p>
+                      <a:r>
+                        <a:rPr lang="en-SG" sz="1200" dirty="0" err="1"/>
+                        <a:t>OnInitialized</a:t>
+                      </a:r>
+                      <a:endParaRPr lang="en-SG" sz="1200" dirty="0"/>
+                    </a:p>
+                    <a:p>
+                      <a:r>
+                        <a:rPr lang="en-SG" sz="1200" dirty="0"/>
+                        <a:t>OnInitializedAsync</a:t>
+                      </a:r>
+                    </a:p>
+                    <a:p>
+                      <a:r>
+                        <a:rPr lang="en-SG" sz="1200" dirty="0" err="1"/>
+                        <a:t>OnParametersSet</a:t>
+                      </a:r>
+                      <a:endParaRPr lang="en-SG" sz="1200" dirty="0"/>
+                    </a:p>
+                    <a:p>
+                      <a:r>
+                        <a:rPr lang="en-SG" sz="1200" dirty="0" err="1"/>
+                        <a:t>OnParametersSetAsync</a:t>
+                      </a:r>
+                      <a:endParaRPr lang="en-SG" sz="1200" dirty="0"/>
+                    </a:p>
+                    <a:p>
+                      <a:r>
+                        <a:rPr lang="en-SG" sz="1200" dirty="0" err="1"/>
+                        <a:t>SetParametersAsync</a:t>
+                      </a:r>
+                      <a:r>
+                        <a:rPr lang="en-SG" sz="1200" dirty="0"/>
+                        <a:t> - End</a:t>
+                      </a:r>
+                    </a:p>
+                  </a:txBody>
+                  <a:tcPr/>
+                </a:tc>
+                <a:tc>
+                  <a:txBody>
+                    <a:bodyPr/>
+                    <a:lstStyle/>
+                    <a:p>
+                      <a:r>
+                        <a:rPr lang="en-SG" sz="1200" dirty="0" err="1">
+                          <a:solidFill>
+                            <a:srgbClr val="FF0000"/>
+                          </a:solidFill>
+                        </a:rPr>
+                        <a:t>SetParametersAsync</a:t>
+                      </a:r>
+                      <a:r>
+                        <a:rPr lang="en-SG" sz="1200" dirty="0">
+                          <a:solidFill>
+                            <a:srgbClr val="FF0000"/>
+                          </a:solidFill>
+                        </a:rPr>
+                        <a:t> - Begin</a:t>
+                      </a:r>
+                    </a:p>
+                    <a:p>
+                      <a:r>
+                        <a:rPr lang="en-SG" sz="1200" dirty="0" err="1">
+                          <a:solidFill>
+                            <a:srgbClr val="FF0000"/>
+                          </a:solidFill>
+                        </a:rPr>
+                        <a:t>OnInitialized</a:t>
+                      </a:r>
+                      <a:endParaRPr lang="en-SG" sz="1200" dirty="0">
+                        <a:solidFill>
+                          <a:srgbClr val="FF0000"/>
+                        </a:solidFill>
+                      </a:endParaRPr>
+                    </a:p>
+                    <a:p>
+                      <a:r>
+                        <a:rPr lang="en-SG" sz="1200" dirty="0">
+                          <a:solidFill>
+                            <a:srgbClr val="FF0000"/>
+                          </a:solidFill>
+                        </a:rPr>
+                        <a:t>OnInitializedAsync</a:t>
+                      </a:r>
+                    </a:p>
+                    <a:p>
+                      <a:r>
+                        <a:rPr lang="en-SG" sz="1200" dirty="0" err="1">
+                          <a:solidFill>
+                            <a:srgbClr val="FF0000"/>
+                          </a:solidFill>
+                        </a:rPr>
+                        <a:t>OnParametersSet</a:t>
+                      </a:r>
+                      <a:endParaRPr lang="en-SG" sz="1200" dirty="0">
+                        <a:solidFill>
+                          <a:srgbClr val="FF0000"/>
+                        </a:solidFill>
+                      </a:endParaRPr>
+                    </a:p>
+                    <a:p>
+                      <a:r>
+                        <a:rPr lang="en-SG" sz="1200" dirty="0" err="1">
+                          <a:solidFill>
+                            <a:srgbClr val="FF0000"/>
+                          </a:solidFill>
+                        </a:rPr>
+                        <a:t>OnParametersSetAsync</a:t>
+                      </a:r>
+                      <a:endParaRPr lang="en-SG" sz="1200" dirty="0">
+                        <a:solidFill>
+                          <a:srgbClr val="FF0000"/>
+                        </a:solidFill>
+                      </a:endParaRPr>
+                    </a:p>
+                    <a:p>
+                      <a:r>
+                        <a:rPr lang="en-SG" sz="1200" dirty="0" err="1">
+                          <a:solidFill>
+                            <a:srgbClr val="FF0000"/>
+                          </a:solidFill>
+                        </a:rPr>
+                        <a:t>SetParametersAsync</a:t>
+                      </a:r>
+                      <a:r>
+                        <a:rPr lang="en-SG" sz="1200" dirty="0">
+                          <a:solidFill>
+                            <a:srgbClr val="FF0000"/>
+                          </a:solidFill>
+                        </a:rPr>
+                        <a:t> – End</a:t>
+                      </a:r>
+                    </a:p>
+                    <a:p>
+                      <a:endParaRPr lang="en-SG" sz="1200" dirty="0">
+                        <a:solidFill>
+                          <a:srgbClr val="FF0000"/>
+                        </a:solidFill>
+                      </a:endParaRPr>
+                    </a:p>
+                    <a:p>
+                      <a:r>
+                        <a:rPr lang="en-SG" sz="1200" dirty="0" err="1">
+                          <a:solidFill>
+                            <a:schemeClr val="tx1"/>
+                          </a:solidFill>
+                        </a:rPr>
+                        <a:t>SetParametersAsync</a:t>
+                      </a:r>
+                      <a:r>
+                        <a:rPr lang="en-SG" sz="1200" dirty="0">
+                          <a:solidFill>
+                            <a:schemeClr val="tx1"/>
+                          </a:solidFill>
+                        </a:rPr>
+                        <a:t> - Begin</a:t>
+                      </a:r>
+                    </a:p>
+                    <a:p>
+                      <a:r>
+                        <a:rPr lang="en-SG" sz="1200" dirty="0" err="1">
+                          <a:solidFill>
+                            <a:schemeClr val="tx1"/>
+                          </a:solidFill>
+                        </a:rPr>
+                        <a:t>OnInitialized</a:t>
+                      </a:r>
+                      <a:endParaRPr lang="en-SG" sz="1200" dirty="0">
+                        <a:solidFill>
+                          <a:schemeClr val="tx1"/>
+                        </a:solidFill>
+                      </a:endParaRPr>
+                    </a:p>
+                    <a:p>
+                      <a:r>
+                        <a:rPr lang="en-SG" sz="1200" dirty="0">
+                          <a:solidFill>
+                            <a:schemeClr val="tx1"/>
+                          </a:solidFill>
+                        </a:rPr>
+                        <a:t>OnInitializedAsync</a:t>
+                      </a:r>
+                    </a:p>
+                    <a:p>
+                      <a:r>
+                        <a:rPr lang="en-SG" sz="1200" dirty="0" err="1">
+                          <a:solidFill>
+                            <a:schemeClr val="tx1"/>
+                          </a:solidFill>
+                        </a:rPr>
+                        <a:t>OnParametersSet</a:t>
+                      </a:r>
+                      <a:endParaRPr lang="en-SG" sz="1200" dirty="0">
+                        <a:solidFill>
+                          <a:schemeClr val="tx1"/>
+                        </a:solidFill>
+                      </a:endParaRPr>
+                    </a:p>
+                    <a:p>
+                      <a:r>
+                        <a:rPr lang="en-SG" sz="1200" dirty="0" err="1">
+                          <a:solidFill>
+                            <a:schemeClr val="tx1"/>
+                          </a:solidFill>
+                        </a:rPr>
+                        <a:t>OnParametersSetAsync</a:t>
+                      </a:r>
+                      <a:endParaRPr lang="en-SG" sz="1200" dirty="0">
+                        <a:solidFill>
+                          <a:schemeClr val="tx1"/>
+                        </a:solidFill>
+                      </a:endParaRPr>
+                    </a:p>
+                    <a:p>
+                      <a:r>
+                        <a:rPr lang="en-SG" sz="1200" dirty="0" err="1">
+                          <a:solidFill>
+                            <a:schemeClr val="tx1"/>
+                          </a:solidFill>
+                        </a:rPr>
+                        <a:t>SetParametersAsync</a:t>
+                      </a:r>
+                      <a:r>
+                        <a:rPr lang="en-SG" sz="1200" dirty="0">
+                          <a:solidFill>
+                            <a:schemeClr val="tx1"/>
+                          </a:solidFill>
+                        </a:rPr>
+                        <a:t> – End</a:t>
+                      </a:r>
+                    </a:p>
+                  </a:txBody>
+                  <a:tcPr/>
+                </a:tc>
+                <a:tc>
+                  <a:txBody>
+                    <a:bodyPr/>
+                    <a:lstStyle/>
+                    <a:p>
+                      <a:r>
+                        <a:rPr lang="en-SG" sz="1200" dirty="0" err="1">
+                          <a:solidFill>
+                            <a:srgbClr val="FF0000"/>
+                          </a:solidFill>
+                        </a:rPr>
+                        <a:t>SetParametersAsync</a:t>
+                      </a:r>
+                      <a:r>
+                        <a:rPr lang="en-SG" sz="1200" dirty="0">
+                          <a:solidFill>
+                            <a:srgbClr val="FF0000"/>
+                          </a:solidFill>
+                        </a:rPr>
+                        <a:t> - Begin</a:t>
+                      </a:r>
+                    </a:p>
+                    <a:p>
+                      <a:r>
+                        <a:rPr lang="en-SG" sz="1200" dirty="0" err="1">
+                          <a:solidFill>
+                            <a:srgbClr val="FF0000"/>
+                          </a:solidFill>
+                        </a:rPr>
+                        <a:t>OnInitialized</a:t>
+                      </a:r>
+                      <a:endParaRPr lang="en-SG" sz="1200" dirty="0">
+                        <a:solidFill>
+                          <a:srgbClr val="FF0000"/>
+                        </a:solidFill>
+                      </a:endParaRPr>
+                    </a:p>
+                    <a:p>
+                      <a:r>
+                        <a:rPr lang="en-SG" sz="1200" dirty="0">
+                          <a:solidFill>
+                            <a:srgbClr val="FF0000"/>
+                          </a:solidFill>
+                        </a:rPr>
+                        <a:t>OnInitializedAsync</a:t>
+                      </a:r>
+                    </a:p>
+                    <a:p>
+                      <a:r>
+                        <a:rPr lang="en-SG" sz="1200" dirty="0" err="1">
+                          <a:solidFill>
+                            <a:srgbClr val="FF0000"/>
+                          </a:solidFill>
+                        </a:rPr>
+                        <a:t>OnParametersSet</a:t>
+                      </a:r>
+                      <a:endParaRPr lang="en-SG" sz="1200" dirty="0">
+                        <a:solidFill>
+                          <a:srgbClr val="FF0000"/>
+                        </a:solidFill>
+                      </a:endParaRPr>
+                    </a:p>
+                    <a:p>
+                      <a:r>
+                        <a:rPr lang="en-SG" sz="1200" dirty="0" err="1">
+                          <a:solidFill>
+                            <a:srgbClr val="FF0000"/>
+                          </a:solidFill>
+                        </a:rPr>
+                        <a:t>OnParametersSetAsync</a:t>
+                      </a:r>
+                      <a:endParaRPr lang="en-SG" sz="1200" dirty="0">
+                        <a:solidFill>
+                          <a:srgbClr val="FF0000"/>
+                        </a:solidFill>
+                      </a:endParaRPr>
+                    </a:p>
+                    <a:p>
+                      <a:r>
+                        <a:rPr lang="en-SG" sz="1200" dirty="0" err="1">
+                          <a:solidFill>
+                            <a:srgbClr val="FF0000"/>
+                          </a:solidFill>
+                        </a:rPr>
+                        <a:t>SetParametersAsync</a:t>
+                      </a:r>
+                      <a:r>
+                        <a:rPr lang="en-SG" sz="1200" dirty="0">
+                          <a:solidFill>
+                            <a:srgbClr val="FF0000"/>
+                          </a:solidFill>
+                        </a:rPr>
+                        <a:t> - End</a:t>
+                      </a:r>
+                    </a:p>
+                  </a:txBody>
+                  <a:tcPr/>
+                </a:tc>
+                <a:extLst>
+                  <a:ext uri="{0D108BD9-81ED-4DB2-BD59-A6C34878D82A}">
+                    <a16:rowId xmlns:a16="http://schemas.microsoft.com/office/drawing/2014/main" val="2736259470"/>
+                  </a:ext>
+                </a:extLst>
+              </a:tr>
+            </a:tbl>
+          </a:graphicData>
+        </a:graphic>
+      </p:graphicFrame>
+      <p:sp>
+        <p:nvSpPr>
+          <p:cNvPr id="7" name="TextBox 6">
+            <a:extLst>
+              <a:ext uri="{FF2B5EF4-FFF2-40B4-BE49-F238E27FC236}">
+                <a16:creationId xmlns:a16="http://schemas.microsoft.com/office/drawing/2014/main" id="{86CBA759-440D-A2BB-127D-E9B64548322F}"/>
+              </a:ext>
+            </a:extLst>
+          </p:cNvPr>
+          <p:cNvSpPr txBox="1"/>
+          <p:nvPr/>
+        </p:nvSpPr>
+        <p:spPr>
+          <a:xfrm>
+            <a:off x="670365" y="2809461"/>
+            <a:ext cx="6116714" cy="307777"/>
+          </a:xfrm>
+          <a:prstGeom prst="rect">
+            <a:avLst/>
+          </a:prstGeom>
+          <a:noFill/>
+        </p:spPr>
+        <p:txBody>
+          <a:bodyPr wrap="square">
+            <a:spAutoFit/>
+          </a:bodyPr>
+          <a:lstStyle/>
+          <a:p>
+            <a:r>
+              <a:rPr lang="en-SG" sz="1400" dirty="0">
+                <a:hlinkClick r:id="rId2"/>
+              </a:rPr>
+              <a:t>ASP.NET Core Razor component lifecycle</a:t>
+            </a:r>
+            <a:endParaRPr lang="en-SG" sz="1400" dirty="0"/>
+          </a:p>
+        </p:txBody>
+      </p:sp>
+      <p:sp>
+        <p:nvSpPr>
+          <p:cNvPr id="6" name="TextBox 5">
+            <a:extLst>
+              <a:ext uri="{FF2B5EF4-FFF2-40B4-BE49-F238E27FC236}">
+                <a16:creationId xmlns:a16="http://schemas.microsoft.com/office/drawing/2014/main" id="{CEF8BBD7-BBE2-BBA0-EFCE-25CB15FDAB12}"/>
+              </a:ext>
+            </a:extLst>
+          </p:cNvPr>
+          <p:cNvSpPr txBox="1"/>
+          <p:nvPr/>
+        </p:nvSpPr>
+        <p:spPr>
+          <a:xfrm>
+            <a:off x="691079" y="2354347"/>
+            <a:ext cx="1865690" cy="369332"/>
+          </a:xfrm>
+          <a:prstGeom prst="rect">
+            <a:avLst/>
+          </a:prstGeom>
+          <a:noFill/>
+        </p:spPr>
+        <p:txBody>
+          <a:bodyPr wrap="square">
+            <a:spAutoFit/>
+          </a:bodyPr>
+          <a:lstStyle/>
+          <a:p>
+            <a:r>
+              <a:rPr lang="en-SG"/>
+              <a:t>Life Cycle</a:t>
+            </a:r>
+            <a:endParaRPr lang="en-SG" dirty="0"/>
+          </a:p>
+        </p:txBody>
+      </p:sp>
+      <p:sp>
+        <p:nvSpPr>
+          <p:cNvPr id="12" name="TextBox 11">
+            <a:extLst>
+              <a:ext uri="{FF2B5EF4-FFF2-40B4-BE49-F238E27FC236}">
+                <a16:creationId xmlns:a16="http://schemas.microsoft.com/office/drawing/2014/main" id="{12CB37AF-C50C-AFD0-1A85-3C0214596423}"/>
+              </a:ext>
+            </a:extLst>
+          </p:cNvPr>
+          <p:cNvSpPr txBox="1"/>
+          <p:nvPr/>
+        </p:nvSpPr>
+        <p:spPr>
+          <a:xfrm>
+            <a:off x="8427128" y="5857063"/>
+            <a:ext cx="2694371" cy="307777"/>
+          </a:xfrm>
+          <a:prstGeom prst="rect">
+            <a:avLst/>
+          </a:prstGeom>
+          <a:noFill/>
+        </p:spPr>
+        <p:txBody>
+          <a:bodyPr wrap="square">
+            <a:spAutoFit/>
+          </a:bodyPr>
+          <a:lstStyle/>
+          <a:p>
+            <a:pPr algn="ctr"/>
+            <a:r>
+              <a:rPr lang="en-SG" sz="1400" dirty="0"/>
+              <a:t>SSR (Server Side Rendering)</a:t>
+            </a:r>
+          </a:p>
+        </p:txBody>
+      </p:sp>
+      <p:sp>
+        <p:nvSpPr>
+          <p:cNvPr id="13" name="Rectangle 12">
+            <a:extLst>
+              <a:ext uri="{FF2B5EF4-FFF2-40B4-BE49-F238E27FC236}">
+                <a16:creationId xmlns:a16="http://schemas.microsoft.com/office/drawing/2014/main" id="{12408F86-FD3D-70FC-5712-4EDEF3072A73}"/>
+              </a:ext>
+            </a:extLst>
+          </p:cNvPr>
+          <p:cNvSpPr/>
+          <p:nvPr/>
+        </p:nvSpPr>
+        <p:spPr>
+          <a:xfrm>
+            <a:off x="4441895" y="3828863"/>
+            <a:ext cx="6939278" cy="1178143"/>
+          </a:xfrm>
+          <a:prstGeom prst="rect">
+            <a:avLst/>
+          </a:prstGeom>
+          <a:noFill/>
+          <a:ln w="28575"/>
+        </p:spPr>
+        <p:style>
+          <a:lnRef idx="2">
+            <a:schemeClr val="accent4"/>
+          </a:lnRef>
+          <a:fillRef idx="1">
+            <a:schemeClr val="lt1"/>
+          </a:fillRef>
+          <a:effectRef idx="0">
+            <a:schemeClr val="accent4"/>
+          </a:effectRef>
+          <a:fontRef idx="minor">
+            <a:schemeClr val="dk1"/>
+          </a:fontRef>
+        </p:style>
+        <p:txBody>
+          <a:bodyPr rtlCol="0" anchor="ctr"/>
+          <a:lstStyle/>
+          <a:p>
+            <a:pPr algn="ctr"/>
+            <a:endParaRPr lang="en-SG"/>
+          </a:p>
+        </p:txBody>
+      </p:sp>
+      <p:sp>
+        <p:nvSpPr>
+          <p:cNvPr id="14" name="Arrow: Down 13">
+            <a:extLst>
+              <a:ext uri="{FF2B5EF4-FFF2-40B4-BE49-F238E27FC236}">
+                <a16:creationId xmlns:a16="http://schemas.microsoft.com/office/drawing/2014/main" id="{B256B8AD-A661-2332-0ADD-10887EAD33DF}"/>
+              </a:ext>
+            </a:extLst>
+          </p:cNvPr>
+          <p:cNvSpPr/>
+          <p:nvPr/>
+        </p:nvSpPr>
+        <p:spPr>
+          <a:xfrm>
+            <a:off x="9401452" y="5084021"/>
+            <a:ext cx="372862" cy="669513"/>
+          </a:xfrm>
+          <a:prstGeom prst="downArrow">
+            <a:avLst/>
+          </a:prstGeom>
+        </p:spPr>
+        <p:style>
+          <a:lnRef idx="2">
+            <a:schemeClr val="accent4">
+              <a:shade val="15000"/>
+            </a:schemeClr>
+          </a:lnRef>
+          <a:fillRef idx="1">
+            <a:schemeClr val="accent4"/>
+          </a:fillRef>
+          <a:effectRef idx="0">
+            <a:schemeClr val="accent4"/>
+          </a:effectRef>
+          <a:fontRef idx="minor">
+            <a:schemeClr val="lt1"/>
+          </a:fontRef>
+        </p:style>
+        <p:txBody>
+          <a:bodyPr rtlCol="0" anchor="ctr"/>
+          <a:lstStyle/>
+          <a:p>
+            <a:pPr algn="ctr"/>
+            <a:endParaRPr lang="en-SG"/>
+          </a:p>
+        </p:txBody>
+      </p:sp>
+    </p:spTree>
+    <p:extLst>
+      <p:ext uri="{BB962C8B-B14F-4D97-AF65-F5344CB8AC3E}">
+        <p14:creationId xmlns:p14="http://schemas.microsoft.com/office/powerpoint/2010/main" val="3730226895"/>
+      </p:ext>
+    </p:extLst>
+  </p:cSld>
+  <p:clrMapOvr>
+    <a:masterClrMapping/>
+  </p:clrMapOvr>
+</p:sld>
+</file>
+
+<file path=ppt/slides/slide22.xml><?xml version="1.0" encoding="utf-8"?>
+<p:sld xmlns:a="http://schemas.openxmlformats.org/drawingml/2006/main" xmlns:r="http://schemas.openxmlformats.org/officeDocument/2006/relationships" xmlns:p="http://schemas.openxmlformats.org/presentationml/2006/main">
+  <p:cSld>
+    <p:spTree>
+      <p:nvGrpSpPr>
+        <p:cNvPr id="1" name=""/>
+        <p:cNvGrpSpPr/>
+        <p:nvPr/>
+      </p:nvGrpSpPr>
+      <p:grpSpPr>
+        <a:xfrm>
+          <a:off x="0" y="0"/>
+          <a:ext cx="0" cy="0"/>
+          <a:chOff x="0" y="0"/>
+          <a:chExt cx="0" cy="0"/>
+        </a:xfrm>
+      </p:grpSpPr>
       <p:sp>
         <p:nvSpPr>
           <p:cNvPr id="2" name="Title 1">
@@ -22123,7 +22949,15 @@
           <a:p>
             <a:r>
               <a:rPr lang="en-US" altLang="zh-CN" sz="4400" dirty="0" err="1"/>
-              <a:t>PreRender</a:t>
+              <a:t>Blazor</a:t>
+            </a:r>
+            <a:r>
+              <a:rPr lang="en-US" altLang="zh-CN" sz="4400" dirty="0"/>
+              <a:t> Web </a:t>
+            </a:r>
+            <a:r>
+              <a:rPr lang="en-US" altLang="zh-CN" dirty="0"/>
+              <a:t>App</a:t>
             </a:r>
             <a:endParaRPr lang="en-SG" dirty="0"/>
           </a:p>
@@ -22145,9 +22979,16 @@
             <p:ph idx="1"/>
           </p:nvPr>
         </p:nvSpPr>
-        <p:spPr/>
+        <p:spPr>
+          <a:xfrm>
+            <a:off x="691078" y="2877908"/>
+            <a:ext cx="10324999" cy="1226515"/>
+          </a:xfrm>
+        </p:spPr>
         <p:txBody>
-          <a:bodyPr/>
+          <a:bodyPr>
+            <a:normAutofit/>
+          </a:bodyPr>
           <a:lstStyle/>
           <a:p>
             <a:r>
@@ -22173,10 +23014,10 @@
               <a:t>Prerender at </a:t>
             </a:r>
             <a:r>
-              <a:rPr lang="en-SG" sz="1200" dirty="0" err="1"/>
+              <a:rPr lang="en-SG" sz="1200" b="1" dirty="0" err="1"/>
               <a:t>SSRRenderModeBoundary.cs</a:t>
             </a:r>
-            <a:endParaRPr lang="en-SG" sz="1200" dirty="0"/>
+            <a:endParaRPr lang="en-SG" sz="1200" b="1" dirty="0"/>
           </a:p>
           <a:p>
             <a:r>
@@ -22189,6 +23030,14 @@
             </a:r>
             <a:r>
               <a:rPr lang="en-SG" sz="1200" b="1" dirty="0" err="1"/>
+              <a:t>RenderModeInteractiveWebAssembly</a:t>
+            </a:r>
+            <a:r>
+              <a:rPr lang="en-SG" sz="1200" b="1" dirty="0"/>
+              <a:t>(prerender: false)]/@attribute [</a:t>
+            </a:r>
+            <a:r>
+              <a:rPr lang="en-SG" sz="1200" b="1" dirty="0" err="1"/>
               <a:t>RenderModeInteractiveServer</a:t>
             </a:r>
             <a:r>
@@ -22196,8 +23045,12 @@
               <a:t>(prerender: false)] </a:t>
             </a:r>
             <a:r>
+              <a:rPr lang="en-US" altLang="zh-CN" sz="1200" b="1" dirty="0"/>
+              <a:t>/</a:t>
+            </a:r>
+            <a:r>
               <a:rPr lang="en-US" altLang="zh-CN" sz="1200" dirty="0"/>
-              <a:t>or </a:t>
+              <a:t> </a:t>
             </a:r>
             <a:r>
               <a:rPr lang="en-SG" sz="1200" b="1" dirty="0"/>
@@ -22216,9 +23069,6 @@
               <a:t>will disable prerender</a:t>
             </a:r>
             <a:endParaRPr lang="en-SG" sz="1200" dirty="0"/>
-          </a:p>
-          <a:p>
-            <a:endParaRPr lang="en-SG" dirty="0"/>
           </a:p>
         </p:txBody>
       </p:sp>
@@ -22244,7 +23094,7 @@
         </p:blipFill>
         <p:spPr>
           <a:xfrm>
-            <a:off x="901308" y="3429000"/>
+            <a:off x="930212" y="4258652"/>
             <a:ext cx="5382376" cy="1924319"/>
           </a:xfrm>
           <a:prstGeom prst="rect">
@@ -22252,6 +23102,42 @@
           </a:prstGeom>
         </p:spPr>
       </p:pic>
+      <p:sp>
+        <p:nvSpPr>
+          <p:cNvPr id="5" name="TextBox 4">
+            <a:extLst>
+              <a:ext uri="{FF2B5EF4-FFF2-40B4-BE49-F238E27FC236}">
+                <a16:creationId xmlns:a16="http://schemas.microsoft.com/office/drawing/2014/main" id="{B36BD462-61B7-A83A-E3DC-27789CC76635}"/>
+              </a:ext>
+            </a:extLst>
+          </p:cNvPr>
+          <p:cNvSpPr txBox="1"/>
+          <p:nvPr/>
+        </p:nvSpPr>
+        <p:spPr>
+          <a:xfrm>
+            <a:off x="691079" y="2354347"/>
+            <a:ext cx="1865690" cy="369332"/>
+          </a:xfrm>
+          <a:prstGeom prst="rect">
+            <a:avLst/>
+          </a:prstGeom>
+          <a:noFill/>
+        </p:spPr>
+        <p:txBody>
+          <a:bodyPr wrap="square">
+            <a:spAutoFit/>
+          </a:bodyPr>
+          <a:lstStyle/>
+          <a:p>
+            <a:r>
+              <a:rPr lang="en-SG" dirty="0" err="1"/>
+              <a:t>PreRender</a:t>
+            </a:r>
+            <a:endParaRPr lang="en-SG" dirty="0"/>
+          </a:p>
+        </p:txBody>
+      </p:sp>
     </p:spTree>
     <p:extLst>
       <p:ext uri="{BB962C8B-B14F-4D97-AF65-F5344CB8AC3E}">
@@ -22265,7 +23151,7 @@
 </p:sld>
 </file>
 
-<file path=ppt/slides/slide21.xml><?xml version="1.0" encoding="utf-8"?>
+<file path=ppt/slides/slide23.xml><?xml version="1.0" encoding="utf-8"?>
 <p:sld xmlns:a="http://schemas.openxmlformats.org/drawingml/2006/main" xmlns:r="http://schemas.openxmlformats.org/officeDocument/2006/relationships" xmlns:p="http://schemas.openxmlformats.org/presentationml/2006/main">
   <p:cSld>
     <p:spTree>
@@ -22305,7 +23191,15 @@
           <a:p>
             <a:r>
               <a:rPr lang="en-US" altLang="zh-CN" sz="4400" dirty="0" err="1"/>
-              <a:t>PreRender</a:t>
+              <a:t>Blazor</a:t>
+            </a:r>
+            <a:r>
+              <a:rPr lang="en-US" altLang="zh-CN" sz="4400" dirty="0"/>
+              <a:t> Web </a:t>
+            </a:r>
+            <a:r>
+              <a:rPr lang="en-US" altLang="zh-CN" dirty="0"/>
+              <a:t>App</a:t>
             </a:r>
             <a:endParaRPr lang="en-SG" dirty="0"/>
           </a:p>
@@ -22313,33 +23207,35 @@
       </p:sp>
       <p:sp>
         <p:nvSpPr>
-          <p:cNvPr id="3" name="Content Placeholder 2">
+          <p:cNvPr id="9" name="TextBox 8">
             <a:extLst>
               <a:ext uri="{FF2B5EF4-FFF2-40B4-BE49-F238E27FC236}">
-                <a16:creationId xmlns:a16="http://schemas.microsoft.com/office/drawing/2014/main" id="{8B7319FA-221E-0507-5C67-F71B08187EFD}"/>
+                <a16:creationId xmlns:a16="http://schemas.microsoft.com/office/drawing/2014/main" id="{A65927EF-441C-AEAF-9F93-4F645A7737DF}"/>
               </a:ext>
             </a:extLst>
           </p:cNvPr>
-          <p:cNvSpPr>
-            <a:spLocks noGrp="1"/>
-          </p:cNvSpPr>
-          <p:nvPr>
-            <p:ph idx="1"/>
-          </p:nvPr>
+          <p:cNvSpPr txBox="1"/>
+          <p:nvPr/>
         </p:nvSpPr>
         <p:spPr>
           <a:xfrm>
-            <a:off x="691079" y="2340131"/>
-            <a:ext cx="3543570" cy="3564436"/>
+            <a:off x="691079" y="2354347"/>
+            <a:ext cx="1865690" cy="369332"/>
           </a:xfrm>
+          <a:prstGeom prst="rect">
+            <a:avLst/>
+          </a:prstGeom>
+          <a:noFill/>
         </p:spPr>
         <p:txBody>
-          <a:bodyPr/>
+          <a:bodyPr wrap="square">
+            <a:spAutoFit/>
+          </a:bodyPr>
           <a:lstStyle/>
           <a:p>
             <a:r>
-              <a:rPr lang="en-US" altLang="zh-CN" dirty="0"/>
-              <a:t>Prerender at Server side</a:t>
+              <a:rPr lang="en-SG" dirty="0" err="1"/>
+              <a:t>PreRender</a:t>
             </a:r>
             <a:endParaRPr lang="en-SG" dirty="0"/>
           </a:p>
@@ -22347,10 +23243,10 @@
       </p:sp>
       <p:pic>
         <p:nvPicPr>
-          <p:cNvPr id="7" name="Picture 6">
+          <p:cNvPr id="13" name="Picture 12">
             <a:extLst>
               <a:ext uri="{FF2B5EF4-FFF2-40B4-BE49-F238E27FC236}">
-                <a16:creationId xmlns:a16="http://schemas.microsoft.com/office/drawing/2014/main" id="{CF582F9E-00E2-A0DE-8919-E249EB9F6C06}"/>
+                <a16:creationId xmlns:a16="http://schemas.microsoft.com/office/drawing/2014/main" id="{202B25F0-2FE7-E08E-2F88-2DF143CA19A4}"/>
               </a:ext>
             </a:extLst>
           </p:cNvPr>
@@ -22367,14 +23263,53 @@
         </p:blipFill>
         <p:spPr>
           <a:xfrm>
-            <a:off x="4405552" y="953433"/>
-            <a:ext cx="6610527" cy="5042551"/>
+            <a:off x="3733800" y="2354347"/>
+            <a:ext cx="7938752" cy="4458310"/>
           </a:xfrm>
           <a:prstGeom prst="rect">
             <a:avLst/>
           </a:prstGeom>
         </p:spPr>
       </p:pic>
+      <p:sp>
+        <p:nvSpPr>
+          <p:cNvPr id="16" name="Content Placeholder 2">
+            <a:extLst>
+              <a:ext uri="{FF2B5EF4-FFF2-40B4-BE49-F238E27FC236}">
+                <a16:creationId xmlns:a16="http://schemas.microsoft.com/office/drawing/2014/main" id="{8C9B23BB-6B98-32E7-9E29-0B50E95A4228}"/>
+              </a:ext>
+            </a:extLst>
+          </p:cNvPr>
+          <p:cNvSpPr>
+            <a:spLocks noGrp="1"/>
+          </p:cNvSpPr>
+          <p:nvPr>
+            <p:ph idx="1"/>
+          </p:nvPr>
+        </p:nvSpPr>
+        <p:spPr>
+          <a:xfrm>
+            <a:off x="691078" y="2907807"/>
+            <a:ext cx="2877745" cy="1226515"/>
+          </a:xfrm>
+        </p:spPr>
+        <p:txBody>
+          <a:bodyPr>
+            <a:normAutofit/>
+          </a:bodyPr>
+          <a:lstStyle/>
+          <a:p>
+            <a:r>
+              <a:rPr lang="en-SG" sz="1200" dirty="0" err="1"/>
+              <a:t>PreRender</a:t>
+            </a:r>
+            <a:r>
+              <a:rPr lang="en-SG" sz="1200" dirty="0"/>
+              <a:t> enabled and rendering at server side</a:t>
+            </a:r>
+          </a:p>
+        </p:txBody>
+      </p:sp>
     </p:spTree>
     <p:extLst>
       <p:ext uri="{BB962C8B-B14F-4D97-AF65-F5344CB8AC3E}">
@@ -22388,7 +23323,179 @@
 </p:sld>
 </file>
 
-<file path=ppt/slides/slide22.xml><?xml version="1.0" encoding="utf-8"?>
+<file path=ppt/slides/slide24.xml><?xml version="1.0" encoding="utf-8"?>
+<p:sld xmlns:a="http://schemas.openxmlformats.org/drawingml/2006/main" xmlns:r="http://schemas.openxmlformats.org/officeDocument/2006/relationships" xmlns:p="http://schemas.openxmlformats.org/presentationml/2006/main">
+  <p:cSld>
+    <p:spTree>
+      <p:nvGrpSpPr>
+        <p:cNvPr id="1" name=""/>
+        <p:cNvGrpSpPr/>
+        <p:nvPr/>
+      </p:nvGrpSpPr>
+      <p:grpSpPr>
+        <a:xfrm>
+          <a:off x="0" y="0"/>
+          <a:ext cx="0" cy="0"/>
+          <a:chOff x="0" y="0"/>
+          <a:chExt cx="0" cy="0"/>
+        </a:xfrm>
+      </p:grpSpPr>
+      <p:sp>
+        <p:nvSpPr>
+          <p:cNvPr id="2" name="Title 1">
+            <a:extLst>
+              <a:ext uri="{FF2B5EF4-FFF2-40B4-BE49-F238E27FC236}">
+                <a16:creationId xmlns:a16="http://schemas.microsoft.com/office/drawing/2014/main" id="{3D8D8576-F877-1D22-D036-518B771B7A74}"/>
+              </a:ext>
+            </a:extLst>
+          </p:cNvPr>
+          <p:cNvSpPr>
+            <a:spLocks noGrp="1"/>
+          </p:cNvSpPr>
+          <p:nvPr>
+            <p:ph type="title"/>
+          </p:nvPr>
+        </p:nvSpPr>
+        <p:spPr/>
+        <p:txBody>
+          <a:bodyPr/>
+          <a:lstStyle/>
+          <a:p>
+            <a:r>
+              <a:rPr lang="en-US" altLang="zh-CN" sz="4400" dirty="0" err="1"/>
+              <a:t>Blazor</a:t>
+            </a:r>
+            <a:r>
+              <a:rPr lang="en-US" altLang="zh-CN" sz="4400" dirty="0"/>
+              <a:t> Web </a:t>
+            </a:r>
+            <a:r>
+              <a:rPr lang="en-US" altLang="zh-CN" dirty="0"/>
+              <a:t>App</a:t>
+            </a:r>
+            <a:endParaRPr lang="en-SG" dirty="0"/>
+          </a:p>
+        </p:txBody>
+      </p:sp>
+      <p:sp>
+        <p:nvSpPr>
+          <p:cNvPr id="9" name="TextBox 8">
+            <a:extLst>
+              <a:ext uri="{FF2B5EF4-FFF2-40B4-BE49-F238E27FC236}">
+                <a16:creationId xmlns:a16="http://schemas.microsoft.com/office/drawing/2014/main" id="{A65927EF-441C-AEAF-9F93-4F645A7737DF}"/>
+              </a:ext>
+            </a:extLst>
+          </p:cNvPr>
+          <p:cNvSpPr txBox="1"/>
+          <p:nvPr/>
+        </p:nvSpPr>
+        <p:spPr>
+          <a:xfrm>
+            <a:off x="691079" y="2354347"/>
+            <a:ext cx="1865690" cy="369332"/>
+          </a:xfrm>
+          <a:prstGeom prst="rect">
+            <a:avLst/>
+          </a:prstGeom>
+          <a:noFill/>
+        </p:spPr>
+        <p:txBody>
+          <a:bodyPr wrap="square">
+            <a:spAutoFit/>
+          </a:bodyPr>
+          <a:lstStyle/>
+          <a:p>
+            <a:r>
+              <a:rPr lang="en-SG" dirty="0" err="1"/>
+              <a:t>PreRender</a:t>
+            </a:r>
+            <a:endParaRPr lang="en-SG" dirty="0"/>
+          </a:p>
+        </p:txBody>
+      </p:sp>
+      <p:sp>
+        <p:nvSpPr>
+          <p:cNvPr id="16" name="Content Placeholder 2">
+            <a:extLst>
+              <a:ext uri="{FF2B5EF4-FFF2-40B4-BE49-F238E27FC236}">
+                <a16:creationId xmlns:a16="http://schemas.microsoft.com/office/drawing/2014/main" id="{8C9B23BB-6B98-32E7-9E29-0B50E95A4228}"/>
+              </a:ext>
+            </a:extLst>
+          </p:cNvPr>
+          <p:cNvSpPr>
+            <a:spLocks noGrp="1"/>
+          </p:cNvSpPr>
+          <p:nvPr>
+            <p:ph idx="1"/>
+          </p:nvPr>
+        </p:nvSpPr>
+        <p:spPr>
+          <a:xfrm>
+            <a:off x="691078" y="2907807"/>
+            <a:ext cx="2877745" cy="1226515"/>
+          </a:xfrm>
+        </p:spPr>
+        <p:txBody>
+          <a:bodyPr>
+            <a:normAutofit/>
+          </a:bodyPr>
+          <a:lstStyle/>
+          <a:p>
+            <a:r>
+              <a:rPr lang="en-SG" sz="1200" dirty="0" err="1"/>
+              <a:t>PreRender</a:t>
+            </a:r>
+            <a:r>
+              <a:rPr lang="en-SG" sz="1200" dirty="0"/>
+              <a:t> Disabled</a:t>
+            </a:r>
+          </a:p>
+        </p:txBody>
+      </p:sp>
+      <p:pic>
+        <p:nvPicPr>
+          <p:cNvPr id="4" name="Picture 3">
+            <a:extLst>
+              <a:ext uri="{FF2B5EF4-FFF2-40B4-BE49-F238E27FC236}">
+                <a16:creationId xmlns:a16="http://schemas.microsoft.com/office/drawing/2014/main" id="{FB6B30E1-0DB9-DFD5-2B36-7140C0F0080C}"/>
+              </a:ext>
+            </a:extLst>
+          </p:cNvPr>
+          <p:cNvPicPr>
+            <a:picLocks noChangeAspect="1"/>
+          </p:cNvPicPr>
+          <p:nvPr/>
+        </p:nvPicPr>
+        <p:blipFill>
+          <a:blip r:embed="rId2"/>
+          <a:stretch>
+            <a:fillRect/>
+          </a:stretch>
+        </p:blipFill>
+        <p:spPr>
+          <a:xfrm>
+            <a:off x="4935984" y="2354347"/>
+            <a:ext cx="5454945" cy="4439902"/>
+          </a:xfrm>
+          <a:prstGeom prst="rect">
+            <a:avLst/>
+          </a:prstGeom>
+        </p:spPr>
+      </p:pic>
+    </p:spTree>
+    <p:extLst>
+      <p:ext uri="{BB962C8B-B14F-4D97-AF65-F5344CB8AC3E}">
+        <p14:creationId xmlns:p14="http://schemas.microsoft.com/office/powerpoint/2010/main" val="1092304491"/>
+      </p:ext>
+    </p:extLst>
+  </p:cSld>
+  <p:clrMapOvr>
+    <a:masterClrMapping/>
+  </p:clrMapOvr>
+</p:sld>
+</file>
+
+<file path=ppt/slides/slide25.xml><?xml version="1.0" encoding="utf-8"?>
 <p:sld xmlns:a="http://schemas.openxmlformats.org/drawingml/2006/main" xmlns:r="http://schemas.openxmlformats.org/officeDocument/2006/relationships" xmlns:p="http://schemas.openxmlformats.org/presentationml/2006/main">
   <p:cSld>
     <p:spTree>
@@ -26711,7 +27818,7 @@
           <p:cNvPr id="2" name="Title 1">
             <a:extLst>
               <a:ext uri="{FF2B5EF4-FFF2-40B4-BE49-F238E27FC236}">
-                <a16:creationId xmlns:a16="http://schemas.microsoft.com/office/drawing/2014/main" id="{0FFCBED8-BB7A-EC5A-FA1B-4FBC962CE316}"/>
+                <a16:creationId xmlns:a16="http://schemas.microsoft.com/office/drawing/2014/main" id="{BF4C1337-155F-A234-EF34-2439940817A4}"/>
               </a:ext>
             </a:extLst>
           </p:cNvPr>
@@ -26733,190 +27840,22 @@
             </a:r>
             <a:r>
               <a:rPr lang="en-US" altLang="zh-CN" sz="4400" dirty="0"/>
-              <a:t> Web App</a:t>
-            </a:r>
+              <a:t> Web </a:t>
+            </a:r>
+            <a:r>
+              <a:rPr lang="en-US" altLang="zh-CN" dirty="0"/>
+              <a:t>App</a:t>
+            </a:r>
+            <a:endParaRPr lang="en-SG" dirty="0"/>
           </a:p>
         </p:txBody>
       </p:sp>
       <p:sp>
         <p:nvSpPr>
-          <p:cNvPr id="3" name="Content Placeholder 2">
+          <p:cNvPr id="12" name="TextBox 11">
             <a:extLst>
               <a:ext uri="{FF2B5EF4-FFF2-40B4-BE49-F238E27FC236}">
-                <a16:creationId xmlns:a16="http://schemas.microsoft.com/office/drawing/2014/main" id="{7979257D-74B9-76CA-B0B9-BEF5A29BF8C2}"/>
-              </a:ext>
-            </a:extLst>
-          </p:cNvPr>
-          <p:cNvSpPr>
-            <a:spLocks noGrp="1"/>
-          </p:cNvSpPr>
-          <p:nvPr>
-            <p:ph idx="1"/>
-          </p:nvPr>
-        </p:nvSpPr>
-        <p:spPr>
-          <a:xfrm>
-            <a:off x="593425" y="2700098"/>
-            <a:ext cx="4457970" cy="3980770"/>
-          </a:xfrm>
-        </p:spPr>
-        <p:txBody>
-          <a:bodyPr>
-            <a:normAutofit/>
-          </a:bodyPr>
-          <a:lstStyle/>
-          <a:p>
-            <a:pPr marL="0" indent="0">
-              <a:buNone/>
-            </a:pPr>
-            <a:r>
-              <a:rPr lang="en-SG" sz="1100" b="1" dirty="0"/>
-              <a:t>Render </a:t>
-            </a:r>
-            <a:r>
-              <a:rPr lang="en-SG" sz="1100" b="1" dirty="0" err="1"/>
-              <a:t>Componment</a:t>
-            </a:r>
-            <a:r>
-              <a:rPr lang="en-SG" sz="1100" b="1" dirty="0"/>
-              <a:t>:</a:t>
-            </a:r>
-          </a:p>
-          <a:p>
-            <a:pPr marL="0" indent="0">
-              <a:buNone/>
-            </a:pPr>
-            <a:r>
-              <a:rPr lang="en-SG" sz="1100" dirty="0" err="1"/>
-              <a:t>RazorComponentEndpointInvoker.cs</a:t>
-            </a:r>
-            <a:endParaRPr lang="en-SG" sz="1100" dirty="0"/>
-          </a:p>
-          <a:p>
-            <a:pPr marL="0" indent="0">
-              <a:buNone/>
-            </a:pPr>
-            <a:endParaRPr lang="en-SG" sz="1100" dirty="0"/>
-          </a:p>
-          <a:p>
-            <a:pPr marL="0" indent="0">
-              <a:buNone/>
-            </a:pPr>
-            <a:r>
-              <a:rPr lang="en-SG" sz="1100" dirty="0" err="1"/>
-              <a:t>RazorComponentEndpointInvoker.RenderComponentCore</a:t>
-            </a:r>
-            <a:r>
-              <a:rPr lang="en-SG" sz="1100" dirty="0"/>
-              <a:t>()</a:t>
-            </a:r>
-          </a:p>
-          <a:p>
-            <a:pPr marL="0" indent="0">
-              <a:buNone/>
-            </a:pPr>
-            <a:r>
-              <a:rPr lang="en-SG" sz="1100" dirty="0"/>
-              <a:t>1. Initialize </a:t>
-            </a:r>
-            <a:r>
-              <a:rPr lang="en-SG" sz="1100" dirty="0" err="1"/>
-              <a:t>StreamingRendering</a:t>
-            </a:r>
-            <a:r>
-              <a:rPr lang="en-SG" sz="1100" dirty="0"/>
-              <a:t> Framing</a:t>
-            </a:r>
-          </a:p>
-          <a:p>
-            <a:pPr marL="0" indent="0">
-              <a:buNone/>
-            </a:pPr>
-            <a:r>
-              <a:rPr lang="en-SG" sz="1100" dirty="0"/>
-              <a:t>2. Initialize Standard Component Services</a:t>
-            </a:r>
-          </a:p>
-          <a:p>
-            <a:pPr marL="0" indent="0">
-              <a:buNone/>
-            </a:pPr>
-            <a:r>
-              <a:rPr lang="en-SG" sz="1100" dirty="0"/>
-              <a:t>3. Render Endpoint Component </a:t>
-            </a:r>
-          </a:p>
-          <a:p>
-            <a:pPr marL="0" indent="0">
-              <a:buNone/>
-            </a:pPr>
-            <a:r>
-              <a:rPr lang="en-SG" sz="1100" dirty="0"/>
-              <a:t>    3.1 </a:t>
-            </a:r>
-            <a:r>
-              <a:rPr lang="en-SG" sz="1100" dirty="0" err="1"/>
-              <a:t>InstantiateComponent</a:t>
-            </a:r>
-            <a:endParaRPr lang="en-SG" sz="1100" dirty="0"/>
-          </a:p>
-          <a:p>
-            <a:pPr marL="0" indent="0">
-              <a:buNone/>
-            </a:pPr>
-            <a:r>
-              <a:rPr lang="en-SG" sz="1100" dirty="0"/>
-              <a:t>        </a:t>
-            </a:r>
-            <a:r>
-              <a:rPr lang="en-SG" sz="1100" b="1" dirty="0"/>
-              <a:t>3.1.1 </a:t>
-            </a:r>
-            <a:r>
-              <a:rPr lang="en-SG" sz="1100" b="1" dirty="0" err="1"/>
-              <a:t>ResolveComponentForRenderMode</a:t>
-            </a:r>
-            <a:endParaRPr lang="en-SG" sz="1100" b="1" dirty="0"/>
-          </a:p>
-          <a:p>
-            <a:pPr marL="0" indent="0">
-              <a:buNone/>
-            </a:pPr>
-            <a:r>
-              <a:rPr lang="en-SG" sz="1100" dirty="0"/>
-              <a:t>    3.2 Waiting for </a:t>
-            </a:r>
-            <a:r>
-              <a:rPr lang="en-SG" sz="1100" dirty="0" err="1"/>
-              <a:t>quiesence</a:t>
-            </a:r>
-            <a:r>
-              <a:rPr lang="en-SG" sz="1100" dirty="0"/>
-              <a:t>(none stream Rendering) complete</a:t>
-            </a:r>
-          </a:p>
-          <a:p>
-            <a:pPr marL="0" indent="0">
-              <a:buNone/>
-            </a:pPr>
-            <a:r>
-              <a:rPr lang="en-SG" sz="1100" dirty="0"/>
-              <a:t>4. write by </a:t>
-            </a:r>
-            <a:r>
-              <a:rPr lang="en-SG" sz="1100" dirty="0" err="1"/>
-              <a:t>HttpResponseStreamWriter</a:t>
-            </a:r>
-            <a:endParaRPr lang="en-SG" sz="1100" dirty="0"/>
-          </a:p>
-        </p:txBody>
-      </p:sp>
-      <p:sp>
-        <p:nvSpPr>
-          <p:cNvPr id="4" name="TextBox 3">
-            <a:extLst>
-              <a:ext uri="{FF2B5EF4-FFF2-40B4-BE49-F238E27FC236}">
-                <a16:creationId xmlns:a16="http://schemas.microsoft.com/office/drawing/2014/main" id="{4E5FB163-623D-D608-CFF8-944DAE443425}"/>
+                <a16:creationId xmlns:a16="http://schemas.microsoft.com/office/drawing/2014/main" id="{7ED156E4-E4B7-5D00-5E2B-4423B436962A}"/>
               </a:ext>
             </a:extLst>
           </p:cNvPr>
@@ -26948,10 +27887,10 @@
       </p:sp>
       <p:pic>
         <p:nvPicPr>
-          <p:cNvPr id="7" name="Picture 6">
+          <p:cNvPr id="14" name="Picture 13">
             <a:extLst>
               <a:ext uri="{FF2B5EF4-FFF2-40B4-BE49-F238E27FC236}">
-                <a16:creationId xmlns:a16="http://schemas.microsoft.com/office/drawing/2014/main" id="{EE95C34F-AB6E-B07C-EE51-88D873E322B1}"/>
+                <a16:creationId xmlns:a16="http://schemas.microsoft.com/office/drawing/2014/main" id="{5A5D677A-B117-6FF8-26F5-C21E0BA753E3}"/>
               </a:ext>
             </a:extLst>
           </p:cNvPr>
@@ -26968,18 +27907,124 @@
         </p:blipFill>
         <p:spPr>
           <a:xfrm>
-            <a:off x="5465365" y="1961965"/>
-            <a:ext cx="5913358" cy="4265626"/>
+            <a:off x="691079" y="3157302"/>
+            <a:ext cx="9801225" cy="1428750"/>
           </a:xfrm>
           <a:prstGeom prst="rect">
             <a:avLst/>
           </a:prstGeom>
         </p:spPr>
       </p:pic>
+      <p:pic>
+        <p:nvPicPr>
+          <p:cNvPr id="16" name="Picture 15">
+            <a:extLst>
+              <a:ext uri="{FF2B5EF4-FFF2-40B4-BE49-F238E27FC236}">
+                <a16:creationId xmlns:a16="http://schemas.microsoft.com/office/drawing/2014/main" id="{6FE30A3D-D380-B091-6D94-228B1EA54366}"/>
+              </a:ext>
+            </a:extLst>
+          </p:cNvPr>
+          <p:cNvPicPr>
+            <a:picLocks noChangeAspect="1"/>
+          </p:cNvPicPr>
+          <p:nvPr/>
+        </p:nvPicPr>
+        <p:blipFill>
+          <a:blip r:embed="rId3"/>
+          <a:stretch>
+            <a:fillRect/>
+          </a:stretch>
+        </p:blipFill>
+        <p:spPr>
+          <a:xfrm>
+            <a:off x="691079" y="5019675"/>
+            <a:ext cx="9848850" cy="1428750"/>
+          </a:xfrm>
+          <a:prstGeom prst="rect">
+            <a:avLst/>
+          </a:prstGeom>
+        </p:spPr>
+      </p:pic>
+      <p:sp>
+        <p:nvSpPr>
+          <p:cNvPr id="18" name="TextBox 17">
+            <a:extLst>
+              <a:ext uri="{FF2B5EF4-FFF2-40B4-BE49-F238E27FC236}">
+                <a16:creationId xmlns:a16="http://schemas.microsoft.com/office/drawing/2014/main" id="{3F237098-6A67-0CCD-3C65-828CBA7C6F78}"/>
+              </a:ext>
+            </a:extLst>
+          </p:cNvPr>
+          <p:cNvSpPr txBox="1"/>
+          <p:nvPr/>
+        </p:nvSpPr>
+        <p:spPr>
+          <a:xfrm>
+            <a:off x="691079" y="2809685"/>
+            <a:ext cx="6115050" cy="261610"/>
+          </a:xfrm>
+          <a:prstGeom prst="rect">
+            <a:avLst/>
+          </a:prstGeom>
+          <a:noFill/>
+        </p:spPr>
+        <p:txBody>
+          <a:bodyPr wrap="square">
+            <a:spAutoFit/>
+          </a:bodyPr>
+          <a:lstStyle/>
+          <a:p>
+            <a:pPr marL="0" indent="0">
+              <a:buNone/>
+            </a:pPr>
+            <a:r>
+              <a:rPr lang="en-US" altLang="zh-CN" sz="1100" dirty="0"/>
+              <a:t>Web Assembly</a:t>
+            </a:r>
+          </a:p>
+        </p:txBody>
+      </p:sp>
+      <p:sp>
+        <p:nvSpPr>
+          <p:cNvPr id="19" name="TextBox 18">
+            <a:extLst>
+              <a:ext uri="{FF2B5EF4-FFF2-40B4-BE49-F238E27FC236}">
+                <a16:creationId xmlns:a16="http://schemas.microsoft.com/office/drawing/2014/main" id="{DA85FE38-727E-5A59-E2A2-3E6FEB034947}"/>
+              </a:ext>
+            </a:extLst>
+          </p:cNvPr>
+          <p:cNvSpPr txBox="1"/>
+          <p:nvPr/>
+        </p:nvSpPr>
+        <p:spPr>
+          <a:xfrm>
+            <a:off x="691079" y="4714274"/>
+            <a:ext cx="6115050" cy="261610"/>
+          </a:xfrm>
+          <a:prstGeom prst="rect">
+            <a:avLst/>
+          </a:prstGeom>
+          <a:noFill/>
+        </p:spPr>
+        <p:txBody>
+          <a:bodyPr wrap="square">
+            <a:spAutoFit/>
+          </a:bodyPr>
+          <a:lstStyle/>
+          <a:p>
+            <a:pPr marL="0" indent="0">
+              <a:buNone/>
+            </a:pPr>
+            <a:r>
+              <a:rPr lang="en-US" altLang="zh-CN" sz="1100" dirty="0"/>
+              <a:t>Server</a:t>
+            </a:r>
+          </a:p>
+        </p:txBody>
+      </p:sp>
     </p:spTree>
     <p:extLst>
       <p:ext uri="{BB962C8B-B14F-4D97-AF65-F5344CB8AC3E}">
-        <p14:creationId xmlns:p14="http://schemas.microsoft.com/office/powerpoint/2010/main" val="2118712361"/>
+        <p14:creationId xmlns:p14="http://schemas.microsoft.com/office/powerpoint/2010/main" val="1507723442"/>
       </p:ext>
     </p:extLst>
   </p:cSld>
@@ -27011,7 +28056,7 @@
           <p:cNvPr id="2" name="Title 1">
             <a:extLst>
               <a:ext uri="{FF2B5EF4-FFF2-40B4-BE49-F238E27FC236}">
-                <a16:creationId xmlns:a16="http://schemas.microsoft.com/office/drawing/2014/main" id="{0FFCBED8-BB7A-EC5A-FA1B-4FBC962CE316}"/>
+                <a16:creationId xmlns:a16="http://schemas.microsoft.com/office/drawing/2014/main" id="{4736E7CC-0BE8-F708-C4BB-9C48D59F8B7D}"/>
               </a:ext>
             </a:extLst>
           </p:cNvPr>
@@ -27033,37 +28078,71 @@
             </a:r>
             <a:r>
               <a:rPr lang="en-US" altLang="zh-CN" sz="4400" dirty="0"/>
-              <a:t> Web App</a:t>
+              <a:t> Web </a:t>
+            </a:r>
+            <a:r>
+              <a:rPr lang="en-US" altLang="zh-CN" dirty="0"/>
+              <a:t>App</a:t>
             </a:r>
             <a:endParaRPr lang="en-SG" dirty="0"/>
           </a:p>
         </p:txBody>
       </p:sp>
-      <p:sp>
-        <p:nvSpPr>
-          <p:cNvPr id="3" name="Content Placeholder 2">
+      <p:pic>
+        <p:nvPicPr>
+          <p:cNvPr id="5" name="Picture 4">
             <a:extLst>
               <a:ext uri="{FF2B5EF4-FFF2-40B4-BE49-F238E27FC236}">
-                <a16:creationId xmlns:a16="http://schemas.microsoft.com/office/drawing/2014/main" id="{7979257D-74B9-76CA-B0B9-BEF5A29BF8C2}"/>
+                <a16:creationId xmlns:a16="http://schemas.microsoft.com/office/drawing/2014/main" id="{8030FC21-66C8-C5D9-B690-F922C9BD2A8D}"/>
               </a:ext>
             </a:extLst>
           </p:cNvPr>
-          <p:cNvSpPr>
-            <a:spLocks noGrp="1"/>
-          </p:cNvSpPr>
-          <p:nvPr>
-            <p:ph idx="1"/>
-          </p:nvPr>
+          <p:cNvPicPr>
+            <a:picLocks noChangeAspect="1"/>
+          </p:cNvPicPr>
+          <p:nvPr/>
+        </p:nvPicPr>
+        <p:blipFill>
+          <a:blip r:embed="rId2"/>
+          <a:stretch>
+            <a:fillRect/>
+          </a:stretch>
+        </p:blipFill>
+        <p:spPr>
+          <a:xfrm>
+            <a:off x="691079" y="3759993"/>
+            <a:ext cx="9831172" cy="2372056"/>
+          </a:xfrm>
+          <a:prstGeom prst="rect">
+            <a:avLst/>
+          </a:prstGeom>
+        </p:spPr>
+      </p:pic>
+      <p:sp>
+        <p:nvSpPr>
+          <p:cNvPr id="6" name="TextBox 5">
+            <a:extLst>
+              <a:ext uri="{FF2B5EF4-FFF2-40B4-BE49-F238E27FC236}">
+                <a16:creationId xmlns:a16="http://schemas.microsoft.com/office/drawing/2014/main" id="{89E08F32-3D2A-8830-83C5-6999E0279C07}"/>
+              </a:ext>
+            </a:extLst>
+          </p:cNvPr>
+          <p:cNvSpPr txBox="1"/>
+          <p:nvPr/>
         </p:nvSpPr>
         <p:spPr>
           <a:xfrm>
-            <a:off x="691079" y="2877230"/>
-            <a:ext cx="10325000" cy="3980770"/>
+            <a:off x="691079" y="3298195"/>
+            <a:ext cx="6115050" cy="261610"/>
           </a:xfrm>
+          <a:prstGeom prst="rect">
+            <a:avLst/>
+          </a:prstGeom>
+          <a:noFill/>
         </p:spPr>
         <p:txBody>
-          <a:bodyPr>
-            <a:normAutofit lnSpcReduction="10000"/>
+          <a:bodyPr wrap="square">
+            <a:spAutoFit/>
           </a:bodyPr>
           <a:lstStyle/>
           <a:p>
@@ -27071,215 +28150,18 @@
               <a:buNone/>
             </a:pPr>
             <a:r>
-              <a:rPr lang="en-SG" sz="1100" b="1" dirty="0"/>
-              <a:t>Render </a:t>
-            </a:r>
-            <a:r>
-              <a:rPr lang="en-SG" sz="1100" b="1" dirty="0" err="1"/>
-              <a:t>Componment</a:t>
-            </a:r>
-            <a:r>
-              <a:rPr lang="en-SG" sz="1100" b="1" dirty="0"/>
-              <a:t>:</a:t>
-            </a:r>
-          </a:p>
-          <a:p>
-            <a:pPr marL="0" indent="0">
-              <a:buNone/>
-            </a:pPr>
-            <a:r>
-              <a:rPr lang="en-SG" sz="1100" dirty="0" err="1"/>
-              <a:t>RazorComponentEndpointInvoker.cs</a:t>
-            </a:r>
-            <a:endParaRPr lang="en-SG" sz="1100" dirty="0"/>
-          </a:p>
-          <a:p>
-            <a:pPr marL="0" indent="0">
-              <a:buNone/>
-            </a:pPr>
-            <a:endParaRPr lang="en-SG" sz="1100" dirty="0"/>
-          </a:p>
-          <a:p>
-            <a:pPr marL="0" indent="0">
-              <a:buNone/>
-            </a:pPr>
-            <a:r>
-              <a:rPr lang="en-SG" sz="1100" dirty="0" err="1"/>
-              <a:t>RazorComponentEndpointInvoker.RenderComponentCore</a:t>
-            </a:r>
-            <a:r>
-              <a:rPr lang="en-SG" sz="1100" dirty="0"/>
-              <a:t> -&gt;</a:t>
-            </a:r>
-          </a:p>
-          <a:p>
-            <a:pPr marL="0" indent="0">
-              <a:buNone/>
-            </a:pPr>
-            <a:r>
-              <a:rPr lang="en-SG" sz="1100" dirty="0"/>
-              <a:t>    </a:t>
-            </a:r>
-            <a:r>
-              <a:rPr lang="en-SG" sz="1100" dirty="0" err="1"/>
-              <a:t>EndpointHtmlRenderer.InitializeStandardComponentServicesAsync</a:t>
-            </a:r>
-            <a:endParaRPr lang="en-SG" sz="1100" dirty="0"/>
-          </a:p>
-          <a:p>
-            <a:pPr marL="0" indent="0">
-              <a:buNone/>
-            </a:pPr>
-            <a:r>
-              <a:rPr lang="en-SG" sz="1100" dirty="0"/>
-              <a:t>    </a:t>
-            </a:r>
-            <a:r>
-              <a:rPr lang="en-SG" sz="1100" dirty="0" err="1"/>
-              <a:t>EndpointHtmlRenderer.RenderEndpointComponent</a:t>
-            </a:r>
-            <a:r>
-              <a:rPr lang="en-SG" sz="1100" dirty="0"/>
-              <a:t>-&gt;</a:t>
-            </a:r>
-          </a:p>
-          <a:p>
-            <a:pPr marL="0" indent="0">
-              <a:buNone/>
-            </a:pPr>
-            <a:r>
-              <a:rPr lang="en-SG" sz="1100" dirty="0"/>
-              <a:t>        </a:t>
-            </a:r>
-            <a:r>
-              <a:rPr lang="en-SG" sz="1100" dirty="0" err="1"/>
-              <a:t>BeginRenderingComponent</a:t>
-            </a:r>
-            <a:r>
-              <a:rPr lang="en-SG" sz="1100" dirty="0"/>
-              <a:t>-&gt;</a:t>
-            </a:r>
-          </a:p>
-          <a:p>
-            <a:pPr marL="0" indent="0">
-              <a:buNone/>
-            </a:pPr>
-            <a:r>
-              <a:rPr lang="en-SG" sz="1100" dirty="0"/>
-              <a:t>            </a:t>
-            </a:r>
-            <a:r>
-              <a:rPr lang="en-SG" sz="1100" b="1" dirty="0" err="1">
-                <a:solidFill>
-                  <a:srgbClr val="FF0000"/>
-                </a:solidFill>
-              </a:rPr>
-              <a:t>ComponentFactory.InstantiateComponent</a:t>
-            </a:r>
-            <a:endParaRPr lang="en-SG" sz="1100" b="1" dirty="0">
-              <a:solidFill>
-                <a:srgbClr val="FF0000"/>
-              </a:solidFill>
-            </a:endParaRPr>
-          </a:p>
-          <a:p>
-            <a:pPr marL="0" indent="0">
-              <a:lnSpc>
-                <a:spcPct val="120000"/>
-              </a:lnSpc>
-              <a:buNone/>
-            </a:pPr>
-            <a:r>
-              <a:rPr lang="en-SG" sz="1100" dirty="0"/>
-              <a:t>        </a:t>
-            </a:r>
-            <a:r>
-              <a:rPr lang="en-SG" sz="1100" dirty="0" err="1"/>
-              <a:t>WaitForResultReady</a:t>
-            </a:r>
-            <a:r>
-              <a:rPr lang="en-SG" sz="1100" dirty="0"/>
-              <a:t>() </a:t>
-            </a:r>
-            <a:r>
-              <a:rPr lang="en-SG" sz="1100" dirty="0">
-                <a:solidFill>
-                  <a:srgbClr val="FF0000"/>
-                </a:solidFill>
-              </a:rPr>
-              <a:t>wait for quiescence of the non-streaming subtrees</a:t>
-            </a:r>
-          </a:p>
-          <a:p>
-            <a:pPr marL="0" indent="0">
-              <a:buNone/>
-            </a:pPr>
-            <a:r>
-              <a:rPr lang="en-SG" sz="1100" dirty="0"/>
-              <a:t>    </a:t>
-            </a:r>
-            <a:r>
-              <a:rPr lang="en-SG" sz="1100" dirty="0" err="1"/>
-              <a:t>EndpointHtmlRenderer.PrerenderPersistedStateAsync</a:t>
-            </a:r>
-            <a:r>
-              <a:rPr lang="en-SG" sz="1100" dirty="0"/>
-              <a:t> -&gt; </a:t>
-            </a:r>
-          </a:p>
-          <a:p>
-            <a:pPr marL="0" indent="0">
-              <a:buNone/>
-            </a:pPr>
-            <a:r>
-              <a:rPr lang="en-SG" sz="1100" dirty="0"/>
-              <a:t>        return </a:t>
-            </a:r>
-            <a:r>
-              <a:rPr lang="en-SG" sz="1100" dirty="0" err="1"/>
-              <a:t>ComponentStateHtmlContent</a:t>
-            </a:r>
-            <a:r>
-              <a:rPr lang="en-SG" sz="1100" dirty="0"/>
-              <a:t> with different </a:t>
-            </a:r>
-            <a:r>
-              <a:rPr lang="en-SG" sz="1100" b="1" dirty="0" err="1"/>
-              <a:t>PrerenderComponentApplicationStore</a:t>
-            </a:r>
-            <a:endParaRPr lang="en-SG" sz="1100" b="1" dirty="0"/>
-          </a:p>
-          <a:p>
-            <a:pPr marL="0" indent="0">
-              <a:buNone/>
-            </a:pPr>
-            <a:r>
-              <a:rPr lang="en-SG" sz="1100" dirty="0"/>
-              <a:t>    </a:t>
-            </a:r>
-          </a:p>
-          <a:p>
-            <a:pPr marL="0" indent="0">
-              <a:buNone/>
-            </a:pPr>
-            <a:r>
-              <a:rPr lang="en-SG" sz="1100" dirty="0"/>
-              <a:t>Write by </a:t>
-            </a:r>
-            <a:r>
-              <a:rPr lang="en-SG" sz="1100" dirty="0" err="1"/>
-              <a:t>HttpResponseStreamWriter</a:t>
-            </a:r>
-            <a:endParaRPr lang="en-SG" sz="1100" dirty="0"/>
+              <a:rPr lang="en-US" altLang="zh-CN" sz="1100" dirty="0"/>
+              <a:t>Auto</a:t>
+            </a:r>
           </a:p>
         </p:txBody>
       </p:sp>
       <p:sp>
         <p:nvSpPr>
-          <p:cNvPr id="4" name="TextBox 3">
+          <p:cNvPr id="7" name="TextBox 6">
             <a:extLst>
               <a:ext uri="{FF2B5EF4-FFF2-40B4-BE49-F238E27FC236}">
-                <a16:creationId xmlns:a16="http://schemas.microsoft.com/office/drawing/2014/main" id="{5058DBD1-6568-DCFE-6947-5003A755FA78}"/>
+                <a16:creationId xmlns:a16="http://schemas.microsoft.com/office/drawing/2014/main" id="{B86D7CCC-F489-C6EA-C767-6E4B001504E4}"/>
               </a:ext>
             </a:extLst>
           </p:cNvPr>
@@ -27312,7 +28194,7 @@
     </p:spTree>
     <p:extLst>
       <p:ext uri="{BB962C8B-B14F-4D97-AF65-F5344CB8AC3E}">
-        <p14:creationId xmlns:p14="http://schemas.microsoft.com/office/powerpoint/2010/main" val="1329779241"/>
+        <p14:creationId xmlns:p14="http://schemas.microsoft.com/office/powerpoint/2010/main" val="2453376837"/>
       </p:ext>
     </p:extLst>
   </p:cSld>
@@ -27368,7 +28250,6 @@
               <a:rPr lang="en-US" altLang="zh-CN" sz="4400" dirty="0"/>
               <a:t> Web App</a:t>
             </a:r>
-            <a:endParaRPr lang="en-SG" dirty="0"/>
           </a:p>
         </p:txBody>
       </p:sp>
@@ -27388,10 +28269,15 @@
             <p:ph idx="1"/>
           </p:nvPr>
         </p:nvSpPr>
-        <p:spPr/>
+        <p:spPr>
+          <a:xfrm>
+            <a:off x="593425" y="2700098"/>
+            <a:ext cx="4457970" cy="3980770"/>
+          </a:xfrm>
+        </p:spPr>
         <p:txBody>
           <a:bodyPr>
-            <a:normAutofit fontScale="92500" lnSpcReduction="10000"/>
+            <a:normAutofit/>
           </a:bodyPr>
           <a:lstStyle/>
           <a:p>
@@ -27399,8 +28285,16 @@
               <a:buNone/>
             </a:pPr>
             <a:r>
-              <a:rPr lang="en-SG" sz="1200" b="1" dirty="0"/>
-              <a:t>Create Component:</a:t>
+              <a:rPr lang="en-SG" sz="1100" b="1" dirty="0"/>
+              <a:t>Render </a:t>
+            </a:r>
+            <a:r>
+              <a:rPr lang="en-SG" sz="1100" b="1" dirty="0" err="1"/>
+              <a:t>Componment</a:t>
+            </a:r>
+            <a:r>
+              <a:rPr lang="en-SG" sz="1100" b="1" dirty="0"/>
+              <a:t>:</a:t>
             </a:r>
           </a:p>
           <a:p>
@@ -27408,178 +28302,9 @@
               <a:buNone/>
             </a:pPr>
             <a:r>
-              <a:rPr lang="en-SG" sz="1200" dirty="0" err="1"/>
-              <a:t>ComponentFactory.cs</a:t>
-            </a:r>
-            <a:endParaRPr lang="en-SG" sz="1200" dirty="0"/>
-          </a:p>
-          <a:p>
-            <a:pPr marL="0" indent="0">
-              <a:buNone/>
-            </a:pPr>
-            <a:r>
-              <a:rPr lang="en-SG" sz="1200" dirty="0"/>
-              <a:t>  </a:t>
-            </a:r>
-            <a:r>
-              <a:rPr lang="en-SG" sz="1200" dirty="0" err="1"/>
-              <a:t>ComponentFactory.InstantiateComponent</a:t>
-            </a:r>
-            <a:endParaRPr lang="en-SG" sz="1200" dirty="0"/>
-          </a:p>
-          <a:p>
-            <a:pPr marL="0" indent="0">
-              <a:buNone/>
-            </a:pPr>
-            <a:r>
-              <a:rPr lang="en-SG" sz="1200" dirty="0"/>
-              <a:t>    </a:t>
-            </a:r>
-            <a:r>
-              <a:rPr lang="en-SG" sz="1200" b="1" dirty="0" err="1">
-                <a:solidFill>
-                  <a:srgbClr val="FF0000"/>
-                </a:solidFill>
-              </a:rPr>
-              <a:t>Renderer.ResolveComponentForRenderMode</a:t>
-            </a:r>
-            <a:r>
-              <a:rPr lang="en-SG" sz="1200" b="1" dirty="0">
-                <a:solidFill>
-                  <a:srgbClr val="FF0000"/>
-                </a:solidFill>
-              </a:rPr>
-              <a:t> </a:t>
-            </a:r>
-            <a:r>
-              <a:rPr lang="en-SG" sz="1200" dirty="0">
-                <a:solidFill>
-                  <a:srgbClr val="FF0000"/>
-                </a:solidFill>
-              </a:rPr>
-              <a:t>-&gt; override by </a:t>
-            </a:r>
-            <a:r>
-              <a:rPr lang="en-SG" sz="1200" b="1" dirty="0" err="1">
-                <a:solidFill>
-                  <a:srgbClr val="FF0000"/>
-                </a:solidFill>
-              </a:rPr>
-              <a:t>EndpointHtmlRenderer</a:t>
-            </a:r>
-            <a:r>
-              <a:rPr lang="en-SG" sz="1200" b="1" dirty="0">
-                <a:solidFill>
-                  <a:srgbClr val="FF0000"/>
-                </a:solidFill>
-              </a:rPr>
-              <a:t>/</a:t>
-            </a:r>
-            <a:r>
-              <a:rPr lang="en-SG" sz="1200" b="1" dirty="0" err="1">
-                <a:solidFill>
-                  <a:srgbClr val="FF0000"/>
-                </a:solidFill>
-              </a:rPr>
-              <a:t>WebAssemblyRenderer</a:t>
-            </a:r>
-            <a:r>
-              <a:rPr lang="en-SG" sz="1200" b="1" dirty="0">
-                <a:solidFill>
-                  <a:srgbClr val="FF0000"/>
-                </a:solidFill>
-              </a:rPr>
-              <a:t> : </a:t>
-            </a:r>
-            <a:r>
-              <a:rPr lang="en-SG" sz="1200" b="1" dirty="0" err="1">
-                <a:solidFill>
-                  <a:srgbClr val="FF0000"/>
-                </a:solidFill>
-              </a:rPr>
-              <a:t>WebRenderer</a:t>
-            </a:r>
-            <a:r>
-              <a:rPr lang="en-SG" sz="1200" b="1" dirty="0">
-                <a:solidFill>
-                  <a:srgbClr val="FF0000"/>
-                </a:solidFill>
-              </a:rPr>
-              <a:t> / </a:t>
-            </a:r>
-            <a:r>
-              <a:rPr lang="en-SG" sz="1200" b="1" dirty="0" err="1">
-                <a:solidFill>
-                  <a:srgbClr val="FF0000"/>
-                </a:solidFill>
-              </a:rPr>
-              <a:t>RemoteRenderer</a:t>
-            </a:r>
-            <a:r>
-              <a:rPr lang="en-SG" sz="1200" b="1" dirty="0">
-                <a:solidFill>
-                  <a:srgbClr val="FF0000"/>
-                </a:solidFill>
-              </a:rPr>
-              <a:t> : </a:t>
-            </a:r>
-            <a:r>
-              <a:rPr lang="en-SG" sz="1200" b="1" dirty="0" err="1">
-                <a:solidFill>
-                  <a:srgbClr val="FF0000"/>
-                </a:solidFill>
-              </a:rPr>
-              <a:t>WebRenderer</a:t>
-            </a:r>
-            <a:endParaRPr lang="en-SG" sz="1200" b="1" dirty="0">
-              <a:solidFill>
-                <a:srgbClr val="FF0000"/>
-              </a:solidFill>
-            </a:endParaRPr>
-          </a:p>
-          <a:p>
-            <a:pPr marL="0" indent="0">
-              <a:buNone/>
-            </a:pPr>
-            <a:r>
-              <a:rPr lang="en-SG" sz="1200" dirty="0"/>
-              <a:t>      -&gt;</a:t>
-            </a:r>
-            <a:r>
-              <a:rPr lang="en-SG" sz="1200" dirty="0" err="1"/>
-              <a:t>IComponentActivator.CreateInstance</a:t>
-            </a:r>
-            <a:r>
-              <a:rPr lang="en-SG" sz="1200" dirty="0"/>
-              <a:t> -&gt;Implement by </a:t>
-            </a:r>
-            <a:r>
-              <a:rPr lang="en-SG" sz="1200" dirty="0" err="1"/>
-              <a:t>DefaultComponentActivator</a:t>
-            </a:r>
-            <a:r>
-              <a:rPr lang="en-SG" sz="1200" dirty="0"/>
-              <a:t> </a:t>
-            </a:r>
-          </a:p>
-          <a:p>
-            <a:pPr marL="0" indent="0">
-              <a:buNone/>
-            </a:pPr>
-            <a:r>
-              <a:rPr lang="en-SG" sz="1200" dirty="0"/>
-              <a:t>      -&gt;</a:t>
-            </a:r>
-            <a:r>
-              <a:rPr lang="en-SG" sz="1200" dirty="0" err="1"/>
-              <a:t>PrerenderPersistedStateAsync</a:t>
-            </a:r>
-            <a:endParaRPr lang="en-SG" sz="1200" dirty="0"/>
-          </a:p>
-          <a:p>
-            <a:pPr marL="0" indent="0">
-              <a:buNone/>
-            </a:pPr>
+              <a:rPr lang="en-SG" sz="1100" dirty="0" err="1"/>
+              <a:t>RazorComponentEndpointInvoker.cs</a:t>
+            </a:r>
             <a:endParaRPr lang="en-SG" sz="1100" dirty="0"/>
           </a:p>
           <a:p>
@@ -27598,7 +28323,7 @@
             </a:r>
             <a:r>
               <a:rPr lang="en-SG" sz="1100" dirty="0"/>
-              <a:t> -&gt;</a:t>
+              <a:t>()</a:t>
             </a:r>
           </a:p>
           <a:p>
@@ -27607,15 +28332,15 @@
             </a:pPr>
             <a:r>
               <a:rPr lang="en-SG" sz="1100" dirty="0"/>
-              <a:t>  </a:t>
+              <a:t>1. Initialize </a:t>
             </a:r>
             <a:r>
               <a:rPr lang="en-SG" sz="1100" dirty="0" err="1"/>
-              <a:t>EndpointHtmlRenderer.RenderEndpointComponent</a:t>
+              <a:t>StreamingRendering</a:t>
             </a:r>
             <a:r>
               <a:rPr lang="en-SG" sz="1100" dirty="0"/>
-              <a:t>-&gt;</a:t>
+              <a:t> Framing</a:t>
             </a:r>
           </a:p>
           <a:p>
@@ -27624,7 +28349,7 @@
             </a:pPr>
             <a:r>
               <a:rPr lang="en-SG" sz="1100" dirty="0"/>
-              <a:t>  </a:t>
+              <a:t>2. Initialize Standard Component Services</a:t>
             </a:r>
           </a:p>
           <a:p>
@@ -27633,11 +28358,20 @@
             </a:pPr>
             <a:r>
               <a:rPr lang="en-SG" sz="1100" dirty="0"/>
-              <a:t>…-&gt; </a:t>
+              <a:t>3. Render Endpoint Component </a:t>
+            </a:r>
+          </a:p>
+          <a:p>
+            <a:pPr marL="0" indent="0">
+              <a:buNone/>
+            </a:pPr>
+            <a:r>
+              <a:rPr lang="en-SG" sz="1100" dirty="0"/>
+              <a:t>    3.1 </a:t>
             </a:r>
             <a:r>
               <a:rPr lang="en-SG" sz="1100" dirty="0" err="1"/>
-              <a:t>ComponmentFactory.InstantiateComponent</a:t>
+              <a:t>InstantiateComponent</a:t>
             </a:r>
             <a:endParaRPr lang="en-SG" sz="1100" dirty="0"/>
           </a:p>
@@ -27645,14 +28379,122 @@
             <a:pPr marL="0" indent="0">
               <a:buNone/>
             </a:pPr>
-            <a:endParaRPr lang="en-SG" sz="1000" dirty="0"/>
+            <a:r>
+              <a:rPr lang="en-SG" sz="1100" dirty="0"/>
+              <a:t>        </a:t>
+            </a:r>
+            <a:r>
+              <a:rPr lang="en-SG" sz="1100" b="1" dirty="0"/>
+              <a:t>3.1.1 </a:t>
+            </a:r>
+            <a:r>
+              <a:rPr lang="en-SG" sz="1100" b="1" dirty="0" err="1"/>
+              <a:t>ResolveComponentForRenderMode</a:t>
+            </a:r>
+            <a:endParaRPr lang="en-SG" sz="1100" b="1" dirty="0"/>
+          </a:p>
+          <a:p>
+            <a:pPr marL="0" indent="0">
+              <a:buNone/>
+            </a:pPr>
+            <a:r>
+              <a:rPr lang="en-SG" sz="1100" dirty="0"/>
+              <a:t>    3.2 Waiting for </a:t>
+            </a:r>
+            <a:r>
+              <a:rPr lang="en-SG" sz="1100" dirty="0" err="1"/>
+              <a:t>quiesence</a:t>
+            </a:r>
+            <a:r>
+              <a:rPr lang="en-SG" sz="1100" dirty="0"/>
+              <a:t>(none stream Rendering) complete</a:t>
+            </a:r>
+          </a:p>
+          <a:p>
+            <a:pPr marL="0" indent="0">
+              <a:buNone/>
+            </a:pPr>
+            <a:r>
+              <a:rPr lang="en-SG" sz="1100" dirty="0"/>
+              <a:t>4. write by </a:t>
+            </a:r>
+            <a:r>
+              <a:rPr lang="en-SG" sz="1100" dirty="0" err="1"/>
+              <a:t>HttpResponseStreamWriter</a:t>
+            </a:r>
+            <a:endParaRPr lang="en-SG" sz="1100" dirty="0"/>
           </a:p>
         </p:txBody>
       </p:sp>
+      <p:sp>
+        <p:nvSpPr>
+          <p:cNvPr id="4" name="TextBox 3">
+            <a:extLst>
+              <a:ext uri="{FF2B5EF4-FFF2-40B4-BE49-F238E27FC236}">
+                <a16:creationId xmlns:a16="http://schemas.microsoft.com/office/drawing/2014/main" id="{4E5FB163-623D-D608-CFF8-944DAE443425}"/>
+              </a:ext>
+            </a:extLst>
+          </p:cNvPr>
+          <p:cNvSpPr txBox="1"/>
+          <p:nvPr/>
+        </p:nvSpPr>
+        <p:spPr>
+          <a:xfrm>
+            <a:off x="691079" y="2354347"/>
+            <a:ext cx="1865690" cy="369332"/>
+          </a:xfrm>
+          <a:prstGeom prst="rect">
+            <a:avLst/>
+          </a:prstGeom>
+          <a:noFill/>
+        </p:spPr>
+        <p:txBody>
+          <a:bodyPr wrap="square">
+            <a:spAutoFit/>
+          </a:bodyPr>
+          <a:lstStyle/>
+          <a:p>
+            <a:r>
+              <a:rPr lang="en-SG" dirty="0"/>
+              <a:t>Render Mode</a:t>
+            </a:r>
+          </a:p>
+        </p:txBody>
+      </p:sp>
+      <p:pic>
+        <p:nvPicPr>
+          <p:cNvPr id="7" name="Picture 6">
+            <a:extLst>
+              <a:ext uri="{FF2B5EF4-FFF2-40B4-BE49-F238E27FC236}">
+                <a16:creationId xmlns:a16="http://schemas.microsoft.com/office/drawing/2014/main" id="{EE95C34F-AB6E-B07C-EE51-88D873E322B1}"/>
+              </a:ext>
+            </a:extLst>
+          </p:cNvPr>
+          <p:cNvPicPr>
+            <a:picLocks noChangeAspect="1"/>
+          </p:cNvPicPr>
+          <p:nvPr/>
+        </p:nvPicPr>
+        <p:blipFill>
+          <a:blip r:embed="rId2"/>
+          <a:stretch>
+            <a:fillRect/>
+          </a:stretch>
+        </p:blipFill>
+        <p:spPr>
+          <a:xfrm>
+            <a:off x="5465365" y="1961965"/>
+            <a:ext cx="5913358" cy="4265626"/>
+          </a:xfrm>
+          <a:prstGeom prst="rect">
+            <a:avLst/>
+          </a:prstGeom>
+        </p:spPr>
+      </p:pic>
     </p:spTree>
     <p:extLst>
       <p:ext uri="{BB962C8B-B14F-4D97-AF65-F5344CB8AC3E}">
-        <p14:creationId xmlns:p14="http://schemas.microsoft.com/office/powerpoint/2010/main" val="3457719316"/>
+        <p14:creationId xmlns:p14="http://schemas.microsoft.com/office/powerpoint/2010/main" val="2118712361"/>
       </p:ext>
     </p:extLst>
   </p:cSld>

--- a/Blazor in .net 8.pptx
+++ b/Blazor in .net 8.pptx
@@ -30,6 +30,7 @@
     <p:sldId id="285" r:id="rId24"/>
     <p:sldId id="278" r:id="rId25"/>
     <p:sldId id="287" r:id="rId26"/>
+    <p:sldId id="288" r:id="rId27"/>
   </p:sldIdLst>
   <p:sldSz cx="12192000" cy="6858000"/>
   <p:notesSz cx="6858000" cy="9144000"/>
@@ -1802,7 +1803,7 @@
           <a:p>
             <a:fld id="{8F72BA41-EC5B-4197-BCC8-0FD2E523CD7A}" type="datetimeFigureOut">
               <a:rPr lang="en-US" smtClean="0"/>
-              <a:t>11/14/2023</a:t>
+              <a:t>11/15/2023</a:t>
             </a:fld>
             <a:endParaRPr lang="en-US"/>
           </a:p>
@@ -2005,7 +2006,7 @@
           <a:p>
             <a:fld id="{8F72BA41-EC5B-4197-BCC8-0FD2E523CD7A}" type="datetimeFigureOut">
               <a:rPr lang="en-US" smtClean="0"/>
-              <a:t>11/14/2023</a:t>
+              <a:t>11/15/2023</a:t>
             </a:fld>
             <a:endParaRPr lang="en-US"/>
           </a:p>
@@ -3726,7 +3727,7 @@
           <a:p>
             <a:fld id="{8F72BA41-EC5B-4197-BCC8-0FD2E523CD7A}" type="datetimeFigureOut">
               <a:rPr lang="en-US" smtClean="0"/>
-              <a:t>11/14/2023</a:t>
+              <a:t>11/15/2023</a:t>
             </a:fld>
             <a:endParaRPr lang="en-US"/>
           </a:p>
@@ -3925,7 +3926,7 @@
           <a:p>
             <a:fld id="{8F72BA41-EC5B-4197-BCC8-0FD2E523CD7A}" type="datetimeFigureOut">
               <a:rPr lang="en-US" smtClean="0"/>
-              <a:t>11/14/2023</a:t>
+              <a:t>11/15/2023</a:t>
             </a:fld>
             <a:endParaRPr lang="en-US"/>
           </a:p>
@@ -5715,7 +5716,7 @@
           <a:p>
             <a:fld id="{8F72BA41-EC5B-4197-BCC8-0FD2E523CD7A}" type="datetimeFigureOut">
               <a:rPr lang="en-US" smtClean="0"/>
-              <a:t>11/14/2023</a:t>
+              <a:t>11/15/2023</a:t>
             </a:fld>
             <a:endParaRPr lang="en-US"/>
           </a:p>
@@ -5988,7 +5989,7 @@
           <a:p>
             <a:fld id="{8F72BA41-EC5B-4197-BCC8-0FD2E523CD7A}" type="datetimeFigureOut">
               <a:rPr lang="en-US" smtClean="0"/>
-              <a:t>11/14/2023</a:t>
+              <a:t>11/15/2023</a:t>
             </a:fld>
             <a:endParaRPr lang="en-US"/>
           </a:p>
@@ -6408,7 +6409,7 @@
           <a:p>
             <a:fld id="{8F72BA41-EC5B-4197-BCC8-0FD2E523CD7A}" type="datetimeFigureOut">
               <a:rPr lang="en-US" smtClean="0"/>
-              <a:t>11/14/2023</a:t>
+              <a:t>11/15/2023</a:t>
             </a:fld>
             <a:endParaRPr lang="en-US"/>
           </a:p>
@@ -6564,7 +6565,7 @@
           <a:p>
             <a:fld id="{8F72BA41-EC5B-4197-BCC8-0FD2E523CD7A}" type="datetimeFigureOut">
               <a:rPr lang="en-US" smtClean="0"/>
-              <a:t>11/14/2023</a:t>
+              <a:t>11/15/2023</a:t>
             </a:fld>
             <a:endParaRPr lang="en-US"/>
           </a:p>
@@ -8132,7 +8133,7 @@
           <a:p>
             <a:fld id="{8F72BA41-EC5B-4197-BCC8-0FD2E523CD7A}" type="datetimeFigureOut">
               <a:rPr lang="en-US" smtClean="0"/>
-              <a:t>11/14/2023</a:t>
+              <a:t>11/15/2023</a:t>
             </a:fld>
             <a:endParaRPr lang="en-US"/>
           </a:p>
@@ -9983,7 +9984,7 @@
           <a:p>
             <a:fld id="{8F72BA41-EC5B-4197-BCC8-0FD2E523CD7A}" type="datetimeFigureOut">
               <a:rPr lang="en-US" smtClean="0"/>
-              <a:t>11/14/2023</a:t>
+              <a:t>11/15/2023</a:t>
             </a:fld>
             <a:endParaRPr lang="en-US"/>
           </a:p>
@@ -11796,7 +11797,7 @@
           <a:p>
             <a:fld id="{8F72BA41-EC5B-4197-BCC8-0FD2E523CD7A}" type="datetimeFigureOut">
               <a:rPr lang="en-US" smtClean="0"/>
-              <a:t>11/14/2023</a:t>
+              <a:t>11/15/2023</a:t>
             </a:fld>
             <a:endParaRPr lang="en-US"/>
           </a:p>
@@ -13490,7 +13491,7 @@
             <a:fld id="{8F72BA41-EC5B-4197-BCC8-0FD2E523CD7A}" type="datetimeFigureOut">
               <a:rPr lang="en-US" smtClean="0"/>
               <a:pPr/>
-              <a:t>11/14/2023</a:t>
+              <a:t>11/15/2023</a:t>
             </a:fld>
             <a:endParaRPr lang="en-US" dirty="0"/>
           </a:p>
@@ -22558,7 +22559,11 @@
               <a:buChar char="o"/>
             </a:pPr>
             <a:r>
-              <a:rPr lang="en-SG" sz="1400" dirty="0"/>
+              <a:rPr lang="en-SG" sz="1400" dirty="0">
+                <a:solidFill>
+                  <a:srgbClr val="00B050"/>
+                </a:solidFill>
+              </a:rPr>
               <a:t>Webcil packaging</a:t>
             </a:r>
           </a:p>
@@ -22571,14 +22576,26 @@
               <a:buChar char="o"/>
             </a:pPr>
             <a:r>
-              <a:rPr lang="en-SG" sz="1400" dirty="0"/>
+              <a:rPr lang="en-SG" sz="1400" dirty="0">
+                <a:solidFill>
+                  <a:srgbClr val="00B050"/>
+                </a:solidFill>
+              </a:rPr>
               <a:t>Add </a:t>
             </a:r>
             <a:r>
-              <a:rPr lang="en-SG" sz="1400" dirty="0" err="1"/>
+              <a:rPr lang="en-SG" sz="1400" dirty="0" err="1">
+                <a:solidFill>
+                  <a:srgbClr val="00B050"/>
+                </a:solidFill>
+              </a:rPr>
               <a:t>CascadingValue</a:t>
             </a:r>
-            <a:endParaRPr lang="en-SG" sz="1400" dirty="0"/>
+            <a:endParaRPr lang="en-SG" sz="1400" dirty="0">
+              <a:solidFill>
+                <a:srgbClr val="00B050"/>
+              </a:solidFill>
+            </a:endParaRPr>
           </a:p>
           <a:p>
             <a:pPr marL="707400" indent="-285750">
@@ -22589,7 +22606,11 @@
               <a:buChar char="o"/>
             </a:pPr>
             <a:r>
-              <a:rPr lang="en-SG" sz="1400" dirty="0"/>
+              <a:rPr lang="en-SG" sz="1400" dirty="0">
+                <a:solidFill>
+                  <a:srgbClr val="00B050"/>
+                </a:solidFill>
+              </a:rPr>
               <a:t>Inject keyed services</a:t>
             </a:r>
           </a:p>
@@ -22602,7 +22623,11 @@
               <a:buChar char="o"/>
             </a:pPr>
             <a:r>
-              <a:rPr lang="en-SG" sz="1400" dirty="0"/>
+              <a:rPr lang="en-SG" sz="1400" dirty="0">
+                <a:solidFill>
+                  <a:srgbClr val="00B050"/>
+                </a:solidFill>
+              </a:rPr>
               <a:t>Route to named elements</a:t>
             </a:r>
           </a:p>
@@ -27475,7 +27500,7 @@
           <a:p>
             <a:r>
               <a:rPr lang="en-SG" sz="1200" dirty="0"/>
-              <a:t> Webcil files use a standard </a:t>
+              <a:t>Webcil files use a standard </a:t>
             </a:r>
             <a:r>
               <a:rPr lang="en-SG" sz="1200" dirty="0" err="1"/>
@@ -27520,6 +27545,20 @@
             <a:r>
               <a:rPr lang="en-SG" sz="1200" dirty="0"/>
               <a:t>.</a:t>
+            </a:r>
+          </a:p>
+          <a:p>
+            <a:r>
+              <a:rPr lang="en-SG" sz="1200" dirty="0"/>
+              <a:t>Output at </a:t>
+            </a:r>
+            <a:r>
+              <a:rPr lang="en-SG" sz="1200" dirty="0" err="1"/>
+              <a:t>wwwroot</a:t>
+            </a:r>
+            <a:r>
+              <a:rPr lang="en-SG" sz="1200" dirty="0"/>
+              <a:t>\_framework</a:t>
             </a:r>
           </a:p>
         </p:txBody>
@@ -27546,7 +27585,7 @@
         </p:blipFill>
         <p:spPr>
           <a:xfrm>
-            <a:off x="5612352" y="1699934"/>
+            <a:off x="6020723" y="1699934"/>
             <a:ext cx="2648320" cy="3991532"/>
           </a:xfrm>
           <a:prstGeom prst="rect">
@@ -27576,7 +27615,7 @@
         </p:blipFill>
         <p:spPr>
           <a:xfrm>
-            <a:off x="8839385" y="1626095"/>
+            <a:off x="9247756" y="1626095"/>
             <a:ext cx="2905530" cy="4505954"/>
           </a:xfrm>
           <a:prstGeom prst="rect">
@@ -27598,7 +27637,7 @@
         </p:nvSpPr>
         <p:spPr>
           <a:xfrm>
-            <a:off x="6359372" y="6285937"/>
+            <a:off x="6767743" y="6285937"/>
             <a:ext cx="973584" cy="338554"/>
           </a:xfrm>
           <a:prstGeom prst="rect">
@@ -27645,7 +27684,7 @@
         </p:nvSpPr>
         <p:spPr>
           <a:xfrm>
-            <a:off x="9636711" y="6285937"/>
+            <a:off x="10045082" y="6285937"/>
             <a:ext cx="973584" cy="338554"/>
           </a:xfrm>
           <a:prstGeom prst="rect">
@@ -27717,6 +27756,44 @@
               <a:t>Webcil packaging</a:t>
             </a:r>
             <a:endParaRPr lang="en-SG" dirty="0"/>
+          </a:p>
+        </p:txBody>
+      </p:sp>
+      <p:sp>
+        <p:nvSpPr>
+          <p:cNvPr id="6" name="TextBox 5">
+            <a:extLst>
+              <a:ext uri="{FF2B5EF4-FFF2-40B4-BE49-F238E27FC236}">
+                <a16:creationId xmlns:a16="http://schemas.microsoft.com/office/drawing/2014/main" id="{4887F504-FE7E-1DB8-2984-3352FC756BC3}"/>
+              </a:ext>
+            </a:extLst>
+          </p:cNvPr>
+          <p:cNvSpPr txBox="1"/>
+          <p:nvPr/>
+        </p:nvSpPr>
+        <p:spPr>
+          <a:xfrm>
+            <a:off x="569652" y="6246705"/>
+            <a:ext cx="5526348" cy="276999"/>
+          </a:xfrm>
+          <a:prstGeom prst="rect">
+            <a:avLst/>
+          </a:prstGeom>
+          <a:noFill/>
+        </p:spPr>
+        <p:txBody>
+          <a:bodyPr wrap="square">
+            <a:spAutoFit/>
+          </a:bodyPr>
+          <a:lstStyle/>
+          <a:p>
+            <a:r>
+              <a:rPr lang="en-SG" sz="1200" dirty="0">
+                <a:hlinkClick r:id="rId4"/>
+              </a:rPr>
+              <a:t>https://github.com/dotnet/runtime/blob/main/docs/design/mono/webcil.md</a:t>
+            </a:r>
+            <a:endParaRPr lang="en-SG" sz="1200" dirty="0"/>
           </a:p>
         </p:txBody>
       </p:sp>
@@ -28325,6 +28402,1142 @@
     <p:extLst>
       <p:ext uri="{BB962C8B-B14F-4D97-AF65-F5344CB8AC3E}">
         <p14:creationId xmlns:p14="http://schemas.microsoft.com/office/powerpoint/2010/main" val="163131687"/>
+      </p:ext>
+    </p:extLst>
+  </p:cSld>
+  <p:clrMapOvr>
+    <a:masterClrMapping/>
+  </p:clrMapOvr>
+</p:sld>
+</file>
+
+<file path=ppt/slides/slide26.xml><?xml version="1.0" encoding="utf-8"?>
+<p:sld xmlns:a="http://schemas.openxmlformats.org/drawingml/2006/main" xmlns:r="http://schemas.openxmlformats.org/officeDocument/2006/relationships" xmlns:p="http://schemas.openxmlformats.org/presentationml/2006/main">
+  <p:cSld>
+    <p:spTree>
+      <p:nvGrpSpPr>
+        <p:cNvPr id="1" name=""/>
+        <p:cNvGrpSpPr/>
+        <p:nvPr/>
+      </p:nvGrpSpPr>
+      <p:grpSpPr>
+        <a:xfrm>
+          <a:off x="0" y="0"/>
+          <a:ext cx="0" cy="0"/>
+          <a:chOff x="0" y="0"/>
+          <a:chExt cx="0" cy="0"/>
+        </a:xfrm>
+      </p:grpSpPr>
+      <p:sp>
+        <p:nvSpPr>
+          <p:cNvPr id="2" name="Title 1">
+            <a:extLst>
+              <a:ext uri="{FF2B5EF4-FFF2-40B4-BE49-F238E27FC236}">
+                <a16:creationId xmlns:a16="http://schemas.microsoft.com/office/drawing/2014/main" id="{BBC83AB1-0AF2-6D24-E1E0-D88ED07F1605}"/>
+              </a:ext>
+            </a:extLst>
+          </p:cNvPr>
+          <p:cNvSpPr>
+            <a:spLocks noGrp="1"/>
+          </p:cNvSpPr>
+          <p:nvPr>
+            <p:ph type="title"/>
+          </p:nvPr>
+        </p:nvSpPr>
+        <p:spPr/>
+        <p:txBody>
+          <a:bodyPr/>
+          <a:lstStyle/>
+          <a:p>
+            <a:r>
+              <a:rPr lang="en-US" altLang="zh-CN" dirty="0"/>
+              <a:t>New Features</a:t>
+            </a:r>
+            <a:endParaRPr lang="en-SG" dirty="0"/>
+          </a:p>
+        </p:txBody>
+      </p:sp>
+      <p:sp>
+        <p:nvSpPr>
+          <p:cNvPr id="4" name="TextBox 3">
+            <a:extLst>
+              <a:ext uri="{FF2B5EF4-FFF2-40B4-BE49-F238E27FC236}">
+                <a16:creationId xmlns:a16="http://schemas.microsoft.com/office/drawing/2014/main" id="{D7BBA0C5-4478-4D54-E484-B0FCE4B6857B}"/>
+              </a:ext>
+            </a:extLst>
+          </p:cNvPr>
+          <p:cNvSpPr txBox="1"/>
+          <p:nvPr/>
+        </p:nvSpPr>
+        <p:spPr>
+          <a:xfrm>
+            <a:off x="910943" y="2399866"/>
+            <a:ext cx="3572279" cy="369332"/>
+          </a:xfrm>
+          <a:prstGeom prst="rect">
+            <a:avLst/>
+          </a:prstGeom>
+          <a:noFill/>
+        </p:spPr>
+        <p:txBody>
+          <a:bodyPr wrap="square">
+            <a:spAutoFit/>
+          </a:bodyPr>
+          <a:lstStyle/>
+          <a:p>
+            <a:r>
+              <a:rPr lang="en-SG" sz="1800" kern="1200" dirty="0">
+                <a:solidFill>
+                  <a:schemeClr val="dk1"/>
+                </a:solidFill>
+                <a:latin typeface="+mn-lt"/>
+                <a:ea typeface="Microsoft GothicNeo" panose="020B0503020000020004" pitchFamily="34" charset="-127"/>
+                <a:cs typeface="Microsoft GothicNeo" panose="020B0503020000020004" pitchFamily="34" charset="-127"/>
+              </a:rPr>
+              <a:t>Route to named elements</a:t>
+            </a:r>
+          </a:p>
+        </p:txBody>
+      </p:sp>
+      <p:sp>
+        <p:nvSpPr>
+          <p:cNvPr id="6" name="TextBox 5">
+            <a:extLst>
+              <a:ext uri="{FF2B5EF4-FFF2-40B4-BE49-F238E27FC236}">
+                <a16:creationId xmlns:a16="http://schemas.microsoft.com/office/drawing/2014/main" id="{15B53406-D53C-12AF-849C-A31F7E1BA344}"/>
+              </a:ext>
+            </a:extLst>
+          </p:cNvPr>
+          <p:cNvSpPr txBox="1"/>
+          <p:nvPr/>
+        </p:nvSpPr>
+        <p:spPr>
+          <a:xfrm>
+            <a:off x="956057" y="3202991"/>
+            <a:ext cx="6116714" cy="261610"/>
+          </a:xfrm>
+          <a:prstGeom prst="rect">
+            <a:avLst/>
+          </a:prstGeom>
+          <a:noFill/>
+        </p:spPr>
+        <p:txBody>
+          <a:bodyPr wrap="square">
+            <a:spAutoFit/>
+          </a:bodyPr>
+          <a:lstStyle/>
+          <a:p>
+            <a:r>
+              <a:rPr lang="en-SG" sz="1100" b="0" i="0" dirty="0" err="1">
+                <a:solidFill>
+                  <a:srgbClr val="161616"/>
+                </a:solidFill>
+                <a:effectLst/>
+                <a:latin typeface="Cascadia Code" panose="020B0609020000020004" pitchFamily="49" charset="0"/>
+                <a:cs typeface="Cascadia Code" panose="020B0609020000020004" pitchFamily="49" charset="0"/>
+              </a:rPr>
+              <a:t>Navigation.NavigateTo</a:t>
+            </a:r>
+            <a:r>
+              <a:rPr lang="en-SG" sz="1100" b="0" i="0" dirty="0">
+                <a:solidFill>
+                  <a:srgbClr val="161616"/>
+                </a:solidFill>
+                <a:effectLst/>
+                <a:latin typeface="Cascadia Code" panose="020B0609020000020004" pitchFamily="49" charset="0"/>
+                <a:cs typeface="Cascadia Code" panose="020B0609020000020004" pitchFamily="49" charset="0"/>
+              </a:rPr>
+              <a:t>(</a:t>
+            </a:r>
+            <a:r>
+              <a:rPr lang="en-SG" sz="1100" b="0" i="0" dirty="0">
+                <a:solidFill>
+                  <a:srgbClr val="A31515"/>
+                </a:solidFill>
+                <a:effectLst/>
+                <a:latin typeface="Cascadia Code" panose="020B0609020000020004" pitchFamily="49" charset="0"/>
+                <a:cs typeface="Cascadia Code" panose="020B0609020000020004" pitchFamily="49" charset="0"/>
+              </a:rPr>
+              <a:t>"/</a:t>
+            </a:r>
+            <a:r>
+              <a:rPr lang="en-SG" sz="1100" b="0" i="0" dirty="0" err="1">
+                <a:solidFill>
+                  <a:srgbClr val="A31515"/>
+                </a:solidFill>
+                <a:effectLst/>
+                <a:latin typeface="Cascadia Code" panose="020B0609020000020004" pitchFamily="49" charset="0"/>
+                <a:cs typeface="Cascadia Code" panose="020B0609020000020004" pitchFamily="49" charset="0"/>
+              </a:rPr>
+              <a:t>counter#targetElement</a:t>
+            </a:r>
+            <a:r>
+              <a:rPr lang="en-SG" sz="1100" b="0" i="0" dirty="0">
+                <a:solidFill>
+                  <a:srgbClr val="A31515"/>
+                </a:solidFill>
+                <a:effectLst/>
+                <a:latin typeface="Cascadia Code" panose="020B0609020000020004" pitchFamily="49" charset="0"/>
+                <a:cs typeface="Cascadia Code" panose="020B0609020000020004" pitchFamily="49" charset="0"/>
+              </a:rPr>
+              <a:t>"</a:t>
+            </a:r>
+            <a:r>
+              <a:rPr lang="en-SG" sz="1100" b="0" i="0" dirty="0">
+                <a:solidFill>
+                  <a:srgbClr val="161616"/>
+                </a:solidFill>
+                <a:effectLst/>
+                <a:latin typeface="Cascadia Code" panose="020B0609020000020004" pitchFamily="49" charset="0"/>
+                <a:cs typeface="Cascadia Code" panose="020B0609020000020004" pitchFamily="49" charset="0"/>
+              </a:rPr>
+              <a:t>);</a:t>
+            </a:r>
+            <a:endParaRPr lang="en-SG" sz="1100" dirty="0">
+              <a:latin typeface="Cascadia Code" panose="020B0609020000020004" pitchFamily="49" charset="0"/>
+              <a:cs typeface="Cascadia Code" panose="020B0609020000020004" pitchFamily="49" charset="0"/>
+            </a:endParaRPr>
+          </a:p>
+        </p:txBody>
+      </p:sp>
+      <p:sp>
+        <p:nvSpPr>
+          <p:cNvPr id="8" name="TextBox 7">
+            <a:extLst>
+              <a:ext uri="{FF2B5EF4-FFF2-40B4-BE49-F238E27FC236}">
+                <a16:creationId xmlns:a16="http://schemas.microsoft.com/office/drawing/2014/main" id="{60274AF0-C9ED-62D9-C20E-E0364C373494}"/>
+              </a:ext>
+            </a:extLst>
+          </p:cNvPr>
+          <p:cNvSpPr txBox="1"/>
+          <p:nvPr/>
+        </p:nvSpPr>
+        <p:spPr>
+          <a:xfrm>
+            <a:off x="956057" y="3979832"/>
+            <a:ext cx="6493034" cy="430887"/>
+          </a:xfrm>
+          <a:prstGeom prst="rect">
+            <a:avLst/>
+          </a:prstGeom>
+          <a:noFill/>
+        </p:spPr>
+        <p:txBody>
+          <a:bodyPr wrap="square">
+            <a:spAutoFit/>
+          </a:bodyPr>
+          <a:lstStyle/>
+          <a:p>
+            <a:r>
+              <a:rPr lang="en-SG" sz="1100" b="0" i="0" dirty="0">
+                <a:solidFill>
+                  <a:srgbClr val="0101FD"/>
+                </a:solidFill>
+                <a:effectLst/>
+                <a:latin typeface="Cascadia Mono" panose="020B0609020000020004" pitchFamily="49" charset="0"/>
+                <a:cs typeface="Cascadia Mono" panose="020B0609020000020004" pitchFamily="49" charset="0"/>
+              </a:rPr>
+              <a:t>&lt;div </a:t>
+            </a:r>
+            <a:r>
+              <a:rPr lang="en-SG" sz="1100" b="0" i="0" dirty="0">
+                <a:solidFill>
+                  <a:srgbClr val="0451A5"/>
+                </a:solidFill>
+                <a:effectLst/>
+                <a:latin typeface="Cascadia Mono" panose="020B0609020000020004" pitchFamily="49" charset="0"/>
+                <a:cs typeface="Cascadia Mono" panose="020B0609020000020004" pitchFamily="49" charset="0"/>
+              </a:rPr>
+              <a:t>class</a:t>
+            </a:r>
+            <a:r>
+              <a:rPr lang="en-SG" sz="1100" b="0" i="0" dirty="0">
+                <a:solidFill>
+                  <a:srgbClr val="0101FD"/>
+                </a:solidFill>
+                <a:effectLst/>
+                <a:latin typeface="Cascadia Mono" panose="020B0609020000020004" pitchFamily="49" charset="0"/>
+                <a:cs typeface="Cascadia Mono" panose="020B0609020000020004" pitchFamily="49" charset="0"/>
+              </a:rPr>
+              <a:t>=</a:t>
+            </a:r>
+            <a:r>
+              <a:rPr lang="en-SG" sz="1100" b="0" i="0" dirty="0">
+                <a:solidFill>
+                  <a:srgbClr val="A31515"/>
+                </a:solidFill>
+                <a:effectLst/>
+                <a:latin typeface="Cascadia Mono" panose="020B0609020000020004" pitchFamily="49" charset="0"/>
+                <a:cs typeface="Cascadia Mono" panose="020B0609020000020004" pitchFamily="49" charset="0"/>
+              </a:rPr>
+              <a:t>"border border-info rounded </a:t>
+            </a:r>
+            <a:r>
+              <a:rPr lang="en-SG" sz="1100" b="0" i="0" dirty="0" err="1">
+                <a:solidFill>
+                  <a:srgbClr val="A31515"/>
+                </a:solidFill>
+                <a:effectLst/>
+                <a:latin typeface="Cascadia Mono" panose="020B0609020000020004" pitchFamily="49" charset="0"/>
+                <a:cs typeface="Cascadia Mono" panose="020B0609020000020004" pitchFamily="49" charset="0"/>
+              </a:rPr>
+              <a:t>bg</a:t>
+            </a:r>
+            <a:r>
+              <a:rPr lang="en-SG" sz="1100" b="0" i="0" dirty="0">
+                <a:solidFill>
+                  <a:srgbClr val="A31515"/>
+                </a:solidFill>
+                <a:effectLst/>
+                <a:latin typeface="Cascadia Mono" panose="020B0609020000020004" pitchFamily="49" charset="0"/>
+                <a:cs typeface="Cascadia Mono" panose="020B0609020000020004" pitchFamily="49" charset="0"/>
+              </a:rPr>
+              <a:t>-info"</a:t>
+            </a:r>
+            <a:r>
+              <a:rPr lang="en-SG" sz="1100" b="0" i="0" dirty="0">
+                <a:solidFill>
+                  <a:srgbClr val="0101FD"/>
+                </a:solidFill>
+                <a:effectLst/>
+                <a:latin typeface="Cascadia Mono" panose="020B0609020000020004" pitchFamily="49" charset="0"/>
+                <a:cs typeface="Cascadia Mono" panose="020B0609020000020004" pitchFamily="49" charset="0"/>
+              </a:rPr>
+              <a:t> </a:t>
+            </a:r>
+            <a:r>
+              <a:rPr lang="en-SG" sz="1100" b="0" i="0" dirty="0">
+                <a:solidFill>
+                  <a:srgbClr val="0451A5"/>
+                </a:solidFill>
+                <a:effectLst/>
+                <a:latin typeface="Cascadia Mono" panose="020B0609020000020004" pitchFamily="49" charset="0"/>
+                <a:cs typeface="Cascadia Mono" panose="020B0609020000020004" pitchFamily="49" charset="0"/>
+              </a:rPr>
+              <a:t>style</a:t>
+            </a:r>
+            <a:r>
+              <a:rPr lang="en-SG" sz="1100" b="0" i="0" dirty="0">
+                <a:solidFill>
+                  <a:srgbClr val="0101FD"/>
+                </a:solidFill>
+                <a:effectLst/>
+                <a:latin typeface="Cascadia Mono" panose="020B0609020000020004" pitchFamily="49" charset="0"/>
+                <a:cs typeface="Cascadia Mono" panose="020B0609020000020004" pitchFamily="49" charset="0"/>
+              </a:rPr>
+              <a:t>=</a:t>
+            </a:r>
+            <a:r>
+              <a:rPr lang="en-SG" sz="1100" b="0" i="0" dirty="0">
+                <a:solidFill>
+                  <a:srgbClr val="A31515"/>
+                </a:solidFill>
+                <a:effectLst/>
+                <a:latin typeface="Cascadia Mono" panose="020B0609020000020004" pitchFamily="49" charset="0"/>
+                <a:cs typeface="Cascadia Mono" panose="020B0609020000020004" pitchFamily="49" charset="0"/>
+              </a:rPr>
+              <a:t>"height:500px"</a:t>
+            </a:r>
+            <a:r>
+              <a:rPr lang="en-SG" sz="1100" b="0" i="0" dirty="0">
+                <a:solidFill>
+                  <a:srgbClr val="0101FD"/>
+                </a:solidFill>
+                <a:effectLst/>
+                <a:latin typeface="Cascadia Mono" panose="020B0609020000020004" pitchFamily="49" charset="0"/>
+                <a:cs typeface="Cascadia Mono" panose="020B0609020000020004" pitchFamily="49" charset="0"/>
+              </a:rPr>
+              <a:t>&gt;&lt;/div&gt;</a:t>
+            </a:r>
+            <a:r>
+              <a:rPr lang="en-SG" sz="1100" b="0" i="0" dirty="0">
+                <a:solidFill>
+                  <a:srgbClr val="161616"/>
+                </a:solidFill>
+                <a:effectLst/>
+                <a:latin typeface="Cascadia Mono" panose="020B0609020000020004" pitchFamily="49" charset="0"/>
+                <a:cs typeface="Cascadia Mono" panose="020B0609020000020004" pitchFamily="49" charset="0"/>
+              </a:rPr>
+              <a:t> </a:t>
+            </a:r>
+          </a:p>
+          <a:p>
+            <a:r>
+              <a:rPr lang="en-SG" sz="1100" b="0" i="0" dirty="0">
+                <a:solidFill>
+                  <a:srgbClr val="0101FD"/>
+                </a:solidFill>
+                <a:effectLst/>
+                <a:latin typeface="Cascadia Mono" panose="020B0609020000020004" pitchFamily="49" charset="0"/>
+                <a:cs typeface="Cascadia Mono" panose="020B0609020000020004" pitchFamily="49" charset="0"/>
+              </a:rPr>
+              <a:t>&lt;h2 </a:t>
+            </a:r>
+            <a:r>
+              <a:rPr lang="en-SG" sz="1100" b="0" i="0" dirty="0">
+                <a:solidFill>
+                  <a:srgbClr val="0451A5"/>
+                </a:solidFill>
+                <a:effectLst/>
+                <a:latin typeface="Cascadia Mono" panose="020B0609020000020004" pitchFamily="49" charset="0"/>
+                <a:cs typeface="Cascadia Mono" panose="020B0609020000020004" pitchFamily="49" charset="0"/>
+              </a:rPr>
+              <a:t>id</a:t>
+            </a:r>
+            <a:r>
+              <a:rPr lang="en-SG" sz="1100" b="0" i="0" dirty="0">
+                <a:solidFill>
+                  <a:srgbClr val="0101FD"/>
+                </a:solidFill>
+                <a:effectLst/>
+                <a:latin typeface="Cascadia Mono" panose="020B0609020000020004" pitchFamily="49" charset="0"/>
+                <a:cs typeface="Cascadia Mono" panose="020B0609020000020004" pitchFamily="49" charset="0"/>
+              </a:rPr>
+              <a:t>=</a:t>
+            </a:r>
+            <a:r>
+              <a:rPr lang="en-SG" sz="1100" b="0" i="0" dirty="0">
+                <a:solidFill>
+                  <a:srgbClr val="A31515"/>
+                </a:solidFill>
+                <a:effectLst/>
+                <a:latin typeface="Cascadia Mono" panose="020B0609020000020004" pitchFamily="49" charset="0"/>
+                <a:cs typeface="Cascadia Mono" panose="020B0609020000020004" pitchFamily="49" charset="0"/>
+              </a:rPr>
+              <a:t>"</a:t>
+            </a:r>
+            <a:r>
+              <a:rPr lang="en-SG" sz="1100" b="0" i="0" dirty="0" err="1">
+                <a:solidFill>
+                  <a:srgbClr val="A31515"/>
+                </a:solidFill>
+                <a:effectLst/>
+                <a:latin typeface="Cascadia Mono" panose="020B0609020000020004" pitchFamily="49" charset="0"/>
+                <a:cs typeface="Cascadia Mono" panose="020B0609020000020004" pitchFamily="49" charset="0"/>
+              </a:rPr>
+              <a:t>targetElement</a:t>
+            </a:r>
+            <a:r>
+              <a:rPr lang="en-SG" sz="1100" b="0" i="0" dirty="0">
+                <a:solidFill>
+                  <a:srgbClr val="A31515"/>
+                </a:solidFill>
+                <a:effectLst/>
+                <a:latin typeface="Cascadia Mono" panose="020B0609020000020004" pitchFamily="49" charset="0"/>
+                <a:cs typeface="Cascadia Mono" panose="020B0609020000020004" pitchFamily="49" charset="0"/>
+              </a:rPr>
+              <a:t>"</a:t>
+            </a:r>
+            <a:r>
+              <a:rPr lang="en-SG" sz="1100" b="0" i="0" dirty="0">
+                <a:solidFill>
+                  <a:srgbClr val="0101FD"/>
+                </a:solidFill>
+                <a:effectLst/>
+                <a:latin typeface="Cascadia Mono" panose="020B0609020000020004" pitchFamily="49" charset="0"/>
+                <a:cs typeface="Cascadia Mono" panose="020B0609020000020004" pitchFamily="49" charset="0"/>
+              </a:rPr>
+              <a:t>&gt;</a:t>
+            </a:r>
+            <a:r>
+              <a:rPr lang="en-SG" sz="1100" b="0" i="0" dirty="0">
+                <a:solidFill>
+                  <a:srgbClr val="161616"/>
+                </a:solidFill>
+                <a:effectLst/>
+                <a:latin typeface="Cascadia Mono" panose="020B0609020000020004" pitchFamily="49" charset="0"/>
+                <a:cs typeface="Cascadia Mono" panose="020B0609020000020004" pitchFamily="49" charset="0"/>
+              </a:rPr>
+              <a:t>Target H2 heading</a:t>
+            </a:r>
+            <a:r>
+              <a:rPr lang="en-SG" sz="1100" b="0" i="0" dirty="0">
+                <a:solidFill>
+                  <a:srgbClr val="0101FD"/>
+                </a:solidFill>
+                <a:effectLst/>
+                <a:latin typeface="Cascadia Mono" panose="020B0609020000020004" pitchFamily="49" charset="0"/>
+                <a:cs typeface="Cascadia Mono" panose="020B0609020000020004" pitchFamily="49" charset="0"/>
+              </a:rPr>
+              <a:t>&lt;/h2&gt;</a:t>
+            </a:r>
+            <a:r>
+              <a:rPr lang="en-SG" sz="1100" b="0" i="0" dirty="0">
+                <a:solidFill>
+                  <a:srgbClr val="161616"/>
+                </a:solidFill>
+                <a:effectLst/>
+                <a:latin typeface="Cascadia Mono" panose="020B0609020000020004" pitchFamily="49" charset="0"/>
+                <a:cs typeface="Cascadia Mono" panose="020B0609020000020004" pitchFamily="49" charset="0"/>
+              </a:rPr>
+              <a:t> </a:t>
+            </a:r>
+            <a:r>
+              <a:rPr lang="en-SG" sz="1100" b="0" i="0" dirty="0">
+                <a:solidFill>
+                  <a:srgbClr val="0101FD"/>
+                </a:solidFill>
+                <a:effectLst/>
+                <a:latin typeface="Cascadia Mono" panose="020B0609020000020004" pitchFamily="49" charset="0"/>
+                <a:cs typeface="Cascadia Mono" panose="020B0609020000020004" pitchFamily="49" charset="0"/>
+              </a:rPr>
+              <a:t>&lt;p&gt;</a:t>
+            </a:r>
+            <a:r>
+              <a:rPr lang="en-SG" sz="1100" b="0" i="0" dirty="0">
+                <a:solidFill>
+                  <a:srgbClr val="161616"/>
+                </a:solidFill>
+                <a:effectLst/>
+                <a:latin typeface="Cascadia Mono" panose="020B0609020000020004" pitchFamily="49" charset="0"/>
+                <a:cs typeface="Cascadia Mono" panose="020B0609020000020004" pitchFamily="49" charset="0"/>
+              </a:rPr>
+              <a:t>Content!</a:t>
+            </a:r>
+            <a:r>
+              <a:rPr lang="en-SG" sz="1100" b="0" i="0" dirty="0">
+                <a:solidFill>
+                  <a:srgbClr val="0101FD"/>
+                </a:solidFill>
+                <a:effectLst/>
+                <a:latin typeface="Cascadia Mono" panose="020B0609020000020004" pitchFamily="49" charset="0"/>
+                <a:cs typeface="Cascadia Mono" panose="020B0609020000020004" pitchFamily="49" charset="0"/>
+              </a:rPr>
+              <a:t>&lt;/p&gt;</a:t>
+            </a:r>
+            <a:endParaRPr lang="en-SG" sz="1100" dirty="0">
+              <a:latin typeface="Cascadia Mono" panose="020B0609020000020004" pitchFamily="49" charset="0"/>
+              <a:cs typeface="Cascadia Mono" panose="020B0609020000020004" pitchFamily="49" charset="0"/>
+            </a:endParaRPr>
+          </a:p>
+        </p:txBody>
+      </p:sp>
+      <p:sp>
+        <p:nvSpPr>
+          <p:cNvPr id="12" name="Content Placeholder 2">
+            <a:extLst>
+              <a:ext uri="{FF2B5EF4-FFF2-40B4-BE49-F238E27FC236}">
+                <a16:creationId xmlns:a16="http://schemas.microsoft.com/office/drawing/2014/main" id="{A332F15A-CF2B-BBF0-1368-51899C03A827}"/>
+              </a:ext>
+            </a:extLst>
+          </p:cNvPr>
+          <p:cNvSpPr>
+            <a:spLocks noGrp="1"/>
+          </p:cNvSpPr>
+          <p:nvPr>
+            <p:ph idx="1"/>
+          </p:nvPr>
+        </p:nvSpPr>
+        <p:spPr>
+          <a:xfrm>
+            <a:off x="910943" y="2769199"/>
+            <a:ext cx="10325000" cy="314676"/>
+          </a:xfrm>
+        </p:spPr>
+        <p:txBody>
+          <a:bodyPr>
+            <a:normAutofit/>
+          </a:bodyPr>
+          <a:lstStyle/>
+          <a:p>
+            <a:r>
+              <a:rPr lang="en-SG" sz="1200" dirty="0"/>
+              <a:t>Navigate to a named element using the following approaches with a hashed (#) reference to the element. </a:t>
+            </a:r>
+          </a:p>
+        </p:txBody>
+      </p:sp>
+      <p:sp>
+        <p:nvSpPr>
+          <p:cNvPr id="14" name="TextBox 13">
+            <a:extLst>
+              <a:ext uri="{FF2B5EF4-FFF2-40B4-BE49-F238E27FC236}">
+                <a16:creationId xmlns:a16="http://schemas.microsoft.com/office/drawing/2014/main" id="{A294F592-6472-43AB-8E9F-8C370388DB2E}"/>
+              </a:ext>
+            </a:extLst>
+          </p:cNvPr>
+          <p:cNvSpPr txBox="1"/>
+          <p:nvPr/>
+        </p:nvSpPr>
+        <p:spPr>
+          <a:xfrm>
+            <a:off x="956057" y="3583717"/>
+            <a:ext cx="6116714" cy="276999"/>
+          </a:xfrm>
+          <a:prstGeom prst="rect">
+            <a:avLst/>
+          </a:prstGeom>
+          <a:noFill/>
+        </p:spPr>
+        <p:txBody>
+          <a:bodyPr wrap="square">
+            <a:spAutoFit/>
+          </a:bodyPr>
+          <a:lstStyle/>
+          <a:p>
+            <a:r>
+              <a:rPr lang="en-SG" sz="1200" dirty="0"/>
+              <a:t>Will Navigate to Element: </a:t>
+            </a:r>
+            <a:r>
+              <a:rPr lang="en-SG" sz="1200" b="1" dirty="0"/>
+              <a:t>&lt;h2 id="</a:t>
+            </a:r>
+            <a:r>
+              <a:rPr lang="en-SG" sz="1200" b="1" dirty="0" err="1"/>
+              <a:t>targetElement</a:t>
+            </a:r>
+            <a:r>
+              <a:rPr lang="en-SG" sz="1200" b="1" dirty="0"/>
+              <a:t>"&gt; </a:t>
+            </a:r>
+            <a:r>
+              <a:rPr lang="en-SG" sz="1200" dirty="0"/>
+              <a:t>in /counter page</a:t>
+            </a:r>
+          </a:p>
+        </p:txBody>
+      </p:sp>
+      <p:sp>
+        <p:nvSpPr>
+          <p:cNvPr id="15" name="TextBox 14">
+            <a:extLst>
+              <a:ext uri="{FF2B5EF4-FFF2-40B4-BE49-F238E27FC236}">
+                <a16:creationId xmlns:a16="http://schemas.microsoft.com/office/drawing/2014/main" id="{D7B309CC-793D-DB14-1A8B-5248523FB6B4}"/>
+              </a:ext>
+            </a:extLst>
+          </p:cNvPr>
+          <p:cNvSpPr txBox="1"/>
+          <p:nvPr/>
+        </p:nvSpPr>
+        <p:spPr>
+          <a:xfrm>
+            <a:off x="956057" y="6059929"/>
+            <a:ext cx="6116714" cy="430887"/>
+          </a:xfrm>
+          <a:prstGeom prst="rect">
+            <a:avLst/>
+          </a:prstGeom>
+          <a:noFill/>
+        </p:spPr>
+        <p:txBody>
+          <a:bodyPr wrap="square">
+            <a:spAutoFit/>
+          </a:bodyPr>
+          <a:lstStyle/>
+          <a:p>
+            <a:r>
+              <a:rPr lang="en-SG" sz="1100" dirty="0">
+                <a:solidFill>
+                  <a:srgbClr val="000000"/>
+                </a:solidFill>
+                <a:latin typeface="Cascadia Mono" panose="020B0609020000020004" pitchFamily="49" charset="0"/>
+              </a:rPr>
+              <a:t>[</a:t>
+            </a:r>
+            <a:r>
+              <a:rPr lang="en-SG" sz="1100" dirty="0">
+                <a:solidFill>
+                  <a:srgbClr val="2B91AF"/>
+                </a:solidFill>
+                <a:latin typeface="Cascadia Mono" panose="020B0609020000020004" pitchFamily="49" charset="0"/>
+              </a:rPr>
+              <a:t>Inject</a:t>
+            </a:r>
+            <a:r>
+              <a:rPr lang="en-SG" sz="1100" dirty="0">
+                <a:solidFill>
+                  <a:srgbClr val="000000"/>
+                </a:solidFill>
+                <a:latin typeface="Cascadia Mono" panose="020B0609020000020004" pitchFamily="49" charset="0"/>
+              </a:rPr>
+              <a:t>(Key = </a:t>
+            </a:r>
+            <a:r>
+              <a:rPr lang="en-SG" sz="1100" dirty="0">
+                <a:solidFill>
+                  <a:srgbClr val="A31515"/>
+                </a:solidFill>
+                <a:latin typeface="Cascadia Mono" panose="020B0609020000020004" pitchFamily="49" charset="0"/>
+              </a:rPr>
+              <a:t>"forecast-service"</a:t>
+            </a:r>
+            <a:r>
+              <a:rPr lang="en-SG" sz="1100" dirty="0">
+                <a:solidFill>
+                  <a:srgbClr val="000000"/>
+                </a:solidFill>
+                <a:latin typeface="Cascadia Mono" panose="020B0609020000020004" pitchFamily="49" charset="0"/>
+              </a:rPr>
+              <a:t>)]</a:t>
+            </a:r>
+          </a:p>
+          <a:p>
+            <a:r>
+              <a:rPr lang="en-SG" sz="1100" dirty="0">
+                <a:solidFill>
+                  <a:srgbClr val="0000FF"/>
+                </a:solidFill>
+                <a:latin typeface="Cascadia Mono" panose="020B0609020000020004" pitchFamily="49" charset="0"/>
+              </a:rPr>
+              <a:t>public</a:t>
+            </a:r>
+            <a:r>
+              <a:rPr lang="en-SG" sz="1100" dirty="0">
+                <a:solidFill>
+                  <a:srgbClr val="000000"/>
+                </a:solidFill>
+                <a:latin typeface="Cascadia Mono" panose="020B0609020000020004" pitchFamily="49" charset="0"/>
+              </a:rPr>
+              <a:t> </a:t>
+            </a:r>
+            <a:r>
+              <a:rPr lang="en-SG" sz="1100" dirty="0" err="1">
+                <a:solidFill>
+                  <a:srgbClr val="2B91AF"/>
+                </a:solidFill>
+                <a:latin typeface="Cascadia Mono" panose="020B0609020000020004" pitchFamily="49" charset="0"/>
+              </a:rPr>
+              <a:t>WeatherForecastService</a:t>
+            </a:r>
+            <a:r>
+              <a:rPr lang="en-SG" sz="1100" dirty="0">
+                <a:solidFill>
+                  <a:srgbClr val="000000"/>
+                </a:solidFill>
+                <a:latin typeface="Cascadia Mono" panose="020B0609020000020004" pitchFamily="49" charset="0"/>
+              </a:rPr>
+              <a:t> </a:t>
+            </a:r>
+            <a:r>
+              <a:rPr lang="en-SG" sz="1100" dirty="0" err="1">
+                <a:solidFill>
+                  <a:srgbClr val="000000"/>
+                </a:solidFill>
+                <a:latin typeface="Cascadia Mono" panose="020B0609020000020004" pitchFamily="49" charset="0"/>
+              </a:rPr>
+              <a:t>ForecastService</a:t>
+            </a:r>
+            <a:r>
+              <a:rPr lang="en-SG" sz="1100" dirty="0">
+                <a:solidFill>
+                  <a:srgbClr val="000000"/>
+                </a:solidFill>
+                <a:latin typeface="Cascadia Mono" panose="020B0609020000020004" pitchFamily="49" charset="0"/>
+              </a:rPr>
+              <a:t> { </a:t>
+            </a:r>
+            <a:r>
+              <a:rPr lang="en-SG" sz="1100" dirty="0">
+                <a:solidFill>
+                  <a:srgbClr val="0000FF"/>
+                </a:solidFill>
+                <a:latin typeface="Cascadia Mono" panose="020B0609020000020004" pitchFamily="49" charset="0"/>
+              </a:rPr>
+              <a:t>get</a:t>
+            </a:r>
+            <a:r>
+              <a:rPr lang="en-SG" sz="1100" dirty="0">
+                <a:solidFill>
+                  <a:srgbClr val="000000"/>
+                </a:solidFill>
+                <a:latin typeface="Cascadia Mono" panose="020B0609020000020004" pitchFamily="49" charset="0"/>
+              </a:rPr>
+              <a:t>; </a:t>
+            </a:r>
+            <a:r>
+              <a:rPr lang="en-SG" sz="1100" dirty="0">
+                <a:solidFill>
+                  <a:srgbClr val="0000FF"/>
+                </a:solidFill>
+                <a:latin typeface="Cascadia Mono" panose="020B0609020000020004" pitchFamily="49" charset="0"/>
+              </a:rPr>
+              <a:t>set</a:t>
+            </a:r>
+            <a:r>
+              <a:rPr lang="en-SG" sz="1100" dirty="0">
+                <a:solidFill>
+                  <a:srgbClr val="000000"/>
+                </a:solidFill>
+                <a:latin typeface="Cascadia Mono" panose="020B0609020000020004" pitchFamily="49" charset="0"/>
+              </a:rPr>
+              <a:t>; }</a:t>
+            </a:r>
+            <a:endParaRPr lang="en-SG" sz="1100" dirty="0">
+              <a:latin typeface="Cascadia Mono" panose="020B0609020000020004" pitchFamily="49" charset="0"/>
+              <a:cs typeface="Cascadia Mono" panose="020B0609020000020004" pitchFamily="49" charset="0"/>
+            </a:endParaRPr>
+          </a:p>
+        </p:txBody>
+      </p:sp>
+      <p:sp>
+        <p:nvSpPr>
+          <p:cNvPr id="16" name="TextBox 15">
+            <a:extLst>
+              <a:ext uri="{FF2B5EF4-FFF2-40B4-BE49-F238E27FC236}">
+                <a16:creationId xmlns:a16="http://schemas.microsoft.com/office/drawing/2014/main" id="{6D855DAE-B11D-D92C-D41F-72CE29DA175A}"/>
+              </a:ext>
+            </a:extLst>
+          </p:cNvPr>
+          <p:cNvSpPr txBox="1"/>
+          <p:nvPr/>
+        </p:nvSpPr>
+        <p:spPr>
+          <a:xfrm>
+            <a:off x="910943" y="4829414"/>
+            <a:ext cx="3572279" cy="369332"/>
+          </a:xfrm>
+          <a:prstGeom prst="rect">
+            <a:avLst/>
+          </a:prstGeom>
+          <a:noFill/>
+        </p:spPr>
+        <p:txBody>
+          <a:bodyPr wrap="square">
+            <a:spAutoFit/>
+          </a:bodyPr>
+          <a:lstStyle/>
+          <a:p>
+            <a:r>
+              <a:rPr lang="en-SG" sz="1800" dirty="0"/>
+              <a:t>Inject keyed services</a:t>
+            </a:r>
+            <a:endParaRPr lang="en-SG" sz="1800" kern="1200" dirty="0">
+              <a:solidFill>
+                <a:schemeClr val="dk1"/>
+              </a:solidFill>
+              <a:latin typeface="+mn-lt"/>
+              <a:ea typeface="Microsoft GothicNeo" panose="020B0503020000020004" pitchFamily="34" charset="-127"/>
+              <a:cs typeface="Microsoft GothicNeo" panose="020B0503020000020004" pitchFamily="34" charset="-127"/>
+            </a:endParaRPr>
+          </a:p>
+        </p:txBody>
+      </p:sp>
+      <p:sp>
+        <p:nvSpPr>
+          <p:cNvPr id="17" name="Content Placeholder 2">
+            <a:extLst>
+              <a:ext uri="{FF2B5EF4-FFF2-40B4-BE49-F238E27FC236}">
+                <a16:creationId xmlns:a16="http://schemas.microsoft.com/office/drawing/2014/main" id="{93AFA5FA-C67A-7050-DC0A-716DFCC43D58}"/>
+              </a:ext>
+            </a:extLst>
+          </p:cNvPr>
+          <p:cNvSpPr txBox="1">
+            <a:spLocks/>
+          </p:cNvSpPr>
+          <p:nvPr/>
+        </p:nvSpPr>
+        <p:spPr>
+          <a:xfrm>
+            <a:off x="910943" y="5198747"/>
+            <a:ext cx="10325000" cy="435640"/>
+          </a:xfrm>
+          <a:prstGeom prst="rect">
+            <a:avLst/>
+          </a:prstGeom>
+        </p:spPr>
+        <p:txBody>
+          <a:bodyPr vert="horz" lIns="91440" tIns="45720" rIns="91440" bIns="45720" rtlCol="0">
+            <a:normAutofit/>
+          </a:bodyPr>
+          <a:lstStyle>
+            <a:lvl1pPr marL="228600" indent="-228600" algn="l" defTabSz="914400" rtl="0" eaLnBrk="1" latinLnBrk="0" hangingPunct="1">
+              <a:lnSpc>
+                <a:spcPct val="110000"/>
+              </a:lnSpc>
+              <a:spcBef>
+                <a:spcPts val="1000"/>
+              </a:spcBef>
+              <a:buClr>
+                <a:schemeClr val="tx2">
+                  <a:lumMod val="50000"/>
+                  <a:lumOff val="50000"/>
+                </a:schemeClr>
+              </a:buClr>
+              <a:buSzPct val="75000"/>
+              <a:buFont typeface="Wingdings" panose="05000000000000000000" pitchFamily="2" charset="2"/>
+              <a:buChar char="§"/>
+              <a:defRPr sz="2000" kern="1200">
+                <a:solidFill>
+                  <a:schemeClr val="tx2"/>
+                </a:solidFill>
+                <a:latin typeface="+mn-lt"/>
+                <a:ea typeface="+mn-ea"/>
+                <a:cs typeface="+mn-cs"/>
+              </a:defRPr>
+            </a:lvl1pPr>
+            <a:lvl2pPr marL="457200" indent="-228600" algn="l" defTabSz="914400" rtl="0" eaLnBrk="1" latinLnBrk="0" hangingPunct="1">
+              <a:lnSpc>
+                <a:spcPct val="110000"/>
+              </a:lnSpc>
+              <a:spcBef>
+                <a:spcPts val="500"/>
+              </a:spcBef>
+              <a:buClr>
+                <a:schemeClr val="tx2">
+                  <a:lumMod val="50000"/>
+                  <a:lumOff val="50000"/>
+                </a:schemeClr>
+              </a:buClr>
+              <a:buSzPct val="75000"/>
+              <a:buFont typeface="Wingdings" panose="05000000000000000000" pitchFamily="2" charset="2"/>
+              <a:buChar char="§"/>
+              <a:defRPr sz="1800" kern="1200">
+                <a:solidFill>
+                  <a:schemeClr val="tx2"/>
+                </a:solidFill>
+                <a:latin typeface="+mn-lt"/>
+                <a:ea typeface="+mn-ea"/>
+                <a:cs typeface="+mn-cs"/>
+              </a:defRPr>
+            </a:lvl2pPr>
+            <a:lvl3pPr marL="685800" indent="-228600" algn="l" defTabSz="914400" rtl="0" eaLnBrk="1" latinLnBrk="0" hangingPunct="1">
+              <a:lnSpc>
+                <a:spcPct val="110000"/>
+              </a:lnSpc>
+              <a:spcBef>
+                <a:spcPts val="500"/>
+              </a:spcBef>
+              <a:buClr>
+                <a:schemeClr val="tx2">
+                  <a:lumMod val="50000"/>
+                  <a:lumOff val="50000"/>
+                </a:schemeClr>
+              </a:buClr>
+              <a:buSzPct val="75000"/>
+              <a:buFont typeface="Wingdings" panose="05000000000000000000" pitchFamily="2" charset="2"/>
+              <a:buChar char="§"/>
+              <a:defRPr sz="1600" kern="1200">
+                <a:solidFill>
+                  <a:schemeClr val="tx2"/>
+                </a:solidFill>
+                <a:latin typeface="+mn-lt"/>
+                <a:ea typeface="+mn-ea"/>
+                <a:cs typeface="+mn-cs"/>
+              </a:defRPr>
+            </a:lvl3pPr>
+            <a:lvl4pPr marL="914400" indent="-228600" algn="l" defTabSz="914400" rtl="0" eaLnBrk="1" latinLnBrk="0" hangingPunct="1">
+              <a:lnSpc>
+                <a:spcPct val="110000"/>
+              </a:lnSpc>
+              <a:spcBef>
+                <a:spcPts val="500"/>
+              </a:spcBef>
+              <a:buClr>
+                <a:schemeClr val="tx2">
+                  <a:lumMod val="50000"/>
+                  <a:lumOff val="50000"/>
+                </a:schemeClr>
+              </a:buClr>
+              <a:buSzPct val="75000"/>
+              <a:buFont typeface="Wingdings" panose="05000000000000000000" pitchFamily="2" charset="2"/>
+              <a:buChar char="§"/>
+              <a:defRPr sz="1400" kern="1200">
+                <a:solidFill>
+                  <a:schemeClr val="tx2"/>
+                </a:solidFill>
+                <a:latin typeface="+mn-lt"/>
+                <a:ea typeface="+mn-ea"/>
+                <a:cs typeface="+mn-cs"/>
+              </a:defRPr>
+            </a:lvl4pPr>
+            <a:lvl5pPr marL="1143000" indent="-228600" algn="l" defTabSz="914400" rtl="0" eaLnBrk="1" latinLnBrk="0" hangingPunct="1">
+              <a:lnSpc>
+                <a:spcPct val="110000"/>
+              </a:lnSpc>
+              <a:spcBef>
+                <a:spcPts val="500"/>
+              </a:spcBef>
+              <a:buClr>
+                <a:schemeClr val="tx2">
+                  <a:lumMod val="50000"/>
+                  <a:lumOff val="50000"/>
+                </a:schemeClr>
+              </a:buClr>
+              <a:buSzPct val="75000"/>
+              <a:buFont typeface="Wingdings" panose="05000000000000000000" pitchFamily="2" charset="2"/>
+              <a:buChar char="§"/>
+              <a:defRPr sz="1400" kern="1200">
+                <a:solidFill>
+                  <a:schemeClr val="tx2"/>
+                </a:solidFill>
+                <a:latin typeface="+mn-lt"/>
+                <a:ea typeface="+mn-ea"/>
+                <a:cs typeface="+mn-cs"/>
+              </a:defRPr>
+            </a:lvl5pPr>
+            <a:lvl6pPr marL="2514600" indent="-228600" algn="l" defTabSz="914400" rtl="0" eaLnBrk="1" latinLnBrk="0" hangingPunct="1">
+              <a:lnSpc>
+                <a:spcPct val="90000"/>
+              </a:lnSpc>
+              <a:spcBef>
+                <a:spcPts val="500"/>
+              </a:spcBef>
+              <a:buFont typeface="Arial" panose="020B0604020202020204" pitchFamily="34" charset="0"/>
+              <a:buChar char="•"/>
+              <a:defRPr sz="1800" kern="1200">
+                <a:solidFill>
+                  <a:schemeClr val="tx1"/>
+                </a:solidFill>
+                <a:latin typeface="+mn-lt"/>
+                <a:ea typeface="+mn-ea"/>
+                <a:cs typeface="+mn-cs"/>
+              </a:defRPr>
+            </a:lvl6pPr>
+            <a:lvl7pPr marL="2971800" indent="-228600" algn="l" defTabSz="914400" rtl="0" eaLnBrk="1" latinLnBrk="0" hangingPunct="1">
+              <a:lnSpc>
+                <a:spcPct val="90000"/>
+              </a:lnSpc>
+              <a:spcBef>
+                <a:spcPts val="500"/>
+              </a:spcBef>
+              <a:buFont typeface="Arial" panose="020B0604020202020204" pitchFamily="34" charset="0"/>
+              <a:buChar char="•"/>
+              <a:defRPr sz="1800" kern="1200">
+                <a:solidFill>
+                  <a:schemeClr val="tx1"/>
+                </a:solidFill>
+                <a:latin typeface="+mn-lt"/>
+                <a:ea typeface="+mn-ea"/>
+                <a:cs typeface="+mn-cs"/>
+              </a:defRPr>
+            </a:lvl7pPr>
+            <a:lvl8pPr marL="3429000" indent="-228600" algn="l" defTabSz="914400" rtl="0" eaLnBrk="1" latinLnBrk="0" hangingPunct="1">
+              <a:lnSpc>
+                <a:spcPct val="90000"/>
+              </a:lnSpc>
+              <a:spcBef>
+                <a:spcPts val="500"/>
+              </a:spcBef>
+              <a:buFont typeface="Arial" panose="020B0604020202020204" pitchFamily="34" charset="0"/>
+              <a:buChar char="•"/>
+              <a:defRPr sz="1800" kern="1200">
+                <a:solidFill>
+                  <a:schemeClr val="tx1"/>
+                </a:solidFill>
+                <a:latin typeface="+mn-lt"/>
+                <a:ea typeface="+mn-ea"/>
+                <a:cs typeface="+mn-cs"/>
+              </a:defRPr>
+            </a:lvl8pPr>
+            <a:lvl9pPr marL="3886200" indent="-228600" algn="l" defTabSz="914400" rtl="0" eaLnBrk="1" latinLnBrk="0" hangingPunct="1">
+              <a:lnSpc>
+                <a:spcPct val="90000"/>
+              </a:lnSpc>
+              <a:spcBef>
+                <a:spcPts val="500"/>
+              </a:spcBef>
+              <a:buFont typeface="Arial" panose="020B0604020202020204" pitchFamily="34" charset="0"/>
+              <a:buChar char="•"/>
+              <a:defRPr sz="1800" kern="1200">
+                <a:solidFill>
+                  <a:schemeClr val="tx1"/>
+                </a:solidFill>
+                <a:latin typeface="+mn-lt"/>
+                <a:ea typeface="+mn-ea"/>
+                <a:cs typeface="+mn-cs"/>
+              </a:defRPr>
+            </a:lvl9pPr>
+          </a:lstStyle>
+          <a:p>
+            <a:r>
+              <a:rPr lang="en-SG" sz="1200"/>
+              <a:t>Blazor now supports injecting keyed services using the [Inject] attribute.</a:t>
+            </a:r>
+            <a:endParaRPr lang="en-SG" sz="1200" dirty="0"/>
+          </a:p>
+        </p:txBody>
+      </p:sp>
+      <p:sp>
+        <p:nvSpPr>
+          <p:cNvPr id="19" name="TextBox 18">
+            <a:extLst>
+              <a:ext uri="{FF2B5EF4-FFF2-40B4-BE49-F238E27FC236}">
+                <a16:creationId xmlns:a16="http://schemas.microsoft.com/office/drawing/2014/main" id="{79EBC081-E1B1-80DF-1577-5F19D156E017}"/>
+              </a:ext>
+            </a:extLst>
+          </p:cNvPr>
+          <p:cNvSpPr txBox="1"/>
+          <p:nvPr/>
+        </p:nvSpPr>
+        <p:spPr>
+          <a:xfrm>
+            <a:off x="956057" y="5606255"/>
+            <a:ext cx="9137854" cy="261610"/>
+          </a:xfrm>
+          <a:prstGeom prst="rect">
+            <a:avLst/>
+          </a:prstGeom>
+          <a:noFill/>
+        </p:spPr>
+        <p:txBody>
+          <a:bodyPr wrap="square">
+            <a:spAutoFit/>
+          </a:bodyPr>
+          <a:lstStyle/>
+          <a:p>
+            <a:r>
+              <a:rPr lang="en-SG" sz="1100" dirty="0" err="1">
+                <a:solidFill>
+                  <a:srgbClr val="000000"/>
+                </a:solidFill>
+                <a:latin typeface="Cascadia Mono" panose="020B0609020000020004" pitchFamily="49" charset="0"/>
+              </a:rPr>
+              <a:t>builder.Services.AddKeyedSingleton</a:t>
+            </a:r>
+            <a:r>
+              <a:rPr lang="en-SG" sz="1100" dirty="0">
+                <a:solidFill>
+                  <a:srgbClr val="000000"/>
+                </a:solidFill>
+                <a:latin typeface="Cascadia Mono" panose="020B0609020000020004" pitchFamily="49" charset="0"/>
+              </a:rPr>
+              <a:t>&lt;</a:t>
+            </a:r>
+            <a:r>
+              <a:rPr lang="en-SG" sz="1100" dirty="0" err="1">
+                <a:solidFill>
+                  <a:srgbClr val="2B91AF"/>
+                </a:solidFill>
+                <a:latin typeface="Cascadia Mono" panose="020B0609020000020004" pitchFamily="49" charset="0"/>
+              </a:rPr>
+              <a:t>WeatherForecastService</a:t>
+            </a:r>
+            <a:r>
+              <a:rPr lang="en-SG" sz="1100" dirty="0">
+                <a:solidFill>
+                  <a:srgbClr val="000000"/>
+                </a:solidFill>
+                <a:latin typeface="Cascadia Mono" panose="020B0609020000020004" pitchFamily="49" charset="0"/>
+              </a:rPr>
+              <a:t>&gt;(</a:t>
+            </a:r>
+            <a:r>
+              <a:rPr lang="en-SG" sz="1100" dirty="0">
+                <a:solidFill>
+                  <a:srgbClr val="A31515"/>
+                </a:solidFill>
+                <a:latin typeface="Cascadia Mono" panose="020B0609020000020004" pitchFamily="49" charset="0"/>
+              </a:rPr>
+              <a:t>"forecast-service"</a:t>
+            </a:r>
+            <a:r>
+              <a:rPr lang="en-SG" sz="1100" dirty="0">
+                <a:solidFill>
+                  <a:srgbClr val="000000"/>
+                </a:solidFill>
+                <a:latin typeface="Cascadia Mono" panose="020B0609020000020004" pitchFamily="49" charset="0"/>
+              </a:rPr>
+              <a:t>);</a:t>
+            </a:r>
+            <a:endParaRPr lang="en-SG" sz="1100" dirty="0"/>
+          </a:p>
+        </p:txBody>
+      </p:sp>
+    </p:spTree>
+    <p:extLst>
+      <p:ext uri="{BB962C8B-B14F-4D97-AF65-F5344CB8AC3E}">
+        <p14:creationId xmlns:p14="http://schemas.microsoft.com/office/powerpoint/2010/main" val="506985980"/>
       </p:ext>
     </p:extLst>
   </p:cSld>

--- a/Blazor in .net 8.pptx
+++ b/Blazor in .net 8.pptx
@@ -18,17 +18,18 @@
     <p:sldId id="265" r:id="rId12"/>
     <p:sldId id="263" r:id="rId13"/>
     <p:sldId id="277" r:id="rId14"/>
-    <p:sldId id="279" r:id="rId15"/>
-    <p:sldId id="282" r:id="rId16"/>
-    <p:sldId id="294" r:id="rId17"/>
-    <p:sldId id="288" r:id="rId18"/>
-    <p:sldId id="289" r:id="rId19"/>
-    <p:sldId id="278" r:id="rId20"/>
-    <p:sldId id="287" r:id="rId21"/>
-    <p:sldId id="290" r:id="rId22"/>
-    <p:sldId id="291" r:id="rId23"/>
-    <p:sldId id="293" r:id="rId24"/>
-    <p:sldId id="295" r:id="rId25"/>
+    <p:sldId id="296" r:id="rId15"/>
+    <p:sldId id="279" r:id="rId16"/>
+    <p:sldId id="282" r:id="rId17"/>
+    <p:sldId id="294" r:id="rId18"/>
+    <p:sldId id="288" r:id="rId19"/>
+    <p:sldId id="289" r:id="rId20"/>
+    <p:sldId id="278" r:id="rId21"/>
+    <p:sldId id="287" r:id="rId22"/>
+    <p:sldId id="290" r:id="rId23"/>
+    <p:sldId id="291" r:id="rId24"/>
+    <p:sldId id="293" r:id="rId25"/>
+    <p:sldId id="295" r:id="rId26"/>
   </p:sldIdLst>
   <p:sldSz cx="12192000" cy="6858000"/>
   <p:notesSz cx="6858000" cy="9144000"/>
@@ -1801,7 +1802,7 @@
           <a:p>
             <a:fld id="{8F72BA41-EC5B-4197-BCC8-0FD2E523CD7A}" type="datetimeFigureOut">
               <a:rPr lang="en-US" smtClean="0"/>
-              <a:t>11/16/2023</a:t>
+              <a:t>11/17/2023</a:t>
             </a:fld>
             <a:endParaRPr lang="en-US"/>
           </a:p>
@@ -2004,7 +2005,7 @@
           <a:p>
             <a:fld id="{8F72BA41-EC5B-4197-BCC8-0FD2E523CD7A}" type="datetimeFigureOut">
               <a:rPr lang="en-US" smtClean="0"/>
-              <a:t>11/16/2023</a:t>
+              <a:t>11/17/2023</a:t>
             </a:fld>
             <a:endParaRPr lang="en-US"/>
           </a:p>
@@ -3725,7 +3726,7 @@
           <a:p>
             <a:fld id="{8F72BA41-EC5B-4197-BCC8-0FD2E523CD7A}" type="datetimeFigureOut">
               <a:rPr lang="en-US" smtClean="0"/>
-              <a:t>11/16/2023</a:t>
+              <a:t>11/17/2023</a:t>
             </a:fld>
             <a:endParaRPr lang="en-US"/>
           </a:p>
@@ -3924,7 +3925,7 @@
           <a:p>
             <a:fld id="{8F72BA41-EC5B-4197-BCC8-0FD2E523CD7A}" type="datetimeFigureOut">
               <a:rPr lang="en-US" smtClean="0"/>
-              <a:t>11/16/2023</a:t>
+              <a:t>11/17/2023</a:t>
             </a:fld>
             <a:endParaRPr lang="en-US"/>
           </a:p>
@@ -5714,7 +5715,7 @@
           <a:p>
             <a:fld id="{8F72BA41-EC5B-4197-BCC8-0FD2E523CD7A}" type="datetimeFigureOut">
               <a:rPr lang="en-US" smtClean="0"/>
-              <a:t>11/16/2023</a:t>
+              <a:t>11/17/2023</a:t>
             </a:fld>
             <a:endParaRPr lang="en-US"/>
           </a:p>
@@ -5987,7 +5988,7 @@
           <a:p>
             <a:fld id="{8F72BA41-EC5B-4197-BCC8-0FD2E523CD7A}" type="datetimeFigureOut">
               <a:rPr lang="en-US" smtClean="0"/>
-              <a:t>11/16/2023</a:t>
+              <a:t>11/17/2023</a:t>
             </a:fld>
             <a:endParaRPr lang="en-US"/>
           </a:p>
@@ -6407,7 +6408,7 @@
           <a:p>
             <a:fld id="{8F72BA41-EC5B-4197-BCC8-0FD2E523CD7A}" type="datetimeFigureOut">
               <a:rPr lang="en-US" smtClean="0"/>
-              <a:t>11/16/2023</a:t>
+              <a:t>11/17/2023</a:t>
             </a:fld>
             <a:endParaRPr lang="en-US"/>
           </a:p>
@@ -6563,7 +6564,7 @@
           <a:p>
             <a:fld id="{8F72BA41-EC5B-4197-BCC8-0FD2E523CD7A}" type="datetimeFigureOut">
               <a:rPr lang="en-US" smtClean="0"/>
-              <a:t>11/16/2023</a:t>
+              <a:t>11/17/2023</a:t>
             </a:fld>
             <a:endParaRPr lang="en-US"/>
           </a:p>
@@ -8131,7 +8132,7 @@
           <a:p>
             <a:fld id="{8F72BA41-EC5B-4197-BCC8-0FD2E523CD7A}" type="datetimeFigureOut">
               <a:rPr lang="en-US" smtClean="0"/>
-              <a:t>11/16/2023</a:t>
+              <a:t>11/17/2023</a:t>
             </a:fld>
             <a:endParaRPr lang="en-US"/>
           </a:p>
@@ -9982,7 +9983,7 @@
           <a:p>
             <a:fld id="{8F72BA41-EC5B-4197-BCC8-0FD2E523CD7A}" type="datetimeFigureOut">
               <a:rPr lang="en-US" smtClean="0"/>
-              <a:t>11/16/2023</a:t>
+              <a:t>11/17/2023</a:t>
             </a:fld>
             <a:endParaRPr lang="en-US"/>
           </a:p>
@@ -11795,7 +11796,7 @@
           <a:p>
             <a:fld id="{8F72BA41-EC5B-4197-BCC8-0FD2E523CD7A}" type="datetimeFigureOut">
               <a:rPr lang="en-US" smtClean="0"/>
-              <a:t>11/16/2023</a:t>
+              <a:t>11/17/2023</a:t>
             </a:fld>
             <a:endParaRPr lang="en-US"/>
           </a:p>
@@ -13489,7 +13490,7 @@
             <a:fld id="{8F72BA41-EC5B-4197-BCC8-0FD2E523CD7A}" type="datetimeFigureOut">
               <a:rPr lang="en-US" smtClean="0"/>
               <a:pPr/>
-              <a:t>11/16/2023</a:t>
+              <a:t>11/17/2023</a:t>
             </a:fld>
             <a:endParaRPr lang="en-US" dirty="0"/>
           </a:p>
@@ -17534,7 +17535,7 @@
         <p:spPr>
           <a:xfrm>
             <a:off x="691078" y="2877908"/>
-            <a:ext cx="10324999" cy="1560927"/>
+            <a:ext cx="10324999" cy="1072655"/>
           </a:xfrm>
         </p:spPr>
         <p:txBody>
@@ -17589,56 +17590,6 @@
           </a:p>
           <a:p>
             <a:r>
-              <a:rPr lang="en-US" altLang="zh-CN" sz="1200" dirty="0"/>
-              <a:t>Set </a:t>
-            </a:r>
-            <a:r>
-              <a:rPr lang="en-SG" sz="1200" b="1" dirty="0"/>
-              <a:t>@attribute [</a:t>
-            </a:r>
-            <a:r>
-              <a:rPr lang="en-SG" sz="1200" b="1" dirty="0" err="1"/>
-              <a:t>RenderModeInteractiveWebAssembly</a:t>
-            </a:r>
-            <a:r>
-              <a:rPr lang="en-SG" sz="1200" b="1" dirty="0"/>
-              <a:t>(prerender: false)]/@attribute [</a:t>
-            </a:r>
-            <a:r>
-              <a:rPr lang="en-SG" sz="1200" b="1" dirty="0" err="1"/>
-              <a:t>RenderModeInteractiveServer</a:t>
-            </a:r>
-            <a:r>
-              <a:rPr lang="en-SG" sz="1200" b="1" dirty="0"/>
-              <a:t>(prerender: false)] </a:t>
-            </a:r>
-            <a:r>
-              <a:rPr lang="en-US" altLang="zh-CN" sz="1200" b="1" dirty="0"/>
-              <a:t>/</a:t>
-            </a:r>
-            <a:r>
-              <a:rPr lang="en-US" altLang="zh-CN" sz="1200" dirty="0"/>
-              <a:t> </a:t>
-            </a:r>
-            <a:r>
-              <a:rPr lang="en-SG" sz="1200" b="1" dirty="0"/>
-              <a:t>@attribute [</a:t>
-            </a:r>
-            <a:r>
-              <a:rPr lang="en-SG" sz="1200" b="1" dirty="0" err="1"/>
-              <a:t>RenderModeInteractiveAuto</a:t>
-            </a:r>
-            <a:r>
-              <a:rPr lang="en-SG" sz="1200" b="1" dirty="0"/>
-              <a:t>(prerender: false)] </a:t>
-            </a:r>
-            <a:r>
-              <a:rPr lang="en-US" altLang="zh-CN" sz="1200" dirty="0"/>
-              <a:t>will disable prerender</a:t>
-            </a:r>
-          </a:p>
-          <a:p>
-            <a:r>
               <a:rPr lang="en-SG" sz="1200" dirty="0"/>
               <a:t>Prerender at </a:t>
             </a:r>
@@ -17647,9 +17598,6 @@
               <a:t>SSRRenderModeBoundary.cs</a:t>
             </a:r>
             <a:endParaRPr lang="en-SG" sz="1200" b="1" dirty="0"/>
-          </a:p>
-          <a:p>
-            <a:endParaRPr lang="en-SG" sz="1200" dirty="0"/>
           </a:p>
         </p:txBody>
       </p:sp>
@@ -17675,7 +17623,7 @@
         </p:blipFill>
         <p:spPr>
           <a:xfrm>
-            <a:off x="921335" y="4667025"/>
+            <a:off x="713624" y="4207730"/>
             <a:ext cx="5382376" cy="1924319"/>
           </a:xfrm>
           <a:prstGeom prst="rect">
@@ -17754,7 +17702,7 @@
           <p:cNvPr id="2" name="Title 1">
             <a:extLst>
               <a:ext uri="{FF2B5EF4-FFF2-40B4-BE49-F238E27FC236}">
-                <a16:creationId xmlns:a16="http://schemas.microsoft.com/office/drawing/2014/main" id="{3D8D8576-F877-1D22-D036-518B771B7A74}"/>
+                <a16:creationId xmlns:a16="http://schemas.microsoft.com/office/drawing/2014/main" id="{5F8DF6F0-A65F-1BCE-772C-EDA41D90B8C0}"/>
               </a:ext>
             </a:extLst>
           </p:cNvPr>
@@ -17784,10 +17732,46 @@
       </p:sp>
       <p:sp>
         <p:nvSpPr>
-          <p:cNvPr id="9" name="TextBox 8">
+          <p:cNvPr id="3" name="Content Placeholder 2">
             <a:extLst>
               <a:ext uri="{FF2B5EF4-FFF2-40B4-BE49-F238E27FC236}">
-                <a16:creationId xmlns:a16="http://schemas.microsoft.com/office/drawing/2014/main" id="{A65927EF-441C-AEAF-9F93-4F645A7737DF}"/>
+                <a16:creationId xmlns:a16="http://schemas.microsoft.com/office/drawing/2014/main" id="{B10825B6-ED58-382E-5066-73CC4C67868B}"/>
+              </a:ext>
+            </a:extLst>
+          </p:cNvPr>
+          <p:cNvSpPr>
+            <a:spLocks noGrp="1"/>
+          </p:cNvSpPr>
+          <p:nvPr>
+            <p:ph idx="1"/>
+          </p:nvPr>
+        </p:nvSpPr>
+        <p:spPr>
+          <a:xfrm>
+            <a:off x="691078" y="2877908"/>
+            <a:ext cx="10324999" cy="1072655"/>
+          </a:xfrm>
+        </p:spPr>
+        <p:txBody>
+          <a:bodyPr>
+            <a:noAutofit/>
+          </a:bodyPr>
+          <a:lstStyle/>
+          <a:p>
+            <a:r>
+              <a:rPr lang="en-SG" sz="1200" dirty="0"/>
+              <a:t>Can disable prerender as follow:</a:t>
+            </a:r>
+            <a:endParaRPr lang="en-SG" sz="1200" b="1" dirty="0"/>
+          </a:p>
+        </p:txBody>
+      </p:sp>
+      <p:sp>
+        <p:nvSpPr>
+          <p:cNvPr id="5" name="TextBox 4">
+            <a:extLst>
+              <a:ext uri="{FF2B5EF4-FFF2-40B4-BE49-F238E27FC236}">
+                <a16:creationId xmlns:a16="http://schemas.microsoft.com/office/drawing/2014/main" id="{B36BD462-61B7-A83A-E3DC-27789CC76635}"/>
               </a:ext>
             </a:extLst>
           </p:cNvPr>
@@ -17818,79 +17802,755 @@
           </a:p>
         </p:txBody>
       </p:sp>
-      <p:pic>
-        <p:nvPicPr>
-          <p:cNvPr id="13" name="Picture 12">
+      <p:sp>
+        <p:nvSpPr>
+          <p:cNvPr id="7" name="TextBox 6">
             <a:extLst>
               <a:ext uri="{FF2B5EF4-FFF2-40B4-BE49-F238E27FC236}">
-                <a16:creationId xmlns:a16="http://schemas.microsoft.com/office/drawing/2014/main" id="{202B25F0-2FE7-E08E-2F88-2DF143CA19A4}"/>
+                <a16:creationId xmlns:a16="http://schemas.microsoft.com/office/drawing/2014/main" id="{89323F90-6B7E-D22E-FA96-E5291EC49C22}"/>
               </a:ext>
             </a:extLst>
           </p:cNvPr>
-          <p:cNvPicPr>
-            <a:picLocks noChangeAspect="1"/>
-          </p:cNvPicPr>
+          <p:cNvSpPr txBox="1"/>
           <p:nvPr/>
-        </p:nvPicPr>
-        <p:blipFill>
-          <a:blip r:embed="rId2"/>
-          <a:stretch>
-            <a:fillRect/>
-          </a:stretch>
-        </p:blipFill>
+        </p:nvSpPr>
         <p:spPr>
           <a:xfrm>
-            <a:off x="3733800" y="2354347"/>
-            <a:ext cx="7938752" cy="4458310"/>
+            <a:off x="691078" y="3296878"/>
+            <a:ext cx="7546019" cy="1615827"/>
           </a:xfrm>
           <a:prstGeom prst="rect">
             <a:avLst/>
           </a:prstGeom>
+          <a:noFill/>
         </p:spPr>
-      </p:pic>
+        <p:txBody>
+          <a:bodyPr wrap="square">
+            <a:spAutoFit/>
+          </a:bodyPr>
+          <a:lstStyle/>
+          <a:p>
+            <a:r>
+              <a:rPr lang="en-SG" sz="1100" dirty="0">
+                <a:solidFill>
+                  <a:srgbClr val="0000FF"/>
+                </a:solidFill>
+                <a:latin typeface="Cascadia Mono" panose="020B0609020000020004" pitchFamily="49" charset="0"/>
+              </a:rPr>
+              <a:t>public</a:t>
+            </a:r>
+            <a:r>
+              <a:rPr lang="en-SG" sz="1100" dirty="0">
+                <a:solidFill>
+                  <a:srgbClr val="000000"/>
+                </a:solidFill>
+                <a:latin typeface="Cascadia Mono" panose="020B0609020000020004" pitchFamily="49" charset="0"/>
+              </a:rPr>
+              <a:t> </a:t>
+            </a:r>
+            <a:r>
+              <a:rPr lang="en-SG" sz="1100" dirty="0">
+                <a:solidFill>
+                  <a:srgbClr val="0000FF"/>
+                </a:solidFill>
+                <a:latin typeface="Cascadia Mono" panose="020B0609020000020004" pitchFamily="49" charset="0"/>
+              </a:rPr>
+              <a:t>static</a:t>
+            </a:r>
+            <a:r>
+              <a:rPr lang="en-SG" sz="1100" dirty="0">
+                <a:solidFill>
+                  <a:srgbClr val="000000"/>
+                </a:solidFill>
+                <a:latin typeface="Cascadia Mono" panose="020B0609020000020004" pitchFamily="49" charset="0"/>
+              </a:rPr>
+              <a:t> </a:t>
+            </a:r>
+            <a:r>
+              <a:rPr lang="en-SG" sz="1100" dirty="0">
+                <a:solidFill>
+                  <a:srgbClr val="0000FF"/>
+                </a:solidFill>
+                <a:latin typeface="Cascadia Mono" panose="020B0609020000020004" pitchFamily="49" charset="0"/>
+              </a:rPr>
+              <a:t>class</a:t>
+            </a:r>
+            <a:r>
+              <a:rPr lang="en-SG" sz="1100" dirty="0">
+                <a:solidFill>
+                  <a:srgbClr val="000000"/>
+                </a:solidFill>
+                <a:latin typeface="Cascadia Mono" panose="020B0609020000020004" pitchFamily="49" charset="0"/>
+              </a:rPr>
+              <a:t> </a:t>
+            </a:r>
+            <a:r>
+              <a:rPr lang="en-SG" sz="1100" dirty="0" err="1">
+                <a:solidFill>
+                  <a:srgbClr val="2B91AF"/>
+                </a:solidFill>
+                <a:latin typeface="Cascadia Mono" panose="020B0609020000020004" pitchFamily="49" charset="0"/>
+              </a:rPr>
+              <a:t>CustomerRenderMode</a:t>
+            </a:r>
+            <a:endParaRPr lang="en-SG" sz="1100" dirty="0">
+              <a:solidFill>
+                <a:srgbClr val="000000"/>
+              </a:solidFill>
+              <a:latin typeface="Cascadia Mono" panose="020B0609020000020004" pitchFamily="49" charset="0"/>
+            </a:endParaRPr>
+          </a:p>
+          <a:p>
+            <a:r>
+              <a:rPr lang="en-SG" sz="1100" dirty="0">
+                <a:solidFill>
+                  <a:srgbClr val="000000"/>
+                </a:solidFill>
+                <a:latin typeface="Cascadia Mono" panose="020B0609020000020004" pitchFamily="49" charset="0"/>
+              </a:rPr>
+              <a:t>{</a:t>
+            </a:r>
+          </a:p>
+          <a:p>
+            <a:r>
+              <a:rPr lang="en-SG" sz="1100" dirty="0">
+                <a:solidFill>
+                  <a:srgbClr val="000000"/>
+                </a:solidFill>
+                <a:latin typeface="Cascadia Mono" panose="020B0609020000020004" pitchFamily="49" charset="0"/>
+              </a:rPr>
+              <a:t>    </a:t>
+            </a:r>
+            <a:r>
+              <a:rPr lang="en-SG" sz="1100" dirty="0">
+                <a:solidFill>
+                  <a:srgbClr val="0000FF"/>
+                </a:solidFill>
+                <a:latin typeface="Cascadia Mono" panose="020B0609020000020004" pitchFamily="49" charset="0"/>
+              </a:rPr>
+              <a:t>public</a:t>
+            </a:r>
+            <a:r>
+              <a:rPr lang="en-SG" sz="1100" dirty="0">
+                <a:solidFill>
+                  <a:srgbClr val="000000"/>
+                </a:solidFill>
+                <a:latin typeface="Cascadia Mono" panose="020B0609020000020004" pitchFamily="49" charset="0"/>
+              </a:rPr>
+              <a:t> </a:t>
+            </a:r>
+            <a:r>
+              <a:rPr lang="en-SG" sz="1100" dirty="0">
+                <a:solidFill>
+                  <a:srgbClr val="0000FF"/>
+                </a:solidFill>
+                <a:latin typeface="Cascadia Mono" panose="020B0609020000020004" pitchFamily="49" charset="0"/>
+              </a:rPr>
+              <a:t>static</a:t>
+            </a:r>
+            <a:r>
+              <a:rPr lang="en-SG" sz="1100" dirty="0">
+                <a:solidFill>
+                  <a:srgbClr val="000000"/>
+                </a:solidFill>
+                <a:latin typeface="Cascadia Mono" panose="020B0609020000020004" pitchFamily="49" charset="0"/>
+              </a:rPr>
+              <a:t> </a:t>
+            </a:r>
+            <a:r>
+              <a:rPr lang="en-SG" sz="1100" dirty="0" err="1">
+                <a:solidFill>
+                  <a:srgbClr val="000000"/>
+                </a:solidFill>
+                <a:latin typeface="Cascadia Mono" panose="020B0609020000020004" pitchFamily="49" charset="0"/>
+              </a:rPr>
+              <a:t>IComponentRenderMode</a:t>
+            </a:r>
+            <a:r>
+              <a:rPr lang="en-SG" sz="1100" dirty="0">
+                <a:solidFill>
+                  <a:srgbClr val="000000"/>
+                </a:solidFill>
+                <a:latin typeface="Cascadia Mono" panose="020B0609020000020004" pitchFamily="49" charset="0"/>
+              </a:rPr>
+              <a:t> </a:t>
+            </a:r>
+            <a:r>
+              <a:rPr lang="en-SG" sz="1100" dirty="0" err="1">
+                <a:solidFill>
+                  <a:srgbClr val="000000"/>
+                </a:solidFill>
+                <a:latin typeface="Cascadia Mono" panose="020B0609020000020004" pitchFamily="49" charset="0"/>
+              </a:rPr>
+              <a:t>InteractiveServerWithoutPrerender</a:t>
+            </a:r>
+            <a:r>
+              <a:rPr lang="en-SG" sz="1100" dirty="0">
+                <a:solidFill>
+                  <a:srgbClr val="000000"/>
+                </a:solidFill>
+                <a:latin typeface="Cascadia Mono" panose="020B0609020000020004" pitchFamily="49" charset="0"/>
+              </a:rPr>
+              <a:t> { </a:t>
+            </a:r>
+            <a:r>
+              <a:rPr lang="en-SG" sz="1100" dirty="0">
+                <a:solidFill>
+                  <a:srgbClr val="0000FF"/>
+                </a:solidFill>
+                <a:latin typeface="Cascadia Mono" panose="020B0609020000020004" pitchFamily="49" charset="0"/>
+              </a:rPr>
+              <a:t>get</a:t>
+            </a:r>
+            <a:r>
+              <a:rPr lang="en-SG" sz="1100" dirty="0">
+                <a:solidFill>
+                  <a:srgbClr val="000000"/>
+                </a:solidFill>
+                <a:latin typeface="Cascadia Mono" panose="020B0609020000020004" pitchFamily="49" charset="0"/>
+              </a:rPr>
+              <a:t>; } </a:t>
+            </a:r>
+          </a:p>
+          <a:p>
+            <a:r>
+              <a:rPr lang="en-SG" sz="1100" dirty="0">
+                <a:solidFill>
+                  <a:srgbClr val="000000"/>
+                </a:solidFill>
+                <a:latin typeface="Cascadia Mono" panose="020B0609020000020004" pitchFamily="49" charset="0"/>
+              </a:rPr>
+              <a:t>        = </a:t>
+            </a:r>
+            <a:r>
+              <a:rPr lang="en-SG" sz="1100" dirty="0">
+                <a:solidFill>
+                  <a:srgbClr val="0000FF"/>
+                </a:solidFill>
+                <a:latin typeface="Cascadia Mono" panose="020B0609020000020004" pitchFamily="49" charset="0"/>
+              </a:rPr>
+              <a:t>new</a:t>
+            </a:r>
+            <a:r>
+              <a:rPr lang="en-SG" sz="1100" dirty="0">
+                <a:solidFill>
+                  <a:srgbClr val="000000"/>
+                </a:solidFill>
+                <a:latin typeface="Cascadia Mono" panose="020B0609020000020004" pitchFamily="49" charset="0"/>
+              </a:rPr>
+              <a:t> </a:t>
+            </a:r>
+            <a:r>
+              <a:rPr lang="en-SG" sz="1100" dirty="0" err="1">
+                <a:solidFill>
+                  <a:srgbClr val="000000"/>
+                </a:solidFill>
+                <a:latin typeface="Cascadia Mono" panose="020B0609020000020004" pitchFamily="49" charset="0"/>
+              </a:rPr>
+              <a:t>InteractiveServerRenderMode</a:t>
+            </a:r>
+            <a:r>
+              <a:rPr lang="en-SG" sz="1100" dirty="0">
+                <a:solidFill>
+                  <a:srgbClr val="000000"/>
+                </a:solidFill>
+                <a:latin typeface="Cascadia Mono" panose="020B0609020000020004" pitchFamily="49" charset="0"/>
+              </a:rPr>
+              <a:t>(prerender: </a:t>
+            </a:r>
+            <a:r>
+              <a:rPr lang="en-SG" sz="1100" dirty="0">
+                <a:solidFill>
+                  <a:srgbClr val="0000FF"/>
+                </a:solidFill>
+                <a:latin typeface="Cascadia Mono" panose="020B0609020000020004" pitchFamily="49" charset="0"/>
+              </a:rPr>
+              <a:t>false</a:t>
+            </a:r>
+            <a:r>
+              <a:rPr lang="en-SG" sz="1100" dirty="0">
+                <a:solidFill>
+                  <a:srgbClr val="000000"/>
+                </a:solidFill>
+                <a:latin typeface="Cascadia Mono" panose="020B0609020000020004" pitchFamily="49" charset="0"/>
+              </a:rPr>
+              <a:t>);</a:t>
+            </a:r>
+          </a:p>
+          <a:p>
+            <a:r>
+              <a:rPr lang="en-SG" sz="1100" dirty="0">
+                <a:solidFill>
+                  <a:srgbClr val="000000"/>
+                </a:solidFill>
+                <a:latin typeface="Cascadia Mono" panose="020B0609020000020004" pitchFamily="49" charset="0"/>
+              </a:rPr>
+              <a:t>    </a:t>
+            </a:r>
+            <a:r>
+              <a:rPr lang="en-SG" sz="1100" dirty="0">
+                <a:solidFill>
+                  <a:srgbClr val="0000FF"/>
+                </a:solidFill>
+                <a:latin typeface="Cascadia Mono" panose="020B0609020000020004" pitchFamily="49" charset="0"/>
+              </a:rPr>
+              <a:t>public</a:t>
+            </a:r>
+            <a:r>
+              <a:rPr lang="en-SG" sz="1100" dirty="0">
+                <a:solidFill>
+                  <a:srgbClr val="000000"/>
+                </a:solidFill>
+                <a:latin typeface="Cascadia Mono" panose="020B0609020000020004" pitchFamily="49" charset="0"/>
+              </a:rPr>
+              <a:t> </a:t>
+            </a:r>
+            <a:r>
+              <a:rPr lang="en-SG" sz="1100" dirty="0">
+                <a:solidFill>
+                  <a:srgbClr val="0000FF"/>
+                </a:solidFill>
+                <a:latin typeface="Cascadia Mono" panose="020B0609020000020004" pitchFamily="49" charset="0"/>
+              </a:rPr>
+              <a:t>static</a:t>
+            </a:r>
+            <a:r>
+              <a:rPr lang="en-SG" sz="1100" dirty="0">
+                <a:solidFill>
+                  <a:srgbClr val="000000"/>
+                </a:solidFill>
+                <a:latin typeface="Cascadia Mono" panose="020B0609020000020004" pitchFamily="49" charset="0"/>
+              </a:rPr>
+              <a:t> </a:t>
+            </a:r>
+            <a:r>
+              <a:rPr lang="en-SG" sz="1100" dirty="0" err="1">
+                <a:solidFill>
+                  <a:srgbClr val="000000"/>
+                </a:solidFill>
+                <a:latin typeface="Cascadia Mono" panose="020B0609020000020004" pitchFamily="49" charset="0"/>
+              </a:rPr>
+              <a:t>IComponentRenderMode</a:t>
+            </a:r>
+            <a:r>
+              <a:rPr lang="en-SG" sz="1100" dirty="0">
+                <a:solidFill>
+                  <a:srgbClr val="000000"/>
+                </a:solidFill>
+                <a:latin typeface="Cascadia Mono" panose="020B0609020000020004" pitchFamily="49" charset="0"/>
+              </a:rPr>
+              <a:t> </a:t>
+            </a:r>
+            <a:r>
+              <a:rPr lang="en-SG" sz="1100" dirty="0" err="1">
+                <a:solidFill>
+                  <a:srgbClr val="000000"/>
+                </a:solidFill>
+                <a:latin typeface="Cascadia Mono" panose="020B0609020000020004" pitchFamily="49" charset="0"/>
+              </a:rPr>
+              <a:t>InteractiveAutoWithoutPrerender</a:t>
+            </a:r>
+            <a:r>
+              <a:rPr lang="en-SG" sz="1100" dirty="0">
+                <a:solidFill>
+                  <a:srgbClr val="000000"/>
+                </a:solidFill>
+                <a:latin typeface="Cascadia Mono" panose="020B0609020000020004" pitchFamily="49" charset="0"/>
+              </a:rPr>
+              <a:t> { </a:t>
+            </a:r>
+            <a:r>
+              <a:rPr lang="en-SG" sz="1100" dirty="0">
+                <a:solidFill>
+                  <a:srgbClr val="0000FF"/>
+                </a:solidFill>
+                <a:latin typeface="Cascadia Mono" panose="020B0609020000020004" pitchFamily="49" charset="0"/>
+              </a:rPr>
+              <a:t>get</a:t>
+            </a:r>
+            <a:r>
+              <a:rPr lang="en-SG" sz="1100" dirty="0">
+                <a:solidFill>
+                  <a:srgbClr val="000000"/>
+                </a:solidFill>
+                <a:latin typeface="Cascadia Mono" panose="020B0609020000020004" pitchFamily="49" charset="0"/>
+              </a:rPr>
+              <a:t>; } </a:t>
+            </a:r>
+          </a:p>
+          <a:p>
+            <a:r>
+              <a:rPr lang="en-SG" sz="1100" dirty="0">
+                <a:solidFill>
+                  <a:srgbClr val="000000"/>
+                </a:solidFill>
+                <a:latin typeface="Cascadia Mono" panose="020B0609020000020004" pitchFamily="49" charset="0"/>
+              </a:rPr>
+              <a:t>        = </a:t>
+            </a:r>
+            <a:r>
+              <a:rPr lang="en-SG" sz="1100" dirty="0">
+                <a:solidFill>
+                  <a:srgbClr val="0000FF"/>
+                </a:solidFill>
+                <a:latin typeface="Cascadia Mono" panose="020B0609020000020004" pitchFamily="49" charset="0"/>
+              </a:rPr>
+              <a:t>new</a:t>
+            </a:r>
+            <a:r>
+              <a:rPr lang="en-SG" sz="1100" dirty="0">
+                <a:solidFill>
+                  <a:srgbClr val="000000"/>
+                </a:solidFill>
+                <a:latin typeface="Cascadia Mono" panose="020B0609020000020004" pitchFamily="49" charset="0"/>
+              </a:rPr>
+              <a:t> </a:t>
+            </a:r>
+            <a:r>
+              <a:rPr lang="en-SG" sz="1100" dirty="0" err="1">
+                <a:solidFill>
+                  <a:srgbClr val="000000"/>
+                </a:solidFill>
+                <a:latin typeface="Cascadia Mono" panose="020B0609020000020004" pitchFamily="49" charset="0"/>
+              </a:rPr>
+              <a:t>InteractiveAutoRenderMode</a:t>
+            </a:r>
+            <a:r>
+              <a:rPr lang="en-SG" sz="1100" dirty="0">
+                <a:solidFill>
+                  <a:srgbClr val="000000"/>
+                </a:solidFill>
+                <a:latin typeface="Cascadia Mono" panose="020B0609020000020004" pitchFamily="49" charset="0"/>
+              </a:rPr>
+              <a:t>(prerender: </a:t>
+            </a:r>
+            <a:r>
+              <a:rPr lang="en-SG" sz="1100" dirty="0">
+                <a:solidFill>
+                  <a:srgbClr val="0000FF"/>
+                </a:solidFill>
+                <a:latin typeface="Cascadia Mono" panose="020B0609020000020004" pitchFamily="49" charset="0"/>
+              </a:rPr>
+              <a:t>false</a:t>
+            </a:r>
+            <a:r>
+              <a:rPr lang="en-SG" sz="1100" dirty="0">
+                <a:solidFill>
+                  <a:srgbClr val="000000"/>
+                </a:solidFill>
+                <a:latin typeface="Cascadia Mono" panose="020B0609020000020004" pitchFamily="49" charset="0"/>
+              </a:rPr>
+              <a:t>);</a:t>
+            </a:r>
+          </a:p>
+          <a:p>
+            <a:r>
+              <a:rPr lang="en-SG" sz="1100" dirty="0">
+                <a:solidFill>
+                  <a:srgbClr val="000000"/>
+                </a:solidFill>
+                <a:latin typeface="Cascadia Mono" panose="020B0609020000020004" pitchFamily="49" charset="0"/>
+              </a:rPr>
+              <a:t>    </a:t>
+            </a:r>
+            <a:r>
+              <a:rPr lang="en-SG" sz="1100" dirty="0">
+                <a:solidFill>
+                  <a:srgbClr val="0000FF"/>
+                </a:solidFill>
+                <a:latin typeface="Cascadia Mono" panose="020B0609020000020004" pitchFamily="49" charset="0"/>
+              </a:rPr>
+              <a:t>public</a:t>
+            </a:r>
+            <a:r>
+              <a:rPr lang="en-SG" sz="1100" dirty="0">
+                <a:solidFill>
+                  <a:srgbClr val="000000"/>
+                </a:solidFill>
+                <a:latin typeface="Cascadia Mono" panose="020B0609020000020004" pitchFamily="49" charset="0"/>
+              </a:rPr>
+              <a:t> </a:t>
+            </a:r>
+            <a:r>
+              <a:rPr lang="en-SG" sz="1100" dirty="0">
+                <a:solidFill>
+                  <a:srgbClr val="0000FF"/>
+                </a:solidFill>
+                <a:latin typeface="Cascadia Mono" panose="020B0609020000020004" pitchFamily="49" charset="0"/>
+              </a:rPr>
+              <a:t>static</a:t>
+            </a:r>
+            <a:r>
+              <a:rPr lang="en-SG" sz="1100" dirty="0">
+                <a:solidFill>
+                  <a:srgbClr val="000000"/>
+                </a:solidFill>
+                <a:latin typeface="Cascadia Mono" panose="020B0609020000020004" pitchFamily="49" charset="0"/>
+              </a:rPr>
+              <a:t> </a:t>
+            </a:r>
+            <a:r>
+              <a:rPr lang="en-SG" sz="1100" dirty="0" err="1">
+                <a:solidFill>
+                  <a:srgbClr val="000000"/>
+                </a:solidFill>
+                <a:latin typeface="Cascadia Mono" panose="020B0609020000020004" pitchFamily="49" charset="0"/>
+              </a:rPr>
+              <a:t>IComponentRenderMode</a:t>
+            </a:r>
+            <a:r>
+              <a:rPr lang="en-SG" sz="1100" dirty="0">
+                <a:solidFill>
+                  <a:srgbClr val="000000"/>
+                </a:solidFill>
+                <a:latin typeface="Cascadia Mono" panose="020B0609020000020004" pitchFamily="49" charset="0"/>
+              </a:rPr>
+              <a:t> </a:t>
+            </a:r>
+            <a:r>
+              <a:rPr lang="en-SG" sz="1100" dirty="0" err="1">
+                <a:solidFill>
+                  <a:srgbClr val="000000"/>
+                </a:solidFill>
+                <a:latin typeface="Cascadia Mono" panose="020B0609020000020004" pitchFamily="49" charset="0"/>
+              </a:rPr>
+              <a:t>InteractiveWebAssemblyWithoutPrerender</a:t>
+            </a:r>
+            <a:r>
+              <a:rPr lang="en-SG" sz="1100" dirty="0">
+                <a:solidFill>
+                  <a:srgbClr val="000000"/>
+                </a:solidFill>
+                <a:latin typeface="Cascadia Mono" panose="020B0609020000020004" pitchFamily="49" charset="0"/>
+              </a:rPr>
+              <a:t> { </a:t>
+            </a:r>
+            <a:r>
+              <a:rPr lang="en-SG" sz="1100" dirty="0">
+                <a:solidFill>
+                  <a:srgbClr val="0000FF"/>
+                </a:solidFill>
+                <a:latin typeface="Cascadia Mono" panose="020B0609020000020004" pitchFamily="49" charset="0"/>
+              </a:rPr>
+              <a:t>get</a:t>
+            </a:r>
+            <a:r>
+              <a:rPr lang="en-SG" sz="1100" dirty="0">
+                <a:solidFill>
+                  <a:srgbClr val="000000"/>
+                </a:solidFill>
+                <a:latin typeface="Cascadia Mono" panose="020B0609020000020004" pitchFamily="49" charset="0"/>
+              </a:rPr>
+              <a:t>; } </a:t>
+            </a:r>
+          </a:p>
+          <a:p>
+            <a:r>
+              <a:rPr lang="en-SG" sz="1100" dirty="0">
+                <a:solidFill>
+                  <a:srgbClr val="000000"/>
+                </a:solidFill>
+                <a:latin typeface="Cascadia Mono" panose="020B0609020000020004" pitchFamily="49" charset="0"/>
+              </a:rPr>
+              <a:t>        = </a:t>
+            </a:r>
+            <a:r>
+              <a:rPr lang="en-SG" sz="1100" dirty="0">
+                <a:solidFill>
+                  <a:srgbClr val="0000FF"/>
+                </a:solidFill>
+                <a:latin typeface="Cascadia Mono" panose="020B0609020000020004" pitchFamily="49" charset="0"/>
+              </a:rPr>
+              <a:t>new</a:t>
+            </a:r>
+            <a:r>
+              <a:rPr lang="en-SG" sz="1100" dirty="0">
+                <a:solidFill>
+                  <a:srgbClr val="000000"/>
+                </a:solidFill>
+                <a:latin typeface="Cascadia Mono" panose="020B0609020000020004" pitchFamily="49" charset="0"/>
+              </a:rPr>
+              <a:t> </a:t>
+            </a:r>
+            <a:r>
+              <a:rPr lang="en-SG" sz="1100" dirty="0" err="1">
+                <a:solidFill>
+                  <a:srgbClr val="000000"/>
+                </a:solidFill>
+                <a:latin typeface="Cascadia Mono" panose="020B0609020000020004" pitchFamily="49" charset="0"/>
+              </a:rPr>
+              <a:t>InteractiveWebAssemblyRenderMode</a:t>
+            </a:r>
+            <a:r>
+              <a:rPr lang="en-SG" sz="1100" dirty="0">
+                <a:solidFill>
+                  <a:srgbClr val="000000"/>
+                </a:solidFill>
+                <a:latin typeface="Cascadia Mono" panose="020B0609020000020004" pitchFamily="49" charset="0"/>
+              </a:rPr>
+              <a:t>(prerender: </a:t>
+            </a:r>
+            <a:r>
+              <a:rPr lang="en-SG" sz="1100" dirty="0">
+                <a:solidFill>
+                  <a:srgbClr val="0000FF"/>
+                </a:solidFill>
+                <a:latin typeface="Cascadia Mono" panose="020B0609020000020004" pitchFamily="49" charset="0"/>
+              </a:rPr>
+              <a:t>false</a:t>
+            </a:r>
+            <a:r>
+              <a:rPr lang="en-SG" sz="1100" dirty="0">
+                <a:solidFill>
+                  <a:srgbClr val="000000"/>
+                </a:solidFill>
+                <a:latin typeface="Cascadia Mono" panose="020B0609020000020004" pitchFamily="49" charset="0"/>
+              </a:rPr>
+              <a:t>);</a:t>
+            </a:r>
+          </a:p>
+          <a:p>
+            <a:r>
+              <a:rPr lang="en-SG" sz="1100" dirty="0">
+                <a:solidFill>
+                  <a:srgbClr val="000000"/>
+                </a:solidFill>
+                <a:latin typeface="Cascadia Mono" panose="020B0609020000020004" pitchFamily="49" charset="0"/>
+              </a:rPr>
+              <a:t>}</a:t>
+            </a:r>
+            <a:endParaRPr lang="en-SG" sz="800" dirty="0"/>
+          </a:p>
+        </p:txBody>
+      </p:sp>
       <p:sp>
         <p:nvSpPr>
-          <p:cNvPr id="16" name="Content Placeholder 2">
+          <p:cNvPr id="9" name="TextBox 8">
             <a:extLst>
               <a:ext uri="{FF2B5EF4-FFF2-40B4-BE49-F238E27FC236}">
-                <a16:creationId xmlns:a16="http://schemas.microsoft.com/office/drawing/2014/main" id="{8C9B23BB-6B98-32E7-9E29-0B50E95A4228}"/>
+                <a16:creationId xmlns:a16="http://schemas.microsoft.com/office/drawing/2014/main" id="{2DE9A815-1487-81D0-C8D5-80EAFBAA3376}"/>
               </a:ext>
             </a:extLst>
           </p:cNvPr>
-          <p:cNvSpPr>
-            <a:spLocks noGrp="1"/>
-          </p:cNvSpPr>
-          <p:nvPr>
-            <p:ph idx="1"/>
-          </p:nvPr>
+          <p:cNvSpPr txBox="1"/>
+          <p:nvPr/>
         </p:nvSpPr>
         <p:spPr>
           <a:xfrm>
-            <a:off x="691078" y="2907807"/>
-            <a:ext cx="2877745" cy="1226515"/>
+            <a:off x="691078" y="5485718"/>
+            <a:ext cx="6038196" cy="430887"/>
           </a:xfrm>
+          <a:prstGeom prst="rect">
+            <a:avLst/>
+          </a:prstGeom>
+          <a:noFill/>
         </p:spPr>
         <p:txBody>
-          <a:bodyPr>
-            <a:normAutofit/>
+          <a:bodyPr wrap="square">
+            <a:spAutoFit/>
           </a:bodyPr>
           <a:lstStyle/>
           <a:p>
             <a:r>
-              <a:rPr lang="en-SG" sz="1200" dirty="0" err="1"/>
-              <a:t>PreRender</a:t>
-            </a:r>
-            <a:r>
-              <a:rPr lang="en-SG" sz="1200" dirty="0"/>
-              <a:t> enabled and rendering at server side</a:t>
-            </a:r>
+              <a:rPr lang="en-SG" sz="1100" dirty="0">
+                <a:solidFill>
+                  <a:srgbClr val="000000"/>
+                </a:solidFill>
+                <a:latin typeface="Cascadia Mono" panose="020B0609020000020004" pitchFamily="49" charset="0"/>
+              </a:rPr>
+              <a:t>@page </a:t>
+            </a:r>
+            <a:r>
+              <a:rPr lang="en-SG" sz="1100" dirty="0">
+                <a:solidFill>
+                  <a:srgbClr val="A31515"/>
+                </a:solidFill>
+                <a:latin typeface="Cascadia Mono" panose="020B0609020000020004" pitchFamily="49" charset="0"/>
+              </a:rPr>
+              <a:t>"/prerendered-counter-server"</a:t>
+            </a:r>
+            <a:endParaRPr lang="en-SG" sz="1100" dirty="0">
+              <a:solidFill>
+                <a:srgbClr val="000000"/>
+              </a:solidFill>
+              <a:latin typeface="Cascadia Mono" panose="020B0609020000020004" pitchFamily="49" charset="0"/>
+            </a:endParaRPr>
+          </a:p>
+          <a:p>
+            <a:r>
+              <a:rPr lang="en-SG" sz="1100" dirty="0">
+                <a:solidFill>
+                  <a:srgbClr val="000000"/>
+                </a:solidFill>
+                <a:latin typeface="Cascadia Mono" panose="020B0609020000020004" pitchFamily="49" charset="0"/>
+              </a:rPr>
+              <a:t>@rendermode </a:t>
+            </a:r>
+            <a:r>
+              <a:rPr lang="en-SG" sz="1100" dirty="0" err="1">
+                <a:solidFill>
+                  <a:srgbClr val="2B91AF"/>
+                </a:solidFill>
+                <a:latin typeface="Cascadia Mono" panose="020B0609020000020004" pitchFamily="49" charset="0"/>
+              </a:rPr>
+              <a:t>CustomerRenderMode</a:t>
+            </a:r>
+            <a:r>
+              <a:rPr lang="en-SG" sz="1100" dirty="0" err="1">
+                <a:solidFill>
+                  <a:srgbClr val="000000"/>
+                </a:solidFill>
+                <a:latin typeface="Cascadia Mono" panose="020B0609020000020004" pitchFamily="49" charset="0"/>
+              </a:rPr>
+              <a:t>.InteractiveWebAssemblyWithoutPrerender</a:t>
+            </a:r>
+            <a:endParaRPr lang="en-SG" sz="1100" dirty="0"/>
+          </a:p>
+        </p:txBody>
+      </p:sp>
+      <p:sp>
+        <p:nvSpPr>
+          <p:cNvPr id="10" name="TextBox 9">
+            <a:extLst>
+              <a:ext uri="{FF2B5EF4-FFF2-40B4-BE49-F238E27FC236}">
+                <a16:creationId xmlns:a16="http://schemas.microsoft.com/office/drawing/2014/main" id="{00F0D238-5DAC-D159-E540-842A8CE75F49}"/>
+              </a:ext>
+            </a:extLst>
+          </p:cNvPr>
+          <p:cNvSpPr txBox="1"/>
+          <p:nvPr/>
+        </p:nvSpPr>
+        <p:spPr>
+          <a:xfrm>
+            <a:off x="691078" y="5168434"/>
+            <a:ext cx="6115050" cy="276999"/>
+          </a:xfrm>
+          <a:prstGeom prst="rect">
+            <a:avLst/>
+          </a:prstGeom>
+          <a:noFill/>
+        </p:spPr>
+        <p:txBody>
+          <a:bodyPr wrap="square">
+            <a:spAutoFit/>
+          </a:bodyPr>
+          <a:lstStyle/>
+          <a:p>
+            <a:pPr marL="0" indent="0">
+              <a:buNone/>
+            </a:pPr>
+            <a:r>
+              <a:rPr lang="en-US" altLang="zh-CN" sz="1200" dirty="0" err="1"/>
+              <a:t>PrerenderedServer.razor</a:t>
+            </a:r>
+            <a:endParaRPr lang="en-US" altLang="zh-CN" sz="1100" dirty="0"/>
           </a:p>
         </p:txBody>
       </p:sp>
     </p:spTree>
     <p:extLst>
       <p:ext uri="{BB962C8B-B14F-4D97-AF65-F5344CB8AC3E}">
-        <p14:creationId xmlns:p14="http://schemas.microsoft.com/office/powerpoint/2010/main" val="1592738298"/>
+        <p14:creationId xmlns:p14="http://schemas.microsoft.com/office/powerpoint/2010/main" val="3719890373"/>
       </p:ext>
     </p:extLst>
   </p:cSld>
@@ -18020,6 +18680,174 @@
             </a:r>
             <a:r>
               <a:rPr lang="en-SG" sz="1200" dirty="0"/>
+              <a:t> enabled and rendering at server side</a:t>
+            </a:r>
+          </a:p>
+        </p:txBody>
+      </p:sp>
+      <p:pic>
+        <p:nvPicPr>
+          <p:cNvPr id="4" name="Picture 3">
+            <a:extLst>
+              <a:ext uri="{FF2B5EF4-FFF2-40B4-BE49-F238E27FC236}">
+                <a16:creationId xmlns:a16="http://schemas.microsoft.com/office/drawing/2014/main" id="{426D6259-7CFB-7493-C0C3-15DDB03A671B}"/>
+              </a:ext>
+            </a:extLst>
+          </p:cNvPr>
+          <p:cNvPicPr>
+            <a:picLocks noChangeAspect="1"/>
+          </p:cNvPicPr>
+          <p:nvPr/>
+        </p:nvPicPr>
+        <p:blipFill>
+          <a:blip r:embed="rId2"/>
+          <a:stretch>
+            <a:fillRect/>
+          </a:stretch>
+        </p:blipFill>
+        <p:spPr>
+          <a:xfrm>
+            <a:off x="4039340" y="2354347"/>
+            <a:ext cx="7865616" cy="4332158"/>
+          </a:xfrm>
+          <a:prstGeom prst="rect">
+            <a:avLst/>
+          </a:prstGeom>
+        </p:spPr>
+      </p:pic>
+    </p:spTree>
+    <p:extLst>
+      <p:ext uri="{BB962C8B-B14F-4D97-AF65-F5344CB8AC3E}">
+        <p14:creationId xmlns:p14="http://schemas.microsoft.com/office/powerpoint/2010/main" val="1592738298"/>
+      </p:ext>
+    </p:extLst>
+  </p:cSld>
+  <p:clrMapOvr>
+    <a:masterClrMapping/>
+  </p:clrMapOvr>
+</p:sld>
+</file>
+
+<file path=ppt/slides/slide16.xml><?xml version="1.0" encoding="utf-8"?>
+<p:sld xmlns:a="http://schemas.openxmlformats.org/drawingml/2006/main" xmlns:r="http://schemas.openxmlformats.org/officeDocument/2006/relationships" xmlns:p="http://schemas.openxmlformats.org/presentationml/2006/main">
+  <p:cSld>
+    <p:spTree>
+      <p:nvGrpSpPr>
+        <p:cNvPr id="1" name=""/>
+        <p:cNvGrpSpPr/>
+        <p:nvPr/>
+      </p:nvGrpSpPr>
+      <p:grpSpPr>
+        <a:xfrm>
+          <a:off x="0" y="0"/>
+          <a:ext cx="0" cy="0"/>
+          <a:chOff x="0" y="0"/>
+          <a:chExt cx="0" cy="0"/>
+        </a:xfrm>
+      </p:grpSpPr>
+      <p:sp>
+        <p:nvSpPr>
+          <p:cNvPr id="2" name="Title 1">
+            <a:extLst>
+              <a:ext uri="{FF2B5EF4-FFF2-40B4-BE49-F238E27FC236}">
+                <a16:creationId xmlns:a16="http://schemas.microsoft.com/office/drawing/2014/main" id="{3D8D8576-F877-1D22-D036-518B771B7A74}"/>
+              </a:ext>
+            </a:extLst>
+          </p:cNvPr>
+          <p:cNvSpPr>
+            <a:spLocks noGrp="1"/>
+          </p:cNvSpPr>
+          <p:nvPr>
+            <p:ph type="title"/>
+          </p:nvPr>
+        </p:nvSpPr>
+        <p:spPr/>
+        <p:txBody>
+          <a:bodyPr/>
+          <a:lstStyle/>
+          <a:p>
+            <a:r>
+              <a:rPr lang="en-US" altLang="zh-CN" sz="4400" dirty="0"/>
+              <a:t>Blazor Web </a:t>
+            </a:r>
+            <a:r>
+              <a:rPr lang="en-US" altLang="zh-CN" dirty="0"/>
+              <a:t>App</a:t>
+            </a:r>
+            <a:endParaRPr lang="en-SG" dirty="0"/>
+          </a:p>
+        </p:txBody>
+      </p:sp>
+      <p:sp>
+        <p:nvSpPr>
+          <p:cNvPr id="9" name="TextBox 8">
+            <a:extLst>
+              <a:ext uri="{FF2B5EF4-FFF2-40B4-BE49-F238E27FC236}">
+                <a16:creationId xmlns:a16="http://schemas.microsoft.com/office/drawing/2014/main" id="{A65927EF-441C-AEAF-9F93-4F645A7737DF}"/>
+              </a:ext>
+            </a:extLst>
+          </p:cNvPr>
+          <p:cNvSpPr txBox="1"/>
+          <p:nvPr/>
+        </p:nvSpPr>
+        <p:spPr>
+          <a:xfrm>
+            <a:off x="691079" y="2354347"/>
+            <a:ext cx="1865690" cy="369332"/>
+          </a:xfrm>
+          <a:prstGeom prst="rect">
+            <a:avLst/>
+          </a:prstGeom>
+          <a:noFill/>
+        </p:spPr>
+        <p:txBody>
+          <a:bodyPr wrap="square">
+            <a:spAutoFit/>
+          </a:bodyPr>
+          <a:lstStyle/>
+          <a:p>
+            <a:r>
+              <a:rPr lang="en-SG" dirty="0" err="1"/>
+              <a:t>PreRender</a:t>
+            </a:r>
+            <a:endParaRPr lang="en-SG" dirty="0"/>
+          </a:p>
+        </p:txBody>
+      </p:sp>
+      <p:sp>
+        <p:nvSpPr>
+          <p:cNvPr id="16" name="Content Placeholder 2">
+            <a:extLst>
+              <a:ext uri="{FF2B5EF4-FFF2-40B4-BE49-F238E27FC236}">
+                <a16:creationId xmlns:a16="http://schemas.microsoft.com/office/drawing/2014/main" id="{8C9B23BB-6B98-32E7-9E29-0B50E95A4228}"/>
+              </a:ext>
+            </a:extLst>
+          </p:cNvPr>
+          <p:cNvSpPr>
+            <a:spLocks noGrp="1"/>
+          </p:cNvSpPr>
+          <p:nvPr>
+            <p:ph idx="1"/>
+          </p:nvPr>
+        </p:nvSpPr>
+        <p:spPr>
+          <a:xfrm>
+            <a:off x="691078" y="2907807"/>
+            <a:ext cx="2877745" cy="1226515"/>
+          </a:xfrm>
+        </p:spPr>
+        <p:txBody>
+          <a:bodyPr>
+            <a:normAutofit/>
+          </a:bodyPr>
+          <a:lstStyle/>
+          <a:p>
+            <a:r>
+              <a:rPr lang="en-SG" sz="1200" dirty="0" err="1"/>
+              <a:t>PreRender</a:t>
+            </a:r>
+            <a:r>
+              <a:rPr lang="en-SG" sz="1200" dirty="0"/>
               <a:t> Disabled</a:t>
             </a:r>
           </a:p>
@@ -18068,7 +18896,7 @@
 </p:sld>
 </file>
 
-<file path=ppt/slides/slide16.xml><?xml version="1.0" encoding="utf-8"?>
+<file path=ppt/slides/slide17.xml><?xml version="1.0" encoding="utf-8"?>
 <p:sld xmlns:a="http://schemas.openxmlformats.org/drawingml/2006/main" xmlns:r="http://schemas.openxmlformats.org/officeDocument/2006/relationships" xmlns:p="http://schemas.openxmlformats.org/presentationml/2006/main">
   <p:cSld>
     <p:spTree>
@@ -21179,7 +22007,7 @@
 </p:sld>
 </file>
 
-<file path=ppt/slides/slide17.xml><?xml version="1.0" encoding="utf-8"?>
+<file path=ppt/slides/slide18.xml><?xml version="1.0" encoding="utf-8"?>
 <p:sld xmlns:a="http://schemas.openxmlformats.org/drawingml/2006/main" xmlns:r="http://schemas.openxmlformats.org/officeDocument/2006/relationships" xmlns:p="http://schemas.openxmlformats.org/presentationml/2006/main">
   <p:cSld>
     <p:spTree>
@@ -21994,12 +22822,20 @@
           </a:lstStyle>
           <a:p>
             <a:r>
-              <a:rPr lang="en-SG" sz="1200">
+              <a:rPr lang="en-SG" sz="1200" dirty="0" err="1">
                 <a:solidFill>
                   <a:srgbClr val="161616"/>
                 </a:solidFill>
               </a:rPr>
-              <a:t>QuickGrid is built to be a simple and convenient way to display your data, while still providing powerful features, such as sorting, filtering, paging, and virtualization.</a:t>
+              <a:t>QuickGrid</a:t>
+            </a:r>
+            <a:r>
+              <a:rPr lang="en-SG" sz="1200" dirty="0">
+                <a:solidFill>
+                  <a:srgbClr val="161616"/>
+                </a:solidFill>
+              </a:rPr>
+              <a:t> is built to be a simple and convenient way to display your data, while still providing powerful features, such as sorting, filtering, paging, and virtualization.</a:t>
             </a:r>
             <a:endParaRPr lang="en-SG" sz="1200" dirty="0"/>
           </a:p>
@@ -22054,6 +22890,556 @@
           </a:p>
         </p:txBody>
       </p:sp>
+      <p:sp>
+        <p:nvSpPr>
+          <p:cNvPr id="5" name="TextBox 4">
+            <a:extLst>
+              <a:ext uri="{FF2B5EF4-FFF2-40B4-BE49-F238E27FC236}">
+                <a16:creationId xmlns:a16="http://schemas.microsoft.com/office/drawing/2014/main" id="{139C9696-5A41-8E1B-510D-2A8E12DC79B4}"/>
+              </a:ext>
+            </a:extLst>
+          </p:cNvPr>
+          <p:cNvSpPr txBox="1"/>
+          <p:nvPr/>
+        </p:nvSpPr>
+        <p:spPr>
+          <a:xfrm>
+            <a:off x="956057" y="5526092"/>
+            <a:ext cx="8480906" cy="938719"/>
+          </a:xfrm>
+          <a:prstGeom prst="rect">
+            <a:avLst/>
+          </a:prstGeom>
+          <a:noFill/>
+        </p:spPr>
+        <p:txBody>
+          <a:bodyPr wrap="square">
+            <a:spAutoFit/>
+          </a:bodyPr>
+          <a:lstStyle/>
+          <a:p>
+            <a:r>
+              <a:rPr lang="en-SG" sz="1100" dirty="0">
+                <a:solidFill>
+                  <a:srgbClr val="0000FF"/>
+                </a:solidFill>
+                <a:latin typeface="Cascadia Mono" panose="020B0609020000020004" pitchFamily="49" charset="0"/>
+              </a:rPr>
+              <a:t>&lt;</a:t>
+            </a:r>
+            <a:r>
+              <a:rPr lang="en-SG" sz="1100" b="1" dirty="0" err="1">
+                <a:solidFill>
+                  <a:srgbClr val="800080"/>
+                </a:solidFill>
+                <a:latin typeface="Cascadia Mono" panose="020B0609020000020004" pitchFamily="49" charset="0"/>
+              </a:rPr>
+              <a:t>QuickGrid</a:t>
+            </a:r>
+            <a:r>
+              <a:rPr lang="en-SG" sz="1100" b="0" dirty="0">
+                <a:solidFill>
+                  <a:srgbClr val="000000"/>
+                </a:solidFill>
+                <a:latin typeface="Cascadia Mono" panose="020B0609020000020004" pitchFamily="49" charset="0"/>
+              </a:rPr>
+              <a:t> </a:t>
+            </a:r>
+            <a:r>
+              <a:rPr lang="en-SG" sz="1100" b="1" dirty="0">
+                <a:solidFill>
+                  <a:srgbClr val="800080"/>
+                </a:solidFill>
+                <a:latin typeface="Cascadia Mono" panose="020B0609020000020004" pitchFamily="49" charset="0"/>
+              </a:rPr>
+              <a:t>Items</a:t>
+            </a:r>
+            <a:r>
+              <a:rPr lang="en-SG" sz="1100" b="0" dirty="0">
+                <a:solidFill>
+                  <a:srgbClr val="0000FF"/>
+                </a:solidFill>
+                <a:latin typeface="Cascadia Mono" panose="020B0609020000020004" pitchFamily="49" charset="0"/>
+              </a:rPr>
+              <a:t>="</a:t>
+            </a:r>
+            <a:r>
+              <a:rPr lang="en-SG" sz="1100" b="0" dirty="0">
+                <a:solidFill>
+                  <a:srgbClr val="000000"/>
+                </a:solidFill>
+                <a:latin typeface="Cascadia Mono" panose="020B0609020000020004" pitchFamily="49" charset="0"/>
+              </a:rPr>
+              <a:t>@people</a:t>
+            </a:r>
+            <a:r>
+              <a:rPr lang="en-SG" sz="1100" b="0" dirty="0">
+                <a:solidFill>
+                  <a:srgbClr val="0000FF"/>
+                </a:solidFill>
+                <a:latin typeface="Cascadia Mono" panose="020B0609020000020004" pitchFamily="49" charset="0"/>
+              </a:rPr>
+              <a:t>"&gt;</a:t>
+            </a:r>
+            <a:endParaRPr lang="en-SG" sz="1100" b="0" dirty="0">
+              <a:solidFill>
+                <a:srgbClr val="000000"/>
+              </a:solidFill>
+              <a:latin typeface="Cascadia Mono" panose="020B0609020000020004" pitchFamily="49" charset="0"/>
+            </a:endParaRPr>
+          </a:p>
+          <a:p>
+            <a:r>
+              <a:rPr lang="en-SG" sz="1100" b="0" dirty="0">
+                <a:solidFill>
+                  <a:srgbClr val="000000"/>
+                </a:solidFill>
+                <a:latin typeface="Cascadia Mono" panose="020B0609020000020004" pitchFamily="49" charset="0"/>
+              </a:rPr>
+              <a:t>    </a:t>
+            </a:r>
+            <a:r>
+              <a:rPr lang="en-SG" sz="1100" b="0" dirty="0">
+                <a:solidFill>
+                  <a:srgbClr val="0000FF"/>
+                </a:solidFill>
+                <a:latin typeface="Cascadia Mono" panose="020B0609020000020004" pitchFamily="49" charset="0"/>
+              </a:rPr>
+              <a:t>&lt;</a:t>
+            </a:r>
+            <a:r>
+              <a:rPr lang="en-SG" sz="1100" b="1" dirty="0" err="1">
+                <a:solidFill>
+                  <a:srgbClr val="800080"/>
+                </a:solidFill>
+                <a:latin typeface="Cascadia Mono" panose="020B0609020000020004" pitchFamily="49" charset="0"/>
+              </a:rPr>
+              <a:t>PropertyColumn</a:t>
+            </a:r>
+            <a:r>
+              <a:rPr lang="en-SG" sz="1100" b="0" dirty="0">
+                <a:solidFill>
+                  <a:srgbClr val="000000"/>
+                </a:solidFill>
+                <a:latin typeface="Cascadia Mono" panose="020B0609020000020004" pitchFamily="49" charset="0"/>
+              </a:rPr>
+              <a:t> </a:t>
+            </a:r>
+            <a:r>
+              <a:rPr lang="en-SG" sz="1100" b="1" dirty="0">
+                <a:solidFill>
+                  <a:srgbClr val="800080"/>
+                </a:solidFill>
+                <a:latin typeface="Cascadia Mono" panose="020B0609020000020004" pitchFamily="49" charset="0"/>
+              </a:rPr>
+              <a:t>Property</a:t>
+            </a:r>
+            <a:r>
+              <a:rPr lang="en-SG" sz="1100" b="0" dirty="0">
+                <a:solidFill>
+                  <a:srgbClr val="0000FF"/>
+                </a:solidFill>
+                <a:latin typeface="Cascadia Mono" panose="020B0609020000020004" pitchFamily="49" charset="0"/>
+              </a:rPr>
+              <a:t>="</a:t>
+            </a:r>
+            <a:r>
+              <a:rPr lang="en-SG" sz="1100" b="0" dirty="0">
+                <a:solidFill>
+                  <a:srgbClr val="000000"/>
+                </a:solidFill>
+                <a:latin typeface="Cascadia Mono" panose="020B0609020000020004" pitchFamily="49" charset="0"/>
+              </a:rPr>
+              <a:t>@(p =&gt; </a:t>
+            </a:r>
+            <a:r>
+              <a:rPr lang="en-SG" sz="1100" b="0" dirty="0" err="1">
+                <a:solidFill>
+                  <a:srgbClr val="000000"/>
+                </a:solidFill>
+                <a:latin typeface="Cascadia Mono" panose="020B0609020000020004" pitchFamily="49" charset="0"/>
+              </a:rPr>
+              <a:t>p.PersonId</a:t>
+            </a:r>
+            <a:r>
+              <a:rPr lang="en-SG" sz="1100" b="0" dirty="0">
+                <a:solidFill>
+                  <a:srgbClr val="000000"/>
+                </a:solidFill>
+                <a:latin typeface="Cascadia Mono" panose="020B0609020000020004" pitchFamily="49" charset="0"/>
+              </a:rPr>
+              <a:t>)</a:t>
+            </a:r>
+            <a:r>
+              <a:rPr lang="en-SG" sz="1100" b="0" dirty="0">
+                <a:solidFill>
+                  <a:srgbClr val="0000FF"/>
+                </a:solidFill>
+                <a:latin typeface="Cascadia Mono" panose="020B0609020000020004" pitchFamily="49" charset="0"/>
+              </a:rPr>
+              <a:t>"</a:t>
+            </a:r>
+            <a:r>
+              <a:rPr lang="en-SG" sz="1100" b="0" dirty="0">
+                <a:solidFill>
+                  <a:srgbClr val="000000"/>
+                </a:solidFill>
+                <a:latin typeface="Cascadia Mono" panose="020B0609020000020004" pitchFamily="49" charset="0"/>
+              </a:rPr>
+              <a:t> </a:t>
+            </a:r>
+            <a:r>
+              <a:rPr lang="en-SG" sz="1100" b="1" dirty="0">
+                <a:solidFill>
+                  <a:srgbClr val="800080"/>
+                </a:solidFill>
+                <a:latin typeface="Cascadia Mono" panose="020B0609020000020004" pitchFamily="49" charset="0"/>
+              </a:rPr>
+              <a:t>Sortable</a:t>
+            </a:r>
+            <a:r>
+              <a:rPr lang="en-SG" sz="1100" b="0" dirty="0">
+                <a:solidFill>
+                  <a:srgbClr val="0000FF"/>
+                </a:solidFill>
+                <a:latin typeface="Cascadia Mono" panose="020B0609020000020004" pitchFamily="49" charset="0"/>
+              </a:rPr>
+              <a:t>="true" /&gt;</a:t>
+            </a:r>
+            <a:endParaRPr lang="en-SG" sz="1100" b="0" dirty="0">
+              <a:solidFill>
+                <a:srgbClr val="000000"/>
+              </a:solidFill>
+              <a:latin typeface="Cascadia Mono" panose="020B0609020000020004" pitchFamily="49" charset="0"/>
+            </a:endParaRPr>
+          </a:p>
+          <a:p>
+            <a:r>
+              <a:rPr lang="en-SG" sz="1100" b="0" dirty="0">
+                <a:solidFill>
+                  <a:srgbClr val="000000"/>
+                </a:solidFill>
+                <a:latin typeface="Cascadia Mono" panose="020B0609020000020004" pitchFamily="49" charset="0"/>
+              </a:rPr>
+              <a:t>    </a:t>
+            </a:r>
+            <a:r>
+              <a:rPr lang="en-SG" sz="1100" b="0" dirty="0">
+                <a:solidFill>
+                  <a:srgbClr val="0000FF"/>
+                </a:solidFill>
+                <a:latin typeface="Cascadia Mono" panose="020B0609020000020004" pitchFamily="49" charset="0"/>
+              </a:rPr>
+              <a:t>&lt;</a:t>
+            </a:r>
+            <a:r>
+              <a:rPr lang="en-SG" sz="1100" b="1" dirty="0" err="1">
+                <a:solidFill>
+                  <a:srgbClr val="800080"/>
+                </a:solidFill>
+                <a:latin typeface="Cascadia Mono" panose="020B0609020000020004" pitchFamily="49" charset="0"/>
+              </a:rPr>
+              <a:t>PropertyColumn</a:t>
+            </a:r>
+            <a:r>
+              <a:rPr lang="en-SG" sz="1100" b="0" dirty="0">
+                <a:solidFill>
+                  <a:srgbClr val="000000"/>
+                </a:solidFill>
+                <a:latin typeface="Cascadia Mono" panose="020B0609020000020004" pitchFamily="49" charset="0"/>
+              </a:rPr>
+              <a:t> </a:t>
+            </a:r>
+            <a:r>
+              <a:rPr lang="en-SG" sz="1100" b="1" dirty="0">
+                <a:solidFill>
+                  <a:srgbClr val="800080"/>
+                </a:solidFill>
+                <a:latin typeface="Cascadia Mono" panose="020B0609020000020004" pitchFamily="49" charset="0"/>
+              </a:rPr>
+              <a:t>Property</a:t>
+            </a:r>
+            <a:r>
+              <a:rPr lang="en-SG" sz="1100" b="0" dirty="0">
+                <a:solidFill>
+                  <a:srgbClr val="0000FF"/>
+                </a:solidFill>
+                <a:latin typeface="Cascadia Mono" panose="020B0609020000020004" pitchFamily="49" charset="0"/>
+              </a:rPr>
+              <a:t>="</a:t>
+            </a:r>
+            <a:r>
+              <a:rPr lang="en-SG" sz="1100" b="0" dirty="0">
+                <a:solidFill>
+                  <a:srgbClr val="000000"/>
+                </a:solidFill>
+                <a:latin typeface="Cascadia Mono" panose="020B0609020000020004" pitchFamily="49" charset="0"/>
+              </a:rPr>
+              <a:t>@(p =&gt; </a:t>
+            </a:r>
+            <a:r>
+              <a:rPr lang="en-SG" sz="1100" b="0" dirty="0" err="1">
+                <a:solidFill>
+                  <a:srgbClr val="000000"/>
+                </a:solidFill>
+                <a:latin typeface="Cascadia Mono" panose="020B0609020000020004" pitchFamily="49" charset="0"/>
+              </a:rPr>
+              <a:t>p.Name</a:t>
+            </a:r>
+            <a:r>
+              <a:rPr lang="en-SG" sz="1100" b="0" dirty="0">
+                <a:solidFill>
+                  <a:srgbClr val="000000"/>
+                </a:solidFill>
+                <a:latin typeface="Cascadia Mono" panose="020B0609020000020004" pitchFamily="49" charset="0"/>
+              </a:rPr>
+              <a:t>)</a:t>
+            </a:r>
+            <a:r>
+              <a:rPr lang="en-SG" sz="1100" b="0" dirty="0">
+                <a:solidFill>
+                  <a:srgbClr val="0000FF"/>
+                </a:solidFill>
+                <a:latin typeface="Cascadia Mono" panose="020B0609020000020004" pitchFamily="49" charset="0"/>
+              </a:rPr>
+              <a:t>"</a:t>
+            </a:r>
+            <a:r>
+              <a:rPr lang="en-SG" sz="1100" b="0" dirty="0">
+                <a:solidFill>
+                  <a:srgbClr val="000000"/>
+                </a:solidFill>
+                <a:latin typeface="Cascadia Mono" panose="020B0609020000020004" pitchFamily="49" charset="0"/>
+              </a:rPr>
+              <a:t> </a:t>
+            </a:r>
+            <a:r>
+              <a:rPr lang="en-SG" sz="1100" b="1" dirty="0">
+                <a:solidFill>
+                  <a:srgbClr val="800080"/>
+                </a:solidFill>
+                <a:latin typeface="Cascadia Mono" panose="020B0609020000020004" pitchFamily="49" charset="0"/>
+              </a:rPr>
+              <a:t>Sortable</a:t>
+            </a:r>
+            <a:r>
+              <a:rPr lang="en-SG" sz="1100" b="0" dirty="0">
+                <a:solidFill>
+                  <a:srgbClr val="0000FF"/>
+                </a:solidFill>
+                <a:latin typeface="Cascadia Mono" panose="020B0609020000020004" pitchFamily="49" charset="0"/>
+              </a:rPr>
+              <a:t>="true" /&gt;</a:t>
+            </a:r>
+            <a:endParaRPr lang="en-SG" sz="1100" b="0" dirty="0">
+              <a:solidFill>
+                <a:srgbClr val="000000"/>
+              </a:solidFill>
+              <a:latin typeface="Cascadia Mono" panose="020B0609020000020004" pitchFamily="49" charset="0"/>
+            </a:endParaRPr>
+          </a:p>
+          <a:p>
+            <a:r>
+              <a:rPr lang="en-SG" sz="1100" b="0" dirty="0">
+                <a:solidFill>
+                  <a:srgbClr val="000000"/>
+                </a:solidFill>
+                <a:latin typeface="Cascadia Mono" panose="020B0609020000020004" pitchFamily="49" charset="0"/>
+              </a:rPr>
+              <a:t>    </a:t>
+            </a:r>
+            <a:r>
+              <a:rPr lang="en-SG" sz="1100" b="0" dirty="0">
+                <a:solidFill>
+                  <a:srgbClr val="0000FF"/>
+                </a:solidFill>
+                <a:latin typeface="Cascadia Mono" panose="020B0609020000020004" pitchFamily="49" charset="0"/>
+              </a:rPr>
+              <a:t>&lt;</a:t>
+            </a:r>
+            <a:r>
+              <a:rPr lang="en-SG" sz="1100" b="1" dirty="0" err="1">
+                <a:solidFill>
+                  <a:srgbClr val="800080"/>
+                </a:solidFill>
+                <a:latin typeface="Cascadia Mono" panose="020B0609020000020004" pitchFamily="49" charset="0"/>
+              </a:rPr>
+              <a:t>PropertyColumn</a:t>
+            </a:r>
+            <a:r>
+              <a:rPr lang="en-SG" sz="1100" b="0" dirty="0">
+                <a:solidFill>
+                  <a:srgbClr val="000000"/>
+                </a:solidFill>
+                <a:latin typeface="Cascadia Mono" panose="020B0609020000020004" pitchFamily="49" charset="0"/>
+              </a:rPr>
+              <a:t> </a:t>
+            </a:r>
+            <a:r>
+              <a:rPr lang="en-SG" sz="1100" b="1" dirty="0">
+                <a:solidFill>
+                  <a:srgbClr val="800080"/>
+                </a:solidFill>
+                <a:latin typeface="Cascadia Mono" panose="020B0609020000020004" pitchFamily="49" charset="0"/>
+              </a:rPr>
+              <a:t>Property</a:t>
+            </a:r>
+            <a:r>
+              <a:rPr lang="en-SG" sz="1100" b="0" dirty="0">
+                <a:solidFill>
+                  <a:srgbClr val="0000FF"/>
+                </a:solidFill>
+                <a:latin typeface="Cascadia Mono" panose="020B0609020000020004" pitchFamily="49" charset="0"/>
+              </a:rPr>
+              <a:t>="</a:t>
+            </a:r>
+            <a:r>
+              <a:rPr lang="en-SG" sz="1100" b="0" dirty="0">
+                <a:solidFill>
+                  <a:srgbClr val="000000"/>
+                </a:solidFill>
+                <a:latin typeface="Cascadia Mono" panose="020B0609020000020004" pitchFamily="49" charset="0"/>
+              </a:rPr>
+              <a:t>@(p =&gt; </a:t>
+            </a:r>
+            <a:r>
+              <a:rPr lang="en-SG" sz="1100" b="0" dirty="0" err="1">
+                <a:solidFill>
+                  <a:srgbClr val="000000"/>
+                </a:solidFill>
+                <a:latin typeface="Cascadia Mono" panose="020B0609020000020004" pitchFamily="49" charset="0"/>
+              </a:rPr>
+              <a:t>p.PromotionDate</a:t>
+            </a:r>
+            <a:r>
+              <a:rPr lang="en-SG" sz="1100" b="0" dirty="0">
+                <a:solidFill>
+                  <a:srgbClr val="000000"/>
+                </a:solidFill>
+                <a:latin typeface="Cascadia Mono" panose="020B0609020000020004" pitchFamily="49" charset="0"/>
+              </a:rPr>
+              <a:t>)</a:t>
+            </a:r>
+            <a:r>
+              <a:rPr lang="en-SG" sz="1100" b="0" dirty="0">
+                <a:solidFill>
+                  <a:srgbClr val="0000FF"/>
+                </a:solidFill>
+                <a:latin typeface="Cascadia Mono" panose="020B0609020000020004" pitchFamily="49" charset="0"/>
+              </a:rPr>
+              <a:t>"</a:t>
+            </a:r>
+            <a:r>
+              <a:rPr lang="en-SG" sz="1100" b="0" dirty="0">
+                <a:solidFill>
+                  <a:srgbClr val="000000"/>
+                </a:solidFill>
+                <a:latin typeface="Cascadia Mono" panose="020B0609020000020004" pitchFamily="49" charset="0"/>
+              </a:rPr>
+              <a:t> </a:t>
+            </a:r>
+            <a:r>
+              <a:rPr lang="en-SG" sz="1100" b="1" dirty="0">
+                <a:solidFill>
+                  <a:srgbClr val="800080"/>
+                </a:solidFill>
+                <a:latin typeface="Cascadia Mono" panose="020B0609020000020004" pitchFamily="49" charset="0"/>
+              </a:rPr>
+              <a:t>Format</a:t>
+            </a:r>
+            <a:r>
+              <a:rPr lang="en-SG" sz="1100" b="0" dirty="0">
+                <a:solidFill>
+                  <a:srgbClr val="0000FF"/>
+                </a:solidFill>
+                <a:latin typeface="Cascadia Mono" panose="020B0609020000020004" pitchFamily="49" charset="0"/>
+              </a:rPr>
+              <a:t>="</a:t>
+            </a:r>
+            <a:r>
+              <a:rPr lang="en-SG" sz="1100" b="0" dirty="0" err="1">
+                <a:solidFill>
+                  <a:srgbClr val="0000FF"/>
+                </a:solidFill>
+                <a:latin typeface="Cascadia Mono" panose="020B0609020000020004" pitchFamily="49" charset="0"/>
+              </a:rPr>
+              <a:t>yyyy</a:t>
+            </a:r>
+            <a:r>
+              <a:rPr lang="en-SG" sz="1100" b="0" dirty="0">
+                <a:solidFill>
+                  <a:srgbClr val="0000FF"/>
+                </a:solidFill>
+                <a:latin typeface="Cascadia Mono" panose="020B0609020000020004" pitchFamily="49" charset="0"/>
+              </a:rPr>
+              <a:t>-MM-dd"</a:t>
+            </a:r>
+            <a:r>
+              <a:rPr lang="en-SG" sz="1100" b="0" dirty="0">
+                <a:solidFill>
+                  <a:srgbClr val="000000"/>
+                </a:solidFill>
+                <a:latin typeface="Cascadia Mono" panose="020B0609020000020004" pitchFamily="49" charset="0"/>
+              </a:rPr>
+              <a:t> </a:t>
+            </a:r>
+            <a:r>
+              <a:rPr lang="en-SG" sz="1100" b="1" dirty="0">
+                <a:solidFill>
+                  <a:srgbClr val="800080"/>
+                </a:solidFill>
+                <a:latin typeface="Cascadia Mono" panose="020B0609020000020004" pitchFamily="49" charset="0"/>
+              </a:rPr>
+              <a:t>Sortable</a:t>
+            </a:r>
+            <a:r>
+              <a:rPr lang="en-SG" sz="1100" b="0" dirty="0">
+                <a:solidFill>
+                  <a:srgbClr val="0000FF"/>
+                </a:solidFill>
+                <a:latin typeface="Cascadia Mono" panose="020B0609020000020004" pitchFamily="49" charset="0"/>
+              </a:rPr>
+              <a:t>="true" /&gt;</a:t>
+            </a:r>
+            <a:endParaRPr lang="en-SG" sz="1100" b="0" dirty="0">
+              <a:solidFill>
+                <a:srgbClr val="000000"/>
+              </a:solidFill>
+              <a:latin typeface="Cascadia Mono" panose="020B0609020000020004" pitchFamily="49" charset="0"/>
+            </a:endParaRPr>
+          </a:p>
+          <a:p>
+            <a:r>
+              <a:rPr lang="en-SG" sz="1100" b="0" dirty="0">
+                <a:solidFill>
+                  <a:srgbClr val="0000FF"/>
+                </a:solidFill>
+                <a:latin typeface="Cascadia Mono" panose="020B0609020000020004" pitchFamily="49" charset="0"/>
+              </a:rPr>
+              <a:t>&lt;/</a:t>
+            </a:r>
+            <a:r>
+              <a:rPr lang="en-SG" sz="1100" b="1" dirty="0" err="1">
+                <a:solidFill>
+                  <a:srgbClr val="800080"/>
+                </a:solidFill>
+                <a:latin typeface="Cascadia Mono" panose="020B0609020000020004" pitchFamily="49" charset="0"/>
+              </a:rPr>
+              <a:t>QuickGrid</a:t>
+            </a:r>
+            <a:r>
+              <a:rPr lang="en-SG" sz="1100" b="0" dirty="0">
+                <a:solidFill>
+                  <a:srgbClr val="0000FF"/>
+                </a:solidFill>
+                <a:latin typeface="Cascadia Mono" panose="020B0609020000020004" pitchFamily="49" charset="0"/>
+              </a:rPr>
+              <a:t>&gt;</a:t>
+            </a:r>
+            <a:endParaRPr lang="en-SG" sz="1100" dirty="0"/>
+          </a:p>
+        </p:txBody>
+      </p:sp>
     </p:spTree>
     <p:extLst>
       <p:ext uri="{BB962C8B-B14F-4D97-AF65-F5344CB8AC3E}">
@@ -22067,7 +23453,7 @@
 </p:sld>
 </file>
 
-<file path=ppt/slides/slide18.xml><?xml version="1.0" encoding="utf-8"?>
+<file path=ppt/slides/slide19.xml><?xml version="1.0" encoding="utf-8"?>
 <p:sld xmlns:a="http://schemas.openxmlformats.org/drawingml/2006/main" xmlns:r="http://schemas.openxmlformats.org/officeDocument/2006/relationships" xmlns:p="http://schemas.openxmlformats.org/presentationml/2006/main">
   <p:cSld>
     <p:spTree>
@@ -23568,438 +24954,6 @@
     <p:extLst>
       <p:ext uri="{BB962C8B-B14F-4D97-AF65-F5344CB8AC3E}">
         <p14:creationId xmlns:p14="http://schemas.microsoft.com/office/powerpoint/2010/main" val="100851232"/>
-      </p:ext>
-    </p:extLst>
-  </p:cSld>
-  <p:clrMapOvr>
-    <a:masterClrMapping/>
-  </p:clrMapOvr>
-</p:sld>
-</file>
-
-<file path=ppt/slides/slide19.xml><?xml version="1.0" encoding="utf-8"?>
-<p:sld xmlns:a="http://schemas.openxmlformats.org/drawingml/2006/main" xmlns:r="http://schemas.openxmlformats.org/officeDocument/2006/relationships" xmlns:p="http://schemas.openxmlformats.org/presentationml/2006/main">
-  <p:cSld>
-    <p:spTree>
-      <p:nvGrpSpPr>
-        <p:cNvPr id="1" name=""/>
-        <p:cNvGrpSpPr/>
-        <p:nvPr/>
-      </p:nvGrpSpPr>
-      <p:grpSpPr>
-        <a:xfrm>
-          <a:off x="0" y="0"/>
-          <a:ext cx="0" cy="0"/>
-          <a:chOff x="0" y="0"/>
-          <a:chExt cx="0" cy="0"/>
-        </a:xfrm>
-      </p:grpSpPr>
-      <p:sp>
-        <p:nvSpPr>
-          <p:cNvPr id="2" name="Title 1">
-            <a:extLst>
-              <a:ext uri="{FF2B5EF4-FFF2-40B4-BE49-F238E27FC236}">
-                <a16:creationId xmlns:a16="http://schemas.microsoft.com/office/drawing/2014/main" id="{9A190264-F9F3-A37B-5C6C-39776644A968}"/>
-              </a:ext>
-            </a:extLst>
-          </p:cNvPr>
-          <p:cNvSpPr>
-            <a:spLocks noGrp="1"/>
-          </p:cNvSpPr>
-          <p:nvPr>
-            <p:ph type="title"/>
-          </p:nvPr>
-        </p:nvSpPr>
-        <p:spPr/>
-        <p:txBody>
-          <a:bodyPr/>
-          <a:lstStyle/>
-          <a:p>
-            <a:r>
-              <a:rPr lang="en-US" altLang="zh-CN" dirty="0"/>
-              <a:t>New Features</a:t>
-            </a:r>
-            <a:endParaRPr lang="en-SG" dirty="0"/>
-          </a:p>
-        </p:txBody>
-      </p:sp>
-      <p:sp>
-        <p:nvSpPr>
-          <p:cNvPr id="3" name="Content Placeholder 2">
-            <a:extLst>
-              <a:ext uri="{FF2B5EF4-FFF2-40B4-BE49-F238E27FC236}">
-                <a16:creationId xmlns:a16="http://schemas.microsoft.com/office/drawing/2014/main" id="{3C4AFF9F-3802-7CE3-A529-E503EB704FFD}"/>
-              </a:ext>
-            </a:extLst>
-          </p:cNvPr>
-          <p:cNvSpPr>
-            <a:spLocks noGrp="1"/>
-          </p:cNvSpPr>
-          <p:nvPr>
-            <p:ph idx="1"/>
-          </p:nvPr>
-        </p:nvSpPr>
-        <p:spPr>
-          <a:xfrm>
-            <a:off x="691078" y="3000651"/>
-            <a:ext cx="4839710" cy="1935333"/>
-          </a:xfrm>
-        </p:spPr>
-        <p:txBody>
-          <a:bodyPr>
-            <a:normAutofit/>
-          </a:bodyPr>
-          <a:lstStyle/>
-          <a:p>
-            <a:r>
-              <a:rPr lang="en-SG" sz="1200" dirty="0"/>
-              <a:t>Webcil files use a standard </a:t>
-            </a:r>
-            <a:r>
-              <a:rPr lang="en-SG" sz="1200" dirty="0" err="1"/>
-              <a:t>WebAssembly</a:t>
-            </a:r>
-            <a:r>
-              <a:rPr lang="en-SG" sz="1200" dirty="0"/>
-              <a:t> wrapper, where the assemblies are deployed as </a:t>
-            </a:r>
-            <a:r>
-              <a:rPr lang="en-SG" sz="1200" dirty="0" err="1"/>
-              <a:t>WebAssembly</a:t>
-            </a:r>
-            <a:r>
-              <a:rPr lang="en-SG" sz="1200" dirty="0"/>
-              <a:t> files that use the standard .</a:t>
-            </a:r>
-            <a:r>
-              <a:rPr lang="en-SG" sz="1200" b="1" dirty="0" err="1"/>
-              <a:t>wasm</a:t>
-            </a:r>
-            <a:r>
-              <a:rPr lang="en-SG" sz="1200" b="1" dirty="0"/>
-              <a:t> file </a:t>
-            </a:r>
-            <a:r>
-              <a:rPr lang="en-SG" sz="1200" dirty="0"/>
-              <a:t>extension instead of </a:t>
-            </a:r>
-            <a:r>
-              <a:rPr lang="en-SG" sz="1200" b="1" dirty="0"/>
-              <a:t>.</a:t>
-            </a:r>
-            <a:r>
-              <a:rPr lang="en-SG" sz="1200" b="1" dirty="0" err="1"/>
-              <a:t>dll</a:t>
-            </a:r>
-            <a:r>
-              <a:rPr lang="en-SG" sz="1200" b="1" dirty="0"/>
-              <a:t> file</a:t>
-            </a:r>
-            <a:r>
-              <a:rPr lang="en-SG" sz="1200" dirty="0"/>
-              <a:t>.</a:t>
-            </a:r>
-          </a:p>
-          <a:p>
-            <a:r>
-              <a:rPr lang="en-SG" sz="1200" dirty="0"/>
-              <a:t>For </a:t>
-            </a:r>
-            <a:r>
-              <a:rPr lang="en-SG" sz="1200" dirty="0" err="1"/>
-              <a:t>Blazor</a:t>
-            </a:r>
-            <a:r>
-              <a:rPr lang="en-SG" sz="1200" dirty="0"/>
-              <a:t> </a:t>
-            </a:r>
-            <a:r>
-              <a:rPr lang="en-SG" sz="1200" dirty="0" err="1"/>
-              <a:t>WebAssembly</a:t>
-            </a:r>
-            <a:r>
-              <a:rPr lang="en-SG" sz="1200" dirty="0"/>
-              <a:t>, output at </a:t>
-            </a:r>
-            <a:r>
-              <a:rPr lang="en-SG" sz="1200" b="1" dirty="0"/>
-              <a:t>{Project}.\bin\\{Debug or Release }\net8.0\</a:t>
-            </a:r>
-            <a:r>
-              <a:rPr lang="en-SG" sz="1200" b="1" dirty="0" err="1"/>
-              <a:t>wwwroot</a:t>
-            </a:r>
-            <a:r>
-              <a:rPr lang="en-SG" sz="1200" b="1" dirty="0"/>
-              <a:t>\_framework</a:t>
-            </a:r>
-          </a:p>
-          <a:p>
-            <a:r>
-              <a:rPr lang="en-SG" sz="1200" dirty="0"/>
-              <a:t>For </a:t>
-            </a:r>
-            <a:r>
-              <a:rPr lang="en-SG" sz="1200" dirty="0" err="1"/>
-              <a:t>Blazor</a:t>
-            </a:r>
-            <a:r>
-              <a:rPr lang="en-SG" sz="1200" dirty="0"/>
-              <a:t> Web App, output at </a:t>
-            </a:r>
-            <a:r>
-              <a:rPr lang="en-SG" sz="1200" b="1" dirty="0"/>
-              <a:t>{Project}.Client\bin\{Debug or Release }\net8.0\</a:t>
-            </a:r>
-            <a:r>
-              <a:rPr lang="en-SG" sz="1200" b="1" dirty="0" err="1"/>
-              <a:t>wwwroot</a:t>
-            </a:r>
-            <a:r>
-              <a:rPr lang="en-SG" sz="1200" b="1" dirty="0"/>
-              <a:t>\_framework</a:t>
-            </a:r>
-          </a:p>
-        </p:txBody>
-      </p:sp>
-      <p:pic>
-        <p:nvPicPr>
-          <p:cNvPr id="10" name="Picture 9">
-            <a:extLst>
-              <a:ext uri="{FF2B5EF4-FFF2-40B4-BE49-F238E27FC236}">
-                <a16:creationId xmlns:a16="http://schemas.microsoft.com/office/drawing/2014/main" id="{8569265C-3C51-0443-1675-284EC1D3A748}"/>
-              </a:ext>
-            </a:extLst>
-          </p:cNvPr>
-          <p:cNvPicPr>
-            <a:picLocks noChangeAspect="1"/>
-          </p:cNvPicPr>
-          <p:nvPr/>
-        </p:nvPicPr>
-        <p:blipFill>
-          <a:blip r:embed="rId2"/>
-          <a:stretch>
-            <a:fillRect/>
-          </a:stretch>
-        </p:blipFill>
-        <p:spPr>
-          <a:xfrm>
-            <a:off x="6020723" y="1699934"/>
-            <a:ext cx="2648320" cy="3991532"/>
-          </a:xfrm>
-          <a:prstGeom prst="rect">
-            <a:avLst/>
-          </a:prstGeom>
-        </p:spPr>
-      </p:pic>
-      <p:pic>
-        <p:nvPicPr>
-          <p:cNvPr id="12" name="Picture 11">
-            <a:extLst>
-              <a:ext uri="{FF2B5EF4-FFF2-40B4-BE49-F238E27FC236}">
-                <a16:creationId xmlns:a16="http://schemas.microsoft.com/office/drawing/2014/main" id="{FE2B773D-B27B-D075-420B-6FA2F53B7411}"/>
-              </a:ext>
-            </a:extLst>
-          </p:cNvPr>
-          <p:cNvPicPr>
-            <a:picLocks noChangeAspect="1"/>
-          </p:cNvPicPr>
-          <p:nvPr/>
-        </p:nvPicPr>
-        <p:blipFill>
-          <a:blip r:embed="rId3"/>
-          <a:stretch>
-            <a:fillRect/>
-          </a:stretch>
-        </p:blipFill>
-        <p:spPr>
-          <a:xfrm>
-            <a:off x="9247756" y="1626095"/>
-            <a:ext cx="2905530" cy="4505954"/>
-          </a:xfrm>
-          <a:prstGeom prst="rect">
-            <a:avLst/>
-          </a:prstGeom>
-        </p:spPr>
-      </p:pic>
-      <p:sp>
-        <p:nvSpPr>
-          <p:cNvPr id="14" name="TextBox 13">
-            <a:extLst>
-              <a:ext uri="{FF2B5EF4-FFF2-40B4-BE49-F238E27FC236}">
-                <a16:creationId xmlns:a16="http://schemas.microsoft.com/office/drawing/2014/main" id="{696D6C23-F685-6E47-6B37-EA47D158AEC7}"/>
-              </a:ext>
-            </a:extLst>
-          </p:cNvPr>
-          <p:cNvSpPr txBox="1"/>
-          <p:nvPr/>
-        </p:nvSpPr>
-        <p:spPr>
-          <a:xfrm>
-            <a:off x="6767743" y="6285937"/>
-            <a:ext cx="973584" cy="338554"/>
-          </a:xfrm>
-          <a:prstGeom prst="rect">
-            <a:avLst/>
-          </a:prstGeom>
-          <a:noFill/>
-        </p:spPr>
-        <p:txBody>
-          <a:bodyPr wrap="square">
-            <a:spAutoFit/>
-          </a:bodyPr>
-          <a:lstStyle/>
-          <a:p>
-            <a:r>
-              <a:rPr lang="en-SG" sz="1600" b="1" dirty="0" err="1">
-                <a:solidFill>
-                  <a:srgbClr val="FF0000"/>
-                </a:solidFill>
-              </a:rPr>
-              <a:t>.net</a:t>
-            </a:r>
-            <a:r>
-              <a:rPr lang="en-SG" sz="1600" b="1" dirty="0">
-                <a:solidFill>
-                  <a:srgbClr val="FF0000"/>
-                </a:solidFill>
-              </a:rPr>
-              <a:t> 6.0</a:t>
-            </a:r>
-          </a:p>
-        </p:txBody>
-      </p:sp>
-      <p:sp>
-        <p:nvSpPr>
-          <p:cNvPr id="15" name="TextBox 14">
-            <a:extLst>
-              <a:ext uri="{FF2B5EF4-FFF2-40B4-BE49-F238E27FC236}">
-                <a16:creationId xmlns:a16="http://schemas.microsoft.com/office/drawing/2014/main" id="{10D2B828-1AB9-CFE2-C0B9-249270A2A664}"/>
-              </a:ext>
-            </a:extLst>
-          </p:cNvPr>
-          <p:cNvSpPr txBox="1"/>
-          <p:nvPr/>
-        </p:nvSpPr>
-        <p:spPr>
-          <a:xfrm>
-            <a:off x="10045082" y="6285937"/>
-            <a:ext cx="973584" cy="338554"/>
-          </a:xfrm>
-          <a:prstGeom prst="rect">
-            <a:avLst/>
-          </a:prstGeom>
-          <a:noFill/>
-        </p:spPr>
-        <p:txBody>
-          <a:bodyPr wrap="square">
-            <a:spAutoFit/>
-          </a:bodyPr>
-          <a:lstStyle/>
-          <a:p>
-            <a:r>
-              <a:rPr lang="en-SG" sz="1600" b="1" dirty="0" err="1">
-                <a:solidFill>
-                  <a:srgbClr val="FF0000"/>
-                </a:solidFill>
-              </a:rPr>
-              <a:t>.net</a:t>
-            </a:r>
-            <a:r>
-              <a:rPr lang="en-SG" sz="1600" b="1" dirty="0">
-                <a:solidFill>
-                  <a:srgbClr val="FF0000"/>
-                </a:solidFill>
-              </a:rPr>
-              <a:t> 8.0</a:t>
-            </a:r>
-          </a:p>
-        </p:txBody>
-      </p:sp>
-      <p:sp>
-        <p:nvSpPr>
-          <p:cNvPr id="4" name="TextBox 3">
-            <a:extLst>
-              <a:ext uri="{FF2B5EF4-FFF2-40B4-BE49-F238E27FC236}">
-                <a16:creationId xmlns:a16="http://schemas.microsoft.com/office/drawing/2014/main" id="{44C70649-CFCC-6D73-FF84-A2B0D8126CDD}"/>
-              </a:ext>
-            </a:extLst>
-          </p:cNvPr>
-          <p:cNvSpPr txBox="1"/>
-          <p:nvPr/>
-        </p:nvSpPr>
-        <p:spPr>
-          <a:xfrm>
-            <a:off x="691078" y="2354321"/>
-            <a:ext cx="3572279" cy="369332"/>
-          </a:xfrm>
-          <a:prstGeom prst="rect">
-            <a:avLst/>
-          </a:prstGeom>
-          <a:noFill/>
-        </p:spPr>
-        <p:txBody>
-          <a:bodyPr wrap="square">
-            <a:spAutoFit/>
-          </a:bodyPr>
-          <a:lstStyle/>
-          <a:p>
-            <a:r>
-              <a:rPr lang="en-SG" i="0" dirty="0">
-                <a:solidFill>
-                  <a:srgbClr val="161616"/>
-                </a:solidFill>
-                <a:effectLst/>
-                <a:latin typeface="Segoe UI" panose="020B0502040204020203" pitchFamily="34" charset="0"/>
-              </a:rPr>
-              <a:t>Webcil packaging</a:t>
-            </a:r>
-            <a:endParaRPr lang="en-SG" dirty="0"/>
-          </a:p>
-        </p:txBody>
-      </p:sp>
-      <p:sp>
-        <p:nvSpPr>
-          <p:cNvPr id="6" name="TextBox 5">
-            <a:extLst>
-              <a:ext uri="{FF2B5EF4-FFF2-40B4-BE49-F238E27FC236}">
-                <a16:creationId xmlns:a16="http://schemas.microsoft.com/office/drawing/2014/main" id="{4887F504-FE7E-1DB8-2984-3352FC756BC3}"/>
-              </a:ext>
-            </a:extLst>
-          </p:cNvPr>
-          <p:cNvSpPr txBox="1"/>
-          <p:nvPr/>
-        </p:nvSpPr>
-        <p:spPr>
-          <a:xfrm>
-            <a:off x="569652" y="6246705"/>
-            <a:ext cx="5526348" cy="276999"/>
-          </a:xfrm>
-          <a:prstGeom prst="rect">
-            <a:avLst/>
-          </a:prstGeom>
-          <a:noFill/>
-        </p:spPr>
-        <p:txBody>
-          <a:bodyPr wrap="square">
-            <a:spAutoFit/>
-          </a:bodyPr>
-          <a:lstStyle/>
-          <a:p>
-            <a:r>
-              <a:rPr lang="en-SG" sz="1200" dirty="0">
-                <a:hlinkClick r:id="rId4"/>
-              </a:rPr>
-              <a:t>https://github.com/dotnet/runtime/blob/main/docs/design/mono/webcil.md</a:t>
-            </a:r>
-            <a:endParaRPr lang="en-SG" sz="1200" dirty="0"/>
-          </a:p>
-        </p:txBody>
-      </p:sp>
-    </p:spTree>
-    <p:extLst>
-      <p:ext uri="{BB962C8B-B14F-4D97-AF65-F5344CB8AC3E}">
-        <p14:creationId xmlns:p14="http://schemas.microsoft.com/office/powerpoint/2010/main" val="1153229066"/>
       </p:ext>
     </p:extLst>
   </p:cSld>
@@ -26507,6 +27461,438 @@
           <p:cNvPr id="2" name="Title 1">
             <a:extLst>
               <a:ext uri="{FF2B5EF4-FFF2-40B4-BE49-F238E27FC236}">
+                <a16:creationId xmlns:a16="http://schemas.microsoft.com/office/drawing/2014/main" id="{9A190264-F9F3-A37B-5C6C-39776644A968}"/>
+              </a:ext>
+            </a:extLst>
+          </p:cNvPr>
+          <p:cNvSpPr>
+            <a:spLocks noGrp="1"/>
+          </p:cNvSpPr>
+          <p:nvPr>
+            <p:ph type="title"/>
+          </p:nvPr>
+        </p:nvSpPr>
+        <p:spPr/>
+        <p:txBody>
+          <a:bodyPr/>
+          <a:lstStyle/>
+          <a:p>
+            <a:r>
+              <a:rPr lang="en-US" altLang="zh-CN" dirty="0"/>
+              <a:t>New Features</a:t>
+            </a:r>
+            <a:endParaRPr lang="en-SG" dirty="0"/>
+          </a:p>
+        </p:txBody>
+      </p:sp>
+      <p:sp>
+        <p:nvSpPr>
+          <p:cNvPr id="3" name="Content Placeholder 2">
+            <a:extLst>
+              <a:ext uri="{FF2B5EF4-FFF2-40B4-BE49-F238E27FC236}">
+                <a16:creationId xmlns:a16="http://schemas.microsoft.com/office/drawing/2014/main" id="{3C4AFF9F-3802-7CE3-A529-E503EB704FFD}"/>
+              </a:ext>
+            </a:extLst>
+          </p:cNvPr>
+          <p:cNvSpPr>
+            <a:spLocks noGrp="1"/>
+          </p:cNvSpPr>
+          <p:nvPr>
+            <p:ph idx="1"/>
+          </p:nvPr>
+        </p:nvSpPr>
+        <p:spPr>
+          <a:xfrm>
+            <a:off x="691078" y="3000651"/>
+            <a:ext cx="4839710" cy="1935333"/>
+          </a:xfrm>
+        </p:spPr>
+        <p:txBody>
+          <a:bodyPr>
+            <a:normAutofit/>
+          </a:bodyPr>
+          <a:lstStyle/>
+          <a:p>
+            <a:r>
+              <a:rPr lang="en-SG" sz="1200" dirty="0"/>
+              <a:t>Webcil files use a standard </a:t>
+            </a:r>
+            <a:r>
+              <a:rPr lang="en-SG" sz="1200" dirty="0" err="1"/>
+              <a:t>WebAssembly</a:t>
+            </a:r>
+            <a:r>
+              <a:rPr lang="en-SG" sz="1200" dirty="0"/>
+              <a:t> wrapper, where the assemblies are deployed as </a:t>
+            </a:r>
+            <a:r>
+              <a:rPr lang="en-SG" sz="1200" dirty="0" err="1"/>
+              <a:t>WebAssembly</a:t>
+            </a:r>
+            <a:r>
+              <a:rPr lang="en-SG" sz="1200" dirty="0"/>
+              <a:t> files that use the standard .</a:t>
+            </a:r>
+            <a:r>
+              <a:rPr lang="en-SG" sz="1200" b="1" dirty="0" err="1"/>
+              <a:t>wasm</a:t>
+            </a:r>
+            <a:r>
+              <a:rPr lang="en-SG" sz="1200" b="1" dirty="0"/>
+              <a:t> file </a:t>
+            </a:r>
+            <a:r>
+              <a:rPr lang="en-SG" sz="1200" dirty="0"/>
+              <a:t>extension instead of </a:t>
+            </a:r>
+            <a:r>
+              <a:rPr lang="en-SG" sz="1200" b="1" dirty="0"/>
+              <a:t>.</a:t>
+            </a:r>
+            <a:r>
+              <a:rPr lang="en-SG" sz="1200" b="1" dirty="0" err="1"/>
+              <a:t>dll</a:t>
+            </a:r>
+            <a:r>
+              <a:rPr lang="en-SG" sz="1200" b="1" dirty="0"/>
+              <a:t> file</a:t>
+            </a:r>
+            <a:r>
+              <a:rPr lang="en-SG" sz="1200" dirty="0"/>
+              <a:t>.</a:t>
+            </a:r>
+          </a:p>
+          <a:p>
+            <a:r>
+              <a:rPr lang="en-SG" sz="1200" dirty="0"/>
+              <a:t>For </a:t>
+            </a:r>
+            <a:r>
+              <a:rPr lang="en-SG" sz="1200" dirty="0" err="1"/>
+              <a:t>Blazor</a:t>
+            </a:r>
+            <a:r>
+              <a:rPr lang="en-SG" sz="1200" dirty="0"/>
+              <a:t> </a:t>
+            </a:r>
+            <a:r>
+              <a:rPr lang="en-SG" sz="1200" dirty="0" err="1"/>
+              <a:t>WebAssembly</a:t>
+            </a:r>
+            <a:r>
+              <a:rPr lang="en-SG" sz="1200" dirty="0"/>
+              <a:t>, output at </a:t>
+            </a:r>
+            <a:r>
+              <a:rPr lang="en-SG" sz="1200" b="1" dirty="0"/>
+              <a:t>{Project}.\bin\\{Debug or Release }\net8.0\</a:t>
+            </a:r>
+            <a:r>
+              <a:rPr lang="en-SG" sz="1200" b="1" dirty="0" err="1"/>
+              <a:t>wwwroot</a:t>
+            </a:r>
+            <a:r>
+              <a:rPr lang="en-SG" sz="1200" b="1" dirty="0"/>
+              <a:t>\_framework</a:t>
+            </a:r>
+          </a:p>
+          <a:p>
+            <a:r>
+              <a:rPr lang="en-SG" sz="1200" dirty="0"/>
+              <a:t>For </a:t>
+            </a:r>
+            <a:r>
+              <a:rPr lang="en-SG" sz="1200" dirty="0" err="1"/>
+              <a:t>Blazor</a:t>
+            </a:r>
+            <a:r>
+              <a:rPr lang="en-SG" sz="1200" dirty="0"/>
+              <a:t> Web App, output at </a:t>
+            </a:r>
+            <a:r>
+              <a:rPr lang="en-SG" sz="1200" b="1" dirty="0"/>
+              <a:t>{Project}.Client\bin\{Debug or Release }\net8.0\</a:t>
+            </a:r>
+            <a:r>
+              <a:rPr lang="en-SG" sz="1200" b="1" dirty="0" err="1"/>
+              <a:t>wwwroot</a:t>
+            </a:r>
+            <a:r>
+              <a:rPr lang="en-SG" sz="1200" b="1" dirty="0"/>
+              <a:t>\_framework</a:t>
+            </a:r>
+          </a:p>
+        </p:txBody>
+      </p:sp>
+      <p:pic>
+        <p:nvPicPr>
+          <p:cNvPr id="10" name="Picture 9">
+            <a:extLst>
+              <a:ext uri="{FF2B5EF4-FFF2-40B4-BE49-F238E27FC236}">
+                <a16:creationId xmlns:a16="http://schemas.microsoft.com/office/drawing/2014/main" id="{8569265C-3C51-0443-1675-284EC1D3A748}"/>
+              </a:ext>
+            </a:extLst>
+          </p:cNvPr>
+          <p:cNvPicPr>
+            <a:picLocks noChangeAspect="1"/>
+          </p:cNvPicPr>
+          <p:nvPr/>
+        </p:nvPicPr>
+        <p:blipFill>
+          <a:blip r:embed="rId2"/>
+          <a:stretch>
+            <a:fillRect/>
+          </a:stretch>
+        </p:blipFill>
+        <p:spPr>
+          <a:xfrm>
+            <a:off x="6020723" y="1699934"/>
+            <a:ext cx="2648320" cy="3991532"/>
+          </a:xfrm>
+          <a:prstGeom prst="rect">
+            <a:avLst/>
+          </a:prstGeom>
+        </p:spPr>
+      </p:pic>
+      <p:pic>
+        <p:nvPicPr>
+          <p:cNvPr id="12" name="Picture 11">
+            <a:extLst>
+              <a:ext uri="{FF2B5EF4-FFF2-40B4-BE49-F238E27FC236}">
+                <a16:creationId xmlns:a16="http://schemas.microsoft.com/office/drawing/2014/main" id="{FE2B773D-B27B-D075-420B-6FA2F53B7411}"/>
+              </a:ext>
+            </a:extLst>
+          </p:cNvPr>
+          <p:cNvPicPr>
+            <a:picLocks noChangeAspect="1"/>
+          </p:cNvPicPr>
+          <p:nvPr/>
+        </p:nvPicPr>
+        <p:blipFill>
+          <a:blip r:embed="rId3"/>
+          <a:stretch>
+            <a:fillRect/>
+          </a:stretch>
+        </p:blipFill>
+        <p:spPr>
+          <a:xfrm>
+            <a:off x="9247756" y="1626095"/>
+            <a:ext cx="2905530" cy="4505954"/>
+          </a:xfrm>
+          <a:prstGeom prst="rect">
+            <a:avLst/>
+          </a:prstGeom>
+        </p:spPr>
+      </p:pic>
+      <p:sp>
+        <p:nvSpPr>
+          <p:cNvPr id="14" name="TextBox 13">
+            <a:extLst>
+              <a:ext uri="{FF2B5EF4-FFF2-40B4-BE49-F238E27FC236}">
+                <a16:creationId xmlns:a16="http://schemas.microsoft.com/office/drawing/2014/main" id="{696D6C23-F685-6E47-6B37-EA47D158AEC7}"/>
+              </a:ext>
+            </a:extLst>
+          </p:cNvPr>
+          <p:cNvSpPr txBox="1"/>
+          <p:nvPr/>
+        </p:nvSpPr>
+        <p:spPr>
+          <a:xfrm>
+            <a:off x="6767743" y="6285937"/>
+            <a:ext cx="973584" cy="338554"/>
+          </a:xfrm>
+          <a:prstGeom prst="rect">
+            <a:avLst/>
+          </a:prstGeom>
+          <a:noFill/>
+        </p:spPr>
+        <p:txBody>
+          <a:bodyPr wrap="square">
+            <a:spAutoFit/>
+          </a:bodyPr>
+          <a:lstStyle/>
+          <a:p>
+            <a:r>
+              <a:rPr lang="en-SG" sz="1600" b="1" dirty="0" err="1">
+                <a:solidFill>
+                  <a:srgbClr val="FF0000"/>
+                </a:solidFill>
+              </a:rPr>
+              <a:t>.net</a:t>
+            </a:r>
+            <a:r>
+              <a:rPr lang="en-SG" sz="1600" b="1" dirty="0">
+                <a:solidFill>
+                  <a:srgbClr val="FF0000"/>
+                </a:solidFill>
+              </a:rPr>
+              <a:t> 6.0</a:t>
+            </a:r>
+          </a:p>
+        </p:txBody>
+      </p:sp>
+      <p:sp>
+        <p:nvSpPr>
+          <p:cNvPr id="15" name="TextBox 14">
+            <a:extLst>
+              <a:ext uri="{FF2B5EF4-FFF2-40B4-BE49-F238E27FC236}">
+                <a16:creationId xmlns:a16="http://schemas.microsoft.com/office/drawing/2014/main" id="{10D2B828-1AB9-CFE2-C0B9-249270A2A664}"/>
+              </a:ext>
+            </a:extLst>
+          </p:cNvPr>
+          <p:cNvSpPr txBox="1"/>
+          <p:nvPr/>
+        </p:nvSpPr>
+        <p:spPr>
+          <a:xfrm>
+            <a:off x="10045082" y="6285937"/>
+            <a:ext cx="973584" cy="338554"/>
+          </a:xfrm>
+          <a:prstGeom prst="rect">
+            <a:avLst/>
+          </a:prstGeom>
+          <a:noFill/>
+        </p:spPr>
+        <p:txBody>
+          <a:bodyPr wrap="square">
+            <a:spAutoFit/>
+          </a:bodyPr>
+          <a:lstStyle/>
+          <a:p>
+            <a:r>
+              <a:rPr lang="en-SG" sz="1600" b="1" dirty="0" err="1">
+                <a:solidFill>
+                  <a:srgbClr val="FF0000"/>
+                </a:solidFill>
+              </a:rPr>
+              <a:t>.net</a:t>
+            </a:r>
+            <a:r>
+              <a:rPr lang="en-SG" sz="1600" b="1" dirty="0">
+                <a:solidFill>
+                  <a:srgbClr val="FF0000"/>
+                </a:solidFill>
+              </a:rPr>
+              <a:t> 8.0</a:t>
+            </a:r>
+          </a:p>
+        </p:txBody>
+      </p:sp>
+      <p:sp>
+        <p:nvSpPr>
+          <p:cNvPr id="4" name="TextBox 3">
+            <a:extLst>
+              <a:ext uri="{FF2B5EF4-FFF2-40B4-BE49-F238E27FC236}">
+                <a16:creationId xmlns:a16="http://schemas.microsoft.com/office/drawing/2014/main" id="{44C70649-CFCC-6D73-FF84-A2B0D8126CDD}"/>
+              </a:ext>
+            </a:extLst>
+          </p:cNvPr>
+          <p:cNvSpPr txBox="1"/>
+          <p:nvPr/>
+        </p:nvSpPr>
+        <p:spPr>
+          <a:xfrm>
+            <a:off x="691078" y="2354321"/>
+            <a:ext cx="3572279" cy="369332"/>
+          </a:xfrm>
+          <a:prstGeom prst="rect">
+            <a:avLst/>
+          </a:prstGeom>
+          <a:noFill/>
+        </p:spPr>
+        <p:txBody>
+          <a:bodyPr wrap="square">
+            <a:spAutoFit/>
+          </a:bodyPr>
+          <a:lstStyle/>
+          <a:p>
+            <a:r>
+              <a:rPr lang="en-SG" i="0" dirty="0">
+                <a:solidFill>
+                  <a:srgbClr val="161616"/>
+                </a:solidFill>
+                <a:effectLst/>
+                <a:latin typeface="Segoe UI" panose="020B0502040204020203" pitchFamily="34" charset="0"/>
+              </a:rPr>
+              <a:t>Webcil packaging</a:t>
+            </a:r>
+            <a:endParaRPr lang="en-SG" dirty="0"/>
+          </a:p>
+        </p:txBody>
+      </p:sp>
+      <p:sp>
+        <p:nvSpPr>
+          <p:cNvPr id="6" name="TextBox 5">
+            <a:extLst>
+              <a:ext uri="{FF2B5EF4-FFF2-40B4-BE49-F238E27FC236}">
+                <a16:creationId xmlns:a16="http://schemas.microsoft.com/office/drawing/2014/main" id="{4887F504-FE7E-1DB8-2984-3352FC756BC3}"/>
+              </a:ext>
+            </a:extLst>
+          </p:cNvPr>
+          <p:cNvSpPr txBox="1"/>
+          <p:nvPr/>
+        </p:nvSpPr>
+        <p:spPr>
+          <a:xfrm>
+            <a:off x="569652" y="6246705"/>
+            <a:ext cx="5526348" cy="276999"/>
+          </a:xfrm>
+          <a:prstGeom prst="rect">
+            <a:avLst/>
+          </a:prstGeom>
+          <a:noFill/>
+        </p:spPr>
+        <p:txBody>
+          <a:bodyPr wrap="square">
+            <a:spAutoFit/>
+          </a:bodyPr>
+          <a:lstStyle/>
+          <a:p>
+            <a:r>
+              <a:rPr lang="en-SG" sz="1200" dirty="0">
+                <a:hlinkClick r:id="rId4"/>
+              </a:rPr>
+              <a:t>https://github.com/dotnet/runtime/blob/main/docs/design/mono/webcil.md</a:t>
+            </a:r>
+            <a:endParaRPr lang="en-SG" sz="1200" dirty="0"/>
+          </a:p>
+        </p:txBody>
+      </p:sp>
+    </p:spTree>
+    <p:extLst>
+      <p:ext uri="{BB962C8B-B14F-4D97-AF65-F5344CB8AC3E}">
+        <p14:creationId xmlns:p14="http://schemas.microsoft.com/office/powerpoint/2010/main" val="1153229066"/>
+      </p:ext>
+    </p:extLst>
+  </p:cSld>
+  <p:clrMapOvr>
+    <a:masterClrMapping/>
+  </p:clrMapOvr>
+</p:sld>
+</file>
+
+<file path=ppt/slides/slide21.xml><?xml version="1.0" encoding="utf-8"?>
+<p:sld xmlns:a="http://schemas.openxmlformats.org/drawingml/2006/main" xmlns:r="http://schemas.openxmlformats.org/officeDocument/2006/relationships" xmlns:p="http://schemas.openxmlformats.org/presentationml/2006/main">
+  <p:cSld>
+    <p:spTree>
+      <p:nvGrpSpPr>
+        <p:cNvPr id="1" name=""/>
+        <p:cNvGrpSpPr/>
+        <p:nvPr/>
+      </p:nvGrpSpPr>
+      <p:grpSpPr>
+        <a:xfrm>
+          <a:off x="0" y="0"/>
+          <a:ext cx="0" cy="0"/>
+          <a:chOff x="0" y="0"/>
+          <a:chExt cx="0" cy="0"/>
+        </a:xfrm>
+      </p:grpSpPr>
+      <p:sp>
+        <p:nvSpPr>
+          <p:cNvPr id="2" name="Title 1">
+            <a:extLst>
+              <a:ext uri="{FF2B5EF4-FFF2-40B4-BE49-F238E27FC236}">
                 <a16:creationId xmlns:a16="http://schemas.microsoft.com/office/drawing/2014/main" id="{95DF3C9F-D158-B460-32ED-CF6FE1EA30C4}"/>
               </a:ext>
             </a:extLst>
@@ -27070,7 +28456,7 @@
 </p:sld>
 </file>
 
-<file path=ppt/slides/slide21.xml><?xml version="1.0" encoding="utf-8"?>
+<file path=ppt/slides/slide22.xml><?xml version="1.0" encoding="utf-8"?>
 <p:sld xmlns:a="http://schemas.openxmlformats.org/drawingml/2006/main" xmlns:r="http://schemas.openxmlformats.org/officeDocument/2006/relationships" xmlns:p="http://schemas.openxmlformats.org/presentationml/2006/main">
   <p:cSld>
     <p:spTree>
@@ -28452,7 +29838,7 @@
 </p:sld>
 </file>
 
-<file path=ppt/slides/slide22.xml><?xml version="1.0" encoding="utf-8"?>
+<file path=ppt/slides/slide23.xml><?xml version="1.0" encoding="utf-8"?>
 <p:sld xmlns:a="http://schemas.openxmlformats.org/drawingml/2006/main" xmlns:r="http://schemas.openxmlformats.org/officeDocument/2006/relationships" xmlns:p="http://schemas.openxmlformats.org/presentationml/2006/main">
   <p:cSld>
     <p:spTree>
@@ -29794,7 +31180,7 @@
 </p:sld>
 </file>
 
-<file path=ppt/slides/slide23.xml><?xml version="1.0" encoding="utf-8"?>
+<file path=ppt/slides/slide24.xml><?xml version="1.0" encoding="utf-8"?>
 <p:sld xmlns:a="http://schemas.openxmlformats.org/drawingml/2006/main" xmlns:r="http://schemas.openxmlformats.org/officeDocument/2006/relationships" xmlns:p="http://schemas.openxmlformats.org/presentationml/2006/main">
   <p:cSld>
     <p:spTree>
@@ -30528,7 +31914,7 @@
 </p:sld>
 </file>
 
-<file path=ppt/slides/slide24.xml><?xml version="1.0" encoding="utf-8"?>
+<file path=ppt/slides/slide25.xml><?xml version="1.0" encoding="utf-8"?>
 <p:sld xmlns:a="http://schemas.openxmlformats.org/drawingml/2006/main" xmlns:r="http://schemas.openxmlformats.org/officeDocument/2006/relationships" xmlns:p="http://schemas.openxmlformats.org/presentationml/2006/main">
   <p:cSld>
     <p:spTree>

--- a/Blazor in .net 8.pptx
+++ b/Blazor in .net 8.pptx
@@ -14,22 +14,20 @@
     <p:sldId id="281" r:id="rId8"/>
     <p:sldId id="271" r:id="rId9"/>
     <p:sldId id="274" r:id="rId10"/>
-    <p:sldId id="272" r:id="rId11"/>
-    <p:sldId id="265" r:id="rId12"/>
-    <p:sldId id="263" r:id="rId13"/>
-    <p:sldId id="277" r:id="rId14"/>
-    <p:sldId id="296" r:id="rId15"/>
-    <p:sldId id="279" r:id="rId16"/>
-    <p:sldId id="282" r:id="rId17"/>
-    <p:sldId id="294" r:id="rId18"/>
-    <p:sldId id="288" r:id="rId19"/>
-    <p:sldId id="289" r:id="rId20"/>
-    <p:sldId id="278" r:id="rId21"/>
-    <p:sldId id="287" r:id="rId22"/>
-    <p:sldId id="290" r:id="rId23"/>
-    <p:sldId id="291" r:id="rId24"/>
-    <p:sldId id="293" r:id="rId25"/>
-    <p:sldId id="295" r:id="rId26"/>
+    <p:sldId id="263" r:id="rId11"/>
+    <p:sldId id="277" r:id="rId12"/>
+    <p:sldId id="296" r:id="rId13"/>
+    <p:sldId id="279" r:id="rId14"/>
+    <p:sldId id="282" r:id="rId15"/>
+    <p:sldId id="294" r:id="rId16"/>
+    <p:sldId id="288" r:id="rId17"/>
+    <p:sldId id="289" r:id="rId18"/>
+    <p:sldId id="278" r:id="rId19"/>
+    <p:sldId id="287" r:id="rId20"/>
+    <p:sldId id="290" r:id="rId21"/>
+    <p:sldId id="291" r:id="rId22"/>
+    <p:sldId id="293" r:id="rId23"/>
+    <p:sldId id="295" r:id="rId24"/>
   </p:sldIdLst>
   <p:sldSz cx="12192000" cy="6858000"/>
   <p:notesSz cx="6858000" cy="9144000"/>
@@ -16049,671 +16047,6 @@
           <a:chExt cx="0" cy="0"/>
         </a:xfrm>
       </p:grpSpPr>
-      <p:sp>
-        <p:nvSpPr>
-          <p:cNvPr id="2" name="Title 1">
-            <a:extLst>
-              <a:ext uri="{FF2B5EF4-FFF2-40B4-BE49-F238E27FC236}">
-                <a16:creationId xmlns:a16="http://schemas.microsoft.com/office/drawing/2014/main" id="{0FFCBED8-BB7A-EC5A-FA1B-4FBC962CE316}"/>
-              </a:ext>
-            </a:extLst>
-          </p:cNvPr>
-          <p:cNvSpPr>
-            <a:spLocks noGrp="1"/>
-          </p:cNvSpPr>
-          <p:nvPr>
-            <p:ph type="title"/>
-          </p:nvPr>
-        </p:nvSpPr>
-        <p:spPr/>
-        <p:txBody>
-          <a:bodyPr/>
-          <a:lstStyle/>
-          <a:p>
-            <a:r>
-              <a:rPr lang="en-US" altLang="zh-CN" sz="4400" dirty="0"/>
-              <a:t>Blazor Web App</a:t>
-            </a:r>
-            <a:endParaRPr lang="en-SG" dirty="0"/>
-          </a:p>
-        </p:txBody>
-      </p:sp>
-      <p:sp>
-        <p:nvSpPr>
-          <p:cNvPr id="3" name="Content Placeholder 2">
-            <a:extLst>
-              <a:ext uri="{FF2B5EF4-FFF2-40B4-BE49-F238E27FC236}">
-                <a16:creationId xmlns:a16="http://schemas.microsoft.com/office/drawing/2014/main" id="{7979257D-74B9-76CA-B0B9-BEF5A29BF8C2}"/>
-              </a:ext>
-            </a:extLst>
-          </p:cNvPr>
-          <p:cNvSpPr>
-            <a:spLocks noGrp="1"/>
-          </p:cNvSpPr>
-          <p:nvPr>
-            <p:ph idx="1"/>
-          </p:nvPr>
-        </p:nvSpPr>
-        <p:spPr>
-          <a:xfrm>
-            <a:off x="691079" y="2877230"/>
-            <a:ext cx="10325000" cy="3980770"/>
-          </a:xfrm>
-        </p:spPr>
-        <p:txBody>
-          <a:bodyPr>
-            <a:normAutofit lnSpcReduction="10000"/>
-          </a:bodyPr>
-          <a:lstStyle/>
-          <a:p>
-            <a:pPr marL="0" indent="0">
-              <a:buNone/>
-            </a:pPr>
-            <a:r>
-              <a:rPr lang="en-SG" sz="1100" b="1" dirty="0"/>
-              <a:t>Render </a:t>
-            </a:r>
-            <a:r>
-              <a:rPr lang="en-SG" sz="1100" b="1" dirty="0" err="1"/>
-              <a:t>Componment</a:t>
-            </a:r>
-            <a:r>
-              <a:rPr lang="en-SG" sz="1100" b="1" dirty="0"/>
-              <a:t>:</a:t>
-            </a:r>
-          </a:p>
-          <a:p>
-            <a:pPr marL="0" indent="0">
-              <a:buNone/>
-            </a:pPr>
-            <a:r>
-              <a:rPr lang="en-SG" sz="1100" dirty="0" err="1"/>
-              <a:t>RazorComponentEndpointInvoker.cs</a:t>
-            </a:r>
-            <a:endParaRPr lang="en-SG" sz="1100" dirty="0"/>
-          </a:p>
-          <a:p>
-            <a:pPr marL="0" indent="0">
-              <a:buNone/>
-            </a:pPr>
-            <a:endParaRPr lang="en-SG" sz="1100" dirty="0"/>
-          </a:p>
-          <a:p>
-            <a:pPr marL="0" indent="0">
-              <a:buNone/>
-            </a:pPr>
-            <a:r>
-              <a:rPr lang="en-SG" sz="1100" dirty="0" err="1"/>
-              <a:t>RazorComponentEndpointInvoker.RenderComponentCore</a:t>
-            </a:r>
-            <a:r>
-              <a:rPr lang="en-SG" sz="1100" dirty="0"/>
-              <a:t> -&gt;</a:t>
-            </a:r>
-          </a:p>
-          <a:p>
-            <a:pPr marL="0" indent="0">
-              <a:buNone/>
-            </a:pPr>
-            <a:r>
-              <a:rPr lang="en-SG" sz="1100" dirty="0"/>
-              <a:t>    </a:t>
-            </a:r>
-            <a:r>
-              <a:rPr lang="en-SG" sz="1100" dirty="0" err="1"/>
-              <a:t>EndpointHtmlRenderer.InitializeStandardComponentServicesAsync</a:t>
-            </a:r>
-            <a:endParaRPr lang="en-SG" sz="1100" dirty="0"/>
-          </a:p>
-          <a:p>
-            <a:pPr marL="0" indent="0">
-              <a:buNone/>
-            </a:pPr>
-            <a:r>
-              <a:rPr lang="en-SG" sz="1100" dirty="0"/>
-              <a:t>    </a:t>
-            </a:r>
-            <a:r>
-              <a:rPr lang="en-SG" sz="1100" dirty="0" err="1"/>
-              <a:t>EndpointHtmlRenderer.RenderEndpointComponent</a:t>
-            </a:r>
-            <a:r>
-              <a:rPr lang="en-SG" sz="1100" dirty="0"/>
-              <a:t>-&gt;</a:t>
-            </a:r>
-          </a:p>
-          <a:p>
-            <a:pPr marL="0" indent="0">
-              <a:buNone/>
-            </a:pPr>
-            <a:r>
-              <a:rPr lang="en-SG" sz="1100" dirty="0"/>
-              <a:t>        </a:t>
-            </a:r>
-            <a:r>
-              <a:rPr lang="en-SG" sz="1100" dirty="0" err="1"/>
-              <a:t>BeginRenderingComponent</a:t>
-            </a:r>
-            <a:r>
-              <a:rPr lang="en-SG" sz="1100" dirty="0"/>
-              <a:t>-&gt;</a:t>
-            </a:r>
-          </a:p>
-          <a:p>
-            <a:pPr marL="0" indent="0">
-              <a:buNone/>
-            </a:pPr>
-            <a:r>
-              <a:rPr lang="en-SG" sz="1100" dirty="0"/>
-              <a:t>            </a:t>
-            </a:r>
-            <a:r>
-              <a:rPr lang="en-SG" sz="1100" b="1" dirty="0" err="1">
-                <a:solidFill>
-                  <a:srgbClr val="FF0000"/>
-                </a:solidFill>
-              </a:rPr>
-              <a:t>ComponentFactory.InstantiateComponent</a:t>
-            </a:r>
-            <a:endParaRPr lang="en-SG" sz="1100" b="1" dirty="0">
-              <a:solidFill>
-                <a:srgbClr val="FF0000"/>
-              </a:solidFill>
-            </a:endParaRPr>
-          </a:p>
-          <a:p>
-            <a:pPr marL="0" indent="0">
-              <a:lnSpc>
-                <a:spcPct val="120000"/>
-              </a:lnSpc>
-              <a:buNone/>
-            </a:pPr>
-            <a:r>
-              <a:rPr lang="en-SG" sz="1100" dirty="0"/>
-              <a:t>        </a:t>
-            </a:r>
-            <a:r>
-              <a:rPr lang="en-SG" sz="1100" dirty="0" err="1"/>
-              <a:t>WaitForResultReady</a:t>
-            </a:r>
-            <a:r>
-              <a:rPr lang="en-SG" sz="1100" dirty="0"/>
-              <a:t>() </a:t>
-            </a:r>
-            <a:r>
-              <a:rPr lang="en-SG" sz="1100" dirty="0">
-                <a:solidFill>
-                  <a:srgbClr val="FF0000"/>
-                </a:solidFill>
-              </a:rPr>
-              <a:t>wait for quiescence of the non-streaming subtrees</a:t>
-            </a:r>
-          </a:p>
-          <a:p>
-            <a:pPr marL="0" indent="0">
-              <a:buNone/>
-            </a:pPr>
-            <a:r>
-              <a:rPr lang="en-SG" sz="1100" dirty="0"/>
-              <a:t>    </a:t>
-            </a:r>
-            <a:r>
-              <a:rPr lang="en-SG" sz="1100" dirty="0" err="1"/>
-              <a:t>EndpointHtmlRenderer.PrerenderPersistedStateAsync</a:t>
-            </a:r>
-            <a:r>
-              <a:rPr lang="en-SG" sz="1100" dirty="0"/>
-              <a:t> -&gt; </a:t>
-            </a:r>
-          </a:p>
-          <a:p>
-            <a:pPr marL="0" indent="0">
-              <a:buNone/>
-            </a:pPr>
-            <a:r>
-              <a:rPr lang="en-SG" sz="1100" dirty="0"/>
-              <a:t>        return </a:t>
-            </a:r>
-            <a:r>
-              <a:rPr lang="en-SG" sz="1100" dirty="0" err="1"/>
-              <a:t>ComponentStateHtmlContent</a:t>
-            </a:r>
-            <a:r>
-              <a:rPr lang="en-SG" sz="1100" dirty="0"/>
-              <a:t> with different </a:t>
-            </a:r>
-            <a:r>
-              <a:rPr lang="en-SG" sz="1100" b="1" dirty="0" err="1"/>
-              <a:t>PrerenderComponentApplicationStore</a:t>
-            </a:r>
-            <a:endParaRPr lang="en-SG" sz="1100" b="1" dirty="0"/>
-          </a:p>
-          <a:p>
-            <a:pPr marL="0" indent="0">
-              <a:buNone/>
-            </a:pPr>
-            <a:r>
-              <a:rPr lang="en-SG" sz="1100" dirty="0"/>
-              <a:t>    </a:t>
-            </a:r>
-          </a:p>
-          <a:p>
-            <a:pPr marL="0" indent="0">
-              <a:buNone/>
-            </a:pPr>
-            <a:r>
-              <a:rPr lang="en-SG" sz="1100" dirty="0"/>
-              <a:t>Write by </a:t>
-            </a:r>
-            <a:r>
-              <a:rPr lang="en-SG" sz="1100" dirty="0" err="1"/>
-              <a:t>HttpResponseStreamWriter</a:t>
-            </a:r>
-            <a:endParaRPr lang="en-SG" sz="1100" dirty="0"/>
-          </a:p>
-        </p:txBody>
-      </p:sp>
-      <p:sp>
-        <p:nvSpPr>
-          <p:cNvPr id="4" name="TextBox 3">
-            <a:extLst>
-              <a:ext uri="{FF2B5EF4-FFF2-40B4-BE49-F238E27FC236}">
-                <a16:creationId xmlns:a16="http://schemas.microsoft.com/office/drawing/2014/main" id="{5058DBD1-6568-DCFE-6947-5003A755FA78}"/>
-              </a:ext>
-            </a:extLst>
-          </p:cNvPr>
-          <p:cNvSpPr txBox="1"/>
-          <p:nvPr/>
-        </p:nvSpPr>
-        <p:spPr>
-          <a:xfrm>
-            <a:off x="691079" y="2354347"/>
-            <a:ext cx="1865690" cy="369332"/>
-          </a:xfrm>
-          <a:prstGeom prst="rect">
-            <a:avLst/>
-          </a:prstGeom>
-          <a:noFill/>
-        </p:spPr>
-        <p:txBody>
-          <a:bodyPr wrap="square">
-            <a:spAutoFit/>
-          </a:bodyPr>
-          <a:lstStyle/>
-          <a:p>
-            <a:r>
-              <a:rPr lang="en-SG" dirty="0"/>
-              <a:t>Render Mode</a:t>
-            </a:r>
-          </a:p>
-        </p:txBody>
-      </p:sp>
-    </p:spTree>
-    <p:extLst>
-      <p:ext uri="{BB962C8B-B14F-4D97-AF65-F5344CB8AC3E}">
-        <p14:creationId xmlns:p14="http://schemas.microsoft.com/office/powerpoint/2010/main" val="1329779241"/>
-      </p:ext>
-    </p:extLst>
-  </p:cSld>
-  <p:clrMapOvr>
-    <a:masterClrMapping/>
-  </p:clrMapOvr>
-</p:sld>
-</file>
-
-<file path=ppt/slides/slide11.xml><?xml version="1.0" encoding="utf-8"?>
-<p:sld xmlns:a="http://schemas.openxmlformats.org/drawingml/2006/main" xmlns:r="http://schemas.openxmlformats.org/officeDocument/2006/relationships" xmlns:p="http://schemas.openxmlformats.org/presentationml/2006/main">
-  <p:cSld>
-    <p:spTree>
-      <p:nvGrpSpPr>
-        <p:cNvPr id="1" name=""/>
-        <p:cNvGrpSpPr/>
-        <p:nvPr/>
-      </p:nvGrpSpPr>
-      <p:grpSpPr>
-        <a:xfrm>
-          <a:off x="0" y="0"/>
-          <a:ext cx="0" cy="0"/>
-          <a:chOff x="0" y="0"/>
-          <a:chExt cx="0" cy="0"/>
-        </a:xfrm>
-      </p:grpSpPr>
-      <p:sp>
-        <p:nvSpPr>
-          <p:cNvPr id="2" name="Title 1">
-            <a:extLst>
-              <a:ext uri="{FF2B5EF4-FFF2-40B4-BE49-F238E27FC236}">
-                <a16:creationId xmlns:a16="http://schemas.microsoft.com/office/drawing/2014/main" id="{0FFCBED8-BB7A-EC5A-FA1B-4FBC962CE316}"/>
-              </a:ext>
-            </a:extLst>
-          </p:cNvPr>
-          <p:cNvSpPr>
-            <a:spLocks noGrp="1"/>
-          </p:cNvSpPr>
-          <p:nvPr>
-            <p:ph type="title"/>
-          </p:nvPr>
-        </p:nvSpPr>
-        <p:spPr/>
-        <p:txBody>
-          <a:bodyPr/>
-          <a:lstStyle/>
-          <a:p>
-            <a:r>
-              <a:rPr lang="en-US" altLang="zh-CN" sz="4400" dirty="0"/>
-              <a:t>Blazor Web App</a:t>
-            </a:r>
-            <a:endParaRPr lang="en-SG" dirty="0"/>
-          </a:p>
-        </p:txBody>
-      </p:sp>
-      <p:sp>
-        <p:nvSpPr>
-          <p:cNvPr id="3" name="Content Placeholder 2">
-            <a:extLst>
-              <a:ext uri="{FF2B5EF4-FFF2-40B4-BE49-F238E27FC236}">
-                <a16:creationId xmlns:a16="http://schemas.microsoft.com/office/drawing/2014/main" id="{7979257D-74B9-76CA-B0B9-BEF5A29BF8C2}"/>
-              </a:ext>
-            </a:extLst>
-          </p:cNvPr>
-          <p:cNvSpPr>
-            <a:spLocks noGrp="1"/>
-          </p:cNvSpPr>
-          <p:nvPr>
-            <p:ph idx="1"/>
-          </p:nvPr>
-        </p:nvSpPr>
-        <p:spPr/>
-        <p:txBody>
-          <a:bodyPr>
-            <a:normAutofit fontScale="92500" lnSpcReduction="10000"/>
-          </a:bodyPr>
-          <a:lstStyle/>
-          <a:p>
-            <a:pPr marL="0" indent="0">
-              <a:buNone/>
-            </a:pPr>
-            <a:r>
-              <a:rPr lang="en-SG" sz="1200" b="1" dirty="0"/>
-              <a:t>Create Component:</a:t>
-            </a:r>
-          </a:p>
-          <a:p>
-            <a:pPr marL="0" indent="0">
-              <a:buNone/>
-            </a:pPr>
-            <a:r>
-              <a:rPr lang="en-SG" sz="1200" dirty="0" err="1"/>
-              <a:t>ComponentFactory.cs</a:t>
-            </a:r>
-            <a:endParaRPr lang="en-SG" sz="1200" dirty="0"/>
-          </a:p>
-          <a:p>
-            <a:pPr marL="0" indent="0">
-              <a:buNone/>
-            </a:pPr>
-            <a:r>
-              <a:rPr lang="en-SG" sz="1200" dirty="0"/>
-              <a:t>  </a:t>
-            </a:r>
-            <a:r>
-              <a:rPr lang="en-SG" sz="1200" dirty="0" err="1"/>
-              <a:t>ComponentFactory.InstantiateComponent</a:t>
-            </a:r>
-            <a:endParaRPr lang="en-SG" sz="1200" dirty="0"/>
-          </a:p>
-          <a:p>
-            <a:pPr marL="0" indent="0">
-              <a:buNone/>
-            </a:pPr>
-            <a:r>
-              <a:rPr lang="en-SG" sz="1200" dirty="0"/>
-              <a:t>    </a:t>
-            </a:r>
-            <a:r>
-              <a:rPr lang="en-SG" sz="1200" b="1" dirty="0" err="1">
-                <a:solidFill>
-                  <a:srgbClr val="FF0000"/>
-                </a:solidFill>
-              </a:rPr>
-              <a:t>Renderer.ResolveComponentForRenderMode</a:t>
-            </a:r>
-            <a:r>
-              <a:rPr lang="en-SG" sz="1200" b="1" dirty="0">
-                <a:solidFill>
-                  <a:srgbClr val="FF0000"/>
-                </a:solidFill>
-              </a:rPr>
-              <a:t> </a:t>
-            </a:r>
-            <a:r>
-              <a:rPr lang="en-SG" sz="1200" dirty="0">
-                <a:solidFill>
-                  <a:srgbClr val="FF0000"/>
-                </a:solidFill>
-              </a:rPr>
-              <a:t>-&gt; override by </a:t>
-            </a:r>
-            <a:r>
-              <a:rPr lang="en-SG" sz="1200" b="1" dirty="0" err="1">
-                <a:solidFill>
-                  <a:srgbClr val="FF0000"/>
-                </a:solidFill>
-              </a:rPr>
-              <a:t>EndpointHtmlRenderer</a:t>
-            </a:r>
-            <a:r>
-              <a:rPr lang="en-SG" sz="1200" b="1" dirty="0">
-                <a:solidFill>
-                  <a:srgbClr val="FF0000"/>
-                </a:solidFill>
-              </a:rPr>
-              <a:t>/</a:t>
-            </a:r>
-            <a:r>
-              <a:rPr lang="en-SG" sz="1200" b="1" dirty="0" err="1">
-                <a:solidFill>
-                  <a:srgbClr val="FF0000"/>
-                </a:solidFill>
-              </a:rPr>
-              <a:t>WebAssemblyRenderer</a:t>
-            </a:r>
-            <a:r>
-              <a:rPr lang="en-SG" sz="1200" b="1" dirty="0">
-                <a:solidFill>
-                  <a:srgbClr val="FF0000"/>
-                </a:solidFill>
-              </a:rPr>
-              <a:t> : </a:t>
-            </a:r>
-            <a:r>
-              <a:rPr lang="en-SG" sz="1200" b="1" dirty="0" err="1">
-                <a:solidFill>
-                  <a:srgbClr val="FF0000"/>
-                </a:solidFill>
-              </a:rPr>
-              <a:t>WebRenderer</a:t>
-            </a:r>
-            <a:r>
-              <a:rPr lang="en-SG" sz="1200" b="1" dirty="0">
-                <a:solidFill>
-                  <a:srgbClr val="FF0000"/>
-                </a:solidFill>
-              </a:rPr>
-              <a:t> / </a:t>
-            </a:r>
-            <a:r>
-              <a:rPr lang="en-SG" sz="1200" b="1" dirty="0" err="1">
-                <a:solidFill>
-                  <a:srgbClr val="FF0000"/>
-                </a:solidFill>
-              </a:rPr>
-              <a:t>RemoteRenderer</a:t>
-            </a:r>
-            <a:r>
-              <a:rPr lang="en-SG" sz="1200" b="1" dirty="0">
-                <a:solidFill>
-                  <a:srgbClr val="FF0000"/>
-                </a:solidFill>
-              </a:rPr>
-              <a:t> : </a:t>
-            </a:r>
-            <a:r>
-              <a:rPr lang="en-SG" sz="1200" b="1" dirty="0" err="1">
-                <a:solidFill>
-                  <a:srgbClr val="FF0000"/>
-                </a:solidFill>
-              </a:rPr>
-              <a:t>WebRenderer</a:t>
-            </a:r>
-            <a:endParaRPr lang="en-SG" sz="1200" b="1" dirty="0">
-              <a:solidFill>
-                <a:srgbClr val="FF0000"/>
-              </a:solidFill>
-            </a:endParaRPr>
-          </a:p>
-          <a:p>
-            <a:pPr marL="0" indent="0">
-              <a:buNone/>
-            </a:pPr>
-            <a:r>
-              <a:rPr lang="en-SG" sz="1200" dirty="0"/>
-              <a:t>      -&gt;</a:t>
-            </a:r>
-            <a:r>
-              <a:rPr lang="en-SG" sz="1200" dirty="0" err="1"/>
-              <a:t>IComponentActivator.CreateInstance</a:t>
-            </a:r>
-            <a:r>
-              <a:rPr lang="en-SG" sz="1200" dirty="0"/>
-              <a:t> -&gt;Implement by </a:t>
-            </a:r>
-            <a:r>
-              <a:rPr lang="en-SG" sz="1200" dirty="0" err="1"/>
-              <a:t>DefaultComponentActivator</a:t>
-            </a:r>
-            <a:r>
-              <a:rPr lang="en-SG" sz="1200" dirty="0"/>
-              <a:t> </a:t>
-            </a:r>
-          </a:p>
-          <a:p>
-            <a:pPr marL="0" indent="0">
-              <a:buNone/>
-            </a:pPr>
-            <a:r>
-              <a:rPr lang="en-SG" sz="1200" dirty="0"/>
-              <a:t>      -&gt;</a:t>
-            </a:r>
-            <a:r>
-              <a:rPr lang="en-SG" sz="1200" dirty="0" err="1"/>
-              <a:t>PrerenderPersistedStateAsync</a:t>
-            </a:r>
-            <a:endParaRPr lang="en-SG" sz="1200" dirty="0"/>
-          </a:p>
-          <a:p>
-            <a:pPr marL="0" indent="0">
-              <a:buNone/>
-            </a:pPr>
-            <a:endParaRPr lang="en-SG" sz="1100" dirty="0"/>
-          </a:p>
-          <a:p>
-            <a:pPr marL="0" indent="0">
-              <a:buNone/>
-            </a:pPr>
-            <a:endParaRPr lang="en-SG" sz="1100" dirty="0"/>
-          </a:p>
-          <a:p>
-            <a:pPr marL="0" indent="0">
-              <a:buNone/>
-            </a:pPr>
-            <a:r>
-              <a:rPr lang="en-SG" sz="1100" dirty="0" err="1"/>
-              <a:t>RazorComponentEndpointInvoker.RenderComponentCore</a:t>
-            </a:r>
-            <a:r>
-              <a:rPr lang="en-SG" sz="1100" dirty="0"/>
-              <a:t> -&gt;</a:t>
-            </a:r>
-          </a:p>
-          <a:p>
-            <a:pPr marL="0" indent="0">
-              <a:buNone/>
-            </a:pPr>
-            <a:r>
-              <a:rPr lang="en-SG" sz="1100" dirty="0"/>
-              <a:t>  </a:t>
-            </a:r>
-            <a:r>
-              <a:rPr lang="en-SG" sz="1100" dirty="0" err="1"/>
-              <a:t>EndpointHtmlRenderer.RenderEndpointComponent</a:t>
-            </a:r>
-            <a:r>
-              <a:rPr lang="en-SG" sz="1100" dirty="0"/>
-              <a:t>-&gt;</a:t>
-            </a:r>
-          </a:p>
-          <a:p>
-            <a:pPr marL="0" indent="0">
-              <a:buNone/>
-            </a:pPr>
-            <a:r>
-              <a:rPr lang="en-SG" sz="1100" dirty="0"/>
-              <a:t>  </a:t>
-            </a:r>
-          </a:p>
-          <a:p>
-            <a:pPr marL="0" indent="0">
-              <a:buNone/>
-            </a:pPr>
-            <a:r>
-              <a:rPr lang="en-SG" sz="1100" dirty="0"/>
-              <a:t>…-&gt; </a:t>
-            </a:r>
-            <a:r>
-              <a:rPr lang="en-SG" sz="1100" dirty="0" err="1"/>
-              <a:t>ComponmentFactory.InstantiateComponent</a:t>
-            </a:r>
-            <a:endParaRPr lang="en-SG" sz="1100" dirty="0"/>
-          </a:p>
-          <a:p>
-            <a:pPr marL="0" indent="0">
-              <a:buNone/>
-            </a:pPr>
-            <a:endParaRPr lang="en-SG" sz="1000" dirty="0"/>
-          </a:p>
-        </p:txBody>
-      </p:sp>
-    </p:spTree>
-    <p:extLst>
-      <p:ext uri="{BB962C8B-B14F-4D97-AF65-F5344CB8AC3E}">
-        <p14:creationId xmlns:p14="http://schemas.microsoft.com/office/powerpoint/2010/main" val="3457719316"/>
-      </p:ext>
-    </p:extLst>
-  </p:cSld>
-  <p:clrMapOvr>
-    <a:masterClrMapping/>
-  </p:clrMapOvr>
-</p:sld>
-</file>
-
-<file path=ppt/slides/slide12.xml><?xml version="1.0" encoding="utf-8"?>
-<p:sld xmlns:a="http://schemas.openxmlformats.org/drawingml/2006/main" xmlns:r="http://schemas.openxmlformats.org/officeDocument/2006/relationships" xmlns:p="http://schemas.openxmlformats.org/presentationml/2006/main">
-  <p:cSld>
-    <p:spTree>
-      <p:nvGrpSpPr>
-        <p:cNvPr id="1" name=""/>
-        <p:cNvGrpSpPr/>
-        <p:nvPr/>
-      </p:nvGrpSpPr>
-      <p:grpSpPr>
-        <a:xfrm>
-          <a:off x="0" y="0"/>
-          <a:ext cx="0" cy="0"/>
-          <a:chOff x="0" y="0"/>
-          <a:chExt cx="0" cy="0"/>
-        </a:xfrm>
-      </p:grpSpPr>
       <p:graphicFrame>
         <p:nvGraphicFramePr>
           <p:cNvPr id="5" name="Table 5">
@@ -17466,7 +16799,7 @@
 </p:sld>
 </file>
 
-<file path=ppt/slides/slide13.xml><?xml version="1.0" encoding="utf-8"?>
+<file path=ppt/slides/slide11.xml><?xml version="1.0" encoding="utf-8"?>
 <p:sld xmlns:a="http://schemas.openxmlformats.org/drawingml/2006/main" xmlns:r="http://schemas.openxmlformats.org/officeDocument/2006/relationships" xmlns:p="http://schemas.openxmlformats.org/presentationml/2006/main">
   <p:cSld>
     <p:spTree>
@@ -17680,7 +17013,7 @@
 </p:sld>
 </file>
 
-<file path=ppt/slides/slide14.xml><?xml version="1.0" encoding="utf-8"?>
+<file path=ppt/slides/slide12.xml><?xml version="1.0" encoding="utf-8"?>
 <p:sld xmlns:a="http://schemas.openxmlformats.org/drawingml/2006/main" xmlns:r="http://schemas.openxmlformats.org/officeDocument/2006/relationships" xmlns:p="http://schemas.openxmlformats.org/presentationml/2006/main">
   <p:cSld>
     <p:spTree>
@@ -18560,7 +17893,7 @@
 </p:sld>
 </file>
 
-<file path=ppt/slides/slide15.xml><?xml version="1.0" encoding="utf-8"?>
+<file path=ppt/slides/slide13.xml><?xml version="1.0" encoding="utf-8"?>
 <p:sld xmlns:a="http://schemas.openxmlformats.org/drawingml/2006/main" xmlns:r="http://schemas.openxmlformats.org/officeDocument/2006/relationships" xmlns:p="http://schemas.openxmlformats.org/presentationml/2006/main">
   <p:cSld>
     <p:spTree>
@@ -18728,7 +18061,7 @@
 </p:sld>
 </file>
 
-<file path=ppt/slides/slide16.xml><?xml version="1.0" encoding="utf-8"?>
+<file path=ppt/slides/slide14.xml><?xml version="1.0" encoding="utf-8"?>
 <p:sld xmlns:a="http://schemas.openxmlformats.org/drawingml/2006/main" xmlns:r="http://schemas.openxmlformats.org/officeDocument/2006/relationships" xmlns:p="http://schemas.openxmlformats.org/presentationml/2006/main">
   <p:cSld>
     <p:spTree>
@@ -18896,7 +18229,7 @@
 </p:sld>
 </file>
 
-<file path=ppt/slides/slide17.xml><?xml version="1.0" encoding="utf-8"?>
+<file path=ppt/slides/slide15.xml><?xml version="1.0" encoding="utf-8"?>
 <p:sld xmlns:a="http://schemas.openxmlformats.org/drawingml/2006/main" xmlns:r="http://schemas.openxmlformats.org/officeDocument/2006/relationships" xmlns:p="http://schemas.openxmlformats.org/presentationml/2006/main">
   <p:cSld>
     <p:spTree>
@@ -18957,7 +18290,7 @@
           <p:nvPr>
             <p:extLst>
               <p:ext uri="{D42A27DB-BD31-4B8C-83A1-F6EECF244321}">
-                <p14:modId xmlns:p14="http://schemas.microsoft.com/office/powerpoint/2010/main" val="1242434257"/>
+                <p14:modId xmlns:p14="http://schemas.microsoft.com/office/powerpoint/2010/main" val="1703231334"/>
               </p:ext>
             </p:extLst>
           </p:nvPr>
@@ -20377,19 +19710,7 @@
                           <a:cs typeface="Microsoft GothicNeo" panose="020B0503020000020004" pitchFamily="34" charset="-127"/>
                           <a:hlinkClick r:id="rId6"/>
                         </a:rPr>
-                        <a:t>Add </a:t>
-                      </a:r>
-                      <a:r>
-                        <a:rPr lang="en-SG" sz="1000" kern="1200" dirty="0" err="1">
-                          <a:solidFill>
-                            <a:schemeClr val="dk1"/>
-                          </a:solidFill>
-                          <a:latin typeface="+mn-lt"/>
-                          <a:ea typeface="Microsoft GothicNeo" panose="020B0503020000020004" pitchFamily="34" charset="-127"/>
-                          <a:cs typeface="Microsoft GothicNeo" panose="020B0503020000020004" pitchFamily="34" charset="-127"/>
-                          <a:hlinkClick r:id="rId6"/>
-                        </a:rPr>
-                        <a:t>CascadingValue</a:t>
+                        <a:t>Add Cascading Value</a:t>
                       </a:r>
                       <a:endParaRPr lang="en-SG" sz="1000" kern="1200" dirty="0">
                         <a:solidFill>
@@ -22007,7 +21328,7 @@
 </p:sld>
 </file>
 
-<file path=ppt/slides/slide18.xml><?xml version="1.0" encoding="utf-8"?>
+<file path=ppt/slides/slide16.xml><?xml version="1.0" encoding="utf-8"?>
 <p:sld xmlns:a="http://schemas.openxmlformats.org/drawingml/2006/main" xmlns:r="http://schemas.openxmlformats.org/officeDocument/2006/relationships" xmlns:p="http://schemas.openxmlformats.org/presentationml/2006/main">
   <p:cSld>
     <p:spTree>
@@ -23453,7 +22774,7 @@
 </p:sld>
 </file>
 
-<file path=ppt/slides/slide19.xml><?xml version="1.0" encoding="utf-8"?>
+<file path=ppt/slides/slide17.xml><?xml version="1.0" encoding="utf-8"?>
 <p:sld xmlns:a="http://schemas.openxmlformats.org/drawingml/2006/main" xmlns:r="http://schemas.openxmlformats.org/officeDocument/2006/relationships" xmlns:p="http://schemas.openxmlformats.org/presentationml/2006/main">
   <p:cSld>
     <p:spTree>
@@ -24954,6 +24275,1023 @@
     <p:extLst>
       <p:ext uri="{BB962C8B-B14F-4D97-AF65-F5344CB8AC3E}">
         <p14:creationId xmlns:p14="http://schemas.microsoft.com/office/powerpoint/2010/main" val="100851232"/>
+      </p:ext>
+    </p:extLst>
+  </p:cSld>
+  <p:clrMapOvr>
+    <a:masterClrMapping/>
+  </p:clrMapOvr>
+</p:sld>
+</file>
+
+<file path=ppt/slides/slide18.xml><?xml version="1.0" encoding="utf-8"?>
+<p:sld xmlns:a="http://schemas.openxmlformats.org/drawingml/2006/main" xmlns:r="http://schemas.openxmlformats.org/officeDocument/2006/relationships" xmlns:p="http://schemas.openxmlformats.org/presentationml/2006/main">
+  <p:cSld>
+    <p:spTree>
+      <p:nvGrpSpPr>
+        <p:cNvPr id="1" name=""/>
+        <p:cNvGrpSpPr/>
+        <p:nvPr/>
+      </p:nvGrpSpPr>
+      <p:grpSpPr>
+        <a:xfrm>
+          <a:off x="0" y="0"/>
+          <a:ext cx="0" cy="0"/>
+          <a:chOff x="0" y="0"/>
+          <a:chExt cx="0" cy="0"/>
+        </a:xfrm>
+      </p:grpSpPr>
+      <p:sp>
+        <p:nvSpPr>
+          <p:cNvPr id="2" name="Title 1">
+            <a:extLst>
+              <a:ext uri="{FF2B5EF4-FFF2-40B4-BE49-F238E27FC236}">
+                <a16:creationId xmlns:a16="http://schemas.microsoft.com/office/drawing/2014/main" id="{9A190264-F9F3-A37B-5C6C-39776644A968}"/>
+              </a:ext>
+            </a:extLst>
+          </p:cNvPr>
+          <p:cNvSpPr>
+            <a:spLocks noGrp="1"/>
+          </p:cNvSpPr>
+          <p:nvPr>
+            <p:ph type="title"/>
+          </p:nvPr>
+        </p:nvSpPr>
+        <p:spPr/>
+        <p:txBody>
+          <a:bodyPr/>
+          <a:lstStyle/>
+          <a:p>
+            <a:r>
+              <a:rPr lang="en-US" altLang="zh-CN" dirty="0"/>
+              <a:t>New Features</a:t>
+            </a:r>
+            <a:endParaRPr lang="en-SG" dirty="0"/>
+          </a:p>
+        </p:txBody>
+      </p:sp>
+      <p:sp>
+        <p:nvSpPr>
+          <p:cNvPr id="3" name="Content Placeholder 2">
+            <a:extLst>
+              <a:ext uri="{FF2B5EF4-FFF2-40B4-BE49-F238E27FC236}">
+                <a16:creationId xmlns:a16="http://schemas.microsoft.com/office/drawing/2014/main" id="{3C4AFF9F-3802-7CE3-A529-E503EB704FFD}"/>
+              </a:ext>
+            </a:extLst>
+          </p:cNvPr>
+          <p:cNvSpPr>
+            <a:spLocks noGrp="1"/>
+          </p:cNvSpPr>
+          <p:nvPr>
+            <p:ph idx="1"/>
+          </p:nvPr>
+        </p:nvSpPr>
+        <p:spPr>
+          <a:xfrm>
+            <a:off x="691078" y="3000651"/>
+            <a:ext cx="4839710" cy="1935333"/>
+          </a:xfrm>
+        </p:spPr>
+        <p:txBody>
+          <a:bodyPr>
+            <a:normAutofit/>
+          </a:bodyPr>
+          <a:lstStyle/>
+          <a:p>
+            <a:r>
+              <a:rPr lang="en-SG" sz="1200" dirty="0"/>
+              <a:t>Webcil files use a standard </a:t>
+            </a:r>
+            <a:r>
+              <a:rPr lang="en-SG" sz="1200" dirty="0" err="1"/>
+              <a:t>WebAssembly</a:t>
+            </a:r>
+            <a:r>
+              <a:rPr lang="en-SG" sz="1200" dirty="0"/>
+              <a:t> wrapper, where the assemblies are deployed as </a:t>
+            </a:r>
+            <a:r>
+              <a:rPr lang="en-SG" sz="1200" dirty="0" err="1"/>
+              <a:t>WebAssembly</a:t>
+            </a:r>
+            <a:r>
+              <a:rPr lang="en-SG" sz="1200" dirty="0"/>
+              <a:t> files that use the standard .</a:t>
+            </a:r>
+            <a:r>
+              <a:rPr lang="en-SG" sz="1200" b="1" dirty="0" err="1"/>
+              <a:t>wasm</a:t>
+            </a:r>
+            <a:r>
+              <a:rPr lang="en-SG" sz="1200" b="1" dirty="0"/>
+              <a:t> file </a:t>
+            </a:r>
+            <a:r>
+              <a:rPr lang="en-SG" sz="1200" dirty="0"/>
+              <a:t>extension instead of </a:t>
+            </a:r>
+            <a:r>
+              <a:rPr lang="en-SG" sz="1200" b="1" dirty="0"/>
+              <a:t>.</a:t>
+            </a:r>
+            <a:r>
+              <a:rPr lang="en-SG" sz="1200" b="1" dirty="0" err="1"/>
+              <a:t>dll</a:t>
+            </a:r>
+            <a:r>
+              <a:rPr lang="en-SG" sz="1200" b="1" dirty="0"/>
+              <a:t> file</a:t>
+            </a:r>
+            <a:r>
+              <a:rPr lang="en-SG" sz="1200" dirty="0"/>
+              <a:t>.</a:t>
+            </a:r>
+          </a:p>
+          <a:p>
+            <a:r>
+              <a:rPr lang="en-SG" sz="1200" dirty="0"/>
+              <a:t>For </a:t>
+            </a:r>
+            <a:r>
+              <a:rPr lang="en-SG" sz="1200" dirty="0" err="1"/>
+              <a:t>Blazor</a:t>
+            </a:r>
+            <a:r>
+              <a:rPr lang="en-SG" sz="1200" dirty="0"/>
+              <a:t> </a:t>
+            </a:r>
+            <a:r>
+              <a:rPr lang="en-SG" sz="1200" dirty="0" err="1"/>
+              <a:t>WebAssembly</a:t>
+            </a:r>
+            <a:r>
+              <a:rPr lang="en-SG" sz="1200" dirty="0"/>
+              <a:t>, output at </a:t>
+            </a:r>
+            <a:r>
+              <a:rPr lang="en-SG" sz="1200" b="1" dirty="0"/>
+              <a:t>{Project}.\bin\\{Debug or Release }\net8.0\</a:t>
+            </a:r>
+            <a:r>
+              <a:rPr lang="en-SG" sz="1200" b="1" dirty="0" err="1"/>
+              <a:t>wwwroot</a:t>
+            </a:r>
+            <a:r>
+              <a:rPr lang="en-SG" sz="1200" b="1" dirty="0"/>
+              <a:t>\_framework</a:t>
+            </a:r>
+          </a:p>
+          <a:p>
+            <a:r>
+              <a:rPr lang="en-SG" sz="1200" dirty="0"/>
+              <a:t>For </a:t>
+            </a:r>
+            <a:r>
+              <a:rPr lang="en-SG" sz="1200" dirty="0" err="1"/>
+              <a:t>Blazor</a:t>
+            </a:r>
+            <a:r>
+              <a:rPr lang="en-SG" sz="1200" dirty="0"/>
+              <a:t> Web App, output at </a:t>
+            </a:r>
+            <a:r>
+              <a:rPr lang="en-SG" sz="1200" b="1" dirty="0"/>
+              <a:t>{Project}.Client\bin\{Debug or Release }\net8.0\</a:t>
+            </a:r>
+            <a:r>
+              <a:rPr lang="en-SG" sz="1200" b="1" dirty="0" err="1"/>
+              <a:t>wwwroot</a:t>
+            </a:r>
+            <a:r>
+              <a:rPr lang="en-SG" sz="1200" b="1" dirty="0"/>
+              <a:t>\_framework</a:t>
+            </a:r>
+          </a:p>
+        </p:txBody>
+      </p:sp>
+      <p:pic>
+        <p:nvPicPr>
+          <p:cNvPr id="10" name="Picture 9">
+            <a:extLst>
+              <a:ext uri="{FF2B5EF4-FFF2-40B4-BE49-F238E27FC236}">
+                <a16:creationId xmlns:a16="http://schemas.microsoft.com/office/drawing/2014/main" id="{8569265C-3C51-0443-1675-284EC1D3A748}"/>
+              </a:ext>
+            </a:extLst>
+          </p:cNvPr>
+          <p:cNvPicPr>
+            <a:picLocks noChangeAspect="1"/>
+          </p:cNvPicPr>
+          <p:nvPr/>
+        </p:nvPicPr>
+        <p:blipFill>
+          <a:blip r:embed="rId2"/>
+          <a:stretch>
+            <a:fillRect/>
+          </a:stretch>
+        </p:blipFill>
+        <p:spPr>
+          <a:xfrm>
+            <a:off x="6020723" y="1699934"/>
+            <a:ext cx="2648320" cy="3991532"/>
+          </a:xfrm>
+          <a:prstGeom prst="rect">
+            <a:avLst/>
+          </a:prstGeom>
+        </p:spPr>
+      </p:pic>
+      <p:pic>
+        <p:nvPicPr>
+          <p:cNvPr id="12" name="Picture 11">
+            <a:extLst>
+              <a:ext uri="{FF2B5EF4-FFF2-40B4-BE49-F238E27FC236}">
+                <a16:creationId xmlns:a16="http://schemas.microsoft.com/office/drawing/2014/main" id="{FE2B773D-B27B-D075-420B-6FA2F53B7411}"/>
+              </a:ext>
+            </a:extLst>
+          </p:cNvPr>
+          <p:cNvPicPr>
+            <a:picLocks noChangeAspect="1"/>
+          </p:cNvPicPr>
+          <p:nvPr/>
+        </p:nvPicPr>
+        <p:blipFill>
+          <a:blip r:embed="rId3"/>
+          <a:stretch>
+            <a:fillRect/>
+          </a:stretch>
+        </p:blipFill>
+        <p:spPr>
+          <a:xfrm>
+            <a:off x="9247756" y="1626095"/>
+            <a:ext cx="2905530" cy="4505954"/>
+          </a:xfrm>
+          <a:prstGeom prst="rect">
+            <a:avLst/>
+          </a:prstGeom>
+        </p:spPr>
+      </p:pic>
+      <p:sp>
+        <p:nvSpPr>
+          <p:cNvPr id="14" name="TextBox 13">
+            <a:extLst>
+              <a:ext uri="{FF2B5EF4-FFF2-40B4-BE49-F238E27FC236}">
+                <a16:creationId xmlns:a16="http://schemas.microsoft.com/office/drawing/2014/main" id="{696D6C23-F685-6E47-6B37-EA47D158AEC7}"/>
+              </a:ext>
+            </a:extLst>
+          </p:cNvPr>
+          <p:cNvSpPr txBox="1"/>
+          <p:nvPr/>
+        </p:nvSpPr>
+        <p:spPr>
+          <a:xfrm>
+            <a:off x="6767743" y="6285937"/>
+            <a:ext cx="973584" cy="338554"/>
+          </a:xfrm>
+          <a:prstGeom prst="rect">
+            <a:avLst/>
+          </a:prstGeom>
+          <a:noFill/>
+        </p:spPr>
+        <p:txBody>
+          <a:bodyPr wrap="square">
+            <a:spAutoFit/>
+          </a:bodyPr>
+          <a:lstStyle/>
+          <a:p>
+            <a:r>
+              <a:rPr lang="en-SG" sz="1600" b="1" dirty="0" err="1">
+                <a:solidFill>
+                  <a:srgbClr val="FF0000"/>
+                </a:solidFill>
+              </a:rPr>
+              <a:t>.net</a:t>
+            </a:r>
+            <a:r>
+              <a:rPr lang="en-SG" sz="1600" b="1" dirty="0">
+                <a:solidFill>
+                  <a:srgbClr val="FF0000"/>
+                </a:solidFill>
+              </a:rPr>
+              <a:t> 6.0</a:t>
+            </a:r>
+          </a:p>
+        </p:txBody>
+      </p:sp>
+      <p:sp>
+        <p:nvSpPr>
+          <p:cNvPr id="15" name="TextBox 14">
+            <a:extLst>
+              <a:ext uri="{FF2B5EF4-FFF2-40B4-BE49-F238E27FC236}">
+                <a16:creationId xmlns:a16="http://schemas.microsoft.com/office/drawing/2014/main" id="{10D2B828-1AB9-CFE2-C0B9-249270A2A664}"/>
+              </a:ext>
+            </a:extLst>
+          </p:cNvPr>
+          <p:cNvSpPr txBox="1"/>
+          <p:nvPr/>
+        </p:nvSpPr>
+        <p:spPr>
+          <a:xfrm>
+            <a:off x="10045082" y="6285937"/>
+            <a:ext cx="973584" cy="338554"/>
+          </a:xfrm>
+          <a:prstGeom prst="rect">
+            <a:avLst/>
+          </a:prstGeom>
+          <a:noFill/>
+        </p:spPr>
+        <p:txBody>
+          <a:bodyPr wrap="square">
+            <a:spAutoFit/>
+          </a:bodyPr>
+          <a:lstStyle/>
+          <a:p>
+            <a:r>
+              <a:rPr lang="en-SG" sz="1600" b="1" dirty="0" err="1">
+                <a:solidFill>
+                  <a:srgbClr val="FF0000"/>
+                </a:solidFill>
+              </a:rPr>
+              <a:t>.net</a:t>
+            </a:r>
+            <a:r>
+              <a:rPr lang="en-SG" sz="1600" b="1" dirty="0">
+                <a:solidFill>
+                  <a:srgbClr val="FF0000"/>
+                </a:solidFill>
+              </a:rPr>
+              <a:t> 8.0</a:t>
+            </a:r>
+          </a:p>
+        </p:txBody>
+      </p:sp>
+      <p:sp>
+        <p:nvSpPr>
+          <p:cNvPr id="4" name="TextBox 3">
+            <a:extLst>
+              <a:ext uri="{FF2B5EF4-FFF2-40B4-BE49-F238E27FC236}">
+                <a16:creationId xmlns:a16="http://schemas.microsoft.com/office/drawing/2014/main" id="{44C70649-CFCC-6D73-FF84-A2B0D8126CDD}"/>
+              </a:ext>
+            </a:extLst>
+          </p:cNvPr>
+          <p:cNvSpPr txBox="1"/>
+          <p:nvPr/>
+        </p:nvSpPr>
+        <p:spPr>
+          <a:xfrm>
+            <a:off x="691078" y="2354321"/>
+            <a:ext cx="3572279" cy="369332"/>
+          </a:xfrm>
+          <a:prstGeom prst="rect">
+            <a:avLst/>
+          </a:prstGeom>
+          <a:noFill/>
+        </p:spPr>
+        <p:txBody>
+          <a:bodyPr wrap="square">
+            <a:spAutoFit/>
+          </a:bodyPr>
+          <a:lstStyle/>
+          <a:p>
+            <a:r>
+              <a:rPr lang="en-SG" i="0" dirty="0">
+                <a:solidFill>
+                  <a:srgbClr val="161616"/>
+                </a:solidFill>
+                <a:effectLst/>
+                <a:latin typeface="Segoe UI" panose="020B0502040204020203" pitchFamily="34" charset="0"/>
+              </a:rPr>
+              <a:t>Webcil packaging</a:t>
+            </a:r>
+            <a:endParaRPr lang="en-SG" dirty="0"/>
+          </a:p>
+        </p:txBody>
+      </p:sp>
+      <p:sp>
+        <p:nvSpPr>
+          <p:cNvPr id="6" name="TextBox 5">
+            <a:extLst>
+              <a:ext uri="{FF2B5EF4-FFF2-40B4-BE49-F238E27FC236}">
+                <a16:creationId xmlns:a16="http://schemas.microsoft.com/office/drawing/2014/main" id="{4887F504-FE7E-1DB8-2984-3352FC756BC3}"/>
+              </a:ext>
+            </a:extLst>
+          </p:cNvPr>
+          <p:cNvSpPr txBox="1"/>
+          <p:nvPr/>
+        </p:nvSpPr>
+        <p:spPr>
+          <a:xfrm>
+            <a:off x="569652" y="6246705"/>
+            <a:ext cx="5526348" cy="276999"/>
+          </a:xfrm>
+          <a:prstGeom prst="rect">
+            <a:avLst/>
+          </a:prstGeom>
+          <a:noFill/>
+        </p:spPr>
+        <p:txBody>
+          <a:bodyPr wrap="square">
+            <a:spAutoFit/>
+          </a:bodyPr>
+          <a:lstStyle/>
+          <a:p>
+            <a:r>
+              <a:rPr lang="en-SG" sz="1200" dirty="0">
+                <a:hlinkClick r:id="rId4"/>
+              </a:rPr>
+              <a:t>https://github.com/dotnet/runtime/blob/main/docs/design/mono/webcil.md</a:t>
+            </a:r>
+            <a:endParaRPr lang="en-SG" sz="1200" dirty="0"/>
+          </a:p>
+        </p:txBody>
+      </p:sp>
+    </p:spTree>
+    <p:extLst>
+      <p:ext uri="{BB962C8B-B14F-4D97-AF65-F5344CB8AC3E}">
+        <p14:creationId xmlns:p14="http://schemas.microsoft.com/office/powerpoint/2010/main" val="1153229066"/>
+      </p:ext>
+    </p:extLst>
+  </p:cSld>
+  <p:clrMapOvr>
+    <a:masterClrMapping/>
+  </p:clrMapOvr>
+</p:sld>
+</file>
+
+<file path=ppt/slides/slide19.xml><?xml version="1.0" encoding="utf-8"?>
+<p:sld xmlns:a="http://schemas.openxmlformats.org/drawingml/2006/main" xmlns:r="http://schemas.openxmlformats.org/officeDocument/2006/relationships" xmlns:p="http://schemas.openxmlformats.org/presentationml/2006/main">
+  <p:cSld>
+    <p:spTree>
+      <p:nvGrpSpPr>
+        <p:cNvPr id="1" name=""/>
+        <p:cNvGrpSpPr/>
+        <p:nvPr/>
+      </p:nvGrpSpPr>
+      <p:grpSpPr>
+        <a:xfrm>
+          <a:off x="0" y="0"/>
+          <a:ext cx="0" cy="0"/>
+          <a:chOff x="0" y="0"/>
+          <a:chExt cx="0" cy="0"/>
+        </a:xfrm>
+      </p:grpSpPr>
+      <p:sp>
+        <p:nvSpPr>
+          <p:cNvPr id="2" name="Title 1">
+            <a:extLst>
+              <a:ext uri="{FF2B5EF4-FFF2-40B4-BE49-F238E27FC236}">
+                <a16:creationId xmlns:a16="http://schemas.microsoft.com/office/drawing/2014/main" id="{95DF3C9F-D158-B460-32ED-CF6FE1EA30C4}"/>
+              </a:ext>
+            </a:extLst>
+          </p:cNvPr>
+          <p:cNvSpPr>
+            <a:spLocks noGrp="1"/>
+          </p:cNvSpPr>
+          <p:nvPr>
+            <p:ph type="title"/>
+          </p:nvPr>
+        </p:nvSpPr>
+        <p:spPr/>
+        <p:txBody>
+          <a:bodyPr/>
+          <a:lstStyle/>
+          <a:p>
+            <a:r>
+              <a:rPr lang="en-US" altLang="zh-CN" dirty="0"/>
+              <a:t>New Features</a:t>
+            </a:r>
+            <a:endParaRPr lang="en-SG" dirty="0"/>
+          </a:p>
+        </p:txBody>
+      </p:sp>
+      <p:sp>
+        <p:nvSpPr>
+          <p:cNvPr id="3" name="Content Placeholder 2">
+            <a:extLst>
+              <a:ext uri="{FF2B5EF4-FFF2-40B4-BE49-F238E27FC236}">
+                <a16:creationId xmlns:a16="http://schemas.microsoft.com/office/drawing/2014/main" id="{64BF4B54-8726-31DA-A1DC-0C73129D56DA}"/>
+              </a:ext>
+            </a:extLst>
+          </p:cNvPr>
+          <p:cNvSpPr>
+            <a:spLocks noGrp="1"/>
+          </p:cNvSpPr>
+          <p:nvPr>
+            <p:ph idx="1"/>
+          </p:nvPr>
+        </p:nvSpPr>
+        <p:spPr>
+          <a:xfrm>
+            <a:off x="691079" y="2918216"/>
+            <a:ext cx="10325000" cy="1021567"/>
+          </a:xfrm>
+        </p:spPr>
+        <p:txBody>
+          <a:bodyPr>
+            <a:normAutofit/>
+          </a:bodyPr>
+          <a:lstStyle/>
+          <a:p>
+            <a:r>
+              <a:rPr lang="en-SG" sz="1200" i="0" dirty="0">
+                <a:solidFill>
+                  <a:srgbClr val="161616"/>
+                </a:solidFill>
+                <a:effectLst/>
+              </a:rPr>
+              <a:t>Root-level cascading values can be registered for the entire component hierarchy. </a:t>
+            </a:r>
+          </a:p>
+          <a:p>
+            <a:r>
+              <a:rPr lang="en-SG" sz="1200" i="0" dirty="0">
+                <a:solidFill>
+                  <a:srgbClr val="161616"/>
+                </a:solidFill>
+                <a:effectLst/>
+              </a:rPr>
+              <a:t>Named cascading values and subscriptions for update notifications are supported.</a:t>
+            </a:r>
+          </a:p>
+          <a:p>
+            <a:r>
+              <a:rPr lang="en-SG" sz="1200" dirty="0" err="1">
+                <a:solidFill>
+                  <a:srgbClr val="000000"/>
+                </a:solidFill>
+              </a:rPr>
+              <a:t>AddCascadingValue</a:t>
+            </a:r>
+            <a:r>
+              <a:rPr lang="en-SG" sz="1200" dirty="0">
+                <a:solidFill>
+                  <a:srgbClr val="000000"/>
+                </a:solidFill>
+              </a:rPr>
+              <a:t> default lifecycle is </a:t>
+            </a:r>
+            <a:r>
+              <a:rPr lang="en-SG" sz="1200" b="1" dirty="0">
+                <a:solidFill>
+                  <a:srgbClr val="000000"/>
+                </a:solidFill>
+              </a:rPr>
+              <a:t>Scoped</a:t>
+            </a:r>
+            <a:endParaRPr lang="en-SG" sz="1200" b="1" dirty="0"/>
+          </a:p>
+        </p:txBody>
+      </p:sp>
+      <p:sp>
+        <p:nvSpPr>
+          <p:cNvPr id="4" name="TextBox 3">
+            <a:extLst>
+              <a:ext uri="{FF2B5EF4-FFF2-40B4-BE49-F238E27FC236}">
+                <a16:creationId xmlns:a16="http://schemas.microsoft.com/office/drawing/2014/main" id="{93CB4F86-9EF0-1DD7-05AC-373C65586FE8}"/>
+              </a:ext>
+            </a:extLst>
+          </p:cNvPr>
+          <p:cNvSpPr txBox="1"/>
+          <p:nvPr/>
+        </p:nvSpPr>
+        <p:spPr>
+          <a:xfrm>
+            <a:off x="691079" y="2336231"/>
+            <a:ext cx="3572279" cy="369332"/>
+          </a:xfrm>
+          <a:prstGeom prst="rect">
+            <a:avLst/>
+          </a:prstGeom>
+          <a:noFill/>
+        </p:spPr>
+        <p:txBody>
+          <a:bodyPr wrap="square">
+            <a:spAutoFit/>
+          </a:bodyPr>
+          <a:lstStyle/>
+          <a:p>
+            <a:r>
+              <a:rPr lang="en-SG" i="0" dirty="0">
+                <a:solidFill>
+                  <a:srgbClr val="161616"/>
+                </a:solidFill>
+                <a:effectLst/>
+                <a:latin typeface="Segoe UI" panose="020B0502040204020203" pitchFamily="34" charset="0"/>
+              </a:rPr>
+              <a:t>Add </a:t>
+            </a:r>
+            <a:r>
+              <a:rPr lang="en-SG" i="0" dirty="0" err="1">
+                <a:solidFill>
+                  <a:srgbClr val="161616"/>
+                </a:solidFill>
+                <a:effectLst/>
+                <a:latin typeface="Segoe UI" panose="020B0502040204020203" pitchFamily="34" charset="0"/>
+              </a:rPr>
+              <a:t>CascadingValue</a:t>
+            </a:r>
+            <a:endParaRPr lang="en-SG" i="0" dirty="0">
+              <a:solidFill>
+                <a:srgbClr val="161616"/>
+              </a:solidFill>
+              <a:effectLst/>
+              <a:latin typeface="Segoe UI" panose="020B0502040204020203" pitchFamily="34" charset="0"/>
+            </a:endParaRPr>
+          </a:p>
+        </p:txBody>
+      </p:sp>
+      <p:sp>
+        <p:nvSpPr>
+          <p:cNvPr id="6" name="TextBox 5">
+            <a:extLst>
+              <a:ext uri="{FF2B5EF4-FFF2-40B4-BE49-F238E27FC236}">
+                <a16:creationId xmlns:a16="http://schemas.microsoft.com/office/drawing/2014/main" id="{A52D4E10-9AF1-CCB7-A8D0-983FC467C8E6}"/>
+              </a:ext>
+            </a:extLst>
+          </p:cNvPr>
+          <p:cNvSpPr txBox="1"/>
+          <p:nvPr/>
+        </p:nvSpPr>
+        <p:spPr>
+          <a:xfrm>
+            <a:off x="910943" y="3995758"/>
+            <a:ext cx="8367204" cy="430887"/>
+          </a:xfrm>
+          <a:prstGeom prst="rect">
+            <a:avLst/>
+          </a:prstGeom>
+          <a:noFill/>
+        </p:spPr>
+        <p:txBody>
+          <a:bodyPr wrap="square">
+            <a:spAutoFit/>
+          </a:bodyPr>
+          <a:lstStyle/>
+          <a:p>
+            <a:r>
+              <a:rPr lang="en-SG" sz="1100" dirty="0" err="1">
+                <a:solidFill>
+                  <a:srgbClr val="000000"/>
+                </a:solidFill>
+                <a:latin typeface="Cascadia Mono" panose="020B0609020000020004" pitchFamily="49" charset="0"/>
+              </a:rPr>
+              <a:t>builder.Services.AddCascadingValue</a:t>
+            </a:r>
+            <a:r>
+              <a:rPr lang="en-SG" sz="1100" dirty="0">
+                <a:solidFill>
+                  <a:srgbClr val="000000"/>
+                </a:solidFill>
+                <a:latin typeface="Cascadia Mono" panose="020B0609020000020004" pitchFamily="49" charset="0"/>
+              </a:rPr>
+              <a:t>(provider =&gt; </a:t>
+            </a:r>
+            <a:r>
+              <a:rPr lang="en-SG" sz="1100" dirty="0">
+                <a:solidFill>
+                  <a:srgbClr val="0000FF"/>
+                </a:solidFill>
+                <a:latin typeface="Cascadia Mono" panose="020B0609020000020004" pitchFamily="49" charset="0"/>
+              </a:rPr>
+              <a:t>new</a:t>
+            </a:r>
+            <a:r>
+              <a:rPr lang="en-SG" sz="1100" dirty="0">
+                <a:solidFill>
+                  <a:srgbClr val="000000"/>
+                </a:solidFill>
+                <a:latin typeface="Cascadia Mono" panose="020B0609020000020004" pitchFamily="49" charset="0"/>
+              </a:rPr>
+              <a:t> Foo { Name = </a:t>
+            </a:r>
+            <a:r>
+              <a:rPr lang="en-SG" sz="1100" dirty="0">
+                <a:solidFill>
+                  <a:srgbClr val="A31515"/>
+                </a:solidFill>
+                <a:latin typeface="Cascadia Mono" panose="020B0609020000020004" pitchFamily="49" charset="0"/>
+              </a:rPr>
+              <a:t>"Cascading Foo"</a:t>
+            </a:r>
+            <a:r>
+              <a:rPr lang="en-SG" sz="1100" dirty="0">
+                <a:solidFill>
+                  <a:srgbClr val="000000"/>
+                </a:solidFill>
+                <a:latin typeface="Cascadia Mono" panose="020B0609020000020004" pitchFamily="49" charset="0"/>
+              </a:rPr>
+              <a:t> });</a:t>
+            </a:r>
+          </a:p>
+          <a:p>
+            <a:r>
+              <a:rPr lang="en-SG" sz="1100" dirty="0" err="1">
+                <a:solidFill>
+                  <a:srgbClr val="000000"/>
+                </a:solidFill>
+                <a:latin typeface="Cascadia Mono" panose="020B0609020000020004" pitchFamily="49" charset="0"/>
+              </a:rPr>
+              <a:t>builder.Services.AddCascadingValue</a:t>
+            </a:r>
+            <a:r>
+              <a:rPr lang="en-SG" sz="1100" dirty="0">
+                <a:solidFill>
+                  <a:srgbClr val="000000"/>
+                </a:solidFill>
+                <a:latin typeface="Cascadia Mono" panose="020B0609020000020004" pitchFamily="49" charset="0"/>
+              </a:rPr>
+              <a:t>(</a:t>
+            </a:r>
+            <a:r>
+              <a:rPr lang="en-SG" sz="1100" dirty="0">
+                <a:solidFill>
+                  <a:srgbClr val="A31515"/>
+                </a:solidFill>
+                <a:latin typeface="Cascadia Mono" panose="020B0609020000020004" pitchFamily="49" charset="0"/>
+              </a:rPr>
+              <a:t>"Alpha"</a:t>
+            </a:r>
+            <a:r>
+              <a:rPr lang="en-SG" sz="1100" dirty="0">
+                <a:solidFill>
+                  <a:srgbClr val="000000"/>
+                </a:solidFill>
+                <a:latin typeface="Cascadia Mono" panose="020B0609020000020004" pitchFamily="49" charset="0"/>
+              </a:rPr>
+              <a:t>, </a:t>
+            </a:r>
+            <a:r>
+              <a:rPr lang="en-SG" sz="1100" dirty="0" err="1">
+                <a:solidFill>
+                  <a:srgbClr val="000000"/>
+                </a:solidFill>
+                <a:latin typeface="Cascadia Mono" panose="020B0609020000020004" pitchFamily="49" charset="0"/>
+              </a:rPr>
+              <a:t>sp</a:t>
+            </a:r>
+            <a:r>
+              <a:rPr lang="en-SG" sz="1100" dirty="0">
+                <a:solidFill>
+                  <a:srgbClr val="000000"/>
+                </a:solidFill>
+                <a:latin typeface="Cascadia Mono" panose="020B0609020000020004" pitchFamily="49" charset="0"/>
+              </a:rPr>
+              <a:t> =&gt; </a:t>
+            </a:r>
+            <a:r>
+              <a:rPr lang="en-SG" sz="1100" dirty="0">
+                <a:solidFill>
+                  <a:srgbClr val="0000FF"/>
+                </a:solidFill>
+                <a:latin typeface="Cascadia Mono" panose="020B0609020000020004" pitchFamily="49" charset="0"/>
+              </a:rPr>
+              <a:t>new</a:t>
+            </a:r>
+            <a:r>
+              <a:rPr lang="en-SG" sz="1100" dirty="0">
+                <a:solidFill>
+                  <a:srgbClr val="000000"/>
+                </a:solidFill>
+                <a:latin typeface="Cascadia Mono" panose="020B0609020000020004" pitchFamily="49" charset="0"/>
+              </a:rPr>
+              <a:t> Foo { Name = </a:t>
+            </a:r>
+            <a:r>
+              <a:rPr lang="en-SG" sz="1100" dirty="0">
+                <a:solidFill>
+                  <a:srgbClr val="A31515"/>
+                </a:solidFill>
+                <a:latin typeface="Cascadia Mono" panose="020B0609020000020004" pitchFamily="49" charset="0"/>
+              </a:rPr>
+              <a:t>"Cascading Alpha Foo"</a:t>
+            </a:r>
+            <a:r>
+              <a:rPr lang="en-SG" sz="1100" dirty="0">
+                <a:solidFill>
+                  <a:srgbClr val="000000"/>
+                </a:solidFill>
+                <a:latin typeface="Cascadia Mono" panose="020B0609020000020004" pitchFamily="49" charset="0"/>
+              </a:rPr>
+              <a:t> });</a:t>
+            </a:r>
+            <a:endParaRPr lang="en-SG" sz="1100" dirty="0"/>
+          </a:p>
+        </p:txBody>
+      </p:sp>
+      <p:sp>
+        <p:nvSpPr>
+          <p:cNvPr id="8" name="TextBox 7">
+            <a:extLst>
+              <a:ext uri="{FF2B5EF4-FFF2-40B4-BE49-F238E27FC236}">
+                <a16:creationId xmlns:a16="http://schemas.microsoft.com/office/drawing/2014/main" id="{43C8B12D-6C0B-25DB-A4AC-47BE19955CB4}"/>
+              </a:ext>
+            </a:extLst>
+          </p:cNvPr>
+          <p:cNvSpPr txBox="1"/>
+          <p:nvPr/>
+        </p:nvSpPr>
+        <p:spPr>
+          <a:xfrm>
+            <a:off x="910943" y="4631638"/>
+            <a:ext cx="4849939" cy="1277273"/>
+          </a:xfrm>
+          <a:prstGeom prst="rect">
+            <a:avLst/>
+          </a:prstGeom>
+          <a:noFill/>
+        </p:spPr>
+        <p:txBody>
+          <a:bodyPr wrap="square">
+            <a:spAutoFit/>
+          </a:bodyPr>
+          <a:lstStyle/>
+          <a:p>
+            <a:r>
+              <a:rPr lang="en-SG" sz="1100" dirty="0">
+                <a:solidFill>
+                  <a:srgbClr val="000000"/>
+                </a:solidFill>
+                <a:latin typeface="Cascadia Mono" panose="020B0609020000020004" pitchFamily="49" charset="0"/>
+              </a:rPr>
+              <a:t>@code {</a:t>
+            </a:r>
+          </a:p>
+          <a:p>
+            <a:r>
+              <a:rPr lang="en-SG" sz="1100" dirty="0">
+                <a:solidFill>
+                  <a:srgbClr val="000000"/>
+                </a:solidFill>
+                <a:latin typeface="Cascadia Mono" panose="020B0609020000020004" pitchFamily="49" charset="0"/>
+              </a:rPr>
+              <a:t>    [</a:t>
+            </a:r>
+            <a:r>
+              <a:rPr lang="en-SG" sz="1100" dirty="0" err="1">
+                <a:solidFill>
+                  <a:srgbClr val="000000"/>
+                </a:solidFill>
+                <a:latin typeface="Cascadia Mono" panose="020B0609020000020004" pitchFamily="49" charset="0"/>
+              </a:rPr>
+              <a:t>CascadingParameter</a:t>
+            </a:r>
+            <a:r>
+              <a:rPr lang="en-SG" sz="1100" dirty="0">
+                <a:solidFill>
+                  <a:srgbClr val="000000"/>
+                </a:solidFill>
+                <a:latin typeface="Cascadia Mono" panose="020B0609020000020004" pitchFamily="49" charset="0"/>
+              </a:rPr>
+              <a:t>]</a:t>
+            </a:r>
+          </a:p>
+          <a:p>
+            <a:r>
+              <a:rPr lang="en-SG" sz="1100" dirty="0">
+                <a:solidFill>
+                  <a:srgbClr val="000000"/>
+                </a:solidFill>
+                <a:latin typeface="Cascadia Mono" panose="020B0609020000020004" pitchFamily="49" charset="0"/>
+              </a:rPr>
+              <a:t>    </a:t>
+            </a:r>
+            <a:r>
+              <a:rPr lang="en-SG" sz="1100" dirty="0">
+                <a:solidFill>
+                  <a:srgbClr val="0000FF"/>
+                </a:solidFill>
+                <a:latin typeface="Cascadia Mono" panose="020B0609020000020004" pitchFamily="49" charset="0"/>
+              </a:rPr>
+              <a:t>public</a:t>
+            </a:r>
+            <a:r>
+              <a:rPr lang="en-SG" sz="1100" dirty="0">
+                <a:solidFill>
+                  <a:srgbClr val="000000"/>
+                </a:solidFill>
+                <a:latin typeface="Cascadia Mono" panose="020B0609020000020004" pitchFamily="49" charset="0"/>
+              </a:rPr>
+              <a:t> Foo? Foo { get; set; }</a:t>
+            </a:r>
+          </a:p>
+          <a:p>
+            <a:endParaRPr lang="en-SG" sz="1100" dirty="0">
+              <a:solidFill>
+                <a:srgbClr val="000000"/>
+              </a:solidFill>
+              <a:latin typeface="Cascadia Mono" panose="020B0609020000020004" pitchFamily="49" charset="0"/>
+            </a:endParaRPr>
+          </a:p>
+          <a:p>
+            <a:r>
+              <a:rPr lang="en-SG" sz="1100" dirty="0">
+                <a:solidFill>
+                  <a:srgbClr val="000000"/>
+                </a:solidFill>
+                <a:latin typeface="Cascadia Mono" panose="020B0609020000020004" pitchFamily="49" charset="0"/>
+              </a:rPr>
+              <a:t>    [</a:t>
+            </a:r>
+            <a:r>
+              <a:rPr lang="en-SG" sz="1100" dirty="0" err="1">
+                <a:solidFill>
+                  <a:srgbClr val="000000"/>
+                </a:solidFill>
+                <a:latin typeface="Cascadia Mono" panose="020B0609020000020004" pitchFamily="49" charset="0"/>
+              </a:rPr>
+              <a:t>CascadingParameter</a:t>
+            </a:r>
+            <a:r>
+              <a:rPr lang="en-SG" sz="1100" dirty="0">
+                <a:solidFill>
+                  <a:srgbClr val="000000"/>
+                </a:solidFill>
+                <a:latin typeface="Cascadia Mono" panose="020B0609020000020004" pitchFamily="49" charset="0"/>
+              </a:rPr>
+              <a:t>(Name = </a:t>
+            </a:r>
+            <a:r>
+              <a:rPr lang="en-SG" sz="1100" dirty="0">
+                <a:solidFill>
+                  <a:srgbClr val="A31515"/>
+                </a:solidFill>
+                <a:latin typeface="Cascadia Mono" panose="020B0609020000020004" pitchFamily="49" charset="0"/>
+              </a:rPr>
+              <a:t>"Alpha"</a:t>
+            </a:r>
+            <a:r>
+              <a:rPr lang="en-SG" sz="1100" dirty="0">
+                <a:solidFill>
+                  <a:srgbClr val="000000"/>
+                </a:solidFill>
+                <a:latin typeface="Cascadia Mono" panose="020B0609020000020004" pitchFamily="49" charset="0"/>
+              </a:rPr>
+              <a:t>)]</a:t>
+            </a:r>
+          </a:p>
+          <a:p>
+            <a:r>
+              <a:rPr lang="en-SG" sz="1100" dirty="0">
+                <a:solidFill>
+                  <a:srgbClr val="000000"/>
+                </a:solidFill>
+                <a:latin typeface="Cascadia Mono" panose="020B0609020000020004" pitchFamily="49" charset="0"/>
+              </a:rPr>
+              <a:t>    </a:t>
+            </a:r>
+            <a:r>
+              <a:rPr lang="en-SG" sz="1100" dirty="0">
+                <a:solidFill>
+                  <a:srgbClr val="0000FF"/>
+                </a:solidFill>
+                <a:latin typeface="Cascadia Mono" panose="020B0609020000020004" pitchFamily="49" charset="0"/>
+              </a:rPr>
+              <a:t>public</a:t>
+            </a:r>
+            <a:r>
+              <a:rPr lang="en-SG" sz="1100" dirty="0">
+                <a:solidFill>
+                  <a:srgbClr val="000000"/>
+                </a:solidFill>
+                <a:latin typeface="Cascadia Mono" panose="020B0609020000020004" pitchFamily="49" charset="0"/>
+              </a:rPr>
+              <a:t> Foo? </a:t>
+            </a:r>
+            <a:r>
+              <a:rPr lang="en-SG" sz="1100" dirty="0" err="1">
+                <a:solidFill>
+                  <a:srgbClr val="000000"/>
+                </a:solidFill>
+                <a:latin typeface="Cascadia Mono" panose="020B0609020000020004" pitchFamily="49" charset="0"/>
+              </a:rPr>
+              <a:t>AlphaFoo</a:t>
+            </a:r>
+            <a:r>
+              <a:rPr lang="en-SG" sz="1100" dirty="0">
+                <a:solidFill>
+                  <a:srgbClr val="000000"/>
+                </a:solidFill>
+                <a:latin typeface="Cascadia Mono" panose="020B0609020000020004" pitchFamily="49" charset="0"/>
+              </a:rPr>
+              <a:t> { get; set; }</a:t>
+            </a:r>
+          </a:p>
+          <a:p>
+            <a:r>
+              <a:rPr lang="en-SG" sz="1100" dirty="0">
+                <a:solidFill>
+                  <a:srgbClr val="000000"/>
+                </a:solidFill>
+                <a:latin typeface="Cascadia Mono" panose="020B0609020000020004" pitchFamily="49" charset="0"/>
+              </a:rPr>
+              <a:t>}</a:t>
+            </a:r>
+            <a:endParaRPr lang="en-SG" sz="1100" dirty="0"/>
+          </a:p>
+        </p:txBody>
+      </p:sp>
+    </p:spTree>
+    <p:extLst>
+      <p:ext uri="{BB962C8B-B14F-4D97-AF65-F5344CB8AC3E}">
+        <p14:creationId xmlns:p14="http://schemas.microsoft.com/office/powerpoint/2010/main" val="163131687"/>
       </p:ext>
     </p:extLst>
   </p:cSld>
@@ -27461,1023 +27799,6 @@
           <p:cNvPr id="2" name="Title 1">
             <a:extLst>
               <a:ext uri="{FF2B5EF4-FFF2-40B4-BE49-F238E27FC236}">
-                <a16:creationId xmlns:a16="http://schemas.microsoft.com/office/drawing/2014/main" id="{9A190264-F9F3-A37B-5C6C-39776644A968}"/>
-              </a:ext>
-            </a:extLst>
-          </p:cNvPr>
-          <p:cNvSpPr>
-            <a:spLocks noGrp="1"/>
-          </p:cNvSpPr>
-          <p:nvPr>
-            <p:ph type="title"/>
-          </p:nvPr>
-        </p:nvSpPr>
-        <p:spPr/>
-        <p:txBody>
-          <a:bodyPr/>
-          <a:lstStyle/>
-          <a:p>
-            <a:r>
-              <a:rPr lang="en-US" altLang="zh-CN" dirty="0"/>
-              <a:t>New Features</a:t>
-            </a:r>
-            <a:endParaRPr lang="en-SG" dirty="0"/>
-          </a:p>
-        </p:txBody>
-      </p:sp>
-      <p:sp>
-        <p:nvSpPr>
-          <p:cNvPr id="3" name="Content Placeholder 2">
-            <a:extLst>
-              <a:ext uri="{FF2B5EF4-FFF2-40B4-BE49-F238E27FC236}">
-                <a16:creationId xmlns:a16="http://schemas.microsoft.com/office/drawing/2014/main" id="{3C4AFF9F-3802-7CE3-A529-E503EB704FFD}"/>
-              </a:ext>
-            </a:extLst>
-          </p:cNvPr>
-          <p:cNvSpPr>
-            <a:spLocks noGrp="1"/>
-          </p:cNvSpPr>
-          <p:nvPr>
-            <p:ph idx="1"/>
-          </p:nvPr>
-        </p:nvSpPr>
-        <p:spPr>
-          <a:xfrm>
-            <a:off x="691078" y="3000651"/>
-            <a:ext cx="4839710" cy="1935333"/>
-          </a:xfrm>
-        </p:spPr>
-        <p:txBody>
-          <a:bodyPr>
-            <a:normAutofit/>
-          </a:bodyPr>
-          <a:lstStyle/>
-          <a:p>
-            <a:r>
-              <a:rPr lang="en-SG" sz="1200" dirty="0"/>
-              <a:t>Webcil files use a standard </a:t>
-            </a:r>
-            <a:r>
-              <a:rPr lang="en-SG" sz="1200" dirty="0" err="1"/>
-              <a:t>WebAssembly</a:t>
-            </a:r>
-            <a:r>
-              <a:rPr lang="en-SG" sz="1200" dirty="0"/>
-              <a:t> wrapper, where the assemblies are deployed as </a:t>
-            </a:r>
-            <a:r>
-              <a:rPr lang="en-SG" sz="1200" dirty="0" err="1"/>
-              <a:t>WebAssembly</a:t>
-            </a:r>
-            <a:r>
-              <a:rPr lang="en-SG" sz="1200" dirty="0"/>
-              <a:t> files that use the standard .</a:t>
-            </a:r>
-            <a:r>
-              <a:rPr lang="en-SG" sz="1200" b="1" dirty="0" err="1"/>
-              <a:t>wasm</a:t>
-            </a:r>
-            <a:r>
-              <a:rPr lang="en-SG" sz="1200" b="1" dirty="0"/>
-              <a:t> file </a:t>
-            </a:r>
-            <a:r>
-              <a:rPr lang="en-SG" sz="1200" dirty="0"/>
-              <a:t>extension instead of </a:t>
-            </a:r>
-            <a:r>
-              <a:rPr lang="en-SG" sz="1200" b="1" dirty="0"/>
-              <a:t>.</a:t>
-            </a:r>
-            <a:r>
-              <a:rPr lang="en-SG" sz="1200" b="1" dirty="0" err="1"/>
-              <a:t>dll</a:t>
-            </a:r>
-            <a:r>
-              <a:rPr lang="en-SG" sz="1200" b="1" dirty="0"/>
-              <a:t> file</a:t>
-            </a:r>
-            <a:r>
-              <a:rPr lang="en-SG" sz="1200" dirty="0"/>
-              <a:t>.</a:t>
-            </a:r>
-          </a:p>
-          <a:p>
-            <a:r>
-              <a:rPr lang="en-SG" sz="1200" dirty="0"/>
-              <a:t>For </a:t>
-            </a:r>
-            <a:r>
-              <a:rPr lang="en-SG" sz="1200" dirty="0" err="1"/>
-              <a:t>Blazor</a:t>
-            </a:r>
-            <a:r>
-              <a:rPr lang="en-SG" sz="1200" dirty="0"/>
-              <a:t> </a:t>
-            </a:r>
-            <a:r>
-              <a:rPr lang="en-SG" sz="1200" dirty="0" err="1"/>
-              <a:t>WebAssembly</a:t>
-            </a:r>
-            <a:r>
-              <a:rPr lang="en-SG" sz="1200" dirty="0"/>
-              <a:t>, output at </a:t>
-            </a:r>
-            <a:r>
-              <a:rPr lang="en-SG" sz="1200" b="1" dirty="0"/>
-              <a:t>{Project}.\bin\\{Debug or Release }\net8.0\</a:t>
-            </a:r>
-            <a:r>
-              <a:rPr lang="en-SG" sz="1200" b="1" dirty="0" err="1"/>
-              <a:t>wwwroot</a:t>
-            </a:r>
-            <a:r>
-              <a:rPr lang="en-SG" sz="1200" b="1" dirty="0"/>
-              <a:t>\_framework</a:t>
-            </a:r>
-          </a:p>
-          <a:p>
-            <a:r>
-              <a:rPr lang="en-SG" sz="1200" dirty="0"/>
-              <a:t>For </a:t>
-            </a:r>
-            <a:r>
-              <a:rPr lang="en-SG" sz="1200" dirty="0" err="1"/>
-              <a:t>Blazor</a:t>
-            </a:r>
-            <a:r>
-              <a:rPr lang="en-SG" sz="1200" dirty="0"/>
-              <a:t> Web App, output at </a:t>
-            </a:r>
-            <a:r>
-              <a:rPr lang="en-SG" sz="1200" b="1" dirty="0"/>
-              <a:t>{Project}.Client\bin\{Debug or Release }\net8.0\</a:t>
-            </a:r>
-            <a:r>
-              <a:rPr lang="en-SG" sz="1200" b="1" dirty="0" err="1"/>
-              <a:t>wwwroot</a:t>
-            </a:r>
-            <a:r>
-              <a:rPr lang="en-SG" sz="1200" b="1" dirty="0"/>
-              <a:t>\_framework</a:t>
-            </a:r>
-          </a:p>
-        </p:txBody>
-      </p:sp>
-      <p:pic>
-        <p:nvPicPr>
-          <p:cNvPr id="10" name="Picture 9">
-            <a:extLst>
-              <a:ext uri="{FF2B5EF4-FFF2-40B4-BE49-F238E27FC236}">
-                <a16:creationId xmlns:a16="http://schemas.microsoft.com/office/drawing/2014/main" id="{8569265C-3C51-0443-1675-284EC1D3A748}"/>
-              </a:ext>
-            </a:extLst>
-          </p:cNvPr>
-          <p:cNvPicPr>
-            <a:picLocks noChangeAspect="1"/>
-          </p:cNvPicPr>
-          <p:nvPr/>
-        </p:nvPicPr>
-        <p:blipFill>
-          <a:blip r:embed="rId2"/>
-          <a:stretch>
-            <a:fillRect/>
-          </a:stretch>
-        </p:blipFill>
-        <p:spPr>
-          <a:xfrm>
-            <a:off x="6020723" y="1699934"/>
-            <a:ext cx="2648320" cy="3991532"/>
-          </a:xfrm>
-          <a:prstGeom prst="rect">
-            <a:avLst/>
-          </a:prstGeom>
-        </p:spPr>
-      </p:pic>
-      <p:pic>
-        <p:nvPicPr>
-          <p:cNvPr id="12" name="Picture 11">
-            <a:extLst>
-              <a:ext uri="{FF2B5EF4-FFF2-40B4-BE49-F238E27FC236}">
-                <a16:creationId xmlns:a16="http://schemas.microsoft.com/office/drawing/2014/main" id="{FE2B773D-B27B-D075-420B-6FA2F53B7411}"/>
-              </a:ext>
-            </a:extLst>
-          </p:cNvPr>
-          <p:cNvPicPr>
-            <a:picLocks noChangeAspect="1"/>
-          </p:cNvPicPr>
-          <p:nvPr/>
-        </p:nvPicPr>
-        <p:blipFill>
-          <a:blip r:embed="rId3"/>
-          <a:stretch>
-            <a:fillRect/>
-          </a:stretch>
-        </p:blipFill>
-        <p:spPr>
-          <a:xfrm>
-            <a:off x="9247756" y="1626095"/>
-            <a:ext cx="2905530" cy="4505954"/>
-          </a:xfrm>
-          <a:prstGeom prst="rect">
-            <a:avLst/>
-          </a:prstGeom>
-        </p:spPr>
-      </p:pic>
-      <p:sp>
-        <p:nvSpPr>
-          <p:cNvPr id="14" name="TextBox 13">
-            <a:extLst>
-              <a:ext uri="{FF2B5EF4-FFF2-40B4-BE49-F238E27FC236}">
-                <a16:creationId xmlns:a16="http://schemas.microsoft.com/office/drawing/2014/main" id="{696D6C23-F685-6E47-6B37-EA47D158AEC7}"/>
-              </a:ext>
-            </a:extLst>
-          </p:cNvPr>
-          <p:cNvSpPr txBox="1"/>
-          <p:nvPr/>
-        </p:nvSpPr>
-        <p:spPr>
-          <a:xfrm>
-            <a:off x="6767743" y="6285937"/>
-            <a:ext cx="973584" cy="338554"/>
-          </a:xfrm>
-          <a:prstGeom prst="rect">
-            <a:avLst/>
-          </a:prstGeom>
-          <a:noFill/>
-        </p:spPr>
-        <p:txBody>
-          <a:bodyPr wrap="square">
-            <a:spAutoFit/>
-          </a:bodyPr>
-          <a:lstStyle/>
-          <a:p>
-            <a:r>
-              <a:rPr lang="en-SG" sz="1600" b="1" dirty="0" err="1">
-                <a:solidFill>
-                  <a:srgbClr val="FF0000"/>
-                </a:solidFill>
-              </a:rPr>
-              <a:t>.net</a:t>
-            </a:r>
-            <a:r>
-              <a:rPr lang="en-SG" sz="1600" b="1" dirty="0">
-                <a:solidFill>
-                  <a:srgbClr val="FF0000"/>
-                </a:solidFill>
-              </a:rPr>
-              <a:t> 6.0</a:t>
-            </a:r>
-          </a:p>
-        </p:txBody>
-      </p:sp>
-      <p:sp>
-        <p:nvSpPr>
-          <p:cNvPr id="15" name="TextBox 14">
-            <a:extLst>
-              <a:ext uri="{FF2B5EF4-FFF2-40B4-BE49-F238E27FC236}">
-                <a16:creationId xmlns:a16="http://schemas.microsoft.com/office/drawing/2014/main" id="{10D2B828-1AB9-CFE2-C0B9-249270A2A664}"/>
-              </a:ext>
-            </a:extLst>
-          </p:cNvPr>
-          <p:cNvSpPr txBox="1"/>
-          <p:nvPr/>
-        </p:nvSpPr>
-        <p:spPr>
-          <a:xfrm>
-            <a:off x="10045082" y="6285937"/>
-            <a:ext cx="973584" cy="338554"/>
-          </a:xfrm>
-          <a:prstGeom prst="rect">
-            <a:avLst/>
-          </a:prstGeom>
-          <a:noFill/>
-        </p:spPr>
-        <p:txBody>
-          <a:bodyPr wrap="square">
-            <a:spAutoFit/>
-          </a:bodyPr>
-          <a:lstStyle/>
-          <a:p>
-            <a:r>
-              <a:rPr lang="en-SG" sz="1600" b="1" dirty="0" err="1">
-                <a:solidFill>
-                  <a:srgbClr val="FF0000"/>
-                </a:solidFill>
-              </a:rPr>
-              <a:t>.net</a:t>
-            </a:r>
-            <a:r>
-              <a:rPr lang="en-SG" sz="1600" b="1" dirty="0">
-                <a:solidFill>
-                  <a:srgbClr val="FF0000"/>
-                </a:solidFill>
-              </a:rPr>
-              <a:t> 8.0</a:t>
-            </a:r>
-          </a:p>
-        </p:txBody>
-      </p:sp>
-      <p:sp>
-        <p:nvSpPr>
-          <p:cNvPr id="4" name="TextBox 3">
-            <a:extLst>
-              <a:ext uri="{FF2B5EF4-FFF2-40B4-BE49-F238E27FC236}">
-                <a16:creationId xmlns:a16="http://schemas.microsoft.com/office/drawing/2014/main" id="{44C70649-CFCC-6D73-FF84-A2B0D8126CDD}"/>
-              </a:ext>
-            </a:extLst>
-          </p:cNvPr>
-          <p:cNvSpPr txBox="1"/>
-          <p:nvPr/>
-        </p:nvSpPr>
-        <p:spPr>
-          <a:xfrm>
-            <a:off x="691078" y="2354321"/>
-            <a:ext cx="3572279" cy="369332"/>
-          </a:xfrm>
-          <a:prstGeom prst="rect">
-            <a:avLst/>
-          </a:prstGeom>
-          <a:noFill/>
-        </p:spPr>
-        <p:txBody>
-          <a:bodyPr wrap="square">
-            <a:spAutoFit/>
-          </a:bodyPr>
-          <a:lstStyle/>
-          <a:p>
-            <a:r>
-              <a:rPr lang="en-SG" i="0" dirty="0">
-                <a:solidFill>
-                  <a:srgbClr val="161616"/>
-                </a:solidFill>
-                <a:effectLst/>
-                <a:latin typeface="Segoe UI" panose="020B0502040204020203" pitchFamily="34" charset="0"/>
-              </a:rPr>
-              <a:t>Webcil packaging</a:t>
-            </a:r>
-            <a:endParaRPr lang="en-SG" dirty="0"/>
-          </a:p>
-        </p:txBody>
-      </p:sp>
-      <p:sp>
-        <p:nvSpPr>
-          <p:cNvPr id="6" name="TextBox 5">
-            <a:extLst>
-              <a:ext uri="{FF2B5EF4-FFF2-40B4-BE49-F238E27FC236}">
-                <a16:creationId xmlns:a16="http://schemas.microsoft.com/office/drawing/2014/main" id="{4887F504-FE7E-1DB8-2984-3352FC756BC3}"/>
-              </a:ext>
-            </a:extLst>
-          </p:cNvPr>
-          <p:cNvSpPr txBox="1"/>
-          <p:nvPr/>
-        </p:nvSpPr>
-        <p:spPr>
-          <a:xfrm>
-            <a:off x="569652" y="6246705"/>
-            <a:ext cx="5526348" cy="276999"/>
-          </a:xfrm>
-          <a:prstGeom prst="rect">
-            <a:avLst/>
-          </a:prstGeom>
-          <a:noFill/>
-        </p:spPr>
-        <p:txBody>
-          <a:bodyPr wrap="square">
-            <a:spAutoFit/>
-          </a:bodyPr>
-          <a:lstStyle/>
-          <a:p>
-            <a:r>
-              <a:rPr lang="en-SG" sz="1200" dirty="0">
-                <a:hlinkClick r:id="rId4"/>
-              </a:rPr>
-              <a:t>https://github.com/dotnet/runtime/blob/main/docs/design/mono/webcil.md</a:t>
-            </a:r>
-            <a:endParaRPr lang="en-SG" sz="1200" dirty="0"/>
-          </a:p>
-        </p:txBody>
-      </p:sp>
-    </p:spTree>
-    <p:extLst>
-      <p:ext uri="{BB962C8B-B14F-4D97-AF65-F5344CB8AC3E}">
-        <p14:creationId xmlns:p14="http://schemas.microsoft.com/office/powerpoint/2010/main" val="1153229066"/>
-      </p:ext>
-    </p:extLst>
-  </p:cSld>
-  <p:clrMapOvr>
-    <a:masterClrMapping/>
-  </p:clrMapOvr>
-</p:sld>
-</file>
-
-<file path=ppt/slides/slide21.xml><?xml version="1.0" encoding="utf-8"?>
-<p:sld xmlns:a="http://schemas.openxmlformats.org/drawingml/2006/main" xmlns:r="http://schemas.openxmlformats.org/officeDocument/2006/relationships" xmlns:p="http://schemas.openxmlformats.org/presentationml/2006/main">
-  <p:cSld>
-    <p:spTree>
-      <p:nvGrpSpPr>
-        <p:cNvPr id="1" name=""/>
-        <p:cNvGrpSpPr/>
-        <p:nvPr/>
-      </p:nvGrpSpPr>
-      <p:grpSpPr>
-        <a:xfrm>
-          <a:off x="0" y="0"/>
-          <a:ext cx="0" cy="0"/>
-          <a:chOff x="0" y="0"/>
-          <a:chExt cx="0" cy="0"/>
-        </a:xfrm>
-      </p:grpSpPr>
-      <p:sp>
-        <p:nvSpPr>
-          <p:cNvPr id="2" name="Title 1">
-            <a:extLst>
-              <a:ext uri="{FF2B5EF4-FFF2-40B4-BE49-F238E27FC236}">
-                <a16:creationId xmlns:a16="http://schemas.microsoft.com/office/drawing/2014/main" id="{95DF3C9F-D158-B460-32ED-CF6FE1EA30C4}"/>
-              </a:ext>
-            </a:extLst>
-          </p:cNvPr>
-          <p:cNvSpPr>
-            <a:spLocks noGrp="1"/>
-          </p:cNvSpPr>
-          <p:nvPr>
-            <p:ph type="title"/>
-          </p:nvPr>
-        </p:nvSpPr>
-        <p:spPr/>
-        <p:txBody>
-          <a:bodyPr/>
-          <a:lstStyle/>
-          <a:p>
-            <a:r>
-              <a:rPr lang="en-US" altLang="zh-CN" dirty="0"/>
-              <a:t>New Features</a:t>
-            </a:r>
-            <a:endParaRPr lang="en-SG" dirty="0"/>
-          </a:p>
-        </p:txBody>
-      </p:sp>
-      <p:sp>
-        <p:nvSpPr>
-          <p:cNvPr id="3" name="Content Placeholder 2">
-            <a:extLst>
-              <a:ext uri="{FF2B5EF4-FFF2-40B4-BE49-F238E27FC236}">
-                <a16:creationId xmlns:a16="http://schemas.microsoft.com/office/drawing/2014/main" id="{64BF4B54-8726-31DA-A1DC-0C73129D56DA}"/>
-              </a:ext>
-            </a:extLst>
-          </p:cNvPr>
-          <p:cNvSpPr>
-            <a:spLocks noGrp="1"/>
-          </p:cNvSpPr>
-          <p:nvPr>
-            <p:ph idx="1"/>
-          </p:nvPr>
-        </p:nvSpPr>
-        <p:spPr>
-          <a:xfrm>
-            <a:off x="691079" y="2918216"/>
-            <a:ext cx="10325000" cy="1021567"/>
-          </a:xfrm>
-        </p:spPr>
-        <p:txBody>
-          <a:bodyPr>
-            <a:normAutofit/>
-          </a:bodyPr>
-          <a:lstStyle/>
-          <a:p>
-            <a:r>
-              <a:rPr lang="en-SG" sz="1200" i="0" dirty="0">
-                <a:solidFill>
-                  <a:srgbClr val="161616"/>
-                </a:solidFill>
-                <a:effectLst/>
-              </a:rPr>
-              <a:t>Root-level cascading values can be registered for the entire component hierarchy. </a:t>
-            </a:r>
-          </a:p>
-          <a:p>
-            <a:r>
-              <a:rPr lang="en-SG" sz="1200" i="0" dirty="0">
-                <a:solidFill>
-                  <a:srgbClr val="161616"/>
-                </a:solidFill>
-                <a:effectLst/>
-              </a:rPr>
-              <a:t>Named cascading values and subscriptions for update notifications are supported.</a:t>
-            </a:r>
-          </a:p>
-          <a:p>
-            <a:r>
-              <a:rPr lang="en-SG" sz="1200" dirty="0" err="1">
-                <a:solidFill>
-                  <a:srgbClr val="000000"/>
-                </a:solidFill>
-              </a:rPr>
-              <a:t>AddCascadingValue</a:t>
-            </a:r>
-            <a:r>
-              <a:rPr lang="en-SG" sz="1200" dirty="0">
-                <a:solidFill>
-                  <a:srgbClr val="000000"/>
-                </a:solidFill>
-              </a:rPr>
-              <a:t> default lifecycle is </a:t>
-            </a:r>
-            <a:r>
-              <a:rPr lang="en-SG" sz="1200" b="1" dirty="0">
-                <a:solidFill>
-                  <a:srgbClr val="000000"/>
-                </a:solidFill>
-              </a:rPr>
-              <a:t>Scoped</a:t>
-            </a:r>
-            <a:endParaRPr lang="en-SG" sz="1200" b="1" dirty="0"/>
-          </a:p>
-        </p:txBody>
-      </p:sp>
-      <p:sp>
-        <p:nvSpPr>
-          <p:cNvPr id="4" name="TextBox 3">
-            <a:extLst>
-              <a:ext uri="{FF2B5EF4-FFF2-40B4-BE49-F238E27FC236}">
-                <a16:creationId xmlns:a16="http://schemas.microsoft.com/office/drawing/2014/main" id="{93CB4F86-9EF0-1DD7-05AC-373C65586FE8}"/>
-              </a:ext>
-            </a:extLst>
-          </p:cNvPr>
-          <p:cNvSpPr txBox="1"/>
-          <p:nvPr/>
-        </p:nvSpPr>
-        <p:spPr>
-          <a:xfrm>
-            <a:off x="691079" y="2336231"/>
-            <a:ext cx="3572279" cy="369332"/>
-          </a:xfrm>
-          <a:prstGeom prst="rect">
-            <a:avLst/>
-          </a:prstGeom>
-          <a:noFill/>
-        </p:spPr>
-        <p:txBody>
-          <a:bodyPr wrap="square">
-            <a:spAutoFit/>
-          </a:bodyPr>
-          <a:lstStyle/>
-          <a:p>
-            <a:r>
-              <a:rPr lang="en-SG" i="0" dirty="0">
-                <a:solidFill>
-                  <a:srgbClr val="161616"/>
-                </a:solidFill>
-                <a:effectLst/>
-                <a:latin typeface="Segoe UI" panose="020B0502040204020203" pitchFamily="34" charset="0"/>
-              </a:rPr>
-              <a:t>Add </a:t>
-            </a:r>
-            <a:r>
-              <a:rPr lang="en-SG" i="0" dirty="0" err="1">
-                <a:solidFill>
-                  <a:srgbClr val="161616"/>
-                </a:solidFill>
-                <a:effectLst/>
-                <a:latin typeface="Segoe UI" panose="020B0502040204020203" pitchFamily="34" charset="0"/>
-              </a:rPr>
-              <a:t>CascadingValue</a:t>
-            </a:r>
-            <a:endParaRPr lang="en-SG" i="0" dirty="0">
-              <a:solidFill>
-                <a:srgbClr val="161616"/>
-              </a:solidFill>
-              <a:effectLst/>
-              <a:latin typeface="Segoe UI" panose="020B0502040204020203" pitchFamily="34" charset="0"/>
-            </a:endParaRPr>
-          </a:p>
-        </p:txBody>
-      </p:sp>
-      <p:sp>
-        <p:nvSpPr>
-          <p:cNvPr id="6" name="TextBox 5">
-            <a:extLst>
-              <a:ext uri="{FF2B5EF4-FFF2-40B4-BE49-F238E27FC236}">
-                <a16:creationId xmlns:a16="http://schemas.microsoft.com/office/drawing/2014/main" id="{A52D4E10-9AF1-CCB7-A8D0-983FC467C8E6}"/>
-              </a:ext>
-            </a:extLst>
-          </p:cNvPr>
-          <p:cNvSpPr txBox="1"/>
-          <p:nvPr/>
-        </p:nvSpPr>
-        <p:spPr>
-          <a:xfrm>
-            <a:off x="910943" y="3995758"/>
-            <a:ext cx="8367204" cy="430887"/>
-          </a:xfrm>
-          <a:prstGeom prst="rect">
-            <a:avLst/>
-          </a:prstGeom>
-          <a:noFill/>
-        </p:spPr>
-        <p:txBody>
-          <a:bodyPr wrap="square">
-            <a:spAutoFit/>
-          </a:bodyPr>
-          <a:lstStyle/>
-          <a:p>
-            <a:r>
-              <a:rPr lang="en-SG" sz="1100" dirty="0" err="1">
-                <a:solidFill>
-                  <a:srgbClr val="000000"/>
-                </a:solidFill>
-                <a:latin typeface="Cascadia Mono" panose="020B0609020000020004" pitchFamily="49" charset="0"/>
-              </a:rPr>
-              <a:t>builder.Services.AddCascadingValue</a:t>
-            </a:r>
-            <a:r>
-              <a:rPr lang="en-SG" sz="1100" dirty="0">
-                <a:solidFill>
-                  <a:srgbClr val="000000"/>
-                </a:solidFill>
-                <a:latin typeface="Cascadia Mono" panose="020B0609020000020004" pitchFamily="49" charset="0"/>
-              </a:rPr>
-              <a:t>(provider =&gt; </a:t>
-            </a:r>
-            <a:r>
-              <a:rPr lang="en-SG" sz="1100" dirty="0">
-                <a:solidFill>
-                  <a:srgbClr val="0000FF"/>
-                </a:solidFill>
-                <a:latin typeface="Cascadia Mono" panose="020B0609020000020004" pitchFamily="49" charset="0"/>
-              </a:rPr>
-              <a:t>new</a:t>
-            </a:r>
-            <a:r>
-              <a:rPr lang="en-SG" sz="1100" dirty="0">
-                <a:solidFill>
-                  <a:srgbClr val="000000"/>
-                </a:solidFill>
-                <a:latin typeface="Cascadia Mono" panose="020B0609020000020004" pitchFamily="49" charset="0"/>
-              </a:rPr>
-              <a:t> Foo { Name = </a:t>
-            </a:r>
-            <a:r>
-              <a:rPr lang="en-SG" sz="1100" dirty="0">
-                <a:solidFill>
-                  <a:srgbClr val="A31515"/>
-                </a:solidFill>
-                <a:latin typeface="Cascadia Mono" panose="020B0609020000020004" pitchFamily="49" charset="0"/>
-              </a:rPr>
-              <a:t>"Cascading Foo"</a:t>
-            </a:r>
-            <a:r>
-              <a:rPr lang="en-SG" sz="1100" dirty="0">
-                <a:solidFill>
-                  <a:srgbClr val="000000"/>
-                </a:solidFill>
-                <a:latin typeface="Cascadia Mono" panose="020B0609020000020004" pitchFamily="49" charset="0"/>
-              </a:rPr>
-              <a:t> });</a:t>
-            </a:r>
-          </a:p>
-          <a:p>
-            <a:r>
-              <a:rPr lang="en-SG" sz="1100" dirty="0" err="1">
-                <a:solidFill>
-                  <a:srgbClr val="000000"/>
-                </a:solidFill>
-                <a:latin typeface="Cascadia Mono" panose="020B0609020000020004" pitchFamily="49" charset="0"/>
-              </a:rPr>
-              <a:t>builder.Services.AddCascadingValue</a:t>
-            </a:r>
-            <a:r>
-              <a:rPr lang="en-SG" sz="1100" dirty="0">
-                <a:solidFill>
-                  <a:srgbClr val="000000"/>
-                </a:solidFill>
-                <a:latin typeface="Cascadia Mono" panose="020B0609020000020004" pitchFamily="49" charset="0"/>
-              </a:rPr>
-              <a:t>(</a:t>
-            </a:r>
-            <a:r>
-              <a:rPr lang="en-SG" sz="1100" dirty="0">
-                <a:solidFill>
-                  <a:srgbClr val="A31515"/>
-                </a:solidFill>
-                <a:latin typeface="Cascadia Mono" panose="020B0609020000020004" pitchFamily="49" charset="0"/>
-              </a:rPr>
-              <a:t>"Alpha"</a:t>
-            </a:r>
-            <a:r>
-              <a:rPr lang="en-SG" sz="1100" dirty="0">
-                <a:solidFill>
-                  <a:srgbClr val="000000"/>
-                </a:solidFill>
-                <a:latin typeface="Cascadia Mono" panose="020B0609020000020004" pitchFamily="49" charset="0"/>
-              </a:rPr>
-              <a:t>, </a:t>
-            </a:r>
-            <a:r>
-              <a:rPr lang="en-SG" sz="1100" dirty="0" err="1">
-                <a:solidFill>
-                  <a:srgbClr val="000000"/>
-                </a:solidFill>
-                <a:latin typeface="Cascadia Mono" panose="020B0609020000020004" pitchFamily="49" charset="0"/>
-              </a:rPr>
-              <a:t>sp</a:t>
-            </a:r>
-            <a:r>
-              <a:rPr lang="en-SG" sz="1100" dirty="0">
-                <a:solidFill>
-                  <a:srgbClr val="000000"/>
-                </a:solidFill>
-                <a:latin typeface="Cascadia Mono" panose="020B0609020000020004" pitchFamily="49" charset="0"/>
-              </a:rPr>
-              <a:t> =&gt; </a:t>
-            </a:r>
-            <a:r>
-              <a:rPr lang="en-SG" sz="1100" dirty="0">
-                <a:solidFill>
-                  <a:srgbClr val="0000FF"/>
-                </a:solidFill>
-                <a:latin typeface="Cascadia Mono" panose="020B0609020000020004" pitchFamily="49" charset="0"/>
-              </a:rPr>
-              <a:t>new</a:t>
-            </a:r>
-            <a:r>
-              <a:rPr lang="en-SG" sz="1100" dirty="0">
-                <a:solidFill>
-                  <a:srgbClr val="000000"/>
-                </a:solidFill>
-                <a:latin typeface="Cascadia Mono" panose="020B0609020000020004" pitchFamily="49" charset="0"/>
-              </a:rPr>
-              <a:t> Foo { Name = </a:t>
-            </a:r>
-            <a:r>
-              <a:rPr lang="en-SG" sz="1100" dirty="0">
-                <a:solidFill>
-                  <a:srgbClr val="A31515"/>
-                </a:solidFill>
-                <a:latin typeface="Cascadia Mono" panose="020B0609020000020004" pitchFamily="49" charset="0"/>
-              </a:rPr>
-              <a:t>"Cascading Alpha Foo"</a:t>
-            </a:r>
-            <a:r>
-              <a:rPr lang="en-SG" sz="1100" dirty="0">
-                <a:solidFill>
-                  <a:srgbClr val="000000"/>
-                </a:solidFill>
-                <a:latin typeface="Cascadia Mono" panose="020B0609020000020004" pitchFamily="49" charset="0"/>
-              </a:rPr>
-              <a:t> });</a:t>
-            </a:r>
-            <a:endParaRPr lang="en-SG" sz="1100" dirty="0"/>
-          </a:p>
-        </p:txBody>
-      </p:sp>
-      <p:sp>
-        <p:nvSpPr>
-          <p:cNvPr id="8" name="TextBox 7">
-            <a:extLst>
-              <a:ext uri="{FF2B5EF4-FFF2-40B4-BE49-F238E27FC236}">
-                <a16:creationId xmlns:a16="http://schemas.microsoft.com/office/drawing/2014/main" id="{43C8B12D-6C0B-25DB-A4AC-47BE19955CB4}"/>
-              </a:ext>
-            </a:extLst>
-          </p:cNvPr>
-          <p:cNvSpPr txBox="1"/>
-          <p:nvPr/>
-        </p:nvSpPr>
-        <p:spPr>
-          <a:xfrm>
-            <a:off x="910943" y="4631638"/>
-            <a:ext cx="4849939" cy="1277273"/>
-          </a:xfrm>
-          <a:prstGeom prst="rect">
-            <a:avLst/>
-          </a:prstGeom>
-          <a:noFill/>
-        </p:spPr>
-        <p:txBody>
-          <a:bodyPr wrap="square">
-            <a:spAutoFit/>
-          </a:bodyPr>
-          <a:lstStyle/>
-          <a:p>
-            <a:r>
-              <a:rPr lang="en-SG" sz="1100" dirty="0">
-                <a:solidFill>
-                  <a:srgbClr val="000000"/>
-                </a:solidFill>
-                <a:latin typeface="Cascadia Mono" panose="020B0609020000020004" pitchFamily="49" charset="0"/>
-              </a:rPr>
-              <a:t>@code {</a:t>
-            </a:r>
-          </a:p>
-          <a:p>
-            <a:r>
-              <a:rPr lang="en-SG" sz="1100" dirty="0">
-                <a:solidFill>
-                  <a:srgbClr val="000000"/>
-                </a:solidFill>
-                <a:latin typeface="Cascadia Mono" panose="020B0609020000020004" pitchFamily="49" charset="0"/>
-              </a:rPr>
-              <a:t>    [</a:t>
-            </a:r>
-            <a:r>
-              <a:rPr lang="en-SG" sz="1100" dirty="0" err="1">
-                <a:solidFill>
-                  <a:srgbClr val="000000"/>
-                </a:solidFill>
-                <a:latin typeface="Cascadia Mono" panose="020B0609020000020004" pitchFamily="49" charset="0"/>
-              </a:rPr>
-              <a:t>CascadingParameter</a:t>
-            </a:r>
-            <a:r>
-              <a:rPr lang="en-SG" sz="1100" dirty="0">
-                <a:solidFill>
-                  <a:srgbClr val="000000"/>
-                </a:solidFill>
-                <a:latin typeface="Cascadia Mono" panose="020B0609020000020004" pitchFamily="49" charset="0"/>
-              </a:rPr>
-              <a:t>]</a:t>
-            </a:r>
-          </a:p>
-          <a:p>
-            <a:r>
-              <a:rPr lang="en-SG" sz="1100" dirty="0">
-                <a:solidFill>
-                  <a:srgbClr val="000000"/>
-                </a:solidFill>
-                <a:latin typeface="Cascadia Mono" panose="020B0609020000020004" pitchFamily="49" charset="0"/>
-              </a:rPr>
-              <a:t>    </a:t>
-            </a:r>
-            <a:r>
-              <a:rPr lang="en-SG" sz="1100" dirty="0">
-                <a:solidFill>
-                  <a:srgbClr val="0000FF"/>
-                </a:solidFill>
-                <a:latin typeface="Cascadia Mono" panose="020B0609020000020004" pitchFamily="49" charset="0"/>
-              </a:rPr>
-              <a:t>public</a:t>
-            </a:r>
-            <a:r>
-              <a:rPr lang="en-SG" sz="1100" dirty="0">
-                <a:solidFill>
-                  <a:srgbClr val="000000"/>
-                </a:solidFill>
-                <a:latin typeface="Cascadia Mono" panose="020B0609020000020004" pitchFamily="49" charset="0"/>
-              </a:rPr>
-              <a:t> Foo? Foo { get; set; }</a:t>
-            </a:r>
-          </a:p>
-          <a:p>
-            <a:endParaRPr lang="en-SG" sz="1100" dirty="0">
-              <a:solidFill>
-                <a:srgbClr val="000000"/>
-              </a:solidFill>
-              <a:latin typeface="Cascadia Mono" panose="020B0609020000020004" pitchFamily="49" charset="0"/>
-            </a:endParaRPr>
-          </a:p>
-          <a:p>
-            <a:r>
-              <a:rPr lang="en-SG" sz="1100" dirty="0">
-                <a:solidFill>
-                  <a:srgbClr val="000000"/>
-                </a:solidFill>
-                <a:latin typeface="Cascadia Mono" panose="020B0609020000020004" pitchFamily="49" charset="0"/>
-              </a:rPr>
-              <a:t>    [</a:t>
-            </a:r>
-            <a:r>
-              <a:rPr lang="en-SG" sz="1100" dirty="0" err="1">
-                <a:solidFill>
-                  <a:srgbClr val="000000"/>
-                </a:solidFill>
-                <a:latin typeface="Cascadia Mono" panose="020B0609020000020004" pitchFamily="49" charset="0"/>
-              </a:rPr>
-              <a:t>CascadingParameter</a:t>
-            </a:r>
-            <a:r>
-              <a:rPr lang="en-SG" sz="1100" dirty="0">
-                <a:solidFill>
-                  <a:srgbClr val="000000"/>
-                </a:solidFill>
-                <a:latin typeface="Cascadia Mono" panose="020B0609020000020004" pitchFamily="49" charset="0"/>
-              </a:rPr>
-              <a:t>(Name = </a:t>
-            </a:r>
-            <a:r>
-              <a:rPr lang="en-SG" sz="1100" dirty="0">
-                <a:solidFill>
-                  <a:srgbClr val="A31515"/>
-                </a:solidFill>
-                <a:latin typeface="Cascadia Mono" panose="020B0609020000020004" pitchFamily="49" charset="0"/>
-              </a:rPr>
-              <a:t>"Alpha"</a:t>
-            </a:r>
-            <a:r>
-              <a:rPr lang="en-SG" sz="1100" dirty="0">
-                <a:solidFill>
-                  <a:srgbClr val="000000"/>
-                </a:solidFill>
-                <a:latin typeface="Cascadia Mono" panose="020B0609020000020004" pitchFamily="49" charset="0"/>
-              </a:rPr>
-              <a:t>)]</a:t>
-            </a:r>
-          </a:p>
-          <a:p>
-            <a:r>
-              <a:rPr lang="en-SG" sz="1100" dirty="0">
-                <a:solidFill>
-                  <a:srgbClr val="000000"/>
-                </a:solidFill>
-                <a:latin typeface="Cascadia Mono" panose="020B0609020000020004" pitchFamily="49" charset="0"/>
-              </a:rPr>
-              <a:t>    </a:t>
-            </a:r>
-            <a:r>
-              <a:rPr lang="en-SG" sz="1100" dirty="0">
-                <a:solidFill>
-                  <a:srgbClr val="0000FF"/>
-                </a:solidFill>
-                <a:latin typeface="Cascadia Mono" panose="020B0609020000020004" pitchFamily="49" charset="0"/>
-              </a:rPr>
-              <a:t>public</a:t>
-            </a:r>
-            <a:r>
-              <a:rPr lang="en-SG" sz="1100" dirty="0">
-                <a:solidFill>
-                  <a:srgbClr val="000000"/>
-                </a:solidFill>
-                <a:latin typeface="Cascadia Mono" panose="020B0609020000020004" pitchFamily="49" charset="0"/>
-              </a:rPr>
-              <a:t> Foo? </a:t>
-            </a:r>
-            <a:r>
-              <a:rPr lang="en-SG" sz="1100" dirty="0" err="1">
-                <a:solidFill>
-                  <a:srgbClr val="000000"/>
-                </a:solidFill>
-                <a:latin typeface="Cascadia Mono" panose="020B0609020000020004" pitchFamily="49" charset="0"/>
-              </a:rPr>
-              <a:t>AlphaFoo</a:t>
-            </a:r>
-            <a:r>
-              <a:rPr lang="en-SG" sz="1100" dirty="0">
-                <a:solidFill>
-                  <a:srgbClr val="000000"/>
-                </a:solidFill>
-                <a:latin typeface="Cascadia Mono" panose="020B0609020000020004" pitchFamily="49" charset="0"/>
-              </a:rPr>
-              <a:t> { get; set; }</a:t>
-            </a:r>
-          </a:p>
-          <a:p>
-            <a:r>
-              <a:rPr lang="en-SG" sz="1100" dirty="0">
-                <a:solidFill>
-                  <a:srgbClr val="000000"/>
-                </a:solidFill>
-                <a:latin typeface="Cascadia Mono" panose="020B0609020000020004" pitchFamily="49" charset="0"/>
-              </a:rPr>
-              <a:t>}</a:t>
-            </a:r>
-            <a:endParaRPr lang="en-SG" sz="1100" dirty="0"/>
-          </a:p>
-        </p:txBody>
-      </p:sp>
-    </p:spTree>
-    <p:extLst>
-      <p:ext uri="{BB962C8B-B14F-4D97-AF65-F5344CB8AC3E}">
-        <p14:creationId xmlns:p14="http://schemas.microsoft.com/office/powerpoint/2010/main" val="163131687"/>
-      </p:ext>
-    </p:extLst>
-  </p:cSld>
-  <p:clrMapOvr>
-    <a:masterClrMapping/>
-  </p:clrMapOvr>
-</p:sld>
-</file>
-
-<file path=ppt/slides/slide22.xml><?xml version="1.0" encoding="utf-8"?>
-<p:sld xmlns:a="http://schemas.openxmlformats.org/drawingml/2006/main" xmlns:r="http://schemas.openxmlformats.org/officeDocument/2006/relationships" xmlns:p="http://schemas.openxmlformats.org/presentationml/2006/main">
-  <p:cSld>
-    <p:spTree>
-      <p:nvGrpSpPr>
-        <p:cNvPr id="1" name=""/>
-        <p:cNvGrpSpPr/>
-        <p:nvPr/>
-      </p:nvGrpSpPr>
-      <p:grpSpPr>
-        <a:xfrm>
-          <a:off x="0" y="0"/>
-          <a:ext cx="0" cy="0"/>
-          <a:chOff x="0" y="0"/>
-          <a:chExt cx="0" cy="0"/>
-        </a:xfrm>
-      </p:grpSpPr>
-      <p:sp>
-        <p:nvSpPr>
-          <p:cNvPr id="2" name="Title 1">
-            <a:extLst>
-              <a:ext uri="{FF2B5EF4-FFF2-40B4-BE49-F238E27FC236}">
                 <a16:creationId xmlns:a16="http://schemas.microsoft.com/office/drawing/2014/main" id="{324384BF-998C-F210-0791-074D23996EDA}"/>
               </a:ext>
             </a:extLst>
@@ -29838,7 +29159,7 @@
 </p:sld>
 </file>
 
-<file path=ppt/slides/slide23.xml><?xml version="1.0" encoding="utf-8"?>
+<file path=ppt/slides/slide21.xml><?xml version="1.0" encoding="utf-8"?>
 <p:sld xmlns:a="http://schemas.openxmlformats.org/drawingml/2006/main" xmlns:r="http://schemas.openxmlformats.org/officeDocument/2006/relationships" xmlns:p="http://schemas.openxmlformats.org/presentationml/2006/main">
   <p:cSld>
     <p:spTree>
@@ -31180,7 +30501,7 @@
 </p:sld>
 </file>
 
-<file path=ppt/slides/slide24.xml><?xml version="1.0" encoding="utf-8"?>
+<file path=ppt/slides/slide22.xml><?xml version="1.0" encoding="utf-8"?>
 <p:sld xmlns:a="http://schemas.openxmlformats.org/drawingml/2006/main" xmlns:r="http://schemas.openxmlformats.org/officeDocument/2006/relationships" xmlns:p="http://schemas.openxmlformats.org/presentationml/2006/main">
   <p:cSld>
     <p:spTree>
@@ -31914,7 +31235,7 @@
 </p:sld>
 </file>
 
-<file path=ppt/slides/slide25.xml><?xml version="1.0" encoding="utf-8"?>
+<file path=ppt/slides/slide23.xml><?xml version="1.0" encoding="utf-8"?>
 <p:sld xmlns:a="http://schemas.openxmlformats.org/drawingml/2006/main" xmlns:r="http://schemas.openxmlformats.org/officeDocument/2006/relationships" xmlns:p="http://schemas.openxmlformats.org/presentationml/2006/main">
   <p:cSld>
     <p:spTree>

--- a/Blazor in .net 8.pptx
+++ b/Blazor in .net 8.pptx
@@ -14012,7 +14012,7 @@
       </p:grpSpPr>
       <p:sp useBgFill="1">
         <p:nvSpPr>
-          <p:cNvPr id="9" name="Rectangle 8">
+          <p:cNvPr id="1035" name="Rectangle 1034">
             <a:extLst>
               <a:ext uri="{FF2B5EF4-FFF2-40B4-BE49-F238E27FC236}">
                 <a16:creationId xmlns:a16="http://schemas.microsoft.com/office/drawing/2014/main" id="{4187D111-0A9D-421B-84EB-FC5811C3A931}"/>
@@ -14066,7 +14066,7 @@
           <a:lstStyle/>
           <a:p>
             <a:pPr algn="ctr"/>
-            <a:endParaRPr lang="en-US" dirty="0">
+            <a:endParaRPr lang="en-US">
               <a:solidFill>
                 <a:schemeClr val="bg1"/>
               </a:solidFill>
@@ -14076,7 +14076,7 @@
       </p:sp>
       <p:grpSp>
         <p:nvGrpSpPr>
-          <p:cNvPr id="11" name="Group 10">
+          <p:cNvPr id="1037" name="Group 1036">
             <a:extLst>
               <a:ext uri="{FF2B5EF4-FFF2-40B4-BE49-F238E27FC236}">
                 <a16:creationId xmlns:a16="http://schemas.microsoft.com/office/drawing/2014/main" id="{015ECF02-0C11-4320-A868-5EC7DD53DEFD}"/>
@@ -14107,7 +14107,7 @@
         </p:grpSpPr>
         <p:cxnSp>
           <p:nvCxnSpPr>
-            <p:cNvPr id="12" name="Straight Connector 11">
+            <p:cNvPr id="1038" name="Straight Connector 1037">
               <a:extLst>
                 <a:ext uri="{FF2B5EF4-FFF2-40B4-BE49-F238E27FC236}">
                   <a16:creationId xmlns:a16="http://schemas.microsoft.com/office/drawing/2014/main" id="{8C74A336-DE5D-4AE0-9A50-8D93C4AA45E8}"/>
@@ -14162,7 +14162,7 @@
         </p:cxnSp>
         <p:cxnSp>
           <p:nvCxnSpPr>
-            <p:cNvPr id="13" name="Straight Connector 12">
+            <p:cNvPr id="1039" name="Straight Connector 1038">
               <a:extLst>
                 <a:ext uri="{FF2B5EF4-FFF2-40B4-BE49-F238E27FC236}">
                   <a16:creationId xmlns:a16="http://schemas.microsoft.com/office/drawing/2014/main" id="{A11A81C9-7A36-4A04-B14C-A45B899E4B98}"/>
@@ -14217,7 +14217,7 @@
         </p:cxnSp>
         <p:cxnSp>
           <p:nvCxnSpPr>
-            <p:cNvPr id="14" name="Straight Connector 13">
+            <p:cNvPr id="1040" name="Straight Connector 1039">
               <a:extLst>
                 <a:ext uri="{FF2B5EF4-FFF2-40B4-BE49-F238E27FC236}">
                   <a16:creationId xmlns:a16="http://schemas.microsoft.com/office/drawing/2014/main" id="{DAE1DE35-5349-4B57-B255-C07C69270CE2}"/>
@@ -14272,7 +14272,7 @@
         </p:cxnSp>
         <p:cxnSp>
           <p:nvCxnSpPr>
-            <p:cNvPr id="15" name="Straight Connector 14">
+            <p:cNvPr id="1041" name="Straight Connector 1040">
               <a:extLst>
                 <a:ext uri="{FF2B5EF4-FFF2-40B4-BE49-F238E27FC236}">
                   <a16:creationId xmlns:a16="http://schemas.microsoft.com/office/drawing/2014/main" id="{9AFE9588-5F4B-41DF-9FF6-6B4969245C64}"/>
@@ -14327,7 +14327,7 @@
         </p:cxnSp>
         <p:cxnSp>
           <p:nvCxnSpPr>
-            <p:cNvPr id="16" name="Straight Connector 15">
+            <p:cNvPr id="1042" name="Straight Connector 1041">
               <a:extLst>
                 <a:ext uri="{FF2B5EF4-FFF2-40B4-BE49-F238E27FC236}">
                   <a16:creationId xmlns:a16="http://schemas.microsoft.com/office/drawing/2014/main" id="{D4CC9B87-707A-4D04-9336-B1418878A811}"/>
@@ -14382,7 +14382,7 @@
         </p:cxnSp>
         <p:cxnSp>
           <p:nvCxnSpPr>
-            <p:cNvPr id="17" name="Straight Connector 16">
+            <p:cNvPr id="1043" name="Straight Connector 1042">
               <a:extLst>
                 <a:ext uri="{FF2B5EF4-FFF2-40B4-BE49-F238E27FC236}">
                   <a16:creationId xmlns:a16="http://schemas.microsoft.com/office/drawing/2014/main" id="{58CF5CAA-7C4D-408A-B1A8-E98C0E66338F}"/>
@@ -14437,7 +14437,7 @@
         </p:cxnSp>
         <p:cxnSp>
           <p:nvCxnSpPr>
-            <p:cNvPr id="18" name="Straight Connector 17">
+            <p:cNvPr id="1044" name="Straight Connector 1043">
               <a:extLst>
                 <a:ext uri="{FF2B5EF4-FFF2-40B4-BE49-F238E27FC236}">
                   <a16:creationId xmlns:a16="http://schemas.microsoft.com/office/drawing/2014/main" id="{B462EA1B-90F8-4C08-AE36-FFBA2B45BF6A}"/>
@@ -14492,7 +14492,7 @@
         </p:cxnSp>
         <p:cxnSp>
           <p:nvCxnSpPr>
-            <p:cNvPr id="19" name="Straight Connector 18">
+            <p:cNvPr id="1045" name="Straight Connector 1044">
               <a:extLst>
                 <a:ext uri="{FF2B5EF4-FFF2-40B4-BE49-F238E27FC236}">
                   <a16:creationId xmlns:a16="http://schemas.microsoft.com/office/drawing/2014/main" id="{9F7B5623-96F7-42F0-BAC5-78D6789E0125}"/>
@@ -14547,7 +14547,7 @@
         </p:cxnSp>
         <p:cxnSp>
           <p:nvCxnSpPr>
-            <p:cNvPr id="20" name="Straight Connector 19">
+            <p:cNvPr id="1046" name="Straight Connector 1045">
               <a:extLst>
                 <a:ext uri="{FF2B5EF4-FFF2-40B4-BE49-F238E27FC236}">
                   <a16:creationId xmlns:a16="http://schemas.microsoft.com/office/drawing/2014/main" id="{685D83B1-1723-4710-8FC5-18EDC879E42C}"/>
@@ -14602,7 +14602,7 @@
         </p:cxnSp>
         <p:cxnSp>
           <p:nvCxnSpPr>
-            <p:cNvPr id="21" name="Straight Connector 20">
+            <p:cNvPr id="1047" name="Straight Connector 1046">
               <a:extLst>
                 <a:ext uri="{FF2B5EF4-FFF2-40B4-BE49-F238E27FC236}">
                   <a16:creationId xmlns:a16="http://schemas.microsoft.com/office/drawing/2014/main" id="{6998838C-DFB6-48F7-A18D-30469E8162EA}"/>
@@ -14657,7 +14657,7 @@
         </p:cxnSp>
         <p:cxnSp>
           <p:nvCxnSpPr>
-            <p:cNvPr id="22" name="Straight Connector 21">
+            <p:cNvPr id="1048" name="Straight Connector 1047">
               <a:extLst>
                 <a:ext uri="{FF2B5EF4-FFF2-40B4-BE49-F238E27FC236}">
                   <a16:creationId xmlns:a16="http://schemas.microsoft.com/office/drawing/2014/main" id="{9BDB9A78-94CB-422D-B92E-65FD2732EC34}"/>
@@ -14712,7 +14712,7 @@
         </p:cxnSp>
         <p:cxnSp>
           <p:nvCxnSpPr>
-            <p:cNvPr id="23" name="Straight Connector 22">
+            <p:cNvPr id="1049" name="Straight Connector 1048">
               <a:extLst>
                 <a:ext uri="{FF2B5EF4-FFF2-40B4-BE49-F238E27FC236}">
                   <a16:creationId xmlns:a16="http://schemas.microsoft.com/office/drawing/2014/main" id="{9A5DBD01-426B-424D-815A-96518F600727}"/>
@@ -14767,7 +14767,7 @@
         </p:cxnSp>
         <p:cxnSp>
           <p:nvCxnSpPr>
-            <p:cNvPr id="24" name="Straight Connector 23">
+            <p:cNvPr id="1050" name="Straight Connector 1049">
               <a:extLst>
                 <a:ext uri="{FF2B5EF4-FFF2-40B4-BE49-F238E27FC236}">
                   <a16:creationId xmlns:a16="http://schemas.microsoft.com/office/drawing/2014/main" id="{3B0218DF-D55B-4D41-AE23-F1E64BAC60EB}"/>
@@ -14822,7 +14822,7 @@
         </p:cxnSp>
         <p:cxnSp>
           <p:nvCxnSpPr>
-            <p:cNvPr id="25" name="Straight Connector 24">
+            <p:cNvPr id="1051" name="Straight Connector 1050">
               <a:extLst>
                 <a:ext uri="{FF2B5EF4-FFF2-40B4-BE49-F238E27FC236}">
                   <a16:creationId xmlns:a16="http://schemas.microsoft.com/office/drawing/2014/main" id="{F8D61EB8-98CC-4243-9E20-33CAC65BF556}"/>
@@ -14877,7 +14877,7 @@
         </p:cxnSp>
         <p:cxnSp>
           <p:nvCxnSpPr>
-            <p:cNvPr id="26" name="Straight Connector 25">
+            <p:cNvPr id="1052" name="Straight Connector 1051">
               <a:extLst>
                 <a:ext uri="{FF2B5EF4-FFF2-40B4-BE49-F238E27FC236}">
                   <a16:creationId xmlns:a16="http://schemas.microsoft.com/office/drawing/2014/main" id="{A35F0944-B143-45B0-8B72-6CE34D46120F}"/>
@@ -14932,7 +14932,7 @@
         </p:cxnSp>
         <p:cxnSp>
           <p:nvCxnSpPr>
-            <p:cNvPr id="27" name="Straight Connector 26">
+            <p:cNvPr id="1053" name="Straight Connector 1052">
               <a:extLst>
                 <a:ext uri="{FF2B5EF4-FFF2-40B4-BE49-F238E27FC236}">
                   <a16:creationId xmlns:a16="http://schemas.microsoft.com/office/drawing/2014/main" id="{CF68EF7F-67D0-463D-AB84-EA24D181960E}"/>
@@ -14987,7 +14987,7 @@
         </p:cxnSp>
         <p:cxnSp>
           <p:nvCxnSpPr>
-            <p:cNvPr id="28" name="Straight Connector 27">
+            <p:cNvPr id="1054" name="Straight Connector 1053">
               <a:extLst>
                 <a:ext uri="{FF2B5EF4-FFF2-40B4-BE49-F238E27FC236}">
                   <a16:creationId xmlns:a16="http://schemas.microsoft.com/office/drawing/2014/main" id="{AE17074E-4E65-4CBD-B1B0-9C18D6F724F3}"/>
@@ -15042,7 +15042,7 @@
         </p:cxnSp>
         <p:cxnSp>
           <p:nvCxnSpPr>
-            <p:cNvPr id="29" name="Straight Connector 28">
+            <p:cNvPr id="1055" name="Straight Connector 1054">
               <a:extLst>
                 <a:ext uri="{FF2B5EF4-FFF2-40B4-BE49-F238E27FC236}">
                   <a16:creationId xmlns:a16="http://schemas.microsoft.com/office/drawing/2014/main" id="{9CC905ED-EF46-4349-9E9B-21743109482B}"/>
@@ -15097,7 +15097,7 @@
         </p:cxnSp>
         <p:cxnSp>
           <p:nvCxnSpPr>
-            <p:cNvPr id="30" name="Straight Connector 29">
+            <p:cNvPr id="1056" name="Straight Connector 1055">
               <a:extLst>
                 <a:ext uri="{FF2B5EF4-FFF2-40B4-BE49-F238E27FC236}">
                   <a16:creationId xmlns:a16="http://schemas.microsoft.com/office/drawing/2014/main" id="{6B91F234-1C65-45AC-8CCE-A1C4AE49CE45}"/>
@@ -15152,7 +15152,7 @@
         </p:cxnSp>
         <p:cxnSp>
           <p:nvCxnSpPr>
-            <p:cNvPr id="31" name="Straight Connector 30">
+            <p:cNvPr id="1057" name="Straight Connector 1056">
               <a:extLst>
                 <a:ext uri="{FF2B5EF4-FFF2-40B4-BE49-F238E27FC236}">
                   <a16:creationId xmlns:a16="http://schemas.microsoft.com/office/drawing/2014/main" id="{4D46B3DB-5DBB-41CF-9FA5-010ECA0C3B48}"/>
@@ -15207,7 +15207,7 @@
         </p:cxnSp>
         <p:cxnSp>
           <p:nvCxnSpPr>
-            <p:cNvPr id="32" name="Straight Connector 31">
+            <p:cNvPr id="1058" name="Straight Connector 1057">
               <a:extLst>
                 <a:ext uri="{FF2B5EF4-FFF2-40B4-BE49-F238E27FC236}">
                   <a16:creationId xmlns:a16="http://schemas.microsoft.com/office/drawing/2014/main" id="{B92A3FF8-F172-47ED-84C6-802C85C1CBD1}"/>
@@ -15262,7 +15262,7 @@
         </p:cxnSp>
         <p:cxnSp>
           <p:nvCxnSpPr>
-            <p:cNvPr id="33" name="Straight Connector 32">
+            <p:cNvPr id="1059" name="Straight Connector 1058">
               <a:extLst>
                 <a:ext uri="{FF2B5EF4-FFF2-40B4-BE49-F238E27FC236}">
                   <a16:creationId xmlns:a16="http://schemas.microsoft.com/office/drawing/2014/main" id="{15933982-9CB6-4199-B123-A3669A4FEFEA}"/>
@@ -15317,7 +15317,7 @@
         </p:cxnSp>
         <p:cxnSp>
           <p:nvCxnSpPr>
-            <p:cNvPr id="34" name="Straight Connector 33">
+            <p:cNvPr id="1060" name="Straight Connector 1059">
               <a:extLst>
                 <a:ext uri="{FF2B5EF4-FFF2-40B4-BE49-F238E27FC236}">
                   <a16:creationId xmlns:a16="http://schemas.microsoft.com/office/drawing/2014/main" id="{3CA832CD-B214-4ABC-AC95-A3DA116ACEED}"/>
@@ -15372,7 +15372,7 @@
         </p:cxnSp>
         <p:cxnSp>
           <p:nvCxnSpPr>
-            <p:cNvPr id="35" name="Straight Connector 34">
+            <p:cNvPr id="1061" name="Straight Connector 1060">
               <a:extLst>
                 <a:ext uri="{FF2B5EF4-FFF2-40B4-BE49-F238E27FC236}">
                   <a16:creationId xmlns:a16="http://schemas.microsoft.com/office/drawing/2014/main" id="{D7EBA147-C4BA-4B48-B61D-CA24B8B06F41}"/>
@@ -15427,7 +15427,7 @@
         </p:cxnSp>
         <p:cxnSp>
           <p:nvCxnSpPr>
-            <p:cNvPr id="36" name="Straight Connector 35">
+            <p:cNvPr id="1062" name="Straight Connector 1061">
               <a:extLst>
                 <a:ext uri="{FF2B5EF4-FFF2-40B4-BE49-F238E27FC236}">
                   <a16:creationId xmlns:a16="http://schemas.microsoft.com/office/drawing/2014/main" id="{FA8253B7-461E-48CC-B871-8A255EE3D7A3}"/>
@@ -15482,7 +15482,7 @@
         </p:cxnSp>
         <p:cxnSp>
           <p:nvCxnSpPr>
-            <p:cNvPr id="37" name="Straight Connector 36">
+            <p:cNvPr id="1063" name="Straight Connector 1062">
               <a:extLst>
                 <a:ext uri="{FF2B5EF4-FFF2-40B4-BE49-F238E27FC236}">
                   <a16:creationId xmlns:a16="http://schemas.microsoft.com/office/drawing/2014/main" id="{DADE46C3-C2E1-4492-AC59-870160A3C870}"/>
@@ -15537,7 +15537,7 @@
         </p:cxnSp>
         <p:cxnSp>
           <p:nvCxnSpPr>
-            <p:cNvPr id="38" name="Straight Connector 37">
+            <p:cNvPr id="1064" name="Straight Connector 1063">
               <a:extLst>
                 <a:ext uri="{FF2B5EF4-FFF2-40B4-BE49-F238E27FC236}">
                   <a16:creationId xmlns:a16="http://schemas.microsoft.com/office/drawing/2014/main" id="{2B0052E9-B440-4C1E-BC41-39957D5901E4}"/>
@@ -15592,7 +15592,7 @@
         </p:cxnSp>
         <p:cxnSp>
           <p:nvCxnSpPr>
-            <p:cNvPr id="39" name="Straight Connector 38">
+            <p:cNvPr id="1065" name="Straight Connector 1064">
               <a:extLst>
                 <a:ext uri="{FF2B5EF4-FFF2-40B4-BE49-F238E27FC236}">
                   <a16:creationId xmlns:a16="http://schemas.microsoft.com/office/drawing/2014/main" id="{731F119B-638C-42B1-8400-709B94F1EE03}"/>
@@ -15647,7 +15647,7 @@
         </p:cxnSp>
         <p:cxnSp>
           <p:nvCxnSpPr>
-            <p:cNvPr id="40" name="Straight Connector 39">
+            <p:cNvPr id="1066" name="Straight Connector 1065">
               <a:extLst>
                 <a:ext uri="{FF2B5EF4-FFF2-40B4-BE49-F238E27FC236}">
                   <a16:creationId xmlns:a16="http://schemas.microsoft.com/office/drawing/2014/main" id="{E16299ED-D998-4895-9CCF-02427F1954B7}"/>
@@ -15702,7 +15702,7 @@
         </p:cxnSp>
         <p:cxnSp>
           <p:nvCxnSpPr>
-            <p:cNvPr id="41" name="Straight Connector 40">
+            <p:cNvPr id="1067" name="Straight Connector 1066">
               <a:extLst>
                 <a:ext uri="{FF2B5EF4-FFF2-40B4-BE49-F238E27FC236}">
                   <a16:creationId xmlns:a16="http://schemas.microsoft.com/office/drawing/2014/main" id="{F4442675-84C9-45C8-9524-ABE4E250719B}"/>
@@ -15757,7 +15757,7 @@
         </p:cxnSp>
         <p:cxnSp>
           <p:nvCxnSpPr>
-            <p:cNvPr id="42" name="Straight Connector 41">
+            <p:cNvPr id="1068" name="Straight Connector 1067">
               <a:extLst>
                 <a:ext uri="{FF2B5EF4-FFF2-40B4-BE49-F238E27FC236}">
                   <a16:creationId xmlns:a16="http://schemas.microsoft.com/office/drawing/2014/main" id="{B5BE3E63-4FA5-4EBD-9F3B-E29F5128A843}"/>
@@ -15886,30 +15886,36 @@
           </a:bodyPr>
           <a:lstStyle/>
           <a:p>
-            <a:endParaRPr lang="en-SG"/>
+            <a:endParaRPr lang="en-SG" dirty="0"/>
           </a:p>
         </p:txBody>
       </p:sp>
       <p:pic>
         <p:nvPicPr>
-          <p:cNvPr id="4" name="Picture 3" descr="An abstract genetic concept">
+          <p:cNvPr id="1030" name="Picture 6">
             <a:extLst>
               <a:ext uri="{FF2B5EF4-FFF2-40B4-BE49-F238E27FC236}">
-                <a16:creationId xmlns:a16="http://schemas.microsoft.com/office/drawing/2014/main" id="{8A31ED6E-481A-A1FF-C60B-3C41DC09922F}"/>
+                <a16:creationId xmlns:a16="http://schemas.microsoft.com/office/drawing/2014/main" id="{7F7C968E-C5A7-64CE-D04B-D1F91CF3F94B}"/>
               </a:ext>
             </a:extLst>
           </p:cNvPr>
           <p:cNvPicPr>
-            <a:picLocks noChangeAspect="1"/>
+            <a:picLocks noChangeAspect="1" noChangeArrowheads="1"/>
           </p:cNvPicPr>
           <p:nvPr/>
         </p:nvPicPr>
         <p:blipFill rotWithShape="1">
-          <a:blip r:embed="rId2"/>
-          <a:srcRect l="9810" r="4817"/>
+          <a:blip r:embed="rId2">
+            <a:extLst>
+              <a:ext uri="{28A0092B-C50C-407E-A947-70E740481C1C}">
+                <a14:useLocalDpi xmlns:a14="http://schemas.microsoft.com/office/drawing/2010/main" val="0"/>
+              </a:ext>
+            </a:extLst>
+          </a:blip>
+          <a:srcRect l="25150" r="26828"/>
           <a:stretch/>
         </p:blipFill>
-        <p:spPr>
+        <p:spPr bwMode="auto">
           <a:xfrm>
             <a:off x="1" y="10"/>
             <a:ext cx="5854890" cy="6857990"/>
@@ -15946,11 +15952,21 @@
               </a:path>
             </a:pathLst>
           </a:custGeom>
+          <a:noFill/>
+          <a:extLst>
+            <a:ext uri="{909E8E84-426E-40DD-AFC4-6F175D3DCCD1}">
+              <a14:hiddenFill xmlns:a14="http://schemas.microsoft.com/office/drawing/2010/main">
+                <a:solidFill>
+                  <a:srgbClr val="FFFFFF"/>
+                </a:solidFill>
+              </a14:hiddenFill>
+            </a:ext>
+          </a:extLst>
         </p:spPr>
       </p:pic>
       <p:sp>
         <p:nvSpPr>
-          <p:cNvPr id="44" name="Right Triangle 43">
+          <p:cNvPr id="1070" name="Right Triangle 1069">
             <a:extLst>
               <a:ext uri="{FF2B5EF4-FFF2-40B4-BE49-F238E27FC236}">
                 <a16:creationId xmlns:a16="http://schemas.microsoft.com/office/drawing/2014/main" id="{F0753E91-DF19-4FA4-BFBF-221696B8D779}"/>
@@ -16027,6 +16043,98 @@
   <p:clrMapOvr>
     <a:masterClrMapping/>
   </p:clrMapOvr>
+  <p:timing>
+    <p:tnLst>
+      <p:par>
+        <p:cTn id="1" dur="indefinite" restart="never" nodeType="tmRoot">
+          <p:childTnLst>
+            <p:seq concurrent="1" nextAc="seek">
+              <p:cTn id="2" dur="indefinite" nodeType="mainSeq">
+                <p:childTnLst>
+                  <p:par>
+                    <p:cTn id="3" fill="hold">
+                      <p:stCondLst>
+                        <p:cond delay="indefinite"/>
+                        <p:cond evt="onBegin" delay="0">
+                          <p:tn val="2"/>
+                        </p:cond>
+                      </p:stCondLst>
+                      <p:childTnLst>
+                        <p:par>
+                          <p:cTn id="4" fill="hold">
+                            <p:stCondLst>
+                              <p:cond delay="0"/>
+                            </p:stCondLst>
+                            <p:childTnLst>
+                              <p:par>
+                                <p:cTn id="5" presetID="10" presetClass="entr" presetSubtype="0" fill="hold" grpId="0" nodeType="withEffect">
+                                  <p:stCondLst>
+                                    <p:cond delay="1000"/>
+                                  </p:stCondLst>
+                                  <p:iterate type="lt">
+                                    <p:tmPct val="10000"/>
+                                  </p:iterate>
+                                  <p:childTnLst>
+                                    <p:set>
+                                      <p:cBhvr>
+                                        <p:cTn id="6" dur="1" fill="hold">
+                                          <p:stCondLst>
+                                            <p:cond delay="0"/>
+                                          </p:stCondLst>
+                                        </p:cTn>
+                                        <p:tgtEl>
+                                          <p:spTgt spid="2"/>
+                                        </p:tgtEl>
+                                        <p:attrNameLst>
+                                          <p:attrName>style.visibility</p:attrName>
+                                        </p:attrNameLst>
+                                      </p:cBhvr>
+                                      <p:to>
+                                        <p:strVal val="visible"/>
+                                      </p:to>
+                                    </p:set>
+                                    <p:animEffect transition="in" filter="fade">
+                                      <p:cBhvr>
+                                        <p:cTn id="7" dur="400"/>
+                                        <p:tgtEl>
+                                          <p:spTgt spid="2"/>
+                                        </p:tgtEl>
+                                      </p:cBhvr>
+                                    </p:animEffect>
+                                  </p:childTnLst>
+                                </p:cTn>
+                              </p:par>
+                            </p:childTnLst>
+                          </p:cTn>
+                        </p:par>
+                      </p:childTnLst>
+                    </p:cTn>
+                  </p:par>
+                </p:childTnLst>
+              </p:cTn>
+              <p:prevCondLst>
+                <p:cond evt="onPrev" delay="0">
+                  <p:tgtEl>
+                    <p:sldTgt/>
+                  </p:tgtEl>
+                </p:cond>
+              </p:prevCondLst>
+              <p:nextCondLst>
+                <p:cond evt="onNext" delay="0">
+                  <p:tgtEl>
+                    <p:sldTgt/>
+                  </p:tgtEl>
+                </p:cond>
+              </p:nextCondLst>
+            </p:seq>
+          </p:childTnLst>
+        </p:cTn>
+      </p:par>
+    </p:tnLst>
+    <p:bldLst>
+      <p:bldP spid="2" grpId="0"/>
+    </p:bldLst>
+  </p:timing>
 </p:sld>
 </file>
 

--- a/Blazor in .net 8.pptx
+++ b/Blazor in .net 8.pptx
@@ -33135,8 +33135,8 @@
         </p:nvSpPr>
         <p:spPr>
           <a:xfrm>
-            <a:off x="691078" y="4122349"/>
-            <a:ext cx="6532682" cy="2292935"/>
+            <a:off x="691077" y="4122349"/>
+            <a:ext cx="7302381" cy="2123658"/>
           </a:xfrm>
           <a:prstGeom prst="rect">
             <a:avLst/>

--- a/Blazor in .net 8.pptx
+++ b/Blazor in .net 8.pptx
@@ -7,27 +7,33 @@
   <p:sldIdLst>
     <p:sldId id="256" r:id="rId2"/>
     <p:sldId id="266" r:id="rId3"/>
-    <p:sldId id="275" r:id="rId4"/>
-    <p:sldId id="286" r:id="rId5"/>
-    <p:sldId id="276" r:id="rId6"/>
-    <p:sldId id="280" r:id="rId7"/>
-    <p:sldId id="281" r:id="rId8"/>
-    <p:sldId id="271" r:id="rId9"/>
-    <p:sldId id="274" r:id="rId10"/>
-    <p:sldId id="263" r:id="rId11"/>
-    <p:sldId id="277" r:id="rId12"/>
-    <p:sldId id="296" r:id="rId13"/>
-    <p:sldId id="279" r:id="rId14"/>
-    <p:sldId id="282" r:id="rId15"/>
-    <p:sldId id="294" r:id="rId16"/>
-    <p:sldId id="288" r:id="rId17"/>
-    <p:sldId id="289" r:id="rId18"/>
-    <p:sldId id="278" r:id="rId19"/>
-    <p:sldId id="287" r:id="rId20"/>
-    <p:sldId id="290" r:id="rId21"/>
-    <p:sldId id="291" r:id="rId22"/>
-    <p:sldId id="293" r:id="rId23"/>
-    <p:sldId id="295" r:id="rId24"/>
+    <p:sldId id="301" r:id="rId4"/>
+    <p:sldId id="275" r:id="rId5"/>
+    <p:sldId id="286" r:id="rId6"/>
+    <p:sldId id="276" r:id="rId7"/>
+    <p:sldId id="280" r:id="rId8"/>
+    <p:sldId id="281" r:id="rId9"/>
+    <p:sldId id="271" r:id="rId10"/>
+    <p:sldId id="274" r:id="rId11"/>
+    <p:sldId id="297" r:id="rId12"/>
+    <p:sldId id="298" r:id="rId13"/>
+    <p:sldId id="300" r:id="rId14"/>
+    <p:sldId id="302" r:id="rId15"/>
+    <p:sldId id="299" r:id="rId16"/>
+    <p:sldId id="263" r:id="rId17"/>
+    <p:sldId id="277" r:id="rId18"/>
+    <p:sldId id="296" r:id="rId19"/>
+    <p:sldId id="279" r:id="rId20"/>
+    <p:sldId id="282" r:id="rId21"/>
+    <p:sldId id="294" r:id="rId22"/>
+    <p:sldId id="288" r:id="rId23"/>
+    <p:sldId id="289" r:id="rId24"/>
+    <p:sldId id="278" r:id="rId25"/>
+    <p:sldId id="287" r:id="rId26"/>
+    <p:sldId id="290" r:id="rId27"/>
+    <p:sldId id="291" r:id="rId28"/>
+    <p:sldId id="293" r:id="rId29"/>
+    <p:sldId id="295" r:id="rId30"/>
   </p:sldIdLst>
   <p:sldSz cx="12192000" cy="6858000"/>
   <p:notesSz cx="6858000" cy="9144000"/>
@@ -1800,7 +1806,7 @@
           <a:p>
             <a:fld id="{8F72BA41-EC5B-4197-BCC8-0FD2E523CD7A}" type="datetimeFigureOut">
               <a:rPr lang="en-US" smtClean="0"/>
-              <a:t>11/17/2023</a:t>
+              <a:t>12/2/2023</a:t>
             </a:fld>
             <a:endParaRPr lang="en-US"/>
           </a:p>
@@ -2003,7 +2009,7 @@
           <a:p>
             <a:fld id="{8F72BA41-EC5B-4197-BCC8-0FD2E523CD7A}" type="datetimeFigureOut">
               <a:rPr lang="en-US" smtClean="0"/>
-              <a:t>11/17/2023</a:t>
+              <a:t>12/2/2023</a:t>
             </a:fld>
             <a:endParaRPr lang="en-US"/>
           </a:p>
@@ -3724,7 +3730,7 @@
           <a:p>
             <a:fld id="{8F72BA41-EC5B-4197-BCC8-0FD2E523CD7A}" type="datetimeFigureOut">
               <a:rPr lang="en-US" smtClean="0"/>
-              <a:t>11/17/2023</a:t>
+              <a:t>12/2/2023</a:t>
             </a:fld>
             <a:endParaRPr lang="en-US"/>
           </a:p>
@@ -3923,7 +3929,7 @@
           <a:p>
             <a:fld id="{8F72BA41-EC5B-4197-BCC8-0FD2E523CD7A}" type="datetimeFigureOut">
               <a:rPr lang="en-US" smtClean="0"/>
-              <a:t>11/17/2023</a:t>
+              <a:t>12/2/2023</a:t>
             </a:fld>
             <a:endParaRPr lang="en-US"/>
           </a:p>
@@ -5713,7 +5719,7 @@
           <a:p>
             <a:fld id="{8F72BA41-EC5B-4197-BCC8-0FD2E523CD7A}" type="datetimeFigureOut">
               <a:rPr lang="en-US" smtClean="0"/>
-              <a:t>11/17/2023</a:t>
+              <a:t>12/2/2023</a:t>
             </a:fld>
             <a:endParaRPr lang="en-US"/>
           </a:p>
@@ -5986,7 +5992,7 @@
           <a:p>
             <a:fld id="{8F72BA41-EC5B-4197-BCC8-0FD2E523CD7A}" type="datetimeFigureOut">
               <a:rPr lang="en-US" smtClean="0"/>
-              <a:t>11/17/2023</a:t>
+              <a:t>12/2/2023</a:t>
             </a:fld>
             <a:endParaRPr lang="en-US"/>
           </a:p>
@@ -6406,7 +6412,7 @@
           <a:p>
             <a:fld id="{8F72BA41-EC5B-4197-BCC8-0FD2E523CD7A}" type="datetimeFigureOut">
               <a:rPr lang="en-US" smtClean="0"/>
-              <a:t>11/17/2023</a:t>
+              <a:t>12/2/2023</a:t>
             </a:fld>
             <a:endParaRPr lang="en-US"/>
           </a:p>
@@ -6562,7 +6568,7 @@
           <a:p>
             <a:fld id="{8F72BA41-EC5B-4197-BCC8-0FD2E523CD7A}" type="datetimeFigureOut">
               <a:rPr lang="en-US" smtClean="0"/>
-              <a:t>11/17/2023</a:t>
+              <a:t>12/2/2023</a:t>
             </a:fld>
             <a:endParaRPr lang="en-US"/>
           </a:p>
@@ -8130,7 +8136,7 @@
           <a:p>
             <a:fld id="{8F72BA41-EC5B-4197-BCC8-0FD2E523CD7A}" type="datetimeFigureOut">
               <a:rPr lang="en-US" smtClean="0"/>
-              <a:t>11/17/2023</a:t>
+              <a:t>12/2/2023</a:t>
             </a:fld>
             <a:endParaRPr lang="en-US"/>
           </a:p>
@@ -9981,7 +9987,7 @@
           <a:p>
             <a:fld id="{8F72BA41-EC5B-4197-BCC8-0FD2E523CD7A}" type="datetimeFigureOut">
               <a:rPr lang="en-US" smtClean="0"/>
-              <a:t>11/17/2023</a:t>
+              <a:t>12/2/2023</a:t>
             </a:fld>
             <a:endParaRPr lang="en-US"/>
           </a:p>
@@ -11794,7 +11800,7 @@
           <a:p>
             <a:fld id="{8F72BA41-EC5B-4197-BCC8-0FD2E523CD7A}" type="datetimeFigureOut">
               <a:rPr lang="en-US" smtClean="0"/>
-              <a:t>11/17/2023</a:t>
+              <a:t>12/2/2023</a:t>
             </a:fld>
             <a:endParaRPr lang="en-US"/>
           </a:p>
@@ -13488,7 +13494,7 @@
             <a:fld id="{8F72BA41-EC5B-4197-BCC8-0FD2E523CD7A}" type="datetimeFigureOut">
               <a:rPr lang="en-US" smtClean="0"/>
               <a:pPr/>
-              <a:t>11/17/2023</a:t>
+              <a:t>12/2/2023</a:t>
             </a:fld>
             <a:endParaRPr lang="en-US" dirty="0"/>
           </a:p>
@@ -16139,6 +16145,1423 @@
 </file>
 
 <file path=ppt/slides/slide10.xml><?xml version="1.0" encoding="utf-8"?>
+<p:sld xmlns:a="http://schemas.openxmlformats.org/drawingml/2006/main" xmlns:r="http://schemas.openxmlformats.org/officeDocument/2006/relationships" xmlns:p="http://schemas.openxmlformats.org/presentationml/2006/main">
+  <p:cSld>
+    <p:spTree>
+      <p:nvGrpSpPr>
+        <p:cNvPr id="1" name=""/>
+        <p:cNvGrpSpPr/>
+        <p:nvPr/>
+      </p:nvGrpSpPr>
+      <p:grpSpPr>
+        <a:xfrm>
+          <a:off x="0" y="0"/>
+          <a:ext cx="0" cy="0"/>
+          <a:chOff x="0" y="0"/>
+          <a:chExt cx="0" cy="0"/>
+        </a:xfrm>
+      </p:grpSpPr>
+      <p:sp>
+        <p:nvSpPr>
+          <p:cNvPr id="2" name="Title 1">
+            <a:extLst>
+              <a:ext uri="{FF2B5EF4-FFF2-40B4-BE49-F238E27FC236}">
+                <a16:creationId xmlns:a16="http://schemas.microsoft.com/office/drawing/2014/main" id="{0FFCBED8-BB7A-EC5A-FA1B-4FBC962CE316}"/>
+              </a:ext>
+            </a:extLst>
+          </p:cNvPr>
+          <p:cNvSpPr>
+            <a:spLocks noGrp="1"/>
+          </p:cNvSpPr>
+          <p:nvPr>
+            <p:ph type="title"/>
+          </p:nvPr>
+        </p:nvSpPr>
+        <p:spPr/>
+        <p:txBody>
+          <a:bodyPr/>
+          <a:lstStyle/>
+          <a:p>
+            <a:r>
+              <a:rPr lang="en-US" altLang="zh-CN" sz="4400" dirty="0"/>
+              <a:t>Blazor Web App</a:t>
+            </a:r>
+          </a:p>
+        </p:txBody>
+      </p:sp>
+      <p:sp>
+        <p:nvSpPr>
+          <p:cNvPr id="3" name="Content Placeholder 2">
+            <a:extLst>
+              <a:ext uri="{FF2B5EF4-FFF2-40B4-BE49-F238E27FC236}">
+                <a16:creationId xmlns:a16="http://schemas.microsoft.com/office/drawing/2014/main" id="{7979257D-74B9-76CA-B0B9-BEF5A29BF8C2}"/>
+              </a:ext>
+            </a:extLst>
+          </p:cNvPr>
+          <p:cNvSpPr>
+            <a:spLocks noGrp="1"/>
+          </p:cNvSpPr>
+          <p:nvPr>
+            <p:ph idx="1"/>
+          </p:nvPr>
+        </p:nvSpPr>
+        <p:spPr>
+          <a:xfrm>
+            <a:off x="691079" y="2841728"/>
+            <a:ext cx="4774286" cy="3638971"/>
+          </a:xfrm>
+        </p:spPr>
+        <p:txBody>
+          <a:bodyPr>
+            <a:noAutofit/>
+          </a:bodyPr>
+          <a:lstStyle/>
+          <a:p>
+            <a:pPr marL="0" indent="0">
+              <a:buNone/>
+            </a:pPr>
+            <a:r>
+              <a:rPr lang="en-SG" sz="1200" b="1" dirty="0"/>
+              <a:t>Render </a:t>
+            </a:r>
+            <a:r>
+              <a:rPr lang="en-SG" sz="1200" b="1" dirty="0" err="1"/>
+              <a:t>Componment</a:t>
+            </a:r>
+            <a:r>
+              <a:rPr lang="en-SG" sz="1200" b="1" dirty="0"/>
+              <a:t>:</a:t>
+            </a:r>
+          </a:p>
+          <a:p>
+            <a:pPr marL="0" indent="0">
+              <a:buNone/>
+            </a:pPr>
+            <a:r>
+              <a:rPr lang="en-SG" sz="1200" dirty="0" err="1"/>
+              <a:t>RazorComponentEndpointInvoker.cs</a:t>
+            </a:r>
+            <a:endParaRPr lang="en-SG" sz="1200" dirty="0"/>
+          </a:p>
+          <a:p>
+            <a:pPr marL="0" indent="0">
+              <a:buNone/>
+            </a:pPr>
+            <a:endParaRPr lang="en-SG" sz="1200" dirty="0"/>
+          </a:p>
+          <a:p>
+            <a:pPr marL="0" indent="0">
+              <a:buNone/>
+            </a:pPr>
+            <a:r>
+              <a:rPr lang="en-SG" sz="1200" dirty="0" err="1"/>
+              <a:t>RazorComponentEndpointInvoker.RenderComponentCore</a:t>
+            </a:r>
+            <a:r>
+              <a:rPr lang="en-SG" sz="1200" dirty="0"/>
+              <a:t>():</a:t>
+            </a:r>
+          </a:p>
+          <a:p>
+            <a:pPr marL="0" indent="0">
+              <a:buNone/>
+            </a:pPr>
+            <a:r>
+              <a:rPr lang="en-SG" sz="1200" dirty="0"/>
+              <a:t>1. Initialize </a:t>
+            </a:r>
+            <a:r>
+              <a:rPr lang="en-SG" sz="1200" dirty="0" err="1"/>
+              <a:t>StreamingRendering</a:t>
+            </a:r>
+            <a:r>
+              <a:rPr lang="en-SG" sz="1200" dirty="0"/>
+              <a:t> Framing</a:t>
+            </a:r>
+          </a:p>
+          <a:p>
+            <a:pPr marL="0" indent="0">
+              <a:buNone/>
+            </a:pPr>
+            <a:r>
+              <a:rPr lang="en-SG" sz="1200" dirty="0"/>
+              <a:t>2. Initialize Standard Component Services</a:t>
+            </a:r>
+          </a:p>
+          <a:p>
+            <a:pPr marL="0" indent="0">
+              <a:buNone/>
+            </a:pPr>
+            <a:r>
+              <a:rPr lang="en-SG" sz="1200" dirty="0"/>
+              <a:t>3. Render Endpoint Component </a:t>
+            </a:r>
+          </a:p>
+          <a:p>
+            <a:pPr marL="0" indent="0">
+              <a:buNone/>
+            </a:pPr>
+            <a:r>
+              <a:rPr lang="en-SG" sz="1200" dirty="0"/>
+              <a:t>    3.1 </a:t>
+            </a:r>
+            <a:r>
+              <a:rPr lang="en-SG" sz="1200" dirty="0" err="1"/>
+              <a:t>InstantiateComponent</a:t>
+            </a:r>
+            <a:endParaRPr lang="en-SG" sz="1200" dirty="0"/>
+          </a:p>
+          <a:p>
+            <a:pPr marL="0" indent="0">
+              <a:buNone/>
+            </a:pPr>
+            <a:r>
+              <a:rPr lang="en-SG" sz="1200" dirty="0"/>
+              <a:t>        </a:t>
+            </a:r>
+            <a:r>
+              <a:rPr lang="en-SG" sz="1200" b="1" dirty="0"/>
+              <a:t>3.1.1 </a:t>
+            </a:r>
+            <a:r>
+              <a:rPr lang="en-SG" sz="1200" b="1" dirty="0" err="1"/>
+              <a:t>ResolveComponentForRenderMode</a:t>
+            </a:r>
+            <a:endParaRPr lang="en-SG" sz="1200" b="1" dirty="0"/>
+          </a:p>
+          <a:p>
+            <a:pPr marL="0" indent="0">
+              <a:buNone/>
+            </a:pPr>
+            <a:r>
+              <a:rPr lang="en-SG" sz="1200" dirty="0"/>
+              <a:t>    3.2 Waiting for </a:t>
+            </a:r>
+            <a:r>
+              <a:rPr lang="en-SG" sz="1200" dirty="0" err="1"/>
+              <a:t>quiesence</a:t>
+            </a:r>
+            <a:r>
+              <a:rPr lang="en-SG" sz="1200" dirty="0"/>
+              <a:t>(none stream Rendering) complete</a:t>
+            </a:r>
+          </a:p>
+          <a:p>
+            <a:pPr marL="0" indent="0">
+              <a:buNone/>
+            </a:pPr>
+            <a:r>
+              <a:rPr lang="en-SG" sz="1200" dirty="0"/>
+              <a:t>4. write by </a:t>
+            </a:r>
+            <a:r>
+              <a:rPr lang="en-SG" sz="1200" dirty="0" err="1"/>
+              <a:t>HttpResponseStreamWriter</a:t>
+            </a:r>
+            <a:endParaRPr lang="en-SG" sz="1200" dirty="0"/>
+          </a:p>
+        </p:txBody>
+      </p:sp>
+      <p:sp>
+        <p:nvSpPr>
+          <p:cNvPr id="4" name="TextBox 3">
+            <a:extLst>
+              <a:ext uri="{FF2B5EF4-FFF2-40B4-BE49-F238E27FC236}">
+                <a16:creationId xmlns:a16="http://schemas.microsoft.com/office/drawing/2014/main" id="{4E5FB163-623D-D608-CFF8-944DAE443425}"/>
+              </a:ext>
+            </a:extLst>
+          </p:cNvPr>
+          <p:cNvSpPr txBox="1"/>
+          <p:nvPr/>
+        </p:nvSpPr>
+        <p:spPr>
+          <a:xfrm>
+            <a:off x="691079" y="2354347"/>
+            <a:ext cx="1865690" cy="369332"/>
+          </a:xfrm>
+          <a:prstGeom prst="rect">
+            <a:avLst/>
+          </a:prstGeom>
+          <a:noFill/>
+        </p:spPr>
+        <p:txBody>
+          <a:bodyPr wrap="square">
+            <a:spAutoFit/>
+          </a:bodyPr>
+          <a:lstStyle/>
+          <a:p>
+            <a:r>
+              <a:rPr lang="en-SG" dirty="0"/>
+              <a:t>Render Mode</a:t>
+            </a:r>
+          </a:p>
+        </p:txBody>
+      </p:sp>
+      <p:pic>
+        <p:nvPicPr>
+          <p:cNvPr id="6" name="Picture 5">
+            <a:extLst>
+              <a:ext uri="{FF2B5EF4-FFF2-40B4-BE49-F238E27FC236}">
+                <a16:creationId xmlns:a16="http://schemas.microsoft.com/office/drawing/2014/main" id="{378AEC86-836E-FEC3-00AE-62EF5AF5DCBB}"/>
+              </a:ext>
+            </a:extLst>
+          </p:cNvPr>
+          <p:cNvPicPr>
+            <a:picLocks noChangeAspect="1"/>
+          </p:cNvPicPr>
+          <p:nvPr/>
+        </p:nvPicPr>
+        <p:blipFill>
+          <a:blip r:embed="rId2"/>
+          <a:stretch>
+            <a:fillRect/>
+          </a:stretch>
+        </p:blipFill>
+        <p:spPr>
+          <a:xfrm>
+            <a:off x="6590379" y="1214224"/>
+            <a:ext cx="4788344" cy="890664"/>
+          </a:xfrm>
+          <a:prstGeom prst="rect">
+            <a:avLst/>
+          </a:prstGeom>
+        </p:spPr>
+      </p:pic>
+      <p:pic>
+        <p:nvPicPr>
+          <p:cNvPr id="8" name="Picture 7">
+            <a:extLst>
+              <a:ext uri="{FF2B5EF4-FFF2-40B4-BE49-F238E27FC236}">
+                <a16:creationId xmlns:a16="http://schemas.microsoft.com/office/drawing/2014/main" id="{A79648F3-D487-C2B8-9BEA-479E81306FA2}"/>
+              </a:ext>
+            </a:extLst>
+          </p:cNvPr>
+          <p:cNvPicPr>
+            <a:picLocks noChangeAspect="1"/>
+          </p:cNvPicPr>
+          <p:nvPr/>
+        </p:nvPicPr>
+        <p:blipFill>
+          <a:blip r:embed="rId3"/>
+          <a:stretch>
+            <a:fillRect/>
+          </a:stretch>
+        </p:blipFill>
+        <p:spPr>
+          <a:xfrm>
+            <a:off x="5552359" y="2354347"/>
+            <a:ext cx="6012534" cy="4389353"/>
+          </a:xfrm>
+          <a:prstGeom prst="rect">
+            <a:avLst/>
+          </a:prstGeom>
+        </p:spPr>
+      </p:pic>
+    </p:spTree>
+    <p:extLst>
+      <p:ext uri="{BB962C8B-B14F-4D97-AF65-F5344CB8AC3E}">
+        <p14:creationId xmlns:p14="http://schemas.microsoft.com/office/powerpoint/2010/main" val="2118712361"/>
+      </p:ext>
+    </p:extLst>
+  </p:cSld>
+  <p:clrMapOvr>
+    <a:masterClrMapping/>
+  </p:clrMapOvr>
+</p:sld>
+</file>
+
+<file path=ppt/slides/slide11.xml><?xml version="1.0" encoding="utf-8"?>
+<p:sld xmlns:a="http://schemas.openxmlformats.org/drawingml/2006/main" xmlns:r="http://schemas.openxmlformats.org/officeDocument/2006/relationships" xmlns:p="http://schemas.openxmlformats.org/presentationml/2006/main">
+  <p:cSld>
+    <p:spTree>
+      <p:nvGrpSpPr>
+        <p:cNvPr id="1" name=""/>
+        <p:cNvGrpSpPr/>
+        <p:nvPr/>
+      </p:nvGrpSpPr>
+      <p:grpSpPr>
+        <a:xfrm>
+          <a:off x="0" y="0"/>
+          <a:ext cx="0" cy="0"/>
+          <a:chOff x="0" y="0"/>
+          <a:chExt cx="0" cy="0"/>
+        </a:xfrm>
+      </p:grpSpPr>
+      <p:sp>
+        <p:nvSpPr>
+          <p:cNvPr id="2" name="Title 1">
+            <a:extLst>
+              <a:ext uri="{FF2B5EF4-FFF2-40B4-BE49-F238E27FC236}">
+                <a16:creationId xmlns:a16="http://schemas.microsoft.com/office/drawing/2014/main" id="{0FFCBED8-BB7A-EC5A-FA1B-4FBC962CE316}"/>
+              </a:ext>
+            </a:extLst>
+          </p:cNvPr>
+          <p:cNvSpPr>
+            <a:spLocks noGrp="1"/>
+          </p:cNvSpPr>
+          <p:nvPr>
+            <p:ph type="title"/>
+          </p:nvPr>
+        </p:nvSpPr>
+        <p:spPr/>
+        <p:txBody>
+          <a:bodyPr/>
+          <a:lstStyle/>
+          <a:p>
+            <a:r>
+              <a:rPr lang="en-US" altLang="zh-CN" sz="4400" dirty="0"/>
+              <a:t>Blazor Web App</a:t>
+            </a:r>
+          </a:p>
+        </p:txBody>
+      </p:sp>
+      <p:sp>
+        <p:nvSpPr>
+          <p:cNvPr id="4" name="TextBox 3">
+            <a:extLst>
+              <a:ext uri="{FF2B5EF4-FFF2-40B4-BE49-F238E27FC236}">
+                <a16:creationId xmlns:a16="http://schemas.microsoft.com/office/drawing/2014/main" id="{4E5FB163-623D-D608-CFF8-944DAE443425}"/>
+              </a:ext>
+            </a:extLst>
+          </p:cNvPr>
+          <p:cNvSpPr txBox="1"/>
+          <p:nvPr/>
+        </p:nvSpPr>
+        <p:spPr>
+          <a:xfrm>
+            <a:off x="691079" y="2354347"/>
+            <a:ext cx="1865690" cy="369332"/>
+          </a:xfrm>
+          <a:prstGeom prst="rect">
+            <a:avLst/>
+          </a:prstGeom>
+          <a:noFill/>
+        </p:spPr>
+        <p:txBody>
+          <a:bodyPr wrap="square">
+            <a:spAutoFit/>
+          </a:bodyPr>
+          <a:lstStyle/>
+          <a:p>
+            <a:r>
+              <a:rPr lang="en-SG" dirty="0"/>
+              <a:t>Render Mode</a:t>
+            </a:r>
+          </a:p>
+        </p:txBody>
+      </p:sp>
+      <p:sp>
+        <p:nvSpPr>
+          <p:cNvPr id="14" name="TextBox 13">
+            <a:extLst>
+              <a:ext uri="{FF2B5EF4-FFF2-40B4-BE49-F238E27FC236}">
+                <a16:creationId xmlns:a16="http://schemas.microsoft.com/office/drawing/2014/main" id="{C28C54B9-4C98-36DE-A3F2-18478D972B4D}"/>
+              </a:ext>
+            </a:extLst>
+          </p:cNvPr>
+          <p:cNvSpPr txBox="1"/>
+          <p:nvPr/>
+        </p:nvSpPr>
+        <p:spPr>
+          <a:xfrm>
+            <a:off x="691079" y="2778807"/>
+            <a:ext cx="6116714" cy="261610"/>
+          </a:xfrm>
+          <a:prstGeom prst="rect">
+            <a:avLst/>
+          </a:prstGeom>
+          <a:noFill/>
+        </p:spPr>
+        <p:txBody>
+          <a:bodyPr wrap="square">
+            <a:spAutoFit/>
+          </a:bodyPr>
+          <a:lstStyle/>
+          <a:p>
+            <a:r>
+              <a:rPr lang="en-SG" sz="1100" dirty="0" err="1"/>
+              <a:t>RazorComponentEndpointInvoker</a:t>
+            </a:r>
+            <a:r>
+              <a:rPr lang="en-SG" sz="1100" dirty="0"/>
+              <a:t> </a:t>
+            </a:r>
+            <a:r>
+              <a:rPr lang="en-SG" sz="1100" dirty="0" err="1"/>
+              <a:t>registed</a:t>
+            </a:r>
+            <a:r>
+              <a:rPr lang="en-SG" sz="1100" dirty="0"/>
+              <a:t> when </a:t>
+            </a:r>
+            <a:r>
+              <a:rPr lang="en-SG" sz="1100" dirty="0" err="1"/>
+              <a:t>AddRazorComponents</a:t>
+            </a:r>
+            <a:endParaRPr lang="en-SG" sz="1100" dirty="0"/>
+          </a:p>
+        </p:txBody>
+      </p:sp>
+      <p:pic>
+        <p:nvPicPr>
+          <p:cNvPr id="16" name="Picture 15">
+            <a:extLst>
+              <a:ext uri="{FF2B5EF4-FFF2-40B4-BE49-F238E27FC236}">
+                <a16:creationId xmlns:a16="http://schemas.microsoft.com/office/drawing/2014/main" id="{C68BCABE-7DB7-BC29-A34D-FC53513F44D6}"/>
+              </a:ext>
+            </a:extLst>
+          </p:cNvPr>
+          <p:cNvPicPr>
+            <a:picLocks noChangeAspect="1"/>
+          </p:cNvPicPr>
+          <p:nvPr/>
+        </p:nvPicPr>
+        <p:blipFill>
+          <a:blip r:embed="rId2"/>
+          <a:stretch>
+            <a:fillRect/>
+          </a:stretch>
+        </p:blipFill>
+        <p:spPr>
+          <a:xfrm>
+            <a:off x="691079" y="3161837"/>
+            <a:ext cx="6428812" cy="2245963"/>
+          </a:xfrm>
+          <a:prstGeom prst="rect">
+            <a:avLst/>
+          </a:prstGeom>
+        </p:spPr>
+      </p:pic>
+    </p:spTree>
+    <p:extLst>
+      <p:ext uri="{BB962C8B-B14F-4D97-AF65-F5344CB8AC3E}">
+        <p14:creationId xmlns:p14="http://schemas.microsoft.com/office/powerpoint/2010/main" val="2918521012"/>
+      </p:ext>
+    </p:extLst>
+  </p:cSld>
+  <p:clrMapOvr>
+    <a:masterClrMapping/>
+  </p:clrMapOvr>
+</p:sld>
+</file>
+
+<file path=ppt/slides/slide12.xml><?xml version="1.0" encoding="utf-8"?>
+<p:sld xmlns:a="http://schemas.openxmlformats.org/drawingml/2006/main" xmlns:r="http://schemas.openxmlformats.org/officeDocument/2006/relationships" xmlns:p="http://schemas.openxmlformats.org/presentationml/2006/main">
+  <p:cSld>
+    <p:spTree>
+      <p:nvGrpSpPr>
+        <p:cNvPr id="1" name=""/>
+        <p:cNvGrpSpPr/>
+        <p:nvPr/>
+      </p:nvGrpSpPr>
+      <p:grpSpPr>
+        <a:xfrm>
+          <a:off x="0" y="0"/>
+          <a:ext cx="0" cy="0"/>
+          <a:chOff x="0" y="0"/>
+          <a:chExt cx="0" cy="0"/>
+        </a:xfrm>
+      </p:grpSpPr>
+      <p:pic>
+        <p:nvPicPr>
+          <p:cNvPr id="5" name="Content Placeholder 4">
+            <a:extLst>
+              <a:ext uri="{FF2B5EF4-FFF2-40B4-BE49-F238E27FC236}">
+                <a16:creationId xmlns:a16="http://schemas.microsoft.com/office/drawing/2014/main" id="{E0C29666-3188-0D3A-D388-A6FB68D986C7}"/>
+              </a:ext>
+            </a:extLst>
+          </p:cNvPr>
+          <p:cNvPicPr>
+            <a:picLocks noGrp="1" noChangeAspect="1"/>
+          </p:cNvPicPr>
+          <p:nvPr>
+            <p:ph idx="1"/>
+          </p:nvPr>
+        </p:nvPicPr>
+        <p:blipFill>
+          <a:blip r:embed="rId2"/>
+          <a:stretch>
+            <a:fillRect/>
+          </a:stretch>
+        </p:blipFill>
+        <p:spPr>
+          <a:xfrm>
+            <a:off x="690979" y="3512795"/>
+            <a:ext cx="10325100" cy="3212253"/>
+          </a:xfrm>
+        </p:spPr>
+      </p:pic>
+      <p:sp>
+        <p:nvSpPr>
+          <p:cNvPr id="6" name="TextBox 5">
+            <a:extLst>
+              <a:ext uri="{FF2B5EF4-FFF2-40B4-BE49-F238E27FC236}">
+                <a16:creationId xmlns:a16="http://schemas.microsoft.com/office/drawing/2014/main" id="{977A4487-6847-A149-F124-9654ED421A2A}"/>
+              </a:ext>
+            </a:extLst>
+          </p:cNvPr>
+          <p:cNvSpPr txBox="1"/>
+          <p:nvPr/>
+        </p:nvSpPr>
+        <p:spPr>
+          <a:xfrm>
+            <a:off x="691079" y="2778807"/>
+            <a:ext cx="7023616" cy="430887"/>
+          </a:xfrm>
+          <a:prstGeom prst="rect">
+            <a:avLst/>
+          </a:prstGeom>
+          <a:noFill/>
+        </p:spPr>
+        <p:txBody>
+          <a:bodyPr wrap="square">
+            <a:spAutoFit/>
+          </a:bodyPr>
+          <a:lstStyle/>
+          <a:p>
+            <a:r>
+              <a:rPr lang="en-SG" sz="1100" dirty="0" err="1"/>
+              <a:t>RazorComponentEndpointInvoker.Render</a:t>
+            </a:r>
+            <a:r>
+              <a:rPr lang="en-SG" sz="1100" dirty="0"/>
+              <a:t> added to </a:t>
+            </a:r>
+            <a:r>
+              <a:rPr lang="en-SG" sz="1100" dirty="0" err="1"/>
+              <a:t>Endpoint.RequestDelegate</a:t>
+            </a:r>
+            <a:r>
+              <a:rPr lang="en-SG" sz="1100" dirty="0"/>
+              <a:t> when </a:t>
+            </a:r>
+            <a:r>
+              <a:rPr lang="en-SG" sz="1100" dirty="0" err="1"/>
+              <a:t>AddEndpoint</a:t>
+            </a:r>
+            <a:r>
+              <a:rPr lang="en-SG" sz="1100" dirty="0"/>
+              <a:t>. </a:t>
+            </a:r>
+          </a:p>
+          <a:p>
+            <a:r>
+              <a:rPr lang="en-SG" sz="1100" dirty="0"/>
+              <a:t>Which means render happen when access the end point  </a:t>
+            </a:r>
+          </a:p>
+        </p:txBody>
+      </p:sp>
+      <p:sp>
+        <p:nvSpPr>
+          <p:cNvPr id="8" name="Title 1">
+            <a:extLst>
+              <a:ext uri="{FF2B5EF4-FFF2-40B4-BE49-F238E27FC236}">
+                <a16:creationId xmlns:a16="http://schemas.microsoft.com/office/drawing/2014/main" id="{FEF19502-7178-ED82-9F13-739026E57C38}"/>
+              </a:ext>
+            </a:extLst>
+          </p:cNvPr>
+          <p:cNvSpPr>
+            <a:spLocks noGrp="1"/>
+          </p:cNvSpPr>
+          <p:nvPr>
+            <p:ph type="title"/>
+          </p:nvPr>
+        </p:nvSpPr>
+        <p:spPr>
+          <a:xfrm>
+            <a:off x="691079" y="725951"/>
+            <a:ext cx="10325000" cy="1442463"/>
+          </a:xfrm>
+        </p:spPr>
+        <p:txBody>
+          <a:bodyPr/>
+          <a:lstStyle/>
+          <a:p>
+            <a:r>
+              <a:rPr lang="en-US" altLang="zh-CN" sz="4400" dirty="0"/>
+              <a:t>Blazor Web App</a:t>
+            </a:r>
+          </a:p>
+        </p:txBody>
+      </p:sp>
+      <p:sp>
+        <p:nvSpPr>
+          <p:cNvPr id="9" name="TextBox 8">
+            <a:extLst>
+              <a:ext uri="{FF2B5EF4-FFF2-40B4-BE49-F238E27FC236}">
+                <a16:creationId xmlns:a16="http://schemas.microsoft.com/office/drawing/2014/main" id="{FBA2D725-C07C-A863-C830-20045AB417E1}"/>
+              </a:ext>
+            </a:extLst>
+          </p:cNvPr>
+          <p:cNvSpPr txBox="1"/>
+          <p:nvPr/>
+        </p:nvSpPr>
+        <p:spPr>
+          <a:xfrm>
+            <a:off x="691079" y="2354347"/>
+            <a:ext cx="1865690" cy="369332"/>
+          </a:xfrm>
+          <a:prstGeom prst="rect">
+            <a:avLst/>
+          </a:prstGeom>
+          <a:noFill/>
+        </p:spPr>
+        <p:txBody>
+          <a:bodyPr wrap="square">
+            <a:spAutoFit/>
+          </a:bodyPr>
+          <a:lstStyle/>
+          <a:p>
+            <a:r>
+              <a:rPr lang="en-SG" dirty="0"/>
+              <a:t>Render Mode</a:t>
+            </a:r>
+          </a:p>
+        </p:txBody>
+      </p:sp>
+    </p:spTree>
+    <p:extLst>
+      <p:ext uri="{BB962C8B-B14F-4D97-AF65-F5344CB8AC3E}">
+        <p14:creationId xmlns:p14="http://schemas.microsoft.com/office/powerpoint/2010/main" val="2573052259"/>
+      </p:ext>
+    </p:extLst>
+  </p:cSld>
+  <p:clrMapOvr>
+    <a:masterClrMapping/>
+  </p:clrMapOvr>
+</p:sld>
+</file>
+
+<file path=ppt/slides/slide13.xml><?xml version="1.0" encoding="utf-8"?>
+<p:sld xmlns:a="http://schemas.openxmlformats.org/drawingml/2006/main" xmlns:r="http://schemas.openxmlformats.org/officeDocument/2006/relationships" xmlns:p="http://schemas.openxmlformats.org/presentationml/2006/main">
+  <p:cSld>
+    <p:spTree>
+      <p:nvGrpSpPr>
+        <p:cNvPr id="1" name=""/>
+        <p:cNvGrpSpPr/>
+        <p:nvPr/>
+      </p:nvGrpSpPr>
+      <p:grpSpPr>
+        <a:xfrm>
+          <a:off x="0" y="0"/>
+          <a:ext cx="0" cy="0"/>
+          <a:chOff x="0" y="0"/>
+          <a:chExt cx="0" cy="0"/>
+        </a:xfrm>
+      </p:grpSpPr>
+      <p:pic>
+        <p:nvPicPr>
+          <p:cNvPr id="5" name="Picture 4">
+            <a:extLst>
+              <a:ext uri="{FF2B5EF4-FFF2-40B4-BE49-F238E27FC236}">
+                <a16:creationId xmlns:a16="http://schemas.microsoft.com/office/drawing/2014/main" id="{1A9CEDBD-7F3E-ADA1-4782-EE1385A48C04}"/>
+              </a:ext>
+            </a:extLst>
+          </p:cNvPr>
+          <p:cNvPicPr>
+            <a:picLocks noChangeAspect="1"/>
+          </p:cNvPicPr>
+          <p:nvPr/>
+        </p:nvPicPr>
+        <p:blipFill>
+          <a:blip r:embed="rId2"/>
+          <a:stretch>
+            <a:fillRect/>
+          </a:stretch>
+        </p:blipFill>
+        <p:spPr>
+          <a:xfrm>
+            <a:off x="691078" y="3184734"/>
+            <a:ext cx="7449590" cy="1581371"/>
+          </a:xfrm>
+          <a:prstGeom prst="rect">
+            <a:avLst/>
+          </a:prstGeom>
+        </p:spPr>
+      </p:pic>
+      <p:sp>
+        <p:nvSpPr>
+          <p:cNvPr id="6" name="TextBox 5">
+            <a:extLst>
+              <a:ext uri="{FF2B5EF4-FFF2-40B4-BE49-F238E27FC236}">
+                <a16:creationId xmlns:a16="http://schemas.microsoft.com/office/drawing/2014/main" id="{B6EDAB4F-3B7B-6B9D-9B53-3E6502D5A730}"/>
+              </a:ext>
+            </a:extLst>
+          </p:cNvPr>
+          <p:cNvSpPr txBox="1"/>
+          <p:nvPr/>
+        </p:nvSpPr>
+        <p:spPr>
+          <a:xfrm>
+            <a:off x="691078" y="2778807"/>
+            <a:ext cx="7980481" cy="261610"/>
+          </a:xfrm>
+          <a:prstGeom prst="rect">
+            <a:avLst/>
+          </a:prstGeom>
+          <a:noFill/>
+        </p:spPr>
+        <p:txBody>
+          <a:bodyPr wrap="square">
+            <a:spAutoFit/>
+          </a:bodyPr>
+          <a:lstStyle/>
+          <a:p>
+            <a:r>
+              <a:rPr lang="en-SG" sz="1100" dirty="0"/>
+              <a:t>Invoke </a:t>
+            </a:r>
+            <a:r>
+              <a:rPr lang="en-SG" sz="1100" dirty="0" err="1"/>
+              <a:t>RazorComponentEndpointInvoker.RenderComponentCore</a:t>
+            </a:r>
+            <a:r>
+              <a:rPr lang="en-SG" sz="1100" dirty="0"/>
+              <a:t>() at </a:t>
+            </a:r>
+            <a:r>
+              <a:rPr lang="en-SG" sz="1100" dirty="0" err="1"/>
+              <a:t>RazorComponentEndpointInvoker</a:t>
+            </a:r>
+            <a:r>
+              <a:rPr lang="en-SG" sz="1100" dirty="0"/>
+              <a:t>. Render()</a:t>
+            </a:r>
+          </a:p>
+        </p:txBody>
+      </p:sp>
+      <p:sp>
+        <p:nvSpPr>
+          <p:cNvPr id="7" name="Title 1">
+            <a:extLst>
+              <a:ext uri="{FF2B5EF4-FFF2-40B4-BE49-F238E27FC236}">
+                <a16:creationId xmlns:a16="http://schemas.microsoft.com/office/drawing/2014/main" id="{AD93D486-02BC-FDAB-00DF-FCDEEA54D631}"/>
+              </a:ext>
+            </a:extLst>
+          </p:cNvPr>
+          <p:cNvSpPr>
+            <a:spLocks noGrp="1"/>
+          </p:cNvSpPr>
+          <p:nvPr>
+            <p:ph type="title"/>
+          </p:nvPr>
+        </p:nvSpPr>
+        <p:spPr>
+          <a:xfrm>
+            <a:off x="691079" y="725951"/>
+            <a:ext cx="10325000" cy="1442463"/>
+          </a:xfrm>
+        </p:spPr>
+        <p:txBody>
+          <a:bodyPr/>
+          <a:lstStyle/>
+          <a:p>
+            <a:r>
+              <a:rPr lang="en-US" altLang="zh-CN" sz="4400" dirty="0"/>
+              <a:t>Blazor Web App</a:t>
+            </a:r>
+          </a:p>
+        </p:txBody>
+      </p:sp>
+      <p:sp>
+        <p:nvSpPr>
+          <p:cNvPr id="8" name="TextBox 7">
+            <a:extLst>
+              <a:ext uri="{FF2B5EF4-FFF2-40B4-BE49-F238E27FC236}">
+                <a16:creationId xmlns:a16="http://schemas.microsoft.com/office/drawing/2014/main" id="{D8500AD7-6BDB-8F7A-F0E8-790AFC00E448}"/>
+              </a:ext>
+            </a:extLst>
+          </p:cNvPr>
+          <p:cNvSpPr txBox="1"/>
+          <p:nvPr/>
+        </p:nvSpPr>
+        <p:spPr>
+          <a:xfrm>
+            <a:off x="691079" y="2354347"/>
+            <a:ext cx="1865690" cy="369332"/>
+          </a:xfrm>
+          <a:prstGeom prst="rect">
+            <a:avLst/>
+          </a:prstGeom>
+          <a:noFill/>
+        </p:spPr>
+        <p:txBody>
+          <a:bodyPr wrap="square">
+            <a:spAutoFit/>
+          </a:bodyPr>
+          <a:lstStyle/>
+          <a:p>
+            <a:r>
+              <a:rPr lang="en-SG" dirty="0"/>
+              <a:t>Render Mode</a:t>
+            </a:r>
+          </a:p>
+        </p:txBody>
+      </p:sp>
+    </p:spTree>
+    <p:extLst>
+      <p:ext uri="{BB962C8B-B14F-4D97-AF65-F5344CB8AC3E}">
+        <p14:creationId xmlns:p14="http://schemas.microsoft.com/office/powerpoint/2010/main" val="919553673"/>
+      </p:ext>
+    </p:extLst>
+  </p:cSld>
+  <p:clrMapOvr>
+    <a:masterClrMapping/>
+  </p:clrMapOvr>
+</p:sld>
+</file>
+
+<file path=ppt/slides/slide14.xml><?xml version="1.0" encoding="utf-8"?>
+<p:sld xmlns:a="http://schemas.openxmlformats.org/drawingml/2006/main" xmlns:r="http://schemas.openxmlformats.org/officeDocument/2006/relationships" xmlns:p="http://schemas.openxmlformats.org/presentationml/2006/main">
+  <p:cSld>
+    <p:spTree>
+      <p:nvGrpSpPr>
+        <p:cNvPr id="1" name=""/>
+        <p:cNvGrpSpPr/>
+        <p:nvPr/>
+      </p:nvGrpSpPr>
+      <p:grpSpPr>
+        <a:xfrm>
+          <a:off x="0" y="0"/>
+          <a:ext cx="0" cy="0"/>
+          <a:chOff x="0" y="0"/>
+          <a:chExt cx="0" cy="0"/>
+        </a:xfrm>
+      </p:grpSpPr>
+      <p:sp>
+        <p:nvSpPr>
+          <p:cNvPr id="6" name="TextBox 5">
+            <a:extLst>
+              <a:ext uri="{FF2B5EF4-FFF2-40B4-BE49-F238E27FC236}">
+                <a16:creationId xmlns:a16="http://schemas.microsoft.com/office/drawing/2014/main" id="{B6EDAB4F-3B7B-6B9D-9B53-3E6502D5A730}"/>
+              </a:ext>
+            </a:extLst>
+          </p:cNvPr>
+          <p:cNvSpPr txBox="1"/>
+          <p:nvPr/>
+        </p:nvSpPr>
+        <p:spPr>
+          <a:xfrm>
+            <a:off x="691078" y="2778807"/>
+            <a:ext cx="7980481" cy="261610"/>
+          </a:xfrm>
+          <a:prstGeom prst="rect">
+            <a:avLst/>
+          </a:prstGeom>
+          <a:noFill/>
+        </p:spPr>
+        <p:txBody>
+          <a:bodyPr wrap="square">
+            <a:spAutoFit/>
+          </a:bodyPr>
+          <a:lstStyle/>
+          <a:p>
+            <a:r>
+              <a:rPr lang="en-SG" sz="1100" dirty="0"/>
+              <a:t>Invoke </a:t>
+            </a:r>
+            <a:r>
+              <a:rPr lang="en-SG" sz="1100" dirty="0" err="1"/>
+              <a:t>RazorComponentEndpointInvoker.RenderComponentCore</a:t>
+            </a:r>
+            <a:r>
+              <a:rPr lang="en-SG" sz="1100" dirty="0"/>
+              <a:t>() at </a:t>
+            </a:r>
+            <a:r>
+              <a:rPr lang="en-SG" sz="1100" dirty="0" err="1"/>
+              <a:t>RazorComponentEndpointInvoker</a:t>
+            </a:r>
+            <a:r>
+              <a:rPr lang="en-SG" sz="1100" dirty="0"/>
+              <a:t>. Render()</a:t>
+            </a:r>
+          </a:p>
+        </p:txBody>
+      </p:sp>
+      <p:sp>
+        <p:nvSpPr>
+          <p:cNvPr id="7" name="Title 1">
+            <a:extLst>
+              <a:ext uri="{FF2B5EF4-FFF2-40B4-BE49-F238E27FC236}">
+                <a16:creationId xmlns:a16="http://schemas.microsoft.com/office/drawing/2014/main" id="{AD93D486-02BC-FDAB-00DF-FCDEEA54D631}"/>
+              </a:ext>
+            </a:extLst>
+          </p:cNvPr>
+          <p:cNvSpPr>
+            <a:spLocks noGrp="1"/>
+          </p:cNvSpPr>
+          <p:nvPr>
+            <p:ph type="title"/>
+          </p:nvPr>
+        </p:nvSpPr>
+        <p:spPr>
+          <a:xfrm>
+            <a:off x="691079" y="725951"/>
+            <a:ext cx="10325000" cy="1442463"/>
+          </a:xfrm>
+        </p:spPr>
+        <p:txBody>
+          <a:bodyPr/>
+          <a:lstStyle/>
+          <a:p>
+            <a:r>
+              <a:rPr lang="en-US" altLang="zh-CN" sz="4400" dirty="0"/>
+              <a:t>Blazor Web App</a:t>
+            </a:r>
+          </a:p>
+        </p:txBody>
+      </p:sp>
+      <p:sp>
+        <p:nvSpPr>
+          <p:cNvPr id="8" name="TextBox 7">
+            <a:extLst>
+              <a:ext uri="{FF2B5EF4-FFF2-40B4-BE49-F238E27FC236}">
+                <a16:creationId xmlns:a16="http://schemas.microsoft.com/office/drawing/2014/main" id="{D8500AD7-6BDB-8F7A-F0E8-790AFC00E448}"/>
+              </a:ext>
+            </a:extLst>
+          </p:cNvPr>
+          <p:cNvSpPr txBox="1"/>
+          <p:nvPr/>
+        </p:nvSpPr>
+        <p:spPr>
+          <a:xfrm>
+            <a:off x="691079" y="2354347"/>
+            <a:ext cx="1865690" cy="369332"/>
+          </a:xfrm>
+          <a:prstGeom prst="rect">
+            <a:avLst/>
+          </a:prstGeom>
+          <a:noFill/>
+        </p:spPr>
+        <p:txBody>
+          <a:bodyPr wrap="square">
+            <a:spAutoFit/>
+          </a:bodyPr>
+          <a:lstStyle/>
+          <a:p>
+            <a:r>
+              <a:rPr lang="en-SG" dirty="0"/>
+              <a:t>Render Mode</a:t>
+            </a:r>
+          </a:p>
+        </p:txBody>
+      </p:sp>
+      <p:pic>
+        <p:nvPicPr>
+          <p:cNvPr id="3" name="Picture 2">
+            <a:extLst>
+              <a:ext uri="{FF2B5EF4-FFF2-40B4-BE49-F238E27FC236}">
+                <a16:creationId xmlns:a16="http://schemas.microsoft.com/office/drawing/2014/main" id="{CDC1493F-AD86-86FF-A17E-68FB8546016C}"/>
+              </a:ext>
+            </a:extLst>
+          </p:cNvPr>
+          <p:cNvPicPr>
+            <a:picLocks noChangeAspect="1"/>
+          </p:cNvPicPr>
+          <p:nvPr/>
+        </p:nvPicPr>
+        <p:blipFill>
+          <a:blip r:embed="rId2"/>
+          <a:stretch>
+            <a:fillRect/>
+          </a:stretch>
+        </p:blipFill>
+        <p:spPr>
+          <a:xfrm>
+            <a:off x="755146" y="3095545"/>
+            <a:ext cx="8044549" cy="3599644"/>
+          </a:xfrm>
+          <a:prstGeom prst="rect">
+            <a:avLst/>
+          </a:prstGeom>
+        </p:spPr>
+      </p:pic>
+    </p:spTree>
+    <p:extLst>
+      <p:ext uri="{BB962C8B-B14F-4D97-AF65-F5344CB8AC3E}">
+        <p14:creationId xmlns:p14="http://schemas.microsoft.com/office/powerpoint/2010/main" val="1690544529"/>
+      </p:ext>
+    </p:extLst>
+  </p:cSld>
+  <p:clrMapOvr>
+    <a:masterClrMapping/>
+  </p:clrMapOvr>
+</p:sld>
+</file>
+
+<file path=ppt/slides/slide15.xml><?xml version="1.0" encoding="utf-8"?>
+<p:sld xmlns:a="http://schemas.openxmlformats.org/drawingml/2006/main" xmlns:r="http://schemas.openxmlformats.org/officeDocument/2006/relationships" xmlns:p="http://schemas.openxmlformats.org/presentationml/2006/main">
+  <p:cSld>
+    <p:spTree>
+      <p:nvGrpSpPr>
+        <p:cNvPr id="1" name=""/>
+        <p:cNvGrpSpPr/>
+        <p:nvPr/>
+      </p:nvGrpSpPr>
+      <p:grpSpPr>
+        <a:xfrm>
+          <a:off x="0" y="0"/>
+          <a:ext cx="0" cy="0"/>
+          <a:chOff x="0" y="0"/>
+          <a:chExt cx="0" cy="0"/>
+        </a:xfrm>
+      </p:grpSpPr>
+      <p:sp>
+        <p:nvSpPr>
+          <p:cNvPr id="8" name="Title 1">
+            <a:extLst>
+              <a:ext uri="{FF2B5EF4-FFF2-40B4-BE49-F238E27FC236}">
+                <a16:creationId xmlns:a16="http://schemas.microsoft.com/office/drawing/2014/main" id="{FEF19502-7178-ED82-9F13-739026E57C38}"/>
+              </a:ext>
+            </a:extLst>
+          </p:cNvPr>
+          <p:cNvSpPr>
+            <a:spLocks noGrp="1"/>
+          </p:cNvSpPr>
+          <p:nvPr>
+            <p:ph type="title"/>
+          </p:nvPr>
+        </p:nvSpPr>
+        <p:spPr>
+          <a:xfrm>
+            <a:off x="691079" y="725951"/>
+            <a:ext cx="10325000" cy="1442463"/>
+          </a:xfrm>
+        </p:spPr>
+        <p:txBody>
+          <a:bodyPr/>
+          <a:lstStyle/>
+          <a:p>
+            <a:r>
+              <a:rPr lang="en-US" altLang="zh-CN" sz="4400" dirty="0"/>
+              <a:t>Blazor Web App</a:t>
+            </a:r>
+          </a:p>
+        </p:txBody>
+      </p:sp>
+      <p:sp>
+        <p:nvSpPr>
+          <p:cNvPr id="9" name="TextBox 8">
+            <a:extLst>
+              <a:ext uri="{FF2B5EF4-FFF2-40B4-BE49-F238E27FC236}">
+                <a16:creationId xmlns:a16="http://schemas.microsoft.com/office/drawing/2014/main" id="{FBA2D725-C07C-A863-C830-20045AB417E1}"/>
+              </a:ext>
+            </a:extLst>
+          </p:cNvPr>
+          <p:cNvSpPr txBox="1"/>
+          <p:nvPr/>
+        </p:nvSpPr>
+        <p:spPr>
+          <a:xfrm>
+            <a:off x="691079" y="2354347"/>
+            <a:ext cx="1865690" cy="369332"/>
+          </a:xfrm>
+          <a:prstGeom prst="rect">
+            <a:avLst/>
+          </a:prstGeom>
+          <a:noFill/>
+        </p:spPr>
+        <p:txBody>
+          <a:bodyPr wrap="square">
+            <a:spAutoFit/>
+          </a:bodyPr>
+          <a:lstStyle/>
+          <a:p>
+            <a:r>
+              <a:rPr lang="en-SG" dirty="0"/>
+              <a:t>Render Mode</a:t>
+            </a:r>
+          </a:p>
+        </p:txBody>
+      </p:sp>
+      <p:sp>
+        <p:nvSpPr>
+          <p:cNvPr id="25" name="TextBox 24">
+            <a:extLst>
+              <a:ext uri="{FF2B5EF4-FFF2-40B4-BE49-F238E27FC236}">
+                <a16:creationId xmlns:a16="http://schemas.microsoft.com/office/drawing/2014/main" id="{AB1A4965-0ABC-E20F-E92A-9CA8A918A518}"/>
+              </a:ext>
+            </a:extLst>
+          </p:cNvPr>
+          <p:cNvSpPr txBox="1"/>
+          <p:nvPr/>
+        </p:nvSpPr>
+        <p:spPr>
+          <a:xfrm>
+            <a:off x="5626582" y="2723679"/>
+            <a:ext cx="2725714" cy="259716"/>
+          </a:xfrm>
+          <a:prstGeom prst="rect">
+            <a:avLst/>
+          </a:prstGeom>
+          <a:noFill/>
+        </p:spPr>
+        <p:txBody>
+          <a:bodyPr wrap="square">
+            <a:spAutoFit/>
+          </a:bodyPr>
+          <a:lstStyle/>
+          <a:p>
+            <a:r>
+              <a:rPr lang="en-US" altLang="zh-CN" sz="1100" dirty="0"/>
+              <a:t>Start with </a:t>
+            </a:r>
+            <a:r>
+              <a:rPr lang="en-US" altLang="zh-CN" sz="1100" dirty="0" err="1"/>
+              <a:t>wasm</a:t>
+            </a:r>
+            <a:r>
+              <a:rPr lang="en-US" altLang="zh-CN" sz="1100" dirty="0"/>
+              <a:t>-mode</a:t>
+            </a:r>
+            <a:endParaRPr lang="en-SG" sz="1100" dirty="0"/>
+          </a:p>
+        </p:txBody>
+      </p:sp>
+      <p:sp>
+        <p:nvSpPr>
+          <p:cNvPr id="28" name="TextBox 27">
+            <a:extLst>
+              <a:ext uri="{FF2B5EF4-FFF2-40B4-BE49-F238E27FC236}">
+                <a16:creationId xmlns:a16="http://schemas.microsoft.com/office/drawing/2014/main" id="{FE56B423-D01E-EDB2-DB94-D44075105726}"/>
+              </a:ext>
+            </a:extLst>
+          </p:cNvPr>
+          <p:cNvSpPr txBox="1"/>
+          <p:nvPr/>
+        </p:nvSpPr>
+        <p:spPr>
+          <a:xfrm>
+            <a:off x="628935" y="4701645"/>
+            <a:ext cx="2725714" cy="259716"/>
+          </a:xfrm>
+          <a:prstGeom prst="rect">
+            <a:avLst/>
+          </a:prstGeom>
+          <a:noFill/>
+        </p:spPr>
+        <p:txBody>
+          <a:bodyPr wrap="square">
+            <a:spAutoFit/>
+          </a:bodyPr>
+          <a:lstStyle/>
+          <a:p>
+            <a:r>
+              <a:rPr lang="en-US" altLang="zh-CN" sz="1100" dirty="0"/>
+              <a:t>Start with server-mode</a:t>
+            </a:r>
+            <a:endParaRPr lang="en-SG" sz="1100" dirty="0"/>
+          </a:p>
+        </p:txBody>
+      </p:sp>
+      <p:pic>
+        <p:nvPicPr>
+          <p:cNvPr id="34" name="Picture 33">
+            <a:extLst>
+              <a:ext uri="{FF2B5EF4-FFF2-40B4-BE49-F238E27FC236}">
+                <a16:creationId xmlns:a16="http://schemas.microsoft.com/office/drawing/2014/main" id="{10EC8C2E-F19D-CECE-D8CD-BDA9E27D4906}"/>
+              </a:ext>
+            </a:extLst>
+          </p:cNvPr>
+          <p:cNvPicPr>
+            <a:picLocks noChangeAspect="1"/>
+          </p:cNvPicPr>
+          <p:nvPr/>
+        </p:nvPicPr>
+        <p:blipFill>
+          <a:blip r:embed="rId2"/>
+          <a:stretch>
+            <a:fillRect/>
+          </a:stretch>
+        </p:blipFill>
+        <p:spPr>
+          <a:xfrm>
+            <a:off x="5626582" y="2983395"/>
+            <a:ext cx="4201111" cy="1848108"/>
+          </a:xfrm>
+          <a:prstGeom prst="rect">
+            <a:avLst/>
+          </a:prstGeom>
+        </p:spPr>
+      </p:pic>
+      <p:pic>
+        <p:nvPicPr>
+          <p:cNvPr id="36" name="Picture 35">
+            <a:extLst>
+              <a:ext uri="{FF2B5EF4-FFF2-40B4-BE49-F238E27FC236}">
+                <a16:creationId xmlns:a16="http://schemas.microsoft.com/office/drawing/2014/main" id="{E44D8899-320A-574D-66D1-CC31111D44DF}"/>
+              </a:ext>
+            </a:extLst>
+          </p:cNvPr>
+          <p:cNvPicPr>
+            <a:picLocks noChangeAspect="1"/>
+          </p:cNvPicPr>
+          <p:nvPr/>
+        </p:nvPicPr>
+        <p:blipFill>
+          <a:blip r:embed="rId3"/>
+          <a:stretch>
+            <a:fillRect/>
+          </a:stretch>
+        </p:blipFill>
+        <p:spPr>
+          <a:xfrm>
+            <a:off x="691079" y="2983395"/>
+            <a:ext cx="4201111" cy="1752845"/>
+          </a:xfrm>
+          <a:prstGeom prst="rect">
+            <a:avLst/>
+          </a:prstGeom>
+        </p:spPr>
+      </p:pic>
+      <p:pic>
+        <p:nvPicPr>
+          <p:cNvPr id="38" name="Picture 37">
+            <a:extLst>
+              <a:ext uri="{FF2B5EF4-FFF2-40B4-BE49-F238E27FC236}">
+                <a16:creationId xmlns:a16="http://schemas.microsoft.com/office/drawing/2014/main" id="{B56F8D80-8A26-45EB-F409-C52476E28732}"/>
+              </a:ext>
+            </a:extLst>
+          </p:cNvPr>
+          <p:cNvPicPr>
+            <a:picLocks noChangeAspect="1"/>
+          </p:cNvPicPr>
+          <p:nvPr/>
+        </p:nvPicPr>
+        <p:blipFill>
+          <a:blip r:embed="rId4"/>
+          <a:stretch>
+            <a:fillRect/>
+          </a:stretch>
+        </p:blipFill>
+        <p:spPr>
+          <a:xfrm>
+            <a:off x="700605" y="4966851"/>
+            <a:ext cx="4191585" cy="1886213"/>
+          </a:xfrm>
+          <a:prstGeom prst="rect">
+            <a:avLst/>
+          </a:prstGeom>
+        </p:spPr>
+      </p:pic>
+      <p:sp>
+        <p:nvSpPr>
+          <p:cNvPr id="39" name="TextBox 38">
+            <a:extLst>
+              <a:ext uri="{FF2B5EF4-FFF2-40B4-BE49-F238E27FC236}">
+                <a16:creationId xmlns:a16="http://schemas.microsoft.com/office/drawing/2014/main" id="{9B2A547B-89D0-CB3B-D4EE-A59A84AAFB76}"/>
+              </a:ext>
+            </a:extLst>
+          </p:cNvPr>
+          <p:cNvSpPr txBox="1"/>
+          <p:nvPr/>
+        </p:nvSpPr>
+        <p:spPr>
+          <a:xfrm>
+            <a:off x="691079" y="2752784"/>
+            <a:ext cx="2725714" cy="259716"/>
+          </a:xfrm>
+          <a:prstGeom prst="rect">
+            <a:avLst/>
+          </a:prstGeom>
+          <a:noFill/>
+        </p:spPr>
+        <p:txBody>
+          <a:bodyPr wrap="square">
+            <a:spAutoFit/>
+          </a:bodyPr>
+          <a:lstStyle/>
+          <a:p>
+            <a:r>
+              <a:rPr lang="en-US" altLang="zh-CN" sz="1100" dirty="0"/>
+              <a:t>Start with static-mode</a:t>
+            </a:r>
+            <a:endParaRPr lang="en-SG" sz="1100" dirty="0"/>
+          </a:p>
+        </p:txBody>
+      </p:sp>
+      <p:pic>
+        <p:nvPicPr>
+          <p:cNvPr id="41" name="Picture 40">
+            <a:extLst>
+              <a:ext uri="{FF2B5EF4-FFF2-40B4-BE49-F238E27FC236}">
+                <a16:creationId xmlns:a16="http://schemas.microsoft.com/office/drawing/2014/main" id="{94A20454-1F24-12C0-709A-E99DAC5068B8}"/>
+              </a:ext>
+            </a:extLst>
+          </p:cNvPr>
+          <p:cNvPicPr>
+            <a:picLocks noChangeAspect="1"/>
+          </p:cNvPicPr>
+          <p:nvPr/>
+        </p:nvPicPr>
+        <p:blipFill>
+          <a:blip r:embed="rId5"/>
+          <a:stretch>
+            <a:fillRect/>
+          </a:stretch>
+        </p:blipFill>
+        <p:spPr>
+          <a:xfrm>
+            <a:off x="5626582" y="4961361"/>
+            <a:ext cx="4239217" cy="1819529"/>
+          </a:xfrm>
+          <a:prstGeom prst="rect">
+            <a:avLst/>
+          </a:prstGeom>
+        </p:spPr>
+      </p:pic>
+      <p:sp>
+        <p:nvSpPr>
+          <p:cNvPr id="42" name="TextBox 41">
+            <a:extLst>
+              <a:ext uri="{FF2B5EF4-FFF2-40B4-BE49-F238E27FC236}">
+                <a16:creationId xmlns:a16="http://schemas.microsoft.com/office/drawing/2014/main" id="{76CE6769-E4A6-9591-5232-D7262803A033}"/>
+              </a:ext>
+            </a:extLst>
+          </p:cNvPr>
+          <p:cNvSpPr txBox="1"/>
+          <p:nvPr/>
+        </p:nvSpPr>
+        <p:spPr>
+          <a:xfrm>
+            <a:off x="5626582" y="4701645"/>
+            <a:ext cx="2725714" cy="259716"/>
+          </a:xfrm>
+          <a:prstGeom prst="rect">
+            <a:avLst/>
+          </a:prstGeom>
+          <a:noFill/>
+        </p:spPr>
+        <p:txBody>
+          <a:bodyPr wrap="square">
+            <a:spAutoFit/>
+          </a:bodyPr>
+          <a:lstStyle/>
+          <a:p>
+            <a:r>
+              <a:rPr lang="en-US" altLang="zh-CN" sz="1100" dirty="0"/>
+              <a:t>Start with auto-mode</a:t>
+            </a:r>
+            <a:endParaRPr lang="en-SG" sz="1100" dirty="0"/>
+          </a:p>
+        </p:txBody>
+      </p:sp>
+    </p:spTree>
+    <p:extLst>
+      <p:ext uri="{BB962C8B-B14F-4D97-AF65-F5344CB8AC3E}">
+        <p14:creationId xmlns:p14="http://schemas.microsoft.com/office/powerpoint/2010/main" val="1421946941"/>
+      </p:ext>
+    </p:extLst>
+  </p:cSld>
+  <p:clrMapOvr>
+    <a:masterClrMapping/>
+  </p:clrMapOvr>
+</p:sld>
+</file>
+
+<file path=ppt/slides/slide16.xml><?xml version="1.0" encoding="utf-8"?>
 <p:sld xmlns:a="http://schemas.openxmlformats.org/drawingml/2006/main" xmlns:r="http://schemas.openxmlformats.org/officeDocument/2006/relationships" xmlns:p="http://schemas.openxmlformats.org/presentationml/2006/main">
   <p:cSld>
     <p:spTree>
@@ -16907,7 +18330,7 @@
 </p:sld>
 </file>
 
-<file path=ppt/slides/slide11.xml><?xml version="1.0" encoding="utf-8"?>
+<file path=ppt/slides/slide17.xml><?xml version="1.0" encoding="utf-8"?>
 <p:sld xmlns:a="http://schemas.openxmlformats.org/drawingml/2006/main" xmlns:r="http://schemas.openxmlformats.org/officeDocument/2006/relationships" xmlns:p="http://schemas.openxmlformats.org/presentationml/2006/main">
   <p:cSld>
     <p:spTree>
@@ -17121,7 +18544,7 @@
 </p:sld>
 </file>
 
-<file path=ppt/slides/slide12.xml><?xml version="1.0" encoding="utf-8"?>
+<file path=ppt/slides/slide18.xml><?xml version="1.0" encoding="utf-8"?>
 <p:sld xmlns:a="http://schemas.openxmlformats.org/drawingml/2006/main" xmlns:r="http://schemas.openxmlformats.org/officeDocument/2006/relationships" xmlns:p="http://schemas.openxmlformats.org/presentationml/2006/main">
   <p:cSld>
     <p:spTree>
@@ -18001,7 +19424,7 @@
 </p:sld>
 </file>
 
-<file path=ppt/slides/slide13.xml><?xml version="1.0" encoding="utf-8"?>
+<file path=ppt/slides/slide19.xml><?xml version="1.0" encoding="utf-8"?>
 <p:sld xmlns:a="http://schemas.openxmlformats.org/drawingml/2006/main" xmlns:r="http://schemas.openxmlformats.org/officeDocument/2006/relationships" xmlns:p="http://schemas.openxmlformats.org/presentationml/2006/main">
   <p:cSld>
     <p:spTree>
@@ -18169,7 +19592,2483 @@
 </p:sld>
 </file>
 
-<file path=ppt/slides/slide14.xml><?xml version="1.0" encoding="utf-8"?>
+<file path=ppt/slides/slide2.xml><?xml version="1.0" encoding="utf-8"?>
+<p:sld xmlns:a="http://schemas.openxmlformats.org/drawingml/2006/main" xmlns:r="http://schemas.openxmlformats.org/officeDocument/2006/relationships" xmlns:p="http://schemas.openxmlformats.org/presentationml/2006/main">
+  <p:cSld>
+    <p:bg>
+      <p:bgPr>
+        <a:solidFill>
+          <a:schemeClr val="bg1"/>
+        </a:solidFill>
+        <a:effectLst/>
+      </p:bgPr>
+    </p:bg>
+    <p:spTree>
+      <p:nvGrpSpPr>
+        <p:cNvPr id="1" name=""/>
+        <p:cNvGrpSpPr/>
+        <p:nvPr/>
+      </p:nvGrpSpPr>
+      <p:grpSpPr>
+        <a:xfrm>
+          <a:off x="0" y="0"/>
+          <a:ext cx="0" cy="0"/>
+          <a:chOff x="0" y="0"/>
+          <a:chExt cx="0" cy="0"/>
+        </a:xfrm>
+      </p:grpSpPr>
+      <p:sp useBgFill="1">
+        <p:nvSpPr>
+          <p:cNvPr id="56" name="Rectangle 55">
+            <a:extLst>
+              <a:ext uri="{FF2B5EF4-FFF2-40B4-BE49-F238E27FC236}">
+                <a16:creationId xmlns:a16="http://schemas.microsoft.com/office/drawing/2014/main" id="{D7C3C2D0-A48F-4A6F-9C7D-888E9DFE643A}"/>
+              </a:ext>
+              <a:ext uri="{C183D7F6-B498-43B3-948B-1728B52AA6E4}">
+                <adec:decorative xmlns:adec="http://schemas.microsoft.com/office/drawing/2017/decorative" val="1"/>
+              </a:ext>
+            </a:extLst>
+          </p:cNvPr>
+          <p:cNvSpPr>
+            <a:spLocks noGrp="1" noRot="1" noChangeAspect="1" noMove="1" noResize="1" noEditPoints="1" noAdjustHandles="1" noChangeArrowheads="1" noChangeShapeType="1" noTextEdit="1"/>
+          </p:cNvSpPr>
+          <p:nvPr>
+            <p:extLst>
+              <p:ext uri="{386F3935-93C4-4BCD-93E2-E3B085C9AB24}">
+                <p16:designElem xmlns:p16="http://schemas.microsoft.com/office/powerpoint/2015/main" val="1"/>
+              </p:ext>
+            </p:extLst>
+          </p:nvPr>
+        </p:nvSpPr>
+        <p:spPr>
+          <a:xfrm>
+            <a:off x="0" y="0"/>
+            <a:ext cx="12188952" cy="6858000"/>
+          </a:xfrm>
+          <a:prstGeom prst="rect">
+            <a:avLst/>
+          </a:prstGeom>
+          <a:ln>
+            <a:noFill/>
+          </a:ln>
+        </p:spPr>
+        <p:style>
+          <a:lnRef idx="2">
+            <a:schemeClr val="accent1">
+              <a:shade val="50000"/>
+            </a:schemeClr>
+          </a:lnRef>
+          <a:fillRef idx="1">
+            <a:schemeClr val="accent1"/>
+          </a:fillRef>
+          <a:effectRef idx="0">
+            <a:schemeClr val="accent1"/>
+          </a:effectRef>
+          <a:fontRef idx="minor">
+            <a:schemeClr val="lt1"/>
+          </a:fontRef>
+        </p:style>
+        <p:txBody>
+          <a:bodyPr rtlCol="0" anchor="ctr"/>
+          <a:lstStyle/>
+          <a:p>
+            <a:pPr algn="ctr"/>
+            <a:endParaRPr lang="en-US" dirty="0">
+              <a:solidFill>
+                <a:schemeClr val="bg1"/>
+              </a:solidFill>
+            </a:endParaRPr>
+          </a:p>
+        </p:txBody>
+      </p:sp>
+      <p:sp useBgFill="1">
+        <p:nvSpPr>
+          <p:cNvPr id="58" name="Freeform: Shape 57">
+            <a:extLst>
+              <a:ext uri="{FF2B5EF4-FFF2-40B4-BE49-F238E27FC236}">
+                <a16:creationId xmlns:a16="http://schemas.microsoft.com/office/drawing/2014/main" id="{A522AC37-2BE3-4ECF-A007-1DE6CB354FFE}"/>
+              </a:ext>
+              <a:ext uri="{C183D7F6-B498-43B3-948B-1728B52AA6E4}">
+                <adec:decorative xmlns:adec="http://schemas.microsoft.com/office/drawing/2017/decorative" val="1"/>
+              </a:ext>
+            </a:extLst>
+          </p:cNvPr>
+          <p:cNvSpPr>
+            <a:spLocks noGrp="1" noRot="1" noChangeAspect="1" noMove="1" noResize="1" noEditPoints="1" noAdjustHandles="1" noChangeArrowheads="1" noChangeShapeType="1" noTextEdit="1"/>
+          </p:cNvSpPr>
+          <p:nvPr>
+            <p:extLst>
+              <p:ext uri="{386F3935-93C4-4BCD-93E2-E3B085C9AB24}">
+                <p16:designElem xmlns:p16="http://schemas.microsoft.com/office/powerpoint/2015/main" val="1"/>
+              </p:ext>
+            </p:extLst>
+          </p:nvPr>
+        </p:nvSpPr>
+        <p:spPr>
+          <a:xfrm rot="5400000" flipV="1">
+            <a:off x="5594387" y="266591"/>
+            <a:ext cx="6857996" cy="6324809"/>
+          </a:xfrm>
+          <a:custGeom>
+            <a:avLst/>
+            <a:gdLst>
+              <a:gd name="connsiteX0" fmla="*/ 0 w 6857996"/>
+              <a:gd name="connsiteY0" fmla="*/ 2827344 h 6142577"/>
+              <a:gd name="connsiteX1" fmla="*/ 0 w 6857996"/>
+              <a:gd name="connsiteY1" fmla="*/ 5080510 h 6142577"/>
+              <a:gd name="connsiteX2" fmla="*/ 3 w 6857996"/>
+              <a:gd name="connsiteY2" fmla="*/ 5080510 h 6142577"/>
+              <a:gd name="connsiteX3" fmla="*/ 3 w 6857996"/>
+              <a:gd name="connsiteY3" fmla="*/ 6142577 h 6142577"/>
+              <a:gd name="connsiteX4" fmla="*/ 6857996 w 6857996"/>
+              <a:gd name="connsiteY4" fmla="*/ 6142577 h 6142577"/>
+              <a:gd name="connsiteX5" fmla="*/ 6857996 w 6857996"/>
+              <a:gd name="connsiteY5" fmla="*/ 3928749 h 6142577"/>
+              <a:gd name="connsiteX6" fmla="*/ 6857996 w 6857996"/>
+              <a:gd name="connsiteY6" fmla="*/ 2572597 h 6142577"/>
+              <a:gd name="connsiteX7" fmla="*/ 6857996 w 6857996"/>
+              <a:gd name="connsiteY7" fmla="*/ 307516 h 6142577"/>
+              <a:gd name="connsiteX8" fmla="*/ 6550769 w 6857996"/>
+              <a:gd name="connsiteY8" fmla="*/ 222609 h 6142577"/>
+              <a:gd name="connsiteX9" fmla="*/ 5031274 w 6857996"/>
+              <a:gd name="connsiteY9" fmla="*/ 33 h 6142577"/>
+              <a:gd name="connsiteX10" fmla="*/ 310659 w 6857996"/>
+              <a:gd name="connsiteY10" fmla="*/ 1067285 h 6142577"/>
+              <a:gd name="connsiteX11" fmla="*/ 2 w 6857996"/>
+              <a:gd name="connsiteY11" fmla="*/ 1072307 h 6142577"/>
+              <a:gd name="connsiteX12" fmla="*/ 2 w 6857996"/>
+              <a:gd name="connsiteY12" fmla="*/ 2827344 h 6142577"/>
+            </a:gdLst>
+            <a:ahLst/>
+            <a:cxnLst>
+              <a:cxn ang="0">
+                <a:pos x="connsiteX0" y="connsiteY0"/>
+              </a:cxn>
+              <a:cxn ang="0">
+                <a:pos x="connsiteX1" y="connsiteY1"/>
+              </a:cxn>
+              <a:cxn ang="0">
+                <a:pos x="connsiteX2" y="connsiteY2"/>
+              </a:cxn>
+              <a:cxn ang="0">
+                <a:pos x="connsiteX3" y="connsiteY3"/>
+              </a:cxn>
+              <a:cxn ang="0">
+                <a:pos x="connsiteX4" y="connsiteY4"/>
+              </a:cxn>
+              <a:cxn ang="0">
+                <a:pos x="connsiteX5" y="connsiteY5"/>
+              </a:cxn>
+              <a:cxn ang="0">
+                <a:pos x="connsiteX6" y="connsiteY6"/>
+              </a:cxn>
+              <a:cxn ang="0">
+                <a:pos x="connsiteX7" y="connsiteY7"/>
+              </a:cxn>
+              <a:cxn ang="0">
+                <a:pos x="connsiteX8" y="connsiteY8"/>
+              </a:cxn>
+              <a:cxn ang="0">
+                <a:pos x="connsiteX9" y="connsiteY9"/>
+              </a:cxn>
+              <a:cxn ang="0">
+                <a:pos x="connsiteX10" y="connsiteY10"/>
+              </a:cxn>
+              <a:cxn ang="0">
+                <a:pos x="connsiteX11" y="connsiteY11"/>
+              </a:cxn>
+              <a:cxn ang="0">
+                <a:pos x="connsiteX12" y="connsiteY12"/>
+              </a:cxn>
+            </a:cxnLst>
+            <a:rect l="l" t="t" r="r" b="b"/>
+            <a:pathLst>
+              <a:path w="6857996" h="6142577">
+                <a:moveTo>
+                  <a:pt x="0" y="2827344"/>
+                </a:moveTo>
+                <a:lnTo>
+                  <a:pt x="0" y="5080510"/>
+                </a:lnTo>
+                <a:lnTo>
+                  <a:pt x="3" y="5080510"/>
+                </a:lnTo>
+                <a:lnTo>
+                  <a:pt x="3" y="6142577"/>
+                </a:lnTo>
+                <a:lnTo>
+                  <a:pt x="6857996" y="6142577"/>
+                </a:lnTo>
+                <a:lnTo>
+                  <a:pt x="6857996" y="3928749"/>
+                </a:lnTo>
+                <a:lnTo>
+                  <a:pt x="6857996" y="2572597"/>
+                </a:lnTo>
+                <a:lnTo>
+                  <a:pt x="6857996" y="307516"/>
+                </a:lnTo>
+                <a:lnTo>
+                  <a:pt x="6550769" y="222609"/>
+                </a:lnTo>
+                <a:cubicBezTo>
+                  <a:pt x="5946238" y="65902"/>
+                  <a:pt x="5454822" y="1688"/>
+                  <a:pt x="5031274" y="33"/>
+                </a:cubicBezTo>
+                <a:cubicBezTo>
+                  <a:pt x="3337081" y="-6590"/>
+                  <a:pt x="2728780" y="987729"/>
+                  <a:pt x="310659" y="1067285"/>
+                </a:cubicBezTo>
+                <a:lnTo>
+                  <a:pt x="2" y="1072307"/>
+                </a:lnTo>
+                <a:lnTo>
+                  <a:pt x="2" y="2827344"/>
+                </a:lnTo>
+                <a:close/>
+              </a:path>
+            </a:pathLst>
+          </a:custGeom>
+          <a:solidFill>
+            <a:srgbClr val="BCBCBC">
+              <a:alpha val="30000"/>
+            </a:srgbClr>
+          </a:solidFill>
+          <a:ln>
+            <a:noFill/>
+          </a:ln>
+        </p:spPr>
+        <p:style>
+          <a:lnRef idx="2">
+            <a:schemeClr val="accent1">
+              <a:shade val="50000"/>
+            </a:schemeClr>
+          </a:lnRef>
+          <a:fillRef idx="1">
+            <a:schemeClr val="accent1"/>
+          </a:fillRef>
+          <a:effectRef idx="0">
+            <a:schemeClr val="accent1"/>
+          </a:effectRef>
+          <a:fontRef idx="minor">
+            <a:schemeClr val="lt1"/>
+          </a:fontRef>
+        </p:style>
+        <p:txBody>
+          <a:bodyPr wrap="square" rtlCol="0" anchor="ctr">
+            <a:noAutofit/>
+          </a:bodyPr>
+          <a:lstStyle/>
+          <a:p>
+            <a:pPr algn="ctr"/>
+            <a:endParaRPr lang="en-US" dirty="0"/>
+          </a:p>
+        </p:txBody>
+      </p:sp>
+      <p:grpSp>
+        <p:nvGrpSpPr>
+          <p:cNvPr id="60" name="Group 59">
+            <a:extLst>
+              <a:ext uri="{FF2B5EF4-FFF2-40B4-BE49-F238E27FC236}">
+                <a16:creationId xmlns:a16="http://schemas.microsoft.com/office/drawing/2014/main" id="{ACAC8F7F-D35D-4520-8F56-4EFA77C73B66}"/>
+              </a:ext>
+              <a:ext uri="{C183D7F6-B498-43B3-948B-1728B52AA6E4}">
+                <adec:decorative xmlns:adec="http://schemas.microsoft.com/office/drawing/2017/decorative" val="1"/>
+              </a:ext>
+            </a:extLst>
+          </p:cNvPr>
+          <p:cNvGrpSpPr>
+            <a:grpSpLocks noGrp="1" noUngrp="1" noRot="1" noChangeAspect="1" noMove="1" noResize="1"/>
+          </p:cNvGrpSpPr>
+          <p:nvPr>
+            <p:extLst>
+              <p:ext uri="{386F3935-93C4-4BCD-93E2-E3B085C9AB24}">
+                <p16:designElem xmlns:p16="http://schemas.microsoft.com/office/powerpoint/2015/main" val="1"/>
+              </p:ext>
+            </p:extLst>
+          </p:nvPr>
+        </p:nvGrpSpPr>
+        <p:grpSpPr>
+          <a:xfrm>
+            <a:off x="-6214" y="-1"/>
+            <a:ext cx="12214827" cy="6858000"/>
+            <a:chOff x="-6214" y="-1"/>
+            <a:chExt cx="12214827" cy="6858000"/>
+          </a:xfrm>
+        </p:grpSpPr>
+        <p:cxnSp>
+          <p:nvCxnSpPr>
+            <p:cNvPr id="61" name="Straight Connector 60">
+              <a:extLst>
+                <a:ext uri="{FF2B5EF4-FFF2-40B4-BE49-F238E27FC236}">
+                  <a16:creationId xmlns:a16="http://schemas.microsoft.com/office/drawing/2014/main" id="{E87C587A-B291-49B1-BE30-198570DDACDF}"/>
+                </a:ext>
+                <a:ext uri="{C183D7F6-B498-43B3-948B-1728B52AA6E4}">
+                  <adec:decorative xmlns:adec="http://schemas.microsoft.com/office/drawing/2017/decorative" val="1"/>
+                </a:ext>
+              </a:extLst>
+            </p:cNvPr>
+            <p:cNvCxnSpPr>
+              <a:cxnSpLocks/>
+            </p:cNvCxnSpPr>
+            <p:nvPr>
+              <p:extLst>
+                <p:ext uri="{386F3935-93C4-4BCD-93E2-E3B085C9AB24}">
+                  <p16:designElem xmlns:p16="http://schemas.microsoft.com/office/powerpoint/2015/main" val="1"/>
+                </p:ext>
+              </p:extLst>
+            </p:nvPr>
+          </p:nvCxnSpPr>
+          <p:spPr>
+            <a:xfrm>
+              <a:off x="-6214" y="6686283"/>
+              <a:ext cx="12192000" cy="0"/>
+            </a:xfrm>
+            <a:prstGeom prst="line">
+              <a:avLst/>
+            </a:prstGeom>
+            <a:ln w="12700">
+              <a:solidFill>
+                <a:srgbClr val="BCBCBC">
+                  <a:alpha val="29804"/>
+                </a:srgbClr>
+              </a:solidFill>
+              <a:prstDash val="sysDot"/>
+            </a:ln>
+          </p:spPr>
+          <p:style>
+            <a:lnRef idx="1">
+              <a:schemeClr val="accent1"/>
+            </a:lnRef>
+            <a:fillRef idx="0">
+              <a:schemeClr val="accent1"/>
+            </a:fillRef>
+            <a:effectRef idx="0">
+              <a:schemeClr val="accent1"/>
+            </a:effectRef>
+            <a:fontRef idx="minor">
+              <a:schemeClr val="tx1"/>
+            </a:fontRef>
+          </p:style>
+        </p:cxnSp>
+        <p:cxnSp>
+          <p:nvCxnSpPr>
+            <p:cNvPr id="62" name="Straight Connector 61">
+              <a:extLst>
+                <a:ext uri="{FF2B5EF4-FFF2-40B4-BE49-F238E27FC236}">
+                  <a16:creationId xmlns:a16="http://schemas.microsoft.com/office/drawing/2014/main" id="{CB6C1D58-93FC-4B49-9F8B-2262E08DAAB3}"/>
+                </a:ext>
+                <a:ext uri="{C183D7F6-B498-43B3-948B-1728B52AA6E4}">
+                  <adec:decorative xmlns:adec="http://schemas.microsoft.com/office/drawing/2017/decorative" val="1"/>
+                </a:ext>
+              </a:extLst>
+            </p:cNvPr>
+            <p:cNvCxnSpPr>
+              <a:cxnSpLocks/>
+            </p:cNvCxnSpPr>
+            <p:nvPr>
+              <p:extLst>
+                <p:ext uri="{386F3935-93C4-4BCD-93E2-E3B085C9AB24}">
+                  <p16:designElem xmlns:p16="http://schemas.microsoft.com/office/powerpoint/2015/main" val="1"/>
+                </p:ext>
+              </p:extLst>
+            </p:nvPr>
+          </p:nvCxnSpPr>
+          <p:spPr>
+            <a:xfrm>
+              <a:off x="0" y="-1"/>
+              <a:ext cx="0" cy="6858000"/>
+            </a:xfrm>
+            <a:prstGeom prst="line">
+              <a:avLst/>
+            </a:prstGeom>
+            <a:ln w="12700">
+              <a:solidFill>
+                <a:srgbClr val="BCBCBC">
+                  <a:alpha val="29804"/>
+                </a:srgbClr>
+              </a:solidFill>
+              <a:prstDash val="sysDot"/>
+            </a:ln>
+          </p:spPr>
+          <p:style>
+            <a:lnRef idx="1">
+              <a:schemeClr val="accent1"/>
+            </a:lnRef>
+            <a:fillRef idx="0">
+              <a:schemeClr val="accent1"/>
+            </a:fillRef>
+            <a:effectRef idx="0">
+              <a:schemeClr val="accent1"/>
+            </a:effectRef>
+            <a:fontRef idx="minor">
+              <a:schemeClr val="tx1"/>
+            </a:fontRef>
+          </p:style>
+        </p:cxnSp>
+        <p:cxnSp>
+          <p:nvCxnSpPr>
+            <p:cNvPr id="63" name="Straight Connector 62">
+              <a:extLst>
+                <a:ext uri="{FF2B5EF4-FFF2-40B4-BE49-F238E27FC236}">
+                  <a16:creationId xmlns:a16="http://schemas.microsoft.com/office/drawing/2014/main" id="{F0965ED9-2FC3-4180-9CAC-D7DF1C7BEF99}"/>
+                </a:ext>
+                <a:ext uri="{C183D7F6-B498-43B3-948B-1728B52AA6E4}">
+                  <adec:decorative xmlns:adec="http://schemas.microsoft.com/office/drawing/2017/decorative" val="1"/>
+                </a:ext>
+              </a:extLst>
+            </p:cNvPr>
+            <p:cNvCxnSpPr>
+              <a:cxnSpLocks/>
+            </p:cNvCxnSpPr>
+            <p:nvPr>
+              <p:extLst>
+                <p:ext uri="{386F3935-93C4-4BCD-93E2-E3B085C9AB24}">
+                  <p16:designElem xmlns:p16="http://schemas.microsoft.com/office/powerpoint/2015/main" val="1"/>
+                </p:ext>
+              </p:extLst>
+            </p:nvPr>
+          </p:nvCxnSpPr>
+          <p:spPr>
+            <a:xfrm>
+              <a:off x="11993258" y="-1"/>
+              <a:ext cx="0" cy="6858000"/>
+            </a:xfrm>
+            <a:prstGeom prst="line">
+              <a:avLst/>
+            </a:prstGeom>
+            <a:ln w="12700">
+              <a:solidFill>
+                <a:srgbClr val="BCBCBC">
+                  <a:alpha val="29804"/>
+                </a:srgbClr>
+              </a:solidFill>
+              <a:prstDash val="sysDot"/>
+            </a:ln>
+          </p:spPr>
+          <p:style>
+            <a:lnRef idx="1">
+              <a:schemeClr val="accent1"/>
+            </a:lnRef>
+            <a:fillRef idx="0">
+              <a:schemeClr val="accent1"/>
+            </a:fillRef>
+            <a:effectRef idx="0">
+              <a:schemeClr val="accent1"/>
+            </a:effectRef>
+            <a:fontRef idx="minor">
+              <a:schemeClr val="tx1"/>
+            </a:fontRef>
+          </p:style>
+        </p:cxnSp>
+        <p:cxnSp>
+          <p:nvCxnSpPr>
+            <p:cNvPr id="64" name="Straight Connector 63">
+              <a:extLst>
+                <a:ext uri="{FF2B5EF4-FFF2-40B4-BE49-F238E27FC236}">
+                  <a16:creationId xmlns:a16="http://schemas.microsoft.com/office/drawing/2014/main" id="{F116CA23-FA2C-4A44-A67C-FC147A715DD7}"/>
+                </a:ext>
+                <a:ext uri="{C183D7F6-B498-43B3-948B-1728B52AA6E4}">
+                  <adec:decorative xmlns:adec="http://schemas.microsoft.com/office/drawing/2017/decorative" val="1"/>
+                </a:ext>
+              </a:extLst>
+            </p:cNvPr>
+            <p:cNvCxnSpPr>
+              <a:cxnSpLocks/>
+            </p:cNvCxnSpPr>
+            <p:nvPr>
+              <p:extLst>
+                <p:ext uri="{386F3935-93C4-4BCD-93E2-E3B085C9AB24}">
+                  <p16:designElem xmlns:p16="http://schemas.microsoft.com/office/powerpoint/2015/main" val="1"/>
+                </p:ext>
+              </p:extLst>
+            </p:nvPr>
+          </p:nvCxnSpPr>
+          <p:spPr>
+            <a:xfrm>
+              <a:off x="192528" y="-1"/>
+              <a:ext cx="0" cy="6858000"/>
+            </a:xfrm>
+            <a:prstGeom prst="line">
+              <a:avLst/>
+            </a:prstGeom>
+            <a:ln w="12700">
+              <a:solidFill>
+                <a:srgbClr val="BCBCBC">
+                  <a:alpha val="29804"/>
+                </a:srgbClr>
+              </a:solidFill>
+              <a:prstDash val="sysDot"/>
+            </a:ln>
+          </p:spPr>
+          <p:style>
+            <a:lnRef idx="1">
+              <a:schemeClr val="accent1"/>
+            </a:lnRef>
+            <a:fillRef idx="0">
+              <a:schemeClr val="accent1"/>
+            </a:fillRef>
+            <a:effectRef idx="0">
+              <a:schemeClr val="accent1"/>
+            </a:effectRef>
+            <a:fontRef idx="minor">
+              <a:schemeClr val="tx1"/>
+            </a:fontRef>
+          </p:style>
+        </p:cxnSp>
+        <p:cxnSp>
+          <p:nvCxnSpPr>
+            <p:cNvPr id="65" name="Straight Connector 64">
+              <a:extLst>
+                <a:ext uri="{FF2B5EF4-FFF2-40B4-BE49-F238E27FC236}">
+                  <a16:creationId xmlns:a16="http://schemas.microsoft.com/office/drawing/2014/main" id="{E2C391CF-E782-40EA-B1EB-05ADC774CCE1}"/>
+                </a:ext>
+                <a:ext uri="{C183D7F6-B498-43B3-948B-1728B52AA6E4}">
+                  <adec:decorative xmlns:adec="http://schemas.microsoft.com/office/drawing/2017/decorative" val="1"/>
+                </a:ext>
+              </a:extLst>
+            </p:cNvPr>
+            <p:cNvCxnSpPr>
+              <a:cxnSpLocks/>
+            </p:cNvCxnSpPr>
+            <p:nvPr>
+              <p:extLst>
+                <p:ext uri="{386F3935-93C4-4BCD-93E2-E3B085C9AB24}">
+                  <p16:designElem xmlns:p16="http://schemas.microsoft.com/office/powerpoint/2015/main" val="1"/>
+                </p:ext>
+              </p:extLst>
+            </p:nvPr>
+          </p:nvCxnSpPr>
+          <p:spPr>
+            <a:xfrm>
+              <a:off x="1175922" y="-1"/>
+              <a:ext cx="0" cy="6858000"/>
+            </a:xfrm>
+            <a:prstGeom prst="line">
+              <a:avLst/>
+            </a:prstGeom>
+            <a:ln w="12700">
+              <a:solidFill>
+                <a:srgbClr val="BCBCBC">
+                  <a:alpha val="29804"/>
+                </a:srgbClr>
+              </a:solidFill>
+              <a:prstDash val="sysDot"/>
+            </a:ln>
+          </p:spPr>
+          <p:style>
+            <a:lnRef idx="1">
+              <a:schemeClr val="accent1"/>
+            </a:lnRef>
+            <a:fillRef idx="0">
+              <a:schemeClr val="accent1"/>
+            </a:fillRef>
+            <a:effectRef idx="0">
+              <a:schemeClr val="accent1"/>
+            </a:effectRef>
+            <a:fontRef idx="minor">
+              <a:schemeClr val="tx1"/>
+            </a:fontRef>
+          </p:style>
+        </p:cxnSp>
+        <p:cxnSp>
+          <p:nvCxnSpPr>
+            <p:cNvPr id="66" name="Straight Connector 65">
+              <a:extLst>
+                <a:ext uri="{FF2B5EF4-FFF2-40B4-BE49-F238E27FC236}">
+                  <a16:creationId xmlns:a16="http://schemas.microsoft.com/office/drawing/2014/main" id="{7B322665-68EB-45B5-A6DE-2869B30F1C9C}"/>
+                </a:ext>
+                <a:ext uri="{C183D7F6-B498-43B3-948B-1728B52AA6E4}">
+                  <adec:decorative xmlns:adec="http://schemas.microsoft.com/office/drawing/2017/decorative" val="1"/>
+                </a:ext>
+              </a:extLst>
+            </p:cNvPr>
+            <p:cNvCxnSpPr>
+              <a:cxnSpLocks/>
+            </p:cNvCxnSpPr>
+            <p:nvPr>
+              <p:extLst>
+                <p:ext uri="{386F3935-93C4-4BCD-93E2-E3B085C9AB24}">
+                  <p16:designElem xmlns:p16="http://schemas.microsoft.com/office/powerpoint/2015/main" val="1"/>
+                </p:ext>
+              </p:extLst>
+            </p:nvPr>
+          </p:nvCxnSpPr>
+          <p:spPr>
+            <a:xfrm>
+              <a:off x="2159316" y="-1"/>
+              <a:ext cx="0" cy="6858000"/>
+            </a:xfrm>
+            <a:prstGeom prst="line">
+              <a:avLst/>
+            </a:prstGeom>
+            <a:ln w="12700">
+              <a:solidFill>
+                <a:srgbClr val="BCBCBC">
+                  <a:alpha val="29804"/>
+                </a:srgbClr>
+              </a:solidFill>
+              <a:prstDash val="sysDot"/>
+            </a:ln>
+          </p:spPr>
+          <p:style>
+            <a:lnRef idx="1">
+              <a:schemeClr val="accent1"/>
+            </a:lnRef>
+            <a:fillRef idx="0">
+              <a:schemeClr val="accent1"/>
+            </a:fillRef>
+            <a:effectRef idx="0">
+              <a:schemeClr val="accent1"/>
+            </a:effectRef>
+            <a:fontRef idx="minor">
+              <a:schemeClr val="tx1"/>
+            </a:fontRef>
+          </p:style>
+        </p:cxnSp>
+        <p:cxnSp>
+          <p:nvCxnSpPr>
+            <p:cNvPr id="67" name="Straight Connector 66">
+              <a:extLst>
+                <a:ext uri="{FF2B5EF4-FFF2-40B4-BE49-F238E27FC236}">
+                  <a16:creationId xmlns:a16="http://schemas.microsoft.com/office/drawing/2014/main" id="{A3B7FA59-83C4-4952-AF38-C1FC950E9067}"/>
+                </a:ext>
+                <a:ext uri="{C183D7F6-B498-43B3-948B-1728B52AA6E4}">
+                  <adec:decorative xmlns:adec="http://schemas.microsoft.com/office/drawing/2017/decorative" val="1"/>
+                </a:ext>
+              </a:extLst>
+            </p:cNvPr>
+            <p:cNvCxnSpPr>
+              <a:cxnSpLocks/>
+            </p:cNvCxnSpPr>
+            <p:nvPr>
+              <p:extLst>
+                <p:ext uri="{386F3935-93C4-4BCD-93E2-E3B085C9AB24}">
+                  <p16:designElem xmlns:p16="http://schemas.microsoft.com/office/powerpoint/2015/main" val="1"/>
+                </p:ext>
+              </p:extLst>
+            </p:nvPr>
+          </p:nvCxnSpPr>
+          <p:spPr>
+            <a:xfrm>
+              <a:off x="3142710" y="-1"/>
+              <a:ext cx="0" cy="6858000"/>
+            </a:xfrm>
+            <a:prstGeom prst="line">
+              <a:avLst/>
+            </a:prstGeom>
+            <a:ln w="12700">
+              <a:solidFill>
+                <a:srgbClr val="BCBCBC">
+                  <a:alpha val="29804"/>
+                </a:srgbClr>
+              </a:solidFill>
+              <a:prstDash val="sysDot"/>
+            </a:ln>
+          </p:spPr>
+          <p:style>
+            <a:lnRef idx="1">
+              <a:schemeClr val="accent1"/>
+            </a:lnRef>
+            <a:fillRef idx="0">
+              <a:schemeClr val="accent1"/>
+            </a:fillRef>
+            <a:effectRef idx="0">
+              <a:schemeClr val="accent1"/>
+            </a:effectRef>
+            <a:fontRef idx="minor">
+              <a:schemeClr val="tx1"/>
+            </a:fontRef>
+          </p:style>
+        </p:cxnSp>
+        <p:cxnSp>
+          <p:nvCxnSpPr>
+            <p:cNvPr id="68" name="Straight Connector 67">
+              <a:extLst>
+                <a:ext uri="{FF2B5EF4-FFF2-40B4-BE49-F238E27FC236}">
+                  <a16:creationId xmlns:a16="http://schemas.microsoft.com/office/drawing/2014/main" id="{CE5D6D3A-DE20-486C-BBBF-F9B0E4D8A8B7}"/>
+                </a:ext>
+                <a:ext uri="{C183D7F6-B498-43B3-948B-1728B52AA6E4}">
+                  <adec:decorative xmlns:adec="http://schemas.microsoft.com/office/drawing/2017/decorative" val="1"/>
+                </a:ext>
+              </a:extLst>
+            </p:cNvPr>
+            <p:cNvCxnSpPr>
+              <a:cxnSpLocks/>
+            </p:cNvCxnSpPr>
+            <p:nvPr>
+              <p:extLst>
+                <p:ext uri="{386F3935-93C4-4BCD-93E2-E3B085C9AB24}">
+                  <p16:designElem xmlns:p16="http://schemas.microsoft.com/office/powerpoint/2015/main" val="1"/>
+                </p:ext>
+              </p:extLst>
+            </p:nvPr>
+          </p:nvCxnSpPr>
+          <p:spPr>
+            <a:xfrm>
+              <a:off x="4126104" y="-1"/>
+              <a:ext cx="0" cy="6858000"/>
+            </a:xfrm>
+            <a:prstGeom prst="line">
+              <a:avLst/>
+            </a:prstGeom>
+            <a:ln w="12700">
+              <a:solidFill>
+                <a:srgbClr val="BCBCBC">
+                  <a:alpha val="29804"/>
+                </a:srgbClr>
+              </a:solidFill>
+              <a:prstDash val="sysDot"/>
+            </a:ln>
+          </p:spPr>
+          <p:style>
+            <a:lnRef idx="1">
+              <a:schemeClr val="accent1"/>
+            </a:lnRef>
+            <a:fillRef idx="0">
+              <a:schemeClr val="accent1"/>
+            </a:fillRef>
+            <a:effectRef idx="0">
+              <a:schemeClr val="accent1"/>
+            </a:effectRef>
+            <a:fontRef idx="minor">
+              <a:schemeClr val="tx1"/>
+            </a:fontRef>
+          </p:style>
+        </p:cxnSp>
+        <p:cxnSp>
+          <p:nvCxnSpPr>
+            <p:cNvPr id="69" name="Straight Connector 68">
+              <a:extLst>
+                <a:ext uri="{FF2B5EF4-FFF2-40B4-BE49-F238E27FC236}">
+                  <a16:creationId xmlns:a16="http://schemas.microsoft.com/office/drawing/2014/main" id="{9B8B1D81-CEF1-437F-8252-036661CB5E4B}"/>
+                </a:ext>
+                <a:ext uri="{C183D7F6-B498-43B3-948B-1728B52AA6E4}">
+                  <adec:decorative xmlns:adec="http://schemas.microsoft.com/office/drawing/2017/decorative" val="1"/>
+                </a:ext>
+              </a:extLst>
+            </p:cNvPr>
+            <p:cNvCxnSpPr>
+              <a:cxnSpLocks/>
+            </p:cNvCxnSpPr>
+            <p:nvPr>
+              <p:extLst>
+                <p:ext uri="{386F3935-93C4-4BCD-93E2-E3B085C9AB24}">
+                  <p16:designElem xmlns:p16="http://schemas.microsoft.com/office/powerpoint/2015/main" val="1"/>
+                </p:ext>
+              </p:extLst>
+            </p:nvPr>
+          </p:nvCxnSpPr>
+          <p:spPr>
+            <a:xfrm>
+              <a:off x="5109498" y="-1"/>
+              <a:ext cx="0" cy="6858000"/>
+            </a:xfrm>
+            <a:prstGeom prst="line">
+              <a:avLst/>
+            </a:prstGeom>
+            <a:ln w="12700">
+              <a:solidFill>
+                <a:srgbClr val="BCBCBC">
+                  <a:alpha val="29804"/>
+                </a:srgbClr>
+              </a:solidFill>
+              <a:prstDash val="sysDot"/>
+            </a:ln>
+          </p:spPr>
+          <p:style>
+            <a:lnRef idx="1">
+              <a:schemeClr val="accent1"/>
+            </a:lnRef>
+            <a:fillRef idx="0">
+              <a:schemeClr val="accent1"/>
+            </a:fillRef>
+            <a:effectRef idx="0">
+              <a:schemeClr val="accent1"/>
+            </a:effectRef>
+            <a:fontRef idx="minor">
+              <a:schemeClr val="tx1"/>
+            </a:fontRef>
+          </p:style>
+        </p:cxnSp>
+        <p:cxnSp>
+          <p:nvCxnSpPr>
+            <p:cNvPr id="70" name="Straight Connector 69">
+              <a:extLst>
+                <a:ext uri="{FF2B5EF4-FFF2-40B4-BE49-F238E27FC236}">
+                  <a16:creationId xmlns:a16="http://schemas.microsoft.com/office/drawing/2014/main" id="{E1B0312A-9358-4743-961A-6F77AEB5D9DD}"/>
+                </a:ext>
+                <a:ext uri="{C183D7F6-B498-43B3-948B-1728B52AA6E4}">
+                  <adec:decorative xmlns:adec="http://schemas.microsoft.com/office/drawing/2017/decorative" val="1"/>
+                </a:ext>
+              </a:extLst>
+            </p:cNvPr>
+            <p:cNvCxnSpPr>
+              <a:cxnSpLocks/>
+            </p:cNvCxnSpPr>
+            <p:nvPr>
+              <p:extLst>
+                <p:ext uri="{386F3935-93C4-4BCD-93E2-E3B085C9AB24}">
+                  <p16:designElem xmlns:p16="http://schemas.microsoft.com/office/powerpoint/2015/main" val="1"/>
+                </p:ext>
+              </p:extLst>
+            </p:nvPr>
+          </p:nvCxnSpPr>
+          <p:spPr>
+            <a:xfrm>
+              <a:off x="6092892" y="-1"/>
+              <a:ext cx="0" cy="6858000"/>
+            </a:xfrm>
+            <a:prstGeom prst="line">
+              <a:avLst/>
+            </a:prstGeom>
+            <a:ln w="12700">
+              <a:solidFill>
+                <a:srgbClr val="BCBCBC">
+                  <a:alpha val="29804"/>
+                </a:srgbClr>
+              </a:solidFill>
+              <a:prstDash val="sysDot"/>
+            </a:ln>
+          </p:spPr>
+          <p:style>
+            <a:lnRef idx="1">
+              <a:schemeClr val="accent1"/>
+            </a:lnRef>
+            <a:fillRef idx="0">
+              <a:schemeClr val="accent1"/>
+            </a:fillRef>
+            <a:effectRef idx="0">
+              <a:schemeClr val="accent1"/>
+            </a:effectRef>
+            <a:fontRef idx="minor">
+              <a:schemeClr val="tx1"/>
+            </a:fontRef>
+          </p:style>
+        </p:cxnSp>
+        <p:cxnSp>
+          <p:nvCxnSpPr>
+            <p:cNvPr id="71" name="Straight Connector 70">
+              <a:extLst>
+                <a:ext uri="{FF2B5EF4-FFF2-40B4-BE49-F238E27FC236}">
+                  <a16:creationId xmlns:a16="http://schemas.microsoft.com/office/drawing/2014/main" id="{2C02485F-0EE1-4595-A972-16A13E91914C}"/>
+                </a:ext>
+                <a:ext uri="{C183D7F6-B498-43B3-948B-1728B52AA6E4}">
+                  <adec:decorative xmlns:adec="http://schemas.microsoft.com/office/drawing/2017/decorative" val="1"/>
+                </a:ext>
+              </a:extLst>
+            </p:cNvPr>
+            <p:cNvCxnSpPr>
+              <a:cxnSpLocks/>
+            </p:cNvCxnSpPr>
+            <p:nvPr>
+              <p:extLst>
+                <p:ext uri="{386F3935-93C4-4BCD-93E2-E3B085C9AB24}">
+                  <p16:designElem xmlns:p16="http://schemas.microsoft.com/office/powerpoint/2015/main" val="1"/>
+                </p:ext>
+              </p:extLst>
+            </p:nvPr>
+          </p:nvCxnSpPr>
+          <p:spPr>
+            <a:xfrm>
+              <a:off x="7076286" y="-1"/>
+              <a:ext cx="0" cy="6858000"/>
+            </a:xfrm>
+            <a:prstGeom prst="line">
+              <a:avLst/>
+            </a:prstGeom>
+            <a:ln w="12700">
+              <a:solidFill>
+                <a:srgbClr val="BCBCBC">
+                  <a:alpha val="29804"/>
+                </a:srgbClr>
+              </a:solidFill>
+              <a:prstDash val="sysDot"/>
+            </a:ln>
+          </p:spPr>
+          <p:style>
+            <a:lnRef idx="1">
+              <a:schemeClr val="accent1"/>
+            </a:lnRef>
+            <a:fillRef idx="0">
+              <a:schemeClr val="accent1"/>
+            </a:fillRef>
+            <a:effectRef idx="0">
+              <a:schemeClr val="accent1"/>
+            </a:effectRef>
+            <a:fontRef idx="minor">
+              <a:schemeClr val="tx1"/>
+            </a:fontRef>
+          </p:style>
+        </p:cxnSp>
+        <p:cxnSp>
+          <p:nvCxnSpPr>
+            <p:cNvPr id="72" name="Straight Connector 71">
+              <a:extLst>
+                <a:ext uri="{FF2B5EF4-FFF2-40B4-BE49-F238E27FC236}">
+                  <a16:creationId xmlns:a16="http://schemas.microsoft.com/office/drawing/2014/main" id="{F102D844-6E4F-483E-8E2E-9006EA180121}"/>
+                </a:ext>
+                <a:ext uri="{C183D7F6-B498-43B3-948B-1728B52AA6E4}">
+                  <adec:decorative xmlns:adec="http://schemas.microsoft.com/office/drawing/2017/decorative" val="1"/>
+                </a:ext>
+              </a:extLst>
+            </p:cNvPr>
+            <p:cNvCxnSpPr>
+              <a:cxnSpLocks/>
+            </p:cNvCxnSpPr>
+            <p:nvPr>
+              <p:extLst>
+                <p:ext uri="{386F3935-93C4-4BCD-93E2-E3B085C9AB24}">
+                  <p16:designElem xmlns:p16="http://schemas.microsoft.com/office/powerpoint/2015/main" val="1"/>
+                </p:ext>
+              </p:extLst>
+            </p:nvPr>
+          </p:nvCxnSpPr>
+          <p:spPr>
+            <a:xfrm>
+              <a:off x="8059680" y="-1"/>
+              <a:ext cx="0" cy="6858000"/>
+            </a:xfrm>
+            <a:prstGeom prst="line">
+              <a:avLst/>
+            </a:prstGeom>
+            <a:ln w="12700">
+              <a:solidFill>
+                <a:srgbClr val="BCBCBC">
+                  <a:alpha val="29804"/>
+                </a:srgbClr>
+              </a:solidFill>
+              <a:prstDash val="sysDot"/>
+            </a:ln>
+          </p:spPr>
+          <p:style>
+            <a:lnRef idx="1">
+              <a:schemeClr val="accent1"/>
+            </a:lnRef>
+            <a:fillRef idx="0">
+              <a:schemeClr val="accent1"/>
+            </a:fillRef>
+            <a:effectRef idx="0">
+              <a:schemeClr val="accent1"/>
+            </a:effectRef>
+            <a:fontRef idx="minor">
+              <a:schemeClr val="tx1"/>
+            </a:fontRef>
+          </p:style>
+        </p:cxnSp>
+        <p:cxnSp>
+          <p:nvCxnSpPr>
+            <p:cNvPr id="73" name="Straight Connector 72">
+              <a:extLst>
+                <a:ext uri="{FF2B5EF4-FFF2-40B4-BE49-F238E27FC236}">
+                  <a16:creationId xmlns:a16="http://schemas.microsoft.com/office/drawing/2014/main" id="{658766E6-D2D6-447C-B1DC-B7F7C381F1AC}"/>
+                </a:ext>
+                <a:ext uri="{C183D7F6-B498-43B3-948B-1728B52AA6E4}">
+                  <adec:decorative xmlns:adec="http://schemas.microsoft.com/office/drawing/2017/decorative" val="1"/>
+                </a:ext>
+              </a:extLst>
+            </p:cNvPr>
+            <p:cNvCxnSpPr>
+              <a:cxnSpLocks/>
+            </p:cNvCxnSpPr>
+            <p:nvPr>
+              <p:extLst>
+                <p:ext uri="{386F3935-93C4-4BCD-93E2-E3B085C9AB24}">
+                  <p16:designElem xmlns:p16="http://schemas.microsoft.com/office/powerpoint/2015/main" val="1"/>
+                </p:ext>
+              </p:extLst>
+            </p:nvPr>
+          </p:nvCxnSpPr>
+          <p:spPr>
+            <a:xfrm>
+              <a:off x="9043074" y="-1"/>
+              <a:ext cx="0" cy="6858000"/>
+            </a:xfrm>
+            <a:prstGeom prst="line">
+              <a:avLst/>
+            </a:prstGeom>
+            <a:ln w="12700">
+              <a:solidFill>
+                <a:srgbClr val="BCBCBC">
+                  <a:alpha val="29804"/>
+                </a:srgbClr>
+              </a:solidFill>
+              <a:prstDash val="sysDot"/>
+            </a:ln>
+          </p:spPr>
+          <p:style>
+            <a:lnRef idx="1">
+              <a:schemeClr val="accent1"/>
+            </a:lnRef>
+            <a:fillRef idx="0">
+              <a:schemeClr val="accent1"/>
+            </a:fillRef>
+            <a:effectRef idx="0">
+              <a:schemeClr val="accent1"/>
+            </a:effectRef>
+            <a:fontRef idx="minor">
+              <a:schemeClr val="tx1"/>
+            </a:fontRef>
+          </p:style>
+        </p:cxnSp>
+        <p:cxnSp>
+          <p:nvCxnSpPr>
+            <p:cNvPr id="74" name="Straight Connector 73">
+              <a:extLst>
+                <a:ext uri="{FF2B5EF4-FFF2-40B4-BE49-F238E27FC236}">
+                  <a16:creationId xmlns:a16="http://schemas.microsoft.com/office/drawing/2014/main" id="{B9BBD00C-7AB2-445E-B7DA-98CC7CAF3D92}"/>
+                </a:ext>
+                <a:ext uri="{C183D7F6-B498-43B3-948B-1728B52AA6E4}">
+                  <adec:decorative xmlns:adec="http://schemas.microsoft.com/office/drawing/2017/decorative" val="1"/>
+                </a:ext>
+              </a:extLst>
+            </p:cNvPr>
+            <p:cNvCxnSpPr>
+              <a:cxnSpLocks/>
+            </p:cNvCxnSpPr>
+            <p:nvPr>
+              <p:extLst>
+                <p:ext uri="{386F3935-93C4-4BCD-93E2-E3B085C9AB24}">
+                  <p16:designElem xmlns:p16="http://schemas.microsoft.com/office/powerpoint/2015/main" val="1"/>
+                </p:ext>
+              </p:extLst>
+            </p:nvPr>
+          </p:nvCxnSpPr>
+          <p:spPr>
+            <a:xfrm>
+              <a:off x="10026468" y="-1"/>
+              <a:ext cx="0" cy="6858000"/>
+            </a:xfrm>
+            <a:prstGeom prst="line">
+              <a:avLst/>
+            </a:prstGeom>
+            <a:ln w="12700">
+              <a:solidFill>
+                <a:srgbClr val="BCBCBC">
+                  <a:alpha val="29804"/>
+                </a:srgbClr>
+              </a:solidFill>
+              <a:prstDash val="sysDot"/>
+            </a:ln>
+          </p:spPr>
+          <p:style>
+            <a:lnRef idx="1">
+              <a:schemeClr val="accent1"/>
+            </a:lnRef>
+            <a:fillRef idx="0">
+              <a:schemeClr val="accent1"/>
+            </a:fillRef>
+            <a:effectRef idx="0">
+              <a:schemeClr val="accent1"/>
+            </a:effectRef>
+            <a:fontRef idx="minor">
+              <a:schemeClr val="tx1"/>
+            </a:fontRef>
+          </p:style>
+        </p:cxnSp>
+        <p:cxnSp>
+          <p:nvCxnSpPr>
+            <p:cNvPr id="75" name="Straight Connector 74">
+              <a:extLst>
+                <a:ext uri="{FF2B5EF4-FFF2-40B4-BE49-F238E27FC236}">
+                  <a16:creationId xmlns:a16="http://schemas.microsoft.com/office/drawing/2014/main" id="{6D177E1C-6580-456C-AAAE-89D422A2C187}"/>
+                </a:ext>
+                <a:ext uri="{C183D7F6-B498-43B3-948B-1728B52AA6E4}">
+                  <adec:decorative xmlns:adec="http://schemas.microsoft.com/office/drawing/2017/decorative" val="1"/>
+                </a:ext>
+              </a:extLst>
+            </p:cNvPr>
+            <p:cNvCxnSpPr>
+              <a:cxnSpLocks/>
+            </p:cNvCxnSpPr>
+            <p:nvPr>
+              <p:extLst>
+                <p:ext uri="{386F3935-93C4-4BCD-93E2-E3B085C9AB24}">
+                  <p16:designElem xmlns:p16="http://schemas.microsoft.com/office/powerpoint/2015/main" val="1"/>
+                </p:ext>
+              </p:extLst>
+            </p:nvPr>
+          </p:nvCxnSpPr>
+          <p:spPr>
+            <a:xfrm>
+              <a:off x="11009862" y="-1"/>
+              <a:ext cx="0" cy="6858000"/>
+            </a:xfrm>
+            <a:prstGeom prst="line">
+              <a:avLst/>
+            </a:prstGeom>
+            <a:ln w="12700">
+              <a:solidFill>
+                <a:srgbClr val="BCBCBC">
+                  <a:alpha val="29804"/>
+                </a:srgbClr>
+              </a:solidFill>
+              <a:prstDash val="sysDot"/>
+            </a:ln>
+          </p:spPr>
+          <p:style>
+            <a:lnRef idx="1">
+              <a:schemeClr val="accent1"/>
+            </a:lnRef>
+            <a:fillRef idx="0">
+              <a:schemeClr val="accent1"/>
+            </a:fillRef>
+            <a:effectRef idx="0">
+              <a:schemeClr val="accent1"/>
+            </a:effectRef>
+            <a:fontRef idx="minor">
+              <a:schemeClr val="tx1"/>
+            </a:fontRef>
+          </p:style>
+        </p:cxnSp>
+        <p:cxnSp>
+          <p:nvCxnSpPr>
+            <p:cNvPr id="76" name="Straight Connector 75">
+              <a:extLst>
+                <a:ext uri="{FF2B5EF4-FFF2-40B4-BE49-F238E27FC236}">
+                  <a16:creationId xmlns:a16="http://schemas.microsoft.com/office/drawing/2014/main" id="{BB85538F-9888-4E68-A9F3-DBB136C0FF17}"/>
+                </a:ext>
+                <a:ext uri="{C183D7F6-B498-43B3-948B-1728B52AA6E4}">
+                  <adec:decorative xmlns:adec="http://schemas.microsoft.com/office/drawing/2017/decorative" val="1"/>
+                </a:ext>
+              </a:extLst>
+            </p:cNvPr>
+            <p:cNvCxnSpPr>
+              <a:cxnSpLocks/>
+            </p:cNvCxnSpPr>
+            <p:nvPr>
+              <p:extLst>
+                <p:ext uri="{386F3935-93C4-4BCD-93E2-E3B085C9AB24}">
+                  <p16:designElem xmlns:p16="http://schemas.microsoft.com/office/powerpoint/2015/main" val="1"/>
+                </p:ext>
+              </p:extLst>
+            </p:nvPr>
+          </p:nvCxnSpPr>
+          <p:spPr>
+            <a:xfrm>
+              <a:off x="12185786" y="-1"/>
+              <a:ext cx="0" cy="6858000"/>
+            </a:xfrm>
+            <a:prstGeom prst="line">
+              <a:avLst/>
+            </a:prstGeom>
+            <a:ln w="12700">
+              <a:solidFill>
+                <a:srgbClr val="BCBCBC">
+                  <a:alpha val="29804"/>
+                </a:srgbClr>
+              </a:solidFill>
+              <a:prstDash val="sysDot"/>
+            </a:ln>
+          </p:spPr>
+          <p:style>
+            <a:lnRef idx="1">
+              <a:schemeClr val="accent1"/>
+            </a:lnRef>
+            <a:fillRef idx="0">
+              <a:schemeClr val="accent1"/>
+            </a:fillRef>
+            <a:effectRef idx="0">
+              <a:schemeClr val="accent1"/>
+            </a:effectRef>
+            <a:fontRef idx="minor">
+              <a:schemeClr val="tx1"/>
+            </a:fontRef>
+          </p:style>
+        </p:cxnSp>
+        <p:cxnSp>
+          <p:nvCxnSpPr>
+            <p:cNvPr id="77" name="Straight Connector 76">
+              <a:extLst>
+                <a:ext uri="{FF2B5EF4-FFF2-40B4-BE49-F238E27FC236}">
+                  <a16:creationId xmlns:a16="http://schemas.microsoft.com/office/drawing/2014/main" id="{C29B624F-F9D8-43BB-A468-08331D66CCA6}"/>
+                </a:ext>
+                <a:ext uri="{C183D7F6-B498-43B3-948B-1728B52AA6E4}">
+                  <adec:decorative xmlns:adec="http://schemas.microsoft.com/office/drawing/2017/decorative" val="1"/>
+                </a:ext>
+              </a:extLst>
+            </p:cNvPr>
+            <p:cNvCxnSpPr>
+              <a:cxnSpLocks/>
+            </p:cNvCxnSpPr>
+            <p:nvPr>
+              <p:extLst>
+                <p:ext uri="{386F3935-93C4-4BCD-93E2-E3B085C9AB24}">
+                  <p16:designElem xmlns:p16="http://schemas.microsoft.com/office/powerpoint/2015/main" val="1"/>
+                </p:ext>
+              </p:extLst>
+            </p:nvPr>
+          </p:nvCxnSpPr>
+          <p:spPr>
+            <a:xfrm>
+              <a:off x="0" y="171716"/>
+              <a:ext cx="12192000" cy="0"/>
+            </a:xfrm>
+            <a:prstGeom prst="line">
+              <a:avLst/>
+            </a:prstGeom>
+            <a:ln w="12700">
+              <a:solidFill>
+                <a:srgbClr val="BCBCBC">
+                  <a:alpha val="29804"/>
+                </a:srgbClr>
+              </a:solidFill>
+              <a:prstDash val="sysDot"/>
+            </a:ln>
+          </p:spPr>
+          <p:style>
+            <a:lnRef idx="1">
+              <a:schemeClr val="accent1"/>
+            </a:lnRef>
+            <a:fillRef idx="0">
+              <a:schemeClr val="accent1"/>
+            </a:fillRef>
+            <a:effectRef idx="0">
+              <a:schemeClr val="accent1"/>
+            </a:effectRef>
+            <a:fontRef idx="minor">
+              <a:schemeClr val="tx1"/>
+            </a:fontRef>
+          </p:style>
+        </p:cxnSp>
+        <p:cxnSp>
+          <p:nvCxnSpPr>
+            <p:cNvPr id="78" name="Straight Connector 77">
+              <a:extLst>
+                <a:ext uri="{FF2B5EF4-FFF2-40B4-BE49-F238E27FC236}">
+                  <a16:creationId xmlns:a16="http://schemas.microsoft.com/office/drawing/2014/main" id="{660E66F4-AE52-4D19-AF99-540F0CCFD716}"/>
+                </a:ext>
+                <a:ext uri="{C183D7F6-B498-43B3-948B-1728B52AA6E4}">
+                  <adec:decorative xmlns:adec="http://schemas.microsoft.com/office/drawing/2017/decorative" val="1"/>
+                </a:ext>
+              </a:extLst>
+            </p:cNvPr>
+            <p:cNvCxnSpPr>
+              <a:cxnSpLocks/>
+            </p:cNvCxnSpPr>
+            <p:nvPr>
+              <p:extLst>
+                <p:ext uri="{386F3935-93C4-4BCD-93E2-E3B085C9AB24}">
+                  <p16:designElem xmlns:p16="http://schemas.microsoft.com/office/powerpoint/2015/main" val="1"/>
+                </p:ext>
+              </p:extLst>
+            </p:nvPr>
+          </p:nvCxnSpPr>
+          <p:spPr>
+            <a:xfrm>
+              <a:off x="0" y="714597"/>
+              <a:ext cx="12192000" cy="0"/>
+            </a:xfrm>
+            <a:prstGeom prst="line">
+              <a:avLst/>
+            </a:prstGeom>
+            <a:ln w="12700">
+              <a:solidFill>
+                <a:srgbClr val="BCBCBC">
+                  <a:alpha val="29804"/>
+                </a:srgbClr>
+              </a:solidFill>
+              <a:prstDash val="sysDot"/>
+            </a:ln>
+          </p:spPr>
+          <p:style>
+            <a:lnRef idx="1">
+              <a:schemeClr val="accent1"/>
+            </a:lnRef>
+            <a:fillRef idx="0">
+              <a:schemeClr val="accent1"/>
+            </a:fillRef>
+            <a:effectRef idx="0">
+              <a:schemeClr val="accent1"/>
+            </a:effectRef>
+            <a:fontRef idx="minor">
+              <a:schemeClr val="tx1"/>
+            </a:fontRef>
+          </p:style>
+        </p:cxnSp>
+        <p:cxnSp>
+          <p:nvCxnSpPr>
+            <p:cNvPr id="79" name="Straight Connector 78">
+              <a:extLst>
+                <a:ext uri="{FF2B5EF4-FFF2-40B4-BE49-F238E27FC236}">
+                  <a16:creationId xmlns:a16="http://schemas.microsoft.com/office/drawing/2014/main" id="{ACADC852-407F-4870-9F7B-A6004FE77CEB}"/>
+                </a:ext>
+                <a:ext uri="{C183D7F6-B498-43B3-948B-1728B52AA6E4}">
+                  <adec:decorative xmlns:adec="http://schemas.microsoft.com/office/drawing/2017/decorative" val="1"/>
+                </a:ext>
+              </a:extLst>
+            </p:cNvPr>
+            <p:cNvCxnSpPr>
+              <a:cxnSpLocks/>
+            </p:cNvCxnSpPr>
+            <p:nvPr>
+              <p:extLst>
+                <p:ext uri="{386F3935-93C4-4BCD-93E2-E3B085C9AB24}">
+                  <p16:designElem xmlns:p16="http://schemas.microsoft.com/office/powerpoint/2015/main" val="1"/>
+                </p:ext>
+              </p:extLst>
+            </p:nvPr>
+          </p:nvCxnSpPr>
+          <p:spPr>
+            <a:xfrm>
+              <a:off x="0" y="1257478"/>
+              <a:ext cx="12192000" cy="0"/>
+            </a:xfrm>
+            <a:prstGeom prst="line">
+              <a:avLst/>
+            </a:prstGeom>
+            <a:ln w="12700">
+              <a:solidFill>
+                <a:srgbClr val="BCBCBC">
+                  <a:alpha val="29804"/>
+                </a:srgbClr>
+              </a:solidFill>
+              <a:prstDash val="sysDot"/>
+            </a:ln>
+          </p:spPr>
+          <p:style>
+            <a:lnRef idx="1">
+              <a:schemeClr val="accent1"/>
+            </a:lnRef>
+            <a:fillRef idx="0">
+              <a:schemeClr val="accent1"/>
+            </a:fillRef>
+            <a:effectRef idx="0">
+              <a:schemeClr val="accent1"/>
+            </a:effectRef>
+            <a:fontRef idx="minor">
+              <a:schemeClr val="tx1"/>
+            </a:fontRef>
+          </p:style>
+        </p:cxnSp>
+        <p:cxnSp>
+          <p:nvCxnSpPr>
+            <p:cNvPr id="80" name="Straight Connector 79">
+              <a:extLst>
+                <a:ext uri="{FF2B5EF4-FFF2-40B4-BE49-F238E27FC236}">
+                  <a16:creationId xmlns:a16="http://schemas.microsoft.com/office/drawing/2014/main" id="{8E9CC738-B12D-4154-A4EA-81D4576BC106}"/>
+                </a:ext>
+                <a:ext uri="{C183D7F6-B498-43B3-948B-1728B52AA6E4}">
+                  <adec:decorative xmlns:adec="http://schemas.microsoft.com/office/drawing/2017/decorative" val="1"/>
+                </a:ext>
+              </a:extLst>
+            </p:cNvPr>
+            <p:cNvCxnSpPr>
+              <a:cxnSpLocks/>
+            </p:cNvCxnSpPr>
+            <p:nvPr>
+              <p:extLst>
+                <p:ext uri="{386F3935-93C4-4BCD-93E2-E3B085C9AB24}">
+                  <p16:designElem xmlns:p16="http://schemas.microsoft.com/office/powerpoint/2015/main" val="1"/>
+                </p:ext>
+              </p:extLst>
+            </p:nvPr>
+          </p:nvCxnSpPr>
+          <p:spPr>
+            <a:xfrm>
+              <a:off x="0" y="1800359"/>
+              <a:ext cx="12192000" cy="0"/>
+            </a:xfrm>
+            <a:prstGeom prst="line">
+              <a:avLst/>
+            </a:prstGeom>
+            <a:ln w="12700">
+              <a:solidFill>
+                <a:srgbClr val="BCBCBC">
+                  <a:alpha val="29804"/>
+                </a:srgbClr>
+              </a:solidFill>
+              <a:prstDash val="sysDot"/>
+            </a:ln>
+          </p:spPr>
+          <p:style>
+            <a:lnRef idx="1">
+              <a:schemeClr val="accent1"/>
+            </a:lnRef>
+            <a:fillRef idx="0">
+              <a:schemeClr val="accent1"/>
+            </a:fillRef>
+            <a:effectRef idx="0">
+              <a:schemeClr val="accent1"/>
+            </a:effectRef>
+            <a:fontRef idx="minor">
+              <a:schemeClr val="tx1"/>
+            </a:fontRef>
+          </p:style>
+        </p:cxnSp>
+        <p:cxnSp>
+          <p:nvCxnSpPr>
+            <p:cNvPr id="81" name="Straight Connector 80">
+              <a:extLst>
+                <a:ext uri="{FF2B5EF4-FFF2-40B4-BE49-F238E27FC236}">
+                  <a16:creationId xmlns:a16="http://schemas.microsoft.com/office/drawing/2014/main" id="{0A2A84F5-CD6A-4287-A9C1-EED0E65CA9D9}"/>
+                </a:ext>
+                <a:ext uri="{C183D7F6-B498-43B3-948B-1728B52AA6E4}">
+                  <adec:decorative xmlns:adec="http://schemas.microsoft.com/office/drawing/2017/decorative" val="1"/>
+                </a:ext>
+              </a:extLst>
+            </p:cNvPr>
+            <p:cNvCxnSpPr>
+              <a:cxnSpLocks/>
+            </p:cNvCxnSpPr>
+            <p:nvPr>
+              <p:extLst>
+                <p:ext uri="{386F3935-93C4-4BCD-93E2-E3B085C9AB24}">
+                  <p16:designElem xmlns:p16="http://schemas.microsoft.com/office/powerpoint/2015/main" val="1"/>
+                </p:ext>
+              </p:extLst>
+            </p:nvPr>
+          </p:nvCxnSpPr>
+          <p:spPr>
+            <a:xfrm>
+              <a:off x="0" y="2343240"/>
+              <a:ext cx="12192000" cy="0"/>
+            </a:xfrm>
+            <a:prstGeom prst="line">
+              <a:avLst/>
+            </a:prstGeom>
+            <a:ln w="12700">
+              <a:solidFill>
+                <a:srgbClr val="BCBCBC">
+                  <a:alpha val="29804"/>
+                </a:srgbClr>
+              </a:solidFill>
+              <a:prstDash val="sysDot"/>
+            </a:ln>
+          </p:spPr>
+          <p:style>
+            <a:lnRef idx="1">
+              <a:schemeClr val="accent1"/>
+            </a:lnRef>
+            <a:fillRef idx="0">
+              <a:schemeClr val="accent1"/>
+            </a:fillRef>
+            <a:effectRef idx="0">
+              <a:schemeClr val="accent1"/>
+            </a:effectRef>
+            <a:fontRef idx="minor">
+              <a:schemeClr val="tx1"/>
+            </a:fontRef>
+          </p:style>
+        </p:cxnSp>
+        <p:cxnSp>
+          <p:nvCxnSpPr>
+            <p:cNvPr id="82" name="Straight Connector 81">
+              <a:extLst>
+                <a:ext uri="{FF2B5EF4-FFF2-40B4-BE49-F238E27FC236}">
+                  <a16:creationId xmlns:a16="http://schemas.microsoft.com/office/drawing/2014/main" id="{53F4EFD5-6D1E-4865-83BA-0F116DF06F39}"/>
+                </a:ext>
+                <a:ext uri="{C183D7F6-B498-43B3-948B-1728B52AA6E4}">
+                  <adec:decorative xmlns:adec="http://schemas.microsoft.com/office/drawing/2017/decorative" val="1"/>
+                </a:ext>
+              </a:extLst>
+            </p:cNvPr>
+            <p:cNvCxnSpPr>
+              <a:cxnSpLocks/>
+            </p:cNvCxnSpPr>
+            <p:nvPr>
+              <p:extLst>
+                <p:ext uri="{386F3935-93C4-4BCD-93E2-E3B085C9AB24}">
+                  <p16:designElem xmlns:p16="http://schemas.microsoft.com/office/powerpoint/2015/main" val="1"/>
+                </p:ext>
+              </p:extLst>
+            </p:nvPr>
+          </p:nvCxnSpPr>
+          <p:spPr>
+            <a:xfrm>
+              <a:off x="0" y="2886121"/>
+              <a:ext cx="12192000" cy="0"/>
+            </a:xfrm>
+            <a:prstGeom prst="line">
+              <a:avLst/>
+            </a:prstGeom>
+            <a:ln w="12700">
+              <a:solidFill>
+                <a:srgbClr val="BCBCBC">
+                  <a:alpha val="29804"/>
+                </a:srgbClr>
+              </a:solidFill>
+              <a:prstDash val="sysDot"/>
+            </a:ln>
+          </p:spPr>
+          <p:style>
+            <a:lnRef idx="1">
+              <a:schemeClr val="accent1"/>
+            </a:lnRef>
+            <a:fillRef idx="0">
+              <a:schemeClr val="accent1"/>
+            </a:fillRef>
+            <a:effectRef idx="0">
+              <a:schemeClr val="accent1"/>
+            </a:effectRef>
+            <a:fontRef idx="minor">
+              <a:schemeClr val="tx1"/>
+            </a:fontRef>
+          </p:style>
+        </p:cxnSp>
+        <p:cxnSp>
+          <p:nvCxnSpPr>
+            <p:cNvPr id="83" name="Straight Connector 82">
+              <a:extLst>
+                <a:ext uri="{FF2B5EF4-FFF2-40B4-BE49-F238E27FC236}">
+                  <a16:creationId xmlns:a16="http://schemas.microsoft.com/office/drawing/2014/main" id="{A0A8CE11-5C23-4CA3-8D8E-9E094566DBCF}"/>
+                </a:ext>
+                <a:ext uri="{C183D7F6-B498-43B3-948B-1728B52AA6E4}">
+                  <adec:decorative xmlns:adec="http://schemas.microsoft.com/office/drawing/2017/decorative" val="1"/>
+                </a:ext>
+              </a:extLst>
+            </p:cNvPr>
+            <p:cNvCxnSpPr>
+              <a:cxnSpLocks/>
+            </p:cNvCxnSpPr>
+            <p:nvPr>
+              <p:extLst>
+                <p:ext uri="{386F3935-93C4-4BCD-93E2-E3B085C9AB24}">
+                  <p16:designElem xmlns:p16="http://schemas.microsoft.com/office/powerpoint/2015/main" val="1"/>
+                </p:ext>
+              </p:extLst>
+            </p:nvPr>
+          </p:nvCxnSpPr>
+          <p:spPr>
+            <a:xfrm>
+              <a:off x="0" y="3429002"/>
+              <a:ext cx="12192000" cy="0"/>
+            </a:xfrm>
+            <a:prstGeom prst="line">
+              <a:avLst/>
+            </a:prstGeom>
+            <a:ln w="12700">
+              <a:solidFill>
+                <a:srgbClr val="BCBCBC">
+                  <a:alpha val="29804"/>
+                </a:srgbClr>
+              </a:solidFill>
+              <a:prstDash val="sysDot"/>
+            </a:ln>
+          </p:spPr>
+          <p:style>
+            <a:lnRef idx="1">
+              <a:schemeClr val="accent1"/>
+            </a:lnRef>
+            <a:fillRef idx="0">
+              <a:schemeClr val="accent1"/>
+            </a:fillRef>
+            <a:effectRef idx="0">
+              <a:schemeClr val="accent1"/>
+            </a:effectRef>
+            <a:fontRef idx="minor">
+              <a:schemeClr val="tx1"/>
+            </a:fontRef>
+          </p:style>
+        </p:cxnSp>
+        <p:cxnSp>
+          <p:nvCxnSpPr>
+            <p:cNvPr id="84" name="Straight Connector 83">
+              <a:extLst>
+                <a:ext uri="{FF2B5EF4-FFF2-40B4-BE49-F238E27FC236}">
+                  <a16:creationId xmlns:a16="http://schemas.microsoft.com/office/drawing/2014/main" id="{A5D41DA6-2047-4BB5-8469-509E240E4924}"/>
+                </a:ext>
+                <a:ext uri="{C183D7F6-B498-43B3-948B-1728B52AA6E4}">
+                  <adec:decorative xmlns:adec="http://schemas.microsoft.com/office/drawing/2017/decorative" val="1"/>
+                </a:ext>
+              </a:extLst>
+            </p:cNvPr>
+            <p:cNvCxnSpPr>
+              <a:cxnSpLocks/>
+            </p:cNvCxnSpPr>
+            <p:nvPr>
+              <p:extLst>
+                <p:ext uri="{386F3935-93C4-4BCD-93E2-E3B085C9AB24}">
+                  <p16:designElem xmlns:p16="http://schemas.microsoft.com/office/powerpoint/2015/main" val="1"/>
+                </p:ext>
+              </p:extLst>
+            </p:nvPr>
+          </p:nvCxnSpPr>
+          <p:spPr>
+            <a:xfrm>
+              <a:off x="0" y="3971883"/>
+              <a:ext cx="12192000" cy="0"/>
+            </a:xfrm>
+            <a:prstGeom prst="line">
+              <a:avLst/>
+            </a:prstGeom>
+            <a:ln w="12700">
+              <a:solidFill>
+                <a:srgbClr val="BCBCBC">
+                  <a:alpha val="29804"/>
+                </a:srgbClr>
+              </a:solidFill>
+              <a:prstDash val="sysDot"/>
+            </a:ln>
+          </p:spPr>
+          <p:style>
+            <a:lnRef idx="1">
+              <a:schemeClr val="accent1"/>
+            </a:lnRef>
+            <a:fillRef idx="0">
+              <a:schemeClr val="accent1"/>
+            </a:fillRef>
+            <a:effectRef idx="0">
+              <a:schemeClr val="accent1"/>
+            </a:effectRef>
+            <a:fontRef idx="minor">
+              <a:schemeClr val="tx1"/>
+            </a:fontRef>
+          </p:style>
+        </p:cxnSp>
+        <p:cxnSp>
+          <p:nvCxnSpPr>
+            <p:cNvPr id="85" name="Straight Connector 84">
+              <a:extLst>
+                <a:ext uri="{FF2B5EF4-FFF2-40B4-BE49-F238E27FC236}">
+                  <a16:creationId xmlns:a16="http://schemas.microsoft.com/office/drawing/2014/main" id="{FAACD460-E6E2-4C46-A780-095B52D1B2B6}"/>
+                </a:ext>
+                <a:ext uri="{C183D7F6-B498-43B3-948B-1728B52AA6E4}">
+                  <adec:decorative xmlns:adec="http://schemas.microsoft.com/office/drawing/2017/decorative" val="1"/>
+                </a:ext>
+              </a:extLst>
+            </p:cNvPr>
+            <p:cNvCxnSpPr>
+              <a:cxnSpLocks/>
+            </p:cNvCxnSpPr>
+            <p:nvPr>
+              <p:extLst>
+                <p:ext uri="{386F3935-93C4-4BCD-93E2-E3B085C9AB24}">
+                  <p16:designElem xmlns:p16="http://schemas.microsoft.com/office/powerpoint/2015/main" val="1"/>
+                </p:ext>
+              </p:extLst>
+            </p:nvPr>
+          </p:nvCxnSpPr>
+          <p:spPr>
+            <a:xfrm>
+              <a:off x="0" y="4514764"/>
+              <a:ext cx="12192000" cy="0"/>
+            </a:xfrm>
+            <a:prstGeom prst="line">
+              <a:avLst/>
+            </a:prstGeom>
+            <a:ln w="12700">
+              <a:solidFill>
+                <a:srgbClr val="BCBCBC">
+                  <a:alpha val="29804"/>
+                </a:srgbClr>
+              </a:solidFill>
+              <a:prstDash val="sysDot"/>
+            </a:ln>
+          </p:spPr>
+          <p:style>
+            <a:lnRef idx="1">
+              <a:schemeClr val="accent1"/>
+            </a:lnRef>
+            <a:fillRef idx="0">
+              <a:schemeClr val="accent1"/>
+            </a:fillRef>
+            <a:effectRef idx="0">
+              <a:schemeClr val="accent1"/>
+            </a:effectRef>
+            <a:fontRef idx="minor">
+              <a:schemeClr val="tx1"/>
+            </a:fontRef>
+          </p:style>
+        </p:cxnSp>
+        <p:cxnSp>
+          <p:nvCxnSpPr>
+            <p:cNvPr id="86" name="Straight Connector 85">
+              <a:extLst>
+                <a:ext uri="{FF2B5EF4-FFF2-40B4-BE49-F238E27FC236}">
+                  <a16:creationId xmlns:a16="http://schemas.microsoft.com/office/drawing/2014/main" id="{8B36364A-122E-43B1-B2B8-F00D83E5D68B}"/>
+                </a:ext>
+                <a:ext uri="{C183D7F6-B498-43B3-948B-1728B52AA6E4}">
+                  <adec:decorative xmlns:adec="http://schemas.microsoft.com/office/drawing/2017/decorative" val="1"/>
+                </a:ext>
+              </a:extLst>
+            </p:cNvPr>
+            <p:cNvCxnSpPr>
+              <a:cxnSpLocks/>
+            </p:cNvCxnSpPr>
+            <p:nvPr>
+              <p:extLst>
+                <p:ext uri="{386F3935-93C4-4BCD-93E2-E3B085C9AB24}">
+                  <p16:designElem xmlns:p16="http://schemas.microsoft.com/office/powerpoint/2015/main" val="1"/>
+                </p:ext>
+              </p:extLst>
+            </p:nvPr>
+          </p:nvCxnSpPr>
+          <p:spPr>
+            <a:xfrm>
+              <a:off x="0" y="5057645"/>
+              <a:ext cx="12192000" cy="0"/>
+            </a:xfrm>
+            <a:prstGeom prst="line">
+              <a:avLst/>
+            </a:prstGeom>
+            <a:ln w="12700">
+              <a:solidFill>
+                <a:srgbClr val="BCBCBC">
+                  <a:alpha val="29804"/>
+                </a:srgbClr>
+              </a:solidFill>
+              <a:prstDash val="sysDot"/>
+            </a:ln>
+          </p:spPr>
+          <p:style>
+            <a:lnRef idx="1">
+              <a:schemeClr val="accent1"/>
+            </a:lnRef>
+            <a:fillRef idx="0">
+              <a:schemeClr val="accent1"/>
+            </a:fillRef>
+            <a:effectRef idx="0">
+              <a:schemeClr val="accent1"/>
+            </a:effectRef>
+            <a:fontRef idx="minor">
+              <a:schemeClr val="tx1"/>
+            </a:fontRef>
+          </p:style>
+        </p:cxnSp>
+        <p:cxnSp>
+          <p:nvCxnSpPr>
+            <p:cNvPr id="87" name="Straight Connector 86">
+              <a:extLst>
+                <a:ext uri="{FF2B5EF4-FFF2-40B4-BE49-F238E27FC236}">
+                  <a16:creationId xmlns:a16="http://schemas.microsoft.com/office/drawing/2014/main" id="{99A63098-DBC2-4C59-9D33-809ECCA62333}"/>
+                </a:ext>
+                <a:ext uri="{C183D7F6-B498-43B3-948B-1728B52AA6E4}">
+                  <adec:decorative xmlns:adec="http://schemas.microsoft.com/office/drawing/2017/decorative" val="1"/>
+                </a:ext>
+              </a:extLst>
+            </p:cNvPr>
+            <p:cNvCxnSpPr>
+              <a:cxnSpLocks/>
+            </p:cNvCxnSpPr>
+            <p:nvPr>
+              <p:extLst>
+                <p:ext uri="{386F3935-93C4-4BCD-93E2-E3B085C9AB24}">
+                  <p16:designElem xmlns:p16="http://schemas.microsoft.com/office/powerpoint/2015/main" val="1"/>
+                </p:ext>
+              </p:extLst>
+            </p:nvPr>
+          </p:nvCxnSpPr>
+          <p:spPr>
+            <a:xfrm>
+              <a:off x="0" y="5600526"/>
+              <a:ext cx="12192000" cy="0"/>
+            </a:xfrm>
+            <a:prstGeom prst="line">
+              <a:avLst/>
+            </a:prstGeom>
+            <a:ln w="12700">
+              <a:solidFill>
+                <a:srgbClr val="BCBCBC">
+                  <a:alpha val="29804"/>
+                </a:srgbClr>
+              </a:solidFill>
+              <a:prstDash val="sysDot"/>
+            </a:ln>
+          </p:spPr>
+          <p:style>
+            <a:lnRef idx="1">
+              <a:schemeClr val="accent1"/>
+            </a:lnRef>
+            <a:fillRef idx="0">
+              <a:schemeClr val="accent1"/>
+            </a:fillRef>
+            <a:effectRef idx="0">
+              <a:schemeClr val="accent1"/>
+            </a:effectRef>
+            <a:fontRef idx="minor">
+              <a:schemeClr val="tx1"/>
+            </a:fontRef>
+          </p:style>
+        </p:cxnSp>
+        <p:cxnSp>
+          <p:nvCxnSpPr>
+            <p:cNvPr id="88" name="Straight Connector 87">
+              <a:extLst>
+                <a:ext uri="{FF2B5EF4-FFF2-40B4-BE49-F238E27FC236}">
+                  <a16:creationId xmlns:a16="http://schemas.microsoft.com/office/drawing/2014/main" id="{98F309E4-ACE9-4428-8DDA-20E0F1A1BC9B}"/>
+                </a:ext>
+                <a:ext uri="{C183D7F6-B498-43B3-948B-1728B52AA6E4}">
+                  <adec:decorative xmlns:adec="http://schemas.microsoft.com/office/drawing/2017/decorative" val="1"/>
+                </a:ext>
+              </a:extLst>
+            </p:cNvPr>
+            <p:cNvCxnSpPr>
+              <a:cxnSpLocks/>
+            </p:cNvCxnSpPr>
+            <p:nvPr>
+              <p:extLst>
+                <p:ext uri="{386F3935-93C4-4BCD-93E2-E3B085C9AB24}">
+                  <p16:designElem xmlns:p16="http://schemas.microsoft.com/office/powerpoint/2015/main" val="1"/>
+                </p:ext>
+              </p:extLst>
+            </p:nvPr>
+          </p:nvCxnSpPr>
+          <p:spPr>
+            <a:xfrm>
+              <a:off x="0" y="6857999"/>
+              <a:ext cx="12192000" cy="0"/>
+            </a:xfrm>
+            <a:prstGeom prst="line">
+              <a:avLst/>
+            </a:prstGeom>
+            <a:ln w="12700">
+              <a:solidFill>
+                <a:srgbClr val="BCBCBC">
+                  <a:alpha val="29804"/>
+                </a:srgbClr>
+              </a:solidFill>
+              <a:prstDash val="sysDot"/>
+            </a:ln>
+          </p:spPr>
+          <p:style>
+            <a:lnRef idx="1">
+              <a:schemeClr val="accent1"/>
+            </a:lnRef>
+            <a:fillRef idx="0">
+              <a:schemeClr val="accent1"/>
+            </a:fillRef>
+            <a:effectRef idx="0">
+              <a:schemeClr val="accent1"/>
+            </a:effectRef>
+            <a:fontRef idx="minor">
+              <a:schemeClr val="tx1"/>
+            </a:fontRef>
+          </p:style>
+        </p:cxnSp>
+        <p:cxnSp>
+          <p:nvCxnSpPr>
+            <p:cNvPr id="89" name="Straight Connector 88">
+              <a:extLst>
+                <a:ext uri="{FF2B5EF4-FFF2-40B4-BE49-F238E27FC236}">
+                  <a16:creationId xmlns:a16="http://schemas.microsoft.com/office/drawing/2014/main" id="{239F177F-07E3-45BF-85B1-21E231DCCC99}"/>
+                </a:ext>
+                <a:ext uri="{C183D7F6-B498-43B3-948B-1728B52AA6E4}">
+                  <adec:decorative xmlns:adec="http://schemas.microsoft.com/office/drawing/2017/decorative" val="1"/>
+                </a:ext>
+              </a:extLst>
+            </p:cNvPr>
+            <p:cNvCxnSpPr>
+              <a:cxnSpLocks/>
+            </p:cNvCxnSpPr>
+            <p:nvPr>
+              <p:extLst>
+                <p:ext uri="{386F3935-93C4-4BCD-93E2-E3B085C9AB24}">
+                  <p16:designElem xmlns:p16="http://schemas.microsoft.com/office/powerpoint/2015/main" val="1"/>
+                </p:ext>
+              </p:extLst>
+            </p:nvPr>
+          </p:nvCxnSpPr>
+          <p:spPr>
+            <a:xfrm>
+              <a:off x="16613" y="6143407"/>
+              <a:ext cx="12192000" cy="0"/>
+            </a:xfrm>
+            <a:prstGeom prst="line">
+              <a:avLst/>
+            </a:prstGeom>
+            <a:ln w="12700">
+              <a:solidFill>
+                <a:srgbClr val="BCBCBC">
+                  <a:alpha val="29804"/>
+                </a:srgbClr>
+              </a:solidFill>
+              <a:prstDash val="sysDot"/>
+            </a:ln>
+          </p:spPr>
+          <p:style>
+            <a:lnRef idx="1">
+              <a:schemeClr val="accent1"/>
+            </a:lnRef>
+            <a:fillRef idx="0">
+              <a:schemeClr val="accent1"/>
+            </a:fillRef>
+            <a:effectRef idx="0">
+              <a:schemeClr val="accent1"/>
+            </a:effectRef>
+            <a:fontRef idx="minor">
+              <a:schemeClr val="tx1"/>
+            </a:fontRef>
+          </p:style>
+        </p:cxnSp>
+        <p:cxnSp>
+          <p:nvCxnSpPr>
+            <p:cNvPr id="90" name="Straight Connector 89">
+              <a:extLst>
+                <a:ext uri="{FF2B5EF4-FFF2-40B4-BE49-F238E27FC236}">
+                  <a16:creationId xmlns:a16="http://schemas.microsoft.com/office/drawing/2014/main" id="{23EC3277-85FC-401E-80E3-B64B9808DE41}"/>
+                </a:ext>
+                <a:ext uri="{C183D7F6-B498-43B3-948B-1728B52AA6E4}">
+                  <adec:decorative xmlns:adec="http://schemas.microsoft.com/office/drawing/2017/decorative" val="1"/>
+                </a:ext>
+              </a:extLst>
+            </p:cNvPr>
+            <p:cNvCxnSpPr>
+              <a:cxnSpLocks/>
+            </p:cNvCxnSpPr>
+            <p:nvPr>
+              <p:extLst>
+                <p:ext uri="{386F3935-93C4-4BCD-93E2-E3B085C9AB24}">
+                  <p16:designElem xmlns:p16="http://schemas.microsoft.com/office/powerpoint/2015/main" val="1"/>
+                </p:ext>
+              </p:extLst>
+            </p:nvPr>
+          </p:nvCxnSpPr>
+          <p:spPr>
+            <a:xfrm>
+              <a:off x="684225" y="171716"/>
+              <a:ext cx="0" cy="6511464"/>
+            </a:xfrm>
+            <a:prstGeom prst="line">
+              <a:avLst/>
+            </a:prstGeom>
+            <a:ln w="12700">
+              <a:solidFill>
+                <a:srgbClr val="BCBCBC">
+                  <a:alpha val="29804"/>
+                </a:srgbClr>
+              </a:solidFill>
+              <a:prstDash val="sysDot"/>
+            </a:ln>
+          </p:spPr>
+          <p:style>
+            <a:lnRef idx="1">
+              <a:schemeClr val="accent1"/>
+            </a:lnRef>
+            <a:fillRef idx="0">
+              <a:schemeClr val="accent1"/>
+            </a:fillRef>
+            <a:effectRef idx="0">
+              <a:schemeClr val="accent1"/>
+            </a:effectRef>
+            <a:fontRef idx="minor">
+              <a:schemeClr val="tx1"/>
+            </a:fontRef>
+          </p:style>
+        </p:cxnSp>
+        <p:cxnSp>
+          <p:nvCxnSpPr>
+            <p:cNvPr id="91" name="Straight Connector 90">
+              <a:extLst>
+                <a:ext uri="{FF2B5EF4-FFF2-40B4-BE49-F238E27FC236}">
+                  <a16:creationId xmlns:a16="http://schemas.microsoft.com/office/drawing/2014/main" id="{59A24ED6-70A5-4DC0-A213-5385E58417FE}"/>
+                </a:ext>
+                <a:ext uri="{C183D7F6-B498-43B3-948B-1728B52AA6E4}">
+                  <adec:decorative xmlns:adec="http://schemas.microsoft.com/office/drawing/2017/decorative" val="1"/>
+                </a:ext>
+              </a:extLst>
+            </p:cNvPr>
+            <p:cNvCxnSpPr>
+              <a:cxnSpLocks/>
+            </p:cNvCxnSpPr>
+            <p:nvPr>
+              <p:extLst>
+                <p:ext uri="{386F3935-93C4-4BCD-93E2-E3B085C9AB24}">
+                  <p16:designElem xmlns:p16="http://schemas.microsoft.com/office/powerpoint/2015/main" val="1"/>
+                </p:ext>
+              </p:extLst>
+            </p:nvPr>
+          </p:nvCxnSpPr>
+          <p:spPr>
+            <a:xfrm>
+              <a:off x="11508412" y="173267"/>
+              <a:ext cx="0" cy="6511464"/>
+            </a:xfrm>
+            <a:prstGeom prst="line">
+              <a:avLst/>
+            </a:prstGeom>
+            <a:ln w="12700">
+              <a:solidFill>
+                <a:srgbClr val="BCBCBC">
+                  <a:alpha val="29804"/>
+                </a:srgbClr>
+              </a:solidFill>
+              <a:prstDash val="sysDot"/>
+            </a:ln>
+          </p:spPr>
+          <p:style>
+            <a:lnRef idx="1">
+              <a:schemeClr val="accent1"/>
+            </a:lnRef>
+            <a:fillRef idx="0">
+              <a:schemeClr val="accent1"/>
+            </a:fillRef>
+            <a:effectRef idx="0">
+              <a:schemeClr val="accent1"/>
+            </a:effectRef>
+            <a:fontRef idx="minor">
+              <a:schemeClr val="tx1"/>
+            </a:fontRef>
+          </p:style>
+        </p:cxnSp>
+      </p:grpSp>
+      <p:sp>
+        <p:nvSpPr>
+          <p:cNvPr id="2" name="Title 1">
+            <a:extLst>
+              <a:ext uri="{FF2B5EF4-FFF2-40B4-BE49-F238E27FC236}">
+                <a16:creationId xmlns:a16="http://schemas.microsoft.com/office/drawing/2014/main" id="{8F884877-9750-052A-430D-E79503A7C5AE}"/>
+              </a:ext>
+            </a:extLst>
+          </p:cNvPr>
+          <p:cNvSpPr>
+            <a:spLocks noGrp="1"/>
+          </p:cNvSpPr>
+          <p:nvPr>
+            <p:ph type="title"/>
+          </p:nvPr>
+        </p:nvSpPr>
+        <p:spPr>
+          <a:xfrm>
+            <a:off x="691079" y="725951"/>
+            <a:ext cx="4923187" cy="5417452"/>
+          </a:xfrm>
+        </p:spPr>
+        <p:txBody>
+          <a:bodyPr anchor="ctr">
+            <a:normAutofit/>
+          </a:bodyPr>
+          <a:lstStyle/>
+          <a:p>
+            <a:r>
+              <a:rPr lang="en-US" dirty="0"/>
+              <a:t>Agenda</a:t>
+            </a:r>
+            <a:endParaRPr lang="en-SG" dirty="0"/>
+          </a:p>
+        </p:txBody>
+      </p:sp>
+      <p:sp>
+        <p:nvSpPr>
+          <p:cNvPr id="93" name="Right Triangle 92">
+            <a:extLst>
+              <a:ext uri="{FF2B5EF4-FFF2-40B4-BE49-F238E27FC236}">
+                <a16:creationId xmlns:a16="http://schemas.microsoft.com/office/drawing/2014/main" id="{69F0804E-F8DE-40E7-90F4-68B638136E17}"/>
+              </a:ext>
+              <a:ext uri="{C183D7F6-B498-43B3-948B-1728B52AA6E4}">
+                <adec:decorative xmlns:adec="http://schemas.microsoft.com/office/drawing/2017/decorative" val="1"/>
+              </a:ext>
+            </a:extLst>
+          </p:cNvPr>
+          <p:cNvSpPr>
+            <a:spLocks noGrp="1" noRot="1" noChangeAspect="1" noMove="1" noResize="1" noEditPoints="1" noAdjustHandles="1" noChangeArrowheads="1" noChangeShapeType="1" noTextEdit="1"/>
+          </p:cNvSpPr>
+          <p:nvPr>
+            <p:extLst>
+              <p:ext uri="{386F3935-93C4-4BCD-93E2-E3B085C9AB24}">
+                <p16:designElem xmlns:p16="http://schemas.microsoft.com/office/powerpoint/2015/main" val="1"/>
+              </p:ext>
+            </p:extLst>
+          </p:nvPr>
+        </p:nvSpPr>
+        <p:spPr>
+          <a:xfrm rot="13500000">
+            <a:off x="-288924" y="3137678"/>
+            <a:ext cx="568289" cy="568289"/>
+          </a:xfrm>
+          <a:prstGeom prst="rtTriangle">
+            <a:avLst/>
+          </a:prstGeom>
+          <a:solidFill>
+            <a:schemeClr val="accent1">
+              <a:alpha val="50000"/>
+            </a:schemeClr>
+          </a:solidFill>
+          <a:ln>
+            <a:noFill/>
+          </a:ln>
+        </p:spPr>
+        <p:style>
+          <a:lnRef idx="2">
+            <a:schemeClr val="accent1">
+              <a:shade val="50000"/>
+            </a:schemeClr>
+          </a:lnRef>
+          <a:fillRef idx="1">
+            <a:schemeClr val="accent1"/>
+          </a:fillRef>
+          <a:effectRef idx="0">
+            <a:schemeClr val="accent1"/>
+          </a:effectRef>
+          <a:fontRef idx="minor">
+            <a:schemeClr val="lt1"/>
+          </a:fontRef>
+        </p:style>
+        <p:txBody>
+          <a:bodyPr rtlCol="0" anchor="ctr"/>
+          <a:lstStyle/>
+          <a:p>
+            <a:pPr algn="ctr"/>
+            <a:endParaRPr lang="en-US" dirty="0">
+              <a:solidFill>
+                <a:schemeClr val="tx1"/>
+              </a:solidFill>
+            </a:endParaRPr>
+          </a:p>
+        </p:txBody>
+      </p:sp>
+      <p:sp>
+        <p:nvSpPr>
+          <p:cNvPr id="3" name="Content Placeholder 2">
+            <a:extLst>
+              <a:ext uri="{FF2B5EF4-FFF2-40B4-BE49-F238E27FC236}">
+                <a16:creationId xmlns:a16="http://schemas.microsoft.com/office/drawing/2014/main" id="{AEADCB7B-6C0B-FBF1-6BA4-7068F45D1C86}"/>
+              </a:ext>
+            </a:extLst>
+          </p:cNvPr>
+          <p:cNvSpPr>
+            <a:spLocks noGrp="1"/>
+          </p:cNvSpPr>
+          <p:nvPr>
+            <p:ph idx="1"/>
+          </p:nvPr>
+        </p:nvSpPr>
+        <p:spPr>
+          <a:xfrm>
+            <a:off x="7086745" y="713048"/>
+            <a:ext cx="4414176" cy="5449532"/>
+          </a:xfrm>
+        </p:spPr>
+        <p:txBody>
+          <a:bodyPr anchor="ctr">
+            <a:normAutofit lnSpcReduction="10000"/>
+          </a:bodyPr>
+          <a:lstStyle/>
+          <a:p>
+            <a:pPr>
+              <a:spcBef>
+                <a:spcPts val="600"/>
+              </a:spcBef>
+            </a:pPr>
+            <a:r>
+              <a:rPr lang="en-US" altLang="zh-CN" sz="1600" dirty="0"/>
+              <a:t>Blazor Web App</a:t>
+            </a:r>
+          </a:p>
+          <a:p>
+            <a:pPr marL="707400" indent="-285750">
+              <a:spcBef>
+                <a:spcPts val="600"/>
+              </a:spcBef>
+              <a:buFont typeface="Courier New" panose="02070309020205020404" pitchFamily="49" charset="0"/>
+              <a:buChar char="o"/>
+            </a:pPr>
+            <a:r>
+              <a:rPr lang="en-US" altLang="zh-CN" sz="1400" dirty="0"/>
+              <a:t>Introduction</a:t>
+            </a:r>
+          </a:p>
+          <a:p>
+            <a:pPr marL="707400" indent="-285750">
+              <a:spcBef>
+                <a:spcPts val="600"/>
+              </a:spcBef>
+              <a:buFont typeface="Courier New" panose="02070309020205020404" pitchFamily="49" charset="0"/>
+              <a:buChar char="o"/>
+            </a:pPr>
+            <a:r>
+              <a:rPr lang="en-US" altLang="zh-CN" sz="1400" dirty="0"/>
+              <a:t>Render Mode</a:t>
+            </a:r>
+          </a:p>
+          <a:p>
+            <a:pPr marL="707400" indent="-285750">
+              <a:spcBef>
+                <a:spcPts val="600"/>
+              </a:spcBef>
+              <a:buFont typeface="Courier New" panose="02070309020205020404" pitchFamily="49" charset="0"/>
+              <a:buChar char="o"/>
+            </a:pPr>
+            <a:r>
+              <a:rPr lang="en-US" altLang="zh-CN" sz="1400" dirty="0" err="1"/>
+              <a:t>LifeCycle</a:t>
+            </a:r>
+            <a:endParaRPr lang="en-US" altLang="zh-CN" sz="1400" dirty="0"/>
+          </a:p>
+          <a:p>
+            <a:pPr marL="707400" indent="-285750">
+              <a:spcBef>
+                <a:spcPts val="600"/>
+              </a:spcBef>
+              <a:buFont typeface="Courier New" panose="02070309020205020404" pitchFamily="49" charset="0"/>
+              <a:buChar char="o"/>
+            </a:pPr>
+            <a:r>
+              <a:rPr lang="en-US" altLang="zh-CN" sz="1400" dirty="0" err="1"/>
+              <a:t>PreRender</a:t>
+            </a:r>
+            <a:endParaRPr lang="en-SG" altLang="zh-CN" sz="1400" dirty="0"/>
+          </a:p>
+          <a:p>
+            <a:pPr>
+              <a:spcBef>
+                <a:spcPts val="600"/>
+              </a:spcBef>
+            </a:pPr>
+            <a:r>
+              <a:rPr lang="en-US" altLang="zh-CN" sz="1600" dirty="0"/>
+              <a:t>New Features</a:t>
+            </a:r>
+          </a:p>
+          <a:p>
+            <a:pPr marL="707400" indent="-285750">
+              <a:spcBef>
+                <a:spcPts val="600"/>
+              </a:spcBef>
+              <a:buFont typeface="Courier New" panose="02070309020205020404" pitchFamily="49" charset="0"/>
+              <a:buChar char="o"/>
+            </a:pPr>
+            <a:r>
+              <a:rPr lang="en-SG" sz="1400" dirty="0">
+                <a:solidFill>
+                  <a:schemeClr val="tx1"/>
+                </a:solidFill>
+              </a:rPr>
+              <a:t>Route to named elements</a:t>
+            </a:r>
+          </a:p>
+          <a:p>
+            <a:pPr marL="707400" indent="-285750">
+              <a:spcBef>
+                <a:spcPts val="600"/>
+              </a:spcBef>
+              <a:buFont typeface="Courier New" panose="02070309020205020404" pitchFamily="49" charset="0"/>
+              <a:buChar char="o"/>
+            </a:pPr>
+            <a:r>
+              <a:rPr lang="en-SG" sz="1400" dirty="0">
+                <a:solidFill>
+                  <a:schemeClr val="tx1"/>
+                </a:solidFill>
+              </a:rPr>
+              <a:t>Quick Grid</a:t>
+            </a:r>
+          </a:p>
+          <a:p>
+            <a:pPr marL="707400" indent="-285750">
+              <a:spcBef>
+                <a:spcPts val="600"/>
+              </a:spcBef>
+              <a:buFont typeface="Courier New" panose="02070309020205020404" pitchFamily="49" charset="0"/>
+              <a:buChar char="o"/>
+            </a:pPr>
+            <a:r>
+              <a:rPr lang="en-SG" sz="1400" dirty="0">
+                <a:solidFill>
+                  <a:schemeClr val="tx1"/>
+                </a:solidFill>
+              </a:rPr>
+              <a:t>Modifiers Data Binding</a:t>
+            </a:r>
+          </a:p>
+          <a:p>
+            <a:pPr marL="707400" indent="-285750">
+              <a:spcBef>
+                <a:spcPts val="600"/>
+              </a:spcBef>
+              <a:buFont typeface="Courier New" panose="02070309020205020404" pitchFamily="49" charset="0"/>
+              <a:buChar char="o"/>
+            </a:pPr>
+            <a:r>
+              <a:rPr lang="en-SG" sz="1400" dirty="0" err="1">
+                <a:solidFill>
+                  <a:schemeClr val="tx1"/>
+                </a:solidFill>
+              </a:rPr>
+              <a:t>Webcil</a:t>
+            </a:r>
+            <a:r>
+              <a:rPr lang="en-SG" sz="1400" dirty="0">
+                <a:solidFill>
+                  <a:schemeClr val="tx1"/>
+                </a:solidFill>
+              </a:rPr>
+              <a:t> packaging</a:t>
+            </a:r>
+          </a:p>
+          <a:p>
+            <a:pPr marL="707400" indent="-285750">
+              <a:spcBef>
+                <a:spcPts val="600"/>
+              </a:spcBef>
+              <a:buFont typeface="Courier New" panose="02070309020205020404" pitchFamily="49" charset="0"/>
+              <a:buChar char="o"/>
+            </a:pPr>
+            <a:r>
+              <a:rPr lang="en-SG" sz="1400" dirty="0">
+                <a:solidFill>
+                  <a:schemeClr val="tx1"/>
+                </a:solidFill>
+              </a:rPr>
+              <a:t>Add </a:t>
+            </a:r>
+            <a:r>
+              <a:rPr lang="en-SG" sz="1400" dirty="0" err="1">
+                <a:solidFill>
+                  <a:schemeClr val="tx1"/>
+                </a:solidFill>
+              </a:rPr>
+              <a:t>CascadingValue</a:t>
+            </a:r>
+            <a:endParaRPr lang="en-SG" sz="1400" dirty="0">
+              <a:solidFill>
+                <a:schemeClr val="tx1"/>
+              </a:solidFill>
+            </a:endParaRPr>
+          </a:p>
+          <a:p>
+            <a:pPr marL="707400" indent="-285750">
+              <a:spcBef>
+                <a:spcPts val="600"/>
+              </a:spcBef>
+              <a:buFont typeface="Courier New" panose="02070309020205020404" pitchFamily="49" charset="0"/>
+              <a:buChar char="o"/>
+            </a:pPr>
+            <a:r>
+              <a:rPr lang="en-SG" sz="1400" dirty="0">
+                <a:solidFill>
+                  <a:schemeClr val="tx1"/>
+                </a:solidFill>
+              </a:rPr>
+              <a:t>Inject keyed services</a:t>
+            </a:r>
+          </a:p>
+          <a:p>
+            <a:pPr marL="707400" indent="-285750">
+              <a:spcBef>
+                <a:spcPts val="600"/>
+              </a:spcBef>
+              <a:buFont typeface="Courier New" panose="02070309020205020404" pitchFamily="49" charset="0"/>
+              <a:buChar char="o"/>
+            </a:pPr>
+            <a:r>
+              <a:rPr lang="en-SG" sz="1400" dirty="0">
+                <a:solidFill>
+                  <a:schemeClr val="tx1"/>
+                </a:solidFill>
+              </a:rPr>
+              <a:t>Form</a:t>
+            </a:r>
+          </a:p>
+          <a:p>
+            <a:pPr marL="707400" indent="-285750">
+              <a:spcBef>
+                <a:spcPts val="600"/>
+              </a:spcBef>
+              <a:buFont typeface="Courier New" panose="02070309020205020404" pitchFamily="49" charset="0"/>
+              <a:buChar char="o"/>
+            </a:pPr>
+            <a:r>
+              <a:rPr lang="en-SG" sz="1400" dirty="0">
+                <a:solidFill>
+                  <a:schemeClr val="tx1"/>
+                </a:solidFill>
+              </a:rPr>
+              <a:t>Sections</a:t>
+            </a:r>
+          </a:p>
+          <a:p>
+            <a:pPr marL="707400" indent="-285750">
+              <a:spcBef>
+                <a:spcPts val="600"/>
+              </a:spcBef>
+              <a:buFont typeface="Courier New" panose="02070309020205020404" pitchFamily="49" charset="0"/>
+              <a:buChar char="o"/>
+            </a:pPr>
+            <a:r>
+              <a:rPr lang="en-SG" sz="1400" dirty="0">
+                <a:solidFill>
+                  <a:schemeClr val="tx1"/>
+                </a:solidFill>
+              </a:rPr>
+              <a:t>Virtualize empty content</a:t>
+            </a:r>
+          </a:p>
+          <a:p>
+            <a:pPr marL="707400" indent="-285750">
+              <a:spcBef>
+                <a:spcPts val="600"/>
+              </a:spcBef>
+              <a:buFont typeface="Courier New" panose="02070309020205020404" pitchFamily="49" charset="0"/>
+              <a:buChar char="o"/>
+            </a:pPr>
+            <a:r>
+              <a:rPr lang="en-SG" sz="1400" dirty="0">
+                <a:solidFill>
+                  <a:schemeClr val="tx1"/>
+                </a:solidFill>
+              </a:rPr>
+              <a:t>Dialog Events</a:t>
+            </a:r>
+          </a:p>
+          <a:p>
+            <a:pPr marL="707400" indent="-285750">
+              <a:spcBef>
+                <a:spcPts val="600"/>
+              </a:spcBef>
+              <a:buFont typeface="Courier New" panose="02070309020205020404" pitchFamily="49" charset="0"/>
+              <a:buChar char="o"/>
+            </a:pPr>
+            <a:r>
+              <a:rPr lang="en-SG" sz="1400" dirty="0">
+                <a:solidFill>
+                  <a:schemeClr val="tx1"/>
+                </a:solidFill>
+              </a:rPr>
+              <a:t>Error Page</a:t>
+            </a:r>
+          </a:p>
+          <a:p>
+            <a:pPr marL="707400" indent="-285750">
+              <a:spcBef>
+                <a:spcPts val="600"/>
+              </a:spcBef>
+              <a:buFont typeface="Courier New" panose="02070309020205020404" pitchFamily="49" charset="0"/>
+              <a:buChar char="o"/>
+            </a:pPr>
+            <a:r>
+              <a:rPr lang="en-SG" sz="1400" dirty="0">
+                <a:solidFill>
+                  <a:schemeClr val="tx1"/>
+                </a:solidFill>
+              </a:rPr>
+              <a:t>Render outside asp </a:t>
+            </a:r>
+            <a:r>
+              <a:rPr lang="en-SG" sz="1400" dirty="0" err="1">
+                <a:solidFill>
+                  <a:schemeClr val="tx1"/>
+                </a:solidFill>
+              </a:rPr>
+              <a:t>.net</a:t>
+            </a:r>
+            <a:r>
+              <a:rPr lang="en-SG" sz="1400" dirty="0">
+                <a:solidFill>
+                  <a:schemeClr val="tx1"/>
+                </a:solidFill>
+              </a:rPr>
+              <a:t> core</a:t>
+            </a:r>
+          </a:p>
+        </p:txBody>
+      </p:sp>
+    </p:spTree>
+    <p:extLst>
+      <p:ext uri="{BB962C8B-B14F-4D97-AF65-F5344CB8AC3E}">
+        <p14:creationId xmlns:p14="http://schemas.microsoft.com/office/powerpoint/2010/main" val="607183220"/>
+      </p:ext>
+    </p:extLst>
+  </p:cSld>
+  <p:clrMapOvr>
+    <a:masterClrMapping/>
+  </p:clrMapOvr>
+</p:sld>
+</file>
+
+<file path=ppt/slides/slide20.xml><?xml version="1.0" encoding="utf-8"?>
 <p:sld xmlns:a="http://schemas.openxmlformats.org/drawingml/2006/main" xmlns:r="http://schemas.openxmlformats.org/officeDocument/2006/relationships" xmlns:p="http://schemas.openxmlformats.org/presentationml/2006/main">
   <p:cSld>
     <p:spTree>
@@ -18337,7 +22236,7 @@
 </p:sld>
 </file>
 
-<file path=ppt/slides/slide15.xml><?xml version="1.0" encoding="utf-8"?>
+<file path=ppt/slides/slide21.xml><?xml version="1.0" encoding="utf-8"?>
 <p:sld xmlns:a="http://schemas.openxmlformats.org/drawingml/2006/main" xmlns:r="http://schemas.openxmlformats.org/officeDocument/2006/relationships" xmlns:p="http://schemas.openxmlformats.org/presentationml/2006/main">
   <p:cSld>
     <p:spTree>
@@ -21436,7 +25335,7 @@
 </p:sld>
 </file>
 
-<file path=ppt/slides/slide16.xml><?xml version="1.0" encoding="utf-8"?>
+<file path=ppt/slides/slide22.xml><?xml version="1.0" encoding="utf-8"?>
 <p:sld xmlns:a="http://schemas.openxmlformats.org/drawingml/2006/main" xmlns:r="http://schemas.openxmlformats.org/officeDocument/2006/relationships" xmlns:p="http://schemas.openxmlformats.org/presentationml/2006/main">
   <p:cSld>
     <p:spTree>
@@ -22882,7 +26781,7 @@
 </p:sld>
 </file>
 
-<file path=ppt/slides/slide17.xml><?xml version="1.0" encoding="utf-8"?>
+<file path=ppt/slides/slide23.xml><?xml version="1.0" encoding="utf-8"?>
 <p:sld xmlns:a="http://schemas.openxmlformats.org/drawingml/2006/main" xmlns:r="http://schemas.openxmlformats.org/officeDocument/2006/relationships" xmlns:p="http://schemas.openxmlformats.org/presentationml/2006/main">
   <p:cSld>
     <p:spTree>
@@ -24392,7 +28291,7 @@
 </p:sld>
 </file>
 
-<file path=ppt/slides/slide18.xml><?xml version="1.0" encoding="utf-8"?>
+<file path=ppt/slides/slide24.xml><?xml version="1.0" encoding="utf-8"?>
 <p:sld xmlns:a="http://schemas.openxmlformats.org/drawingml/2006/main" xmlns:r="http://schemas.openxmlformats.org/officeDocument/2006/relationships" xmlns:p="http://schemas.openxmlformats.org/presentationml/2006/main">
   <p:cSld>
     <p:spTree>
@@ -24824,7 +28723,7 @@
 </p:sld>
 </file>
 
-<file path=ppt/slides/slide19.xml><?xml version="1.0" encoding="utf-8"?>
+<file path=ppt/slides/slide25.xml><?xml version="1.0" encoding="utf-8"?>
 <p:sld xmlns:a="http://schemas.openxmlformats.org/drawingml/2006/main" xmlns:r="http://schemas.openxmlformats.org/officeDocument/2006/relationships" xmlns:p="http://schemas.openxmlformats.org/presentationml/2006/main">
   <p:cSld>
     <p:spTree>
@@ -25409,2483 +29308,7 @@
 </p:sld>
 </file>
 
-<file path=ppt/slides/slide2.xml><?xml version="1.0" encoding="utf-8"?>
-<p:sld xmlns:a="http://schemas.openxmlformats.org/drawingml/2006/main" xmlns:r="http://schemas.openxmlformats.org/officeDocument/2006/relationships" xmlns:p="http://schemas.openxmlformats.org/presentationml/2006/main">
-  <p:cSld>
-    <p:bg>
-      <p:bgPr>
-        <a:solidFill>
-          <a:schemeClr val="bg1"/>
-        </a:solidFill>
-        <a:effectLst/>
-      </p:bgPr>
-    </p:bg>
-    <p:spTree>
-      <p:nvGrpSpPr>
-        <p:cNvPr id="1" name=""/>
-        <p:cNvGrpSpPr/>
-        <p:nvPr/>
-      </p:nvGrpSpPr>
-      <p:grpSpPr>
-        <a:xfrm>
-          <a:off x="0" y="0"/>
-          <a:ext cx="0" cy="0"/>
-          <a:chOff x="0" y="0"/>
-          <a:chExt cx="0" cy="0"/>
-        </a:xfrm>
-      </p:grpSpPr>
-      <p:sp useBgFill="1">
-        <p:nvSpPr>
-          <p:cNvPr id="56" name="Rectangle 55">
-            <a:extLst>
-              <a:ext uri="{FF2B5EF4-FFF2-40B4-BE49-F238E27FC236}">
-                <a16:creationId xmlns:a16="http://schemas.microsoft.com/office/drawing/2014/main" id="{D7C3C2D0-A48F-4A6F-9C7D-888E9DFE643A}"/>
-              </a:ext>
-              <a:ext uri="{C183D7F6-B498-43B3-948B-1728B52AA6E4}">
-                <adec:decorative xmlns:adec="http://schemas.microsoft.com/office/drawing/2017/decorative" val="1"/>
-              </a:ext>
-            </a:extLst>
-          </p:cNvPr>
-          <p:cNvSpPr>
-            <a:spLocks noGrp="1" noRot="1" noChangeAspect="1" noMove="1" noResize="1" noEditPoints="1" noAdjustHandles="1" noChangeArrowheads="1" noChangeShapeType="1" noTextEdit="1"/>
-          </p:cNvSpPr>
-          <p:nvPr>
-            <p:extLst>
-              <p:ext uri="{386F3935-93C4-4BCD-93E2-E3B085C9AB24}">
-                <p16:designElem xmlns:p16="http://schemas.microsoft.com/office/powerpoint/2015/main" val="1"/>
-              </p:ext>
-            </p:extLst>
-          </p:nvPr>
-        </p:nvSpPr>
-        <p:spPr>
-          <a:xfrm>
-            <a:off x="0" y="0"/>
-            <a:ext cx="12188952" cy="6858000"/>
-          </a:xfrm>
-          <a:prstGeom prst="rect">
-            <a:avLst/>
-          </a:prstGeom>
-          <a:ln>
-            <a:noFill/>
-          </a:ln>
-        </p:spPr>
-        <p:style>
-          <a:lnRef idx="2">
-            <a:schemeClr val="accent1">
-              <a:shade val="50000"/>
-            </a:schemeClr>
-          </a:lnRef>
-          <a:fillRef idx="1">
-            <a:schemeClr val="accent1"/>
-          </a:fillRef>
-          <a:effectRef idx="0">
-            <a:schemeClr val="accent1"/>
-          </a:effectRef>
-          <a:fontRef idx="minor">
-            <a:schemeClr val="lt1"/>
-          </a:fontRef>
-        </p:style>
-        <p:txBody>
-          <a:bodyPr rtlCol="0" anchor="ctr"/>
-          <a:lstStyle/>
-          <a:p>
-            <a:pPr algn="ctr"/>
-            <a:endParaRPr lang="en-US" dirty="0">
-              <a:solidFill>
-                <a:schemeClr val="bg1"/>
-              </a:solidFill>
-            </a:endParaRPr>
-          </a:p>
-        </p:txBody>
-      </p:sp>
-      <p:sp useBgFill="1">
-        <p:nvSpPr>
-          <p:cNvPr id="58" name="Freeform: Shape 57">
-            <a:extLst>
-              <a:ext uri="{FF2B5EF4-FFF2-40B4-BE49-F238E27FC236}">
-                <a16:creationId xmlns:a16="http://schemas.microsoft.com/office/drawing/2014/main" id="{A522AC37-2BE3-4ECF-A007-1DE6CB354FFE}"/>
-              </a:ext>
-              <a:ext uri="{C183D7F6-B498-43B3-948B-1728B52AA6E4}">
-                <adec:decorative xmlns:adec="http://schemas.microsoft.com/office/drawing/2017/decorative" val="1"/>
-              </a:ext>
-            </a:extLst>
-          </p:cNvPr>
-          <p:cNvSpPr>
-            <a:spLocks noGrp="1" noRot="1" noChangeAspect="1" noMove="1" noResize="1" noEditPoints="1" noAdjustHandles="1" noChangeArrowheads="1" noChangeShapeType="1" noTextEdit="1"/>
-          </p:cNvSpPr>
-          <p:nvPr>
-            <p:extLst>
-              <p:ext uri="{386F3935-93C4-4BCD-93E2-E3B085C9AB24}">
-                <p16:designElem xmlns:p16="http://schemas.microsoft.com/office/powerpoint/2015/main" val="1"/>
-              </p:ext>
-            </p:extLst>
-          </p:nvPr>
-        </p:nvSpPr>
-        <p:spPr>
-          <a:xfrm rot="5400000" flipV="1">
-            <a:off x="5594387" y="266591"/>
-            <a:ext cx="6857996" cy="6324809"/>
-          </a:xfrm>
-          <a:custGeom>
-            <a:avLst/>
-            <a:gdLst>
-              <a:gd name="connsiteX0" fmla="*/ 0 w 6857996"/>
-              <a:gd name="connsiteY0" fmla="*/ 2827344 h 6142577"/>
-              <a:gd name="connsiteX1" fmla="*/ 0 w 6857996"/>
-              <a:gd name="connsiteY1" fmla="*/ 5080510 h 6142577"/>
-              <a:gd name="connsiteX2" fmla="*/ 3 w 6857996"/>
-              <a:gd name="connsiteY2" fmla="*/ 5080510 h 6142577"/>
-              <a:gd name="connsiteX3" fmla="*/ 3 w 6857996"/>
-              <a:gd name="connsiteY3" fmla="*/ 6142577 h 6142577"/>
-              <a:gd name="connsiteX4" fmla="*/ 6857996 w 6857996"/>
-              <a:gd name="connsiteY4" fmla="*/ 6142577 h 6142577"/>
-              <a:gd name="connsiteX5" fmla="*/ 6857996 w 6857996"/>
-              <a:gd name="connsiteY5" fmla="*/ 3928749 h 6142577"/>
-              <a:gd name="connsiteX6" fmla="*/ 6857996 w 6857996"/>
-              <a:gd name="connsiteY6" fmla="*/ 2572597 h 6142577"/>
-              <a:gd name="connsiteX7" fmla="*/ 6857996 w 6857996"/>
-              <a:gd name="connsiteY7" fmla="*/ 307516 h 6142577"/>
-              <a:gd name="connsiteX8" fmla="*/ 6550769 w 6857996"/>
-              <a:gd name="connsiteY8" fmla="*/ 222609 h 6142577"/>
-              <a:gd name="connsiteX9" fmla="*/ 5031274 w 6857996"/>
-              <a:gd name="connsiteY9" fmla="*/ 33 h 6142577"/>
-              <a:gd name="connsiteX10" fmla="*/ 310659 w 6857996"/>
-              <a:gd name="connsiteY10" fmla="*/ 1067285 h 6142577"/>
-              <a:gd name="connsiteX11" fmla="*/ 2 w 6857996"/>
-              <a:gd name="connsiteY11" fmla="*/ 1072307 h 6142577"/>
-              <a:gd name="connsiteX12" fmla="*/ 2 w 6857996"/>
-              <a:gd name="connsiteY12" fmla="*/ 2827344 h 6142577"/>
-            </a:gdLst>
-            <a:ahLst/>
-            <a:cxnLst>
-              <a:cxn ang="0">
-                <a:pos x="connsiteX0" y="connsiteY0"/>
-              </a:cxn>
-              <a:cxn ang="0">
-                <a:pos x="connsiteX1" y="connsiteY1"/>
-              </a:cxn>
-              <a:cxn ang="0">
-                <a:pos x="connsiteX2" y="connsiteY2"/>
-              </a:cxn>
-              <a:cxn ang="0">
-                <a:pos x="connsiteX3" y="connsiteY3"/>
-              </a:cxn>
-              <a:cxn ang="0">
-                <a:pos x="connsiteX4" y="connsiteY4"/>
-              </a:cxn>
-              <a:cxn ang="0">
-                <a:pos x="connsiteX5" y="connsiteY5"/>
-              </a:cxn>
-              <a:cxn ang="0">
-                <a:pos x="connsiteX6" y="connsiteY6"/>
-              </a:cxn>
-              <a:cxn ang="0">
-                <a:pos x="connsiteX7" y="connsiteY7"/>
-              </a:cxn>
-              <a:cxn ang="0">
-                <a:pos x="connsiteX8" y="connsiteY8"/>
-              </a:cxn>
-              <a:cxn ang="0">
-                <a:pos x="connsiteX9" y="connsiteY9"/>
-              </a:cxn>
-              <a:cxn ang="0">
-                <a:pos x="connsiteX10" y="connsiteY10"/>
-              </a:cxn>
-              <a:cxn ang="0">
-                <a:pos x="connsiteX11" y="connsiteY11"/>
-              </a:cxn>
-              <a:cxn ang="0">
-                <a:pos x="connsiteX12" y="connsiteY12"/>
-              </a:cxn>
-            </a:cxnLst>
-            <a:rect l="l" t="t" r="r" b="b"/>
-            <a:pathLst>
-              <a:path w="6857996" h="6142577">
-                <a:moveTo>
-                  <a:pt x="0" y="2827344"/>
-                </a:moveTo>
-                <a:lnTo>
-                  <a:pt x="0" y="5080510"/>
-                </a:lnTo>
-                <a:lnTo>
-                  <a:pt x="3" y="5080510"/>
-                </a:lnTo>
-                <a:lnTo>
-                  <a:pt x="3" y="6142577"/>
-                </a:lnTo>
-                <a:lnTo>
-                  <a:pt x="6857996" y="6142577"/>
-                </a:lnTo>
-                <a:lnTo>
-                  <a:pt x="6857996" y="3928749"/>
-                </a:lnTo>
-                <a:lnTo>
-                  <a:pt x="6857996" y="2572597"/>
-                </a:lnTo>
-                <a:lnTo>
-                  <a:pt x="6857996" y="307516"/>
-                </a:lnTo>
-                <a:lnTo>
-                  <a:pt x="6550769" y="222609"/>
-                </a:lnTo>
-                <a:cubicBezTo>
-                  <a:pt x="5946238" y="65902"/>
-                  <a:pt x="5454822" y="1688"/>
-                  <a:pt x="5031274" y="33"/>
-                </a:cubicBezTo>
-                <a:cubicBezTo>
-                  <a:pt x="3337081" y="-6590"/>
-                  <a:pt x="2728780" y="987729"/>
-                  <a:pt x="310659" y="1067285"/>
-                </a:cubicBezTo>
-                <a:lnTo>
-                  <a:pt x="2" y="1072307"/>
-                </a:lnTo>
-                <a:lnTo>
-                  <a:pt x="2" y="2827344"/>
-                </a:lnTo>
-                <a:close/>
-              </a:path>
-            </a:pathLst>
-          </a:custGeom>
-          <a:solidFill>
-            <a:srgbClr val="BCBCBC">
-              <a:alpha val="30000"/>
-            </a:srgbClr>
-          </a:solidFill>
-          <a:ln>
-            <a:noFill/>
-          </a:ln>
-        </p:spPr>
-        <p:style>
-          <a:lnRef idx="2">
-            <a:schemeClr val="accent1">
-              <a:shade val="50000"/>
-            </a:schemeClr>
-          </a:lnRef>
-          <a:fillRef idx="1">
-            <a:schemeClr val="accent1"/>
-          </a:fillRef>
-          <a:effectRef idx="0">
-            <a:schemeClr val="accent1"/>
-          </a:effectRef>
-          <a:fontRef idx="minor">
-            <a:schemeClr val="lt1"/>
-          </a:fontRef>
-        </p:style>
-        <p:txBody>
-          <a:bodyPr wrap="square" rtlCol="0" anchor="ctr">
-            <a:noAutofit/>
-          </a:bodyPr>
-          <a:lstStyle/>
-          <a:p>
-            <a:pPr algn="ctr"/>
-            <a:endParaRPr lang="en-US" dirty="0"/>
-          </a:p>
-        </p:txBody>
-      </p:sp>
-      <p:grpSp>
-        <p:nvGrpSpPr>
-          <p:cNvPr id="60" name="Group 59">
-            <a:extLst>
-              <a:ext uri="{FF2B5EF4-FFF2-40B4-BE49-F238E27FC236}">
-                <a16:creationId xmlns:a16="http://schemas.microsoft.com/office/drawing/2014/main" id="{ACAC8F7F-D35D-4520-8F56-4EFA77C73B66}"/>
-              </a:ext>
-              <a:ext uri="{C183D7F6-B498-43B3-948B-1728B52AA6E4}">
-                <adec:decorative xmlns:adec="http://schemas.microsoft.com/office/drawing/2017/decorative" val="1"/>
-              </a:ext>
-            </a:extLst>
-          </p:cNvPr>
-          <p:cNvGrpSpPr>
-            <a:grpSpLocks noGrp="1" noUngrp="1" noRot="1" noChangeAspect="1" noMove="1" noResize="1"/>
-          </p:cNvGrpSpPr>
-          <p:nvPr>
-            <p:extLst>
-              <p:ext uri="{386F3935-93C4-4BCD-93E2-E3B085C9AB24}">
-                <p16:designElem xmlns:p16="http://schemas.microsoft.com/office/powerpoint/2015/main" val="1"/>
-              </p:ext>
-            </p:extLst>
-          </p:nvPr>
-        </p:nvGrpSpPr>
-        <p:grpSpPr>
-          <a:xfrm>
-            <a:off x="-6214" y="-1"/>
-            <a:ext cx="12214827" cy="6858000"/>
-            <a:chOff x="-6214" y="-1"/>
-            <a:chExt cx="12214827" cy="6858000"/>
-          </a:xfrm>
-        </p:grpSpPr>
-        <p:cxnSp>
-          <p:nvCxnSpPr>
-            <p:cNvPr id="61" name="Straight Connector 60">
-              <a:extLst>
-                <a:ext uri="{FF2B5EF4-FFF2-40B4-BE49-F238E27FC236}">
-                  <a16:creationId xmlns:a16="http://schemas.microsoft.com/office/drawing/2014/main" id="{E87C587A-B291-49B1-BE30-198570DDACDF}"/>
-                </a:ext>
-                <a:ext uri="{C183D7F6-B498-43B3-948B-1728B52AA6E4}">
-                  <adec:decorative xmlns:adec="http://schemas.microsoft.com/office/drawing/2017/decorative" val="1"/>
-                </a:ext>
-              </a:extLst>
-            </p:cNvPr>
-            <p:cNvCxnSpPr>
-              <a:cxnSpLocks/>
-            </p:cNvCxnSpPr>
-            <p:nvPr>
-              <p:extLst>
-                <p:ext uri="{386F3935-93C4-4BCD-93E2-E3B085C9AB24}">
-                  <p16:designElem xmlns:p16="http://schemas.microsoft.com/office/powerpoint/2015/main" val="1"/>
-                </p:ext>
-              </p:extLst>
-            </p:nvPr>
-          </p:nvCxnSpPr>
-          <p:spPr>
-            <a:xfrm>
-              <a:off x="-6214" y="6686283"/>
-              <a:ext cx="12192000" cy="0"/>
-            </a:xfrm>
-            <a:prstGeom prst="line">
-              <a:avLst/>
-            </a:prstGeom>
-            <a:ln w="12700">
-              <a:solidFill>
-                <a:srgbClr val="BCBCBC">
-                  <a:alpha val="29804"/>
-                </a:srgbClr>
-              </a:solidFill>
-              <a:prstDash val="sysDot"/>
-            </a:ln>
-          </p:spPr>
-          <p:style>
-            <a:lnRef idx="1">
-              <a:schemeClr val="accent1"/>
-            </a:lnRef>
-            <a:fillRef idx="0">
-              <a:schemeClr val="accent1"/>
-            </a:fillRef>
-            <a:effectRef idx="0">
-              <a:schemeClr val="accent1"/>
-            </a:effectRef>
-            <a:fontRef idx="minor">
-              <a:schemeClr val="tx1"/>
-            </a:fontRef>
-          </p:style>
-        </p:cxnSp>
-        <p:cxnSp>
-          <p:nvCxnSpPr>
-            <p:cNvPr id="62" name="Straight Connector 61">
-              <a:extLst>
-                <a:ext uri="{FF2B5EF4-FFF2-40B4-BE49-F238E27FC236}">
-                  <a16:creationId xmlns:a16="http://schemas.microsoft.com/office/drawing/2014/main" id="{CB6C1D58-93FC-4B49-9F8B-2262E08DAAB3}"/>
-                </a:ext>
-                <a:ext uri="{C183D7F6-B498-43B3-948B-1728B52AA6E4}">
-                  <adec:decorative xmlns:adec="http://schemas.microsoft.com/office/drawing/2017/decorative" val="1"/>
-                </a:ext>
-              </a:extLst>
-            </p:cNvPr>
-            <p:cNvCxnSpPr>
-              <a:cxnSpLocks/>
-            </p:cNvCxnSpPr>
-            <p:nvPr>
-              <p:extLst>
-                <p:ext uri="{386F3935-93C4-4BCD-93E2-E3B085C9AB24}">
-                  <p16:designElem xmlns:p16="http://schemas.microsoft.com/office/powerpoint/2015/main" val="1"/>
-                </p:ext>
-              </p:extLst>
-            </p:nvPr>
-          </p:nvCxnSpPr>
-          <p:spPr>
-            <a:xfrm>
-              <a:off x="0" y="-1"/>
-              <a:ext cx="0" cy="6858000"/>
-            </a:xfrm>
-            <a:prstGeom prst="line">
-              <a:avLst/>
-            </a:prstGeom>
-            <a:ln w="12700">
-              <a:solidFill>
-                <a:srgbClr val="BCBCBC">
-                  <a:alpha val="29804"/>
-                </a:srgbClr>
-              </a:solidFill>
-              <a:prstDash val="sysDot"/>
-            </a:ln>
-          </p:spPr>
-          <p:style>
-            <a:lnRef idx="1">
-              <a:schemeClr val="accent1"/>
-            </a:lnRef>
-            <a:fillRef idx="0">
-              <a:schemeClr val="accent1"/>
-            </a:fillRef>
-            <a:effectRef idx="0">
-              <a:schemeClr val="accent1"/>
-            </a:effectRef>
-            <a:fontRef idx="minor">
-              <a:schemeClr val="tx1"/>
-            </a:fontRef>
-          </p:style>
-        </p:cxnSp>
-        <p:cxnSp>
-          <p:nvCxnSpPr>
-            <p:cNvPr id="63" name="Straight Connector 62">
-              <a:extLst>
-                <a:ext uri="{FF2B5EF4-FFF2-40B4-BE49-F238E27FC236}">
-                  <a16:creationId xmlns:a16="http://schemas.microsoft.com/office/drawing/2014/main" id="{F0965ED9-2FC3-4180-9CAC-D7DF1C7BEF99}"/>
-                </a:ext>
-                <a:ext uri="{C183D7F6-B498-43B3-948B-1728B52AA6E4}">
-                  <adec:decorative xmlns:adec="http://schemas.microsoft.com/office/drawing/2017/decorative" val="1"/>
-                </a:ext>
-              </a:extLst>
-            </p:cNvPr>
-            <p:cNvCxnSpPr>
-              <a:cxnSpLocks/>
-            </p:cNvCxnSpPr>
-            <p:nvPr>
-              <p:extLst>
-                <p:ext uri="{386F3935-93C4-4BCD-93E2-E3B085C9AB24}">
-                  <p16:designElem xmlns:p16="http://schemas.microsoft.com/office/powerpoint/2015/main" val="1"/>
-                </p:ext>
-              </p:extLst>
-            </p:nvPr>
-          </p:nvCxnSpPr>
-          <p:spPr>
-            <a:xfrm>
-              <a:off x="11993258" y="-1"/>
-              <a:ext cx="0" cy="6858000"/>
-            </a:xfrm>
-            <a:prstGeom prst="line">
-              <a:avLst/>
-            </a:prstGeom>
-            <a:ln w="12700">
-              <a:solidFill>
-                <a:srgbClr val="BCBCBC">
-                  <a:alpha val="29804"/>
-                </a:srgbClr>
-              </a:solidFill>
-              <a:prstDash val="sysDot"/>
-            </a:ln>
-          </p:spPr>
-          <p:style>
-            <a:lnRef idx="1">
-              <a:schemeClr val="accent1"/>
-            </a:lnRef>
-            <a:fillRef idx="0">
-              <a:schemeClr val="accent1"/>
-            </a:fillRef>
-            <a:effectRef idx="0">
-              <a:schemeClr val="accent1"/>
-            </a:effectRef>
-            <a:fontRef idx="minor">
-              <a:schemeClr val="tx1"/>
-            </a:fontRef>
-          </p:style>
-        </p:cxnSp>
-        <p:cxnSp>
-          <p:nvCxnSpPr>
-            <p:cNvPr id="64" name="Straight Connector 63">
-              <a:extLst>
-                <a:ext uri="{FF2B5EF4-FFF2-40B4-BE49-F238E27FC236}">
-                  <a16:creationId xmlns:a16="http://schemas.microsoft.com/office/drawing/2014/main" id="{F116CA23-FA2C-4A44-A67C-FC147A715DD7}"/>
-                </a:ext>
-                <a:ext uri="{C183D7F6-B498-43B3-948B-1728B52AA6E4}">
-                  <adec:decorative xmlns:adec="http://schemas.microsoft.com/office/drawing/2017/decorative" val="1"/>
-                </a:ext>
-              </a:extLst>
-            </p:cNvPr>
-            <p:cNvCxnSpPr>
-              <a:cxnSpLocks/>
-            </p:cNvCxnSpPr>
-            <p:nvPr>
-              <p:extLst>
-                <p:ext uri="{386F3935-93C4-4BCD-93E2-E3B085C9AB24}">
-                  <p16:designElem xmlns:p16="http://schemas.microsoft.com/office/powerpoint/2015/main" val="1"/>
-                </p:ext>
-              </p:extLst>
-            </p:nvPr>
-          </p:nvCxnSpPr>
-          <p:spPr>
-            <a:xfrm>
-              <a:off x="192528" y="-1"/>
-              <a:ext cx="0" cy="6858000"/>
-            </a:xfrm>
-            <a:prstGeom prst="line">
-              <a:avLst/>
-            </a:prstGeom>
-            <a:ln w="12700">
-              <a:solidFill>
-                <a:srgbClr val="BCBCBC">
-                  <a:alpha val="29804"/>
-                </a:srgbClr>
-              </a:solidFill>
-              <a:prstDash val="sysDot"/>
-            </a:ln>
-          </p:spPr>
-          <p:style>
-            <a:lnRef idx="1">
-              <a:schemeClr val="accent1"/>
-            </a:lnRef>
-            <a:fillRef idx="0">
-              <a:schemeClr val="accent1"/>
-            </a:fillRef>
-            <a:effectRef idx="0">
-              <a:schemeClr val="accent1"/>
-            </a:effectRef>
-            <a:fontRef idx="minor">
-              <a:schemeClr val="tx1"/>
-            </a:fontRef>
-          </p:style>
-        </p:cxnSp>
-        <p:cxnSp>
-          <p:nvCxnSpPr>
-            <p:cNvPr id="65" name="Straight Connector 64">
-              <a:extLst>
-                <a:ext uri="{FF2B5EF4-FFF2-40B4-BE49-F238E27FC236}">
-                  <a16:creationId xmlns:a16="http://schemas.microsoft.com/office/drawing/2014/main" id="{E2C391CF-E782-40EA-B1EB-05ADC774CCE1}"/>
-                </a:ext>
-                <a:ext uri="{C183D7F6-B498-43B3-948B-1728B52AA6E4}">
-                  <adec:decorative xmlns:adec="http://schemas.microsoft.com/office/drawing/2017/decorative" val="1"/>
-                </a:ext>
-              </a:extLst>
-            </p:cNvPr>
-            <p:cNvCxnSpPr>
-              <a:cxnSpLocks/>
-            </p:cNvCxnSpPr>
-            <p:nvPr>
-              <p:extLst>
-                <p:ext uri="{386F3935-93C4-4BCD-93E2-E3B085C9AB24}">
-                  <p16:designElem xmlns:p16="http://schemas.microsoft.com/office/powerpoint/2015/main" val="1"/>
-                </p:ext>
-              </p:extLst>
-            </p:nvPr>
-          </p:nvCxnSpPr>
-          <p:spPr>
-            <a:xfrm>
-              <a:off x="1175922" y="-1"/>
-              <a:ext cx="0" cy="6858000"/>
-            </a:xfrm>
-            <a:prstGeom prst="line">
-              <a:avLst/>
-            </a:prstGeom>
-            <a:ln w="12700">
-              <a:solidFill>
-                <a:srgbClr val="BCBCBC">
-                  <a:alpha val="29804"/>
-                </a:srgbClr>
-              </a:solidFill>
-              <a:prstDash val="sysDot"/>
-            </a:ln>
-          </p:spPr>
-          <p:style>
-            <a:lnRef idx="1">
-              <a:schemeClr val="accent1"/>
-            </a:lnRef>
-            <a:fillRef idx="0">
-              <a:schemeClr val="accent1"/>
-            </a:fillRef>
-            <a:effectRef idx="0">
-              <a:schemeClr val="accent1"/>
-            </a:effectRef>
-            <a:fontRef idx="minor">
-              <a:schemeClr val="tx1"/>
-            </a:fontRef>
-          </p:style>
-        </p:cxnSp>
-        <p:cxnSp>
-          <p:nvCxnSpPr>
-            <p:cNvPr id="66" name="Straight Connector 65">
-              <a:extLst>
-                <a:ext uri="{FF2B5EF4-FFF2-40B4-BE49-F238E27FC236}">
-                  <a16:creationId xmlns:a16="http://schemas.microsoft.com/office/drawing/2014/main" id="{7B322665-68EB-45B5-A6DE-2869B30F1C9C}"/>
-                </a:ext>
-                <a:ext uri="{C183D7F6-B498-43B3-948B-1728B52AA6E4}">
-                  <adec:decorative xmlns:adec="http://schemas.microsoft.com/office/drawing/2017/decorative" val="1"/>
-                </a:ext>
-              </a:extLst>
-            </p:cNvPr>
-            <p:cNvCxnSpPr>
-              <a:cxnSpLocks/>
-            </p:cNvCxnSpPr>
-            <p:nvPr>
-              <p:extLst>
-                <p:ext uri="{386F3935-93C4-4BCD-93E2-E3B085C9AB24}">
-                  <p16:designElem xmlns:p16="http://schemas.microsoft.com/office/powerpoint/2015/main" val="1"/>
-                </p:ext>
-              </p:extLst>
-            </p:nvPr>
-          </p:nvCxnSpPr>
-          <p:spPr>
-            <a:xfrm>
-              <a:off x="2159316" y="-1"/>
-              <a:ext cx="0" cy="6858000"/>
-            </a:xfrm>
-            <a:prstGeom prst="line">
-              <a:avLst/>
-            </a:prstGeom>
-            <a:ln w="12700">
-              <a:solidFill>
-                <a:srgbClr val="BCBCBC">
-                  <a:alpha val="29804"/>
-                </a:srgbClr>
-              </a:solidFill>
-              <a:prstDash val="sysDot"/>
-            </a:ln>
-          </p:spPr>
-          <p:style>
-            <a:lnRef idx="1">
-              <a:schemeClr val="accent1"/>
-            </a:lnRef>
-            <a:fillRef idx="0">
-              <a:schemeClr val="accent1"/>
-            </a:fillRef>
-            <a:effectRef idx="0">
-              <a:schemeClr val="accent1"/>
-            </a:effectRef>
-            <a:fontRef idx="minor">
-              <a:schemeClr val="tx1"/>
-            </a:fontRef>
-          </p:style>
-        </p:cxnSp>
-        <p:cxnSp>
-          <p:nvCxnSpPr>
-            <p:cNvPr id="67" name="Straight Connector 66">
-              <a:extLst>
-                <a:ext uri="{FF2B5EF4-FFF2-40B4-BE49-F238E27FC236}">
-                  <a16:creationId xmlns:a16="http://schemas.microsoft.com/office/drawing/2014/main" id="{A3B7FA59-83C4-4952-AF38-C1FC950E9067}"/>
-                </a:ext>
-                <a:ext uri="{C183D7F6-B498-43B3-948B-1728B52AA6E4}">
-                  <adec:decorative xmlns:adec="http://schemas.microsoft.com/office/drawing/2017/decorative" val="1"/>
-                </a:ext>
-              </a:extLst>
-            </p:cNvPr>
-            <p:cNvCxnSpPr>
-              <a:cxnSpLocks/>
-            </p:cNvCxnSpPr>
-            <p:nvPr>
-              <p:extLst>
-                <p:ext uri="{386F3935-93C4-4BCD-93E2-E3B085C9AB24}">
-                  <p16:designElem xmlns:p16="http://schemas.microsoft.com/office/powerpoint/2015/main" val="1"/>
-                </p:ext>
-              </p:extLst>
-            </p:nvPr>
-          </p:nvCxnSpPr>
-          <p:spPr>
-            <a:xfrm>
-              <a:off x="3142710" y="-1"/>
-              <a:ext cx="0" cy="6858000"/>
-            </a:xfrm>
-            <a:prstGeom prst="line">
-              <a:avLst/>
-            </a:prstGeom>
-            <a:ln w="12700">
-              <a:solidFill>
-                <a:srgbClr val="BCBCBC">
-                  <a:alpha val="29804"/>
-                </a:srgbClr>
-              </a:solidFill>
-              <a:prstDash val="sysDot"/>
-            </a:ln>
-          </p:spPr>
-          <p:style>
-            <a:lnRef idx="1">
-              <a:schemeClr val="accent1"/>
-            </a:lnRef>
-            <a:fillRef idx="0">
-              <a:schemeClr val="accent1"/>
-            </a:fillRef>
-            <a:effectRef idx="0">
-              <a:schemeClr val="accent1"/>
-            </a:effectRef>
-            <a:fontRef idx="minor">
-              <a:schemeClr val="tx1"/>
-            </a:fontRef>
-          </p:style>
-        </p:cxnSp>
-        <p:cxnSp>
-          <p:nvCxnSpPr>
-            <p:cNvPr id="68" name="Straight Connector 67">
-              <a:extLst>
-                <a:ext uri="{FF2B5EF4-FFF2-40B4-BE49-F238E27FC236}">
-                  <a16:creationId xmlns:a16="http://schemas.microsoft.com/office/drawing/2014/main" id="{CE5D6D3A-DE20-486C-BBBF-F9B0E4D8A8B7}"/>
-                </a:ext>
-                <a:ext uri="{C183D7F6-B498-43B3-948B-1728B52AA6E4}">
-                  <adec:decorative xmlns:adec="http://schemas.microsoft.com/office/drawing/2017/decorative" val="1"/>
-                </a:ext>
-              </a:extLst>
-            </p:cNvPr>
-            <p:cNvCxnSpPr>
-              <a:cxnSpLocks/>
-            </p:cNvCxnSpPr>
-            <p:nvPr>
-              <p:extLst>
-                <p:ext uri="{386F3935-93C4-4BCD-93E2-E3B085C9AB24}">
-                  <p16:designElem xmlns:p16="http://schemas.microsoft.com/office/powerpoint/2015/main" val="1"/>
-                </p:ext>
-              </p:extLst>
-            </p:nvPr>
-          </p:nvCxnSpPr>
-          <p:spPr>
-            <a:xfrm>
-              <a:off x="4126104" y="-1"/>
-              <a:ext cx="0" cy="6858000"/>
-            </a:xfrm>
-            <a:prstGeom prst="line">
-              <a:avLst/>
-            </a:prstGeom>
-            <a:ln w="12700">
-              <a:solidFill>
-                <a:srgbClr val="BCBCBC">
-                  <a:alpha val="29804"/>
-                </a:srgbClr>
-              </a:solidFill>
-              <a:prstDash val="sysDot"/>
-            </a:ln>
-          </p:spPr>
-          <p:style>
-            <a:lnRef idx="1">
-              <a:schemeClr val="accent1"/>
-            </a:lnRef>
-            <a:fillRef idx="0">
-              <a:schemeClr val="accent1"/>
-            </a:fillRef>
-            <a:effectRef idx="0">
-              <a:schemeClr val="accent1"/>
-            </a:effectRef>
-            <a:fontRef idx="minor">
-              <a:schemeClr val="tx1"/>
-            </a:fontRef>
-          </p:style>
-        </p:cxnSp>
-        <p:cxnSp>
-          <p:nvCxnSpPr>
-            <p:cNvPr id="69" name="Straight Connector 68">
-              <a:extLst>
-                <a:ext uri="{FF2B5EF4-FFF2-40B4-BE49-F238E27FC236}">
-                  <a16:creationId xmlns:a16="http://schemas.microsoft.com/office/drawing/2014/main" id="{9B8B1D81-CEF1-437F-8252-036661CB5E4B}"/>
-                </a:ext>
-                <a:ext uri="{C183D7F6-B498-43B3-948B-1728B52AA6E4}">
-                  <adec:decorative xmlns:adec="http://schemas.microsoft.com/office/drawing/2017/decorative" val="1"/>
-                </a:ext>
-              </a:extLst>
-            </p:cNvPr>
-            <p:cNvCxnSpPr>
-              <a:cxnSpLocks/>
-            </p:cNvCxnSpPr>
-            <p:nvPr>
-              <p:extLst>
-                <p:ext uri="{386F3935-93C4-4BCD-93E2-E3B085C9AB24}">
-                  <p16:designElem xmlns:p16="http://schemas.microsoft.com/office/powerpoint/2015/main" val="1"/>
-                </p:ext>
-              </p:extLst>
-            </p:nvPr>
-          </p:nvCxnSpPr>
-          <p:spPr>
-            <a:xfrm>
-              <a:off x="5109498" y="-1"/>
-              <a:ext cx="0" cy="6858000"/>
-            </a:xfrm>
-            <a:prstGeom prst="line">
-              <a:avLst/>
-            </a:prstGeom>
-            <a:ln w="12700">
-              <a:solidFill>
-                <a:srgbClr val="BCBCBC">
-                  <a:alpha val="29804"/>
-                </a:srgbClr>
-              </a:solidFill>
-              <a:prstDash val="sysDot"/>
-            </a:ln>
-          </p:spPr>
-          <p:style>
-            <a:lnRef idx="1">
-              <a:schemeClr val="accent1"/>
-            </a:lnRef>
-            <a:fillRef idx="0">
-              <a:schemeClr val="accent1"/>
-            </a:fillRef>
-            <a:effectRef idx="0">
-              <a:schemeClr val="accent1"/>
-            </a:effectRef>
-            <a:fontRef idx="minor">
-              <a:schemeClr val="tx1"/>
-            </a:fontRef>
-          </p:style>
-        </p:cxnSp>
-        <p:cxnSp>
-          <p:nvCxnSpPr>
-            <p:cNvPr id="70" name="Straight Connector 69">
-              <a:extLst>
-                <a:ext uri="{FF2B5EF4-FFF2-40B4-BE49-F238E27FC236}">
-                  <a16:creationId xmlns:a16="http://schemas.microsoft.com/office/drawing/2014/main" id="{E1B0312A-9358-4743-961A-6F77AEB5D9DD}"/>
-                </a:ext>
-                <a:ext uri="{C183D7F6-B498-43B3-948B-1728B52AA6E4}">
-                  <adec:decorative xmlns:adec="http://schemas.microsoft.com/office/drawing/2017/decorative" val="1"/>
-                </a:ext>
-              </a:extLst>
-            </p:cNvPr>
-            <p:cNvCxnSpPr>
-              <a:cxnSpLocks/>
-            </p:cNvCxnSpPr>
-            <p:nvPr>
-              <p:extLst>
-                <p:ext uri="{386F3935-93C4-4BCD-93E2-E3B085C9AB24}">
-                  <p16:designElem xmlns:p16="http://schemas.microsoft.com/office/powerpoint/2015/main" val="1"/>
-                </p:ext>
-              </p:extLst>
-            </p:nvPr>
-          </p:nvCxnSpPr>
-          <p:spPr>
-            <a:xfrm>
-              <a:off x="6092892" y="-1"/>
-              <a:ext cx="0" cy="6858000"/>
-            </a:xfrm>
-            <a:prstGeom prst="line">
-              <a:avLst/>
-            </a:prstGeom>
-            <a:ln w="12700">
-              <a:solidFill>
-                <a:srgbClr val="BCBCBC">
-                  <a:alpha val="29804"/>
-                </a:srgbClr>
-              </a:solidFill>
-              <a:prstDash val="sysDot"/>
-            </a:ln>
-          </p:spPr>
-          <p:style>
-            <a:lnRef idx="1">
-              <a:schemeClr val="accent1"/>
-            </a:lnRef>
-            <a:fillRef idx="0">
-              <a:schemeClr val="accent1"/>
-            </a:fillRef>
-            <a:effectRef idx="0">
-              <a:schemeClr val="accent1"/>
-            </a:effectRef>
-            <a:fontRef idx="minor">
-              <a:schemeClr val="tx1"/>
-            </a:fontRef>
-          </p:style>
-        </p:cxnSp>
-        <p:cxnSp>
-          <p:nvCxnSpPr>
-            <p:cNvPr id="71" name="Straight Connector 70">
-              <a:extLst>
-                <a:ext uri="{FF2B5EF4-FFF2-40B4-BE49-F238E27FC236}">
-                  <a16:creationId xmlns:a16="http://schemas.microsoft.com/office/drawing/2014/main" id="{2C02485F-0EE1-4595-A972-16A13E91914C}"/>
-                </a:ext>
-                <a:ext uri="{C183D7F6-B498-43B3-948B-1728B52AA6E4}">
-                  <adec:decorative xmlns:adec="http://schemas.microsoft.com/office/drawing/2017/decorative" val="1"/>
-                </a:ext>
-              </a:extLst>
-            </p:cNvPr>
-            <p:cNvCxnSpPr>
-              <a:cxnSpLocks/>
-            </p:cNvCxnSpPr>
-            <p:nvPr>
-              <p:extLst>
-                <p:ext uri="{386F3935-93C4-4BCD-93E2-E3B085C9AB24}">
-                  <p16:designElem xmlns:p16="http://schemas.microsoft.com/office/powerpoint/2015/main" val="1"/>
-                </p:ext>
-              </p:extLst>
-            </p:nvPr>
-          </p:nvCxnSpPr>
-          <p:spPr>
-            <a:xfrm>
-              <a:off x="7076286" y="-1"/>
-              <a:ext cx="0" cy="6858000"/>
-            </a:xfrm>
-            <a:prstGeom prst="line">
-              <a:avLst/>
-            </a:prstGeom>
-            <a:ln w="12700">
-              <a:solidFill>
-                <a:srgbClr val="BCBCBC">
-                  <a:alpha val="29804"/>
-                </a:srgbClr>
-              </a:solidFill>
-              <a:prstDash val="sysDot"/>
-            </a:ln>
-          </p:spPr>
-          <p:style>
-            <a:lnRef idx="1">
-              <a:schemeClr val="accent1"/>
-            </a:lnRef>
-            <a:fillRef idx="0">
-              <a:schemeClr val="accent1"/>
-            </a:fillRef>
-            <a:effectRef idx="0">
-              <a:schemeClr val="accent1"/>
-            </a:effectRef>
-            <a:fontRef idx="minor">
-              <a:schemeClr val="tx1"/>
-            </a:fontRef>
-          </p:style>
-        </p:cxnSp>
-        <p:cxnSp>
-          <p:nvCxnSpPr>
-            <p:cNvPr id="72" name="Straight Connector 71">
-              <a:extLst>
-                <a:ext uri="{FF2B5EF4-FFF2-40B4-BE49-F238E27FC236}">
-                  <a16:creationId xmlns:a16="http://schemas.microsoft.com/office/drawing/2014/main" id="{F102D844-6E4F-483E-8E2E-9006EA180121}"/>
-                </a:ext>
-                <a:ext uri="{C183D7F6-B498-43B3-948B-1728B52AA6E4}">
-                  <adec:decorative xmlns:adec="http://schemas.microsoft.com/office/drawing/2017/decorative" val="1"/>
-                </a:ext>
-              </a:extLst>
-            </p:cNvPr>
-            <p:cNvCxnSpPr>
-              <a:cxnSpLocks/>
-            </p:cNvCxnSpPr>
-            <p:nvPr>
-              <p:extLst>
-                <p:ext uri="{386F3935-93C4-4BCD-93E2-E3B085C9AB24}">
-                  <p16:designElem xmlns:p16="http://schemas.microsoft.com/office/powerpoint/2015/main" val="1"/>
-                </p:ext>
-              </p:extLst>
-            </p:nvPr>
-          </p:nvCxnSpPr>
-          <p:spPr>
-            <a:xfrm>
-              <a:off x="8059680" y="-1"/>
-              <a:ext cx="0" cy="6858000"/>
-            </a:xfrm>
-            <a:prstGeom prst="line">
-              <a:avLst/>
-            </a:prstGeom>
-            <a:ln w="12700">
-              <a:solidFill>
-                <a:srgbClr val="BCBCBC">
-                  <a:alpha val="29804"/>
-                </a:srgbClr>
-              </a:solidFill>
-              <a:prstDash val="sysDot"/>
-            </a:ln>
-          </p:spPr>
-          <p:style>
-            <a:lnRef idx="1">
-              <a:schemeClr val="accent1"/>
-            </a:lnRef>
-            <a:fillRef idx="0">
-              <a:schemeClr val="accent1"/>
-            </a:fillRef>
-            <a:effectRef idx="0">
-              <a:schemeClr val="accent1"/>
-            </a:effectRef>
-            <a:fontRef idx="minor">
-              <a:schemeClr val="tx1"/>
-            </a:fontRef>
-          </p:style>
-        </p:cxnSp>
-        <p:cxnSp>
-          <p:nvCxnSpPr>
-            <p:cNvPr id="73" name="Straight Connector 72">
-              <a:extLst>
-                <a:ext uri="{FF2B5EF4-FFF2-40B4-BE49-F238E27FC236}">
-                  <a16:creationId xmlns:a16="http://schemas.microsoft.com/office/drawing/2014/main" id="{658766E6-D2D6-447C-B1DC-B7F7C381F1AC}"/>
-                </a:ext>
-                <a:ext uri="{C183D7F6-B498-43B3-948B-1728B52AA6E4}">
-                  <adec:decorative xmlns:adec="http://schemas.microsoft.com/office/drawing/2017/decorative" val="1"/>
-                </a:ext>
-              </a:extLst>
-            </p:cNvPr>
-            <p:cNvCxnSpPr>
-              <a:cxnSpLocks/>
-            </p:cNvCxnSpPr>
-            <p:nvPr>
-              <p:extLst>
-                <p:ext uri="{386F3935-93C4-4BCD-93E2-E3B085C9AB24}">
-                  <p16:designElem xmlns:p16="http://schemas.microsoft.com/office/powerpoint/2015/main" val="1"/>
-                </p:ext>
-              </p:extLst>
-            </p:nvPr>
-          </p:nvCxnSpPr>
-          <p:spPr>
-            <a:xfrm>
-              <a:off x="9043074" y="-1"/>
-              <a:ext cx="0" cy="6858000"/>
-            </a:xfrm>
-            <a:prstGeom prst="line">
-              <a:avLst/>
-            </a:prstGeom>
-            <a:ln w="12700">
-              <a:solidFill>
-                <a:srgbClr val="BCBCBC">
-                  <a:alpha val="29804"/>
-                </a:srgbClr>
-              </a:solidFill>
-              <a:prstDash val="sysDot"/>
-            </a:ln>
-          </p:spPr>
-          <p:style>
-            <a:lnRef idx="1">
-              <a:schemeClr val="accent1"/>
-            </a:lnRef>
-            <a:fillRef idx="0">
-              <a:schemeClr val="accent1"/>
-            </a:fillRef>
-            <a:effectRef idx="0">
-              <a:schemeClr val="accent1"/>
-            </a:effectRef>
-            <a:fontRef idx="minor">
-              <a:schemeClr val="tx1"/>
-            </a:fontRef>
-          </p:style>
-        </p:cxnSp>
-        <p:cxnSp>
-          <p:nvCxnSpPr>
-            <p:cNvPr id="74" name="Straight Connector 73">
-              <a:extLst>
-                <a:ext uri="{FF2B5EF4-FFF2-40B4-BE49-F238E27FC236}">
-                  <a16:creationId xmlns:a16="http://schemas.microsoft.com/office/drawing/2014/main" id="{B9BBD00C-7AB2-445E-B7DA-98CC7CAF3D92}"/>
-                </a:ext>
-                <a:ext uri="{C183D7F6-B498-43B3-948B-1728B52AA6E4}">
-                  <adec:decorative xmlns:adec="http://schemas.microsoft.com/office/drawing/2017/decorative" val="1"/>
-                </a:ext>
-              </a:extLst>
-            </p:cNvPr>
-            <p:cNvCxnSpPr>
-              <a:cxnSpLocks/>
-            </p:cNvCxnSpPr>
-            <p:nvPr>
-              <p:extLst>
-                <p:ext uri="{386F3935-93C4-4BCD-93E2-E3B085C9AB24}">
-                  <p16:designElem xmlns:p16="http://schemas.microsoft.com/office/powerpoint/2015/main" val="1"/>
-                </p:ext>
-              </p:extLst>
-            </p:nvPr>
-          </p:nvCxnSpPr>
-          <p:spPr>
-            <a:xfrm>
-              <a:off x="10026468" y="-1"/>
-              <a:ext cx="0" cy="6858000"/>
-            </a:xfrm>
-            <a:prstGeom prst="line">
-              <a:avLst/>
-            </a:prstGeom>
-            <a:ln w="12700">
-              <a:solidFill>
-                <a:srgbClr val="BCBCBC">
-                  <a:alpha val="29804"/>
-                </a:srgbClr>
-              </a:solidFill>
-              <a:prstDash val="sysDot"/>
-            </a:ln>
-          </p:spPr>
-          <p:style>
-            <a:lnRef idx="1">
-              <a:schemeClr val="accent1"/>
-            </a:lnRef>
-            <a:fillRef idx="0">
-              <a:schemeClr val="accent1"/>
-            </a:fillRef>
-            <a:effectRef idx="0">
-              <a:schemeClr val="accent1"/>
-            </a:effectRef>
-            <a:fontRef idx="minor">
-              <a:schemeClr val="tx1"/>
-            </a:fontRef>
-          </p:style>
-        </p:cxnSp>
-        <p:cxnSp>
-          <p:nvCxnSpPr>
-            <p:cNvPr id="75" name="Straight Connector 74">
-              <a:extLst>
-                <a:ext uri="{FF2B5EF4-FFF2-40B4-BE49-F238E27FC236}">
-                  <a16:creationId xmlns:a16="http://schemas.microsoft.com/office/drawing/2014/main" id="{6D177E1C-6580-456C-AAAE-89D422A2C187}"/>
-                </a:ext>
-                <a:ext uri="{C183D7F6-B498-43B3-948B-1728B52AA6E4}">
-                  <adec:decorative xmlns:adec="http://schemas.microsoft.com/office/drawing/2017/decorative" val="1"/>
-                </a:ext>
-              </a:extLst>
-            </p:cNvPr>
-            <p:cNvCxnSpPr>
-              <a:cxnSpLocks/>
-            </p:cNvCxnSpPr>
-            <p:nvPr>
-              <p:extLst>
-                <p:ext uri="{386F3935-93C4-4BCD-93E2-E3B085C9AB24}">
-                  <p16:designElem xmlns:p16="http://schemas.microsoft.com/office/powerpoint/2015/main" val="1"/>
-                </p:ext>
-              </p:extLst>
-            </p:nvPr>
-          </p:nvCxnSpPr>
-          <p:spPr>
-            <a:xfrm>
-              <a:off x="11009862" y="-1"/>
-              <a:ext cx="0" cy="6858000"/>
-            </a:xfrm>
-            <a:prstGeom prst="line">
-              <a:avLst/>
-            </a:prstGeom>
-            <a:ln w="12700">
-              <a:solidFill>
-                <a:srgbClr val="BCBCBC">
-                  <a:alpha val="29804"/>
-                </a:srgbClr>
-              </a:solidFill>
-              <a:prstDash val="sysDot"/>
-            </a:ln>
-          </p:spPr>
-          <p:style>
-            <a:lnRef idx="1">
-              <a:schemeClr val="accent1"/>
-            </a:lnRef>
-            <a:fillRef idx="0">
-              <a:schemeClr val="accent1"/>
-            </a:fillRef>
-            <a:effectRef idx="0">
-              <a:schemeClr val="accent1"/>
-            </a:effectRef>
-            <a:fontRef idx="minor">
-              <a:schemeClr val="tx1"/>
-            </a:fontRef>
-          </p:style>
-        </p:cxnSp>
-        <p:cxnSp>
-          <p:nvCxnSpPr>
-            <p:cNvPr id="76" name="Straight Connector 75">
-              <a:extLst>
-                <a:ext uri="{FF2B5EF4-FFF2-40B4-BE49-F238E27FC236}">
-                  <a16:creationId xmlns:a16="http://schemas.microsoft.com/office/drawing/2014/main" id="{BB85538F-9888-4E68-A9F3-DBB136C0FF17}"/>
-                </a:ext>
-                <a:ext uri="{C183D7F6-B498-43B3-948B-1728B52AA6E4}">
-                  <adec:decorative xmlns:adec="http://schemas.microsoft.com/office/drawing/2017/decorative" val="1"/>
-                </a:ext>
-              </a:extLst>
-            </p:cNvPr>
-            <p:cNvCxnSpPr>
-              <a:cxnSpLocks/>
-            </p:cNvCxnSpPr>
-            <p:nvPr>
-              <p:extLst>
-                <p:ext uri="{386F3935-93C4-4BCD-93E2-E3B085C9AB24}">
-                  <p16:designElem xmlns:p16="http://schemas.microsoft.com/office/powerpoint/2015/main" val="1"/>
-                </p:ext>
-              </p:extLst>
-            </p:nvPr>
-          </p:nvCxnSpPr>
-          <p:spPr>
-            <a:xfrm>
-              <a:off x="12185786" y="-1"/>
-              <a:ext cx="0" cy="6858000"/>
-            </a:xfrm>
-            <a:prstGeom prst="line">
-              <a:avLst/>
-            </a:prstGeom>
-            <a:ln w="12700">
-              <a:solidFill>
-                <a:srgbClr val="BCBCBC">
-                  <a:alpha val="29804"/>
-                </a:srgbClr>
-              </a:solidFill>
-              <a:prstDash val="sysDot"/>
-            </a:ln>
-          </p:spPr>
-          <p:style>
-            <a:lnRef idx="1">
-              <a:schemeClr val="accent1"/>
-            </a:lnRef>
-            <a:fillRef idx="0">
-              <a:schemeClr val="accent1"/>
-            </a:fillRef>
-            <a:effectRef idx="0">
-              <a:schemeClr val="accent1"/>
-            </a:effectRef>
-            <a:fontRef idx="minor">
-              <a:schemeClr val="tx1"/>
-            </a:fontRef>
-          </p:style>
-        </p:cxnSp>
-        <p:cxnSp>
-          <p:nvCxnSpPr>
-            <p:cNvPr id="77" name="Straight Connector 76">
-              <a:extLst>
-                <a:ext uri="{FF2B5EF4-FFF2-40B4-BE49-F238E27FC236}">
-                  <a16:creationId xmlns:a16="http://schemas.microsoft.com/office/drawing/2014/main" id="{C29B624F-F9D8-43BB-A468-08331D66CCA6}"/>
-                </a:ext>
-                <a:ext uri="{C183D7F6-B498-43B3-948B-1728B52AA6E4}">
-                  <adec:decorative xmlns:adec="http://schemas.microsoft.com/office/drawing/2017/decorative" val="1"/>
-                </a:ext>
-              </a:extLst>
-            </p:cNvPr>
-            <p:cNvCxnSpPr>
-              <a:cxnSpLocks/>
-            </p:cNvCxnSpPr>
-            <p:nvPr>
-              <p:extLst>
-                <p:ext uri="{386F3935-93C4-4BCD-93E2-E3B085C9AB24}">
-                  <p16:designElem xmlns:p16="http://schemas.microsoft.com/office/powerpoint/2015/main" val="1"/>
-                </p:ext>
-              </p:extLst>
-            </p:nvPr>
-          </p:nvCxnSpPr>
-          <p:spPr>
-            <a:xfrm>
-              <a:off x="0" y="171716"/>
-              <a:ext cx="12192000" cy="0"/>
-            </a:xfrm>
-            <a:prstGeom prst="line">
-              <a:avLst/>
-            </a:prstGeom>
-            <a:ln w="12700">
-              <a:solidFill>
-                <a:srgbClr val="BCBCBC">
-                  <a:alpha val="29804"/>
-                </a:srgbClr>
-              </a:solidFill>
-              <a:prstDash val="sysDot"/>
-            </a:ln>
-          </p:spPr>
-          <p:style>
-            <a:lnRef idx="1">
-              <a:schemeClr val="accent1"/>
-            </a:lnRef>
-            <a:fillRef idx="0">
-              <a:schemeClr val="accent1"/>
-            </a:fillRef>
-            <a:effectRef idx="0">
-              <a:schemeClr val="accent1"/>
-            </a:effectRef>
-            <a:fontRef idx="minor">
-              <a:schemeClr val="tx1"/>
-            </a:fontRef>
-          </p:style>
-        </p:cxnSp>
-        <p:cxnSp>
-          <p:nvCxnSpPr>
-            <p:cNvPr id="78" name="Straight Connector 77">
-              <a:extLst>
-                <a:ext uri="{FF2B5EF4-FFF2-40B4-BE49-F238E27FC236}">
-                  <a16:creationId xmlns:a16="http://schemas.microsoft.com/office/drawing/2014/main" id="{660E66F4-AE52-4D19-AF99-540F0CCFD716}"/>
-                </a:ext>
-                <a:ext uri="{C183D7F6-B498-43B3-948B-1728B52AA6E4}">
-                  <adec:decorative xmlns:adec="http://schemas.microsoft.com/office/drawing/2017/decorative" val="1"/>
-                </a:ext>
-              </a:extLst>
-            </p:cNvPr>
-            <p:cNvCxnSpPr>
-              <a:cxnSpLocks/>
-            </p:cNvCxnSpPr>
-            <p:nvPr>
-              <p:extLst>
-                <p:ext uri="{386F3935-93C4-4BCD-93E2-E3B085C9AB24}">
-                  <p16:designElem xmlns:p16="http://schemas.microsoft.com/office/powerpoint/2015/main" val="1"/>
-                </p:ext>
-              </p:extLst>
-            </p:nvPr>
-          </p:nvCxnSpPr>
-          <p:spPr>
-            <a:xfrm>
-              <a:off x="0" y="714597"/>
-              <a:ext cx="12192000" cy="0"/>
-            </a:xfrm>
-            <a:prstGeom prst="line">
-              <a:avLst/>
-            </a:prstGeom>
-            <a:ln w="12700">
-              <a:solidFill>
-                <a:srgbClr val="BCBCBC">
-                  <a:alpha val="29804"/>
-                </a:srgbClr>
-              </a:solidFill>
-              <a:prstDash val="sysDot"/>
-            </a:ln>
-          </p:spPr>
-          <p:style>
-            <a:lnRef idx="1">
-              <a:schemeClr val="accent1"/>
-            </a:lnRef>
-            <a:fillRef idx="0">
-              <a:schemeClr val="accent1"/>
-            </a:fillRef>
-            <a:effectRef idx="0">
-              <a:schemeClr val="accent1"/>
-            </a:effectRef>
-            <a:fontRef idx="minor">
-              <a:schemeClr val="tx1"/>
-            </a:fontRef>
-          </p:style>
-        </p:cxnSp>
-        <p:cxnSp>
-          <p:nvCxnSpPr>
-            <p:cNvPr id="79" name="Straight Connector 78">
-              <a:extLst>
-                <a:ext uri="{FF2B5EF4-FFF2-40B4-BE49-F238E27FC236}">
-                  <a16:creationId xmlns:a16="http://schemas.microsoft.com/office/drawing/2014/main" id="{ACADC852-407F-4870-9F7B-A6004FE77CEB}"/>
-                </a:ext>
-                <a:ext uri="{C183D7F6-B498-43B3-948B-1728B52AA6E4}">
-                  <adec:decorative xmlns:adec="http://schemas.microsoft.com/office/drawing/2017/decorative" val="1"/>
-                </a:ext>
-              </a:extLst>
-            </p:cNvPr>
-            <p:cNvCxnSpPr>
-              <a:cxnSpLocks/>
-            </p:cNvCxnSpPr>
-            <p:nvPr>
-              <p:extLst>
-                <p:ext uri="{386F3935-93C4-4BCD-93E2-E3B085C9AB24}">
-                  <p16:designElem xmlns:p16="http://schemas.microsoft.com/office/powerpoint/2015/main" val="1"/>
-                </p:ext>
-              </p:extLst>
-            </p:nvPr>
-          </p:nvCxnSpPr>
-          <p:spPr>
-            <a:xfrm>
-              <a:off x="0" y="1257478"/>
-              <a:ext cx="12192000" cy="0"/>
-            </a:xfrm>
-            <a:prstGeom prst="line">
-              <a:avLst/>
-            </a:prstGeom>
-            <a:ln w="12700">
-              <a:solidFill>
-                <a:srgbClr val="BCBCBC">
-                  <a:alpha val="29804"/>
-                </a:srgbClr>
-              </a:solidFill>
-              <a:prstDash val="sysDot"/>
-            </a:ln>
-          </p:spPr>
-          <p:style>
-            <a:lnRef idx="1">
-              <a:schemeClr val="accent1"/>
-            </a:lnRef>
-            <a:fillRef idx="0">
-              <a:schemeClr val="accent1"/>
-            </a:fillRef>
-            <a:effectRef idx="0">
-              <a:schemeClr val="accent1"/>
-            </a:effectRef>
-            <a:fontRef idx="minor">
-              <a:schemeClr val="tx1"/>
-            </a:fontRef>
-          </p:style>
-        </p:cxnSp>
-        <p:cxnSp>
-          <p:nvCxnSpPr>
-            <p:cNvPr id="80" name="Straight Connector 79">
-              <a:extLst>
-                <a:ext uri="{FF2B5EF4-FFF2-40B4-BE49-F238E27FC236}">
-                  <a16:creationId xmlns:a16="http://schemas.microsoft.com/office/drawing/2014/main" id="{8E9CC738-B12D-4154-A4EA-81D4576BC106}"/>
-                </a:ext>
-                <a:ext uri="{C183D7F6-B498-43B3-948B-1728B52AA6E4}">
-                  <adec:decorative xmlns:adec="http://schemas.microsoft.com/office/drawing/2017/decorative" val="1"/>
-                </a:ext>
-              </a:extLst>
-            </p:cNvPr>
-            <p:cNvCxnSpPr>
-              <a:cxnSpLocks/>
-            </p:cNvCxnSpPr>
-            <p:nvPr>
-              <p:extLst>
-                <p:ext uri="{386F3935-93C4-4BCD-93E2-E3B085C9AB24}">
-                  <p16:designElem xmlns:p16="http://schemas.microsoft.com/office/powerpoint/2015/main" val="1"/>
-                </p:ext>
-              </p:extLst>
-            </p:nvPr>
-          </p:nvCxnSpPr>
-          <p:spPr>
-            <a:xfrm>
-              <a:off x="0" y="1800359"/>
-              <a:ext cx="12192000" cy="0"/>
-            </a:xfrm>
-            <a:prstGeom prst="line">
-              <a:avLst/>
-            </a:prstGeom>
-            <a:ln w="12700">
-              <a:solidFill>
-                <a:srgbClr val="BCBCBC">
-                  <a:alpha val="29804"/>
-                </a:srgbClr>
-              </a:solidFill>
-              <a:prstDash val="sysDot"/>
-            </a:ln>
-          </p:spPr>
-          <p:style>
-            <a:lnRef idx="1">
-              <a:schemeClr val="accent1"/>
-            </a:lnRef>
-            <a:fillRef idx="0">
-              <a:schemeClr val="accent1"/>
-            </a:fillRef>
-            <a:effectRef idx="0">
-              <a:schemeClr val="accent1"/>
-            </a:effectRef>
-            <a:fontRef idx="minor">
-              <a:schemeClr val="tx1"/>
-            </a:fontRef>
-          </p:style>
-        </p:cxnSp>
-        <p:cxnSp>
-          <p:nvCxnSpPr>
-            <p:cNvPr id="81" name="Straight Connector 80">
-              <a:extLst>
-                <a:ext uri="{FF2B5EF4-FFF2-40B4-BE49-F238E27FC236}">
-                  <a16:creationId xmlns:a16="http://schemas.microsoft.com/office/drawing/2014/main" id="{0A2A84F5-CD6A-4287-A9C1-EED0E65CA9D9}"/>
-                </a:ext>
-                <a:ext uri="{C183D7F6-B498-43B3-948B-1728B52AA6E4}">
-                  <adec:decorative xmlns:adec="http://schemas.microsoft.com/office/drawing/2017/decorative" val="1"/>
-                </a:ext>
-              </a:extLst>
-            </p:cNvPr>
-            <p:cNvCxnSpPr>
-              <a:cxnSpLocks/>
-            </p:cNvCxnSpPr>
-            <p:nvPr>
-              <p:extLst>
-                <p:ext uri="{386F3935-93C4-4BCD-93E2-E3B085C9AB24}">
-                  <p16:designElem xmlns:p16="http://schemas.microsoft.com/office/powerpoint/2015/main" val="1"/>
-                </p:ext>
-              </p:extLst>
-            </p:nvPr>
-          </p:nvCxnSpPr>
-          <p:spPr>
-            <a:xfrm>
-              <a:off x="0" y="2343240"/>
-              <a:ext cx="12192000" cy="0"/>
-            </a:xfrm>
-            <a:prstGeom prst="line">
-              <a:avLst/>
-            </a:prstGeom>
-            <a:ln w="12700">
-              <a:solidFill>
-                <a:srgbClr val="BCBCBC">
-                  <a:alpha val="29804"/>
-                </a:srgbClr>
-              </a:solidFill>
-              <a:prstDash val="sysDot"/>
-            </a:ln>
-          </p:spPr>
-          <p:style>
-            <a:lnRef idx="1">
-              <a:schemeClr val="accent1"/>
-            </a:lnRef>
-            <a:fillRef idx="0">
-              <a:schemeClr val="accent1"/>
-            </a:fillRef>
-            <a:effectRef idx="0">
-              <a:schemeClr val="accent1"/>
-            </a:effectRef>
-            <a:fontRef idx="minor">
-              <a:schemeClr val="tx1"/>
-            </a:fontRef>
-          </p:style>
-        </p:cxnSp>
-        <p:cxnSp>
-          <p:nvCxnSpPr>
-            <p:cNvPr id="82" name="Straight Connector 81">
-              <a:extLst>
-                <a:ext uri="{FF2B5EF4-FFF2-40B4-BE49-F238E27FC236}">
-                  <a16:creationId xmlns:a16="http://schemas.microsoft.com/office/drawing/2014/main" id="{53F4EFD5-6D1E-4865-83BA-0F116DF06F39}"/>
-                </a:ext>
-                <a:ext uri="{C183D7F6-B498-43B3-948B-1728B52AA6E4}">
-                  <adec:decorative xmlns:adec="http://schemas.microsoft.com/office/drawing/2017/decorative" val="1"/>
-                </a:ext>
-              </a:extLst>
-            </p:cNvPr>
-            <p:cNvCxnSpPr>
-              <a:cxnSpLocks/>
-            </p:cNvCxnSpPr>
-            <p:nvPr>
-              <p:extLst>
-                <p:ext uri="{386F3935-93C4-4BCD-93E2-E3B085C9AB24}">
-                  <p16:designElem xmlns:p16="http://schemas.microsoft.com/office/powerpoint/2015/main" val="1"/>
-                </p:ext>
-              </p:extLst>
-            </p:nvPr>
-          </p:nvCxnSpPr>
-          <p:spPr>
-            <a:xfrm>
-              <a:off x="0" y="2886121"/>
-              <a:ext cx="12192000" cy="0"/>
-            </a:xfrm>
-            <a:prstGeom prst="line">
-              <a:avLst/>
-            </a:prstGeom>
-            <a:ln w="12700">
-              <a:solidFill>
-                <a:srgbClr val="BCBCBC">
-                  <a:alpha val="29804"/>
-                </a:srgbClr>
-              </a:solidFill>
-              <a:prstDash val="sysDot"/>
-            </a:ln>
-          </p:spPr>
-          <p:style>
-            <a:lnRef idx="1">
-              <a:schemeClr val="accent1"/>
-            </a:lnRef>
-            <a:fillRef idx="0">
-              <a:schemeClr val="accent1"/>
-            </a:fillRef>
-            <a:effectRef idx="0">
-              <a:schemeClr val="accent1"/>
-            </a:effectRef>
-            <a:fontRef idx="minor">
-              <a:schemeClr val="tx1"/>
-            </a:fontRef>
-          </p:style>
-        </p:cxnSp>
-        <p:cxnSp>
-          <p:nvCxnSpPr>
-            <p:cNvPr id="83" name="Straight Connector 82">
-              <a:extLst>
-                <a:ext uri="{FF2B5EF4-FFF2-40B4-BE49-F238E27FC236}">
-                  <a16:creationId xmlns:a16="http://schemas.microsoft.com/office/drawing/2014/main" id="{A0A8CE11-5C23-4CA3-8D8E-9E094566DBCF}"/>
-                </a:ext>
-                <a:ext uri="{C183D7F6-B498-43B3-948B-1728B52AA6E4}">
-                  <adec:decorative xmlns:adec="http://schemas.microsoft.com/office/drawing/2017/decorative" val="1"/>
-                </a:ext>
-              </a:extLst>
-            </p:cNvPr>
-            <p:cNvCxnSpPr>
-              <a:cxnSpLocks/>
-            </p:cNvCxnSpPr>
-            <p:nvPr>
-              <p:extLst>
-                <p:ext uri="{386F3935-93C4-4BCD-93E2-E3B085C9AB24}">
-                  <p16:designElem xmlns:p16="http://schemas.microsoft.com/office/powerpoint/2015/main" val="1"/>
-                </p:ext>
-              </p:extLst>
-            </p:nvPr>
-          </p:nvCxnSpPr>
-          <p:spPr>
-            <a:xfrm>
-              <a:off x="0" y="3429002"/>
-              <a:ext cx="12192000" cy="0"/>
-            </a:xfrm>
-            <a:prstGeom prst="line">
-              <a:avLst/>
-            </a:prstGeom>
-            <a:ln w="12700">
-              <a:solidFill>
-                <a:srgbClr val="BCBCBC">
-                  <a:alpha val="29804"/>
-                </a:srgbClr>
-              </a:solidFill>
-              <a:prstDash val="sysDot"/>
-            </a:ln>
-          </p:spPr>
-          <p:style>
-            <a:lnRef idx="1">
-              <a:schemeClr val="accent1"/>
-            </a:lnRef>
-            <a:fillRef idx="0">
-              <a:schemeClr val="accent1"/>
-            </a:fillRef>
-            <a:effectRef idx="0">
-              <a:schemeClr val="accent1"/>
-            </a:effectRef>
-            <a:fontRef idx="minor">
-              <a:schemeClr val="tx1"/>
-            </a:fontRef>
-          </p:style>
-        </p:cxnSp>
-        <p:cxnSp>
-          <p:nvCxnSpPr>
-            <p:cNvPr id="84" name="Straight Connector 83">
-              <a:extLst>
-                <a:ext uri="{FF2B5EF4-FFF2-40B4-BE49-F238E27FC236}">
-                  <a16:creationId xmlns:a16="http://schemas.microsoft.com/office/drawing/2014/main" id="{A5D41DA6-2047-4BB5-8469-509E240E4924}"/>
-                </a:ext>
-                <a:ext uri="{C183D7F6-B498-43B3-948B-1728B52AA6E4}">
-                  <adec:decorative xmlns:adec="http://schemas.microsoft.com/office/drawing/2017/decorative" val="1"/>
-                </a:ext>
-              </a:extLst>
-            </p:cNvPr>
-            <p:cNvCxnSpPr>
-              <a:cxnSpLocks/>
-            </p:cNvCxnSpPr>
-            <p:nvPr>
-              <p:extLst>
-                <p:ext uri="{386F3935-93C4-4BCD-93E2-E3B085C9AB24}">
-                  <p16:designElem xmlns:p16="http://schemas.microsoft.com/office/powerpoint/2015/main" val="1"/>
-                </p:ext>
-              </p:extLst>
-            </p:nvPr>
-          </p:nvCxnSpPr>
-          <p:spPr>
-            <a:xfrm>
-              <a:off x="0" y="3971883"/>
-              <a:ext cx="12192000" cy="0"/>
-            </a:xfrm>
-            <a:prstGeom prst="line">
-              <a:avLst/>
-            </a:prstGeom>
-            <a:ln w="12700">
-              <a:solidFill>
-                <a:srgbClr val="BCBCBC">
-                  <a:alpha val="29804"/>
-                </a:srgbClr>
-              </a:solidFill>
-              <a:prstDash val="sysDot"/>
-            </a:ln>
-          </p:spPr>
-          <p:style>
-            <a:lnRef idx="1">
-              <a:schemeClr val="accent1"/>
-            </a:lnRef>
-            <a:fillRef idx="0">
-              <a:schemeClr val="accent1"/>
-            </a:fillRef>
-            <a:effectRef idx="0">
-              <a:schemeClr val="accent1"/>
-            </a:effectRef>
-            <a:fontRef idx="minor">
-              <a:schemeClr val="tx1"/>
-            </a:fontRef>
-          </p:style>
-        </p:cxnSp>
-        <p:cxnSp>
-          <p:nvCxnSpPr>
-            <p:cNvPr id="85" name="Straight Connector 84">
-              <a:extLst>
-                <a:ext uri="{FF2B5EF4-FFF2-40B4-BE49-F238E27FC236}">
-                  <a16:creationId xmlns:a16="http://schemas.microsoft.com/office/drawing/2014/main" id="{FAACD460-E6E2-4C46-A780-095B52D1B2B6}"/>
-                </a:ext>
-                <a:ext uri="{C183D7F6-B498-43B3-948B-1728B52AA6E4}">
-                  <adec:decorative xmlns:adec="http://schemas.microsoft.com/office/drawing/2017/decorative" val="1"/>
-                </a:ext>
-              </a:extLst>
-            </p:cNvPr>
-            <p:cNvCxnSpPr>
-              <a:cxnSpLocks/>
-            </p:cNvCxnSpPr>
-            <p:nvPr>
-              <p:extLst>
-                <p:ext uri="{386F3935-93C4-4BCD-93E2-E3B085C9AB24}">
-                  <p16:designElem xmlns:p16="http://schemas.microsoft.com/office/powerpoint/2015/main" val="1"/>
-                </p:ext>
-              </p:extLst>
-            </p:nvPr>
-          </p:nvCxnSpPr>
-          <p:spPr>
-            <a:xfrm>
-              <a:off x="0" y="4514764"/>
-              <a:ext cx="12192000" cy="0"/>
-            </a:xfrm>
-            <a:prstGeom prst="line">
-              <a:avLst/>
-            </a:prstGeom>
-            <a:ln w="12700">
-              <a:solidFill>
-                <a:srgbClr val="BCBCBC">
-                  <a:alpha val="29804"/>
-                </a:srgbClr>
-              </a:solidFill>
-              <a:prstDash val="sysDot"/>
-            </a:ln>
-          </p:spPr>
-          <p:style>
-            <a:lnRef idx="1">
-              <a:schemeClr val="accent1"/>
-            </a:lnRef>
-            <a:fillRef idx="0">
-              <a:schemeClr val="accent1"/>
-            </a:fillRef>
-            <a:effectRef idx="0">
-              <a:schemeClr val="accent1"/>
-            </a:effectRef>
-            <a:fontRef idx="minor">
-              <a:schemeClr val="tx1"/>
-            </a:fontRef>
-          </p:style>
-        </p:cxnSp>
-        <p:cxnSp>
-          <p:nvCxnSpPr>
-            <p:cNvPr id="86" name="Straight Connector 85">
-              <a:extLst>
-                <a:ext uri="{FF2B5EF4-FFF2-40B4-BE49-F238E27FC236}">
-                  <a16:creationId xmlns:a16="http://schemas.microsoft.com/office/drawing/2014/main" id="{8B36364A-122E-43B1-B2B8-F00D83E5D68B}"/>
-                </a:ext>
-                <a:ext uri="{C183D7F6-B498-43B3-948B-1728B52AA6E4}">
-                  <adec:decorative xmlns:adec="http://schemas.microsoft.com/office/drawing/2017/decorative" val="1"/>
-                </a:ext>
-              </a:extLst>
-            </p:cNvPr>
-            <p:cNvCxnSpPr>
-              <a:cxnSpLocks/>
-            </p:cNvCxnSpPr>
-            <p:nvPr>
-              <p:extLst>
-                <p:ext uri="{386F3935-93C4-4BCD-93E2-E3B085C9AB24}">
-                  <p16:designElem xmlns:p16="http://schemas.microsoft.com/office/powerpoint/2015/main" val="1"/>
-                </p:ext>
-              </p:extLst>
-            </p:nvPr>
-          </p:nvCxnSpPr>
-          <p:spPr>
-            <a:xfrm>
-              <a:off x="0" y="5057645"/>
-              <a:ext cx="12192000" cy="0"/>
-            </a:xfrm>
-            <a:prstGeom prst="line">
-              <a:avLst/>
-            </a:prstGeom>
-            <a:ln w="12700">
-              <a:solidFill>
-                <a:srgbClr val="BCBCBC">
-                  <a:alpha val="29804"/>
-                </a:srgbClr>
-              </a:solidFill>
-              <a:prstDash val="sysDot"/>
-            </a:ln>
-          </p:spPr>
-          <p:style>
-            <a:lnRef idx="1">
-              <a:schemeClr val="accent1"/>
-            </a:lnRef>
-            <a:fillRef idx="0">
-              <a:schemeClr val="accent1"/>
-            </a:fillRef>
-            <a:effectRef idx="0">
-              <a:schemeClr val="accent1"/>
-            </a:effectRef>
-            <a:fontRef idx="minor">
-              <a:schemeClr val="tx1"/>
-            </a:fontRef>
-          </p:style>
-        </p:cxnSp>
-        <p:cxnSp>
-          <p:nvCxnSpPr>
-            <p:cNvPr id="87" name="Straight Connector 86">
-              <a:extLst>
-                <a:ext uri="{FF2B5EF4-FFF2-40B4-BE49-F238E27FC236}">
-                  <a16:creationId xmlns:a16="http://schemas.microsoft.com/office/drawing/2014/main" id="{99A63098-DBC2-4C59-9D33-809ECCA62333}"/>
-                </a:ext>
-                <a:ext uri="{C183D7F6-B498-43B3-948B-1728B52AA6E4}">
-                  <adec:decorative xmlns:adec="http://schemas.microsoft.com/office/drawing/2017/decorative" val="1"/>
-                </a:ext>
-              </a:extLst>
-            </p:cNvPr>
-            <p:cNvCxnSpPr>
-              <a:cxnSpLocks/>
-            </p:cNvCxnSpPr>
-            <p:nvPr>
-              <p:extLst>
-                <p:ext uri="{386F3935-93C4-4BCD-93E2-E3B085C9AB24}">
-                  <p16:designElem xmlns:p16="http://schemas.microsoft.com/office/powerpoint/2015/main" val="1"/>
-                </p:ext>
-              </p:extLst>
-            </p:nvPr>
-          </p:nvCxnSpPr>
-          <p:spPr>
-            <a:xfrm>
-              <a:off x="0" y="5600526"/>
-              <a:ext cx="12192000" cy="0"/>
-            </a:xfrm>
-            <a:prstGeom prst="line">
-              <a:avLst/>
-            </a:prstGeom>
-            <a:ln w="12700">
-              <a:solidFill>
-                <a:srgbClr val="BCBCBC">
-                  <a:alpha val="29804"/>
-                </a:srgbClr>
-              </a:solidFill>
-              <a:prstDash val="sysDot"/>
-            </a:ln>
-          </p:spPr>
-          <p:style>
-            <a:lnRef idx="1">
-              <a:schemeClr val="accent1"/>
-            </a:lnRef>
-            <a:fillRef idx="0">
-              <a:schemeClr val="accent1"/>
-            </a:fillRef>
-            <a:effectRef idx="0">
-              <a:schemeClr val="accent1"/>
-            </a:effectRef>
-            <a:fontRef idx="minor">
-              <a:schemeClr val="tx1"/>
-            </a:fontRef>
-          </p:style>
-        </p:cxnSp>
-        <p:cxnSp>
-          <p:nvCxnSpPr>
-            <p:cNvPr id="88" name="Straight Connector 87">
-              <a:extLst>
-                <a:ext uri="{FF2B5EF4-FFF2-40B4-BE49-F238E27FC236}">
-                  <a16:creationId xmlns:a16="http://schemas.microsoft.com/office/drawing/2014/main" id="{98F309E4-ACE9-4428-8DDA-20E0F1A1BC9B}"/>
-                </a:ext>
-                <a:ext uri="{C183D7F6-B498-43B3-948B-1728B52AA6E4}">
-                  <adec:decorative xmlns:adec="http://schemas.microsoft.com/office/drawing/2017/decorative" val="1"/>
-                </a:ext>
-              </a:extLst>
-            </p:cNvPr>
-            <p:cNvCxnSpPr>
-              <a:cxnSpLocks/>
-            </p:cNvCxnSpPr>
-            <p:nvPr>
-              <p:extLst>
-                <p:ext uri="{386F3935-93C4-4BCD-93E2-E3B085C9AB24}">
-                  <p16:designElem xmlns:p16="http://schemas.microsoft.com/office/powerpoint/2015/main" val="1"/>
-                </p:ext>
-              </p:extLst>
-            </p:nvPr>
-          </p:nvCxnSpPr>
-          <p:spPr>
-            <a:xfrm>
-              <a:off x="0" y="6857999"/>
-              <a:ext cx="12192000" cy="0"/>
-            </a:xfrm>
-            <a:prstGeom prst="line">
-              <a:avLst/>
-            </a:prstGeom>
-            <a:ln w="12700">
-              <a:solidFill>
-                <a:srgbClr val="BCBCBC">
-                  <a:alpha val="29804"/>
-                </a:srgbClr>
-              </a:solidFill>
-              <a:prstDash val="sysDot"/>
-            </a:ln>
-          </p:spPr>
-          <p:style>
-            <a:lnRef idx="1">
-              <a:schemeClr val="accent1"/>
-            </a:lnRef>
-            <a:fillRef idx="0">
-              <a:schemeClr val="accent1"/>
-            </a:fillRef>
-            <a:effectRef idx="0">
-              <a:schemeClr val="accent1"/>
-            </a:effectRef>
-            <a:fontRef idx="minor">
-              <a:schemeClr val="tx1"/>
-            </a:fontRef>
-          </p:style>
-        </p:cxnSp>
-        <p:cxnSp>
-          <p:nvCxnSpPr>
-            <p:cNvPr id="89" name="Straight Connector 88">
-              <a:extLst>
-                <a:ext uri="{FF2B5EF4-FFF2-40B4-BE49-F238E27FC236}">
-                  <a16:creationId xmlns:a16="http://schemas.microsoft.com/office/drawing/2014/main" id="{239F177F-07E3-45BF-85B1-21E231DCCC99}"/>
-                </a:ext>
-                <a:ext uri="{C183D7F6-B498-43B3-948B-1728B52AA6E4}">
-                  <adec:decorative xmlns:adec="http://schemas.microsoft.com/office/drawing/2017/decorative" val="1"/>
-                </a:ext>
-              </a:extLst>
-            </p:cNvPr>
-            <p:cNvCxnSpPr>
-              <a:cxnSpLocks/>
-            </p:cNvCxnSpPr>
-            <p:nvPr>
-              <p:extLst>
-                <p:ext uri="{386F3935-93C4-4BCD-93E2-E3B085C9AB24}">
-                  <p16:designElem xmlns:p16="http://schemas.microsoft.com/office/powerpoint/2015/main" val="1"/>
-                </p:ext>
-              </p:extLst>
-            </p:nvPr>
-          </p:nvCxnSpPr>
-          <p:spPr>
-            <a:xfrm>
-              <a:off x="16613" y="6143407"/>
-              <a:ext cx="12192000" cy="0"/>
-            </a:xfrm>
-            <a:prstGeom prst="line">
-              <a:avLst/>
-            </a:prstGeom>
-            <a:ln w="12700">
-              <a:solidFill>
-                <a:srgbClr val="BCBCBC">
-                  <a:alpha val="29804"/>
-                </a:srgbClr>
-              </a:solidFill>
-              <a:prstDash val="sysDot"/>
-            </a:ln>
-          </p:spPr>
-          <p:style>
-            <a:lnRef idx="1">
-              <a:schemeClr val="accent1"/>
-            </a:lnRef>
-            <a:fillRef idx="0">
-              <a:schemeClr val="accent1"/>
-            </a:fillRef>
-            <a:effectRef idx="0">
-              <a:schemeClr val="accent1"/>
-            </a:effectRef>
-            <a:fontRef idx="minor">
-              <a:schemeClr val="tx1"/>
-            </a:fontRef>
-          </p:style>
-        </p:cxnSp>
-        <p:cxnSp>
-          <p:nvCxnSpPr>
-            <p:cNvPr id="90" name="Straight Connector 89">
-              <a:extLst>
-                <a:ext uri="{FF2B5EF4-FFF2-40B4-BE49-F238E27FC236}">
-                  <a16:creationId xmlns:a16="http://schemas.microsoft.com/office/drawing/2014/main" id="{23EC3277-85FC-401E-80E3-B64B9808DE41}"/>
-                </a:ext>
-                <a:ext uri="{C183D7F6-B498-43B3-948B-1728B52AA6E4}">
-                  <adec:decorative xmlns:adec="http://schemas.microsoft.com/office/drawing/2017/decorative" val="1"/>
-                </a:ext>
-              </a:extLst>
-            </p:cNvPr>
-            <p:cNvCxnSpPr>
-              <a:cxnSpLocks/>
-            </p:cNvCxnSpPr>
-            <p:nvPr>
-              <p:extLst>
-                <p:ext uri="{386F3935-93C4-4BCD-93E2-E3B085C9AB24}">
-                  <p16:designElem xmlns:p16="http://schemas.microsoft.com/office/powerpoint/2015/main" val="1"/>
-                </p:ext>
-              </p:extLst>
-            </p:nvPr>
-          </p:nvCxnSpPr>
-          <p:spPr>
-            <a:xfrm>
-              <a:off x="684225" y="171716"/>
-              <a:ext cx="0" cy="6511464"/>
-            </a:xfrm>
-            <a:prstGeom prst="line">
-              <a:avLst/>
-            </a:prstGeom>
-            <a:ln w="12700">
-              <a:solidFill>
-                <a:srgbClr val="BCBCBC">
-                  <a:alpha val="29804"/>
-                </a:srgbClr>
-              </a:solidFill>
-              <a:prstDash val="sysDot"/>
-            </a:ln>
-          </p:spPr>
-          <p:style>
-            <a:lnRef idx="1">
-              <a:schemeClr val="accent1"/>
-            </a:lnRef>
-            <a:fillRef idx="0">
-              <a:schemeClr val="accent1"/>
-            </a:fillRef>
-            <a:effectRef idx="0">
-              <a:schemeClr val="accent1"/>
-            </a:effectRef>
-            <a:fontRef idx="minor">
-              <a:schemeClr val="tx1"/>
-            </a:fontRef>
-          </p:style>
-        </p:cxnSp>
-        <p:cxnSp>
-          <p:nvCxnSpPr>
-            <p:cNvPr id="91" name="Straight Connector 90">
-              <a:extLst>
-                <a:ext uri="{FF2B5EF4-FFF2-40B4-BE49-F238E27FC236}">
-                  <a16:creationId xmlns:a16="http://schemas.microsoft.com/office/drawing/2014/main" id="{59A24ED6-70A5-4DC0-A213-5385E58417FE}"/>
-                </a:ext>
-                <a:ext uri="{C183D7F6-B498-43B3-948B-1728B52AA6E4}">
-                  <adec:decorative xmlns:adec="http://schemas.microsoft.com/office/drawing/2017/decorative" val="1"/>
-                </a:ext>
-              </a:extLst>
-            </p:cNvPr>
-            <p:cNvCxnSpPr>
-              <a:cxnSpLocks/>
-            </p:cNvCxnSpPr>
-            <p:nvPr>
-              <p:extLst>
-                <p:ext uri="{386F3935-93C4-4BCD-93E2-E3B085C9AB24}">
-                  <p16:designElem xmlns:p16="http://schemas.microsoft.com/office/powerpoint/2015/main" val="1"/>
-                </p:ext>
-              </p:extLst>
-            </p:nvPr>
-          </p:nvCxnSpPr>
-          <p:spPr>
-            <a:xfrm>
-              <a:off x="11508412" y="173267"/>
-              <a:ext cx="0" cy="6511464"/>
-            </a:xfrm>
-            <a:prstGeom prst="line">
-              <a:avLst/>
-            </a:prstGeom>
-            <a:ln w="12700">
-              <a:solidFill>
-                <a:srgbClr val="BCBCBC">
-                  <a:alpha val="29804"/>
-                </a:srgbClr>
-              </a:solidFill>
-              <a:prstDash val="sysDot"/>
-            </a:ln>
-          </p:spPr>
-          <p:style>
-            <a:lnRef idx="1">
-              <a:schemeClr val="accent1"/>
-            </a:lnRef>
-            <a:fillRef idx="0">
-              <a:schemeClr val="accent1"/>
-            </a:fillRef>
-            <a:effectRef idx="0">
-              <a:schemeClr val="accent1"/>
-            </a:effectRef>
-            <a:fontRef idx="minor">
-              <a:schemeClr val="tx1"/>
-            </a:fontRef>
-          </p:style>
-        </p:cxnSp>
-      </p:grpSp>
-      <p:sp>
-        <p:nvSpPr>
-          <p:cNvPr id="2" name="Title 1">
-            <a:extLst>
-              <a:ext uri="{FF2B5EF4-FFF2-40B4-BE49-F238E27FC236}">
-                <a16:creationId xmlns:a16="http://schemas.microsoft.com/office/drawing/2014/main" id="{8F884877-9750-052A-430D-E79503A7C5AE}"/>
-              </a:ext>
-            </a:extLst>
-          </p:cNvPr>
-          <p:cNvSpPr>
-            <a:spLocks noGrp="1"/>
-          </p:cNvSpPr>
-          <p:nvPr>
-            <p:ph type="title"/>
-          </p:nvPr>
-        </p:nvSpPr>
-        <p:spPr>
-          <a:xfrm>
-            <a:off x="691079" y="725951"/>
-            <a:ext cx="4923187" cy="5417452"/>
-          </a:xfrm>
-        </p:spPr>
-        <p:txBody>
-          <a:bodyPr anchor="ctr">
-            <a:normAutofit/>
-          </a:bodyPr>
-          <a:lstStyle/>
-          <a:p>
-            <a:r>
-              <a:rPr lang="en-US" dirty="0"/>
-              <a:t>Agenda</a:t>
-            </a:r>
-            <a:endParaRPr lang="en-SG" dirty="0"/>
-          </a:p>
-        </p:txBody>
-      </p:sp>
-      <p:sp>
-        <p:nvSpPr>
-          <p:cNvPr id="93" name="Right Triangle 92">
-            <a:extLst>
-              <a:ext uri="{FF2B5EF4-FFF2-40B4-BE49-F238E27FC236}">
-                <a16:creationId xmlns:a16="http://schemas.microsoft.com/office/drawing/2014/main" id="{69F0804E-F8DE-40E7-90F4-68B638136E17}"/>
-              </a:ext>
-              <a:ext uri="{C183D7F6-B498-43B3-948B-1728B52AA6E4}">
-                <adec:decorative xmlns:adec="http://schemas.microsoft.com/office/drawing/2017/decorative" val="1"/>
-              </a:ext>
-            </a:extLst>
-          </p:cNvPr>
-          <p:cNvSpPr>
-            <a:spLocks noGrp="1" noRot="1" noChangeAspect="1" noMove="1" noResize="1" noEditPoints="1" noAdjustHandles="1" noChangeArrowheads="1" noChangeShapeType="1" noTextEdit="1"/>
-          </p:cNvSpPr>
-          <p:nvPr>
-            <p:extLst>
-              <p:ext uri="{386F3935-93C4-4BCD-93E2-E3B085C9AB24}">
-                <p16:designElem xmlns:p16="http://schemas.microsoft.com/office/powerpoint/2015/main" val="1"/>
-              </p:ext>
-            </p:extLst>
-          </p:nvPr>
-        </p:nvSpPr>
-        <p:spPr>
-          <a:xfrm rot="13500000">
-            <a:off x="-288924" y="3137678"/>
-            <a:ext cx="568289" cy="568289"/>
-          </a:xfrm>
-          <a:prstGeom prst="rtTriangle">
-            <a:avLst/>
-          </a:prstGeom>
-          <a:solidFill>
-            <a:schemeClr val="accent1">
-              <a:alpha val="50000"/>
-            </a:schemeClr>
-          </a:solidFill>
-          <a:ln>
-            <a:noFill/>
-          </a:ln>
-        </p:spPr>
-        <p:style>
-          <a:lnRef idx="2">
-            <a:schemeClr val="accent1">
-              <a:shade val="50000"/>
-            </a:schemeClr>
-          </a:lnRef>
-          <a:fillRef idx="1">
-            <a:schemeClr val="accent1"/>
-          </a:fillRef>
-          <a:effectRef idx="0">
-            <a:schemeClr val="accent1"/>
-          </a:effectRef>
-          <a:fontRef idx="minor">
-            <a:schemeClr val="lt1"/>
-          </a:fontRef>
-        </p:style>
-        <p:txBody>
-          <a:bodyPr rtlCol="0" anchor="ctr"/>
-          <a:lstStyle/>
-          <a:p>
-            <a:pPr algn="ctr"/>
-            <a:endParaRPr lang="en-US" dirty="0">
-              <a:solidFill>
-                <a:schemeClr val="tx1"/>
-              </a:solidFill>
-            </a:endParaRPr>
-          </a:p>
-        </p:txBody>
-      </p:sp>
-      <p:sp>
-        <p:nvSpPr>
-          <p:cNvPr id="3" name="Content Placeholder 2">
-            <a:extLst>
-              <a:ext uri="{FF2B5EF4-FFF2-40B4-BE49-F238E27FC236}">
-                <a16:creationId xmlns:a16="http://schemas.microsoft.com/office/drawing/2014/main" id="{AEADCB7B-6C0B-FBF1-6BA4-7068F45D1C86}"/>
-              </a:ext>
-            </a:extLst>
-          </p:cNvPr>
-          <p:cNvSpPr>
-            <a:spLocks noGrp="1"/>
-          </p:cNvSpPr>
-          <p:nvPr>
-            <p:ph idx="1"/>
-          </p:nvPr>
-        </p:nvSpPr>
-        <p:spPr>
-          <a:xfrm>
-            <a:off x="7086745" y="713048"/>
-            <a:ext cx="4414176" cy="5449532"/>
-          </a:xfrm>
-        </p:spPr>
-        <p:txBody>
-          <a:bodyPr anchor="ctr">
-            <a:normAutofit lnSpcReduction="10000"/>
-          </a:bodyPr>
-          <a:lstStyle/>
-          <a:p>
-            <a:pPr>
-              <a:spcBef>
-                <a:spcPts val="600"/>
-              </a:spcBef>
-            </a:pPr>
-            <a:r>
-              <a:rPr lang="en-US" altLang="zh-CN" sz="1600" dirty="0"/>
-              <a:t>Blazor Web App</a:t>
-            </a:r>
-          </a:p>
-          <a:p>
-            <a:pPr marL="707400" indent="-285750">
-              <a:spcBef>
-                <a:spcPts val="600"/>
-              </a:spcBef>
-              <a:buFont typeface="Courier New" panose="02070309020205020404" pitchFamily="49" charset="0"/>
-              <a:buChar char="o"/>
-            </a:pPr>
-            <a:r>
-              <a:rPr lang="en-US" altLang="zh-CN" sz="1400" dirty="0"/>
-              <a:t>Introduction</a:t>
-            </a:r>
-          </a:p>
-          <a:p>
-            <a:pPr marL="707400" indent="-285750">
-              <a:spcBef>
-                <a:spcPts val="600"/>
-              </a:spcBef>
-              <a:buFont typeface="Courier New" panose="02070309020205020404" pitchFamily="49" charset="0"/>
-              <a:buChar char="o"/>
-            </a:pPr>
-            <a:r>
-              <a:rPr lang="en-US" altLang="zh-CN" sz="1400" dirty="0"/>
-              <a:t>Render Mode</a:t>
-            </a:r>
-          </a:p>
-          <a:p>
-            <a:pPr marL="707400" indent="-285750">
-              <a:spcBef>
-                <a:spcPts val="600"/>
-              </a:spcBef>
-              <a:buFont typeface="Courier New" panose="02070309020205020404" pitchFamily="49" charset="0"/>
-              <a:buChar char="o"/>
-            </a:pPr>
-            <a:r>
-              <a:rPr lang="en-US" altLang="zh-CN" sz="1400" dirty="0" err="1"/>
-              <a:t>LifeCycle</a:t>
-            </a:r>
-            <a:endParaRPr lang="en-US" altLang="zh-CN" sz="1400" dirty="0"/>
-          </a:p>
-          <a:p>
-            <a:pPr marL="707400" indent="-285750">
-              <a:spcBef>
-                <a:spcPts val="600"/>
-              </a:spcBef>
-              <a:buFont typeface="Courier New" panose="02070309020205020404" pitchFamily="49" charset="0"/>
-              <a:buChar char="o"/>
-            </a:pPr>
-            <a:r>
-              <a:rPr lang="en-US" altLang="zh-CN" sz="1400" dirty="0" err="1"/>
-              <a:t>PreRender</a:t>
-            </a:r>
-            <a:endParaRPr lang="en-SG" altLang="zh-CN" sz="1400" dirty="0"/>
-          </a:p>
-          <a:p>
-            <a:pPr>
-              <a:spcBef>
-                <a:spcPts val="600"/>
-              </a:spcBef>
-            </a:pPr>
-            <a:r>
-              <a:rPr lang="en-US" altLang="zh-CN" sz="1600" dirty="0"/>
-              <a:t>New Feature</a:t>
-            </a:r>
-          </a:p>
-          <a:p>
-            <a:pPr marL="707400" indent="-285750">
-              <a:spcBef>
-                <a:spcPts val="600"/>
-              </a:spcBef>
-              <a:buFont typeface="Courier New" panose="02070309020205020404" pitchFamily="49" charset="0"/>
-              <a:buChar char="o"/>
-            </a:pPr>
-            <a:r>
-              <a:rPr lang="en-SG" sz="1400" dirty="0">
-                <a:solidFill>
-                  <a:schemeClr val="tx1"/>
-                </a:solidFill>
-              </a:rPr>
-              <a:t>Route to named elements</a:t>
-            </a:r>
-          </a:p>
-          <a:p>
-            <a:pPr marL="707400" indent="-285750">
-              <a:spcBef>
-                <a:spcPts val="600"/>
-              </a:spcBef>
-              <a:buFont typeface="Courier New" panose="02070309020205020404" pitchFamily="49" charset="0"/>
-              <a:buChar char="o"/>
-            </a:pPr>
-            <a:r>
-              <a:rPr lang="en-SG" sz="1400" dirty="0">
-                <a:solidFill>
-                  <a:schemeClr val="tx1"/>
-                </a:solidFill>
-              </a:rPr>
-              <a:t>Quick Grid</a:t>
-            </a:r>
-          </a:p>
-          <a:p>
-            <a:pPr marL="707400" indent="-285750">
-              <a:spcBef>
-                <a:spcPts val="600"/>
-              </a:spcBef>
-              <a:buFont typeface="Courier New" panose="02070309020205020404" pitchFamily="49" charset="0"/>
-              <a:buChar char="o"/>
-            </a:pPr>
-            <a:r>
-              <a:rPr lang="en-SG" sz="1400" dirty="0">
-                <a:solidFill>
-                  <a:schemeClr val="tx1"/>
-                </a:solidFill>
-              </a:rPr>
-              <a:t>Modifiers Data Binding</a:t>
-            </a:r>
-          </a:p>
-          <a:p>
-            <a:pPr marL="707400" indent="-285750">
-              <a:spcBef>
-                <a:spcPts val="600"/>
-              </a:spcBef>
-              <a:buFont typeface="Courier New" panose="02070309020205020404" pitchFamily="49" charset="0"/>
-              <a:buChar char="o"/>
-            </a:pPr>
-            <a:r>
-              <a:rPr lang="en-SG" sz="1400" dirty="0" err="1">
-                <a:solidFill>
-                  <a:schemeClr val="tx1"/>
-                </a:solidFill>
-              </a:rPr>
-              <a:t>Webcil</a:t>
-            </a:r>
-            <a:r>
-              <a:rPr lang="en-SG" sz="1400" dirty="0">
-                <a:solidFill>
-                  <a:schemeClr val="tx1"/>
-                </a:solidFill>
-              </a:rPr>
-              <a:t> packaging</a:t>
-            </a:r>
-          </a:p>
-          <a:p>
-            <a:pPr marL="707400" indent="-285750">
-              <a:spcBef>
-                <a:spcPts val="600"/>
-              </a:spcBef>
-              <a:buFont typeface="Courier New" panose="02070309020205020404" pitchFamily="49" charset="0"/>
-              <a:buChar char="o"/>
-            </a:pPr>
-            <a:r>
-              <a:rPr lang="en-SG" sz="1400" dirty="0">
-                <a:solidFill>
-                  <a:schemeClr val="tx1"/>
-                </a:solidFill>
-              </a:rPr>
-              <a:t>Add </a:t>
-            </a:r>
-            <a:r>
-              <a:rPr lang="en-SG" sz="1400" dirty="0" err="1">
-                <a:solidFill>
-                  <a:schemeClr val="tx1"/>
-                </a:solidFill>
-              </a:rPr>
-              <a:t>CascadingValue</a:t>
-            </a:r>
-            <a:endParaRPr lang="en-SG" sz="1400" dirty="0">
-              <a:solidFill>
-                <a:schemeClr val="tx1"/>
-              </a:solidFill>
-            </a:endParaRPr>
-          </a:p>
-          <a:p>
-            <a:pPr marL="707400" indent="-285750">
-              <a:spcBef>
-                <a:spcPts val="600"/>
-              </a:spcBef>
-              <a:buFont typeface="Courier New" panose="02070309020205020404" pitchFamily="49" charset="0"/>
-              <a:buChar char="o"/>
-            </a:pPr>
-            <a:r>
-              <a:rPr lang="en-SG" sz="1400" dirty="0">
-                <a:solidFill>
-                  <a:schemeClr val="tx1"/>
-                </a:solidFill>
-              </a:rPr>
-              <a:t>Inject keyed services</a:t>
-            </a:r>
-          </a:p>
-          <a:p>
-            <a:pPr marL="707400" indent="-285750">
-              <a:spcBef>
-                <a:spcPts val="600"/>
-              </a:spcBef>
-              <a:buFont typeface="Courier New" panose="02070309020205020404" pitchFamily="49" charset="0"/>
-              <a:buChar char="o"/>
-            </a:pPr>
-            <a:r>
-              <a:rPr lang="en-SG" sz="1400" dirty="0">
-                <a:solidFill>
-                  <a:schemeClr val="tx1"/>
-                </a:solidFill>
-              </a:rPr>
-              <a:t>Form</a:t>
-            </a:r>
-          </a:p>
-          <a:p>
-            <a:pPr marL="707400" indent="-285750">
-              <a:spcBef>
-                <a:spcPts val="600"/>
-              </a:spcBef>
-              <a:buFont typeface="Courier New" panose="02070309020205020404" pitchFamily="49" charset="0"/>
-              <a:buChar char="o"/>
-            </a:pPr>
-            <a:r>
-              <a:rPr lang="en-SG" sz="1400" dirty="0">
-                <a:solidFill>
-                  <a:schemeClr val="tx1"/>
-                </a:solidFill>
-              </a:rPr>
-              <a:t>Sections</a:t>
-            </a:r>
-          </a:p>
-          <a:p>
-            <a:pPr marL="707400" indent="-285750">
-              <a:spcBef>
-                <a:spcPts val="600"/>
-              </a:spcBef>
-              <a:buFont typeface="Courier New" panose="02070309020205020404" pitchFamily="49" charset="0"/>
-              <a:buChar char="o"/>
-            </a:pPr>
-            <a:r>
-              <a:rPr lang="en-SG" sz="1400" dirty="0">
-                <a:solidFill>
-                  <a:schemeClr val="tx1"/>
-                </a:solidFill>
-              </a:rPr>
-              <a:t>Virtualize empty content</a:t>
-            </a:r>
-          </a:p>
-          <a:p>
-            <a:pPr marL="707400" indent="-285750">
-              <a:spcBef>
-                <a:spcPts val="600"/>
-              </a:spcBef>
-              <a:buFont typeface="Courier New" panose="02070309020205020404" pitchFamily="49" charset="0"/>
-              <a:buChar char="o"/>
-            </a:pPr>
-            <a:r>
-              <a:rPr lang="en-SG" sz="1400" dirty="0">
-                <a:solidFill>
-                  <a:schemeClr val="tx1"/>
-                </a:solidFill>
-              </a:rPr>
-              <a:t>Dialog Events</a:t>
-            </a:r>
-          </a:p>
-          <a:p>
-            <a:pPr marL="707400" indent="-285750">
-              <a:spcBef>
-                <a:spcPts val="600"/>
-              </a:spcBef>
-              <a:buFont typeface="Courier New" panose="02070309020205020404" pitchFamily="49" charset="0"/>
-              <a:buChar char="o"/>
-            </a:pPr>
-            <a:r>
-              <a:rPr lang="en-SG" sz="1400" dirty="0">
-                <a:solidFill>
-                  <a:schemeClr val="tx1"/>
-                </a:solidFill>
-              </a:rPr>
-              <a:t>Error Page</a:t>
-            </a:r>
-          </a:p>
-          <a:p>
-            <a:pPr marL="707400" indent="-285750">
-              <a:spcBef>
-                <a:spcPts val="600"/>
-              </a:spcBef>
-              <a:buFont typeface="Courier New" panose="02070309020205020404" pitchFamily="49" charset="0"/>
-              <a:buChar char="o"/>
-            </a:pPr>
-            <a:r>
-              <a:rPr lang="en-SG" sz="1400" dirty="0">
-                <a:solidFill>
-                  <a:schemeClr val="tx1"/>
-                </a:solidFill>
-              </a:rPr>
-              <a:t>Render outside asp </a:t>
-            </a:r>
-            <a:r>
-              <a:rPr lang="en-SG" sz="1400" dirty="0" err="1">
-                <a:solidFill>
-                  <a:schemeClr val="tx1"/>
-                </a:solidFill>
-              </a:rPr>
-              <a:t>.net</a:t>
-            </a:r>
-            <a:r>
-              <a:rPr lang="en-SG" sz="1400" dirty="0">
-                <a:solidFill>
-                  <a:schemeClr val="tx1"/>
-                </a:solidFill>
-              </a:rPr>
-              <a:t> core</a:t>
-            </a:r>
-          </a:p>
-        </p:txBody>
-      </p:sp>
-    </p:spTree>
-    <p:extLst>
-      <p:ext uri="{BB962C8B-B14F-4D97-AF65-F5344CB8AC3E}">
-        <p14:creationId xmlns:p14="http://schemas.microsoft.com/office/powerpoint/2010/main" val="607183220"/>
-      </p:ext>
-    </p:extLst>
-  </p:cSld>
-  <p:clrMapOvr>
-    <a:masterClrMapping/>
-  </p:clrMapOvr>
-</p:sld>
-</file>
-
-<file path=ppt/slides/slide20.xml><?xml version="1.0" encoding="utf-8"?>
+<file path=ppt/slides/slide26.xml><?xml version="1.0" encoding="utf-8"?>
 <p:sld xmlns:a="http://schemas.openxmlformats.org/drawingml/2006/main" xmlns:r="http://schemas.openxmlformats.org/officeDocument/2006/relationships" xmlns:p="http://schemas.openxmlformats.org/presentationml/2006/main">
   <p:cSld>
     <p:spTree>
@@ -29267,7 +30690,7 @@
 </p:sld>
 </file>
 
-<file path=ppt/slides/slide21.xml><?xml version="1.0" encoding="utf-8"?>
+<file path=ppt/slides/slide27.xml><?xml version="1.0" encoding="utf-8"?>
 <p:sld xmlns:a="http://schemas.openxmlformats.org/drawingml/2006/main" xmlns:r="http://schemas.openxmlformats.org/officeDocument/2006/relationships" xmlns:p="http://schemas.openxmlformats.org/presentationml/2006/main">
   <p:cSld>
     <p:spTree>
@@ -30609,7 +32032,7 @@
 </p:sld>
 </file>
 
-<file path=ppt/slides/slide22.xml><?xml version="1.0" encoding="utf-8"?>
+<file path=ppt/slides/slide28.xml><?xml version="1.0" encoding="utf-8"?>
 <p:sld xmlns:a="http://schemas.openxmlformats.org/drawingml/2006/main" xmlns:r="http://schemas.openxmlformats.org/officeDocument/2006/relationships" xmlns:p="http://schemas.openxmlformats.org/presentationml/2006/main">
   <p:cSld>
     <p:spTree>
@@ -31343,7 +32766,7 @@
 </p:sld>
 </file>
 
-<file path=ppt/slides/slide23.xml><?xml version="1.0" encoding="utf-8"?>
+<file path=ppt/slides/slide29.xml><?xml version="1.0" encoding="utf-8"?>
 <p:sld xmlns:a="http://schemas.openxmlformats.org/drawingml/2006/main" xmlns:r="http://schemas.openxmlformats.org/officeDocument/2006/relationships" xmlns:p="http://schemas.openxmlformats.org/presentationml/2006/main">
   <p:cSld>
     <p:spTree>
@@ -32690,6 +34113,288 @@
           <p:cNvPr id="2" name="Title 1">
             <a:extLst>
               <a:ext uri="{FF2B5EF4-FFF2-40B4-BE49-F238E27FC236}">
+                <a16:creationId xmlns:a16="http://schemas.microsoft.com/office/drawing/2014/main" id="{D2A9F37C-6850-FEEA-0216-F9413B79D937}"/>
+              </a:ext>
+            </a:extLst>
+          </p:cNvPr>
+          <p:cNvSpPr>
+            <a:spLocks noGrp="1"/>
+          </p:cNvSpPr>
+          <p:nvPr>
+            <p:ph type="title"/>
+          </p:nvPr>
+        </p:nvSpPr>
+        <p:spPr/>
+        <p:txBody>
+          <a:bodyPr/>
+          <a:lstStyle/>
+          <a:p>
+            <a:endParaRPr lang="en-SG"/>
+          </a:p>
+        </p:txBody>
+      </p:sp>
+      <p:sp>
+        <p:nvSpPr>
+          <p:cNvPr id="3" name="Content Placeholder 2">
+            <a:extLst>
+              <a:ext uri="{FF2B5EF4-FFF2-40B4-BE49-F238E27FC236}">
+                <a16:creationId xmlns:a16="http://schemas.microsoft.com/office/drawing/2014/main" id="{16DE4483-8521-C2ED-C523-D74D12889434}"/>
+              </a:ext>
+            </a:extLst>
+          </p:cNvPr>
+          <p:cNvSpPr>
+            <a:spLocks noGrp="1"/>
+          </p:cNvSpPr>
+          <p:nvPr>
+            <p:ph idx="1"/>
+          </p:nvPr>
+        </p:nvSpPr>
+        <p:spPr/>
+        <p:txBody>
+          <a:bodyPr>
+            <a:normAutofit/>
+          </a:bodyPr>
+          <a:lstStyle/>
+          <a:p>
+            <a:r>
+              <a:rPr lang="en-SG" sz="1400" dirty="0">
+                <a:solidFill>
+                  <a:srgbClr val="00B050"/>
+                </a:solidFill>
+              </a:rPr>
+              <a:t>Q1:difference between </a:t>
+            </a:r>
+            <a:r>
+              <a:rPr lang="en-SG" sz="1400" dirty="0" err="1">
+                <a:solidFill>
+                  <a:srgbClr val="00B050"/>
+                </a:solidFill>
+              </a:rPr>
+              <a:t>wasm</a:t>
+            </a:r>
+            <a:r>
+              <a:rPr lang="en-SG" sz="1400" dirty="0">
+                <a:solidFill>
+                  <a:srgbClr val="00B050"/>
+                </a:solidFill>
+              </a:rPr>
+              <a:t> and auto render</a:t>
+            </a:r>
+          </a:p>
+          <a:p>
+            <a:r>
+              <a:rPr lang="en-US" altLang="zh-CN" sz="1400" dirty="0">
+                <a:solidFill>
+                  <a:srgbClr val="00B050"/>
+                </a:solidFill>
+              </a:rPr>
+              <a:t>A</a:t>
+            </a:r>
+            <a:r>
+              <a:rPr lang="en-SG" altLang="zh-CN" sz="1400" dirty="0">
+                <a:solidFill>
+                  <a:srgbClr val="00B050"/>
+                </a:solidFill>
+              </a:rPr>
+              <a:t>:</a:t>
+            </a:r>
+            <a:r>
+              <a:rPr lang="zh-CN" altLang="en-US" sz="1400" dirty="0">
+                <a:solidFill>
+                  <a:srgbClr val="00B050"/>
+                </a:solidFill>
+              </a:rPr>
+              <a:t> </a:t>
+            </a:r>
+            <a:r>
+              <a:rPr lang="en-SG" altLang="zh-CN" sz="1400" dirty="0">
+                <a:solidFill>
+                  <a:srgbClr val="00B050"/>
+                </a:solidFill>
+              </a:rPr>
+              <a:t>auto</a:t>
+            </a:r>
+            <a:r>
+              <a:rPr lang="zh-CN" altLang="en-US" sz="1400" dirty="0">
+                <a:solidFill>
+                  <a:srgbClr val="00B050"/>
+                </a:solidFill>
+              </a:rPr>
+              <a:t> </a:t>
+            </a:r>
+            <a:r>
+              <a:rPr lang="en-SG" altLang="zh-CN" sz="1400" dirty="0">
+                <a:solidFill>
+                  <a:srgbClr val="00B050"/>
+                </a:solidFill>
+              </a:rPr>
+              <a:t>render</a:t>
+            </a:r>
+            <a:r>
+              <a:rPr lang="zh-CN" altLang="en-US" sz="1400" dirty="0">
+                <a:solidFill>
+                  <a:srgbClr val="00B050"/>
+                </a:solidFill>
+              </a:rPr>
+              <a:t> </a:t>
+            </a:r>
+            <a:r>
+              <a:rPr lang="en-SG" altLang="zh-CN" sz="1400" dirty="0">
+                <a:solidFill>
+                  <a:srgbClr val="00B050"/>
+                </a:solidFill>
+              </a:rPr>
+              <a:t>can</a:t>
+            </a:r>
+            <a:r>
+              <a:rPr lang="zh-CN" altLang="en-US" sz="1400" dirty="0">
+                <a:solidFill>
+                  <a:srgbClr val="00B050"/>
+                </a:solidFill>
+              </a:rPr>
+              <a:t> </a:t>
+            </a:r>
+            <a:r>
+              <a:rPr lang="en-SG" sz="1400" dirty="0">
+                <a:solidFill>
+                  <a:srgbClr val="00B050"/>
+                </a:solidFill>
+                <a:effectLst/>
+              </a:rPr>
+              <a:t>Interactive before </a:t>
+            </a:r>
+            <a:r>
+              <a:rPr lang="en-SG" sz="1400" dirty="0" err="1">
+                <a:solidFill>
+                  <a:srgbClr val="00B050"/>
+                </a:solidFill>
+                <a:effectLst/>
+              </a:rPr>
+              <a:t>wasm</a:t>
+            </a:r>
+            <a:r>
+              <a:rPr lang="en-SG" sz="1400" dirty="0">
+                <a:solidFill>
+                  <a:srgbClr val="00B050"/>
+                </a:solidFill>
+                <a:effectLst/>
+              </a:rPr>
+              <a:t> load complete, </a:t>
+            </a:r>
+            <a:r>
+              <a:rPr lang="en-SG" sz="1400" dirty="0" err="1">
+                <a:solidFill>
+                  <a:srgbClr val="00B050"/>
+                </a:solidFill>
+                <a:effectLst/>
+              </a:rPr>
+              <a:t>wasm</a:t>
+            </a:r>
+            <a:r>
+              <a:rPr lang="en-SG" sz="1400" dirty="0">
+                <a:solidFill>
+                  <a:srgbClr val="00B050"/>
+                </a:solidFill>
+                <a:effectLst/>
+              </a:rPr>
+              <a:t> can only Interactive after load complete</a:t>
+            </a:r>
+            <a:endParaRPr lang="en-SG" sz="1400" dirty="0">
+              <a:solidFill>
+                <a:srgbClr val="00B050"/>
+              </a:solidFill>
+            </a:endParaRPr>
+          </a:p>
+          <a:p>
+            <a:r>
+              <a:rPr lang="en-SG" sz="1400" dirty="0"/>
+              <a:t>Q2:difference between prerender and SSR Render</a:t>
+            </a:r>
+          </a:p>
+          <a:p>
+            <a:r>
+              <a:rPr lang="en-SG" sz="1400" dirty="0">
+                <a:solidFill>
+                  <a:srgbClr val="00B050"/>
+                </a:solidFill>
+              </a:rPr>
+              <a:t>Q3:entrance of render</a:t>
+            </a:r>
+          </a:p>
+          <a:p>
+            <a:r>
+              <a:rPr lang="en-SG" sz="1400" dirty="0">
+                <a:solidFill>
+                  <a:srgbClr val="00B050"/>
+                </a:solidFill>
+              </a:rPr>
+              <a:t>A: render as a </a:t>
+            </a:r>
+            <a:r>
+              <a:rPr lang="en-SG" sz="1400" dirty="0" err="1">
+                <a:solidFill>
+                  <a:srgbClr val="00B050"/>
+                </a:solidFill>
+              </a:rPr>
+              <a:t>DelegateRequest</a:t>
+            </a:r>
+            <a:r>
+              <a:rPr lang="en-SG" sz="1400" dirty="0">
+                <a:solidFill>
+                  <a:srgbClr val="00B050"/>
+                </a:solidFill>
+              </a:rPr>
+              <a:t>  invoked in endpoint</a:t>
+            </a:r>
+          </a:p>
+          <a:p>
+            <a:r>
+              <a:rPr lang="en-SG" sz="1400" dirty="0"/>
+              <a:t>Q4:Blazor web using </a:t>
+            </a:r>
+            <a:r>
+              <a:rPr lang="en-SG" sz="1400" dirty="0" err="1"/>
+              <a:t>sensario</a:t>
+            </a:r>
+            <a:endParaRPr lang="en-SG" sz="1400" dirty="0"/>
+          </a:p>
+        </p:txBody>
+      </p:sp>
+    </p:spTree>
+    <p:extLst>
+      <p:ext uri="{BB962C8B-B14F-4D97-AF65-F5344CB8AC3E}">
+        <p14:creationId xmlns:p14="http://schemas.microsoft.com/office/powerpoint/2010/main" val="2421849563"/>
+      </p:ext>
+    </p:extLst>
+  </p:cSld>
+  <p:clrMapOvr>
+    <a:masterClrMapping/>
+  </p:clrMapOvr>
+</p:sld>
+</file>
+
+<file path=ppt/slides/slide4.xml><?xml version="1.0" encoding="utf-8"?>
+<p:sld xmlns:a="http://schemas.openxmlformats.org/drawingml/2006/main" xmlns:r="http://schemas.openxmlformats.org/officeDocument/2006/relationships" xmlns:p="http://schemas.openxmlformats.org/presentationml/2006/main">
+  <p:cSld>
+    <p:spTree>
+      <p:nvGrpSpPr>
+        <p:cNvPr id="1" name=""/>
+        <p:cNvGrpSpPr/>
+        <p:nvPr/>
+      </p:nvGrpSpPr>
+      <p:grpSpPr>
+        <a:xfrm>
+          <a:off x="0" y="0"/>
+          <a:ext cx="0" cy="0"/>
+          <a:chOff x="0" y="0"/>
+          <a:chExt cx="0" cy="0"/>
+        </a:xfrm>
+      </p:grpSpPr>
+      <p:sp>
+        <p:nvSpPr>
+          <p:cNvPr id="2" name="Title 1">
+            <a:extLst>
+              <a:ext uri="{FF2B5EF4-FFF2-40B4-BE49-F238E27FC236}">
                 <a16:creationId xmlns:a16="http://schemas.microsoft.com/office/drawing/2014/main" id="{B39BC617-ED7B-1040-B3EE-C0E272920735}"/>
               </a:ext>
             </a:extLst>
@@ -32976,7 +34681,7 @@
 </p:sld>
 </file>
 
-<file path=ppt/slides/slide4.xml><?xml version="1.0" encoding="utf-8"?>
+<file path=ppt/slides/slide5.xml><?xml version="1.0" encoding="utf-8"?>
 <p:sld xmlns:a="http://schemas.openxmlformats.org/drawingml/2006/main" xmlns:r="http://schemas.openxmlformats.org/officeDocument/2006/relationships" xmlns:p="http://schemas.openxmlformats.org/presentationml/2006/main">
   <p:cSld>
     <p:spTree>
@@ -33469,7 +35174,7 @@
 </p:sld>
 </file>
 
-<file path=ppt/slides/slide5.xml><?xml version="1.0" encoding="utf-8"?>
+<file path=ppt/slides/slide6.xml><?xml version="1.0" encoding="utf-8"?>
 <p:sld xmlns:a="http://schemas.openxmlformats.org/drawingml/2006/main" xmlns:r="http://schemas.openxmlformats.org/officeDocument/2006/relationships" xmlns:p="http://schemas.openxmlformats.org/presentationml/2006/main">
   <p:cSld>
     <p:spTree>
@@ -34094,7 +35799,7 @@
 </p:sld>
 </file>
 
-<file path=ppt/slides/slide6.xml><?xml version="1.0" encoding="utf-8"?>
+<file path=ppt/slides/slide7.xml><?xml version="1.0" encoding="utf-8"?>
 <p:sld xmlns:a="http://schemas.openxmlformats.org/drawingml/2006/main" xmlns:r="http://schemas.openxmlformats.org/officeDocument/2006/relationships" xmlns:p="http://schemas.openxmlformats.org/presentationml/2006/main">
   <p:cSld>
     <p:spTree>
@@ -34330,7 +36035,7 @@
 </p:sld>
 </file>
 
-<file path=ppt/slides/slide7.xml><?xml version="1.0" encoding="utf-8"?>
+<file path=ppt/slides/slide8.xml><?xml version="1.0" encoding="utf-8"?>
 <p:sld xmlns:a="http://schemas.openxmlformats.org/drawingml/2006/main" xmlns:r="http://schemas.openxmlformats.org/officeDocument/2006/relationships" xmlns:p="http://schemas.openxmlformats.org/presentationml/2006/main">
   <p:cSld>
     <p:spTree>
@@ -34497,7 +36202,7 @@
 </p:sld>
 </file>
 
-<file path=ppt/slides/slide8.xml><?xml version="1.0" encoding="utf-8"?>
+<file path=ppt/slides/slide9.xml><?xml version="1.0" encoding="utf-8"?>
 <p:sld xmlns:a="http://schemas.openxmlformats.org/drawingml/2006/main" xmlns:r="http://schemas.openxmlformats.org/officeDocument/2006/relationships" xmlns:p="http://schemas.openxmlformats.org/presentationml/2006/main">
   <p:cSld>
     <p:spTree>
@@ -34835,332 +36540,6 @@
     <p:extLst>
       <p:ext uri="{BB962C8B-B14F-4D97-AF65-F5344CB8AC3E}">
         <p14:creationId xmlns:p14="http://schemas.microsoft.com/office/powerpoint/2010/main" val="3313266934"/>
-      </p:ext>
-    </p:extLst>
-  </p:cSld>
-  <p:clrMapOvr>
-    <a:masterClrMapping/>
-  </p:clrMapOvr>
-</p:sld>
-</file>
-
-<file path=ppt/slides/slide9.xml><?xml version="1.0" encoding="utf-8"?>
-<p:sld xmlns:a="http://schemas.openxmlformats.org/drawingml/2006/main" xmlns:r="http://schemas.openxmlformats.org/officeDocument/2006/relationships" xmlns:p="http://schemas.openxmlformats.org/presentationml/2006/main">
-  <p:cSld>
-    <p:spTree>
-      <p:nvGrpSpPr>
-        <p:cNvPr id="1" name=""/>
-        <p:cNvGrpSpPr/>
-        <p:nvPr/>
-      </p:nvGrpSpPr>
-      <p:grpSpPr>
-        <a:xfrm>
-          <a:off x="0" y="0"/>
-          <a:ext cx="0" cy="0"/>
-          <a:chOff x="0" y="0"/>
-          <a:chExt cx="0" cy="0"/>
-        </a:xfrm>
-      </p:grpSpPr>
-      <p:sp>
-        <p:nvSpPr>
-          <p:cNvPr id="2" name="Title 1">
-            <a:extLst>
-              <a:ext uri="{FF2B5EF4-FFF2-40B4-BE49-F238E27FC236}">
-                <a16:creationId xmlns:a16="http://schemas.microsoft.com/office/drawing/2014/main" id="{0FFCBED8-BB7A-EC5A-FA1B-4FBC962CE316}"/>
-              </a:ext>
-            </a:extLst>
-          </p:cNvPr>
-          <p:cNvSpPr>
-            <a:spLocks noGrp="1"/>
-          </p:cNvSpPr>
-          <p:nvPr>
-            <p:ph type="title"/>
-          </p:nvPr>
-        </p:nvSpPr>
-        <p:spPr/>
-        <p:txBody>
-          <a:bodyPr/>
-          <a:lstStyle/>
-          <a:p>
-            <a:r>
-              <a:rPr lang="en-US" altLang="zh-CN" sz="4400" dirty="0"/>
-              <a:t>Blazor Web App</a:t>
-            </a:r>
-          </a:p>
-        </p:txBody>
-      </p:sp>
-      <p:sp>
-        <p:nvSpPr>
-          <p:cNvPr id="3" name="Content Placeholder 2">
-            <a:extLst>
-              <a:ext uri="{FF2B5EF4-FFF2-40B4-BE49-F238E27FC236}">
-                <a16:creationId xmlns:a16="http://schemas.microsoft.com/office/drawing/2014/main" id="{7979257D-74B9-76CA-B0B9-BEF5A29BF8C2}"/>
-              </a:ext>
-            </a:extLst>
-          </p:cNvPr>
-          <p:cNvSpPr>
-            <a:spLocks noGrp="1"/>
-          </p:cNvSpPr>
-          <p:nvPr>
-            <p:ph idx="1"/>
-          </p:nvPr>
-        </p:nvSpPr>
-        <p:spPr>
-          <a:xfrm>
-            <a:off x="691079" y="2841728"/>
-            <a:ext cx="4774286" cy="3638971"/>
-          </a:xfrm>
-        </p:spPr>
-        <p:txBody>
-          <a:bodyPr>
-            <a:noAutofit/>
-          </a:bodyPr>
-          <a:lstStyle/>
-          <a:p>
-            <a:pPr marL="0" indent="0">
-              <a:buNone/>
-            </a:pPr>
-            <a:r>
-              <a:rPr lang="en-SG" sz="1200" b="1" dirty="0"/>
-              <a:t>Render </a:t>
-            </a:r>
-            <a:r>
-              <a:rPr lang="en-SG" sz="1200" b="1" dirty="0" err="1"/>
-              <a:t>Componment</a:t>
-            </a:r>
-            <a:r>
-              <a:rPr lang="en-SG" sz="1200" b="1" dirty="0"/>
-              <a:t>:</a:t>
-            </a:r>
-          </a:p>
-          <a:p>
-            <a:pPr marL="0" indent="0">
-              <a:buNone/>
-            </a:pPr>
-            <a:r>
-              <a:rPr lang="en-SG" sz="1200" dirty="0" err="1"/>
-              <a:t>RazorComponentEndpointInvoker.cs</a:t>
-            </a:r>
-            <a:endParaRPr lang="en-SG" sz="1200" dirty="0"/>
-          </a:p>
-          <a:p>
-            <a:pPr marL="0" indent="0">
-              <a:buNone/>
-            </a:pPr>
-            <a:endParaRPr lang="en-SG" sz="1200" dirty="0"/>
-          </a:p>
-          <a:p>
-            <a:pPr marL="0" indent="0">
-              <a:buNone/>
-            </a:pPr>
-            <a:r>
-              <a:rPr lang="en-SG" sz="1200" dirty="0" err="1"/>
-              <a:t>RazorComponentEndpointInvoker.RenderComponentCore</a:t>
-            </a:r>
-            <a:r>
-              <a:rPr lang="en-SG" sz="1200" dirty="0"/>
-              <a:t>():</a:t>
-            </a:r>
-          </a:p>
-          <a:p>
-            <a:pPr marL="0" indent="0">
-              <a:buNone/>
-            </a:pPr>
-            <a:r>
-              <a:rPr lang="en-SG" sz="1200" dirty="0"/>
-              <a:t>1. Initialize </a:t>
-            </a:r>
-            <a:r>
-              <a:rPr lang="en-SG" sz="1200" dirty="0" err="1"/>
-              <a:t>StreamingRendering</a:t>
-            </a:r>
-            <a:r>
-              <a:rPr lang="en-SG" sz="1200" dirty="0"/>
-              <a:t> Framing</a:t>
-            </a:r>
-          </a:p>
-          <a:p>
-            <a:pPr marL="0" indent="0">
-              <a:buNone/>
-            </a:pPr>
-            <a:r>
-              <a:rPr lang="en-SG" sz="1200" dirty="0"/>
-              <a:t>2. Initialize Standard Component Services</a:t>
-            </a:r>
-          </a:p>
-          <a:p>
-            <a:pPr marL="0" indent="0">
-              <a:buNone/>
-            </a:pPr>
-            <a:r>
-              <a:rPr lang="en-SG" sz="1200" dirty="0"/>
-              <a:t>3. Render Endpoint Component </a:t>
-            </a:r>
-          </a:p>
-          <a:p>
-            <a:pPr marL="0" indent="0">
-              <a:buNone/>
-            </a:pPr>
-            <a:r>
-              <a:rPr lang="en-SG" sz="1200" dirty="0"/>
-              <a:t>    3.1 </a:t>
-            </a:r>
-            <a:r>
-              <a:rPr lang="en-SG" sz="1200" dirty="0" err="1"/>
-              <a:t>InstantiateComponent</a:t>
-            </a:r>
-            <a:endParaRPr lang="en-SG" sz="1200" dirty="0"/>
-          </a:p>
-          <a:p>
-            <a:pPr marL="0" indent="0">
-              <a:buNone/>
-            </a:pPr>
-            <a:r>
-              <a:rPr lang="en-SG" sz="1200" dirty="0"/>
-              <a:t>        </a:t>
-            </a:r>
-            <a:r>
-              <a:rPr lang="en-SG" sz="1200" b="1" dirty="0"/>
-              <a:t>3.1.1 </a:t>
-            </a:r>
-            <a:r>
-              <a:rPr lang="en-SG" sz="1200" b="1" dirty="0" err="1"/>
-              <a:t>ResolveComponentForRenderMode</a:t>
-            </a:r>
-            <a:endParaRPr lang="en-SG" sz="1200" b="1" dirty="0"/>
-          </a:p>
-          <a:p>
-            <a:pPr marL="0" indent="0">
-              <a:buNone/>
-            </a:pPr>
-            <a:r>
-              <a:rPr lang="en-SG" sz="1200" dirty="0"/>
-              <a:t>    3.2 Waiting for </a:t>
-            </a:r>
-            <a:r>
-              <a:rPr lang="en-SG" sz="1200" dirty="0" err="1"/>
-              <a:t>quiesence</a:t>
-            </a:r>
-            <a:r>
-              <a:rPr lang="en-SG" sz="1200" dirty="0"/>
-              <a:t>(none stream Rendering) complete</a:t>
-            </a:r>
-          </a:p>
-          <a:p>
-            <a:pPr marL="0" indent="0">
-              <a:buNone/>
-            </a:pPr>
-            <a:r>
-              <a:rPr lang="en-SG" sz="1200" dirty="0"/>
-              <a:t>4. write by </a:t>
-            </a:r>
-            <a:r>
-              <a:rPr lang="en-SG" sz="1200" dirty="0" err="1"/>
-              <a:t>HttpResponseStreamWriter</a:t>
-            </a:r>
-            <a:endParaRPr lang="en-SG" sz="1200" dirty="0"/>
-          </a:p>
-        </p:txBody>
-      </p:sp>
-      <p:sp>
-        <p:nvSpPr>
-          <p:cNvPr id="4" name="TextBox 3">
-            <a:extLst>
-              <a:ext uri="{FF2B5EF4-FFF2-40B4-BE49-F238E27FC236}">
-                <a16:creationId xmlns:a16="http://schemas.microsoft.com/office/drawing/2014/main" id="{4E5FB163-623D-D608-CFF8-944DAE443425}"/>
-              </a:ext>
-            </a:extLst>
-          </p:cNvPr>
-          <p:cNvSpPr txBox="1"/>
-          <p:nvPr/>
-        </p:nvSpPr>
-        <p:spPr>
-          <a:xfrm>
-            <a:off x="691079" y="2354347"/>
-            <a:ext cx="1865690" cy="369332"/>
-          </a:xfrm>
-          <a:prstGeom prst="rect">
-            <a:avLst/>
-          </a:prstGeom>
-          <a:noFill/>
-        </p:spPr>
-        <p:txBody>
-          <a:bodyPr wrap="square">
-            <a:spAutoFit/>
-          </a:bodyPr>
-          <a:lstStyle/>
-          <a:p>
-            <a:r>
-              <a:rPr lang="en-SG" dirty="0"/>
-              <a:t>Render Mode</a:t>
-            </a:r>
-          </a:p>
-        </p:txBody>
-      </p:sp>
-      <p:pic>
-        <p:nvPicPr>
-          <p:cNvPr id="7" name="Picture 6">
-            <a:extLst>
-              <a:ext uri="{FF2B5EF4-FFF2-40B4-BE49-F238E27FC236}">
-                <a16:creationId xmlns:a16="http://schemas.microsoft.com/office/drawing/2014/main" id="{EE95C34F-AB6E-B07C-EE51-88D873E322B1}"/>
-              </a:ext>
-            </a:extLst>
-          </p:cNvPr>
-          <p:cNvPicPr>
-            <a:picLocks noChangeAspect="1"/>
-          </p:cNvPicPr>
-          <p:nvPr/>
-        </p:nvPicPr>
-        <p:blipFill>
-          <a:blip r:embed="rId2"/>
-          <a:stretch>
-            <a:fillRect/>
-          </a:stretch>
-        </p:blipFill>
-        <p:spPr>
-          <a:xfrm>
-            <a:off x="5465365" y="2283260"/>
-            <a:ext cx="5913358" cy="4265626"/>
-          </a:xfrm>
-          <a:prstGeom prst="rect">
-            <a:avLst/>
-          </a:prstGeom>
-        </p:spPr>
-      </p:pic>
-      <p:pic>
-        <p:nvPicPr>
-          <p:cNvPr id="6" name="Picture 5">
-            <a:extLst>
-              <a:ext uri="{FF2B5EF4-FFF2-40B4-BE49-F238E27FC236}">
-                <a16:creationId xmlns:a16="http://schemas.microsoft.com/office/drawing/2014/main" id="{378AEC86-836E-FEC3-00AE-62EF5AF5DCBB}"/>
-              </a:ext>
-            </a:extLst>
-          </p:cNvPr>
-          <p:cNvPicPr>
-            <a:picLocks noChangeAspect="1"/>
-          </p:cNvPicPr>
-          <p:nvPr/>
-        </p:nvPicPr>
-        <p:blipFill>
-          <a:blip r:embed="rId3"/>
-          <a:stretch>
-            <a:fillRect/>
-          </a:stretch>
-        </p:blipFill>
-        <p:spPr>
-          <a:xfrm>
-            <a:off x="6590379" y="1214224"/>
-            <a:ext cx="4788344" cy="890664"/>
-          </a:xfrm>
-          <a:prstGeom prst="rect">
-            <a:avLst/>
-          </a:prstGeom>
-        </p:spPr>
-      </p:pic>
-    </p:spTree>
-    <p:extLst>
-      <p:ext uri="{BB962C8B-B14F-4D97-AF65-F5344CB8AC3E}">
-        <p14:creationId xmlns:p14="http://schemas.microsoft.com/office/powerpoint/2010/main" val="2118712361"/>
       </p:ext>
     </p:extLst>
   </p:cSld>

--- a/Blazor in .net 8.pptx
+++ b/Blazor in .net 8.pptx
@@ -19,21 +19,23 @@
     <p:sldId id="298" r:id="rId13"/>
     <p:sldId id="300" r:id="rId14"/>
     <p:sldId id="302" r:id="rId15"/>
-    <p:sldId id="299" r:id="rId16"/>
-    <p:sldId id="263" r:id="rId17"/>
-    <p:sldId id="277" r:id="rId18"/>
-    <p:sldId id="296" r:id="rId19"/>
-    <p:sldId id="279" r:id="rId20"/>
-    <p:sldId id="282" r:id="rId21"/>
-    <p:sldId id="294" r:id="rId22"/>
-    <p:sldId id="288" r:id="rId23"/>
-    <p:sldId id="289" r:id="rId24"/>
-    <p:sldId id="278" r:id="rId25"/>
-    <p:sldId id="287" r:id="rId26"/>
-    <p:sldId id="290" r:id="rId27"/>
-    <p:sldId id="291" r:id="rId28"/>
-    <p:sldId id="293" r:id="rId29"/>
-    <p:sldId id="295" r:id="rId30"/>
+    <p:sldId id="303" r:id="rId16"/>
+    <p:sldId id="299" r:id="rId17"/>
+    <p:sldId id="263" r:id="rId18"/>
+    <p:sldId id="277" r:id="rId19"/>
+    <p:sldId id="305" r:id="rId20"/>
+    <p:sldId id="296" r:id="rId21"/>
+    <p:sldId id="279" r:id="rId22"/>
+    <p:sldId id="282" r:id="rId23"/>
+    <p:sldId id="294" r:id="rId24"/>
+    <p:sldId id="288" r:id="rId25"/>
+    <p:sldId id="289" r:id="rId26"/>
+    <p:sldId id="278" r:id="rId27"/>
+    <p:sldId id="287" r:id="rId28"/>
+    <p:sldId id="290" r:id="rId29"/>
+    <p:sldId id="291" r:id="rId30"/>
+    <p:sldId id="293" r:id="rId31"/>
+    <p:sldId id="295" r:id="rId32"/>
   </p:sldIdLst>
   <p:sldSz cx="12192000" cy="6858000"/>
   <p:notesSz cx="6858000" cy="9144000"/>
@@ -1806,7 +1808,7 @@
           <a:p>
             <a:fld id="{8F72BA41-EC5B-4197-BCC8-0FD2E523CD7A}" type="datetimeFigureOut">
               <a:rPr lang="en-US" smtClean="0"/>
-              <a:t>12/2/2023</a:t>
+              <a:t>12/9/2023</a:t>
             </a:fld>
             <a:endParaRPr lang="en-US"/>
           </a:p>
@@ -2009,7 +2011,7 @@
           <a:p>
             <a:fld id="{8F72BA41-EC5B-4197-BCC8-0FD2E523CD7A}" type="datetimeFigureOut">
               <a:rPr lang="en-US" smtClean="0"/>
-              <a:t>12/2/2023</a:t>
+              <a:t>12/9/2023</a:t>
             </a:fld>
             <a:endParaRPr lang="en-US"/>
           </a:p>
@@ -3730,7 +3732,7 @@
           <a:p>
             <a:fld id="{8F72BA41-EC5B-4197-BCC8-0FD2E523CD7A}" type="datetimeFigureOut">
               <a:rPr lang="en-US" smtClean="0"/>
-              <a:t>12/2/2023</a:t>
+              <a:t>12/9/2023</a:t>
             </a:fld>
             <a:endParaRPr lang="en-US"/>
           </a:p>
@@ -3929,7 +3931,7 @@
           <a:p>
             <a:fld id="{8F72BA41-EC5B-4197-BCC8-0FD2E523CD7A}" type="datetimeFigureOut">
               <a:rPr lang="en-US" smtClean="0"/>
-              <a:t>12/2/2023</a:t>
+              <a:t>12/9/2023</a:t>
             </a:fld>
             <a:endParaRPr lang="en-US"/>
           </a:p>
@@ -5719,7 +5721,7 @@
           <a:p>
             <a:fld id="{8F72BA41-EC5B-4197-BCC8-0FD2E523CD7A}" type="datetimeFigureOut">
               <a:rPr lang="en-US" smtClean="0"/>
-              <a:t>12/2/2023</a:t>
+              <a:t>12/9/2023</a:t>
             </a:fld>
             <a:endParaRPr lang="en-US"/>
           </a:p>
@@ -5992,7 +5994,7 @@
           <a:p>
             <a:fld id="{8F72BA41-EC5B-4197-BCC8-0FD2E523CD7A}" type="datetimeFigureOut">
               <a:rPr lang="en-US" smtClean="0"/>
-              <a:t>12/2/2023</a:t>
+              <a:t>12/9/2023</a:t>
             </a:fld>
             <a:endParaRPr lang="en-US"/>
           </a:p>
@@ -6412,7 +6414,7 @@
           <a:p>
             <a:fld id="{8F72BA41-EC5B-4197-BCC8-0FD2E523CD7A}" type="datetimeFigureOut">
               <a:rPr lang="en-US" smtClean="0"/>
-              <a:t>12/2/2023</a:t>
+              <a:t>12/9/2023</a:t>
             </a:fld>
             <a:endParaRPr lang="en-US"/>
           </a:p>
@@ -6568,7 +6570,7 @@
           <a:p>
             <a:fld id="{8F72BA41-EC5B-4197-BCC8-0FD2E523CD7A}" type="datetimeFigureOut">
               <a:rPr lang="en-US" smtClean="0"/>
-              <a:t>12/2/2023</a:t>
+              <a:t>12/9/2023</a:t>
             </a:fld>
             <a:endParaRPr lang="en-US"/>
           </a:p>
@@ -8136,7 +8138,7 @@
           <a:p>
             <a:fld id="{8F72BA41-EC5B-4197-BCC8-0FD2E523CD7A}" type="datetimeFigureOut">
               <a:rPr lang="en-US" smtClean="0"/>
-              <a:t>12/2/2023</a:t>
+              <a:t>12/9/2023</a:t>
             </a:fld>
             <a:endParaRPr lang="en-US"/>
           </a:p>
@@ -9987,7 +9989,7 @@
           <a:p>
             <a:fld id="{8F72BA41-EC5B-4197-BCC8-0FD2E523CD7A}" type="datetimeFigureOut">
               <a:rPr lang="en-US" smtClean="0"/>
-              <a:t>12/2/2023</a:t>
+              <a:t>12/9/2023</a:t>
             </a:fld>
             <a:endParaRPr lang="en-US"/>
           </a:p>
@@ -11800,7 +11802,7 @@
           <a:p>
             <a:fld id="{8F72BA41-EC5B-4197-BCC8-0FD2E523CD7A}" type="datetimeFigureOut">
               <a:rPr lang="en-US" smtClean="0"/>
-              <a:t>12/2/2023</a:t>
+              <a:t>12/9/2023</a:t>
             </a:fld>
             <a:endParaRPr lang="en-US"/>
           </a:p>
@@ -13494,7 +13496,7 @@
             <a:fld id="{8F72BA41-EC5B-4197-BCC8-0FD2E523CD7A}" type="datetimeFigureOut">
               <a:rPr lang="en-US" smtClean="0"/>
               <a:pPr/>
-              <a:t>12/2/2023</a:t>
+              <a:t>12/9/2023</a:t>
             </a:fld>
             <a:endParaRPr lang="en-US" dirty="0"/>
           </a:p>
@@ -17044,7 +17046,7 @@
         <p:spPr>
           <a:xfrm>
             <a:off x="691078" y="2778807"/>
-            <a:ext cx="7980481" cy="261610"/>
+            <a:ext cx="7980481" cy="430887"/>
           </a:xfrm>
           <a:prstGeom prst="rect">
             <a:avLst/>
@@ -17058,24 +17060,23 @@
           <a:lstStyle/>
           <a:p>
             <a:r>
+              <a:rPr lang="en-SG" sz="1100" dirty="0" err="1"/>
+              <a:t>EndpointHtmlRenderer.WriteComponentHtml</a:t>
+            </a:r>
+            <a:endParaRPr lang="en-SG" sz="1100" dirty="0"/>
+          </a:p>
+          <a:p>
+            <a:r>
               <a:rPr lang="en-SG" sz="1100" dirty="0"/>
-              <a:t>Invoke </a:t>
+              <a:t>When is </a:t>
             </a:r>
             <a:r>
               <a:rPr lang="en-SG" sz="1100" dirty="0" err="1"/>
-              <a:t>RazorComponentEndpointInvoker.RenderComponentCore</a:t>
+              <a:t>SSRRenderModeBoundary</a:t>
             </a:r>
             <a:r>
               <a:rPr lang="en-SG" sz="1100" dirty="0"/>
-              <a:t>() at </a:t>
-            </a:r>
-            <a:r>
-              <a:rPr lang="en-SG" sz="1100" dirty="0" err="1"/>
-              <a:t>RazorComponentEndpointInvoker</a:t>
-            </a:r>
-            <a:r>
-              <a:rPr lang="en-SG" sz="1100" dirty="0"/>
-              <a:t>. Render()</a:t>
+              <a:t> will go into there:</a:t>
             </a:r>
           </a:p>
         </p:txBody>
@@ -17170,7 +17171,7 @@
         </p:blipFill>
         <p:spPr>
           <a:xfrm>
-            <a:off x="755146" y="3095545"/>
+            <a:off x="627010" y="3258356"/>
             <a:ext cx="8044549" cy="3599644"/>
           </a:xfrm>
           <a:prstGeom prst="rect">
@@ -17192,6 +17193,170 @@
 </file>
 
 <file path=ppt/slides/slide15.xml><?xml version="1.0" encoding="utf-8"?>
+<p:sld xmlns:a="http://schemas.openxmlformats.org/drawingml/2006/main" xmlns:r="http://schemas.openxmlformats.org/officeDocument/2006/relationships" xmlns:p="http://schemas.openxmlformats.org/presentationml/2006/main">
+  <p:cSld>
+    <p:spTree>
+      <p:nvGrpSpPr>
+        <p:cNvPr id="1" name=""/>
+        <p:cNvGrpSpPr/>
+        <p:nvPr/>
+      </p:nvGrpSpPr>
+      <p:grpSpPr>
+        <a:xfrm>
+          <a:off x="0" y="0"/>
+          <a:ext cx="0" cy="0"/>
+          <a:chOff x="0" y="0"/>
+          <a:chExt cx="0" cy="0"/>
+        </a:xfrm>
+      </p:grpSpPr>
+      <p:sp>
+        <p:nvSpPr>
+          <p:cNvPr id="6" name="TextBox 5">
+            <a:extLst>
+              <a:ext uri="{FF2B5EF4-FFF2-40B4-BE49-F238E27FC236}">
+                <a16:creationId xmlns:a16="http://schemas.microsoft.com/office/drawing/2014/main" id="{B6EDAB4F-3B7B-6B9D-9B53-3E6502D5A730}"/>
+              </a:ext>
+            </a:extLst>
+          </p:cNvPr>
+          <p:cNvSpPr txBox="1"/>
+          <p:nvPr/>
+        </p:nvSpPr>
+        <p:spPr>
+          <a:xfrm>
+            <a:off x="691078" y="2802085"/>
+            <a:ext cx="7980481" cy="261610"/>
+          </a:xfrm>
+          <a:prstGeom prst="rect">
+            <a:avLst/>
+          </a:prstGeom>
+          <a:noFill/>
+        </p:spPr>
+        <p:txBody>
+          <a:bodyPr wrap="square">
+            <a:spAutoFit/>
+          </a:bodyPr>
+          <a:lstStyle/>
+          <a:p>
+            <a:r>
+              <a:rPr lang="en-SG" sz="1100" dirty="0" err="1"/>
+              <a:t>EndpointHtmlRenderer.InitializeStreamingRenderingFraming</a:t>
+            </a:r>
+            <a:endParaRPr lang="en-SG" sz="1100" dirty="0"/>
+          </a:p>
+        </p:txBody>
+      </p:sp>
+      <p:sp>
+        <p:nvSpPr>
+          <p:cNvPr id="7" name="Title 1">
+            <a:extLst>
+              <a:ext uri="{FF2B5EF4-FFF2-40B4-BE49-F238E27FC236}">
+                <a16:creationId xmlns:a16="http://schemas.microsoft.com/office/drawing/2014/main" id="{AD93D486-02BC-FDAB-00DF-FCDEEA54D631}"/>
+              </a:ext>
+            </a:extLst>
+          </p:cNvPr>
+          <p:cNvSpPr>
+            <a:spLocks noGrp="1"/>
+          </p:cNvSpPr>
+          <p:nvPr>
+            <p:ph type="title"/>
+          </p:nvPr>
+        </p:nvSpPr>
+        <p:spPr>
+          <a:xfrm>
+            <a:off x="691079" y="725951"/>
+            <a:ext cx="10325000" cy="1442463"/>
+          </a:xfrm>
+        </p:spPr>
+        <p:txBody>
+          <a:bodyPr/>
+          <a:lstStyle/>
+          <a:p>
+            <a:r>
+              <a:rPr lang="en-US" altLang="zh-CN" sz="4400" dirty="0"/>
+              <a:t>Blazor Web App</a:t>
+            </a:r>
+          </a:p>
+        </p:txBody>
+      </p:sp>
+      <p:sp>
+        <p:nvSpPr>
+          <p:cNvPr id="8" name="TextBox 7">
+            <a:extLst>
+              <a:ext uri="{FF2B5EF4-FFF2-40B4-BE49-F238E27FC236}">
+                <a16:creationId xmlns:a16="http://schemas.microsoft.com/office/drawing/2014/main" id="{D8500AD7-6BDB-8F7A-F0E8-790AFC00E448}"/>
+              </a:ext>
+            </a:extLst>
+          </p:cNvPr>
+          <p:cNvSpPr txBox="1"/>
+          <p:nvPr/>
+        </p:nvSpPr>
+        <p:spPr>
+          <a:xfrm>
+            <a:off x="691079" y="2354347"/>
+            <a:ext cx="1865690" cy="369332"/>
+          </a:xfrm>
+          <a:prstGeom prst="rect">
+            <a:avLst/>
+          </a:prstGeom>
+          <a:noFill/>
+        </p:spPr>
+        <p:txBody>
+          <a:bodyPr wrap="square">
+            <a:spAutoFit/>
+          </a:bodyPr>
+          <a:lstStyle/>
+          <a:p>
+            <a:r>
+              <a:rPr lang="en-SG" dirty="0"/>
+              <a:t>Render Mode</a:t>
+            </a:r>
+          </a:p>
+        </p:txBody>
+      </p:sp>
+      <p:pic>
+        <p:nvPicPr>
+          <p:cNvPr id="9" name="Picture 8">
+            <a:extLst>
+              <a:ext uri="{FF2B5EF4-FFF2-40B4-BE49-F238E27FC236}">
+                <a16:creationId xmlns:a16="http://schemas.microsoft.com/office/drawing/2014/main" id="{1CCB652F-FD87-61B5-95A1-341D44699C20}"/>
+              </a:ext>
+            </a:extLst>
+          </p:cNvPr>
+          <p:cNvPicPr>
+            <a:picLocks noChangeAspect="1"/>
+          </p:cNvPicPr>
+          <p:nvPr/>
+        </p:nvPicPr>
+        <p:blipFill>
+          <a:blip r:embed="rId2"/>
+          <a:stretch>
+            <a:fillRect/>
+          </a:stretch>
+        </p:blipFill>
+        <p:spPr>
+          <a:xfrm>
+            <a:off x="691078" y="3403712"/>
+            <a:ext cx="7786331" cy="2473305"/>
+          </a:xfrm>
+          <a:prstGeom prst="rect">
+            <a:avLst/>
+          </a:prstGeom>
+        </p:spPr>
+      </p:pic>
+    </p:spTree>
+    <p:extLst>
+      <p:ext uri="{BB962C8B-B14F-4D97-AF65-F5344CB8AC3E}">
+        <p14:creationId xmlns:p14="http://schemas.microsoft.com/office/powerpoint/2010/main" val="2214064106"/>
+      </p:ext>
+    </p:extLst>
+  </p:cSld>
+  <p:clrMapOvr>
+    <a:masterClrMapping/>
+  </p:clrMapOvr>
+</p:sld>
+</file>
+
+<file path=ppt/slides/slide16.xml><?xml version="1.0" encoding="utf-8"?>
 <p:sld xmlns:a="http://schemas.openxmlformats.org/drawingml/2006/main" xmlns:r="http://schemas.openxmlformats.org/officeDocument/2006/relationships" xmlns:p="http://schemas.openxmlformats.org/presentationml/2006/main">
   <p:cSld>
     <p:spTree>
@@ -17290,7 +17455,7 @@
         </p:nvSpPr>
         <p:spPr>
           <a:xfrm>
-            <a:off x="5626582" y="2723679"/>
+            <a:off x="5626581" y="2781437"/>
             <a:ext cx="2725714" cy="259716"/>
           </a:xfrm>
           <a:prstGeom prst="rect">
@@ -17334,7 +17499,7 @@
         </p:nvSpPr>
         <p:spPr>
           <a:xfrm>
-            <a:off x="628935" y="4701645"/>
+            <a:off x="691079" y="4772353"/>
             <a:ext cx="2725714" cy="259716"/>
           </a:xfrm>
           <a:prstGeom prst="rect">
@@ -17356,12 +17521,84 @@
           </a:p>
         </p:txBody>
       </p:sp>
+      <p:sp>
+        <p:nvSpPr>
+          <p:cNvPr id="39" name="TextBox 38">
+            <a:extLst>
+              <a:ext uri="{FF2B5EF4-FFF2-40B4-BE49-F238E27FC236}">
+                <a16:creationId xmlns:a16="http://schemas.microsoft.com/office/drawing/2014/main" id="{9B2A547B-89D0-CB3B-D4EE-A59A84AAFB76}"/>
+              </a:ext>
+            </a:extLst>
+          </p:cNvPr>
+          <p:cNvSpPr txBox="1"/>
+          <p:nvPr/>
+        </p:nvSpPr>
+        <p:spPr>
+          <a:xfrm>
+            <a:off x="691079" y="2767841"/>
+            <a:ext cx="2725714" cy="259716"/>
+          </a:xfrm>
+          <a:prstGeom prst="rect">
+            <a:avLst/>
+          </a:prstGeom>
+          <a:noFill/>
+        </p:spPr>
+        <p:txBody>
+          <a:bodyPr wrap="square">
+            <a:spAutoFit/>
+          </a:bodyPr>
+          <a:lstStyle/>
+          <a:p>
+            <a:r>
+              <a:rPr lang="en-US" altLang="zh-CN" sz="1100" dirty="0"/>
+              <a:t>Start with static-mode</a:t>
+            </a:r>
+            <a:endParaRPr lang="en-SG" sz="1100" dirty="0"/>
+          </a:p>
+        </p:txBody>
+      </p:sp>
+      <p:sp>
+        <p:nvSpPr>
+          <p:cNvPr id="42" name="TextBox 41">
+            <a:extLst>
+              <a:ext uri="{FF2B5EF4-FFF2-40B4-BE49-F238E27FC236}">
+                <a16:creationId xmlns:a16="http://schemas.microsoft.com/office/drawing/2014/main" id="{76CE6769-E4A6-9591-5232-D7262803A033}"/>
+              </a:ext>
+            </a:extLst>
+          </p:cNvPr>
+          <p:cNvSpPr txBox="1"/>
+          <p:nvPr/>
+        </p:nvSpPr>
+        <p:spPr>
+          <a:xfrm>
+            <a:off x="5626581" y="4751078"/>
+            <a:ext cx="2725714" cy="259716"/>
+          </a:xfrm>
+          <a:prstGeom prst="rect">
+            <a:avLst/>
+          </a:prstGeom>
+          <a:noFill/>
+        </p:spPr>
+        <p:txBody>
+          <a:bodyPr wrap="square">
+            <a:spAutoFit/>
+          </a:bodyPr>
+          <a:lstStyle/>
+          <a:p>
+            <a:r>
+              <a:rPr lang="en-US" altLang="zh-CN" sz="1100" dirty="0"/>
+              <a:t>Start with auto-mode</a:t>
+            </a:r>
+            <a:endParaRPr lang="en-SG" sz="1100" dirty="0"/>
+          </a:p>
+        </p:txBody>
+      </p:sp>
       <p:pic>
         <p:nvPicPr>
-          <p:cNvPr id="34" name="Picture 33">
+          <p:cNvPr id="7" name="Picture 6">
             <a:extLst>
               <a:ext uri="{FF2B5EF4-FFF2-40B4-BE49-F238E27FC236}">
-                <a16:creationId xmlns:a16="http://schemas.microsoft.com/office/drawing/2014/main" id="{10EC8C2E-F19D-CECE-D8CD-BDA9E27D4906}"/>
+                <a16:creationId xmlns:a16="http://schemas.microsoft.com/office/drawing/2014/main" id="{96552063-A85F-27BA-42F9-6FCC71D4BDF8}"/>
               </a:ext>
             </a:extLst>
           </p:cNvPr>
@@ -17378,8 +17615,8 @@
         </p:blipFill>
         <p:spPr>
           <a:xfrm>
-            <a:off x="5626582" y="2983395"/>
-            <a:ext cx="4201111" cy="1848108"/>
+            <a:off x="712176" y="3027557"/>
+            <a:ext cx="4590486" cy="1674088"/>
           </a:xfrm>
           <a:prstGeom prst="rect">
             <a:avLst/>
@@ -17388,10 +17625,10 @@
       </p:pic>
       <p:pic>
         <p:nvPicPr>
-          <p:cNvPr id="36" name="Picture 35">
+          <p:cNvPr id="11" name="Picture 10">
             <a:extLst>
               <a:ext uri="{FF2B5EF4-FFF2-40B4-BE49-F238E27FC236}">
-                <a16:creationId xmlns:a16="http://schemas.microsoft.com/office/drawing/2014/main" id="{E44D8899-320A-574D-66D1-CC31111D44DF}"/>
+                <a16:creationId xmlns:a16="http://schemas.microsoft.com/office/drawing/2014/main" id="{A66DCC43-CC6F-1F35-EB14-DBEBC691F227}"/>
               </a:ext>
             </a:extLst>
           </p:cNvPr>
@@ -17408,8 +17645,8 @@
         </p:blipFill>
         <p:spPr>
           <a:xfrm>
-            <a:off x="691079" y="2983395"/>
-            <a:ext cx="4201111" cy="1752845"/>
+            <a:off x="712176" y="5032069"/>
+            <a:ext cx="4578915" cy="1677424"/>
           </a:xfrm>
           <a:prstGeom prst="rect">
             <a:avLst/>
@@ -17418,10 +17655,10 @@
       </p:pic>
       <p:pic>
         <p:nvPicPr>
-          <p:cNvPr id="38" name="Picture 37">
+          <p:cNvPr id="13" name="Picture 12">
             <a:extLst>
               <a:ext uri="{FF2B5EF4-FFF2-40B4-BE49-F238E27FC236}">
-                <a16:creationId xmlns:a16="http://schemas.microsoft.com/office/drawing/2014/main" id="{B56F8D80-8A26-45EB-F409-C52476E28732}"/>
+                <a16:creationId xmlns:a16="http://schemas.microsoft.com/office/drawing/2014/main" id="{61E32D43-66E0-A595-7AC7-DF234E5C6FDA}"/>
               </a:ext>
             </a:extLst>
           </p:cNvPr>
@@ -17438,56 +17675,20 @@
         </p:blipFill>
         <p:spPr>
           <a:xfrm>
-            <a:off x="700605" y="4966851"/>
-            <a:ext cx="4191585" cy="1886213"/>
+            <a:off x="5628010" y="3041153"/>
+            <a:ext cx="4600012" cy="1660492"/>
           </a:xfrm>
           <a:prstGeom prst="rect">
             <a:avLst/>
           </a:prstGeom>
         </p:spPr>
       </p:pic>
-      <p:sp>
-        <p:nvSpPr>
-          <p:cNvPr id="39" name="TextBox 38">
+      <p:pic>
+        <p:nvPicPr>
+          <p:cNvPr id="15" name="Picture 14">
             <a:extLst>
               <a:ext uri="{FF2B5EF4-FFF2-40B4-BE49-F238E27FC236}">
-                <a16:creationId xmlns:a16="http://schemas.microsoft.com/office/drawing/2014/main" id="{9B2A547B-89D0-CB3B-D4EE-A59A84AAFB76}"/>
-              </a:ext>
-            </a:extLst>
-          </p:cNvPr>
-          <p:cNvSpPr txBox="1"/>
-          <p:nvPr/>
-        </p:nvSpPr>
-        <p:spPr>
-          <a:xfrm>
-            <a:off x="691079" y="2752784"/>
-            <a:ext cx="2725714" cy="259716"/>
-          </a:xfrm>
-          <a:prstGeom prst="rect">
-            <a:avLst/>
-          </a:prstGeom>
-          <a:noFill/>
-        </p:spPr>
-        <p:txBody>
-          <a:bodyPr wrap="square">
-            <a:spAutoFit/>
-          </a:bodyPr>
-          <a:lstStyle/>
-          <a:p>
-            <a:r>
-              <a:rPr lang="en-US" altLang="zh-CN" sz="1100" dirty="0"/>
-              <a:t>Start with static-mode</a:t>
-            </a:r>
-            <a:endParaRPr lang="en-SG" sz="1100" dirty="0"/>
-          </a:p>
-        </p:txBody>
-      </p:sp>
-      <p:pic>
-        <p:nvPicPr>
-          <p:cNvPr id="41" name="Picture 40">
-            <a:extLst>
-              <a:ext uri="{FF2B5EF4-FFF2-40B4-BE49-F238E27FC236}">
-                <a16:creationId xmlns:a16="http://schemas.microsoft.com/office/drawing/2014/main" id="{94A20454-1F24-12C0-709A-E99DAC5068B8}"/>
+                <a16:creationId xmlns:a16="http://schemas.microsoft.com/office/drawing/2014/main" id="{355D843F-EF37-7524-7060-359E2FFBD1DB}"/>
               </a:ext>
             </a:extLst>
           </p:cNvPr>
@@ -17504,50 +17705,14 @@
         </p:blipFill>
         <p:spPr>
           <a:xfrm>
-            <a:off x="5626582" y="4961361"/>
-            <a:ext cx="4239217" cy="1819529"/>
+            <a:off x="5626581" y="5032069"/>
+            <a:ext cx="4601441" cy="1661008"/>
           </a:xfrm>
           <a:prstGeom prst="rect">
             <a:avLst/>
           </a:prstGeom>
         </p:spPr>
       </p:pic>
-      <p:sp>
-        <p:nvSpPr>
-          <p:cNvPr id="42" name="TextBox 41">
-            <a:extLst>
-              <a:ext uri="{FF2B5EF4-FFF2-40B4-BE49-F238E27FC236}">
-                <a16:creationId xmlns:a16="http://schemas.microsoft.com/office/drawing/2014/main" id="{76CE6769-E4A6-9591-5232-D7262803A033}"/>
-              </a:ext>
-            </a:extLst>
-          </p:cNvPr>
-          <p:cNvSpPr txBox="1"/>
-          <p:nvPr/>
-        </p:nvSpPr>
-        <p:spPr>
-          <a:xfrm>
-            <a:off x="5626582" y="4701645"/>
-            <a:ext cx="2725714" cy="259716"/>
-          </a:xfrm>
-          <a:prstGeom prst="rect">
-            <a:avLst/>
-          </a:prstGeom>
-          <a:noFill/>
-        </p:spPr>
-        <p:txBody>
-          <a:bodyPr wrap="square">
-            <a:spAutoFit/>
-          </a:bodyPr>
-          <a:lstStyle/>
-          <a:p>
-            <a:r>
-              <a:rPr lang="en-US" altLang="zh-CN" sz="1100" dirty="0"/>
-              <a:t>Start with auto-mode</a:t>
-            </a:r>
-            <a:endParaRPr lang="en-SG" sz="1100" dirty="0"/>
-          </a:p>
-        </p:txBody>
-      </p:sp>
     </p:spTree>
     <p:extLst>
       <p:ext uri="{BB962C8B-B14F-4D97-AF65-F5344CB8AC3E}">
@@ -17561,7 +17726,7 @@
 </p:sld>
 </file>
 
-<file path=ppt/slides/slide16.xml><?xml version="1.0" encoding="utf-8"?>
+<file path=ppt/slides/slide17.xml><?xml version="1.0" encoding="utf-8"?>
 <p:sld xmlns:a="http://schemas.openxmlformats.org/drawingml/2006/main" xmlns:r="http://schemas.openxmlformats.org/officeDocument/2006/relationships" xmlns:p="http://schemas.openxmlformats.org/presentationml/2006/main">
   <p:cSld>
     <p:spTree>
@@ -18330,7 +18495,7 @@
 </p:sld>
 </file>
 
-<file path=ppt/slides/slide17.xml><?xml version="1.0" encoding="utf-8"?>
+<file path=ppt/slides/slide18.xml><?xml version="1.0" encoding="utf-8"?>
 <p:sld xmlns:a="http://schemas.openxmlformats.org/drawingml/2006/main" xmlns:r="http://schemas.openxmlformats.org/officeDocument/2006/relationships" xmlns:p="http://schemas.openxmlformats.org/presentationml/2006/main">
   <p:cSld>
     <p:spTree>
@@ -18544,7 +18709,7 @@
 </p:sld>
 </file>
 
-<file path=ppt/slides/slide18.xml><?xml version="1.0" encoding="utf-8"?>
+<file path=ppt/slides/slide19.xml><?xml version="1.0" encoding="utf-8"?>
 <p:sld xmlns:a="http://schemas.openxmlformats.org/drawingml/2006/main" xmlns:r="http://schemas.openxmlformats.org/officeDocument/2006/relationships" xmlns:p="http://schemas.openxmlformats.org/presentationml/2006/main">
   <p:cSld>
     <p:spTree>
@@ -18612,8 +18777,8 @@
         </p:nvSpPr>
         <p:spPr>
           <a:xfrm>
-            <a:off x="691078" y="2877908"/>
-            <a:ext cx="10324999" cy="1072655"/>
+            <a:off x="691079" y="2877908"/>
+            <a:ext cx="4839710" cy="1578681"/>
           </a:xfrm>
         </p:spPr>
         <p:txBody>
@@ -18623,8 +18788,66 @@
           <a:lstStyle/>
           <a:p>
             <a:r>
+              <a:rPr lang="en-SG" sz="1200" b="1" dirty="0" err="1"/>
+              <a:t>SSRRenderModeBoundary</a:t>
+            </a:r>
+            <a:r>
               <a:rPr lang="en-SG" sz="1200" dirty="0"/>
-              <a:t>Can disable prerender as follow:</a:t>
+              <a:t>  is the start of a subtree with a </a:t>
+            </a:r>
+            <a:r>
+              <a:rPr lang="en-SG" sz="1200" dirty="0" err="1"/>
+              <a:t>rendermode</a:t>
+            </a:r>
+            <a:r>
+              <a:rPr lang="en-SG" sz="1200" dirty="0"/>
+              <a:t>, so introduce a new </a:t>
+            </a:r>
+            <a:r>
+              <a:rPr lang="en-SG" sz="1200" dirty="0" err="1"/>
+              <a:t>rendermode</a:t>
+            </a:r>
+            <a:r>
+              <a:rPr lang="en-SG" sz="1200" dirty="0"/>
+              <a:t> boundary here</a:t>
+            </a:r>
+          </a:p>
+          <a:p>
+            <a:r>
+              <a:rPr lang="en-SG" sz="1200" dirty="0" err="1"/>
+              <a:t>SSRRenderModeBoundary</a:t>
+            </a:r>
+            <a:r>
+              <a:rPr lang="en-SG" sz="1200" dirty="0"/>
+              <a:t> created in </a:t>
+            </a:r>
+            <a:r>
+              <a:rPr lang="en-SG" sz="1100" b="1" dirty="0" err="1"/>
+              <a:t>EndpointHtmlRenderer</a:t>
+            </a:r>
+            <a:r>
+              <a:rPr lang="en-SG" sz="1100" b="1" dirty="0"/>
+              <a:t>. </a:t>
+            </a:r>
+            <a:r>
+              <a:rPr lang="en-SG" sz="1100" b="1" dirty="0" err="1"/>
+              <a:t>ResolveComponentForRenderMode</a:t>
+            </a:r>
+            <a:r>
+              <a:rPr lang="en-SG" sz="1100" dirty="0"/>
+              <a:t> and </a:t>
+            </a:r>
+            <a:r>
+              <a:rPr lang="en-SG" sz="1100" b="1" dirty="0" err="1"/>
+              <a:t>EndpointHtmlRenderer</a:t>
+            </a:r>
+            <a:r>
+              <a:rPr lang="en-SG" sz="1100" b="1" dirty="0"/>
+              <a:t> .</a:t>
+            </a:r>
+            <a:r>
+              <a:rPr lang="en-SG" sz="1100" b="1" dirty="0" err="1"/>
+              <a:t>PrerenderComponentAsync</a:t>
             </a:r>
             <a:endParaRPr lang="en-SG" sz="1200" b="1" dirty="0"/>
           </a:p>
@@ -18666,895 +18889,12 @@
           </a:p>
         </p:txBody>
       </p:sp>
-      <p:sp>
-        <p:nvSpPr>
-          <p:cNvPr id="7" name="TextBox 6">
+      <p:pic>
+        <p:nvPicPr>
+          <p:cNvPr id="7" name="Picture 6">
             <a:extLst>
               <a:ext uri="{FF2B5EF4-FFF2-40B4-BE49-F238E27FC236}">
-                <a16:creationId xmlns:a16="http://schemas.microsoft.com/office/drawing/2014/main" id="{89323F90-6B7E-D22E-FA96-E5291EC49C22}"/>
-              </a:ext>
-            </a:extLst>
-          </p:cNvPr>
-          <p:cNvSpPr txBox="1"/>
-          <p:nvPr/>
-        </p:nvSpPr>
-        <p:spPr>
-          <a:xfrm>
-            <a:off x="691078" y="3296878"/>
-            <a:ext cx="7546019" cy="1615827"/>
-          </a:xfrm>
-          <a:prstGeom prst="rect">
-            <a:avLst/>
-          </a:prstGeom>
-          <a:noFill/>
-        </p:spPr>
-        <p:txBody>
-          <a:bodyPr wrap="square">
-            <a:spAutoFit/>
-          </a:bodyPr>
-          <a:lstStyle/>
-          <a:p>
-            <a:r>
-              <a:rPr lang="en-SG" sz="1100" dirty="0">
-                <a:solidFill>
-                  <a:srgbClr val="0000FF"/>
-                </a:solidFill>
-                <a:latin typeface="Cascadia Mono" panose="020B0609020000020004" pitchFamily="49" charset="0"/>
-              </a:rPr>
-              <a:t>public</a:t>
-            </a:r>
-            <a:r>
-              <a:rPr lang="en-SG" sz="1100" dirty="0">
-                <a:solidFill>
-                  <a:srgbClr val="000000"/>
-                </a:solidFill>
-                <a:latin typeface="Cascadia Mono" panose="020B0609020000020004" pitchFamily="49" charset="0"/>
-              </a:rPr>
-              <a:t> </a:t>
-            </a:r>
-            <a:r>
-              <a:rPr lang="en-SG" sz="1100" dirty="0">
-                <a:solidFill>
-                  <a:srgbClr val="0000FF"/>
-                </a:solidFill>
-                <a:latin typeface="Cascadia Mono" panose="020B0609020000020004" pitchFamily="49" charset="0"/>
-              </a:rPr>
-              <a:t>static</a:t>
-            </a:r>
-            <a:r>
-              <a:rPr lang="en-SG" sz="1100" dirty="0">
-                <a:solidFill>
-                  <a:srgbClr val="000000"/>
-                </a:solidFill>
-                <a:latin typeface="Cascadia Mono" panose="020B0609020000020004" pitchFamily="49" charset="0"/>
-              </a:rPr>
-              <a:t> </a:t>
-            </a:r>
-            <a:r>
-              <a:rPr lang="en-SG" sz="1100" dirty="0">
-                <a:solidFill>
-                  <a:srgbClr val="0000FF"/>
-                </a:solidFill>
-                <a:latin typeface="Cascadia Mono" panose="020B0609020000020004" pitchFamily="49" charset="0"/>
-              </a:rPr>
-              <a:t>class</a:t>
-            </a:r>
-            <a:r>
-              <a:rPr lang="en-SG" sz="1100" dirty="0">
-                <a:solidFill>
-                  <a:srgbClr val="000000"/>
-                </a:solidFill>
-                <a:latin typeface="Cascadia Mono" panose="020B0609020000020004" pitchFamily="49" charset="0"/>
-              </a:rPr>
-              <a:t> </a:t>
-            </a:r>
-            <a:r>
-              <a:rPr lang="en-SG" sz="1100" dirty="0" err="1">
-                <a:solidFill>
-                  <a:srgbClr val="2B91AF"/>
-                </a:solidFill>
-                <a:latin typeface="Cascadia Mono" panose="020B0609020000020004" pitchFamily="49" charset="0"/>
-              </a:rPr>
-              <a:t>CustomerRenderMode</a:t>
-            </a:r>
-            <a:endParaRPr lang="en-SG" sz="1100" dirty="0">
-              <a:solidFill>
-                <a:srgbClr val="000000"/>
-              </a:solidFill>
-              <a:latin typeface="Cascadia Mono" panose="020B0609020000020004" pitchFamily="49" charset="0"/>
-            </a:endParaRPr>
-          </a:p>
-          <a:p>
-            <a:r>
-              <a:rPr lang="en-SG" sz="1100" dirty="0">
-                <a:solidFill>
-                  <a:srgbClr val="000000"/>
-                </a:solidFill>
-                <a:latin typeface="Cascadia Mono" panose="020B0609020000020004" pitchFamily="49" charset="0"/>
-              </a:rPr>
-              <a:t>{</a:t>
-            </a:r>
-          </a:p>
-          <a:p>
-            <a:r>
-              <a:rPr lang="en-SG" sz="1100" dirty="0">
-                <a:solidFill>
-                  <a:srgbClr val="000000"/>
-                </a:solidFill>
-                <a:latin typeface="Cascadia Mono" panose="020B0609020000020004" pitchFamily="49" charset="0"/>
-              </a:rPr>
-              <a:t>    </a:t>
-            </a:r>
-            <a:r>
-              <a:rPr lang="en-SG" sz="1100" dirty="0">
-                <a:solidFill>
-                  <a:srgbClr val="0000FF"/>
-                </a:solidFill>
-                <a:latin typeface="Cascadia Mono" panose="020B0609020000020004" pitchFamily="49" charset="0"/>
-              </a:rPr>
-              <a:t>public</a:t>
-            </a:r>
-            <a:r>
-              <a:rPr lang="en-SG" sz="1100" dirty="0">
-                <a:solidFill>
-                  <a:srgbClr val="000000"/>
-                </a:solidFill>
-                <a:latin typeface="Cascadia Mono" panose="020B0609020000020004" pitchFamily="49" charset="0"/>
-              </a:rPr>
-              <a:t> </a:t>
-            </a:r>
-            <a:r>
-              <a:rPr lang="en-SG" sz="1100" dirty="0">
-                <a:solidFill>
-                  <a:srgbClr val="0000FF"/>
-                </a:solidFill>
-                <a:latin typeface="Cascadia Mono" panose="020B0609020000020004" pitchFamily="49" charset="0"/>
-              </a:rPr>
-              <a:t>static</a:t>
-            </a:r>
-            <a:r>
-              <a:rPr lang="en-SG" sz="1100" dirty="0">
-                <a:solidFill>
-                  <a:srgbClr val="000000"/>
-                </a:solidFill>
-                <a:latin typeface="Cascadia Mono" panose="020B0609020000020004" pitchFamily="49" charset="0"/>
-              </a:rPr>
-              <a:t> </a:t>
-            </a:r>
-            <a:r>
-              <a:rPr lang="en-SG" sz="1100" dirty="0" err="1">
-                <a:solidFill>
-                  <a:srgbClr val="000000"/>
-                </a:solidFill>
-                <a:latin typeface="Cascadia Mono" panose="020B0609020000020004" pitchFamily="49" charset="0"/>
-              </a:rPr>
-              <a:t>IComponentRenderMode</a:t>
-            </a:r>
-            <a:r>
-              <a:rPr lang="en-SG" sz="1100" dirty="0">
-                <a:solidFill>
-                  <a:srgbClr val="000000"/>
-                </a:solidFill>
-                <a:latin typeface="Cascadia Mono" panose="020B0609020000020004" pitchFamily="49" charset="0"/>
-              </a:rPr>
-              <a:t> </a:t>
-            </a:r>
-            <a:r>
-              <a:rPr lang="en-SG" sz="1100" dirty="0" err="1">
-                <a:solidFill>
-                  <a:srgbClr val="000000"/>
-                </a:solidFill>
-                <a:latin typeface="Cascadia Mono" panose="020B0609020000020004" pitchFamily="49" charset="0"/>
-              </a:rPr>
-              <a:t>InteractiveServerWithoutPrerender</a:t>
-            </a:r>
-            <a:r>
-              <a:rPr lang="en-SG" sz="1100" dirty="0">
-                <a:solidFill>
-                  <a:srgbClr val="000000"/>
-                </a:solidFill>
-                <a:latin typeface="Cascadia Mono" panose="020B0609020000020004" pitchFamily="49" charset="0"/>
-              </a:rPr>
-              <a:t> { </a:t>
-            </a:r>
-            <a:r>
-              <a:rPr lang="en-SG" sz="1100" dirty="0">
-                <a:solidFill>
-                  <a:srgbClr val="0000FF"/>
-                </a:solidFill>
-                <a:latin typeface="Cascadia Mono" panose="020B0609020000020004" pitchFamily="49" charset="0"/>
-              </a:rPr>
-              <a:t>get</a:t>
-            </a:r>
-            <a:r>
-              <a:rPr lang="en-SG" sz="1100" dirty="0">
-                <a:solidFill>
-                  <a:srgbClr val="000000"/>
-                </a:solidFill>
-                <a:latin typeface="Cascadia Mono" panose="020B0609020000020004" pitchFamily="49" charset="0"/>
-              </a:rPr>
-              <a:t>; } </a:t>
-            </a:r>
-          </a:p>
-          <a:p>
-            <a:r>
-              <a:rPr lang="en-SG" sz="1100" dirty="0">
-                <a:solidFill>
-                  <a:srgbClr val="000000"/>
-                </a:solidFill>
-                <a:latin typeface="Cascadia Mono" panose="020B0609020000020004" pitchFamily="49" charset="0"/>
-              </a:rPr>
-              <a:t>        = </a:t>
-            </a:r>
-            <a:r>
-              <a:rPr lang="en-SG" sz="1100" dirty="0">
-                <a:solidFill>
-                  <a:srgbClr val="0000FF"/>
-                </a:solidFill>
-                <a:latin typeface="Cascadia Mono" panose="020B0609020000020004" pitchFamily="49" charset="0"/>
-              </a:rPr>
-              <a:t>new</a:t>
-            </a:r>
-            <a:r>
-              <a:rPr lang="en-SG" sz="1100" dirty="0">
-                <a:solidFill>
-                  <a:srgbClr val="000000"/>
-                </a:solidFill>
-                <a:latin typeface="Cascadia Mono" panose="020B0609020000020004" pitchFamily="49" charset="0"/>
-              </a:rPr>
-              <a:t> </a:t>
-            </a:r>
-            <a:r>
-              <a:rPr lang="en-SG" sz="1100" dirty="0" err="1">
-                <a:solidFill>
-                  <a:srgbClr val="000000"/>
-                </a:solidFill>
-                <a:latin typeface="Cascadia Mono" panose="020B0609020000020004" pitchFamily="49" charset="0"/>
-              </a:rPr>
-              <a:t>InteractiveServerRenderMode</a:t>
-            </a:r>
-            <a:r>
-              <a:rPr lang="en-SG" sz="1100" dirty="0">
-                <a:solidFill>
-                  <a:srgbClr val="000000"/>
-                </a:solidFill>
-                <a:latin typeface="Cascadia Mono" panose="020B0609020000020004" pitchFamily="49" charset="0"/>
-              </a:rPr>
-              <a:t>(prerender: </a:t>
-            </a:r>
-            <a:r>
-              <a:rPr lang="en-SG" sz="1100" dirty="0">
-                <a:solidFill>
-                  <a:srgbClr val="0000FF"/>
-                </a:solidFill>
-                <a:latin typeface="Cascadia Mono" panose="020B0609020000020004" pitchFamily="49" charset="0"/>
-              </a:rPr>
-              <a:t>false</a:t>
-            </a:r>
-            <a:r>
-              <a:rPr lang="en-SG" sz="1100" dirty="0">
-                <a:solidFill>
-                  <a:srgbClr val="000000"/>
-                </a:solidFill>
-                <a:latin typeface="Cascadia Mono" panose="020B0609020000020004" pitchFamily="49" charset="0"/>
-              </a:rPr>
-              <a:t>);</a:t>
-            </a:r>
-          </a:p>
-          <a:p>
-            <a:r>
-              <a:rPr lang="en-SG" sz="1100" dirty="0">
-                <a:solidFill>
-                  <a:srgbClr val="000000"/>
-                </a:solidFill>
-                <a:latin typeface="Cascadia Mono" panose="020B0609020000020004" pitchFamily="49" charset="0"/>
-              </a:rPr>
-              <a:t>    </a:t>
-            </a:r>
-            <a:r>
-              <a:rPr lang="en-SG" sz="1100" dirty="0">
-                <a:solidFill>
-                  <a:srgbClr val="0000FF"/>
-                </a:solidFill>
-                <a:latin typeface="Cascadia Mono" panose="020B0609020000020004" pitchFamily="49" charset="0"/>
-              </a:rPr>
-              <a:t>public</a:t>
-            </a:r>
-            <a:r>
-              <a:rPr lang="en-SG" sz="1100" dirty="0">
-                <a:solidFill>
-                  <a:srgbClr val="000000"/>
-                </a:solidFill>
-                <a:latin typeface="Cascadia Mono" panose="020B0609020000020004" pitchFamily="49" charset="0"/>
-              </a:rPr>
-              <a:t> </a:t>
-            </a:r>
-            <a:r>
-              <a:rPr lang="en-SG" sz="1100" dirty="0">
-                <a:solidFill>
-                  <a:srgbClr val="0000FF"/>
-                </a:solidFill>
-                <a:latin typeface="Cascadia Mono" panose="020B0609020000020004" pitchFamily="49" charset="0"/>
-              </a:rPr>
-              <a:t>static</a:t>
-            </a:r>
-            <a:r>
-              <a:rPr lang="en-SG" sz="1100" dirty="0">
-                <a:solidFill>
-                  <a:srgbClr val="000000"/>
-                </a:solidFill>
-                <a:latin typeface="Cascadia Mono" panose="020B0609020000020004" pitchFamily="49" charset="0"/>
-              </a:rPr>
-              <a:t> </a:t>
-            </a:r>
-            <a:r>
-              <a:rPr lang="en-SG" sz="1100" dirty="0" err="1">
-                <a:solidFill>
-                  <a:srgbClr val="000000"/>
-                </a:solidFill>
-                <a:latin typeface="Cascadia Mono" panose="020B0609020000020004" pitchFamily="49" charset="0"/>
-              </a:rPr>
-              <a:t>IComponentRenderMode</a:t>
-            </a:r>
-            <a:r>
-              <a:rPr lang="en-SG" sz="1100" dirty="0">
-                <a:solidFill>
-                  <a:srgbClr val="000000"/>
-                </a:solidFill>
-                <a:latin typeface="Cascadia Mono" panose="020B0609020000020004" pitchFamily="49" charset="0"/>
-              </a:rPr>
-              <a:t> </a:t>
-            </a:r>
-            <a:r>
-              <a:rPr lang="en-SG" sz="1100" dirty="0" err="1">
-                <a:solidFill>
-                  <a:srgbClr val="000000"/>
-                </a:solidFill>
-                <a:latin typeface="Cascadia Mono" panose="020B0609020000020004" pitchFamily="49" charset="0"/>
-              </a:rPr>
-              <a:t>InteractiveAutoWithoutPrerender</a:t>
-            </a:r>
-            <a:r>
-              <a:rPr lang="en-SG" sz="1100" dirty="0">
-                <a:solidFill>
-                  <a:srgbClr val="000000"/>
-                </a:solidFill>
-                <a:latin typeface="Cascadia Mono" panose="020B0609020000020004" pitchFamily="49" charset="0"/>
-              </a:rPr>
-              <a:t> { </a:t>
-            </a:r>
-            <a:r>
-              <a:rPr lang="en-SG" sz="1100" dirty="0">
-                <a:solidFill>
-                  <a:srgbClr val="0000FF"/>
-                </a:solidFill>
-                <a:latin typeface="Cascadia Mono" panose="020B0609020000020004" pitchFamily="49" charset="0"/>
-              </a:rPr>
-              <a:t>get</a:t>
-            </a:r>
-            <a:r>
-              <a:rPr lang="en-SG" sz="1100" dirty="0">
-                <a:solidFill>
-                  <a:srgbClr val="000000"/>
-                </a:solidFill>
-                <a:latin typeface="Cascadia Mono" panose="020B0609020000020004" pitchFamily="49" charset="0"/>
-              </a:rPr>
-              <a:t>; } </a:t>
-            </a:r>
-          </a:p>
-          <a:p>
-            <a:r>
-              <a:rPr lang="en-SG" sz="1100" dirty="0">
-                <a:solidFill>
-                  <a:srgbClr val="000000"/>
-                </a:solidFill>
-                <a:latin typeface="Cascadia Mono" panose="020B0609020000020004" pitchFamily="49" charset="0"/>
-              </a:rPr>
-              <a:t>        = </a:t>
-            </a:r>
-            <a:r>
-              <a:rPr lang="en-SG" sz="1100" dirty="0">
-                <a:solidFill>
-                  <a:srgbClr val="0000FF"/>
-                </a:solidFill>
-                <a:latin typeface="Cascadia Mono" panose="020B0609020000020004" pitchFamily="49" charset="0"/>
-              </a:rPr>
-              <a:t>new</a:t>
-            </a:r>
-            <a:r>
-              <a:rPr lang="en-SG" sz="1100" dirty="0">
-                <a:solidFill>
-                  <a:srgbClr val="000000"/>
-                </a:solidFill>
-                <a:latin typeface="Cascadia Mono" panose="020B0609020000020004" pitchFamily="49" charset="0"/>
-              </a:rPr>
-              <a:t> </a:t>
-            </a:r>
-            <a:r>
-              <a:rPr lang="en-SG" sz="1100" dirty="0" err="1">
-                <a:solidFill>
-                  <a:srgbClr val="000000"/>
-                </a:solidFill>
-                <a:latin typeface="Cascadia Mono" panose="020B0609020000020004" pitchFamily="49" charset="0"/>
-              </a:rPr>
-              <a:t>InteractiveAutoRenderMode</a:t>
-            </a:r>
-            <a:r>
-              <a:rPr lang="en-SG" sz="1100" dirty="0">
-                <a:solidFill>
-                  <a:srgbClr val="000000"/>
-                </a:solidFill>
-                <a:latin typeface="Cascadia Mono" panose="020B0609020000020004" pitchFamily="49" charset="0"/>
-              </a:rPr>
-              <a:t>(prerender: </a:t>
-            </a:r>
-            <a:r>
-              <a:rPr lang="en-SG" sz="1100" dirty="0">
-                <a:solidFill>
-                  <a:srgbClr val="0000FF"/>
-                </a:solidFill>
-                <a:latin typeface="Cascadia Mono" panose="020B0609020000020004" pitchFamily="49" charset="0"/>
-              </a:rPr>
-              <a:t>false</a:t>
-            </a:r>
-            <a:r>
-              <a:rPr lang="en-SG" sz="1100" dirty="0">
-                <a:solidFill>
-                  <a:srgbClr val="000000"/>
-                </a:solidFill>
-                <a:latin typeface="Cascadia Mono" panose="020B0609020000020004" pitchFamily="49" charset="0"/>
-              </a:rPr>
-              <a:t>);</a:t>
-            </a:r>
-          </a:p>
-          <a:p>
-            <a:r>
-              <a:rPr lang="en-SG" sz="1100" dirty="0">
-                <a:solidFill>
-                  <a:srgbClr val="000000"/>
-                </a:solidFill>
-                <a:latin typeface="Cascadia Mono" panose="020B0609020000020004" pitchFamily="49" charset="0"/>
-              </a:rPr>
-              <a:t>    </a:t>
-            </a:r>
-            <a:r>
-              <a:rPr lang="en-SG" sz="1100" dirty="0">
-                <a:solidFill>
-                  <a:srgbClr val="0000FF"/>
-                </a:solidFill>
-                <a:latin typeface="Cascadia Mono" panose="020B0609020000020004" pitchFamily="49" charset="0"/>
-              </a:rPr>
-              <a:t>public</a:t>
-            </a:r>
-            <a:r>
-              <a:rPr lang="en-SG" sz="1100" dirty="0">
-                <a:solidFill>
-                  <a:srgbClr val="000000"/>
-                </a:solidFill>
-                <a:latin typeface="Cascadia Mono" panose="020B0609020000020004" pitchFamily="49" charset="0"/>
-              </a:rPr>
-              <a:t> </a:t>
-            </a:r>
-            <a:r>
-              <a:rPr lang="en-SG" sz="1100" dirty="0">
-                <a:solidFill>
-                  <a:srgbClr val="0000FF"/>
-                </a:solidFill>
-                <a:latin typeface="Cascadia Mono" panose="020B0609020000020004" pitchFamily="49" charset="0"/>
-              </a:rPr>
-              <a:t>static</a:t>
-            </a:r>
-            <a:r>
-              <a:rPr lang="en-SG" sz="1100" dirty="0">
-                <a:solidFill>
-                  <a:srgbClr val="000000"/>
-                </a:solidFill>
-                <a:latin typeface="Cascadia Mono" panose="020B0609020000020004" pitchFamily="49" charset="0"/>
-              </a:rPr>
-              <a:t> </a:t>
-            </a:r>
-            <a:r>
-              <a:rPr lang="en-SG" sz="1100" dirty="0" err="1">
-                <a:solidFill>
-                  <a:srgbClr val="000000"/>
-                </a:solidFill>
-                <a:latin typeface="Cascadia Mono" panose="020B0609020000020004" pitchFamily="49" charset="0"/>
-              </a:rPr>
-              <a:t>IComponentRenderMode</a:t>
-            </a:r>
-            <a:r>
-              <a:rPr lang="en-SG" sz="1100" dirty="0">
-                <a:solidFill>
-                  <a:srgbClr val="000000"/>
-                </a:solidFill>
-                <a:latin typeface="Cascadia Mono" panose="020B0609020000020004" pitchFamily="49" charset="0"/>
-              </a:rPr>
-              <a:t> </a:t>
-            </a:r>
-            <a:r>
-              <a:rPr lang="en-SG" sz="1100" dirty="0" err="1">
-                <a:solidFill>
-                  <a:srgbClr val="000000"/>
-                </a:solidFill>
-                <a:latin typeface="Cascadia Mono" panose="020B0609020000020004" pitchFamily="49" charset="0"/>
-              </a:rPr>
-              <a:t>InteractiveWebAssemblyWithoutPrerender</a:t>
-            </a:r>
-            <a:r>
-              <a:rPr lang="en-SG" sz="1100" dirty="0">
-                <a:solidFill>
-                  <a:srgbClr val="000000"/>
-                </a:solidFill>
-                <a:latin typeface="Cascadia Mono" panose="020B0609020000020004" pitchFamily="49" charset="0"/>
-              </a:rPr>
-              <a:t> { </a:t>
-            </a:r>
-            <a:r>
-              <a:rPr lang="en-SG" sz="1100" dirty="0">
-                <a:solidFill>
-                  <a:srgbClr val="0000FF"/>
-                </a:solidFill>
-                <a:latin typeface="Cascadia Mono" panose="020B0609020000020004" pitchFamily="49" charset="0"/>
-              </a:rPr>
-              <a:t>get</a:t>
-            </a:r>
-            <a:r>
-              <a:rPr lang="en-SG" sz="1100" dirty="0">
-                <a:solidFill>
-                  <a:srgbClr val="000000"/>
-                </a:solidFill>
-                <a:latin typeface="Cascadia Mono" panose="020B0609020000020004" pitchFamily="49" charset="0"/>
-              </a:rPr>
-              <a:t>; } </a:t>
-            </a:r>
-          </a:p>
-          <a:p>
-            <a:r>
-              <a:rPr lang="en-SG" sz="1100" dirty="0">
-                <a:solidFill>
-                  <a:srgbClr val="000000"/>
-                </a:solidFill>
-                <a:latin typeface="Cascadia Mono" panose="020B0609020000020004" pitchFamily="49" charset="0"/>
-              </a:rPr>
-              <a:t>        = </a:t>
-            </a:r>
-            <a:r>
-              <a:rPr lang="en-SG" sz="1100" dirty="0">
-                <a:solidFill>
-                  <a:srgbClr val="0000FF"/>
-                </a:solidFill>
-                <a:latin typeface="Cascadia Mono" panose="020B0609020000020004" pitchFamily="49" charset="0"/>
-              </a:rPr>
-              <a:t>new</a:t>
-            </a:r>
-            <a:r>
-              <a:rPr lang="en-SG" sz="1100" dirty="0">
-                <a:solidFill>
-                  <a:srgbClr val="000000"/>
-                </a:solidFill>
-                <a:latin typeface="Cascadia Mono" panose="020B0609020000020004" pitchFamily="49" charset="0"/>
-              </a:rPr>
-              <a:t> </a:t>
-            </a:r>
-            <a:r>
-              <a:rPr lang="en-SG" sz="1100" dirty="0" err="1">
-                <a:solidFill>
-                  <a:srgbClr val="000000"/>
-                </a:solidFill>
-                <a:latin typeface="Cascadia Mono" panose="020B0609020000020004" pitchFamily="49" charset="0"/>
-              </a:rPr>
-              <a:t>InteractiveWebAssemblyRenderMode</a:t>
-            </a:r>
-            <a:r>
-              <a:rPr lang="en-SG" sz="1100" dirty="0">
-                <a:solidFill>
-                  <a:srgbClr val="000000"/>
-                </a:solidFill>
-                <a:latin typeface="Cascadia Mono" panose="020B0609020000020004" pitchFamily="49" charset="0"/>
-              </a:rPr>
-              <a:t>(prerender: </a:t>
-            </a:r>
-            <a:r>
-              <a:rPr lang="en-SG" sz="1100" dirty="0">
-                <a:solidFill>
-                  <a:srgbClr val="0000FF"/>
-                </a:solidFill>
-                <a:latin typeface="Cascadia Mono" panose="020B0609020000020004" pitchFamily="49" charset="0"/>
-              </a:rPr>
-              <a:t>false</a:t>
-            </a:r>
-            <a:r>
-              <a:rPr lang="en-SG" sz="1100" dirty="0">
-                <a:solidFill>
-                  <a:srgbClr val="000000"/>
-                </a:solidFill>
-                <a:latin typeface="Cascadia Mono" panose="020B0609020000020004" pitchFamily="49" charset="0"/>
-              </a:rPr>
-              <a:t>);</a:t>
-            </a:r>
-          </a:p>
-          <a:p>
-            <a:r>
-              <a:rPr lang="en-SG" sz="1100" dirty="0">
-                <a:solidFill>
-                  <a:srgbClr val="000000"/>
-                </a:solidFill>
-                <a:latin typeface="Cascadia Mono" panose="020B0609020000020004" pitchFamily="49" charset="0"/>
-              </a:rPr>
-              <a:t>}</a:t>
-            </a:r>
-            <a:endParaRPr lang="en-SG" sz="800" dirty="0"/>
-          </a:p>
-        </p:txBody>
-      </p:sp>
-      <p:sp>
-        <p:nvSpPr>
-          <p:cNvPr id="9" name="TextBox 8">
-            <a:extLst>
-              <a:ext uri="{FF2B5EF4-FFF2-40B4-BE49-F238E27FC236}">
-                <a16:creationId xmlns:a16="http://schemas.microsoft.com/office/drawing/2014/main" id="{2DE9A815-1487-81D0-C8D5-80EAFBAA3376}"/>
-              </a:ext>
-            </a:extLst>
-          </p:cNvPr>
-          <p:cNvSpPr txBox="1"/>
-          <p:nvPr/>
-        </p:nvSpPr>
-        <p:spPr>
-          <a:xfrm>
-            <a:off x="691078" y="5485718"/>
-            <a:ext cx="6038196" cy="430887"/>
-          </a:xfrm>
-          <a:prstGeom prst="rect">
-            <a:avLst/>
-          </a:prstGeom>
-          <a:noFill/>
-        </p:spPr>
-        <p:txBody>
-          <a:bodyPr wrap="square">
-            <a:spAutoFit/>
-          </a:bodyPr>
-          <a:lstStyle/>
-          <a:p>
-            <a:r>
-              <a:rPr lang="en-SG" sz="1100" dirty="0">
-                <a:solidFill>
-                  <a:srgbClr val="000000"/>
-                </a:solidFill>
-                <a:latin typeface="Cascadia Mono" panose="020B0609020000020004" pitchFamily="49" charset="0"/>
-              </a:rPr>
-              <a:t>@page </a:t>
-            </a:r>
-            <a:r>
-              <a:rPr lang="en-SG" sz="1100" dirty="0">
-                <a:solidFill>
-                  <a:srgbClr val="A31515"/>
-                </a:solidFill>
-                <a:latin typeface="Cascadia Mono" panose="020B0609020000020004" pitchFamily="49" charset="0"/>
-              </a:rPr>
-              <a:t>"/prerendered-counter-server"</a:t>
-            </a:r>
-            <a:endParaRPr lang="en-SG" sz="1100" dirty="0">
-              <a:solidFill>
-                <a:srgbClr val="000000"/>
-              </a:solidFill>
-              <a:latin typeface="Cascadia Mono" panose="020B0609020000020004" pitchFamily="49" charset="0"/>
-            </a:endParaRPr>
-          </a:p>
-          <a:p>
-            <a:r>
-              <a:rPr lang="en-SG" sz="1100" dirty="0">
-                <a:solidFill>
-                  <a:srgbClr val="000000"/>
-                </a:solidFill>
-                <a:latin typeface="Cascadia Mono" panose="020B0609020000020004" pitchFamily="49" charset="0"/>
-              </a:rPr>
-              <a:t>@rendermode </a:t>
-            </a:r>
-            <a:r>
-              <a:rPr lang="en-SG" sz="1100" dirty="0" err="1">
-                <a:solidFill>
-                  <a:srgbClr val="2B91AF"/>
-                </a:solidFill>
-                <a:latin typeface="Cascadia Mono" panose="020B0609020000020004" pitchFamily="49" charset="0"/>
-              </a:rPr>
-              <a:t>CustomerRenderMode</a:t>
-            </a:r>
-            <a:r>
-              <a:rPr lang="en-SG" sz="1100" dirty="0" err="1">
-                <a:solidFill>
-                  <a:srgbClr val="000000"/>
-                </a:solidFill>
-                <a:latin typeface="Cascadia Mono" panose="020B0609020000020004" pitchFamily="49" charset="0"/>
-              </a:rPr>
-              <a:t>.InteractiveWebAssemblyWithoutPrerender</a:t>
-            </a:r>
-            <a:endParaRPr lang="en-SG" sz="1100" dirty="0"/>
-          </a:p>
-        </p:txBody>
-      </p:sp>
-      <p:sp>
-        <p:nvSpPr>
-          <p:cNvPr id="10" name="TextBox 9">
-            <a:extLst>
-              <a:ext uri="{FF2B5EF4-FFF2-40B4-BE49-F238E27FC236}">
-                <a16:creationId xmlns:a16="http://schemas.microsoft.com/office/drawing/2014/main" id="{00F0D238-5DAC-D159-E540-842A8CE75F49}"/>
-              </a:ext>
-            </a:extLst>
-          </p:cNvPr>
-          <p:cNvSpPr txBox="1"/>
-          <p:nvPr/>
-        </p:nvSpPr>
-        <p:spPr>
-          <a:xfrm>
-            <a:off x="691078" y="5168434"/>
-            <a:ext cx="6115050" cy="276999"/>
-          </a:xfrm>
-          <a:prstGeom prst="rect">
-            <a:avLst/>
-          </a:prstGeom>
-          <a:noFill/>
-        </p:spPr>
-        <p:txBody>
-          <a:bodyPr wrap="square">
-            <a:spAutoFit/>
-          </a:bodyPr>
-          <a:lstStyle/>
-          <a:p>
-            <a:pPr marL="0" indent="0">
-              <a:buNone/>
-            </a:pPr>
-            <a:r>
-              <a:rPr lang="en-US" altLang="zh-CN" sz="1200" dirty="0" err="1"/>
-              <a:t>PrerenderedServer.razor</a:t>
-            </a:r>
-            <a:endParaRPr lang="en-US" altLang="zh-CN" sz="1100" dirty="0"/>
-          </a:p>
-        </p:txBody>
-      </p:sp>
-    </p:spTree>
-    <p:extLst>
-      <p:ext uri="{BB962C8B-B14F-4D97-AF65-F5344CB8AC3E}">
-        <p14:creationId xmlns:p14="http://schemas.microsoft.com/office/powerpoint/2010/main" val="3719890373"/>
-      </p:ext>
-    </p:extLst>
-  </p:cSld>
-  <p:clrMapOvr>
-    <a:masterClrMapping/>
-  </p:clrMapOvr>
-</p:sld>
-</file>
-
-<file path=ppt/slides/slide19.xml><?xml version="1.0" encoding="utf-8"?>
-<p:sld xmlns:a="http://schemas.openxmlformats.org/drawingml/2006/main" xmlns:r="http://schemas.openxmlformats.org/officeDocument/2006/relationships" xmlns:p="http://schemas.openxmlformats.org/presentationml/2006/main">
-  <p:cSld>
-    <p:spTree>
-      <p:nvGrpSpPr>
-        <p:cNvPr id="1" name=""/>
-        <p:cNvGrpSpPr/>
-        <p:nvPr/>
-      </p:nvGrpSpPr>
-      <p:grpSpPr>
-        <a:xfrm>
-          <a:off x="0" y="0"/>
-          <a:ext cx="0" cy="0"/>
-          <a:chOff x="0" y="0"/>
-          <a:chExt cx="0" cy="0"/>
-        </a:xfrm>
-      </p:grpSpPr>
-      <p:sp>
-        <p:nvSpPr>
-          <p:cNvPr id="2" name="Title 1">
-            <a:extLst>
-              <a:ext uri="{FF2B5EF4-FFF2-40B4-BE49-F238E27FC236}">
-                <a16:creationId xmlns:a16="http://schemas.microsoft.com/office/drawing/2014/main" id="{3D8D8576-F877-1D22-D036-518B771B7A74}"/>
-              </a:ext>
-            </a:extLst>
-          </p:cNvPr>
-          <p:cNvSpPr>
-            <a:spLocks noGrp="1"/>
-          </p:cNvSpPr>
-          <p:nvPr>
-            <p:ph type="title"/>
-          </p:nvPr>
-        </p:nvSpPr>
-        <p:spPr/>
-        <p:txBody>
-          <a:bodyPr/>
-          <a:lstStyle/>
-          <a:p>
-            <a:r>
-              <a:rPr lang="en-US" altLang="zh-CN" sz="4400" dirty="0"/>
-              <a:t>Blazor Web </a:t>
-            </a:r>
-            <a:r>
-              <a:rPr lang="en-US" altLang="zh-CN" dirty="0"/>
-              <a:t>App</a:t>
-            </a:r>
-            <a:endParaRPr lang="en-SG" dirty="0"/>
-          </a:p>
-        </p:txBody>
-      </p:sp>
-      <p:sp>
-        <p:nvSpPr>
-          <p:cNvPr id="9" name="TextBox 8">
-            <a:extLst>
-              <a:ext uri="{FF2B5EF4-FFF2-40B4-BE49-F238E27FC236}">
-                <a16:creationId xmlns:a16="http://schemas.microsoft.com/office/drawing/2014/main" id="{A65927EF-441C-AEAF-9F93-4F645A7737DF}"/>
-              </a:ext>
-            </a:extLst>
-          </p:cNvPr>
-          <p:cNvSpPr txBox="1"/>
-          <p:nvPr/>
-        </p:nvSpPr>
-        <p:spPr>
-          <a:xfrm>
-            <a:off x="691079" y="2354347"/>
-            <a:ext cx="1865690" cy="369332"/>
-          </a:xfrm>
-          <a:prstGeom prst="rect">
-            <a:avLst/>
-          </a:prstGeom>
-          <a:noFill/>
-        </p:spPr>
-        <p:txBody>
-          <a:bodyPr wrap="square">
-            <a:spAutoFit/>
-          </a:bodyPr>
-          <a:lstStyle/>
-          <a:p>
-            <a:r>
-              <a:rPr lang="en-SG" dirty="0" err="1"/>
-              <a:t>PreRender</a:t>
-            </a:r>
-            <a:endParaRPr lang="en-SG" dirty="0"/>
-          </a:p>
-        </p:txBody>
-      </p:sp>
-      <p:sp>
-        <p:nvSpPr>
-          <p:cNvPr id="16" name="Content Placeholder 2">
-            <a:extLst>
-              <a:ext uri="{FF2B5EF4-FFF2-40B4-BE49-F238E27FC236}">
-                <a16:creationId xmlns:a16="http://schemas.microsoft.com/office/drawing/2014/main" id="{8C9B23BB-6B98-32E7-9E29-0B50E95A4228}"/>
-              </a:ext>
-            </a:extLst>
-          </p:cNvPr>
-          <p:cNvSpPr>
-            <a:spLocks noGrp="1"/>
-          </p:cNvSpPr>
-          <p:nvPr>
-            <p:ph idx="1"/>
-          </p:nvPr>
-        </p:nvSpPr>
-        <p:spPr>
-          <a:xfrm>
-            <a:off x="691078" y="2907807"/>
-            <a:ext cx="2877745" cy="1226515"/>
-          </a:xfrm>
-        </p:spPr>
-        <p:txBody>
-          <a:bodyPr>
-            <a:normAutofit/>
-          </a:bodyPr>
-          <a:lstStyle/>
-          <a:p>
-            <a:r>
-              <a:rPr lang="en-SG" sz="1200" dirty="0" err="1"/>
-              <a:t>PreRender</a:t>
-            </a:r>
-            <a:r>
-              <a:rPr lang="en-SG" sz="1200" dirty="0"/>
-              <a:t> enabled and rendering at server side</a:t>
-            </a:r>
-          </a:p>
-        </p:txBody>
-      </p:sp>
-      <p:pic>
-        <p:nvPicPr>
-          <p:cNvPr id="4" name="Picture 3">
-            <a:extLst>
-              <a:ext uri="{FF2B5EF4-FFF2-40B4-BE49-F238E27FC236}">
-                <a16:creationId xmlns:a16="http://schemas.microsoft.com/office/drawing/2014/main" id="{426D6259-7CFB-7493-C0C3-15DDB03A671B}"/>
+                <a16:creationId xmlns:a16="http://schemas.microsoft.com/office/drawing/2014/main" id="{31AEEF46-987C-4539-13AC-E9E84AEFB3A2}"/>
               </a:ext>
             </a:extLst>
           </p:cNvPr>
@@ -19571,8 +18911,38 @@
         </p:blipFill>
         <p:spPr>
           <a:xfrm>
-            <a:off x="4039340" y="2354347"/>
-            <a:ext cx="7865616" cy="4332158"/>
+            <a:off x="4363931" y="4761739"/>
+            <a:ext cx="7581297" cy="1762059"/>
+          </a:xfrm>
+          <a:prstGeom prst="rect">
+            <a:avLst/>
+          </a:prstGeom>
+        </p:spPr>
+      </p:pic>
+      <p:pic>
+        <p:nvPicPr>
+          <p:cNvPr id="9" name="Picture 8">
+            <a:extLst>
+              <a:ext uri="{FF2B5EF4-FFF2-40B4-BE49-F238E27FC236}">
+                <a16:creationId xmlns:a16="http://schemas.microsoft.com/office/drawing/2014/main" id="{980DB0F7-8AC3-82CA-483A-E60A83A8B08A}"/>
+              </a:ext>
+            </a:extLst>
+          </p:cNvPr>
+          <p:cNvPicPr>
+            <a:picLocks noChangeAspect="1"/>
+          </p:cNvPicPr>
+          <p:nvPr/>
+        </p:nvPicPr>
+        <p:blipFill>
+          <a:blip r:embed="rId3"/>
+          <a:stretch>
+            <a:fillRect/>
+          </a:stretch>
+        </p:blipFill>
+        <p:spPr>
+          <a:xfrm>
+            <a:off x="5335707" y="1285440"/>
+            <a:ext cx="6609521" cy="3030707"/>
           </a:xfrm>
           <a:prstGeom prst="rect">
             <a:avLst/>
@@ -19582,7 +18952,7 @@
     </p:spTree>
     <p:extLst>
       <p:ext uri="{BB962C8B-B14F-4D97-AF65-F5344CB8AC3E}">
-        <p14:creationId xmlns:p14="http://schemas.microsoft.com/office/powerpoint/2010/main" val="1592738298"/>
+        <p14:creationId xmlns:p14="http://schemas.microsoft.com/office/powerpoint/2010/main" val="91901749"/>
       </p:ext>
     </p:extLst>
   </p:cSld>
@@ -22090,6 +21460,1054 @@
           <p:cNvPr id="2" name="Title 1">
             <a:extLst>
               <a:ext uri="{FF2B5EF4-FFF2-40B4-BE49-F238E27FC236}">
+                <a16:creationId xmlns:a16="http://schemas.microsoft.com/office/drawing/2014/main" id="{5F8DF6F0-A65F-1BCE-772C-EDA41D90B8C0}"/>
+              </a:ext>
+            </a:extLst>
+          </p:cNvPr>
+          <p:cNvSpPr>
+            <a:spLocks noGrp="1"/>
+          </p:cNvSpPr>
+          <p:nvPr>
+            <p:ph type="title"/>
+          </p:nvPr>
+        </p:nvSpPr>
+        <p:spPr/>
+        <p:txBody>
+          <a:bodyPr/>
+          <a:lstStyle/>
+          <a:p>
+            <a:r>
+              <a:rPr lang="en-US" altLang="zh-CN" sz="4400" dirty="0"/>
+              <a:t>Blazor Web </a:t>
+            </a:r>
+            <a:r>
+              <a:rPr lang="en-US" altLang="zh-CN" dirty="0"/>
+              <a:t>App</a:t>
+            </a:r>
+            <a:endParaRPr lang="en-SG" dirty="0"/>
+          </a:p>
+        </p:txBody>
+      </p:sp>
+      <p:sp>
+        <p:nvSpPr>
+          <p:cNvPr id="3" name="Content Placeholder 2">
+            <a:extLst>
+              <a:ext uri="{FF2B5EF4-FFF2-40B4-BE49-F238E27FC236}">
+                <a16:creationId xmlns:a16="http://schemas.microsoft.com/office/drawing/2014/main" id="{B10825B6-ED58-382E-5066-73CC4C67868B}"/>
+              </a:ext>
+            </a:extLst>
+          </p:cNvPr>
+          <p:cNvSpPr>
+            <a:spLocks noGrp="1"/>
+          </p:cNvSpPr>
+          <p:nvPr>
+            <p:ph idx="1"/>
+          </p:nvPr>
+        </p:nvSpPr>
+        <p:spPr>
+          <a:xfrm>
+            <a:off x="691078" y="2877908"/>
+            <a:ext cx="10324999" cy="1072655"/>
+          </a:xfrm>
+        </p:spPr>
+        <p:txBody>
+          <a:bodyPr>
+            <a:noAutofit/>
+          </a:bodyPr>
+          <a:lstStyle/>
+          <a:p>
+            <a:r>
+              <a:rPr lang="en-SG" sz="1200" dirty="0"/>
+              <a:t>Can disable prerender as follow:</a:t>
+            </a:r>
+            <a:endParaRPr lang="en-SG" sz="1200" b="1" dirty="0"/>
+          </a:p>
+        </p:txBody>
+      </p:sp>
+      <p:sp>
+        <p:nvSpPr>
+          <p:cNvPr id="5" name="TextBox 4">
+            <a:extLst>
+              <a:ext uri="{FF2B5EF4-FFF2-40B4-BE49-F238E27FC236}">
+                <a16:creationId xmlns:a16="http://schemas.microsoft.com/office/drawing/2014/main" id="{B36BD462-61B7-A83A-E3DC-27789CC76635}"/>
+              </a:ext>
+            </a:extLst>
+          </p:cNvPr>
+          <p:cNvSpPr txBox="1"/>
+          <p:nvPr/>
+        </p:nvSpPr>
+        <p:spPr>
+          <a:xfrm>
+            <a:off x="691079" y="2354347"/>
+            <a:ext cx="1865690" cy="369332"/>
+          </a:xfrm>
+          <a:prstGeom prst="rect">
+            <a:avLst/>
+          </a:prstGeom>
+          <a:noFill/>
+        </p:spPr>
+        <p:txBody>
+          <a:bodyPr wrap="square">
+            <a:spAutoFit/>
+          </a:bodyPr>
+          <a:lstStyle/>
+          <a:p>
+            <a:r>
+              <a:rPr lang="en-SG" dirty="0" err="1"/>
+              <a:t>PreRender</a:t>
+            </a:r>
+            <a:endParaRPr lang="en-SG" dirty="0"/>
+          </a:p>
+        </p:txBody>
+      </p:sp>
+      <p:sp>
+        <p:nvSpPr>
+          <p:cNvPr id="7" name="TextBox 6">
+            <a:extLst>
+              <a:ext uri="{FF2B5EF4-FFF2-40B4-BE49-F238E27FC236}">
+                <a16:creationId xmlns:a16="http://schemas.microsoft.com/office/drawing/2014/main" id="{89323F90-6B7E-D22E-FA96-E5291EC49C22}"/>
+              </a:ext>
+            </a:extLst>
+          </p:cNvPr>
+          <p:cNvSpPr txBox="1"/>
+          <p:nvPr/>
+        </p:nvSpPr>
+        <p:spPr>
+          <a:xfrm>
+            <a:off x="691078" y="3296878"/>
+            <a:ext cx="7546019" cy="1615827"/>
+          </a:xfrm>
+          <a:prstGeom prst="rect">
+            <a:avLst/>
+          </a:prstGeom>
+          <a:noFill/>
+        </p:spPr>
+        <p:txBody>
+          <a:bodyPr wrap="square">
+            <a:spAutoFit/>
+          </a:bodyPr>
+          <a:lstStyle/>
+          <a:p>
+            <a:r>
+              <a:rPr lang="en-SG" sz="1100" dirty="0">
+                <a:solidFill>
+                  <a:srgbClr val="0000FF"/>
+                </a:solidFill>
+                <a:latin typeface="Cascadia Mono" panose="020B0609020000020004" pitchFamily="49" charset="0"/>
+              </a:rPr>
+              <a:t>public</a:t>
+            </a:r>
+            <a:r>
+              <a:rPr lang="en-SG" sz="1100" dirty="0">
+                <a:solidFill>
+                  <a:srgbClr val="000000"/>
+                </a:solidFill>
+                <a:latin typeface="Cascadia Mono" panose="020B0609020000020004" pitchFamily="49" charset="0"/>
+              </a:rPr>
+              <a:t> </a:t>
+            </a:r>
+            <a:r>
+              <a:rPr lang="en-SG" sz="1100" dirty="0">
+                <a:solidFill>
+                  <a:srgbClr val="0000FF"/>
+                </a:solidFill>
+                <a:latin typeface="Cascadia Mono" panose="020B0609020000020004" pitchFamily="49" charset="0"/>
+              </a:rPr>
+              <a:t>static</a:t>
+            </a:r>
+            <a:r>
+              <a:rPr lang="en-SG" sz="1100" dirty="0">
+                <a:solidFill>
+                  <a:srgbClr val="000000"/>
+                </a:solidFill>
+                <a:latin typeface="Cascadia Mono" panose="020B0609020000020004" pitchFamily="49" charset="0"/>
+              </a:rPr>
+              <a:t> </a:t>
+            </a:r>
+            <a:r>
+              <a:rPr lang="en-SG" sz="1100" dirty="0">
+                <a:solidFill>
+                  <a:srgbClr val="0000FF"/>
+                </a:solidFill>
+                <a:latin typeface="Cascadia Mono" panose="020B0609020000020004" pitchFamily="49" charset="0"/>
+              </a:rPr>
+              <a:t>class</a:t>
+            </a:r>
+            <a:r>
+              <a:rPr lang="en-SG" sz="1100" dirty="0">
+                <a:solidFill>
+                  <a:srgbClr val="000000"/>
+                </a:solidFill>
+                <a:latin typeface="Cascadia Mono" panose="020B0609020000020004" pitchFamily="49" charset="0"/>
+              </a:rPr>
+              <a:t> </a:t>
+            </a:r>
+            <a:r>
+              <a:rPr lang="en-SG" sz="1100" dirty="0" err="1">
+                <a:solidFill>
+                  <a:srgbClr val="2B91AF"/>
+                </a:solidFill>
+                <a:latin typeface="Cascadia Mono" panose="020B0609020000020004" pitchFamily="49" charset="0"/>
+              </a:rPr>
+              <a:t>CustomerRenderMode</a:t>
+            </a:r>
+            <a:endParaRPr lang="en-SG" sz="1100" dirty="0">
+              <a:solidFill>
+                <a:srgbClr val="000000"/>
+              </a:solidFill>
+              <a:latin typeface="Cascadia Mono" panose="020B0609020000020004" pitchFamily="49" charset="0"/>
+            </a:endParaRPr>
+          </a:p>
+          <a:p>
+            <a:r>
+              <a:rPr lang="en-SG" sz="1100" dirty="0">
+                <a:solidFill>
+                  <a:srgbClr val="000000"/>
+                </a:solidFill>
+                <a:latin typeface="Cascadia Mono" panose="020B0609020000020004" pitchFamily="49" charset="0"/>
+              </a:rPr>
+              <a:t>{</a:t>
+            </a:r>
+          </a:p>
+          <a:p>
+            <a:r>
+              <a:rPr lang="en-SG" sz="1100" dirty="0">
+                <a:solidFill>
+                  <a:srgbClr val="000000"/>
+                </a:solidFill>
+                <a:latin typeface="Cascadia Mono" panose="020B0609020000020004" pitchFamily="49" charset="0"/>
+              </a:rPr>
+              <a:t>    </a:t>
+            </a:r>
+            <a:r>
+              <a:rPr lang="en-SG" sz="1100" dirty="0">
+                <a:solidFill>
+                  <a:srgbClr val="0000FF"/>
+                </a:solidFill>
+                <a:latin typeface="Cascadia Mono" panose="020B0609020000020004" pitchFamily="49" charset="0"/>
+              </a:rPr>
+              <a:t>public</a:t>
+            </a:r>
+            <a:r>
+              <a:rPr lang="en-SG" sz="1100" dirty="0">
+                <a:solidFill>
+                  <a:srgbClr val="000000"/>
+                </a:solidFill>
+                <a:latin typeface="Cascadia Mono" panose="020B0609020000020004" pitchFamily="49" charset="0"/>
+              </a:rPr>
+              <a:t> </a:t>
+            </a:r>
+            <a:r>
+              <a:rPr lang="en-SG" sz="1100" dirty="0">
+                <a:solidFill>
+                  <a:srgbClr val="0000FF"/>
+                </a:solidFill>
+                <a:latin typeface="Cascadia Mono" panose="020B0609020000020004" pitchFamily="49" charset="0"/>
+              </a:rPr>
+              <a:t>static</a:t>
+            </a:r>
+            <a:r>
+              <a:rPr lang="en-SG" sz="1100" dirty="0">
+                <a:solidFill>
+                  <a:srgbClr val="000000"/>
+                </a:solidFill>
+                <a:latin typeface="Cascadia Mono" panose="020B0609020000020004" pitchFamily="49" charset="0"/>
+              </a:rPr>
+              <a:t> </a:t>
+            </a:r>
+            <a:r>
+              <a:rPr lang="en-SG" sz="1100" dirty="0" err="1">
+                <a:solidFill>
+                  <a:srgbClr val="000000"/>
+                </a:solidFill>
+                <a:latin typeface="Cascadia Mono" panose="020B0609020000020004" pitchFamily="49" charset="0"/>
+              </a:rPr>
+              <a:t>IComponentRenderMode</a:t>
+            </a:r>
+            <a:r>
+              <a:rPr lang="en-SG" sz="1100" dirty="0">
+                <a:solidFill>
+                  <a:srgbClr val="000000"/>
+                </a:solidFill>
+                <a:latin typeface="Cascadia Mono" panose="020B0609020000020004" pitchFamily="49" charset="0"/>
+              </a:rPr>
+              <a:t> </a:t>
+            </a:r>
+            <a:r>
+              <a:rPr lang="en-SG" sz="1100" dirty="0" err="1">
+                <a:solidFill>
+                  <a:srgbClr val="000000"/>
+                </a:solidFill>
+                <a:latin typeface="Cascadia Mono" panose="020B0609020000020004" pitchFamily="49" charset="0"/>
+              </a:rPr>
+              <a:t>InteractiveServerWithoutPrerender</a:t>
+            </a:r>
+            <a:r>
+              <a:rPr lang="en-SG" sz="1100" dirty="0">
+                <a:solidFill>
+                  <a:srgbClr val="000000"/>
+                </a:solidFill>
+                <a:latin typeface="Cascadia Mono" panose="020B0609020000020004" pitchFamily="49" charset="0"/>
+              </a:rPr>
+              <a:t> { </a:t>
+            </a:r>
+            <a:r>
+              <a:rPr lang="en-SG" sz="1100" dirty="0">
+                <a:solidFill>
+                  <a:srgbClr val="0000FF"/>
+                </a:solidFill>
+                <a:latin typeface="Cascadia Mono" panose="020B0609020000020004" pitchFamily="49" charset="0"/>
+              </a:rPr>
+              <a:t>get</a:t>
+            </a:r>
+            <a:r>
+              <a:rPr lang="en-SG" sz="1100" dirty="0">
+                <a:solidFill>
+                  <a:srgbClr val="000000"/>
+                </a:solidFill>
+                <a:latin typeface="Cascadia Mono" panose="020B0609020000020004" pitchFamily="49" charset="0"/>
+              </a:rPr>
+              <a:t>; } </a:t>
+            </a:r>
+          </a:p>
+          <a:p>
+            <a:r>
+              <a:rPr lang="en-SG" sz="1100" dirty="0">
+                <a:solidFill>
+                  <a:srgbClr val="000000"/>
+                </a:solidFill>
+                <a:latin typeface="Cascadia Mono" panose="020B0609020000020004" pitchFamily="49" charset="0"/>
+              </a:rPr>
+              <a:t>        = </a:t>
+            </a:r>
+            <a:r>
+              <a:rPr lang="en-SG" sz="1100" dirty="0">
+                <a:solidFill>
+                  <a:srgbClr val="0000FF"/>
+                </a:solidFill>
+                <a:latin typeface="Cascadia Mono" panose="020B0609020000020004" pitchFamily="49" charset="0"/>
+              </a:rPr>
+              <a:t>new</a:t>
+            </a:r>
+            <a:r>
+              <a:rPr lang="en-SG" sz="1100" dirty="0">
+                <a:solidFill>
+                  <a:srgbClr val="000000"/>
+                </a:solidFill>
+                <a:latin typeface="Cascadia Mono" panose="020B0609020000020004" pitchFamily="49" charset="0"/>
+              </a:rPr>
+              <a:t> </a:t>
+            </a:r>
+            <a:r>
+              <a:rPr lang="en-SG" sz="1100" dirty="0" err="1">
+                <a:solidFill>
+                  <a:srgbClr val="000000"/>
+                </a:solidFill>
+                <a:latin typeface="Cascadia Mono" panose="020B0609020000020004" pitchFamily="49" charset="0"/>
+              </a:rPr>
+              <a:t>InteractiveServerRenderMode</a:t>
+            </a:r>
+            <a:r>
+              <a:rPr lang="en-SG" sz="1100" dirty="0">
+                <a:solidFill>
+                  <a:srgbClr val="000000"/>
+                </a:solidFill>
+                <a:latin typeface="Cascadia Mono" panose="020B0609020000020004" pitchFamily="49" charset="0"/>
+              </a:rPr>
+              <a:t>(prerender: </a:t>
+            </a:r>
+            <a:r>
+              <a:rPr lang="en-SG" sz="1100" dirty="0">
+                <a:solidFill>
+                  <a:srgbClr val="0000FF"/>
+                </a:solidFill>
+                <a:latin typeface="Cascadia Mono" panose="020B0609020000020004" pitchFamily="49" charset="0"/>
+              </a:rPr>
+              <a:t>false</a:t>
+            </a:r>
+            <a:r>
+              <a:rPr lang="en-SG" sz="1100" dirty="0">
+                <a:solidFill>
+                  <a:srgbClr val="000000"/>
+                </a:solidFill>
+                <a:latin typeface="Cascadia Mono" panose="020B0609020000020004" pitchFamily="49" charset="0"/>
+              </a:rPr>
+              <a:t>);</a:t>
+            </a:r>
+          </a:p>
+          <a:p>
+            <a:r>
+              <a:rPr lang="en-SG" sz="1100" dirty="0">
+                <a:solidFill>
+                  <a:srgbClr val="000000"/>
+                </a:solidFill>
+                <a:latin typeface="Cascadia Mono" panose="020B0609020000020004" pitchFamily="49" charset="0"/>
+              </a:rPr>
+              <a:t>    </a:t>
+            </a:r>
+            <a:r>
+              <a:rPr lang="en-SG" sz="1100" dirty="0">
+                <a:solidFill>
+                  <a:srgbClr val="0000FF"/>
+                </a:solidFill>
+                <a:latin typeface="Cascadia Mono" panose="020B0609020000020004" pitchFamily="49" charset="0"/>
+              </a:rPr>
+              <a:t>public</a:t>
+            </a:r>
+            <a:r>
+              <a:rPr lang="en-SG" sz="1100" dirty="0">
+                <a:solidFill>
+                  <a:srgbClr val="000000"/>
+                </a:solidFill>
+                <a:latin typeface="Cascadia Mono" panose="020B0609020000020004" pitchFamily="49" charset="0"/>
+              </a:rPr>
+              <a:t> </a:t>
+            </a:r>
+            <a:r>
+              <a:rPr lang="en-SG" sz="1100" dirty="0">
+                <a:solidFill>
+                  <a:srgbClr val="0000FF"/>
+                </a:solidFill>
+                <a:latin typeface="Cascadia Mono" panose="020B0609020000020004" pitchFamily="49" charset="0"/>
+              </a:rPr>
+              <a:t>static</a:t>
+            </a:r>
+            <a:r>
+              <a:rPr lang="en-SG" sz="1100" dirty="0">
+                <a:solidFill>
+                  <a:srgbClr val="000000"/>
+                </a:solidFill>
+                <a:latin typeface="Cascadia Mono" panose="020B0609020000020004" pitchFamily="49" charset="0"/>
+              </a:rPr>
+              <a:t> </a:t>
+            </a:r>
+            <a:r>
+              <a:rPr lang="en-SG" sz="1100" dirty="0" err="1">
+                <a:solidFill>
+                  <a:srgbClr val="000000"/>
+                </a:solidFill>
+                <a:latin typeface="Cascadia Mono" panose="020B0609020000020004" pitchFamily="49" charset="0"/>
+              </a:rPr>
+              <a:t>IComponentRenderMode</a:t>
+            </a:r>
+            <a:r>
+              <a:rPr lang="en-SG" sz="1100" dirty="0">
+                <a:solidFill>
+                  <a:srgbClr val="000000"/>
+                </a:solidFill>
+                <a:latin typeface="Cascadia Mono" panose="020B0609020000020004" pitchFamily="49" charset="0"/>
+              </a:rPr>
+              <a:t> </a:t>
+            </a:r>
+            <a:r>
+              <a:rPr lang="en-SG" sz="1100" dirty="0" err="1">
+                <a:solidFill>
+                  <a:srgbClr val="000000"/>
+                </a:solidFill>
+                <a:latin typeface="Cascadia Mono" panose="020B0609020000020004" pitchFamily="49" charset="0"/>
+              </a:rPr>
+              <a:t>InteractiveAutoWithoutPrerender</a:t>
+            </a:r>
+            <a:r>
+              <a:rPr lang="en-SG" sz="1100" dirty="0">
+                <a:solidFill>
+                  <a:srgbClr val="000000"/>
+                </a:solidFill>
+                <a:latin typeface="Cascadia Mono" panose="020B0609020000020004" pitchFamily="49" charset="0"/>
+              </a:rPr>
+              <a:t> { </a:t>
+            </a:r>
+            <a:r>
+              <a:rPr lang="en-SG" sz="1100" dirty="0">
+                <a:solidFill>
+                  <a:srgbClr val="0000FF"/>
+                </a:solidFill>
+                <a:latin typeface="Cascadia Mono" panose="020B0609020000020004" pitchFamily="49" charset="0"/>
+              </a:rPr>
+              <a:t>get</a:t>
+            </a:r>
+            <a:r>
+              <a:rPr lang="en-SG" sz="1100" dirty="0">
+                <a:solidFill>
+                  <a:srgbClr val="000000"/>
+                </a:solidFill>
+                <a:latin typeface="Cascadia Mono" panose="020B0609020000020004" pitchFamily="49" charset="0"/>
+              </a:rPr>
+              <a:t>; } </a:t>
+            </a:r>
+          </a:p>
+          <a:p>
+            <a:r>
+              <a:rPr lang="en-SG" sz="1100" dirty="0">
+                <a:solidFill>
+                  <a:srgbClr val="000000"/>
+                </a:solidFill>
+                <a:latin typeface="Cascadia Mono" panose="020B0609020000020004" pitchFamily="49" charset="0"/>
+              </a:rPr>
+              <a:t>        = </a:t>
+            </a:r>
+            <a:r>
+              <a:rPr lang="en-SG" sz="1100" dirty="0">
+                <a:solidFill>
+                  <a:srgbClr val="0000FF"/>
+                </a:solidFill>
+                <a:latin typeface="Cascadia Mono" panose="020B0609020000020004" pitchFamily="49" charset="0"/>
+              </a:rPr>
+              <a:t>new</a:t>
+            </a:r>
+            <a:r>
+              <a:rPr lang="en-SG" sz="1100" dirty="0">
+                <a:solidFill>
+                  <a:srgbClr val="000000"/>
+                </a:solidFill>
+                <a:latin typeface="Cascadia Mono" panose="020B0609020000020004" pitchFamily="49" charset="0"/>
+              </a:rPr>
+              <a:t> </a:t>
+            </a:r>
+            <a:r>
+              <a:rPr lang="en-SG" sz="1100" dirty="0" err="1">
+                <a:solidFill>
+                  <a:srgbClr val="000000"/>
+                </a:solidFill>
+                <a:latin typeface="Cascadia Mono" panose="020B0609020000020004" pitchFamily="49" charset="0"/>
+              </a:rPr>
+              <a:t>InteractiveAutoRenderMode</a:t>
+            </a:r>
+            <a:r>
+              <a:rPr lang="en-SG" sz="1100" dirty="0">
+                <a:solidFill>
+                  <a:srgbClr val="000000"/>
+                </a:solidFill>
+                <a:latin typeface="Cascadia Mono" panose="020B0609020000020004" pitchFamily="49" charset="0"/>
+              </a:rPr>
+              <a:t>(prerender: </a:t>
+            </a:r>
+            <a:r>
+              <a:rPr lang="en-SG" sz="1100" dirty="0">
+                <a:solidFill>
+                  <a:srgbClr val="0000FF"/>
+                </a:solidFill>
+                <a:latin typeface="Cascadia Mono" panose="020B0609020000020004" pitchFamily="49" charset="0"/>
+              </a:rPr>
+              <a:t>false</a:t>
+            </a:r>
+            <a:r>
+              <a:rPr lang="en-SG" sz="1100" dirty="0">
+                <a:solidFill>
+                  <a:srgbClr val="000000"/>
+                </a:solidFill>
+                <a:latin typeface="Cascadia Mono" panose="020B0609020000020004" pitchFamily="49" charset="0"/>
+              </a:rPr>
+              <a:t>);</a:t>
+            </a:r>
+          </a:p>
+          <a:p>
+            <a:r>
+              <a:rPr lang="en-SG" sz="1100" dirty="0">
+                <a:solidFill>
+                  <a:srgbClr val="000000"/>
+                </a:solidFill>
+                <a:latin typeface="Cascadia Mono" panose="020B0609020000020004" pitchFamily="49" charset="0"/>
+              </a:rPr>
+              <a:t>    </a:t>
+            </a:r>
+            <a:r>
+              <a:rPr lang="en-SG" sz="1100" dirty="0">
+                <a:solidFill>
+                  <a:srgbClr val="0000FF"/>
+                </a:solidFill>
+                <a:latin typeface="Cascadia Mono" panose="020B0609020000020004" pitchFamily="49" charset="0"/>
+              </a:rPr>
+              <a:t>public</a:t>
+            </a:r>
+            <a:r>
+              <a:rPr lang="en-SG" sz="1100" dirty="0">
+                <a:solidFill>
+                  <a:srgbClr val="000000"/>
+                </a:solidFill>
+                <a:latin typeface="Cascadia Mono" panose="020B0609020000020004" pitchFamily="49" charset="0"/>
+              </a:rPr>
+              <a:t> </a:t>
+            </a:r>
+            <a:r>
+              <a:rPr lang="en-SG" sz="1100" dirty="0">
+                <a:solidFill>
+                  <a:srgbClr val="0000FF"/>
+                </a:solidFill>
+                <a:latin typeface="Cascadia Mono" panose="020B0609020000020004" pitchFamily="49" charset="0"/>
+              </a:rPr>
+              <a:t>static</a:t>
+            </a:r>
+            <a:r>
+              <a:rPr lang="en-SG" sz="1100" dirty="0">
+                <a:solidFill>
+                  <a:srgbClr val="000000"/>
+                </a:solidFill>
+                <a:latin typeface="Cascadia Mono" panose="020B0609020000020004" pitchFamily="49" charset="0"/>
+              </a:rPr>
+              <a:t> </a:t>
+            </a:r>
+            <a:r>
+              <a:rPr lang="en-SG" sz="1100" dirty="0" err="1">
+                <a:solidFill>
+                  <a:srgbClr val="000000"/>
+                </a:solidFill>
+                <a:latin typeface="Cascadia Mono" panose="020B0609020000020004" pitchFamily="49" charset="0"/>
+              </a:rPr>
+              <a:t>IComponentRenderMode</a:t>
+            </a:r>
+            <a:r>
+              <a:rPr lang="en-SG" sz="1100" dirty="0">
+                <a:solidFill>
+                  <a:srgbClr val="000000"/>
+                </a:solidFill>
+                <a:latin typeface="Cascadia Mono" panose="020B0609020000020004" pitchFamily="49" charset="0"/>
+              </a:rPr>
+              <a:t> </a:t>
+            </a:r>
+            <a:r>
+              <a:rPr lang="en-SG" sz="1100" dirty="0" err="1">
+                <a:solidFill>
+                  <a:srgbClr val="000000"/>
+                </a:solidFill>
+                <a:latin typeface="Cascadia Mono" panose="020B0609020000020004" pitchFamily="49" charset="0"/>
+              </a:rPr>
+              <a:t>InteractiveWebAssemblyWithoutPrerender</a:t>
+            </a:r>
+            <a:r>
+              <a:rPr lang="en-SG" sz="1100" dirty="0">
+                <a:solidFill>
+                  <a:srgbClr val="000000"/>
+                </a:solidFill>
+                <a:latin typeface="Cascadia Mono" panose="020B0609020000020004" pitchFamily="49" charset="0"/>
+              </a:rPr>
+              <a:t> { </a:t>
+            </a:r>
+            <a:r>
+              <a:rPr lang="en-SG" sz="1100" dirty="0">
+                <a:solidFill>
+                  <a:srgbClr val="0000FF"/>
+                </a:solidFill>
+                <a:latin typeface="Cascadia Mono" panose="020B0609020000020004" pitchFamily="49" charset="0"/>
+              </a:rPr>
+              <a:t>get</a:t>
+            </a:r>
+            <a:r>
+              <a:rPr lang="en-SG" sz="1100" dirty="0">
+                <a:solidFill>
+                  <a:srgbClr val="000000"/>
+                </a:solidFill>
+                <a:latin typeface="Cascadia Mono" panose="020B0609020000020004" pitchFamily="49" charset="0"/>
+              </a:rPr>
+              <a:t>; } </a:t>
+            </a:r>
+          </a:p>
+          <a:p>
+            <a:r>
+              <a:rPr lang="en-SG" sz="1100" dirty="0">
+                <a:solidFill>
+                  <a:srgbClr val="000000"/>
+                </a:solidFill>
+                <a:latin typeface="Cascadia Mono" panose="020B0609020000020004" pitchFamily="49" charset="0"/>
+              </a:rPr>
+              <a:t>        = </a:t>
+            </a:r>
+            <a:r>
+              <a:rPr lang="en-SG" sz="1100" dirty="0">
+                <a:solidFill>
+                  <a:srgbClr val="0000FF"/>
+                </a:solidFill>
+                <a:latin typeface="Cascadia Mono" panose="020B0609020000020004" pitchFamily="49" charset="0"/>
+              </a:rPr>
+              <a:t>new</a:t>
+            </a:r>
+            <a:r>
+              <a:rPr lang="en-SG" sz="1100" dirty="0">
+                <a:solidFill>
+                  <a:srgbClr val="000000"/>
+                </a:solidFill>
+                <a:latin typeface="Cascadia Mono" panose="020B0609020000020004" pitchFamily="49" charset="0"/>
+              </a:rPr>
+              <a:t> </a:t>
+            </a:r>
+            <a:r>
+              <a:rPr lang="en-SG" sz="1100" dirty="0" err="1">
+                <a:solidFill>
+                  <a:srgbClr val="000000"/>
+                </a:solidFill>
+                <a:latin typeface="Cascadia Mono" panose="020B0609020000020004" pitchFamily="49" charset="0"/>
+              </a:rPr>
+              <a:t>InteractiveWebAssemblyRenderMode</a:t>
+            </a:r>
+            <a:r>
+              <a:rPr lang="en-SG" sz="1100" dirty="0">
+                <a:solidFill>
+                  <a:srgbClr val="000000"/>
+                </a:solidFill>
+                <a:latin typeface="Cascadia Mono" panose="020B0609020000020004" pitchFamily="49" charset="0"/>
+              </a:rPr>
+              <a:t>(prerender: </a:t>
+            </a:r>
+            <a:r>
+              <a:rPr lang="en-SG" sz="1100" dirty="0">
+                <a:solidFill>
+                  <a:srgbClr val="0000FF"/>
+                </a:solidFill>
+                <a:latin typeface="Cascadia Mono" panose="020B0609020000020004" pitchFamily="49" charset="0"/>
+              </a:rPr>
+              <a:t>false</a:t>
+            </a:r>
+            <a:r>
+              <a:rPr lang="en-SG" sz="1100" dirty="0">
+                <a:solidFill>
+                  <a:srgbClr val="000000"/>
+                </a:solidFill>
+                <a:latin typeface="Cascadia Mono" panose="020B0609020000020004" pitchFamily="49" charset="0"/>
+              </a:rPr>
+              <a:t>);</a:t>
+            </a:r>
+          </a:p>
+          <a:p>
+            <a:r>
+              <a:rPr lang="en-SG" sz="1100" dirty="0">
+                <a:solidFill>
+                  <a:srgbClr val="000000"/>
+                </a:solidFill>
+                <a:latin typeface="Cascadia Mono" panose="020B0609020000020004" pitchFamily="49" charset="0"/>
+              </a:rPr>
+              <a:t>}</a:t>
+            </a:r>
+            <a:endParaRPr lang="en-SG" sz="800" dirty="0"/>
+          </a:p>
+        </p:txBody>
+      </p:sp>
+      <p:sp>
+        <p:nvSpPr>
+          <p:cNvPr id="9" name="TextBox 8">
+            <a:extLst>
+              <a:ext uri="{FF2B5EF4-FFF2-40B4-BE49-F238E27FC236}">
+                <a16:creationId xmlns:a16="http://schemas.microsoft.com/office/drawing/2014/main" id="{2DE9A815-1487-81D0-C8D5-80EAFBAA3376}"/>
+              </a:ext>
+            </a:extLst>
+          </p:cNvPr>
+          <p:cNvSpPr txBox="1"/>
+          <p:nvPr/>
+        </p:nvSpPr>
+        <p:spPr>
+          <a:xfrm>
+            <a:off x="691078" y="5485718"/>
+            <a:ext cx="6038196" cy="430887"/>
+          </a:xfrm>
+          <a:prstGeom prst="rect">
+            <a:avLst/>
+          </a:prstGeom>
+          <a:noFill/>
+        </p:spPr>
+        <p:txBody>
+          <a:bodyPr wrap="square">
+            <a:spAutoFit/>
+          </a:bodyPr>
+          <a:lstStyle/>
+          <a:p>
+            <a:r>
+              <a:rPr lang="en-SG" sz="1100" dirty="0">
+                <a:solidFill>
+                  <a:srgbClr val="000000"/>
+                </a:solidFill>
+                <a:latin typeface="Cascadia Mono" panose="020B0609020000020004" pitchFamily="49" charset="0"/>
+              </a:rPr>
+              <a:t>@page </a:t>
+            </a:r>
+            <a:r>
+              <a:rPr lang="en-SG" sz="1100" dirty="0">
+                <a:solidFill>
+                  <a:srgbClr val="A31515"/>
+                </a:solidFill>
+                <a:latin typeface="Cascadia Mono" panose="020B0609020000020004" pitchFamily="49" charset="0"/>
+              </a:rPr>
+              <a:t>"/prerendered-counter-server"</a:t>
+            </a:r>
+            <a:endParaRPr lang="en-SG" sz="1100" dirty="0">
+              <a:solidFill>
+                <a:srgbClr val="000000"/>
+              </a:solidFill>
+              <a:latin typeface="Cascadia Mono" panose="020B0609020000020004" pitchFamily="49" charset="0"/>
+            </a:endParaRPr>
+          </a:p>
+          <a:p>
+            <a:r>
+              <a:rPr lang="en-SG" sz="1100" dirty="0">
+                <a:solidFill>
+                  <a:srgbClr val="000000"/>
+                </a:solidFill>
+                <a:latin typeface="Cascadia Mono" panose="020B0609020000020004" pitchFamily="49" charset="0"/>
+              </a:rPr>
+              <a:t>@rendermode </a:t>
+            </a:r>
+            <a:r>
+              <a:rPr lang="en-SG" sz="1100" dirty="0" err="1">
+                <a:solidFill>
+                  <a:srgbClr val="2B91AF"/>
+                </a:solidFill>
+                <a:latin typeface="Cascadia Mono" panose="020B0609020000020004" pitchFamily="49" charset="0"/>
+              </a:rPr>
+              <a:t>CustomerRenderMode</a:t>
+            </a:r>
+            <a:r>
+              <a:rPr lang="en-SG" sz="1100" dirty="0" err="1">
+                <a:solidFill>
+                  <a:srgbClr val="000000"/>
+                </a:solidFill>
+                <a:latin typeface="Cascadia Mono" panose="020B0609020000020004" pitchFamily="49" charset="0"/>
+              </a:rPr>
+              <a:t>.InteractiveWebAssemblyWithoutPrerender</a:t>
+            </a:r>
+            <a:endParaRPr lang="en-SG" sz="1100" dirty="0"/>
+          </a:p>
+        </p:txBody>
+      </p:sp>
+      <p:sp>
+        <p:nvSpPr>
+          <p:cNvPr id="10" name="TextBox 9">
+            <a:extLst>
+              <a:ext uri="{FF2B5EF4-FFF2-40B4-BE49-F238E27FC236}">
+                <a16:creationId xmlns:a16="http://schemas.microsoft.com/office/drawing/2014/main" id="{00F0D238-5DAC-D159-E540-842A8CE75F49}"/>
+              </a:ext>
+            </a:extLst>
+          </p:cNvPr>
+          <p:cNvSpPr txBox="1"/>
+          <p:nvPr/>
+        </p:nvSpPr>
+        <p:spPr>
+          <a:xfrm>
+            <a:off x="691078" y="5168434"/>
+            <a:ext cx="6115050" cy="276999"/>
+          </a:xfrm>
+          <a:prstGeom prst="rect">
+            <a:avLst/>
+          </a:prstGeom>
+          <a:noFill/>
+        </p:spPr>
+        <p:txBody>
+          <a:bodyPr wrap="square">
+            <a:spAutoFit/>
+          </a:bodyPr>
+          <a:lstStyle/>
+          <a:p>
+            <a:pPr marL="0" indent="0">
+              <a:buNone/>
+            </a:pPr>
+            <a:r>
+              <a:rPr lang="en-US" altLang="zh-CN" sz="1200" dirty="0" err="1"/>
+              <a:t>PrerenderedServer.razor</a:t>
+            </a:r>
+            <a:endParaRPr lang="en-US" altLang="zh-CN" sz="1100" dirty="0"/>
+          </a:p>
+        </p:txBody>
+      </p:sp>
+    </p:spTree>
+    <p:extLst>
+      <p:ext uri="{BB962C8B-B14F-4D97-AF65-F5344CB8AC3E}">
+        <p14:creationId xmlns:p14="http://schemas.microsoft.com/office/powerpoint/2010/main" val="3719890373"/>
+      </p:ext>
+    </p:extLst>
+  </p:cSld>
+  <p:clrMapOvr>
+    <a:masterClrMapping/>
+  </p:clrMapOvr>
+</p:sld>
+</file>
+
+<file path=ppt/slides/slide21.xml><?xml version="1.0" encoding="utf-8"?>
+<p:sld xmlns:a="http://schemas.openxmlformats.org/drawingml/2006/main" xmlns:r="http://schemas.openxmlformats.org/officeDocument/2006/relationships" xmlns:p="http://schemas.openxmlformats.org/presentationml/2006/main">
+  <p:cSld>
+    <p:spTree>
+      <p:nvGrpSpPr>
+        <p:cNvPr id="1" name=""/>
+        <p:cNvGrpSpPr/>
+        <p:nvPr/>
+      </p:nvGrpSpPr>
+      <p:grpSpPr>
+        <a:xfrm>
+          <a:off x="0" y="0"/>
+          <a:ext cx="0" cy="0"/>
+          <a:chOff x="0" y="0"/>
+          <a:chExt cx="0" cy="0"/>
+        </a:xfrm>
+      </p:grpSpPr>
+      <p:sp>
+        <p:nvSpPr>
+          <p:cNvPr id="2" name="Title 1">
+            <a:extLst>
+              <a:ext uri="{FF2B5EF4-FFF2-40B4-BE49-F238E27FC236}">
+                <a16:creationId xmlns:a16="http://schemas.microsoft.com/office/drawing/2014/main" id="{3D8D8576-F877-1D22-D036-518B771B7A74}"/>
+              </a:ext>
+            </a:extLst>
+          </p:cNvPr>
+          <p:cNvSpPr>
+            <a:spLocks noGrp="1"/>
+          </p:cNvSpPr>
+          <p:nvPr>
+            <p:ph type="title"/>
+          </p:nvPr>
+        </p:nvSpPr>
+        <p:spPr/>
+        <p:txBody>
+          <a:bodyPr/>
+          <a:lstStyle/>
+          <a:p>
+            <a:r>
+              <a:rPr lang="en-US" altLang="zh-CN" sz="4400" dirty="0"/>
+              <a:t>Blazor Web </a:t>
+            </a:r>
+            <a:r>
+              <a:rPr lang="en-US" altLang="zh-CN" dirty="0"/>
+              <a:t>App</a:t>
+            </a:r>
+            <a:endParaRPr lang="en-SG" dirty="0"/>
+          </a:p>
+        </p:txBody>
+      </p:sp>
+      <p:sp>
+        <p:nvSpPr>
+          <p:cNvPr id="9" name="TextBox 8">
+            <a:extLst>
+              <a:ext uri="{FF2B5EF4-FFF2-40B4-BE49-F238E27FC236}">
+                <a16:creationId xmlns:a16="http://schemas.microsoft.com/office/drawing/2014/main" id="{A65927EF-441C-AEAF-9F93-4F645A7737DF}"/>
+              </a:ext>
+            </a:extLst>
+          </p:cNvPr>
+          <p:cNvSpPr txBox="1"/>
+          <p:nvPr/>
+        </p:nvSpPr>
+        <p:spPr>
+          <a:xfrm>
+            <a:off x="691079" y="2354347"/>
+            <a:ext cx="1865690" cy="369332"/>
+          </a:xfrm>
+          <a:prstGeom prst="rect">
+            <a:avLst/>
+          </a:prstGeom>
+          <a:noFill/>
+        </p:spPr>
+        <p:txBody>
+          <a:bodyPr wrap="square">
+            <a:spAutoFit/>
+          </a:bodyPr>
+          <a:lstStyle/>
+          <a:p>
+            <a:r>
+              <a:rPr lang="en-SG" dirty="0" err="1"/>
+              <a:t>PreRender</a:t>
+            </a:r>
+            <a:endParaRPr lang="en-SG" dirty="0"/>
+          </a:p>
+        </p:txBody>
+      </p:sp>
+      <p:sp>
+        <p:nvSpPr>
+          <p:cNvPr id="16" name="Content Placeholder 2">
+            <a:extLst>
+              <a:ext uri="{FF2B5EF4-FFF2-40B4-BE49-F238E27FC236}">
+                <a16:creationId xmlns:a16="http://schemas.microsoft.com/office/drawing/2014/main" id="{8C9B23BB-6B98-32E7-9E29-0B50E95A4228}"/>
+              </a:ext>
+            </a:extLst>
+          </p:cNvPr>
+          <p:cNvSpPr>
+            <a:spLocks noGrp="1"/>
+          </p:cNvSpPr>
+          <p:nvPr>
+            <p:ph idx="1"/>
+          </p:nvPr>
+        </p:nvSpPr>
+        <p:spPr>
+          <a:xfrm>
+            <a:off x="691078" y="2907807"/>
+            <a:ext cx="2877745" cy="1226515"/>
+          </a:xfrm>
+        </p:spPr>
+        <p:txBody>
+          <a:bodyPr>
+            <a:normAutofit/>
+          </a:bodyPr>
+          <a:lstStyle/>
+          <a:p>
+            <a:r>
+              <a:rPr lang="en-SG" sz="1200" dirty="0" err="1"/>
+              <a:t>PreRender</a:t>
+            </a:r>
+            <a:r>
+              <a:rPr lang="en-SG" sz="1200" dirty="0"/>
+              <a:t> enabled and rendering at server side</a:t>
+            </a:r>
+          </a:p>
+        </p:txBody>
+      </p:sp>
+      <p:pic>
+        <p:nvPicPr>
+          <p:cNvPr id="4" name="Picture 3">
+            <a:extLst>
+              <a:ext uri="{FF2B5EF4-FFF2-40B4-BE49-F238E27FC236}">
+                <a16:creationId xmlns:a16="http://schemas.microsoft.com/office/drawing/2014/main" id="{426D6259-7CFB-7493-C0C3-15DDB03A671B}"/>
+              </a:ext>
+            </a:extLst>
+          </p:cNvPr>
+          <p:cNvPicPr>
+            <a:picLocks noChangeAspect="1"/>
+          </p:cNvPicPr>
+          <p:nvPr/>
+        </p:nvPicPr>
+        <p:blipFill>
+          <a:blip r:embed="rId2"/>
+          <a:stretch>
+            <a:fillRect/>
+          </a:stretch>
+        </p:blipFill>
+        <p:spPr>
+          <a:xfrm>
+            <a:off x="4039340" y="2354347"/>
+            <a:ext cx="7865616" cy="4332158"/>
+          </a:xfrm>
+          <a:prstGeom prst="rect">
+            <a:avLst/>
+          </a:prstGeom>
+        </p:spPr>
+      </p:pic>
+    </p:spTree>
+    <p:extLst>
+      <p:ext uri="{BB962C8B-B14F-4D97-AF65-F5344CB8AC3E}">
+        <p14:creationId xmlns:p14="http://schemas.microsoft.com/office/powerpoint/2010/main" val="1592738298"/>
+      </p:ext>
+    </p:extLst>
+  </p:cSld>
+  <p:clrMapOvr>
+    <a:masterClrMapping/>
+  </p:clrMapOvr>
+</p:sld>
+</file>
+
+<file path=ppt/slides/slide22.xml><?xml version="1.0" encoding="utf-8"?>
+<p:sld xmlns:a="http://schemas.openxmlformats.org/drawingml/2006/main" xmlns:r="http://schemas.openxmlformats.org/officeDocument/2006/relationships" xmlns:p="http://schemas.openxmlformats.org/presentationml/2006/main">
+  <p:cSld>
+    <p:spTree>
+      <p:nvGrpSpPr>
+        <p:cNvPr id="1" name=""/>
+        <p:cNvGrpSpPr/>
+        <p:nvPr/>
+      </p:nvGrpSpPr>
+      <p:grpSpPr>
+        <a:xfrm>
+          <a:off x="0" y="0"/>
+          <a:ext cx="0" cy="0"/>
+          <a:chOff x="0" y="0"/>
+          <a:chExt cx="0" cy="0"/>
+        </a:xfrm>
+      </p:grpSpPr>
+      <p:sp>
+        <p:nvSpPr>
+          <p:cNvPr id="2" name="Title 1">
+            <a:extLst>
+              <a:ext uri="{FF2B5EF4-FFF2-40B4-BE49-F238E27FC236}">
                 <a16:creationId xmlns:a16="http://schemas.microsoft.com/office/drawing/2014/main" id="{3D8D8576-F877-1D22-D036-518B771B7A74}"/>
               </a:ext>
             </a:extLst>
@@ -22236,7 +22654,7 @@
 </p:sld>
 </file>
 
-<file path=ppt/slides/slide21.xml><?xml version="1.0" encoding="utf-8"?>
+<file path=ppt/slides/slide23.xml><?xml version="1.0" encoding="utf-8"?>
 <p:sld xmlns:a="http://schemas.openxmlformats.org/drawingml/2006/main" xmlns:r="http://schemas.openxmlformats.org/officeDocument/2006/relationships" xmlns:p="http://schemas.openxmlformats.org/presentationml/2006/main">
   <p:cSld>
     <p:spTree>
@@ -25335,7 +25753,7 @@
 </p:sld>
 </file>
 
-<file path=ppt/slides/slide22.xml><?xml version="1.0" encoding="utf-8"?>
+<file path=ppt/slides/slide24.xml><?xml version="1.0" encoding="utf-8"?>
 <p:sld xmlns:a="http://schemas.openxmlformats.org/drawingml/2006/main" xmlns:r="http://schemas.openxmlformats.org/officeDocument/2006/relationships" xmlns:p="http://schemas.openxmlformats.org/presentationml/2006/main">
   <p:cSld>
     <p:spTree>
@@ -26781,7 +27199,7 @@
 </p:sld>
 </file>
 
-<file path=ppt/slides/slide23.xml><?xml version="1.0" encoding="utf-8"?>
+<file path=ppt/slides/slide25.xml><?xml version="1.0" encoding="utf-8"?>
 <p:sld xmlns:a="http://schemas.openxmlformats.org/drawingml/2006/main" xmlns:r="http://schemas.openxmlformats.org/officeDocument/2006/relationships" xmlns:p="http://schemas.openxmlformats.org/presentationml/2006/main">
   <p:cSld>
     <p:spTree>
@@ -28291,7 +28709,7 @@
 </p:sld>
 </file>
 
-<file path=ppt/slides/slide24.xml><?xml version="1.0" encoding="utf-8"?>
+<file path=ppt/slides/slide26.xml><?xml version="1.0" encoding="utf-8"?>
 <p:sld xmlns:a="http://schemas.openxmlformats.org/drawingml/2006/main" xmlns:r="http://schemas.openxmlformats.org/officeDocument/2006/relationships" xmlns:p="http://schemas.openxmlformats.org/presentationml/2006/main">
   <p:cSld>
     <p:spTree>
@@ -28723,7 +29141,7 @@
 </p:sld>
 </file>
 
-<file path=ppt/slides/slide25.xml><?xml version="1.0" encoding="utf-8"?>
+<file path=ppt/slides/slide27.xml><?xml version="1.0" encoding="utf-8"?>
 <p:sld xmlns:a="http://schemas.openxmlformats.org/drawingml/2006/main" xmlns:r="http://schemas.openxmlformats.org/officeDocument/2006/relationships" xmlns:p="http://schemas.openxmlformats.org/presentationml/2006/main">
   <p:cSld>
     <p:spTree>
@@ -29308,7 +29726,7 @@
 </p:sld>
 </file>
 
-<file path=ppt/slides/slide26.xml><?xml version="1.0" encoding="utf-8"?>
+<file path=ppt/slides/slide28.xml><?xml version="1.0" encoding="utf-8"?>
 <p:sld xmlns:a="http://schemas.openxmlformats.org/drawingml/2006/main" xmlns:r="http://schemas.openxmlformats.org/officeDocument/2006/relationships" xmlns:p="http://schemas.openxmlformats.org/presentationml/2006/main">
   <p:cSld>
     <p:spTree>
@@ -30690,7 +31108,7 @@
 </p:sld>
 </file>
 
-<file path=ppt/slides/slide27.xml><?xml version="1.0" encoding="utf-8"?>
+<file path=ppt/slides/slide29.xml><?xml version="1.0" encoding="utf-8"?>
 <p:sld xmlns:a="http://schemas.openxmlformats.org/drawingml/2006/main" xmlns:r="http://schemas.openxmlformats.org/officeDocument/2006/relationships" xmlns:p="http://schemas.openxmlformats.org/presentationml/2006/main">
   <p:cSld>
     <p:spTree>
@@ -32032,7 +32450,289 @@
 </p:sld>
 </file>
 
-<file path=ppt/slides/slide28.xml><?xml version="1.0" encoding="utf-8"?>
+<file path=ppt/slides/slide3.xml><?xml version="1.0" encoding="utf-8"?>
+<p:sld xmlns:a="http://schemas.openxmlformats.org/drawingml/2006/main" xmlns:r="http://schemas.openxmlformats.org/officeDocument/2006/relationships" xmlns:p="http://schemas.openxmlformats.org/presentationml/2006/main">
+  <p:cSld>
+    <p:spTree>
+      <p:nvGrpSpPr>
+        <p:cNvPr id="1" name=""/>
+        <p:cNvGrpSpPr/>
+        <p:nvPr/>
+      </p:nvGrpSpPr>
+      <p:grpSpPr>
+        <a:xfrm>
+          <a:off x="0" y="0"/>
+          <a:ext cx="0" cy="0"/>
+          <a:chOff x="0" y="0"/>
+          <a:chExt cx="0" cy="0"/>
+        </a:xfrm>
+      </p:grpSpPr>
+      <p:sp>
+        <p:nvSpPr>
+          <p:cNvPr id="2" name="Title 1">
+            <a:extLst>
+              <a:ext uri="{FF2B5EF4-FFF2-40B4-BE49-F238E27FC236}">
+                <a16:creationId xmlns:a16="http://schemas.microsoft.com/office/drawing/2014/main" id="{D2A9F37C-6850-FEEA-0216-F9413B79D937}"/>
+              </a:ext>
+            </a:extLst>
+          </p:cNvPr>
+          <p:cNvSpPr>
+            <a:spLocks noGrp="1"/>
+          </p:cNvSpPr>
+          <p:nvPr>
+            <p:ph type="title"/>
+          </p:nvPr>
+        </p:nvSpPr>
+        <p:spPr/>
+        <p:txBody>
+          <a:bodyPr/>
+          <a:lstStyle/>
+          <a:p>
+            <a:endParaRPr lang="en-SG"/>
+          </a:p>
+        </p:txBody>
+      </p:sp>
+      <p:sp>
+        <p:nvSpPr>
+          <p:cNvPr id="3" name="Content Placeholder 2">
+            <a:extLst>
+              <a:ext uri="{FF2B5EF4-FFF2-40B4-BE49-F238E27FC236}">
+                <a16:creationId xmlns:a16="http://schemas.microsoft.com/office/drawing/2014/main" id="{16DE4483-8521-C2ED-C523-D74D12889434}"/>
+              </a:ext>
+            </a:extLst>
+          </p:cNvPr>
+          <p:cNvSpPr>
+            <a:spLocks noGrp="1"/>
+          </p:cNvSpPr>
+          <p:nvPr>
+            <p:ph idx="1"/>
+          </p:nvPr>
+        </p:nvSpPr>
+        <p:spPr/>
+        <p:txBody>
+          <a:bodyPr>
+            <a:normAutofit/>
+          </a:bodyPr>
+          <a:lstStyle/>
+          <a:p>
+            <a:r>
+              <a:rPr lang="en-SG" sz="1400" dirty="0">
+                <a:solidFill>
+                  <a:srgbClr val="00B050"/>
+                </a:solidFill>
+              </a:rPr>
+              <a:t>Q1:difference between </a:t>
+            </a:r>
+            <a:r>
+              <a:rPr lang="en-SG" sz="1400" dirty="0" err="1">
+                <a:solidFill>
+                  <a:srgbClr val="00B050"/>
+                </a:solidFill>
+              </a:rPr>
+              <a:t>wasm</a:t>
+            </a:r>
+            <a:r>
+              <a:rPr lang="en-SG" sz="1400" dirty="0">
+                <a:solidFill>
+                  <a:srgbClr val="00B050"/>
+                </a:solidFill>
+              </a:rPr>
+              <a:t> and auto render</a:t>
+            </a:r>
+          </a:p>
+          <a:p>
+            <a:r>
+              <a:rPr lang="en-US" altLang="zh-CN" sz="1400" dirty="0">
+                <a:solidFill>
+                  <a:srgbClr val="00B050"/>
+                </a:solidFill>
+              </a:rPr>
+              <a:t>A</a:t>
+            </a:r>
+            <a:r>
+              <a:rPr lang="en-SG" altLang="zh-CN" sz="1400" dirty="0">
+                <a:solidFill>
+                  <a:srgbClr val="00B050"/>
+                </a:solidFill>
+              </a:rPr>
+              <a:t>:</a:t>
+            </a:r>
+            <a:r>
+              <a:rPr lang="zh-CN" altLang="en-US" sz="1400" dirty="0">
+                <a:solidFill>
+                  <a:srgbClr val="00B050"/>
+                </a:solidFill>
+              </a:rPr>
+              <a:t> </a:t>
+            </a:r>
+            <a:r>
+              <a:rPr lang="en-SG" altLang="zh-CN" sz="1400" dirty="0">
+                <a:solidFill>
+                  <a:srgbClr val="00B050"/>
+                </a:solidFill>
+              </a:rPr>
+              <a:t>auto</a:t>
+            </a:r>
+            <a:r>
+              <a:rPr lang="zh-CN" altLang="en-US" sz="1400" dirty="0">
+                <a:solidFill>
+                  <a:srgbClr val="00B050"/>
+                </a:solidFill>
+              </a:rPr>
+              <a:t> </a:t>
+            </a:r>
+            <a:r>
+              <a:rPr lang="en-SG" altLang="zh-CN" sz="1400" dirty="0">
+                <a:solidFill>
+                  <a:srgbClr val="00B050"/>
+                </a:solidFill>
+              </a:rPr>
+              <a:t>render</a:t>
+            </a:r>
+            <a:r>
+              <a:rPr lang="zh-CN" altLang="en-US" sz="1400" dirty="0">
+                <a:solidFill>
+                  <a:srgbClr val="00B050"/>
+                </a:solidFill>
+              </a:rPr>
+              <a:t> </a:t>
+            </a:r>
+            <a:r>
+              <a:rPr lang="en-SG" altLang="zh-CN" sz="1400" dirty="0">
+                <a:solidFill>
+                  <a:srgbClr val="00B050"/>
+                </a:solidFill>
+              </a:rPr>
+              <a:t>can</a:t>
+            </a:r>
+            <a:r>
+              <a:rPr lang="zh-CN" altLang="en-US" sz="1400" dirty="0">
+                <a:solidFill>
+                  <a:srgbClr val="00B050"/>
+                </a:solidFill>
+              </a:rPr>
+              <a:t> </a:t>
+            </a:r>
+            <a:r>
+              <a:rPr lang="en-SG" sz="1400" dirty="0">
+                <a:solidFill>
+                  <a:srgbClr val="00B050"/>
+                </a:solidFill>
+                <a:effectLst/>
+              </a:rPr>
+              <a:t>Interactive before </a:t>
+            </a:r>
+            <a:r>
+              <a:rPr lang="en-SG" sz="1400" dirty="0" err="1">
+                <a:solidFill>
+                  <a:srgbClr val="00B050"/>
+                </a:solidFill>
+                <a:effectLst/>
+              </a:rPr>
+              <a:t>wasm</a:t>
+            </a:r>
+            <a:r>
+              <a:rPr lang="en-SG" sz="1400" dirty="0">
+                <a:solidFill>
+                  <a:srgbClr val="00B050"/>
+                </a:solidFill>
+                <a:effectLst/>
+              </a:rPr>
+              <a:t> load complete, </a:t>
+            </a:r>
+            <a:r>
+              <a:rPr lang="en-SG" sz="1400" dirty="0" err="1">
+                <a:solidFill>
+                  <a:srgbClr val="00B050"/>
+                </a:solidFill>
+                <a:effectLst/>
+              </a:rPr>
+              <a:t>wasm</a:t>
+            </a:r>
+            <a:r>
+              <a:rPr lang="en-SG" sz="1400" dirty="0">
+                <a:solidFill>
+                  <a:srgbClr val="00B050"/>
+                </a:solidFill>
+                <a:effectLst/>
+              </a:rPr>
+              <a:t> can only Interactive after load complete</a:t>
+            </a:r>
+            <a:endParaRPr lang="en-SG" sz="1400" dirty="0">
+              <a:solidFill>
+                <a:srgbClr val="00B050"/>
+              </a:solidFill>
+            </a:endParaRPr>
+          </a:p>
+          <a:p>
+            <a:r>
+              <a:rPr lang="en-SG" sz="1400" dirty="0"/>
+              <a:t>Q2:difference between prerender and SSR Render</a:t>
+            </a:r>
+          </a:p>
+          <a:p>
+            <a:r>
+              <a:rPr lang="en-SG" sz="1400" dirty="0">
+                <a:solidFill>
+                  <a:srgbClr val="00B050"/>
+                </a:solidFill>
+              </a:rPr>
+              <a:t>Q3:entrance of render</a:t>
+            </a:r>
+          </a:p>
+          <a:p>
+            <a:r>
+              <a:rPr lang="en-SG" sz="1400" dirty="0">
+                <a:solidFill>
+                  <a:srgbClr val="00B050"/>
+                </a:solidFill>
+              </a:rPr>
+              <a:t>A: render as a </a:t>
+            </a:r>
+            <a:r>
+              <a:rPr lang="en-SG" sz="1400" dirty="0" err="1">
+                <a:solidFill>
+                  <a:srgbClr val="00B050"/>
+                </a:solidFill>
+              </a:rPr>
+              <a:t>DelegateRequest</a:t>
+            </a:r>
+            <a:r>
+              <a:rPr lang="en-SG" sz="1400" dirty="0">
+                <a:solidFill>
+                  <a:srgbClr val="00B050"/>
+                </a:solidFill>
+              </a:rPr>
+              <a:t>  invoked in endpoint</a:t>
+            </a:r>
+          </a:p>
+          <a:p>
+            <a:r>
+              <a:rPr lang="en-SG" sz="1400" dirty="0"/>
+              <a:t>Q4:Blazor web using </a:t>
+            </a:r>
+            <a:r>
+              <a:rPr lang="en-SG" sz="1400" dirty="0" err="1"/>
+              <a:t>sensario</a:t>
+            </a:r>
+            <a:endParaRPr lang="en-SG" sz="1400" dirty="0"/>
+          </a:p>
+        </p:txBody>
+      </p:sp>
+    </p:spTree>
+    <p:extLst>
+      <p:ext uri="{BB962C8B-B14F-4D97-AF65-F5344CB8AC3E}">
+        <p14:creationId xmlns:p14="http://schemas.microsoft.com/office/powerpoint/2010/main" val="2421849563"/>
+      </p:ext>
+    </p:extLst>
+  </p:cSld>
+  <p:clrMapOvr>
+    <a:masterClrMapping/>
+  </p:clrMapOvr>
+</p:sld>
+</file>
+
+<file path=ppt/slides/slide30.xml><?xml version="1.0" encoding="utf-8"?>
 <p:sld xmlns:a="http://schemas.openxmlformats.org/drawingml/2006/main" xmlns:r="http://schemas.openxmlformats.org/officeDocument/2006/relationships" xmlns:p="http://schemas.openxmlformats.org/presentationml/2006/main">
   <p:cSld>
     <p:spTree>
@@ -32766,7 +33466,7 @@
 </p:sld>
 </file>
 
-<file path=ppt/slides/slide29.xml><?xml version="1.0" encoding="utf-8"?>
+<file path=ppt/slides/slide31.xml><?xml version="1.0" encoding="utf-8"?>
 <p:sld xmlns:a="http://schemas.openxmlformats.org/drawingml/2006/main" xmlns:r="http://schemas.openxmlformats.org/officeDocument/2006/relationships" xmlns:p="http://schemas.openxmlformats.org/presentationml/2006/main">
   <p:cSld>
     <p:spTree>
@@ -34082,288 +34782,6 @@
     <p:extLst>
       <p:ext uri="{BB962C8B-B14F-4D97-AF65-F5344CB8AC3E}">
         <p14:creationId xmlns:p14="http://schemas.microsoft.com/office/powerpoint/2010/main" val="1905837199"/>
-      </p:ext>
-    </p:extLst>
-  </p:cSld>
-  <p:clrMapOvr>
-    <a:masterClrMapping/>
-  </p:clrMapOvr>
-</p:sld>
-</file>
-
-<file path=ppt/slides/slide3.xml><?xml version="1.0" encoding="utf-8"?>
-<p:sld xmlns:a="http://schemas.openxmlformats.org/drawingml/2006/main" xmlns:r="http://schemas.openxmlformats.org/officeDocument/2006/relationships" xmlns:p="http://schemas.openxmlformats.org/presentationml/2006/main">
-  <p:cSld>
-    <p:spTree>
-      <p:nvGrpSpPr>
-        <p:cNvPr id="1" name=""/>
-        <p:cNvGrpSpPr/>
-        <p:nvPr/>
-      </p:nvGrpSpPr>
-      <p:grpSpPr>
-        <a:xfrm>
-          <a:off x="0" y="0"/>
-          <a:ext cx="0" cy="0"/>
-          <a:chOff x="0" y="0"/>
-          <a:chExt cx="0" cy="0"/>
-        </a:xfrm>
-      </p:grpSpPr>
-      <p:sp>
-        <p:nvSpPr>
-          <p:cNvPr id="2" name="Title 1">
-            <a:extLst>
-              <a:ext uri="{FF2B5EF4-FFF2-40B4-BE49-F238E27FC236}">
-                <a16:creationId xmlns:a16="http://schemas.microsoft.com/office/drawing/2014/main" id="{D2A9F37C-6850-FEEA-0216-F9413B79D937}"/>
-              </a:ext>
-            </a:extLst>
-          </p:cNvPr>
-          <p:cNvSpPr>
-            <a:spLocks noGrp="1"/>
-          </p:cNvSpPr>
-          <p:nvPr>
-            <p:ph type="title"/>
-          </p:nvPr>
-        </p:nvSpPr>
-        <p:spPr/>
-        <p:txBody>
-          <a:bodyPr/>
-          <a:lstStyle/>
-          <a:p>
-            <a:endParaRPr lang="en-SG"/>
-          </a:p>
-        </p:txBody>
-      </p:sp>
-      <p:sp>
-        <p:nvSpPr>
-          <p:cNvPr id="3" name="Content Placeholder 2">
-            <a:extLst>
-              <a:ext uri="{FF2B5EF4-FFF2-40B4-BE49-F238E27FC236}">
-                <a16:creationId xmlns:a16="http://schemas.microsoft.com/office/drawing/2014/main" id="{16DE4483-8521-C2ED-C523-D74D12889434}"/>
-              </a:ext>
-            </a:extLst>
-          </p:cNvPr>
-          <p:cNvSpPr>
-            <a:spLocks noGrp="1"/>
-          </p:cNvSpPr>
-          <p:nvPr>
-            <p:ph idx="1"/>
-          </p:nvPr>
-        </p:nvSpPr>
-        <p:spPr/>
-        <p:txBody>
-          <a:bodyPr>
-            <a:normAutofit/>
-          </a:bodyPr>
-          <a:lstStyle/>
-          <a:p>
-            <a:r>
-              <a:rPr lang="en-SG" sz="1400" dirty="0">
-                <a:solidFill>
-                  <a:srgbClr val="00B050"/>
-                </a:solidFill>
-              </a:rPr>
-              <a:t>Q1:difference between </a:t>
-            </a:r>
-            <a:r>
-              <a:rPr lang="en-SG" sz="1400" dirty="0" err="1">
-                <a:solidFill>
-                  <a:srgbClr val="00B050"/>
-                </a:solidFill>
-              </a:rPr>
-              <a:t>wasm</a:t>
-            </a:r>
-            <a:r>
-              <a:rPr lang="en-SG" sz="1400" dirty="0">
-                <a:solidFill>
-                  <a:srgbClr val="00B050"/>
-                </a:solidFill>
-              </a:rPr>
-              <a:t> and auto render</a:t>
-            </a:r>
-          </a:p>
-          <a:p>
-            <a:r>
-              <a:rPr lang="en-US" altLang="zh-CN" sz="1400" dirty="0">
-                <a:solidFill>
-                  <a:srgbClr val="00B050"/>
-                </a:solidFill>
-              </a:rPr>
-              <a:t>A</a:t>
-            </a:r>
-            <a:r>
-              <a:rPr lang="en-SG" altLang="zh-CN" sz="1400" dirty="0">
-                <a:solidFill>
-                  <a:srgbClr val="00B050"/>
-                </a:solidFill>
-              </a:rPr>
-              <a:t>:</a:t>
-            </a:r>
-            <a:r>
-              <a:rPr lang="zh-CN" altLang="en-US" sz="1400" dirty="0">
-                <a:solidFill>
-                  <a:srgbClr val="00B050"/>
-                </a:solidFill>
-              </a:rPr>
-              <a:t> </a:t>
-            </a:r>
-            <a:r>
-              <a:rPr lang="en-SG" altLang="zh-CN" sz="1400" dirty="0">
-                <a:solidFill>
-                  <a:srgbClr val="00B050"/>
-                </a:solidFill>
-              </a:rPr>
-              <a:t>auto</a:t>
-            </a:r>
-            <a:r>
-              <a:rPr lang="zh-CN" altLang="en-US" sz="1400" dirty="0">
-                <a:solidFill>
-                  <a:srgbClr val="00B050"/>
-                </a:solidFill>
-              </a:rPr>
-              <a:t> </a:t>
-            </a:r>
-            <a:r>
-              <a:rPr lang="en-SG" altLang="zh-CN" sz="1400" dirty="0">
-                <a:solidFill>
-                  <a:srgbClr val="00B050"/>
-                </a:solidFill>
-              </a:rPr>
-              <a:t>render</a:t>
-            </a:r>
-            <a:r>
-              <a:rPr lang="zh-CN" altLang="en-US" sz="1400" dirty="0">
-                <a:solidFill>
-                  <a:srgbClr val="00B050"/>
-                </a:solidFill>
-              </a:rPr>
-              <a:t> </a:t>
-            </a:r>
-            <a:r>
-              <a:rPr lang="en-SG" altLang="zh-CN" sz="1400" dirty="0">
-                <a:solidFill>
-                  <a:srgbClr val="00B050"/>
-                </a:solidFill>
-              </a:rPr>
-              <a:t>can</a:t>
-            </a:r>
-            <a:r>
-              <a:rPr lang="zh-CN" altLang="en-US" sz="1400" dirty="0">
-                <a:solidFill>
-                  <a:srgbClr val="00B050"/>
-                </a:solidFill>
-              </a:rPr>
-              <a:t> </a:t>
-            </a:r>
-            <a:r>
-              <a:rPr lang="en-SG" sz="1400" dirty="0">
-                <a:solidFill>
-                  <a:srgbClr val="00B050"/>
-                </a:solidFill>
-                <a:effectLst/>
-              </a:rPr>
-              <a:t>Interactive before </a:t>
-            </a:r>
-            <a:r>
-              <a:rPr lang="en-SG" sz="1400" dirty="0" err="1">
-                <a:solidFill>
-                  <a:srgbClr val="00B050"/>
-                </a:solidFill>
-                <a:effectLst/>
-              </a:rPr>
-              <a:t>wasm</a:t>
-            </a:r>
-            <a:r>
-              <a:rPr lang="en-SG" sz="1400" dirty="0">
-                <a:solidFill>
-                  <a:srgbClr val="00B050"/>
-                </a:solidFill>
-                <a:effectLst/>
-              </a:rPr>
-              <a:t> load complete, </a:t>
-            </a:r>
-            <a:r>
-              <a:rPr lang="en-SG" sz="1400" dirty="0" err="1">
-                <a:solidFill>
-                  <a:srgbClr val="00B050"/>
-                </a:solidFill>
-                <a:effectLst/>
-              </a:rPr>
-              <a:t>wasm</a:t>
-            </a:r>
-            <a:r>
-              <a:rPr lang="en-SG" sz="1400" dirty="0">
-                <a:solidFill>
-                  <a:srgbClr val="00B050"/>
-                </a:solidFill>
-                <a:effectLst/>
-              </a:rPr>
-              <a:t> can only Interactive after load complete</a:t>
-            </a:r>
-            <a:endParaRPr lang="en-SG" sz="1400" dirty="0">
-              <a:solidFill>
-                <a:srgbClr val="00B050"/>
-              </a:solidFill>
-            </a:endParaRPr>
-          </a:p>
-          <a:p>
-            <a:r>
-              <a:rPr lang="en-SG" sz="1400" dirty="0"/>
-              <a:t>Q2:difference between prerender and SSR Render</a:t>
-            </a:r>
-          </a:p>
-          <a:p>
-            <a:r>
-              <a:rPr lang="en-SG" sz="1400" dirty="0">
-                <a:solidFill>
-                  <a:srgbClr val="00B050"/>
-                </a:solidFill>
-              </a:rPr>
-              <a:t>Q3:entrance of render</a:t>
-            </a:r>
-          </a:p>
-          <a:p>
-            <a:r>
-              <a:rPr lang="en-SG" sz="1400" dirty="0">
-                <a:solidFill>
-                  <a:srgbClr val="00B050"/>
-                </a:solidFill>
-              </a:rPr>
-              <a:t>A: render as a </a:t>
-            </a:r>
-            <a:r>
-              <a:rPr lang="en-SG" sz="1400" dirty="0" err="1">
-                <a:solidFill>
-                  <a:srgbClr val="00B050"/>
-                </a:solidFill>
-              </a:rPr>
-              <a:t>DelegateRequest</a:t>
-            </a:r>
-            <a:r>
-              <a:rPr lang="en-SG" sz="1400" dirty="0">
-                <a:solidFill>
-                  <a:srgbClr val="00B050"/>
-                </a:solidFill>
-              </a:rPr>
-              <a:t>  invoked in endpoint</a:t>
-            </a:r>
-          </a:p>
-          <a:p>
-            <a:r>
-              <a:rPr lang="en-SG" sz="1400" dirty="0"/>
-              <a:t>Q4:Blazor web using </a:t>
-            </a:r>
-            <a:r>
-              <a:rPr lang="en-SG" sz="1400" dirty="0" err="1"/>
-              <a:t>sensario</a:t>
-            </a:r>
-            <a:endParaRPr lang="en-SG" sz="1400" dirty="0"/>
-          </a:p>
-        </p:txBody>
-      </p:sp>
-    </p:spTree>
-    <p:extLst>
-      <p:ext uri="{BB962C8B-B14F-4D97-AF65-F5344CB8AC3E}">
-        <p14:creationId xmlns:p14="http://schemas.microsoft.com/office/powerpoint/2010/main" val="2421849563"/>
       </p:ext>
     </p:extLst>
   </p:cSld>

--- a/Blazor in .net 8.pptx
+++ b/Blazor in .net 8.pptx
@@ -15,27 +15,29 @@
     <p:sldId id="281" r:id="rId9"/>
     <p:sldId id="271" r:id="rId10"/>
     <p:sldId id="274" r:id="rId11"/>
-    <p:sldId id="297" r:id="rId12"/>
-    <p:sldId id="298" r:id="rId13"/>
-    <p:sldId id="300" r:id="rId14"/>
-    <p:sldId id="302" r:id="rId15"/>
-    <p:sldId id="303" r:id="rId16"/>
-    <p:sldId id="299" r:id="rId17"/>
-    <p:sldId id="263" r:id="rId18"/>
-    <p:sldId id="277" r:id="rId19"/>
-    <p:sldId id="305" r:id="rId20"/>
-    <p:sldId id="296" r:id="rId21"/>
-    <p:sldId id="279" r:id="rId22"/>
-    <p:sldId id="282" r:id="rId23"/>
-    <p:sldId id="294" r:id="rId24"/>
-    <p:sldId id="288" r:id="rId25"/>
-    <p:sldId id="289" r:id="rId26"/>
-    <p:sldId id="278" r:id="rId27"/>
-    <p:sldId id="287" r:id="rId28"/>
-    <p:sldId id="290" r:id="rId29"/>
-    <p:sldId id="291" r:id="rId30"/>
-    <p:sldId id="293" r:id="rId31"/>
-    <p:sldId id="295" r:id="rId32"/>
+    <p:sldId id="306" r:id="rId12"/>
+    <p:sldId id="297" r:id="rId13"/>
+    <p:sldId id="298" r:id="rId14"/>
+    <p:sldId id="300" r:id="rId15"/>
+    <p:sldId id="302" r:id="rId16"/>
+    <p:sldId id="303" r:id="rId17"/>
+    <p:sldId id="299" r:id="rId18"/>
+    <p:sldId id="263" r:id="rId19"/>
+    <p:sldId id="277" r:id="rId20"/>
+    <p:sldId id="305" r:id="rId21"/>
+    <p:sldId id="307" r:id="rId22"/>
+    <p:sldId id="296" r:id="rId23"/>
+    <p:sldId id="279" r:id="rId24"/>
+    <p:sldId id="282" r:id="rId25"/>
+    <p:sldId id="294" r:id="rId26"/>
+    <p:sldId id="288" r:id="rId27"/>
+    <p:sldId id="289" r:id="rId28"/>
+    <p:sldId id="278" r:id="rId29"/>
+    <p:sldId id="287" r:id="rId30"/>
+    <p:sldId id="290" r:id="rId31"/>
+    <p:sldId id="291" r:id="rId32"/>
+    <p:sldId id="293" r:id="rId33"/>
+    <p:sldId id="295" r:id="rId34"/>
   </p:sldIdLst>
   <p:sldSz cx="12192000" cy="6858000"/>
   <p:notesSz cx="6858000" cy="9144000"/>
@@ -16210,7 +16212,7 @@
         <p:spPr>
           <a:xfrm>
             <a:off x="691079" y="2841728"/>
-            <a:ext cx="4774286" cy="3638971"/>
+            <a:ext cx="4774286" cy="789239"/>
           </a:xfrm>
         </p:spPr>
         <p:txBody>
@@ -16242,123 +16244,6 @@
             <a:r>
               <a:rPr lang="en-SG" sz="1200" dirty="0" err="1"/>
               <a:t>RazorComponentEndpointInvoker.cs</a:t>
-            </a:r>
-            <a:endParaRPr lang="en-SG" sz="1200" dirty="0"/>
-          </a:p>
-          <a:p>
-            <a:pPr marL="0" indent="0">
-              <a:buNone/>
-            </a:pPr>
-            <a:endParaRPr lang="en-SG" sz="1200" dirty="0"/>
-          </a:p>
-          <a:p>
-            <a:pPr marL="0" indent="0">
-              <a:buNone/>
-            </a:pPr>
-            <a:r>
-              <a:rPr lang="en-SG" sz="1200" dirty="0" err="1"/>
-              <a:t>RazorComponentEndpointInvoker.RenderComponentCore</a:t>
-            </a:r>
-            <a:r>
-              <a:rPr lang="en-SG" sz="1200" dirty="0"/>
-              <a:t>():</a:t>
-            </a:r>
-          </a:p>
-          <a:p>
-            <a:pPr marL="0" indent="0">
-              <a:buNone/>
-            </a:pPr>
-            <a:r>
-              <a:rPr lang="en-SG" sz="1200" dirty="0"/>
-              <a:t>1. Initialize </a:t>
-            </a:r>
-            <a:r>
-              <a:rPr lang="en-SG" sz="1200" dirty="0" err="1"/>
-              <a:t>StreamingRendering</a:t>
-            </a:r>
-            <a:r>
-              <a:rPr lang="en-SG" sz="1200" dirty="0"/>
-              <a:t> Framing</a:t>
-            </a:r>
-          </a:p>
-          <a:p>
-            <a:pPr marL="0" indent="0">
-              <a:buNone/>
-            </a:pPr>
-            <a:r>
-              <a:rPr lang="en-SG" sz="1200" dirty="0"/>
-              <a:t>2. Initialize Standard Component Services</a:t>
-            </a:r>
-          </a:p>
-          <a:p>
-            <a:pPr marL="0" indent="0">
-              <a:buNone/>
-            </a:pPr>
-            <a:r>
-              <a:rPr lang="en-SG" sz="1200" dirty="0"/>
-              <a:t>3. Render Endpoint Component </a:t>
-            </a:r>
-          </a:p>
-          <a:p>
-            <a:pPr marL="0" indent="0">
-              <a:buNone/>
-            </a:pPr>
-            <a:r>
-              <a:rPr lang="en-SG" sz="1200" dirty="0"/>
-              <a:t>    3.1 </a:t>
-            </a:r>
-            <a:r>
-              <a:rPr lang="en-SG" sz="1200" dirty="0" err="1"/>
-              <a:t>InstantiateComponent</a:t>
-            </a:r>
-            <a:endParaRPr lang="en-SG" sz="1200" dirty="0"/>
-          </a:p>
-          <a:p>
-            <a:pPr marL="0" indent="0">
-              <a:buNone/>
-            </a:pPr>
-            <a:r>
-              <a:rPr lang="en-SG" sz="1200" dirty="0"/>
-              <a:t>        </a:t>
-            </a:r>
-            <a:r>
-              <a:rPr lang="en-SG" sz="1200" b="1" dirty="0"/>
-              <a:t>3.1.1 </a:t>
-            </a:r>
-            <a:r>
-              <a:rPr lang="en-SG" sz="1200" b="1" dirty="0" err="1"/>
-              <a:t>ResolveComponentForRenderMode</a:t>
-            </a:r>
-            <a:endParaRPr lang="en-SG" sz="1200" b="1" dirty="0"/>
-          </a:p>
-          <a:p>
-            <a:pPr marL="0" indent="0">
-              <a:buNone/>
-            </a:pPr>
-            <a:r>
-              <a:rPr lang="en-SG" sz="1200" dirty="0"/>
-              <a:t>    3.2 Waiting for </a:t>
-            </a:r>
-            <a:r>
-              <a:rPr lang="en-SG" sz="1200" dirty="0" err="1"/>
-              <a:t>quiesence</a:t>
-            </a:r>
-            <a:r>
-              <a:rPr lang="en-SG" sz="1200" dirty="0"/>
-              <a:t>(none stream Rendering) complete</a:t>
-            </a:r>
-          </a:p>
-          <a:p>
-            <a:pPr marL="0" indent="0">
-              <a:buNone/>
-            </a:pPr>
-            <a:r>
-              <a:rPr lang="en-SG" sz="1200" dirty="0"/>
-              <a:t>4. write by </a:t>
-            </a:r>
-            <a:r>
-              <a:rPr lang="en-SG" sz="1200" dirty="0" err="1"/>
-              <a:t>HttpResponseStreamWriter</a:t>
             </a:r>
             <a:endParaRPr lang="en-SG" sz="1200" dirty="0"/>
           </a:p>
@@ -16431,10 +16316,10 @@
       </p:pic>
       <p:pic>
         <p:nvPicPr>
-          <p:cNvPr id="8" name="Picture 7">
+          <p:cNvPr id="10" name="Picture 9">
             <a:extLst>
               <a:ext uri="{FF2B5EF4-FFF2-40B4-BE49-F238E27FC236}">
-                <a16:creationId xmlns:a16="http://schemas.microsoft.com/office/drawing/2014/main" id="{A79648F3-D487-C2B8-9BEA-479E81306FA2}"/>
+                <a16:creationId xmlns:a16="http://schemas.microsoft.com/office/drawing/2014/main" id="{CF855889-94B7-B6D7-A66E-B92AC3B6D125}"/>
               </a:ext>
             </a:extLst>
           </p:cNvPr>
@@ -16451,8 +16336,8 @@
         </p:blipFill>
         <p:spPr>
           <a:xfrm>
-            <a:off x="5552359" y="2354347"/>
-            <a:ext cx="6012534" cy="4389353"/>
+            <a:off x="3417903" y="2306266"/>
+            <a:ext cx="7182035" cy="4276374"/>
           </a:xfrm>
           <a:prstGeom prst="rect">
             <a:avLst/>
@@ -16554,6 +16439,361 @@
       </p:sp>
       <p:sp>
         <p:nvSpPr>
+          <p:cNvPr id="7" name="TextBox 6">
+            <a:extLst>
+              <a:ext uri="{FF2B5EF4-FFF2-40B4-BE49-F238E27FC236}">
+                <a16:creationId xmlns:a16="http://schemas.microsoft.com/office/drawing/2014/main" id="{06A38A5B-0C1F-3FB1-DCB2-A19CCE1B2DB2}"/>
+              </a:ext>
+            </a:extLst>
+          </p:cNvPr>
+          <p:cNvSpPr txBox="1"/>
+          <p:nvPr/>
+        </p:nvSpPr>
+        <p:spPr>
+          <a:xfrm>
+            <a:off x="691079" y="2909612"/>
+            <a:ext cx="7159839" cy="3600986"/>
+          </a:xfrm>
+          <a:prstGeom prst="rect">
+            <a:avLst/>
+          </a:prstGeom>
+          <a:noFill/>
+        </p:spPr>
+        <p:txBody>
+          <a:bodyPr wrap="square">
+            <a:spAutoFit/>
+          </a:bodyPr>
+          <a:lstStyle/>
+          <a:p>
+            <a:r>
+              <a:rPr lang="en-SG" sz="1200" dirty="0" err="1"/>
+              <a:t>EndpointHtmlRenderer</a:t>
+            </a:r>
+            <a:r>
+              <a:rPr lang="en-SG" sz="1200" dirty="0"/>
+              <a:t> _renderer;</a:t>
+            </a:r>
+          </a:p>
+          <a:p>
+            <a:endParaRPr lang="en-SG" sz="1200" dirty="0"/>
+          </a:p>
+          <a:p>
+            <a:r>
+              <a:rPr lang="en-SG" sz="1200" dirty="0" err="1"/>
+              <a:t>RenderComponentCore</a:t>
+            </a:r>
+            <a:r>
+              <a:rPr lang="en-SG" sz="1200" dirty="0"/>
+              <a:t>(</a:t>
+            </a:r>
+            <a:r>
+              <a:rPr lang="en-SG" sz="1200" dirty="0" err="1"/>
+              <a:t>HttpContext</a:t>
+            </a:r>
+            <a:r>
+              <a:rPr lang="en-SG" sz="1200" dirty="0"/>
+              <a:t>)</a:t>
+            </a:r>
+          </a:p>
+          <a:p>
+            <a:r>
+              <a:rPr lang="en-SG" sz="1200" dirty="0"/>
+              <a:t>{</a:t>
+            </a:r>
+          </a:p>
+          <a:p>
+            <a:r>
+              <a:rPr lang="en-SG" sz="1200" dirty="0"/>
+              <a:t>    _</a:t>
+            </a:r>
+            <a:r>
+              <a:rPr lang="en-SG" sz="1200" dirty="0" err="1"/>
+              <a:t>renderer.InitializeStreamingRenderingFraming</a:t>
+            </a:r>
+            <a:r>
+              <a:rPr lang="en-SG" sz="1200" dirty="0"/>
+              <a:t>()</a:t>
+            </a:r>
+          </a:p>
+          <a:p>
+            <a:r>
+              <a:rPr lang="en-SG" sz="1200" dirty="0"/>
+              <a:t>    {</a:t>
+            </a:r>
+          </a:p>
+          <a:p>
+            <a:r>
+              <a:rPr lang="en-SG" sz="1200" dirty="0"/>
+              <a:t>        </a:t>
+            </a:r>
+            <a:r>
+              <a:rPr lang="en-SG" sz="1200" dirty="0" err="1"/>
+              <a:t>httpContext.Response.Headers.Add</a:t>
+            </a:r>
+            <a:r>
+              <a:rPr lang="en-SG" sz="1200" dirty="0"/>
+              <a:t>("</a:t>
+            </a:r>
+            <a:r>
+              <a:rPr lang="en-SG" sz="1200" dirty="0" err="1"/>
+              <a:t>ssr</a:t>
+            </a:r>
+            <a:r>
+              <a:rPr lang="en-SG" sz="1200" dirty="0"/>
+              <a:t>-</a:t>
+            </a:r>
+            <a:r>
+              <a:rPr lang="en-SG" sz="1200" dirty="0" err="1"/>
+              <a:t>framing",new</a:t>
+            </a:r>
+            <a:r>
+              <a:rPr lang="en-SG" sz="1200" dirty="0"/>
+              <a:t> Guid());</a:t>
+            </a:r>
+          </a:p>
+          <a:p>
+            <a:r>
+              <a:rPr lang="en-SG" sz="1200" dirty="0"/>
+              <a:t>    }</a:t>
+            </a:r>
+          </a:p>
+          <a:p>
+            <a:endParaRPr lang="en-SG" sz="1200" dirty="0"/>
+          </a:p>
+          <a:p>
+            <a:r>
+              <a:rPr lang="en-SG" sz="1200" dirty="0"/>
+              <a:t>    ...</a:t>
+            </a:r>
+          </a:p>
+          <a:p>
+            <a:r>
+              <a:rPr lang="en-SG" sz="1200" dirty="0"/>
+              <a:t>    </a:t>
+            </a:r>
+            <a:r>
+              <a:rPr lang="en-SG" sz="1200" dirty="0" err="1"/>
+              <a:t>htmlContent</a:t>
+            </a:r>
+            <a:r>
+              <a:rPr lang="en-SG" sz="1200" dirty="0"/>
+              <a:t> = _</a:t>
+            </a:r>
+            <a:r>
+              <a:rPr lang="en-SG" sz="1200" dirty="0" err="1"/>
+              <a:t>renderer.RenderEndpointComponent</a:t>
+            </a:r>
+            <a:r>
+              <a:rPr lang="en-SG" sz="1200" dirty="0"/>
+              <a:t>(</a:t>
+            </a:r>
+            <a:r>
+              <a:rPr lang="en-SG" sz="1200" dirty="0" err="1"/>
+              <a:t>HttpContext</a:t>
+            </a:r>
+            <a:r>
+              <a:rPr lang="en-SG" sz="1200" dirty="0"/>
+              <a:t>,...)</a:t>
+            </a:r>
+          </a:p>
+          <a:p>
+            <a:endParaRPr lang="en-SG" sz="1200" dirty="0"/>
+          </a:p>
+          <a:p>
+            <a:r>
+              <a:rPr lang="en-SG" sz="1200" dirty="0"/>
+              <a:t>    if (!</a:t>
+            </a:r>
+            <a:r>
+              <a:rPr lang="en-SG" sz="1200" dirty="0" err="1"/>
+              <a:t>isErrorHandler</a:t>
+            </a:r>
+            <a:r>
+              <a:rPr lang="en-SG" sz="1200" dirty="0"/>
+              <a:t>)</a:t>
+            </a:r>
+          </a:p>
+          <a:p>
+            <a:r>
+              <a:rPr lang="en-SG" sz="1200" dirty="0"/>
+              <a:t>    {</a:t>
+            </a:r>
+          </a:p>
+          <a:p>
+            <a:r>
+              <a:rPr lang="en-SG" sz="1200" dirty="0"/>
+              <a:t>        </a:t>
+            </a:r>
+            <a:r>
+              <a:rPr lang="en-SG" sz="1200" dirty="0" err="1"/>
+              <a:t>componentStateHtmlContent</a:t>
+            </a:r>
+            <a:r>
+              <a:rPr lang="en-SG" sz="1200" dirty="0"/>
+              <a:t> = await _</a:t>
+            </a:r>
+            <a:r>
+              <a:rPr lang="en-SG" sz="1200" dirty="0" err="1"/>
+              <a:t>renderer.PrerenderPersistedStateAsync</a:t>
+            </a:r>
+            <a:r>
+              <a:rPr lang="en-SG" sz="1200" dirty="0"/>
+              <a:t>(context);</a:t>
+            </a:r>
+          </a:p>
+          <a:p>
+            <a:r>
+              <a:rPr lang="en-SG" sz="1200" dirty="0"/>
+              <a:t>        </a:t>
+            </a:r>
+            <a:r>
+              <a:rPr lang="en-SG" sz="1200" dirty="0" err="1"/>
+              <a:t>componentStateHtmlContent.WriteTo</a:t>
+            </a:r>
+            <a:r>
+              <a:rPr lang="en-SG" sz="1200" dirty="0"/>
+              <a:t>(</a:t>
+            </a:r>
+            <a:r>
+              <a:rPr lang="en-SG" sz="1200" dirty="0" err="1"/>
+              <a:t>bufferWriter</a:t>
+            </a:r>
+            <a:r>
+              <a:rPr lang="en-SG" sz="1200" dirty="0"/>
+              <a:t>, </a:t>
+            </a:r>
+            <a:r>
+              <a:rPr lang="en-SG" sz="1200" dirty="0" err="1"/>
+              <a:t>HtmlEncoder.Default</a:t>
+            </a:r>
+            <a:r>
+              <a:rPr lang="en-SG" sz="1200" dirty="0"/>
+              <a:t>);</a:t>
+            </a:r>
+          </a:p>
+          <a:p>
+            <a:r>
+              <a:rPr lang="en-SG" sz="1200" dirty="0"/>
+              <a:t>    }</a:t>
+            </a:r>
+          </a:p>
+          <a:p>
+            <a:r>
+              <a:rPr lang="en-SG" sz="1200" dirty="0"/>
+              <a:t>    await </a:t>
+            </a:r>
+            <a:r>
+              <a:rPr lang="en-SG" sz="1200" dirty="0" err="1"/>
+              <a:t>bufferWriter.FlushAsync</a:t>
+            </a:r>
+            <a:r>
+              <a:rPr lang="en-SG" sz="1200" dirty="0"/>
+              <a:t>();</a:t>
+            </a:r>
+          </a:p>
+          <a:p>
+            <a:r>
+              <a:rPr lang="en-SG" sz="1200" dirty="0"/>
+              <a:t>}</a:t>
+            </a:r>
+          </a:p>
+        </p:txBody>
+      </p:sp>
+    </p:spTree>
+    <p:extLst>
+      <p:ext uri="{BB962C8B-B14F-4D97-AF65-F5344CB8AC3E}">
+        <p14:creationId xmlns:p14="http://schemas.microsoft.com/office/powerpoint/2010/main" val="1649800805"/>
+      </p:ext>
+    </p:extLst>
+  </p:cSld>
+  <p:clrMapOvr>
+    <a:masterClrMapping/>
+  </p:clrMapOvr>
+</p:sld>
+</file>
+
+<file path=ppt/slides/slide12.xml><?xml version="1.0" encoding="utf-8"?>
+<p:sld xmlns:a="http://schemas.openxmlformats.org/drawingml/2006/main" xmlns:r="http://schemas.openxmlformats.org/officeDocument/2006/relationships" xmlns:p="http://schemas.openxmlformats.org/presentationml/2006/main">
+  <p:cSld>
+    <p:spTree>
+      <p:nvGrpSpPr>
+        <p:cNvPr id="1" name=""/>
+        <p:cNvGrpSpPr/>
+        <p:nvPr/>
+      </p:nvGrpSpPr>
+      <p:grpSpPr>
+        <a:xfrm>
+          <a:off x="0" y="0"/>
+          <a:ext cx="0" cy="0"/>
+          <a:chOff x="0" y="0"/>
+          <a:chExt cx="0" cy="0"/>
+        </a:xfrm>
+      </p:grpSpPr>
+      <p:sp>
+        <p:nvSpPr>
+          <p:cNvPr id="2" name="Title 1">
+            <a:extLst>
+              <a:ext uri="{FF2B5EF4-FFF2-40B4-BE49-F238E27FC236}">
+                <a16:creationId xmlns:a16="http://schemas.microsoft.com/office/drawing/2014/main" id="{0FFCBED8-BB7A-EC5A-FA1B-4FBC962CE316}"/>
+              </a:ext>
+            </a:extLst>
+          </p:cNvPr>
+          <p:cNvSpPr>
+            <a:spLocks noGrp="1"/>
+          </p:cNvSpPr>
+          <p:nvPr>
+            <p:ph type="title"/>
+          </p:nvPr>
+        </p:nvSpPr>
+        <p:spPr/>
+        <p:txBody>
+          <a:bodyPr/>
+          <a:lstStyle/>
+          <a:p>
+            <a:r>
+              <a:rPr lang="en-US" altLang="zh-CN" sz="4400" dirty="0"/>
+              <a:t>Blazor Web App</a:t>
+            </a:r>
+          </a:p>
+        </p:txBody>
+      </p:sp>
+      <p:sp>
+        <p:nvSpPr>
+          <p:cNvPr id="4" name="TextBox 3">
+            <a:extLst>
+              <a:ext uri="{FF2B5EF4-FFF2-40B4-BE49-F238E27FC236}">
+                <a16:creationId xmlns:a16="http://schemas.microsoft.com/office/drawing/2014/main" id="{4E5FB163-623D-D608-CFF8-944DAE443425}"/>
+              </a:ext>
+            </a:extLst>
+          </p:cNvPr>
+          <p:cNvSpPr txBox="1"/>
+          <p:nvPr/>
+        </p:nvSpPr>
+        <p:spPr>
+          <a:xfrm>
+            <a:off x="691079" y="2354347"/>
+            <a:ext cx="1865690" cy="369332"/>
+          </a:xfrm>
+          <a:prstGeom prst="rect">
+            <a:avLst/>
+          </a:prstGeom>
+          <a:noFill/>
+        </p:spPr>
+        <p:txBody>
+          <a:bodyPr wrap="square">
+            <a:spAutoFit/>
+          </a:bodyPr>
+          <a:lstStyle/>
+          <a:p>
+            <a:r>
+              <a:rPr lang="en-SG" dirty="0"/>
+              <a:t>Render Mode</a:t>
+            </a:r>
+          </a:p>
+        </p:txBody>
+      </p:sp>
+      <p:sp>
+        <p:nvSpPr>
           <p:cNvPr id="14" name="TextBox 13">
             <a:extLst>
               <a:ext uri="{FF2B5EF4-FFF2-40B4-BE49-F238E27FC236}">
@@ -16647,7 +16887,7 @@
 </p:sld>
 </file>
 
-<file path=ppt/slides/slide12.xml><?xml version="1.0" encoding="utf-8"?>
+<file path=ppt/slides/slide13.xml><?xml version="1.0" encoding="utf-8"?>
 <p:sld xmlns:a="http://schemas.openxmlformats.org/drawingml/2006/main" xmlns:r="http://schemas.openxmlformats.org/officeDocument/2006/relationships" xmlns:p="http://schemas.openxmlformats.org/presentationml/2006/main">
   <p:cSld>
     <p:spTree>
@@ -16835,7 +17075,7 @@
 </p:sld>
 </file>
 
-<file path=ppt/slides/slide13.xml><?xml version="1.0" encoding="utf-8"?>
+<file path=ppt/slides/slide14.xml><?xml version="1.0" encoding="utf-8"?>
 <p:sld xmlns:a="http://schemas.openxmlformats.org/drawingml/2006/main" xmlns:r="http://schemas.openxmlformats.org/officeDocument/2006/relationships" xmlns:p="http://schemas.openxmlformats.org/presentationml/2006/main">
   <p:cSld>
     <p:spTree>
@@ -17014,7 +17254,7 @@
 </p:sld>
 </file>
 
-<file path=ppt/slides/slide14.xml><?xml version="1.0" encoding="utf-8"?>
+<file path=ppt/slides/slide15.xml><?xml version="1.0" encoding="utf-8"?>
 <p:sld xmlns:a="http://schemas.openxmlformats.org/drawingml/2006/main" xmlns:r="http://schemas.openxmlformats.org/officeDocument/2006/relationships" xmlns:p="http://schemas.openxmlformats.org/presentationml/2006/main">
   <p:cSld>
     <p:spTree>
@@ -17192,7 +17432,7 @@
 </p:sld>
 </file>
 
-<file path=ppt/slides/slide15.xml><?xml version="1.0" encoding="utf-8"?>
+<file path=ppt/slides/slide16.xml><?xml version="1.0" encoding="utf-8"?>
 <p:sld xmlns:a="http://schemas.openxmlformats.org/drawingml/2006/main" xmlns:r="http://schemas.openxmlformats.org/officeDocument/2006/relationships" xmlns:p="http://schemas.openxmlformats.org/presentationml/2006/main">
   <p:cSld>
     <p:spTree>
@@ -17356,7 +17596,7 @@
 </p:sld>
 </file>
 
-<file path=ppt/slides/slide16.xml><?xml version="1.0" encoding="utf-8"?>
+<file path=ppt/slides/slide17.xml><?xml version="1.0" encoding="utf-8"?>
 <p:sld xmlns:a="http://schemas.openxmlformats.org/drawingml/2006/main" xmlns:r="http://schemas.openxmlformats.org/officeDocument/2006/relationships" xmlns:p="http://schemas.openxmlformats.org/presentationml/2006/main">
   <p:cSld>
     <p:spTree>
@@ -17726,7 +17966,7 @@
 </p:sld>
 </file>
 
-<file path=ppt/slides/slide17.xml><?xml version="1.0" encoding="utf-8"?>
+<file path=ppt/slides/slide18.xml><?xml version="1.0" encoding="utf-8"?>
 <p:sld xmlns:a="http://schemas.openxmlformats.org/drawingml/2006/main" xmlns:r="http://schemas.openxmlformats.org/officeDocument/2006/relationships" xmlns:p="http://schemas.openxmlformats.org/presentationml/2006/main">
   <p:cSld>
     <p:spTree>
@@ -18495,7 +18735,7 @@
 </p:sld>
 </file>
 
-<file path=ppt/slides/slide18.xml><?xml version="1.0" encoding="utf-8"?>
+<file path=ppt/slides/slide19.xml><?xml version="1.0" encoding="utf-8"?>
 <p:sld xmlns:a="http://schemas.openxmlformats.org/drawingml/2006/main" xmlns:r="http://schemas.openxmlformats.org/officeDocument/2006/relationships" xmlns:p="http://schemas.openxmlformats.org/presentationml/2006/main">
   <p:cSld>
     <p:spTree>
@@ -18700,259 +18940,6 @@
     <p:extLst>
       <p:ext uri="{BB962C8B-B14F-4D97-AF65-F5344CB8AC3E}">
         <p14:creationId xmlns:p14="http://schemas.microsoft.com/office/powerpoint/2010/main" val="1405876474"/>
-      </p:ext>
-    </p:extLst>
-  </p:cSld>
-  <p:clrMapOvr>
-    <a:masterClrMapping/>
-  </p:clrMapOvr>
-</p:sld>
-</file>
-
-<file path=ppt/slides/slide19.xml><?xml version="1.0" encoding="utf-8"?>
-<p:sld xmlns:a="http://schemas.openxmlformats.org/drawingml/2006/main" xmlns:r="http://schemas.openxmlformats.org/officeDocument/2006/relationships" xmlns:p="http://schemas.openxmlformats.org/presentationml/2006/main">
-  <p:cSld>
-    <p:spTree>
-      <p:nvGrpSpPr>
-        <p:cNvPr id="1" name=""/>
-        <p:cNvGrpSpPr/>
-        <p:nvPr/>
-      </p:nvGrpSpPr>
-      <p:grpSpPr>
-        <a:xfrm>
-          <a:off x="0" y="0"/>
-          <a:ext cx="0" cy="0"/>
-          <a:chOff x="0" y="0"/>
-          <a:chExt cx="0" cy="0"/>
-        </a:xfrm>
-      </p:grpSpPr>
-      <p:sp>
-        <p:nvSpPr>
-          <p:cNvPr id="2" name="Title 1">
-            <a:extLst>
-              <a:ext uri="{FF2B5EF4-FFF2-40B4-BE49-F238E27FC236}">
-                <a16:creationId xmlns:a16="http://schemas.microsoft.com/office/drawing/2014/main" id="{5F8DF6F0-A65F-1BCE-772C-EDA41D90B8C0}"/>
-              </a:ext>
-            </a:extLst>
-          </p:cNvPr>
-          <p:cNvSpPr>
-            <a:spLocks noGrp="1"/>
-          </p:cNvSpPr>
-          <p:nvPr>
-            <p:ph type="title"/>
-          </p:nvPr>
-        </p:nvSpPr>
-        <p:spPr/>
-        <p:txBody>
-          <a:bodyPr/>
-          <a:lstStyle/>
-          <a:p>
-            <a:r>
-              <a:rPr lang="en-US" altLang="zh-CN" sz="4400" dirty="0"/>
-              <a:t>Blazor Web </a:t>
-            </a:r>
-            <a:r>
-              <a:rPr lang="en-US" altLang="zh-CN" dirty="0"/>
-              <a:t>App</a:t>
-            </a:r>
-            <a:endParaRPr lang="en-SG" dirty="0"/>
-          </a:p>
-        </p:txBody>
-      </p:sp>
-      <p:sp>
-        <p:nvSpPr>
-          <p:cNvPr id="3" name="Content Placeholder 2">
-            <a:extLst>
-              <a:ext uri="{FF2B5EF4-FFF2-40B4-BE49-F238E27FC236}">
-                <a16:creationId xmlns:a16="http://schemas.microsoft.com/office/drawing/2014/main" id="{B10825B6-ED58-382E-5066-73CC4C67868B}"/>
-              </a:ext>
-            </a:extLst>
-          </p:cNvPr>
-          <p:cNvSpPr>
-            <a:spLocks noGrp="1"/>
-          </p:cNvSpPr>
-          <p:nvPr>
-            <p:ph idx="1"/>
-          </p:nvPr>
-        </p:nvSpPr>
-        <p:spPr>
-          <a:xfrm>
-            <a:off x="691079" y="2877908"/>
-            <a:ext cx="4839710" cy="1578681"/>
-          </a:xfrm>
-        </p:spPr>
-        <p:txBody>
-          <a:bodyPr>
-            <a:noAutofit/>
-          </a:bodyPr>
-          <a:lstStyle/>
-          <a:p>
-            <a:r>
-              <a:rPr lang="en-SG" sz="1200" b="1" dirty="0" err="1"/>
-              <a:t>SSRRenderModeBoundary</a:t>
-            </a:r>
-            <a:r>
-              <a:rPr lang="en-SG" sz="1200" dirty="0"/>
-              <a:t>  is the start of a subtree with a </a:t>
-            </a:r>
-            <a:r>
-              <a:rPr lang="en-SG" sz="1200" dirty="0" err="1"/>
-              <a:t>rendermode</a:t>
-            </a:r>
-            <a:r>
-              <a:rPr lang="en-SG" sz="1200" dirty="0"/>
-              <a:t>, so introduce a new </a:t>
-            </a:r>
-            <a:r>
-              <a:rPr lang="en-SG" sz="1200" dirty="0" err="1"/>
-              <a:t>rendermode</a:t>
-            </a:r>
-            <a:r>
-              <a:rPr lang="en-SG" sz="1200" dirty="0"/>
-              <a:t> boundary here</a:t>
-            </a:r>
-          </a:p>
-          <a:p>
-            <a:r>
-              <a:rPr lang="en-SG" sz="1200" dirty="0" err="1"/>
-              <a:t>SSRRenderModeBoundary</a:t>
-            </a:r>
-            <a:r>
-              <a:rPr lang="en-SG" sz="1200" dirty="0"/>
-              <a:t> created in </a:t>
-            </a:r>
-            <a:r>
-              <a:rPr lang="en-SG" sz="1100" b="1" dirty="0" err="1"/>
-              <a:t>EndpointHtmlRenderer</a:t>
-            </a:r>
-            <a:r>
-              <a:rPr lang="en-SG" sz="1100" b="1" dirty="0"/>
-              <a:t>. </a:t>
-            </a:r>
-            <a:r>
-              <a:rPr lang="en-SG" sz="1100" b="1" dirty="0" err="1"/>
-              <a:t>ResolveComponentForRenderMode</a:t>
-            </a:r>
-            <a:r>
-              <a:rPr lang="en-SG" sz="1100" dirty="0"/>
-              <a:t> and </a:t>
-            </a:r>
-            <a:r>
-              <a:rPr lang="en-SG" sz="1100" b="1" dirty="0" err="1"/>
-              <a:t>EndpointHtmlRenderer</a:t>
-            </a:r>
-            <a:r>
-              <a:rPr lang="en-SG" sz="1100" b="1" dirty="0"/>
-              <a:t> .</a:t>
-            </a:r>
-            <a:r>
-              <a:rPr lang="en-SG" sz="1100" b="1" dirty="0" err="1"/>
-              <a:t>PrerenderComponentAsync</a:t>
-            </a:r>
-            <a:endParaRPr lang="en-SG" sz="1200" b="1" dirty="0"/>
-          </a:p>
-        </p:txBody>
-      </p:sp>
-      <p:sp>
-        <p:nvSpPr>
-          <p:cNvPr id="5" name="TextBox 4">
-            <a:extLst>
-              <a:ext uri="{FF2B5EF4-FFF2-40B4-BE49-F238E27FC236}">
-                <a16:creationId xmlns:a16="http://schemas.microsoft.com/office/drawing/2014/main" id="{B36BD462-61B7-A83A-E3DC-27789CC76635}"/>
-              </a:ext>
-            </a:extLst>
-          </p:cNvPr>
-          <p:cNvSpPr txBox="1"/>
-          <p:nvPr/>
-        </p:nvSpPr>
-        <p:spPr>
-          <a:xfrm>
-            <a:off x="691079" y="2354347"/>
-            <a:ext cx="1865690" cy="369332"/>
-          </a:xfrm>
-          <a:prstGeom prst="rect">
-            <a:avLst/>
-          </a:prstGeom>
-          <a:noFill/>
-        </p:spPr>
-        <p:txBody>
-          <a:bodyPr wrap="square">
-            <a:spAutoFit/>
-          </a:bodyPr>
-          <a:lstStyle/>
-          <a:p>
-            <a:r>
-              <a:rPr lang="en-SG" dirty="0" err="1"/>
-              <a:t>PreRender</a:t>
-            </a:r>
-            <a:endParaRPr lang="en-SG" dirty="0"/>
-          </a:p>
-        </p:txBody>
-      </p:sp>
-      <p:pic>
-        <p:nvPicPr>
-          <p:cNvPr id="7" name="Picture 6">
-            <a:extLst>
-              <a:ext uri="{FF2B5EF4-FFF2-40B4-BE49-F238E27FC236}">
-                <a16:creationId xmlns:a16="http://schemas.microsoft.com/office/drawing/2014/main" id="{31AEEF46-987C-4539-13AC-E9E84AEFB3A2}"/>
-              </a:ext>
-            </a:extLst>
-          </p:cNvPr>
-          <p:cNvPicPr>
-            <a:picLocks noChangeAspect="1"/>
-          </p:cNvPicPr>
-          <p:nvPr/>
-        </p:nvPicPr>
-        <p:blipFill>
-          <a:blip r:embed="rId2"/>
-          <a:stretch>
-            <a:fillRect/>
-          </a:stretch>
-        </p:blipFill>
-        <p:spPr>
-          <a:xfrm>
-            <a:off x="4363931" y="4761739"/>
-            <a:ext cx="7581297" cy="1762059"/>
-          </a:xfrm>
-          <a:prstGeom prst="rect">
-            <a:avLst/>
-          </a:prstGeom>
-        </p:spPr>
-      </p:pic>
-      <p:pic>
-        <p:nvPicPr>
-          <p:cNvPr id="9" name="Picture 8">
-            <a:extLst>
-              <a:ext uri="{FF2B5EF4-FFF2-40B4-BE49-F238E27FC236}">
-                <a16:creationId xmlns:a16="http://schemas.microsoft.com/office/drawing/2014/main" id="{980DB0F7-8AC3-82CA-483A-E60A83A8B08A}"/>
-              </a:ext>
-            </a:extLst>
-          </p:cNvPr>
-          <p:cNvPicPr>
-            <a:picLocks noChangeAspect="1"/>
-          </p:cNvPicPr>
-          <p:nvPr/>
-        </p:nvPicPr>
-        <p:blipFill>
-          <a:blip r:embed="rId3"/>
-          <a:stretch>
-            <a:fillRect/>
-          </a:stretch>
-        </p:blipFill>
-        <p:spPr>
-          <a:xfrm>
-            <a:off x="5335707" y="1285440"/>
-            <a:ext cx="6609521" cy="3030707"/>
-          </a:xfrm>
-          <a:prstGeom prst="rect">
-            <a:avLst/>
-          </a:prstGeom>
-        </p:spPr>
-      </p:pic>
-    </p:spTree>
-    <p:extLst>
-      <p:ext uri="{BB962C8B-B14F-4D97-AF65-F5344CB8AC3E}">
-        <p14:creationId xmlns:p14="http://schemas.microsoft.com/office/powerpoint/2010/main" val="91901749"/>
       </p:ext>
     </p:extLst>
   </p:cSld>
@@ -21506,8 +21493,8 @@
         </p:nvSpPr>
         <p:spPr>
           <a:xfrm>
-            <a:off x="691078" y="2877908"/>
-            <a:ext cx="10324999" cy="1072655"/>
+            <a:off x="691079" y="2877908"/>
+            <a:ext cx="4839710" cy="1762059"/>
           </a:xfrm>
         </p:spPr>
         <p:txBody>
@@ -21517,10 +21504,98 @@
           <a:lstStyle/>
           <a:p>
             <a:r>
+              <a:rPr lang="en-SG" sz="1200" b="1" dirty="0" err="1"/>
+              <a:t>SSRRenderModeBoundary</a:t>
+            </a:r>
+            <a:r>
               <a:rPr lang="en-SG" sz="1200" dirty="0"/>
-              <a:t>Can disable prerender as follow:</a:t>
-            </a:r>
-            <a:endParaRPr lang="en-SG" sz="1200" b="1" dirty="0"/>
+              <a:t>  is the start of a subtree with a </a:t>
+            </a:r>
+            <a:r>
+              <a:rPr lang="en-SG" sz="1200" dirty="0" err="1"/>
+              <a:t>rendermode</a:t>
+            </a:r>
+            <a:r>
+              <a:rPr lang="en-SG" sz="1200" dirty="0"/>
+              <a:t>, so introduce a new </a:t>
+            </a:r>
+            <a:r>
+              <a:rPr lang="en-SG" sz="1200" dirty="0" err="1"/>
+              <a:t>rendermode</a:t>
+            </a:r>
+            <a:r>
+              <a:rPr lang="en-SG" sz="1200" dirty="0"/>
+              <a:t> boundary here</a:t>
+            </a:r>
+          </a:p>
+          <a:p>
+            <a:r>
+              <a:rPr lang="en-SG" sz="1200" dirty="0" err="1"/>
+              <a:t>SSRRenderModeBoundary</a:t>
+            </a:r>
+            <a:r>
+              <a:rPr lang="en-SG" sz="1200" dirty="0"/>
+              <a:t> created in </a:t>
+            </a:r>
+            <a:r>
+              <a:rPr lang="en-SG" sz="1100" b="1" dirty="0" err="1"/>
+              <a:t>EndpointHtmlRenderer</a:t>
+            </a:r>
+            <a:r>
+              <a:rPr lang="en-SG" sz="1100" b="1" dirty="0"/>
+              <a:t>. </a:t>
+            </a:r>
+            <a:r>
+              <a:rPr lang="en-SG" sz="1100" b="1" dirty="0" err="1"/>
+              <a:t>ResolveComponentForRenderMode</a:t>
+            </a:r>
+            <a:r>
+              <a:rPr lang="en-SG" sz="1100" dirty="0"/>
+              <a:t> and </a:t>
+            </a:r>
+            <a:r>
+              <a:rPr lang="en-SG" sz="1100" b="1" dirty="0" err="1"/>
+              <a:t>EndpointHtmlRenderer</a:t>
+            </a:r>
+            <a:r>
+              <a:rPr lang="en-SG" sz="1100" b="1" dirty="0"/>
+              <a:t> .</a:t>
+            </a:r>
+            <a:r>
+              <a:rPr lang="en-SG" sz="1100" b="1" dirty="0" err="1"/>
+              <a:t>PrerenderComponentAsync</a:t>
+            </a:r>
+            <a:endParaRPr lang="en-SG" sz="1100" b="1" dirty="0"/>
+          </a:p>
+          <a:p>
+            <a:r>
+              <a:rPr lang="en-SG" sz="1200" dirty="0" err="1"/>
+              <a:t>EndpointHtmlRenderer.PrerenderComponentAsync</a:t>
+            </a:r>
+            <a:r>
+              <a:rPr lang="en-SG" sz="1200" dirty="0"/>
+              <a:t> </a:t>
+            </a:r>
+            <a:r>
+              <a:rPr lang="en-US" altLang="zh-CN" sz="1200" dirty="0"/>
+              <a:t>used in </a:t>
+            </a:r>
+            <a:r>
+              <a:rPr lang="en-SG" sz="1200" b="1" dirty="0" err="1"/>
+              <a:t>RazorComponentResultExecutor</a:t>
+            </a:r>
+            <a:r>
+              <a:rPr lang="en-SG" sz="1200" b="1" dirty="0"/>
+              <a:t>. </a:t>
+            </a:r>
+            <a:r>
+              <a:rPr lang="en-SG" sz="1200" b="1" dirty="0" err="1"/>
+              <a:t>RenderComponentToResponse</a:t>
+            </a:r>
+            <a:endParaRPr lang="en-SG" altLang="zh-CN" sz="1200" b="1" dirty="0"/>
+          </a:p>
+          <a:p>
+            <a:endParaRPr lang="en-SG" sz="1200" dirty="0"/>
           </a:p>
         </p:txBody>
       </p:sp>
@@ -21560,6 +21635,567 @@
           </a:p>
         </p:txBody>
       </p:sp>
+      <p:pic>
+        <p:nvPicPr>
+          <p:cNvPr id="7" name="Picture 6">
+            <a:extLst>
+              <a:ext uri="{FF2B5EF4-FFF2-40B4-BE49-F238E27FC236}">
+                <a16:creationId xmlns:a16="http://schemas.microsoft.com/office/drawing/2014/main" id="{31AEEF46-987C-4539-13AC-E9E84AEFB3A2}"/>
+              </a:ext>
+            </a:extLst>
+          </p:cNvPr>
+          <p:cNvPicPr>
+            <a:picLocks noChangeAspect="1"/>
+          </p:cNvPicPr>
+          <p:nvPr/>
+        </p:nvPicPr>
+        <p:blipFill>
+          <a:blip r:embed="rId2"/>
+          <a:stretch>
+            <a:fillRect/>
+          </a:stretch>
+        </p:blipFill>
+        <p:spPr>
+          <a:xfrm>
+            <a:off x="691079" y="4794196"/>
+            <a:ext cx="7581297" cy="1762059"/>
+          </a:xfrm>
+          <a:prstGeom prst="rect">
+            <a:avLst/>
+          </a:prstGeom>
+        </p:spPr>
+      </p:pic>
+      <p:pic>
+        <p:nvPicPr>
+          <p:cNvPr id="9" name="Picture 8">
+            <a:extLst>
+              <a:ext uri="{FF2B5EF4-FFF2-40B4-BE49-F238E27FC236}">
+                <a16:creationId xmlns:a16="http://schemas.microsoft.com/office/drawing/2014/main" id="{980DB0F7-8AC3-82CA-483A-E60A83A8B08A}"/>
+              </a:ext>
+            </a:extLst>
+          </p:cNvPr>
+          <p:cNvPicPr>
+            <a:picLocks noChangeAspect="1"/>
+          </p:cNvPicPr>
+          <p:nvPr/>
+        </p:nvPicPr>
+        <p:blipFill>
+          <a:blip r:embed="rId3"/>
+          <a:stretch>
+            <a:fillRect/>
+          </a:stretch>
+        </p:blipFill>
+        <p:spPr>
+          <a:xfrm>
+            <a:off x="5335707" y="1285440"/>
+            <a:ext cx="6609521" cy="3030707"/>
+          </a:xfrm>
+          <a:prstGeom prst="rect">
+            <a:avLst/>
+          </a:prstGeom>
+        </p:spPr>
+      </p:pic>
+    </p:spTree>
+    <p:extLst>
+      <p:ext uri="{BB962C8B-B14F-4D97-AF65-F5344CB8AC3E}">
+        <p14:creationId xmlns:p14="http://schemas.microsoft.com/office/powerpoint/2010/main" val="91901749"/>
+      </p:ext>
+    </p:extLst>
+  </p:cSld>
+  <p:clrMapOvr>
+    <a:masterClrMapping/>
+  </p:clrMapOvr>
+</p:sld>
+</file>
+
+<file path=ppt/slides/slide21.xml><?xml version="1.0" encoding="utf-8"?>
+<p:sld xmlns:a="http://schemas.openxmlformats.org/drawingml/2006/main" xmlns:r="http://schemas.openxmlformats.org/officeDocument/2006/relationships" xmlns:p="http://schemas.openxmlformats.org/presentationml/2006/main">
+  <p:cSld>
+    <p:spTree>
+      <p:nvGrpSpPr>
+        <p:cNvPr id="1" name=""/>
+        <p:cNvGrpSpPr/>
+        <p:nvPr/>
+      </p:nvGrpSpPr>
+      <p:grpSpPr>
+        <a:xfrm>
+          <a:off x="0" y="0"/>
+          <a:ext cx="0" cy="0"/>
+          <a:chOff x="0" y="0"/>
+          <a:chExt cx="0" cy="0"/>
+        </a:xfrm>
+      </p:grpSpPr>
+      <p:sp>
+        <p:nvSpPr>
+          <p:cNvPr id="2" name="Title 1">
+            <a:extLst>
+              <a:ext uri="{FF2B5EF4-FFF2-40B4-BE49-F238E27FC236}">
+                <a16:creationId xmlns:a16="http://schemas.microsoft.com/office/drawing/2014/main" id="{5F8DF6F0-A65F-1BCE-772C-EDA41D90B8C0}"/>
+              </a:ext>
+            </a:extLst>
+          </p:cNvPr>
+          <p:cNvSpPr>
+            <a:spLocks noGrp="1"/>
+          </p:cNvSpPr>
+          <p:nvPr>
+            <p:ph type="title"/>
+          </p:nvPr>
+        </p:nvSpPr>
+        <p:spPr/>
+        <p:txBody>
+          <a:bodyPr/>
+          <a:lstStyle/>
+          <a:p>
+            <a:r>
+              <a:rPr lang="en-US" altLang="zh-CN" sz="4400" dirty="0"/>
+              <a:t>Blazor Web </a:t>
+            </a:r>
+            <a:r>
+              <a:rPr lang="en-US" altLang="zh-CN" dirty="0"/>
+              <a:t>App</a:t>
+            </a:r>
+            <a:endParaRPr lang="en-SG" dirty="0"/>
+          </a:p>
+        </p:txBody>
+      </p:sp>
+      <p:sp>
+        <p:nvSpPr>
+          <p:cNvPr id="5" name="TextBox 4">
+            <a:extLst>
+              <a:ext uri="{FF2B5EF4-FFF2-40B4-BE49-F238E27FC236}">
+                <a16:creationId xmlns:a16="http://schemas.microsoft.com/office/drawing/2014/main" id="{B36BD462-61B7-A83A-E3DC-27789CC76635}"/>
+              </a:ext>
+            </a:extLst>
+          </p:cNvPr>
+          <p:cNvSpPr txBox="1"/>
+          <p:nvPr/>
+        </p:nvSpPr>
+        <p:spPr>
+          <a:xfrm>
+            <a:off x="691079" y="2354347"/>
+            <a:ext cx="1865690" cy="369332"/>
+          </a:xfrm>
+          <a:prstGeom prst="rect">
+            <a:avLst/>
+          </a:prstGeom>
+          <a:noFill/>
+        </p:spPr>
+        <p:txBody>
+          <a:bodyPr wrap="square">
+            <a:spAutoFit/>
+          </a:bodyPr>
+          <a:lstStyle/>
+          <a:p>
+            <a:r>
+              <a:rPr lang="en-SG" dirty="0" err="1"/>
+              <a:t>PreRender</a:t>
+            </a:r>
+            <a:endParaRPr lang="en-SG" dirty="0"/>
+          </a:p>
+        </p:txBody>
+      </p:sp>
+      <p:sp>
+        <p:nvSpPr>
+          <p:cNvPr id="10" name="TextBox 9">
+            <a:extLst>
+              <a:ext uri="{FF2B5EF4-FFF2-40B4-BE49-F238E27FC236}">
+                <a16:creationId xmlns:a16="http://schemas.microsoft.com/office/drawing/2014/main" id="{44AF00D4-7616-E2E0-AD57-20D9F02E5141}"/>
+              </a:ext>
+            </a:extLst>
+          </p:cNvPr>
+          <p:cNvSpPr txBox="1"/>
+          <p:nvPr/>
+        </p:nvSpPr>
+        <p:spPr>
+          <a:xfrm>
+            <a:off x="691078" y="3020016"/>
+            <a:ext cx="8026793" cy="2862322"/>
+          </a:xfrm>
+          <a:prstGeom prst="rect">
+            <a:avLst/>
+          </a:prstGeom>
+          <a:noFill/>
+        </p:spPr>
+        <p:txBody>
+          <a:bodyPr wrap="square">
+            <a:spAutoFit/>
+          </a:bodyPr>
+          <a:lstStyle/>
+          <a:p>
+            <a:r>
+              <a:rPr lang="en-SG" sz="1200" dirty="0" err="1"/>
+              <a:t>RenderComponentToResponse</a:t>
+            </a:r>
+            <a:r>
+              <a:rPr lang="en-SG" sz="1200" dirty="0"/>
+              <a:t>(</a:t>
+            </a:r>
+            <a:r>
+              <a:rPr lang="en-SG" sz="1200" dirty="0" err="1"/>
+              <a:t>HttpContext</a:t>
+            </a:r>
+            <a:r>
+              <a:rPr lang="en-SG" sz="1200" dirty="0"/>
+              <a:t> </a:t>
+            </a:r>
+            <a:r>
+              <a:rPr lang="en-SG" sz="1200" dirty="0" err="1"/>
+              <a:t>httpContext</a:t>
+            </a:r>
+            <a:r>
+              <a:rPr lang="en-SG" sz="1200" dirty="0"/>
+              <a:t>,...)</a:t>
+            </a:r>
+          </a:p>
+          <a:p>
+            <a:r>
+              <a:rPr lang="en-SG" sz="1200" dirty="0"/>
+              <a:t>{</a:t>
+            </a:r>
+          </a:p>
+          <a:p>
+            <a:r>
+              <a:rPr lang="en-SG" sz="1200" dirty="0"/>
+              <a:t>    var </a:t>
+            </a:r>
+            <a:r>
+              <a:rPr lang="en-SG" sz="1200" dirty="0" err="1"/>
+              <a:t>endpointHtmlRenderer</a:t>
+            </a:r>
+            <a:r>
+              <a:rPr lang="en-SG" sz="1200" dirty="0"/>
+              <a:t> = </a:t>
+            </a:r>
+            <a:r>
+              <a:rPr lang="en-SG" sz="1200" dirty="0" err="1"/>
+              <a:t>httpContext.RequestServices.GetRequiredService</a:t>
+            </a:r>
+            <a:r>
+              <a:rPr lang="en-SG" sz="1200" dirty="0"/>
+              <a:t>&lt;</a:t>
+            </a:r>
+            <a:r>
+              <a:rPr lang="en-SG" sz="1200" dirty="0" err="1"/>
+              <a:t>EndpointHtmlRenderer</a:t>
+            </a:r>
+            <a:r>
+              <a:rPr lang="en-SG" sz="1200" dirty="0"/>
+              <a:t>&gt;();</a:t>
+            </a:r>
+          </a:p>
+          <a:p>
+            <a:r>
+              <a:rPr lang="en-SG" sz="1200" dirty="0"/>
+              <a:t>    return </a:t>
+            </a:r>
+            <a:r>
+              <a:rPr lang="en-SG" sz="1200" dirty="0" err="1"/>
+              <a:t>endpointHtmlRenderer.Dispatcher.InvokeAsync</a:t>
+            </a:r>
+            <a:r>
+              <a:rPr lang="en-SG" sz="1200" dirty="0"/>
+              <a:t>()</a:t>
+            </a:r>
+          </a:p>
+          <a:p>
+            <a:r>
+              <a:rPr lang="en-SG" sz="1200" dirty="0"/>
+              <a:t>    {</a:t>
+            </a:r>
+          </a:p>
+          <a:p>
+            <a:r>
+              <a:rPr lang="en-SG" sz="1200" dirty="0"/>
+              <a:t>        </a:t>
+            </a:r>
+            <a:r>
+              <a:rPr lang="en-SG" sz="1200" dirty="0" err="1"/>
+              <a:t>endpointHtmlRenderer.InitializeStreamingRenderingFraming</a:t>
+            </a:r>
+            <a:r>
+              <a:rPr lang="en-SG" sz="1200" dirty="0"/>
+              <a:t>(</a:t>
+            </a:r>
+            <a:r>
+              <a:rPr lang="en-SG" sz="1200" dirty="0" err="1"/>
+              <a:t>httpContext</a:t>
+            </a:r>
+            <a:r>
+              <a:rPr lang="en-SG" sz="1200" dirty="0"/>
+              <a:t>, </a:t>
+            </a:r>
+            <a:r>
+              <a:rPr lang="en-SG" sz="1200" dirty="0" err="1"/>
+              <a:t>isErrorHandler</a:t>
+            </a:r>
+            <a:r>
+              <a:rPr lang="en-SG" sz="1200" dirty="0"/>
+              <a:t>)</a:t>
+            </a:r>
+          </a:p>
+          <a:p>
+            <a:r>
+              <a:rPr lang="en-SG" sz="1200" dirty="0"/>
+              <a:t>        {</a:t>
+            </a:r>
+          </a:p>
+          <a:p>
+            <a:r>
+              <a:rPr lang="en-SG" sz="1200" dirty="0"/>
+              <a:t>            </a:t>
+            </a:r>
+            <a:r>
+              <a:rPr lang="en-SG" sz="1200" dirty="0" err="1"/>
+              <a:t>httpContext.Response.Headers.Add</a:t>
+            </a:r>
+            <a:r>
+              <a:rPr lang="en-SG" sz="1200" dirty="0"/>
+              <a:t>("</a:t>
+            </a:r>
+            <a:r>
+              <a:rPr lang="en-SG" sz="1200" dirty="0" err="1"/>
+              <a:t>ssr</a:t>
+            </a:r>
+            <a:r>
+              <a:rPr lang="en-SG" sz="1200" dirty="0"/>
+              <a:t>-</a:t>
+            </a:r>
+            <a:r>
+              <a:rPr lang="en-SG" sz="1200" dirty="0" err="1"/>
+              <a:t>framing",new</a:t>
+            </a:r>
+            <a:r>
+              <a:rPr lang="en-SG" sz="1200" dirty="0"/>
+              <a:t> Guid());</a:t>
+            </a:r>
+          </a:p>
+          <a:p>
+            <a:r>
+              <a:rPr lang="en-SG" sz="1200" dirty="0"/>
+              <a:t>        }</a:t>
+            </a:r>
+          </a:p>
+          <a:p>
+            <a:r>
+              <a:rPr lang="en-SG" sz="1200" dirty="0"/>
+              <a:t>        var </a:t>
+            </a:r>
+            <a:r>
+              <a:rPr lang="en-SG" sz="1200" dirty="0" err="1"/>
+              <a:t>htmlContent</a:t>
+            </a:r>
+            <a:r>
+              <a:rPr lang="en-SG" sz="1200" dirty="0"/>
+              <a:t> = </a:t>
+            </a:r>
+            <a:r>
+              <a:rPr lang="en-SG" sz="1200" dirty="0" err="1"/>
+              <a:t>endpointHtmlRenderer.PrerenderComponentAsync</a:t>
+            </a:r>
+            <a:r>
+              <a:rPr lang="en-SG" sz="1200" dirty="0"/>
+              <a:t>(...);</a:t>
+            </a:r>
+          </a:p>
+          <a:p>
+            <a:r>
+              <a:rPr lang="en-SG" sz="1200" dirty="0"/>
+              <a:t>        </a:t>
+            </a:r>
+            <a:r>
+              <a:rPr lang="en-SG" sz="1200" dirty="0" err="1"/>
+              <a:t>htmlContent.WriteTo</a:t>
+            </a:r>
+            <a:r>
+              <a:rPr lang="en-SG" sz="1200" dirty="0"/>
+              <a:t>(</a:t>
+            </a:r>
+            <a:r>
+              <a:rPr lang="en-SG" sz="1200" dirty="0" err="1"/>
+              <a:t>bufferWriter</a:t>
+            </a:r>
+            <a:r>
+              <a:rPr lang="en-SG" sz="1200" dirty="0"/>
+              <a:t>, </a:t>
+            </a:r>
+            <a:r>
+              <a:rPr lang="en-SG" sz="1200" dirty="0" err="1"/>
+              <a:t>HtmlEncoder.Default</a:t>
+            </a:r>
+            <a:r>
+              <a:rPr lang="en-SG" sz="1200" dirty="0"/>
+              <a:t>);</a:t>
+            </a:r>
+          </a:p>
+          <a:p>
+            <a:r>
+              <a:rPr lang="en-SG" sz="1200" dirty="0"/>
+              <a:t>        ...</a:t>
+            </a:r>
+          </a:p>
+          <a:p>
+            <a:r>
+              <a:rPr lang="en-SG" sz="1200" dirty="0"/>
+              <a:t>        await </a:t>
+            </a:r>
+            <a:r>
+              <a:rPr lang="en-SG" sz="1200" dirty="0" err="1"/>
+              <a:t>bufferWriter.FlushAsync</a:t>
+            </a:r>
+            <a:r>
+              <a:rPr lang="en-SG" sz="1200" dirty="0"/>
+              <a:t>();</a:t>
+            </a:r>
+          </a:p>
+          <a:p>
+            <a:r>
+              <a:rPr lang="en-SG" sz="1200" dirty="0"/>
+              <a:t>    }</a:t>
+            </a:r>
+          </a:p>
+          <a:p>
+            <a:r>
+              <a:rPr lang="en-SG" sz="1200" dirty="0"/>
+              <a:t>}</a:t>
+            </a:r>
+          </a:p>
+        </p:txBody>
+      </p:sp>
+    </p:spTree>
+    <p:extLst>
+      <p:ext uri="{BB962C8B-B14F-4D97-AF65-F5344CB8AC3E}">
+        <p14:creationId xmlns:p14="http://schemas.microsoft.com/office/powerpoint/2010/main" val="2426618925"/>
+      </p:ext>
+    </p:extLst>
+  </p:cSld>
+  <p:clrMapOvr>
+    <a:masterClrMapping/>
+  </p:clrMapOvr>
+</p:sld>
+</file>
+
+<file path=ppt/slides/slide22.xml><?xml version="1.0" encoding="utf-8"?>
+<p:sld xmlns:a="http://schemas.openxmlformats.org/drawingml/2006/main" xmlns:r="http://schemas.openxmlformats.org/officeDocument/2006/relationships" xmlns:p="http://schemas.openxmlformats.org/presentationml/2006/main">
+  <p:cSld>
+    <p:spTree>
+      <p:nvGrpSpPr>
+        <p:cNvPr id="1" name=""/>
+        <p:cNvGrpSpPr/>
+        <p:nvPr/>
+      </p:nvGrpSpPr>
+      <p:grpSpPr>
+        <a:xfrm>
+          <a:off x="0" y="0"/>
+          <a:ext cx="0" cy="0"/>
+          <a:chOff x="0" y="0"/>
+          <a:chExt cx="0" cy="0"/>
+        </a:xfrm>
+      </p:grpSpPr>
+      <p:sp>
+        <p:nvSpPr>
+          <p:cNvPr id="2" name="Title 1">
+            <a:extLst>
+              <a:ext uri="{FF2B5EF4-FFF2-40B4-BE49-F238E27FC236}">
+                <a16:creationId xmlns:a16="http://schemas.microsoft.com/office/drawing/2014/main" id="{5F8DF6F0-A65F-1BCE-772C-EDA41D90B8C0}"/>
+              </a:ext>
+            </a:extLst>
+          </p:cNvPr>
+          <p:cNvSpPr>
+            <a:spLocks noGrp="1"/>
+          </p:cNvSpPr>
+          <p:nvPr>
+            <p:ph type="title"/>
+          </p:nvPr>
+        </p:nvSpPr>
+        <p:spPr/>
+        <p:txBody>
+          <a:bodyPr/>
+          <a:lstStyle/>
+          <a:p>
+            <a:r>
+              <a:rPr lang="en-US" altLang="zh-CN" sz="4400" dirty="0"/>
+              <a:t>Blazor Web </a:t>
+            </a:r>
+            <a:r>
+              <a:rPr lang="en-US" altLang="zh-CN" dirty="0"/>
+              <a:t>App</a:t>
+            </a:r>
+            <a:endParaRPr lang="en-SG" dirty="0"/>
+          </a:p>
+        </p:txBody>
+      </p:sp>
+      <p:sp>
+        <p:nvSpPr>
+          <p:cNvPr id="3" name="Content Placeholder 2">
+            <a:extLst>
+              <a:ext uri="{FF2B5EF4-FFF2-40B4-BE49-F238E27FC236}">
+                <a16:creationId xmlns:a16="http://schemas.microsoft.com/office/drawing/2014/main" id="{B10825B6-ED58-382E-5066-73CC4C67868B}"/>
+              </a:ext>
+            </a:extLst>
+          </p:cNvPr>
+          <p:cNvSpPr>
+            <a:spLocks noGrp="1"/>
+          </p:cNvSpPr>
+          <p:nvPr>
+            <p:ph idx="1"/>
+          </p:nvPr>
+        </p:nvSpPr>
+        <p:spPr>
+          <a:xfrm>
+            <a:off x="691078" y="2877908"/>
+            <a:ext cx="10324999" cy="1072655"/>
+          </a:xfrm>
+        </p:spPr>
+        <p:txBody>
+          <a:bodyPr>
+            <a:noAutofit/>
+          </a:bodyPr>
+          <a:lstStyle/>
+          <a:p>
+            <a:r>
+              <a:rPr lang="en-SG" sz="1200" dirty="0"/>
+              <a:t>Can disable prerender as follow:</a:t>
+            </a:r>
+            <a:endParaRPr lang="en-SG" sz="1200" b="1" dirty="0"/>
+          </a:p>
+        </p:txBody>
+      </p:sp>
+      <p:sp>
+        <p:nvSpPr>
+          <p:cNvPr id="5" name="TextBox 4">
+            <a:extLst>
+              <a:ext uri="{FF2B5EF4-FFF2-40B4-BE49-F238E27FC236}">
+                <a16:creationId xmlns:a16="http://schemas.microsoft.com/office/drawing/2014/main" id="{B36BD462-61B7-A83A-E3DC-27789CC76635}"/>
+              </a:ext>
+            </a:extLst>
+          </p:cNvPr>
+          <p:cNvSpPr txBox="1"/>
+          <p:nvPr/>
+        </p:nvSpPr>
+        <p:spPr>
+          <a:xfrm>
+            <a:off x="691079" y="2354347"/>
+            <a:ext cx="1865690" cy="369332"/>
+          </a:xfrm>
+          <a:prstGeom prst="rect">
+            <a:avLst/>
+          </a:prstGeom>
+          <a:noFill/>
+        </p:spPr>
+        <p:txBody>
+          <a:bodyPr wrap="square">
+            <a:spAutoFit/>
+          </a:bodyPr>
+          <a:lstStyle/>
+          <a:p>
+            <a:r>
+              <a:rPr lang="en-SG" dirty="0" err="1"/>
+              <a:t>PreRender</a:t>
+            </a:r>
+            <a:endParaRPr lang="en-SG" dirty="0"/>
+          </a:p>
+        </p:txBody>
+      </p:sp>
       <p:sp>
         <p:nvSpPr>
           <p:cNvPr id="7" name="TextBox 6">
@@ -21575,7 +22211,7 @@
         <p:spPr>
           <a:xfrm>
             <a:off x="691078" y="3296878"/>
-            <a:ext cx="7546019" cy="1615827"/>
+            <a:ext cx="7716075" cy="1615827"/>
           </a:xfrm>
           <a:prstGeom prst="rect">
             <a:avLst/>
@@ -22318,7 +22954,7 @@
 </p:sld>
 </file>
 
-<file path=ppt/slides/slide21.xml><?xml version="1.0" encoding="utf-8"?>
+<file path=ppt/slides/slide23.xml><?xml version="1.0" encoding="utf-8"?>
 <p:sld xmlns:a="http://schemas.openxmlformats.org/drawingml/2006/main" xmlns:r="http://schemas.openxmlformats.org/officeDocument/2006/relationships" xmlns:p="http://schemas.openxmlformats.org/presentationml/2006/main">
   <p:cSld>
     <p:spTree>
@@ -22486,7 +23122,7 @@
 </p:sld>
 </file>
 
-<file path=ppt/slides/slide22.xml><?xml version="1.0" encoding="utf-8"?>
+<file path=ppt/slides/slide24.xml><?xml version="1.0" encoding="utf-8"?>
 <p:sld xmlns:a="http://schemas.openxmlformats.org/drawingml/2006/main" xmlns:r="http://schemas.openxmlformats.org/officeDocument/2006/relationships" xmlns:p="http://schemas.openxmlformats.org/presentationml/2006/main">
   <p:cSld>
     <p:spTree>
@@ -22654,7 +23290,7 @@
 </p:sld>
 </file>
 
-<file path=ppt/slides/slide23.xml><?xml version="1.0" encoding="utf-8"?>
+<file path=ppt/slides/slide25.xml><?xml version="1.0" encoding="utf-8"?>
 <p:sld xmlns:a="http://schemas.openxmlformats.org/drawingml/2006/main" xmlns:r="http://schemas.openxmlformats.org/officeDocument/2006/relationships" xmlns:p="http://schemas.openxmlformats.org/presentationml/2006/main">
   <p:cSld>
     <p:spTree>
@@ -25753,7 +26389,7 @@
 </p:sld>
 </file>
 
-<file path=ppt/slides/slide24.xml><?xml version="1.0" encoding="utf-8"?>
+<file path=ppt/slides/slide26.xml><?xml version="1.0" encoding="utf-8"?>
 <p:sld xmlns:a="http://schemas.openxmlformats.org/drawingml/2006/main" xmlns:r="http://schemas.openxmlformats.org/officeDocument/2006/relationships" xmlns:p="http://schemas.openxmlformats.org/presentationml/2006/main">
   <p:cSld>
     <p:spTree>
@@ -27199,7 +27835,7 @@
 </p:sld>
 </file>
 
-<file path=ppt/slides/slide25.xml><?xml version="1.0" encoding="utf-8"?>
+<file path=ppt/slides/slide27.xml><?xml version="1.0" encoding="utf-8"?>
 <p:sld xmlns:a="http://schemas.openxmlformats.org/drawingml/2006/main" xmlns:r="http://schemas.openxmlformats.org/officeDocument/2006/relationships" xmlns:p="http://schemas.openxmlformats.org/presentationml/2006/main">
   <p:cSld>
     <p:spTree>
@@ -28709,7 +29345,7 @@
 </p:sld>
 </file>
 
-<file path=ppt/slides/slide26.xml><?xml version="1.0" encoding="utf-8"?>
+<file path=ppt/slides/slide28.xml><?xml version="1.0" encoding="utf-8"?>
 <p:sld xmlns:a="http://schemas.openxmlformats.org/drawingml/2006/main" xmlns:r="http://schemas.openxmlformats.org/officeDocument/2006/relationships" xmlns:p="http://schemas.openxmlformats.org/presentationml/2006/main">
   <p:cSld>
     <p:spTree>
@@ -29141,7 +29777,7 @@
 </p:sld>
 </file>
 
-<file path=ppt/slides/slide27.xml><?xml version="1.0" encoding="utf-8"?>
+<file path=ppt/slides/slide29.xml><?xml version="1.0" encoding="utf-8"?>
 <p:sld xmlns:a="http://schemas.openxmlformats.org/drawingml/2006/main" xmlns:r="http://schemas.openxmlformats.org/officeDocument/2006/relationships" xmlns:p="http://schemas.openxmlformats.org/presentationml/2006/main">
   <p:cSld>
     <p:spTree>
@@ -29726,7 +30362,289 @@
 </p:sld>
 </file>
 
-<file path=ppt/slides/slide28.xml><?xml version="1.0" encoding="utf-8"?>
+<file path=ppt/slides/slide3.xml><?xml version="1.0" encoding="utf-8"?>
+<p:sld xmlns:a="http://schemas.openxmlformats.org/drawingml/2006/main" xmlns:r="http://schemas.openxmlformats.org/officeDocument/2006/relationships" xmlns:p="http://schemas.openxmlformats.org/presentationml/2006/main">
+  <p:cSld>
+    <p:spTree>
+      <p:nvGrpSpPr>
+        <p:cNvPr id="1" name=""/>
+        <p:cNvGrpSpPr/>
+        <p:nvPr/>
+      </p:nvGrpSpPr>
+      <p:grpSpPr>
+        <a:xfrm>
+          <a:off x="0" y="0"/>
+          <a:ext cx="0" cy="0"/>
+          <a:chOff x="0" y="0"/>
+          <a:chExt cx="0" cy="0"/>
+        </a:xfrm>
+      </p:grpSpPr>
+      <p:sp>
+        <p:nvSpPr>
+          <p:cNvPr id="2" name="Title 1">
+            <a:extLst>
+              <a:ext uri="{FF2B5EF4-FFF2-40B4-BE49-F238E27FC236}">
+                <a16:creationId xmlns:a16="http://schemas.microsoft.com/office/drawing/2014/main" id="{D2A9F37C-6850-FEEA-0216-F9413B79D937}"/>
+              </a:ext>
+            </a:extLst>
+          </p:cNvPr>
+          <p:cNvSpPr>
+            <a:spLocks noGrp="1"/>
+          </p:cNvSpPr>
+          <p:nvPr>
+            <p:ph type="title"/>
+          </p:nvPr>
+        </p:nvSpPr>
+        <p:spPr/>
+        <p:txBody>
+          <a:bodyPr/>
+          <a:lstStyle/>
+          <a:p>
+            <a:endParaRPr lang="en-SG"/>
+          </a:p>
+        </p:txBody>
+      </p:sp>
+      <p:sp>
+        <p:nvSpPr>
+          <p:cNvPr id="3" name="Content Placeholder 2">
+            <a:extLst>
+              <a:ext uri="{FF2B5EF4-FFF2-40B4-BE49-F238E27FC236}">
+                <a16:creationId xmlns:a16="http://schemas.microsoft.com/office/drawing/2014/main" id="{16DE4483-8521-C2ED-C523-D74D12889434}"/>
+              </a:ext>
+            </a:extLst>
+          </p:cNvPr>
+          <p:cNvSpPr>
+            <a:spLocks noGrp="1"/>
+          </p:cNvSpPr>
+          <p:nvPr>
+            <p:ph idx="1"/>
+          </p:nvPr>
+        </p:nvSpPr>
+        <p:spPr/>
+        <p:txBody>
+          <a:bodyPr>
+            <a:normAutofit/>
+          </a:bodyPr>
+          <a:lstStyle/>
+          <a:p>
+            <a:r>
+              <a:rPr lang="en-SG" sz="1400" dirty="0">
+                <a:solidFill>
+                  <a:srgbClr val="00B050"/>
+                </a:solidFill>
+              </a:rPr>
+              <a:t>Q1:difference between </a:t>
+            </a:r>
+            <a:r>
+              <a:rPr lang="en-SG" sz="1400" dirty="0" err="1">
+                <a:solidFill>
+                  <a:srgbClr val="00B050"/>
+                </a:solidFill>
+              </a:rPr>
+              <a:t>wasm</a:t>
+            </a:r>
+            <a:r>
+              <a:rPr lang="en-SG" sz="1400" dirty="0">
+                <a:solidFill>
+                  <a:srgbClr val="00B050"/>
+                </a:solidFill>
+              </a:rPr>
+              <a:t> and auto render</a:t>
+            </a:r>
+          </a:p>
+          <a:p>
+            <a:r>
+              <a:rPr lang="en-US" altLang="zh-CN" sz="1400" dirty="0">
+                <a:solidFill>
+                  <a:srgbClr val="00B050"/>
+                </a:solidFill>
+              </a:rPr>
+              <a:t>A</a:t>
+            </a:r>
+            <a:r>
+              <a:rPr lang="en-SG" altLang="zh-CN" sz="1400" dirty="0">
+                <a:solidFill>
+                  <a:srgbClr val="00B050"/>
+                </a:solidFill>
+              </a:rPr>
+              <a:t>:</a:t>
+            </a:r>
+            <a:r>
+              <a:rPr lang="zh-CN" altLang="en-US" sz="1400" dirty="0">
+                <a:solidFill>
+                  <a:srgbClr val="00B050"/>
+                </a:solidFill>
+              </a:rPr>
+              <a:t> </a:t>
+            </a:r>
+            <a:r>
+              <a:rPr lang="en-SG" altLang="zh-CN" sz="1400" dirty="0">
+                <a:solidFill>
+                  <a:srgbClr val="00B050"/>
+                </a:solidFill>
+              </a:rPr>
+              <a:t>auto</a:t>
+            </a:r>
+            <a:r>
+              <a:rPr lang="zh-CN" altLang="en-US" sz="1400" dirty="0">
+                <a:solidFill>
+                  <a:srgbClr val="00B050"/>
+                </a:solidFill>
+              </a:rPr>
+              <a:t> </a:t>
+            </a:r>
+            <a:r>
+              <a:rPr lang="en-SG" altLang="zh-CN" sz="1400" dirty="0">
+                <a:solidFill>
+                  <a:srgbClr val="00B050"/>
+                </a:solidFill>
+              </a:rPr>
+              <a:t>render</a:t>
+            </a:r>
+            <a:r>
+              <a:rPr lang="zh-CN" altLang="en-US" sz="1400" dirty="0">
+                <a:solidFill>
+                  <a:srgbClr val="00B050"/>
+                </a:solidFill>
+              </a:rPr>
+              <a:t> </a:t>
+            </a:r>
+            <a:r>
+              <a:rPr lang="en-SG" altLang="zh-CN" sz="1400" dirty="0">
+                <a:solidFill>
+                  <a:srgbClr val="00B050"/>
+                </a:solidFill>
+              </a:rPr>
+              <a:t>can</a:t>
+            </a:r>
+            <a:r>
+              <a:rPr lang="zh-CN" altLang="en-US" sz="1400" dirty="0">
+                <a:solidFill>
+                  <a:srgbClr val="00B050"/>
+                </a:solidFill>
+              </a:rPr>
+              <a:t> </a:t>
+            </a:r>
+            <a:r>
+              <a:rPr lang="en-SG" sz="1400" dirty="0">
+                <a:solidFill>
+                  <a:srgbClr val="00B050"/>
+                </a:solidFill>
+                <a:effectLst/>
+              </a:rPr>
+              <a:t>Interactive before </a:t>
+            </a:r>
+            <a:r>
+              <a:rPr lang="en-SG" sz="1400" dirty="0" err="1">
+                <a:solidFill>
+                  <a:srgbClr val="00B050"/>
+                </a:solidFill>
+                <a:effectLst/>
+              </a:rPr>
+              <a:t>wasm</a:t>
+            </a:r>
+            <a:r>
+              <a:rPr lang="en-SG" sz="1400" dirty="0">
+                <a:solidFill>
+                  <a:srgbClr val="00B050"/>
+                </a:solidFill>
+                <a:effectLst/>
+              </a:rPr>
+              <a:t> load complete, </a:t>
+            </a:r>
+            <a:r>
+              <a:rPr lang="en-SG" sz="1400" dirty="0" err="1">
+                <a:solidFill>
+                  <a:srgbClr val="00B050"/>
+                </a:solidFill>
+                <a:effectLst/>
+              </a:rPr>
+              <a:t>wasm</a:t>
+            </a:r>
+            <a:r>
+              <a:rPr lang="en-SG" sz="1400" dirty="0">
+                <a:solidFill>
+                  <a:srgbClr val="00B050"/>
+                </a:solidFill>
+                <a:effectLst/>
+              </a:rPr>
+              <a:t> can only Interactive after load complete</a:t>
+            </a:r>
+            <a:endParaRPr lang="en-SG" sz="1400" dirty="0">
+              <a:solidFill>
+                <a:srgbClr val="00B050"/>
+              </a:solidFill>
+            </a:endParaRPr>
+          </a:p>
+          <a:p>
+            <a:r>
+              <a:rPr lang="en-SG" sz="1400" dirty="0"/>
+              <a:t>Q2:difference between prerender and SSR Render</a:t>
+            </a:r>
+          </a:p>
+          <a:p>
+            <a:r>
+              <a:rPr lang="en-SG" sz="1400" dirty="0">
+                <a:solidFill>
+                  <a:srgbClr val="00B050"/>
+                </a:solidFill>
+              </a:rPr>
+              <a:t>Q3:entrance of render</a:t>
+            </a:r>
+          </a:p>
+          <a:p>
+            <a:r>
+              <a:rPr lang="en-SG" sz="1400" dirty="0">
+                <a:solidFill>
+                  <a:srgbClr val="00B050"/>
+                </a:solidFill>
+              </a:rPr>
+              <a:t>A: render as a </a:t>
+            </a:r>
+            <a:r>
+              <a:rPr lang="en-SG" sz="1400" dirty="0" err="1">
+                <a:solidFill>
+                  <a:srgbClr val="00B050"/>
+                </a:solidFill>
+              </a:rPr>
+              <a:t>DelegateRequest</a:t>
+            </a:r>
+            <a:r>
+              <a:rPr lang="en-SG" sz="1400" dirty="0">
+                <a:solidFill>
+                  <a:srgbClr val="00B050"/>
+                </a:solidFill>
+              </a:rPr>
+              <a:t>  invoked in endpoint</a:t>
+            </a:r>
+          </a:p>
+          <a:p>
+            <a:r>
+              <a:rPr lang="en-SG" sz="1400" dirty="0"/>
+              <a:t>Q4:Blazor web using </a:t>
+            </a:r>
+            <a:r>
+              <a:rPr lang="en-SG" sz="1400" dirty="0" err="1"/>
+              <a:t>sensario</a:t>
+            </a:r>
+            <a:endParaRPr lang="en-SG" sz="1400" dirty="0"/>
+          </a:p>
+        </p:txBody>
+      </p:sp>
+    </p:spTree>
+    <p:extLst>
+      <p:ext uri="{BB962C8B-B14F-4D97-AF65-F5344CB8AC3E}">
+        <p14:creationId xmlns:p14="http://schemas.microsoft.com/office/powerpoint/2010/main" val="2421849563"/>
+      </p:ext>
+    </p:extLst>
+  </p:cSld>
+  <p:clrMapOvr>
+    <a:masterClrMapping/>
+  </p:clrMapOvr>
+</p:sld>
+</file>
+
+<file path=ppt/slides/slide30.xml><?xml version="1.0" encoding="utf-8"?>
 <p:sld xmlns:a="http://schemas.openxmlformats.org/drawingml/2006/main" xmlns:r="http://schemas.openxmlformats.org/officeDocument/2006/relationships" xmlns:p="http://schemas.openxmlformats.org/presentationml/2006/main">
   <p:cSld>
     <p:spTree>
@@ -31108,7 +32026,7 @@
 </p:sld>
 </file>
 
-<file path=ppt/slides/slide29.xml><?xml version="1.0" encoding="utf-8"?>
+<file path=ppt/slides/slide31.xml><?xml version="1.0" encoding="utf-8"?>
 <p:sld xmlns:a="http://schemas.openxmlformats.org/drawingml/2006/main" xmlns:r="http://schemas.openxmlformats.org/officeDocument/2006/relationships" xmlns:p="http://schemas.openxmlformats.org/presentationml/2006/main">
   <p:cSld>
     <p:spTree>
@@ -32450,289 +33368,7 @@
 </p:sld>
 </file>
 
-<file path=ppt/slides/slide3.xml><?xml version="1.0" encoding="utf-8"?>
-<p:sld xmlns:a="http://schemas.openxmlformats.org/drawingml/2006/main" xmlns:r="http://schemas.openxmlformats.org/officeDocument/2006/relationships" xmlns:p="http://schemas.openxmlformats.org/presentationml/2006/main">
-  <p:cSld>
-    <p:spTree>
-      <p:nvGrpSpPr>
-        <p:cNvPr id="1" name=""/>
-        <p:cNvGrpSpPr/>
-        <p:nvPr/>
-      </p:nvGrpSpPr>
-      <p:grpSpPr>
-        <a:xfrm>
-          <a:off x="0" y="0"/>
-          <a:ext cx="0" cy="0"/>
-          <a:chOff x="0" y="0"/>
-          <a:chExt cx="0" cy="0"/>
-        </a:xfrm>
-      </p:grpSpPr>
-      <p:sp>
-        <p:nvSpPr>
-          <p:cNvPr id="2" name="Title 1">
-            <a:extLst>
-              <a:ext uri="{FF2B5EF4-FFF2-40B4-BE49-F238E27FC236}">
-                <a16:creationId xmlns:a16="http://schemas.microsoft.com/office/drawing/2014/main" id="{D2A9F37C-6850-FEEA-0216-F9413B79D937}"/>
-              </a:ext>
-            </a:extLst>
-          </p:cNvPr>
-          <p:cNvSpPr>
-            <a:spLocks noGrp="1"/>
-          </p:cNvSpPr>
-          <p:nvPr>
-            <p:ph type="title"/>
-          </p:nvPr>
-        </p:nvSpPr>
-        <p:spPr/>
-        <p:txBody>
-          <a:bodyPr/>
-          <a:lstStyle/>
-          <a:p>
-            <a:endParaRPr lang="en-SG"/>
-          </a:p>
-        </p:txBody>
-      </p:sp>
-      <p:sp>
-        <p:nvSpPr>
-          <p:cNvPr id="3" name="Content Placeholder 2">
-            <a:extLst>
-              <a:ext uri="{FF2B5EF4-FFF2-40B4-BE49-F238E27FC236}">
-                <a16:creationId xmlns:a16="http://schemas.microsoft.com/office/drawing/2014/main" id="{16DE4483-8521-C2ED-C523-D74D12889434}"/>
-              </a:ext>
-            </a:extLst>
-          </p:cNvPr>
-          <p:cNvSpPr>
-            <a:spLocks noGrp="1"/>
-          </p:cNvSpPr>
-          <p:nvPr>
-            <p:ph idx="1"/>
-          </p:nvPr>
-        </p:nvSpPr>
-        <p:spPr/>
-        <p:txBody>
-          <a:bodyPr>
-            <a:normAutofit/>
-          </a:bodyPr>
-          <a:lstStyle/>
-          <a:p>
-            <a:r>
-              <a:rPr lang="en-SG" sz="1400" dirty="0">
-                <a:solidFill>
-                  <a:srgbClr val="00B050"/>
-                </a:solidFill>
-              </a:rPr>
-              <a:t>Q1:difference between </a:t>
-            </a:r>
-            <a:r>
-              <a:rPr lang="en-SG" sz="1400" dirty="0" err="1">
-                <a:solidFill>
-                  <a:srgbClr val="00B050"/>
-                </a:solidFill>
-              </a:rPr>
-              <a:t>wasm</a:t>
-            </a:r>
-            <a:r>
-              <a:rPr lang="en-SG" sz="1400" dirty="0">
-                <a:solidFill>
-                  <a:srgbClr val="00B050"/>
-                </a:solidFill>
-              </a:rPr>
-              <a:t> and auto render</a:t>
-            </a:r>
-          </a:p>
-          <a:p>
-            <a:r>
-              <a:rPr lang="en-US" altLang="zh-CN" sz="1400" dirty="0">
-                <a:solidFill>
-                  <a:srgbClr val="00B050"/>
-                </a:solidFill>
-              </a:rPr>
-              <a:t>A</a:t>
-            </a:r>
-            <a:r>
-              <a:rPr lang="en-SG" altLang="zh-CN" sz="1400" dirty="0">
-                <a:solidFill>
-                  <a:srgbClr val="00B050"/>
-                </a:solidFill>
-              </a:rPr>
-              <a:t>:</a:t>
-            </a:r>
-            <a:r>
-              <a:rPr lang="zh-CN" altLang="en-US" sz="1400" dirty="0">
-                <a:solidFill>
-                  <a:srgbClr val="00B050"/>
-                </a:solidFill>
-              </a:rPr>
-              <a:t> </a:t>
-            </a:r>
-            <a:r>
-              <a:rPr lang="en-SG" altLang="zh-CN" sz="1400" dirty="0">
-                <a:solidFill>
-                  <a:srgbClr val="00B050"/>
-                </a:solidFill>
-              </a:rPr>
-              <a:t>auto</a:t>
-            </a:r>
-            <a:r>
-              <a:rPr lang="zh-CN" altLang="en-US" sz="1400" dirty="0">
-                <a:solidFill>
-                  <a:srgbClr val="00B050"/>
-                </a:solidFill>
-              </a:rPr>
-              <a:t> </a:t>
-            </a:r>
-            <a:r>
-              <a:rPr lang="en-SG" altLang="zh-CN" sz="1400" dirty="0">
-                <a:solidFill>
-                  <a:srgbClr val="00B050"/>
-                </a:solidFill>
-              </a:rPr>
-              <a:t>render</a:t>
-            </a:r>
-            <a:r>
-              <a:rPr lang="zh-CN" altLang="en-US" sz="1400" dirty="0">
-                <a:solidFill>
-                  <a:srgbClr val="00B050"/>
-                </a:solidFill>
-              </a:rPr>
-              <a:t> </a:t>
-            </a:r>
-            <a:r>
-              <a:rPr lang="en-SG" altLang="zh-CN" sz="1400" dirty="0">
-                <a:solidFill>
-                  <a:srgbClr val="00B050"/>
-                </a:solidFill>
-              </a:rPr>
-              <a:t>can</a:t>
-            </a:r>
-            <a:r>
-              <a:rPr lang="zh-CN" altLang="en-US" sz="1400" dirty="0">
-                <a:solidFill>
-                  <a:srgbClr val="00B050"/>
-                </a:solidFill>
-              </a:rPr>
-              <a:t> </a:t>
-            </a:r>
-            <a:r>
-              <a:rPr lang="en-SG" sz="1400" dirty="0">
-                <a:solidFill>
-                  <a:srgbClr val="00B050"/>
-                </a:solidFill>
-                <a:effectLst/>
-              </a:rPr>
-              <a:t>Interactive before </a:t>
-            </a:r>
-            <a:r>
-              <a:rPr lang="en-SG" sz="1400" dirty="0" err="1">
-                <a:solidFill>
-                  <a:srgbClr val="00B050"/>
-                </a:solidFill>
-                <a:effectLst/>
-              </a:rPr>
-              <a:t>wasm</a:t>
-            </a:r>
-            <a:r>
-              <a:rPr lang="en-SG" sz="1400" dirty="0">
-                <a:solidFill>
-                  <a:srgbClr val="00B050"/>
-                </a:solidFill>
-                <a:effectLst/>
-              </a:rPr>
-              <a:t> load complete, </a:t>
-            </a:r>
-            <a:r>
-              <a:rPr lang="en-SG" sz="1400" dirty="0" err="1">
-                <a:solidFill>
-                  <a:srgbClr val="00B050"/>
-                </a:solidFill>
-                <a:effectLst/>
-              </a:rPr>
-              <a:t>wasm</a:t>
-            </a:r>
-            <a:r>
-              <a:rPr lang="en-SG" sz="1400" dirty="0">
-                <a:solidFill>
-                  <a:srgbClr val="00B050"/>
-                </a:solidFill>
-                <a:effectLst/>
-              </a:rPr>
-              <a:t> can only Interactive after load complete</a:t>
-            </a:r>
-            <a:endParaRPr lang="en-SG" sz="1400" dirty="0">
-              <a:solidFill>
-                <a:srgbClr val="00B050"/>
-              </a:solidFill>
-            </a:endParaRPr>
-          </a:p>
-          <a:p>
-            <a:r>
-              <a:rPr lang="en-SG" sz="1400" dirty="0"/>
-              <a:t>Q2:difference between prerender and SSR Render</a:t>
-            </a:r>
-          </a:p>
-          <a:p>
-            <a:r>
-              <a:rPr lang="en-SG" sz="1400" dirty="0">
-                <a:solidFill>
-                  <a:srgbClr val="00B050"/>
-                </a:solidFill>
-              </a:rPr>
-              <a:t>Q3:entrance of render</a:t>
-            </a:r>
-          </a:p>
-          <a:p>
-            <a:r>
-              <a:rPr lang="en-SG" sz="1400" dirty="0">
-                <a:solidFill>
-                  <a:srgbClr val="00B050"/>
-                </a:solidFill>
-              </a:rPr>
-              <a:t>A: render as a </a:t>
-            </a:r>
-            <a:r>
-              <a:rPr lang="en-SG" sz="1400" dirty="0" err="1">
-                <a:solidFill>
-                  <a:srgbClr val="00B050"/>
-                </a:solidFill>
-              </a:rPr>
-              <a:t>DelegateRequest</a:t>
-            </a:r>
-            <a:r>
-              <a:rPr lang="en-SG" sz="1400" dirty="0">
-                <a:solidFill>
-                  <a:srgbClr val="00B050"/>
-                </a:solidFill>
-              </a:rPr>
-              <a:t>  invoked in endpoint</a:t>
-            </a:r>
-          </a:p>
-          <a:p>
-            <a:r>
-              <a:rPr lang="en-SG" sz="1400" dirty="0"/>
-              <a:t>Q4:Blazor web using </a:t>
-            </a:r>
-            <a:r>
-              <a:rPr lang="en-SG" sz="1400" dirty="0" err="1"/>
-              <a:t>sensario</a:t>
-            </a:r>
-            <a:endParaRPr lang="en-SG" sz="1400" dirty="0"/>
-          </a:p>
-        </p:txBody>
-      </p:sp>
-    </p:spTree>
-    <p:extLst>
-      <p:ext uri="{BB962C8B-B14F-4D97-AF65-F5344CB8AC3E}">
-        <p14:creationId xmlns:p14="http://schemas.microsoft.com/office/powerpoint/2010/main" val="2421849563"/>
-      </p:ext>
-    </p:extLst>
-  </p:cSld>
-  <p:clrMapOvr>
-    <a:masterClrMapping/>
-  </p:clrMapOvr>
-</p:sld>
-</file>
-
-<file path=ppt/slides/slide30.xml><?xml version="1.0" encoding="utf-8"?>
+<file path=ppt/slides/slide32.xml><?xml version="1.0" encoding="utf-8"?>
 <p:sld xmlns:a="http://schemas.openxmlformats.org/drawingml/2006/main" xmlns:r="http://schemas.openxmlformats.org/officeDocument/2006/relationships" xmlns:p="http://schemas.openxmlformats.org/presentationml/2006/main">
   <p:cSld>
     <p:spTree>
@@ -33466,7 +34102,7 @@
 </p:sld>
 </file>
 
-<file path=ppt/slides/slide31.xml><?xml version="1.0" encoding="utf-8"?>
+<file path=ppt/slides/slide33.xml><?xml version="1.0" encoding="utf-8"?>
 <p:sld xmlns:a="http://schemas.openxmlformats.org/drawingml/2006/main" xmlns:r="http://schemas.openxmlformats.org/officeDocument/2006/relationships" xmlns:p="http://schemas.openxmlformats.org/presentationml/2006/main">
   <p:cSld>
     <p:spTree>
